--- a/static/img/youtube_thumbnails/video_thumbnail_building.pptx
+++ b/static/img/youtube_thumbnails/video_thumbnail_building.pptx
@@ -8,9 +8,10 @@
     <p:sldId id="259" r:id="rId2"/>
     <p:sldId id="261" r:id="rId3"/>
     <p:sldId id="260" r:id="rId4"/>
-    <p:sldId id="257" r:id="rId5"/>
-    <p:sldId id="256" r:id="rId6"/>
-    <p:sldId id="258" r:id="rId7"/>
+    <p:sldId id="262" r:id="rId5"/>
+    <p:sldId id="257" r:id="rId6"/>
+    <p:sldId id="256" r:id="rId7"/>
+    <p:sldId id="258" r:id="rId8"/>
   </p:sldIdLst>
   <p:sldSz cx="12192000" cy="6858000"/>
   <p:notesSz cx="6858000" cy="9144000"/>
@@ -248,7 +249,7 @@
           <a:p>
             <a:fld id="{3C68F153-927F-4ADA-A90F-AFD816292B90}" type="datetimeFigureOut">
               <a:rPr lang="en-US" smtClean="0"/>
-              <a:t>1/24/2020</a:t>
+              <a:t>2/4/2020</a:t>
             </a:fld>
             <a:endParaRPr lang="en-US"/>
           </a:p>
@@ -418,7 +419,7 @@
           <a:p>
             <a:fld id="{3C68F153-927F-4ADA-A90F-AFD816292B90}" type="datetimeFigureOut">
               <a:rPr lang="en-US" smtClean="0"/>
-              <a:t>1/24/2020</a:t>
+              <a:t>2/4/2020</a:t>
             </a:fld>
             <a:endParaRPr lang="en-US"/>
           </a:p>
@@ -598,7 +599,7 @@
           <a:p>
             <a:fld id="{3C68F153-927F-4ADA-A90F-AFD816292B90}" type="datetimeFigureOut">
               <a:rPr lang="en-US" smtClean="0"/>
-              <a:t>1/24/2020</a:t>
+              <a:t>2/4/2020</a:t>
             </a:fld>
             <a:endParaRPr lang="en-US"/>
           </a:p>
@@ -768,7 +769,7 @@
           <a:p>
             <a:fld id="{3C68F153-927F-4ADA-A90F-AFD816292B90}" type="datetimeFigureOut">
               <a:rPr lang="en-US" smtClean="0"/>
-              <a:t>1/24/2020</a:t>
+              <a:t>2/4/2020</a:t>
             </a:fld>
             <a:endParaRPr lang="en-US"/>
           </a:p>
@@ -1014,7 +1015,7 @@
           <a:p>
             <a:fld id="{3C68F153-927F-4ADA-A90F-AFD816292B90}" type="datetimeFigureOut">
               <a:rPr lang="en-US" smtClean="0"/>
-              <a:t>1/24/2020</a:t>
+              <a:t>2/4/2020</a:t>
             </a:fld>
             <a:endParaRPr lang="en-US"/>
           </a:p>
@@ -1246,7 +1247,7 @@
           <a:p>
             <a:fld id="{3C68F153-927F-4ADA-A90F-AFD816292B90}" type="datetimeFigureOut">
               <a:rPr lang="en-US" smtClean="0"/>
-              <a:t>1/24/2020</a:t>
+              <a:t>2/4/2020</a:t>
             </a:fld>
             <a:endParaRPr lang="en-US"/>
           </a:p>
@@ -1613,7 +1614,7 @@
           <a:p>
             <a:fld id="{3C68F153-927F-4ADA-A90F-AFD816292B90}" type="datetimeFigureOut">
               <a:rPr lang="en-US" smtClean="0"/>
-              <a:t>1/24/2020</a:t>
+              <a:t>2/4/2020</a:t>
             </a:fld>
             <a:endParaRPr lang="en-US"/>
           </a:p>
@@ -1731,7 +1732,7 @@
           <a:p>
             <a:fld id="{3C68F153-927F-4ADA-A90F-AFD816292B90}" type="datetimeFigureOut">
               <a:rPr lang="en-US" smtClean="0"/>
-              <a:t>1/24/2020</a:t>
+              <a:t>2/4/2020</a:t>
             </a:fld>
             <a:endParaRPr lang="en-US"/>
           </a:p>
@@ -1826,7 +1827,7 @@
           <a:p>
             <a:fld id="{3C68F153-927F-4ADA-A90F-AFD816292B90}" type="datetimeFigureOut">
               <a:rPr lang="en-US" smtClean="0"/>
-              <a:t>1/24/2020</a:t>
+              <a:t>2/4/2020</a:t>
             </a:fld>
             <a:endParaRPr lang="en-US"/>
           </a:p>
@@ -2103,7 +2104,7 @@
           <a:p>
             <a:fld id="{3C68F153-927F-4ADA-A90F-AFD816292B90}" type="datetimeFigureOut">
               <a:rPr lang="en-US" smtClean="0"/>
-              <a:t>1/24/2020</a:t>
+              <a:t>2/4/2020</a:t>
             </a:fld>
             <a:endParaRPr lang="en-US"/>
           </a:p>
@@ -2356,7 +2357,7 @@
           <a:p>
             <a:fld id="{3C68F153-927F-4ADA-A90F-AFD816292B90}" type="datetimeFigureOut">
               <a:rPr lang="en-US" smtClean="0"/>
-              <a:t>1/24/2020</a:t>
+              <a:t>2/4/2020</a:t>
             </a:fld>
             <a:endParaRPr lang="en-US"/>
           </a:p>
@@ -2569,7 +2570,7 @@
           <a:p>
             <a:fld id="{3C68F153-927F-4ADA-A90F-AFD816292B90}" type="datetimeFigureOut">
               <a:rPr lang="en-US" smtClean="0"/>
-              <a:t>1/24/2020</a:t>
+              <a:t>2/4/2020</a:t>
             </a:fld>
             <a:endParaRPr lang="en-US"/>
           </a:p>
@@ -3081,15 +3082,7 @@
             <a:pPr algn="ctr"/>
             <a:r>
               <a:rPr lang="en-US" dirty="0" smtClean="0"/>
-              <a:t>Jan. </a:t>
-            </a:r>
-            <a:r>
-              <a:rPr lang="en-US" dirty="0" smtClean="0"/>
-              <a:t>24, </a:t>
-            </a:r>
-            <a:r>
-              <a:rPr lang="en-US" dirty="0" smtClean="0"/>
-              <a:t>2020</a:t>
+              <a:t>Jan. 24, 2020</a:t>
             </a:r>
             <a:endParaRPr lang="en-US" dirty="0"/>
           </a:p>
@@ -3120,11 +3113,7 @@
             <a:pPr algn="ctr"/>
             <a:r>
               <a:rPr lang="en-US" dirty="0" smtClean="0"/>
-              <a:t>Chapter </a:t>
-            </a:r>
-            <a:r>
-              <a:rPr lang="en-US" dirty="0" smtClean="0"/>
-              <a:t>4</a:t>
+              <a:t>Chapter 4</a:t>
             </a:r>
             <a:endParaRPr lang="en-US" dirty="0"/>
           </a:p>
@@ -3132,11 +3121,7 @@
             <a:pPr algn="ctr"/>
             <a:r>
               <a:rPr lang="en-US" b="1" u="sng" dirty="0" smtClean="0"/>
-              <a:t>Standardized Scores &amp; the Normal </a:t>
-            </a:r>
-            <a:r>
-              <a:rPr lang="en-US" b="1" u="sng" dirty="0" smtClean="0"/>
-              <a:t>Distribution</a:t>
+              <a:t>Standardized Scores &amp; the Normal Distribution</a:t>
             </a:r>
           </a:p>
           <a:p>
@@ -3395,15 +3380,7 @@
           <a:p>
             <a:r>
               <a:rPr lang="en-US" sz="5400" dirty="0" smtClean="0"/>
-              <a:t>OUT-OF-CLASS</a:t>
-            </a:r>
-            <a:r>
-              <a:rPr lang="en-US" sz="5400" dirty="0" smtClean="0"/>
-              <a:t> </a:t>
-            </a:r>
-            <a:r>
-              <a:rPr lang="en-US" sz="5400" dirty="0" smtClean="0"/>
-              <a:t>LECTURES</a:t>
+              <a:t>OUT-OF-CLASS LECTURES</a:t>
             </a:r>
             <a:endParaRPr lang="en-US" sz="5400" dirty="0"/>
           </a:p>
@@ -3434,15 +3411,7 @@
             <a:pPr algn="ctr"/>
             <a:r>
               <a:rPr lang="en-US" dirty="0" smtClean="0"/>
-              <a:t>Jan. </a:t>
-            </a:r>
-            <a:r>
-              <a:rPr lang="en-US" dirty="0" smtClean="0"/>
-              <a:t>24, </a:t>
-            </a:r>
-            <a:r>
-              <a:rPr lang="en-US" dirty="0" smtClean="0"/>
-              <a:t>2020</a:t>
+              <a:t>Jan. 24, 2020</a:t>
             </a:r>
             <a:endParaRPr lang="en-US" dirty="0"/>
           </a:p>
@@ -3473,11 +3442,7 @@
             <a:pPr algn="ctr"/>
             <a:r>
               <a:rPr lang="en-US" dirty="0" smtClean="0"/>
-              <a:t>Chapter </a:t>
-            </a:r>
-            <a:r>
-              <a:rPr lang="en-US" dirty="0" smtClean="0"/>
-              <a:t>4</a:t>
+              <a:t>Chapter 4</a:t>
             </a:r>
             <a:endParaRPr lang="en-US" dirty="0"/>
           </a:p>
@@ -3733,15 +3698,7 @@
           <a:p>
             <a:r>
               <a:rPr lang="en-US" sz="5400" dirty="0" smtClean="0"/>
-              <a:t>OUT-OF-CLASS</a:t>
-            </a:r>
-            <a:r>
-              <a:rPr lang="en-US" sz="5400" dirty="0" smtClean="0"/>
-              <a:t> </a:t>
-            </a:r>
-            <a:r>
-              <a:rPr lang="en-US" sz="5400" dirty="0" smtClean="0"/>
-              <a:t>LECTURES</a:t>
+              <a:t>OUT-OF-CLASS LECTURES</a:t>
             </a:r>
             <a:endParaRPr lang="en-US" sz="5400" dirty="0"/>
           </a:p>
@@ -3772,15 +3729,7 @@
             <a:pPr algn="ctr"/>
             <a:r>
               <a:rPr lang="en-US" dirty="0" smtClean="0"/>
-              <a:t>Jan. </a:t>
-            </a:r>
-            <a:r>
-              <a:rPr lang="en-US" dirty="0" smtClean="0"/>
-              <a:t>24, </a:t>
-            </a:r>
-            <a:r>
-              <a:rPr lang="en-US" dirty="0" smtClean="0"/>
-              <a:t>2020</a:t>
+              <a:t>Jan. 24, 2020</a:t>
             </a:r>
             <a:endParaRPr lang="en-US" dirty="0"/>
           </a:p>
@@ -3811,11 +3760,7 @@
             <a:pPr algn="ctr"/>
             <a:r>
               <a:rPr lang="en-US" dirty="0" smtClean="0"/>
-              <a:t>Chapter </a:t>
-            </a:r>
-            <a:r>
-              <a:rPr lang="en-US" dirty="0" smtClean="0"/>
-              <a:t>4</a:t>
+              <a:t>Chapter 4</a:t>
             </a:r>
             <a:endParaRPr lang="en-US" dirty="0"/>
           </a:p>
@@ -3831,31 +3776,15 @@
             <a:pPr algn="ctr"/>
             <a:r>
               <a:rPr lang="en-US" i="1" dirty="0" smtClean="0"/>
-              <a:t>Lecture </a:t>
-            </a:r>
+              <a:t>Lecture slides 25-43</a:t>
+            </a:r>
+            <a:endParaRPr lang="en-US" i="1" dirty="0"/>
+          </a:p>
+          <a:p>
+            <a:pPr algn="ctr"/>
             <a:r>
               <a:rPr lang="en-US" i="1" dirty="0" smtClean="0"/>
-              <a:t>slides 25-43</a:t>
-            </a:r>
-            <a:endParaRPr lang="en-US" i="1" dirty="0"/>
-          </a:p>
-          <a:p>
-            <a:pPr algn="ctr"/>
-            <a:r>
-              <a:rPr lang="en-US" i="1" dirty="0" smtClean="0"/>
-              <a:t>(</a:t>
-            </a:r>
-            <a:r>
-              <a:rPr lang="en-US" i="1" dirty="0" smtClean="0"/>
-              <a:t>Second</a:t>
-            </a:r>
-            <a:r>
-              <a:rPr lang="en-US" i="1" dirty="0" smtClean="0"/>
-              <a:t> </a:t>
-            </a:r>
-            <a:r>
-              <a:rPr lang="en-US" i="1" dirty="0" smtClean="0"/>
-              <a:t>half)</a:t>
+              <a:t>(Second half)</a:t>
             </a:r>
             <a:endParaRPr lang="en-US" i="1" dirty="0"/>
           </a:p>
@@ -4127,7 +4056,11 @@
             <a:pPr algn="ctr"/>
             <a:r>
               <a:rPr lang="en-US" dirty="0" smtClean="0"/>
-              <a:t>Jan. 22, 2020</a:t>
+              <a:t>Feb. 3, </a:t>
+            </a:r>
+            <a:r>
+              <a:rPr lang="en-US" dirty="0" smtClean="0"/>
+              <a:t>2020</a:t>
             </a:r>
             <a:endParaRPr lang="en-US" dirty="0"/>
           </a:p>
@@ -4158,15 +4091,21 @@
             <a:pPr algn="ctr"/>
             <a:r>
               <a:rPr lang="en-US" dirty="0"/>
-              <a:t>Chapter 3</a:t>
-            </a:r>
+              <a:t>Chapter </a:t>
+            </a:r>
+            <a:r>
+              <a:rPr lang="en-US" dirty="0" smtClean="0"/>
+              <a:t>5</a:t>
+            </a:r>
+            <a:endParaRPr lang="en-US" dirty="0"/>
           </a:p>
           <a:p>
             <a:pPr algn="ctr"/>
             <a:r>
-              <a:rPr lang="en-US" b="1" u="sng" dirty="0"/>
-              <a:t>Variable/Scale, Rounding &amp; Summation</a:t>
-            </a:r>
+              <a:rPr lang="en-US" b="1" u="sng" dirty="0" smtClean="0"/>
+              <a:t>Intro to Hypothesis Testing: 1 sample z-Test</a:t>
+            </a:r>
+            <a:endParaRPr lang="en-US" b="1" u="sng" dirty="0"/>
           </a:p>
           <a:p>
             <a:pPr algn="ctr"/>
@@ -4197,8 +4136,8 @@
               <a:t>Chapter </a:t>
             </a:r>
             <a:r>
-              <a:rPr lang="en-US" dirty="0" smtClean="0"/>
-              <a:t>4</a:t>
+              <a:rPr lang="en-US" dirty="0"/>
+              <a:t>6</a:t>
             </a:r>
             <a:endParaRPr lang="en-US" dirty="0"/>
           </a:p>
@@ -4206,7 +4145,7 @@
             <a:pPr algn="ctr"/>
             <a:r>
               <a:rPr lang="en-US" b="1" u="sng" dirty="0" smtClean="0"/>
-              <a:t>Standardized Scores &amp; the Normal Distribution</a:t>
+              <a:t>Confidence Interval Estimation: The t Distribution</a:t>
             </a:r>
             <a:endParaRPr lang="en-US" b="1" u="sng" dirty="0"/>
           </a:p>
@@ -4366,7 +4305,7 @@
     </p:spTree>
     <p:extLst>
       <p:ext uri="{BB962C8B-B14F-4D97-AF65-F5344CB8AC3E}">
-        <p14:creationId xmlns:p14="http://schemas.microsoft.com/office/powerpoint/2010/main" val="2900019700"/>
+        <p14:creationId xmlns:p14="http://schemas.microsoft.com/office/powerpoint/2010/main" val="1136618621"/>
       </p:ext>
     </p:extLst>
   </p:cSld>
@@ -4494,7 +4433,7 @@
             <a:pPr algn="ctr"/>
             <a:r>
               <a:rPr lang="en-US" dirty="0" smtClean="0"/>
-              <a:t>Jan. 15, 2020</a:t>
+              <a:t>Jan. 22, 2020</a:t>
             </a:r>
             <a:endParaRPr lang="en-US" dirty="0"/>
           </a:p>
@@ -4508,8 +4447,8 @@
         </p:nvSpPr>
         <p:spPr>
           <a:xfrm>
-            <a:off x="2318419" y="3043759"/>
-            <a:ext cx="4212906" cy="2585323"/>
+            <a:off x="2035110" y="3043759"/>
+            <a:ext cx="5005769" cy="2585323"/>
           </a:xfrm>
           <a:prstGeom prst="rect">
             <a:avLst/>
@@ -4524,48 +4463,58 @@
           <a:p>
             <a:pPr algn="ctr"/>
             <a:r>
+              <a:rPr lang="en-US" dirty="0"/>
+              <a:t>Chapter 3</a:t>
+            </a:r>
+          </a:p>
+          <a:p>
+            <a:pPr algn="ctr"/>
+            <a:r>
+              <a:rPr lang="en-US" b="1" u="sng" dirty="0"/>
+              <a:t>Variable/Scale, Rounding &amp; Summation</a:t>
+            </a:r>
+          </a:p>
+          <a:p>
+            <a:pPr algn="ctr"/>
+            <a:r>
+              <a:rPr lang="en-US" i="1" dirty="0" smtClean="0"/>
+              <a:t>Finish </a:t>
+            </a:r>
+            <a:r>
+              <a:rPr lang="en-US" i="1" dirty="0"/>
+              <a:t>discussion</a:t>
+            </a:r>
+          </a:p>
+          <a:p>
+            <a:pPr algn="ctr"/>
+            <a:r>
+              <a:rPr lang="en-US" i="1" dirty="0"/>
+              <a:t>Homework questions</a:t>
+            </a:r>
+          </a:p>
+          <a:p>
+            <a:pPr algn="ctr"/>
+            <a:endParaRPr lang="en-US" i="1" dirty="0"/>
+          </a:p>
+          <a:p>
+            <a:pPr algn="ctr"/>
+            <a:r>
+              <a:rPr lang="en-US" dirty="0"/>
+              <a:t>Chapter </a:t>
+            </a:r>
+            <a:r>
               <a:rPr lang="en-US" dirty="0" smtClean="0"/>
-              <a:t>Chapter 1</a:t>
-            </a:r>
+              <a:t>4</a:t>
+            </a:r>
+            <a:endParaRPr lang="en-US" dirty="0"/>
           </a:p>
           <a:p>
             <a:pPr algn="ctr"/>
             <a:r>
               <a:rPr lang="en-US" b="1" u="sng" dirty="0" smtClean="0"/>
-              <a:t>Variable/Scale, Rounding &amp; Summation</a:t>
-            </a:r>
-          </a:p>
-          <a:p>
-            <a:pPr algn="ctr"/>
-            <a:r>
-              <a:rPr lang="en-US" i="1" dirty="0" smtClean="0"/>
-              <a:t>Finish discussion</a:t>
-            </a:r>
-          </a:p>
-          <a:p>
-            <a:pPr algn="ctr"/>
-            <a:r>
-              <a:rPr lang="en-US" i="1" dirty="0" smtClean="0"/>
-              <a:t>Homework questions</a:t>
-            </a:r>
-          </a:p>
-          <a:p>
-            <a:pPr algn="ctr"/>
-            <a:endParaRPr lang="en-US" i="1" dirty="0" smtClean="0"/>
-          </a:p>
-          <a:p>
-            <a:pPr algn="ctr"/>
-            <a:r>
-              <a:rPr lang="en-US" dirty="0"/>
-              <a:t>Chapter 2 </a:t>
-            </a:r>
-          </a:p>
-          <a:p>
-            <a:pPr algn="ctr"/>
-            <a:r>
-              <a:rPr lang="en-US" b="1" u="sng" dirty="0"/>
-              <a:t>Exploring Data with Plots</a:t>
-            </a:r>
+              <a:t>Standardized Scores &amp; the Normal Distribution</a:t>
+            </a:r>
+            <a:endParaRPr lang="en-US" b="1" u="sng" dirty="0"/>
           </a:p>
           <a:p>
             <a:pPr algn="ctr"/>
@@ -4578,12 +4527,8 @@
           <a:p>
             <a:pPr algn="ctr"/>
             <a:r>
-              <a:rPr lang="en-US" i="1" dirty="0"/>
-              <a:t>Homework </a:t>
-            </a:r>
-            <a:r>
               <a:rPr lang="en-US" i="1" dirty="0" smtClean="0"/>
-              <a:t>questions</a:t>
+              <a:t>(first half)</a:t>
             </a:r>
             <a:endParaRPr lang="en-US" i="1" dirty="0"/>
           </a:p>
@@ -4727,6 +4672,367 @@
     </p:spTree>
     <p:extLst>
       <p:ext uri="{BB962C8B-B14F-4D97-AF65-F5344CB8AC3E}">
+        <p14:creationId xmlns:p14="http://schemas.microsoft.com/office/powerpoint/2010/main" val="2900019700"/>
+      </p:ext>
+    </p:extLst>
+  </p:cSld>
+  <p:clrMapOvr>
+    <a:masterClrMapping/>
+  </p:clrMapOvr>
+</p:sld>
+</file>
+
+<file path=ppt/slides/slide6.xml><?xml version="1.0" encoding="utf-8"?>
+<p:sld xmlns:a="http://schemas.openxmlformats.org/drawingml/2006/main" xmlns:r="http://schemas.openxmlformats.org/officeDocument/2006/relationships" xmlns:p="http://schemas.openxmlformats.org/presentationml/2006/main">
+  <p:cSld>
+    <p:spTree>
+      <p:nvGrpSpPr>
+        <p:cNvPr id="1" name=""/>
+        <p:cNvGrpSpPr/>
+        <p:nvPr/>
+      </p:nvGrpSpPr>
+      <p:grpSpPr>
+        <a:xfrm>
+          <a:off x="0" y="0"/>
+          <a:ext cx="0" cy="0"/>
+          <a:chOff x="0" y="0"/>
+          <a:chExt cx="0" cy="0"/>
+        </a:xfrm>
+      </p:grpSpPr>
+      <p:sp>
+        <p:nvSpPr>
+          <p:cNvPr id="4" name="Rectangle 3"/>
+          <p:cNvSpPr/>
+          <p:nvPr/>
+        </p:nvSpPr>
+        <p:spPr>
+          <a:xfrm>
+            <a:off x="1808702" y="824230"/>
+            <a:ext cx="8778240" cy="5010912"/>
+          </a:xfrm>
+          <a:prstGeom prst="rect">
+            <a:avLst/>
+          </a:prstGeom>
+          <a:solidFill>
+            <a:schemeClr val="bg1">
+              <a:lumMod val="95000"/>
+            </a:schemeClr>
+          </a:solidFill>
+          <a:ln w="38100"/>
+        </p:spPr>
+        <p:style>
+          <a:lnRef idx="2">
+            <a:schemeClr val="accent1">
+              <a:shade val="50000"/>
+            </a:schemeClr>
+          </a:lnRef>
+          <a:fillRef idx="1">
+            <a:schemeClr val="accent1"/>
+          </a:fillRef>
+          <a:effectRef idx="0">
+            <a:schemeClr val="accent1"/>
+          </a:effectRef>
+          <a:fontRef idx="minor">
+            <a:schemeClr val="lt1"/>
+          </a:fontRef>
+        </p:style>
+        <p:txBody>
+          <a:bodyPr rtlCol="0" anchor="ctr"/>
+          <a:lstStyle/>
+          <a:p>
+            <a:pPr algn="ctr"/>
+            <a:endParaRPr lang="en-US"/>
+          </a:p>
+        </p:txBody>
+      </p:sp>
+      <p:sp>
+        <p:nvSpPr>
+          <p:cNvPr id="7" name="TextBox 6"/>
+          <p:cNvSpPr txBox="1"/>
+          <p:nvPr/>
+        </p:nvSpPr>
+        <p:spPr>
+          <a:xfrm>
+            <a:off x="3840385" y="1213849"/>
+            <a:ext cx="5712369" cy="923330"/>
+          </a:xfrm>
+          <a:prstGeom prst="rect">
+            <a:avLst/>
+          </a:prstGeom>
+          <a:noFill/>
+        </p:spPr>
+        <p:txBody>
+          <a:bodyPr wrap="square" rtlCol="0">
+            <a:spAutoFit/>
+          </a:bodyPr>
+          <a:lstStyle/>
+          <a:p>
+            <a:r>
+              <a:rPr lang="en-US" sz="5400" dirty="0" smtClean="0"/>
+              <a:t>INCLASS LECTURES</a:t>
+            </a:r>
+            <a:endParaRPr lang="en-US" sz="5400" dirty="0"/>
+          </a:p>
+        </p:txBody>
+      </p:sp>
+      <p:sp>
+        <p:nvSpPr>
+          <p:cNvPr id="8" name="TextBox 7"/>
+          <p:cNvSpPr txBox="1"/>
+          <p:nvPr/>
+        </p:nvSpPr>
+        <p:spPr>
+          <a:xfrm>
+            <a:off x="7731444" y="5278932"/>
+            <a:ext cx="2076450" cy="369332"/>
+          </a:xfrm>
+          <a:prstGeom prst="rect">
+            <a:avLst/>
+          </a:prstGeom>
+          <a:noFill/>
+        </p:spPr>
+        <p:txBody>
+          <a:bodyPr wrap="square" rtlCol="0">
+            <a:spAutoFit/>
+          </a:bodyPr>
+          <a:lstStyle/>
+          <a:p>
+            <a:pPr algn="ctr"/>
+            <a:r>
+              <a:rPr lang="en-US" dirty="0" smtClean="0"/>
+              <a:t>Jan. 15, 2020</a:t>
+            </a:r>
+            <a:endParaRPr lang="en-US" dirty="0"/>
+          </a:p>
+        </p:txBody>
+      </p:sp>
+      <p:sp>
+        <p:nvSpPr>
+          <p:cNvPr id="9" name="TextBox 8"/>
+          <p:cNvSpPr txBox="1"/>
+          <p:nvPr/>
+        </p:nvSpPr>
+        <p:spPr>
+          <a:xfrm>
+            <a:off x="2318419" y="3043759"/>
+            <a:ext cx="4212906" cy="2585323"/>
+          </a:xfrm>
+          <a:prstGeom prst="rect">
+            <a:avLst/>
+          </a:prstGeom>
+          <a:noFill/>
+        </p:spPr>
+        <p:txBody>
+          <a:bodyPr wrap="square" rtlCol="0">
+            <a:spAutoFit/>
+          </a:bodyPr>
+          <a:lstStyle/>
+          <a:p>
+            <a:pPr algn="ctr"/>
+            <a:r>
+              <a:rPr lang="en-US" dirty="0" smtClean="0"/>
+              <a:t>Chapter 1</a:t>
+            </a:r>
+          </a:p>
+          <a:p>
+            <a:pPr algn="ctr"/>
+            <a:r>
+              <a:rPr lang="en-US" b="1" u="sng" dirty="0" smtClean="0"/>
+              <a:t>Variable/Scale, Rounding &amp; Summation</a:t>
+            </a:r>
+          </a:p>
+          <a:p>
+            <a:pPr algn="ctr"/>
+            <a:r>
+              <a:rPr lang="en-US" i="1" dirty="0" smtClean="0"/>
+              <a:t>Finish discussion</a:t>
+            </a:r>
+          </a:p>
+          <a:p>
+            <a:pPr algn="ctr"/>
+            <a:r>
+              <a:rPr lang="en-US" i="1" dirty="0" smtClean="0"/>
+              <a:t>Homework questions</a:t>
+            </a:r>
+          </a:p>
+          <a:p>
+            <a:pPr algn="ctr"/>
+            <a:endParaRPr lang="en-US" i="1" dirty="0" smtClean="0"/>
+          </a:p>
+          <a:p>
+            <a:pPr algn="ctr"/>
+            <a:r>
+              <a:rPr lang="en-US" dirty="0"/>
+              <a:t>Chapter 2 </a:t>
+            </a:r>
+          </a:p>
+          <a:p>
+            <a:pPr algn="ctr"/>
+            <a:r>
+              <a:rPr lang="en-US" b="1" u="sng" dirty="0"/>
+              <a:t>Exploring Data with Plots</a:t>
+            </a:r>
+          </a:p>
+          <a:p>
+            <a:pPr algn="ctr"/>
+            <a:r>
+              <a:rPr lang="en-US" i="1" dirty="0" smtClean="0"/>
+              <a:t>Lecture slides</a:t>
+            </a:r>
+            <a:endParaRPr lang="en-US" i="1" dirty="0"/>
+          </a:p>
+          <a:p>
+            <a:pPr algn="ctr"/>
+            <a:r>
+              <a:rPr lang="en-US" i="1" dirty="0"/>
+              <a:t>Homework </a:t>
+            </a:r>
+            <a:r>
+              <a:rPr lang="en-US" i="1" dirty="0" smtClean="0"/>
+              <a:t>questions</a:t>
+            </a:r>
+            <a:endParaRPr lang="en-US" i="1" dirty="0"/>
+          </a:p>
+        </p:txBody>
+      </p:sp>
+      <p:grpSp>
+        <p:nvGrpSpPr>
+          <p:cNvPr id="14" name="Group 13"/>
+          <p:cNvGrpSpPr/>
+          <p:nvPr/>
+        </p:nvGrpSpPr>
+        <p:grpSpPr>
+          <a:xfrm>
+            <a:off x="7198839" y="2137179"/>
+            <a:ext cx="3141660" cy="3193339"/>
+            <a:chOff x="7047391" y="1961976"/>
+            <a:chExt cx="3141660" cy="3193339"/>
+          </a:xfrm>
+        </p:grpSpPr>
+        <p:pic>
+          <p:nvPicPr>
+            <p:cNvPr id="2" name="Picture 1"/>
+            <p:cNvPicPr>
+              <a:picLocks noChangeAspect="1"/>
+            </p:cNvPicPr>
+            <p:nvPr/>
+          </p:nvPicPr>
+          <p:blipFill>
+            <a:blip r:embed="rId2" cstate="print">
+              <a:extLst>
+                <a:ext uri="{28A0092B-C50C-407E-A947-70E740481C1C}">
+                  <a14:useLocalDpi xmlns:a14="http://schemas.microsoft.com/office/drawing/2010/main" val="0"/>
+                </a:ext>
+              </a:extLst>
+            </a:blip>
+            <a:stretch>
+              <a:fillRect/>
+            </a:stretch>
+          </p:blipFill>
+          <p:spPr>
+            <a:xfrm>
+              <a:off x="7047391" y="3320161"/>
+              <a:ext cx="1578867" cy="1828804"/>
+            </a:xfrm>
+            <a:prstGeom prst="rect">
+              <a:avLst/>
+            </a:prstGeom>
+          </p:spPr>
+        </p:pic>
+        <p:pic>
+          <p:nvPicPr>
+            <p:cNvPr id="3" name="Picture 2"/>
+            <p:cNvPicPr>
+              <a:picLocks noChangeAspect="1"/>
+            </p:cNvPicPr>
+            <p:nvPr/>
+          </p:nvPicPr>
+          <p:blipFill>
+            <a:blip r:embed="rId3" cstate="print">
+              <a:extLst>
+                <a:ext uri="{28A0092B-C50C-407E-A947-70E740481C1C}">
+                  <a14:useLocalDpi xmlns:a14="http://schemas.microsoft.com/office/drawing/2010/main" val="0"/>
+                </a:ext>
+              </a:extLst>
+            </a:blip>
+            <a:stretch>
+              <a:fillRect/>
+            </a:stretch>
+          </p:blipFill>
+          <p:spPr>
+            <a:xfrm>
+              <a:off x="7830475" y="1961976"/>
+              <a:ext cx="1578867" cy="1828804"/>
+            </a:xfrm>
+            <a:prstGeom prst="rect">
+              <a:avLst/>
+            </a:prstGeom>
+          </p:spPr>
+        </p:pic>
+        <p:pic>
+          <p:nvPicPr>
+            <p:cNvPr id="11" name="Picture 10"/>
+            <p:cNvPicPr>
+              <a:picLocks noChangeAspect="1"/>
+            </p:cNvPicPr>
+            <p:nvPr/>
+          </p:nvPicPr>
+          <p:blipFill>
+            <a:blip r:embed="rId4" cstate="print">
+              <a:extLst>
+                <a:ext uri="{28A0092B-C50C-407E-A947-70E740481C1C}">
+                  <a14:useLocalDpi xmlns:a14="http://schemas.microsoft.com/office/drawing/2010/main" val="0"/>
+                </a:ext>
+              </a:extLst>
+            </a:blip>
+            <a:stretch>
+              <a:fillRect/>
+            </a:stretch>
+          </p:blipFill>
+          <p:spPr>
+            <a:xfrm>
+              <a:off x="8610184" y="3326511"/>
+              <a:ext cx="1578867" cy="1828804"/>
+            </a:xfrm>
+            <a:prstGeom prst="rect">
+              <a:avLst/>
+            </a:prstGeom>
+          </p:spPr>
+        </p:pic>
+      </p:grpSp>
+      <p:pic>
+        <p:nvPicPr>
+          <p:cNvPr id="12" name="Picture 11"/>
+          <p:cNvPicPr>
+            <a:picLocks noChangeAspect="1"/>
+          </p:cNvPicPr>
+          <p:nvPr/>
+        </p:nvPicPr>
+        <p:blipFill>
+          <a:blip r:embed="rId5" cstate="print">
+            <a:extLst>
+              <a:ext uri="{28A0092B-C50C-407E-A947-70E740481C1C}">
+                <a14:useLocalDpi xmlns:a14="http://schemas.microsoft.com/office/drawing/2010/main" val="0"/>
+              </a:ext>
+            </a:extLst>
+          </a:blip>
+          <a:stretch>
+            <a:fillRect/>
+          </a:stretch>
+        </p:blipFill>
+        <p:spPr>
+          <a:xfrm>
+            <a:off x="2035110" y="1019593"/>
+            <a:ext cx="1578867" cy="1828804"/>
+          </a:xfrm>
+          <a:prstGeom prst="rect">
+            <a:avLst/>
+          </a:prstGeom>
+        </p:spPr>
+      </p:pic>
+    </p:spTree>
+    <p:extLst>
+      <p:ext uri="{BB962C8B-B14F-4D97-AF65-F5344CB8AC3E}">
         <p14:creationId xmlns:p14="http://schemas.microsoft.com/office/powerpoint/2010/main" val="3290463226"/>
       </p:ext>
     </p:extLst>
@@ -4737,7 +5043,7 @@
 </p:sld>
 </file>
 
-<file path=ppt/slides/slide6.xml><?xml version="1.0" encoding="utf-8"?>
+<file path=ppt/slides/slide7.xml><?xml version="1.0" encoding="utf-8"?>
 <p:sld xmlns:a="http://schemas.openxmlformats.org/drawingml/2006/main" xmlns:r="http://schemas.openxmlformats.org/officeDocument/2006/relationships" xmlns:p="http://schemas.openxmlformats.org/presentationml/2006/main">
   <p:cSld>
     <p:spTree>

--- a/static/img/youtube_thumbnails/video_thumbnail_building.pptx
+++ b/static/img/youtube_thumbnails/video_thumbnail_building.pptx
@@ -8,10 +8,11 @@
     <p:sldId id="259" r:id="rId2"/>
     <p:sldId id="261" r:id="rId3"/>
     <p:sldId id="260" r:id="rId4"/>
-    <p:sldId id="262" r:id="rId5"/>
-    <p:sldId id="257" r:id="rId6"/>
-    <p:sldId id="256" r:id="rId7"/>
-    <p:sldId id="258" r:id="rId8"/>
+    <p:sldId id="263" r:id="rId5"/>
+    <p:sldId id="262" r:id="rId6"/>
+    <p:sldId id="257" r:id="rId7"/>
+    <p:sldId id="256" r:id="rId8"/>
+    <p:sldId id="258" r:id="rId9"/>
   </p:sldIdLst>
   <p:sldSz cx="12192000" cy="6858000"/>
   <p:notesSz cx="6858000" cy="9144000"/>
@@ -249,7 +250,7 @@
           <a:p>
             <a:fld id="{3C68F153-927F-4ADA-A90F-AFD816292B90}" type="datetimeFigureOut">
               <a:rPr lang="en-US" smtClean="0"/>
-              <a:t>2/4/2020</a:t>
+              <a:t>2/5/2020</a:t>
             </a:fld>
             <a:endParaRPr lang="en-US"/>
           </a:p>
@@ -419,7 +420,7 @@
           <a:p>
             <a:fld id="{3C68F153-927F-4ADA-A90F-AFD816292B90}" type="datetimeFigureOut">
               <a:rPr lang="en-US" smtClean="0"/>
-              <a:t>2/4/2020</a:t>
+              <a:t>2/5/2020</a:t>
             </a:fld>
             <a:endParaRPr lang="en-US"/>
           </a:p>
@@ -599,7 +600,7 @@
           <a:p>
             <a:fld id="{3C68F153-927F-4ADA-A90F-AFD816292B90}" type="datetimeFigureOut">
               <a:rPr lang="en-US" smtClean="0"/>
-              <a:t>2/4/2020</a:t>
+              <a:t>2/5/2020</a:t>
             </a:fld>
             <a:endParaRPr lang="en-US"/>
           </a:p>
@@ -769,7 +770,7 @@
           <a:p>
             <a:fld id="{3C68F153-927F-4ADA-A90F-AFD816292B90}" type="datetimeFigureOut">
               <a:rPr lang="en-US" smtClean="0"/>
-              <a:t>2/4/2020</a:t>
+              <a:t>2/5/2020</a:t>
             </a:fld>
             <a:endParaRPr lang="en-US"/>
           </a:p>
@@ -1015,7 +1016,7 @@
           <a:p>
             <a:fld id="{3C68F153-927F-4ADA-A90F-AFD816292B90}" type="datetimeFigureOut">
               <a:rPr lang="en-US" smtClean="0"/>
-              <a:t>2/4/2020</a:t>
+              <a:t>2/5/2020</a:t>
             </a:fld>
             <a:endParaRPr lang="en-US"/>
           </a:p>
@@ -1247,7 +1248,7 @@
           <a:p>
             <a:fld id="{3C68F153-927F-4ADA-A90F-AFD816292B90}" type="datetimeFigureOut">
               <a:rPr lang="en-US" smtClean="0"/>
-              <a:t>2/4/2020</a:t>
+              <a:t>2/5/2020</a:t>
             </a:fld>
             <a:endParaRPr lang="en-US"/>
           </a:p>
@@ -1614,7 +1615,7 @@
           <a:p>
             <a:fld id="{3C68F153-927F-4ADA-A90F-AFD816292B90}" type="datetimeFigureOut">
               <a:rPr lang="en-US" smtClean="0"/>
-              <a:t>2/4/2020</a:t>
+              <a:t>2/5/2020</a:t>
             </a:fld>
             <a:endParaRPr lang="en-US"/>
           </a:p>
@@ -1732,7 +1733,7 @@
           <a:p>
             <a:fld id="{3C68F153-927F-4ADA-A90F-AFD816292B90}" type="datetimeFigureOut">
               <a:rPr lang="en-US" smtClean="0"/>
-              <a:t>2/4/2020</a:t>
+              <a:t>2/5/2020</a:t>
             </a:fld>
             <a:endParaRPr lang="en-US"/>
           </a:p>
@@ -1827,7 +1828,7 @@
           <a:p>
             <a:fld id="{3C68F153-927F-4ADA-A90F-AFD816292B90}" type="datetimeFigureOut">
               <a:rPr lang="en-US" smtClean="0"/>
-              <a:t>2/4/2020</a:t>
+              <a:t>2/5/2020</a:t>
             </a:fld>
             <a:endParaRPr lang="en-US"/>
           </a:p>
@@ -2104,7 +2105,7 @@
           <a:p>
             <a:fld id="{3C68F153-927F-4ADA-A90F-AFD816292B90}" type="datetimeFigureOut">
               <a:rPr lang="en-US" smtClean="0"/>
-              <a:t>2/4/2020</a:t>
+              <a:t>2/5/2020</a:t>
             </a:fld>
             <a:endParaRPr lang="en-US"/>
           </a:p>
@@ -2357,7 +2358,7 @@
           <a:p>
             <a:fld id="{3C68F153-927F-4ADA-A90F-AFD816292B90}" type="datetimeFigureOut">
               <a:rPr lang="en-US" smtClean="0"/>
-              <a:t>2/4/2020</a:t>
+              <a:t>2/5/2020</a:t>
             </a:fld>
             <a:endParaRPr lang="en-US"/>
           </a:p>
@@ -2570,7 +2571,7 @@
           <a:p>
             <a:fld id="{3C68F153-927F-4ADA-A90F-AFD816292B90}" type="datetimeFigureOut">
               <a:rPr lang="en-US" smtClean="0"/>
-              <a:t>2/4/2020</a:t>
+              <a:t>2/5/2020</a:t>
             </a:fld>
             <a:endParaRPr lang="en-US"/>
           </a:p>
@@ -4056,7 +4057,11 @@
             <a:pPr algn="ctr"/>
             <a:r>
               <a:rPr lang="en-US" dirty="0" smtClean="0"/>
-              <a:t>Feb. 3, </a:t>
+              <a:t>Feb. </a:t>
+            </a:r>
+            <a:r>
+              <a:rPr lang="en-US" dirty="0" smtClean="0"/>
+              <a:t>5, </a:t>
             </a:r>
             <a:r>
               <a:rPr lang="en-US" dirty="0" smtClean="0"/>
@@ -4075,7 +4080,7 @@
         <p:spPr>
           <a:xfrm>
             <a:off x="2035110" y="3043759"/>
-            <a:ext cx="5005769" cy="2585323"/>
+            <a:ext cx="5005769" cy="1477328"/>
           </a:xfrm>
           <a:prstGeom prst="rect">
             <a:avLst/>
@@ -4090,56 +4095,13 @@
           <a:p>
             <a:pPr algn="ctr"/>
             <a:r>
-              <a:rPr lang="en-US" dirty="0"/>
-              <a:t>Chapter </a:t>
-            </a:r>
-            <a:r>
               <a:rPr lang="en-US" dirty="0" smtClean="0"/>
-              <a:t>5</a:t>
-            </a:r>
-            <a:endParaRPr lang="en-US" dirty="0"/>
-          </a:p>
-          <a:p>
-            <a:pPr algn="ctr"/>
-            <a:r>
-              <a:rPr lang="en-US" b="1" u="sng" dirty="0" smtClean="0"/>
-              <a:t>Intro to Hypothesis Testing: 1 sample z-Test</a:t>
-            </a:r>
-            <a:endParaRPr lang="en-US" b="1" u="sng" dirty="0"/>
-          </a:p>
-          <a:p>
-            <a:pPr algn="ctr"/>
-            <a:r>
-              <a:rPr lang="en-US" i="1" dirty="0" smtClean="0"/>
-              <a:t>Finish </a:t>
-            </a:r>
-            <a:r>
-              <a:rPr lang="en-US" i="1" dirty="0"/>
-              <a:t>discussion</a:t>
-            </a:r>
-          </a:p>
-          <a:p>
-            <a:pPr algn="ctr"/>
-            <a:r>
-              <a:rPr lang="en-US" i="1" dirty="0"/>
-              <a:t>Homework questions</a:t>
-            </a:r>
-          </a:p>
-          <a:p>
-            <a:pPr algn="ctr"/>
-            <a:endParaRPr lang="en-US" i="1" dirty="0"/>
-          </a:p>
-          <a:p>
-            <a:pPr algn="ctr"/>
-            <a:r>
-              <a:rPr lang="en-US" dirty="0"/>
               <a:t>Chapter </a:t>
             </a:r>
             <a:r>
               <a:rPr lang="en-US" dirty="0"/>
               <a:t>6</a:t>
             </a:r>
-            <a:endParaRPr lang="en-US" dirty="0"/>
           </a:p>
           <a:p>
             <a:pPr algn="ctr"/>
@@ -4161,7 +4123,22 @@
             <a:pPr algn="ctr"/>
             <a:r>
               <a:rPr lang="en-US" i="1" dirty="0" smtClean="0"/>
-              <a:t>(first half)</a:t>
+              <a:t>(second </a:t>
+            </a:r>
+            <a:r>
+              <a:rPr lang="en-US" i="1" dirty="0" smtClean="0"/>
+              <a:t>half</a:t>
+            </a:r>
+            <a:r>
+              <a:rPr lang="en-US" i="1" dirty="0" smtClean="0"/>
+              <a:t>)</a:t>
+            </a:r>
+          </a:p>
+          <a:p>
+            <a:pPr algn="ctr"/>
+            <a:r>
+              <a:rPr lang="en-US" i="1" dirty="0" smtClean="0"/>
+              <a:t>Homework Helps</a:t>
             </a:r>
             <a:endParaRPr lang="en-US" i="1" dirty="0"/>
           </a:p>
@@ -4305,7 +4282,7 @@
     </p:spTree>
     <p:extLst>
       <p:ext uri="{BB962C8B-B14F-4D97-AF65-F5344CB8AC3E}">
-        <p14:creationId xmlns:p14="http://schemas.microsoft.com/office/powerpoint/2010/main" val="1136618621"/>
+        <p14:creationId xmlns:p14="http://schemas.microsoft.com/office/powerpoint/2010/main" val="4154058086"/>
       </p:ext>
     </p:extLst>
   </p:cSld>
@@ -4433,7 +4410,7 @@
             <a:pPr algn="ctr"/>
             <a:r>
               <a:rPr lang="en-US" dirty="0" smtClean="0"/>
-              <a:t>Jan. 22, 2020</a:t>
+              <a:t>Feb. 3, 2020</a:t>
             </a:r>
             <a:endParaRPr lang="en-US" dirty="0"/>
           </a:p>
@@ -4464,15 +4441,21 @@
             <a:pPr algn="ctr"/>
             <a:r>
               <a:rPr lang="en-US" dirty="0"/>
-              <a:t>Chapter 3</a:t>
-            </a:r>
+              <a:t>Chapter </a:t>
+            </a:r>
+            <a:r>
+              <a:rPr lang="en-US" dirty="0" smtClean="0"/>
+              <a:t>5</a:t>
+            </a:r>
+            <a:endParaRPr lang="en-US" dirty="0"/>
           </a:p>
           <a:p>
             <a:pPr algn="ctr"/>
             <a:r>
-              <a:rPr lang="en-US" b="1" u="sng" dirty="0"/>
-              <a:t>Variable/Scale, Rounding &amp; Summation</a:t>
-            </a:r>
+              <a:rPr lang="en-US" b="1" u="sng" dirty="0" smtClean="0"/>
+              <a:t>Intro to Hypothesis Testing: 1 sample z-Test</a:t>
+            </a:r>
+            <a:endParaRPr lang="en-US" b="1" u="sng" dirty="0"/>
           </a:p>
           <a:p>
             <a:pPr algn="ctr"/>
@@ -4500,19 +4483,14 @@
             <a:pPr algn="ctr"/>
             <a:r>
               <a:rPr lang="en-US" dirty="0"/>
-              <a:t>Chapter </a:t>
-            </a:r>
-            <a:r>
-              <a:rPr lang="en-US" dirty="0" smtClean="0"/>
-              <a:t>4</a:t>
-            </a:r>
-            <a:endParaRPr lang="en-US" dirty="0"/>
+              <a:t>Chapter 6</a:t>
+            </a:r>
           </a:p>
           <a:p>
             <a:pPr algn="ctr"/>
             <a:r>
               <a:rPr lang="en-US" b="1" u="sng" dirty="0" smtClean="0"/>
-              <a:t>Standardized Scores &amp; the Normal Distribution</a:t>
+              <a:t>Confidence Interval Estimation: The t Distribution</a:t>
             </a:r>
             <a:endParaRPr lang="en-US" b="1" u="sng" dirty="0"/>
           </a:p>
@@ -4672,7 +4650,7 @@
     </p:spTree>
     <p:extLst>
       <p:ext uri="{BB962C8B-B14F-4D97-AF65-F5344CB8AC3E}">
-        <p14:creationId xmlns:p14="http://schemas.microsoft.com/office/powerpoint/2010/main" val="2900019700"/>
+        <p14:creationId xmlns:p14="http://schemas.microsoft.com/office/powerpoint/2010/main" val="1136618621"/>
       </p:ext>
     </p:extLst>
   </p:cSld>
@@ -4800,7 +4778,7 @@
             <a:pPr algn="ctr"/>
             <a:r>
               <a:rPr lang="en-US" dirty="0" smtClean="0"/>
-              <a:t>Jan. 15, 2020</a:t>
+              <a:t>Jan. 22, 2020</a:t>
             </a:r>
             <a:endParaRPr lang="en-US" dirty="0"/>
           </a:p>
@@ -4814,8 +4792,8 @@
         </p:nvSpPr>
         <p:spPr>
           <a:xfrm>
-            <a:off x="2318419" y="3043759"/>
-            <a:ext cx="4212906" cy="2585323"/>
+            <a:off x="2035110" y="3043759"/>
+            <a:ext cx="5005769" cy="2585323"/>
           </a:xfrm>
           <a:prstGeom prst="rect">
             <a:avLst/>
@@ -4830,48 +4808,58 @@
           <a:p>
             <a:pPr algn="ctr"/>
             <a:r>
+              <a:rPr lang="en-US" dirty="0"/>
+              <a:t>Chapter 3</a:t>
+            </a:r>
+          </a:p>
+          <a:p>
+            <a:pPr algn="ctr"/>
+            <a:r>
+              <a:rPr lang="en-US" b="1" u="sng" dirty="0"/>
+              <a:t>Variable/Scale, Rounding &amp; Summation</a:t>
+            </a:r>
+          </a:p>
+          <a:p>
+            <a:pPr algn="ctr"/>
+            <a:r>
+              <a:rPr lang="en-US" i="1" dirty="0" smtClean="0"/>
+              <a:t>Finish </a:t>
+            </a:r>
+            <a:r>
+              <a:rPr lang="en-US" i="1" dirty="0"/>
+              <a:t>discussion</a:t>
+            </a:r>
+          </a:p>
+          <a:p>
+            <a:pPr algn="ctr"/>
+            <a:r>
+              <a:rPr lang="en-US" i="1" dirty="0"/>
+              <a:t>Homework questions</a:t>
+            </a:r>
+          </a:p>
+          <a:p>
+            <a:pPr algn="ctr"/>
+            <a:endParaRPr lang="en-US" i="1" dirty="0"/>
+          </a:p>
+          <a:p>
+            <a:pPr algn="ctr"/>
+            <a:r>
+              <a:rPr lang="en-US" dirty="0"/>
+              <a:t>Chapter </a:t>
+            </a:r>
+            <a:r>
               <a:rPr lang="en-US" dirty="0" smtClean="0"/>
-              <a:t>Chapter 1</a:t>
-            </a:r>
+              <a:t>4</a:t>
+            </a:r>
+            <a:endParaRPr lang="en-US" dirty="0"/>
           </a:p>
           <a:p>
             <a:pPr algn="ctr"/>
             <a:r>
               <a:rPr lang="en-US" b="1" u="sng" dirty="0" smtClean="0"/>
-              <a:t>Variable/Scale, Rounding &amp; Summation</a:t>
-            </a:r>
-          </a:p>
-          <a:p>
-            <a:pPr algn="ctr"/>
-            <a:r>
-              <a:rPr lang="en-US" i="1" dirty="0" smtClean="0"/>
-              <a:t>Finish discussion</a:t>
-            </a:r>
-          </a:p>
-          <a:p>
-            <a:pPr algn="ctr"/>
-            <a:r>
-              <a:rPr lang="en-US" i="1" dirty="0" smtClean="0"/>
-              <a:t>Homework questions</a:t>
-            </a:r>
-          </a:p>
-          <a:p>
-            <a:pPr algn="ctr"/>
-            <a:endParaRPr lang="en-US" i="1" dirty="0" smtClean="0"/>
-          </a:p>
-          <a:p>
-            <a:pPr algn="ctr"/>
-            <a:r>
-              <a:rPr lang="en-US" dirty="0"/>
-              <a:t>Chapter 2 </a:t>
-            </a:r>
-          </a:p>
-          <a:p>
-            <a:pPr algn="ctr"/>
-            <a:r>
-              <a:rPr lang="en-US" b="1" u="sng" dirty="0"/>
-              <a:t>Exploring Data with Plots</a:t>
-            </a:r>
+              <a:t>Standardized Scores &amp; the Normal Distribution</a:t>
+            </a:r>
+            <a:endParaRPr lang="en-US" b="1" u="sng" dirty="0"/>
           </a:p>
           <a:p>
             <a:pPr algn="ctr"/>
@@ -4884,12 +4872,8 @@
           <a:p>
             <a:pPr algn="ctr"/>
             <a:r>
-              <a:rPr lang="en-US" i="1" dirty="0"/>
-              <a:t>Homework </a:t>
-            </a:r>
-            <a:r>
               <a:rPr lang="en-US" i="1" dirty="0" smtClean="0"/>
-              <a:t>questions</a:t>
+              <a:t>(first half)</a:t>
             </a:r>
             <a:endParaRPr lang="en-US" i="1" dirty="0"/>
           </a:p>
@@ -5033,6 +5017,367 @@
     </p:spTree>
     <p:extLst>
       <p:ext uri="{BB962C8B-B14F-4D97-AF65-F5344CB8AC3E}">
+        <p14:creationId xmlns:p14="http://schemas.microsoft.com/office/powerpoint/2010/main" val="2900019700"/>
+      </p:ext>
+    </p:extLst>
+  </p:cSld>
+  <p:clrMapOvr>
+    <a:masterClrMapping/>
+  </p:clrMapOvr>
+</p:sld>
+</file>
+
+<file path=ppt/slides/slide7.xml><?xml version="1.0" encoding="utf-8"?>
+<p:sld xmlns:a="http://schemas.openxmlformats.org/drawingml/2006/main" xmlns:r="http://schemas.openxmlformats.org/officeDocument/2006/relationships" xmlns:p="http://schemas.openxmlformats.org/presentationml/2006/main">
+  <p:cSld>
+    <p:spTree>
+      <p:nvGrpSpPr>
+        <p:cNvPr id="1" name=""/>
+        <p:cNvGrpSpPr/>
+        <p:nvPr/>
+      </p:nvGrpSpPr>
+      <p:grpSpPr>
+        <a:xfrm>
+          <a:off x="0" y="0"/>
+          <a:ext cx="0" cy="0"/>
+          <a:chOff x="0" y="0"/>
+          <a:chExt cx="0" cy="0"/>
+        </a:xfrm>
+      </p:grpSpPr>
+      <p:sp>
+        <p:nvSpPr>
+          <p:cNvPr id="4" name="Rectangle 3"/>
+          <p:cNvSpPr/>
+          <p:nvPr/>
+        </p:nvSpPr>
+        <p:spPr>
+          <a:xfrm>
+            <a:off x="1808702" y="824230"/>
+            <a:ext cx="8778240" cy="5010912"/>
+          </a:xfrm>
+          <a:prstGeom prst="rect">
+            <a:avLst/>
+          </a:prstGeom>
+          <a:solidFill>
+            <a:schemeClr val="bg1">
+              <a:lumMod val="95000"/>
+            </a:schemeClr>
+          </a:solidFill>
+          <a:ln w="38100"/>
+        </p:spPr>
+        <p:style>
+          <a:lnRef idx="2">
+            <a:schemeClr val="accent1">
+              <a:shade val="50000"/>
+            </a:schemeClr>
+          </a:lnRef>
+          <a:fillRef idx="1">
+            <a:schemeClr val="accent1"/>
+          </a:fillRef>
+          <a:effectRef idx="0">
+            <a:schemeClr val="accent1"/>
+          </a:effectRef>
+          <a:fontRef idx="minor">
+            <a:schemeClr val="lt1"/>
+          </a:fontRef>
+        </p:style>
+        <p:txBody>
+          <a:bodyPr rtlCol="0" anchor="ctr"/>
+          <a:lstStyle/>
+          <a:p>
+            <a:pPr algn="ctr"/>
+            <a:endParaRPr lang="en-US"/>
+          </a:p>
+        </p:txBody>
+      </p:sp>
+      <p:sp>
+        <p:nvSpPr>
+          <p:cNvPr id="7" name="TextBox 6"/>
+          <p:cNvSpPr txBox="1"/>
+          <p:nvPr/>
+        </p:nvSpPr>
+        <p:spPr>
+          <a:xfrm>
+            <a:off x="3840385" y="1213849"/>
+            <a:ext cx="5712369" cy="923330"/>
+          </a:xfrm>
+          <a:prstGeom prst="rect">
+            <a:avLst/>
+          </a:prstGeom>
+          <a:noFill/>
+        </p:spPr>
+        <p:txBody>
+          <a:bodyPr wrap="square" rtlCol="0">
+            <a:spAutoFit/>
+          </a:bodyPr>
+          <a:lstStyle/>
+          <a:p>
+            <a:r>
+              <a:rPr lang="en-US" sz="5400" dirty="0" smtClean="0"/>
+              <a:t>INCLASS LECTURES</a:t>
+            </a:r>
+            <a:endParaRPr lang="en-US" sz="5400" dirty="0"/>
+          </a:p>
+        </p:txBody>
+      </p:sp>
+      <p:sp>
+        <p:nvSpPr>
+          <p:cNvPr id="8" name="TextBox 7"/>
+          <p:cNvSpPr txBox="1"/>
+          <p:nvPr/>
+        </p:nvSpPr>
+        <p:spPr>
+          <a:xfrm>
+            <a:off x="7731444" y="5278932"/>
+            <a:ext cx="2076450" cy="369332"/>
+          </a:xfrm>
+          <a:prstGeom prst="rect">
+            <a:avLst/>
+          </a:prstGeom>
+          <a:noFill/>
+        </p:spPr>
+        <p:txBody>
+          <a:bodyPr wrap="square" rtlCol="0">
+            <a:spAutoFit/>
+          </a:bodyPr>
+          <a:lstStyle/>
+          <a:p>
+            <a:pPr algn="ctr"/>
+            <a:r>
+              <a:rPr lang="en-US" dirty="0" smtClean="0"/>
+              <a:t>Jan. 15, 2020</a:t>
+            </a:r>
+            <a:endParaRPr lang="en-US" dirty="0"/>
+          </a:p>
+        </p:txBody>
+      </p:sp>
+      <p:sp>
+        <p:nvSpPr>
+          <p:cNvPr id="9" name="TextBox 8"/>
+          <p:cNvSpPr txBox="1"/>
+          <p:nvPr/>
+        </p:nvSpPr>
+        <p:spPr>
+          <a:xfrm>
+            <a:off x="2318419" y="3043759"/>
+            <a:ext cx="4212906" cy="2585323"/>
+          </a:xfrm>
+          <a:prstGeom prst="rect">
+            <a:avLst/>
+          </a:prstGeom>
+          <a:noFill/>
+        </p:spPr>
+        <p:txBody>
+          <a:bodyPr wrap="square" rtlCol="0">
+            <a:spAutoFit/>
+          </a:bodyPr>
+          <a:lstStyle/>
+          <a:p>
+            <a:pPr algn="ctr"/>
+            <a:r>
+              <a:rPr lang="en-US" dirty="0" smtClean="0"/>
+              <a:t>Chapter 1</a:t>
+            </a:r>
+          </a:p>
+          <a:p>
+            <a:pPr algn="ctr"/>
+            <a:r>
+              <a:rPr lang="en-US" b="1" u="sng" dirty="0" smtClean="0"/>
+              <a:t>Variable/Scale, Rounding &amp; Summation</a:t>
+            </a:r>
+          </a:p>
+          <a:p>
+            <a:pPr algn="ctr"/>
+            <a:r>
+              <a:rPr lang="en-US" i="1" dirty="0" smtClean="0"/>
+              <a:t>Finish discussion</a:t>
+            </a:r>
+          </a:p>
+          <a:p>
+            <a:pPr algn="ctr"/>
+            <a:r>
+              <a:rPr lang="en-US" i="1" dirty="0" smtClean="0"/>
+              <a:t>Homework questions</a:t>
+            </a:r>
+          </a:p>
+          <a:p>
+            <a:pPr algn="ctr"/>
+            <a:endParaRPr lang="en-US" i="1" dirty="0" smtClean="0"/>
+          </a:p>
+          <a:p>
+            <a:pPr algn="ctr"/>
+            <a:r>
+              <a:rPr lang="en-US" dirty="0"/>
+              <a:t>Chapter 2 </a:t>
+            </a:r>
+          </a:p>
+          <a:p>
+            <a:pPr algn="ctr"/>
+            <a:r>
+              <a:rPr lang="en-US" b="1" u="sng" dirty="0"/>
+              <a:t>Exploring Data with Plots</a:t>
+            </a:r>
+          </a:p>
+          <a:p>
+            <a:pPr algn="ctr"/>
+            <a:r>
+              <a:rPr lang="en-US" i="1" dirty="0" smtClean="0"/>
+              <a:t>Lecture slides</a:t>
+            </a:r>
+            <a:endParaRPr lang="en-US" i="1" dirty="0"/>
+          </a:p>
+          <a:p>
+            <a:pPr algn="ctr"/>
+            <a:r>
+              <a:rPr lang="en-US" i="1" dirty="0"/>
+              <a:t>Homework </a:t>
+            </a:r>
+            <a:r>
+              <a:rPr lang="en-US" i="1" dirty="0" smtClean="0"/>
+              <a:t>questions</a:t>
+            </a:r>
+            <a:endParaRPr lang="en-US" i="1" dirty="0"/>
+          </a:p>
+        </p:txBody>
+      </p:sp>
+      <p:grpSp>
+        <p:nvGrpSpPr>
+          <p:cNvPr id="14" name="Group 13"/>
+          <p:cNvGrpSpPr/>
+          <p:nvPr/>
+        </p:nvGrpSpPr>
+        <p:grpSpPr>
+          <a:xfrm>
+            <a:off x="7198839" y="2137179"/>
+            <a:ext cx="3141660" cy="3193339"/>
+            <a:chOff x="7047391" y="1961976"/>
+            <a:chExt cx="3141660" cy="3193339"/>
+          </a:xfrm>
+        </p:grpSpPr>
+        <p:pic>
+          <p:nvPicPr>
+            <p:cNvPr id="2" name="Picture 1"/>
+            <p:cNvPicPr>
+              <a:picLocks noChangeAspect="1"/>
+            </p:cNvPicPr>
+            <p:nvPr/>
+          </p:nvPicPr>
+          <p:blipFill>
+            <a:blip r:embed="rId2" cstate="print">
+              <a:extLst>
+                <a:ext uri="{28A0092B-C50C-407E-A947-70E740481C1C}">
+                  <a14:useLocalDpi xmlns:a14="http://schemas.microsoft.com/office/drawing/2010/main" val="0"/>
+                </a:ext>
+              </a:extLst>
+            </a:blip>
+            <a:stretch>
+              <a:fillRect/>
+            </a:stretch>
+          </p:blipFill>
+          <p:spPr>
+            <a:xfrm>
+              <a:off x="7047391" y="3320161"/>
+              <a:ext cx="1578867" cy="1828804"/>
+            </a:xfrm>
+            <a:prstGeom prst="rect">
+              <a:avLst/>
+            </a:prstGeom>
+          </p:spPr>
+        </p:pic>
+        <p:pic>
+          <p:nvPicPr>
+            <p:cNvPr id="3" name="Picture 2"/>
+            <p:cNvPicPr>
+              <a:picLocks noChangeAspect="1"/>
+            </p:cNvPicPr>
+            <p:nvPr/>
+          </p:nvPicPr>
+          <p:blipFill>
+            <a:blip r:embed="rId3" cstate="print">
+              <a:extLst>
+                <a:ext uri="{28A0092B-C50C-407E-A947-70E740481C1C}">
+                  <a14:useLocalDpi xmlns:a14="http://schemas.microsoft.com/office/drawing/2010/main" val="0"/>
+                </a:ext>
+              </a:extLst>
+            </a:blip>
+            <a:stretch>
+              <a:fillRect/>
+            </a:stretch>
+          </p:blipFill>
+          <p:spPr>
+            <a:xfrm>
+              <a:off x="7830475" y="1961976"/>
+              <a:ext cx="1578867" cy="1828804"/>
+            </a:xfrm>
+            <a:prstGeom prst="rect">
+              <a:avLst/>
+            </a:prstGeom>
+          </p:spPr>
+        </p:pic>
+        <p:pic>
+          <p:nvPicPr>
+            <p:cNvPr id="11" name="Picture 10"/>
+            <p:cNvPicPr>
+              <a:picLocks noChangeAspect="1"/>
+            </p:cNvPicPr>
+            <p:nvPr/>
+          </p:nvPicPr>
+          <p:blipFill>
+            <a:blip r:embed="rId4" cstate="print">
+              <a:extLst>
+                <a:ext uri="{28A0092B-C50C-407E-A947-70E740481C1C}">
+                  <a14:useLocalDpi xmlns:a14="http://schemas.microsoft.com/office/drawing/2010/main" val="0"/>
+                </a:ext>
+              </a:extLst>
+            </a:blip>
+            <a:stretch>
+              <a:fillRect/>
+            </a:stretch>
+          </p:blipFill>
+          <p:spPr>
+            <a:xfrm>
+              <a:off x="8610184" y="3326511"/>
+              <a:ext cx="1578867" cy="1828804"/>
+            </a:xfrm>
+            <a:prstGeom prst="rect">
+              <a:avLst/>
+            </a:prstGeom>
+          </p:spPr>
+        </p:pic>
+      </p:grpSp>
+      <p:pic>
+        <p:nvPicPr>
+          <p:cNvPr id="12" name="Picture 11"/>
+          <p:cNvPicPr>
+            <a:picLocks noChangeAspect="1"/>
+          </p:cNvPicPr>
+          <p:nvPr/>
+        </p:nvPicPr>
+        <p:blipFill>
+          <a:blip r:embed="rId5" cstate="print">
+            <a:extLst>
+              <a:ext uri="{28A0092B-C50C-407E-A947-70E740481C1C}">
+                <a14:useLocalDpi xmlns:a14="http://schemas.microsoft.com/office/drawing/2010/main" val="0"/>
+              </a:ext>
+            </a:extLst>
+          </a:blip>
+          <a:stretch>
+            <a:fillRect/>
+          </a:stretch>
+        </p:blipFill>
+        <p:spPr>
+          <a:xfrm>
+            <a:off x="2035110" y="1019593"/>
+            <a:ext cx="1578867" cy="1828804"/>
+          </a:xfrm>
+          <a:prstGeom prst="rect">
+            <a:avLst/>
+          </a:prstGeom>
+        </p:spPr>
+      </p:pic>
+    </p:spTree>
+    <p:extLst>
+      <p:ext uri="{BB962C8B-B14F-4D97-AF65-F5344CB8AC3E}">
         <p14:creationId xmlns:p14="http://schemas.microsoft.com/office/powerpoint/2010/main" val="3290463226"/>
       </p:ext>
     </p:extLst>
@@ -5043,7 +5388,7 @@
 </p:sld>
 </file>
 
-<file path=ppt/slides/slide7.xml><?xml version="1.0" encoding="utf-8"?>
+<file path=ppt/slides/slide8.xml><?xml version="1.0" encoding="utf-8"?>
 <p:sld xmlns:a="http://schemas.openxmlformats.org/drawingml/2006/main" xmlns:r="http://schemas.openxmlformats.org/officeDocument/2006/relationships" xmlns:p="http://schemas.openxmlformats.org/presentationml/2006/main">
   <p:cSld>
     <p:spTree>

--- a/static/img/youtube_thumbnails/video_thumbnail_building.pptx
+++ b/static/img/youtube_thumbnails/video_thumbnail_building.pptx
@@ -8,11 +8,14 @@
     <p:sldId id="259" r:id="rId2"/>
     <p:sldId id="261" r:id="rId3"/>
     <p:sldId id="260" r:id="rId4"/>
-    <p:sldId id="263" r:id="rId5"/>
-    <p:sldId id="262" r:id="rId6"/>
-    <p:sldId id="257" r:id="rId7"/>
-    <p:sldId id="256" r:id="rId8"/>
-    <p:sldId id="258" r:id="rId9"/>
+    <p:sldId id="266" r:id="rId5"/>
+    <p:sldId id="265" r:id="rId6"/>
+    <p:sldId id="264" r:id="rId7"/>
+    <p:sldId id="263" r:id="rId8"/>
+    <p:sldId id="262" r:id="rId9"/>
+    <p:sldId id="257" r:id="rId10"/>
+    <p:sldId id="256" r:id="rId11"/>
+    <p:sldId id="258" r:id="rId12"/>
   </p:sldIdLst>
   <p:sldSz cx="12192000" cy="6858000"/>
   <p:notesSz cx="6858000" cy="9144000"/>
@@ -250,7 +253,7 @@
           <a:p>
             <a:fld id="{3C68F153-927F-4ADA-A90F-AFD816292B90}" type="datetimeFigureOut">
               <a:rPr lang="en-US" smtClean="0"/>
-              <a:t>2/5/2020</a:t>
+              <a:t>2/19/2020</a:t>
             </a:fld>
             <a:endParaRPr lang="en-US"/>
           </a:p>
@@ -420,7 +423,7 @@
           <a:p>
             <a:fld id="{3C68F153-927F-4ADA-A90F-AFD816292B90}" type="datetimeFigureOut">
               <a:rPr lang="en-US" smtClean="0"/>
-              <a:t>2/5/2020</a:t>
+              <a:t>2/19/2020</a:t>
             </a:fld>
             <a:endParaRPr lang="en-US"/>
           </a:p>
@@ -600,7 +603,7 @@
           <a:p>
             <a:fld id="{3C68F153-927F-4ADA-A90F-AFD816292B90}" type="datetimeFigureOut">
               <a:rPr lang="en-US" smtClean="0"/>
-              <a:t>2/5/2020</a:t>
+              <a:t>2/19/2020</a:t>
             </a:fld>
             <a:endParaRPr lang="en-US"/>
           </a:p>
@@ -770,7 +773,7 @@
           <a:p>
             <a:fld id="{3C68F153-927F-4ADA-A90F-AFD816292B90}" type="datetimeFigureOut">
               <a:rPr lang="en-US" smtClean="0"/>
-              <a:t>2/5/2020</a:t>
+              <a:t>2/19/2020</a:t>
             </a:fld>
             <a:endParaRPr lang="en-US"/>
           </a:p>
@@ -1016,7 +1019,7 @@
           <a:p>
             <a:fld id="{3C68F153-927F-4ADA-A90F-AFD816292B90}" type="datetimeFigureOut">
               <a:rPr lang="en-US" smtClean="0"/>
-              <a:t>2/5/2020</a:t>
+              <a:t>2/19/2020</a:t>
             </a:fld>
             <a:endParaRPr lang="en-US"/>
           </a:p>
@@ -1248,7 +1251,7 @@
           <a:p>
             <a:fld id="{3C68F153-927F-4ADA-A90F-AFD816292B90}" type="datetimeFigureOut">
               <a:rPr lang="en-US" smtClean="0"/>
-              <a:t>2/5/2020</a:t>
+              <a:t>2/19/2020</a:t>
             </a:fld>
             <a:endParaRPr lang="en-US"/>
           </a:p>
@@ -1615,7 +1618,7 @@
           <a:p>
             <a:fld id="{3C68F153-927F-4ADA-A90F-AFD816292B90}" type="datetimeFigureOut">
               <a:rPr lang="en-US" smtClean="0"/>
-              <a:t>2/5/2020</a:t>
+              <a:t>2/19/2020</a:t>
             </a:fld>
             <a:endParaRPr lang="en-US"/>
           </a:p>
@@ -1733,7 +1736,7 @@
           <a:p>
             <a:fld id="{3C68F153-927F-4ADA-A90F-AFD816292B90}" type="datetimeFigureOut">
               <a:rPr lang="en-US" smtClean="0"/>
-              <a:t>2/5/2020</a:t>
+              <a:t>2/19/2020</a:t>
             </a:fld>
             <a:endParaRPr lang="en-US"/>
           </a:p>
@@ -1828,7 +1831,7 @@
           <a:p>
             <a:fld id="{3C68F153-927F-4ADA-A90F-AFD816292B90}" type="datetimeFigureOut">
               <a:rPr lang="en-US" smtClean="0"/>
-              <a:t>2/5/2020</a:t>
+              <a:t>2/19/2020</a:t>
             </a:fld>
             <a:endParaRPr lang="en-US"/>
           </a:p>
@@ -2105,7 +2108,7 @@
           <a:p>
             <a:fld id="{3C68F153-927F-4ADA-A90F-AFD816292B90}" type="datetimeFigureOut">
               <a:rPr lang="en-US" smtClean="0"/>
-              <a:t>2/5/2020</a:t>
+              <a:t>2/19/2020</a:t>
             </a:fld>
             <a:endParaRPr lang="en-US"/>
           </a:p>
@@ -2358,7 +2361,7 @@
           <a:p>
             <a:fld id="{3C68F153-927F-4ADA-A90F-AFD816292B90}" type="datetimeFigureOut">
               <a:rPr lang="en-US" smtClean="0"/>
-              <a:t>2/5/2020</a:t>
+              <a:t>2/19/2020</a:t>
             </a:fld>
             <a:endParaRPr lang="en-US"/>
           </a:p>
@@ -2571,7 +2574,7 @@
           <a:p>
             <a:fld id="{3C68F153-927F-4ADA-A90F-AFD816292B90}" type="datetimeFigureOut">
               <a:rPr lang="en-US" smtClean="0"/>
-              <a:t>2/5/2020</a:t>
+              <a:t>2/19/2020</a:t>
             </a:fld>
             <a:endParaRPr lang="en-US"/>
           </a:p>
@@ -3294,7 +3297,7 @@
 </p:sld>
 </file>
 
-<file path=ppt/slides/slide2.xml><?xml version="1.0" encoding="utf-8"?>
+<file path=ppt/slides/slide10.xml><?xml version="1.0" encoding="utf-8"?>
 <p:sld xmlns:a="http://schemas.openxmlformats.org/drawingml/2006/main" xmlns:r="http://schemas.openxmlformats.org/officeDocument/2006/relationships" xmlns:p="http://schemas.openxmlformats.org/presentationml/2006/main">
   <p:cSld>
     <p:spTree>
@@ -3365,8 +3368,8 @@
         </p:nvSpPr>
         <p:spPr>
           <a:xfrm>
-            <a:off x="4003824" y="1483154"/>
-            <a:ext cx="5712369" cy="1754326"/>
+            <a:off x="3840385" y="1213849"/>
+            <a:ext cx="5712369" cy="923330"/>
           </a:xfrm>
           <a:prstGeom prst="rect">
             <a:avLst/>
@@ -3381,7 +3384,7 @@
           <a:p>
             <a:r>
               <a:rPr lang="en-US" sz="5400" dirty="0" smtClean="0"/>
-              <a:t>OUT-OF-CLASS LECTURES</a:t>
+              <a:t>INCLASS LECTURES</a:t>
             </a:r>
             <a:endParaRPr lang="en-US" sz="5400" dirty="0"/>
           </a:p>
@@ -3412,7 +3415,7 @@
             <a:pPr algn="ctr"/>
             <a:r>
               <a:rPr lang="en-US" dirty="0" smtClean="0"/>
-              <a:t>Jan. 24, 2020</a:t>
+              <a:t>Jan. 15, 2020</a:t>
             </a:r>
             <a:endParaRPr lang="en-US" dirty="0"/>
           </a:p>
@@ -3426,8 +3429,8 @@
         </p:nvSpPr>
         <p:spPr>
           <a:xfrm>
-            <a:off x="2000886" y="3743671"/>
-            <a:ext cx="5005769" cy="923330"/>
+            <a:off x="2318419" y="3043759"/>
+            <a:ext cx="4212906" cy="2585323"/>
           </a:xfrm>
           <a:prstGeom prst="rect">
             <a:avLst/>
@@ -3443,24 +3446,67 @@
             <a:pPr algn="ctr"/>
             <a:r>
               <a:rPr lang="en-US" dirty="0" smtClean="0"/>
-              <a:t>Chapter 4</a:t>
-            </a:r>
-            <a:endParaRPr lang="en-US" dirty="0"/>
+              <a:t>Chapter 1</a:t>
+            </a:r>
           </a:p>
           <a:p>
             <a:pPr algn="ctr"/>
             <a:r>
               <a:rPr lang="en-US" b="1" u="sng" dirty="0" smtClean="0"/>
-              <a:t>Standardized Scores &amp; the Normal Distribution</a:t>
-            </a:r>
-            <a:endParaRPr lang="en-US" b="1" u="sng" dirty="0"/>
+              <a:t>Variable/Scale, Rounding &amp; Summation</a:t>
+            </a:r>
           </a:p>
           <a:p>
             <a:pPr algn="ctr"/>
             <a:r>
               <a:rPr lang="en-US" i="1" dirty="0" smtClean="0"/>
-              <a:t>Lecture Slide Examples Worked</a:t>
-            </a:r>
+              <a:t>Finish discussion</a:t>
+            </a:r>
+          </a:p>
+          <a:p>
+            <a:pPr algn="ctr"/>
+            <a:r>
+              <a:rPr lang="en-US" i="1" dirty="0" smtClean="0"/>
+              <a:t>Homework questions</a:t>
+            </a:r>
+          </a:p>
+          <a:p>
+            <a:pPr algn="ctr"/>
+            <a:endParaRPr lang="en-US" i="1" dirty="0" smtClean="0"/>
+          </a:p>
+          <a:p>
+            <a:pPr algn="ctr"/>
+            <a:r>
+              <a:rPr lang="en-US" dirty="0"/>
+              <a:t>Chapter 2 </a:t>
+            </a:r>
+          </a:p>
+          <a:p>
+            <a:pPr algn="ctr"/>
+            <a:r>
+              <a:rPr lang="en-US" b="1" u="sng" dirty="0"/>
+              <a:t>Exploring Data with Plots</a:t>
+            </a:r>
+          </a:p>
+          <a:p>
+            <a:pPr algn="ctr"/>
+            <a:r>
+              <a:rPr lang="en-US" i="1" dirty="0" smtClean="0"/>
+              <a:t>Lecture slides</a:t>
+            </a:r>
+            <a:endParaRPr lang="en-US" i="1" dirty="0"/>
+          </a:p>
+          <a:p>
+            <a:pPr algn="ctr"/>
+            <a:r>
+              <a:rPr lang="en-US" i="1" dirty="0"/>
+              <a:t>Homework </a:t>
+            </a:r>
+            <a:r>
+              <a:rPr lang="en-US" i="1" dirty="0" smtClean="0"/>
+              <a:t>questions</a:t>
+            </a:r>
+            <a:endParaRPr lang="en-US" i="1" dirty="0"/>
           </a:p>
         </p:txBody>
       </p:sp>
@@ -3602,7 +3648,7 @@
     </p:spTree>
     <p:extLst>
       <p:ext uri="{BB962C8B-B14F-4D97-AF65-F5344CB8AC3E}">
-        <p14:creationId xmlns:p14="http://schemas.microsoft.com/office/powerpoint/2010/main" val="267042058"/>
+        <p14:creationId xmlns:p14="http://schemas.microsoft.com/office/powerpoint/2010/main" val="3290463226"/>
       </p:ext>
     </p:extLst>
   </p:cSld>
@@ -3612,7 +3658,7 @@
 </p:sld>
 </file>
 
-<file path=ppt/slides/slide3.xml><?xml version="1.0" encoding="utf-8"?>
+<file path=ppt/slides/slide11.xml><?xml version="1.0" encoding="utf-8"?>
 <p:sld xmlns:a="http://schemas.openxmlformats.org/drawingml/2006/main" xmlns:r="http://schemas.openxmlformats.org/officeDocument/2006/relationships" xmlns:p="http://schemas.openxmlformats.org/presentationml/2006/main">
   <p:cSld>
     <p:spTree>
@@ -3629,26 +3675,51 @@
           <a:chExt cx="0" cy="0"/>
         </a:xfrm>
       </p:grpSpPr>
-      <p:sp>
-        <p:nvSpPr>
-          <p:cNvPr id="4" name="Rectangle 3"/>
-          <p:cNvSpPr/>
+      <p:pic>
+        <p:nvPicPr>
+          <p:cNvPr id="2" name="Picture 1"/>
+          <p:cNvPicPr>
+            <a:picLocks noChangeAspect="1"/>
+          </p:cNvPicPr>
           <p:nvPr/>
-        </p:nvSpPr>
-        <p:spPr>
-          <a:xfrm>
-            <a:off x="1808702" y="824230"/>
-            <a:ext cx="8778240" cy="5010912"/>
+        </p:nvPicPr>
+        <p:blipFill>
+          <a:blip r:embed="rId2" cstate="print">
+            <a:extLst>
+              <a:ext uri="{28A0092B-C50C-407E-A947-70E740481C1C}">
+                <a14:useLocalDpi xmlns:a14="http://schemas.microsoft.com/office/drawing/2010/main" val="0"/>
+              </a:ext>
+            </a:extLst>
+          </a:blip>
+          <a:stretch>
+            <a:fillRect/>
+          </a:stretch>
+        </p:blipFill>
+        <p:spPr>
+          <a:xfrm>
+            <a:off x="5306566" y="2514598"/>
+            <a:ext cx="1578867" cy="1828804"/>
           </a:xfrm>
           <a:prstGeom prst="rect">
             <a:avLst/>
           </a:prstGeom>
-          <a:solidFill>
-            <a:schemeClr val="bg1">
-              <a:lumMod val="95000"/>
-            </a:schemeClr>
-          </a:solidFill>
-          <a:ln w="38100"/>
+        </p:spPr>
+      </p:pic>
+      <p:sp>
+        <p:nvSpPr>
+          <p:cNvPr id="3" name="Rectangle 2"/>
+          <p:cNvSpPr/>
+          <p:nvPr/>
+        </p:nvSpPr>
+        <p:spPr>
+          <a:xfrm>
+            <a:off x="5054138" y="2394066"/>
+            <a:ext cx="2094807" cy="2078182"/>
+          </a:xfrm>
+          <a:prstGeom prst="rect">
+            <a:avLst/>
+          </a:prstGeom>
+          <a:noFill/>
         </p:spPr>
         <p:style>
           <a:lnRef idx="2">
@@ -3675,6 +3746,82 @@
           </a:p>
         </p:txBody>
       </p:sp>
+    </p:spTree>
+    <p:extLst>
+      <p:ext uri="{BB962C8B-B14F-4D97-AF65-F5344CB8AC3E}">
+        <p14:creationId xmlns:p14="http://schemas.microsoft.com/office/powerpoint/2010/main" val="2048573925"/>
+      </p:ext>
+    </p:extLst>
+  </p:cSld>
+  <p:clrMapOvr>
+    <a:masterClrMapping/>
+  </p:clrMapOvr>
+</p:sld>
+</file>
+
+<file path=ppt/slides/slide2.xml><?xml version="1.0" encoding="utf-8"?>
+<p:sld xmlns:a="http://schemas.openxmlformats.org/drawingml/2006/main" xmlns:r="http://schemas.openxmlformats.org/officeDocument/2006/relationships" xmlns:p="http://schemas.openxmlformats.org/presentationml/2006/main">
+  <p:cSld>
+    <p:spTree>
+      <p:nvGrpSpPr>
+        <p:cNvPr id="1" name=""/>
+        <p:cNvGrpSpPr/>
+        <p:nvPr/>
+      </p:nvGrpSpPr>
+      <p:grpSpPr>
+        <a:xfrm>
+          <a:off x="0" y="0"/>
+          <a:ext cx="0" cy="0"/>
+          <a:chOff x="0" y="0"/>
+          <a:chExt cx="0" cy="0"/>
+        </a:xfrm>
+      </p:grpSpPr>
+      <p:sp>
+        <p:nvSpPr>
+          <p:cNvPr id="4" name="Rectangle 3"/>
+          <p:cNvSpPr/>
+          <p:nvPr/>
+        </p:nvSpPr>
+        <p:spPr>
+          <a:xfrm>
+            <a:off x="1808702" y="824230"/>
+            <a:ext cx="8778240" cy="5010912"/>
+          </a:xfrm>
+          <a:prstGeom prst="rect">
+            <a:avLst/>
+          </a:prstGeom>
+          <a:solidFill>
+            <a:schemeClr val="bg1">
+              <a:lumMod val="95000"/>
+            </a:schemeClr>
+          </a:solidFill>
+          <a:ln w="38100"/>
+        </p:spPr>
+        <p:style>
+          <a:lnRef idx="2">
+            <a:schemeClr val="accent1">
+              <a:shade val="50000"/>
+            </a:schemeClr>
+          </a:lnRef>
+          <a:fillRef idx="1">
+            <a:schemeClr val="accent1"/>
+          </a:fillRef>
+          <a:effectRef idx="0">
+            <a:schemeClr val="accent1"/>
+          </a:effectRef>
+          <a:fontRef idx="minor">
+            <a:schemeClr val="lt1"/>
+          </a:fontRef>
+        </p:style>
+        <p:txBody>
+          <a:bodyPr rtlCol="0" anchor="ctr"/>
+          <a:lstStyle/>
+          <a:p>
+            <a:pPr algn="ctr"/>
+            <a:endParaRPr lang="en-US"/>
+          </a:p>
+        </p:txBody>
+      </p:sp>
       <p:sp>
         <p:nvSpPr>
           <p:cNvPr id="7" name="TextBox 6"/>
@@ -3683,7 +3830,7 @@
         </p:nvSpPr>
         <p:spPr>
           <a:xfrm>
-            <a:off x="4184694" y="1065121"/>
+            <a:off x="4003824" y="1483154"/>
             <a:ext cx="5712369" cy="1754326"/>
           </a:xfrm>
           <a:prstGeom prst="rect">
@@ -3744,8 +3891,8 @@
         </p:nvSpPr>
         <p:spPr>
           <a:xfrm>
-            <a:off x="2035110" y="3043759"/>
-            <a:ext cx="5005769" cy="1200329"/>
+            <a:off x="2000886" y="3743671"/>
+            <a:ext cx="5005769" cy="923330"/>
           </a:xfrm>
           <a:prstGeom prst="rect">
             <a:avLst/>
@@ -3777,17 +3924,8 @@
             <a:pPr algn="ctr"/>
             <a:r>
               <a:rPr lang="en-US" i="1" dirty="0" smtClean="0"/>
-              <a:t>Lecture slides 25-43</a:t>
-            </a:r>
-            <a:endParaRPr lang="en-US" i="1" dirty="0"/>
-          </a:p>
-          <a:p>
-            <a:pPr algn="ctr"/>
-            <a:r>
-              <a:rPr lang="en-US" i="1" dirty="0" smtClean="0"/>
-              <a:t>(Second half)</a:t>
-            </a:r>
-            <a:endParaRPr lang="en-US" i="1" dirty="0"/>
+              <a:t>Lecture Slide Examples Worked</a:t>
+            </a:r>
           </a:p>
         </p:txBody>
       </p:sp>
@@ -3929,7 +4067,7 @@
     </p:spTree>
     <p:extLst>
       <p:ext uri="{BB962C8B-B14F-4D97-AF65-F5344CB8AC3E}">
-        <p14:creationId xmlns:p14="http://schemas.microsoft.com/office/powerpoint/2010/main" val="1429724622"/>
+        <p14:creationId xmlns:p14="http://schemas.microsoft.com/office/powerpoint/2010/main" val="267042058"/>
       </p:ext>
     </p:extLst>
   </p:cSld>
@@ -3939,7 +4077,7 @@
 </p:sld>
 </file>
 
-<file path=ppt/slides/slide4.xml><?xml version="1.0" encoding="utf-8"?>
+<file path=ppt/slides/slide3.xml><?xml version="1.0" encoding="utf-8"?>
 <p:sld xmlns:a="http://schemas.openxmlformats.org/drawingml/2006/main" xmlns:r="http://schemas.openxmlformats.org/officeDocument/2006/relationships" xmlns:p="http://schemas.openxmlformats.org/presentationml/2006/main">
   <p:cSld>
     <p:spTree>
@@ -4010,8 +4148,8 @@
         </p:nvSpPr>
         <p:spPr>
           <a:xfrm>
-            <a:off x="3840385" y="1213849"/>
-            <a:ext cx="5712369" cy="923330"/>
+            <a:off x="4184694" y="1065121"/>
+            <a:ext cx="5712369" cy="1754326"/>
           </a:xfrm>
           <a:prstGeom prst="rect">
             <a:avLst/>
@@ -4026,7 +4164,7 @@
           <a:p>
             <a:r>
               <a:rPr lang="en-US" sz="5400" dirty="0" smtClean="0"/>
-              <a:t>INCLASS LECTURES</a:t>
+              <a:t>OUT-OF-CLASS LECTURES</a:t>
             </a:r>
             <a:endParaRPr lang="en-US" sz="5400" dirty="0"/>
           </a:p>
@@ -4057,15 +4195,7 @@
             <a:pPr algn="ctr"/>
             <a:r>
               <a:rPr lang="en-US" dirty="0" smtClean="0"/>
-              <a:t>Feb. </a:t>
-            </a:r>
-            <a:r>
-              <a:rPr lang="en-US" dirty="0" smtClean="0"/>
-              <a:t>5, </a:t>
-            </a:r>
-            <a:r>
-              <a:rPr lang="en-US" dirty="0" smtClean="0"/>
-              <a:t>2020</a:t>
+              <a:t>Jan. 24, 2020</a:t>
             </a:r>
             <a:endParaRPr lang="en-US" dirty="0"/>
           </a:p>
@@ -4080,7 +4210,7 @@
         <p:spPr>
           <a:xfrm>
             <a:off x="2035110" y="3043759"/>
-            <a:ext cx="5005769" cy="1477328"/>
+            <a:ext cx="5005769" cy="1200329"/>
           </a:xfrm>
           <a:prstGeom prst="rect">
             <a:avLst/>
@@ -4096,18 +4226,15 @@
             <a:pPr algn="ctr"/>
             <a:r>
               <a:rPr lang="en-US" dirty="0" smtClean="0"/>
-              <a:t>Chapter </a:t>
-            </a:r>
-            <a:r>
-              <a:rPr lang="en-US" dirty="0"/>
-              <a:t>6</a:t>
-            </a:r>
+              <a:t>Chapter 4</a:t>
+            </a:r>
+            <a:endParaRPr lang="en-US" dirty="0"/>
           </a:p>
           <a:p>
             <a:pPr algn="ctr"/>
             <a:r>
               <a:rPr lang="en-US" b="1" u="sng" dirty="0" smtClean="0"/>
-              <a:t>Confidence Interval Estimation: The t Distribution</a:t>
+              <a:t>Standardized Scores &amp; the Normal Distribution</a:t>
             </a:r>
             <a:endParaRPr lang="en-US" b="1" u="sng" dirty="0"/>
           </a:p>
@@ -4115,7 +4242,7 @@
             <a:pPr algn="ctr"/>
             <a:r>
               <a:rPr lang="en-US" i="1" dirty="0" smtClean="0"/>
-              <a:t>Lecture slides</a:t>
+              <a:t>Lecture slides 25-43</a:t>
             </a:r>
             <a:endParaRPr lang="en-US" i="1" dirty="0"/>
           </a:p>
@@ -4123,22 +4250,7 @@
             <a:pPr algn="ctr"/>
             <a:r>
               <a:rPr lang="en-US" i="1" dirty="0" smtClean="0"/>
-              <a:t>(second </a:t>
-            </a:r>
-            <a:r>
-              <a:rPr lang="en-US" i="1" dirty="0" smtClean="0"/>
-              <a:t>half</a:t>
-            </a:r>
-            <a:r>
-              <a:rPr lang="en-US" i="1" dirty="0" smtClean="0"/>
-              <a:t>)</a:t>
-            </a:r>
-          </a:p>
-          <a:p>
-            <a:pPr algn="ctr"/>
-            <a:r>
-              <a:rPr lang="en-US" i="1" dirty="0" smtClean="0"/>
-              <a:t>Homework Helps</a:t>
+              <a:t>(Second half)</a:t>
             </a:r>
             <a:endParaRPr lang="en-US" i="1" dirty="0"/>
           </a:p>
@@ -4282,7 +4394,7 @@
     </p:spTree>
     <p:extLst>
       <p:ext uri="{BB962C8B-B14F-4D97-AF65-F5344CB8AC3E}">
-        <p14:creationId xmlns:p14="http://schemas.microsoft.com/office/powerpoint/2010/main" val="4154058086"/>
+        <p14:creationId xmlns:p14="http://schemas.microsoft.com/office/powerpoint/2010/main" val="1429724622"/>
       </p:ext>
     </p:extLst>
   </p:cSld>
@@ -4292,7 +4404,7 @@
 </p:sld>
 </file>
 
-<file path=ppt/slides/slide5.xml><?xml version="1.0" encoding="utf-8"?>
+<file path=ppt/slides/slide4.xml><?xml version="1.0" encoding="utf-8"?>
 <p:sld xmlns:a="http://schemas.openxmlformats.org/drawingml/2006/main" xmlns:r="http://schemas.openxmlformats.org/officeDocument/2006/relationships" xmlns:p="http://schemas.openxmlformats.org/presentationml/2006/main">
   <p:cSld>
     <p:spTree>
@@ -4410,7 +4522,15 @@
             <a:pPr algn="ctr"/>
             <a:r>
               <a:rPr lang="en-US" dirty="0" smtClean="0"/>
-              <a:t>Feb. 3, 2020</a:t>
+              <a:t>Feb. </a:t>
+            </a:r>
+            <a:r>
+              <a:rPr lang="en-US" dirty="0" smtClean="0"/>
+              <a:t>12, </a:t>
+            </a:r>
+            <a:r>
+              <a:rPr lang="en-US" dirty="0" smtClean="0"/>
+              <a:t>2020</a:t>
             </a:r>
             <a:endParaRPr lang="en-US" dirty="0"/>
           </a:p>
@@ -4424,8 +4544,8 @@
         </p:nvSpPr>
         <p:spPr>
           <a:xfrm>
-            <a:off x="2035110" y="3043759"/>
-            <a:ext cx="5005769" cy="2585323"/>
+            <a:off x="2175357" y="4235713"/>
+            <a:ext cx="5005769" cy="923330"/>
           </a:xfrm>
           <a:prstGeom prst="rect">
             <a:avLst/>
@@ -4440,12 +4560,12 @@
           <a:p>
             <a:pPr algn="ctr"/>
             <a:r>
+              <a:rPr lang="en-US" dirty="0" smtClean="0"/>
+              <a:t>Chapter </a:t>
+            </a:r>
+            <a:r>
               <a:rPr lang="en-US" dirty="0"/>
-              <a:t>Chapter </a:t>
-            </a:r>
-            <a:r>
-              <a:rPr lang="en-US" dirty="0" smtClean="0"/>
-              <a:t>5</a:t>
+              <a:t>9</a:t>
             </a:r>
             <a:endParaRPr lang="en-US" dirty="0"/>
           </a:p>
@@ -4453,62 +4573,17 @@
             <a:pPr algn="ctr"/>
             <a:r>
               <a:rPr lang="en-US" b="1" u="sng" dirty="0" smtClean="0"/>
-              <a:t>Intro to Hypothesis Testing: 1 sample z-Test</a:t>
-            </a:r>
-            <a:endParaRPr lang="en-US" b="1" u="sng" dirty="0"/>
+              <a:t>Correlation</a:t>
+            </a:r>
+            <a:endParaRPr lang="en-US" dirty="0" smtClean="0"/>
           </a:p>
           <a:p>
             <a:pPr algn="ctr"/>
             <a:r>
               <a:rPr lang="en-US" i="1" dirty="0" smtClean="0"/>
-              <a:t>Finish </a:t>
-            </a:r>
-            <a:r>
-              <a:rPr lang="en-US" i="1" dirty="0"/>
-              <a:t>discussion</a:t>
-            </a:r>
-          </a:p>
-          <a:p>
-            <a:pPr algn="ctr"/>
-            <a:r>
-              <a:rPr lang="en-US" i="1" dirty="0"/>
-              <a:t>Homework questions</a:t>
-            </a:r>
-          </a:p>
-          <a:p>
-            <a:pPr algn="ctr"/>
-            <a:endParaRPr lang="en-US" i="1" dirty="0"/>
-          </a:p>
-          <a:p>
-            <a:pPr algn="ctr"/>
-            <a:r>
-              <a:rPr lang="en-US" dirty="0"/>
-              <a:t>Chapter 6</a:t>
-            </a:r>
-          </a:p>
-          <a:p>
-            <a:pPr algn="ctr"/>
-            <a:r>
-              <a:rPr lang="en-US" b="1" u="sng" dirty="0" smtClean="0"/>
-              <a:t>Confidence Interval Estimation: The t Distribution</a:t>
-            </a:r>
-            <a:endParaRPr lang="en-US" b="1" u="sng" dirty="0"/>
-          </a:p>
-          <a:p>
-            <a:pPr algn="ctr"/>
-            <a:r>
-              <a:rPr lang="en-US" i="1" dirty="0" smtClean="0"/>
-              <a:t>Lecture slides</a:t>
-            </a:r>
-            <a:endParaRPr lang="en-US" i="1" dirty="0"/>
-          </a:p>
-          <a:p>
-            <a:pPr algn="ctr"/>
-            <a:r>
-              <a:rPr lang="en-US" i="1" dirty="0" smtClean="0"/>
-              <a:t>(first half)</a:t>
-            </a:r>
-            <a:endParaRPr lang="en-US" i="1" dirty="0"/>
+              <a:t>First half, chapter slides</a:t>
+            </a:r>
+            <a:endParaRPr lang="en-US" i="1" dirty="0" smtClean="0"/>
           </a:p>
         </p:txBody>
       </p:sp>
@@ -4647,10 +4722,74 @@
           </a:prstGeom>
         </p:spPr>
       </p:pic>
+      <p:sp>
+        <p:nvSpPr>
+          <p:cNvPr id="13" name="TextBox 12"/>
+          <p:cNvSpPr txBox="1"/>
+          <p:nvPr/>
+        </p:nvSpPr>
+        <p:spPr>
+          <a:xfrm>
+            <a:off x="2175358" y="2646127"/>
+            <a:ext cx="5005769" cy="1477328"/>
+          </a:xfrm>
+          <a:prstGeom prst="rect">
+            <a:avLst/>
+          </a:prstGeom>
+          <a:noFill/>
+        </p:spPr>
+        <p:txBody>
+          <a:bodyPr wrap="square" rtlCol="0">
+            <a:spAutoFit/>
+          </a:bodyPr>
+          <a:lstStyle/>
+          <a:p>
+            <a:pPr algn="ctr"/>
+            <a:r>
+              <a:rPr lang="en-US" dirty="0" smtClean="0"/>
+              <a:t>Chapter </a:t>
+            </a:r>
+            <a:r>
+              <a:rPr lang="en-US" dirty="0"/>
+              <a:t>8</a:t>
+            </a:r>
+          </a:p>
+          <a:p>
+            <a:pPr algn="ctr"/>
+            <a:r>
+              <a:rPr lang="en-US" b="1" u="sng" dirty="0" smtClean="0"/>
+              <a:t>Effect Size &amp; Power Analysis</a:t>
+            </a:r>
+            <a:endParaRPr lang="en-US" dirty="0" smtClean="0"/>
+          </a:p>
+          <a:p>
+            <a:pPr algn="ctr"/>
+            <a:r>
+              <a:rPr lang="en-US" i="1" dirty="0" smtClean="0"/>
+              <a:t>Chapter slides</a:t>
+            </a:r>
+          </a:p>
+          <a:p>
+            <a:pPr algn="ctr"/>
+            <a:r>
+              <a:rPr lang="en-US" i="1" dirty="0" smtClean="0"/>
+              <a:t>Demo G*Power software</a:t>
+            </a:r>
+          </a:p>
+          <a:p>
+            <a:pPr algn="ctr"/>
+            <a:r>
+              <a:rPr lang="en-US" i="1" dirty="0" smtClean="0"/>
+              <a:t>Homework Help</a:t>
+            </a:r>
+            <a:endParaRPr lang="en-US" i="1" dirty="0" smtClean="0"/>
+          </a:p>
+        </p:txBody>
+      </p:sp>
     </p:spTree>
     <p:extLst>
       <p:ext uri="{BB962C8B-B14F-4D97-AF65-F5344CB8AC3E}">
-        <p14:creationId xmlns:p14="http://schemas.microsoft.com/office/powerpoint/2010/main" val="1136618621"/>
+        <p14:creationId xmlns:p14="http://schemas.microsoft.com/office/powerpoint/2010/main" val="3221510669"/>
       </p:ext>
     </p:extLst>
   </p:cSld>
@@ -4660,7 +4799,7 @@
 </p:sld>
 </file>
 
-<file path=ppt/slides/slide6.xml><?xml version="1.0" encoding="utf-8"?>
+<file path=ppt/slides/slide5.xml><?xml version="1.0" encoding="utf-8"?>
 <p:sld xmlns:a="http://schemas.openxmlformats.org/drawingml/2006/main" xmlns:r="http://schemas.openxmlformats.org/officeDocument/2006/relationships" xmlns:p="http://schemas.openxmlformats.org/presentationml/2006/main">
   <p:cSld>
     <p:spTree>
@@ -4778,7 +4917,15 @@
             <a:pPr algn="ctr"/>
             <a:r>
               <a:rPr lang="en-US" dirty="0" smtClean="0"/>
-              <a:t>Jan. 22, 2020</a:t>
+              <a:t>Feb. </a:t>
+            </a:r>
+            <a:r>
+              <a:rPr lang="en-US" dirty="0" smtClean="0"/>
+              <a:t>10, </a:t>
+            </a:r>
+            <a:r>
+              <a:rPr lang="en-US" dirty="0" smtClean="0"/>
+              <a:t>2020</a:t>
             </a:r>
             <a:endParaRPr lang="en-US" dirty="0"/>
           </a:p>
@@ -4793,7 +4940,7 @@
         <p:spPr>
           <a:xfrm>
             <a:off x="2035110" y="3043759"/>
-            <a:ext cx="5005769" cy="2585323"/>
+            <a:ext cx="5005769" cy="923330"/>
           </a:xfrm>
           <a:prstGeom prst="rect">
             <a:avLst/>
@@ -4808,72 +4955,35 @@
           <a:p>
             <a:pPr algn="ctr"/>
             <a:r>
+              <a:rPr lang="en-US" dirty="0" smtClean="0"/>
+              <a:t>Chapter </a:t>
+            </a:r>
+            <a:r>
               <a:rPr lang="en-US" dirty="0"/>
-              <a:t>Chapter 3</a:t>
-            </a:r>
+              <a:t>7</a:t>
+            </a:r>
+            <a:endParaRPr lang="en-US" dirty="0"/>
           </a:p>
           <a:p>
             <a:pPr algn="ctr"/>
             <a:r>
               <a:rPr lang="en-US" b="1" u="sng" dirty="0"/>
-              <a:t>Variable/Scale, Rounding &amp; Summation</a:t>
+              <a:t>Independent Samples t-Test for </a:t>
+            </a:r>
+            <a:r>
+              <a:rPr lang="en-US" b="1" u="sng" dirty="0" smtClean="0"/>
+              <a:t>Means</a:t>
             </a:r>
           </a:p>
           <a:p>
             <a:pPr algn="ctr"/>
             <a:r>
               <a:rPr lang="en-US" i="1" dirty="0" smtClean="0"/>
-              <a:t>Finish </a:t>
-            </a:r>
-            <a:r>
-              <a:rPr lang="en-US" i="1" dirty="0"/>
-              <a:t>discussion</a:t>
-            </a:r>
-          </a:p>
-          <a:p>
-            <a:pPr algn="ctr"/>
-            <a:r>
-              <a:rPr lang="en-US" i="1" dirty="0"/>
-              <a:t>Homework questions</a:t>
-            </a:r>
-          </a:p>
-          <a:p>
-            <a:pPr algn="ctr"/>
-            <a:endParaRPr lang="en-US" i="1" dirty="0"/>
-          </a:p>
-          <a:p>
-            <a:pPr algn="ctr"/>
-            <a:r>
-              <a:rPr lang="en-US" dirty="0"/>
-              <a:t>Chapter </a:t>
-            </a:r>
-            <a:r>
-              <a:rPr lang="en-US" dirty="0" smtClean="0"/>
-              <a:t>4</a:t>
-            </a:r>
-            <a:endParaRPr lang="en-US" dirty="0"/>
-          </a:p>
-          <a:p>
-            <a:pPr algn="ctr"/>
-            <a:r>
-              <a:rPr lang="en-US" b="1" u="sng" dirty="0" smtClean="0"/>
-              <a:t>Standardized Scores &amp; the Normal Distribution</a:t>
-            </a:r>
-            <a:endParaRPr lang="en-US" b="1" u="sng" dirty="0"/>
-          </a:p>
-          <a:p>
-            <a:pPr algn="ctr"/>
+              <a:t>Mostly Homework </a:t>
+            </a:r>
             <a:r>
               <a:rPr lang="en-US" i="1" dirty="0" smtClean="0"/>
-              <a:t>Lecture slides</a:t>
-            </a:r>
-            <a:endParaRPr lang="en-US" i="1" dirty="0"/>
-          </a:p>
-          <a:p>
-            <a:pPr algn="ctr"/>
-            <a:r>
-              <a:rPr lang="en-US" i="1" dirty="0" smtClean="0"/>
-              <a:t>(first half)</a:t>
+              <a:t>Helps</a:t>
             </a:r>
             <a:endParaRPr lang="en-US" i="1" dirty="0"/>
           </a:p>
@@ -5017,7 +5127,7 @@
     </p:spTree>
     <p:extLst>
       <p:ext uri="{BB962C8B-B14F-4D97-AF65-F5344CB8AC3E}">
-        <p14:creationId xmlns:p14="http://schemas.microsoft.com/office/powerpoint/2010/main" val="2900019700"/>
+        <p14:creationId xmlns:p14="http://schemas.microsoft.com/office/powerpoint/2010/main" val="2916572011"/>
       </p:ext>
     </p:extLst>
   </p:cSld>
@@ -5027,7 +5137,7 @@
 </p:sld>
 </file>
 
-<file path=ppt/slides/slide7.xml><?xml version="1.0" encoding="utf-8"?>
+<file path=ppt/slides/slide6.xml><?xml version="1.0" encoding="utf-8"?>
 <p:sld xmlns:a="http://schemas.openxmlformats.org/drawingml/2006/main" xmlns:r="http://schemas.openxmlformats.org/officeDocument/2006/relationships" xmlns:p="http://schemas.openxmlformats.org/presentationml/2006/main">
   <p:cSld>
     <p:spTree>
@@ -5145,7 +5255,7 @@
             <a:pPr algn="ctr"/>
             <a:r>
               <a:rPr lang="en-US" dirty="0" smtClean="0"/>
-              <a:t>Jan. 15, 2020</a:t>
+              <a:t>Feb. 5, 2020</a:t>
             </a:r>
             <a:endParaRPr lang="en-US" dirty="0"/>
           </a:p>
@@ -5159,8 +5269,8 @@
         </p:nvSpPr>
         <p:spPr>
           <a:xfrm>
-            <a:off x="2318419" y="3043759"/>
-            <a:ext cx="4212906" cy="2585323"/>
+            <a:off x="2035110" y="3043759"/>
+            <a:ext cx="5005769" cy="1477328"/>
           </a:xfrm>
           <a:prstGeom prst="rect">
             <a:avLst/>
@@ -5176,47 +5286,20 @@
             <a:pPr algn="ctr"/>
             <a:r>
               <a:rPr lang="en-US" dirty="0" smtClean="0"/>
-              <a:t>Chapter 1</a:t>
+              <a:t>Chapter </a:t>
+            </a:r>
+            <a:r>
+              <a:rPr lang="en-US" dirty="0"/>
+              <a:t>6</a:t>
             </a:r>
           </a:p>
           <a:p>
             <a:pPr algn="ctr"/>
             <a:r>
               <a:rPr lang="en-US" b="1" u="sng" dirty="0" smtClean="0"/>
-              <a:t>Variable/Scale, Rounding &amp; Summation</a:t>
-            </a:r>
-          </a:p>
-          <a:p>
-            <a:pPr algn="ctr"/>
-            <a:r>
-              <a:rPr lang="en-US" i="1" dirty="0" smtClean="0"/>
-              <a:t>Finish discussion</a:t>
-            </a:r>
-          </a:p>
-          <a:p>
-            <a:pPr algn="ctr"/>
-            <a:r>
-              <a:rPr lang="en-US" i="1" dirty="0" smtClean="0"/>
-              <a:t>Homework questions</a:t>
-            </a:r>
-          </a:p>
-          <a:p>
-            <a:pPr algn="ctr"/>
-            <a:endParaRPr lang="en-US" i="1" dirty="0" smtClean="0"/>
-          </a:p>
-          <a:p>
-            <a:pPr algn="ctr"/>
-            <a:r>
-              <a:rPr lang="en-US" dirty="0"/>
-              <a:t>Chapter 2 </a:t>
-            </a:r>
-          </a:p>
-          <a:p>
-            <a:pPr algn="ctr"/>
-            <a:r>
-              <a:rPr lang="en-US" b="1" u="sng" dirty="0"/>
-              <a:t>Exploring Data with Plots</a:t>
-            </a:r>
+              <a:t>Confidence Interval Estimation: The t Distribution</a:t>
+            </a:r>
+            <a:endParaRPr lang="en-US" b="1" u="sng" dirty="0"/>
           </a:p>
           <a:p>
             <a:pPr algn="ctr"/>
@@ -5229,12 +5312,15 @@
           <a:p>
             <a:pPr algn="ctr"/>
             <a:r>
-              <a:rPr lang="en-US" i="1" dirty="0"/>
-              <a:t>Homework </a:t>
-            </a:r>
-            <a:r>
               <a:rPr lang="en-US" i="1" dirty="0" smtClean="0"/>
-              <a:t>questions</a:t>
+              <a:t>(second half)</a:t>
+            </a:r>
+          </a:p>
+          <a:p>
+            <a:pPr algn="ctr"/>
+            <a:r>
+              <a:rPr lang="en-US" i="1" dirty="0" smtClean="0"/>
+              <a:t>Homework Helps</a:t>
             </a:r>
             <a:endParaRPr lang="en-US" i="1" dirty="0"/>
           </a:p>
@@ -5378,7 +5464,344 @@
     </p:spTree>
     <p:extLst>
       <p:ext uri="{BB962C8B-B14F-4D97-AF65-F5344CB8AC3E}">
-        <p14:creationId xmlns:p14="http://schemas.microsoft.com/office/powerpoint/2010/main" val="3290463226"/>
+        <p14:creationId xmlns:p14="http://schemas.microsoft.com/office/powerpoint/2010/main" val="3019460125"/>
+      </p:ext>
+    </p:extLst>
+  </p:cSld>
+  <p:clrMapOvr>
+    <a:masterClrMapping/>
+  </p:clrMapOvr>
+</p:sld>
+</file>
+
+<file path=ppt/slides/slide7.xml><?xml version="1.0" encoding="utf-8"?>
+<p:sld xmlns:a="http://schemas.openxmlformats.org/drawingml/2006/main" xmlns:r="http://schemas.openxmlformats.org/officeDocument/2006/relationships" xmlns:p="http://schemas.openxmlformats.org/presentationml/2006/main">
+  <p:cSld>
+    <p:spTree>
+      <p:nvGrpSpPr>
+        <p:cNvPr id="1" name=""/>
+        <p:cNvGrpSpPr/>
+        <p:nvPr/>
+      </p:nvGrpSpPr>
+      <p:grpSpPr>
+        <a:xfrm>
+          <a:off x="0" y="0"/>
+          <a:ext cx="0" cy="0"/>
+          <a:chOff x="0" y="0"/>
+          <a:chExt cx="0" cy="0"/>
+        </a:xfrm>
+      </p:grpSpPr>
+      <p:sp>
+        <p:nvSpPr>
+          <p:cNvPr id="4" name="Rectangle 3"/>
+          <p:cNvSpPr/>
+          <p:nvPr/>
+        </p:nvSpPr>
+        <p:spPr>
+          <a:xfrm>
+            <a:off x="1808702" y="824230"/>
+            <a:ext cx="8778240" cy="5010912"/>
+          </a:xfrm>
+          <a:prstGeom prst="rect">
+            <a:avLst/>
+          </a:prstGeom>
+          <a:solidFill>
+            <a:schemeClr val="bg1">
+              <a:lumMod val="95000"/>
+            </a:schemeClr>
+          </a:solidFill>
+          <a:ln w="38100"/>
+        </p:spPr>
+        <p:style>
+          <a:lnRef idx="2">
+            <a:schemeClr val="accent1">
+              <a:shade val="50000"/>
+            </a:schemeClr>
+          </a:lnRef>
+          <a:fillRef idx="1">
+            <a:schemeClr val="accent1"/>
+          </a:fillRef>
+          <a:effectRef idx="0">
+            <a:schemeClr val="accent1"/>
+          </a:effectRef>
+          <a:fontRef idx="minor">
+            <a:schemeClr val="lt1"/>
+          </a:fontRef>
+        </p:style>
+        <p:txBody>
+          <a:bodyPr rtlCol="0" anchor="ctr"/>
+          <a:lstStyle/>
+          <a:p>
+            <a:pPr algn="ctr"/>
+            <a:endParaRPr lang="en-US"/>
+          </a:p>
+        </p:txBody>
+      </p:sp>
+      <p:sp>
+        <p:nvSpPr>
+          <p:cNvPr id="7" name="TextBox 6"/>
+          <p:cNvSpPr txBox="1"/>
+          <p:nvPr/>
+        </p:nvSpPr>
+        <p:spPr>
+          <a:xfrm>
+            <a:off x="3840385" y="1213849"/>
+            <a:ext cx="5712369" cy="923330"/>
+          </a:xfrm>
+          <a:prstGeom prst="rect">
+            <a:avLst/>
+          </a:prstGeom>
+          <a:noFill/>
+        </p:spPr>
+        <p:txBody>
+          <a:bodyPr wrap="square" rtlCol="0">
+            <a:spAutoFit/>
+          </a:bodyPr>
+          <a:lstStyle/>
+          <a:p>
+            <a:r>
+              <a:rPr lang="en-US" sz="5400" dirty="0" smtClean="0"/>
+              <a:t>INCLASS LECTURES</a:t>
+            </a:r>
+            <a:endParaRPr lang="en-US" sz="5400" dirty="0"/>
+          </a:p>
+        </p:txBody>
+      </p:sp>
+      <p:sp>
+        <p:nvSpPr>
+          <p:cNvPr id="8" name="TextBox 7"/>
+          <p:cNvSpPr txBox="1"/>
+          <p:nvPr/>
+        </p:nvSpPr>
+        <p:spPr>
+          <a:xfrm>
+            <a:off x="7731444" y="5278932"/>
+            <a:ext cx="2076450" cy="369332"/>
+          </a:xfrm>
+          <a:prstGeom prst="rect">
+            <a:avLst/>
+          </a:prstGeom>
+          <a:noFill/>
+        </p:spPr>
+        <p:txBody>
+          <a:bodyPr wrap="square" rtlCol="0">
+            <a:spAutoFit/>
+          </a:bodyPr>
+          <a:lstStyle/>
+          <a:p>
+            <a:pPr algn="ctr"/>
+            <a:r>
+              <a:rPr lang="en-US" dirty="0" smtClean="0"/>
+              <a:t>Feb. 5, 2020</a:t>
+            </a:r>
+            <a:endParaRPr lang="en-US" dirty="0"/>
+          </a:p>
+        </p:txBody>
+      </p:sp>
+      <p:sp>
+        <p:nvSpPr>
+          <p:cNvPr id="9" name="TextBox 8"/>
+          <p:cNvSpPr txBox="1"/>
+          <p:nvPr/>
+        </p:nvSpPr>
+        <p:spPr>
+          <a:xfrm>
+            <a:off x="2035110" y="3043759"/>
+            <a:ext cx="5005769" cy="1477328"/>
+          </a:xfrm>
+          <a:prstGeom prst="rect">
+            <a:avLst/>
+          </a:prstGeom>
+          <a:noFill/>
+        </p:spPr>
+        <p:txBody>
+          <a:bodyPr wrap="square" rtlCol="0">
+            <a:spAutoFit/>
+          </a:bodyPr>
+          <a:lstStyle/>
+          <a:p>
+            <a:pPr algn="ctr"/>
+            <a:r>
+              <a:rPr lang="en-US" dirty="0" smtClean="0"/>
+              <a:t>Chapter </a:t>
+            </a:r>
+            <a:r>
+              <a:rPr lang="en-US" dirty="0"/>
+              <a:t>6</a:t>
+            </a:r>
+          </a:p>
+          <a:p>
+            <a:pPr algn="ctr"/>
+            <a:r>
+              <a:rPr lang="en-US" b="1" u="sng" dirty="0" smtClean="0"/>
+              <a:t>Confidence Interval Estimation: The t Distribution</a:t>
+            </a:r>
+            <a:endParaRPr lang="en-US" b="1" u="sng" dirty="0"/>
+          </a:p>
+          <a:p>
+            <a:pPr algn="ctr"/>
+            <a:r>
+              <a:rPr lang="en-US" i="1" dirty="0" smtClean="0"/>
+              <a:t>Lecture slides</a:t>
+            </a:r>
+            <a:endParaRPr lang="en-US" i="1" dirty="0"/>
+          </a:p>
+          <a:p>
+            <a:pPr algn="ctr"/>
+            <a:r>
+              <a:rPr lang="en-US" i="1" dirty="0" smtClean="0"/>
+              <a:t>(second half)</a:t>
+            </a:r>
+          </a:p>
+          <a:p>
+            <a:pPr algn="ctr"/>
+            <a:r>
+              <a:rPr lang="en-US" i="1" dirty="0" smtClean="0"/>
+              <a:t>Homework Helps</a:t>
+            </a:r>
+            <a:endParaRPr lang="en-US" i="1" dirty="0"/>
+          </a:p>
+        </p:txBody>
+      </p:sp>
+      <p:grpSp>
+        <p:nvGrpSpPr>
+          <p:cNvPr id="14" name="Group 13"/>
+          <p:cNvGrpSpPr/>
+          <p:nvPr/>
+        </p:nvGrpSpPr>
+        <p:grpSpPr>
+          <a:xfrm>
+            <a:off x="7198839" y="2137179"/>
+            <a:ext cx="3141660" cy="3193339"/>
+            <a:chOff x="7047391" y="1961976"/>
+            <a:chExt cx="3141660" cy="3193339"/>
+          </a:xfrm>
+        </p:grpSpPr>
+        <p:pic>
+          <p:nvPicPr>
+            <p:cNvPr id="2" name="Picture 1"/>
+            <p:cNvPicPr>
+              <a:picLocks noChangeAspect="1"/>
+            </p:cNvPicPr>
+            <p:nvPr/>
+          </p:nvPicPr>
+          <p:blipFill>
+            <a:blip r:embed="rId2" cstate="print">
+              <a:extLst>
+                <a:ext uri="{28A0092B-C50C-407E-A947-70E740481C1C}">
+                  <a14:useLocalDpi xmlns:a14="http://schemas.microsoft.com/office/drawing/2010/main" val="0"/>
+                </a:ext>
+              </a:extLst>
+            </a:blip>
+            <a:stretch>
+              <a:fillRect/>
+            </a:stretch>
+          </p:blipFill>
+          <p:spPr>
+            <a:xfrm>
+              <a:off x="7047391" y="3320161"/>
+              <a:ext cx="1578867" cy="1828804"/>
+            </a:xfrm>
+            <a:prstGeom prst="rect">
+              <a:avLst/>
+            </a:prstGeom>
+          </p:spPr>
+        </p:pic>
+        <p:pic>
+          <p:nvPicPr>
+            <p:cNvPr id="3" name="Picture 2"/>
+            <p:cNvPicPr>
+              <a:picLocks noChangeAspect="1"/>
+            </p:cNvPicPr>
+            <p:nvPr/>
+          </p:nvPicPr>
+          <p:blipFill>
+            <a:blip r:embed="rId3" cstate="print">
+              <a:extLst>
+                <a:ext uri="{28A0092B-C50C-407E-A947-70E740481C1C}">
+                  <a14:useLocalDpi xmlns:a14="http://schemas.microsoft.com/office/drawing/2010/main" val="0"/>
+                </a:ext>
+              </a:extLst>
+            </a:blip>
+            <a:stretch>
+              <a:fillRect/>
+            </a:stretch>
+          </p:blipFill>
+          <p:spPr>
+            <a:xfrm>
+              <a:off x="7830475" y="1961976"/>
+              <a:ext cx="1578867" cy="1828804"/>
+            </a:xfrm>
+            <a:prstGeom prst="rect">
+              <a:avLst/>
+            </a:prstGeom>
+          </p:spPr>
+        </p:pic>
+        <p:pic>
+          <p:nvPicPr>
+            <p:cNvPr id="11" name="Picture 10"/>
+            <p:cNvPicPr>
+              <a:picLocks noChangeAspect="1"/>
+            </p:cNvPicPr>
+            <p:nvPr/>
+          </p:nvPicPr>
+          <p:blipFill>
+            <a:blip r:embed="rId4" cstate="print">
+              <a:extLst>
+                <a:ext uri="{28A0092B-C50C-407E-A947-70E740481C1C}">
+                  <a14:useLocalDpi xmlns:a14="http://schemas.microsoft.com/office/drawing/2010/main" val="0"/>
+                </a:ext>
+              </a:extLst>
+            </a:blip>
+            <a:stretch>
+              <a:fillRect/>
+            </a:stretch>
+          </p:blipFill>
+          <p:spPr>
+            <a:xfrm>
+              <a:off x="8610184" y="3326511"/>
+              <a:ext cx="1578867" cy="1828804"/>
+            </a:xfrm>
+            <a:prstGeom prst="rect">
+              <a:avLst/>
+            </a:prstGeom>
+          </p:spPr>
+        </p:pic>
+      </p:grpSp>
+      <p:pic>
+        <p:nvPicPr>
+          <p:cNvPr id="12" name="Picture 11"/>
+          <p:cNvPicPr>
+            <a:picLocks noChangeAspect="1"/>
+          </p:cNvPicPr>
+          <p:nvPr/>
+        </p:nvPicPr>
+        <p:blipFill>
+          <a:blip r:embed="rId5" cstate="print">
+            <a:extLst>
+              <a:ext uri="{28A0092B-C50C-407E-A947-70E740481C1C}">
+                <a14:useLocalDpi xmlns:a14="http://schemas.microsoft.com/office/drawing/2010/main" val="0"/>
+              </a:ext>
+            </a:extLst>
+          </a:blip>
+          <a:stretch>
+            <a:fillRect/>
+          </a:stretch>
+        </p:blipFill>
+        <p:spPr>
+          <a:xfrm>
+            <a:off x="2035110" y="1019593"/>
+            <a:ext cx="1578867" cy="1828804"/>
+          </a:xfrm>
+          <a:prstGeom prst="rect">
+            <a:avLst/>
+          </a:prstGeom>
+        </p:spPr>
+      </p:pic>
+    </p:spTree>
+    <p:extLst>
+      <p:ext uri="{BB962C8B-B14F-4D97-AF65-F5344CB8AC3E}">
+        <p14:creationId xmlns:p14="http://schemas.microsoft.com/office/powerpoint/2010/main" val="4154058086"/>
       </p:ext>
     </p:extLst>
   </p:cSld>
@@ -5405,51 +5828,26 @@
           <a:chExt cx="0" cy="0"/>
         </a:xfrm>
       </p:grpSpPr>
-      <p:pic>
-        <p:nvPicPr>
-          <p:cNvPr id="2" name="Picture 1"/>
-          <p:cNvPicPr>
-            <a:picLocks noChangeAspect="1"/>
-          </p:cNvPicPr>
+      <p:sp>
+        <p:nvSpPr>
+          <p:cNvPr id="4" name="Rectangle 3"/>
+          <p:cNvSpPr/>
           <p:nvPr/>
-        </p:nvPicPr>
-        <p:blipFill>
-          <a:blip r:embed="rId2" cstate="print">
-            <a:extLst>
-              <a:ext uri="{28A0092B-C50C-407E-A947-70E740481C1C}">
-                <a14:useLocalDpi xmlns:a14="http://schemas.microsoft.com/office/drawing/2010/main" val="0"/>
-              </a:ext>
-            </a:extLst>
-          </a:blip>
-          <a:stretch>
-            <a:fillRect/>
-          </a:stretch>
-        </p:blipFill>
-        <p:spPr>
-          <a:xfrm>
-            <a:off x="5306566" y="2514598"/>
-            <a:ext cx="1578867" cy="1828804"/>
+        </p:nvSpPr>
+        <p:spPr>
+          <a:xfrm>
+            <a:off x="1808702" y="824230"/>
+            <a:ext cx="8778240" cy="5010912"/>
           </a:xfrm>
           <a:prstGeom prst="rect">
             <a:avLst/>
           </a:prstGeom>
-        </p:spPr>
-      </p:pic>
-      <p:sp>
-        <p:nvSpPr>
-          <p:cNvPr id="3" name="Rectangle 2"/>
-          <p:cNvSpPr/>
-          <p:nvPr/>
-        </p:nvSpPr>
-        <p:spPr>
-          <a:xfrm>
-            <a:off x="5054138" y="2394066"/>
-            <a:ext cx="2094807" cy="2078182"/>
-          </a:xfrm>
-          <a:prstGeom prst="rect">
-            <a:avLst/>
-          </a:prstGeom>
-          <a:noFill/>
+          <a:solidFill>
+            <a:schemeClr val="bg1">
+              <a:lumMod val="95000"/>
+            </a:schemeClr>
+          </a:solidFill>
+          <a:ln w="38100"/>
         </p:spPr>
         <p:style>
           <a:lnRef idx="2">
@@ -5476,10 +5874,669 @@
           </a:p>
         </p:txBody>
       </p:sp>
+      <p:sp>
+        <p:nvSpPr>
+          <p:cNvPr id="7" name="TextBox 6"/>
+          <p:cNvSpPr txBox="1"/>
+          <p:nvPr/>
+        </p:nvSpPr>
+        <p:spPr>
+          <a:xfrm>
+            <a:off x="3840385" y="1213849"/>
+            <a:ext cx="5712369" cy="923330"/>
+          </a:xfrm>
+          <a:prstGeom prst="rect">
+            <a:avLst/>
+          </a:prstGeom>
+          <a:noFill/>
+        </p:spPr>
+        <p:txBody>
+          <a:bodyPr wrap="square" rtlCol="0">
+            <a:spAutoFit/>
+          </a:bodyPr>
+          <a:lstStyle/>
+          <a:p>
+            <a:r>
+              <a:rPr lang="en-US" sz="5400" dirty="0" smtClean="0"/>
+              <a:t>INCLASS LECTURES</a:t>
+            </a:r>
+            <a:endParaRPr lang="en-US" sz="5400" dirty="0"/>
+          </a:p>
+        </p:txBody>
+      </p:sp>
+      <p:sp>
+        <p:nvSpPr>
+          <p:cNvPr id="8" name="TextBox 7"/>
+          <p:cNvSpPr txBox="1"/>
+          <p:nvPr/>
+        </p:nvSpPr>
+        <p:spPr>
+          <a:xfrm>
+            <a:off x="7731444" y="5278932"/>
+            <a:ext cx="2076450" cy="369332"/>
+          </a:xfrm>
+          <a:prstGeom prst="rect">
+            <a:avLst/>
+          </a:prstGeom>
+          <a:noFill/>
+        </p:spPr>
+        <p:txBody>
+          <a:bodyPr wrap="square" rtlCol="0">
+            <a:spAutoFit/>
+          </a:bodyPr>
+          <a:lstStyle/>
+          <a:p>
+            <a:pPr algn="ctr"/>
+            <a:r>
+              <a:rPr lang="en-US" dirty="0" smtClean="0"/>
+              <a:t>Feb. 3, 2020</a:t>
+            </a:r>
+            <a:endParaRPr lang="en-US" dirty="0"/>
+          </a:p>
+        </p:txBody>
+      </p:sp>
+      <p:sp>
+        <p:nvSpPr>
+          <p:cNvPr id="9" name="TextBox 8"/>
+          <p:cNvSpPr txBox="1"/>
+          <p:nvPr/>
+        </p:nvSpPr>
+        <p:spPr>
+          <a:xfrm>
+            <a:off x="2035110" y="3043759"/>
+            <a:ext cx="5005769" cy="2585323"/>
+          </a:xfrm>
+          <a:prstGeom prst="rect">
+            <a:avLst/>
+          </a:prstGeom>
+          <a:noFill/>
+        </p:spPr>
+        <p:txBody>
+          <a:bodyPr wrap="square" rtlCol="0">
+            <a:spAutoFit/>
+          </a:bodyPr>
+          <a:lstStyle/>
+          <a:p>
+            <a:pPr algn="ctr"/>
+            <a:r>
+              <a:rPr lang="en-US" dirty="0"/>
+              <a:t>Chapter </a:t>
+            </a:r>
+            <a:r>
+              <a:rPr lang="en-US" dirty="0" smtClean="0"/>
+              <a:t>5</a:t>
+            </a:r>
+            <a:endParaRPr lang="en-US" dirty="0"/>
+          </a:p>
+          <a:p>
+            <a:pPr algn="ctr"/>
+            <a:r>
+              <a:rPr lang="en-US" b="1" u="sng" dirty="0" smtClean="0"/>
+              <a:t>Intro to Hypothesis Testing: 1 sample z-Test</a:t>
+            </a:r>
+            <a:endParaRPr lang="en-US" b="1" u="sng" dirty="0"/>
+          </a:p>
+          <a:p>
+            <a:pPr algn="ctr"/>
+            <a:r>
+              <a:rPr lang="en-US" i="1" dirty="0" smtClean="0"/>
+              <a:t>Finish </a:t>
+            </a:r>
+            <a:r>
+              <a:rPr lang="en-US" i="1" dirty="0"/>
+              <a:t>discussion</a:t>
+            </a:r>
+          </a:p>
+          <a:p>
+            <a:pPr algn="ctr"/>
+            <a:r>
+              <a:rPr lang="en-US" i="1" dirty="0"/>
+              <a:t>Homework questions</a:t>
+            </a:r>
+          </a:p>
+          <a:p>
+            <a:pPr algn="ctr"/>
+            <a:endParaRPr lang="en-US" i="1" dirty="0"/>
+          </a:p>
+          <a:p>
+            <a:pPr algn="ctr"/>
+            <a:r>
+              <a:rPr lang="en-US" dirty="0"/>
+              <a:t>Chapter 6</a:t>
+            </a:r>
+          </a:p>
+          <a:p>
+            <a:pPr algn="ctr"/>
+            <a:r>
+              <a:rPr lang="en-US" b="1" u="sng" dirty="0" smtClean="0"/>
+              <a:t>Confidence Interval Estimation: The t Distribution</a:t>
+            </a:r>
+            <a:endParaRPr lang="en-US" b="1" u="sng" dirty="0"/>
+          </a:p>
+          <a:p>
+            <a:pPr algn="ctr"/>
+            <a:r>
+              <a:rPr lang="en-US" i="1" dirty="0" smtClean="0"/>
+              <a:t>Lecture slides</a:t>
+            </a:r>
+            <a:endParaRPr lang="en-US" i="1" dirty="0"/>
+          </a:p>
+          <a:p>
+            <a:pPr algn="ctr"/>
+            <a:r>
+              <a:rPr lang="en-US" i="1" dirty="0" smtClean="0"/>
+              <a:t>(first half)</a:t>
+            </a:r>
+            <a:endParaRPr lang="en-US" i="1" dirty="0"/>
+          </a:p>
+        </p:txBody>
+      </p:sp>
+      <p:grpSp>
+        <p:nvGrpSpPr>
+          <p:cNvPr id="14" name="Group 13"/>
+          <p:cNvGrpSpPr/>
+          <p:nvPr/>
+        </p:nvGrpSpPr>
+        <p:grpSpPr>
+          <a:xfrm>
+            <a:off x="7198839" y="2137179"/>
+            <a:ext cx="3141660" cy="3193339"/>
+            <a:chOff x="7047391" y="1961976"/>
+            <a:chExt cx="3141660" cy="3193339"/>
+          </a:xfrm>
+        </p:grpSpPr>
+        <p:pic>
+          <p:nvPicPr>
+            <p:cNvPr id="2" name="Picture 1"/>
+            <p:cNvPicPr>
+              <a:picLocks noChangeAspect="1"/>
+            </p:cNvPicPr>
+            <p:nvPr/>
+          </p:nvPicPr>
+          <p:blipFill>
+            <a:blip r:embed="rId2" cstate="print">
+              <a:extLst>
+                <a:ext uri="{28A0092B-C50C-407E-A947-70E740481C1C}">
+                  <a14:useLocalDpi xmlns:a14="http://schemas.microsoft.com/office/drawing/2010/main" val="0"/>
+                </a:ext>
+              </a:extLst>
+            </a:blip>
+            <a:stretch>
+              <a:fillRect/>
+            </a:stretch>
+          </p:blipFill>
+          <p:spPr>
+            <a:xfrm>
+              <a:off x="7047391" y="3320161"/>
+              <a:ext cx="1578867" cy="1828804"/>
+            </a:xfrm>
+            <a:prstGeom prst="rect">
+              <a:avLst/>
+            </a:prstGeom>
+          </p:spPr>
+        </p:pic>
+        <p:pic>
+          <p:nvPicPr>
+            <p:cNvPr id="3" name="Picture 2"/>
+            <p:cNvPicPr>
+              <a:picLocks noChangeAspect="1"/>
+            </p:cNvPicPr>
+            <p:nvPr/>
+          </p:nvPicPr>
+          <p:blipFill>
+            <a:blip r:embed="rId3" cstate="print">
+              <a:extLst>
+                <a:ext uri="{28A0092B-C50C-407E-A947-70E740481C1C}">
+                  <a14:useLocalDpi xmlns:a14="http://schemas.microsoft.com/office/drawing/2010/main" val="0"/>
+                </a:ext>
+              </a:extLst>
+            </a:blip>
+            <a:stretch>
+              <a:fillRect/>
+            </a:stretch>
+          </p:blipFill>
+          <p:spPr>
+            <a:xfrm>
+              <a:off x="7830475" y="1961976"/>
+              <a:ext cx="1578867" cy="1828804"/>
+            </a:xfrm>
+            <a:prstGeom prst="rect">
+              <a:avLst/>
+            </a:prstGeom>
+          </p:spPr>
+        </p:pic>
+        <p:pic>
+          <p:nvPicPr>
+            <p:cNvPr id="11" name="Picture 10"/>
+            <p:cNvPicPr>
+              <a:picLocks noChangeAspect="1"/>
+            </p:cNvPicPr>
+            <p:nvPr/>
+          </p:nvPicPr>
+          <p:blipFill>
+            <a:blip r:embed="rId4" cstate="print">
+              <a:extLst>
+                <a:ext uri="{28A0092B-C50C-407E-A947-70E740481C1C}">
+                  <a14:useLocalDpi xmlns:a14="http://schemas.microsoft.com/office/drawing/2010/main" val="0"/>
+                </a:ext>
+              </a:extLst>
+            </a:blip>
+            <a:stretch>
+              <a:fillRect/>
+            </a:stretch>
+          </p:blipFill>
+          <p:spPr>
+            <a:xfrm>
+              <a:off x="8610184" y="3326511"/>
+              <a:ext cx="1578867" cy="1828804"/>
+            </a:xfrm>
+            <a:prstGeom prst="rect">
+              <a:avLst/>
+            </a:prstGeom>
+          </p:spPr>
+        </p:pic>
+      </p:grpSp>
+      <p:pic>
+        <p:nvPicPr>
+          <p:cNvPr id="12" name="Picture 11"/>
+          <p:cNvPicPr>
+            <a:picLocks noChangeAspect="1"/>
+          </p:cNvPicPr>
+          <p:nvPr/>
+        </p:nvPicPr>
+        <p:blipFill>
+          <a:blip r:embed="rId5" cstate="print">
+            <a:extLst>
+              <a:ext uri="{28A0092B-C50C-407E-A947-70E740481C1C}">
+                <a14:useLocalDpi xmlns:a14="http://schemas.microsoft.com/office/drawing/2010/main" val="0"/>
+              </a:ext>
+            </a:extLst>
+          </a:blip>
+          <a:stretch>
+            <a:fillRect/>
+          </a:stretch>
+        </p:blipFill>
+        <p:spPr>
+          <a:xfrm>
+            <a:off x="2035110" y="1019593"/>
+            <a:ext cx="1578867" cy="1828804"/>
+          </a:xfrm>
+          <a:prstGeom prst="rect">
+            <a:avLst/>
+          </a:prstGeom>
+        </p:spPr>
+      </p:pic>
     </p:spTree>
     <p:extLst>
       <p:ext uri="{BB962C8B-B14F-4D97-AF65-F5344CB8AC3E}">
-        <p14:creationId xmlns:p14="http://schemas.microsoft.com/office/powerpoint/2010/main" val="2048573925"/>
+        <p14:creationId xmlns:p14="http://schemas.microsoft.com/office/powerpoint/2010/main" val="1136618621"/>
+      </p:ext>
+    </p:extLst>
+  </p:cSld>
+  <p:clrMapOvr>
+    <a:masterClrMapping/>
+  </p:clrMapOvr>
+</p:sld>
+</file>
+
+<file path=ppt/slides/slide9.xml><?xml version="1.0" encoding="utf-8"?>
+<p:sld xmlns:a="http://schemas.openxmlformats.org/drawingml/2006/main" xmlns:r="http://schemas.openxmlformats.org/officeDocument/2006/relationships" xmlns:p="http://schemas.openxmlformats.org/presentationml/2006/main">
+  <p:cSld>
+    <p:spTree>
+      <p:nvGrpSpPr>
+        <p:cNvPr id="1" name=""/>
+        <p:cNvGrpSpPr/>
+        <p:nvPr/>
+      </p:nvGrpSpPr>
+      <p:grpSpPr>
+        <a:xfrm>
+          <a:off x="0" y="0"/>
+          <a:ext cx="0" cy="0"/>
+          <a:chOff x="0" y="0"/>
+          <a:chExt cx="0" cy="0"/>
+        </a:xfrm>
+      </p:grpSpPr>
+      <p:sp>
+        <p:nvSpPr>
+          <p:cNvPr id="4" name="Rectangle 3"/>
+          <p:cNvSpPr/>
+          <p:nvPr/>
+        </p:nvSpPr>
+        <p:spPr>
+          <a:xfrm>
+            <a:off x="1808702" y="824230"/>
+            <a:ext cx="8778240" cy="5010912"/>
+          </a:xfrm>
+          <a:prstGeom prst="rect">
+            <a:avLst/>
+          </a:prstGeom>
+          <a:solidFill>
+            <a:schemeClr val="bg1">
+              <a:lumMod val="95000"/>
+            </a:schemeClr>
+          </a:solidFill>
+          <a:ln w="38100"/>
+        </p:spPr>
+        <p:style>
+          <a:lnRef idx="2">
+            <a:schemeClr val="accent1">
+              <a:shade val="50000"/>
+            </a:schemeClr>
+          </a:lnRef>
+          <a:fillRef idx="1">
+            <a:schemeClr val="accent1"/>
+          </a:fillRef>
+          <a:effectRef idx="0">
+            <a:schemeClr val="accent1"/>
+          </a:effectRef>
+          <a:fontRef idx="minor">
+            <a:schemeClr val="lt1"/>
+          </a:fontRef>
+        </p:style>
+        <p:txBody>
+          <a:bodyPr rtlCol="0" anchor="ctr"/>
+          <a:lstStyle/>
+          <a:p>
+            <a:pPr algn="ctr"/>
+            <a:endParaRPr lang="en-US"/>
+          </a:p>
+        </p:txBody>
+      </p:sp>
+      <p:sp>
+        <p:nvSpPr>
+          <p:cNvPr id="7" name="TextBox 6"/>
+          <p:cNvSpPr txBox="1"/>
+          <p:nvPr/>
+        </p:nvSpPr>
+        <p:spPr>
+          <a:xfrm>
+            <a:off x="3840385" y="1213849"/>
+            <a:ext cx="5712369" cy="923330"/>
+          </a:xfrm>
+          <a:prstGeom prst="rect">
+            <a:avLst/>
+          </a:prstGeom>
+          <a:noFill/>
+        </p:spPr>
+        <p:txBody>
+          <a:bodyPr wrap="square" rtlCol="0">
+            <a:spAutoFit/>
+          </a:bodyPr>
+          <a:lstStyle/>
+          <a:p>
+            <a:r>
+              <a:rPr lang="en-US" sz="5400" dirty="0" smtClean="0"/>
+              <a:t>INCLASS LECTURES</a:t>
+            </a:r>
+            <a:endParaRPr lang="en-US" sz="5400" dirty="0"/>
+          </a:p>
+        </p:txBody>
+      </p:sp>
+      <p:sp>
+        <p:nvSpPr>
+          <p:cNvPr id="8" name="TextBox 7"/>
+          <p:cNvSpPr txBox="1"/>
+          <p:nvPr/>
+        </p:nvSpPr>
+        <p:spPr>
+          <a:xfrm>
+            <a:off x="7731444" y="5278932"/>
+            <a:ext cx="2076450" cy="369332"/>
+          </a:xfrm>
+          <a:prstGeom prst="rect">
+            <a:avLst/>
+          </a:prstGeom>
+          <a:noFill/>
+        </p:spPr>
+        <p:txBody>
+          <a:bodyPr wrap="square" rtlCol="0">
+            <a:spAutoFit/>
+          </a:bodyPr>
+          <a:lstStyle/>
+          <a:p>
+            <a:pPr algn="ctr"/>
+            <a:r>
+              <a:rPr lang="en-US" dirty="0" smtClean="0"/>
+              <a:t>Jan. 22, 2020</a:t>
+            </a:r>
+            <a:endParaRPr lang="en-US" dirty="0"/>
+          </a:p>
+        </p:txBody>
+      </p:sp>
+      <p:sp>
+        <p:nvSpPr>
+          <p:cNvPr id="9" name="TextBox 8"/>
+          <p:cNvSpPr txBox="1"/>
+          <p:nvPr/>
+        </p:nvSpPr>
+        <p:spPr>
+          <a:xfrm>
+            <a:off x="2035110" y="3043759"/>
+            <a:ext cx="5005769" cy="2585323"/>
+          </a:xfrm>
+          <a:prstGeom prst="rect">
+            <a:avLst/>
+          </a:prstGeom>
+          <a:noFill/>
+        </p:spPr>
+        <p:txBody>
+          <a:bodyPr wrap="square" rtlCol="0">
+            <a:spAutoFit/>
+          </a:bodyPr>
+          <a:lstStyle/>
+          <a:p>
+            <a:pPr algn="ctr"/>
+            <a:r>
+              <a:rPr lang="en-US" dirty="0"/>
+              <a:t>Chapter 3</a:t>
+            </a:r>
+          </a:p>
+          <a:p>
+            <a:pPr algn="ctr"/>
+            <a:r>
+              <a:rPr lang="en-US" b="1" u="sng" dirty="0"/>
+              <a:t>Variable/Scale, Rounding &amp; Summation</a:t>
+            </a:r>
+          </a:p>
+          <a:p>
+            <a:pPr algn="ctr"/>
+            <a:r>
+              <a:rPr lang="en-US" i="1" dirty="0" smtClean="0"/>
+              <a:t>Finish </a:t>
+            </a:r>
+            <a:r>
+              <a:rPr lang="en-US" i="1" dirty="0"/>
+              <a:t>discussion</a:t>
+            </a:r>
+          </a:p>
+          <a:p>
+            <a:pPr algn="ctr"/>
+            <a:r>
+              <a:rPr lang="en-US" i="1" dirty="0"/>
+              <a:t>Homework questions</a:t>
+            </a:r>
+          </a:p>
+          <a:p>
+            <a:pPr algn="ctr"/>
+            <a:endParaRPr lang="en-US" i="1" dirty="0"/>
+          </a:p>
+          <a:p>
+            <a:pPr algn="ctr"/>
+            <a:r>
+              <a:rPr lang="en-US" dirty="0"/>
+              <a:t>Chapter </a:t>
+            </a:r>
+            <a:r>
+              <a:rPr lang="en-US" dirty="0" smtClean="0"/>
+              <a:t>4</a:t>
+            </a:r>
+            <a:endParaRPr lang="en-US" dirty="0"/>
+          </a:p>
+          <a:p>
+            <a:pPr algn="ctr"/>
+            <a:r>
+              <a:rPr lang="en-US" b="1" u="sng" dirty="0" smtClean="0"/>
+              <a:t>Standardized Scores &amp; the Normal Distribution</a:t>
+            </a:r>
+            <a:endParaRPr lang="en-US" b="1" u="sng" dirty="0"/>
+          </a:p>
+          <a:p>
+            <a:pPr algn="ctr"/>
+            <a:r>
+              <a:rPr lang="en-US" i="1" dirty="0" smtClean="0"/>
+              <a:t>Lecture slides</a:t>
+            </a:r>
+            <a:endParaRPr lang="en-US" i="1" dirty="0"/>
+          </a:p>
+          <a:p>
+            <a:pPr algn="ctr"/>
+            <a:r>
+              <a:rPr lang="en-US" i="1" dirty="0" smtClean="0"/>
+              <a:t>(first half)</a:t>
+            </a:r>
+            <a:endParaRPr lang="en-US" i="1" dirty="0"/>
+          </a:p>
+        </p:txBody>
+      </p:sp>
+      <p:grpSp>
+        <p:nvGrpSpPr>
+          <p:cNvPr id="14" name="Group 13"/>
+          <p:cNvGrpSpPr/>
+          <p:nvPr/>
+        </p:nvGrpSpPr>
+        <p:grpSpPr>
+          <a:xfrm>
+            <a:off x="7198839" y="2137179"/>
+            <a:ext cx="3141660" cy="3193339"/>
+            <a:chOff x="7047391" y="1961976"/>
+            <a:chExt cx="3141660" cy="3193339"/>
+          </a:xfrm>
+        </p:grpSpPr>
+        <p:pic>
+          <p:nvPicPr>
+            <p:cNvPr id="2" name="Picture 1"/>
+            <p:cNvPicPr>
+              <a:picLocks noChangeAspect="1"/>
+            </p:cNvPicPr>
+            <p:nvPr/>
+          </p:nvPicPr>
+          <p:blipFill>
+            <a:blip r:embed="rId2" cstate="print">
+              <a:extLst>
+                <a:ext uri="{28A0092B-C50C-407E-A947-70E740481C1C}">
+                  <a14:useLocalDpi xmlns:a14="http://schemas.microsoft.com/office/drawing/2010/main" val="0"/>
+                </a:ext>
+              </a:extLst>
+            </a:blip>
+            <a:stretch>
+              <a:fillRect/>
+            </a:stretch>
+          </p:blipFill>
+          <p:spPr>
+            <a:xfrm>
+              <a:off x="7047391" y="3320161"/>
+              <a:ext cx="1578867" cy="1828804"/>
+            </a:xfrm>
+            <a:prstGeom prst="rect">
+              <a:avLst/>
+            </a:prstGeom>
+          </p:spPr>
+        </p:pic>
+        <p:pic>
+          <p:nvPicPr>
+            <p:cNvPr id="3" name="Picture 2"/>
+            <p:cNvPicPr>
+              <a:picLocks noChangeAspect="1"/>
+            </p:cNvPicPr>
+            <p:nvPr/>
+          </p:nvPicPr>
+          <p:blipFill>
+            <a:blip r:embed="rId3" cstate="print">
+              <a:extLst>
+                <a:ext uri="{28A0092B-C50C-407E-A947-70E740481C1C}">
+                  <a14:useLocalDpi xmlns:a14="http://schemas.microsoft.com/office/drawing/2010/main" val="0"/>
+                </a:ext>
+              </a:extLst>
+            </a:blip>
+            <a:stretch>
+              <a:fillRect/>
+            </a:stretch>
+          </p:blipFill>
+          <p:spPr>
+            <a:xfrm>
+              <a:off x="7830475" y="1961976"/>
+              <a:ext cx="1578867" cy="1828804"/>
+            </a:xfrm>
+            <a:prstGeom prst="rect">
+              <a:avLst/>
+            </a:prstGeom>
+          </p:spPr>
+        </p:pic>
+        <p:pic>
+          <p:nvPicPr>
+            <p:cNvPr id="11" name="Picture 10"/>
+            <p:cNvPicPr>
+              <a:picLocks noChangeAspect="1"/>
+            </p:cNvPicPr>
+            <p:nvPr/>
+          </p:nvPicPr>
+          <p:blipFill>
+            <a:blip r:embed="rId4" cstate="print">
+              <a:extLst>
+                <a:ext uri="{28A0092B-C50C-407E-A947-70E740481C1C}">
+                  <a14:useLocalDpi xmlns:a14="http://schemas.microsoft.com/office/drawing/2010/main" val="0"/>
+                </a:ext>
+              </a:extLst>
+            </a:blip>
+            <a:stretch>
+              <a:fillRect/>
+            </a:stretch>
+          </p:blipFill>
+          <p:spPr>
+            <a:xfrm>
+              <a:off x="8610184" y="3326511"/>
+              <a:ext cx="1578867" cy="1828804"/>
+            </a:xfrm>
+            <a:prstGeom prst="rect">
+              <a:avLst/>
+            </a:prstGeom>
+          </p:spPr>
+        </p:pic>
+      </p:grpSp>
+      <p:pic>
+        <p:nvPicPr>
+          <p:cNvPr id="12" name="Picture 11"/>
+          <p:cNvPicPr>
+            <a:picLocks noChangeAspect="1"/>
+          </p:cNvPicPr>
+          <p:nvPr/>
+        </p:nvPicPr>
+        <p:blipFill>
+          <a:blip r:embed="rId5" cstate="print">
+            <a:extLst>
+              <a:ext uri="{28A0092B-C50C-407E-A947-70E740481C1C}">
+                <a14:useLocalDpi xmlns:a14="http://schemas.microsoft.com/office/drawing/2010/main" val="0"/>
+              </a:ext>
+            </a:extLst>
+          </a:blip>
+          <a:stretch>
+            <a:fillRect/>
+          </a:stretch>
+        </p:blipFill>
+        <p:spPr>
+          <a:xfrm>
+            <a:off x="2035110" y="1019593"/>
+            <a:ext cx="1578867" cy="1828804"/>
+          </a:xfrm>
+          <a:prstGeom prst="rect">
+            <a:avLst/>
+          </a:prstGeom>
+        </p:spPr>
+      </p:pic>
+    </p:spTree>
+    <p:extLst>
+      <p:ext uri="{BB962C8B-B14F-4D97-AF65-F5344CB8AC3E}">
+        <p14:creationId xmlns:p14="http://schemas.microsoft.com/office/powerpoint/2010/main" val="2900019700"/>
       </p:ext>
     </p:extLst>
   </p:cSld>

--- a/static/img/youtube_thumbnails/video_thumbnail_building.pptx
+++ b/static/img/youtube_thumbnails/video_thumbnail_building.pptx
@@ -8,14 +8,15 @@
     <p:sldId id="259" r:id="rId2"/>
     <p:sldId id="261" r:id="rId3"/>
     <p:sldId id="260" r:id="rId4"/>
-    <p:sldId id="266" r:id="rId5"/>
-    <p:sldId id="265" r:id="rId6"/>
-    <p:sldId id="264" r:id="rId7"/>
-    <p:sldId id="263" r:id="rId8"/>
-    <p:sldId id="262" r:id="rId9"/>
-    <p:sldId id="257" r:id="rId10"/>
-    <p:sldId id="256" r:id="rId11"/>
-    <p:sldId id="258" r:id="rId12"/>
+    <p:sldId id="267" r:id="rId5"/>
+    <p:sldId id="266" r:id="rId6"/>
+    <p:sldId id="265" r:id="rId7"/>
+    <p:sldId id="264" r:id="rId8"/>
+    <p:sldId id="263" r:id="rId9"/>
+    <p:sldId id="262" r:id="rId10"/>
+    <p:sldId id="257" r:id="rId11"/>
+    <p:sldId id="256" r:id="rId12"/>
+    <p:sldId id="258" r:id="rId13"/>
   </p:sldIdLst>
   <p:sldSz cx="12192000" cy="6858000"/>
   <p:notesSz cx="6858000" cy="9144000"/>
@@ -253,7 +254,7 @@
           <a:p>
             <a:fld id="{3C68F153-927F-4ADA-A90F-AFD816292B90}" type="datetimeFigureOut">
               <a:rPr lang="en-US" smtClean="0"/>
-              <a:t>2/19/2020</a:t>
+              <a:t>2/20/2020</a:t>
             </a:fld>
             <a:endParaRPr lang="en-US"/>
           </a:p>
@@ -423,7 +424,7 @@
           <a:p>
             <a:fld id="{3C68F153-927F-4ADA-A90F-AFD816292B90}" type="datetimeFigureOut">
               <a:rPr lang="en-US" smtClean="0"/>
-              <a:t>2/19/2020</a:t>
+              <a:t>2/20/2020</a:t>
             </a:fld>
             <a:endParaRPr lang="en-US"/>
           </a:p>
@@ -603,7 +604,7 @@
           <a:p>
             <a:fld id="{3C68F153-927F-4ADA-A90F-AFD816292B90}" type="datetimeFigureOut">
               <a:rPr lang="en-US" smtClean="0"/>
-              <a:t>2/19/2020</a:t>
+              <a:t>2/20/2020</a:t>
             </a:fld>
             <a:endParaRPr lang="en-US"/>
           </a:p>
@@ -773,7 +774,7 @@
           <a:p>
             <a:fld id="{3C68F153-927F-4ADA-A90F-AFD816292B90}" type="datetimeFigureOut">
               <a:rPr lang="en-US" smtClean="0"/>
-              <a:t>2/19/2020</a:t>
+              <a:t>2/20/2020</a:t>
             </a:fld>
             <a:endParaRPr lang="en-US"/>
           </a:p>
@@ -1019,7 +1020,7 @@
           <a:p>
             <a:fld id="{3C68F153-927F-4ADA-A90F-AFD816292B90}" type="datetimeFigureOut">
               <a:rPr lang="en-US" smtClean="0"/>
-              <a:t>2/19/2020</a:t>
+              <a:t>2/20/2020</a:t>
             </a:fld>
             <a:endParaRPr lang="en-US"/>
           </a:p>
@@ -1251,7 +1252,7 @@
           <a:p>
             <a:fld id="{3C68F153-927F-4ADA-A90F-AFD816292B90}" type="datetimeFigureOut">
               <a:rPr lang="en-US" smtClean="0"/>
-              <a:t>2/19/2020</a:t>
+              <a:t>2/20/2020</a:t>
             </a:fld>
             <a:endParaRPr lang="en-US"/>
           </a:p>
@@ -1618,7 +1619,7 @@
           <a:p>
             <a:fld id="{3C68F153-927F-4ADA-A90F-AFD816292B90}" type="datetimeFigureOut">
               <a:rPr lang="en-US" smtClean="0"/>
-              <a:t>2/19/2020</a:t>
+              <a:t>2/20/2020</a:t>
             </a:fld>
             <a:endParaRPr lang="en-US"/>
           </a:p>
@@ -1736,7 +1737,7 @@
           <a:p>
             <a:fld id="{3C68F153-927F-4ADA-A90F-AFD816292B90}" type="datetimeFigureOut">
               <a:rPr lang="en-US" smtClean="0"/>
-              <a:t>2/19/2020</a:t>
+              <a:t>2/20/2020</a:t>
             </a:fld>
             <a:endParaRPr lang="en-US"/>
           </a:p>
@@ -1831,7 +1832,7 @@
           <a:p>
             <a:fld id="{3C68F153-927F-4ADA-A90F-AFD816292B90}" type="datetimeFigureOut">
               <a:rPr lang="en-US" smtClean="0"/>
-              <a:t>2/19/2020</a:t>
+              <a:t>2/20/2020</a:t>
             </a:fld>
             <a:endParaRPr lang="en-US"/>
           </a:p>
@@ -2108,7 +2109,7 @@
           <a:p>
             <a:fld id="{3C68F153-927F-4ADA-A90F-AFD816292B90}" type="datetimeFigureOut">
               <a:rPr lang="en-US" smtClean="0"/>
-              <a:t>2/19/2020</a:t>
+              <a:t>2/20/2020</a:t>
             </a:fld>
             <a:endParaRPr lang="en-US"/>
           </a:p>
@@ -2361,7 +2362,7 @@
           <a:p>
             <a:fld id="{3C68F153-927F-4ADA-A90F-AFD816292B90}" type="datetimeFigureOut">
               <a:rPr lang="en-US" smtClean="0"/>
-              <a:t>2/19/2020</a:t>
+              <a:t>2/20/2020</a:t>
             </a:fld>
             <a:endParaRPr lang="en-US"/>
           </a:p>
@@ -2574,7 +2575,7 @@
           <a:p>
             <a:fld id="{3C68F153-927F-4ADA-A90F-AFD816292B90}" type="datetimeFigureOut">
               <a:rPr lang="en-US" smtClean="0"/>
-              <a:t>2/19/2020</a:t>
+              <a:t>2/20/2020</a:t>
             </a:fld>
             <a:endParaRPr lang="en-US"/>
           </a:p>
@@ -3415,7 +3416,7 @@
             <a:pPr algn="ctr"/>
             <a:r>
               <a:rPr lang="en-US" dirty="0" smtClean="0"/>
-              <a:t>Jan. 15, 2020</a:t>
+              <a:t>Jan. 22, 2020</a:t>
             </a:r>
             <a:endParaRPr lang="en-US" dirty="0"/>
           </a:p>
@@ -3429,8 +3430,8 @@
         </p:nvSpPr>
         <p:spPr>
           <a:xfrm>
-            <a:off x="2318419" y="3043759"/>
-            <a:ext cx="4212906" cy="2585323"/>
+            <a:off x="2035110" y="3043759"/>
+            <a:ext cx="5005769" cy="2585323"/>
           </a:xfrm>
           <a:prstGeom prst="rect">
             <a:avLst/>
@@ -3445,48 +3446,58 @@
           <a:p>
             <a:pPr algn="ctr"/>
             <a:r>
+              <a:rPr lang="en-US" dirty="0"/>
+              <a:t>Chapter 3</a:t>
+            </a:r>
+          </a:p>
+          <a:p>
+            <a:pPr algn="ctr"/>
+            <a:r>
+              <a:rPr lang="en-US" b="1" u="sng" dirty="0"/>
+              <a:t>Variable/Scale, Rounding &amp; Summation</a:t>
+            </a:r>
+          </a:p>
+          <a:p>
+            <a:pPr algn="ctr"/>
+            <a:r>
+              <a:rPr lang="en-US" i="1" dirty="0" smtClean="0"/>
+              <a:t>Finish </a:t>
+            </a:r>
+            <a:r>
+              <a:rPr lang="en-US" i="1" dirty="0"/>
+              <a:t>discussion</a:t>
+            </a:r>
+          </a:p>
+          <a:p>
+            <a:pPr algn="ctr"/>
+            <a:r>
+              <a:rPr lang="en-US" i="1" dirty="0"/>
+              <a:t>Homework questions</a:t>
+            </a:r>
+          </a:p>
+          <a:p>
+            <a:pPr algn="ctr"/>
+            <a:endParaRPr lang="en-US" i="1" dirty="0"/>
+          </a:p>
+          <a:p>
+            <a:pPr algn="ctr"/>
+            <a:r>
+              <a:rPr lang="en-US" dirty="0"/>
+              <a:t>Chapter </a:t>
+            </a:r>
+            <a:r>
               <a:rPr lang="en-US" dirty="0" smtClean="0"/>
-              <a:t>Chapter 1</a:t>
-            </a:r>
+              <a:t>4</a:t>
+            </a:r>
+            <a:endParaRPr lang="en-US" dirty="0"/>
           </a:p>
           <a:p>
             <a:pPr algn="ctr"/>
             <a:r>
               <a:rPr lang="en-US" b="1" u="sng" dirty="0" smtClean="0"/>
-              <a:t>Variable/Scale, Rounding &amp; Summation</a:t>
-            </a:r>
-          </a:p>
-          <a:p>
-            <a:pPr algn="ctr"/>
-            <a:r>
-              <a:rPr lang="en-US" i="1" dirty="0" smtClean="0"/>
-              <a:t>Finish discussion</a:t>
-            </a:r>
-          </a:p>
-          <a:p>
-            <a:pPr algn="ctr"/>
-            <a:r>
-              <a:rPr lang="en-US" i="1" dirty="0" smtClean="0"/>
-              <a:t>Homework questions</a:t>
-            </a:r>
-          </a:p>
-          <a:p>
-            <a:pPr algn="ctr"/>
-            <a:endParaRPr lang="en-US" i="1" dirty="0" smtClean="0"/>
-          </a:p>
-          <a:p>
-            <a:pPr algn="ctr"/>
-            <a:r>
-              <a:rPr lang="en-US" dirty="0"/>
-              <a:t>Chapter 2 </a:t>
-            </a:r>
-          </a:p>
-          <a:p>
-            <a:pPr algn="ctr"/>
-            <a:r>
-              <a:rPr lang="en-US" b="1" u="sng" dirty="0"/>
-              <a:t>Exploring Data with Plots</a:t>
-            </a:r>
+              <a:t>Standardized Scores &amp; the Normal Distribution</a:t>
+            </a:r>
+            <a:endParaRPr lang="en-US" b="1" u="sng" dirty="0"/>
           </a:p>
           <a:p>
             <a:pPr algn="ctr"/>
@@ -3499,12 +3510,8 @@
           <a:p>
             <a:pPr algn="ctr"/>
             <a:r>
-              <a:rPr lang="en-US" i="1" dirty="0"/>
-              <a:t>Homework </a:t>
-            </a:r>
-            <a:r>
               <a:rPr lang="en-US" i="1" dirty="0" smtClean="0"/>
-              <a:t>questions</a:t>
+              <a:t>(first half)</a:t>
             </a:r>
             <a:endParaRPr lang="en-US" i="1" dirty="0"/>
           </a:p>
@@ -3648,7 +3655,7 @@
     </p:spTree>
     <p:extLst>
       <p:ext uri="{BB962C8B-B14F-4D97-AF65-F5344CB8AC3E}">
-        <p14:creationId xmlns:p14="http://schemas.microsoft.com/office/powerpoint/2010/main" val="3290463226"/>
+        <p14:creationId xmlns:p14="http://schemas.microsoft.com/office/powerpoint/2010/main" val="2900019700"/>
       </p:ext>
     </p:extLst>
   </p:cSld>
@@ -3675,51 +3682,26 @@
           <a:chExt cx="0" cy="0"/>
         </a:xfrm>
       </p:grpSpPr>
-      <p:pic>
-        <p:nvPicPr>
-          <p:cNvPr id="2" name="Picture 1"/>
-          <p:cNvPicPr>
-            <a:picLocks noChangeAspect="1"/>
-          </p:cNvPicPr>
+      <p:sp>
+        <p:nvSpPr>
+          <p:cNvPr id="4" name="Rectangle 3"/>
+          <p:cNvSpPr/>
           <p:nvPr/>
-        </p:nvPicPr>
-        <p:blipFill>
-          <a:blip r:embed="rId2" cstate="print">
-            <a:extLst>
-              <a:ext uri="{28A0092B-C50C-407E-A947-70E740481C1C}">
-                <a14:useLocalDpi xmlns:a14="http://schemas.microsoft.com/office/drawing/2010/main" val="0"/>
-              </a:ext>
-            </a:extLst>
-          </a:blip>
-          <a:stretch>
-            <a:fillRect/>
-          </a:stretch>
-        </p:blipFill>
-        <p:spPr>
-          <a:xfrm>
-            <a:off x="5306566" y="2514598"/>
-            <a:ext cx="1578867" cy="1828804"/>
+        </p:nvSpPr>
+        <p:spPr>
+          <a:xfrm>
+            <a:off x="1808702" y="824230"/>
+            <a:ext cx="8778240" cy="5010912"/>
           </a:xfrm>
           <a:prstGeom prst="rect">
             <a:avLst/>
           </a:prstGeom>
-        </p:spPr>
-      </p:pic>
-      <p:sp>
-        <p:nvSpPr>
-          <p:cNvPr id="3" name="Rectangle 2"/>
-          <p:cNvSpPr/>
-          <p:nvPr/>
-        </p:nvSpPr>
-        <p:spPr>
-          <a:xfrm>
-            <a:off x="5054138" y="2394066"/>
-            <a:ext cx="2094807" cy="2078182"/>
-          </a:xfrm>
-          <a:prstGeom prst="rect">
-            <a:avLst/>
-          </a:prstGeom>
-          <a:noFill/>
+          <a:solidFill>
+            <a:schemeClr val="bg1">
+              <a:lumMod val="95000"/>
+            </a:schemeClr>
+          </a:solidFill>
+          <a:ln w="38100"/>
         </p:spPr>
         <p:style>
           <a:lnRef idx="2">
@@ -3746,82 +3728,6 @@
           </a:p>
         </p:txBody>
       </p:sp>
-    </p:spTree>
-    <p:extLst>
-      <p:ext uri="{BB962C8B-B14F-4D97-AF65-F5344CB8AC3E}">
-        <p14:creationId xmlns:p14="http://schemas.microsoft.com/office/powerpoint/2010/main" val="2048573925"/>
-      </p:ext>
-    </p:extLst>
-  </p:cSld>
-  <p:clrMapOvr>
-    <a:masterClrMapping/>
-  </p:clrMapOvr>
-</p:sld>
-</file>
-
-<file path=ppt/slides/slide2.xml><?xml version="1.0" encoding="utf-8"?>
-<p:sld xmlns:a="http://schemas.openxmlformats.org/drawingml/2006/main" xmlns:r="http://schemas.openxmlformats.org/officeDocument/2006/relationships" xmlns:p="http://schemas.openxmlformats.org/presentationml/2006/main">
-  <p:cSld>
-    <p:spTree>
-      <p:nvGrpSpPr>
-        <p:cNvPr id="1" name=""/>
-        <p:cNvGrpSpPr/>
-        <p:nvPr/>
-      </p:nvGrpSpPr>
-      <p:grpSpPr>
-        <a:xfrm>
-          <a:off x="0" y="0"/>
-          <a:ext cx="0" cy="0"/>
-          <a:chOff x="0" y="0"/>
-          <a:chExt cx="0" cy="0"/>
-        </a:xfrm>
-      </p:grpSpPr>
-      <p:sp>
-        <p:nvSpPr>
-          <p:cNvPr id="4" name="Rectangle 3"/>
-          <p:cNvSpPr/>
-          <p:nvPr/>
-        </p:nvSpPr>
-        <p:spPr>
-          <a:xfrm>
-            <a:off x="1808702" y="824230"/>
-            <a:ext cx="8778240" cy="5010912"/>
-          </a:xfrm>
-          <a:prstGeom prst="rect">
-            <a:avLst/>
-          </a:prstGeom>
-          <a:solidFill>
-            <a:schemeClr val="bg1">
-              <a:lumMod val="95000"/>
-            </a:schemeClr>
-          </a:solidFill>
-          <a:ln w="38100"/>
-        </p:spPr>
-        <p:style>
-          <a:lnRef idx="2">
-            <a:schemeClr val="accent1">
-              <a:shade val="50000"/>
-            </a:schemeClr>
-          </a:lnRef>
-          <a:fillRef idx="1">
-            <a:schemeClr val="accent1"/>
-          </a:fillRef>
-          <a:effectRef idx="0">
-            <a:schemeClr val="accent1"/>
-          </a:effectRef>
-          <a:fontRef idx="minor">
-            <a:schemeClr val="lt1"/>
-          </a:fontRef>
-        </p:style>
-        <p:txBody>
-          <a:bodyPr rtlCol="0" anchor="ctr"/>
-          <a:lstStyle/>
-          <a:p>
-            <a:pPr algn="ctr"/>
-            <a:endParaRPr lang="en-US"/>
-          </a:p>
-        </p:txBody>
-      </p:sp>
       <p:sp>
         <p:nvSpPr>
           <p:cNvPr id="7" name="TextBox 6"/>
@@ -3830,8 +3736,8 @@
         </p:nvSpPr>
         <p:spPr>
           <a:xfrm>
-            <a:off x="4003824" y="1483154"/>
-            <a:ext cx="5712369" cy="1754326"/>
+            <a:off x="3840385" y="1213849"/>
+            <a:ext cx="5712369" cy="923330"/>
           </a:xfrm>
           <a:prstGeom prst="rect">
             <a:avLst/>
@@ -3846,7 +3752,7 @@
           <a:p>
             <a:r>
               <a:rPr lang="en-US" sz="5400" dirty="0" smtClean="0"/>
-              <a:t>OUT-OF-CLASS LECTURES</a:t>
+              <a:t>INCLASS LECTURES</a:t>
             </a:r>
             <a:endParaRPr lang="en-US" sz="5400" dirty="0"/>
           </a:p>
@@ -3877,7 +3783,7 @@
             <a:pPr algn="ctr"/>
             <a:r>
               <a:rPr lang="en-US" dirty="0" smtClean="0"/>
-              <a:t>Jan. 24, 2020</a:t>
+              <a:t>Jan. 15, 2020</a:t>
             </a:r>
             <a:endParaRPr lang="en-US" dirty="0"/>
           </a:p>
@@ -3891,8 +3797,8 @@
         </p:nvSpPr>
         <p:spPr>
           <a:xfrm>
-            <a:off x="2000886" y="3743671"/>
-            <a:ext cx="5005769" cy="923330"/>
+            <a:off x="2318419" y="3043759"/>
+            <a:ext cx="4212906" cy="2585323"/>
           </a:xfrm>
           <a:prstGeom prst="rect">
             <a:avLst/>
@@ -3908,24 +3814,67 @@
             <a:pPr algn="ctr"/>
             <a:r>
               <a:rPr lang="en-US" dirty="0" smtClean="0"/>
-              <a:t>Chapter 4</a:t>
-            </a:r>
-            <a:endParaRPr lang="en-US" dirty="0"/>
+              <a:t>Chapter 1</a:t>
+            </a:r>
           </a:p>
           <a:p>
             <a:pPr algn="ctr"/>
             <a:r>
               <a:rPr lang="en-US" b="1" u="sng" dirty="0" smtClean="0"/>
-              <a:t>Standardized Scores &amp; the Normal Distribution</a:t>
-            </a:r>
-            <a:endParaRPr lang="en-US" b="1" u="sng" dirty="0"/>
+              <a:t>Variable/Scale, Rounding &amp; Summation</a:t>
+            </a:r>
           </a:p>
           <a:p>
             <a:pPr algn="ctr"/>
             <a:r>
               <a:rPr lang="en-US" i="1" dirty="0" smtClean="0"/>
-              <a:t>Lecture Slide Examples Worked</a:t>
-            </a:r>
+              <a:t>Finish discussion</a:t>
+            </a:r>
+          </a:p>
+          <a:p>
+            <a:pPr algn="ctr"/>
+            <a:r>
+              <a:rPr lang="en-US" i="1" dirty="0" smtClean="0"/>
+              <a:t>Homework questions</a:t>
+            </a:r>
+          </a:p>
+          <a:p>
+            <a:pPr algn="ctr"/>
+            <a:endParaRPr lang="en-US" i="1" dirty="0" smtClean="0"/>
+          </a:p>
+          <a:p>
+            <a:pPr algn="ctr"/>
+            <a:r>
+              <a:rPr lang="en-US" dirty="0"/>
+              <a:t>Chapter 2 </a:t>
+            </a:r>
+          </a:p>
+          <a:p>
+            <a:pPr algn="ctr"/>
+            <a:r>
+              <a:rPr lang="en-US" b="1" u="sng" dirty="0"/>
+              <a:t>Exploring Data with Plots</a:t>
+            </a:r>
+          </a:p>
+          <a:p>
+            <a:pPr algn="ctr"/>
+            <a:r>
+              <a:rPr lang="en-US" i="1" dirty="0" smtClean="0"/>
+              <a:t>Lecture slides</a:t>
+            </a:r>
+            <a:endParaRPr lang="en-US" i="1" dirty="0"/>
+          </a:p>
+          <a:p>
+            <a:pPr algn="ctr"/>
+            <a:r>
+              <a:rPr lang="en-US" i="1" dirty="0"/>
+              <a:t>Homework </a:t>
+            </a:r>
+            <a:r>
+              <a:rPr lang="en-US" i="1" dirty="0" smtClean="0"/>
+              <a:t>questions</a:t>
+            </a:r>
+            <a:endParaRPr lang="en-US" i="1" dirty="0"/>
           </a:p>
         </p:txBody>
       </p:sp>
@@ -4067,7 +4016,7 @@
     </p:spTree>
     <p:extLst>
       <p:ext uri="{BB962C8B-B14F-4D97-AF65-F5344CB8AC3E}">
-        <p14:creationId xmlns:p14="http://schemas.microsoft.com/office/powerpoint/2010/main" val="267042058"/>
+        <p14:creationId xmlns:p14="http://schemas.microsoft.com/office/powerpoint/2010/main" val="3290463226"/>
       </p:ext>
     </p:extLst>
   </p:cSld>
@@ -4077,7 +4026,7 @@
 </p:sld>
 </file>
 
-<file path=ppt/slides/slide3.xml><?xml version="1.0" encoding="utf-8"?>
+<file path=ppt/slides/slide12.xml><?xml version="1.0" encoding="utf-8"?>
 <p:sld xmlns:a="http://schemas.openxmlformats.org/drawingml/2006/main" xmlns:r="http://schemas.openxmlformats.org/officeDocument/2006/relationships" xmlns:p="http://schemas.openxmlformats.org/presentationml/2006/main">
   <p:cSld>
     <p:spTree>
@@ -4094,26 +4043,51 @@
           <a:chExt cx="0" cy="0"/>
         </a:xfrm>
       </p:grpSpPr>
-      <p:sp>
-        <p:nvSpPr>
-          <p:cNvPr id="4" name="Rectangle 3"/>
-          <p:cNvSpPr/>
+      <p:pic>
+        <p:nvPicPr>
+          <p:cNvPr id="2" name="Picture 1"/>
+          <p:cNvPicPr>
+            <a:picLocks noChangeAspect="1"/>
+          </p:cNvPicPr>
           <p:nvPr/>
-        </p:nvSpPr>
-        <p:spPr>
-          <a:xfrm>
-            <a:off x="1808702" y="824230"/>
-            <a:ext cx="8778240" cy="5010912"/>
+        </p:nvPicPr>
+        <p:blipFill>
+          <a:blip r:embed="rId2" cstate="print">
+            <a:extLst>
+              <a:ext uri="{28A0092B-C50C-407E-A947-70E740481C1C}">
+                <a14:useLocalDpi xmlns:a14="http://schemas.microsoft.com/office/drawing/2010/main" val="0"/>
+              </a:ext>
+            </a:extLst>
+          </a:blip>
+          <a:stretch>
+            <a:fillRect/>
+          </a:stretch>
+        </p:blipFill>
+        <p:spPr>
+          <a:xfrm>
+            <a:off x="5306566" y="2514598"/>
+            <a:ext cx="1578867" cy="1828804"/>
           </a:xfrm>
           <a:prstGeom prst="rect">
             <a:avLst/>
           </a:prstGeom>
-          <a:solidFill>
-            <a:schemeClr val="bg1">
-              <a:lumMod val="95000"/>
-            </a:schemeClr>
-          </a:solidFill>
-          <a:ln w="38100"/>
+        </p:spPr>
+      </p:pic>
+      <p:sp>
+        <p:nvSpPr>
+          <p:cNvPr id="3" name="Rectangle 2"/>
+          <p:cNvSpPr/>
+          <p:nvPr/>
+        </p:nvSpPr>
+        <p:spPr>
+          <a:xfrm>
+            <a:off x="5054138" y="2394066"/>
+            <a:ext cx="2094807" cy="2078182"/>
+          </a:xfrm>
+          <a:prstGeom prst="rect">
+            <a:avLst/>
+          </a:prstGeom>
+          <a:noFill/>
         </p:spPr>
         <p:style>
           <a:lnRef idx="2">
@@ -4140,6 +4114,82 @@
           </a:p>
         </p:txBody>
       </p:sp>
+    </p:spTree>
+    <p:extLst>
+      <p:ext uri="{BB962C8B-B14F-4D97-AF65-F5344CB8AC3E}">
+        <p14:creationId xmlns:p14="http://schemas.microsoft.com/office/powerpoint/2010/main" val="2048573925"/>
+      </p:ext>
+    </p:extLst>
+  </p:cSld>
+  <p:clrMapOvr>
+    <a:masterClrMapping/>
+  </p:clrMapOvr>
+</p:sld>
+</file>
+
+<file path=ppt/slides/slide2.xml><?xml version="1.0" encoding="utf-8"?>
+<p:sld xmlns:a="http://schemas.openxmlformats.org/drawingml/2006/main" xmlns:r="http://schemas.openxmlformats.org/officeDocument/2006/relationships" xmlns:p="http://schemas.openxmlformats.org/presentationml/2006/main">
+  <p:cSld>
+    <p:spTree>
+      <p:nvGrpSpPr>
+        <p:cNvPr id="1" name=""/>
+        <p:cNvGrpSpPr/>
+        <p:nvPr/>
+      </p:nvGrpSpPr>
+      <p:grpSpPr>
+        <a:xfrm>
+          <a:off x="0" y="0"/>
+          <a:ext cx="0" cy="0"/>
+          <a:chOff x="0" y="0"/>
+          <a:chExt cx="0" cy="0"/>
+        </a:xfrm>
+      </p:grpSpPr>
+      <p:sp>
+        <p:nvSpPr>
+          <p:cNvPr id="4" name="Rectangle 3"/>
+          <p:cNvSpPr/>
+          <p:nvPr/>
+        </p:nvSpPr>
+        <p:spPr>
+          <a:xfrm>
+            <a:off x="1808702" y="824230"/>
+            <a:ext cx="8778240" cy="5010912"/>
+          </a:xfrm>
+          <a:prstGeom prst="rect">
+            <a:avLst/>
+          </a:prstGeom>
+          <a:solidFill>
+            <a:schemeClr val="bg1">
+              <a:lumMod val="95000"/>
+            </a:schemeClr>
+          </a:solidFill>
+          <a:ln w="38100"/>
+        </p:spPr>
+        <p:style>
+          <a:lnRef idx="2">
+            <a:schemeClr val="accent1">
+              <a:shade val="50000"/>
+            </a:schemeClr>
+          </a:lnRef>
+          <a:fillRef idx="1">
+            <a:schemeClr val="accent1"/>
+          </a:fillRef>
+          <a:effectRef idx="0">
+            <a:schemeClr val="accent1"/>
+          </a:effectRef>
+          <a:fontRef idx="minor">
+            <a:schemeClr val="lt1"/>
+          </a:fontRef>
+        </p:style>
+        <p:txBody>
+          <a:bodyPr rtlCol="0" anchor="ctr"/>
+          <a:lstStyle/>
+          <a:p>
+            <a:pPr algn="ctr"/>
+            <a:endParaRPr lang="en-US"/>
+          </a:p>
+        </p:txBody>
+      </p:sp>
       <p:sp>
         <p:nvSpPr>
           <p:cNvPr id="7" name="TextBox 6"/>
@@ -4148,7 +4198,7 @@
         </p:nvSpPr>
         <p:spPr>
           <a:xfrm>
-            <a:off x="4184694" y="1065121"/>
+            <a:off x="4003824" y="1483154"/>
             <a:ext cx="5712369" cy="1754326"/>
           </a:xfrm>
           <a:prstGeom prst="rect">
@@ -4209,8 +4259,8 @@
         </p:nvSpPr>
         <p:spPr>
           <a:xfrm>
-            <a:off x="2035110" y="3043759"/>
-            <a:ext cx="5005769" cy="1200329"/>
+            <a:off x="2000886" y="3743671"/>
+            <a:ext cx="5005769" cy="923330"/>
           </a:xfrm>
           <a:prstGeom prst="rect">
             <a:avLst/>
@@ -4242,17 +4292,8 @@
             <a:pPr algn="ctr"/>
             <a:r>
               <a:rPr lang="en-US" i="1" dirty="0" smtClean="0"/>
-              <a:t>Lecture slides 25-43</a:t>
-            </a:r>
-            <a:endParaRPr lang="en-US" i="1" dirty="0"/>
-          </a:p>
-          <a:p>
-            <a:pPr algn="ctr"/>
-            <a:r>
-              <a:rPr lang="en-US" i="1" dirty="0" smtClean="0"/>
-              <a:t>(Second half)</a:t>
-            </a:r>
-            <a:endParaRPr lang="en-US" i="1" dirty="0"/>
+              <a:t>Lecture Slide Examples Worked</a:t>
+            </a:r>
           </a:p>
         </p:txBody>
       </p:sp>
@@ -4394,7 +4435,7 @@
     </p:spTree>
     <p:extLst>
       <p:ext uri="{BB962C8B-B14F-4D97-AF65-F5344CB8AC3E}">
-        <p14:creationId xmlns:p14="http://schemas.microsoft.com/office/powerpoint/2010/main" val="1429724622"/>
+        <p14:creationId xmlns:p14="http://schemas.microsoft.com/office/powerpoint/2010/main" val="267042058"/>
       </p:ext>
     </p:extLst>
   </p:cSld>
@@ -4404,7 +4445,7 @@
 </p:sld>
 </file>
 
-<file path=ppt/slides/slide4.xml><?xml version="1.0" encoding="utf-8"?>
+<file path=ppt/slides/slide3.xml><?xml version="1.0" encoding="utf-8"?>
 <p:sld xmlns:a="http://schemas.openxmlformats.org/drawingml/2006/main" xmlns:r="http://schemas.openxmlformats.org/officeDocument/2006/relationships" xmlns:p="http://schemas.openxmlformats.org/presentationml/2006/main">
   <p:cSld>
     <p:spTree>
@@ -4475,8 +4516,8 @@
         </p:nvSpPr>
         <p:spPr>
           <a:xfrm>
-            <a:off x="3840385" y="1213849"/>
-            <a:ext cx="5712369" cy="923330"/>
+            <a:off x="4184694" y="1065121"/>
+            <a:ext cx="5712369" cy="1754326"/>
           </a:xfrm>
           <a:prstGeom prst="rect">
             <a:avLst/>
@@ -4491,7 +4532,7 @@
           <a:p>
             <a:r>
               <a:rPr lang="en-US" sz="5400" dirty="0" smtClean="0"/>
-              <a:t>INCLASS LECTURES</a:t>
+              <a:t>OUT-OF-CLASS LECTURES</a:t>
             </a:r>
             <a:endParaRPr lang="en-US" sz="5400" dirty="0"/>
           </a:p>
@@ -4522,15 +4563,7 @@
             <a:pPr algn="ctr"/>
             <a:r>
               <a:rPr lang="en-US" dirty="0" smtClean="0"/>
-              <a:t>Feb. </a:t>
-            </a:r>
-            <a:r>
-              <a:rPr lang="en-US" dirty="0" smtClean="0"/>
-              <a:t>12, </a:t>
-            </a:r>
-            <a:r>
-              <a:rPr lang="en-US" dirty="0" smtClean="0"/>
-              <a:t>2020</a:t>
+              <a:t>Jan. 24, 2020</a:t>
             </a:r>
             <a:endParaRPr lang="en-US" dirty="0"/>
           </a:p>
@@ -4544,8 +4577,8 @@
         </p:nvSpPr>
         <p:spPr>
           <a:xfrm>
-            <a:off x="2175357" y="4235713"/>
-            <a:ext cx="5005769" cy="923330"/>
+            <a:off x="2035110" y="3043759"/>
+            <a:ext cx="5005769" cy="1200329"/>
           </a:xfrm>
           <a:prstGeom prst="rect">
             <a:avLst/>
@@ -4561,11 +4594,7 @@
             <a:pPr algn="ctr"/>
             <a:r>
               <a:rPr lang="en-US" dirty="0" smtClean="0"/>
-              <a:t>Chapter </a:t>
-            </a:r>
-            <a:r>
-              <a:rPr lang="en-US" dirty="0"/>
-              <a:t>9</a:t>
+              <a:t>Chapter 4</a:t>
             </a:r>
             <a:endParaRPr lang="en-US" dirty="0"/>
           </a:p>
@@ -4573,17 +4602,25 @@
             <a:pPr algn="ctr"/>
             <a:r>
               <a:rPr lang="en-US" b="1" u="sng" dirty="0" smtClean="0"/>
-              <a:t>Correlation</a:t>
-            </a:r>
-            <a:endParaRPr lang="en-US" dirty="0" smtClean="0"/>
+              <a:t>Standardized Scores &amp; the Normal Distribution</a:t>
+            </a:r>
+            <a:endParaRPr lang="en-US" b="1" u="sng" dirty="0"/>
           </a:p>
           <a:p>
             <a:pPr algn="ctr"/>
             <a:r>
               <a:rPr lang="en-US" i="1" dirty="0" smtClean="0"/>
-              <a:t>First half, chapter slides</a:t>
-            </a:r>
-            <a:endParaRPr lang="en-US" i="1" dirty="0" smtClean="0"/>
+              <a:t>Lecture slides 25-43</a:t>
+            </a:r>
+            <a:endParaRPr lang="en-US" i="1" dirty="0"/>
+          </a:p>
+          <a:p>
+            <a:pPr algn="ctr"/>
+            <a:r>
+              <a:rPr lang="en-US" i="1" dirty="0" smtClean="0"/>
+              <a:t>(Second half)</a:t>
+            </a:r>
+            <a:endParaRPr lang="en-US" i="1" dirty="0"/>
           </a:p>
         </p:txBody>
       </p:sp>
@@ -4722,74 +4759,10 @@
           </a:prstGeom>
         </p:spPr>
       </p:pic>
-      <p:sp>
-        <p:nvSpPr>
-          <p:cNvPr id="13" name="TextBox 12"/>
-          <p:cNvSpPr txBox="1"/>
-          <p:nvPr/>
-        </p:nvSpPr>
-        <p:spPr>
-          <a:xfrm>
-            <a:off x="2175358" y="2646127"/>
-            <a:ext cx="5005769" cy="1477328"/>
-          </a:xfrm>
-          <a:prstGeom prst="rect">
-            <a:avLst/>
-          </a:prstGeom>
-          <a:noFill/>
-        </p:spPr>
-        <p:txBody>
-          <a:bodyPr wrap="square" rtlCol="0">
-            <a:spAutoFit/>
-          </a:bodyPr>
-          <a:lstStyle/>
-          <a:p>
-            <a:pPr algn="ctr"/>
-            <a:r>
-              <a:rPr lang="en-US" dirty="0" smtClean="0"/>
-              <a:t>Chapter </a:t>
-            </a:r>
-            <a:r>
-              <a:rPr lang="en-US" dirty="0"/>
-              <a:t>8</a:t>
-            </a:r>
-          </a:p>
-          <a:p>
-            <a:pPr algn="ctr"/>
-            <a:r>
-              <a:rPr lang="en-US" b="1" u="sng" dirty="0" smtClean="0"/>
-              <a:t>Effect Size &amp; Power Analysis</a:t>
-            </a:r>
-            <a:endParaRPr lang="en-US" dirty="0" smtClean="0"/>
-          </a:p>
-          <a:p>
-            <a:pPr algn="ctr"/>
-            <a:r>
-              <a:rPr lang="en-US" i="1" dirty="0" smtClean="0"/>
-              <a:t>Chapter slides</a:t>
-            </a:r>
-          </a:p>
-          <a:p>
-            <a:pPr algn="ctr"/>
-            <a:r>
-              <a:rPr lang="en-US" i="1" dirty="0" smtClean="0"/>
-              <a:t>Demo G*Power software</a:t>
-            </a:r>
-          </a:p>
-          <a:p>
-            <a:pPr algn="ctr"/>
-            <a:r>
-              <a:rPr lang="en-US" i="1" dirty="0" smtClean="0"/>
-              <a:t>Homework Help</a:t>
-            </a:r>
-            <a:endParaRPr lang="en-US" i="1" dirty="0" smtClean="0"/>
-          </a:p>
-        </p:txBody>
-      </p:sp>
     </p:spTree>
     <p:extLst>
       <p:ext uri="{BB962C8B-B14F-4D97-AF65-F5344CB8AC3E}">
-        <p14:creationId xmlns:p14="http://schemas.microsoft.com/office/powerpoint/2010/main" val="3221510669"/>
+        <p14:creationId xmlns:p14="http://schemas.microsoft.com/office/powerpoint/2010/main" val="1429724622"/>
       </p:ext>
     </p:extLst>
   </p:cSld>
@@ -4799,7 +4772,7 @@
 </p:sld>
 </file>
 
-<file path=ppt/slides/slide5.xml><?xml version="1.0" encoding="utf-8"?>
+<file path=ppt/slides/slide4.xml><?xml version="1.0" encoding="utf-8"?>
 <p:sld xmlns:a="http://schemas.openxmlformats.org/drawingml/2006/main" xmlns:r="http://schemas.openxmlformats.org/officeDocument/2006/relationships" xmlns:p="http://schemas.openxmlformats.org/presentationml/2006/main">
   <p:cSld>
     <p:spTree>
@@ -4921,7 +4894,7 @@
             </a:r>
             <a:r>
               <a:rPr lang="en-US" dirty="0" smtClean="0"/>
-              <a:t>10, </a:t>
+              <a:t>19, </a:t>
             </a:r>
             <a:r>
               <a:rPr lang="en-US" dirty="0" smtClean="0"/>
@@ -4939,7 +4912,7 @@
         </p:nvSpPr>
         <p:spPr>
           <a:xfrm>
-            <a:off x="2035110" y="3043759"/>
+            <a:off x="2130478" y="2956774"/>
             <a:ext cx="5005769" cy="923330"/>
           </a:xfrm>
           <a:prstGeom prst="rect">
@@ -4960,32 +4933,31 @@
             </a:r>
             <a:r>
               <a:rPr lang="en-US" dirty="0"/>
-              <a:t>7</a:t>
-            </a:r>
-            <a:endParaRPr lang="en-US" dirty="0"/>
-          </a:p>
-          <a:p>
-            <a:pPr algn="ctr"/>
-            <a:r>
-              <a:rPr lang="en-US" b="1" u="sng" dirty="0"/>
-              <a:t>Independent Samples t-Test for </a:t>
-            </a:r>
+              <a:t>9</a:t>
+            </a:r>
+          </a:p>
+          <a:p>
+            <a:pPr algn="ctr"/>
             <a:r>
               <a:rPr lang="en-US" b="1" u="sng" dirty="0" smtClean="0"/>
-              <a:t>Means</a:t>
-            </a:r>
+              <a:t>Correlation</a:t>
+            </a:r>
+            <a:endParaRPr lang="en-US" dirty="0" smtClean="0"/>
           </a:p>
           <a:p>
             <a:pPr algn="ctr"/>
             <a:r>
               <a:rPr lang="en-US" i="1" dirty="0" smtClean="0"/>
-              <a:t>Mostly Homework </a:t>
+              <a:t>Second </a:t>
             </a:r>
             <a:r>
               <a:rPr lang="en-US" i="1" dirty="0" smtClean="0"/>
-              <a:t>Helps</a:t>
-            </a:r>
-            <a:endParaRPr lang="en-US" i="1" dirty="0"/>
+              <a:t>half</a:t>
+            </a:r>
+            <a:r>
+              <a:rPr lang="en-US" i="1" dirty="0" smtClean="0"/>
+              <a:t>, chapter slides</a:t>
+            </a:r>
           </a:p>
         </p:txBody>
       </p:sp>
@@ -5124,10 +5096,65 @@
           </a:prstGeom>
         </p:spPr>
       </p:pic>
+      <p:sp>
+        <p:nvSpPr>
+          <p:cNvPr id="15" name="TextBox 14"/>
+          <p:cNvSpPr txBox="1"/>
+          <p:nvPr/>
+        </p:nvSpPr>
+        <p:spPr>
+          <a:xfrm>
+            <a:off x="2107241" y="4130160"/>
+            <a:ext cx="5005769" cy="923330"/>
+          </a:xfrm>
+          <a:prstGeom prst="rect">
+            <a:avLst/>
+          </a:prstGeom>
+          <a:noFill/>
+        </p:spPr>
+        <p:txBody>
+          <a:bodyPr wrap="square" rtlCol="0">
+            <a:spAutoFit/>
+          </a:bodyPr>
+          <a:lstStyle/>
+          <a:p>
+            <a:pPr algn="ctr"/>
+            <a:r>
+              <a:rPr lang="en-US" dirty="0" smtClean="0"/>
+              <a:t>Chapter </a:t>
+            </a:r>
+            <a:r>
+              <a:rPr lang="en-US" dirty="0" smtClean="0"/>
+              <a:t>10</a:t>
+            </a:r>
+            <a:endParaRPr lang="en-US" dirty="0"/>
+          </a:p>
+          <a:p>
+            <a:pPr algn="ctr"/>
+            <a:r>
+              <a:rPr lang="en-US" b="1" u="sng" dirty="0" smtClean="0"/>
+              <a:t>Simple Linear </a:t>
+            </a:r>
+            <a:r>
+              <a:rPr lang="en-US" b="1" u="sng" dirty="0" smtClean="0"/>
+              <a:t>Regression</a:t>
+            </a:r>
+            <a:endParaRPr lang="en-US" dirty="0" smtClean="0"/>
+          </a:p>
+          <a:p>
+            <a:pPr algn="ctr"/>
+            <a:r>
+              <a:rPr lang="en-US" i="1" dirty="0" smtClean="0"/>
+              <a:t>chapter slides (majority)</a:t>
+            </a:r>
+            <a:endParaRPr lang="en-US" i="1" dirty="0" smtClean="0"/>
+          </a:p>
+        </p:txBody>
+      </p:sp>
     </p:spTree>
     <p:extLst>
       <p:ext uri="{BB962C8B-B14F-4D97-AF65-F5344CB8AC3E}">
-        <p14:creationId xmlns:p14="http://schemas.microsoft.com/office/powerpoint/2010/main" val="2916572011"/>
+        <p14:creationId xmlns:p14="http://schemas.microsoft.com/office/powerpoint/2010/main" val="2730707931"/>
       </p:ext>
     </p:extLst>
   </p:cSld>
@@ -5137,7 +5164,7 @@
 </p:sld>
 </file>
 
-<file path=ppt/slides/slide6.xml><?xml version="1.0" encoding="utf-8"?>
+<file path=ppt/slides/slide5.xml><?xml version="1.0" encoding="utf-8"?>
 <p:sld xmlns:a="http://schemas.openxmlformats.org/drawingml/2006/main" xmlns:r="http://schemas.openxmlformats.org/officeDocument/2006/relationships" xmlns:p="http://schemas.openxmlformats.org/presentationml/2006/main">
   <p:cSld>
     <p:spTree>
@@ -5255,7 +5282,7 @@
             <a:pPr algn="ctr"/>
             <a:r>
               <a:rPr lang="en-US" dirty="0" smtClean="0"/>
-              <a:t>Feb. 5, 2020</a:t>
+              <a:t>Feb. 12, 2020</a:t>
             </a:r>
             <a:endParaRPr lang="en-US" dirty="0"/>
           </a:p>
@@ -5269,8 +5296,8 @@
         </p:nvSpPr>
         <p:spPr>
           <a:xfrm>
-            <a:off x="2035110" y="3043759"/>
-            <a:ext cx="5005769" cy="1477328"/>
+            <a:off x="2175357" y="4235713"/>
+            <a:ext cx="5005769" cy="923330"/>
           </a:xfrm>
           <a:prstGeom prst="rect">
             <a:avLst/>
@@ -5290,39 +5317,23 @@
             </a:r>
             <a:r>
               <a:rPr lang="en-US" dirty="0"/>
-              <a:t>6</a:t>
+              <a:t>9</a:t>
             </a:r>
           </a:p>
           <a:p>
             <a:pPr algn="ctr"/>
             <a:r>
               <a:rPr lang="en-US" b="1" u="sng" dirty="0" smtClean="0"/>
-              <a:t>Confidence Interval Estimation: The t Distribution</a:t>
-            </a:r>
-            <a:endParaRPr lang="en-US" b="1" u="sng" dirty="0"/>
+              <a:t>Correlation</a:t>
+            </a:r>
+            <a:endParaRPr lang="en-US" dirty="0" smtClean="0"/>
           </a:p>
           <a:p>
             <a:pPr algn="ctr"/>
             <a:r>
               <a:rPr lang="en-US" i="1" dirty="0" smtClean="0"/>
-              <a:t>Lecture slides</a:t>
-            </a:r>
-            <a:endParaRPr lang="en-US" i="1" dirty="0"/>
-          </a:p>
-          <a:p>
-            <a:pPr algn="ctr"/>
-            <a:r>
-              <a:rPr lang="en-US" i="1" dirty="0" smtClean="0"/>
-              <a:t>(second half)</a:t>
-            </a:r>
-          </a:p>
-          <a:p>
-            <a:pPr algn="ctr"/>
-            <a:r>
-              <a:rPr lang="en-US" i="1" dirty="0" smtClean="0"/>
-              <a:t>Homework Helps</a:t>
-            </a:r>
-            <a:endParaRPr lang="en-US" i="1" dirty="0"/>
+              <a:t>First half, chapter slides</a:t>
+            </a:r>
           </a:p>
         </p:txBody>
       </p:sp>
@@ -5461,10 +5472,73 @@
           </a:prstGeom>
         </p:spPr>
       </p:pic>
+      <p:sp>
+        <p:nvSpPr>
+          <p:cNvPr id="13" name="TextBox 12"/>
+          <p:cNvSpPr txBox="1"/>
+          <p:nvPr/>
+        </p:nvSpPr>
+        <p:spPr>
+          <a:xfrm>
+            <a:off x="2175358" y="2646127"/>
+            <a:ext cx="5005769" cy="1477328"/>
+          </a:xfrm>
+          <a:prstGeom prst="rect">
+            <a:avLst/>
+          </a:prstGeom>
+          <a:noFill/>
+        </p:spPr>
+        <p:txBody>
+          <a:bodyPr wrap="square" rtlCol="0">
+            <a:spAutoFit/>
+          </a:bodyPr>
+          <a:lstStyle/>
+          <a:p>
+            <a:pPr algn="ctr"/>
+            <a:r>
+              <a:rPr lang="en-US" dirty="0" smtClean="0"/>
+              <a:t>Chapter </a:t>
+            </a:r>
+            <a:r>
+              <a:rPr lang="en-US" dirty="0"/>
+              <a:t>8</a:t>
+            </a:r>
+          </a:p>
+          <a:p>
+            <a:pPr algn="ctr"/>
+            <a:r>
+              <a:rPr lang="en-US" b="1" u="sng" dirty="0" smtClean="0"/>
+              <a:t>Effect Size &amp; Power Analysis</a:t>
+            </a:r>
+            <a:endParaRPr lang="en-US" dirty="0" smtClean="0"/>
+          </a:p>
+          <a:p>
+            <a:pPr algn="ctr"/>
+            <a:r>
+              <a:rPr lang="en-US" i="1" dirty="0" smtClean="0"/>
+              <a:t>Chapter slides</a:t>
+            </a:r>
+          </a:p>
+          <a:p>
+            <a:pPr algn="ctr"/>
+            <a:r>
+              <a:rPr lang="en-US" i="1" dirty="0" smtClean="0"/>
+              <a:t>Demo G*Power software</a:t>
+            </a:r>
+          </a:p>
+          <a:p>
+            <a:pPr algn="ctr"/>
+            <a:r>
+              <a:rPr lang="en-US" i="1" dirty="0" smtClean="0"/>
+              <a:t>Homework Help</a:t>
+            </a:r>
+          </a:p>
+        </p:txBody>
+      </p:sp>
     </p:spTree>
     <p:extLst>
       <p:ext uri="{BB962C8B-B14F-4D97-AF65-F5344CB8AC3E}">
-        <p14:creationId xmlns:p14="http://schemas.microsoft.com/office/powerpoint/2010/main" val="3019460125"/>
+        <p14:creationId xmlns:p14="http://schemas.microsoft.com/office/powerpoint/2010/main" val="3221510669"/>
       </p:ext>
     </p:extLst>
   </p:cSld>
@@ -5474,7 +5548,7 @@
 </p:sld>
 </file>
 
-<file path=ppt/slides/slide7.xml><?xml version="1.0" encoding="utf-8"?>
+<file path=ppt/slides/slide6.xml><?xml version="1.0" encoding="utf-8"?>
 <p:sld xmlns:a="http://schemas.openxmlformats.org/drawingml/2006/main" xmlns:r="http://schemas.openxmlformats.org/officeDocument/2006/relationships" xmlns:p="http://schemas.openxmlformats.org/presentationml/2006/main">
   <p:cSld>
     <p:spTree>
@@ -5592,7 +5666,7 @@
             <a:pPr algn="ctr"/>
             <a:r>
               <a:rPr lang="en-US" dirty="0" smtClean="0"/>
-              <a:t>Feb. 5, 2020</a:t>
+              <a:t>Feb. 10, 2020</a:t>
             </a:r>
             <a:endParaRPr lang="en-US" dirty="0"/>
           </a:p>
@@ -5607,7 +5681,7 @@
         <p:spPr>
           <a:xfrm>
             <a:off x="2035110" y="3043759"/>
-            <a:ext cx="5005769" cy="1477328"/>
+            <a:ext cx="5005769" cy="923330"/>
           </a:xfrm>
           <a:prstGeom prst="rect">
             <a:avLst/>
@@ -5627,37 +5701,25 @@
             </a:r>
             <a:r>
               <a:rPr lang="en-US" dirty="0"/>
-              <a:t>6</a:t>
-            </a:r>
-          </a:p>
-          <a:p>
-            <a:pPr algn="ctr"/>
+              <a:t>7</a:t>
+            </a:r>
+          </a:p>
+          <a:p>
+            <a:pPr algn="ctr"/>
+            <a:r>
+              <a:rPr lang="en-US" b="1" u="sng" dirty="0"/>
+              <a:t>Independent Samples t-Test for </a:t>
+            </a:r>
             <a:r>
               <a:rPr lang="en-US" b="1" u="sng" dirty="0" smtClean="0"/>
-              <a:t>Confidence Interval Estimation: The t Distribution</a:t>
-            </a:r>
-            <a:endParaRPr lang="en-US" b="1" u="sng" dirty="0"/>
+              <a:t>Means</a:t>
+            </a:r>
           </a:p>
           <a:p>
             <a:pPr algn="ctr"/>
             <a:r>
               <a:rPr lang="en-US" i="1" dirty="0" smtClean="0"/>
-              <a:t>Lecture slides</a:t>
-            </a:r>
-            <a:endParaRPr lang="en-US" i="1" dirty="0"/>
-          </a:p>
-          <a:p>
-            <a:pPr algn="ctr"/>
-            <a:r>
-              <a:rPr lang="en-US" i="1" dirty="0" smtClean="0"/>
-              <a:t>(second half)</a:t>
-            </a:r>
-          </a:p>
-          <a:p>
-            <a:pPr algn="ctr"/>
-            <a:r>
-              <a:rPr lang="en-US" i="1" dirty="0" smtClean="0"/>
-              <a:t>Homework Helps</a:t>
+              <a:t>Mostly Homework Helps</a:t>
             </a:r>
             <a:endParaRPr lang="en-US" i="1" dirty="0"/>
           </a:p>
@@ -5801,7 +5863,7 @@
     </p:spTree>
     <p:extLst>
       <p:ext uri="{BB962C8B-B14F-4D97-AF65-F5344CB8AC3E}">
-        <p14:creationId xmlns:p14="http://schemas.microsoft.com/office/powerpoint/2010/main" val="4154058086"/>
+        <p14:creationId xmlns:p14="http://schemas.microsoft.com/office/powerpoint/2010/main" val="2916572011"/>
       </p:ext>
     </p:extLst>
   </p:cSld>
@@ -5811,7 +5873,7 @@
 </p:sld>
 </file>
 
-<file path=ppt/slides/slide8.xml><?xml version="1.0" encoding="utf-8"?>
+<file path=ppt/slides/slide7.xml><?xml version="1.0" encoding="utf-8"?>
 <p:sld xmlns:a="http://schemas.openxmlformats.org/drawingml/2006/main" xmlns:r="http://schemas.openxmlformats.org/officeDocument/2006/relationships" xmlns:p="http://schemas.openxmlformats.org/presentationml/2006/main">
   <p:cSld>
     <p:spTree>
@@ -5929,7 +5991,7 @@
             <a:pPr algn="ctr"/>
             <a:r>
               <a:rPr lang="en-US" dirty="0" smtClean="0"/>
-              <a:t>Feb. 3, 2020</a:t>
+              <a:t>Feb. 5, 2020</a:t>
             </a:r>
             <a:endParaRPr lang="en-US" dirty="0"/>
           </a:p>
@@ -5944,7 +6006,7 @@
         <p:spPr>
           <a:xfrm>
             <a:off x="2035110" y="3043759"/>
-            <a:ext cx="5005769" cy="2585323"/>
+            <a:ext cx="5005769" cy="1477328"/>
           </a:xfrm>
           <a:prstGeom prst="rect">
             <a:avLst/>
@@ -5959,50 +6021,12 @@
           <a:p>
             <a:pPr algn="ctr"/>
             <a:r>
+              <a:rPr lang="en-US" dirty="0" smtClean="0"/>
+              <a:t>Chapter </a:t>
+            </a:r>
+            <a:r>
               <a:rPr lang="en-US" dirty="0"/>
-              <a:t>Chapter </a:t>
-            </a:r>
-            <a:r>
-              <a:rPr lang="en-US" dirty="0" smtClean="0"/>
-              <a:t>5</a:t>
-            </a:r>
-            <a:endParaRPr lang="en-US" dirty="0"/>
-          </a:p>
-          <a:p>
-            <a:pPr algn="ctr"/>
-            <a:r>
-              <a:rPr lang="en-US" b="1" u="sng" dirty="0" smtClean="0"/>
-              <a:t>Intro to Hypothesis Testing: 1 sample z-Test</a:t>
-            </a:r>
-            <a:endParaRPr lang="en-US" b="1" u="sng" dirty="0"/>
-          </a:p>
-          <a:p>
-            <a:pPr algn="ctr"/>
-            <a:r>
-              <a:rPr lang="en-US" i="1" dirty="0" smtClean="0"/>
-              <a:t>Finish </a:t>
-            </a:r>
-            <a:r>
-              <a:rPr lang="en-US" i="1" dirty="0"/>
-              <a:t>discussion</a:t>
-            </a:r>
-          </a:p>
-          <a:p>
-            <a:pPr algn="ctr"/>
-            <a:r>
-              <a:rPr lang="en-US" i="1" dirty="0"/>
-              <a:t>Homework questions</a:t>
-            </a:r>
-          </a:p>
-          <a:p>
-            <a:pPr algn="ctr"/>
-            <a:endParaRPr lang="en-US" i="1" dirty="0"/>
-          </a:p>
-          <a:p>
-            <a:pPr algn="ctr"/>
-            <a:r>
-              <a:rPr lang="en-US" dirty="0"/>
-              <a:t>Chapter 6</a:t>
+              <a:t>6</a:t>
             </a:r>
           </a:p>
           <a:p>
@@ -6025,7 +6049,14 @@
             <a:pPr algn="ctr"/>
             <a:r>
               <a:rPr lang="en-US" i="1" dirty="0" smtClean="0"/>
-              <a:t>(first half)</a:t>
+              <a:t>(second half)</a:t>
+            </a:r>
+          </a:p>
+          <a:p>
+            <a:pPr algn="ctr"/>
+            <a:r>
+              <a:rPr lang="en-US" i="1" dirty="0" smtClean="0"/>
+              <a:t>Homework Helps</a:t>
             </a:r>
             <a:endParaRPr lang="en-US" i="1" dirty="0"/>
           </a:p>
@@ -6169,7 +6200,7 @@
     </p:spTree>
     <p:extLst>
       <p:ext uri="{BB962C8B-B14F-4D97-AF65-F5344CB8AC3E}">
-        <p14:creationId xmlns:p14="http://schemas.microsoft.com/office/powerpoint/2010/main" val="1136618621"/>
+        <p14:creationId xmlns:p14="http://schemas.microsoft.com/office/powerpoint/2010/main" val="3019460125"/>
       </p:ext>
     </p:extLst>
   </p:cSld>
@@ -6179,7 +6210,7 @@
 </p:sld>
 </file>
 
-<file path=ppt/slides/slide9.xml><?xml version="1.0" encoding="utf-8"?>
+<file path=ppt/slides/slide8.xml><?xml version="1.0" encoding="utf-8"?>
 <p:sld xmlns:a="http://schemas.openxmlformats.org/drawingml/2006/main" xmlns:r="http://schemas.openxmlformats.org/officeDocument/2006/relationships" xmlns:p="http://schemas.openxmlformats.org/presentationml/2006/main">
   <p:cSld>
     <p:spTree>
@@ -6297,7 +6328,7 @@
             <a:pPr algn="ctr"/>
             <a:r>
               <a:rPr lang="en-US" dirty="0" smtClean="0"/>
-              <a:t>Jan. 22, 2020</a:t>
+              <a:t>Feb. 5, 2020</a:t>
             </a:r>
             <a:endParaRPr lang="en-US" dirty="0"/>
           </a:p>
@@ -6312,7 +6343,7 @@
         <p:spPr>
           <a:xfrm>
             <a:off x="2035110" y="3043759"/>
-            <a:ext cx="5005769" cy="2585323"/>
+            <a:ext cx="5005769" cy="1477328"/>
           </a:xfrm>
           <a:prstGeom prst="rect">
             <a:avLst/>
@@ -6327,56 +6358,19 @@
           <a:p>
             <a:pPr algn="ctr"/>
             <a:r>
+              <a:rPr lang="en-US" dirty="0" smtClean="0"/>
+              <a:t>Chapter </a:t>
+            </a:r>
+            <a:r>
               <a:rPr lang="en-US" dirty="0"/>
-              <a:t>Chapter 3</a:t>
-            </a:r>
-          </a:p>
-          <a:p>
-            <a:pPr algn="ctr"/>
-            <a:r>
-              <a:rPr lang="en-US" b="1" u="sng" dirty="0"/>
-              <a:t>Variable/Scale, Rounding &amp; Summation</a:t>
-            </a:r>
-          </a:p>
-          <a:p>
-            <a:pPr algn="ctr"/>
-            <a:r>
-              <a:rPr lang="en-US" i="1" dirty="0" smtClean="0"/>
-              <a:t>Finish </a:t>
-            </a:r>
-            <a:r>
-              <a:rPr lang="en-US" i="1" dirty="0"/>
-              <a:t>discussion</a:t>
-            </a:r>
-          </a:p>
-          <a:p>
-            <a:pPr algn="ctr"/>
-            <a:r>
-              <a:rPr lang="en-US" i="1" dirty="0"/>
-              <a:t>Homework questions</a:t>
-            </a:r>
-          </a:p>
-          <a:p>
-            <a:pPr algn="ctr"/>
-            <a:endParaRPr lang="en-US" i="1" dirty="0"/>
-          </a:p>
-          <a:p>
-            <a:pPr algn="ctr"/>
-            <a:r>
-              <a:rPr lang="en-US" dirty="0"/>
-              <a:t>Chapter </a:t>
-            </a:r>
-            <a:r>
-              <a:rPr lang="en-US" dirty="0" smtClean="0"/>
-              <a:t>4</a:t>
-            </a:r>
-            <a:endParaRPr lang="en-US" dirty="0"/>
+              <a:t>6</a:t>
+            </a:r>
           </a:p>
           <a:p>
             <a:pPr algn="ctr"/>
             <a:r>
               <a:rPr lang="en-US" b="1" u="sng" dirty="0" smtClean="0"/>
-              <a:t>Standardized Scores &amp; the Normal Distribution</a:t>
+              <a:t>Confidence Interval Estimation: The t Distribution</a:t>
             </a:r>
             <a:endParaRPr lang="en-US" b="1" u="sng" dirty="0"/>
           </a:p>
@@ -6392,7 +6386,14 @@
             <a:pPr algn="ctr"/>
             <a:r>
               <a:rPr lang="en-US" i="1" dirty="0" smtClean="0"/>
-              <a:t>(first half)</a:t>
+              <a:t>(second half)</a:t>
+            </a:r>
+          </a:p>
+          <a:p>
+            <a:pPr algn="ctr"/>
+            <a:r>
+              <a:rPr lang="en-US" i="1" dirty="0" smtClean="0"/>
+              <a:t>Homework Helps</a:t>
             </a:r>
             <a:endParaRPr lang="en-US" i="1" dirty="0"/>
           </a:p>
@@ -6536,7 +6537,375 @@
     </p:spTree>
     <p:extLst>
       <p:ext uri="{BB962C8B-B14F-4D97-AF65-F5344CB8AC3E}">
-        <p14:creationId xmlns:p14="http://schemas.microsoft.com/office/powerpoint/2010/main" val="2900019700"/>
+        <p14:creationId xmlns:p14="http://schemas.microsoft.com/office/powerpoint/2010/main" val="4154058086"/>
+      </p:ext>
+    </p:extLst>
+  </p:cSld>
+  <p:clrMapOvr>
+    <a:masterClrMapping/>
+  </p:clrMapOvr>
+</p:sld>
+</file>
+
+<file path=ppt/slides/slide9.xml><?xml version="1.0" encoding="utf-8"?>
+<p:sld xmlns:a="http://schemas.openxmlformats.org/drawingml/2006/main" xmlns:r="http://schemas.openxmlformats.org/officeDocument/2006/relationships" xmlns:p="http://schemas.openxmlformats.org/presentationml/2006/main">
+  <p:cSld>
+    <p:spTree>
+      <p:nvGrpSpPr>
+        <p:cNvPr id="1" name=""/>
+        <p:cNvGrpSpPr/>
+        <p:nvPr/>
+      </p:nvGrpSpPr>
+      <p:grpSpPr>
+        <a:xfrm>
+          <a:off x="0" y="0"/>
+          <a:ext cx="0" cy="0"/>
+          <a:chOff x="0" y="0"/>
+          <a:chExt cx="0" cy="0"/>
+        </a:xfrm>
+      </p:grpSpPr>
+      <p:sp>
+        <p:nvSpPr>
+          <p:cNvPr id="4" name="Rectangle 3"/>
+          <p:cNvSpPr/>
+          <p:nvPr/>
+        </p:nvSpPr>
+        <p:spPr>
+          <a:xfrm>
+            <a:off x="1808702" y="824230"/>
+            <a:ext cx="8778240" cy="5010912"/>
+          </a:xfrm>
+          <a:prstGeom prst="rect">
+            <a:avLst/>
+          </a:prstGeom>
+          <a:solidFill>
+            <a:schemeClr val="bg1">
+              <a:lumMod val="95000"/>
+            </a:schemeClr>
+          </a:solidFill>
+          <a:ln w="38100"/>
+        </p:spPr>
+        <p:style>
+          <a:lnRef idx="2">
+            <a:schemeClr val="accent1">
+              <a:shade val="50000"/>
+            </a:schemeClr>
+          </a:lnRef>
+          <a:fillRef idx="1">
+            <a:schemeClr val="accent1"/>
+          </a:fillRef>
+          <a:effectRef idx="0">
+            <a:schemeClr val="accent1"/>
+          </a:effectRef>
+          <a:fontRef idx="minor">
+            <a:schemeClr val="lt1"/>
+          </a:fontRef>
+        </p:style>
+        <p:txBody>
+          <a:bodyPr rtlCol="0" anchor="ctr"/>
+          <a:lstStyle/>
+          <a:p>
+            <a:pPr algn="ctr"/>
+            <a:endParaRPr lang="en-US"/>
+          </a:p>
+        </p:txBody>
+      </p:sp>
+      <p:sp>
+        <p:nvSpPr>
+          <p:cNvPr id="7" name="TextBox 6"/>
+          <p:cNvSpPr txBox="1"/>
+          <p:nvPr/>
+        </p:nvSpPr>
+        <p:spPr>
+          <a:xfrm>
+            <a:off x="3840385" y="1213849"/>
+            <a:ext cx="5712369" cy="923330"/>
+          </a:xfrm>
+          <a:prstGeom prst="rect">
+            <a:avLst/>
+          </a:prstGeom>
+          <a:noFill/>
+        </p:spPr>
+        <p:txBody>
+          <a:bodyPr wrap="square" rtlCol="0">
+            <a:spAutoFit/>
+          </a:bodyPr>
+          <a:lstStyle/>
+          <a:p>
+            <a:r>
+              <a:rPr lang="en-US" sz="5400" dirty="0" smtClean="0"/>
+              <a:t>INCLASS LECTURES</a:t>
+            </a:r>
+            <a:endParaRPr lang="en-US" sz="5400" dirty="0"/>
+          </a:p>
+        </p:txBody>
+      </p:sp>
+      <p:sp>
+        <p:nvSpPr>
+          <p:cNvPr id="8" name="TextBox 7"/>
+          <p:cNvSpPr txBox="1"/>
+          <p:nvPr/>
+        </p:nvSpPr>
+        <p:spPr>
+          <a:xfrm>
+            <a:off x="7731444" y="5278932"/>
+            <a:ext cx="2076450" cy="369332"/>
+          </a:xfrm>
+          <a:prstGeom prst="rect">
+            <a:avLst/>
+          </a:prstGeom>
+          <a:noFill/>
+        </p:spPr>
+        <p:txBody>
+          <a:bodyPr wrap="square" rtlCol="0">
+            <a:spAutoFit/>
+          </a:bodyPr>
+          <a:lstStyle/>
+          <a:p>
+            <a:pPr algn="ctr"/>
+            <a:r>
+              <a:rPr lang="en-US" dirty="0" smtClean="0"/>
+              <a:t>Feb. 3, 2020</a:t>
+            </a:r>
+            <a:endParaRPr lang="en-US" dirty="0"/>
+          </a:p>
+        </p:txBody>
+      </p:sp>
+      <p:sp>
+        <p:nvSpPr>
+          <p:cNvPr id="9" name="TextBox 8"/>
+          <p:cNvSpPr txBox="1"/>
+          <p:nvPr/>
+        </p:nvSpPr>
+        <p:spPr>
+          <a:xfrm>
+            <a:off x="2035110" y="3043759"/>
+            <a:ext cx="5005769" cy="2585323"/>
+          </a:xfrm>
+          <a:prstGeom prst="rect">
+            <a:avLst/>
+          </a:prstGeom>
+          <a:noFill/>
+        </p:spPr>
+        <p:txBody>
+          <a:bodyPr wrap="square" rtlCol="0">
+            <a:spAutoFit/>
+          </a:bodyPr>
+          <a:lstStyle/>
+          <a:p>
+            <a:pPr algn="ctr"/>
+            <a:r>
+              <a:rPr lang="en-US" dirty="0"/>
+              <a:t>Chapter </a:t>
+            </a:r>
+            <a:r>
+              <a:rPr lang="en-US" dirty="0" smtClean="0"/>
+              <a:t>5</a:t>
+            </a:r>
+            <a:endParaRPr lang="en-US" dirty="0"/>
+          </a:p>
+          <a:p>
+            <a:pPr algn="ctr"/>
+            <a:r>
+              <a:rPr lang="en-US" b="1" u="sng" dirty="0" smtClean="0"/>
+              <a:t>Intro to Hypothesis Testing: 1 sample z-Test</a:t>
+            </a:r>
+            <a:endParaRPr lang="en-US" b="1" u="sng" dirty="0"/>
+          </a:p>
+          <a:p>
+            <a:pPr algn="ctr"/>
+            <a:r>
+              <a:rPr lang="en-US" i="1" dirty="0" smtClean="0"/>
+              <a:t>Finish </a:t>
+            </a:r>
+            <a:r>
+              <a:rPr lang="en-US" i="1" dirty="0"/>
+              <a:t>discussion</a:t>
+            </a:r>
+          </a:p>
+          <a:p>
+            <a:pPr algn="ctr"/>
+            <a:r>
+              <a:rPr lang="en-US" i="1" dirty="0"/>
+              <a:t>Homework questions</a:t>
+            </a:r>
+          </a:p>
+          <a:p>
+            <a:pPr algn="ctr"/>
+            <a:endParaRPr lang="en-US" i="1" dirty="0"/>
+          </a:p>
+          <a:p>
+            <a:pPr algn="ctr"/>
+            <a:r>
+              <a:rPr lang="en-US" dirty="0"/>
+              <a:t>Chapter 6</a:t>
+            </a:r>
+          </a:p>
+          <a:p>
+            <a:pPr algn="ctr"/>
+            <a:r>
+              <a:rPr lang="en-US" b="1" u="sng" dirty="0" smtClean="0"/>
+              <a:t>Confidence Interval Estimation: The t Distribution</a:t>
+            </a:r>
+            <a:endParaRPr lang="en-US" b="1" u="sng" dirty="0"/>
+          </a:p>
+          <a:p>
+            <a:pPr algn="ctr"/>
+            <a:r>
+              <a:rPr lang="en-US" i="1" dirty="0" smtClean="0"/>
+              <a:t>Lecture slides</a:t>
+            </a:r>
+            <a:endParaRPr lang="en-US" i="1" dirty="0"/>
+          </a:p>
+          <a:p>
+            <a:pPr algn="ctr"/>
+            <a:r>
+              <a:rPr lang="en-US" i="1" dirty="0" smtClean="0"/>
+              <a:t>(first half)</a:t>
+            </a:r>
+            <a:endParaRPr lang="en-US" i="1" dirty="0"/>
+          </a:p>
+        </p:txBody>
+      </p:sp>
+      <p:grpSp>
+        <p:nvGrpSpPr>
+          <p:cNvPr id="14" name="Group 13"/>
+          <p:cNvGrpSpPr/>
+          <p:nvPr/>
+        </p:nvGrpSpPr>
+        <p:grpSpPr>
+          <a:xfrm>
+            <a:off x="7198839" y="2137179"/>
+            <a:ext cx="3141660" cy="3193339"/>
+            <a:chOff x="7047391" y="1961976"/>
+            <a:chExt cx="3141660" cy="3193339"/>
+          </a:xfrm>
+        </p:grpSpPr>
+        <p:pic>
+          <p:nvPicPr>
+            <p:cNvPr id="2" name="Picture 1"/>
+            <p:cNvPicPr>
+              <a:picLocks noChangeAspect="1"/>
+            </p:cNvPicPr>
+            <p:nvPr/>
+          </p:nvPicPr>
+          <p:blipFill>
+            <a:blip r:embed="rId2" cstate="print">
+              <a:extLst>
+                <a:ext uri="{28A0092B-C50C-407E-A947-70E740481C1C}">
+                  <a14:useLocalDpi xmlns:a14="http://schemas.microsoft.com/office/drawing/2010/main" val="0"/>
+                </a:ext>
+              </a:extLst>
+            </a:blip>
+            <a:stretch>
+              <a:fillRect/>
+            </a:stretch>
+          </p:blipFill>
+          <p:spPr>
+            <a:xfrm>
+              <a:off x="7047391" y="3320161"/>
+              <a:ext cx="1578867" cy="1828804"/>
+            </a:xfrm>
+            <a:prstGeom prst="rect">
+              <a:avLst/>
+            </a:prstGeom>
+          </p:spPr>
+        </p:pic>
+        <p:pic>
+          <p:nvPicPr>
+            <p:cNvPr id="3" name="Picture 2"/>
+            <p:cNvPicPr>
+              <a:picLocks noChangeAspect="1"/>
+            </p:cNvPicPr>
+            <p:nvPr/>
+          </p:nvPicPr>
+          <p:blipFill>
+            <a:blip r:embed="rId3" cstate="print">
+              <a:extLst>
+                <a:ext uri="{28A0092B-C50C-407E-A947-70E740481C1C}">
+                  <a14:useLocalDpi xmlns:a14="http://schemas.microsoft.com/office/drawing/2010/main" val="0"/>
+                </a:ext>
+              </a:extLst>
+            </a:blip>
+            <a:stretch>
+              <a:fillRect/>
+            </a:stretch>
+          </p:blipFill>
+          <p:spPr>
+            <a:xfrm>
+              <a:off x="7830475" y="1961976"/>
+              <a:ext cx="1578867" cy="1828804"/>
+            </a:xfrm>
+            <a:prstGeom prst="rect">
+              <a:avLst/>
+            </a:prstGeom>
+          </p:spPr>
+        </p:pic>
+        <p:pic>
+          <p:nvPicPr>
+            <p:cNvPr id="11" name="Picture 10"/>
+            <p:cNvPicPr>
+              <a:picLocks noChangeAspect="1"/>
+            </p:cNvPicPr>
+            <p:nvPr/>
+          </p:nvPicPr>
+          <p:blipFill>
+            <a:blip r:embed="rId4" cstate="print">
+              <a:extLst>
+                <a:ext uri="{28A0092B-C50C-407E-A947-70E740481C1C}">
+                  <a14:useLocalDpi xmlns:a14="http://schemas.microsoft.com/office/drawing/2010/main" val="0"/>
+                </a:ext>
+              </a:extLst>
+            </a:blip>
+            <a:stretch>
+              <a:fillRect/>
+            </a:stretch>
+          </p:blipFill>
+          <p:spPr>
+            <a:xfrm>
+              <a:off x="8610184" y="3326511"/>
+              <a:ext cx="1578867" cy="1828804"/>
+            </a:xfrm>
+            <a:prstGeom prst="rect">
+              <a:avLst/>
+            </a:prstGeom>
+          </p:spPr>
+        </p:pic>
+      </p:grpSp>
+      <p:pic>
+        <p:nvPicPr>
+          <p:cNvPr id="12" name="Picture 11"/>
+          <p:cNvPicPr>
+            <a:picLocks noChangeAspect="1"/>
+          </p:cNvPicPr>
+          <p:nvPr/>
+        </p:nvPicPr>
+        <p:blipFill>
+          <a:blip r:embed="rId5" cstate="print">
+            <a:extLst>
+              <a:ext uri="{28A0092B-C50C-407E-A947-70E740481C1C}">
+                <a14:useLocalDpi xmlns:a14="http://schemas.microsoft.com/office/drawing/2010/main" val="0"/>
+              </a:ext>
+            </a:extLst>
+          </a:blip>
+          <a:stretch>
+            <a:fillRect/>
+          </a:stretch>
+        </p:blipFill>
+        <p:spPr>
+          <a:xfrm>
+            <a:off x="2035110" y="1019593"/>
+            <a:ext cx="1578867" cy="1828804"/>
+          </a:xfrm>
+          <a:prstGeom prst="rect">
+            <a:avLst/>
+          </a:prstGeom>
+        </p:spPr>
+      </p:pic>
+    </p:spTree>
+    <p:extLst>
+      <p:ext uri="{BB962C8B-B14F-4D97-AF65-F5344CB8AC3E}">
+        <p14:creationId xmlns:p14="http://schemas.microsoft.com/office/powerpoint/2010/main" val="1136618621"/>
       </p:ext>
     </p:extLst>
   </p:cSld>

--- a/static/img/youtube_thumbnails/video_thumbnail_building.pptx
+++ b/static/img/youtube_thumbnails/video_thumbnail_building.pptx
@@ -8,15 +8,17 @@
     <p:sldId id="259" r:id="rId2"/>
     <p:sldId id="261" r:id="rId3"/>
     <p:sldId id="260" r:id="rId4"/>
-    <p:sldId id="267" r:id="rId5"/>
-    <p:sldId id="266" r:id="rId6"/>
-    <p:sldId id="265" r:id="rId7"/>
-    <p:sldId id="264" r:id="rId8"/>
-    <p:sldId id="263" r:id="rId9"/>
-    <p:sldId id="262" r:id="rId10"/>
-    <p:sldId id="257" r:id="rId11"/>
-    <p:sldId id="256" r:id="rId12"/>
-    <p:sldId id="258" r:id="rId13"/>
+    <p:sldId id="269" r:id="rId5"/>
+    <p:sldId id="268" r:id="rId6"/>
+    <p:sldId id="267" r:id="rId7"/>
+    <p:sldId id="266" r:id="rId8"/>
+    <p:sldId id="265" r:id="rId9"/>
+    <p:sldId id="264" r:id="rId10"/>
+    <p:sldId id="263" r:id="rId11"/>
+    <p:sldId id="262" r:id="rId12"/>
+    <p:sldId id="257" r:id="rId13"/>
+    <p:sldId id="256" r:id="rId14"/>
+    <p:sldId id="258" r:id="rId15"/>
   </p:sldIdLst>
   <p:sldSz cx="12192000" cy="6858000"/>
   <p:notesSz cx="6858000" cy="9144000"/>
@@ -254,7 +256,7 @@
           <a:p>
             <a:fld id="{3C68F153-927F-4ADA-A90F-AFD816292B90}" type="datetimeFigureOut">
               <a:rPr lang="en-US" smtClean="0"/>
-              <a:t>2/20/2020</a:t>
+              <a:t>3/14/2020</a:t>
             </a:fld>
             <a:endParaRPr lang="en-US"/>
           </a:p>
@@ -424,7 +426,7 @@
           <a:p>
             <a:fld id="{3C68F153-927F-4ADA-A90F-AFD816292B90}" type="datetimeFigureOut">
               <a:rPr lang="en-US" smtClean="0"/>
-              <a:t>2/20/2020</a:t>
+              <a:t>3/14/2020</a:t>
             </a:fld>
             <a:endParaRPr lang="en-US"/>
           </a:p>
@@ -604,7 +606,7 @@
           <a:p>
             <a:fld id="{3C68F153-927F-4ADA-A90F-AFD816292B90}" type="datetimeFigureOut">
               <a:rPr lang="en-US" smtClean="0"/>
-              <a:t>2/20/2020</a:t>
+              <a:t>3/14/2020</a:t>
             </a:fld>
             <a:endParaRPr lang="en-US"/>
           </a:p>
@@ -774,7 +776,7 @@
           <a:p>
             <a:fld id="{3C68F153-927F-4ADA-A90F-AFD816292B90}" type="datetimeFigureOut">
               <a:rPr lang="en-US" smtClean="0"/>
-              <a:t>2/20/2020</a:t>
+              <a:t>3/14/2020</a:t>
             </a:fld>
             <a:endParaRPr lang="en-US"/>
           </a:p>
@@ -1020,7 +1022,7 @@
           <a:p>
             <a:fld id="{3C68F153-927F-4ADA-A90F-AFD816292B90}" type="datetimeFigureOut">
               <a:rPr lang="en-US" smtClean="0"/>
-              <a:t>2/20/2020</a:t>
+              <a:t>3/14/2020</a:t>
             </a:fld>
             <a:endParaRPr lang="en-US"/>
           </a:p>
@@ -1252,7 +1254,7 @@
           <a:p>
             <a:fld id="{3C68F153-927F-4ADA-A90F-AFD816292B90}" type="datetimeFigureOut">
               <a:rPr lang="en-US" smtClean="0"/>
-              <a:t>2/20/2020</a:t>
+              <a:t>3/14/2020</a:t>
             </a:fld>
             <a:endParaRPr lang="en-US"/>
           </a:p>
@@ -1619,7 +1621,7 @@
           <a:p>
             <a:fld id="{3C68F153-927F-4ADA-A90F-AFD816292B90}" type="datetimeFigureOut">
               <a:rPr lang="en-US" smtClean="0"/>
-              <a:t>2/20/2020</a:t>
+              <a:t>3/14/2020</a:t>
             </a:fld>
             <a:endParaRPr lang="en-US"/>
           </a:p>
@@ -1737,7 +1739,7 @@
           <a:p>
             <a:fld id="{3C68F153-927F-4ADA-A90F-AFD816292B90}" type="datetimeFigureOut">
               <a:rPr lang="en-US" smtClean="0"/>
-              <a:t>2/20/2020</a:t>
+              <a:t>3/14/2020</a:t>
             </a:fld>
             <a:endParaRPr lang="en-US"/>
           </a:p>
@@ -1832,7 +1834,7 @@
           <a:p>
             <a:fld id="{3C68F153-927F-4ADA-A90F-AFD816292B90}" type="datetimeFigureOut">
               <a:rPr lang="en-US" smtClean="0"/>
-              <a:t>2/20/2020</a:t>
+              <a:t>3/14/2020</a:t>
             </a:fld>
             <a:endParaRPr lang="en-US"/>
           </a:p>
@@ -2109,7 +2111,7 @@
           <a:p>
             <a:fld id="{3C68F153-927F-4ADA-A90F-AFD816292B90}" type="datetimeFigureOut">
               <a:rPr lang="en-US" smtClean="0"/>
-              <a:t>2/20/2020</a:t>
+              <a:t>3/14/2020</a:t>
             </a:fld>
             <a:endParaRPr lang="en-US"/>
           </a:p>
@@ -2362,7 +2364,7 @@
           <a:p>
             <a:fld id="{3C68F153-927F-4ADA-A90F-AFD816292B90}" type="datetimeFigureOut">
               <a:rPr lang="en-US" smtClean="0"/>
-              <a:t>2/20/2020</a:t>
+              <a:t>3/14/2020</a:t>
             </a:fld>
             <a:endParaRPr lang="en-US"/>
           </a:p>
@@ -2575,7 +2577,7 @@
           <a:p>
             <a:fld id="{3C68F153-927F-4ADA-A90F-AFD816292B90}" type="datetimeFigureOut">
               <a:rPr lang="en-US" smtClean="0"/>
-              <a:t>2/20/2020</a:t>
+              <a:t>3/14/2020</a:t>
             </a:fld>
             <a:endParaRPr lang="en-US"/>
           </a:p>
@@ -3416,7 +3418,7 @@
             <a:pPr algn="ctr"/>
             <a:r>
               <a:rPr lang="en-US" dirty="0" smtClean="0"/>
-              <a:t>Jan. 22, 2020</a:t>
+              <a:t>Feb. 5, 2020</a:t>
             </a:r>
             <a:endParaRPr lang="en-US" dirty="0"/>
           </a:p>
@@ -3431,7 +3433,7 @@
         <p:spPr>
           <a:xfrm>
             <a:off x="2035110" y="3043759"/>
-            <a:ext cx="5005769" cy="2585323"/>
+            <a:ext cx="5005769" cy="1477328"/>
           </a:xfrm>
           <a:prstGeom prst="rect">
             <a:avLst/>
@@ -3446,56 +3448,19 @@
           <a:p>
             <a:pPr algn="ctr"/>
             <a:r>
+              <a:rPr lang="en-US" dirty="0" smtClean="0"/>
+              <a:t>Chapter </a:t>
+            </a:r>
+            <a:r>
               <a:rPr lang="en-US" dirty="0"/>
-              <a:t>Chapter 3</a:t>
-            </a:r>
-          </a:p>
-          <a:p>
-            <a:pPr algn="ctr"/>
-            <a:r>
-              <a:rPr lang="en-US" b="1" u="sng" dirty="0"/>
-              <a:t>Variable/Scale, Rounding &amp; Summation</a:t>
-            </a:r>
-          </a:p>
-          <a:p>
-            <a:pPr algn="ctr"/>
-            <a:r>
-              <a:rPr lang="en-US" i="1" dirty="0" smtClean="0"/>
-              <a:t>Finish </a:t>
-            </a:r>
-            <a:r>
-              <a:rPr lang="en-US" i="1" dirty="0"/>
-              <a:t>discussion</a:t>
-            </a:r>
-          </a:p>
-          <a:p>
-            <a:pPr algn="ctr"/>
-            <a:r>
-              <a:rPr lang="en-US" i="1" dirty="0"/>
-              <a:t>Homework questions</a:t>
-            </a:r>
-          </a:p>
-          <a:p>
-            <a:pPr algn="ctr"/>
-            <a:endParaRPr lang="en-US" i="1" dirty="0"/>
-          </a:p>
-          <a:p>
-            <a:pPr algn="ctr"/>
-            <a:r>
-              <a:rPr lang="en-US" dirty="0"/>
-              <a:t>Chapter </a:t>
-            </a:r>
-            <a:r>
-              <a:rPr lang="en-US" dirty="0" smtClean="0"/>
-              <a:t>4</a:t>
-            </a:r>
-            <a:endParaRPr lang="en-US" dirty="0"/>
+              <a:t>6</a:t>
+            </a:r>
           </a:p>
           <a:p>
             <a:pPr algn="ctr"/>
             <a:r>
               <a:rPr lang="en-US" b="1" u="sng" dirty="0" smtClean="0"/>
-              <a:t>Standardized Scores &amp; the Normal Distribution</a:t>
+              <a:t>Confidence Interval Estimation: The t Distribution</a:t>
             </a:r>
             <a:endParaRPr lang="en-US" b="1" u="sng" dirty="0"/>
           </a:p>
@@ -3511,7 +3476,14 @@
             <a:pPr algn="ctr"/>
             <a:r>
               <a:rPr lang="en-US" i="1" dirty="0" smtClean="0"/>
-              <a:t>(first half)</a:t>
+              <a:t>(second half)</a:t>
+            </a:r>
+          </a:p>
+          <a:p>
+            <a:pPr algn="ctr"/>
+            <a:r>
+              <a:rPr lang="en-US" i="1" dirty="0" smtClean="0"/>
+              <a:t>Homework Helps</a:t>
             </a:r>
             <a:endParaRPr lang="en-US" i="1" dirty="0"/>
           </a:p>
@@ -3655,7 +3627,7 @@
     </p:spTree>
     <p:extLst>
       <p:ext uri="{BB962C8B-B14F-4D97-AF65-F5344CB8AC3E}">
-        <p14:creationId xmlns:p14="http://schemas.microsoft.com/office/powerpoint/2010/main" val="2900019700"/>
+        <p14:creationId xmlns:p14="http://schemas.microsoft.com/office/powerpoint/2010/main" val="4154058086"/>
       </p:ext>
     </p:extLst>
   </p:cSld>
@@ -3783,7 +3755,7 @@
             <a:pPr algn="ctr"/>
             <a:r>
               <a:rPr lang="en-US" dirty="0" smtClean="0"/>
-              <a:t>Jan. 15, 2020</a:t>
+              <a:t>Feb. 3, 2020</a:t>
             </a:r>
             <a:endParaRPr lang="en-US" dirty="0"/>
           </a:p>
@@ -3797,8 +3769,8 @@
         </p:nvSpPr>
         <p:spPr>
           <a:xfrm>
-            <a:off x="2318419" y="3043759"/>
-            <a:ext cx="4212906" cy="2585323"/>
+            <a:off x="2035110" y="3043759"/>
+            <a:ext cx="5005769" cy="2585323"/>
           </a:xfrm>
           <a:prstGeom prst="rect">
             <a:avLst/>
@@ -3813,48 +3785,59 @@
           <a:p>
             <a:pPr algn="ctr"/>
             <a:r>
+              <a:rPr lang="en-US" dirty="0"/>
+              <a:t>Chapter </a:t>
+            </a:r>
+            <a:r>
               <a:rPr lang="en-US" dirty="0" smtClean="0"/>
-              <a:t>Chapter 1</a:t>
-            </a:r>
+              <a:t>5</a:t>
+            </a:r>
+            <a:endParaRPr lang="en-US" dirty="0"/>
           </a:p>
           <a:p>
             <a:pPr algn="ctr"/>
             <a:r>
               <a:rPr lang="en-US" b="1" u="sng" dirty="0" smtClean="0"/>
-              <a:t>Variable/Scale, Rounding &amp; Summation</a:t>
-            </a:r>
+              <a:t>Intro to Hypothesis Testing: 1 sample z-Test</a:t>
+            </a:r>
+            <a:endParaRPr lang="en-US" b="1" u="sng" dirty="0"/>
           </a:p>
           <a:p>
             <a:pPr algn="ctr"/>
             <a:r>
               <a:rPr lang="en-US" i="1" dirty="0" smtClean="0"/>
-              <a:t>Finish discussion</a:t>
-            </a:r>
-          </a:p>
-          <a:p>
-            <a:pPr algn="ctr"/>
-            <a:r>
-              <a:rPr lang="en-US" i="1" dirty="0" smtClean="0"/>
+              <a:t>Finish </a:t>
+            </a:r>
+            <a:r>
+              <a:rPr lang="en-US" i="1" dirty="0"/>
+              <a:t>discussion</a:t>
+            </a:r>
+          </a:p>
+          <a:p>
+            <a:pPr algn="ctr"/>
+            <a:r>
+              <a:rPr lang="en-US" i="1" dirty="0"/>
               <a:t>Homework questions</a:t>
             </a:r>
           </a:p>
           <a:p>
             <a:pPr algn="ctr"/>
-            <a:endParaRPr lang="en-US" i="1" dirty="0" smtClean="0"/>
+            <a:endParaRPr lang="en-US" i="1" dirty="0"/>
           </a:p>
           <a:p>
             <a:pPr algn="ctr"/>
             <a:r>
               <a:rPr lang="en-US" dirty="0"/>
-              <a:t>Chapter 2 </a:t>
-            </a:r>
-          </a:p>
-          <a:p>
-            <a:pPr algn="ctr"/>
-            <a:r>
-              <a:rPr lang="en-US" b="1" u="sng" dirty="0"/>
-              <a:t>Exploring Data with Plots</a:t>
-            </a:r>
+              <a:t>Chapter 6</a:t>
+            </a:r>
+          </a:p>
+          <a:p>
+            <a:pPr algn="ctr"/>
+            <a:r>
+              <a:rPr lang="en-US" b="1" u="sng" dirty="0" smtClean="0"/>
+              <a:t>Confidence Interval Estimation: The t Distribution</a:t>
+            </a:r>
+            <a:endParaRPr lang="en-US" b="1" u="sng" dirty="0"/>
           </a:p>
           <a:p>
             <a:pPr algn="ctr"/>
@@ -3867,12 +3850,8 @@
           <a:p>
             <a:pPr algn="ctr"/>
             <a:r>
-              <a:rPr lang="en-US" i="1" dirty="0"/>
-              <a:t>Homework </a:t>
-            </a:r>
-            <a:r>
               <a:rPr lang="en-US" i="1" dirty="0" smtClean="0"/>
-              <a:t>questions</a:t>
+              <a:t>(first half)</a:t>
             </a:r>
             <a:endParaRPr lang="en-US" i="1" dirty="0"/>
           </a:p>
@@ -4016,7 +3995,7 @@
     </p:spTree>
     <p:extLst>
       <p:ext uri="{BB962C8B-B14F-4D97-AF65-F5344CB8AC3E}">
-        <p14:creationId xmlns:p14="http://schemas.microsoft.com/office/powerpoint/2010/main" val="3290463226"/>
+        <p14:creationId xmlns:p14="http://schemas.microsoft.com/office/powerpoint/2010/main" val="1136618621"/>
       </p:ext>
     </p:extLst>
   </p:cSld>
@@ -4043,51 +4022,26 @@
           <a:chExt cx="0" cy="0"/>
         </a:xfrm>
       </p:grpSpPr>
-      <p:pic>
-        <p:nvPicPr>
-          <p:cNvPr id="2" name="Picture 1"/>
-          <p:cNvPicPr>
-            <a:picLocks noChangeAspect="1"/>
-          </p:cNvPicPr>
-          <p:nvPr/>
-        </p:nvPicPr>
-        <p:blipFill>
-          <a:blip r:embed="rId2" cstate="print">
-            <a:extLst>
-              <a:ext uri="{28A0092B-C50C-407E-A947-70E740481C1C}">
-                <a14:useLocalDpi xmlns:a14="http://schemas.microsoft.com/office/drawing/2010/main" val="0"/>
-              </a:ext>
-            </a:extLst>
-          </a:blip>
-          <a:stretch>
-            <a:fillRect/>
-          </a:stretch>
-        </p:blipFill>
-        <p:spPr>
-          <a:xfrm>
-            <a:off x="5306566" y="2514598"/>
-            <a:ext cx="1578867" cy="1828804"/>
+      <p:sp>
+        <p:nvSpPr>
+          <p:cNvPr id="4" name="Rectangle 3"/>
+          <p:cNvSpPr/>
+          <p:nvPr/>
+        </p:nvSpPr>
+        <p:spPr>
+          <a:xfrm>
+            <a:off x="1808702" y="824230"/>
+            <a:ext cx="8778240" cy="5010912"/>
           </a:xfrm>
           <a:prstGeom prst="rect">
             <a:avLst/>
           </a:prstGeom>
-        </p:spPr>
-      </p:pic>
-      <p:sp>
-        <p:nvSpPr>
-          <p:cNvPr id="3" name="Rectangle 2"/>
-          <p:cNvSpPr/>
-          <p:nvPr/>
-        </p:nvSpPr>
-        <p:spPr>
-          <a:xfrm>
-            <a:off x="5054138" y="2394066"/>
-            <a:ext cx="2094807" cy="2078182"/>
-          </a:xfrm>
-          <a:prstGeom prst="rect">
-            <a:avLst/>
-          </a:prstGeom>
-          <a:noFill/>
+          <a:solidFill>
+            <a:schemeClr val="bg1">
+              <a:lumMod val="95000"/>
+            </a:schemeClr>
+          </a:solidFill>
+          <a:ln w="38100"/>
         </p:spPr>
         <p:style>
           <a:lnRef idx="2">
@@ -4114,82 +4068,6 @@
           </a:p>
         </p:txBody>
       </p:sp>
-    </p:spTree>
-    <p:extLst>
-      <p:ext uri="{BB962C8B-B14F-4D97-AF65-F5344CB8AC3E}">
-        <p14:creationId xmlns:p14="http://schemas.microsoft.com/office/powerpoint/2010/main" val="2048573925"/>
-      </p:ext>
-    </p:extLst>
-  </p:cSld>
-  <p:clrMapOvr>
-    <a:masterClrMapping/>
-  </p:clrMapOvr>
-</p:sld>
-</file>
-
-<file path=ppt/slides/slide2.xml><?xml version="1.0" encoding="utf-8"?>
-<p:sld xmlns:a="http://schemas.openxmlformats.org/drawingml/2006/main" xmlns:r="http://schemas.openxmlformats.org/officeDocument/2006/relationships" xmlns:p="http://schemas.openxmlformats.org/presentationml/2006/main">
-  <p:cSld>
-    <p:spTree>
-      <p:nvGrpSpPr>
-        <p:cNvPr id="1" name=""/>
-        <p:cNvGrpSpPr/>
-        <p:nvPr/>
-      </p:nvGrpSpPr>
-      <p:grpSpPr>
-        <a:xfrm>
-          <a:off x="0" y="0"/>
-          <a:ext cx="0" cy="0"/>
-          <a:chOff x="0" y="0"/>
-          <a:chExt cx="0" cy="0"/>
-        </a:xfrm>
-      </p:grpSpPr>
-      <p:sp>
-        <p:nvSpPr>
-          <p:cNvPr id="4" name="Rectangle 3"/>
-          <p:cNvSpPr/>
-          <p:nvPr/>
-        </p:nvSpPr>
-        <p:spPr>
-          <a:xfrm>
-            <a:off x="1808702" y="824230"/>
-            <a:ext cx="8778240" cy="5010912"/>
-          </a:xfrm>
-          <a:prstGeom prst="rect">
-            <a:avLst/>
-          </a:prstGeom>
-          <a:solidFill>
-            <a:schemeClr val="bg1">
-              <a:lumMod val="95000"/>
-            </a:schemeClr>
-          </a:solidFill>
-          <a:ln w="38100"/>
-        </p:spPr>
-        <p:style>
-          <a:lnRef idx="2">
-            <a:schemeClr val="accent1">
-              <a:shade val="50000"/>
-            </a:schemeClr>
-          </a:lnRef>
-          <a:fillRef idx="1">
-            <a:schemeClr val="accent1"/>
-          </a:fillRef>
-          <a:effectRef idx="0">
-            <a:schemeClr val="accent1"/>
-          </a:effectRef>
-          <a:fontRef idx="minor">
-            <a:schemeClr val="lt1"/>
-          </a:fontRef>
-        </p:style>
-        <p:txBody>
-          <a:bodyPr rtlCol="0" anchor="ctr"/>
-          <a:lstStyle/>
-          <a:p>
-            <a:pPr algn="ctr"/>
-            <a:endParaRPr lang="en-US"/>
-          </a:p>
-        </p:txBody>
-      </p:sp>
       <p:sp>
         <p:nvSpPr>
           <p:cNvPr id="7" name="TextBox 6"/>
@@ -4198,8 +4076,8 @@
         </p:nvSpPr>
         <p:spPr>
           <a:xfrm>
-            <a:off x="4003824" y="1483154"/>
-            <a:ext cx="5712369" cy="1754326"/>
+            <a:off x="3840385" y="1213849"/>
+            <a:ext cx="5712369" cy="923330"/>
           </a:xfrm>
           <a:prstGeom prst="rect">
             <a:avLst/>
@@ -4214,7 +4092,7 @@
           <a:p>
             <a:r>
               <a:rPr lang="en-US" sz="5400" dirty="0" smtClean="0"/>
-              <a:t>OUT-OF-CLASS LECTURES</a:t>
+              <a:t>INCLASS LECTURES</a:t>
             </a:r>
             <a:endParaRPr lang="en-US" sz="5400" dirty="0"/>
           </a:p>
@@ -4245,7 +4123,7 @@
             <a:pPr algn="ctr"/>
             <a:r>
               <a:rPr lang="en-US" dirty="0" smtClean="0"/>
-              <a:t>Jan. 24, 2020</a:t>
+              <a:t>Jan. 22, 2020</a:t>
             </a:r>
             <a:endParaRPr lang="en-US" dirty="0"/>
           </a:p>
@@ -4259,8 +4137,8 @@
         </p:nvSpPr>
         <p:spPr>
           <a:xfrm>
-            <a:off x="2000886" y="3743671"/>
-            <a:ext cx="5005769" cy="923330"/>
+            <a:off x="2035110" y="3043759"/>
+            <a:ext cx="5005769" cy="2585323"/>
           </a:xfrm>
           <a:prstGeom prst="rect">
             <a:avLst/>
@@ -4275,8 +4153,48 @@
           <a:p>
             <a:pPr algn="ctr"/>
             <a:r>
+              <a:rPr lang="en-US" dirty="0"/>
+              <a:t>Chapter 3</a:t>
+            </a:r>
+          </a:p>
+          <a:p>
+            <a:pPr algn="ctr"/>
+            <a:r>
+              <a:rPr lang="en-US" b="1" u="sng" dirty="0"/>
+              <a:t>Variable/Scale, Rounding &amp; Summation</a:t>
+            </a:r>
+          </a:p>
+          <a:p>
+            <a:pPr algn="ctr"/>
+            <a:r>
+              <a:rPr lang="en-US" i="1" dirty="0" smtClean="0"/>
+              <a:t>Finish </a:t>
+            </a:r>
+            <a:r>
+              <a:rPr lang="en-US" i="1" dirty="0"/>
+              <a:t>discussion</a:t>
+            </a:r>
+          </a:p>
+          <a:p>
+            <a:pPr algn="ctr"/>
+            <a:r>
+              <a:rPr lang="en-US" i="1" dirty="0"/>
+              <a:t>Homework questions</a:t>
+            </a:r>
+          </a:p>
+          <a:p>
+            <a:pPr algn="ctr"/>
+            <a:endParaRPr lang="en-US" i="1" dirty="0"/>
+          </a:p>
+          <a:p>
+            <a:pPr algn="ctr"/>
+            <a:r>
+              <a:rPr lang="en-US" dirty="0"/>
+              <a:t>Chapter </a:t>
+            </a:r>
+            <a:r>
               <a:rPr lang="en-US" dirty="0" smtClean="0"/>
-              <a:t>Chapter 4</a:t>
+              <a:t>4</a:t>
             </a:r>
             <a:endParaRPr lang="en-US" dirty="0"/>
           </a:p>
@@ -4292,8 +4210,17 @@
             <a:pPr algn="ctr"/>
             <a:r>
               <a:rPr lang="en-US" i="1" dirty="0" smtClean="0"/>
-              <a:t>Lecture Slide Examples Worked</a:t>
-            </a:r>
+              <a:t>Lecture slides</a:t>
+            </a:r>
+            <a:endParaRPr lang="en-US" i="1" dirty="0"/>
+          </a:p>
+          <a:p>
+            <a:pPr algn="ctr"/>
+            <a:r>
+              <a:rPr lang="en-US" i="1" dirty="0" smtClean="0"/>
+              <a:t>(first half)</a:t>
+            </a:r>
+            <a:endParaRPr lang="en-US" i="1" dirty="0"/>
           </a:p>
         </p:txBody>
       </p:sp>
@@ -4435,7 +4362,7 @@
     </p:spTree>
     <p:extLst>
       <p:ext uri="{BB962C8B-B14F-4D97-AF65-F5344CB8AC3E}">
-        <p14:creationId xmlns:p14="http://schemas.microsoft.com/office/powerpoint/2010/main" val="267042058"/>
+        <p14:creationId xmlns:p14="http://schemas.microsoft.com/office/powerpoint/2010/main" val="2900019700"/>
       </p:ext>
     </p:extLst>
   </p:cSld>
@@ -4445,7 +4372,7 @@
 </p:sld>
 </file>
 
-<file path=ppt/slides/slide3.xml><?xml version="1.0" encoding="utf-8"?>
+<file path=ppt/slides/slide13.xml><?xml version="1.0" encoding="utf-8"?>
 <p:sld xmlns:a="http://schemas.openxmlformats.org/drawingml/2006/main" xmlns:r="http://schemas.openxmlformats.org/officeDocument/2006/relationships" xmlns:p="http://schemas.openxmlformats.org/presentationml/2006/main">
   <p:cSld>
     <p:spTree>
@@ -4516,8 +4443,8 @@
         </p:nvSpPr>
         <p:spPr>
           <a:xfrm>
-            <a:off x="4184694" y="1065121"/>
-            <a:ext cx="5712369" cy="1754326"/>
+            <a:off x="3840385" y="1213849"/>
+            <a:ext cx="5712369" cy="923330"/>
           </a:xfrm>
           <a:prstGeom prst="rect">
             <a:avLst/>
@@ -4532,7 +4459,7 @@
           <a:p>
             <a:r>
               <a:rPr lang="en-US" sz="5400" dirty="0" smtClean="0"/>
-              <a:t>OUT-OF-CLASS LECTURES</a:t>
+              <a:t>INCLASS LECTURES</a:t>
             </a:r>
             <a:endParaRPr lang="en-US" sz="5400" dirty="0"/>
           </a:p>
@@ -4563,7 +4490,7 @@
             <a:pPr algn="ctr"/>
             <a:r>
               <a:rPr lang="en-US" dirty="0" smtClean="0"/>
-              <a:t>Jan. 24, 2020</a:t>
+              <a:t>Jan. 15, 2020</a:t>
             </a:r>
             <a:endParaRPr lang="en-US" dirty="0"/>
           </a:p>
@@ -4577,8 +4504,8 @@
         </p:nvSpPr>
         <p:spPr>
           <a:xfrm>
-            <a:off x="2035110" y="3043759"/>
-            <a:ext cx="5005769" cy="1200329"/>
+            <a:off x="2318419" y="3043759"/>
+            <a:ext cx="4212906" cy="2585323"/>
           </a:xfrm>
           <a:prstGeom prst="rect">
             <a:avLst/>
@@ -4594,31 +4521,65 @@
             <a:pPr algn="ctr"/>
             <a:r>
               <a:rPr lang="en-US" dirty="0" smtClean="0"/>
-              <a:t>Chapter 4</a:t>
-            </a:r>
-            <a:endParaRPr lang="en-US" dirty="0"/>
+              <a:t>Chapter 1</a:t>
+            </a:r>
           </a:p>
           <a:p>
             <a:pPr algn="ctr"/>
             <a:r>
               <a:rPr lang="en-US" b="1" u="sng" dirty="0" smtClean="0"/>
-              <a:t>Standardized Scores &amp; the Normal Distribution</a:t>
-            </a:r>
-            <a:endParaRPr lang="en-US" b="1" u="sng" dirty="0"/>
+              <a:t>Variable/Scale, Rounding &amp; Summation</a:t>
+            </a:r>
           </a:p>
           <a:p>
             <a:pPr algn="ctr"/>
             <a:r>
               <a:rPr lang="en-US" i="1" dirty="0" smtClean="0"/>
-              <a:t>Lecture slides 25-43</a:t>
+              <a:t>Finish discussion</a:t>
+            </a:r>
+          </a:p>
+          <a:p>
+            <a:pPr algn="ctr"/>
+            <a:r>
+              <a:rPr lang="en-US" i="1" dirty="0" smtClean="0"/>
+              <a:t>Homework questions</a:t>
+            </a:r>
+          </a:p>
+          <a:p>
+            <a:pPr algn="ctr"/>
+            <a:endParaRPr lang="en-US" i="1" dirty="0" smtClean="0"/>
+          </a:p>
+          <a:p>
+            <a:pPr algn="ctr"/>
+            <a:r>
+              <a:rPr lang="en-US" dirty="0"/>
+              <a:t>Chapter 2 </a:t>
+            </a:r>
+          </a:p>
+          <a:p>
+            <a:pPr algn="ctr"/>
+            <a:r>
+              <a:rPr lang="en-US" b="1" u="sng" dirty="0"/>
+              <a:t>Exploring Data with Plots</a:t>
+            </a:r>
+          </a:p>
+          <a:p>
+            <a:pPr algn="ctr"/>
+            <a:r>
+              <a:rPr lang="en-US" i="1" dirty="0" smtClean="0"/>
+              <a:t>Lecture slides</a:t>
             </a:r>
             <a:endParaRPr lang="en-US" i="1" dirty="0"/>
           </a:p>
           <a:p>
             <a:pPr algn="ctr"/>
             <a:r>
+              <a:rPr lang="en-US" i="1" dirty="0"/>
+              <a:t>Homework </a:t>
+            </a:r>
+            <a:r>
               <a:rPr lang="en-US" i="1" dirty="0" smtClean="0"/>
-              <a:t>(Second half)</a:t>
+              <a:t>questions</a:t>
             </a:r>
             <a:endParaRPr lang="en-US" i="1" dirty="0"/>
           </a:p>
@@ -4762,7 +4723,7 @@
     </p:spTree>
     <p:extLst>
       <p:ext uri="{BB962C8B-B14F-4D97-AF65-F5344CB8AC3E}">
-        <p14:creationId xmlns:p14="http://schemas.microsoft.com/office/powerpoint/2010/main" val="1429724622"/>
+        <p14:creationId xmlns:p14="http://schemas.microsoft.com/office/powerpoint/2010/main" val="3290463226"/>
       </p:ext>
     </p:extLst>
   </p:cSld>
@@ -4772,7 +4733,7 @@
 </p:sld>
 </file>
 
-<file path=ppt/slides/slide4.xml><?xml version="1.0" encoding="utf-8"?>
+<file path=ppt/slides/slide14.xml><?xml version="1.0" encoding="utf-8"?>
 <p:sld xmlns:a="http://schemas.openxmlformats.org/drawingml/2006/main" xmlns:r="http://schemas.openxmlformats.org/officeDocument/2006/relationships" xmlns:p="http://schemas.openxmlformats.org/presentationml/2006/main">
   <p:cSld>
     <p:spTree>
@@ -4789,26 +4750,51 @@
           <a:chExt cx="0" cy="0"/>
         </a:xfrm>
       </p:grpSpPr>
-      <p:sp>
-        <p:nvSpPr>
-          <p:cNvPr id="4" name="Rectangle 3"/>
-          <p:cNvSpPr/>
-          <p:nvPr/>
-        </p:nvSpPr>
-        <p:spPr>
-          <a:xfrm>
-            <a:off x="1808702" y="824230"/>
-            <a:ext cx="8778240" cy="5010912"/>
+      <p:pic>
+        <p:nvPicPr>
+          <p:cNvPr id="2" name="Picture 1"/>
+          <p:cNvPicPr>
+            <a:picLocks noChangeAspect="1"/>
+          </p:cNvPicPr>
+          <p:nvPr/>
+        </p:nvPicPr>
+        <p:blipFill>
+          <a:blip r:embed="rId2" cstate="print">
+            <a:extLst>
+              <a:ext uri="{28A0092B-C50C-407E-A947-70E740481C1C}">
+                <a14:useLocalDpi xmlns:a14="http://schemas.microsoft.com/office/drawing/2010/main" val="0"/>
+              </a:ext>
+            </a:extLst>
+          </a:blip>
+          <a:stretch>
+            <a:fillRect/>
+          </a:stretch>
+        </p:blipFill>
+        <p:spPr>
+          <a:xfrm>
+            <a:off x="5306566" y="2514598"/>
+            <a:ext cx="1578867" cy="1828804"/>
           </a:xfrm>
           <a:prstGeom prst="rect">
             <a:avLst/>
           </a:prstGeom>
-          <a:solidFill>
-            <a:schemeClr val="bg1">
-              <a:lumMod val="95000"/>
-            </a:schemeClr>
-          </a:solidFill>
-          <a:ln w="38100"/>
+        </p:spPr>
+      </p:pic>
+      <p:sp>
+        <p:nvSpPr>
+          <p:cNvPr id="3" name="Rectangle 2"/>
+          <p:cNvSpPr/>
+          <p:nvPr/>
+        </p:nvSpPr>
+        <p:spPr>
+          <a:xfrm>
+            <a:off x="5054138" y="2394066"/>
+            <a:ext cx="2094807" cy="2078182"/>
+          </a:xfrm>
+          <a:prstGeom prst="rect">
+            <a:avLst/>
+          </a:prstGeom>
+          <a:noFill/>
         </p:spPr>
         <p:style>
           <a:lnRef idx="2">
@@ -4835,6 +4821,82 @@
           </a:p>
         </p:txBody>
       </p:sp>
+    </p:spTree>
+    <p:extLst>
+      <p:ext uri="{BB962C8B-B14F-4D97-AF65-F5344CB8AC3E}">
+        <p14:creationId xmlns:p14="http://schemas.microsoft.com/office/powerpoint/2010/main" val="2048573925"/>
+      </p:ext>
+    </p:extLst>
+  </p:cSld>
+  <p:clrMapOvr>
+    <a:masterClrMapping/>
+  </p:clrMapOvr>
+</p:sld>
+</file>
+
+<file path=ppt/slides/slide2.xml><?xml version="1.0" encoding="utf-8"?>
+<p:sld xmlns:a="http://schemas.openxmlformats.org/drawingml/2006/main" xmlns:r="http://schemas.openxmlformats.org/officeDocument/2006/relationships" xmlns:p="http://schemas.openxmlformats.org/presentationml/2006/main">
+  <p:cSld>
+    <p:spTree>
+      <p:nvGrpSpPr>
+        <p:cNvPr id="1" name=""/>
+        <p:cNvGrpSpPr/>
+        <p:nvPr/>
+      </p:nvGrpSpPr>
+      <p:grpSpPr>
+        <a:xfrm>
+          <a:off x="0" y="0"/>
+          <a:ext cx="0" cy="0"/>
+          <a:chOff x="0" y="0"/>
+          <a:chExt cx="0" cy="0"/>
+        </a:xfrm>
+      </p:grpSpPr>
+      <p:sp>
+        <p:nvSpPr>
+          <p:cNvPr id="4" name="Rectangle 3"/>
+          <p:cNvSpPr/>
+          <p:nvPr/>
+        </p:nvSpPr>
+        <p:spPr>
+          <a:xfrm>
+            <a:off x="1808702" y="824230"/>
+            <a:ext cx="8778240" cy="5010912"/>
+          </a:xfrm>
+          <a:prstGeom prst="rect">
+            <a:avLst/>
+          </a:prstGeom>
+          <a:solidFill>
+            <a:schemeClr val="bg1">
+              <a:lumMod val="95000"/>
+            </a:schemeClr>
+          </a:solidFill>
+          <a:ln w="38100"/>
+        </p:spPr>
+        <p:style>
+          <a:lnRef idx="2">
+            <a:schemeClr val="accent1">
+              <a:shade val="50000"/>
+            </a:schemeClr>
+          </a:lnRef>
+          <a:fillRef idx="1">
+            <a:schemeClr val="accent1"/>
+          </a:fillRef>
+          <a:effectRef idx="0">
+            <a:schemeClr val="accent1"/>
+          </a:effectRef>
+          <a:fontRef idx="minor">
+            <a:schemeClr val="lt1"/>
+          </a:fontRef>
+        </p:style>
+        <p:txBody>
+          <a:bodyPr rtlCol="0" anchor="ctr"/>
+          <a:lstStyle/>
+          <a:p>
+            <a:pPr algn="ctr"/>
+            <a:endParaRPr lang="en-US"/>
+          </a:p>
+        </p:txBody>
+      </p:sp>
       <p:sp>
         <p:nvSpPr>
           <p:cNvPr id="7" name="TextBox 6"/>
@@ -4843,8 +4905,8 @@
         </p:nvSpPr>
         <p:spPr>
           <a:xfrm>
-            <a:off x="3840385" y="1213849"/>
-            <a:ext cx="5712369" cy="923330"/>
+            <a:off x="4003824" y="1483154"/>
+            <a:ext cx="5712369" cy="1754326"/>
           </a:xfrm>
           <a:prstGeom prst="rect">
             <a:avLst/>
@@ -4859,7 +4921,7 @@
           <a:p>
             <a:r>
               <a:rPr lang="en-US" sz="5400" dirty="0" smtClean="0"/>
-              <a:t>INCLASS LECTURES</a:t>
+              <a:t>OUT-OF-CLASS LECTURES</a:t>
             </a:r>
             <a:endParaRPr lang="en-US" sz="5400" dirty="0"/>
           </a:p>
@@ -4890,15 +4952,7 @@
             <a:pPr algn="ctr"/>
             <a:r>
               <a:rPr lang="en-US" dirty="0" smtClean="0"/>
-              <a:t>Feb. </a:t>
-            </a:r>
-            <a:r>
-              <a:rPr lang="en-US" dirty="0" smtClean="0"/>
-              <a:t>19, </a:t>
-            </a:r>
-            <a:r>
-              <a:rPr lang="en-US" dirty="0" smtClean="0"/>
-              <a:t>2020</a:t>
+              <a:t>Jan. 24, 2020</a:t>
             </a:r>
             <a:endParaRPr lang="en-US" dirty="0"/>
           </a:p>
@@ -4912,7 +4966,7 @@
         </p:nvSpPr>
         <p:spPr>
           <a:xfrm>
-            <a:off x="2130478" y="2956774"/>
+            <a:off x="2000886" y="3743671"/>
             <a:ext cx="5005769" cy="923330"/>
           </a:xfrm>
           <a:prstGeom prst="rect">
@@ -4929,34 +4983,23 @@
             <a:pPr algn="ctr"/>
             <a:r>
               <a:rPr lang="en-US" dirty="0" smtClean="0"/>
-              <a:t>Chapter </a:t>
-            </a:r>
-            <a:r>
-              <a:rPr lang="en-US" dirty="0"/>
-              <a:t>9</a:t>
-            </a:r>
+              <a:t>Chapter 4</a:t>
+            </a:r>
+            <a:endParaRPr lang="en-US" dirty="0"/>
           </a:p>
           <a:p>
             <a:pPr algn="ctr"/>
             <a:r>
               <a:rPr lang="en-US" b="1" u="sng" dirty="0" smtClean="0"/>
-              <a:t>Correlation</a:t>
-            </a:r>
-            <a:endParaRPr lang="en-US" dirty="0" smtClean="0"/>
+              <a:t>Standardized Scores &amp; the Normal Distribution</a:t>
+            </a:r>
+            <a:endParaRPr lang="en-US" b="1" u="sng" dirty="0"/>
           </a:p>
           <a:p>
             <a:pPr algn="ctr"/>
             <a:r>
               <a:rPr lang="en-US" i="1" dirty="0" smtClean="0"/>
-              <a:t>Second </a:t>
-            </a:r>
-            <a:r>
-              <a:rPr lang="en-US" i="1" dirty="0" smtClean="0"/>
-              <a:t>half</a:t>
-            </a:r>
-            <a:r>
-              <a:rPr lang="en-US" i="1" dirty="0" smtClean="0"/>
-              <a:t>, chapter slides</a:t>
+              <a:t>Lecture Slide Examples Worked</a:t>
             </a:r>
           </a:p>
         </p:txBody>
@@ -5096,65 +5139,10 @@
           </a:prstGeom>
         </p:spPr>
       </p:pic>
-      <p:sp>
-        <p:nvSpPr>
-          <p:cNvPr id="15" name="TextBox 14"/>
-          <p:cNvSpPr txBox="1"/>
-          <p:nvPr/>
-        </p:nvSpPr>
-        <p:spPr>
-          <a:xfrm>
-            <a:off x="2107241" y="4130160"/>
-            <a:ext cx="5005769" cy="923330"/>
-          </a:xfrm>
-          <a:prstGeom prst="rect">
-            <a:avLst/>
-          </a:prstGeom>
-          <a:noFill/>
-        </p:spPr>
-        <p:txBody>
-          <a:bodyPr wrap="square" rtlCol="0">
-            <a:spAutoFit/>
-          </a:bodyPr>
-          <a:lstStyle/>
-          <a:p>
-            <a:pPr algn="ctr"/>
-            <a:r>
-              <a:rPr lang="en-US" dirty="0" smtClean="0"/>
-              <a:t>Chapter </a:t>
-            </a:r>
-            <a:r>
-              <a:rPr lang="en-US" dirty="0" smtClean="0"/>
-              <a:t>10</a:t>
-            </a:r>
-            <a:endParaRPr lang="en-US" dirty="0"/>
-          </a:p>
-          <a:p>
-            <a:pPr algn="ctr"/>
-            <a:r>
-              <a:rPr lang="en-US" b="1" u="sng" dirty="0" smtClean="0"/>
-              <a:t>Simple Linear </a:t>
-            </a:r>
-            <a:r>
-              <a:rPr lang="en-US" b="1" u="sng" dirty="0" smtClean="0"/>
-              <a:t>Regression</a:t>
-            </a:r>
-            <a:endParaRPr lang="en-US" dirty="0" smtClean="0"/>
-          </a:p>
-          <a:p>
-            <a:pPr algn="ctr"/>
-            <a:r>
-              <a:rPr lang="en-US" i="1" dirty="0" smtClean="0"/>
-              <a:t>chapter slides (majority)</a:t>
-            </a:r>
-            <a:endParaRPr lang="en-US" i="1" dirty="0" smtClean="0"/>
-          </a:p>
-        </p:txBody>
-      </p:sp>
     </p:spTree>
     <p:extLst>
       <p:ext uri="{BB962C8B-B14F-4D97-AF65-F5344CB8AC3E}">
-        <p14:creationId xmlns:p14="http://schemas.microsoft.com/office/powerpoint/2010/main" val="2730707931"/>
+        <p14:creationId xmlns:p14="http://schemas.microsoft.com/office/powerpoint/2010/main" val="267042058"/>
       </p:ext>
     </p:extLst>
   </p:cSld>
@@ -5164,7 +5152,7 @@
 </p:sld>
 </file>
 
-<file path=ppt/slides/slide5.xml><?xml version="1.0" encoding="utf-8"?>
+<file path=ppt/slides/slide3.xml><?xml version="1.0" encoding="utf-8"?>
 <p:sld xmlns:a="http://schemas.openxmlformats.org/drawingml/2006/main" xmlns:r="http://schemas.openxmlformats.org/officeDocument/2006/relationships" xmlns:p="http://schemas.openxmlformats.org/presentationml/2006/main">
   <p:cSld>
     <p:spTree>
@@ -5235,8 +5223,8 @@
         </p:nvSpPr>
         <p:spPr>
           <a:xfrm>
-            <a:off x="3840385" y="1213849"/>
-            <a:ext cx="5712369" cy="923330"/>
+            <a:off x="4184694" y="1065121"/>
+            <a:ext cx="5712369" cy="1754326"/>
           </a:xfrm>
           <a:prstGeom prst="rect">
             <a:avLst/>
@@ -5251,7 +5239,7 @@
           <a:p>
             <a:r>
               <a:rPr lang="en-US" sz="5400" dirty="0" smtClean="0"/>
-              <a:t>INCLASS LECTURES</a:t>
+              <a:t>OUT-OF-CLASS LECTURES</a:t>
             </a:r>
             <a:endParaRPr lang="en-US" sz="5400" dirty="0"/>
           </a:p>
@@ -5282,7 +5270,7 @@
             <a:pPr algn="ctr"/>
             <a:r>
               <a:rPr lang="en-US" dirty="0" smtClean="0"/>
-              <a:t>Feb. 12, 2020</a:t>
+              <a:t>Jan. 24, 2020</a:t>
             </a:r>
             <a:endParaRPr lang="en-US" dirty="0"/>
           </a:p>
@@ -5296,8 +5284,8 @@
         </p:nvSpPr>
         <p:spPr>
           <a:xfrm>
-            <a:off x="2175357" y="4235713"/>
-            <a:ext cx="5005769" cy="923330"/>
+            <a:off x="2035110" y="3043759"/>
+            <a:ext cx="5005769" cy="1200329"/>
           </a:xfrm>
           <a:prstGeom prst="rect">
             <a:avLst/>
@@ -5313,27 +5301,33 @@
             <a:pPr algn="ctr"/>
             <a:r>
               <a:rPr lang="en-US" dirty="0" smtClean="0"/>
-              <a:t>Chapter </a:t>
-            </a:r>
-            <a:r>
-              <a:rPr lang="en-US" dirty="0"/>
-              <a:t>9</a:t>
-            </a:r>
+              <a:t>Chapter 4</a:t>
+            </a:r>
+            <a:endParaRPr lang="en-US" dirty="0"/>
           </a:p>
           <a:p>
             <a:pPr algn="ctr"/>
             <a:r>
               <a:rPr lang="en-US" b="1" u="sng" dirty="0" smtClean="0"/>
-              <a:t>Correlation</a:t>
-            </a:r>
-            <a:endParaRPr lang="en-US" dirty="0" smtClean="0"/>
+              <a:t>Standardized Scores &amp; the Normal Distribution</a:t>
+            </a:r>
+            <a:endParaRPr lang="en-US" b="1" u="sng" dirty="0"/>
           </a:p>
           <a:p>
             <a:pPr algn="ctr"/>
             <a:r>
               <a:rPr lang="en-US" i="1" dirty="0" smtClean="0"/>
-              <a:t>First half, chapter slides</a:t>
-            </a:r>
+              <a:t>Lecture slides 25-43</a:t>
+            </a:r>
+            <a:endParaRPr lang="en-US" i="1" dirty="0"/>
+          </a:p>
+          <a:p>
+            <a:pPr algn="ctr"/>
+            <a:r>
+              <a:rPr lang="en-US" i="1" dirty="0" smtClean="0"/>
+              <a:t>(Second half)</a:t>
+            </a:r>
+            <a:endParaRPr lang="en-US" i="1" dirty="0"/>
           </a:p>
         </p:txBody>
       </p:sp>
@@ -5472,73 +5466,10 @@
           </a:prstGeom>
         </p:spPr>
       </p:pic>
-      <p:sp>
-        <p:nvSpPr>
-          <p:cNvPr id="13" name="TextBox 12"/>
-          <p:cNvSpPr txBox="1"/>
-          <p:nvPr/>
-        </p:nvSpPr>
-        <p:spPr>
-          <a:xfrm>
-            <a:off x="2175358" y="2646127"/>
-            <a:ext cx="5005769" cy="1477328"/>
-          </a:xfrm>
-          <a:prstGeom prst="rect">
-            <a:avLst/>
-          </a:prstGeom>
-          <a:noFill/>
-        </p:spPr>
-        <p:txBody>
-          <a:bodyPr wrap="square" rtlCol="0">
-            <a:spAutoFit/>
-          </a:bodyPr>
-          <a:lstStyle/>
-          <a:p>
-            <a:pPr algn="ctr"/>
-            <a:r>
-              <a:rPr lang="en-US" dirty="0" smtClean="0"/>
-              <a:t>Chapter </a:t>
-            </a:r>
-            <a:r>
-              <a:rPr lang="en-US" dirty="0"/>
-              <a:t>8</a:t>
-            </a:r>
-          </a:p>
-          <a:p>
-            <a:pPr algn="ctr"/>
-            <a:r>
-              <a:rPr lang="en-US" b="1" u="sng" dirty="0" smtClean="0"/>
-              <a:t>Effect Size &amp; Power Analysis</a:t>
-            </a:r>
-            <a:endParaRPr lang="en-US" dirty="0" smtClean="0"/>
-          </a:p>
-          <a:p>
-            <a:pPr algn="ctr"/>
-            <a:r>
-              <a:rPr lang="en-US" i="1" dirty="0" smtClean="0"/>
-              <a:t>Chapter slides</a:t>
-            </a:r>
-          </a:p>
-          <a:p>
-            <a:pPr algn="ctr"/>
-            <a:r>
-              <a:rPr lang="en-US" i="1" dirty="0" smtClean="0"/>
-              <a:t>Demo G*Power software</a:t>
-            </a:r>
-          </a:p>
-          <a:p>
-            <a:pPr algn="ctr"/>
-            <a:r>
-              <a:rPr lang="en-US" i="1" dirty="0" smtClean="0"/>
-              <a:t>Homework Help</a:t>
-            </a:r>
-          </a:p>
-        </p:txBody>
-      </p:sp>
     </p:spTree>
     <p:extLst>
       <p:ext uri="{BB962C8B-B14F-4D97-AF65-F5344CB8AC3E}">
-        <p14:creationId xmlns:p14="http://schemas.microsoft.com/office/powerpoint/2010/main" val="3221510669"/>
+        <p14:creationId xmlns:p14="http://schemas.microsoft.com/office/powerpoint/2010/main" val="1429724622"/>
       </p:ext>
     </p:extLst>
   </p:cSld>
@@ -5548,7 +5479,7 @@
 </p:sld>
 </file>
 
-<file path=ppt/slides/slide6.xml><?xml version="1.0" encoding="utf-8"?>
+<file path=ppt/slides/slide4.xml><?xml version="1.0" encoding="utf-8"?>
 <p:sld xmlns:a="http://schemas.openxmlformats.org/drawingml/2006/main" xmlns:r="http://schemas.openxmlformats.org/officeDocument/2006/relationships" xmlns:p="http://schemas.openxmlformats.org/presentationml/2006/main">
   <p:cSld>
     <p:spTree>
@@ -5666,7 +5597,15 @@
             <a:pPr algn="ctr"/>
             <a:r>
               <a:rPr lang="en-US" dirty="0" smtClean="0"/>
-              <a:t>Feb. 10, 2020</a:t>
+              <a:t>March</a:t>
+            </a:r>
+            <a:r>
+              <a:rPr lang="en-US" dirty="0" smtClean="0"/>
+              <a:t> 11, </a:t>
+            </a:r>
+            <a:r>
+              <a:rPr lang="en-US" dirty="0" smtClean="0"/>
+              <a:t>2020</a:t>
             </a:r>
             <a:endParaRPr lang="en-US" dirty="0"/>
           </a:p>
@@ -5680,8 +5619,8 @@
         </p:nvSpPr>
         <p:spPr>
           <a:xfrm>
-            <a:off x="2035110" y="3043759"/>
-            <a:ext cx="5005769" cy="923330"/>
+            <a:off x="2175358" y="3486436"/>
+            <a:ext cx="5005769" cy="1200329"/>
           </a:xfrm>
           <a:prstGeom prst="rect">
             <a:avLst/>
@@ -5700,28 +5639,45 @@
               <a:t>Chapter </a:t>
             </a:r>
             <a:r>
-              <a:rPr lang="en-US" dirty="0"/>
-              <a:t>7</a:t>
-            </a:r>
-          </a:p>
-          <a:p>
-            <a:pPr algn="ctr"/>
-            <a:r>
-              <a:rPr lang="en-US" b="1" u="sng" dirty="0"/>
-              <a:t>Independent Samples t-Test for </a:t>
-            </a:r>
+              <a:rPr lang="en-US" dirty="0" smtClean="0"/>
+              <a:t>12</a:t>
+            </a:r>
+            <a:endParaRPr lang="en-US" dirty="0"/>
+          </a:p>
+          <a:p>
+            <a:pPr algn="ctr"/>
             <a:r>
               <a:rPr lang="en-US" b="1" u="sng" dirty="0" smtClean="0"/>
-              <a:t>Means</a:t>
-            </a:r>
+              <a:t>One-way Independent Groups ANOVA</a:t>
+            </a:r>
+            <a:endParaRPr lang="en-US" dirty="0" smtClean="0"/>
           </a:p>
           <a:p>
             <a:pPr algn="ctr"/>
             <a:r>
               <a:rPr lang="en-US" i="1" dirty="0" smtClean="0"/>
-              <a:t>Mostly Homework Helps</a:t>
-            </a:r>
-            <a:endParaRPr lang="en-US" i="1" dirty="0"/>
+              <a:t>Second</a:t>
+            </a:r>
+            <a:r>
+              <a:rPr lang="en-US" i="1" dirty="0" smtClean="0"/>
+              <a:t> </a:t>
+            </a:r>
+            <a:r>
+              <a:rPr lang="en-US" i="1" dirty="0" smtClean="0"/>
+              <a:t>half, chapter </a:t>
+            </a:r>
+            <a:r>
+              <a:rPr lang="en-US" i="1" dirty="0" smtClean="0"/>
+              <a:t>slides</a:t>
+            </a:r>
+          </a:p>
+          <a:p>
+            <a:pPr algn="ctr"/>
+            <a:r>
+              <a:rPr lang="en-US" i="1" dirty="0" smtClean="0"/>
+              <a:t>Mostly Examples, Using R, and HW Help</a:t>
+            </a:r>
+            <a:endParaRPr lang="en-US" i="1" dirty="0" smtClean="0"/>
           </a:p>
         </p:txBody>
       </p:sp>
@@ -5863,7 +5819,7 @@
     </p:spTree>
     <p:extLst>
       <p:ext uri="{BB962C8B-B14F-4D97-AF65-F5344CB8AC3E}">
-        <p14:creationId xmlns:p14="http://schemas.microsoft.com/office/powerpoint/2010/main" val="2916572011"/>
+        <p14:creationId xmlns:p14="http://schemas.microsoft.com/office/powerpoint/2010/main" val="928580799"/>
       </p:ext>
     </p:extLst>
   </p:cSld>
@@ -5873,7 +5829,7 @@
 </p:sld>
 </file>
 
-<file path=ppt/slides/slide7.xml><?xml version="1.0" encoding="utf-8"?>
+<file path=ppt/slides/slide5.xml><?xml version="1.0" encoding="utf-8"?>
 <p:sld xmlns:a="http://schemas.openxmlformats.org/drawingml/2006/main" xmlns:r="http://schemas.openxmlformats.org/officeDocument/2006/relationships" xmlns:p="http://schemas.openxmlformats.org/presentationml/2006/main">
   <p:cSld>
     <p:spTree>
@@ -5991,7 +5947,15 @@
             <a:pPr algn="ctr"/>
             <a:r>
               <a:rPr lang="en-US" dirty="0" smtClean="0"/>
-              <a:t>Feb. 5, 2020</a:t>
+              <a:t>March</a:t>
+            </a:r>
+            <a:r>
+              <a:rPr lang="en-US" dirty="0" smtClean="0"/>
+              <a:t> 9</a:t>
+            </a:r>
+            <a:r>
+              <a:rPr lang="en-US" dirty="0" smtClean="0"/>
+              <a:t>, 2020</a:t>
             </a:r>
             <a:endParaRPr lang="en-US" dirty="0"/>
           </a:p>
@@ -6005,8 +5969,8 @@
         </p:nvSpPr>
         <p:spPr>
           <a:xfrm>
-            <a:off x="2035110" y="3043759"/>
-            <a:ext cx="5005769" cy="1477328"/>
+            <a:off x="2175358" y="3486436"/>
+            <a:ext cx="5005769" cy="1200329"/>
           </a:xfrm>
           <a:prstGeom prst="rect">
             <a:avLst/>
@@ -6025,40 +5989,45 @@
               <a:t>Chapter </a:t>
             </a:r>
             <a:r>
-              <a:rPr lang="en-US" dirty="0"/>
-              <a:t>6</a:t>
-            </a:r>
+              <a:rPr lang="en-US" dirty="0" smtClean="0"/>
+              <a:t>12</a:t>
+            </a:r>
+            <a:endParaRPr lang="en-US" dirty="0"/>
           </a:p>
           <a:p>
             <a:pPr algn="ctr"/>
             <a:r>
               <a:rPr lang="en-US" b="1" u="sng" dirty="0" smtClean="0"/>
-              <a:t>Confidence Interval Estimation: The t Distribution</a:t>
-            </a:r>
-            <a:endParaRPr lang="en-US" b="1" u="sng" dirty="0"/>
+              <a:t>One-way Independent Groups ANOVA</a:t>
+            </a:r>
+            <a:endParaRPr lang="en-US" dirty="0" smtClean="0"/>
           </a:p>
           <a:p>
             <a:pPr algn="ctr"/>
             <a:r>
               <a:rPr lang="en-US" i="1" dirty="0" smtClean="0"/>
-              <a:t>Lecture slides</a:t>
-            </a:r>
-            <a:endParaRPr lang="en-US" i="1" dirty="0"/>
-          </a:p>
-          <a:p>
-            <a:pPr algn="ctr"/>
+              <a:t>First</a:t>
+            </a:r>
             <a:r>
               <a:rPr lang="en-US" i="1" dirty="0" smtClean="0"/>
-              <a:t>(second half)</a:t>
-            </a:r>
-          </a:p>
-          <a:p>
-            <a:pPr algn="ctr"/>
+              <a:t> </a:t>
+            </a:r>
             <a:r>
               <a:rPr lang="en-US" i="1" dirty="0" smtClean="0"/>
-              <a:t>Homework Helps</a:t>
-            </a:r>
-            <a:endParaRPr lang="en-US" i="1" dirty="0"/>
+              <a:t>half, chapter </a:t>
+            </a:r>
+            <a:r>
+              <a:rPr lang="en-US" i="1" dirty="0" smtClean="0"/>
+              <a:t>slides</a:t>
+            </a:r>
+          </a:p>
+          <a:p>
+            <a:pPr algn="ctr"/>
+            <a:r>
+              <a:rPr lang="en-US" i="1" dirty="0" smtClean="0"/>
+              <a:t>Mostly New Material Presentation</a:t>
+            </a:r>
+            <a:endParaRPr lang="en-US" i="1" dirty="0" smtClean="0"/>
           </a:p>
         </p:txBody>
       </p:sp>
@@ -6200,7 +6169,7 @@
     </p:spTree>
     <p:extLst>
       <p:ext uri="{BB962C8B-B14F-4D97-AF65-F5344CB8AC3E}">
-        <p14:creationId xmlns:p14="http://schemas.microsoft.com/office/powerpoint/2010/main" val="3019460125"/>
+        <p14:creationId xmlns:p14="http://schemas.microsoft.com/office/powerpoint/2010/main" val="2758197068"/>
       </p:ext>
     </p:extLst>
   </p:cSld>
@@ -6210,7 +6179,7 @@
 </p:sld>
 </file>
 
-<file path=ppt/slides/slide8.xml><?xml version="1.0" encoding="utf-8"?>
+<file path=ppt/slides/slide6.xml><?xml version="1.0" encoding="utf-8"?>
 <p:sld xmlns:a="http://schemas.openxmlformats.org/drawingml/2006/main" xmlns:r="http://schemas.openxmlformats.org/officeDocument/2006/relationships" xmlns:p="http://schemas.openxmlformats.org/presentationml/2006/main">
   <p:cSld>
     <p:spTree>
@@ -6328,7 +6297,7 @@
             <a:pPr algn="ctr"/>
             <a:r>
               <a:rPr lang="en-US" dirty="0" smtClean="0"/>
-              <a:t>Feb. 5, 2020</a:t>
+              <a:t>Feb. 19, 2020</a:t>
             </a:r>
             <a:endParaRPr lang="en-US" dirty="0"/>
           </a:p>
@@ -6342,8 +6311,8 @@
         </p:nvSpPr>
         <p:spPr>
           <a:xfrm>
-            <a:off x="2035110" y="3043759"/>
-            <a:ext cx="5005769" cy="1477328"/>
+            <a:off x="2130478" y="2956774"/>
+            <a:ext cx="5005769" cy="923330"/>
           </a:xfrm>
           <a:prstGeom prst="rect">
             <a:avLst/>
@@ -6363,39 +6332,23 @@
             </a:r>
             <a:r>
               <a:rPr lang="en-US" dirty="0"/>
-              <a:t>6</a:t>
+              <a:t>9</a:t>
             </a:r>
           </a:p>
           <a:p>
             <a:pPr algn="ctr"/>
             <a:r>
               <a:rPr lang="en-US" b="1" u="sng" dirty="0" smtClean="0"/>
-              <a:t>Confidence Interval Estimation: The t Distribution</a:t>
-            </a:r>
-            <a:endParaRPr lang="en-US" b="1" u="sng" dirty="0"/>
+              <a:t>Correlation</a:t>
+            </a:r>
+            <a:endParaRPr lang="en-US" dirty="0" smtClean="0"/>
           </a:p>
           <a:p>
             <a:pPr algn="ctr"/>
             <a:r>
               <a:rPr lang="en-US" i="1" dirty="0" smtClean="0"/>
-              <a:t>Lecture slides</a:t>
-            </a:r>
-            <a:endParaRPr lang="en-US" i="1" dirty="0"/>
-          </a:p>
-          <a:p>
-            <a:pPr algn="ctr"/>
-            <a:r>
-              <a:rPr lang="en-US" i="1" dirty="0" smtClean="0"/>
-              <a:t>(second half)</a:t>
-            </a:r>
-          </a:p>
-          <a:p>
-            <a:pPr algn="ctr"/>
-            <a:r>
-              <a:rPr lang="en-US" i="1" dirty="0" smtClean="0"/>
-              <a:t>Homework Helps</a:t>
-            </a:r>
-            <a:endParaRPr lang="en-US" i="1" dirty="0"/>
+              <a:t>Second half, chapter slides</a:t>
+            </a:r>
           </a:p>
         </p:txBody>
       </p:sp>
@@ -6534,10 +6487,56 @@
           </a:prstGeom>
         </p:spPr>
       </p:pic>
+      <p:sp>
+        <p:nvSpPr>
+          <p:cNvPr id="15" name="TextBox 14"/>
+          <p:cNvSpPr txBox="1"/>
+          <p:nvPr/>
+        </p:nvSpPr>
+        <p:spPr>
+          <a:xfrm>
+            <a:off x="2107241" y="4130160"/>
+            <a:ext cx="5005769" cy="923330"/>
+          </a:xfrm>
+          <a:prstGeom prst="rect">
+            <a:avLst/>
+          </a:prstGeom>
+          <a:noFill/>
+        </p:spPr>
+        <p:txBody>
+          <a:bodyPr wrap="square" rtlCol="0">
+            <a:spAutoFit/>
+          </a:bodyPr>
+          <a:lstStyle/>
+          <a:p>
+            <a:pPr algn="ctr"/>
+            <a:r>
+              <a:rPr lang="en-US" dirty="0" smtClean="0"/>
+              <a:t>Chapter 10</a:t>
+            </a:r>
+            <a:endParaRPr lang="en-US" dirty="0"/>
+          </a:p>
+          <a:p>
+            <a:pPr algn="ctr"/>
+            <a:r>
+              <a:rPr lang="en-US" b="1" u="sng" dirty="0" smtClean="0"/>
+              <a:t>Simple Linear Regression</a:t>
+            </a:r>
+            <a:endParaRPr lang="en-US" dirty="0" smtClean="0"/>
+          </a:p>
+          <a:p>
+            <a:pPr algn="ctr"/>
+            <a:r>
+              <a:rPr lang="en-US" i="1" dirty="0" smtClean="0"/>
+              <a:t>chapter slides (majority)</a:t>
+            </a:r>
+          </a:p>
+        </p:txBody>
+      </p:sp>
     </p:spTree>
     <p:extLst>
       <p:ext uri="{BB962C8B-B14F-4D97-AF65-F5344CB8AC3E}">
-        <p14:creationId xmlns:p14="http://schemas.microsoft.com/office/powerpoint/2010/main" val="4154058086"/>
+        <p14:creationId xmlns:p14="http://schemas.microsoft.com/office/powerpoint/2010/main" val="2730707931"/>
       </p:ext>
     </p:extLst>
   </p:cSld>
@@ -6547,7 +6546,7 @@
 </p:sld>
 </file>
 
-<file path=ppt/slides/slide9.xml><?xml version="1.0" encoding="utf-8"?>
+<file path=ppt/slides/slide7.xml><?xml version="1.0" encoding="utf-8"?>
 <p:sld xmlns:a="http://schemas.openxmlformats.org/drawingml/2006/main" xmlns:r="http://schemas.openxmlformats.org/officeDocument/2006/relationships" xmlns:p="http://schemas.openxmlformats.org/presentationml/2006/main">
   <p:cSld>
     <p:spTree>
@@ -6665,7 +6664,7 @@
             <a:pPr algn="ctr"/>
             <a:r>
               <a:rPr lang="en-US" dirty="0" smtClean="0"/>
-              <a:t>Feb. 3, 2020</a:t>
+              <a:t>Feb. 12, 2020</a:t>
             </a:r>
             <a:endParaRPr lang="en-US" dirty="0"/>
           </a:p>
@@ -6679,8 +6678,8 @@
         </p:nvSpPr>
         <p:spPr>
           <a:xfrm>
-            <a:off x="2035110" y="3043759"/>
-            <a:ext cx="5005769" cy="2585323"/>
+            <a:off x="2175357" y="4235713"/>
+            <a:ext cx="5005769" cy="923330"/>
           </a:xfrm>
           <a:prstGeom prst="rect">
             <a:avLst/>
@@ -6695,75 +6694,28 @@
           <a:p>
             <a:pPr algn="ctr"/>
             <a:r>
+              <a:rPr lang="en-US" dirty="0" smtClean="0"/>
+              <a:t>Chapter </a:t>
+            </a:r>
+            <a:r>
               <a:rPr lang="en-US" dirty="0"/>
-              <a:t>Chapter </a:t>
-            </a:r>
-            <a:r>
-              <a:rPr lang="en-US" dirty="0" smtClean="0"/>
-              <a:t>5</a:t>
-            </a:r>
-            <a:endParaRPr lang="en-US" dirty="0"/>
+              <a:t>9</a:t>
+            </a:r>
           </a:p>
           <a:p>
             <a:pPr algn="ctr"/>
             <a:r>
               <a:rPr lang="en-US" b="1" u="sng" dirty="0" smtClean="0"/>
-              <a:t>Intro to Hypothesis Testing: 1 sample z-Test</a:t>
-            </a:r>
-            <a:endParaRPr lang="en-US" b="1" u="sng" dirty="0"/>
+              <a:t>Correlation</a:t>
+            </a:r>
+            <a:endParaRPr lang="en-US" dirty="0" smtClean="0"/>
           </a:p>
           <a:p>
             <a:pPr algn="ctr"/>
             <a:r>
               <a:rPr lang="en-US" i="1" dirty="0" smtClean="0"/>
-              <a:t>Finish </a:t>
-            </a:r>
-            <a:r>
-              <a:rPr lang="en-US" i="1" dirty="0"/>
-              <a:t>discussion</a:t>
-            </a:r>
-          </a:p>
-          <a:p>
-            <a:pPr algn="ctr"/>
-            <a:r>
-              <a:rPr lang="en-US" i="1" dirty="0"/>
-              <a:t>Homework questions</a:t>
-            </a:r>
-          </a:p>
-          <a:p>
-            <a:pPr algn="ctr"/>
-            <a:endParaRPr lang="en-US" i="1" dirty="0"/>
-          </a:p>
-          <a:p>
-            <a:pPr algn="ctr"/>
-            <a:r>
-              <a:rPr lang="en-US" dirty="0"/>
-              <a:t>Chapter 6</a:t>
-            </a:r>
-          </a:p>
-          <a:p>
-            <a:pPr algn="ctr"/>
-            <a:r>
-              <a:rPr lang="en-US" b="1" u="sng" dirty="0" smtClean="0"/>
-              <a:t>Confidence Interval Estimation: The t Distribution</a:t>
-            </a:r>
-            <a:endParaRPr lang="en-US" b="1" u="sng" dirty="0"/>
-          </a:p>
-          <a:p>
-            <a:pPr algn="ctr"/>
-            <a:r>
-              <a:rPr lang="en-US" i="1" dirty="0" smtClean="0"/>
-              <a:t>Lecture slides</a:t>
-            </a:r>
-            <a:endParaRPr lang="en-US" i="1" dirty="0"/>
-          </a:p>
-          <a:p>
-            <a:pPr algn="ctr"/>
-            <a:r>
-              <a:rPr lang="en-US" i="1" dirty="0" smtClean="0"/>
-              <a:t>(first half)</a:t>
-            </a:r>
-            <a:endParaRPr lang="en-US" i="1" dirty="0"/>
+              <a:t>First half, chapter slides</a:t>
+            </a:r>
           </a:p>
         </p:txBody>
       </p:sp>
@@ -6902,10 +6854,735 @@
           </a:prstGeom>
         </p:spPr>
       </p:pic>
+      <p:sp>
+        <p:nvSpPr>
+          <p:cNvPr id="13" name="TextBox 12"/>
+          <p:cNvSpPr txBox="1"/>
+          <p:nvPr/>
+        </p:nvSpPr>
+        <p:spPr>
+          <a:xfrm>
+            <a:off x="2175358" y="2646127"/>
+            <a:ext cx="5005769" cy="1477328"/>
+          </a:xfrm>
+          <a:prstGeom prst="rect">
+            <a:avLst/>
+          </a:prstGeom>
+          <a:noFill/>
+        </p:spPr>
+        <p:txBody>
+          <a:bodyPr wrap="square" rtlCol="0">
+            <a:spAutoFit/>
+          </a:bodyPr>
+          <a:lstStyle/>
+          <a:p>
+            <a:pPr algn="ctr"/>
+            <a:r>
+              <a:rPr lang="en-US" dirty="0" smtClean="0"/>
+              <a:t>Chapter </a:t>
+            </a:r>
+            <a:r>
+              <a:rPr lang="en-US" dirty="0"/>
+              <a:t>8</a:t>
+            </a:r>
+          </a:p>
+          <a:p>
+            <a:pPr algn="ctr"/>
+            <a:r>
+              <a:rPr lang="en-US" b="1" u="sng" dirty="0" smtClean="0"/>
+              <a:t>Effect Size &amp; Power Analysis</a:t>
+            </a:r>
+            <a:endParaRPr lang="en-US" dirty="0" smtClean="0"/>
+          </a:p>
+          <a:p>
+            <a:pPr algn="ctr"/>
+            <a:r>
+              <a:rPr lang="en-US" i="1" dirty="0" smtClean="0"/>
+              <a:t>Chapter slides</a:t>
+            </a:r>
+          </a:p>
+          <a:p>
+            <a:pPr algn="ctr"/>
+            <a:r>
+              <a:rPr lang="en-US" i="1" dirty="0" smtClean="0"/>
+              <a:t>Demo G*Power software</a:t>
+            </a:r>
+          </a:p>
+          <a:p>
+            <a:pPr algn="ctr"/>
+            <a:r>
+              <a:rPr lang="en-US" i="1" dirty="0" smtClean="0"/>
+              <a:t>Homework Help</a:t>
+            </a:r>
+          </a:p>
+        </p:txBody>
+      </p:sp>
     </p:spTree>
     <p:extLst>
       <p:ext uri="{BB962C8B-B14F-4D97-AF65-F5344CB8AC3E}">
-        <p14:creationId xmlns:p14="http://schemas.microsoft.com/office/powerpoint/2010/main" val="1136618621"/>
+        <p14:creationId xmlns:p14="http://schemas.microsoft.com/office/powerpoint/2010/main" val="3221510669"/>
+      </p:ext>
+    </p:extLst>
+  </p:cSld>
+  <p:clrMapOvr>
+    <a:masterClrMapping/>
+  </p:clrMapOvr>
+</p:sld>
+</file>
+
+<file path=ppt/slides/slide8.xml><?xml version="1.0" encoding="utf-8"?>
+<p:sld xmlns:a="http://schemas.openxmlformats.org/drawingml/2006/main" xmlns:r="http://schemas.openxmlformats.org/officeDocument/2006/relationships" xmlns:p="http://schemas.openxmlformats.org/presentationml/2006/main">
+  <p:cSld>
+    <p:spTree>
+      <p:nvGrpSpPr>
+        <p:cNvPr id="1" name=""/>
+        <p:cNvGrpSpPr/>
+        <p:nvPr/>
+      </p:nvGrpSpPr>
+      <p:grpSpPr>
+        <a:xfrm>
+          <a:off x="0" y="0"/>
+          <a:ext cx="0" cy="0"/>
+          <a:chOff x="0" y="0"/>
+          <a:chExt cx="0" cy="0"/>
+        </a:xfrm>
+      </p:grpSpPr>
+      <p:sp>
+        <p:nvSpPr>
+          <p:cNvPr id="4" name="Rectangle 3"/>
+          <p:cNvSpPr/>
+          <p:nvPr/>
+        </p:nvSpPr>
+        <p:spPr>
+          <a:xfrm>
+            <a:off x="1808702" y="824230"/>
+            <a:ext cx="8778240" cy="5010912"/>
+          </a:xfrm>
+          <a:prstGeom prst="rect">
+            <a:avLst/>
+          </a:prstGeom>
+          <a:solidFill>
+            <a:schemeClr val="bg1">
+              <a:lumMod val="95000"/>
+            </a:schemeClr>
+          </a:solidFill>
+          <a:ln w="38100"/>
+        </p:spPr>
+        <p:style>
+          <a:lnRef idx="2">
+            <a:schemeClr val="accent1">
+              <a:shade val="50000"/>
+            </a:schemeClr>
+          </a:lnRef>
+          <a:fillRef idx="1">
+            <a:schemeClr val="accent1"/>
+          </a:fillRef>
+          <a:effectRef idx="0">
+            <a:schemeClr val="accent1"/>
+          </a:effectRef>
+          <a:fontRef idx="minor">
+            <a:schemeClr val="lt1"/>
+          </a:fontRef>
+        </p:style>
+        <p:txBody>
+          <a:bodyPr rtlCol="0" anchor="ctr"/>
+          <a:lstStyle/>
+          <a:p>
+            <a:pPr algn="ctr"/>
+            <a:endParaRPr lang="en-US"/>
+          </a:p>
+        </p:txBody>
+      </p:sp>
+      <p:sp>
+        <p:nvSpPr>
+          <p:cNvPr id="7" name="TextBox 6"/>
+          <p:cNvSpPr txBox="1"/>
+          <p:nvPr/>
+        </p:nvSpPr>
+        <p:spPr>
+          <a:xfrm>
+            <a:off x="3840385" y="1213849"/>
+            <a:ext cx="5712369" cy="923330"/>
+          </a:xfrm>
+          <a:prstGeom prst="rect">
+            <a:avLst/>
+          </a:prstGeom>
+          <a:noFill/>
+        </p:spPr>
+        <p:txBody>
+          <a:bodyPr wrap="square" rtlCol="0">
+            <a:spAutoFit/>
+          </a:bodyPr>
+          <a:lstStyle/>
+          <a:p>
+            <a:r>
+              <a:rPr lang="en-US" sz="5400" dirty="0" smtClean="0"/>
+              <a:t>INCLASS LECTURES</a:t>
+            </a:r>
+            <a:endParaRPr lang="en-US" sz="5400" dirty="0"/>
+          </a:p>
+        </p:txBody>
+      </p:sp>
+      <p:sp>
+        <p:nvSpPr>
+          <p:cNvPr id="8" name="TextBox 7"/>
+          <p:cNvSpPr txBox="1"/>
+          <p:nvPr/>
+        </p:nvSpPr>
+        <p:spPr>
+          <a:xfrm>
+            <a:off x="7731444" y="5278932"/>
+            <a:ext cx="2076450" cy="369332"/>
+          </a:xfrm>
+          <a:prstGeom prst="rect">
+            <a:avLst/>
+          </a:prstGeom>
+          <a:noFill/>
+        </p:spPr>
+        <p:txBody>
+          <a:bodyPr wrap="square" rtlCol="0">
+            <a:spAutoFit/>
+          </a:bodyPr>
+          <a:lstStyle/>
+          <a:p>
+            <a:pPr algn="ctr"/>
+            <a:r>
+              <a:rPr lang="en-US" dirty="0" smtClean="0"/>
+              <a:t>Feb. 10, 2020</a:t>
+            </a:r>
+            <a:endParaRPr lang="en-US" dirty="0"/>
+          </a:p>
+        </p:txBody>
+      </p:sp>
+      <p:sp>
+        <p:nvSpPr>
+          <p:cNvPr id="9" name="TextBox 8"/>
+          <p:cNvSpPr txBox="1"/>
+          <p:nvPr/>
+        </p:nvSpPr>
+        <p:spPr>
+          <a:xfrm>
+            <a:off x="2035110" y="3043759"/>
+            <a:ext cx="5005769" cy="923330"/>
+          </a:xfrm>
+          <a:prstGeom prst="rect">
+            <a:avLst/>
+          </a:prstGeom>
+          <a:noFill/>
+        </p:spPr>
+        <p:txBody>
+          <a:bodyPr wrap="square" rtlCol="0">
+            <a:spAutoFit/>
+          </a:bodyPr>
+          <a:lstStyle/>
+          <a:p>
+            <a:pPr algn="ctr"/>
+            <a:r>
+              <a:rPr lang="en-US" dirty="0" smtClean="0"/>
+              <a:t>Chapter </a:t>
+            </a:r>
+            <a:r>
+              <a:rPr lang="en-US" dirty="0"/>
+              <a:t>7</a:t>
+            </a:r>
+          </a:p>
+          <a:p>
+            <a:pPr algn="ctr"/>
+            <a:r>
+              <a:rPr lang="en-US" b="1" u="sng" dirty="0"/>
+              <a:t>Independent Samples t-Test for </a:t>
+            </a:r>
+            <a:r>
+              <a:rPr lang="en-US" b="1" u="sng" dirty="0" smtClean="0"/>
+              <a:t>Means</a:t>
+            </a:r>
+          </a:p>
+          <a:p>
+            <a:pPr algn="ctr"/>
+            <a:r>
+              <a:rPr lang="en-US" i="1" dirty="0" smtClean="0"/>
+              <a:t>Mostly Homework Helps</a:t>
+            </a:r>
+            <a:endParaRPr lang="en-US" i="1" dirty="0"/>
+          </a:p>
+        </p:txBody>
+      </p:sp>
+      <p:grpSp>
+        <p:nvGrpSpPr>
+          <p:cNvPr id="14" name="Group 13"/>
+          <p:cNvGrpSpPr/>
+          <p:nvPr/>
+        </p:nvGrpSpPr>
+        <p:grpSpPr>
+          <a:xfrm>
+            <a:off x="7198839" y="2137179"/>
+            <a:ext cx="3141660" cy="3193339"/>
+            <a:chOff x="7047391" y="1961976"/>
+            <a:chExt cx="3141660" cy="3193339"/>
+          </a:xfrm>
+        </p:grpSpPr>
+        <p:pic>
+          <p:nvPicPr>
+            <p:cNvPr id="2" name="Picture 1"/>
+            <p:cNvPicPr>
+              <a:picLocks noChangeAspect="1"/>
+            </p:cNvPicPr>
+            <p:nvPr/>
+          </p:nvPicPr>
+          <p:blipFill>
+            <a:blip r:embed="rId2" cstate="print">
+              <a:extLst>
+                <a:ext uri="{28A0092B-C50C-407E-A947-70E740481C1C}">
+                  <a14:useLocalDpi xmlns:a14="http://schemas.microsoft.com/office/drawing/2010/main" val="0"/>
+                </a:ext>
+              </a:extLst>
+            </a:blip>
+            <a:stretch>
+              <a:fillRect/>
+            </a:stretch>
+          </p:blipFill>
+          <p:spPr>
+            <a:xfrm>
+              <a:off x="7047391" y="3320161"/>
+              <a:ext cx="1578867" cy="1828804"/>
+            </a:xfrm>
+            <a:prstGeom prst="rect">
+              <a:avLst/>
+            </a:prstGeom>
+          </p:spPr>
+        </p:pic>
+        <p:pic>
+          <p:nvPicPr>
+            <p:cNvPr id="3" name="Picture 2"/>
+            <p:cNvPicPr>
+              <a:picLocks noChangeAspect="1"/>
+            </p:cNvPicPr>
+            <p:nvPr/>
+          </p:nvPicPr>
+          <p:blipFill>
+            <a:blip r:embed="rId3" cstate="print">
+              <a:extLst>
+                <a:ext uri="{28A0092B-C50C-407E-A947-70E740481C1C}">
+                  <a14:useLocalDpi xmlns:a14="http://schemas.microsoft.com/office/drawing/2010/main" val="0"/>
+                </a:ext>
+              </a:extLst>
+            </a:blip>
+            <a:stretch>
+              <a:fillRect/>
+            </a:stretch>
+          </p:blipFill>
+          <p:spPr>
+            <a:xfrm>
+              <a:off x="7830475" y="1961976"/>
+              <a:ext cx="1578867" cy="1828804"/>
+            </a:xfrm>
+            <a:prstGeom prst="rect">
+              <a:avLst/>
+            </a:prstGeom>
+          </p:spPr>
+        </p:pic>
+        <p:pic>
+          <p:nvPicPr>
+            <p:cNvPr id="11" name="Picture 10"/>
+            <p:cNvPicPr>
+              <a:picLocks noChangeAspect="1"/>
+            </p:cNvPicPr>
+            <p:nvPr/>
+          </p:nvPicPr>
+          <p:blipFill>
+            <a:blip r:embed="rId4" cstate="print">
+              <a:extLst>
+                <a:ext uri="{28A0092B-C50C-407E-A947-70E740481C1C}">
+                  <a14:useLocalDpi xmlns:a14="http://schemas.microsoft.com/office/drawing/2010/main" val="0"/>
+                </a:ext>
+              </a:extLst>
+            </a:blip>
+            <a:stretch>
+              <a:fillRect/>
+            </a:stretch>
+          </p:blipFill>
+          <p:spPr>
+            <a:xfrm>
+              <a:off x="8610184" y="3326511"/>
+              <a:ext cx="1578867" cy="1828804"/>
+            </a:xfrm>
+            <a:prstGeom prst="rect">
+              <a:avLst/>
+            </a:prstGeom>
+          </p:spPr>
+        </p:pic>
+      </p:grpSp>
+      <p:pic>
+        <p:nvPicPr>
+          <p:cNvPr id="12" name="Picture 11"/>
+          <p:cNvPicPr>
+            <a:picLocks noChangeAspect="1"/>
+          </p:cNvPicPr>
+          <p:nvPr/>
+        </p:nvPicPr>
+        <p:blipFill>
+          <a:blip r:embed="rId5" cstate="print">
+            <a:extLst>
+              <a:ext uri="{28A0092B-C50C-407E-A947-70E740481C1C}">
+                <a14:useLocalDpi xmlns:a14="http://schemas.microsoft.com/office/drawing/2010/main" val="0"/>
+              </a:ext>
+            </a:extLst>
+          </a:blip>
+          <a:stretch>
+            <a:fillRect/>
+          </a:stretch>
+        </p:blipFill>
+        <p:spPr>
+          <a:xfrm>
+            <a:off x="2035110" y="1019593"/>
+            <a:ext cx="1578867" cy="1828804"/>
+          </a:xfrm>
+          <a:prstGeom prst="rect">
+            <a:avLst/>
+          </a:prstGeom>
+        </p:spPr>
+      </p:pic>
+    </p:spTree>
+    <p:extLst>
+      <p:ext uri="{BB962C8B-B14F-4D97-AF65-F5344CB8AC3E}">
+        <p14:creationId xmlns:p14="http://schemas.microsoft.com/office/powerpoint/2010/main" val="2916572011"/>
+      </p:ext>
+    </p:extLst>
+  </p:cSld>
+  <p:clrMapOvr>
+    <a:masterClrMapping/>
+  </p:clrMapOvr>
+</p:sld>
+</file>
+
+<file path=ppt/slides/slide9.xml><?xml version="1.0" encoding="utf-8"?>
+<p:sld xmlns:a="http://schemas.openxmlformats.org/drawingml/2006/main" xmlns:r="http://schemas.openxmlformats.org/officeDocument/2006/relationships" xmlns:p="http://schemas.openxmlformats.org/presentationml/2006/main">
+  <p:cSld>
+    <p:spTree>
+      <p:nvGrpSpPr>
+        <p:cNvPr id="1" name=""/>
+        <p:cNvGrpSpPr/>
+        <p:nvPr/>
+      </p:nvGrpSpPr>
+      <p:grpSpPr>
+        <a:xfrm>
+          <a:off x="0" y="0"/>
+          <a:ext cx="0" cy="0"/>
+          <a:chOff x="0" y="0"/>
+          <a:chExt cx="0" cy="0"/>
+        </a:xfrm>
+      </p:grpSpPr>
+      <p:sp>
+        <p:nvSpPr>
+          <p:cNvPr id="4" name="Rectangle 3"/>
+          <p:cNvSpPr/>
+          <p:nvPr/>
+        </p:nvSpPr>
+        <p:spPr>
+          <a:xfrm>
+            <a:off x="1808702" y="824230"/>
+            <a:ext cx="8778240" cy="5010912"/>
+          </a:xfrm>
+          <a:prstGeom prst="rect">
+            <a:avLst/>
+          </a:prstGeom>
+          <a:solidFill>
+            <a:schemeClr val="bg1">
+              <a:lumMod val="95000"/>
+            </a:schemeClr>
+          </a:solidFill>
+          <a:ln w="38100"/>
+        </p:spPr>
+        <p:style>
+          <a:lnRef idx="2">
+            <a:schemeClr val="accent1">
+              <a:shade val="50000"/>
+            </a:schemeClr>
+          </a:lnRef>
+          <a:fillRef idx="1">
+            <a:schemeClr val="accent1"/>
+          </a:fillRef>
+          <a:effectRef idx="0">
+            <a:schemeClr val="accent1"/>
+          </a:effectRef>
+          <a:fontRef idx="minor">
+            <a:schemeClr val="lt1"/>
+          </a:fontRef>
+        </p:style>
+        <p:txBody>
+          <a:bodyPr rtlCol="0" anchor="ctr"/>
+          <a:lstStyle/>
+          <a:p>
+            <a:pPr algn="ctr"/>
+            <a:endParaRPr lang="en-US"/>
+          </a:p>
+        </p:txBody>
+      </p:sp>
+      <p:sp>
+        <p:nvSpPr>
+          <p:cNvPr id="7" name="TextBox 6"/>
+          <p:cNvSpPr txBox="1"/>
+          <p:nvPr/>
+        </p:nvSpPr>
+        <p:spPr>
+          <a:xfrm>
+            <a:off x="3840385" y="1213849"/>
+            <a:ext cx="5712369" cy="923330"/>
+          </a:xfrm>
+          <a:prstGeom prst="rect">
+            <a:avLst/>
+          </a:prstGeom>
+          <a:noFill/>
+        </p:spPr>
+        <p:txBody>
+          <a:bodyPr wrap="square" rtlCol="0">
+            <a:spAutoFit/>
+          </a:bodyPr>
+          <a:lstStyle/>
+          <a:p>
+            <a:r>
+              <a:rPr lang="en-US" sz="5400" dirty="0" smtClean="0"/>
+              <a:t>INCLASS LECTURES</a:t>
+            </a:r>
+            <a:endParaRPr lang="en-US" sz="5400" dirty="0"/>
+          </a:p>
+        </p:txBody>
+      </p:sp>
+      <p:sp>
+        <p:nvSpPr>
+          <p:cNvPr id="8" name="TextBox 7"/>
+          <p:cNvSpPr txBox="1"/>
+          <p:nvPr/>
+        </p:nvSpPr>
+        <p:spPr>
+          <a:xfrm>
+            <a:off x="7731444" y="5278932"/>
+            <a:ext cx="2076450" cy="369332"/>
+          </a:xfrm>
+          <a:prstGeom prst="rect">
+            <a:avLst/>
+          </a:prstGeom>
+          <a:noFill/>
+        </p:spPr>
+        <p:txBody>
+          <a:bodyPr wrap="square" rtlCol="0">
+            <a:spAutoFit/>
+          </a:bodyPr>
+          <a:lstStyle/>
+          <a:p>
+            <a:pPr algn="ctr"/>
+            <a:r>
+              <a:rPr lang="en-US" dirty="0" smtClean="0"/>
+              <a:t>Feb. 5, 2020</a:t>
+            </a:r>
+            <a:endParaRPr lang="en-US" dirty="0"/>
+          </a:p>
+        </p:txBody>
+      </p:sp>
+      <p:sp>
+        <p:nvSpPr>
+          <p:cNvPr id="9" name="TextBox 8"/>
+          <p:cNvSpPr txBox="1"/>
+          <p:nvPr/>
+        </p:nvSpPr>
+        <p:spPr>
+          <a:xfrm>
+            <a:off x="2035110" y="3043759"/>
+            <a:ext cx="5005769" cy="1477328"/>
+          </a:xfrm>
+          <a:prstGeom prst="rect">
+            <a:avLst/>
+          </a:prstGeom>
+          <a:noFill/>
+        </p:spPr>
+        <p:txBody>
+          <a:bodyPr wrap="square" rtlCol="0">
+            <a:spAutoFit/>
+          </a:bodyPr>
+          <a:lstStyle/>
+          <a:p>
+            <a:pPr algn="ctr"/>
+            <a:r>
+              <a:rPr lang="en-US" dirty="0" smtClean="0"/>
+              <a:t>Chapter </a:t>
+            </a:r>
+            <a:r>
+              <a:rPr lang="en-US" dirty="0"/>
+              <a:t>6</a:t>
+            </a:r>
+          </a:p>
+          <a:p>
+            <a:pPr algn="ctr"/>
+            <a:r>
+              <a:rPr lang="en-US" b="1" u="sng" dirty="0" smtClean="0"/>
+              <a:t>Confidence Interval Estimation: The t Distribution</a:t>
+            </a:r>
+            <a:endParaRPr lang="en-US" b="1" u="sng" dirty="0"/>
+          </a:p>
+          <a:p>
+            <a:pPr algn="ctr"/>
+            <a:r>
+              <a:rPr lang="en-US" i="1" dirty="0" smtClean="0"/>
+              <a:t>Lecture slides</a:t>
+            </a:r>
+            <a:endParaRPr lang="en-US" i="1" dirty="0"/>
+          </a:p>
+          <a:p>
+            <a:pPr algn="ctr"/>
+            <a:r>
+              <a:rPr lang="en-US" i="1" dirty="0" smtClean="0"/>
+              <a:t>(second half)</a:t>
+            </a:r>
+          </a:p>
+          <a:p>
+            <a:pPr algn="ctr"/>
+            <a:r>
+              <a:rPr lang="en-US" i="1" dirty="0" smtClean="0"/>
+              <a:t>Homework Helps</a:t>
+            </a:r>
+            <a:endParaRPr lang="en-US" i="1" dirty="0"/>
+          </a:p>
+        </p:txBody>
+      </p:sp>
+      <p:grpSp>
+        <p:nvGrpSpPr>
+          <p:cNvPr id="14" name="Group 13"/>
+          <p:cNvGrpSpPr/>
+          <p:nvPr/>
+        </p:nvGrpSpPr>
+        <p:grpSpPr>
+          <a:xfrm>
+            <a:off x="7198839" y="2137179"/>
+            <a:ext cx="3141660" cy="3193339"/>
+            <a:chOff x="7047391" y="1961976"/>
+            <a:chExt cx="3141660" cy="3193339"/>
+          </a:xfrm>
+        </p:grpSpPr>
+        <p:pic>
+          <p:nvPicPr>
+            <p:cNvPr id="2" name="Picture 1"/>
+            <p:cNvPicPr>
+              <a:picLocks noChangeAspect="1"/>
+            </p:cNvPicPr>
+            <p:nvPr/>
+          </p:nvPicPr>
+          <p:blipFill>
+            <a:blip r:embed="rId2" cstate="print">
+              <a:extLst>
+                <a:ext uri="{28A0092B-C50C-407E-A947-70E740481C1C}">
+                  <a14:useLocalDpi xmlns:a14="http://schemas.microsoft.com/office/drawing/2010/main" val="0"/>
+                </a:ext>
+              </a:extLst>
+            </a:blip>
+            <a:stretch>
+              <a:fillRect/>
+            </a:stretch>
+          </p:blipFill>
+          <p:spPr>
+            <a:xfrm>
+              <a:off x="7047391" y="3320161"/>
+              <a:ext cx="1578867" cy="1828804"/>
+            </a:xfrm>
+            <a:prstGeom prst="rect">
+              <a:avLst/>
+            </a:prstGeom>
+          </p:spPr>
+        </p:pic>
+        <p:pic>
+          <p:nvPicPr>
+            <p:cNvPr id="3" name="Picture 2"/>
+            <p:cNvPicPr>
+              <a:picLocks noChangeAspect="1"/>
+            </p:cNvPicPr>
+            <p:nvPr/>
+          </p:nvPicPr>
+          <p:blipFill>
+            <a:blip r:embed="rId3" cstate="print">
+              <a:extLst>
+                <a:ext uri="{28A0092B-C50C-407E-A947-70E740481C1C}">
+                  <a14:useLocalDpi xmlns:a14="http://schemas.microsoft.com/office/drawing/2010/main" val="0"/>
+                </a:ext>
+              </a:extLst>
+            </a:blip>
+            <a:stretch>
+              <a:fillRect/>
+            </a:stretch>
+          </p:blipFill>
+          <p:spPr>
+            <a:xfrm>
+              <a:off x="7830475" y="1961976"/>
+              <a:ext cx="1578867" cy="1828804"/>
+            </a:xfrm>
+            <a:prstGeom prst="rect">
+              <a:avLst/>
+            </a:prstGeom>
+          </p:spPr>
+        </p:pic>
+        <p:pic>
+          <p:nvPicPr>
+            <p:cNvPr id="11" name="Picture 10"/>
+            <p:cNvPicPr>
+              <a:picLocks noChangeAspect="1"/>
+            </p:cNvPicPr>
+            <p:nvPr/>
+          </p:nvPicPr>
+          <p:blipFill>
+            <a:blip r:embed="rId4" cstate="print">
+              <a:extLst>
+                <a:ext uri="{28A0092B-C50C-407E-A947-70E740481C1C}">
+                  <a14:useLocalDpi xmlns:a14="http://schemas.microsoft.com/office/drawing/2010/main" val="0"/>
+                </a:ext>
+              </a:extLst>
+            </a:blip>
+            <a:stretch>
+              <a:fillRect/>
+            </a:stretch>
+          </p:blipFill>
+          <p:spPr>
+            <a:xfrm>
+              <a:off x="8610184" y="3326511"/>
+              <a:ext cx="1578867" cy="1828804"/>
+            </a:xfrm>
+            <a:prstGeom prst="rect">
+              <a:avLst/>
+            </a:prstGeom>
+          </p:spPr>
+        </p:pic>
+      </p:grpSp>
+      <p:pic>
+        <p:nvPicPr>
+          <p:cNvPr id="12" name="Picture 11"/>
+          <p:cNvPicPr>
+            <a:picLocks noChangeAspect="1"/>
+          </p:cNvPicPr>
+          <p:nvPr/>
+        </p:nvPicPr>
+        <p:blipFill>
+          <a:blip r:embed="rId5" cstate="print">
+            <a:extLst>
+              <a:ext uri="{28A0092B-C50C-407E-A947-70E740481C1C}">
+                <a14:useLocalDpi xmlns:a14="http://schemas.microsoft.com/office/drawing/2010/main" val="0"/>
+              </a:ext>
+            </a:extLst>
+          </a:blip>
+          <a:stretch>
+            <a:fillRect/>
+          </a:stretch>
+        </p:blipFill>
+        <p:spPr>
+          <a:xfrm>
+            <a:off x="2035110" y="1019593"/>
+            <a:ext cx="1578867" cy="1828804"/>
+          </a:xfrm>
+          <a:prstGeom prst="rect">
+            <a:avLst/>
+          </a:prstGeom>
+        </p:spPr>
+      </p:pic>
+    </p:spTree>
+    <p:extLst>
+      <p:ext uri="{BB962C8B-B14F-4D97-AF65-F5344CB8AC3E}">
+        <p14:creationId xmlns:p14="http://schemas.microsoft.com/office/powerpoint/2010/main" val="3019460125"/>
       </p:ext>
     </p:extLst>
   </p:cSld>

--- a/static/img/youtube_thumbnails/video_thumbnail_building.pptx
+++ b/static/img/youtube_thumbnails/video_thumbnail_building.pptx
@@ -5,20 +5,21 @@
     <p:sldMasterId id="2147483648" r:id="rId1"/>
   </p:sldMasterIdLst>
   <p:sldIdLst>
-    <p:sldId id="259" r:id="rId2"/>
-    <p:sldId id="261" r:id="rId3"/>
-    <p:sldId id="260" r:id="rId4"/>
-    <p:sldId id="269" r:id="rId5"/>
-    <p:sldId id="268" r:id="rId6"/>
-    <p:sldId id="267" r:id="rId7"/>
-    <p:sldId id="266" r:id="rId8"/>
-    <p:sldId id="265" r:id="rId9"/>
-    <p:sldId id="264" r:id="rId10"/>
-    <p:sldId id="263" r:id="rId11"/>
-    <p:sldId id="262" r:id="rId12"/>
-    <p:sldId id="257" r:id="rId13"/>
-    <p:sldId id="256" r:id="rId14"/>
-    <p:sldId id="258" r:id="rId15"/>
+    <p:sldId id="270" r:id="rId2"/>
+    <p:sldId id="259" r:id="rId3"/>
+    <p:sldId id="261" r:id="rId4"/>
+    <p:sldId id="260" r:id="rId5"/>
+    <p:sldId id="269" r:id="rId6"/>
+    <p:sldId id="268" r:id="rId7"/>
+    <p:sldId id="267" r:id="rId8"/>
+    <p:sldId id="266" r:id="rId9"/>
+    <p:sldId id="265" r:id="rId10"/>
+    <p:sldId id="264" r:id="rId11"/>
+    <p:sldId id="263" r:id="rId12"/>
+    <p:sldId id="262" r:id="rId13"/>
+    <p:sldId id="257" r:id="rId14"/>
+    <p:sldId id="256" r:id="rId15"/>
+    <p:sldId id="258" r:id="rId16"/>
   </p:sldIdLst>
   <p:sldSz cx="12192000" cy="6858000"/>
   <p:notesSz cx="6858000" cy="9144000"/>
@@ -256,7 +257,7 @@
           <a:p>
             <a:fld id="{3C68F153-927F-4ADA-A90F-AFD816292B90}" type="datetimeFigureOut">
               <a:rPr lang="en-US" smtClean="0"/>
-              <a:t>3/14/2020</a:t>
+              <a:t>3/23/2020</a:t>
             </a:fld>
             <a:endParaRPr lang="en-US"/>
           </a:p>
@@ -426,7 +427,7 @@
           <a:p>
             <a:fld id="{3C68F153-927F-4ADA-A90F-AFD816292B90}" type="datetimeFigureOut">
               <a:rPr lang="en-US" smtClean="0"/>
-              <a:t>3/14/2020</a:t>
+              <a:t>3/23/2020</a:t>
             </a:fld>
             <a:endParaRPr lang="en-US"/>
           </a:p>
@@ -606,7 +607,7 @@
           <a:p>
             <a:fld id="{3C68F153-927F-4ADA-A90F-AFD816292B90}" type="datetimeFigureOut">
               <a:rPr lang="en-US" smtClean="0"/>
-              <a:t>3/14/2020</a:t>
+              <a:t>3/23/2020</a:t>
             </a:fld>
             <a:endParaRPr lang="en-US"/>
           </a:p>
@@ -776,7 +777,7 @@
           <a:p>
             <a:fld id="{3C68F153-927F-4ADA-A90F-AFD816292B90}" type="datetimeFigureOut">
               <a:rPr lang="en-US" smtClean="0"/>
-              <a:t>3/14/2020</a:t>
+              <a:t>3/23/2020</a:t>
             </a:fld>
             <a:endParaRPr lang="en-US"/>
           </a:p>
@@ -1022,7 +1023,7 @@
           <a:p>
             <a:fld id="{3C68F153-927F-4ADA-A90F-AFD816292B90}" type="datetimeFigureOut">
               <a:rPr lang="en-US" smtClean="0"/>
-              <a:t>3/14/2020</a:t>
+              <a:t>3/23/2020</a:t>
             </a:fld>
             <a:endParaRPr lang="en-US"/>
           </a:p>
@@ -1254,7 +1255,7 @@
           <a:p>
             <a:fld id="{3C68F153-927F-4ADA-A90F-AFD816292B90}" type="datetimeFigureOut">
               <a:rPr lang="en-US" smtClean="0"/>
-              <a:t>3/14/2020</a:t>
+              <a:t>3/23/2020</a:t>
             </a:fld>
             <a:endParaRPr lang="en-US"/>
           </a:p>
@@ -1621,7 +1622,7 @@
           <a:p>
             <a:fld id="{3C68F153-927F-4ADA-A90F-AFD816292B90}" type="datetimeFigureOut">
               <a:rPr lang="en-US" smtClean="0"/>
-              <a:t>3/14/2020</a:t>
+              <a:t>3/23/2020</a:t>
             </a:fld>
             <a:endParaRPr lang="en-US"/>
           </a:p>
@@ -1739,7 +1740,7 @@
           <a:p>
             <a:fld id="{3C68F153-927F-4ADA-A90F-AFD816292B90}" type="datetimeFigureOut">
               <a:rPr lang="en-US" smtClean="0"/>
-              <a:t>3/14/2020</a:t>
+              <a:t>3/23/2020</a:t>
             </a:fld>
             <a:endParaRPr lang="en-US"/>
           </a:p>
@@ -1834,7 +1835,7 @@
           <a:p>
             <a:fld id="{3C68F153-927F-4ADA-A90F-AFD816292B90}" type="datetimeFigureOut">
               <a:rPr lang="en-US" smtClean="0"/>
-              <a:t>3/14/2020</a:t>
+              <a:t>3/23/2020</a:t>
             </a:fld>
             <a:endParaRPr lang="en-US"/>
           </a:p>
@@ -2111,7 +2112,7 @@
           <a:p>
             <a:fld id="{3C68F153-927F-4ADA-A90F-AFD816292B90}" type="datetimeFigureOut">
               <a:rPr lang="en-US" smtClean="0"/>
-              <a:t>3/14/2020</a:t>
+              <a:t>3/23/2020</a:t>
             </a:fld>
             <a:endParaRPr lang="en-US"/>
           </a:p>
@@ -2364,7 +2365,7 @@
           <a:p>
             <a:fld id="{3C68F153-927F-4ADA-A90F-AFD816292B90}" type="datetimeFigureOut">
               <a:rPr lang="en-US" smtClean="0"/>
-              <a:t>3/14/2020</a:t>
+              <a:t>3/23/2020</a:t>
             </a:fld>
             <a:endParaRPr lang="en-US"/>
           </a:p>
@@ -2577,7 +2578,7 @@
           <a:p>
             <a:fld id="{3C68F153-927F-4ADA-A90F-AFD816292B90}" type="datetimeFigureOut">
               <a:rPr lang="en-US" smtClean="0"/>
-              <a:t>3/14/2020</a:t>
+              <a:t>3/23/2020</a:t>
             </a:fld>
             <a:endParaRPr lang="en-US"/>
           </a:p>
@@ -3036,7 +3037,7 @@
         </p:nvSpPr>
         <p:spPr>
           <a:xfrm>
-            <a:off x="4003824" y="1483154"/>
+            <a:off x="4184694" y="1065121"/>
             <a:ext cx="5712369" cy="1754326"/>
           </a:xfrm>
           <a:prstGeom prst="rect">
@@ -3052,13 +3053,7 @@
           <a:p>
             <a:r>
               <a:rPr lang="en-US" sz="5400" dirty="0" smtClean="0"/>
-              <a:t>HOMEWORK</a:t>
-            </a:r>
-          </a:p>
-          <a:p>
-            <a:r>
-              <a:rPr lang="en-US" sz="5400" dirty="0" smtClean="0"/>
-              <a:t>HELP</a:t>
+              <a:t>OUT-OF-CLASS LECTURES</a:t>
             </a:r>
             <a:endParaRPr lang="en-US" sz="5400" dirty="0"/>
           </a:p>
@@ -3089,7 +3084,15 @@
             <a:pPr algn="ctr"/>
             <a:r>
               <a:rPr lang="en-US" dirty="0" smtClean="0"/>
-              <a:t>Jan. 24, 2020</a:t>
+              <a:t>March</a:t>
+            </a:r>
+            <a:r>
+              <a:rPr lang="en-US" dirty="0" smtClean="0"/>
+              <a:t> 23, </a:t>
+            </a:r>
+            <a:r>
+              <a:rPr lang="en-US" dirty="0" smtClean="0"/>
+              <a:t>2020</a:t>
             </a:r>
             <a:endParaRPr lang="en-US" dirty="0"/>
           </a:p>
@@ -3103,7 +3106,7 @@
         </p:nvSpPr>
         <p:spPr>
           <a:xfrm>
-            <a:off x="2000886" y="3743671"/>
+            <a:off x="2035110" y="3043759"/>
             <a:ext cx="5005769" cy="1200329"/>
           </a:xfrm>
           <a:prstGeom prst="rect">
@@ -3120,7 +3123,11 @@
             <a:pPr algn="ctr"/>
             <a:r>
               <a:rPr lang="en-US" dirty="0" smtClean="0"/>
-              <a:t>Chapter 4</a:t>
+              <a:t>Chapter </a:t>
+            </a:r>
+            <a:r>
+              <a:rPr lang="en-US" dirty="0" smtClean="0"/>
+              <a:t>13</a:t>
             </a:r>
             <a:endParaRPr lang="en-US" dirty="0"/>
           </a:p>
@@ -3128,27 +3135,25 @@
             <a:pPr algn="ctr"/>
             <a:r>
               <a:rPr lang="en-US" b="1" u="sng" dirty="0" smtClean="0"/>
-              <a:t>Standardized Scores &amp; the Normal Distribution</a:t>
-            </a:r>
-          </a:p>
-          <a:p>
-            <a:pPr algn="ctr"/>
-            <a:r>
-              <a:rPr lang="en-US" b="1" dirty="0" smtClean="0"/>
-              <a:t>4B #6: IQ (mu = 100, </a:t>
-            </a:r>
-            <a:r>
-              <a:rPr lang="en-US" b="1" dirty="0" err="1" smtClean="0"/>
-              <a:t>sd</a:t>
-            </a:r>
-            <a:r>
-              <a:rPr lang="en-US" b="1" dirty="0" smtClean="0"/>
-              <a:t>=15) -&gt; sample w/M = 108</a:t>
-            </a:r>
-          </a:p>
-          <a:p>
-            <a:pPr algn="ctr"/>
-            <a:endParaRPr lang="en-US" b="1" dirty="0"/>
+              <a:t>Multiple Comparisons Procedures</a:t>
+            </a:r>
+            <a:endParaRPr lang="en-US" b="1" u="sng" dirty="0"/>
+          </a:p>
+          <a:p>
+            <a:pPr algn="ctr"/>
+            <a:r>
+              <a:rPr lang="en-US" i="1" dirty="0" smtClean="0"/>
+              <a:t>Lecture slides </a:t>
+            </a:r>
+            <a:endParaRPr lang="en-US" i="1" dirty="0" smtClean="0"/>
+          </a:p>
+          <a:p>
+            <a:pPr algn="ctr"/>
+            <a:r>
+              <a:rPr lang="en-US" i="1" dirty="0" smtClean="0"/>
+              <a:t>(excludes linear contrast statements)</a:t>
+            </a:r>
+            <a:endParaRPr lang="en-US" i="1" dirty="0"/>
           </a:p>
         </p:txBody>
       </p:sp>
@@ -3287,10 +3292,94 @@
           </a:prstGeom>
         </p:spPr>
       </p:pic>
+      <p:pic>
+        <p:nvPicPr>
+          <p:cNvPr id="1026" name="Picture 2" descr="Image result for virus"/>
+          <p:cNvPicPr>
+            <a:picLocks noChangeAspect="1" noChangeArrowheads="1"/>
+          </p:cNvPicPr>
+          <p:nvPr/>
+        </p:nvPicPr>
+        <p:blipFill>
+          <a:blip r:embed="rId6" cstate="print">
+            <a:extLst>
+              <a:ext uri="{28A0092B-C50C-407E-A947-70E740481C1C}">
+                <a14:useLocalDpi xmlns:a14="http://schemas.microsoft.com/office/drawing/2010/main" val="0"/>
+              </a:ext>
+            </a:extLst>
+          </a:blip>
+          <a:srcRect/>
+          <a:stretch>
+            <a:fillRect/>
+          </a:stretch>
+        </p:blipFill>
+        <p:spPr bwMode="auto">
+          <a:xfrm>
+            <a:off x="1908176" y="4866721"/>
+            <a:ext cx="825034" cy="824421"/>
+          </a:xfrm>
+          <a:prstGeom prst="rect">
+            <a:avLst/>
+          </a:prstGeom>
+          <a:noFill/>
+          <a:extLst>
+            <a:ext uri="{909E8E84-426E-40DD-AFC4-6F175D3DCCD1}">
+              <a14:hiddenFill xmlns:a14="http://schemas.microsoft.com/office/drawing/2010/main">
+                <a:solidFill>
+                  <a:srgbClr val="FFFFFF"/>
+                </a:solidFill>
+              </a14:hiddenFill>
+            </a:ext>
+          </a:extLst>
+        </p:spPr>
+      </p:pic>
+      <p:sp>
+        <p:nvSpPr>
+          <p:cNvPr id="13" name="TextBox 12"/>
+          <p:cNvSpPr txBox="1"/>
+          <p:nvPr/>
+        </p:nvSpPr>
+        <p:spPr>
+          <a:xfrm>
+            <a:off x="2524444" y="5254195"/>
+            <a:ext cx="1238954" cy="369332"/>
+          </a:xfrm>
+          <a:prstGeom prst="rect">
+            <a:avLst/>
+          </a:prstGeom>
+          <a:noFill/>
+        </p:spPr>
+        <p:txBody>
+          <a:bodyPr wrap="square" rtlCol="0">
+            <a:spAutoFit/>
+          </a:bodyPr>
+          <a:lstStyle/>
+          <a:p>
+            <a:pPr algn="ctr"/>
+            <a:r>
+              <a:rPr lang="en-US" b="1" dirty="0" smtClean="0">
+                <a:solidFill>
+                  <a:schemeClr val="accent1">
+                    <a:lumMod val="75000"/>
+                  </a:schemeClr>
+                </a:solidFill>
+              </a:rPr>
+              <a:t>Covid-19</a:t>
+            </a:r>
+            <a:endParaRPr lang="en-US" b="1" dirty="0">
+              <a:solidFill>
+                <a:schemeClr val="accent1">
+                  <a:lumMod val="75000"/>
+                </a:schemeClr>
+              </a:solidFill>
+            </a:endParaRPr>
+          </a:p>
+        </p:txBody>
+      </p:sp>
     </p:spTree>
     <p:extLst>
       <p:ext uri="{BB962C8B-B14F-4D97-AF65-F5344CB8AC3E}">
-        <p14:creationId xmlns:p14="http://schemas.microsoft.com/office/powerpoint/2010/main" val="3542266102"/>
+        <p14:creationId xmlns:p14="http://schemas.microsoft.com/office/powerpoint/2010/main" val="911328323"/>
       </p:ext>
     </p:extLst>
   </p:cSld>
@@ -3627,7 +3716,7 @@
     </p:spTree>
     <p:extLst>
       <p:ext uri="{BB962C8B-B14F-4D97-AF65-F5344CB8AC3E}">
-        <p14:creationId xmlns:p14="http://schemas.microsoft.com/office/powerpoint/2010/main" val="4154058086"/>
+        <p14:creationId xmlns:p14="http://schemas.microsoft.com/office/powerpoint/2010/main" val="3019460125"/>
       </p:ext>
     </p:extLst>
   </p:cSld>
@@ -3755,7 +3844,7 @@
             <a:pPr algn="ctr"/>
             <a:r>
               <a:rPr lang="en-US" dirty="0" smtClean="0"/>
-              <a:t>Feb. 3, 2020</a:t>
+              <a:t>Feb. 5, 2020</a:t>
             </a:r>
             <a:endParaRPr lang="en-US" dirty="0"/>
           </a:p>
@@ -3770,7 +3859,7 @@
         <p:spPr>
           <a:xfrm>
             <a:off x="2035110" y="3043759"/>
-            <a:ext cx="5005769" cy="2585323"/>
+            <a:ext cx="5005769" cy="1477328"/>
           </a:xfrm>
           <a:prstGeom prst="rect">
             <a:avLst/>
@@ -3785,50 +3874,12 @@
           <a:p>
             <a:pPr algn="ctr"/>
             <a:r>
+              <a:rPr lang="en-US" dirty="0" smtClean="0"/>
+              <a:t>Chapter </a:t>
+            </a:r>
+            <a:r>
               <a:rPr lang="en-US" dirty="0"/>
-              <a:t>Chapter </a:t>
-            </a:r>
-            <a:r>
-              <a:rPr lang="en-US" dirty="0" smtClean="0"/>
-              <a:t>5</a:t>
-            </a:r>
-            <a:endParaRPr lang="en-US" dirty="0"/>
-          </a:p>
-          <a:p>
-            <a:pPr algn="ctr"/>
-            <a:r>
-              <a:rPr lang="en-US" b="1" u="sng" dirty="0" smtClean="0"/>
-              <a:t>Intro to Hypothesis Testing: 1 sample z-Test</a:t>
-            </a:r>
-            <a:endParaRPr lang="en-US" b="1" u="sng" dirty="0"/>
-          </a:p>
-          <a:p>
-            <a:pPr algn="ctr"/>
-            <a:r>
-              <a:rPr lang="en-US" i="1" dirty="0" smtClean="0"/>
-              <a:t>Finish </a:t>
-            </a:r>
-            <a:r>
-              <a:rPr lang="en-US" i="1" dirty="0"/>
-              <a:t>discussion</a:t>
-            </a:r>
-          </a:p>
-          <a:p>
-            <a:pPr algn="ctr"/>
-            <a:r>
-              <a:rPr lang="en-US" i="1" dirty="0"/>
-              <a:t>Homework questions</a:t>
-            </a:r>
-          </a:p>
-          <a:p>
-            <a:pPr algn="ctr"/>
-            <a:endParaRPr lang="en-US" i="1" dirty="0"/>
-          </a:p>
-          <a:p>
-            <a:pPr algn="ctr"/>
-            <a:r>
-              <a:rPr lang="en-US" dirty="0"/>
-              <a:t>Chapter 6</a:t>
+              <a:t>6</a:t>
             </a:r>
           </a:p>
           <a:p>
@@ -3851,7 +3902,14 @@
             <a:pPr algn="ctr"/>
             <a:r>
               <a:rPr lang="en-US" i="1" dirty="0" smtClean="0"/>
-              <a:t>(first half)</a:t>
+              <a:t>(second half)</a:t>
+            </a:r>
+          </a:p>
+          <a:p>
+            <a:pPr algn="ctr"/>
+            <a:r>
+              <a:rPr lang="en-US" i="1" dirty="0" smtClean="0"/>
+              <a:t>Homework Helps</a:t>
             </a:r>
             <a:endParaRPr lang="en-US" i="1" dirty="0"/>
           </a:p>
@@ -3995,7 +4053,7 @@
     </p:spTree>
     <p:extLst>
       <p:ext uri="{BB962C8B-B14F-4D97-AF65-F5344CB8AC3E}">
-        <p14:creationId xmlns:p14="http://schemas.microsoft.com/office/powerpoint/2010/main" val="1136618621"/>
+        <p14:creationId xmlns:p14="http://schemas.microsoft.com/office/powerpoint/2010/main" val="4154058086"/>
       </p:ext>
     </p:extLst>
   </p:cSld>
@@ -4123,7 +4181,7 @@
             <a:pPr algn="ctr"/>
             <a:r>
               <a:rPr lang="en-US" dirty="0" smtClean="0"/>
-              <a:t>Jan. 22, 2020</a:t>
+              <a:t>Feb. 3, 2020</a:t>
             </a:r>
             <a:endParaRPr lang="en-US" dirty="0"/>
           </a:p>
@@ -4154,15 +4212,21 @@
             <a:pPr algn="ctr"/>
             <a:r>
               <a:rPr lang="en-US" dirty="0"/>
-              <a:t>Chapter 3</a:t>
-            </a:r>
-          </a:p>
-          <a:p>
-            <a:pPr algn="ctr"/>
-            <a:r>
-              <a:rPr lang="en-US" b="1" u="sng" dirty="0"/>
-              <a:t>Variable/Scale, Rounding &amp; Summation</a:t>
-            </a:r>
+              <a:t>Chapter </a:t>
+            </a:r>
+            <a:r>
+              <a:rPr lang="en-US" dirty="0" smtClean="0"/>
+              <a:t>5</a:t>
+            </a:r>
+            <a:endParaRPr lang="en-US" dirty="0"/>
+          </a:p>
+          <a:p>
+            <a:pPr algn="ctr"/>
+            <a:r>
+              <a:rPr lang="en-US" b="1" u="sng" dirty="0" smtClean="0"/>
+              <a:t>Intro to Hypothesis Testing: 1 sample z-Test</a:t>
+            </a:r>
+            <a:endParaRPr lang="en-US" b="1" u="sng" dirty="0"/>
           </a:p>
           <a:p>
             <a:pPr algn="ctr"/>
@@ -4190,19 +4254,14 @@
             <a:pPr algn="ctr"/>
             <a:r>
               <a:rPr lang="en-US" dirty="0"/>
-              <a:t>Chapter </a:t>
-            </a:r>
-            <a:r>
-              <a:rPr lang="en-US" dirty="0" smtClean="0"/>
-              <a:t>4</a:t>
-            </a:r>
-            <a:endParaRPr lang="en-US" dirty="0"/>
+              <a:t>Chapter 6</a:t>
+            </a:r>
           </a:p>
           <a:p>
             <a:pPr algn="ctr"/>
             <a:r>
               <a:rPr lang="en-US" b="1" u="sng" dirty="0" smtClean="0"/>
-              <a:t>Standardized Scores &amp; the Normal Distribution</a:t>
+              <a:t>Confidence Interval Estimation: The t Distribution</a:t>
             </a:r>
             <a:endParaRPr lang="en-US" b="1" u="sng" dirty="0"/>
           </a:p>
@@ -4362,7 +4421,7 @@
     </p:spTree>
     <p:extLst>
       <p:ext uri="{BB962C8B-B14F-4D97-AF65-F5344CB8AC3E}">
-        <p14:creationId xmlns:p14="http://schemas.microsoft.com/office/powerpoint/2010/main" val="2900019700"/>
+        <p14:creationId xmlns:p14="http://schemas.microsoft.com/office/powerpoint/2010/main" val="1136618621"/>
       </p:ext>
     </p:extLst>
   </p:cSld>
@@ -4490,7 +4549,7 @@
             <a:pPr algn="ctr"/>
             <a:r>
               <a:rPr lang="en-US" dirty="0" smtClean="0"/>
-              <a:t>Jan. 15, 2020</a:t>
+              <a:t>Jan. 22, 2020</a:t>
             </a:r>
             <a:endParaRPr lang="en-US" dirty="0"/>
           </a:p>
@@ -4504,8 +4563,8 @@
         </p:nvSpPr>
         <p:spPr>
           <a:xfrm>
-            <a:off x="2318419" y="3043759"/>
-            <a:ext cx="4212906" cy="2585323"/>
+            <a:off x="2035110" y="3043759"/>
+            <a:ext cx="5005769" cy="2585323"/>
           </a:xfrm>
           <a:prstGeom prst="rect">
             <a:avLst/>
@@ -4520,48 +4579,58 @@
           <a:p>
             <a:pPr algn="ctr"/>
             <a:r>
+              <a:rPr lang="en-US" dirty="0"/>
+              <a:t>Chapter 3</a:t>
+            </a:r>
+          </a:p>
+          <a:p>
+            <a:pPr algn="ctr"/>
+            <a:r>
+              <a:rPr lang="en-US" b="1" u="sng" dirty="0"/>
+              <a:t>Variable/Scale, Rounding &amp; Summation</a:t>
+            </a:r>
+          </a:p>
+          <a:p>
+            <a:pPr algn="ctr"/>
+            <a:r>
+              <a:rPr lang="en-US" i="1" dirty="0" smtClean="0"/>
+              <a:t>Finish </a:t>
+            </a:r>
+            <a:r>
+              <a:rPr lang="en-US" i="1" dirty="0"/>
+              <a:t>discussion</a:t>
+            </a:r>
+          </a:p>
+          <a:p>
+            <a:pPr algn="ctr"/>
+            <a:r>
+              <a:rPr lang="en-US" i="1" dirty="0"/>
+              <a:t>Homework questions</a:t>
+            </a:r>
+          </a:p>
+          <a:p>
+            <a:pPr algn="ctr"/>
+            <a:endParaRPr lang="en-US" i="1" dirty="0"/>
+          </a:p>
+          <a:p>
+            <a:pPr algn="ctr"/>
+            <a:r>
+              <a:rPr lang="en-US" dirty="0"/>
+              <a:t>Chapter </a:t>
+            </a:r>
+            <a:r>
               <a:rPr lang="en-US" dirty="0" smtClean="0"/>
-              <a:t>Chapter 1</a:t>
-            </a:r>
+              <a:t>4</a:t>
+            </a:r>
+            <a:endParaRPr lang="en-US" dirty="0"/>
           </a:p>
           <a:p>
             <a:pPr algn="ctr"/>
             <a:r>
               <a:rPr lang="en-US" b="1" u="sng" dirty="0" smtClean="0"/>
-              <a:t>Variable/Scale, Rounding &amp; Summation</a:t>
-            </a:r>
-          </a:p>
-          <a:p>
-            <a:pPr algn="ctr"/>
-            <a:r>
-              <a:rPr lang="en-US" i="1" dirty="0" smtClean="0"/>
-              <a:t>Finish discussion</a:t>
-            </a:r>
-          </a:p>
-          <a:p>
-            <a:pPr algn="ctr"/>
-            <a:r>
-              <a:rPr lang="en-US" i="1" dirty="0" smtClean="0"/>
-              <a:t>Homework questions</a:t>
-            </a:r>
-          </a:p>
-          <a:p>
-            <a:pPr algn="ctr"/>
-            <a:endParaRPr lang="en-US" i="1" dirty="0" smtClean="0"/>
-          </a:p>
-          <a:p>
-            <a:pPr algn="ctr"/>
-            <a:r>
-              <a:rPr lang="en-US" dirty="0"/>
-              <a:t>Chapter 2 </a:t>
-            </a:r>
-          </a:p>
-          <a:p>
-            <a:pPr algn="ctr"/>
-            <a:r>
-              <a:rPr lang="en-US" b="1" u="sng" dirty="0"/>
-              <a:t>Exploring Data with Plots</a:t>
-            </a:r>
+              <a:t>Standardized Scores &amp; the Normal Distribution</a:t>
+            </a:r>
+            <a:endParaRPr lang="en-US" b="1" u="sng" dirty="0"/>
           </a:p>
           <a:p>
             <a:pPr algn="ctr"/>
@@ -4574,12 +4643,8 @@
           <a:p>
             <a:pPr algn="ctr"/>
             <a:r>
-              <a:rPr lang="en-US" i="1" dirty="0"/>
-              <a:t>Homework </a:t>
-            </a:r>
-            <a:r>
               <a:rPr lang="en-US" i="1" dirty="0" smtClean="0"/>
-              <a:t>questions</a:t>
+              <a:t>(first half)</a:t>
             </a:r>
             <a:endParaRPr lang="en-US" i="1" dirty="0"/>
           </a:p>
@@ -4723,7 +4788,7 @@
     </p:spTree>
     <p:extLst>
       <p:ext uri="{BB962C8B-B14F-4D97-AF65-F5344CB8AC3E}">
-        <p14:creationId xmlns:p14="http://schemas.microsoft.com/office/powerpoint/2010/main" val="3290463226"/>
+        <p14:creationId xmlns:p14="http://schemas.microsoft.com/office/powerpoint/2010/main" val="2900019700"/>
       </p:ext>
     </p:extLst>
   </p:cSld>
@@ -4750,51 +4815,26 @@
           <a:chExt cx="0" cy="0"/>
         </a:xfrm>
       </p:grpSpPr>
-      <p:pic>
-        <p:nvPicPr>
-          <p:cNvPr id="2" name="Picture 1"/>
-          <p:cNvPicPr>
-            <a:picLocks noChangeAspect="1"/>
-          </p:cNvPicPr>
-          <p:nvPr/>
-        </p:nvPicPr>
-        <p:blipFill>
-          <a:blip r:embed="rId2" cstate="print">
-            <a:extLst>
-              <a:ext uri="{28A0092B-C50C-407E-A947-70E740481C1C}">
-                <a14:useLocalDpi xmlns:a14="http://schemas.microsoft.com/office/drawing/2010/main" val="0"/>
-              </a:ext>
-            </a:extLst>
-          </a:blip>
-          <a:stretch>
-            <a:fillRect/>
-          </a:stretch>
-        </p:blipFill>
-        <p:spPr>
-          <a:xfrm>
-            <a:off x="5306566" y="2514598"/>
-            <a:ext cx="1578867" cy="1828804"/>
+      <p:sp>
+        <p:nvSpPr>
+          <p:cNvPr id="4" name="Rectangle 3"/>
+          <p:cNvSpPr/>
+          <p:nvPr/>
+        </p:nvSpPr>
+        <p:spPr>
+          <a:xfrm>
+            <a:off x="1808702" y="824230"/>
+            <a:ext cx="8778240" cy="5010912"/>
           </a:xfrm>
           <a:prstGeom prst="rect">
             <a:avLst/>
           </a:prstGeom>
-        </p:spPr>
-      </p:pic>
-      <p:sp>
-        <p:nvSpPr>
-          <p:cNvPr id="3" name="Rectangle 2"/>
-          <p:cNvSpPr/>
-          <p:nvPr/>
-        </p:nvSpPr>
-        <p:spPr>
-          <a:xfrm>
-            <a:off x="5054138" y="2394066"/>
-            <a:ext cx="2094807" cy="2078182"/>
-          </a:xfrm>
-          <a:prstGeom prst="rect">
-            <a:avLst/>
-          </a:prstGeom>
-          <a:noFill/>
+          <a:solidFill>
+            <a:schemeClr val="bg1">
+              <a:lumMod val="95000"/>
+            </a:schemeClr>
+          </a:solidFill>
+          <a:ln w="38100"/>
         </p:spPr>
         <p:style>
           <a:lnRef idx="2">
@@ -4821,82 +4861,6 @@
           </a:p>
         </p:txBody>
       </p:sp>
-    </p:spTree>
-    <p:extLst>
-      <p:ext uri="{BB962C8B-B14F-4D97-AF65-F5344CB8AC3E}">
-        <p14:creationId xmlns:p14="http://schemas.microsoft.com/office/powerpoint/2010/main" val="2048573925"/>
-      </p:ext>
-    </p:extLst>
-  </p:cSld>
-  <p:clrMapOvr>
-    <a:masterClrMapping/>
-  </p:clrMapOvr>
-</p:sld>
-</file>
-
-<file path=ppt/slides/slide2.xml><?xml version="1.0" encoding="utf-8"?>
-<p:sld xmlns:a="http://schemas.openxmlformats.org/drawingml/2006/main" xmlns:r="http://schemas.openxmlformats.org/officeDocument/2006/relationships" xmlns:p="http://schemas.openxmlformats.org/presentationml/2006/main">
-  <p:cSld>
-    <p:spTree>
-      <p:nvGrpSpPr>
-        <p:cNvPr id="1" name=""/>
-        <p:cNvGrpSpPr/>
-        <p:nvPr/>
-      </p:nvGrpSpPr>
-      <p:grpSpPr>
-        <a:xfrm>
-          <a:off x="0" y="0"/>
-          <a:ext cx="0" cy="0"/>
-          <a:chOff x="0" y="0"/>
-          <a:chExt cx="0" cy="0"/>
-        </a:xfrm>
-      </p:grpSpPr>
-      <p:sp>
-        <p:nvSpPr>
-          <p:cNvPr id="4" name="Rectangle 3"/>
-          <p:cNvSpPr/>
-          <p:nvPr/>
-        </p:nvSpPr>
-        <p:spPr>
-          <a:xfrm>
-            <a:off x="1808702" y="824230"/>
-            <a:ext cx="8778240" cy="5010912"/>
-          </a:xfrm>
-          <a:prstGeom prst="rect">
-            <a:avLst/>
-          </a:prstGeom>
-          <a:solidFill>
-            <a:schemeClr val="bg1">
-              <a:lumMod val="95000"/>
-            </a:schemeClr>
-          </a:solidFill>
-          <a:ln w="38100"/>
-        </p:spPr>
-        <p:style>
-          <a:lnRef idx="2">
-            <a:schemeClr val="accent1">
-              <a:shade val="50000"/>
-            </a:schemeClr>
-          </a:lnRef>
-          <a:fillRef idx="1">
-            <a:schemeClr val="accent1"/>
-          </a:fillRef>
-          <a:effectRef idx="0">
-            <a:schemeClr val="accent1"/>
-          </a:effectRef>
-          <a:fontRef idx="minor">
-            <a:schemeClr val="lt1"/>
-          </a:fontRef>
-        </p:style>
-        <p:txBody>
-          <a:bodyPr rtlCol="0" anchor="ctr"/>
-          <a:lstStyle/>
-          <a:p>
-            <a:pPr algn="ctr"/>
-            <a:endParaRPr lang="en-US"/>
-          </a:p>
-        </p:txBody>
-      </p:sp>
       <p:sp>
         <p:nvSpPr>
           <p:cNvPr id="7" name="TextBox 6"/>
@@ -4905,8 +4869,8 @@
         </p:nvSpPr>
         <p:spPr>
           <a:xfrm>
-            <a:off x="4003824" y="1483154"/>
-            <a:ext cx="5712369" cy="1754326"/>
+            <a:off x="3840385" y="1213849"/>
+            <a:ext cx="5712369" cy="923330"/>
           </a:xfrm>
           <a:prstGeom prst="rect">
             <a:avLst/>
@@ -4921,7 +4885,7 @@
           <a:p>
             <a:r>
               <a:rPr lang="en-US" sz="5400" dirty="0" smtClean="0"/>
-              <a:t>OUT-OF-CLASS LECTURES</a:t>
+              <a:t>INCLASS LECTURES</a:t>
             </a:r>
             <a:endParaRPr lang="en-US" sz="5400" dirty="0"/>
           </a:p>
@@ -4952,7 +4916,7 @@
             <a:pPr algn="ctr"/>
             <a:r>
               <a:rPr lang="en-US" dirty="0" smtClean="0"/>
-              <a:t>Jan. 24, 2020</a:t>
+              <a:t>Jan. 15, 2020</a:t>
             </a:r>
             <a:endParaRPr lang="en-US" dirty="0"/>
           </a:p>
@@ -4966,8 +4930,8 @@
         </p:nvSpPr>
         <p:spPr>
           <a:xfrm>
-            <a:off x="2000886" y="3743671"/>
-            <a:ext cx="5005769" cy="923330"/>
+            <a:off x="2318419" y="3043759"/>
+            <a:ext cx="4212906" cy="2585323"/>
           </a:xfrm>
           <a:prstGeom prst="rect">
             <a:avLst/>
@@ -4983,24 +4947,67 @@
             <a:pPr algn="ctr"/>
             <a:r>
               <a:rPr lang="en-US" dirty="0" smtClean="0"/>
-              <a:t>Chapter 4</a:t>
-            </a:r>
-            <a:endParaRPr lang="en-US" dirty="0"/>
+              <a:t>Chapter 1</a:t>
+            </a:r>
           </a:p>
           <a:p>
             <a:pPr algn="ctr"/>
             <a:r>
               <a:rPr lang="en-US" b="1" u="sng" dirty="0" smtClean="0"/>
-              <a:t>Standardized Scores &amp; the Normal Distribution</a:t>
-            </a:r>
-            <a:endParaRPr lang="en-US" b="1" u="sng" dirty="0"/>
+              <a:t>Variable/Scale, Rounding &amp; Summation</a:t>
+            </a:r>
           </a:p>
           <a:p>
             <a:pPr algn="ctr"/>
             <a:r>
               <a:rPr lang="en-US" i="1" dirty="0" smtClean="0"/>
-              <a:t>Lecture Slide Examples Worked</a:t>
-            </a:r>
+              <a:t>Finish discussion</a:t>
+            </a:r>
+          </a:p>
+          <a:p>
+            <a:pPr algn="ctr"/>
+            <a:r>
+              <a:rPr lang="en-US" i="1" dirty="0" smtClean="0"/>
+              <a:t>Homework questions</a:t>
+            </a:r>
+          </a:p>
+          <a:p>
+            <a:pPr algn="ctr"/>
+            <a:endParaRPr lang="en-US" i="1" dirty="0" smtClean="0"/>
+          </a:p>
+          <a:p>
+            <a:pPr algn="ctr"/>
+            <a:r>
+              <a:rPr lang="en-US" dirty="0"/>
+              <a:t>Chapter 2 </a:t>
+            </a:r>
+          </a:p>
+          <a:p>
+            <a:pPr algn="ctr"/>
+            <a:r>
+              <a:rPr lang="en-US" b="1" u="sng" dirty="0"/>
+              <a:t>Exploring Data with Plots</a:t>
+            </a:r>
+          </a:p>
+          <a:p>
+            <a:pPr algn="ctr"/>
+            <a:r>
+              <a:rPr lang="en-US" i="1" dirty="0" smtClean="0"/>
+              <a:t>Lecture slides</a:t>
+            </a:r>
+            <a:endParaRPr lang="en-US" i="1" dirty="0"/>
+          </a:p>
+          <a:p>
+            <a:pPr algn="ctr"/>
+            <a:r>
+              <a:rPr lang="en-US" i="1" dirty="0"/>
+              <a:t>Homework </a:t>
+            </a:r>
+            <a:r>
+              <a:rPr lang="en-US" i="1" dirty="0" smtClean="0"/>
+              <a:t>questions</a:t>
+            </a:r>
+            <a:endParaRPr lang="en-US" i="1" dirty="0"/>
           </a:p>
         </p:txBody>
       </p:sp>
@@ -5142,7 +5149,7 @@
     </p:spTree>
     <p:extLst>
       <p:ext uri="{BB962C8B-B14F-4D97-AF65-F5344CB8AC3E}">
-        <p14:creationId xmlns:p14="http://schemas.microsoft.com/office/powerpoint/2010/main" val="267042058"/>
+        <p14:creationId xmlns:p14="http://schemas.microsoft.com/office/powerpoint/2010/main" val="3290463226"/>
       </p:ext>
     </p:extLst>
   </p:cSld>
@@ -5152,7 +5159,7 @@
 </p:sld>
 </file>
 
-<file path=ppt/slides/slide3.xml><?xml version="1.0" encoding="utf-8"?>
+<file path=ppt/slides/slide15.xml><?xml version="1.0" encoding="utf-8"?>
 <p:sld xmlns:a="http://schemas.openxmlformats.org/drawingml/2006/main" xmlns:r="http://schemas.openxmlformats.org/officeDocument/2006/relationships" xmlns:p="http://schemas.openxmlformats.org/presentationml/2006/main">
   <p:cSld>
     <p:spTree>
@@ -5169,26 +5176,51 @@
           <a:chExt cx="0" cy="0"/>
         </a:xfrm>
       </p:grpSpPr>
-      <p:sp>
-        <p:nvSpPr>
-          <p:cNvPr id="4" name="Rectangle 3"/>
-          <p:cNvSpPr/>
-          <p:nvPr/>
-        </p:nvSpPr>
-        <p:spPr>
-          <a:xfrm>
-            <a:off x="1808702" y="824230"/>
-            <a:ext cx="8778240" cy="5010912"/>
+      <p:pic>
+        <p:nvPicPr>
+          <p:cNvPr id="2" name="Picture 1"/>
+          <p:cNvPicPr>
+            <a:picLocks noChangeAspect="1"/>
+          </p:cNvPicPr>
+          <p:nvPr/>
+        </p:nvPicPr>
+        <p:blipFill>
+          <a:blip r:embed="rId2" cstate="print">
+            <a:extLst>
+              <a:ext uri="{28A0092B-C50C-407E-A947-70E740481C1C}">
+                <a14:useLocalDpi xmlns:a14="http://schemas.microsoft.com/office/drawing/2010/main" val="0"/>
+              </a:ext>
+            </a:extLst>
+          </a:blip>
+          <a:stretch>
+            <a:fillRect/>
+          </a:stretch>
+        </p:blipFill>
+        <p:spPr>
+          <a:xfrm>
+            <a:off x="5306566" y="2514598"/>
+            <a:ext cx="1578867" cy="1828804"/>
           </a:xfrm>
           <a:prstGeom prst="rect">
             <a:avLst/>
           </a:prstGeom>
-          <a:solidFill>
-            <a:schemeClr val="bg1">
-              <a:lumMod val="95000"/>
-            </a:schemeClr>
-          </a:solidFill>
-          <a:ln w="38100"/>
+        </p:spPr>
+      </p:pic>
+      <p:sp>
+        <p:nvSpPr>
+          <p:cNvPr id="3" name="Rectangle 2"/>
+          <p:cNvSpPr/>
+          <p:nvPr/>
+        </p:nvSpPr>
+        <p:spPr>
+          <a:xfrm>
+            <a:off x="5054138" y="2394066"/>
+            <a:ext cx="2094807" cy="2078182"/>
+          </a:xfrm>
+          <a:prstGeom prst="rect">
+            <a:avLst/>
+          </a:prstGeom>
+          <a:noFill/>
         </p:spPr>
         <p:style>
           <a:lnRef idx="2">
@@ -5215,6 +5247,82 @@
           </a:p>
         </p:txBody>
       </p:sp>
+    </p:spTree>
+    <p:extLst>
+      <p:ext uri="{BB962C8B-B14F-4D97-AF65-F5344CB8AC3E}">
+        <p14:creationId xmlns:p14="http://schemas.microsoft.com/office/powerpoint/2010/main" val="2048573925"/>
+      </p:ext>
+    </p:extLst>
+  </p:cSld>
+  <p:clrMapOvr>
+    <a:masterClrMapping/>
+  </p:clrMapOvr>
+</p:sld>
+</file>
+
+<file path=ppt/slides/slide2.xml><?xml version="1.0" encoding="utf-8"?>
+<p:sld xmlns:a="http://schemas.openxmlformats.org/drawingml/2006/main" xmlns:r="http://schemas.openxmlformats.org/officeDocument/2006/relationships" xmlns:p="http://schemas.openxmlformats.org/presentationml/2006/main">
+  <p:cSld>
+    <p:spTree>
+      <p:nvGrpSpPr>
+        <p:cNvPr id="1" name=""/>
+        <p:cNvGrpSpPr/>
+        <p:nvPr/>
+      </p:nvGrpSpPr>
+      <p:grpSpPr>
+        <a:xfrm>
+          <a:off x="0" y="0"/>
+          <a:ext cx="0" cy="0"/>
+          <a:chOff x="0" y="0"/>
+          <a:chExt cx="0" cy="0"/>
+        </a:xfrm>
+      </p:grpSpPr>
+      <p:sp>
+        <p:nvSpPr>
+          <p:cNvPr id="4" name="Rectangle 3"/>
+          <p:cNvSpPr/>
+          <p:nvPr/>
+        </p:nvSpPr>
+        <p:spPr>
+          <a:xfrm>
+            <a:off x="1808702" y="824230"/>
+            <a:ext cx="8778240" cy="5010912"/>
+          </a:xfrm>
+          <a:prstGeom prst="rect">
+            <a:avLst/>
+          </a:prstGeom>
+          <a:solidFill>
+            <a:schemeClr val="bg1">
+              <a:lumMod val="95000"/>
+            </a:schemeClr>
+          </a:solidFill>
+          <a:ln w="38100"/>
+        </p:spPr>
+        <p:style>
+          <a:lnRef idx="2">
+            <a:schemeClr val="accent1">
+              <a:shade val="50000"/>
+            </a:schemeClr>
+          </a:lnRef>
+          <a:fillRef idx="1">
+            <a:schemeClr val="accent1"/>
+          </a:fillRef>
+          <a:effectRef idx="0">
+            <a:schemeClr val="accent1"/>
+          </a:effectRef>
+          <a:fontRef idx="minor">
+            <a:schemeClr val="lt1"/>
+          </a:fontRef>
+        </p:style>
+        <p:txBody>
+          <a:bodyPr rtlCol="0" anchor="ctr"/>
+          <a:lstStyle/>
+          <a:p>
+            <a:pPr algn="ctr"/>
+            <a:endParaRPr lang="en-US"/>
+          </a:p>
+        </p:txBody>
+      </p:sp>
       <p:sp>
         <p:nvSpPr>
           <p:cNvPr id="7" name="TextBox 6"/>
@@ -5223,7 +5331,7 @@
         </p:nvSpPr>
         <p:spPr>
           <a:xfrm>
-            <a:off x="4184694" y="1065121"/>
+            <a:off x="4003824" y="1483154"/>
             <a:ext cx="5712369" cy="1754326"/>
           </a:xfrm>
           <a:prstGeom prst="rect">
@@ -5239,7 +5347,13 @@
           <a:p>
             <a:r>
               <a:rPr lang="en-US" sz="5400" dirty="0" smtClean="0"/>
-              <a:t>OUT-OF-CLASS LECTURES</a:t>
+              <a:t>HOMEWORK</a:t>
+            </a:r>
+          </a:p>
+          <a:p>
+            <a:r>
+              <a:rPr lang="en-US" sz="5400" dirty="0" smtClean="0"/>
+              <a:t>HELP</a:t>
             </a:r>
             <a:endParaRPr lang="en-US" sz="5400" dirty="0"/>
           </a:p>
@@ -5284,7 +5398,7 @@
         </p:nvSpPr>
         <p:spPr>
           <a:xfrm>
-            <a:off x="2035110" y="3043759"/>
+            <a:off x="2000886" y="3743671"/>
             <a:ext cx="5005769" cy="1200329"/>
           </a:xfrm>
           <a:prstGeom prst="rect">
@@ -5311,23 +5425,25 @@
               <a:rPr lang="en-US" b="1" u="sng" dirty="0" smtClean="0"/>
               <a:t>Standardized Scores &amp; the Normal Distribution</a:t>
             </a:r>
-            <a:endParaRPr lang="en-US" b="1" u="sng" dirty="0"/>
-          </a:p>
-          <a:p>
-            <a:pPr algn="ctr"/>
-            <a:r>
-              <a:rPr lang="en-US" i="1" dirty="0" smtClean="0"/>
-              <a:t>Lecture slides 25-43</a:t>
-            </a:r>
-            <a:endParaRPr lang="en-US" i="1" dirty="0"/>
-          </a:p>
-          <a:p>
-            <a:pPr algn="ctr"/>
-            <a:r>
-              <a:rPr lang="en-US" i="1" dirty="0" smtClean="0"/>
-              <a:t>(Second half)</a:t>
-            </a:r>
-            <a:endParaRPr lang="en-US" i="1" dirty="0"/>
+          </a:p>
+          <a:p>
+            <a:pPr algn="ctr"/>
+            <a:r>
+              <a:rPr lang="en-US" b="1" dirty="0" smtClean="0"/>
+              <a:t>4B #6: IQ (mu = 100, </a:t>
+            </a:r>
+            <a:r>
+              <a:rPr lang="en-US" b="1" dirty="0" err="1" smtClean="0"/>
+              <a:t>sd</a:t>
+            </a:r>
+            <a:r>
+              <a:rPr lang="en-US" b="1" dirty="0" smtClean="0"/>
+              <a:t>=15) -&gt; sample w/M = 108</a:t>
+            </a:r>
+          </a:p>
+          <a:p>
+            <a:pPr algn="ctr"/>
+            <a:endParaRPr lang="en-US" b="1" dirty="0"/>
           </a:p>
         </p:txBody>
       </p:sp>
@@ -5469,7 +5585,7 @@
     </p:spTree>
     <p:extLst>
       <p:ext uri="{BB962C8B-B14F-4D97-AF65-F5344CB8AC3E}">
-        <p14:creationId xmlns:p14="http://schemas.microsoft.com/office/powerpoint/2010/main" val="1429724622"/>
+        <p14:creationId xmlns:p14="http://schemas.microsoft.com/office/powerpoint/2010/main" val="3542266102"/>
       </p:ext>
     </p:extLst>
   </p:cSld>
@@ -5479,7 +5595,7 @@
 </p:sld>
 </file>
 
-<file path=ppt/slides/slide4.xml><?xml version="1.0" encoding="utf-8"?>
+<file path=ppt/slides/slide3.xml><?xml version="1.0" encoding="utf-8"?>
 <p:sld xmlns:a="http://schemas.openxmlformats.org/drawingml/2006/main" xmlns:r="http://schemas.openxmlformats.org/officeDocument/2006/relationships" xmlns:p="http://schemas.openxmlformats.org/presentationml/2006/main">
   <p:cSld>
     <p:spTree>
@@ -5550,8 +5666,8 @@
         </p:nvSpPr>
         <p:spPr>
           <a:xfrm>
-            <a:off x="3840385" y="1213849"/>
-            <a:ext cx="5712369" cy="923330"/>
+            <a:off x="4003824" y="1483154"/>
+            <a:ext cx="5712369" cy="1754326"/>
           </a:xfrm>
           <a:prstGeom prst="rect">
             <a:avLst/>
@@ -5566,7 +5682,7 @@
           <a:p>
             <a:r>
               <a:rPr lang="en-US" sz="5400" dirty="0" smtClean="0"/>
-              <a:t>INCLASS LECTURES</a:t>
+              <a:t>OUT-OF-CLASS LECTURES</a:t>
             </a:r>
             <a:endParaRPr lang="en-US" sz="5400" dirty="0"/>
           </a:p>
@@ -5597,15 +5713,7 @@
             <a:pPr algn="ctr"/>
             <a:r>
               <a:rPr lang="en-US" dirty="0" smtClean="0"/>
-              <a:t>March</a:t>
-            </a:r>
-            <a:r>
-              <a:rPr lang="en-US" dirty="0" smtClean="0"/>
-              <a:t> 11, </a:t>
-            </a:r>
-            <a:r>
-              <a:rPr lang="en-US" dirty="0" smtClean="0"/>
-              <a:t>2020</a:t>
+              <a:t>Jan. 24, 2020</a:t>
             </a:r>
             <a:endParaRPr lang="en-US" dirty="0"/>
           </a:p>
@@ -5619,8 +5727,8 @@
         </p:nvSpPr>
         <p:spPr>
           <a:xfrm>
-            <a:off x="2175358" y="3486436"/>
-            <a:ext cx="5005769" cy="1200329"/>
+            <a:off x="2000886" y="3743671"/>
+            <a:ext cx="5005769" cy="923330"/>
           </a:xfrm>
           <a:prstGeom prst="rect">
             <a:avLst/>
@@ -5636,11 +5744,7 @@
             <a:pPr algn="ctr"/>
             <a:r>
               <a:rPr lang="en-US" dirty="0" smtClean="0"/>
-              <a:t>Chapter </a:t>
-            </a:r>
-            <a:r>
-              <a:rPr lang="en-US" dirty="0" smtClean="0"/>
-              <a:t>12</a:t>
+              <a:t>Chapter 4</a:t>
             </a:r>
             <a:endParaRPr lang="en-US" dirty="0"/>
           </a:p>
@@ -5648,36 +5752,16 @@
             <a:pPr algn="ctr"/>
             <a:r>
               <a:rPr lang="en-US" b="1" u="sng" dirty="0" smtClean="0"/>
-              <a:t>One-way Independent Groups ANOVA</a:t>
-            </a:r>
-            <a:endParaRPr lang="en-US" dirty="0" smtClean="0"/>
+              <a:t>Standardized Scores &amp; the Normal Distribution</a:t>
+            </a:r>
+            <a:endParaRPr lang="en-US" b="1" u="sng" dirty="0"/>
           </a:p>
           <a:p>
             <a:pPr algn="ctr"/>
             <a:r>
               <a:rPr lang="en-US" i="1" dirty="0" smtClean="0"/>
-              <a:t>Second</a:t>
-            </a:r>
-            <a:r>
-              <a:rPr lang="en-US" i="1" dirty="0" smtClean="0"/>
-              <a:t> </a:t>
-            </a:r>
-            <a:r>
-              <a:rPr lang="en-US" i="1" dirty="0" smtClean="0"/>
-              <a:t>half, chapter </a:t>
-            </a:r>
-            <a:r>
-              <a:rPr lang="en-US" i="1" dirty="0" smtClean="0"/>
-              <a:t>slides</a:t>
-            </a:r>
-          </a:p>
-          <a:p>
-            <a:pPr algn="ctr"/>
-            <a:r>
-              <a:rPr lang="en-US" i="1" dirty="0" smtClean="0"/>
-              <a:t>Mostly Examples, Using R, and HW Help</a:t>
-            </a:r>
-            <a:endParaRPr lang="en-US" i="1" dirty="0" smtClean="0"/>
+              <a:t>Lecture Slide Examples Worked</a:t>
+            </a:r>
           </a:p>
         </p:txBody>
       </p:sp>
@@ -5819,7 +5903,7 @@
     </p:spTree>
     <p:extLst>
       <p:ext uri="{BB962C8B-B14F-4D97-AF65-F5344CB8AC3E}">
-        <p14:creationId xmlns:p14="http://schemas.microsoft.com/office/powerpoint/2010/main" val="928580799"/>
+        <p14:creationId xmlns:p14="http://schemas.microsoft.com/office/powerpoint/2010/main" val="267042058"/>
       </p:ext>
     </p:extLst>
   </p:cSld>
@@ -5829,7 +5913,7 @@
 </p:sld>
 </file>
 
-<file path=ppt/slides/slide5.xml><?xml version="1.0" encoding="utf-8"?>
+<file path=ppt/slides/slide4.xml><?xml version="1.0" encoding="utf-8"?>
 <p:sld xmlns:a="http://schemas.openxmlformats.org/drawingml/2006/main" xmlns:r="http://schemas.openxmlformats.org/officeDocument/2006/relationships" xmlns:p="http://schemas.openxmlformats.org/presentationml/2006/main">
   <p:cSld>
     <p:spTree>
@@ -5900,8 +5984,8 @@
         </p:nvSpPr>
         <p:spPr>
           <a:xfrm>
-            <a:off x="3840385" y="1213849"/>
-            <a:ext cx="5712369" cy="923330"/>
+            <a:off x="4184694" y="1065121"/>
+            <a:ext cx="5712369" cy="1754326"/>
           </a:xfrm>
           <a:prstGeom prst="rect">
             <a:avLst/>
@@ -5916,7 +6000,7 @@
           <a:p>
             <a:r>
               <a:rPr lang="en-US" sz="5400" dirty="0" smtClean="0"/>
-              <a:t>INCLASS LECTURES</a:t>
+              <a:t>OUT-OF-CLASS LECTURES</a:t>
             </a:r>
             <a:endParaRPr lang="en-US" sz="5400" dirty="0"/>
           </a:p>
@@ -5947,15 +6031,7 @@
             <a:pPr algn="ctr"/>
             <a:r>
               <a:rPr lang="en-US" dirty="0" smtClean="0"/>
-              <a:t>March</a:t>
-            </a:r>
-            <a:r>
-              <a:rPr lang="en-US" dirty="0" smtClean="0"/>
-              <a:t> 9</a:t>
-            </a:r>
-            <a:r>
-              <a:rPr lang="en-US" dirty="0" smtClean="0"/>
-              <a:t>, 2020</a:t>
+              <a:t>Jan. 24, 2020</a:t>
             </a:r>
             <a:endParaRPr lang="en-US" dirty="0"/>
           </a:p>
@@ -5969,7 +6045,7 @@
         </p:nvSpPr>
         <p:spPr>
           <a:xfrm>
-            <a:off x="2175358" y="3486436"/>
+            <a:off x="2035110" y="3043759"/>
             <a:ext cx="5005769" cy="1200329"/>
           </a:xfrm>
           <a:prstGeom prst="rect">
@@ -5986,11 +6062,7 @@
             <a:pPr algn="ctr"/>
             <a:r>
               <a:rPr lang="en-US" dirty="0" smtClean="0"/>
-              <a:t>Chapter </a:t>
-            </a:r>
-            <a:r>
-              <a:rPr lang="en-US" dirty="0" smtClean="0"/>
-              <a:t>12</a:t>
+              <a:t>Chapter 4</a:t>
             </a:r>
             <a:endParaRPr lang="en-US" dirty="0"/>
           </a:p>
@@ -5998,36 +6070,25 @@
             <a:pPr algn="ctr"/>
             <a:r>
               <a:rPr lang="en-US" b="1" u="sng" dirty="0" smtClean="0"/>
-              <a:t>One-way Independent Groups ANOVA</a:t>
-            </a:r>
-            <a:endParaRPr lang="en-US" dirty="0" smtClean="0"/>
+              <a:t>Standardized Scores &amp; the Normal Distribution</a:t>
+            </a:r>
+            <a:endParaRPr lang="en-US" b="1" u="sng" dirty="0"/>
           </a:p>
           <a:p>
             <a:pPr algn="ctr"/>
             <a:r>
               <a:rPr lang="en-US" i="1" dirty="0" smtClean="0"/>
-              <a:t>First</a:t>
-            </a:r>
+              <a:t>Lecture slides 25-43</a:t>
+            </a:r>
+            <a:endParaRPr lang="en-US" i="1" dirty="0"/>
+          </a:p>
+          <a:p>
+            <a:pPr algn="ctr"/>
             <a:r>
               <a:rPr lang="en-US" i="1" dirty="0" smtClean="0"/>
-              <a:t> </a:t>
-            </a:r>
-            <a:r>
-              <a:rPr lang="en-US" i="1" dirty="0" smtClean="0"/>
-              <a:t>half, chapter </a:t>
-            </a:r>
-            <a:r>
-              <a:rPr lang="en-US" i="1" dirty="0" smtClean="0"/>
-              <a:t>slides</a:t>
-            </a:r>
-          </a:p>
-          <a:p>
-            <a:pPr algn="ctr"/>
-            <a:r>
-              <a:rPr lang="en-US" i="1" dirty="0" smtClean="0"/>
-              <a:t>Mostly New Material Presentation</a:t>
-            </a:r>
-            <a:endParaRPr lang="en-US" i="1" dirty="0" smtClean="0"/>
+              <a:t>(Second half)</a:t>
+            </a:r>
+            <a:endParaRPr lang="en-US" i="1" dirty="0"/>
           </a:p>
         </p:txBody>
       </p:sp>
@@ -6169,7 +6230,7 @@
     </p:spTree>
     <p:extLst>
       <p:ext uri="{BB962C8B-B14F-4D97-AF65-F5344CB8AC3E}">
-        <p14:creationId xmlns:p14="http://schemas.microsoft.com/office/powerpoint/2010/main" val="2758197068"/>
+        <p14:creationId xmlns:p14="http://schemas.microsoft.com/office/powerpoint/2010/main" val="1429724622"/>
       </p:ext>
     </p:extLst>
   </p:cSld>
@@ -6179,7 +6240,7 @@
 </p:sld>
 </file>
 
-<file path=ppt/slides/slide6.xml><?xml version="1.0" encoding="utf-8"?>
+<file path=ppt/slides/slide5.xml><?xml version="1.0" encoding="utf-8"?>
 <p:sld xmlns:a="http://schemas.openxmlformats.org/drawingml/2006/main" xmlns:r="http://schemas.openxmlformats.org/officeDocument/2006/relationships" xmlns:p="http://schemas.openxmlformats.org/presentationml/2006/main">
   <p:cSld>
     <p:spTree>
@@ -6297,7 +6358,7 @@
             <a:pPr algn="ctr"/>
             <a:r>
               <a:rPr lang="en-US" dirty="0" smtClean="0"/>
-              <a:t>Feb. 19, 2020</a:t>
+              <a:t>March 11, 2020</a:t>
             </a:r>
             <a:endParaRPr lang="en-US" dirty="0"/>
           </a:p>
@@ -6311,8 +6372,8 @@
         </p:nvSpPr>
         <p:spPr>
           <a:xfrm>
-            <a:off x="2130478" y="2956774"/>
-            <a:ext cx="5005769" cy="923330"/>
+            <a:off x="2175358" y="3486436"/>
+            <a:ext cx="5005769" cy="1200329"/>
           </a:xfrm>
           <a:prstGeom prst="rect">
             <a:avLst/>
@@ -6328,18 +6389,15 @@
             <a:pPr algn="ctr"/>
             <a:r>
               <a:rPr lang="en-US" dirty="0" smtClean="0"/>
-              <a:t>Chapter </a:t>
-            </a:r>
-            <a:r>
-              <a:rPr lang="en-US" dirty="0"/>
-              <a:t>9</a:t>
-            </a:r>
+              <a:t>Chapter 12</a:t>
+            </a:r>
+            <a:endParaRPr lang="en-US" dirty="0"/>
           </a:p>
           <a:p>
             <a:pPr algn="ctr"/>
             <a:r>
               <a:rPr lang="en-US" b="1" u="sng" dirty="0" smtClean="0"/>
-              <a:t>Correlation</a:t>
+              <a:t>One-way Independent Groups ANOVA</a:t>
             </a:r>
             <a:endParaRPr lang="en-US" dirty="0" smtClean="0"/>
           </a:p>
@@ -6348,6 +6406,13 @@
             <a:r>
               <a:rPr lang="en-US" i="1" dirty="0" smtClean="0"/>
               <a:t>Second half, chapter slides</a:t>
+            </a:r>
+          </a:p>
+          <a:p>
+            <a:pPr algn="ctr"/>
+            <a:r>
+              <a:rPr lang="en-US" i="1" dirty="0" smtClean="0"/>
+              <a:t>Mostly Examples, Using R, and HW Help</a:t>
             </a:r>
           </a:p>
         </p:txBody>
@@ -6487,56 +6552,10 @@
           </a:prstGeom>
         </p:spPr>
       </p:pic>
-      <p:sp>
-        <p:nvSpPr>
-          <p:cNvPr id="15" name="TextBox 14"/>
-          <p:cNvSpPr txBox="1"/>
-          <p:nvPr/>
-        </p:nvSpPr>
-        <p:spPr>
-          <a:xfrm>
-            <a:off x="2107241" y="4130160"/>
-            <a:ext cx="5005769" cy="923330"/>
-          </a:xfrm>
-          <a:prstGeom prst="rect">
-            <a:avLst/>
-          </a:prstGeom>
-          <a:noFill/>
-        </p:spPr>
-        <p:txBody>
-          <a:bodyPr wrap="square" rtlCol="0">
-            <a:spAutoFit/>
-          </a:bodyPr>
-          <a:lstStyle/>
-          <a:p>
-            <a:pPr algn="ctr"/>
-            <a:r>
-              <a:rPr lang="en-US" dirty="0" smtClean="0"/>
-              <a:t>Chapter 10</a:t>
-            </a:r>
-            <a:endParaRPr lang="en-US" dirty="0"/>
-          </a:p>
-          <a:p>
-            <a:pPr algn="ctr"/>
-            <a:r>
-              <a:rPr lang="en-US" b="1" u="sng" dirty="0" smtClean="0"/>
-              <a:t>Simple Linear Regression</a:t>
-            </a:r>
-            <a:endParaRPr lang="en-US" dirty="0" smtClean="0"/>
-          </a:p>
-          <a:p>
-            <a:pPr algn="ctr"/>
-            <a:r>
-              <a:rPr lang="en-US" i="1" dirty="0" smtClean="0"/>
-              <a:t>chapter slides (majority)</a:t>
-            </a:r>
-          </a:p>
-        </p:txBody>
-      </p:sp>
     </p:spTree>
     <p:extLst>
       <p:ext uri="{BB962C8B-B14F-4D97-AF65-F5344CB8AC3E}">
-        <p14:creationId xmlns:p14="http://schemas.microsoft.com/office/powerpoint/2010/main" val="2730707931"/>
+        <p14:creationId xmlns:p14="http://schemas.microsoft.com/office/powerpoint/2010/main" val="928580799"/>
       </p:ext>
     </p:extLst>
   </p:cSld>
@@ -6546,7 +6565,7 @@
 </p:sld>
 </file>
 
-<file path=ppt/slides/slide7.xml><?xml version="1.0" encoding="utf-8"?>
+<file path=ppt/slides/slide6.xml><?xml version="1.0" encoding="utf-8"?>
 <p:sld xmlns:a="http://schemas.openxmlformats.org/drawingml/2006/main" xmlns:r="http://schemas.openxmlformats.org/officeDocument/2006/relationships" xmlns:p="http://schemas.openxmlformats.org/presentationml/2006/main">
   <p:cSld>
     <p:spTree>
@@ -6664,7 +6683,7 @@
             <a:pPr algn="ctr"/>
             <a:r>
               <a:rPr lang="en-US" dirty="0" smtClean="0"/>
-              <a:t>Feb. 12, 2020</a:t>
+              <a:t>March 9, 2020</a:t>
             </a:r>
             <a:endParaRPr lang="en-US" dirty="0"/>
           </a:p>
@@ -6678,8 +6697,8 @@
         </p:nvSpPr>
         <p:spPr>
           <a:xfrm>
-            <a:off x="2175357" y="4235713"/>
-            <a:ext cx="5005769" cy="923330"/>
+            <a:off x="2175358" y="3486436"/>
+            <a:ext cx="5005769" cy="1200329"/>
           </a:xfrm>
           <a:prstGeom prst="rect">
             <a:avLst/>
@@ -6695,18 +6714,15 @@
             <a:pPr algn="ctr"/>
             <a:r>
               <a:rPr lang="en-US" dirty="0" smtClean="0"/>
-              <a:t>Chapter </a:t>
-            </a:r>
-            <a:r>
-              <a:rPr lang="en-US" dirty="0"/>
-              <a:t>9</a:t>
-            </a:r>
+              <a:t>Chapter 12</a:t>
+            </a:r>
+            <a:endParaRPr lang="en-US" dirty="0"/>
           </a:p>
           <a:p>
             <a:pPr algn="ctr"/>
             <a:r>
               <a:rPr lang="en-US" b="1" u="sng" dirty="0" smtClean="0"/>
-              <a:t>Correlation</a:t>
+              <a:t>One-way Independent Groups ANOVA</a:t>
             </a:r>
             <a:endParaRPr lang="en-US" dirty="0" smtClean="0"/>
           </a:p>
@@ -6715,6 +6731,13 @@
             <a:r>
               <a:rPr lang="en-US" i="1" dirty="0" smtClean="0"/>
               <a:t>First half, chapter slides</a:t>
+            </a:r>
+          </a:p>
+          <a:p>
+            <a:pPr algn="ctr"/>
+            <a:r>
+              <a:rPr lang="en-US" i="1" dirty="0" smtClean="0"/>
+              <a:t>Mostly New Material Presentation</a:t>
             </a:r>
           </a:p>
         </p:txBody>
@@ -6854,73 +6877,10 @@
           </a:prstGeom>
         </p:spPr>
       </p:pic>
-      <p:sp>
-        <p:nvSpPr>
-          <p:cNvPr id="13" name="TextBox 12"/>
-          <p:cNvSpPr txBox="1"/>
-          <p:nvPr/>
-        </p:nvSpPr>
-        <p:spPr>
-          <a:xfrm>
-            <a:off x="2175358" y="2646127"/>
-            <a:ext cx="5005769" cy="1477328"/>
-          </a:xfrm>
-          <a:prstGeom prst="rect">
-            <a:avLst/>
-          </a:prstGeom>
-          <a:noFill/>
-        </p:spPr>
-        <p:txBody>
-          <a:bodyPr wrap="square" rtlCol="0">
-            <a:spAutoFit/>
-          </a:bodyPr>
-          <a:lstStyle/>
-          <a:p>
-            <a:pPr algn="ctr"/>
-            <a:r>
-              <a:rPr lang="en-US" dirty="0" smtClean="0"/>
-              <a:t>Chapter </a:t>
-            </a:r>
-            <a:r>
-              <a:rPr lang="en-US" dirty="0"/>
-              <a:t>8</a:t>
-            </a:r>
-          </a:p>
-          <a:p>
-            <a:pPr algn="ctr"/>
-            <a:r>
-              <a:rPr lang="en-US" b="1" u="sng" dirty="0" smtClean="0"/>
-              <a:t>Effect Size &amp; Power Analysis</a:t>
-            </a:r>
-            <a:endParaRPr lang="en-US" dirty="0" smtClean="0"/>
-          </a:p>
-          <a:p>
-            <a:pPr algn="ctr"/>
-            <a:r>
-              <a:rPr lang="en-US" i="1" dirty="0" smtClean="0"/>
-              <a:t>Chapter slides</a:t>
-            </a:r>
-          </a:p>
-          <a:p>
-            <a:pPr algn="ctr"/>
-            <a:r>
-              <a:rPr lang="en-US" i="1" dirty="0" smtClean="0"/>
-              <a:t>Demo G*Power software</a:t>
-            </a:r>
-          </a:p>
-          <a:p>
-            <a:pPr algn="ctr"/>
-            <a:r>
-              <a:rPr lang="en-US" i="1" dirty="0" smtClean="0"/>
-              <a:t>Homework Help</a:t>
-            </a:r>
-          </a:p>
-        </p:txBody>
-      </p:sp>
     </p:spTree>
     <p:extLst>
       <p:ext uri="{BB962C8B-B14F-4D97-AF65-F5344CB8AC3E}">
-        <p14:creationId xmlns:p14="http://schemas.microsoft.com/office/powerpoint/2010/main" val="3221510669"/>
+        <p14:creationId xmlns:p14="http://schemas.microsoft.com/office/powerpoint/2010/main" val="2758197068"/>
       </p:ext>
     </p:extLst>
   </p:cSld>
@@ -6930,7 +6890,7 @@
 </p:sld>
 </file>
 
-<file path=ppt/slides/slide8.xml><?xml version="1.0" encoding="utf-8"?>
+<file path=ppt/slides/slide7.xml><?xml version="1.0" encoding="utf-8"?>
 <p:sld xmlns:a="http://schemas.openxmlformats.org/drawingml/2006/main" xmlns:r="http://schemas.openxmlformats.org/officeDocument/2006/relationships" xmlns:p="http://schemas.openxmlformats.org/presentationml/2006/main">
   <p:cSld>
     <p:spTree>
@@ -7048,7 +7008,7 @@
             <a:pPr algn="ctr"/>
             <a:r>
               <a:rPr lang="en-US" dirty="0" smtClean="0"/>
-              <a:t>Feb. 10, 2020</a:t>
+              <a:t>Feb. 19, 2020</a:t>
             </a:r>
             <a:endParaRPr lang="en-US" dirty="0"/>
           </a:p>
@@ -7062,7 +7022,7 @@
         </p:nvSpPr>
         <p:spPr>
           <a:xfrm>
-            <a:off x="2035110" y="3043759"/>
+            <a:off x="2130478" y="2956774"/>
             <a:ext cx="5005769" cy="923330"/>
           </a:xfrm>
           <a:prstGeom prst="rect">
@@ -7083,27 +7043,23 @@
             </a:r>
             <a:r>
               <a:rPr lang="en-US" dirty="0"/>
-              <a:t>7</a:t>
-            </a:r>
-          </a:p>
-          <a:p>
-            <a:pPr algn="ctr"/>
-            <a:r>
-              <a:rPr lang="en-US" b="1" u="sng" dirty="0"/>
-              <a:t>Independent Samples t-Test for </a:t>
-            </a:r>
+              <a:t>9</a:t>
+            </a:r>
+          </a:p>
+          <a:p>
+            <a:pPr algn="ctr"/>
             <a:r>
               <a:rPr lang="en-US" b="1" u="sng" dirty="0" smtClean="0"/>
-              <a:t>Means</a:t>
-            </a:r>
+              <a:t>Correlation</a:t>
+            </a:r>
+            <a:endParaRPr lang="en-US" dirty="0" smtClean="0"/>
           </a:p>
           <a:p>
             <a:pPr algn="ctr"/>
             <a:r>
               <a:rPr lang="en-US" i="1" dirty="0" smtClean="0"/>
-              <a:t>Mostly Homework Helps</a:t>
-            </a:r>
-            <a:endParaRPr lang="en-US" i="1" dirty="0"/>
+              <a:t>Second half, chapter slides</a:t>
+            </a:r>
           </a:p>
         </p:txBody>
       </p:sp>
@@ -7242,10 +7198,56 @@
           </a:prstGeom>
         </p:spPr>
       </p:pic>
+      <p:sp>
+        <p:nvSpPr>
+          <p:cNvPr id="15" name="TextBox 14"/>
+          <p:cNvSpPr txBox="1"/>
+          <p:nvPr/>
+        </p:nvSpPr>
+        <p:spPr>
+          <a:xfrm>
+            <a:off x="2107241" y="4130160"/>
+            <a:ext cx="5005769" cy="923330"/>
+          </a:xfrm>
+          <a:prstGeom prst="rect">
+            <a:avLst/>
+          </a:prstGeom>
+          <a:noFill/>
+        </p:spPr>
+        <p:txBody>
+          <a:bodyPr wrap="square" rtlCol="0">
+            <a:spAutoFit/>
+          </a:bodyPr>
+          <a:lstStyle/>
+          <a:p>
+            <a:pPr algn="ctr"/>
+            <a:r>
+              <a:rPr lang="en-US" dirty="0" smtClean="0"/>
+              <a:t>Chapter 10</a:t>
+            </a:r>
+            <a:endParaRPr lang="en-US" dirty="0"/>
+          </a:p>
+          <a:p>
+            <a:pPr algn="ctr"/>
+            <a:r>
+              <a:rPr lang="en-US" b="1" u="sng" dirty="0" smtClean="0"/>
+              <a:t>Simple Linear Regression</a:t>
+            </a:r>
+            <a:endParaRPr lang="en-US" dirty="0" smtClean="0"/>
+          </a:p>
+          <a:p>
+            <a:pPr algn="ctr"/>
+            <a:r>
+              <a:rPr lang="en-US" i="1" dirty="0" smtClean="0"/>
+              <a:t>chapter slides (majority)</a:t>
+            </a:r>
+          </a:p>
+        </p:txBody>
+      </p:sp>
     </p:spTree>
     <p:extLst>
       <p:ext uri="{BB962C8B-B14F-4D97-AF65-F5344CB8AC3E}">
-        <p14:creationId xmlns:p14="http://schemas.microsoft.com/office/powerpoint/2010/main" val="2916572011"/>
+        <p14:creationId xmlns:p14="http://schemas.microsoft.com/office/powerpoint/2010/main" val="2730707931"/>
       </p:ext>
     </p:extLst>
   </p:cSld>
@@ -7255,7 +7257,7 @@
 </p:sld>
 </file>
 
-<file path=ppt/slides/slide9.xml><?xml version="1.0" encoding="utf-8"?>
+<file path=ppt/slides/slide8.xml><?xml version="1.0" encoding="utf-8"?>
 <p:sld xmlns:a="http://schemas.openxmlformats.org/drawingml/2006/main" xmlns:r="http://schemas.openxmlformats.org/officeDocument/2006/relationships" xmlns:p="http://schemas.openxmlformats.org/presentationml/2006/main">
   <p:cSld>
     <p:spTree>
@@ -7373,7 +7375,7 @@
             <a:pPr algn="ctr"/>
             <a:r>
               <a:rPr lang="en-US" dirty="0" smtClean="0"/>
-              <a:t>Feb. 5, 2020</a:t>
+              <a:t>Feb. 12, 2020</a:t>
             </a:r>
             <a:endParaRPr lang="en-US" dirty="0"/>
           </a:p>
@@ -7387,8 +7389,8 @@
         </p:nvSpPr>
         <p:spPr>
           <a:xfrm>
-            <a:off x="2035110" y="3043759"/>
-            <a:ext cx="5005769" cy="1477328"/>
+            <a:off x="2175357" y="4235713"/>
+            <a:ext cx="5005769" cy="923330"/>
           </a:xfrm>
           <a:prstGeom prst="rect">
             <a:avLst/>
@@ -7408,39 +7410,23 @@
             </a:r>
             <a:r>
               <a:rPr lang="en-US" dirty="0"/>
-              <a:t>6</a:t>
+              <a:t>9</a:t>
             </a:r>
           </a:p>
           <a:p>
             <a:pPr algn="ctr"/>
             <a:r>
               <a:rPr lang="en-US" b="1" u="sng" dirty="0" smtClean="0"/>
-              <a:t>Confidence Interval Estimation: The t Distribution</a:t>
-            </a:r>
-            <a:endParaRPr lang="en-US" b="1" u="sng" dirty="0"/>
+              <a:t>Correlation</a:t>
+            </a:r>
+            <a:endParaRPr lang="en-US" dirty="0" smtClean="0"/>
           </a:p>
           <a:p>
             <a:pPr algn="ctr"/>
             <a:r>
               <a:rPr lang="en-US" i="1" dirty="0" smtClean="0"/>
-              <a:t>Lecture slides</a:t>
-            </a:r>
-            <a:endParaRPr lang="en-US" i="1" dirty="0"/>
-          </a:p>
-          <a:p>
-            <a:pPr algn="ctr"/>
-            <a:r>
-              <a:rPr lang="en-US" i="1" dirty="0" smtClean="0"/>
-              <a:t>(second half)</a:t>
-            </a:r>
-          </a:p>
-          <a:p>
-            <a:pPr algn="ctr"/>
-            <a:r>
-              <a:rPr lang="en-US" i="1" dirty="0" smtClean="0"/>
-              <a:t>Homework Helps</a:t>
-            </a:r>
-            <a:endParaRPr lang="en-US" i="1" dirty="0"/>
+              <a:t>First half, chapter slides</a:t>
+            </a:r>
           </a:p>
         </p:txBody>
       </p:sp>
@@ -7579,10 +7565,398 @@
           </a:prstGeom>
         </p:spPr>
       </p:pic>
+      <p:sp>
+        <p:nvSpPr>
+          <p:cNvPr id="13" name="TextBox 12"/>
+          <p:cNvSpPr txBox="1"/>
+          <p:nvPr/>
+        </p:nvSpPr>
+        <p:spPr>
+          <a:xfrm>
+            <a:off x="2175358" y="2646127"/>
+            <a:ext cx="5005769" cy="1477328"/>
+          </a:xfrm>
+          <a:prstGeom prst="rect">
+            <a:avLst/>
+          </a:prstGeom>
+          <a:noFill/>
+        </p:spPr>
+        <p:txBody>
+          <a:bodyPr wrap="square" rtlCol="0">
+            <a:spAutoFit/>
+          </a:bodyPr>
+          <a:lstStyle/>
+          <a:p>
+            <a:pPr algn="ctr"/>
+            <a:r>
+              <a:rPr lang="en-US" dirty="0" smtClean="0"/>
+              <a:t>Chapter </a:t>
+            </a:r>
+            <a:r>
+              <a:rPr lang="en-US" dirty="0"/>
+              <a:t>8</a:t>
+            </a:r>
+          </a:p>
+          <a:p>
+            <a:pPr algn="ctr"/>
+            <a:r>
+              <a:rPr lang="en-US" b="1" u="sng" dirty="0" smtClean="0"/>
+              <a:t>Effect Size &amp; Power Analysis</a:t>
+            </a:r>
+            <a:endParaRPr lang="en-US" dirty="0" smtClean="0"/>
+          </a:p>
+          <a:p>
+            <a:pPr algn="ctr"/>
+            <a:r>
+              <a:rPr lang="en-US" i="1" dirty="0" smtClean="0"/>
+              <a:t>Chapter slides</a:t>
+            </a:r>
+          </a:p>
+          <a:p>
+            <a:pPr algn="ctr"/>
+            <a:r>
+              <a:rPr lang="en-US" i="1" dirty="0" smtClean="0"/>
+              <a:t>Demo G*Power software</a:t>
+            </a:r>
+          </a:p>
+          <a:p>
+            <a:pPr algn="ctr"/>
+            <a:r>
+              <a:rPr lang="en-US" i="1" dirty="0" smtClean="0"/>
+              <a:t>Homework Help</a:t>
+            </a:r>
+          </a:p>
+        </p:txBody>
+      </p:sp>
     </p:spTree>
     <p:extLst>
       <p:ext uri="{BB962C8B-B14F-4D97-AF65-F5344CB8AC3E}">
-        <p14:creationId xmlns:p14="http://schemas.microsoft.com/office/powerpoint/2010/main" val="3019460125"/>
+        <p14:creationId xmlns:p14="http://schemas.microsoft.com/office/powerpoint/2010/main" val="3221510669"/>
+      </p:ext>
+    </p:extLst>
+  </p:cSld>
+  <p:clrMapOvr>
+    <a:masterClrMapping/>
+  </p:clrMapOvr>
+</p:sld>
+</file>
+
+<file path=ppt/slides/slide9.xml><?xml version="1.0" encoding="utf-8"?>
+<p:sld xmlns:a="http://schemas.openxmlformats.org/drawingml/2006/main" xmlns:r="http://schemas.openxmlformats.org/officeDocument/2006/relationships" xmlns:p="http://schemas.openxmlformats.org/presentationml/2006/main">
+  <p:cSld>
+    <p:spTree>
+      <p:nvGrpSpPr>
+        <p:cNvPr id="1" name=""/>
+        <p:cNvGrpSpPr/>
+        <p:nvPr/>
+      </p:nvGrpSpPr>
+      <p:grpSpPr>
+        <a:xfrm>
+          <a:off x="0" y="0"/>
+          <a:ext cx="0" cy="0"/>
+          <a:chOff x="0" y="0"/>
+          <a:chExt cx="0" cy="0"/>
+        </a:xfrm>
+      </p:grpSpPr>
+      <p:sp>
+        <p:nvSpPr>
+          <p:cNvPr id="4" name="Rectangle 3"/>
+          <p:cNvSpPr/>
+          <p:nvPr/>
+        </p:nvSpPr>
+        <p:spPr>
+          <a:xfrm>
+            <a:off x="1808702" y="824230"/>
+            <a:ext cx="8778240" cy="5010912"/>
+          </a:xfrm>
+          <a:prstGeom prst="rect">
+            <a:avLst/>
+          </a:prstGeom>
+          <a:solidFill>
+            <a:schemeClr val="bg1">
+              <a:lumMod val="95000"/>
+            </a:schemeClr>
+          </a:solidFill>
+          <a:ln w="38100"/>
+        </p:spPr>
+        <p:style>
+          <a:lnRef idx="2">
+            <a:schemeClr val="accent1">
+              <a:shade val="50000"/>
+            </a:schemeClr>
+          </a:lnRef>
+          <a:fillRef idx="1">
+            <a:schemeClr val="accent1"/>
+          </a:fillRef>
+          <a:effectRef idx="0">
+            <a:schemeClr val="accent1"/>
+          </a:effectRef>
+          <a:fontRef idx="minor">
+            <a:schemeClr val="lt1"/>
+          </a:fontRef>
+        </p:style>
+        <p:txBody>
+          <a:bodyPr rtlCol="0" anchor="ctr"/>
+          <a:lstStyle/>
+          <a:p>
+            <a:pPr algn="ctr"/>
+            <a:endParaRPr lang="en-US"/>
+          </a:p>
+        </p:txBody>
+      </p:sp>
+      <p:sp>
+        <p:nvSpPr>
+          <p:cNvPr id="7" name="TextBox 6"/>
+          <p:cNvSpPr txBox="1"/>
+          <p:nvPr/>
+        </p:nvSpPr>
+        <p:spPr>
+          <a:xfrm>
+            <a:off x="3840385" y="1213849"/>
+            <a:ext cx="5712369" cy="923330"/>
+          </a:xfrm>
+          <a:prstGeom prst="rect">
+            <a:avLst/>
+          </a:prstGeom>
+          <a:noFill/>
+        </p:spPr>
+        <p:txBody>
+          <a:bodyPr wrap="square" rtlCol="0">
+            <a:spAutoFit/>
+          </a:bodyPr>
+          <a:lstStyle/>
+          <a:p>
+            <a:r>
+              <a:rPr lang="en-US" sz="5400" dirty="0" smtClean="0"/>
+              <a:t>INCLASS LECTURES</a:t>
+            </a:r>
+            <a:endParaRPr lang="en-US" sz="5400" dirty="0"/>
+          </a:p>
+        </p:txBody>
+      </p:sp>
+      <p:sp>
+        <p:nvSpPr>
+          <p:cNvPr id="8" name="TextBox 7"/>
+          <p:cNvSpPr txBox="1"/>
+          <p:nvPr/>
+        </p:nvSpPr>
+        <p:spPr>
+          <a:xfrm>
+            <a:off x="7731444" y="5278932"/>
+            <a:ext cx="2076450" cy="369332"/>
+          </a:xfrm>
+          <a:prstGeom prst="rect">
+            <a:avLst/>
+          </a:prstGeom>
+          <a:noFill/>
+        </p:spPr>
+        <p:txBody>
+          <a:bodyPr wrap="square" rtlCol="0">
+            <a:spAutoFit/>
+          </a:bodyPr>
+          <a:lstStyle/>
+          <a:p>
+            <a:pPr algn="ctr"/>
+            <a:r>
+              <a:rPr lang="en-US" dirty="0" smtClean="0"/>
+              <a:t>Feb. 10, 2020</a:t>
+            </a:r>
+            <a:endParaRPr lang="en-US" dirty="0"/>
+          </a:p>
+        </p:txBody>
+      </p:sp>
+      <p:sp>
+        <p:nvSpPr>
+          <p:cNvPr id="9" name="TextBox 8"/>
+          <p:cNvSpPr txBox="1"/>
+          <p:nvPr/>
+        </p:nvSpPr>
+        <p:spPr>
+          <a:xfrm>
+            <a:off x="2035110" y="3043759"/>
+            <a:ext cx="5005769" cy="923330"/>
+          </a:xfrm>
+          <a:prstGeom prst="rect">
+            <a:avLst/>
+          </a:prstGeom>
+          <a:noFill/>
+        </p:spPr>
+        <p:txBody>
+          <a:bodyPr wrap="square" rtlCol="0">
+            <a:spAutoFit/>
+          </a:bodyPr>
+          <a:lstStyle/>
+          <a:p>
+            <a:pPr algn="ctr"/>
+            <a:r>
+              <a:rPr lang="en-US" dirty="0" smtClean="0"/>
+              <a:t>Chapter </a:t>
+            </a:r>
+            <a:r>
+              <a:rPr lang="en-US" dirty="0"/>
+              <a:t>7</a:t>
+            </a:r>
+          </a:p>
+          <a:p>
+            <a:pPr algn="ctr"/>
+            <a:r>
+              <a:rPr lang="en-US" b="1" u="sng" dirty="0"/>
+              <a:t>Independent Samples t-Test for </a:t>
+            </a:r>
+            <a:r>
+              <a:rPr lang="en-US" b="1" u="sng" dirty="0" smtClean="0"/>
+              <a:t>Means</a:t>
+            </a:r>
+          </a:p>
+          <a:p>
+            <a:pPr algn="ctr"/>
+            <a:r>
+              <a:rPr lang="en-US" i="1" dirty="0" smtClean="0"/>
+              <a:t>Mostly Homework Helps</a:t>
+            </a:r>
+            <a:endParaRPr lang="en-US" i="1" dirty="0"/>
+          </a:p>
+        </p:txBody>
+      </p:sp>
+      <p:grpSp>
+        <p:nvGrpSpPr>
+          <p:cNvPr id="14" name="Group 13"/>
+          <p:cNvGrpSpPr/>
+          <p:nvPr/>
+        </p:nvGrpSpPr>
+        <p:grpSpPr>
+          <a:xfrm>
+            <a:off x="7198839" y="2137179"/>
+            <a:ext cx="3141660" cy="3193339"/>
+            <a:chOff x="7047391" y="1961976"/>
+            <a:chExt cx="3141660" cy="3193339"/>
+          </a:xfrm>
+        </p:grpSpPr>
+        <p:pic>
+          <p:nvPicPr>
+            <p:cNvPr id="2" name="Picture 1"/>
+            <p:cNvPicPr>
+              <a:picLocks noChangeAspect="1"/>
+            </p:cNvPicPr>
+            <p:nvPr/>
+          </p:nvPicPr>
+          <p:blipFill>
+            <a:blip r:embed="rId2" cstate="print">
+              <a:extLst>
+                <a:ext uri="{28A0092B-C50C-407E-A947-70E740481C1C}">
+                  <a14:useLocalDpi xmlns:a14="http://schemas.microsoft.com/office/drawing/2010/main" val="0"/>
+                </a:ext>
+              </a:extLst>
+            </a:blip>
+            <a:stretch>
+              <a:fillRect/>
+            </a:stretch>
+          </p:blipFill>
+          <p:spPr>
+            <a:xfrm>
+              <a:off x="7047391" y="3320161"/>
+              <a:ext cx="1578867" cy="1828804"/>
+            </a:xfrm>
+            <a:prstGeom prst="rect">
+              <a:avLst/>
+            </a:prstGeom>
+          </p:spPr>
+        </p:pic>
+        <p:pic>
+          <p:nvPicPr>
+            <p:cNvPr id="3" name="Picture 2"/>
+            <p:cNvPicPr>
+              <a:picLocks noChangeAspect="1"/>
+            </p:cNvPicPr>
+            <p:nvPr/>
+          </p:nvPicPr>
+          <p:blipFill>
+            <a:blip r:embed="rId3" cstate="print">
+              <a:extLst>
+                <a:ext uri="{28A0092B-C50C-407E-A947-70E740481C1C}">
+                  <a14:useLocalDpi xmlns:a14="http://schemas.microsoft.com/office/drawing/2010/main" val="0"/>
+                </a:ext>
+              </a:extLst>
+            </a:blip>
+            <a:stretch>
+              <a:fillRect/>
+            </a:stretch>
+          </p:blipFill>
+          <p:spPr>
+            <a:xfrm>
+              <a:off x="7830475" y="1961976"/>
+              <a:ext cx="1578867" cy="1828804"/>
+            </a:xfrm>
+            <a:prstGeom prst="rect">
+              <a:avLst/>
+            </a:prstGeom>
+          </p:spPr>
+        </p:pic>
+        <p:pic>
+          <p:nvPicPr>
+            <p:cNvPr id="11" name="Picture 10"/>
+            <p:cNvPicPr>
+              <a:picLocks noChangeAspect="1"/>
+            </p:cNvPicPr>
+            <p:nvPr/>
+          </p:nvPicPr>
+          <p:blipFill>
+            <a:blip r:embed="rId4" cstate="print">
+              <a:extLst>
+                <a:ext uri="{28A0092B-C50C-407E-A947-70E740481C1C}">
+                  <a14:useLocalDpi xmlns:a14="http://schemas.microsoft.com/office/drawing/2010/main" val="0"/>
+                </a:ext>
+              </a:extLst>
+            </a:blip>
+            <a:stretch>
+              <a:fillRect/>
+            </a:stretch>
+          </p:blipFill>
+          <p:spPr>
+            <a:xfrm>
+              <a:off x="8610184" y="3326511"/>
+              <a:ext cx="1578867" cy="1828804"/>
+            </a:xfrm>
+            <a:prstGeom prst="rect">
+              <a:avLst/>
+            </a:prstGeom>
+          </p:spPr>
+        </p:pic>
+      </p:grpSp>
+      <p:pic>
+        <p:nvPicPr>
+          <p:cNvPr id="12" name="Picture 11"/>
+          <p:cNvPicPr>
+            <a:picLocks noChangeAspect="1"/>
+          </p:cNvPicPr>
+          <p:nvPr/>
+        </p:nvPicPr>
+        <p:blipFill>
+          <a:blip r:embed="rId5" cstate="print">
+            <a:extLst>
+              <a:ext uri="{28A0092B-C50C-407E-A947-70E740481C1C}">
+                <a14:useLocalDpi xmlns:a14="http://schemas.microsoft.com/office/drawing/2010/main" val="0"/>
+              </a:ext>
+            </a:extLst>
+          </a:blip>
+          <a:stretch>
+            <a:fillRect/>
+          </a:stretch>
+        </p:blipFill>
+        <p:spPr>
+          <a:xfrm>
+            <a:off x="2035110" y="1019593"/>
+            <a:ext cx="1578867" cy="1828804"/>
+          </a:xfrm>
+          <a:prstGeom prst="rect">
+            <a:avLst/>
+          </a:prstGeom>
+        </p:spPr>
+      </p:pic>
+    </p:spTree>
+    <p:extLst>
+      <p:ext uri="{BB962C8B-B14F-4D97-AF65-F5344CB8AC3E}">
+        <p14:creationId xmlns:p14="http://schemas.microsoft.com/office/powerpoint/2010/main" val="2916572011"/>
       </p:ext>
     </p:extLst>
   </p:cSld>

--- a/static/img/youtube_thumbnails/video_thumbnail_building.pptx
+++ b/static/img/youtube_thumbnails/video_thumbnail_building.pptx
@@ -5,21 +5,23 @@
     <p:sldMasterId id="2147483648" r:id="rId1"/>
   </p:sldMasterIdLst>
   <p:sldIdLst>
-    <p:sldId id="270" r:id="rId2"/>
-    <p:sldId id="259" r:id="rId3"/>
-    <p:sldId id="261" r:id="rId4"/>
-    <p:sldId id="260" r:id="rId5"/>
-    <p:sldId id="269" r:id="rId6"/>
-    <p:sldId id="268" r:id="rId7"/>
-    <p:sldId id="267" r:id="rId8"/>
-    <p:sldId id="266" r:id="rId9"/>
-    <p:sldId id="265" r:id="rId10"/>
-    <p:sldId id="264" r:id="rId11"/>
-    <p:sldId id="263" r:id="rId12"/>
-    <p:sldId id="262" r:id="rId13"/>
-    <p:sldId id="257" r:id="rId14"/>
-    <p:sldId id="256" r:id="rId15"/>
-    <p:sldId id="258" r:id="rId16"/>
+    <p:sldId id="272" r:id="rId2"/>
+    <p:sldId id="271" r:id="rId3"/>
+    <p:sldId id="270" r:id="rId4"/>
+    <p:sldId id="259" r:id="rId5"/>
+    <p:sldId id="261" r:id="rId6"/>
+    <p:sldId id="260" r:id="rId7"/>
+    <p:sldId id="269" r:id="rId8"/>
+    <p:sldId id="268" r:id="rId9"/>
+    <p:sldId id="267" r:id="rId10"/>
+    <p:sldId id="266" r:id="rId11"/>
+    <p:sldId id="265" r:id="rId12"/>
+    <p:sldId id="264" r:id="rId13"/>
+    <p:sldId id="263" r:id="rId14"/>
+    <p:sldId id="262" r:id="rId15"/>
+    <p:sldId id="257" r:id="rId16"/>
+    <p:sldId id="256" r:id="rId17"/>
+    <p:sldId id="258" r:id="rId18"/>
   </p:sldIdLst>
   <p:sldSz cx="12192000" cy="6858000"/>
   <p:notesSz cx="6858000" cy="9144000"/>
@@ -257,7 +259,7 @@
           <a:p>
             <a:fld id="{3C68F153-927F-4ADA-A90F-AFD816292B90}" type="datetimeFigureOut">
               <a:rPr lang="en-US" smtClean="0"/>
-              <a:t>3/23/2020</a:t>
+              <a:t>3/25/2020</a:t>
             </a:fld>
             <a:endParaRPr lang="en-US"/>
           </a:p>
@@ -427,7 +429,7 @@
           <a:p>
             <a:fld id="{3C68F153-927F-4ADA-A90F-AFD816292B90}" type="datetimeFigureOut">
               <a:rPr lang="en-US" smtClean="0"/>
-              <a:t>3/23/2020</a:t>
+              <a:t>3/25/2020</a:t>
             </a:fld>
             <a:endParaRPr lang="en-US"/>
           </a:p>
@@ -607,7 +609,7 @@
           <a:p>
             <a:fld id="{3C68F153-927F-4ADA-A90F-AFD816292B90}" type="datetimeFigureOut">
               <a:rPr lang="en-US" smtClean="0"/>
-              <a:t>3/23/2020</a:t>
+              <a:t>3/25/2020</a:t>
             </a:fld>
             <a:endParaRPr lang="en-US"/>
           </a:p>
@@ -777,7 +779,7 @@
           <a:p>
             <a:fld id="{3C68F153-927F-4ADA-A90F-AFD816292B90}" type="datetimeFigureOut">
               <a:rPr lang="en-US" smtClean="0"/>
-              <a:t>3/23/2020</a:t>
+              <a:t>3/25/2020</a:t>
             </a:fld>
             <a:endParaRPr lang="en-US"/>
           </a:p>
@@ -1023,7 +1025,7 @@
           <a:p>
             <a:fld id="{3C68F153-927F-4ADA-A90F-AFD816292B90}" type="datetimeFigureOut">
               <a:rPr lang="en-US" smtClean="0"/>
-              <a:t>3/23/2020</a:t>
+              <a:t>3/25/2020</a:t>
             </a:fld>
             <a:endParaRPr lang="en-US"/>
           </a:p>
@@ -1255,7 +1257,7 @@
           <a:p>
             <a:fld id="{3C68F153-927F-4ADA-A90F-AFD816292B90}" type="datetimeFigureOut">
               <a:rPr lang="en-US" smtClean="0"/>
-              <a:t>3/23/2020</a:t>
+              <a:t>3/25/2020</a:t>
             </a:fld>
             <a:endParaRPr lang="en-US"/>
           </a:p>
@@ -1622,7 +1624,7 @@
           <a:p>
             <a:fld id="{3C68F153-927F-4ADA-A90F-AFD816292B90}" type="datetimeFigureOut">
               <a:rPr lang="en-US" smtClean="0"/>
-              <a:t>3/23/2020</a:t>
+              <a:t>3/25/2020</a:t>
             </a:fld>
             <a:endParaRPr lang="en-US"/>
           </a:p>
@@ -1740,7 +1742,7 @@
           <a:p>
             <a:fld id="{3C68F153-927F-4ADA-A90F-AFD816292B90}" type="datetimeFigureOut">
               <a:rPr lang="en-US" smtClean="0"/>
-              <a:t>3/23/2020</a:t>
+              <a:t>3/25/2020</a:t>
             </a:fld>
             <a:endParaRPr lang="en-US"/>
           </a:p>
@@ -1835,7 +1837,7 @@
           <a:p>
             <a:fld id="{3C68F153-927F-4ADA-A90F-AFD816292B90}" type="datetimeFigureOut">
               <a:rPr lang="en-US" smtClean="0"/>
-              <a:t>3/23/2020</a:t>
+              <a:t>3/25/2020</a:t>
             </a:fld>
             <a:endParaRPr lang="en-US"/>
           </a:p>
@@ -2112,7 +2114,7 @@
           <a:p>
             <a:fld id="{3C68F153-927F-4ADA-A90F-AFD816292B90}" type="datetimeFigureOut">
               <a:rPr lang="en-US" smtClean="0"/>
-              <a:t>3/23/2020</a:t>
+              <a:t>3/25/2020</a:t>
             </a:fld>
             <a:endParaRPr lang="en-US"/>
           </a:p>
@@ -2365,7 +2367,7 @@
           <a:p>
             <a:fld id="{3C68F153-927F-4ADA-A90F-AFD816292B90}" type="datetimeFigureOut">
               <a:rPr lang="en-US" smtClean="0"/>
-              <a:t>3/23/2020</a:t>
+              <a:t>3/25/2020</a:t>
             </a:fld>
             <a:endParaRPr lang="en-US"/>
           </a:p>
@@ -2578,7 +2580,7 @@
           <a:p>
             <a:fld id="{3C68F153-927F-4ADA-A90F-AFD816292B90}" type="datetimeFigureOut">
               <a:rPr lang="en-US" smtClean="0"/>
-              <a:t>3/23/2020</a:t>
+              <a:t>3/25/2020</a:t>
             </a:fld>
             <a:endParaRPr lang="en-US"/>
           </a:p>
@@ -2991,7 +2993,7 @@
         </p:nvSpPr>
         <p:spPr>
           <a:xfrm>
-            <a:off x="1808702" y="824230"/>
+            <a:off x="1853580" y="824230"/>
             <a:ext cx="8778240" cy="5010912"/>
           </a:xfrm>
           <a:prstGeom prst="rect">
@@ -3037,7 +3039,7 @@
         </p:nvSpPr>
         <p:spPr>
           <a:xfrm>
-            <a:off x="4184694" y="1065121"/>
+            <a:off x="3838696" y="1056832"/>
             <a:ext cx="5712369" cy="1754326"/>
           </a:xfrm>
           <a:prstGeom prst="rect">
@@ -3053,7 +3055,14 @@
           <a:p>
             <a:r>
               <a:rPr lang="en-US" sz="5400" dirty="0" smtClean="0"/>
-              <a:t>OUT-OF-CLASS LECTURES</a:t>
+              <a:t>Virtual </a:t>
+            </a:r>
+            <a:endParaRPr lang="en-US" sz="5400" dirty="0" smtClean="0"/>
+          </a:p>
+          <a:p>
+            <a:r>
+              <a:rPr lang="en-US" sz="5400" dirty="0" smtClean="0"/>
+              <a:t>Office Hours</a:t>
             </a:r>
             <a:endParaRPr lang="en-US" sz="5400" dirty="0"/>
           </a:p>
@@ -3088,7 +3097,7 @@
             </a:r>
             <a:r>
               <a:rPr lang="en-US" dirty="0" smtClean="0"/>
-              <a:t> 23, </a:t>
+              <a:t> 25, </a:t>
             </a:r>
             <a:r>
               <a:rPr lang="en-US" dirty="0" smtClean="0"/>
@@ -3106,7 +3115,7 @@
         </p:nvSpPr>
         <p:spPr>
           <a:xfrm>
-            <a:off x="2035110" y="3043759"/>
+            <a:off x="2023325" y="2848397"/>
             <a:ext cx="5005769" cy="1200329"/>
           </a:xfrm>
           <a:prstGeom prst="rect">
@@ -3123,11 +3132,11 @@
             <a:pPr algn="ctr"/>
             <a:r>
               <a:rPr lang="en-US" dirty="0" smtClean="0"/>
-              <a:t>Chapter </a:t>
+              <a:t>HW 13</a:t>
             </a:r>
             <a:r>
               <a:rPr lang="en-US" dirty="0" smtClean="0"/>
-              <a:t>13</a:t>
+              <a:t> </a:t>
             </a:r>
             <a:endParaRPr lang="en-US" dirty="0"/>
           </a:p>
@@ -3135,25 +3144,21 @@
             <a:pPr algn="ctr"/>
             <a:r>
               <a:rPr lang="en-US" b="1" u="sng" dirty="0" smtClean="0"/>
-              <a:t>Multiple Comparisons Procedures</a:t>
-            </a:r>
-            <a:endParaRPr lang="en-US" b="1" u="sng" dirty="0"/>
-          </a:p>
-          <a:p>
-            <a:pPr algn="ctr"/>
-            <a:r>
-              <a:rPr lang="en-US" i="1" dirty="0" smtClean="0"/>
-              <a:t>Lecture slides </a:t>
-            </a:r>
-            <a:endParaRPr lang="en-US" i="1" dirty="0" smtClean="0"/>
-          </a:p>
-          <a:p>
-            <a:pPr algn="ctr"/>
-            <a:r>
-              <a:rPr lang="en-US" i="1" dirty="0" smtClean="0"/>
-              <a:t>(excludes linear contrast statements)</a:t>
-            </a:r>
-            <a:endParaRPr lang="en-US" i="1" dirty="0"/>
+              <a:t>Multiple Comparisons: pairwise &amp; linear contrasts</a:t>
+            </a:r>
+            <a:endParaRPr lang="en-US" b="1" u="sng" dirty="0" smtClean="0"/>
+          </a:p>
+          <a:p>
+            <a:pPr algn="ctr"/>
+            <a:r>
+              <a:rPr lang="en-US" dirty="0" smtClean="0"/>
+              <a:t>Items # 5 &amp; 6</a:t>
+            </a:r>
+            <a:endParaRPr lang="en-US" dirty="0" smtClean="0"/>
+          </a:p>
+          <a:p>
+            <a:pPr algn="ctr"/>
+            <a:endParaRPr lang="en-US" b="1" dirty="0"/>
           </a:p>
         </p:txBody>
       </p:sp>
@@ -3292,94 +3297,89 @@
           </a:prstGeom>
         </p:spPr>
       </p:pic>
+      <p:sp>
+        <p:nvSpPr>
+          <p:cNvPr id="13" name="TextBox 12"/>
+          <p:cNvSpPr txBox="1"/>
+          <p:nvPr/>
+        </p:nvSpPr>
+        <p:spPr>
+          <a:xfrm>
+            <a:off x="2023324" y="3965983"/>
+            <a:ext cx="5005769" cy="1200329"/>
+          </a:xfrm>
+          <a:prstGeom prst="rect">
+            <a:avLst/>
+          </a:prstGeom>
+          <a:noFill/>
+        </p:spPr>
+        <p:txBody>
+          <a:bodyPr wrap="square" rtlCol="0">
+            <a:spAutoFit/>
+          </a:bodyPr>
+          <a:lstStyle/>
+          <a:p>
+            <a:pPr algn="ctr"/>
+            <a:r>
+              <a:rPr lang="en-US" dirty="0" smtClean="0"/>
+              <a:t>HW 12</a:t>
+            </a:r>
+            <a:r>
+              <a:rPr lang="en-US" dirty="0" smtClean="0"/>
+              <a:t> </a:t>
+            </a:r>
+            <a:endParaRPr lang="en-US" dirty="0"/>
+          </a:p>
+          <a:p>
+            <a:pPr algn="ctr"/>
+            <a:r>
+              <a:rPr lang="en-US" b="1" u="sng" dirty="0" smtClean="0"/>
+              <a:t>One-way, independent groups ANOVA</a:t>
+            </a:r>
+            <a:endParaRPr lang="en-US" b="1" u="sng" dirty="0" smtClean="0"/>
+          </a:p>
+          <a:p>
+            <a:pPr algn="ctr"/>
+            <a:r>
+              <a:rPr lang="en-US" dirty="0" smtClean="0"/>
+              <a:t>Items with APA methods/results</a:t>
+            </a:r>
+            <a:endParaRPr lang="en-US" dirty="0" smtClean="0"/>
+          </a:p>
+          <a:p>
+            <a:pPr algn="ctr"/>
+            <a:endParaRPr lang="en-US" b="1" dirty="0"/>
+          </a:p>
+        </p:txBody>
+      </p:sp>
       <p:pic>
         <p:nvPicPr>
-          <p:cNvPr id="1026" name="Picture 2" descr="Image result for virus"/>
+          <p:cNvPr id="5" name="Picture 4"/>
           <p:cNvPicPr>
-            <a:picLocks noChangeAspect="1" noChangeArrowheads="1"/>
+            <a:picLocks noChangeAspect="1"/>
           </p:cNvPicPr>
           <p:nvPr/>
         </p:nvPicPr>
         <p:blipFill>
-          <a:blip r:embed="rId6" cstate="print">
-            <a:extLst>
-              <a:ext uri="{28A0092B-C50C-407E-A947-70E740481C1C}">
-                <a14:useLocalDpi xmlns:a14="http://schemas.microsoft.com/office/drawing/2010/main" val="0"/>
-              </a:ext>
-            </a:extLst>
-          </a:blip>
-          <a:srcRect/>
+          <a:blip r:embed="rId6"/>
           <a:stretch>
             <a:fillRect/>
           </a:stretch>
         </p:blipFill>
-        <p:spPr bwMode="auto">
-          <a:xfrm>
-            <a:off x="1908176" y="4866721"/>
-            <a:ext cx="825034" cy="824421"/>
-          </a:xfrm>
-          <a:prstGeom prst="rect">
-            <a:avLst/>
-          </a:prstGeom>
-          <a:noFill/>
-          <a:extLst>
-            <a:ext uri="{909E8E84-426E-40DD-AFC4-6F175D3DCCD1}">
-              <a14:hiddenFill xmlns:a14="http://schemas.microsoft.com/office/drawing/2010/main">
-                <a:solidFill>
-                  <a:srgbClr val="FFFFFF"/>
-                </a:solidFill>
-              </a14:hiddenFill>
-            </a:ext>
-          </a:extLst>
+        <p:spPr>
+          <a:xfrm>
+            <a:off x="1985351" y="4872564"/>
+            <a:ext cx="1853345" cy="853514"/>
+          </a:xfrm>
+          <a:prstGeom prst="rect">
+            <a:avLst/>
+          </a:prstGeom>
         </p:spPr>
       </p:pic>
-      <p:sp>
-        <p:nvSpPr>
-          <p:cNvPr id="13" name="TextBox 12"/>
-          <p:cNvSpPr txBox="1"/>
-          <p:nvPr/>
-        </p:nvSpPr>
-        <p:spPr>
-          <a:xfrm>
-            <a:off x="2524444" y="5254195"/>
-            <a:ext cx="1238954" cy="369332"/>
-          </a:xfrm>
-          <a:prstGeom prst="rect">
-            <a:avLst/>
-          </a:prstGeom>
-          <a:noFill/>
-        </p:spPr>
-        <p:txBody>
-          <a:bodyPr wrap="square" rtlCol="0">
-            <a:spAutoFit/>
-          </a:bodyPr>
-          <a:lstStyle/>
-          <a:p>
-            <a:pPr algn="ctr"/>
-            <a:r>
-              <a:rPr lang="en-US" b="1" dirty="0" smtClean="0">
-                <a:solidFill>
-                  <a:schemeClr val="accent1">
-                    <a:lumMod val="75000"/>
-                  </a:schemeClr>
-                </a:solidFill>
-              </a:rPr>
-              <a:t>Covid-19</a:t>
-            </a:r>
-            <a:endParaRPr lang="en-US" b="1" dirty="0">
-              <a:solidFill>
-                <a:schemeClr val="accent1">
-                  <a:lumMod val="75000"/>
-                </a:schemeClr>
-              </a:solidFill>
-            </a:endParaRPr>
-          </a:p>
-        </p:txBody>
-      </p:sp>
     </p:spTree>
     <p:extLst>
       <p:ext uri="{BB962C8B-B14F-4D97-AF65-F5344CB8AC3E}">
-        <p14:creationId xmlns:p14="http://schemas.microsoft.com/office/powerpoint/2010/main" val="911328323"/>
+        <p14:creationId xmlns:p14="http://schemas.microsoft.com/office/powerpoint/2010/main" val="636154248"/>
       </p:ext>
     </p:extLst>
   </p:cSld>
@@ -3507,7 +3507,7 @@
             <a:pPr algn="ctr"/>
             <a:r>
               <a:rPr lang="en-US" dirty="0" smtClean="0"/>
-              <a:t>Feb. 5, 2020</a:t>
+              <a:t>Feb. 12, 2020</a:t>
             </a:r>
             <a:endParaRPr lang="en-US" dirty="0"/>
           </a:p>
@@ -3521,8 +3521,8 @@
         </p:nvSpPr>
         <p:spPr>
           <a:xfrm>
-            <a:off x="2035110" y="3043759"/>
-            <a:ext cx="5005769" cy="1477328"/>
+            <a:off x="2175357" y="4235713"/>
+            <a:ext cx="5005769" cy="923330"/>
           </a:xfrm>
           <a:prstGeom prst="rect">
             <a:avLst/>
@@ -3542,39 +3542,23 @@
             </a:r>
             <a:r>
               <a:rPr lang="en-US" dirty="0"/>
-              <a:t>6</a:t>
+              <a:t>9</a:t>
             </a:r>
           </a:p>
           <a:p>
             <a:pPr algn="ctr"/>
             <a:r>
               <a:rPr lang="en-US" b="1" u="sng" dirty="0" smtClean="0"/>
-              <a:t>Confidence Interval Estimation: The t Distribution</a:t>
-            </a:r>
-            <a:endParaRPr lang="en-US" b="1" u="sng" dirty="0"/>
+              <a:t>Correlation</a:t>
+            </a:r>
+            <a:endParaRPr lang="en-US" dirty="0" smtClean="0"/>
           </a:p>
           <a:p>
             <a:pPr algn="ctr"/>
             <a:r>
               <a:rPr lang="en-US" i="1" dirty="0" smtClean="0"/>
-              <a:t>Lecture slides</a:t>
-            </a:r>
-            <a:endParaRPr lang="en-US" i="1" dirty="0"/>
-          </a:p>
-          <a:p>
-            <a:pPr algn="ctr"/>
-            <a:r>
-              <a:rPr lang="en-US" i="1" dirty="0" smtClean="0"/>
-              <a:t>(second half)</a:t>
-            </a:r>
-          </a:p>
-          <a:p>
-            <a:pPr algn="ctr"/>
-            <a:r>
-              <a:rPr lang="en-US" i="1" dirty="0" smtClean="0"/>
-              <a:t>Homework Helps</a:t>
-            </a:r>
-            <a:endParaRPr lang="en-US" i="1" dirty="0"/>
+              <a:t>First half, chapter slides</a:t>
+            </a:r>
           </a:p>
         </p:txBody>
       </p:sp>
@@ -3713,10 +3697,73 @@
           </a:prstGeom>
         </p:spPr>
       </p:pic>
+      <p:sp>
+        <p:nvSpPr>
+          <p:cNvPr id="13" name="TextBox 12"/>
+          <p:cNvSpPr txBox="1"/>
+          <p:nvPr/>
+        </p:nvSpPr>
+        <p:spPr>
+          <a:xfrm>
+            <a:off x="2175358" y="2646127"/>
+            <a:ext cx="5005769" cy="1477328"/>
+          </a:xfrm>
+          <a:prstGeom prst="rect">
+            <a:avLst/>
+          </a:prstGeom>
+          <a:noFill/>
+        </p:spPr>
+        <p:txBody>
+          <a:bodyPr wrap="square" rtlCol="0">
+            <a:spAutoFit/>
+          </a:bodyPr>
+          <a:lstStyle/>
+          <a:p>
+            <a:pPr algn="ctr"/>
+            <a:r>
+              <a:rPr lang="en-US" dirty="0" smtClean="0"/>
+              <a:t>Chapter </a:t>
+            </a:r>
+            <a:r>
+              <a:rPr lang="en-US" dirty="0"/>
+              <a:t>8</a:t>
+            </a:r>
+          </a:p>
+          <a:p>
+            <a:pPr algn="ctr"/>
+            <a:r>
+              <a:rPr lang="en-US" b="1" u="sng" dirty="0" smtClean="0"/>
+              <a:t>Effect Size &amp; Power Analysis</a:t>
+            </a:r>
+            <a:endParaRPr lang="en-US" dirty="0" smtClean="0"/>
+          </a:p>
+          <a:p>
+            <a:pPr algn="ctr"/>
+            <a:r>
+              <a:rPr lang="en-US" i="1" dirty="0" smtClean="0"/>
+              <a:t>Chapter slides</a:t>
+            </a:r>
+          </a:p>
+          <a:p>
+            <a:pPr algn="ctr"/>
+            <a:r>
+              <a:rPr lang="en-US" i="1" dirty="0" smtClean="0"/>
+              <a:t>Demo G*Power software</a:t>
+            </a:r>
+          </a:p>
+          <a:p>
+            <a:pPr algn="ctr"/>
+            <a:r>
+              <a:rPr lang="en-US" i="1" dirty="0" smtClean="0"/>
+              <a:t>Homework Help</a:t>
+            </a:r>
+          </a:p>
+        </p:txBody>
+      </p:sp>
     </p:spTree>
     <p:extLst>
       <p:ext uri="{BB962C8B-B14F-4D97-AF65-F5344CB8AC3E}">
-        <p14:creationId xmlns:p14="http://schemas.microsoft.com/office/powerpoint/2010/main" val="3019460125"/>
+        <p14:creationId xmlns:p14="http://schemas.microsoft.com/office/powerpoint/2010/main" val="3221510669"/>
       </p:ext>
     </p:extLst>
   </p:cSld>
@@ -3844,7 +3891,7 @@
             <a:pPr algn="ctr"/>
             <a:r>
               <a:rPr lang="en-US" dirty="0" smtClean="0"/>
-              <a:t>Feb. 5, 2020</a:t>
+              <a:t>Feb. 10, 2020</a:t>
             </a:r>
             <a:endParaRPr lang="en-US" dirty="0"/>
           </a:p>
@@ -3859,7 +3906,7 @@
         <p:spPr>
           <a:xfrm>
             <a:off x="2035110" y="3043759"/>
-            <a:ext cx="5005769" cy="1477328"/>
+            <a:ext cx="5005769" cy="923330"/>
           </a:xfrm>
           <a:prstGeom prst="rect">
             <a:avLst/>
@@ -3879,37 +3926,25 @@
             </a:r>
             <a:r>
               <a:rPr lang="en-US" dirty="0"/>
-              <a:t>6</a:t>
-            </a:r>
-          </a:p>
-          <a:p>
-            <a:pPr algn="ctr"/>
+              <a:t>7</a:t>
+            </a:r>
+          </a:p>
+          <a:p>
+            <a:pPr algn="ctr"/>
+            <a:r>
+              <a:rPr lang="en-US" b="1" u="sng" dirty="0"/>
+              <a:t>Independent Samples t-Test for </a:t>
+            </a:r>
             <a:r>
               <a:rPr lang="en-US" b="1" u="sng" dirty="0" smtClean="0"/>
-              <a:t>Confidence Interval Estimation: The t Distribution</a:t>
-            </a:r>
-            <a:endParaRPr lang="en-US" b="1" u="sng" dirty="0"/>
+              <a:t>Means</a:t>
+            </a:r>
           </a:p>
           <a:p>
             <a:pPr algn="ctr"/>
             <a:r>
               <a:rPr lang="en-US" i="1" dirty="0" smtClean="0"/>
-              <a:t>Lecture slides</a:t>
-            </a:r>
-            <a:endParaRPr lang="en-US" i="1" dirty="0"/>
-          </a:p>
-          <a:p>
-            <a:pPr algn="ctr"/>
-            <a:r>
-              <a:rPr lang="en-US" i="1" dirty="0" smtClean="0"/>
-              <a:t>(second half)</a:t>
-            </a:r>
-          </a:p>
-          <a:p>
-            <a:pPr algn="ctr"/>
-            <a:r>
-              <a:rPr lang="en-US" i="1" dirty="0" smtClean="0"/>
-              <a:t>Homework Helps</a:t>
+              <a:t>Mostly Homework Helps</a:t>
             </a:r>
             <a:endParaRPr lang="en-US" i="1" dirty="0"/>
           </a:p>
@@ -4053,7 +4088,7 @@
     </p:spTree>
     <p:extLst>
       <p:ext uri="{BB962C8B-B14F-4D97-AF65-F5344CB8AC3E}">
-        <p14:creationId xmlns:p14="http://schemas.microsoft.com/office/powerpoint/2010/main" val="4154058086"/>
+        <p14:creationId xmlns:p14="http://schemas.microsoft.com/office/powerpoint/2010/main" val="2916572011"/>
       </p:ext>
     </p:extLst>
   </p:cSld>
@@ -4181,7 +4216,7 @@
             <a:pPr algn="ctr"/>
             <a:r>
               <a:rPr lang="en-US" dirty="0" smtClean="0"/>
-              <a:t>Feb. 3, 2020</a:t>
+              <a:t>Feb. 5, 2020</a:t>
             </a:r>
             <a:endParaRPr lang="en-US" dirty="0"/>
           </a:p>
@@ -4196,7 +4231,7 @@
         <p:spPr>
           <a:xfrm>
             <a:off x="2035110" y="3043759"/>
-            <a:ext cx="5005769" cy="2585323"/>
+            <a:ext cx="5005769" cy="1477328"/>
           </a:xfrm>
           <a:prstGeom prst="rect">
             <a:avLst/>
@@ -4211,50 +4246,12 @@
           <a:p>
             <a:pPr algn="ctr"/>
             <a:r>
+              <a:rPr lang="en-US" dirty="0" smtClean="0"/>
+              <a:t>Chapter </a:t>
+            </a:r>
+            <a:r>
               <a:rPr lang="en-US" dirty="0"/>
-              <a:t>Chapter </a:t>
-            </a:r>
-            <a:r>
-              <a:rPr lang="en-US" dirty="0" smtClean="0"/>
-              <a:t>5</a:t>
-            </a:r>
-            <a:endParaRPr lang="en-US" dirty="0"/>
-          </a:p>
-          <a:p>
-            <a:pPr algn="ctr"/>
-            <a:r>
-              <a:rPr lang="en-US" b="1" u="sng" dirty="0" smtClean="0"/>
-              <a:t>Intro to Hypothesis Testing: 1 sample z-Test</a:t>
-            </a:r>
-            <a:endParaRPr lang="en-US" b="1" u="sng" dirty="0"/>
-          </a:p>
-          <a:p>
-            <a:pPr algn="ctr"/>
-            <a:r>
-              <a:rPr lang="en-US" i="1" dirty="0" smtClean="0"/>
-              <a:t>Finish </a:t>
-            </a:r>
-            <a:r>
-              <a:rPr lang="en-US" i="1" dirty="0"/>
-              <a:t>discussion</a:t>
-            </a:r>
-          </a:p>
-          <a:p>
-            <a:pPr algn="ctr"/>
-            <a:r>
-              <a:rPr lang="en-US" i="1" dirty="0"/>
-              <a:t>Homework questions</a:t>
-            </a:r>
-          </a:p>
-          <a:p>
-            <a:pPr algn="ctr"/>
-            <a:endParaRPr lang="en-US" i="1" dirty="0"/>
-          </a:p>
-          <a:p>
-            <a:pPr algn="ctr"/>
-            <a:r>
-              <a:rPr lang="en-US" dirty="0"/>
-              <a:t>Chapter 6</a:t>
+              <a:t>6</a:t>
             </a:r>
           </a:p>
           <a:p>
@@ -4277,7 +4274,14 @@
             <a:pPr algn="ctr"/>
             <a:r>
               <a:rPr lang="en-US" i="1" dirty="0" smtClean="0"/>
-              <a:t>(first half)</a:t>
+              <a:t>(second half)</a:t>
+            </a:r>
+          </a:p>
+          <a:p>
+            <a:pPr algn="ctr"/>
+            <a:r>
+              <a:rPr lang="en-US" i="1" dirty="0" smtClean="0"/>
+              <a:t>Homework Helps</a:t>
             </a:r>
             <a:endParaRPr lang="en-US" i="1" dirty="0"/>
           </a:p>
@@ -4421,7 +4425,7 @@
     </p:spTree>
     <p:extLst>
       <p:ext uri="{BB962C8B-B14F-4D97-AF65-F5344CB8AC3E}">
-        <p14:creationId xmlns:p14="http://schemas.microsoft.com/office/powerpoint/2010/main" val="1136618621"/>
+        <p14:creationId xmlns:p14="http://schemas.microsoft.com/office/powerpoint/2010/main" val="3019460125"/>
       </p:ext>
     </p:extLst>
   </p:cSld>
@@ -4549,7 +4553,7 @@
             <a:pPr algn="ctr"/>
             <a:r>
               <a:rPr lang="en-US" dirty="0" smtClean="0"/>
-              <a:t>Jan. 22, 2020</a:t>
+              <a:t>Feb. 5, 2020</a:t>
             </a:r>
             <a:endParaRPr lang="en-US" dirty="0"/>
           </a:p>
@@ -4564,7 +4568,7 @@
         <p:spPr>
           <a:xfrm>
             <a:off x="2035110" y="3043759"/>
-            <a:ext cx="5005769" cy="2585323"/>
+            <a:ext cx="5005769" cy="1477328"/>
           </a:xfrm>
           <a:prstGeom prst="rect">
             <a:avLst/>
@@ -4579,56 +4583,19 @@
           <a:p>
             <a:pPr algn="ctr"/>
             <a:r>
+              <a:rPr lang="en-US" dirty="0" smtClean="0"/>
+              <a:t>Chapter </a:t>
+            </a:r>
+            <a:r>
               <a:rPr lang="en-US" dirty="0"/>
-              <a:t>Chapter 3</a:t>
-            </a:r>
-          </a:p>
-          <a:p>
-            <a:pPr algn="ctr"/>
-            <a:r>
-              <a:rPr lang="en-US" b="1" u="sng" dirty="0"/>
-              <a:t>Variable/Scale, Rounding &amp; Summation</a:t>
-            </a:r>
-          </a:p>
-          <a:p>
-            <a:pPr algn="ctr"/>
-            <a:r>
-              <a:rPr lang="en-US" i="1" dirty="0" smtClean="0"/>
-              <a:t>Finish </a:t>
-            </a:r>
-            <a:r>
-              <a:rPr lang="en-US" i="1" dirty="0"/>
-              <a:t>discussion</a:t>
-            </a:r>
-          </a:p>
-          <a:p>
-            <a:pPr algn="ctr"/>
-            <a:r>
-              <a:rPr lang="en-US" i="1" dirty="0"/>
-              <a:t>Homework questions</a:t>
-            </a:r>
-          </a:p>
-          <a:p>
-            <a:pPr algn="ctr"/>
-            <a:endParaRPr lang="en-US" i="1" dirty="0"/>
-          </a:p>
-          <a:p>
-            <a:pPr algn="ctr"/>
-            <a:r>
-              <a:rPr lang="en-US" dirty="0"/>
-              <a:t>Chapter </a:t>
-            </a:r>
-            <a:r>
-              <a:rPr lang="en-US" dirty="0" smtClean="0"/>
-              <a:t>4</a:t>
-            </a:r>
-            <a:endParaRPr lang="en-US" dirty="0"/>
+              <a:t>6</a:t>
+            </a:r>
           </a:p>
           <a:p>
             <a:pPr algn="ctr"/>
             <a:r>
               <a:rPr lang="en-US" b="1" u="sng" dirty="0" smtClean="0"/>
-              <a:t>Standardized Scores &amp; the Normal Distribution</a:t>
+              <a:t>Confidence Interval Estimation: The t Distribution</a:t>
             </a:r>
             <a:endParaRPr lang="en-US" b="1" u="sng" dirty="0"/>
           </a:p>
@@ -4644,7 +4611,14 @@
             <a:pPr algn="ctr"/>
             <a:r>
               <a:rPr lang="en-US" i="1" dirty="0" smtClean="0"/>
-              <a:t>(first half)</a:t>
+              <a:t>(second half)</a:t>
+            </a:r>
+          </a:p>
+          <a:p>
+            <a:pPr algn="ctr"/>
+            <a:r>
+              <a:rPr lang="en-US" i="1" dirty="0" smtClean="0"/>
+              <a:t>Homework Helps</a:t>
             </a:r>
             <a:endParaRPr lang="en-US" i="1" dirty="0"/>
           </a:p>
@@ -4788,7 +4762,7 @@
     </p:spTree>
     <p:extLst>
       <p:ext uri="{BB962C8B-B14F-4D97-AF65-F5344CB8AC3E}">
-        <p14:creationId xmlns:p14="http://schemas.microsoft.com/office/powerpoint/2010/main" val="2900019700"/>
+        <p14:creationId xmlns:p14="http://schemas.microsoft.com/office/powerpoint/2010/main" val="4154058086"/>
       </p:ext>
     </p:extLst>
   </p:cSld>
@@ -4916,7 +4890,7 @@
             <a:pPr algn="ctr"/>
             <a:r>
               <a:rPr lang="en-US" dirty="0" smtClean="0"/>
-              <a:t>Jan. 15, 2020</a:t>
+              <a:t>Feb. 3, 2020</a:t>
             </a:r>
             <a:endParaRPr lang="en-US" dirty="0"/>
           </a:p>
@@ -4930,8 +4904,8 @@
         </p:nvSpPr>
         <p:spPr>
           <a:xfrm>
-            <a:off x="2318419" y="3043759"/>
-            <a:ext cx="4212906" cy="2585323"/>
+            <a:off x="2035110" y="3043759"/>
+            <a:ext cx="5005769" cy="2585323"/>
           </a:xfrm>
           <a:prstGeom prst="rect">
             <a:avLst/>
@@ -4946,48 +4920,59 @@
           <a:p>
             <a:pPr algn="ctr"/>
             <a:r>
+              <a:rPr lang="en-US" dirty="0"/>
+              <a:t>Chapter </a:t>
+            </a:r>
+            <a:r>
               <a:rPr lang="en-US" dirty="0" smtClean="0"/>
-              <a:t>Chapter 1</a:t>
-            </a:r>
+              <a:t>5</a:t>
+            </a:r>
+            <a:endParaRPr lang="en-US" dirty="0"/>
           </a:p>
           <a:p>
             <a:pPr algn="ctr"/>
             <a:r>
               <a:rPr lang="en-US" b="1" u="sng" dirty="0" smtClean="0"/>
-              <a:t>Variable/Scale, Rounding &amp; Summation</a:t>
-            </a:r>
+              <a:t>Intro to Hypothesis Testing: 1 sample z-Test</a:t>
+            </a:r>
+            <a:endParaRPr lang="en-US" b="1" u="sng" dirty="0"/>
           </a:p>
           <a:p>
             <a:pPr algn="ctr"/>
             <a:r>
               <a:rPr lang="en-US" i="1" dirty="0" smtClean="0"/>
-              <a:t>Finish discussion</a:t>
-            </a:r>
-          </a:p>
-          <a:p>
-            <a:pPr algn="ctr"/>
-            <a:r>
-              <a:rPr lang="en-US" i="1" dirty="0" smtClean="0"/>
+              <a:t>Finish </a:t>
+            </a:r>
+            <a:r>
+              <a:rPr lang="en-US" i="1" dirty="0"/>
+              <a:t>discussion</a:t>
+            </a:r>
+          </a:p>
+          <a:p>
+            <a:pPr algn="ctr"/>
+            <a:r>
+              <a:rPr lang="en-US" i="1" dirty="0"/>
               <a:t>Homework questions</a:t>
             </a:r>
           </a:p>
           <a:p>
             <a:pPr algn="ctr"/>
-            <a:endParaRPr lang="en-US" i="1" dirty="0" smtClean="0"/>
+            <a:endParaRPr lang="en-US" i="1" dirty="0"/>
           </a:p>
           <a:p>
             <a:pPr algn="ctr"/>
             <a:r>
               <a:rPr lang="en-US" dirty="0"/>
-              <a:t>Chapter 2 </a:t>
-            </a:r>
-          </a:p>
-          <a:p>
-            <a:pPr algn="ctr"/>
-            <a:r>
-              <a:rPr lang="en-US" b="1" u="sng" dirty="0"/>
-              <a:t>Exploring Data with Plots</a:t>
-            </a:r>
+              <a:t>Chapter 6</a:t>
+            </a:r>
+          </a:p>
+          <a:p>
+            <a:pPr algn="ctr"/>
+            <a:r>
+              <a:rPr lang="en-US" b="1" u="sng" dirty="0" smtClean="0"/>
+              <a:t>Confidence Interval Estimation: The t Distribution</a:t>
+            </a:r>
+            <a:endParaRPr lang="en-US" b="1" u="sng" dirty="0"/>
           </a:p>
           <a:p>
             <a:pPr algn="ctr"/>
@@ -5000,12 +4985,8 @@
           <a:p>
             <a:pPr algn="ctr"/>
             <a:r>
-              <a:rPr lang="en-US" i="1" dirty="0"/>
-              <a:t>Homework </a:t>
-            </a:r>
-            <a:r>
               <a:rPr lang="en-US" i="1" dirty="0" smtClean="0"/>
-              <a:t>questions</a:t>
+              <a:t>(first half)</a:t>
             </a:r>
             <a:endParaRPr lang="en-US" i="1" dirty="0"/>
           </a:p>
@@ -5149,7 +5130,7 @@
     </p:spTree>
     <p:extLst>
       <p:ext uri="{BB962C8B-B14F-4D97-AF65-F5344CB8AC3E}">
-        <p14:creationId xmlns:p14="http://schemas.microsoft.com/office/powerpoint/2010/main" val="3290463226"/>
+        <p14:creationId xmlns:p14="http://schemas.microsoft.com/office/powerpoint/2010/main" val="1136618621"/>
       </p:ext>
     </p:extLst>
   </p:cSld>
@@ -5176,51 +5157,26 @@
           <a:chExt cx="0" cy="0"/>
         </a:xfrm>
       </p:grpSpPr>
-      <p:pic>
-        <p:nvPicPr>
-          <p:cNvPr id="2" name="Picture 1"/>
-          <p:cNvPicPr>
-            <a:picLocks noChangeAspect="1"/>
-          </p:cNvPicPr>
-          <p:nvPr/>
-        </p:nvPicPr>
-        <p:blipFill>
-          <a:blip r:embed="rId2" cstate="print">
-            <a:extLst>
-              <a:ext uri="{28A0092B-C50C-407E-A947-70E740481C1C}">
-                <a14:useLocalDpi xmlns:a14="http://schemas.microsoft.com/office/drawing/2010/main" val="0"/>
-              </a:ext>
-            </a:extLst>
-          </a:blip>
-          <a:stretch>
-            <a:fillRect/>
-          </a:stretch>
-        </p:blipFill>
-        <p:spPr>
-          <a:xfrm>
-            <a:off x="5306566" y="2514598"/>
-            <a:ext cx="1578867" cy="1828804"/>
-          </a:xfrm>
-          <a:prstGeom prst="rect">
-            <a:avLst/>
-          </a:prstGeom>
-        </p:spPr>
-      </p:pic>
-      <p:sp>
-        <p:nvSpPr>
-          <p:cNvPr id="3" name="Rectangle 2"/>
+      <p:sp>
+        <p:nvSpPr>
+          <p:cNvPr id="4" name="Rectangle 3"/>
           <p:cNvSpPr/>
           <p:nvPr/>
         </p:nvSpPr>
         <p:spPr>
           <a:xfrm>
-            <a:off x="5054138" y="2394066"/>
-            <a:ext cx="2094807" cy="2078182"/>
-          </a:xfrm>
-          <a:prstGeom prst="rect">
-            <a:avLst/>
-          </a:prstGeom>
-          <a:noFill/>
+            <a:off x="1808702" y="824230"/>
+            <a:ext cx="8778240" cy="5010912"/>
+          </a:xfrm>
+          <a:prstGeom prst="rect">
+            <a:avLst/>
+          </a:prstGeom>
+          <a:solidFill>
+            <a:schemeClr val="bg1">
+              <a:lumMod val="95000"/>
+            </a:schemeClr>
+          </a:solidFill>
+          <a:ln w="38100"/>
         </p:spPr>
         <p:style>
           <a:lnRef idx="2">
@@ -5247,82 +5203,6 @@
           </a:p>
         </p:txBody>
       </p:sp>
-    </p:spTree>
-    <p:extLst>
-      <p:ext uri="{BB962C8B-B14F-4D97-AF65-F5344CB8AC3E}">
-        <p14:creationId xmlns:p14="http://schemas.microsoft.com/office/powerpoint/2010/main" val="2048573925"/>
-      </p:ext>
-    </p:extLst>
-  </p:cSld>
-  <p:clrMapOvr>
-    <a:masterClrMapping/>
-  </p:clrMapOvr>
-</p:sld>
-</file>
-
-<file path=ppt/slides/slide2.xml><?xml version="1.0" encoding="utf-8"?>
-<p:sld xmlns:a="http://schemas.openxmlformats.org/drawingml/2006/main" xmlns:r="http://schemas.openxmlformats.org/officeDocument/2006/relationships" xmlns:p="http://schemas.openxmlformats.org/presentationml/2006/main">
-  <p:cSld>
-    <p:spTree>
-      <p:nvGrpSpPr>
-        <p:cNvPr id="1" name=""/>
-        <p:cNvGrpSpPr/>
-        <p:nvPr/>
-      </p:nvGrpSpPr>
-      <p:grpSpPr>
-        <a:xfrm>
-          <a:off x="0" y="0"/>
-          <a:ext cx="0" cy="0"/>
-          <a:chOff x="0" y="0"/>
-          <a:chExt cx="0" cy="0"/>
-        </a:xfrm>
-      </p:grpSpPr>
-      <p:sp>
-        <p:nvSpPr>
-          <p:cNvPr id="4" name="Rectangle 3"/>
-          <p:cNvSpPr/>
-          <p:nvPr/>
-        </p:nvSpPr>
-        <p:spPr>
-          <a:xfrm>
-            <a:off x="1808702" y="824230"/>
-            <a:ext cx="8778240" cy="5010912"/>
-          </a:xfrm>
-          <a:prstGeom prst="rect">
-            <a:avLst/>
-          </a:prstGeom>
-          <a:solidFill>
-            <a:schemeClr val="bg1">
-              <a:lumMod val="95000"/>
-            </a:schemeClr>
-          </a:solidFill>
-          <a:ln w="38100"/>
-        </p:spPr>
-        <p:style>
-          <a:lnRef idx="2">
-            <a:schemeClr val="accent1">
-              <a:shade val="50000"/>
-            </a:schemeClr>
-          </a:lnRef>
-          <a:fillRef idx="1">
-            <a:schemeClr val="accent1"/>
-          </a:fillRef>
-          <a:effectRef idx="0">
-            <a:schemeClr val="accent1"/>
-          </a:effectRef>
-          <a:fontRef idx="minor">
-            <a:schemeClr val="lt1"/>
-          </a:fontRef>
-        </p:style>
-        <p:txBody>
-          <a:bodyPr rtlCol="0" anchor="ctr"/>
-          <a:lstStyle/>
-          <a:p>
-            <a:pPr algn="ctr"/>
-            <a:endParaRPr lang="en-US"/>
-          </a:p>
-        </p:txBody>
-      </p:sp>
       <p:sp>
         <p:nvSpPr>
           <p:cNvPr id="7" name="TextBox 6"/>
@@ -5331,8 +5211,8 @@
         </p:nvSpPr>
         <p:spPr>
           <a:xfrm>
-            <a:off x="4003824" y="1483154"/>
-            <a:ext cx="5712369" cy="1754326"/>
+            <a:off x="3840385" y="1213849"/>
+            <a:ext cx="5712369" cy="923330"/>
           </a:xfrm>
           <a:prstGeom prst="rect">
             <a:avLst/>
@@ -5347,13 +5227,7 @@
           <a:p>
             <a:r>
               <a:rPr lang="en-US" sz="5400" dirty="0" smtClean="0"/>
-              <a:t>HOMEWORK</a:t>
-            </a:r>
-          </a:p>
-          <a:p>
-            <a:r>
-              <a:rPr lang="en-US" sz="5400" dirty="0" smtClean="0"/>
-              <a:t>HELP</a:t>
+              <a:t>INCLASS LECTURES</a:t>
             </a:r>
             <a:endParaRPr lang="en-US" sz="5400" dirty="0"/>
           </a:p>
@@ -5384,7 +5258,7 @@
             <a:pPr algn="ctr"/>
             <a:r>
               <a:rPr lang="en-US" dirty="0" smtClean="0"/>
-              <a:t>Jan. 24, 2020</a:t>
+              <a:t>Jan. 22, 2020</a:t>
             </a:r>
             <a:endParaRPr lang="en-US" dirty="0"/>
           </a:p>
@@ -5398,8 +5272,8 @@
         </p:nvSpPr>
         <p:spPr>
           <a:xfrm>
-            <a:off x="2000886" y="3743671"/>
-            <a:ext cx="5005769" cy="1200329"/>
+            <a:off x="2035110" y="3043759"/>
+            <a:ext cx="5005769" cy="2585323"/>
           </a:xfrm>
           <a:prstGeom prst="rect">
             <a:avLst/>
@@ -5414,8 +5288,48 @@
           <a:p>
             <a:pPr algn="ctr"/>
             <a:r>
+              <a:rPr lang="en-US" dirty="0"/>
+              <a:t>Chapter 3</a:t>
+            </a:r>
+          </a:p>
+          <a:p>
+            <a:pPr algn="ctr"/>
+            <a:r>
+              <a:rPr lang="en-US" b="1" u="sng" dirty="0"/>
+              <a:t>Variable/Scale, Rounding &amp; Summation</a:t>
+            </a:r>
+          </a:p>
+          <a:p>
+            <a:pPr algn="ctr"/>
+            <a:r>
+              <a:rPr lang="en-US" i="1" dirty="0" smtClean="0"/>
+              <a:t>Finish </a:t>
+            </a:r>
+            <a:r>
+              <a:rPr lang="en-US" i="1" dirty="0"/>
+              <a:t>discussion</a:t>
+            </a:r>
+          </a:p>
+          <a:p>
+            <a:pPr algn="ctr"/>
+            <a:r>
+              <a:rPr lang="en-US" i="1" dirty="0"/>
+              <a:t>Homework questions</a:t>
+            </a:r>
+          </a:p>
+          <a:p>
+            <a:pPr algn="ctr"/>
+            <a:endParaRPr lang="en-US" i="1" dirty="0"/>
+          </a:p>
+          <a:p>
+            <a:pPr algn="ctr"/>
+            <a:r>
+              <a:rPr lang="en-US" dirty="0"/>
+              <a:t>Chapter </a:t>
+            </a:r>
+            <a:r>
               <a:rPr lang="en-US" dirty="0" smtClean="0"/>
-              <a:t>Chapter 4</a:t>
+              <a:t>4</a:t>
             </a:r>
             <a:endParaRPr lang="en-US" dirty="0"/>
           </a:p>
@@ -5425,25 +5339,23 @@
               <a:rPr lang="en-US" b="1" u="sng" dirty="0" smtClean="0"/>
               <a:t>Standardized Scores &amp; the Normal Distribution</a:t>
             </a:r>
-          </a:p>
-          <a:p>
-            <a:pPr algn="ctr"/>
-            <a:r>
-              <a:rPr lang="en-US" b="1" dirty="0" smtClean="0"/>
-              <a:t>4B #6: IQ (mu = 100, </a:t>
-            </a:r>
-            <a:r>
-              <a:rPr lang="en-US" b="1" dirty="0" err="1" smtClean="0"/>
-              <a:t>sd</a:t>
-            </a:r>
-            <a:r>
-              <a:rPr lang="en-US" b="1" dirty="0" smtClean="0"/>
-              <a:t>=15) -&gt; sample w/M = 108</a:t>
-            </a:r>
-          </a:p>
-          <a:p>
-            <a:pPr algn="ctr"/>
-            <a:endParaRPr lang="en-US" b="1" dirty="0"/>
+            <a:endParaRPr lang="en-US" b="1" u="sng" dirty="0"/>
+          </a:p>
+          <a:p>
+            <a:pPr algn="ctr"/>
+            <a:r>
+              <a:rPr lang="en-US" i="1" dirty="0" smtClean="0"/>
+              <a:t>Lecture slides</a:t>
+            </a:r>
+            <a:endParaRPr lang="en-US" i="1" dirty="0"/>
+          </a:p>
+          <a:p>
+            <a:pPr algn="ctr"/>
+            <a:r>
+              <a:rPr lang="en-US" i="1" dirty="0" smtClean="0"/>
+              <a:t>(first half)</a:t>
+            </a:r>
+            <a:endParaRPr lang="en-US" i="1" dirty="0"/>
           </a:p>
         </p:txBody>
       </p:sp>
@@ -5585,7 +5497,7 @@
     </p:spTree>
     <p:extLst>
       <p:ext uri="{BB962C8B-B14F-4D97-AF65-F5344CB8AC3E}">
-        <p14:creationId xmlns:p14="http://schemas.microsoft.com/office/powerpoint/2010/main" val="3542266102"/>
+        <p14:creationId xmlns:p14="http://schemas.microsoft.com/office/powerpoint/2010/main" val="2900019700"/>
       </p:ext>
     </p:extLst>
   </p:cSld>
@@ -5595,7 +5507,7 @@
 </p:sld>
 </file>
 
-<file path=ppt/slides/slide3.xml><?xml version="1.0" encoding="utf-8"?>
+<file path=ppt/slides/slide16.xml><?xml version="1.0" encoding="utf-8"?>
 <p:sld xmlns:a="http://schemas.openxmlformats.org/drawingml/2006/main" xmlns:r="http://schemas.openxmlformats.org/officeDocument/2006/relationships" xmlns:p="http://schemas.openxmlformats.org/presentationml/2006/main">
   <p:cSld>
     <p:spTree>
@@ -5666,8 +5578,8 @@
         </p:nvSpPr>
         <p:spPr>
           <a:xfrm>
-            <a:off x="4003824" y="1483154"/>
-            <a:ext cx="5712369" cy="1754326"/>
+            <a:off x="3840385" y="1213849"/>
+            <a:ext cx="5712369" cy="923330"/>
           </a:xfrm>
           <a:prstGeom prst="rect">
             <a:avLst/>
@@ -5682,7 +5594,7 @@
           <a:p>
             <a:r>
               <a:rPr lang="en-US" sz="5400" dirty="0" smtClean="0"/>
-              <a:t>OUT-OF-CLASS LECTURES</a:t>
+              <a:t>INCLASS LECTURES</a:t>
             </a:r>
             <a:endParaRPr lang="en-US" sz="5400" dirty="0"/>
           </a:p>
@@ -5713,7 +5625,7 @@
             <a:pPr algn="ctr"/>
             <a:r>
               <a:rPr lang="en-US" dirty="0" smtClean="0"/>
-              <a:t>Jan. 24, 2020</a:t>
+              <a:t>Jan. 15, 2020</a:t>
             </a:r>
             <a:endParaRPr lang="en-US" dirty="0"/>
           </a:p>
@@ -5727,8 +5639,8 @@
         </p:nvSpPr>
         <p:spPr>
           <a:xfrm>
-            <a:off x="2000886" y="3743671"/>
-            <a:ext cx="5005769" cy="923330"/>
+            <a:off x="2318419" y="3043759"/>
+            <a:ext cx="4212906" cy="2585323"/>
           </a:xfrm>
           <a:prstGeom prst="rect">
             <a:avLst/>
@@ -5744,24 +5656,67 @@
             <a:pPr algn="ctr"/>
             <a:r>
               <a:rPr lang="en-US" dirty="0" smtClean="0"/>
-              <a:t>Chapter 4</a:t>
-            </a:r>
-            <a:endParaRPr lang="en-US" dirty="0"/>
+              <a:t>Chapter 1</a:t>
+            </a:r>
           </a:p>
           <a:p>
             <a:pPr algn="ctr"/>
             <a:r>
               <a:rPr lang="en-US" b="1" u="sng" dirty="0" smtClean="0"/>
-              <a:t>Standardized Scores &amp; the Normal Distribution</a:t>
-            </a:r>
-            <a:endParaRPr lang="en-US" b="1" u="sng" dirty="0"/>
+              <a:t>Variable/Scale, Rounding &amp; Summation</a:t>
+            </a:r>
           </a:p>
           <a:p>
             <a:pPr algn="ctr"/>
             <a:r>
               <a:rPr lang="en-US" i="1" dirty="0" smtClean="0"/>
-              <a:t>Lecture Slide Examples Worked</a:t>
-            </a:r>
+              <a:t>Finish discussion</a:t>
+            </a:r>
+          </a:p>
+          <a:p>
+            <a:pPr algn="ctr"/>
+            <a:r>
+              <a:rPr lang="en-US" i="1" dirty="0" smtClean="0"/>
+              <a:t>Homework questions</a:t>
+            </a:r>
+          </a:p>
+          <a:p>
+            <a:pPr algn="ctr"/>
+            <a:endParaRPr lang="en-US" i="1" dirty="0" smtClean="0"/>
+          </a:p>
+          <a:p>
+            <a:pPr algn="ctr"/>
+            <a:r>
+              <a:rPr lang="en-US" dirty="0"/>
+              <a:t>Chapter 2 </a:t>
+            </a:r>
+          </a:p>
+          <a:p>
+            <a:pPr algn="ctr"/>
+            <a:r>
+              <a:rPr lang="en-US" b="1" u="sng" dirty="0"/>
+              <a:t>Exploring Data with Plots</a:t>
+            </a:r>
+          </a:p>
+          <a:p>
+            <a:pPr algn="ctr"/>
+            <a:r>
+              <a:rPr lang="en-US" i="1" dirty="0" smtClean="0"/>
+              <a:t>Lecture slides</a:t>
+            </a:r>
+            <a:endParaRPr lang="en-US" i="1" dirty="0"/>
+          </a:p>
+          <a:p>
+            <a:pPr algn="ctr"/>
+            <a:r>
+              <a:rPr lang="en-US" i="1" dirty="0"/>
+              <a:t>Homework </a:t>
+            </a:r>
+            <a:r>
+              <a:rPr lang="en-US" i="1" dirty="0" smtClean="0"/>
+              <a:t>questions</a:t>
+            </a:r>
+            <a:endParaRPr lang="en-US" i="1" dirty="0"/>
           </a:p>
         </p:txBody>
       </p:sp>
@@ -5903,7 +5858,7 @@
     </p:spTree>
     <p:extLst>
       <p:ext uri="{BB962C8B-B14F-4D97-AF65-F5344CB8AC3E}">
-        <p14:creationId xmlns:p14="http://schemas.microsoft.com/office/powerpoint/2010/main" val="267042058"/>
+        <p14:creationId xmlns:p14="http://schemas.microsoft.com/office/powerpoint/2010/main" val="3290463226"/>
       </p:ext>
     </p:extLst>
   </p:cSld>
@@ -5913,7 +5868,7 @@
 </p:sld>
 </file>
 
-<file path=ppt/slides/slide4.xml><?xml version="1.0" encoding="utf-8"?>
+<file path=ppt/slides/slide17.xml><?xml version="1.0" encoding="utf-8"?>
 <p:sld xmlns:a="http://schemas.openxmlformats.org/drawingml/2006/main" xmlns:r="http://schemas.openxmlformats.org/officeDocument/2006/relationships" xmlns:p="http://schemas.openxmlformats.org/presentationml/2006/main">
   <p:cSld>
     <p:spTree>
@@ -5930,26 +5885,51 @@
           <a:chExt cx="0" cy="0"/>
         </a:xfrm>
       </p:grpSpPr>
-      <p:sp>
-        <p:nvSpPr>
-          <p:cNvPr id="4" name="Rectangle 3"/>
+      <p:pic>
+        <p:nvPicPr>
+          <p:cNvPr id="2" name="Picture 1"/>
+          <p:cNvPicPr>
+            <a:picLocks noChangeAspect="1"/>
+          </p:cNvPicPr>
+          <p:nvPr/>
+        </p:nvPicPr>
+        <p:blipFill>
+          <a:blip r:embed="rId2" cstate="print">
+            <a:extLst>
+              <a:ext uri="{28A0092B-C50C-407E-A947-70E740481C1C}">
+                <a14:useLocalDpi xmlns:a14="http://schemas.microsoft.com/office/drawing/2010/main" val="0"/>
+              </a:ext>
+            </a:extLst>
+          </a:blip>
+          <a:stretch>
+            <a:fillRect/>
+          </a:stretch>
+        </p:blipFill>
+        <p:spPr>
+          <a:xfrm>
+            <a:off x="5306566" y="2514598"/>
+            <a:ext cx="1578867" cy="1828804"/>
+          </a:xfrm>
+          <a:prstGeom prst="rect">
+            <a:avLst/>
+          </a:prstGeom>
+        </p:spPr>
+      </p:pic>
+      <p:sp>
+        <p:nvSpPr>
+          <p:cNvPr id="3" name="Rectangle 2"/>
           <p:cNvSpPr/>
           <p:nvPr/>
         </p:nvSpPr>
         <p:spPr>
           <a:xfrm>
-            <a:off x="1808702" y="824230"/>
-            <a:ext cx="8778240" cy="5010912"/>
-          </a:xfrm>
-          <a:prstGeom prst="rect">
-            <a:avLst/>
-          </a:prstGeom>
-          <a:solidFill>
-            <a:schemeClr val="bg1">
-              <a:lumMod val="95000"/>
-            </a:schemeClr>
-          </a:solidFill>
-          <a:ln w="38100"/>
+            <a:off x="5054138" y="2394066"/>
+            <a:ext cx="2094807" cy="2078182"/>
+          </a:xfrm>
+          <a:prstGeom prst="rect">
+            <a:avLst/>
+          </a:prstGeom>
+          <a:noFill/>
         </p:spPr>
         <p:style>
           <a:lnRef idx="2">
@@ -5976,6 +5956,82 @@
           </a:p>
         </p:txBody>
       </p:sp>
+    </p:spTree>
+    <p:extLst>
+      <p:ext uri="{BB962C8B-B14F-4D97-AF65-F5344CB8AC3E}">
+        <p14:creationId xmlns:p14="http://schemas.microsoft.com/office/powerpoint/2010/main" val="2048573925"/>
+      </p:ext>
+    </p:extLst>
+  </p:cSld>
+  <p:clrMapOvr>
+    <a:masterClrMapping/>
+  </p:clrMapOvr>
+</p:sld>
+</file>
+
+<file path=ppt/slides/slide2.xml><?xml version="1.0" encoding="utf-8"?>
+<p:sld xmlns:a="http://schemas.openxmlformats.org/drawingml/2006/main" xmlns:r="http://schemas.openxmlformats.org/officeDocument/2006/relationships" xmlns:p="http://schemas.openxmlformats.org/presentationml/2006/main">
+  <p:cSld>
+    <p:spTree>
+      <p:nvGrpSpPr>
+        <p:cNvPr id="1" name=""/>
+        <p:cNvGrpSpPr/>
+        <p:nvPr/>
+      </p:nvGrpSpPr>
+      <p:grpSpPr>
+        <a:xfrm>
+          <a:off x="0" y="0"/>
+          <a:ext cx="0" cy="0"/>
+          <a:chOff x="0" y="0"/>
+          <a:chExt cx="0" cy="0"/>
+        </a:xfrm>
+      </p:grpSpPr>
+      <p:sp>
+        <p:nvSpPr>
+          <p:cNvPr id="4" name="Rectangle 3"/>
+          <p:cNvSpPr/>
+          <p:nvPr/>
+        </p:nvSpPr>
+        <p:spPr>
+          <a:xfrm>
+            <a:off x="1808702" y="824230"/>
+            <a:ext cx="8778240" cy="5010912"/>
+          </a:xfrm>
+          <a:prstGeom prst="rect">
+            <a:avLst/>
+          </a:prstGeom>
+          <a:solidFill>
+            <a:schemeClr val="bg1">
+              <a:lumMod val="95000"/>
+            </a:schemeClr>
+          </a:solidFill>
+          <a:ln w="38100"/>
+        </p:spPr>
+        <p:style>
+          <a:lnRef idx="2">
+            <a:schemeClr val="accent1">
+              <a:shade val="50000"/>
+            </a:schemeClr>
+          </a:lnRef>
+          <a:fillRef idx="1">
+            <a:schemeClr val="accent1"/>
+          </a:fillRef>
+          <a:effectRef idx="0">
+            <a:schemeClr val="accent1"/>
+          </a:effectRef>
+          <a:fontRef idx="minor">
+            <a:schemeClr val="lt1"/>
+          </a:fontRef>
+        </p:style>
+        <p:txBody>
+          <a:bodyPr rtlCol="0" anchor="ctr"/>
+          <a:lstStyle/>
+          <a:p>
+            <a:pPr algn="ctr"/>
+            <a:endParaRPr lang="en-US"/>
+          </a:p>
+        </p:txBody>
+      </p:sp>
       <p:sp>
         <p:nvSpPr>
           <p:cNvPr id="7" name="TextBox 6"/>
@@ -6031,7 +6087,7 @@
             <a:pPr algn="ctr"/>
             <a:r>
               <a:rPr lang="en-US" dirty="0" smtClean="0"/>
-              <a:t>Jan. 24, 2020</a:t>
+              <a:t>March 23, 2020</a:t>
             </a:r>
             <a:endParaRPr lang="en-US" dirty="0"/>
           </a:p>
@@ -6046,7 +6102,7 @@
         <p:spPr>
           <a:xfrm>
             <a:off x="2035110" y="3043759"/>
-            <a:ext cx="5005769" cy="1200329"/>
+            <a:ext cx="5005769" cy="1477328"/>
           </a:xfrm>
           <a:prstGeom prst="rect">
             <a:avLst/>
@@ -6062,7 +6118,7 @@
             <a:pPr algn="ctr"/>
             <a:r>
               <a:rPr lang="en-US" dirty="0" smtClean="0"/>
-              <a:t>Chapter 4</a:t>
+              <a:t>Chapter 13</a:t>
             </a:r>
             <a:endParaRPr lang="en-US" dirty="0"/>
           </a:p>
@@ -6070,7 +6126,7 @@
             <a:pPr algn="ctr"/>
             <a:r>
               <a:rPr lang="en-US" b="1" u="sng" dirty="0" smtClean="0"/>
-              <a:t>Standardized Scores &amp; the Normal Distribution</a:t>
+              <a:t>Multiple Comparisons Procedures</a:t>
             </a:r>
             <a:endParaRPr lang="en-US" b="1" u="sng" dirty="0"/>
           </a:p>
@@ -6078,15 +6134,37 @@
             <a:pPr algn="ctr"/>
             <a:r>
               <a:rPr lang="en-US" i="1" dirty="0" smtClean="0"/>
-              <a:t>Lecture slides 25-43</a:t>
-            </a:r>
-            <a:endParaRPr lang="en-US" i="1" dirty="0"/>
+              <a:t>Lecture slides, part 2 of 2</a:t>
+            </a:r>
           </a:p>
           <a:p>
             <a:pPr algn="ctr"/>
             <a:r>
               <a:rPr lang="en-US" i="1" dirty="0" smtClean="0"/>
-              <a:t>(Second half)</a:t>
+              <a:t>Includes example in R (</a:t>
+            </a:r>
+            <a:r>
+              <a:rPr lang="en-US" i="1" dirty="0" err="1" smtClean="0"/>
+              <a:t>afex</a:t>
+            </a:r>
+            <a:r>
+              <a:rPr lang="en-US" i="1" dirty="0" smtClean="0"/>
+              <a:t> &amp; </a:t>
+            </a:r>
+            <a:r>
+              <a:rPr lang="en-US" i="1" dirty="0" err="1" smtClean="0"/>
+              <a:t>emmeans</a:t>
+            </a:r>
+            <a:r>
+              <a:rPr lang="en-US" i="1" dirty="0" smtClean="0"/>
+              <a:t>)</a:t>
+            </a:r>
+          </a:p>
+          <a:p>
+            <a:pPr algn="ctr"/>
+            <a:r>
+              <a:rPr lang="en-US" i="1" dirty="0" smtClean="0"/>
+              <a:t>linear contrast statements: by hand and code</a:t>
             </a:r>
             <a:endParaRPr lang="en-US" i="1" dirty="0"/>
           </a:p>
@@ -6227,10 +6305,109 @@
           </a:prstGeom>
         </p:spPr>
       </p:pic>
+      <p:grpSp>
+        <p:nvGrpSpPr>
+          <p:cNvPr id="5" name="Group 4"/>
+          <p:cNvGrpSpPr/>
+          <p:nvPr/>
+        </p:nvGrpSpPr>
+        <p:grpSpPr>
+          <a:xfrm>
+            <a:off x="1908176" y="4866721"/>
+            <a:ext cx="1855222" cy="824421"/>
+            <a:chOff x="1908176" y="4866721"/>
+            <a:chExt cx="1855222" cy="824421"/>
+          </a:xfrm>
+        </p:grpSpPr>
+        <p:pic>
+          <p:nvPicPr>
+            <p:cNvPr id="1026" name="Picture 2" descr="Image result for virus"/>
+            <p:cNvPicPr>
+              <a:picLocks noChangeAspect="1" noChangeArrowheads="1"/>
+            </p:cNvPicPr>
+            <p:nvPr/>
+          </p:nvPicPr>
+          <p:blipFill>
+            <a:blip r:embed="rId6" cstate="print">
+              <a:extLst>
+                <a:ext uri="{28A0092B-C50C-407E-A947-70E740481C1C}">
+                  <a14:useLocalDpi xmlns:a14="http://schemas.microsoft.com/office/drawing/2010/main" val="0"/>
+                </a:ext>
+              </a:extLst>
+            </a:blip>
+            <a:srcRect/>
+            <a:stretch>
+              <a:fillRect/>
+            </a:stretch>
+          </p:blipFill>
+          <p:spPr bwMode="auto">
+            <a:xfrm>
+              <a:off x="1908176" y="4866721"/>
+              <a:ext cx="825034" cy="824421"/>
+            </a:xfrm>
+            <a:prstGeom prst="rect">
+              <a:avLst/>
+            </a:prstGeom>
+            <a:noFill/>
+            <a:extLst>
+              <a:ext uri="{909E8E84-426E-40DD-AFC4-6F175D3DCCD1}">
+                <a14:hiddenFill xmlns:a14="http://schemas.microsoft.com/office/drawing/2010/main">
+                  <a:solidFill>
+                    <a:srgbClr val="FFFFFF"/>
+                  </a:solidFill>
+                </a14:hiddenFill>
+              </a:ext>
+            </a:extLst>
+          </p:spPr>
+        </p:pic>
+        <p:sp>
+          <p:nvSpPr>
+            <p:cNvPr id="13" name="TextBox 12"/>
+            <p:cNvSpPr txBox="1"/>
+            <p:nvPr/>
+          </p:nvSpPr>
+          <p:spPr>
+            <a:xfrm>
+              <a:off x="2524444" y="5254195"/>
+              <a:ext cx="1238954" cy="369332"/>
+            </a:xfrm>
+            <a:prstGeom prst="rect">
+              <a:avLst/>
+            </a:prstGeom>
+            <a:noFill/>
+          </p:spPr>
+          <p:txBody>
+            <a:bodyPr wrap="square" rtlCol="0">
+              <a:spAutoFit/>
+            </a:bodyPr>
+            <a:lstStyle/>
+            <a:p>
+              <a:pPr algn="ctr"/>
+              <a:r>
+                <a:rPr lang="en-US" b="1" dirty="0" smtClean="0">
+                  <a:solidFill>
+                    <a:schemeClr val="accent1">
+                      <a:lumMod val="75000"/>
+                    </a:schemeClr>
+                  </a:solidFill>
+                </a:rPr>
+                <a:t>Covid-19</a:t>
+              </a:r>
+              <a:endParaRPr lang="en-US" b="1" dirty="0">
+                <a:solidFill>
+                  <a:schemeClr val="accent1">
+                    <a:lumMod val="75000"/>
+                  </a:schemeClr>
+                </a:solidFill>
+              </a:endParaRPr>
+            </a:p>
+          </p:txBody>
+        </p:sp>
+      </p:grpSp>
     </p:spTree>
     <p:extLst>
       <p:ext uri="{BB962C8B-B14F-4D97-AF65-F5344CB8AC3E}">
-        <p14:creationId xmlns:p14="http://schemas.microsoft.com/office/powerpoint/2010/main" val="1429724622"/>
+        <p14:creationId xmlns:p14="http://schemas.microsoft.com/office/powerpoint/2010/main" val="3788962138"/>
       </p:ext>
     </p:extLst>
   </p:cSld>
@@ -6240,7 +6417,7 @@
 </p:sld>
 </file>
 
-<file path=ppt/slides/slide5.xml><?xml version="1.0" encoding="utf-8"?>
+<file path=ppt/slides/slide3.xml><?xml version="1.0" encoding="utf-8"?>
 <p:sld xmlns:a="http://schemas.openxmlformats.org/drawingml/2006/main" xmlns:r="http://schemas.openxmlformats.org/officeDocument/2006/relationships" xmlns:p="http://schemas.openxmlformats.org/presentationml/2006/main">
   <p:cSld>
     <p:spTree>
@@ -6311,8 +6488,8 @@
         </p:nvSpPr>
         <p:spPr>
           <a:xfrm>
-            <a:off x="3840385" y="1213849"/>
-            <a:ext cx="5712369" cy="923330"/>
+            <a:off x="4184694" y="1065121"/>
+            <a:ext cx="5712369" cy="1754326"/>
           </a:xfrm>
           <a:prstGeom prst="rect">
             <a:avLst/>
@@ -6327,7 +6504,7 @@
           <a:p>
             <a:r>
               <a:rPr lang="en-US" sz="5400" dirty="0" smtClean="0"/>
-              <a:t>INCLASS LECTURES</a:t>
+              <a:t>OUT-OF-CLASS LECTURES</a:t>
             </a:r>
             <a:endParaRPr lang="en-US" sz="5400" dirty="0"/>
           </a:p>
@@ -6358,7 +6535,7 @@
             <a:pPr algn="ctr"/>
             <a:r>
               <a:rPr lang="en-US" dirty="0" smtClean="0"/>
-              <a:t>March 11, 2020</a:t>
+              <a:t>March 23, 2020</a:t>
             </a:r>
             <a:endParaRPr lang="en-US" dirty="0"/>
           </a:p>
@@ -6372,7 +6549,7 @@
         </p:nvSpPr>
         <p:spPr>
           <a:xfrm>
-            <a:off x="2175358" y="3486436"/>
+            <a:off x="2035110" y="3043759"/>
             <a:ext cx="5005769" cy="1200329"/>
           </a:xfrm>
           <a:prstGeom prst="rect">
@@ -6389,7 +6566,7 @@
             <a:pPr algn="ctr"/>
             <a:r>
               <a:rPr lang="en-US" dirty="0" smtClean="0"/>
-              <a:t>Chapter 12</a:t>
+              <a:t>Chapter 13</a:t>
             </a:r>
             <a:endParaRPr lang="en-US" dirty="0"/>
           </a:p>
@@ -6397,23 +6574,24 @@
             <a:pPr algn="ctr"/>
             <a:r>
               <a:rPr lang="en-US" b="1" u="sng" dirty="0" smtClean="0"/>
-              <a:t>One-way Independent Groups ANOVA</a:t>
-            </a:r>
-            <a:endParaRPr lang="en-US" dirty="0" smtClean="0"/>
+              <a:t>Multiple Comparisons Procedures</a:t>
+            </a:r>
+            <a:endParaRPr lang="en-US" b="1" u="sng" dirty="0"/>
           </a:p>
           <a:p>
             <a:pPr algn="ctr"/>
             <a:r>
               <a:rPr lang="en-US" i="1" dirty="0" smtClean="0"/>
-              <a:t>Second half, chapter slides</a:t>
+              <a:t>Lecture slides </a:t>
             </a:r>
           </a:p>
           <a:p>
             <a:pPr algn="ctr"/>
             <a:r>
               <a:rPr lang="en-US" i="1" dirty="0" smtClean="0"/>
-              <a:t>Mostly Examples, Using R, and HW Help</a:t>
-            </a:r>
+              <a:t>(excludes linear contrast statements)</a:t>
+            </a:r>
+            <a:endParaRPr lang="en-US" i="1" dirty="0"/>
           </a:p>
         </p:txBody>
       </p:sp>
@@ -6552,10 +6730,94 @@
           </a:prstGeom>
         </p:spPr>
       </p:pic>
+      <p:pic>
+        <p:nvPicPr>
+          <p:cNvPr id="1026" name="Picture 2" descr="Image result for virus"/>
+          <p:cNvPicPr>
+            <a:picLocks noChangeAspect="1" noChangeArrowheads="1"/>
+          </p:cNvPicPr>
+          <p:nvPr/>
+        </p:nvPicPr>
+        <p:blipFill>
+          <a:blip r:embed="rId6" cstate="print">
+            <a:extLst>
+              <a:ext uri="{28A0092B-C50C-407E-A947-70E740481C1C}">
+                <a14:useLocalDpi xmlns:a14="http://schemas.microsoft.com/office/drawing/2010/main" val="0"/>
+              </a:ext>
+            </a:extLst>
+          </a:blip>
+          <a:srcRect/>
+          <a:stretch>
+            <a:fillRect/>
+          </a:stretch>
+        </p:blipFill>
+        <p:spPr bwMode="auto">
+          <a:xfrm>
+            <a:off x="1908176" y="4866721"/>
+            <a:ext cx="825034" cy="824421"/>
+          </a:xfrm>
+          <a:prstGeom prst="rect">
+            <a:avLst/>
+          </a:prstGeom>
+          <a:noFill/>
+          <a:extLst>
+            <a:ext uri="{909E8E84-426E-40DD-AFC4-6F175D3DCCD1}">
+              <a14:hiddenFill xmlns:a14="http://schemas.microsoft.com/office/drawing/2010/main">
+                <a:solidFill>
+                  <a:srgbClr val="FFFFFF"/>
+                </a:solidFill>
+              </a14:hiddenFill>
+            </a:ext>
+          </a:extLst>
+        </p:spPr>
+      </p:pic>
+      <p:sp>
+        <p:nvSpPr>
+          <p:cNvPr id="13" name="TextBox 12"/>
+          <p:cNvSpPr txBox="1"/>
+          <p:nvPr/>
+        </p:nvSpPr>
+        <p:spPr>
+          <a:xfrm>
+            <a:off x="2524444" y="5254195"/>
+            <a:ext cx="1238954" cy="369332"/>
+          </a:xfrm>
+          <a:prstGeom prst="rect">
+            <a:avLst/>
+          </a:prstGeom>
+          <a:noFill/>
+        </p:spPr>
+        <p:txBody>
+          <a:bodyPr wrap="square" rtlCol="0">
+            <a:spAutoFit/>
+          </a:bodyPr>
+          <a:lstStyle/>
+          <a:p>
+            <a:pPr algn="ctr"/>
+            <a:r>
+              <a:rPr lang="en-US" b="1" dirty="0" smtClean="0">
+                <a:solidFill>
+                  <a:schemeClr val="accent1">
+                    <a:lumMod val="75000"/>
+                  </a:schemeClr>
+                </a:solidFill>
+              </a:rPr>
+              <a:t>Covid-19</a:t>
+            </a:r>
+            <a:endParaRPr lang="en-US" b="1" dirty="0">
+              <a:solidFill>
+                <a:schemeClr val="accent1">
+                  <a:lumMod val="75000"/>
+                </a:schemeClr>
+              </a:solidFill>
+            </a:endParaRPr>
+          </a:p>
+        </p:txBody>
+      </p:sp>
     </p:spTree>
     <p:extLst>
       <p:ext uri="{BB962C8B-B14F-4D97-AF65-F5344CB8AC3E}">
-        <p14:creationId xmlns:p14="http://schemas.microsoft.com/office/powerpoint/2010/main" val="928580799"/>
+        <p14:creationId xmlns:p14="http://schemas.microsoft.com/office/powerpoint/2010/main" val="911328323"/>
       </p:ext>
     </p:extLst>
   </p:cSld>
@@ -6565,7 +6827,7 @@
 </p:sld>
 </file>
 
-<file path=ppt/slides/slide6.xml><?xml version="1.0" encoding="utf-8"?>
+<file path=ppt/slides/slide4.xml><?xml version="1.0" encoding="utf-8"?>
 <p:sld xmlns:a="http://schemas.openxmlformats.org/drawingml/2006/main" xmlns:r="http://schemas.openxmlformats.org/officeDocument/2006/relationships" xmlns:p="http://schemas.openxmlformats.org/presentationml/2006/main">
   <p:cSld>
     <p:spTree>
@@ -6636,8 +6898,8 @@
         </p:nvSpPr>
         <p:spPr>
           <a:xfrm>
-            <a:off x="3840385" y="1213849"/>
-            <a:ext cx="5712369" cy="923330"/>
+            <a:off x="4003824" y="1483154"/>
+            <a:ext cx="5712369" cy="1754326"/>
           </a:xfrm>
           <a:prstGeom prst="rect">
             <a:avLst/>
@@ -6652,7 +6914,13 @@
           <a:p>
             <a:r>
               <a:rPr lang="en-US" sz="5400" dirty="0" smtClean="0"/>
-              <a:t>INCLASS LECTURES</a:t>
+              <a:t>HOMEWORK</a:t>
+            </a:r>
+          </a:p>
+          <a:p>
+            <a:r>
+              <a:rPr lang="en-US" sz="5400" dirty="0" smtClean="0"/>
+              <a:t>HELP</a:t>
             </a:r>
             <a:endParaRPr lang="en-US" sz="5400" dirty="0"/>
           </a:p>
@@ -6683,7 +6951,7 @@
             <a:pPr algn="ctr"/>
             <a:r>
               <a:rPr lang="en-US" dirty="0" smtClean="0"/>
-              <a:t>March 9, 2020</a:t>
+              <a:t>Jan. 24, 2020</a:t>
             </a:r>
             <a:endParaRPr lang="en-US" dirty="0"/>
           </a:p>
@@ -6697,7 +6965,7 @@
         </p:nvSpPr>
         <p:spPr>
           <a:xfrm>
-            <a:off x="2175358" y="3486436"/>
+            <a:off x="2000886" y="3743671"/>
             <a:ext cx="5005769" cy="1200329"/>
           </a:xfrm>
           <a:prstGeom prst="rect">
@@ -6714,7 +6982,7 @@
             <a:pPr algn="ctr"/>
             <a:r>
               <a:rPr lang="en-US" dirty="0" smtClean="0"/>
-              <a:t>Chapter 12</a:t>
+              <a:t>Chapter 4</a:t>
             </a:r>
             <a:endParaRPr lang="en-US" dirty="0"/>
           </a:p>
@@ -6722,23 +6990,27 @@
             <a:pPr algn="ctr"/>
             <a:r>
               <a:rPr lang="en-US" b="1" u="sng" dirty="0" smtClean="0"/>
-              <a:t>One-way Independent Groups ANOVA</a:t>
-            </a:r>
-            <a:endParaRPr lang="en-US" dirty="0" smtClean="0"/>
-          </a:p>
-          <a:p>
-            <a:pPr algn="ctr"/>
-            <a:r>
-              <a:rPr lang="en-US" i="1" dirty="0" smtClean="0"/>
-              <a:t>First half, chapter slides</a:t>
-            </a:r>
-          </a:p>
-          <a:p>
-            <a:pPr algn="ctr"/>
-            <a:r>
-              <a:rPr lang="en-US" i="1" dirty="0" smtClean="0"/>
-              <a:t>Mostly New Material Presentation</a:t>
-            </a:r>
+              <a:t>Standardized Scores &amp; the Normal Distribution</a:t>
+            </a:r>
+          </a:p>
+          <a:p>
+            <a:pPr algn="ctr"/>
+            <a:r>
+              <a:rPr lang="en-US" b="1" dirty="0" smtClean="0"/>
+              <a:t>4B #6: IQ (mu = 100, </a:t>
+            </a:r>
+            <a:r>
+              <a:rPr lang="en-US" b="1" dirty="0" err="1" smtClean="0"/>
+              <a:t>sd</a:t>
+            </a:r>
+            <a:r>
+              <a:rPr lang="en-US" b="1" dirty="0" smtClean="0"/>
+              <a:t>=15) -&gt; sample w/M = 108</a:t>
+            </a:r>
+          </a:p>
+          <a:p>
+            <a:pPr algn="ctr"/>
+            <a:endParaRPr lang="en-US" b="1" dirty="0"/>
           </a:p>
         </p:txBody>
       </p:sp>
@@ -6880,7 +7152,7 @@
     </p:spTree>
     <p:extLst>
       <p:ext uri="{BB962C8B-B14F-4D97-AF65-F5344CB8AC3E}">
-        <p14:creationId xmlns:p14="http://schemas.microsoft.com/office/powerpoint/2010/main" val="2758197068"/>
+        <p14:creationId xmlns:p14="http://schemas.microsoft.com/office/powerpoint/2010/main" val="3542266102"/>
       </p:ext>
     </p:extLst>
   </p:cSld>
@@ -6890,7 +7162,7 @@
 </p:sld>
 </file>
 
-<file path=ppt/slides/slide7.xml><?xml version="1.0" encoding="utf-8"?>
+<file path=ppt/slides/slide5.xml><?xml version="1.0" encoding="utf-8"?>
 <p:sld xmlns:a="http://schemas.openxmlformats.org/drawingml/2006/main" xmlns:r="http://schemas.openxmlformats.org/officeDocument/2006/relationships" xmlns:p="http://schemas.openxmlformats.org/presentationml/2006/main">
   <p:cSld>
     <p:spTree>
@@ -6961,8 +7233,8 @@
         </p:nvSpPr>
         <p:spPr>
           <a:xfrm>
-            <a:off x="3840385" y="1213849"/>
-            <a:ext cx="5712369" cy="923330"/>
+            <a:off x="4003824" y="1483154"/>
+            <a:ext cx="5712369" cy="1754326"/>
           </a:xfrm>
           <a:prstGeom prst="rect">
             <a:avLst/>
@@ -6977,7 +7249,7 @@
           <a:p>
             <a:r>
               <a:rPr lang="en-US" sz="5400" dirty="0" smtClean="0"/>
-              <a:t>INCLASS LECTURES</a:t>
+              <a:t>OUT-OF-CLASS LECTURES</a:t>
             </a:r>
             <a:endParaRPr lang="en-US" sz="5400" dirty="0"/>
           </a:p>
@@ -7008,7 +7280,7 @@
             <a:pPr algn="ctr"/>
             <a:r>
               <a:rPr lang="en-US" dirty="0" smtClean="0"/>
-              <a:t>Feb. 19, 2020</a:t>
+              <a:t>Jan. 24, 2020</a:t>
             </a:r>
             <a:endParaRPr lang="en-US" dirty="0"/>
           </a:p>
@@ -7022,7 +7294,7 @@
         </p:nvSpPr>
         <p:spPr>
           <a:xfrm>
-            <a:off x="2130478" y="2956774"/>
+            <a:off x="2000886" y="3743671"/>
             <a:ext cx="5005769" cy="923330"/>
           </a:xfrm>
           <a:prstGeom prst="rect">
@@ -7039,26 +7311,23 @@
             <a:pPr algn="ctr"/>
             <a:r>
               <a:rPr lang="en-US" dirty="0" smtClean="0"/>
-              <a:t>Chapter </a:t>
-            </a:r>
-            <a:r>
-              <a:rPr lang="en-US" dirty="0"/>
-              <a:t>9</a:t>
-            </a:r>
+              <a:t>Chapter 4</a:t>
+            </a:r>
+            <a:endParaRPr lang="en-US" dirty="0"/>
           </a:p>
           <a:p>
             <a:pPr algn="ctr"/>
             <a:r>
               <a:rPr lang="en-US" b="1" u="sng" dirty="0" smtClean="0"/>
-              <a:t>Correlation</a:t>
-            </a:r>
-            <a:endParaRPr lang="en-US" dirty="0" smtClean="0"/>
+              <a:t>Standardized Scores &amp; the Normal Distribution</a:t>
+            </a:r>
+            <a:endParaRPr lang="en-US" b="1" u="sng" dirty="0"/>
           </a:p>
           <a:p>
             <a:pPr algn="ctr"/>
             <a:r>
               <a:rPr lang="en-US" i="1" dirty="0" smtClean="0"/>
-              <a:t>Second half, chapter slides</a:t>
+              <a:t>Lecture Slide Examples Worked</a:t>
             </a:r>
           </a:p>
         </p:txBody>
@@ -7198,56 +7467,10 @@
           </a:prstGeom>
         </p:spPr>
       </p:pic>
-      <p:sp>
-        <p:nvSpPr>
-          <p:cNvPr id="15" name="TextBox 14"/>
-          <p:cNvSpPr txBox="1"/>
-          <p:nvPr/>
-        </p:nvSpPr>
-        <p:spPr>
-          <a:xfrm>
-            <a:off x="2107241" y="4130160"/>
-            <a:ext cx="5005769" cy="923330"/>
-          </a:xfrm>
-          <a:prstGeom prst="rect">
-            <a:avLst/>
-          </a:prstGeom>
-          <a:noFill/>
-        </p:spPr>
-        <p:txBody>
-          <a:bodyPr wrap="square" rtlCol="0">
-            <a:spAutoFit/>
-          </a:bodyPr>
-          <a:lstStyle/>
-          <a:p>
-            <a:pPr algn="ctr"/>
-            <a:r>
-              <a:rPr lang="en-US" dirty="0" smtClean="0"/>
-              <a:t>Chapter 10</a:t>
-            </a:r>
-            <a:endParaRPr lang="en-US" dirty="0"/>
-          </a:p>
-          <a:p>
-            <a:pPr algn="ctr"/>
-            <a:r>
-              <a:rPr lang="en-US" b="1" u="sng" dirty="0" smtClean="0"/>
-              <a:t>Simple Linear Regression</a:t>
-            </a:r>
-            <a:endParaRPr lang="en-US" dirty="0" smtClean="0"/>
-          </a:p>
-          <a:p>
-            <a:pPr algn="ctr"/>
-            <a:r>
-              <a:rPr lang="en-US" i="1" dirty="0" smtClean="0"/>
-              <a:t>chapter slides (majority)</a:t>
-            </a:r>
-          </a:p>
-        </p:txBody>
-      </p:sp>
     </p:spTree>
     <p:extLst>
       <p:ext uri="{BB962C8B-B14F-4D97-AF65-F5344CB8AC3E}">
-        <p14:creationId xmlns:p14="http://schemas.microsoft.com/office/powerpoint/2010/main" val="2730707931"/>
+        <p14:creationId xmlns:p14="http://schemas.microsoft.com/office/powerpoint/2010/main" val="267042058"/>
       </p:ext>
     </p:extLst>
   </p:cSld>
@@ -7257,7 +7480,7 @@
 </p:sld>
 </file>
 
-<file path=ppt/slides/slide8.xml><?xml version="1.0" encoding="utf-8"?>
+<file path=ppt/slides/slide6.xml><?xml version="1.0" encoding="utf-8"?>
 <p:sld xmlns:a="http://schemas.openxmlformats.org/drawingml/2006/main" xmlns:r="http://schemas.openxmlformats.org/officeDocument/2006/relationships" xmlns:p="http://schemas.openxmlformats.org/presentationml/2006/main">
   <p:cSld>
     <p:spTree>
@@ -7328,8 +7551,8 @@
         </p:nvSpPr>
         <p:spPr>
           <a:xfrm>
-            <a:off x="3840385" y="1213849"/>
-            <a:ext cx="5712369" cy="923330"/>
+            <a:off x="4184694" y="1065121"/>
+            <a:ext cx="5712369" cy="1754326"/>
           </a:xfrm>
           <a:prstGeom prst="rect">
             <a:avLst/>
@@ -7344,7 +7567,7 @@
           <a:p>
             <a:r>
               <a:rPr lang="en-US" sz="5400" dirty="0" smtClean="0"/>
-              <a:t>INCLASS LECTURES</a:t>
+              <a:t>OUT-OF-CLASS LECTURES</a:t>
             </a:r>
             <a:endParaRPr lang="en-US" sz="5400" dirty="0"/>
           </a:p>
@@ -7375,7 +7598,7 @@
             <a:pPr algn="ctr"/>
             <a:r>
               <a:rPr lang="en-US" dirty="0" smtClean="0"/>
-              <a:t>Feb. 12, 2020</a:t>
+              <a:t>Jan. 24, 2020</a:t>
             </a:r>
             <a:endParaRPr lang="en-US" dirty="0"/>
           </a:p>
@@ -7389,8 +7612,8 @@
         </p:nvSpPr>
         <p:spPr>
           <a:xfrm>
-            <a:off x="2175357" y="4235713"/>
-            <a:ext cx="5005769" cy="923330"/>
+            <a:off x="2035110" y="3043759"/>
+            <a:ext cx="5005769" cy="1200329"/>
           </a:xfrm>
           <a:prstGeom prst="rect">
             <a:avLst/>
@@ -7406,27 +7629,33 @@
             <a:pPr algn="ctr"/>
             <a:r>
               <a:rPr lang="en-US" dirty="0" smtClean="0"/>
-              <a:t>Chapter </a:t>
-            </a:r>
-            <a:r>
-              <a:rPr lang="en-US" dirty="0"/>
-              <a:t>9</a:t>
-            </a:r>
+              <a:t>Chapter 4</a:t>
+            </a:r>
+            <a:endParaRPr lang="en-US" dirty="0"/>
           </a:p>
           <a:p>
             <a:pPr algn="ctr"/>
             <a:r>
               <a:rPr lang="en-US" b="1" u="sng" dirty="0" smtClean="0"/>
-              <a:t>Correlation</a:t>
-            </a:r>
-            <a:endParaRPr lang="en-US" dirty="0" smtClean="0"/>
+              <a:t>Standardized Scores &amp; the Normal Distribution</a:t>
+            </a:r>
+            <a:endParaRPr lang="en-US" b="1" u="sng" dirty="0"/>
           </a:p>
           <a:p>
             <a:pPr algn="ctr"/>
             <a:r>
               <a:rPr lang="en-US" i="1" dirty="0" smtClean="0"/>
-              <a:t>First half, chapter slides</a:t>
-            </a:r>
+              <a:t>Lecture slides 25-43</a:t>
+            </a:r>
+            <a:endParaRPr lang="en-US" i="1" dirty="0"/>
+          </a:p>
+          <a:p>
+            <a:pPr algn="ctr"/>
+            <a:r>
+              <a:rPr lang="en-US" i="1" dirty="0" smtClean="0"/>
+              <a:t>(Second half)</a:t>
+            </a:r>
+            <a:endParaRPr lang="en-US" i="1" dirty="0"/>
           </a:p>
         </p:txBody>
       </p:sp>
@@ -7565,73 +7794,10 @@
           </a:prstGeom>
         </p:spPr>
       </p:pic>
-      <p:sp>
-        <p:nvSpPr>
-          <p:cNvPr id="13" name="TextBox 12"/>
-          <p:cNvSpPr txBox="1"/>
-          <p:nvPr/>
-        </p:nvSpPr>
-        <p:spPr>
-          <a:xfrm>
-            <a:off x="2175358" y="2646127"/>
-            <a:ext cx="5005769" cy="1477328"/>
-          </a:xfrm>
-          <a:prstGeom prst="rect">
-            <a:avLst/>
-          </a:prstGeom>
-          <a:noFill/>
-        </p:spPr>
-        <p:txBody>
-          <a:bodyPr wrap="square" rtlCol="0">
-            <a:spAutoFit/>
-          </a:bodyPr>
-          <a:lstStyle/>
-          <a:p>
-            <a:pPr algn="ctr"/>
-            <a:r>
-              <a:rPr lang="en-US" dirty="0" smtClean="0"/>
-              <a:t>Chapter </a:t>
-            </a:r>
-            <a:r>
-              <a:rPr lang="en-US" dirty="0"/>
-              <a:t>8</a:t>
-            </a:r>
-          </a:p>
-          <a:p>
-            <a:pPr algn="ctr"/>
-            <a:r>
-              <a:rPr lang="en-US" b="1" u="sng" dirty="0" smtClean="0"/>
-              <a:t>Effect Size &amp; Power Analysis</a:t>
-            </a:r>
-            <a:endParaRPr lang="en-US" dirty="0" smtClean="0"/>
-          </a:p>
-          <a:p>
-            <a:pPr algn="ctr"/>
-            <a:r>
-              <a:rPr lang="en-US" i="1" dirty="0" smtClean="0"/>
-              <a:t>Chapter slides</a:t>
-            </a:r>
-          </a:p>
-          <a:p>
-            <a:pPr algn="ctr"/>
-            <a:r>
-              <a:rPr lang="en-US" i="1" dirty="0" smtClean="0"/>
-              <a:t>Demo G*Power software</a:t>
-            </a:r>
-          </a:p>
-          <a:p>
-            <a:pPr algn="ctr"/>
-            <a:r>
-              <a:rPr lang="en-US" i="1" dirty="0" smtClean="0"/>
-              <a:t>Homework Help</a:t>
-            </a:r>
-          </a:p>
-        </p:txBody>
-      </p:sp>
     </p:spTree>
     <p:extLst>
       <p:ext uri="{BB962C8B-B14F-4D97-AF65-F5344CB8AC3E}">
-        <p14:creationId xmlns:p14="http://schemas.microsoft.com/office/powerpoint/2010/main" val="3221510669"/>
+        <p14:creationId xmlns:p14="http://schemas.microsoft.com/office/powerpoint/2010/main" val="1429724622"/>
       </p:ext>
     </p:extLst>
   </p:cSld>
@@ -7641,7 +7807,7 @@
 </p:sld>
 </file>
 
-<file path=ppt/slides/slide9.xml><?xml version="1.0" encoding="utf-8"?>
+<file path=ppt/slides/slide7.xml><?xml version="1.0" encoding="utf-8"?>
 <p:sld xmlns:a="http://schemas.openxmlformats.org/drawingml/2006/main" xmlns:r="http://schemas.openxmlformats.org/officeDocument/2006/relationships" xmlns:p="http://schemas.openxmlformats.org/presentationml/2006/main">
   <p:cSld>
     <p:spTree>
@@ -7759,7 +7925,7 @@
             <a:pPr algn="ctr"/>
             <a:r>
               <a:rPr lang="en-US" dirty="0" smtClean="0"/>
-              <a:t>Feb. 10, 2020</a:t>
+              <a:t>March 11, 2020</a:t>
             </a:r>
             <a:endParaRPr lang="en-US" dirty="0"/>
           </a:p>
@@ -7773,8 +7939,8 @@
         </p:nvSpPr>
         <p:spPr>
           <a:xfrm>
-            <a:off x="2035110" y="3043759"/>
-            <a:ext cx="5005769" cy="923330"/>
+            <a:off x="2175358" y="3486436"/>
+            <a:ext cx="5005769" cy="1200329"/>
           </a:xfrm>
           <a:prstGeom prst="rect">
             <a:avLst/>
@@ -7790,31 +7956,31 @@
             <a:pPr algn="ctr"/>
             <a:r>
               <a:rPr lang="en-US" dirty="0" smtClean="0"/>
-              <a:t>Chapter </a:t>
-            </a:r>
-            <a:r>
-              <a:rPr lang="en-US" dirty="0"/>
-              <a:t>7</a:t>
-            </a:r>
-          </a:p>
-          <a:p>
-            <a:pPr algn="ctr"/>
-            <a:r>
-              <a:rPr lang="en-US" b="1" u="sng" dirty="0"/>
-              <a:t>Independent Samples t-Test for </a:t>
-            </a:r>
+              <a:t>Chapter 12</a:t>
+            </a:r>
+            <a:endParaRPr lang="en-US" dirty="0"/>
+          </a:p>
+          <a:p>
+            <a:pPr algn="ctr"/>
             <a:r>
               <a:rPr lang="en-US" b="1" u="sng" dirty="0" smtClean="0"/>
-              <a:t>Means</a:t>
-            </a:r>
+              <a:t>One-way Independent Groups ANOVA</a:t>
+            </a:r>
+            <a:endParaRPr lang="en-US" dirty="0" smtClean="0"/>
           </a:p>
           <a:p>
             <a:pPr algn="ctr"/>
             <a:r>
               <a:rPr lang="en-US" i="1" dirty="0" smtClean="0"/>
-              <a:t>Mostly Homework Helps</a:t>
-            </a:r>
-            <a:endParaRPr lang="en-US" i="1" dirty="0"/>
+              <a:t>Second half, chapter slides</a:t>
+            </a:r>
+          </a:p>
+          <a:p>
+            <a:pPr algn="ctr"/>
+            <a:r>
+              <a:rPr lang="en-US" i="1" dirty="0" smtClean="0"/>
+              <a:t>Mostly Examples, Using R, and HW Help</a:t>
+            </a:r>
           </a:p>
         </p:txBody>
       </p:sp>
@@ -7956,7 +8122,699 @@
     </p:spTree>
     <p:extLst>
       <p:ext uri="{BB962C8B-B14F-4D97-AF65-F5344CB8AC3E}">
-        <p14:creationId xmlns:p14="http://schemas.microsoft.com/office/powerpoint/2010/main" val="2916572011"/>
+        <p14:creationId xmlns:p14="http://schemas.microsoft.com/office/powerpoint/2010/main" val="928580799"/>
+      </p:ext>
+    </p:extLst>
+  </p:cSld>
+  <p:clrMapOvr>
+    <a:masterClrMapping/>
+  </p:clrMapOvr>
+</p:sld>
+</file>
+
+<file path=ppt/slides/slide8.xml><?xml version="1.0" encoding="utf-8"?>
+<p:sld xmlns:a="http://schemas.openxmlformats.org/drawingml/2006/main" xmlns:r="http://schemas.openxmlformats.org/officeDocument/2006/relationships" xmlns:p="http://schemas.openxmlformats.org/presentationml/2006/main">
+  <p:cSld>
+    <p:spTree>
+      <p:nvGrpSpPr>
+        <p:cNvPr id="1" name=""/>
+        <p:cNvGrpSpPr/>
+        <p:nvPr/>
+      </p:nvGrpSpPr>
+      <p:grpSpPr>
+        <a:xfrm>
+          <a:off x="0" y="0"/>
+          <a:ext cx="0" cy="0"/>
+          <a:chOff x="0" y="0"/>
+          <a:chExt cx="0" cy="0"/>
+        </a:xfrm>
+      </p:grpSpPr>
+      <p:sp>
+        <p:nvSpPr>
+          <p:cNvPr id="4" name="Rectangle 3"/>
+          <p:cNvSpPr/>
+          <p:nvPr/>
+        </p:nvSpPr>
+        <p:spPr>
+          <a:xfrm>
+            <a:off x="1808702" y="824230"/>
+            <a:ext cx="8778240" cy="5010912"/>
+          </a:xfrm>
+          <a:prstGeom prst="rect">
+            <a:avLst/>
+          </a:prstGeom>
+          <a:solidFill>
+            <a:schemeClr val="bg1">
+              <a:lumMod val="95000"/>
+            </a:schemeClr>
+          </a:solidFill>
+          <a:ln w="38100"/>
+        </p:spPr>
+        <p:style>
+          <a:lnRef idx="2">
+            <a:schemeClr val="accent1">
+              <a:shade val="50000"/>
+            </a:schemeClr>
+          </a:lnRef>
+          <a:fillRef idx="1">
+            <a:schemeClr val="accent1"/>
+          </a:fillRef>
+          <a:effectRef idx="0">
+            <a:schemeClr val="accent1"/>
+          </a:effectRef>
+          <a:fontRef idx="minor">
+            <a:schemeClr val="lt1"/>
+          </a:fontRef>
+        </p:style>
+        <p:txBody>
+          <a:bodyPr rtlCol="0" anchor="ctr"/>
+          <a:lstStyle/>
+          <a:p>
+            <a:pPr algn="ctr"/>
+            <a:endParaRPr lang="en-US"/>
+          </a:p>
+        </p:txBody>
+      </p:sp>
+      <p:sp>
+        <p:nvSpPr>
+          <p:cNvPr id="7" name="TextBox 6"/>
+          <p:cNvSpPr txBox="1"/>
+          <p:nvPr/>
+        </p:nvSpPr>
+        <p:spPr>
+          <a:xfrm>
+            <a:off x="3840385" y="1213849"/>
+            <a:ext cx="5712369" cy="923330"/>
+          </a:xfrm>
+          <a:prstGeom prst="rect">
+            <a:avLst/>
+          </a:prstGeom>
+          <a:noFill/>
+        </p:spPr>
+        <p:txBody>
+          <a:bodyPr wrap="square" rtlCol="0">
+            <a:spAutoFit/>
+          </a:bodyPr>
+          <a:lstStyle/>
+          <a:p>
+            <a:r>
+              <a:rPr lang="en-US" sz="5400" dirty="0" smtClean="0"/>
+              <a:t>INCLASS LECTURES</a:t>
+            </a:r>
+            <a:endParaRPr lang="en-US" sz="5400" dirty="0"/>
+          </a:p>
+        </p:txBody>
+      </p:sp>
+      <p:sp>
+        <p:nvSpPr>
+          <p:cNvPr id="8" name="TextBox 7"/>
+          <p:cNvSpPr txBox="1"/>
+          <p:nvPr/>
+        </p:nvSpPr>
+        <p:spPr>
+          <a:xfrm>
+            <a:off x="7731444" y="5278932"/>
+            <a:ext cx="2076450" cy="369332"/>
+          </a:xfrm>
+          <a:prstGeom prst="rect">
+            <a:avLst/>
+          </a:prstGeom>
+          <a:noFill/>
+        </p:spPr>
+        <p:txBody>
+          <a:bodyPr wrap="square" rtlCol="0">
+            <a:spAutoFit/>
+          </a:bodyPr>
+          <a:lstStyle/>
+          <a:p>
+            <a:pPr algn="ctr"/>
+            <a:r>
+              <a:rPr lang="en-US" dirty="0" smtClean="0"/>
+              <a:t>March 9, 2020</a:t>
+            </a:r>
+            <a:endParaRPr lang="en-US" dirty="0"/>
+          </a:p>
+        </p:txBody>
+      </p:sp>
+      <p:sp>
+        <p:nvSpPr>
+          <p:cNvPr id="9" name="TextBox 8"/>
+          <p:cNvSpPr txBox="1"/>
+          <p:nvPr/>
+        </p:nvSpPr>
+        <p:spPr>
+          <a:xfrm>
+            <a:off x="2175358" y="3486436"/>
+            <a:ext cx="5005769" cy="1200329"/>
+          </a:xfrm>
+          <a:prstGeom prst="rect">
+            <a:avLst/>
+          </a:prstGeom>
+          <a:noFill/>
+        </p:spPr>
+        <p:txBody>
+          <a:bodyPr wrap="square" rtlCol="0">
+            <a:spAutoFit/>
+          </a:bodyPr>
+          <a:lstStyle/>
+          <a:p>
+            <a:pPr algn="ctr"/>
+            <a:r>
+              <a:rPr lang="en-US" dirty="0" smtClean="0"/>
+              <a:t>Chapter 12</a:t>
+            </a:r>
+            <a:endParaRPr lang="en-US" dirty="0"/>
+          </a:p>
+          <a:p>
+            <a:pPr algn="ctr"/>
+            <a:r>
+              <a:rPr lang="en-US" b="1" u="sng" dirty="0" smtClean="0"/>
+              <a:t>One-way Independent Groups ANOVA</a:t>
+            </a:r>
+            <a:endParaRPr lang="en-US" dirty="0" smtClean="0"/>
+          </a:p>
+          <a:p>
+            <a:pPr algn="ctr"/>
+            <a:r>
+              <a:rPr lang="en-US" i="1" dirty="0" smtClean="0"/>
+              <a:t>First half, chapter slides</a:t>
+            </a:r>
+          </a:p>
+          <a:p>
+            <a:pPr algn="ctr"/>
+            <a:r>
+              <a:rPr lang="en-US" i="1" dirty="0" smtClean="0"/>
+              <a:t>Mostly New Material Presentation</a:t>
+            </a:r>
+          </a:p>
+        </p:txBody>
+      </p:sp>
+      <p:grpSp>
+        <p:nvGrpSpPr>
+          <p:cNvPr id="14" name="Group 13"/>
+          <p:cNvGrpSpPr/>
+          <p:nvPr/>
+        </p:nvGrpSpPr>
+        <p:grpSpPr>
+          <a:xfrm>
+            <a:off x="7198839" y="2137179"/>
+            <a:ext cx="3141660" cy="3193339"/>
+            <a:chOff x="7047391" y="1961976"/>
+            <a:chExt cx="3141660" cy="3193339"/>
+          </a:xfrm>
+        </p:grpSpPr>
+        <p:pic>
+          <p:nvPicPr>
+            <p:cNvPr id="2" name="Picture 1"/>
+            <p:cNvPicPr>
+              <a:picLocks noChangeAspect="1"/>
+            </p:cNvPicPr>
+            <p:nvPr/>
+          </p:nvPicPr>
+          <p:blipFill>
+            <a:blip r:embed="rId2" cstate="print">
+              <a:extLst>
+                <a:ext uri="{28A0092B-C50C-407E-A947-70E740481C1C}">
+                  <a14:useLocalDpi xmlns:a14="http://schemas.microsoft.com/office/drawing/2010/main" val="0"/>
+                </a:ext>
+              </a:extLst>
+            </a:blip>
+            <a:stretch>
+              <a:fillRect/>
+            </a:stretch>
+          </p:blipFill>
+          <p:spPr>
+            <a:xfrm>
+              <a:off x="7047391" y="3320161"/>
+              <a:ext cx="1578867" cy="1828804"/>
+            </a:xfrm>
+            <a:prstGeom prst="rect">
+              <a:avLst/>
+            </a:prstGeom>
+          </p:spPr>
+        </p:pic>
+        <p:pic>
+          <p:nvPicPr>
+            <p:cNvPr id="3" name="Picture 2"/>
+            <p:cNvPicPr>
+              <a:picLocks noChangeAspect="1"/>
+            </p:cNvPicPr>
+            <p:nvPr/>
+          </p:nvPicPr>
+          <p:blipFill>
+            <a:blip r:embed="rId3" cstate="print">
+              <a:extLst>
+                <a:ext uri="{28A0092B-C50C-407E-A947-70E740481C1C}">
+                  <a14:useLocalDpi xmlns:a14="http://schemas.microsoft.com/office/drawing/2010/main" val="0"/>
+                </a:ext>
+              </a:extLst>
+            </a:blip>
+            <a:stretch>
+              <a:fillRect/>
+            </a:stretch>
+          </p:blipFill>
+          <p:spPr>
+            <a:xfrm>
+              <a:off x="7830475" y="1961976"/>
+              <a:ext cx="1578867" cy="1828804"/>
+            </a:xfrm>
+            <a:prstGeom prst="rect">
+              <a:avLst/>
+            </a:prstGeom>
+          </p:spPr>
+        </p:pic>
+        <p:pic>
+          <p:nvPicPr>
+            <p:cNvPr id="11" name="Picture 10"/>
+            <p:cNvPicPr>
+              <a:picLocks noChangeAspect="1"/>
+            </p:cNvPicPr>
+            <p:nvPr/>
+          </p:nvPicPr>
+          <p:blipFill>
+            <a:blip r:embed="rId4" cstate="print">
+              <a:extLst>
+                <a:ext uri="{28A0092B-C50C-407E-A947-70E740481C1C}">
+                  <a14:useLocalDpi xmlns:a14="http://schemas.microsoft.com/office/drawing/2010/main" val="0"/>
+                </a:ext>
+              </a:extLst>
+            </a:blip>
+            <a:stretch>
+              <a:fillRect/>
+            </a:stretch>
+          </p:blipFill>
+          <p:spPr>
+            <a:xfrm>
+              <a:off x="8610184" y="3326511"/>
+              <a:ext cx="1578867" cy="1828804"/>
+            </a:xfrm>
+            <a:prstGeom prst="rect">
+              <a:avLst/>
+            </a:prstGeom>
+          </p:spPr>
+        </p:pic>
+      </p:grpSp>
+      <p:pic>
+        <p:nvPicPr>
+          <p:cNvPr id="12" name="Picture 11"/>
+          <p:cNvPicPr>
+            <a:picLocks noChangeAspect="1"/>
+          </p:cNvPicPr>
+          <p:nvPr/>
+        </p:nvPicPr>
+        <p:blipFill>
+          <a:blip r:embed="rId5" cstate="print">
+            <a:extLst>
+              <a:ext uri="{28A0092B-C50C-407E-A947-70E740481C1C}">
+                <a14:useLocalDpi xmlns:a14="http://schemas.microsoft.com/office/drawing/2010/main" val="0"/>
+              </a:ext>
+            </a:extLst>
+          </a:blip>
+          <a:stretch>
+            <a:fillRect/>
+          </a:stretch>
+        </p:blipFill>
+        <p:spPr>
+          <a:xfrm>
+            <a:off x="2035110" y="1019593"/>
+            <a:ext cx="1578867" cy="1828804"/>
+          </a:xfrm>
+          <a:prstGeom prst="rect">
+            <a:avLst/>
+          </a:prstGeom>
+        </p:spPr>
+      </p:pic>
+    </p:spTree>
+    <p:extLst>
+      <p:ext uri="{BB962C8B-B14F-4D97-AF65-F5344CB8AC3E}">
+        <p14:creationId xmlns:p14="http://schemas.microsoft.com/office/powerpoint/2010/main" val="2758197068"/>
+      </p:ext>
+    </p:extLst>
+  </p:cSld>
+  <p:clrMapOvr>
+    <a:masterClrMapping/>
+  </p:clrMapOvr>
+</p:sld>
+</file>
+
+<file path=ppt/slides/slide9.xml><?xml version="1.0" encoding="utf-8"?>
+<p:sld xmlns:a="http://schemas.openxmlformats.org/drawingml/2006/main" xmlns:r="http://schemas.openxmlformats.org/officeDocument/2006/relationships" xmlns:p="http://schemas.openxmlformats.org/presentationml/2006/main">
+  <p:cSld>
+    <p:spTree>
+      <p:nvGrpSpPr>
+        <p:cNvPr id="1" name=""/>
+        <p:cNvGrpSpPr/>
+        <p:nvPr/>
+      </p:nvGrpSpPr>
+      <p:grpSpPr>
+        <a:xfrm>
+          <a:off x="0" y="0"/>
+          <a:ext cx="0" cy="0"/>
+          <a:chOff x="0" y="0"/>
+          <a:chExt cx="0" cy="0"/>
+        </a:xfrm>
+      </p:grpSpPr>
+      <p:sp>
+        <p:nvSpPr>
+          <p:cNvPr id="4" name="Rectangle 3"/>
+          <p:cNvSpPr/>
+          <p:nvPr/>
+        </p:nvSpPr>
+        <p:spPr>
+          <a:xfrm>
+            <a:off x="1808702" y="824230"/>
+            <a:ext cx="8778240" cy="5010912"/>
+          </a:xfrm>
+          <a:prstGeom prst="rect">
+            <a:avLst/>
+          </a:prstGeom>
+          <a:solidFill>
+            <a:schemeClr val="bg1">
+              <a:lumMod val="95000"/>
+            </a:schemeClr>
+          </a:solidFill>
+          <a:ln w="38100"/>
+        </p:spPr>
+        <p:style>
+          <a:lnRef idx="2">
+            <a:schemeClr val="accent1">
+              <a:shade val="50000"/>
+            </a:schemeClr>
+          </a:lnRef>
+          <a:fillRef idx="1">
+            <a:schemeClr val="accent1"/>
+          </a:fillRef>
+          <a:effectRef idx="0">
+            <a:schemeClr val="accent1"/>
+          </a:effectRef>
+          <a:fontRef idx="minor">
+            <a:schemeClr val="lt1"/>
+          </a:fontRef>
+        </p:style>
+        <p:txBody>
+          <a:bodyPr rtlCol="0" anchor="ctr"/>
+          <a:lstStyle/>
+          <a:p>
+            <a:pPr algn="ctr"/>
+            <a:endParaRPr lang="en-US"/>
+          </a:p>
+        </p:txBody>
+      </p:sp>
+      <p:sp>
+        <p:nvSpPr>
+          <p:cNvPr id="7" name="TextBox 6"/>
+          <p:cNvSpPr txBox="1"/>
+          <p:nvPr/>
+        </p:nvSpPr>
+        <p:spPr>
+          <a:xfrm>
+            <a:off x="3840385" y="1213849"/>
+            <a:ext cx="5712369" cy="923330"/>
+          </a:xfrm>
+          <a:prstGeom prst="rect">
+            <a:avLst/>
+          </a:prstGeom>
+          <a:noFill/>
+        </p:spPr>
+        <p:txBody>
+          <a:bodyPr wrap="square" rtlCol="0">
+            <a:spAutoFit/>
+          </a:bodyPr>
+          <a:lstStyle/>
+          <a:p>
+            <a:r>
+              <a:rPr lang="en-US" sz="5400" dirty="0" smtClean="0"/>
+              <a:t>INCLASS LECTURES</a:t>
+            </a:r>
+            <a:endParaRPr lang="en-US" sz="5400" dirty="0"/>
+          </a:p>
+        </p:txBody>
+      </p:sp>
+      <p:sp>
+        <p:nvSpPr>
+          <p:cNvPr id="8" name="TextBox 7"/>
+          <p:cNvSpPr txBox="1"/>
+          <p:nvPr/>
+        </p:nvSpPr>
+        <p:spPr>
+          <a:xfrm>
+            <a:off x="7731444" y="5278932"/>
+            <a:ext cx="2076450" cy="369332"/>
+          </a:xfrm>
+          <a:prstGeom prst="rect">
+            <a:avLst/>
+          </a:prstGeom>
+          <a:noFill/>
+        </p:spPr>
+        <p:txBody>
+          <a:bodyPr wrap="square" rtlCol="0">
+            <a:spAutoFit/>
+          </a:bodyPr>
+          <a:lstStyle/>
+          <a:p>
+            <a:pPr algn="ctr"/>
+            <a:r>
+              <a:rPr lang="en-US" dirty="0" smtClean="0"/>
+              <a:t>Feb. 19, 2020</a:t>
+            </a:r>
+            <a:endParaRPr lang="en-US" dirty="0"/>
+          </a:p>
+        </p:txBody>
+      </p:sp>
+      <p:sp>
+        <p:nvSpPr>
+          <p:cNvPr id="9" name="TextBox 8"/>
+          <p:cNvSpPr txBox="1"/>
+          <p:nvPr/>
+        </p:nvSpPr>
+        <p:spPr>
+          <a:xfrm>
+            <a:off x="2130478" y="2956774"/>
+            <a:ext cx="5005769" cy="923330"/>
+          </a:xfrm>
+          <a:prstGeom prst="rect">
+            <a:avLst/>
+          </a:prstGeom>
+          <a:noFill/>
+        </p:spPr>
+        <p:txBody>
+          <a:bodyPr wrap="square" rtlCol="0">
+            <a:spAutoFit/>
+          </a:bodyPr>
+          <a:lstStyle/>
+          <a:p>
+            <a:pPr algn="ctr"/>
+            <a:r>
+              <a:rPr lang="en-US" dirty="0" smtClean="0"/>
+              <a:t>Chapter </a:t>
+            </a:r>
+            <a:r>
+              <a:rPr lang="en-US" dirty="0"/>
+              <a:t>9</a:t>
+            </a:r>
+          </a:p>
+          <a:p>
+            <a:pPr algn="ctr"/>
+            <a:r>
+              <a:rPr lang="en-US" b="1" u="sng" dirty="0" smtClean="0"/>
+              <a:t>Correlation</a:t>
+            </a:r>
+            <a:endParaRPr lang="en-US" dirty="0" smtClean="0"/>
+          </a:p>
+          <a:p>
+            <a:pPr algn="ctr"/>
+            <a:r>
+              <a:rPr lang="en-US" i="1" dirty="0" smtClean="0"/>
+              <a:t>Second half, chapter slides</a:t>
+            </a:r>
+          </a:p>
+        </p:txBody>
+      </p:sp>
+      <p:grpSp>
+        <p:nvGrpSpPr>
+          <p:cNvPr id="14" name="Group 13"/>
+          <p:cNvGrpSpPr/>
+          <p:nvPr/>
+        </p:nvGrpSpPr>
+        <p:grpSpPr>
+          <a:xfrm>
+            <a:off x="7198839" y="2137179"/>
+            <a:ext cx="3141660" cy="3193339"/>
+            <a:chOff x="7047391" y="1961976"/>
+            <a:chExt cx="3141660" cy="3193339"/>
+          </a:xfrm>
+        </p:grpSpPr>
+        <p:pic>
+          <p:nvPicPr>
+            <p:cNvPr id="2" name="Picture 1"/>
+            <p:cNvPicPr>
+              <a:picLocks noChangeAspect="1"/>
+            </p:cNvPicPr>
+            <p:nvPr/>
+          </p:nvPicPr>
+          <p:blipFill>
+            <a:blip r:embed="rId2" cstate="print">
+              <a:extLst>
+                <a:ext uri="{28A0092B-C50C-407E-A947-70E740481C1C}">
+                  <a14:useLocalDpi xmlns:a14="http://schemas.microsoft.com/office/drawing/2010/main" val="0"/>
+                </a:ext>
+              </a:extLst>
+            </a:blip>
+            <a:stretch>
+              <a:fillRect/>
+            </a:stretch>
+          </p:blipFill>
+          <p:spPr>
+            <a:xfrm>
+              <a:off x="7047391" y="3320161"/>
+              <a:ext cx="1578867" cy="1828804"/>
+            </a:xfrm>
+            <a:prstGeom prst="rect">
+              <a:avLst/>
+            </a:prstGeom>
+          </p:spPr>
+        </p:pic>
+        <p:pic>
+          <p:nvPicPr>
+            <p:cNvPr id="3" name="Picture 2"/>
+            <p:cNvPicPr>
+              <a:picLocks noChangeAspect="1"/>
+            </p:cNvPicPr>
+            <p:nvPr/>
+          </p:nvPicPr>
+          <p:blipFill>
+            <a:blip r:embed="rId3" cstate="print">
+              <a:extLst>
+                <a:ext uri="{28A0092B-C50C-407E-A947-70E740481C1C}">
+                  <a14:useLocalDpi xmlns:a14="http://schemas.microsoft.com/office/drawing/2010/main" val="0"/>
+                </a:ext>
+              </a:extLst>
+            </a:blip>
+            <a:stretch>
+              <a:fillRect/>
+            </a:stretch>
+          </p:blipFill>
+          <p:spPr>
+            <a:xfrm>
+              <a:off x="7830475" y="1961976"/>
+              <a:ext cx="1578867" cy="1828804"/>
+            </a:xfrm>
+            <a:prstGeom prst="rect">
+              <a:avLst/>
+            </a:prstGeom>
+          </p:spPr>
+        </p:pic>
+        <p:pic>
+          <p:nvPicPr>
+            <p:cNvPr id="11" name="Picture 10"/>
+            <p:cNvPicPr>
+              <a:picLocks noChangeAspect="1"/>
+            </p:cNvPicPr>
+            <p:nvPr/>
+          </p:nvPicPr>
+          <p:blipFill>
+            <a:blip r:embed="rId4" cstate="print">
+              <a:extLst>
+                <a:ext uri="{28A0092B-C50C-407E-A947-70E740481C1C}">
+                  <a14:useLocalDpi xmlns:a14="http://schemas.microsoft.com/office/drawing/2010/main" val="0"/>
+                </a:ext>
+              </a:extLst>
+            </a:blip>
+            <a:stretch>
+              <a:fillRect/>
+            </a:stretch>
+          </p:blipFill>
+          <p:spPr>
+            <a:xfrm>
+              <a:off x="8610184" y="3326511"/>
+              <a:ext cx="1578867" cy="1828804"/>
+            </a:xfrm>
+            <a:prstGeom prst="rect">
+              <a:avLst/>
+            </a:prstGeom>
+          </p:spPr>
+        </p:pic>
+      </p:grpSp>
+      <p:pic>
+        <p:nvPicPr>
+          <p:cNvPr id="12" name="Picture 11"/>
+          <p:cNvPicPr>
+            <a:picLocks noChangeAspect="1"/>
+          </p:cNvPicPr>
+          <p:nvPr/>
+        </p:nvPicPr>
+        <p:blipFill>
+          <a:blip r:embed="rId5" cstate="print">
+            <a:extLst>
+              <a:ext uri="{28A0092B-C50C-407E-A947-70E740481C1C}">
+                <a14:useLocalDpi xmlns:a14="http://schemas.microsoft.com/office/drawing/2010/main" val="0"/>
+              </a:ext>
+            </a:extLst>
+          </a:blip>
+          <a:stretch>
+            <a:fillRect/>
+          </a:stretch>
+        </p:blipFill>
+        <p:spPr>
+          <a:xfrm>
+            <a:off x="2035110" y="1019593"/>
+            <a:ext cx="1578867" cy="1828804"/>
+          </a:xfrm>
+          <a:prstGeom prst="rect">
+            <a:avLst/>
+          </a:prstGeom>
+        </p:spPr>
+      </p:pic>
+      <p:sp>
+        <p:nvSpPr>
+          <p:cNvPr id="15" name="TextBox 14"/>
+          <p:cNvSpPr txBox="1"/>
+          <p:nvPr/>
+        </p:nvSpPr>
+        <p:spPr>
+          <a:xfrm>
+            <a:off x="2107241" y="4130160"/>
+            <a:ext cx="5005769" cy="923330"/>
+          </a:xfrm>
+          <a:prstGeom prst="rect">
+            <a:avLst/>
+          </a:prstGeom>
+          <a:noFill/>
+        </p:spPr>
+        <p:txBody>
+          <a:bodyPr wrap="square" rtlCol="0">
+            <a:spAutoFit/>
+          </a:bodyPr>
+          <a:lstStyle/>
+          <a:p>
+            <a:pPr algn="ctr"/>
+            <a:r>
+              <a:rPr lang="en-US" dirty="0" smtClean="0"/>
+              <a:t>Chapter 10</a:t>
+            </a:r>
+            <a:endParaRPr lang="en-US" dirty="0"/>
+          </a:p>
+          <a:p>
+            <a:pPr algn="ctr"/>
+            <a:r>
+              <a:rPr lang="en-US" b="1" u="sng" dirty="0" smtClean="0"/>
+              <a:t>Simple Linear Regression</a:t>
+            </a:r>
+            <a:endParaRPr lang="en-US" dirty="0" smtClean="0"/>
+          </a:p>
+          <a:p>
+            <a:pPr algn="ctr"/>
+            <a:r>
+              <a:rPr lang="en-US" i="1" dirty="0" smtClean="0"/>
+              <a:t>chapter slides (majority)</a:t>
+            </a:r>
+          </a:p>
+        </p:txBody>
+      </p:sp>
+    </p:spTree>
+    <p:extLst>
+      <p:ext uri="{BB962C8B-B14F-4D97-AF65-F5344CB8AC3E}">
+        <p14:creationId xmlns:p14="http://schemas.microsoft.com/office/powerpoint/2010/main" val="2730707931"/>
       </p:ext>
     </p:extLst>
   </p:cSld>

--- a/static/img/youtube_thumbnails/video_thumbnail_building.pptx
+++ b/static/img/youtube_thumbnails/video_thumbnail_building.pptx
@@ -5,23 +5,25 @@
     <p:sldMasterId id="2147483648" r:id="rId1"/>
   </p:sldMasterIdLst>
   <p:sldIdLst>
-    <p:sldId id="272" r:id="rId2"/>
-    <p:sldId id="271" r:id="rId3"/>
-    <p:sldId id="270" r:id="rId4"/>
-    <p:sldId id="259" r:id="rId5"/>
-    <p:sldId id="261" r:id="rId6"/>
-    <p:sldId id="260" r:id="rId7"/>
-    <p:sldId id="269" r:id="rId8"/>
-    <p:sldId id="268" r:id="rId9"/>
-    <p:sldId id="267" r:id="rId10"/>
-    <p:sldId id="266" r:id="rId11"/>
-    <p:sldId id="265" r:id="rId12"/>
-    <p:sldId id="264" r:id="rId13"/>
-    <p:sldId id="263" r:id="rId14"/>
-    <p:sldId id="262" r:id="rId15"/>
-    <p:sldId id="257" r:id="rId16"/>
-    <p:sldId id="256" r:id="rId17"/>
-    <p:sldId id="258" r:id="rId18"/>
+    <p:sldId id="273" r:id="rId2"/>
+    <p:sldId id="274" r:id="rId3"/>
+    <p:sldId id="272" r:id="rId4"/>
+    <p:sldId id="271" r:id="rId5"/>
+    <p:sldId id="270" r:id="rId6"/>
+    <p:sldId id="259" r:id="rId7"/>
+    <p:sldId id="261" r:id="rId8"/>
+    <p:sldId id="260" r:id="rId9"/>
+    <p:sldId id="269" r:id="rId10"/>
+    <p:sldId id="268" r:id="rId11"/>
+    <p:sldId id="267" r:id="rId12"/>
+    <p:sldId id="266" r:id="rId13"/>
+    <p:sldId id="265" r:id="rId14"/>
+    <p:sldId id="264" r:id="rId15"/>
+    <p:sldId id="263" r:id="rId16"/>
+    <p:sldId id="262" r:id="rId17"/>
+    <p:sldId id="257" r:id="rId18"/>
+    <p:sldId id="256" r:id="rId19"/>
+    <p:sldId id="258" r:id="rId20"/>
   </p:sldIdLst>
   <p:sldSz cx="12192000" cy="6858000"/>
   <p:notesSz cx="6858000" cy="9144000"/>
@@ -259,7 +261,7 @@
           <a:p>
             <a:fld id="{3C68F153-927F-4ADA-A90F-AFD816292B90}" type="datetimeFigureOut">
               <a:rPr lang="en-US" smtClean="0"/>
-              <a:t>3/25/2020</a:t>
+              <a:t>4/1/2020</a:t>
             </a:fld>
             <a:endParaRPr lang="en-US"/>
           </a:p>
@@ -429,7 +431,7 @@
           <a:p>
             <a:fld id="{3C68F153-927F-4ADA-A90F-AFD816292B90}" type="datetimeFigureOut">
               <a:rPr lang="en-US" smtClean="0"/>
-              <a:t>3/25/2020</a:t>
+              <a:t>4/1/2020</a:t>
             </a:fld>
             <a:endParaRPr lang="en-US"/>
           </a:p>
@@ -609,7 +611,7 @@
           <a:p>
             <a:fld id="{3C68F153-927F-4ADA-A90F-AFD816292B90}" type="datetimeFigureOut">
               <a:rPr lang="en-US" smtClean="0"/>
-              <a:t>3/25/2020</a:t>
+              <a:t>4/1/2020</a:t>
             </a:fld>
             <a:endParaRPr lang="en-US"/>
           </a:p>
@@ -779,7 +781,7 @@
           <a:p>
             <a:fld id="{3C68F153-927F-4ADA-A90F-AFD816292B90}" type="datetimeFigureOut">
               <a:rPr lang="en-US" smtClean="0"/>
-              <a:t>3/25/2020</a:t>
+              <a:t>4/1/2020</a:t>
             </a:fld>
             <a:endParaRPr lang="en-US"/>
           </a:p>
@@ -1025,7 +1027,7 @@
           <a:p>
             <a:fld id="{3C68F153-927F-4ADA-A90F-AFD816292B90}" type="datetimeFigureOut">
               <a:rPr lang="en-US" smtClean="0"/>
-              <a:t>3/25/2020</a:t>
+              <a:t>4/1/2020</a:t>
             </a:fld>
             <a:endParaRPr lang="en-US"/>
           </a:p>
@@ -1257,7 +1259,7 @@
           <a:p>
             <a:fld id="{3C68F153-927F-4ADA-A90F-AFD816292B90}" type="datetimeFigureOut">
               <a:rPr lang="en-US" smtClean="0"/>
-              <a:t>3/25/2020</a:t>
+              <a:t>4/1/2020</a:t>
             </a:fld>
             <a:endParaRPr lang="en-US"/>
           </a:p>
@@ -1624,7 +1626,7 @@
           <a:p>
             <a:fld id="{3C68F153-927F-4ADA-A90F-AFD816292B90}" type="datetimeFigureOut">
               <a:rPr lang="en-US" smtClean="0"/>
-              <a:t>3/25/2020</a:t>
+              <a:t>4/1/2020</a:t>
             </a:fld>
             <a:endParaRPr lang="en-US"/>
           </a:p>
@@ -1742,7 +1744,7 @@
           <a:p>
             <a:fld id="{3C68F153-927F-4ADA-A90F-AFD816292B90}" type="datetimeFigureOut">
               <a:rPr lang="en-US" smtClean="0"/>
-              <a:t>3/25/2020</a:t>
+              <a:t>4/1/2020</a:t>
             </a:fld>
             <a:endParaRPr lang="en-US"/>
           </a:p>
@@ -1837,7 +1839,7 @@
           <a:p>
             <a:fld id="{3C68F153-927F-4ADA-A90F-AFD816292B90}" type="datetimeFigureOut">
               <a:rPr lang="en-US" smtClean="0"/>
-              <a:t>3/25/2020</a:t>
+              <a:t>4/1/2020</a:t>
             </a:fld>
             <a:endParaRPr lang="en-US"/>
           </a:p>
@@ -2114,7 +2116,7 @@
           <a:p>
             <a:fld id="{3C68F153-927F-4ADA-A90F-AFD816292B90}" type="datetimeFigureOut">
               <a:rPr lang="en-US" smtClean="0"/>
-              <a:t>3/25/2020</a:t>
+              <a:t>4/1/2020</a:t>
             </a:fld>
             <a:endParaRPr lang="en-US"/>
           </a:p>
@@ -2367,7 +2369,7 @@
           <a:p>
             <a:fld id="{3C68F153-927F-4ADA-A90F-AFD816292B90}" type="datetimeFigureOut">
               <a:rPr lang="en-US" smtClean="0"/>
-              <a:t>3/25/2020</a:t>
+              <a:t>4/1/2020</a:t>
             </a:fld>
             <a:endParaRPr lang="en-US"/>
           </a:p>
@@ -2580,7 +2582,7 @@
           <a:p>
             <a:fld id="{3C68F153-927F-4ADA-A90F-AFD816292B90}" type="datetimeFigureOut">
               <a:rPr lang="en-US" smtClean="0"/>
-              <a:t>3/25/2020</a:t>
+              <a:t>4/1/2020</a:t>
             </a:fld>
             <a:endParaRPr lang="en-US"/>
           </a:p>
@@ -2993,7 +2995,7 @@
         </p:nvSpPr>
         <p:spPr>
           <a:xfrm>
-            <a:off x="1853580" y="824230"/>
+            <a:off x="1808702" y="824230"/>
             <a:ext cx="8778240" cy="5010912"/>
           </a:xfrm>
           <a:prstGeom prst="rect">
@@ -3039,7 +3041,7 @@
         </p:nvSpPr>
         <p:spPr>
           <a:xfrm>
-            <a:off x="3838696" y="1056832"/>
+            <a:off x="4184694" y="1065121"/>
             <a:ext cx="5712369" cy="1754326"/>
           </a:xfrm>
           <a:prstGeom prst="rect">
@@ -3055,14 +3057,7 @@
           <a:p>
             <a:r>
               <a:rPr lang="en-US" sz="5400" dirty="0" smtClean="0"/>
-              <a:t>Virtual </a:t>
-            </a:r>
-            <a:endParaRPr lang="en-US" sz="5400" dirty="0" smtClean="0"/>
-          </a:p>
-          <a:p>
-            <a:r>
-              <a:rPr lang="en-US" sz="5400" dirty="0" smtClean="0"/>
-              <a:t>Office Hours</a:t>
+              <a:t>OUT-OF-CLASS LECTURES</a:t>
             </a:r>
             <a:endParaRPr lang="en-US" sz="5400" dirty="0"/>
           </a:p>
@@ -3093,11 +3088,15 @@
             <a:pPr algn="ctr"/>
             <a:r>
               <a:rPr lang="en-US" dirty="0" smtClean="0"/>
-              <a:t>March</a:t>
+              <a:t>March </a:t>
             </a:r>
             <a:r>
               <a:rPr lang="en-US" dirty="0" smtClean="0"/>
-              <a:t> 25, </a:t>
+              <a:t>31</a:t>
+            </a:r>
+            <a:r>
+              <a:rPr lang="en-US" dirty="0" smtClean="0"/>
+              <a:t>, </a:t>
             </a:r>
             <a:r>
               <a:rPr lang="en-US" dirty="0" smtClean="0"/>
@@ -3115,7 +3114,7 @@
         </p:nvSpPr>
         <p:spPr>
           <a:xfrm>
-            <a:off x="2023325" y="2848397"/>
+            <a:off x="2035110" y="3043759"/>
             <a:ext cx="5005769" cy="1200329"/>
           </a:xfrm>
           <a:prstGeom prst="rect">
@@ -3131,34 +3130,40 @@
           <a:p>
             <a:pPr algn="ctr"/>
             <a:r>
-              <a:rPr lang="en-US" dirty="0" smtClean="0"/>
-              <a:t>HW 13</a:t>
-            </a:r>
-            <a:r>
-              <a:rPr lang="en-US" dirty="0" smtClean="0"/>
+              <a:rPr lang="en-US" dirty="0"/>
+              <a:t>Chapter 14</a:t>
+            </a:r>
+          </a:p>
+          <a:p>
+            <a:pPr algn="ctr"/>
+            <a:r>
+              <a:rPr lang="en-US" b="1" u="sng" dirty="0"/>
+              <a:t>2-way Factorial ANOVA</a:t>
+            </a:r>
+          </a:p>
+          <a:p>
+            <a:pPr algn="ctr"/>
+            <a:r>
+              <a:rPr lang="en-US" i="1" dirty="0"/>
+              <a:t>Sleep x Stimulant Exa</a:t>
+            </a:r>
+            <a:r>
+              <a:rPr lang="en-US" i="1" dirty="0" smtClean="0"/>
+              <a:t>mple Walk-through</a:t>
+            </a:r>
+            <a:r>
+              <a:rPr lang="en-US" i="1" dirty="0" smtClean="0"/>
               <a:t> </a:t>
             </a:r>
-            <a:endParaRPr lang="en-US" dirty="0"/>
-          </a:p>
-          <a:p>
-            <a:pPr algn="ctr"/>
-            <a:r>
-              <a:rPr lang="en-US" b="1" u="sng" dirty="0" smtClean="0"/>
-              <a:t>Multiple Comparisons: pairwise &amp; linear contrasts</a:t>
-            </a:r>
-            <a:endParaRPr lang="en-US" b="1" u="sng" dirty="0" smtClean="0"/>
-          </a:p>
-          <a:p>
-            <a:pPr algn="ctr"/>
-            <a:r>
-              <a:rPr lang="en-US" dirty="0" smtClean="0"/>
-              <a:t>Items # 5 &amp; 6</a:t>
-            </a:r>
-            <a:endParaRPr lang="en-US" dirty="0" smtClean="0"/>
-          </a:p>
-          <a:p>
-            <a:pPr algn="ctr"/>
-            <a:endParaRPr lang="en-US" b="1" dirty="0"/>
+            <a:endParaRPr lang="en-US" i="1" dirty="0" smtClean="0"/>
+          </a:p>
+          <a:p>
+            <a:pPr algn="ctr"/>
+            <a:r>
+              <a:rPr lang="en-US" i="1" dirty="0" smtClean="0"/>
+              <a:t>Barry Cohen’s Textbook Example </a:t>
+            </a:r>
+            <a:endParaRPr lang="en-US" i="1" dirty="0"/>
           </a:p>
         </p:txBody>
       </p:sp>
@@ -3297,89 +3302,94 @@
           </a:prstGeom>
         </p:spPr>
       </p:pic>
-      <p:sp>
-        <p:nvSpPr>
-          <p:cNvPr id="13" name="TextBox 12"/>
-          <p:cNvSpPr txBox="1"/>
-          <p:nvPr/>
-        </p:nvSpPr>
-        <p:spPr>
-          <a:xfrm>
-            <a:off x="2023324" y="3965983"/>
-            <a:ext cx="5005769" cy="1200329"/>
-          </a:xfrm>
-          <a:prstGeom prst="rect">
-            <a:avLst/>
-          </a:prstGeom>
-          <a:noFill/>
-        </p:spPr>
-        <p:txBody>
-          <a:bodyPr wrap="square" rtlCol="0">
-            <a:spAutoFit/>
-          </a:bodyPr>
-          <a:lstStyle/>
-          <a:p>
-            <a:pPr algn="ctr"/>
-            <a:r>
-              <a:rPr lang="en-US" dirty="0" smtClean="0"/>
-              <a:t>HW 12</a:t>
-            </a:r>
-            <a:r>
-              <a:rPr lang="en-US" dirty="0" smtClean="0"/>
-              <a:t> </a:t>
-            </a:r>
-            <a:endParaRPr lang="en-US" dirty="0"/>
-          </a:p>
-          <a:p>
-            <a:pPr algn="ctr"/>
-            <a:r>
-              <a:rPr lang="en-US" b="1" u="sng" dirty="0" smtClean="0"/>
-              <a:t>One-way, independent groups ANOVA</a:t>
-            </a:r>
-            <a:endParaRPr lang="en-US" b="1" u="sng" dirty="0" smtClean="0"/>
-          </a:p>
-          <a:p>
-            <a:pPr algn="ctr"/>
-            <a:r>
-              <a:rPr lang="en-US" dirty="0" smtClean="0"/>
-              <a:t>Items with APA methods/results</a:t>
-            </a:r>
-            <a:endParaRPr lang="en-US" dirty="0" smtClean="0"/>
-          </a:p>
-          <a:p>
-            <a:pPr algn="ctr"/>
-            <a:endParaRPr lang="en-US" b="1" dirty="0"/>
-          </a:p>
-        </p:txBody>
-      </p:sp>
       <p:pic>
         <p:nvPicPr>
-          <p:cNvPr id="5" name="Picture 4"/>
+          <p:cNvPr id="1026" name="Picture 2" descr="Image result for virus"/>
           <p:cNvPicPr>
-            <a:picLocks noChangeAspect="1"/>
+            <a:picLocks noChangeAspect="1" noChangeArrowheads="1"/>
           </p:cNvPicPr>
           <p:nvPr/>
         </p:nvPicPr>
         <p:blipFill>
-          <a:blip r:embed="rId6"/>
+          <a:blip r:embed="rId6" cstate="print">
+            <a:extLst>
+              <a:ext uri="{28A0092B-C50C-407E-A947-70E740481C1C}">
+                <a14:useLocalDpi xmlns:a14="http://schemas.microsoft.com/office/drawing/2010/main" val="0"/>
+              </a:ext>
+            </a:extLst>
+          </a:blip>
+          <a:srcRect/>
           <a:stretch>
             <a:fillRect/>
           </a:stretch>
         </p:blipFill>
-        <p:spPr>
-          <a:xfrm>
-            <a:off x="1985351" y="4872564"/>
-            <a:ext cx="1853345" cy="853514"/>
-          </a:xfrm>
-          <a:prstGeom prst="rect">
-            <a:avLst/>
-          </a:prstGeom>
+        <p:spPr bwMode="auto">
+          <a:xfrm>
+            <a:off x="1908176" y="4866721"/>
+            <a:ext cx="825034" cy="824421"/>
+          </a:xfrm>
+          <a:prstGeom prst="rect">
+            <a:avLst/>
+          </a:prstGeom>
+          <a:noFill/>
+          <a:extLst>
+            <a:ext uri="{909E8E84-426E-40DD-AFC4-6F175D3DCCD1}">
+              <a14:hiddenFill xmlns:a14="http://schemas.microsoft.com/office/drawing/2010/main">
+                <a:solidFill>
+                  <a:srgbClr val="FFFFFF"/>
+                </a:solidFill>
+              </a14:hiddenFill>
+            </a:ext>
+          </a:extLst>
         </p:spPr>
       </p:pic>
+      <p:sp>
+        <p:nvSpPr>
+          <p:cNvPr id="13" name="TextBox 12"/>
+          <p:cNvSpPr txBox="1"/>
+          <p:nvPr/>
+        </p:nvSpPr>
+        <p:spPr>
+          <a:xfrm>
+            <a:off x="2524444" y="5254195"/>
+            <a:ext cx="1238954" cy="369332"/>
+          </a:xfrm>
+          <a:prstGeom prst="rect">
+            <a:avLst/>
+          </a:prstGeom>
+          <a:noFill/>
+        </p:spPr>
+        <p:txBody>
+          <a:bodyPr wrap="square" rtlCol="0">
+            <a:spAutoFit/>
+          </a:bodyPr>
+          <a:lstStyle/>
+          <a:p>
+            <a:pPr algn="ctr"/>
+            <a:r>
+              <a:rPr lang="en-US" b="1" dirty="0" smtClean="0">
+                <a:solidFill>
+                  <a:schemeClr val="accent1">
+                    <a:lumMod val="75000"/>
+                  </a:schemeClr>
+                </a:solidFill>
+              </a:rPr>
+              <a:t>Covid-19</a:t>
+            </a:r>
+            <a:endParaRPr lang="en-US" b="1" dirty="0">
+              <a:solidFill>
+                <a:schemeClr val="accent1">
+                  <a:lumMod val="75000"/>
+                </a:schemeClr>
+              </a:solidFill>
+            </a:endParaRPr>
+          </a:p>
+        </p:txBody>
+      </p:sp>
     </p:spTree>
     <p:extLst>
       <p:ext uri="{BB962C8B-B14F-4D97-AF65-F5344CB8AC3E}">
-        <p14:creationId xmlns:p14="http://schemas.microsoft.com/office/powerpoint/2010/main" val="636154248"/>
+        <p14:creationId xmlns:p14="http://schemas.microsoft.com/office/powerpoint/2010/main" val="3068570685"/>
       </p:ext>
     </p:extLst>
   </p:cSld>
@@ -3507,7 +3517,7 @@
             <a:pPr algn="ctr"/>
             <a:r>
               <a:rPr lang="en-US" dirty="0" smtClean="0"/>
-              <a:t>Feb. 12, 2020</a:t>
+              <a:t>March 9, 2020</a:t>
             </a:r>
             <a:endParaRPr lang="en-US" dirty="0"/>
           </a:p>
@@ -3521,8 +3531,8 @@
         </p:nvSpPr>
         <p:spPr>
           <a:xfrm>
-            <a:off x="2175357" y="4235713"/>
-            <a:ext cx="5005769" cy="923330"/>
+            <a:off x="2175358" y="3486436"/>
+            <a:ext cx="5005769" cy="1200329"/>
           </a:xfrm>
           <a:prstGeom prst="rect">
             <a:avLst/>
@@ -3538,18 +3548,15 @@
             <a:pPr algn="ctr"/>
             <a:r>
               <a:rPr lang="en-US" dirty="0" smtClean="0"/>
-              <a:t>Chapter </a:t>
-            </a:r>
-            <a:r>
-              <a:rPr lang="en-US" dirty="0"/>
-              <a:t>9</a:t>
-            </a:r>
+              <a:t>Chapter 12</a:t>
+            </a:r>
+            <a:endParaRPr lang="en-US" dirty="0"/>
           </a:p>
           <a:p>
             <a:pPr algn="ctr"/>
             <a:r>
               <a:rPr lang="en-US" b="1" u="sng" dirty="0" smtClean="0"/>
-              <a:t>Correlation</a:t>
+              <a:t>One-way Independent Groups ANOVA</a:t>
             </a:r>
             <a:endParaRPr lang="en-US" dirty="0" smtClean="0"/>
           </a:p>
@@ -3558,6 +3565,13 @@
             <a:r>
               <a:rPr lang="en-US" i="1" dirty="0" smtClean="0"/>
               <a:t>First half, chapter slides</a:t>
+            </a:r>
+          </a:p>
+          <a:p>
+            <a:pPr algn="ctr"/>
+            <a:r>
+              <a:rPr lang="en-US" i="1" dirty="0" smtClean="0"/>
+              <a:t>Mostly New Material Presentation</a:t>
             </a:r>
           </a:p>
         </p:txBody>
@@ -3697,73 +3711,10 @@
           </a:prstGeom>
         </p:spPr>
       </p:pic>
-      <p:sp>
-        <p:nvSpPr>
-          <p:cNvPr id="13" name="TextBox 12"/>
-          <p:cNvSpPr txBox="1"/>
-          <p:nvPr/>
-        </p:nvSpPr>
-        <p:spPr>
-          <a:xfrm>
-            <a:off x="2175358" y="2646127"/>
-            <a:ext cx="5005769" cy="1477328"/>
-          </a:xfrm>
-          <a:prstGeom prst="rect">
-            <a:avLst/>
-          </a:prstGeom>
-          <a:noFill/>
-        </p:spPr>
-        <p:txBody>
-          <a:bodyPr wrap="square" rtlCol="0">
-            <a:spAutoFit/>
-          </a:bodyPr>
-          <a:lstStyle/>
-          <a:p>
-            <a:pPr algn="ctr"/>
-            <a:r>
-              <a:rPr lang="en-US" dirty="0" smtClean="0"/>
-              <a:t>Chapter </a:t>
-            </a:r>
-            <a:r>
-              <a:rPr lang="en-US" dirty="0"/>
-              <a:t>8</a:t>
-            </a:r>
-          </a:p>
-          <a:p>
-            <a:pPr algn="ctr"/>
-            <a:r>
-              <a:rPr lang="en-US" b="1" u="sng" dirty="0" smtClean="0"/>
-              <a:t>Effect Size &amp; Power Analysis</a:t>
-            </a:r>
-            <a:endParaRPr lang="en-US" dirty="0" smtClean="0"/>
-          </a:p>
-          <a:p>
-            <a:pPr algn="ctr"/>
-            <a:r>
-              <a:rPr lang="en-US" i="1" dirty="0" smtClean="0"/>
-              <a:t>Chapter slides</a:t>
-            </a:r>
-          </a:p>
-          <a:p>
-            <a:pPr algn="ctr"/>
-            <a:r>
-              <a:rPr lang="en-US" i="1" dirty="0" smtClean="0"/>
-              <a:t>Demo G*Power software</a:t>
-            </a:r>
-          </a:p>
-          <a:p>
-            <a:pPr algn="ctr"/>
-            <a:r>
-              <a:rPr lang="en-US" i="1" dirty="0" smtClean="0"/>
-              <a:t>Homework Help</a:t>
-            </a:r>
-          </a:p>
-        </p:txBody>
-      </p:sp>
     </p:spTree>
     <p:extLst>
       <p:ext uri="{BB962C8B-B14F-4D97-AF65-F5344CB8AC3E}">
-        <p14:creationId xmlns:p14="http://schemas.microsoft.com/office/powerpoint/2010/main" val="3221510669"/>
+        <p14:creationId xmlns:p14="http://schemas.microsoft.com/office/powerpoint/2010/main" val="2758197068"/>
       </p:ext>
     </p:extLst>
   </p:cSld>
@@ -3891,7 +3842,7 @@
             <a:pPr algn="ctr"/>
             <a:r>
               <a:rPr lang="en-US" dirty="0" smtClean="0"/>
-              <a:t>Feb. 10, 2020</a:t>
+              <a:t>Feb. 19, 2020</a:t>
             </a:r>
             <a:endParaRPr lang="en-US" dirty="0"/>
           </a:p>
@@ -3905,7 +3856,7 @@
         </p:nvSpPr>
         <p:spPr>
           <a:xfrm>
-            <a:off x="2035110" y="3043759"/>
+            <a:off x="2130478" y="2956774"/>
             <a:ext cx="5005769" cy="923330"/>
           </a:xfrm>
           <a:prstGeom prst="rect">
@@ -3926,27 +3877,23 @@
             </a:r>
             <a:r>
               <a:rPr lang="en-US" dirty="0"/>
-              <a:t>7</a:t>
-            </a:r>
-          </a:p>
-          <a:p>
-            <a:pPr algn="ctr"/>
-            <a:r>
-              <a:rPr lang="en-US" b="1" u="sng" dirty="0"/>
-              <a:t>Independent Samples t-Test for </a:t>
-            </a:r>
+              <a:t>9</a:t>
+            </a:r>
+          </a:p>
+          <a:p>
+            <a:pPr algn="ctr"/>
             <a:r>
               <a:rPr lang="en-US" b="1" u="sng" dirty="0" smtClean="0"/>
-              <a:t>Means</a:t>
-            </a:r>
+              <a:t>Correlation</a:t>
+            </a:r>
+            <a:endParaRPr lang="en-US" dirty="0" smtClean="0"/>
           </a:p>
           <a:p>
             <a:pPr algn="ctr"/>
             <a:r>
               <a:rPr lang="en-US" i="1" dirty="0" smtClean="0"/>
-              <a:t>Mostly Homework Helps</a:t>
-            </a:r>
-            <a:endParaRPr lang="en-US" i="1" dirty="0"/>
+              <a:t>Second half, chapter slides</a:t>
+            </a:r>
           </a:p>
         </p:txBody>
       </p:sp>
@@ -4085,10 +4032,56 @@
           </a:prstGeom>
         </p:spPr>
       </p:pic>
+      <p:sp>
+        <p:nvSpPr>
+          <p:cNvPr id="15" name="TextBox 14"/>
+          <p:cNvSpPr txBox="1"/>
+          <p:nvPr/>
+        </p:nvSpPr>
+        <p:spPr>
+          <a:xfrm>
+            <a:off x="2107241" y="4130160"/>
+            <a:ext cx="5005769" cy="923330"/>
+          </a:xfrm>
+          <a:prstGeom prst="rect">
+            <a:avLst/>
+          </a:prstGeom>
+          <a:noFill/>
+        </p:spPr>
+        <p:txBody>
+          <a:bodyPr wrap="square" rtlCol="0">
+            <a:spAutoFit/>
+          </a:bodyPr>
+          <a:lstStyle/>
+          <a:p>
+            <a:pPr algn="ctr"/>
+            <a:r>
+              <a:rPr lang="en-US" dirty="0" smtClean="0"/>
+              <a:t>Chapter 10</a:t>
+            </a:r>
+            <a:endParaRPr lang="en-US" dirty="0"/>
+          </a:p>
+          <a:p>
+            <a:pPr algn="ctr"/>
+            <a:r>
+              <a:rPr lang="en-US" b="1" u="sng" dirty="0" smtClean="0"/>
+              <a:t>Simple Linear Regression</a:t>
+            </a:r>
+            <a:endParaRPr lang="en-US" dirty="0" smtClean="0"/>
+          </a:p>
+          <a:p>
+            <a:pPr algn="ctr"/>
+            <a:r>
+              <a:rPr lang="en-US" i="1" dirty="0" smtClean="0"/>
+              <a:t>chapter slides (majority)</a:t>
+            </a:r>
+          </a:p>
+        </p:txBody>
+      </p:sp>
     </p:spTree>
     <p:extLst>
       <p:ext uri="{BB962C8B-B14F-4D97-AF65-F5344CB8AC3E}">
-        <p14:creationId xmlns:p14="http://schemas.microsoft.com/office/powerpoint/2010/main" val="2916572011"/>
+        <p14:creationId xmlns:p14="http://schemas.microsoft.com/office/powerpoint/2010/main" val="2730707931"/>
       </p:ext>
     </p:extLst>
   </p:cSld>
@@ -4216,7 +4209,7 @@
             <a:pPr algn="ctr"/>
             <a:r>
               <a:rPr lang="en-US" dirty="0" smtClean="0"/>
-              <a:t>Feb. 5, 2020</a:t>
+              <a:t>Feb. 12, 2020</a:t>
             </a:r>
             <a:endParaRPr lang="en-US" dirty="0"/>
           </a:p>
@@ -4230,8 +4223,8 @@
         </p:nvSpPr>
         <p:spPr>
           <a:xfrm>
-            <a:off x="2035110" y="3043759"/>
-            <a:ext cx="5005769" cy="1477328"/>
+            <a:off x="2175357" y="4235713"/>
+            <a:ext cx="5005769" cy="923330"/>
           </a:xfrm>
           <a:prstGeom prst="rect">
             <a:avLst/>
@@ -4251,39 +4244,23 @@
             </a:r>
             <a:r>
               <a:rPr lang="en-US" dirty="0"/>
-              <a:t>6</a:t>
+              <a:t>9</a:t>
             </a:r>
           </a:p>
           <a:p>
             <a:pPr algn="ctr"/>
             <a:r>
               <a:rPr lang="en-US" b="1" u="sng" dirty="0" smtClean="0"/>
-              <a:t>Confidence Interval Estimation: The t Distribution</a:t>
-            </a:r>
-            <a:endParaRPr lang="en-US" b="1" u="sng" dirty="0"/>
+              <a:t>Correlation</a:t>
+            </a:r>
+            <a:endParaRPr lang="en-US" dirty="0" smtClean="0"/>
           </a:p>
           <a:p>
             <a:pPr algn="ctr"/>
             <a:r>
               <a:rPr lang="en-US" i="1" dirty="0" smtClean="0"/>
-              <a:t>Lecture slides</a:t>
-            </a:r>
-            <a:endParaRPr lang="en-US" i="1" dirty="0"/>
-          </a:p>
-          <a:p>
-            <a:pPr algn="ctr"/>
-            <a:r>
-              <a:rPr lang="en-US" i="1" dirty="0" smtClean="0"/>
-              <a:t>(second half)</a:t>
-            </a:r>
-          </a:p>
-          <a:p>
-            <a:pPr algn="ctr"/>
-            <a:r>
-              <a:rPr lang="en-US" i="1" dirty="0" smtClean="0"/>
-              <a:t>Homework Helps</a:t>
-            </a:r>
-            <a:endParaRPr lang="en-US" i="1" dirty="0"/>
+              <a:t>First half, chapter slides</a:t>
+            </a:r>
           </a:p>
         </p:txBody>
       </p:sp>
@@ -4422,10 +4399,73 @@
           </a:prstGeom>
         </p:spPr>
       </p:pic>
+      <p:sp>
+        <p:nvSpPr>
+          <p:cNvPr id="13" name="TextBox 12"/>
+          <p:cNvSpPr txBox="1"/>
+          <p:nvPr/>
+        </p:nvSpPr>
+        <p:spPr>
+          <a:xfrm>
+            <a:off x="2175358" y="2646127"/>
+            <a:ext cx="5005769" cy="1477328"/>
+          </a:xfrm>
+          <a:prstGeom prst="rect">
+            <a:avLst/>
+          </a:prstGeom>
+          <a:noFill/>
+        </p:spPr>
+        <p:txBody>
+          <a:bodyPr wrap="square" rtlCol="0">
+            <a:spAutoFit/>
+          </a:bodyPr>
+          <a:lstStyle/>
+          <a:p>
+            <a:pPr algn="ctr"/>
+            <a:r>
+              <a:rPr lang="en-US" dirty="0" smtClean="0"/>
+              <a:t>Chapter </a:t>
+            </a:r>
+            <a:r>
+              <a:rPr lang="en-US" dirty="0"/>
+              <a:t>8</a:t>
+            </a:r>
+          </a:p>
+          <a:p>
+            <a:pPr algn="ctr"/>
+            <a:r>
+              <a:rPr lang="en-US" b="1" u="sng" dirty="0" smtClean="0"/>
+              <a:t>Effect Size &amp; Power Analysis</a:t>
+            </a:r>
+            <a:endParaRPr lang="en-US" dirty="0" smtClean="0"/>
+          </a:p>
+          <a:p>
+            <a:pPr algn="ctr"/>
+            <a:r>
+              <a:rPr lang="en-US" i="1" dirty="0" smtClean="0"/>
+              <a:t>Chapter slides</a:t>
+            </a:r>
+          </a:p>
+          <a:p>
+            <a:pPr algn="ctr"/>
+            <a:r>
+              <a:rPr lang="en-US" i="1" dirty="0" smtClean="0"/>
+              <a:t>Demo G*Power software</a:t>
+            </a:r>
+          </a:p>
+          <a:p>
+            <a:pPr algn="ctr"/>
+            <a:r>
+              <a:rPr lang="en-US" i="1" dirty="0" smtClean="0"/>
+              <a:t>Homework Help</a:t>
+            </a:r>
+          </a:p>
+        </p:txBody>
+      </p:sp>
     </p:spTree>
     <p:extLst>
       <p:ext uri="{BB962C8B-B14F-4D97-AF65-F5344CB8AC3E}">
-        <p14:creationId xmlns:p14="http://schemas.microsoft.com/office/powerpoint/2010/main" val="3019460125"/>
+        <p14:creationId xmlns:p14="http://schemas.microsoft.com/office/powerpoint/2010/main" val="3221510669"/>
       </p:ext>
     </p:extLst>
   </p:cSld>
@@ -4553,7 +4593,7 @@
             <a:pPr algn="ctr"/>
             <a:r>
               <a:rPr lang="en-US" dirty="0" smtClean="0"/>
-              <a:t>Feb. 5, 2020</a:t>
+              <a:t>Feb. 10, 2020</a:t>
             </a:r>
             <a:endParaRPr lang="en-US" dirty="0"/>
           </a:p>
@@ -4568,7 +4608,7 @@
         <p:spPr>
           <a:xfrm>
             <a:off x="2035110" y="3043759"/>
-            <a:ext cx="5005769" cy="1477328"/>
+            <a:ext cx="5005769" cy="923330"/>
           </a:xfrm>
           <a:prstGeom prst="rect">
             <a:avLst/>
@@ -4588,37 +4628,25 @@
             </a:r>
             <a:r>
               <a:rPr lang="en-US" dirty="0"/>
-              <a:t>6</a:t>
-            </a:r>
-          </a:p>
-          <a:p>
-            <a:pPr algn="ctr"/>
+              <a:t>7</a:t>
+            </a:r>
+          </a:p>
+          <a:p>
+            <a:pPr algn="ctr"/>
+            <a:r>
+              <a:rPr lang="en-US" b="1" u="sng" dirty="0"/>
+              <a:t>Independent Samples t-Test for </a:t>
+            </a:r>
             <a:r>
               <a:rPr lang="en-US" b="1" u="sng" dirty="0" smtClean="0"/>
-              <a:t>Confidence Interval Estimation: The t Distribution</a:t>
-            </a:r>
-            <a:endParaRPr lang="en-US" b="1" u="sng" dirty="0"/>
+              <a:t>Means</a:t>
+            </a:r>
           </a:p>
           <a:p>
             <a:pPr algn="ctr"/>
             <a:r>
               <a:rPr lang="en-US" i="1" dirty="0" smtClean="0"/>
-              <a:t>Lecture slides</a:t>
-            </a:r>
-            <a:endParaRPr lang="en-US" i="1" dirty="0"/>
-          </a:p>
-          <a:p>
-            <a:pPr algn="ctr"/>
-            <a:r>
-              <a:rPr lang="en-US" i="1" dirty="0" smtClean="0"/>
-              <a:t>(second half)</a:t>
-            </a:r>
-          </a:p>
-          <a:p>
-            <a:pPr algn="ctr"/>
-            <a:r>
-              <a:rPr lang="en-US" i="1" dirty="0" smtClean="0"/>
-              <a:t>Homework Helps</a:t>
+              <a:t>Mostly Homework Helps</a:t>
             </a:r>
             <a:endParaRPr lang="en-US" i="1" dirty="0"/>
           </a:p>
@@ -4762,7 +4790,7 @@
     </p:spTree>
     <p:extLst>
       <p:ext uri="{BB962C8B-B14F-4D97-AF65-F5344CB8AC3E}">
-        <p14:creationId xmlns:p14="http://schemas.microsoft.com/office/powerpoint/2010/main" val="4154058086"/>
+        <p14:creationId xmlns:p14="http://schemas.microsoft.com/office/powerpoint/2010/main" val="2916572011"/>
       </p:ext>
     </p:extLst>
   </p:cSld>
@@ -4890,7 +4918,7 @@
             <a:pPr algn="ctr"/>
             <a:r>
               <a:rPr lang="en-US" dirty="0" smtClean="0"/>
-              <a:t>Feb. 3, 2020</a:t>
+              <a:t>Feb. 5, 2020</a:t>
             </a:r>
             <a:endParaRPr lang="en-US" dirty="0"/>
           </a:p>
@@ -4905,7 +4933,7 @@
         <p:spPr>
           <a:xfrm>
             <a:off x="2035110" y="3043759"/>
-            <a:ext cx="5005769" cy="2585323"/>
+            <a:ext cx="5005769" cy="1477328"/>
           </a:xfrm>
           <a:prstGeom prst="rect">
             <a:avLst/>
@@ -4920,50 +4948,12 @@
           <a:p>
             <a:pPr algn="ctr"/>
             <a:r>
+              <a:rPr lang="en-US" dirty="0" smtClean="0"/>
+              <a:t>Chapter </a:t>
+            </a:r>
+            <a:r>
               <a:rPr lang="en-US" dirty="0"/>
-              <a:t>Chapter </a:t>
-            </a:r>
-            <a:r>
-              <a:rPr lang="en-US" dirty="0" smtClean="0"/>
-              <a:t>5</a:t>
-            </a:r>
-            <a:endParaRPr lang="en-US" dirty="0"/>
-          </a:p>
-          <a:p>
-            <a:pPr algn="ctr"/>
-            <a:r>
-              <a:rPr lang="en-US" b="1" u="sng" dirty="0" smtClean="0"/>
-              <a:t>Intro to Hypothesis Testing: 1 sample z-Test</a:t>
-            </a:r>
-            <a:endParaRPr lang="en-US" b="1" u="sng" dirty="0"/>
-          </a:p>
-          <a:p>
-            <a:pPr algn="ctr"/>
-            <a:r>
-              <a:rPr lang="en-US" i="1" dirty="0" smtClean="0"/>
-              <a:t>Finish </a:t>
-            </a:r>
-            <a:r>
-              <a:rPr lang="en-US" i="1" dirty="0"/>
-              <a:t>discussion</a:t>
-            </a:r>
-          </a:p>
-          <a:p>
-            <a:pPr algn="ctr"/>
-            <a:r>
-              <a:rPr lang="en-US" i="1" dirty="0"/>
-              <a:t>Homework questions</a:t>
-            </a:r>
-          </a:p>
-          <a:p>
-            <a:pPr algn="ctr"/>
-            <a:endParaRPr lang="en-US" i="1" dirty="0"/>
-          </a:p>
-          <a:p>
-            <a:pPr algn="ctr"/>
-            <a:r>
-              <a:rPr lang="en-US" dirty="0"/>
-              <a:t>Chapter 6</a:t>
+              <a:t>6</a:t>
             </a:r>
           </a:p>
           <a:p>
@@ -4986,7 +4976,14 @@
             <a:pPr algn="ctr"/>
             <a:r>
               <a:rPr lang="en-US" i="1" dirty="0" smtClean="0"/>
-              <a:t>(first half)</a:t>
+              <a:t>(second half)</a:t>
+            </a:r>
+          </a:p>
+          <a:p>
+            <a:pPr algn="ctr"/>
+            <a:r>
+              <a:rPr lang="en-US" i="1" dirty="0" smtClean="0"/>
+              <a:t>Homework Helps</a:t>
             </a:r>
             <a:endParaRPr lang="en-US" i="1" dirty="0"/>
           </a:p>
@@ -5130,7 +5127,7 @@
     </p:spTree>
     <p:extLst>
       <p:ext uri="{BB962C8B-B14F-4D97-AF65-F5344CB8AC3E}">
-        <p14:creationId xmlns:p14="http://schemas.microsoft.com/office/powerpoint/2010/main" val="1136618621"/>
+        <p14:creationId xmlns:p14="http://schemas.microsoft.com/office/powerpoint/2010/main" val="3019460125"/>
       </p:ext>
     </p:extLst>
   </p:cSld>
@@ -5258,7 +5255,7 @@
             <a:pPr algn="ctr"/>
             <a:r>
               <a:rPr lang="en-US" dirty="0" smtClean="0"/>
-              <a:t>Jan. 22, 2020</a:t>
+              <a:t>Feb. 5, 2020</a:t>
             </a:r>
             <a:endParaRPr lang="en-US" dirty="0"/>
           </a:p>
@@ -5273,7 +5270,7 @@
         <p:spPr>
           <a:xfrm>
             <a:off x="2035110" y="3043759"/>
-            <a:ext cx="5005769" cy="2585323"/>
+            <a:ext cx="5005769" cy="1477328"/>
           </a:xfrm>
           <a:prstGeom prst="rect">
             <a:avLst/>
@@ -5288,56 +5285,19 @@
           <a:p>
             <a:pPr algn="ctr"/>
             <a:r>
+              <a:rPr lang="en-US" dirty="0" smtClean="0"/>
+              <a:t>Chapter </a:t>
+            </a:r>
+            <a:r>
               <a:rPr lang="en-US" dirty="0"/>
-              <a:t>Chapter 3</a:t>
-            </a:r>
-          </a:p>
-          <a:p>
-            <a:pPr algn="ctr"/>
-            <a:r>
-              <a:rPr lang="en-US" b="1" u="sng" dirty="0"/>
-              <a:t>Variable/Scale, Rounding &amp; Summation</a:t>
-            </a:r>
-          </a:p>
-          <a:p>
-            <a:pPr algn="ctr"/>
-            <a:r>
-              <a:rPr lang="en-US" i="1" dirty="0" smtClean="0"/>
-              <a:t>Finish </a:t>
-            </a:r>
-            <a:r>
-              <a:rPr lang="en-US" i="1" dirty="0"/>
-              <a:t>discussion</a:t>
-            </a:r>
-          </a:p>
-          <a:p>
-            <a:pPr algn="ctr"/>
-            <a:r>
-              <a:rPr lang="en-US" i="1" dirty="0"/>
-              <a:t>Homework questions</a:t>
-            </a:r>
-          </a:p>
-          <a:p>
-            <a:pPr algn="ctr"/>
-            <a:endParaRPr lang="en-US" i="1" dirty="0"/>
-          </a:p>
-          <a:p>
-            <a:pPr algn="ctr"/>
-            <a:r>
-              <a:rPr lang="en-US" dirty="0"/>
-              <a:t>Chapter </a:t>
-            </a:r>
-            <a:r>
-              <a:rPr lang="en-US" dirty="0" smtClean="0"/>
-              <a:t>4</a:t>
-            </a:r>
-            <a:endParaRPr lang="en-US" dirty="0"/>
+              <a:t>6</a:t>
+            </a:r>
           </a:p>
           <a:p>
             <a:pPr algn="ctr"/>
             <a:r>
               <a:rPr lang="en-US" b="1" u="sng" dirty="0" smtClean="0"/>
-              <a:t>Standardized Scores &amp; the Normal Distribution</a:t>
+              <a:t>Confidence Interval Estimation: The t Distribution</a:t>
             </a:r>
             <a:endParaRPr lang="en-US" b="1" u="sng" dirty="0"/>
           </a:p>
@@ -5353,7 +5313,14 @@
             <a:pPr algn="ctr"/>
             <a:r>
               <a:rPr lang="en-US" i="1" dirty="0" smtClean="0"/>
-              <a:t>(first half)</a:t>
+              <a:t>(second half)</a:t>
+            </a:r>
+          </a:p>
+          <a:p>
+            <a:pPr algn="ctr"/>
+            <a:r>
+              <a:rPr lang="en-US" i="1" dirty="0" smtClean="0"/>
+              <a:t>Homework Helps</a:t>
             </a:r>
             <a:endParaRPr lang="en-US" i="1" dirty="0"/>
           </a:p>
@@ -5497,7 +5464,7 @@
     </p:spTree>
     <p:extLst>
       <p:ext uri="{BB962C8B-B14F-4D97-AF65-F5344CB8AC3E}">
-        <p14:creationId xmlns:p14="http://schemas.microsoft.com/office/powerpoint/2010/main" val="2900019700"/>
+        <p14:creationId xmlns:p14="http://schemas.microsoft.com/office/powerpoint/2010/main" val="4154058086"/>
       </p:ext>
     </p:extLst>
   </p:cSld>
@@ -5625,7 +5592,7 @@
             <a:pPr algn="ctr"/>
             <a:r>
               <a:rPr lang="en-US" dirty="0" smtClean="0"/>
-              <a:t>Jan. 15, 2020</a:t>
+              <a:t>Feb. 3, 2020</a:t>
             </a:r>
             <a:endParaRPr lang="en-US" dirty="0"/>
           </a:p>
@@ -5639,8 +5606,8 @@
         </p:nvSpPr>
         <p:spPr>
           <a:xfrm>
-            <a:off x="2318419" y="3043759"/>
-            <a:ext cx="4212906" cy="2585323"/>
+            <a:off x="2035110" y="3043759"/>
+            <a:ext cx="5005769" cy="2585323"/>
           </a:xfrm>
           <a:prstGeom prst="rect">
             <a:avLst/>
@@ -5655,48 +5622,59 @@
           <a:p>
             <a:pPr algn="ctr"/>
             <a:r>
+              <a:rPr lang="en-US" dirty="0"/>
+              <a:t>Chapter </a:t>
+            </a:r>
+            <a:r>
               <a:rPr lang="en-US" dirty="0" smtClean="0"/>
-              <a:t>Chapter 1</a:t>
-            </a:r>
+              <a:t>5</a:t>
+            </a:r>
+            <a:endParaRPr lang="en-US" dirty="0"/>
           </a:p>
           <a:p>
             <a:pPr algn="ctr"/>
             <a:r>
               <a:rPr lang="en-US" b="1" u="sng" dirty="0" smtClean="0"/>
-              <a:t>Variable/Scale, Rounding &amp; Summation</a:t>
-            </a:r>
+              <a:t>Intro to Hypothesis Testing: 1 sample z-Test</a:t>
+            </a:r>
+            <a:endParaRPr lang="en-US" b="1" u="sng" dirty="0"/>
           </a:p>
           <a:p>
             <a:pPr algn="ctr"/>
             <a:r>
               <a:rPr lang="en-US" i="1" dirty="0" smtClean="0"/>
-              <a:t>Finish discussion</a:t>
-            </a:r>
-          </a:p>
-          <a:p>
-            <a:pPr algn="ctr"/>
-            <a:r>
-              <a:rPr lang="en-US" i="1" dirty="0" smtClean="0"/>
+              <a:t>Finish </a:t>
+            </a:r>
+            <a:r>
+              <a:rPr lang="en-US" i="1" dirty="0"/>
+              <a:t>discussion</a:t>
+            </a:r>
+          </a:p>
+          <a:p>
+            <a:pPr algn="ctr"/>
+            <a:r>
+              <a:rPr lang="en-US" i="1" dirty="0"/>
               <a:t>Homework questions</a:t>
             </a:r>
           </a:p>
           <a:p>
             <a:pPr algn="ctr"/>
-            <a:endParaRPr lang="en-US" i="1" dirty="0" smtClean="0"/>
+            <a:endParaRPr lang="en-US" i="1" dirty="0"/>
           </a:p>
           <a:p>
             <a:pPr algn="ctr"/>
             <a:r>
               <a:rPr lang="en-US" dirty="0"/>
-              <a:t>Chapter 2 </a:t>
-            </a:r>
-          </a:p>
-          <a:p>
-            <a:pPr algn="ctr"/>
-            <a:r>
-              <a:rPr lang="en-US" b="1" u="sng" dirty="0"/>
-              <a:t>Exploring Data with Plots</a:t>
-            </a:r>
+              <a:t>Chapter 6</a:t>
+            </a:r>
+          </a:p>
+          <a:p>
+            <a:pPr algn="ctr"/>
+            <a:r>
+              <a:rPr lang="en-US" b="1" u="sng" dirty="0" smtClean="0"/>
+              <a:t>Confidence Interval Estimation: The t Distribution</a:t>
+            </a:r>
+            <a:endParaRPr lang="en-US" b="1" u="sng" dirty="0"/>
           </a:p>
           <a:p>
             <a:pPr algn="ctr"/>
@@ -5709,12 +5687,8 @@
           <a:p>
             <a:pPr algn="ctr"/>
             <a:r>
-              <a:rPr lang="en-US" i="1" dirty="0"/>
-              <a:t>Homework </a:t>
-            </a:r>
-            <a:r>
               <a:rPr lang="en-US" i="1" dirty="0" smtClean="0"/>
-              <a:t>questions</a:t>
+              <a:t>(first half)</a:t>
             </a:r>
             <a:endParaRPr lang="en-US" i="1" dirty="0"/>
           </a:p>
@@ -5858,7 +5832,7 @@
     </p:spTree>
     <p:extLst>
       <p:ext uri="{BB962C8B-B14F-4D97-AF65-F5344CB8AC3E}">
-        <p14:creationId xmlns:p14="http://schemas.microsoft.com/office/powerpoint/2010/main" val="3290463226"/>
+        <p14:creationId xmlns:p14="http://schemas.microsoft.com/office/powerpoint/2010/main" val="1136618621"/>
       </p:ext>
     </p:extLst>
   </p:cSld>
@@ -5885,51 +5859,26 @@
           <a:chExt cx="0" cy="0"/>
         </a:xfrm>
       </p:grpSpPr>
-      <p:pic>
-        <p:nvPicPr>
-          <p:cNvPr id="2" name="Picture 1"/>
-          <p:cNvPicPr>
-            <a:picLocks noChangeAspect="1"/>
-          </p:cNvPicPr>
-          <p:nvPr/>
-        </p:nvPicPr>
-        <p:blipFill>
-          <a:blip r:embed="rId2" cstate="print">
-            <a:extLst>
-              <a:ext uri="{28A0092B-C50C-407E-A947-70E740481C1C}">
-                <a14:useLocalDpi xmlns:a14="http://schemas.microsoft.com/office/drawing/2010/main" val="0"/>
-              </a:ext>
-            </a:extLst>
-          </a:blip>
-          <a:stretch>
-            <a:fillRect/>
-          </a:stretch>
-        </p:blipFill>
-        <p:spPr>
-          <a:xfrm>
-            <a:off x="5306566" y="2514598"/>
-            <a:ext cx="1578867" cy="1828804"/>
-          </a:xfrm>
-          <a:prstGeom prst="rect">
-            <a:avLst/>
-          </a:prstGeom>
-        </p:spPr>
-      </p:pic>
-      <p:sp>
-        <p:nvSpPr>
-          <p:cNvPr id="3" name="Rectangle 2"/>
+      <p:sp>
+        <p:nvSpPr>
+          <p:cNvPr id="4" name="Rectangle 3"/>
           <p:cNvSpPr/>
           <p:nvPr/>
         </p:nvSpPr>
         <p:spPr>
           <a:xfrm>
-            <a:off x="5054138" y="2394066"/>
-            <a:ext cx="2094807" cy="2078182"/>
-          </a:xfrm>
-          <a:prstGeom prst="rect">
-            <a:avLst/>
-          </a:prstGeom>
-          <a:noFill/>
+            <a:off x="1808702" y="824230"/>
+            <a:ext cx="8778240" cy="5010912"/>
+          </a:xfrm>
+          <a:prstGeom prst="rect">
+            <a:avLst/>
+          </a:prstGeom>
+          <a:solidFill>
+            <a:schemeClr val="bg1">
+              <a:lumMod val="95000"/>
+            </a:schemeClr>
+          </a:solidFill>
+          <a:ln w="38100"/>
         </p:spPr>
         <p:style>
           <a:lnRef idx="2">
@@ -5956,6 +5905,759 @@
           </a:p>
         </p:txBody>
       </p:sp>
+      <p:sp>
+        <p:nvSpPr>
+          <p:cNvPr id="7" name="TextBox 6"/>
+          <p:cNvSpPr txBox="1"/>
+          <p:nvPr/>
+        </p:nvSpPr>
+        <p:spPr>
+          <a:xfrm>
+            <a:off x="3840385" y="1213849"/>
+            <a:ext cx="5712369" cy="923330"/>
+          </a:xfrm>
+          <a:prstGeom prst="rect">
+            <a:avLst/>
+          </a:prstGeom>
+          <a:noFill/>
+        </p:spPr>
+        <p:txBody>
+          <a:bodyPr wrap="square" rtlCol="0">
+            <a:spAutoFit/>
+          </a:bodyPr>
+          <a:lstStyle/>
+          <a:p>
+            <a:r>
+              <a:rPr lang="en-US" sz="5400" dirty="0" smtClean="0"/>
+              <a:t>INCLASS LECTURES</a:t>
+            </a:r>
+            <a:endParaRPr lang="en-US" sz="5400" dirty="0"/>
+          </a:p>
+        </p:txBody>
+      </p:sp>
+      <p:sp>
+        <p:nvSpPr>
+          <p:cNvPr id="8" name="TextBox 7"/>
+          <p:cNvSpPr txBox="1"/>
+          <p:nvPr/>
+        </p:nvSpPr>
+        <p:spPr>
+          <a:xfrm>
+            <a:off x="7731444" y="5278932"/>
+            <a:ext cx="2076450" cy="369332"/>
+          </a:xfrm>
+          <a:prstGeom prst="rect">
+            <a:avLst/>
+          </a:prstGeom>
+          <a:noFill/>
+        </p:spPr>
+        <p:txBody>
+          <a:bodyPr wrap="square" rtlCol="0">
+            <a:spAutoFit/>
+          </a:bodyPr>
+          <a:lstStyle/>
+          <a:p>
+            <a:pPr algn="ctr"/>
+            <a:r>
+              <a:rPr lang="en-US" dirty="0" smtClean="0"/>
+              <a:t>Jan. 22, 2020</a:t>
+            </a:r>
+            <a:endParaRPr lang="en-US" dirty="0"/>
+          </a:p>
+        </p:txBody>
+      </p:sp>
+      <p:sp>
+        <p:nvSpPr>
+          <p:cNvPr id="9" name="TextBox 8"/>
+          <p:cNvSpPr txBox="1"/>
+          <p:nvPr/>
+        </p:nvSpPr>
+        <p:spPr>
+          <a:xfrm>
+            <a:off x="2035110" y="3043759"/>
+            <a:ext cx="5005769" cy="2585323"/>
+          </a:xfrm>
+          <a:prstGeom prst="rect">
+            <a:avLst/>
+          </a:prstGeom>
+          <a:noFill/>
+        </p:spPr>
+        <p:txBody>
+          <a:bodyPr wrap="square" rtlCol="0">
+            <a:spAutoFit/>
+          </a:bodyPr>
+          <a:lstStyle/>
+          <a:p>
+            <a:pPr algn="ctr"/>
+            <a:r>
+              <a:rPr lang="en-US" dirty="0"/>
+              <a:t>Chapter 3</a:t>
+            </a:r>
+          </a:p>
+          <a:p>
+            <a:pPr algn="ctr"/>
+            <a:r>
+              <a:rPr lang="en-US" b="1" u="sng" dirty="0"/>
+              <a:t>Variable/Scale, Rounding &amp; Summation</a:t>
+            </a:r>
+          </a:p>
+          <a:p>
+            <a:pPr algn="ctr"/>
+            <a:r>
+              <a:rPr lang="en-US" i="1" dirty="0" smtClean="0"/>
+              <a:t>Finish </a:t>
+            </a:r>
+            <a:r>
+              <a:rPr lang="en-US" i="1" dirty="0"/>
+              <a:t>discussion</a:t>
+            </a:r>
+          </a:p>
+          <a:p>
+            <a:pPr algn="ctr"/>
+            <a:r>
+              <a:rPr lang="en-US" i="1" dirty="0"/>
+              <a:t>Homework questions</a:t>
+            </a:r>
+          </a:p>
+          <a:p>
+            <a:pPr algn="ctr"/>
+            <a:endParaRPr lang="en-US" i="1" dirty="0"/>
+          </a:p>
+          <a:p>
+            <a:pPr algn="ctr"/>
+            <a:r>
+              <a:rPr lang="en-US" dirty="0"/>
+              <a:t>Chapter </a:t>
+            </a:r>
+            <a:r>
+              <a:rPr lang="en-US" dirty="0" smtClean="0"/>
+              <a:t>4</a:t>
+            </a:r>
+            <a:endParaRPr lang="en-US" dirty="0"/>
+          </a:p>
+          <a:p>
+            <a:pPr algn="ctr"/>
+            <a:r>
+              <a:rPr lang="en-US" b="1" u="sng" dirty="0" smtClean="0"/>
+              <a:t>Standardized Scores &amp; the Normal Distribution</a:t>
+            </a:r>
+            <a:endParaRPr lang="en-US" b="1" u="sng" dirty="0"/>
+          </a:p>
+          <a:p>
+            <a:pPr algn="ctr"/>
+            <a:r>
+              <a:rPr lang="en-US" i="1" dirty="0" smtClean="0"/>
+              <a:t>Lecture slides</a:t>
+            </a:r>
+            <a:endParaRPr lang="en-US" i="1" dirty="0"/>
+          </a:p>
+          <a:p>
+            <a:pPr algn="ctr"/>
+            <a:r>
+              <a:rPr lang="en-US" i="1" dirty="0" smtClean="0"/>
+              <a:t>(first half)</a:t>
+            </a:r>
+            <a:endParaRPr lang="en-US" i="1" dirty="0"/>
+          </a:p>
+        </p:txBody>
+      </p:sp>
+      <p:grpSp>
+        <p:nvGrpSpPr>
+          <p:cNvPr id="14" name="Group 13"/>
+          <p:cNvGrpSpPr/>
+          <p:nvPr/>
+        </p:nvGrpSpPr>
+        <p:grpSpPr>
+          <a:xfrm>
+            <a:off x="7198839" y="2137179"/>
+            <a:ext cx="3141660" cy="3193339"/>
+            <a:chOff x="7047391" y="1961976"/>
+            <a:chExt cx="3141660" cy="3193339"/>
+          </a:xfrm>
+        </p:grpSpPr>
+        <p:pic>
+          <p:nvPicPr>
+            <p:cNvPr id="2" name="Picture 1"/>
+            <p:cNvPicPr>
+              <a:picLocks noChangeAspect="1"/>
+            </p:cNvPicPr>
+            <p:nvPr/>
+          </p:nvPicPr>
+          <p:blipFill>
+            <a:blip r:embed="rId2" cstate="print">
+              <a:extLst>
+                <a:ext uri="{28A0092B-C50C-407E-A947-70E740481C1C}">
+                  <a14:useLocalDpi xmlns:a14="http://schemas.microsoft.com/office/drawing/2010/main" val="0"/>
+                </a:ext>
+              </a:extLst>
+            </a:blip>
+            <a:stretch>
+              <a:fillRect/>
+            </a:stretch>
+          </p:blipFill>
+          <p:spPr>
+            <a:xfrm>
+              <a:off x="7047391" y="3320161"/>
+              <a:ext cx="1578867" cy="1828804"/>
+            </a:xfrm>
+            <a:prstGeom prst="rect">
+              <a:avLst/>
+            </a:prstGeom>
+          </p:spPr>
+        </p:pic>
+        <p:pic>
+          <p:nvPicPr>
+            <p:cNvPr id="3" name="Picture 2"/>
+            <p:cNvPicPr>
+              <a:picLocks noChangeAspect="1"/>
+            </p:cNvPicPr>
+            <p:nvPr/>
+          </p:nvPicPr>
+          <p:blipFill>
+            <a:blip r:embed="rId3" cstate="print">
+              <a:extLst>
+                <a:ext uri="{28A0092B-C50C-407E-A947-70E740481C1C}">
+                  <a14:useLocalDpi xmlns:a14="http://schemas.microsoft.com/office/drawing/2010/main" val="0"/>
+                </a:ext>
+              </a:extLst>
+            </a:blip>
+            <a:stretch>
+              <a:fillRect/>
+            </a:stretch>
+          </p:blipFill>
+          <p:spPr>
+            <a:xfrm>
+              <a:off x="7830475" y="1961976"/>
+              <a:ext cx="1578867" cy="1828804"/>
+            </a:xfrm>
+            <a:prstGeom prst="rect">
+              <a:avLst/>
+            </a:prstGeom>
+          </p:spPr>
+        </p:pic>
+        <p:pic>
+          <p:nvPicPr>
+            <p:cNvPr id="11" name="Picture 10"/>
+            <p:cNvPicPr>
+              <a:picLocks noChangeAspect="1"/>
+            </p:cNvPicPr>
+            <p:nvPr/>
+          </p:nvPicPr>
+          <p:blipFill>
+            <a:blip r:embed="rId4" cstate="print">
+              <a:extLst>
+                <a:ext uri="{28A0092B-C50C-407E-A947-70E740481C1C}">
+                  <a14:useLocalDpi xmlns:a14="http://schemas.microsoft.com/office/drawing/2010/main" val="0"/>
+                </a:ext>
+              </a:extLst>
+            </a:blip>
+            <a:stretch>
+              <a:fillRect/>
+            </a:stretch>
+          </p:blipFill>
+          <p:spPr>
+            <a:xfrm>
+              <a:off x="8610184" y="3326511"/>
+              <a:ext cx="1578867" cy="1828804"/>
+            </a:xfrm>
+            <a:prstGeom prst="rect">
+              <a:avLst/>
+            </a:prstGeom>
+          </p:spPr>
+        </p:pic>
+      </p:grpSp>
+      <p:pic>
+        <p:nvPicPr>
+          <p:cNvPr id="12" name="Picture 11"/>
+          <p:cNvPicPr>
+            <a:picLocks noChangeAspect="1"/>
+          </p:cNvPicPr>
+          <p:nvPr/>
+        </p:nvPicPr>
+        <p:blipFill>
+          <a:blip r:embed="rId5" cstate="print">
+            <a:extLst>
+              <a:ext uri="{28A0092B-C50C-407E-A947-70E740481C1C}">
+                <a14:useLocalDpi xmlns:a14="http://schemas.microsoft.com/office/drawing/2010/main" val="0"/>
+              </a:ext>
+            </a:extLst>
+          </a:blip>
+          <a:stretch>
+            <a:fillRect/>
+          </a:stretch>
+        </p:blipFill>
+        <p:spPr>
+          <a:xfrm>
+            <a:off x="2035110" y="1019593"/>
+            <a:ext cx="1578867" cy="1828804"/>
+          </a:xfrm>
+          <a:prstGeom prst="rect">
+            <a:avLst/>
+          </a:prstGeom>
+        </p:spPr>
+      </p:pic>
+    </p:spTree>
+    <p:extLst>
+      <p:ext uri="{BB962C8B-B14F-4D97-AF65-F5344CB8AC3E}">
+        <p14:creationId xmlns:p14="http://schemas.microsoft.com/office/powerpoint/2010/main" val="2900019700"/>
+      </p:ext>
+    </p:extLst>
+  </p:cSld>
+  <p:clrMapOvr>
+    <a:masterClrMapping/>
+  </p:clrMapOvr>
+</p:sld>
+</file>
+
+<file path=ppt/slides/slide18.xml><?xml version="1.0" encoding="utf-8"?>
+<p:sld xmlns:a="http://schemas.openxmlformats.org/drawingml/2006/main" xmlns:r="http://schemas.openxmlformats.org/officeDocument/2006/relationships" xmlns:p="http://schemas.openxmlformats.org/presentationml/2006/main">
+  <p:cSld>
+    <p:spTree>
+      <p:nvGrpSpPr>
+        <p:cNvPr id="1" name=""/>
+        <p:cNvGrpSpPr/>
+        <p:nvPr/>
+      </p:nvGrpSpPr>
+      <p:grpSpPr>
+        <a:xfrm>
+          <a:off x="0" y="0"/>
+          <a:ext cx="0" cy="0"/>
+          <a:chOff x="0" y="0"/>
+          <a:chExt cx="0" cy="0"/>
+        </a:xfrm>
+      </p:grpSpPr>
+      <p:sp>
+        <p:nvSpPr>
+          <p:cNvPr id="4" name="Rectangle 3"/>
+          <p:cNvSpPr/>
+          <p:nvPr/>
+        </p:nvSpPr>
+        <p:spPr>
+          <a:xfrm>
+            <a:off x="1808702" y="824230"/>
+            <a:ext cx="8778240" cy="5010912"/>
+          </a:xfrm>
+          <a:prstGeom prst="rect">
+            <a:avLst/>
+          </a:prstGeom>
+          <a:solidFill>
+            <a:schemeClr val="bg1">
+              <a:lumMod val="95000"/>
+            </a:schemeClr>
+          </a:solidFill>
+          <a:ln w="38100"/>
+        </p:spPr>
+        <p:style>
+          <a:lnRef idx="2">
+            <a:schemeClr val="accent1">
+              <a:shade val="50000"/>
+            </a:schemeClr>
+          </a:lnRef>
+          <a:fillRef idx="1">
+            <a:schemeClr val="accent1"/>
+          </a:fillRef>
+          <a:effectRef idx="0">
+            <a:schemeClr val="accent1"/>
+          </a:effectRef>
+          <a:fontRef idx="minor">
+            <a:schemeClr val="lt1"/>
+          </a:fontRef>
+        </p:style>
+        <p:txBody>
+          <a:bodyPr rtlCol="0" anchor="ctr"/>
+          <a:lstStyle/>
+          <a:p>
+            <a:pPr algn="ctr"/>
+            <a:endParaRPr lang="en-US"/>
+          </a:p>
+        </p:txBody>
+      </p:sp>
+      <p:sp>
+        <p:nvSpPr>
+          <p:cNvPr id="7" name="TextBox 6"/>
+          <p:cNvSpPr txBox="1"/>
+          <p:nvPr/>
+        </p:nvSpPr>
+        <p:spPr>
+          <a:xfrm>
+            <a:off x="3840385" y="1213849"/>
+            <a:ext cx="5712369" cy="923330"/>
+          </a:xfrm>
+          <a:prstGeom prst="rect">
+            <a:avLst/>
+          </a:prstGeom>
+          <a:noFill/>
+        </p:spPr>
+        <p:txBody>
+          <a:bodyPr wrap="square" rtlCol="0">
+            <a:spAutoFit/>
+          </a:bodyPr>
+          <a:lstStyle/>
+          <a:p>
+            <a:r>
+              <a:rPr lang="en-US" sz="5400" dirty="0" smtClean="0"/>
+              <a:t>INCLASS LECTURES</a:t>
+            </a:r>
+            <a:endParaRPr lang="en-US" sz="5400" dirty="0"/>
+          </a:p>
+        </p:txBody>
+      </p:sp>
+      <p:sp>
+        <p:nvSpPr>
+          <p:cNvPr id="8" name="TextBox 7"/>
+          <p:cNvSpPr txBox="1"/>
+          <p:nvPr/>
+        </p:nvSpPr>
+        <p:spPr>
+          <a:xfrm>
+            <a:off x="7731444" y="5278932"/>
+            <a:ext cx="2076450" cy="369332"/>
+          </a:xfrm>
+          <a:prstGeom prst="rect">
+            <a:avLst/>
+          </a:prstGeom>
+          <a:noFill/>
+        </p:spPr>
+        <p:txBody>
+          <a:bodyPr wrap="square" rtlCol="0">
+            <a:spAutoFit/>
+          </a:bodyPr>
+          <a:lstStyle/>
+          <a:p>
+            <a:pPr algn="ctr"/>
+            <a:r>
+              <a:rPr lang="en-US" dirty="0" smtClean="0"/>
+              <a:t>Jan. 15, 2020</a:t>
+            </a:r>
+            <a:endParaRPr lang="en-US" dirty="0"/>
+          </a:p>
+        </p:txBody>
+      </p:sp>
+      <p:sp>
+        <p:nvSpPr>
+          <p:cNvPr id="9" name="TextBox 8"/>
+          <p:cNvSpPr txBox="1"/>
+          <p:nvPr/>
+        </p:nvSpPr>
+        <p:spPr>
+          <a:xfrm>
+            <a:off x="2318419" y="3043759"/>
+            <a:ext cx="4212906" cy="2585323"/>
+          </a:xfrm>
+          <a:prstGeom prst="rect">
+            <a:avLst/>
+          </a:prstGeom>
+          <a:noFill/>
+        </p:spPr>
+        <p:txBody>
+          <a:bodyPr wrap="square" rtlCol="0">
+            <a:spAutoFit/>
+          </a:bodyPr>
+          <a:lstStyle/>
+          <a:p>
+            <a:pPr algn="ctr"/>
+            <a:r>
+              <a:rPr lang="en-US" dirty="0" smtClean="0"/>
+              <a:t>Chapter 1</a:t>
+            </a:r>
+          </a:p>
+          <a:p>
+            <a:pPr algn="ctr"/>
+            <a:r>
+              <a:rPr lang="en-US" b="1" u="sng" dirty="0" smtClean="0"/>
+              <a:t>Variable/Scale, Rounding &amp; Summation</a:t>
+            </a:r>
+          </a:p>
+          <a:p>
+            <a:pPr algn="ctr"/>
+            <a:r>
+              <a:rPr lang="en-US" i="1" dirty="0" smtClean="0"/>
+              <a:t>Finish discussion</a:t>
+            </a:r>
+          </a:p>
+          <a:p>
+            <a:pPr algn="ctr"/>
+            <a:r>
+              <a:rPr lang="en-US" i="1" dirty="0" smtClean="0"/>
+              <a:t>Homework questions</a:t>
+            </a:r>
+          </a:p>
+          <a:p>
+            <a:pPr algn="ctr"/>
+            <a:endParaRPr lang="en-US" i="1" dirty="0" smtClean="0"/>
+          </a:p>
+          <a:p>
+            <a:pPr algn="ctr"/>
+            <a:r>
+              <a:rPr lang="en-US" dirty="0"/>
+              <a:t>Chapter 2 </a:t>
+            </a:r>
+          </a:p>
+          <a:p>
+            <a:pPr algn="ctr"/>
+            <a:r>
+              <a:rPr lang="en-US" b="1" u="sng" dirty="0"/>
+              <a:t>Exploring Data with Plots</a:t>
+            </a:r>
+          </a:p>
+          <a:p>
+            <a:pPr algn="ctr"/>
+            <a:r>
+              <a:rPr lang="en-US" i="1" dirty="0" smtClean="0"/>
+              <a:t>Lecture slides</a:t>
+            </a:r>
+            <a:endParaRPr lang="en-US" i="1" dirty="0"/>
+          </a:p>
+          <a:p>
+            <a:pPr algn="ctr"/>
+            <a:r>
+              <a:rPr lang="en-US" i="1" dirty="0"/>
+              <a:t>Homework </a:t>
+            </a:r>
+            <a:r>
+              <a:rPr lang="en-US" i="1" dirty="0" smtClean="0"/>
+              <a:t>questions</a:t>
+            </a:r>
+            <a:endParaRPr lang="en-US" i="1" dirty="0"/>
+          </a:p>
+        </p:txBody>
+      </p:sp>
+      <p:grpSp>
+        <p:nvGrpSpPr>
+          <p:cNvPr id="14" name="Group 13"/>
+          <p:cNvGrpSpPr/>
+          <p:nvPr/>
+        </p:nvGrpSpPr>
+        <p:grpSpPr>
+          <a:xfrm>
+            <a:off x="7198839" y="2137179"/>
+            <a:ext cx="3141660" cy="3193339"/>
+            <a:chOff x="7047391" y="1961976"/>
+            <a:chExt cx="3141660" cy="3193339"/>
+          </a:xfrm>
+        </p:grpSpPr>
+        <p:pic>
+          <p:nvPicPr>
+            <p:cNvPr id="2" name="Picture 1"/>
+            <p:cNvPicPr>
+              <a:picLocks noChangeAspect="1"/>
+            </p:cNvPicPr>
+            <p:nvPr/>
+          </p:nvPicPr>
+          <p:blipFill>
+            <a:blip r:embed="rId2" cstate="print">
+              <a:extLst>
+                <a:ext uri="{28A0092B-C50C-407E-A947-70E740481C1C}">
+                  <a14:useLocalDpi xmlns:a14="http://schemas.microsoft.com/office/drawing/2010/main" val="0"/>
+                </a:ext>
+              </a:extLst>
+            </a:blip>
+            <a:stretch>
+              <a:fillRect/>
+            </a:stretch>
+          </p:blipFill>
+          <p:spPr>
+            <a:xfrm>
+              <a:off x="7047391" y="3320161"/>
+              <a:ext cx="1578867" cy="1828804"/>
+            </a:xfrm>
+            <a:prstGeom prst="rect">
+              <a:avLst/>
+            </a:prstGeom>
+          </p:spPr>
+        </p:pic>
+        <p:pic>
+          <p:nvPicPr>
+            <p:cNvPr id="3" name="Picture 2"/>
+            <p:cNvPicPr>
+              <a:picLocks noChangeAspect="1"/>
+            </p:cNvPicPr>
+            <p:nvPr/>
+          </p:nvPicPr>
+          <p:blipFill>
+            <a:blip r:embed="rId3" cstate="print">
+              <a:extLst>
+                <a:ext uri="{28A0092B-C50C-407E-A947-70E740481C1C}">
+                  <a14:useLocalDpi xmlns:a14="http://schemas.microsoft.com/office/drawing/2010/main" val="0"/>
+                </a:ext>
+              </a:extLst>
+            </a:blip>
+            <a:stretch>
+              <a:fillRect/>
+            </a:stretch>
+          </p:blipFill>
+          <p:spPr>
+            <a:xfrm>
+              <a:off x="7830475" y="1961976"/>
+              <a:ext cx="1578867" cy="1828804"/>
+            </a:xfrm>
+            <a:prstGeom prst="rect">
+              <a:avLst/>
+            </a:prstGeom>
+          </p:spPr>
+        </p:pic>
+        <p:pic>
+          <p:nvPicPr>
+            <p:cNvPr id="11" name="Picture 10"/>
+            <p:cNvPicPr>
+              <a:picLocks noChangeAspect="1"/>
+            </p:cNvPicPr>
+            <p:nvPr/>
+          </p:nvPicPr>
+          <p:blipFill>
+            <a:blip r:embed="rId4" cstate="print">
+              <a:extLst>
+                <a:ext uri="{28A0092B-C50C-407E-A947-70E740481C1C}">
+                  <a14:useLocalDpi xmlns:a14="http://schemas.microsoft.com/office/drawing/2010/main" val="0"/>
+                </a:ext>
+              </a:extLst>
+            </a:blip>
+            <a:stretch>
+              <a:fillRect/>
+            </a:stretch>
+          </p:blipFill>
+          <p:spPr>
+            <a:xfrm>
+              <a:off x="8610184" y="3326511"/>
+              <a:ext cx="1578867" cy="1828804"/>
+            </a:xfrm>
+            <a:prstGeom prst="rect">
+              <a:avLst/>
+            </a:prstGeom>
+          </p:spPr>
+        </p:pic>
+      </p:grpSp>
+      <p:pic>
+        <p:nvPicPr>
+          <p:cNvPr id="12" name="Picture 11"/>
+          <p:cNvPicPr>
+            <a:picLocks noChangeAspect="1"/>
+          </p:cNvPicPr>
+          <p:nvPr/>
+        </p:nvPicPr>
+        <p:blipFill>
+          <a:blip r:embed="rId5" cstate="print">
+            <a:extLst>
+              <a:ext uri="{28A0092B-C50C-407E-A947-70E740481C1C}">
+                <a14:useLocalDpi xmlns:a14="http://schemas.microsoft.com/office/drawing/2010/main" val="0"/>
+              </a:ext>
+            </a:extLst>
+          </a:blip>
+          <a:stretch>
+            <a:fillRect/>
+          </a:stretch>
+        </p:blipFill>
+        <p:spPr>
+          <a:xfrm>
+            <a:off x="2035110" y="1019593"/>
+            <a:ext cx="1578867" cy="1828804"/>
+          </a:xfrm>
+          <a:prstGeom prst="rect">
+            <a:avLst/>
+          </a:prstGeom>
+        </p:spPr>
+      </p:pic>
+    </p:spTree>
+    <p:extLst>
+      <p:ext uri="{BB962C8B-B14F-4D97-AF65-F5344CB8AC3E}">
+        <p14:creationId xmlns:p14="http://schemas.microsoft.com/office/powerpoint/2010/main" val="3290463226"/>
+      </p:ext>
+    </p:extLst>
+  </p:cSld>
+  <p:clrMapOvr>
+    <a:masterClrMapping/>
+  </p:clrMapOvr>
+</p:sld>
+</file>
+
+<file path=ppt/slides/slide19.xml><?xml version="1.0" encoding="utf-8"?>
+<p:sld xmlns:a="http://schemas.openxmlformats.org/drawingml/2006/main" xmlns:r="http://schemas.openxmlformats.org/officeDocument/2006/relationships" xmlns:p="http://schemas.openxmlformats.org/presentationml/2006/main">
+  <p:cSld>
+    <p:spTree>
+      <p:nvGrpSpPr>
+        <p:cNvPr id="1" name=""/>
+        <p:cNvGrpSpPr/>
+        <p:nvPr/>
+      </p:nvGrpSpPr>
+      <p:grpSpPr>
+        <a:xfrm>
+          <a:off x="0" y="0"/>
+          <a:ext cx="0" cy="0"/>
+          <a:chOff x="0" y="0"/>
+          <a:chExt cx="0" cy="0"/>
+        </a:xfrm>
+      </p:grpSpPr>
+      <p:pic>
+        <p:nvPicPr>
+          <p:cNvPr id="2" name="Picture 1"/>
+          <p:cNvPicPr>
+            <a:picLocks noChangeAspect="1"/>
+          </p:cNvPicPr>
+          <p:nvPr/>
+        </p:nvPicPr>
+        <p:blipFill>
+          <a:blip r:embed="rId2" cstate="print">
+            <a:extLst>
+              <a:ext uri="{28A0092B-C50C-407E-A947-70E740481C1C}">
+                <a14:useLocalDpi xmlns:a14="http://schemas.microsoft.com/office/drawing/2010/main" val="0"/>
+              </a:ext>
+            </a:extLst>
+          </a:blip>
+          <a:stretch>
+            <a:fillRect/>
+          </a:stretch>
+        </p:blipFill>
+        <p:spPr>
+          <a:xfrm>
+            <a:off x="5306566" y="2514598"/>
+            <a:ext cx="1578867" cy="1828804"/>
+          </a:xfrm>
+          <a:prstGeom prst="rect">
+            <a:avLst/>
+          </a:prstGeom>
+        </p:spPr>
+      </p:pic>
+      <p:sp>
+        <p:nvSpPr>
+          <p:cNvPr id="3" name="Rectangle 2"/>
+          <p:cNvSpPr/>
+          <p:nvPr/>
+        </p:nvSpPr>
+        <p:spPr>
+          <a:xfrm>
+            <a:off x="5054138" y="2394066"/>
+            <a:ext cx="2094807" cy="2078182"/>
+          </a:xfrm>
+          <a:prstGeom prst="rect">
+            <a:avLst/>
+          </a:prstGeom>
+          <a:noFill/>
+        </p:spPr>
+        <p:style>
+          <a:lnRef idx="2">
+            <a:schemeClr val="accent1">
+              <a:shade val="50000"/>
+            </a:schemeClr>
+          </a:lnRef>
+          <a:fillRef idx="1">
+            <a:schemeClr val="accent1"/>
+          </a:fillRef>
+          <a:effectRef idx="0">
+            <a:schemeClr val="accent1"/>
+          </a:effectRef>
+          <a:fontRef idx="minor">
+            <a:schemeClr val="lt1"/>
+          </a:fontRef>
+        </p:style>
+        <p:txBody>
+          <a:bodyPr rtlCol="0" anchor="ctr"/>
+          <a:lstStyle/>
+          <a:p>
+            <a:pPr algn="ctr"/>
+            <a:endParaRPr lang="en-US"/>
+          </a:p>
+        </p:txBody>
+      </p:sp>
     </p:spTree>
     <p:extLst>
       <p:ext uri="{BB962C8B-B14F-4D97-AF65-F5344CB8AC3E}">
@@ -5970,6 +6672,828 @@
 </file>
 
 <file path=ppt/slides/slide2.xml><?xml version="1.0" encoding="utf-8"?>
+<p:sld xmlns:a="http://schemas.openxmlformats.org/drawingml/2006/main" xmlns:r="http://schemas.openxmlformats.org/officeDocument/2006/relationships" xmlns:p="http://schemas.openxmlformats.org/presentationml/2006/main">
+  <p:cSld>
+    <p:spTree>
+      <p:nvGrpSpPr>
+        <p:cNvPr id="1" name=""/>
+        <p:cNvGrpSpPr/>
+        <p:nvPr/>
+      </p:nvGrpSpPr>
+      <p:grpSpPr>
+        <a:xfrm>
+          <a:off x="0" y="0"/>
+          <a:ext cx="0" cy="0"/>
+          <a:chOff x="0" y="0"/>
+          <a:chExt cx="0" cy="0"/>
+        </a:xfrm>
+      </p:grpSpPr>
+      <p:sp>
+        <p:nvSpPr>
+          <p:cNvPr id="4" name="Rectangle 3"/>
+          <p:cNvSpPr/>
+          <p:nvPr/>
+        </p:nvSpPr>
+        <p:spPr>
+          <a:xfrm>
+            <a:off x="1808702" y="824230"/>
+            <a:ext cx="8778240" cy="5010912"/>
+          </a:xfrm>
+          <a:prstGeom prst="rect">
+            <a:avLst/>
+          </a:prstGeom>
+          <a:solidFill>
+            <a:schemeClr val="bg1">
+              <a:lumMod val="95000"/>
+            </a:schemeClr>
+          </a:solidFill>
+          <a:ln w="38100"/>
+        </p:spPr>
+        <p:style>
+          <a:lnRef idx="2">
+            <a:schemeClr val="accent1">
+              <a:shade val="50000"/>
+            </a:schemeClr>
+          </a:lnRef>
+          <a:fillRef idx="1">
+            <a:schemeClr val="accent1"/>
+          </a:fillRef>
+          <a:effectRef idx="0">
+            <a:schemeClr val="accent1"/>
+          </a:effectRef>
+          <a:fontRef idx="minor">
+            <a:schemeClr val="lt1"/>
+          </a:fontRef>
+        </p:style>
+        <p:txBody>
+          <a:bodyPr rtlCol="0" anchor="ctr"/>
+          <a:lstStyle/>
+          <a:p>
+            <a:pPr algn="ctr"/>
+            <a:endParaRPr lang="en-US"/>
+          </a:p>
+        </p:txBody>
+      </p:sp>
+      <p:sp>
+        <p:nvSpPr>
+          <p:cNvPr id="7" name="TextBox 6"/>
+          <p:cNvSpPr txBox="1"/>
+          <p:nvPr/>
+        </p:nvSpPr>
+        <p:spPr>
+          <a:xfrm>
+            <a:off x="4184694" y="1065121"/>
+            <a:ext cx="5712369" cy="1754326"/>
+          </a:xfrm>
+          <a:prstGeom prst="rect">
+            <a:avLst/>
+          </a:prstGeom>
+          <a:noFill/>
+        </p:spPr>
+        <p:txBody>
+          <a:bodyPr wrap="square" rtlCol="0">
+            <a:spAutoFit/>
+          </a:bodyPr>
+          <a:lstStyle/>
+          <a:p>
+            <a:r>
+              <a:rPr lang="en-US" sz="5400" dirty="0" smtClean="0"/>
+              <a:t>OUT-OF-CLASS LECTURES</a:t>
+            </a:r>
+            <a:endParaRPr lang="en-US" sz="5400" dirty="0"/>
+          </a:p>
+        </p:txBody>
+      </p:sp>
+      <p:sp>
+        <p:nvSpPr>
+          <p:cNvPr id="8" name="TextBox 7"/>
+          <p:cNvSpPr txBox="1"/>
+          <p:nvPr/>
+        </p:nvSpPr>
+        <p:spPr>
+          <a:xfrm>
+            <a:off x="7731444" y="5278932"/>
+            <a:ext cx="2076450" cy="369332"/>
+          </a:xfrm>
+          <a:prstGeom prst="rect">
+            <a:avLst/>
+          </a:prstGeom>
+          <a:noFill/>
+        </p:spPr>
+        <p:txBody>
+          <a:bodyPr wrap="square" rtlCol="0">
+            <a:spAutoFit/>
+          </a:bodyPr>
+          <a:lstStyle/>
+          <a:p>
+            <a:pPr algn="ctr"/>
+            <a:r>
+              <a:rPr lang="en-US" dirty="0" smtClean="0"/>
+              <a:t>March </a:t>
+            </a:r>
+            <a:r>
+              <a:rPr lang="en-US" dirty="0" smtClean="0"/>
+              <a:t>31, </a:t>
+            </a:r>
+            <a:r>
+              <a:rPr lang="en-US" dirty="0" smtClean="0"/>
+              <a:t>2020</a:t>
+            </a:r>
+            <a:endParaRPr lang="en-US" dirty="0"/>
+          </a:p>
+        </p:txBody>
+      </p:sp>
+      <p:sp>
+        <p:nvSpPr>
+          <p:cNvPr id="9" name="TextBox 8"/>
+          <p:cNvSpPr txBox="1"/>
+          <p:nvPr/>
+        </p:nvSpPr>
+        <p:spPr>
+          <a:xfrm>
+            <a:off x="2035110" y="3043759"/>
+            <a:ext cx="5005769" cy="1200329"/>
+          </a:xfrm>
+          <a:prstGeom prst="rect">
+            <a:avLst/>
+          </a:prstGeom>
+          <a:noFill/>
+        </p:spPr>
+        <p:txBody>
+          <a:bodyPr wrap="square" rtlCol="0">
+            <a:spAutoFit/>
+          </a:bodyPr>
+          <a:lstStyle/>
+          <a:p>
+            <a:pPr algn="ctr"/>
+            <a:r>
+              <a:rPr lang="en-US" dirty="0" smtClean="0"/>
+              <a:t>Chapter </a:t>
+            </a:r>
+            <a:r>
+              <a:rPr lang="en-US" dirty="0" smtClean="0"/>
+              <a:t>14</a:t>
+            </a:r>
+            <a:endParaRPr lang="en-US" dirty="0"/>
+          </a:p>
+          <a:p>
+            <a:pPr algn="ctr"/>
+            <a:r>
+              <a:rPr lang="en-US" b="1" u="sng" dirty="0" smtClean="0"/>
+              <a:t>2-way Factorial ANOVA</a:t>
+            </a:r>
+            <a:endParaRPr lang="en-US" b="1" u="sng" dirty="0"/>
+          </a:p>
+          <a:p>
+            <a:pPr algn="ctr"/>
+            <a:r>
+              <a:rPr lang="en-US" i="1" dirty="0" smtClean="0"/>
+              <a:t>Lecture slides </a:t>
+            </a:r>
+          </a:p>
+          <a:p>
+            <a:pPr algn="ctr"/>
+            <a:r>
+              <a:rPr lang="en-US" i="1" dirty="0" smtClean="0"/>
+              <a:t>(example in separate video)</a:t>
+            </a:r>
+            <a:endParaRPr lang="en-US" i="1" dirty="0"/>
+          </a:p>
+        </p:txBody>
+      </p:sp>
+      <p:grpSp>
+        <p:nvGrpSpPr>
+          <p:cNvPr id="14" name="Group 13"/>
+          <p:cNvGrpSpPr/>
+          <p:nvPr/>
+        </p:nvGrpSpPr>
+        <p:grpSpPr>
+          <a:xfrm>
+            <a:off x="7198839" y="2137179"/>
+            <a:ext cx="3141660" cy="3193339"/>
+            <a:chOff x="7047391" y="1961976"/>
+            <a:chExt cx="3141660" cy="3193339"/>
+          </a:xfrm>
+        </p:grpSpPr>
+        <p:pic>
+          <p:nvPicPr>
+            <p:cNvPr id="2" name="Picture 1"/>
+            <p:cNvPicPr>
+              <a:picLocks noChangeAspect="1"/>
+            </p:cNvPicPr>
+            <p:nvPr/>
+          </p:nvPicPr>
+          <p:blipFill>
+            <a:blip r:embed="rId2" cstate="print">
+              <a:extLst>
+                <a:ext uri="{28A0092B-C50C-407E-A947-70E740481C1C}">
+                  <a14:useLocalDpi xmlns:a14="http://schemas.microsoft.com/office/drawing/2010/main" val="0"/>
+                </a:ext>
+              </a:extLst>
+            </a:blip>
+            <a:stretch>
+              <a:fillRect/>
+            </a:stretch>
+          </p:blipFill>
+          <p:spPr>
+            <a:xfrm>
+              <a:off x="7047391" y="3320161"/>
+              <a:ext cx="1578867" cy="1828804"/>
+            </a:xfrm>
+            <a:prstGeom prst="rect">
+              <a:avLst/>
+            </a:prstGeom>
+          </p:spPr>
+        </p:pic>
+        <p:pic>
+          <p:nvPicPr>
+            <p:cNvPr id="3" name="Picture 2"/>
+            <p:cNvPicPr>
+              <a:picLocks noChangeAspect="1"/>
+            </p:cNvPicPr>
+            <p:nvPr/>
+          </p:nvPicPr>
+          <p:blipFill>
+            <a:blip r:embed="rId3" cstate="print">
+              <a:extLst>
+                <a:ext uri="{28A0092B-C50C-407E-A947-70E740481C1C}">
+                  <a14:useLocalDpi xmlns:a14="http://schemas.microsoft.com/office/drawing/2010/main" val="0"/>
+                </a:ext>
+              </a:extLst>
+            </a:blip>
+            <a:stretch>
+              <a:fillRect/>
+            </a:stretch>
+          </p:blipFill>
+          <p:spPr>
+            <a:xfrm>
+              <a:off x="7830475" y="1961976"/>
+              <a:ext cx="1578867" cy="1828804"/>
+            </a:xfrm>
+            <a:prstGeom prst="rect">
+              <a:avLst/>
+            </a:prstGeom>
+          </p:spPr>
+        </p:pic>
+        <p:pic>
+          <p:nvPicPr>
+            <p:cNvPr id="11" name="Picture 10"/>
+            <p:cNvPicPr>
+              <a:picLocks noChangeAspect="1"/>
+            </p:cNvPicPr>
+            <p:nvPr/>
+          </p:nvPicPr>
+          <p:blipFill>
+            <a:blip r:embed="rId4" cstate="print">
+              <a:extLst>
+                <a:ext uri="{28A0092B-C50C-407E-A947-70E740481C1C}">
+                  <a14:useLocalDpi xmlns:a14="http://schemas.microsoft.com/office/drawing/2010/main" val="0"/>
+                </a:ext>
+              </a:extLst>
+            </a:blip>
+            <a:stretch>
+              <a:fillRect/>
+            </a:stretch>
+          </p:blipFill>
+          <p:spPr>
+            <a:xfrm>
+              <a:off x="8610184" y="3326511"/>
+              <a:ext cx="1578867" cy="1828804"/>
+            </a:xfrm>
+            <a:prstGeom prst="rect">
+              <a:avLst/>
+            </a:prstGeom>
+          </p:spPr>
+        </p:pic>
+      </p:grpSp>
+      <p:pic>
+        <p:nvPicPr>
+          <p:cNvPr id="12" name="Picture 11"/>
+          <p:cNvPicPr>
+            <a:picLocks noChangeAspect="1"/>
+          </p:cNvPicPr>
+          <p:nvPr/>
+        </p:nvPicPr>
+        <p:blipFill>
+          <a:blip r:embed="rId5" cstate="print">
+            <a:extLst>
+              <a:ext uri="{28A0092B-C50C-407E-A947-70E740481C1C}">
+                <a14:useLocalDpi xmlns:a14="http://schemas.microsoft.com/office/drawing/2010/main" val="0"/>
+              </a:ext>
+            </a:extLst>
+          </a:blip>
+          <a:stretch>
+            <a:fillRect/>
+          </a:stretch>
+        </p:blipFill>
+        <p:spPr>
+          <a:xfrm>
+            <a:off x="2035110" y="1019593"/>
+            <a:ext cx="1578867" cy="1828804"/>
+          </a:xfrm>
+          <a:prstGeom prst="rect">
+            <a:avLst/>
+          </a:prstGeom>
+        </p:spPr>
+      </p:pic>
+      <p:pic>
+        <p:nvPicPr>
+          <p:cNvPr id="1026" name="Picture 2" descr="Image result for virus"/>
+          <p:cNvPicPr>
+            <a:picLocks noChangeAspect="1" noChangeArrowheads="1"/>
+          </p:cNvPicPr>
+          <p:nvPr/>
+        </p:nvPicPr>
+        <p:blipFill>
+          <a:blip r:embed="rId6" cstate="print">
+            <a:extLst>
+              <a:ext uri="{28A0092B-C50C-407E-A947-70E740481C1C}">
+                <a14:useLocalDpi xmlns:a14="http://schemas.microsoft.com/office/drawing/2010/main" val="0"/>
+              </a:ext>
+            </a:extLst>
+          </a:blip>
+          <a:srcRect/>
+          <a:stretch>
+            <a:fillRect/>
+          </a:stretch>
+        </p:blipFill>
+        <p:spPr bwMode="auto">
+          <a:xfrm>
+            <a:off x="1908176" y="4866721"/>
+            <a:ext cx="825034" cy="824421"/>
+          </a:xfrm>
+          <a:prstGeom prst="rect">
+            <a:avLst/>
+          </a:prstGeom>
+          <a:noFill/>
+          <a:extLst>
+            <a:ext uri="{909E8E84-426E-40DD-AFC4-6F175D3DCCD1}">
+              <a14:hiddenFill xmlns:a14="http://schemas.microsoft.com/office/drawing/2010/main">
+                <a:solidFill>
+                  <a:srgbClr val="FFFFFF"/>
+                </a:solidFill>
+              </a14:hiddenFill>
+            </a:ext>
+          </a:extLst>
+        </p:spPr>
+      </p:pic>
+      <p:sp>
+        <p:nvSpPr>
+          <p:cNvPr id="13" name="TextBox 12"/>
+          <p:cNvSpPr txBox="1"/>
+          <p:nvPr/>
+        </p:nvSpPr>
+        <p:spPr>
+          <a:xfrm>
+            <a:off x="2524444" y="5254195"/>
+            <a:ext cx="1238954" cy="369332"/>
+          </a:xfrm>
+          <a:prstGeom prst="rect">
+            <a:avLst/>
+          </a:prstGeom>
+          <a:noFill/>
+        </p:spPr>
+        <p:txBody>
+          <a:bodyPr wrap="square" rtlCol="0">
+            <a:spAutoFit/>
+          </a:bodyPr>
+          <a:lstStyle/>
+          <a:p>
+            <a:pPr algn="ctr"/>
+            <a:r>
+              <a:rPr lang="en-US" b="1" dirty="0" smtClean="0">
+                <a:solidFill>
+                  <a:schemeClr val="accent1">
+                    <a:lumMod val="75000"/>
+                  </a:schemeClr>
+                </a:solidFill>
+              </a:rPr>
+              <a:t>Covid-19</a:t>
+            </a:r>
+            <a:endParaRPr lang="en-US" b="1" dirty="0">
+              <a:solidFill>
+                <a:schemeClr val="accent1">
+                  <a:lumMod val="75000"/>
+                </a:schemeClr>
+              </a:solidFill>
+            </a:endParaRPr>
+          </a:p>
+        </p:txBody>
+      </p:sp>
+    </p:spTree>
+    <p:extLst>
+      <p:ext uri="{BB962C8B-B14F-4D97-AF65-F5344CB8AC3E}">
+        <p14:creationId xmlns:p14="http://schemas.microsoft.com/office/powerpoint/2010/main" val="1235567156"/>
+      </p:ext>
+    </p:extLst>
+  </p:cSld>
+  <p:clrMapOvr>
+    <a:masterClrMapping/>
+  </p:clrMapOvr>
+</p:sld>
+</file>
+
+<file path=ppt/slides/slide3.xml><?xml version="1.0" encoding="utf-8"?>
+<p:sld xmlns:a="http://schemas.openxmlformats.org/drawingml/2006/main" xmlns:r="http://schemas.openxmlformats.org/officeDocument/2006/relationships" xmlns:p="http://schemas.openxmlformats.org/presentationml/2006/main">
+  <p:cSld>
+    <p:spTree>
+      <p:nvGrpSpPr>
+        <p:cNvPr id="1" name=""/>
+        <p:cNvGrpSpPr/>
+        <p:nvPr/>
+      </p:nvGrpSpPr>
+      <p:grpSpPr>
+        <a:xfrm>
+          <a:off x="0" y="0"/>
+          <a:ext cx="0" cy="0"/>
+          <a:chOff x="0" y="0"/>
+          <a:chExt cx="0" cy="0"/>
+        </a:xfrm>
+      </p:grpSpPr>
+      <p:sp>
+        <p:nvSpPr>
+          <p:cNvPr id="4" name="Rectangle 3"/>
+          <p:cNvSpPr/>
+          <p:nvPr/>
+        </p:nvSpPr>
+        <p:spPr>
+          <a:xfrm>
+            <a:off x="1853580" y="824230"/>
+            <a:ext cx="8778240" cy="5010912"/>
+          </a:xfrm>
+          <a:prstGeom prst="rect">
+            <a:avLst/>
+          </a:prstGeom>
+          <a:solidFill>
+            <a:schemeClr val="bg1">
+              <a:lumMod val="95000"/>
+            </a:schemeClr>
+          </a:solidFill>
+          <a:ln w="38100"/>
+        </p:spPr>
+        <p:style>
+          <a:lnRef idx="2">
+            <a:schemeClr val="accent1">
+              <a:shade val="50000"/>
+            </a:schemeClr>
+          </a:lnRef>
+          <a:fillRef idx="1">
+            <a:schemeClr val="accent1"/>
+          </a:fillRef>
+          <a:effectRef idx="0">
+            <a:schemeClr val="accent1"/>
+          </a:effectRef>
+          <a:fontRef idx="minor">
+            <a:schemeClr val="lt1"/>
+          </a:fontRef>
+        </p:style>
+        <p:txBody>
+          <a:bodyPr rtlCol="0" anchor="ctr"/>
+          <a:lstStyle/>
+          <a:p>
+            <a:pPr algn="ctr"/>
+            <a:endParaRPr lang="en-US"/>
+          </a:p>
+        </p:txBody>
+      </p:sp>
+      <p:sp>
+        <p:nvSpPr>
+          <p:cNvPr id="7" name="TextBox 6"/>
+          <p:cNvSpPr txBox="1"/>
+          <p:nvPr/>
+        </p:nvSpPr>
+        <p:spPr>
+          <a:xfrm>
+            <a:off x="3838696" y="1056832"/>
+            <a:ext cx="5712369" cy="1754326"/>
+          </a:xfrm>
+          <a:prstGeom prst="rect">
+            <a:avLst/>
+          </a:prstGeom>
+          <a:noFill/>
+        </p:spPr>
+        <p:txBody>
+          <a:bodyPr wrap="square" rtlCol="0">
+            <a:spAutoFit/>
+          </a:bodyPr>
+          <a:lstStyle/>
+          <a:p>
+            <a:r>
+              <a:rPr lang="en-US" sz="5400" dirty="0" smtClean="0"/>
+              <a:t>Virtual </a:t>
+            </a:r>
+          </a:p>
+          <a:p>
+            <a:r>
+              <a:rPr lang="en-US" sz="5400" dirty="0" smtClean="0"/>
+              <a:t>Office Hours</a:t>
+            </a:r>
+            <a:endParaRPr lang="en-US" sz="5400" dirty="0"/>
+          </a:p>
+        </p:txBody>
+      </p:sp>
+      <p:sp>
+        <p:nvSpPr>
+          <p:cNvPr id="8" name="TextBox 7"/>
+          <p:cNvSpPr txBox="1"/>
+          <p:nvPr/>
+        </p:nvSpPr>
+        <p:spPr>
+          <a:xfrm>
+            <a:off x="7731444" y="5278932"/>
+            <a:ext cx="2076450" cy="369332"/>
+          </a:xfrm>
+          <a:prstGeom prst="rect">
+            <a:avLst/>
+          </a:prstGeom>
+          <a:noFill/>
+        </p:spPr>
+        <p:txBody>
+          <a:bodyPr wrap="square" rtlCol="0">
+            <a:spAutoFit/>
+          </a:bodyPr>
+          <a:lstStyle/>
+          <a:p>
+            <a:pPr algn="ctr"/>
+            <a:r>
+              <a:rPr lang="en-US" dirty="0" smtClean="0"/>
+              <a:t>March 25, 2020</a:t>
+            </a:r>
+            <a:endParaRPr lang="en-US" dirty="0"/>
+          </a:p>
+        </p:txBody>
+      </p:sp>
+      <p:sp>
+        <p:nvSpPr>
+          <p:cNvPr id="9" name="TextBox 8"/>
+          <p:cNvSpPr txBox="1"/>
+          <p:nvPr/>
+        </p:nvSpPr>
+        <p:spPr>
+          <a:xfrm>
+            <a:off x="2023325" y="2848397"/>
+            <a:ext cx="5005769" cy="1200329"/>
+          </a:xfrm>
+          <a:prstGeom prst="rect">
+            <a:avLst/>
+          </a:prstGeom>
+          <a:noFill/>
+        </p:spPr>
+        <p:txBody>
+          <a:bodyPr wrap="square" rtlCol="0">
+            <a:spAutoFit/>
+          </a:bodyPr>
+          <a:lstStyle/>
+          <a:p>
+            <a:pPr algn="ctr"/>
+            <a:r>
+              <a:rPr lang="en-US" dirty="0" smtClean="0"/>
+              <a:t>HW 13 </a:t>
+            </a:r>
+            <a:endParaRPr lang="en-US" dirty="0"/>
+          </a:p>
+          <a:p>
+            <a:pPr algn="ctr"/>
+            <a:r>
+              <a:rPr lang="en-US" b="1" u="sng" dirty="0" smtClean="0"/>
+              <a:t>Multiple Comparisons: pairwise &amp; linear contrasts</a:t>
+            </a:r>
+          </a:p>
+          <a:p>
+            <a:pPr algn="ctr"/>
+            <a:r>
+              <a:rPr lang="en-US" dirty="0" smtClean="0"/>
+              <a:t>Items # 5 &amp; 6</a:t>
+            </a:r>
+          </a:p>
+          <a:p>
+            <a:pPr algn="ctr"/>
+            <a:endParaRPr lang="en-US" b="1" dirty="0"/>
+          </a:p>
+        </p:txBody>
+      </p:sp>
+      <p:grpSp>
+        <p:nvGrpSpPr>
+          <p:cNvPr id="14" name="Group 13"/>
+          <p:cNvGrpSpPr/>
+          <p:nvPr/>
+        </p:nvGrpSpPr>
+        <p:grpSpPr>
+          <a:xfrm>
+            <a:off x="7198839" y="2137179"/>
+            <a:ext cx="3141660" cy="3193339"/>
+            <a:chOff x="7047391" y="1961976"/>
+            <a:chExt cx="3141660" cy="3193339"/>
+          </a:xfrm>
+        </p:grpSpPr>
+        <p:pic>
+          <p:nvPicPr>
+            <p:cNvPr id="2" name="Picture 1"/>
+            <p:cNvPicPr>
+              <a:picLocks noChangeAspect="1"/>
+            </p:cNvPicPr>
+            <p:nvPr/>
+          </p:nvPicPr>
+          <p:blipFill>
+            <a:blip r:embed="rId2" cstate="print">
+              <a:extLst>
+                <a:ext uri="{28A0092B-C50C-407E-A947-70E740481C1C}">
+                  <a14:useLocalDpi xmlns:a14="http://schemas.microsoft.com/office/drawing/2010/main" val="0"/>
+                </a:ext>
+              </a:extLst>
+            </a:blip>
+            <a:stretch>
+              <a:fillRect/>
+            </a:stretch>
+          </p:blipFill>
+          <p:spPr>
+            <a:xfrm>
+              <a:off x="7047391" y="3320161"/>
+              <a:ext cx="1578867" cy="1828804"/>
+            </a:xfrm>
+            <a:prstGeom prst="rect">
+              <a:avLst/>
+            </a:prstGeom>
+          </p:spPr>
+        </p:pic>
+        <p:pic>
+          <p:nvPicPr>
+            <p:cNvPr id="3" name="Picture 2"/>
+            <p:cNvPicPr>
+              <a:picLocks noChangeAspect="1"/>
+            </p:cNvPicPr>
+            <p:nvPr/>
+          </p:nvPicPr>
+          <p:blipFill>
+            <a:blip r:embed="rId3" cstate="print">
+              <a:extLst>
+                <a:ext uri="{28A0092B-C50C-407E-A947-70E740481C1C}">
+                  <a14:useLocalDpi xmlns:a14="http://schemas.microsoft.com/office/drawing/2010/main" val="0"/>
+                </a:ext>
+              </a:extLst>
+            </a:blip>
+            <a:stretch>
+              <a:fillRect/>
+            </a:stretch>
+          </p:blipFill>
+          <p:spPr>
+            <a:xfrm>
+              <a:off x="7830475" y="1961976"/>
+              <a:ext cx="1578867" cy="1828804"/>
+            </a:xfrm>
+            <a:prstGeom prst="rect">
+              <a:avLst/>
+            </a:prstGeom>
+          </p:spPr>
+        </p:pic>
+        <p:pic>
+          <p:nvPicPr>
+            <p:cNvPr id="11" name="Picture 10"/>
+            <p:cNvPicPr>
+              <a:picLocks noChangeAspect="1"/>
+            </p:cNvPicPr>
+            <p:nvPr/>
+          </p:nvPicPr>
+          <p:blipFill>
+            <a:blip r:embed="rId4" cstate="print">
+              <a:extLst>
+                <a:ext uri="{28A0092B-C50C-407E-A947-70E740481C1C}">
+                  <a14:useLocalDpi xmlns:a14="http://schemas.microsoft.com/office/drawing/2010/main" val="0"/>
+                </a:ext>
+              </a:extLst>
+            </a:blip>
+            <a:stretch>
+              <a:fillRect/>
+            </a:stretch>
+          </p:blipFill>
+          <p:spPr>
+            <a:xfrm>
+              <a:off x="8610184" y="3326511"/>
+              <a:ext cx="1578867" cy="1828804"/>
+            </a:xfrm>
+            <a:prstGeom prst="rect">
+              <a:avLst/>
+            </a:prstGeom>
+          </p:spPr>
+        </p:pic>
+      </p:grpSp>
+      <p:pic>
+        <p:nvPicPr>
+          <p:cNvPr id="12" name="Picture 11"/>
+          <p:cNvPicPr>
+            <a:picLocks noChangeAspect="1"/>
+          </p:cNvPicPr>
+          <p:nvPr/>
+        </p:nvPicPr>
+        <p:blipFill>
+          <a:blip r:embed="rId5" cstate="print">
+            <a:extLst>
+              <a:ext uri="{28A0092B-C50C-407E-A947-70E740481C1C}">
+                <a14:useLocalDpi xmlns:a14="http://schemas.microsoft.com/office/drawing/2010/main" val="0"/>
+              </a:ext>
+            </a:extLst>
+          </a:blip>
+          <a:stretch>
+            <a:fillRect/>
+          </a:stretch>
+        </p:blipFill>
+        <p:spPr>
+          <a:xfrm>
+            <a:off x="2035110" y="1019593"/>
+            <a:ext cx="1578867" cy="1828804"/>
+          </a:xfrm>
+          <a:prstGeom prst="rect">
+            <a:avLst/>
+          </a:prstGeom>
+        </p:spPr>
+      </p:pic>
+      <p:sp>
+        <p:nvSpPr>
+          <p:cNvPr id="13" name="TextBox 12"/>
+          <p:cNvSpPr txBox="1"/>
+          <p:nvPr/>
+        </p:nvSpPr>
+        <p:spPr>
+          <a:xfrm>
+            <a:off x="2023324" y="3965983"/>
+            <a:ext cx="5005769" cy="1200329"/>
+          </a:xfrm>
+          <a:prstGeom prst="rect">
+            <a:avLst/>
+          </a:prstGeom>
+          <a:noFill/>
+        </p:spPr>
+        <p:txBody>
+          <a:bodyPr wrap="square" rtlCol="0">
+            <a:spAutoFit/>
+          </a:bodyPr>
+          <a:lstStyle/>
+          <a:p>
+            <a:pPr algn="ctr"/>
+            <a:r>
+              <a:rPr lang="en-US" dirty="0" smtClean="0"/>
+              <a:t>HW 12 </a:t>
+            </a:r>
+            <a:endParaRPr lang="en-US" dirty="0"/>
+          </a:p>
+          <a:p>
+            <a:pPr algn="ctr"/>
+            <a:r>
+              <a:rPr lang="en-US" b="1" u="sng" dirty="0" smtClean="0"/>
+              <a:t>One-way, independent groups ANOVA</a:t>
+            </a:r>
+          </a:p>
+          <a:p>
+            <a:pPr algn="ctr"/>
+            <a:r>
+              <a:rPr lang="en-US" dirty="0" smtClean="0"/>
+              <a:t>Items with APA methods/results</a:t>
+            </a:r>
+          </a:p>
+          <a:p>
+            <a:pPr algn="ctr"/>
+            <a:endParaRPr lang="en-US" b="1" dirty="0"/>
+          </a:p>
+        </p:txBody>
+      </p:sp>
+      <p:pic>
+        <p:nvPicPr>
+          <p:cNvPr id="5" name="Picture 4"/>
+          <p:cNvPicPr>
+            <a:picLocks noChangeAspect="1"/>
+          </p:cNvPicPr>
+          <p:nvPr/>
+        </p:nvPicPr>
+        <p:blipFill>
+          <a:blip r:embed="rId6"/>
+          <a:stretch>
+            <a:fillRect/>
+          </a:stretch>
+        </p:blipFill>
+        <p:spPr>
+          <a:xfrm>
+            <a:off x="1985351" y="4872564"/>
+            <a:ext cx="1853345" cy="853514"/>
+          </a:xfrm>
+          <a:prstGeom prst="rect">
+            <a:avLst/>
+          </a:prstGeom>
+        </p:spPr>
+      </p:pic>
+    </p:spTree>
+    <p:extLst>
+      <p:ext uri="{BB962C8B-B14F-4D97-AF65-F5344CB8AC3E}">
+        <p14:creationId xmlns:p14="http://schemas.microsoft.com/office/powerpoint/2010/main" val="636154248"/>
+      </p:ext>
+    </p:extLst>
+  </p:cSld>
+  <p:clrMapOvr>
+    <a:masterClrMapping/>
+  </p:clrMapOvr>
+</p:sld>
+</file>
+
+<file path=ppt/slides/slide4.xml><?xml version="1.0" encoding="utf-8"?>
 <p:sld xmlns:a="http://schemas.openxmlformats.org/drawingml/2006/main" xmlns:r="http://schemas.openxmlformats.org/officeDocument/2006/relationships" xmlns:p="http://schemas.openxmlformats.org/presentationml/2006/main">
   <p:cSld>
     <p:spTree>
@@ -6417,7 +7941,7 @@
 </p:sld>
 </file>
 
-<file path=ppt/slides/slide3.xml><?xml version="1.0" encoding="utf-8"?>
+<file path=ppt/slides/slide5.xml><?xml version="1.0" encoding="utf-8"?>
 <p:sld xmlns:a="http://schemas.openxmlformats.org/drawingml/2006/main" xmlns:r="http://schemas.openxmlformats.org/officeDocument/2006/relationships" xmlns:p="http://schemas.openxmlformats.org/presentationml/2006/main">
   <p:cSld>
     <p:spTree>
@@ -6827,7 +8351,7 @@
 </p:sld>
 </file>
 
-<file path=ppt/slides/slide4.xml><?xml version="1.0" encoding="utf-8"?>
+<file path=ppt/slides/slide6.xml><?xml version="1.0" encoding="utf-8"?>
 <p:sld xmlns:a="http://schemas.openxmlformats.org/drawingml/2006/main" xmlns:r="http://schemas.openxmlformats.org/officeDocument/2006/relationships" xmlns:p="http://schemas.openxmlformats.org/presentationml/2006/main">
   <p:cSld>
     <p:spTree>
@@ -7162,7 +8686,7 @@
 </p:sld>
 </file>
 
-<file path=ppt/slides/slide5.xml><?xml version="1.0" encoding="utf-8"?>
+<file path=ppt/slides/slide7.xml><?xml version="1.0" encoding="utf-8"?>
 <p:sld xmlns:a="http://schemas.openxmlformats.org/drawingml/2006/main" xmlns:r="http://schemas.openxmlformats.org/officeDocument/2006/relationships" xmlns:p="http://schemas.openxmlformats.org/presentationml/2006/main">
   <p:cSld>
     <p:spTree>
@@ -7480,7 +9004,7 @@
 </p:sld>
 </file>
 
-<file path=ppt/slides/slide6.xml><?xml version="1.0" encoding="utf-8"?>
+<file path=ppt/slides/slide8.xml><?xml version="1.0" encoding="utf-8"?>
 <p:sld xmlns:a="http://schemas.openxmlformats.org/drawingml/2006/main" xmlns:r="http://schemas.openxmlformats.org/officeDocument/2006/relationships" xmlns:p="http://schemas.openxmlformats.org/presentationml/2006/main">
   <p:cSld>
     <p:spTree>
@@ -7807,7 +9331,7 @@
 </p:sld>
 </file>
 
-<file path=ppt/slides/slide7.xml><?xml version="1.0" encoding="utf-8"?>
+<file path=ppt/slides/slide9.xml><?xml version="1.0" encoding="utf-8"?>
 <p:sld xmlns:a="http://schemas.openxmlformats.org/drawingml/2006/main" xmlns:r="http://schemas.openxmlformats.org/officeDocument/2006/relationships" xmlns:p="http://schemas.openxmlformats.org/presentationml/2006/main">
   <p:cSld>
     <p:spTree>
@@ -8123,698 +9647,6 @@
     <p:extLst>
       <p:ext uri="{BB962C8B-B14F-4D97-AF65-F5344CB8AC3E}">
         <p14:creationId xmlns:p14="http://schemas.microsoft.com/office/powerpoint/2010/main" val="928580799"/>
-      </p:ext>
-    </p:extLst>
-  </p:cSld>
-  <p:clrMapOvr>
-    <a:masterClrMapping/>
-  </p:clrMapOvr>
-</p:sld>
-</file>
-
-<file path=ppt/slides/slide8.xml><?xml version="1.0" encoding="utf-8"?>
-<p:sld xmlns:a="http://schemas.openxmlformats.org/drawingml/2006/main" xmlns:r="http://schemas.openxmlformats.org/officeDocument/2006/relationships" xmlns:p="http://schemas.openxmlformats.org/presentationml/2006/main">
-  <p:cSld>
-    <p:spTree>
-      <p:nvGrpSpPr>
-        <p:cNvPr id="1" name=""/>
-        <p:cNvGrpSpPr/>
-        <p:nvPr/>
-      </p:nvGrpSpPr>
-      <p:grpSpPr>
-        <a:xfrm>
-          <a:off x="0" y="0"/>
-          <a:ext cx="0" cy="0"/>
-          <a:chOff x="0" y="0"/>
-          <a:chExt cx="0" cy="0"/>
-        </a:xfrm>
-      </p:grpSpPr>
-      <p:sp>
-        <p:nvSpPr>
-          <p:cNvPr id="4" name="Rectangle 3"/>
-          <p:cNvSpPr/>
-          <p:nvPr/>
-        </p:nvSpPr>
-        <p:spPr>
-          <a:xfrm>
-            <a:off x="1808702" y="824230"/>
-            <a:ext cx="8778240" cy="5010912"/>
-          </a:xfrm>
-          <a:prstGeom prst="rect">
-            <a:avLst/>
-          </a:prstGeom>
-          <a:solidFill>
-            <a:schemeClr val="bg1">
-              <a:lumMod val="95000"/>
-            </a:schemeClr>
-          </a:solidFill>
-          <a:ln w="38100"/>
-        </p:spPr>
-        <p:style>
-          <a:lnRef idx="2">
-            <a:schemeClr val="accent1">
-              <a:shade val="50000"/>
-            </a:schemeClr>
-          </a:lnRef>
-          <a:fillRef idx="1">
-            <a:schemeClr val="accent1"/>
-          </a:fillRef>
-          <a:effectRef idx="0">
-            <a:schemeClr val="accent1"/>
-          </a:effectRef>
-          <a:fontRef idx="minor">
-            <a:schemeClr val="lt1"/>
-          </a:fontRef>
-        </p:style>
-        <p:txBody>
-          <a:bodyPr rtlCol="0" anchor="ctr"/>
-          <a:lstStyle/>
-          <a:p>
-            <a:pPr algn="ctr"/>
-            <a:endParaRPr lang="en-US"/>
-          </a:p>
-        </p:txBody>
-      </p:sp>
-      <p:sp>
-        <p:nvSpPr>
-          <p:cNvPr id="7" name="TextBox 6"/>
-          <p:cNvSpPr txBox="1"/>
-          <p:nvPr/>
-        </p:nvSpPr>
-        <p:spPr>
-          <a:xfrm>
-            <a:off x="3840385" y="1213849"/>
-            <a:ext cx="5712369" cy="923330"/>
-          </a:xfrm>
-          <a:prstGeom prst="rect">
-            <a:avLst/>
-          </a:prstGeom>
-          <a:noFill/>
-        </p:spPr>
-        <p:txBody>
-          <a:bodyPr wrap="square" rtlCol="0">
-            <a:spAutoFit/>
-          </a:bodyPr>
-          <a:lstStyle/>
-          <a:p>
-            <a:r>
-              <a:rPr lang="en-US" sz="5400" dirty="0" smtClean="0"/>
-              <a:t>INCLASS LECTURES</a:t>
-            </a:r>
-            <a:endParaRPr lang="en-US" sz="5400" dirty="0"/>
-          </a:p>
-        </p:txBody>
-      </p:sp>
-      <p:sp>
-        <p:nvSpPr>
-          <p:cNvPr id="8" name="TextBox 7"/>
-          <p:cNvSpPr txBox="1"/>
-          <p:nvPr/>
-        </p:nvSpPr>
-        <p:spPr>
-          <a:xfrm>
-            <a:off x="7731444" y="5278932"/>
-            <a:ext cx="2076450" cy="369332"/>
-          </a:xfrm>
-          <a:prstGeom prst="rect">
-            <a:avLst/>
-          </a:prstGeom>
-          <a:noFill/>
-        </p:spPr>
-        <p:txBody>
-          <a:bodyPr wrap="square" rtlCol="0">
-            <a:spAutoFit/>
-          </a:bodyPr>
-          <a:lstStyle/>
-          <a:p>
-            <a:pPr algn="ctr"/>
-            <a:r>
-              <a:rPr lang="en-US" dirty="0" smtClean="0"/>
-              <a:t>March 9, 2020</a:t>
-            </a:r>
-            <a:endParaRPr lang="en-US" dirty="0"/>
-          </a:p>
-        </p:txBody>
-      </p:sp>
-      <p:sp>
-        <p:nvSpPr>
-          <p:cNvPr id="9" name="TextBox 8"/>
-          <p:cNvSpPr txBox="1"/>
-          <p:nvPr/>
-        </p:nvSpPr>
-        <p:spPr>
-          <a:xfrm>
-            <a:off x="2175358" y="3486436"/>
-            <a:ext cx="5005769" cy="1200329"/>
-          </a:xfrm>
-          <a:prstGeom prst="rect">
-            <a:avLst/>
-          </a:prstGeom>
-          <a:noFill/>
-        </p:spPr>
-        <p:txBody>
-          <a:bodyPr wrap="square" rtlCol="0">
-            <a:spAutoFit/>
-          </a:bodyPr>
-          <a:lstStyle/>
-          <a:p>
-            <a:pPr algn="ctr"/>
-            <a:r>
-              <a:rPr lang="en-US" dirty="0" smtClean="0"/>
-              <a:t>Chapter 12</a:t>
-            </a:r>
-            <a:endParaRPr lang="en-US" dirty="0"/>
-          </a:p>
-          <a:p>
-            <a:pPr algn="ctr"/>
-            <a:r>
-              <a:rPr lang="en-US" b="1" u="sng" dirty="0" smtClean="0"/>
-              <a:t>One-way Independent Groups ANOVA</a:t>
-            </a:r>
-            <a:endParaRPr lang="en-US" dirty="0" smtClean="0"/>
-          </a:p>
-          <a:p>
-            <a:pPr algn="ctr"/>
-            <a:r>
-              <a:rPr lang="en-US" i="1" dirty="0" smtClean="0"/>
-              <a:t>First half, chapter slides</a:t>
-            </a:r>
-          </a:p>
-          <a:p>
-            <a:pPr algn="ctr"/>
-            <a:r>
-              <a:rPr lang="en-US" i="1" dirty="0" smtClean="0"/>
-              <a:t>Mostly New Material Presentation</a:t>
-            </a:r>
-          </a:p>
-        </p:txBody>
-      </p:sp>
-      <p:grpSp>
-        <p:nvGrpSpPr>
-          <p:cNvPr id="14" name="Group 13"/>
-          <p:cNvGrpSpPr/>
-          <p:nvPr/>
-        </p:nvGrpSpPr>
-        <p:grpSpPr>
-          <a:xfrm>
-            <a:off x="7198839" y="2137179"/>
-            <a:ext cx="3141660" cy="3193339"/>
-            <a:chOff x="7047391" y="1961976"/>
-            <a:chExt cx="3141660" cy="3193339"/>
-          </a:xfrm>
-        </p:grpSpPr>
-        <p:pic>
-          <p:nvPicPr>
-            <p:cNvPr id="2" name="Picture 1"/>
-            <p:cNvPicPr>
-              <a:picLocks noChangeAspect="1"/>
-            </p:cNvPicPr>
-            <p:nvPr/>
-          </p:nvPicPr>
-          <p:blipFill>
-            <a:blip r:embed="rId2" cstate="print">
-              <a:extLst>
-                <a:ext uri="{28A0092B-C50C-407E-A947-70E740481C1C}">
-                  <a14:useLocalDpi xmlns:a14="http://schemas.microsoft.com/office/drawing/2010/main" val="0"/>
-                </a:ext>
-              </a:extLst>
-            </a:blip>
-            <a:stretch>
-              <a:fillRect/>
-            </a:stretch>
-          </p:blipFill>
-          <p:spPr>
-            <a:xfrm>
-              <a:off x="7047391" y="3320161"/>
-              <a:ext cx="1578867" cy="1828804"/>
-            </a:xfrm>
-            <a:prstGeom prst="rect">
-              <a:avLst/>
-            </a:prstGeom>
-          </p:spPr>
-        </p:pic>
-        <p:pic>
-          <p:nvPicPr>
-            <p:cNvPr id="3" name="Picture 2"/>
-            <p:cNvPicPr>
-              <a:picLocks noChangeAspect="1"/>
-            </p:cNvPicPr>
-            <p:nvPr/>
-          </p:nvPicPr>
-          <p:blipFill>
-            <a:blip r:embed="rId3" cstate="print">
-              <a:extLst>
-                <a:ext uri="{28A0092B-C50C-407E-A947-70E740481C1C}">
-                  <a14:useLocalDpi xmlns:a14="http://schemas.microsoft.com/office/drawing/2010/main" val="0"/>
-                </a:ext>
-              </a:extLst>
-            </a:blip>
-            <a:stretch>
-              <a:fillRect/>
-            </a:stretch>
-          </p:blipFill>
-          <p:spPr>
-            <a:xfrm>
-              <a:off x="7830475" y="1961976"/>
-              <a:ext cx="1578867" cy="1828804"/>
-            </a:xfrm>
-            <a:prstGeom prst="rect">
-              <a:avLst/>
-            </a:prstGeom>
-          </p:spPr>
-        </p:pic>
-        <p:pic>
-          <p:nvPicPr>
-            <p:cNvPr id="11" name="Picture 10"/>
-            <p:cNvPicPr>
-              <a:picLocks noChangeAspect="1"/>
-            </p:cNvPicPr>
-            <p:nvPr/>
-          </p:nvPicPr>
-          <p:blipFill>
-            <a:blip r:embed="rId4" cstate="print">
-              <a:extLst>
-                <a:ext uri="{28A0092B-C50C-407E-A947-70E740481C1C}">
-                  <a14:useLocalDpi xmlns:a14="http://schemas.microsoft.com/office/drawing/2010/main" val="0"/>
-                </a:ext>
-              </a:extLst>
-            </a:blip>
-            <a:stretch>
-              <a:fillRect/>
-            </a:stretch>
-          </p:blipFill>
-          <p:spPr>
-            <a:xfrm>
-              <a:off x="8610184" y="3326511"/>
-              <a:ext cx="1578867" cy="1828804"/>
-            </a:xfrm>
-            <a:prstGeom prst="rect">
-              <a:avLst/>
-            </a:prstGeom>
-          </p:spPr>
-        </p:pic>
-      </p:grpSp>
-      <p:pic>
-        <p:nvPicPr>
-          <p:cNvPr id="12" name="Picture 11"/>
-          <p:cNvPicPr>
-            <a:picLocks noChangeAspect="1"/>
-          </p:cNvPicPr>
-          <p:nvPr/>
-        </p:nvPicPr>
-        <p:blipFill>
-          <a:blip r:embed="rId5" cstate="print">
-            <a:extLst>
-              <a:ext uri="{28A0092B-C50C-407E-A947-70E740481C1C}">
-                <a14:useLocalDpi xmlns:a14="http://schemas.microsoft.com/office/drawing/2010/main" val="0"/>
-              </a:ext>
-            </a:extLst>
-          </a:blip>
-          <a:stretch>
-            <a:fillRect/>
-          </a:stretch>
-        </p:blipFill>
-        <p:spPr>
-          <a:xfrm>
-            <a:off x="2035110" y="1019593"/>
-            <a:ext cx="1578867" cy="1828804"/>
-          </a:xfrm>
-          <a:prstGeom prst="rect">
-            <a:avLst/>
-          </a:prstGeom>
-        </p:spPr>
-      </p:pic>
-    </p:spTree>
-    <p:extLst>
-      <p:ext uri="{BB962C8B-B14F-4D97-AF65-F5344CB8AC3E}">
-        <p14:creationId xmlns:p14="http://schemas.microsoft.com/office/powerpoint/2010/main" val="2758197068"/>
-      </p:ext>
-    </p:extLst>
-  </p:cSld>
-  <p:clrMapOvr>
-    <a:masterClrMapping/>
-  </p:clrMapOvr>
-</p:sld>
-</file>
-
-<file path=ppt/slides/slide9.xml><?xml version="1.0" encoding="utf-8"?>
-<p:sld xmlns:a="http://schemas.openxmlformats.org/drawingml/2006/main" xmlns:r="http://schemas.openxmlformats.org/officeDocument/2006/relationships" xmlns:p="http://schemas.openxmlformats.org/presentationml/2006/main">
-  <p:cSld>
-    <p:spTree>
-      <p:nvGrpSpPr>
-        <p:cNvPr id="1" name=""/>
-        <p:cNvGrpSpPr/>
-        <p:nvPr/>
-      </p:nvGrpSpPr>
-      <p:grpSpPr>
-        <a:xfrm>
-          <a:off x="0" y="0"/>
-          <a:ext cx="0" cy="0"/>
-          <a:chOff x="0" y="0"/>
-          <a:chExt cx="0" cy="0"/>
-        </a:xfrm>
-      </p:grpSpPr>
-      <p:sp>
-        <p:nvSpPr>
-          <p:cNvPr id="4" name="Rectangle 3"/>
-          <p:cNvSpPr/>
-          <p:nvPr/>
-        </p:nvSpPr>
-        <p:spPr>
-          <a:xfrm>
-            <a:off x="1808702" y="824230"/>
-            <a:ext cx="8778240" cy="5010912"/>
-          </a:xfrm>
-          <a:prstGeom prst="rect">
-            <a:avLst/>
-          </a:prstGeom>
-          <a:solidFill>
-            <a:schemeClr val="bg1">
-              <a:lumMod val="95000"/>
-            </a:schemeClr>
-          </a:solidFill>
-          <a:ln w="38100"/>
-        </p:spPr>
-        <p:style>
-          <a:lnRef idx="2">
-            <a:schemeClr val="accent1">
-              <a:shade val="50000"/>
-            </a:schemeClr>
-          </a:lnRef>
-          <a:fillRef idx="1">
-            <a:schemeClr val="accent1"/>
-          </a:fillRef>
-          <a:effectRef idx="0">
-            <a:schemeClr val="accent1"/>
-          </a:effectRef>
-          <a:fontRef idx="minor">
-            <a:schemeClr val="lt1"/>
-          </a:fontRef>
-        </p:style>
-        <p:txBody>
-          <a:bodyPr rtlCol="0" anchor="ctr"/>
-          <a:lstStyle/>
-          <a:p>
-            <a:pPr algn="ctr"/>
-            <a:endParaRPr lang="en-US"/>
-          </a:p>
-        </p:txBody>
-      </p:sp>
-      <p:sp>
-        <p:nvSpPr>
-          <p:cNvPr id="7" name="TextBox 6"/>
-          <p:cNvSpPr txBox="1"/>
-          <p:nvPr/>
-        </p:nvSpPr>
-        <p:spPr>
-          <a:xfrm>
-            <a:off x="3840385" y="1213849"/>
-            <a:ext cx="5712369" cy="923330"/>
-          </a:xfrm>
-          <a:prstGeom prst="rect">
-            <a:avLst/>
-          </a:prstGeom>
-          <a:noFill/>
-        </p:spPr>
-        <p:txBody>
-          <a:bodyPr wrap="square" rtlCol="0">
-            <a:spAutoFit/>
-          </a:bodyPr>
-          <a:lstStyle/>
-          <a:p>
-            <a:r>
-              <a:rPr lang="en-US" sz="5400" dirty="0" smtClean="0"/>
-              <a:t>INCLASS LECTURES</a:t>
-            </a:r>
-            <a:endParaRPr lang="en-US" sz="5400" dirty="0"/>
-          </a:p>
-        </p:txBody>
-      </p:sp>
-      <p:sp>
-        <p:nvSpPr>
-          <p:cNvPr id="8" name="TextBox 7"/>
-          <p:cNvSpPr txBox="1"/>
-          <p:nvPr/>
-        </p:nvSpPr>
-        <p:spPr>
-          <a:xfrm>
-            <a:off x="7731444" y="5278932"/>
-            <a:ext cx="2076450" cy="369332"/>
-          </a:xfrm>
-          <a:prstGeom prst="rect">
-            <a:avLst/>
-          </a:prstGeom>
-          <a:noFill/>
-        </p:spPr>
-        <p:txBody>
-          <a:bodyPr wrap="square" rtlCol="0">
-            <a:spAutoFit/>
-          </a:bodyPr>
-          <a:lstStyle/>
-          <a:p>
-            <a:pPr algn="ctr"/>
-            <a:r>
-              <a:rPr lang="en-US" dirty="0" smtClean="0"/>
-              <a:t>Feb. 19, 2020</a:t>
-            </a:r>
-            <a:endParaRPr lang="en-US" dirty="0"/>
-          </a:p>
-        </p:txBody>
-      </p:sp>
-      <p:sp>
-        <p:nvSpPr>
-          <p:cNvPr id="9" name="TextBox 8"/>
-          <p:cNvSpPr txBox="1"/>
-          <p:nvPr/>
-        </p:nvSpPr>
-        <p:spPr>
-          <a:xfrm>
-            <a:off x="2130478" y="2956774"/>
-            <a:ext cx="5005769" cy="923330"/>
-          </a:xfrm>
-          <a:prstGeom prst="rect">
-            <a:avLst/>
-          </a:prstGeom>
-          <a:noFill/>
-        </p:spPr>
-        <p:txBody>
-          <a:bodyPr wrap="square" rtlCol="0">
-            <a:spAutoFit/>
-          </a:bodyPr>
-          <a:lstStyle/>
-          <a:p>
-            <a:pPr algn="ctr"/>
-            <a:r>
-              <a:rPr lang="en-US" dirty="0" smtClean="0"/>
-              <a:t>Chapter </a:t>
-            </a:r>
-            <a:r>
-              <a:rPr lang="en-US" dirty="0"/>
-              <a:t>9</a:t>
-            </a:r>
-          </a:p>
-          <a:p>
-            <a:pPr algn="ctr"/>
-            <a:r>
-              <a:rPr lang="en-US" b="1" u="sng" dirty="0" smtClean="0"/>
-              <a:t>Correlation</a:t>
-            </a:r>
-            <a:endParaRPr lang="en-US" dirty="0" smtClean="0"/>
-          </a:p>
-          <a:p>
-            <a:pPr algn="ctr"/>
-            <a:r>
-              <a:rPr lang="en-US" i="1" dirty="0" smtClean="0"/>
-              <a:t>Second half, chapter slides</a:t>
-            </a:r>
-          </a:p>
-        </p:txBody>
-      </p:sp>
-      <p:grpSp>
-        <p:nvGrpSpPr>
-          <p:cNvPr id="14" name="Group 13"/>
-          <p:cNvGrpSpPr/>
-          <p:nvPr/>
-        </p:nvGrpSpPr>
-        <p:grpSpPr>
-          <a:xfrm>
-            <a:off x="7198839" y="2137179"/>
-            <a:ext cx="3141660" cy="3193339"/>
-            <a:chOff x="7047391" y="1961976"/>
-            <a:chExt cx="3141660" cy="3193339"/>
-          </a:xfrm>
-        </p:grpSpPr>
-        <p:pic>
-          <p:nvPicPr>
-            <p:cNvPr id="2" name="Picture 1"/>
-            <p:cNvPicPr>
-              <a:picLocks noChangeAspect="1"/>
-            </p:cNvPicPr>
-            <p:nvPr/>
-          </p:nvPicPr>
-          <p:blipFill>
-            <a:blip r:embed="rId2" cstate="print">
-              <a:extLst>
-                <a:ext uri="{28A0092B-C50C-407E-A947-70E740481C1C}">
-                  <a14:useLocalDpi xmlns:a14="http://schemas.microsoft.com/office/drawing/2010/main" val="0"/>
-                </a:ext>
-              </a:extLst>
-            </a:blip>
-            <a:stretch>
-              <a:fillRect/>
-            </a:stretch>
-          </p:blipFill>
-          <p:spPr>
-            <a:xfrm>
-              <a:off x="7047391" y="3320161"/>
-              <a:ext cx="1578867" cy="1828804"/>
-            </a:xfrm>
-            <a:prstGeom prst="rect">
-              <a:avLst/>
-            </a:prstGeom>
-          </p:spPr>
-        </p:pic>
-        <p:pic>
-          <p:nvPicPr>
-            <p:cNvPr id="3" name="Picture 2"/>
-            <p:cNvPicPr>
-              <a:picLocks noChangeAspect="1"/>
-            </p:cNvPicPr>
-            <p:nvPr/>
-          </p:nvPicPr>
-          <p:blipFill>
-            <a:blip r:embed="rId3" cstate="print">
-              <a:extLst>
-                <a:ext uri="{28A0092B-C50C-407E-A947-70E740481C1C}">
-                  <a14:useLocalDpi xmlns:a14="http://schemas.microsoft.com/office/drawing/2010/main" val="0"/>
-                </a:ext>
-              </a:extLst>
-            </a:blip>
-            <a:stretch>
-              <a:fillRect/>
-            </a:stretch>
-          </p:blipFill>
-          <p:spPr>
-            <a:xfrm>
-              <a:off x="7830475" y="1961976"/>
-              <a:ext cx="1578867" cy="1828804"/>
-            </a:xfrm>
-            <a:prstGeom prst="rect">
-              <a:avLst/>
-            </a:prstGeom>
-          </p:spPr>
-        </p:pic>
-        <p:pic>
-          <p:nvPicPr>
-            <p:cNvPr id="11" name="Picture 10"/>
-            <p:cNvPicPr>
-              <a:picLocks noChangeAspect="1"/>
-            </p:cNvPicPr>
-            <p:nvPr/>
-          </p:nvPicPr>
-          <p:blipFill>
-            <a:blip r:embed="rId4" cstate="print">
-              <a:extLst>
-                <a:ext uri="{28A0092B-C50C-407E-A947-70E740481C1C}">
-                  <a14:useLocalDpi xmlns:a14="http://schemas.microsoft.com/office/drawing/2010/main" val="0"/>
-                </a:ext>
-              </a:extLst>
-            </a:blip>
-            <a:stretch>
-              <a:fillRect/>
-            </a:stretch>
-          </p:blipFill>
-          <p:spPr>
-            <a:xfrm>
-              <a:off x="8610184" y="3326511"/>
-              <a:ext cx="1578867" cy="1828804"/>
-            </a:xfrm>
-            <a:prstGeom prst="rect">
-              <a:avLst/>
-            </a:prstGeom>
-          </p:spPr>
-        </p:pic>
-      </p:grpSp>
-      <p:pic>
-        <p:nvPicPr>
-          <p:cNvPr id="12" name="Picture 11"/>
-          <p:cNvPicPr>
-            <a:picLocks noChangeAspect="1"/>
-          </p:cNvPicPr>
-          <p:nvPr/>
-        </p:nvPicPr>
-        <p:blipFill>
-          <a:blip r:embed="rId5" cstate="print">
-            <a:extLst>
-              <a:ext uri="{28A0092B-C50C-407E-A947-70E740481C1C}">
-                <a14:useLocalDpi xmlns:a14="http://schemas.microsoft.com/office/drawing/2010/main" val="0"/>
-              </a:ext>
-            </a:extLst>
-          </a:blip>
-          <a:stretch>
-            <a:fillRect/>
-          </a:stretch>
-        </p:blipFill>
-        <p:spPr>
-          <a:xfrm>
-            <a:off x="2035110" y="1019593"/>
-            <a:ext cx="1578867" cy="1828804"/>
-          </a:xfrm>
-          <a:prstGeom prst="rect">
-            <a:avLst/>
-          </a:prstGeom>
-        </p:spPr>
-      </p:pic>
-      <p:sp>
-        <p:nvSpPr>
-          <p:cNvPr id="15" name="TextBox 14"/>
-          <p:cNvSpPr txBox="1"/>
-          <p:nvPr/>
-        </p:nvSpPr>
-        <p:spPr>
-          <a:xfrm>
-            <a:off x="2107241" y="4130160"/>
-            <a:ext cx="5005769" cy="923330"/>
-          </a:xfrm>
-          <a:prstGeom prst="rect">
-            <a:avLst/>
-          </a:prstGeom>
-          <a:noFill/>
-        </p:spPr>
-        <p:txBody>
-          <a:bodyPr wrap="square" rtlCol="0">
-            <a:spAutoFit/>
-          </a:bodyPr>
-          <a:lstStyle/>
-          <a:p>
-            <a:pPr algn="ctr"/>
-            <a:r>
-              <a:rPr lang="en-US" dirty="0" smtClean="0"/>
-              <a:t>Chapter 10</a:t>
-            </a:r>
-            <a:endParaRPr lang="en-US" dirty="0"/>
-          </a:p>
-          <a:p>
-            <a:pPr algn="ctr"/>
-            <a:r>
-              <a:rPr lang="en-US" b="1" u="sng" dirty="0" smtClean="0"/>
-              <a:t>Simple Linear Regression</a:t>
-            </a:r>
-            <a:endParaRPr lang="en-US" dirty="0" smtClean="0"/>
-          </a:p>
-          <a:p>
-            <a:pPr algn="ctr"/>
-            <a:r>
-              <a:rPr lang="en-US" i="1" dirty="0" smtClean="0"/>
-              <a:t>chapter slides (majority)</a:t>
-            </a:r>
-          </a:p>
-        </p:txBody>
-      </p:sp>
-    </p:spTree>
-    <p:extLst>
-      <p:ext uri="{BB962C8B-B14F-4D97-AF65-F5344CB8AC3E}">
-        <p14:creationId xmlns:p14="http://schemas.microsoft.com/office/powerpoint/2010/main" val="2730707931"/>
       </p:ext>
     </p:extLst>
   </p:cSld>

--- a/static/img/youtube_thumbnails/video_thumbnail_building.pptx
+++ b/static/img/youtube_thumbnails/video_thumbnail_building.pptx
@@ -5,31 +5,32 @@
     <p:sldMasterId id="2147483648" r:id="rId1"/>
   </p:sldMasterIdLst>
   <p:sldIdLst>
-    <p:sldId id="280" r:id="rId2"/>
-    <p:sldId id="279" r:id="rId3"/>
-    <p:sldId id="278" r:id="rId4"/>
-    <p:sldId id="277" r:id="rId5"/>
-    <p:sldId id="276" r:id="rId6"/>
-    <p:sldId id="275" r:id="rId7"/>
-    <p:sldId id="273" r:id="rId8"/>
-    <p:sldId id="274" r:id="rId9"/>
-    <p:sldId id="272" r:id="rId10"/>
-    <p:sldId id="271" r:id="rId11"/>
-    <p:sldId id="270" r:id="rId12"/>
-    <p:sldId id="259" r:id="rId13"/>
-    <p:sldId id="261" r:id="rId14"/>
-    <p:sldId id="260" r:id="rId15"/>
-    <p:sldId id="269" r:id="rId16"/>
-    <p:sldId id="268" r:id="rId17"/>
-    <p:sldId id="267" r:id="rId18"/>
-    <p:sldId id="266" r:id="rId19"/>
-    <p:sldId id="265" r:id="rId20"/>
-    <p:sldId id="264" r:id="rId21"/>
-    <p:sldId id="263" r:id="rId22"/>
-    <p:sldId id="262" r:id="rId23"/>
-    <p:sldId id="257" r:id="rId24"/>
-    <p:sldId id="256" r:id="rId25"/>
-    <p:sldId id="258" r:id="rId26"/>
+    <p:sldId id="281" r:id="rId2"/>
+    <p:sldId id="280" r:id="rId3"/>
+    <p:sldId id="279" r:id="rId4"/>
+    <p:sldId id="278" r:id="rId5"/>
+    <p:sldId id="277" r:id="rId6"/>
+    <p:sldId id="276" r:id="rId7"/>
+    <p:sldId id="275" r:id="rId8"/>
+    <p:sldId id="273" r:id="rId9"/>
+    <p:sldId id="274" r:id="rId10"/>
+    <p:sldId id="272" r:id="rId11"/>
+    <p:sldId id="271" r:id="rId12"/>
+    <p:sldId id="270" r:id="rId13"/>
+    <p:sldId id="259" r:id="rId14"/>
+    <p:sldId id="261" r:id="rId15"/>
+    <p:sldId id="260" r:id="rId16"/>
+    <p:sldId id="269" r:id="rId17"/>
+    <p:sldId id="268" r:id="rId18"/>
+    <p:sldId id="267" r:id="rId19"/>
+    <p:sldId id="266" r:id="rId20"/>
+    <p:sldId id="265" r:id="rId21"/>
+    <p:sldId id="264" r:id="rId22"/>
+    <p:sldId id="263" r:id="rId23"/>
+    <p:sldId id="262" r:id="rId24"/>
+    <p:sldId id="257" r:id="rId25"/>
+    <p:sldId id="256" r:id="rId26"/>
+    <p:sldId id="258" r:id="rId27"/>
   </p:sldIdLst>
   <p:sldSz cx="12192000" cy="6858000"/>
   <p:notesSz cx="6858000" cy="9144000"/>
@@ -3001,7 +3002,7 @@
         </p:nvSpPr>
         <p:spPr>
           <a:xfrm>
-            <a:off x="1808702" y="824230"/>
+            <a:off x="1853580" y="824230"/>
             <a:ext cx="8778240" cy="5010912"/>
           </a:xfrm>
           <a:prstGeom prst="rect">
@@ -3047,7 +3048,7 @@
         </p:nvSpPr>
         <p:spPr>
           <a:xfrm>
-            <a:off x="4184694" y="1065121"/>
+            <a:off x="3838696" y="1056832"/>
             <a:ext cx="5712369" cy="1754326"/>
           </a:xfrm>
           <a:prstGeom prst="rect">
@@ -3063,7 +3064,13 @@
           <a:p>
             <a:r>
               <a:rPr lang="en-US" sz="5400" dirty="0" smtClean="0"/>
-              <a:t>OUT-OF-CLASS LECTURES</a:t>
+              <a:t>Virtual </a:t>
+            </a:r>
+          </a:p>
+          <a:p>
+            <a:r>
+              <a:rPr lang="en-US" sz="5400" dirty="0" smtClean="0"/>
+              <a:t>Office Hours</a:t>
             </a:r>
             <a:endParaRPr lang="en-US" sz="5400" dirty="0"/>
           </a:p>
@@ -3094,11 +3101,15 @@
             <a:pPr algn="ctr"/>
             <a:r>
               <a:rPr lang="en-US" dirty="0" smtClean="0"/>
-              <a:t>April</a:t>
+              <a:t>April </a:t>
             </a:r>
             <a:r>
               <a:rPr lang="en-US" dirty="0" smtClean="0"/>
-              <a:t> 13, </a:t>
+              <a:t>14</a:t>
+            </a:r>
+            <a:r>
+              <a:rPr lang="en-US" dirty="0" smtClean="0"/>
+              <a:t>, </a:t>
             </a:r>
             <a:r>
               <a:rPr lang="en-US" dirty="0" smtClean="0"/>
@@ -3116,8 +3127,8 @@
         </p:nvSpPr>
         <p:spPr>
           <a:xfrm>
-            <a:off x="2136087" y="2916921"/>
-            <a:ext cx="5005769" cy="2308324"/>
+            <a:off x="1985351" y="3033699"/>
+            <a:ext cx="5005769" cy="923330"/>
           </a:xfrm>
           <a:prstGeom prst="rect">
             <a:avLst/>
@@ -3133,76 +3144,28 @@
             <a:pPr algn="ctr"/>
             <a:r>
               <a:rPr lang="en-US" dirty="0" smtClean="0"/>
-              <a:t>Chapter </a:t>
+              <a:t>HW </a:t>
             </a:r>
             <a:r>
               <a:rPr lang="en-US" dirty="0" smtClean="0"/>
-              <a:t>15</a:t>
+              <a:t>15 </a:t>
             </a:r>
             <a:endParaRPr lang="en-US" dirty="0"/>
           </a:p>
           <a:p>
             <a:pPr algn="ctr"/>
             <a:r>
+              <a:rPr lang="en-US" b="1" u="sng" dirty="0"/>
+              <a:t>1</a:t>
+            </a:r>
+            <a:r>
               <a:rPr lang="en-US" b="1" u="sng" dirty="0" smtClean="0"/>
-              <a:t>Repeated </a:t>
-            </a:r>
-            <a:r>
-              <a:rPr lang="en-US" b="1" u="sng" dirty="0" err="1" smtClean="0"/>
-              <a:t>Measurs</a:t>
-            </a:r>
-            <a:r>
-              <a:rPr lang="en-US" b="1" u="sng" dirty="0" smtClean="0"/>
-              <a:t> </a:t>
-            </a:r>
-            <a:r>
-              <a:rPr lang="en-US" b="1" u="sng" dirty="0" smtClean="0"/>
-              <a:t>ANOVA</a:t>
-            </a:r>
-            <a:endParaRPr lang="en-US" b="1" u="sng" dirty="0"/>
-          </a:p>
-          <a:p>
-            <a:pPr algn="ctr"/>
-            <a:r>
-              <a:rPr lang="en-US" i="1" dirty="0" smtClean="0"/>
-              <a:t>2-way RM ANOVA</a:t>
-            </a:r>
-          </a:p>
-          <a:p>
-            <a:pPr algn="ctr"/>
-            <a:r>
-              <a:rPr lang="en-US" i="1" dirty="0" smtClean="0"/>
-              <a:t>Effect Sizes</a:t>
-            </a:r>
-          </a:p>
-          <a:p>
-            <a:pPr algn="ctr"/>
-            <a:r>
-              <a:rPr lang="en-US" i="1" dirty="0" smtClean="0"/>
-              <a:t>Follow-up test &amp; Multiple Comparisons</a:t>
-            </a:r>
-          </a:p>
-          <a:p>
-            <a:pPr algn="ctr"/>
-            <a:r>
-              <a:rPr lang="en-US" i="1" dirty="0" smtClean="0"/>
-              <a:t>Interaction</a:t>
-            </a:r>
-          </a:p>
-          <a:p>
-            <a:pPr algn="ctr"/>
-            <a:r>
-              <a:rPr lang="en-US" i="1" dirty="0" smtClean="0"/>
-              <a:t>Reporting Results</a:t>
-            </a:r>
-          </a:p>
-          <a:p>
-            <a:pPr algn="ctr"/>
-            <a:r>
-              <a:rPr lang="en-US" i="1" dirty="0" smtClean="0"/>
-              <a:t>Slides 37-end</a:t>
-            </a:r>
-            <a:endParaRPr lang="en-US" i="1" dirty="0"/>
+              <a:t>-way RM ANOVAs</a:t>
+            </a:r>
+          </a:p>
+          <a:p>
+            <a:pPr algn="ctr"/>
+            <a:endParaRPr lang="en-US" dirty="0" smtClean="0"/>
           </a:p>
         </p:txBody>
       </p:sp>
@@ -3343,55 +3306,38 @@
       </p:pic>
       <p:pic>
         <p:nvPicPr>
-          <p:cNvPr id="1026" name="Picture 2" descr="Image result for virus"/>
+          <p:cNvPr id="5" name="Picture 4"/>
           <p:cNvPicPr>
-            <a:picLocks noChangeAspect="1" noChangeArrowheads="1"/>
+            <a:picLocks noChangeAspect="1"/>
           </p:cNvPicPr>
           <p:nvPr/>
         </p:nvPicPr>
         <p:blipFill>
-          <a:blip r:embed="rId6" cstate="print">
-            <a:extLst>
-              <a:ext uri="{28A0092B-C50C-407E-A947-70E740481C1C}">
-                <a14:useLocalDpi xmlns:a14="http://schemas.microsoft.com/office/drawing/2010/main" val="0"/>
-              </a:ext>
-            </a:extLst>
-          </a:blip>
-          <a:srcRect/>
+          <a:blip r:embed="rId6"/>
           <a:stretch>
             <a:fillRect/>
           </a:stretch>
         </p:blipFill>
-        <p:spPr bwMode="auto">
-          <a:xfrm>
-            <a:off x="1908176" y="4866721"/>
-            <a:ext cx="825034" cy="824421"/>
-          </a:xfrm>
-          <a:prstGeom prst="rect">
-            <a:avLst/>
-          </a:prstGeom>
-          <a:noFill/>
-          <a:extLst>
-            <a:ext uri="{909E8E84-426E-40DD-AFC4-6F175D3DCCD1}">
-              <a14:hiddenFill xmlns:a14="http://schemas.microsoft.com/office/drawing/2010/main">
-                <a:solidFill>
-                  <a:srgbClr val="FFFFFF"/>
-                </a:solidFill>
-              </a14:hiddenFill>
-            </a:ext>
-          </a:extLst>
+        <p:spPr>
+          <a:xfrm>
+            <a:off x="1985351" y="4872564"/>
+            <a:ext cx="1853345" cy="853514"/>
+          </a:xfrm>
+          <a:prstGeom prst="rect">
+            <a:avLst/>
+          </a:prstGeom>
         </p:spPr>
       </p:pic>
       <p:sp>
         <p:nvSpPr>
-          <p:cNvPr id="13" name="TextBox 12"/>
+          <p:cNvPr id="17" name="TextBox 16"/>
           <p:cNvSpPr txBox="1"/>
           <p:nvPr/>
         </p:nvSpPr>
         <p:spPr>
           <a:xfrm>
-            <a:off x="2524444" y="5254195"/>
-            <a:ext cx="1238954" cy="369332"/>
+            <a:off x="2735076" y="4097297"/>
+            <a:ext cx="5005769" cy="923330"/>
           </a:xfrm>
           <a:prstGeom prst="rect">
             <a:avLst/>
@@ -3406,29 +3352,36 @@
           <a:p>
             <a:pPr algn="ctr"/>
             <a:r>
-              <a:rPr lang="en-US" b="1" dirty="0" smtClean="0">
-                <a:solidFill>
-                  <a:schemeClr val="accent1">
-                    <a:lumMod val="75000"/>
-                  </a:schemeClr>
-                </a:solidFill>
-              </a:rPr>
-              <a:t>Covid-19</a:t>
-            </a:r>
-            <a:endParaRPr lang="en-US" b="1" dirty="0">
-              <a:solidFill>
-                <a:schemeClr val="accent1">
-                  <a:lumMod val="75000"/>
-                </a:schemeClr>
-              </a:solidFill>
-            </a:endParaRPr>
+              <a:rPr lang="en-US" dirty="0" smtClean="0"/>
+              <a:t>HW </a:t>
+            </a:r>
+            <a:r>
+              <a:rPr lang="en-US" dirty="0" smtClean="0"/>
+              <a:t>16</a:t>
+            </a:r>
+            <a:endParaRPr lang="en-US" dirty="0"/>
+          </a:p>
+          <a:p>
+            <a:pPr algn="ctr"/>
+            <a:r>
+              <a:rPr lang="en-US" b="1" u="sng" dirty="0" smtClean="0"/>
+              <a:t>Mixed </a:t>
+            </a:r>
+            <a:r>
+              <a:rPr lang="en-US" b="1" u="sng" dirty="0" smtClean="0"/>
+              <a:t>ANOVAs</a:t>
+            </a:r>
+          </a:p>
+          <a:p>
+            <a:pPr algn="ctr"/>
+            <a:endParaRPr lang="en-US" dirty="0" smtClean="0"/>
           </a:p>
         </p:txBody>
       </p:sp>
     </p:spTree>
     <p:extLst>
       <p:ext uri="{BB962C8B-B14F-4D97-AF65-F5344CB8AC3E}">
-        <p14:creationId xmlns:p14="http://schemas.microsoft.com/office/powerpoint/2010/main" val="2525452429"/>
+        <p14:creationId xmlns:p14="http://schemas.microsoft.com/office/powerpoint/2010/main" val="2620031016"/>
       </p:ext>
     </p:extLst>
   </p:cSld>
@@ -3439,6 +3392,406 @@
 </file>
 
 <file path=ppt/slides/slide10.xml><?xml version="1.0" encoding="utf-8"?>
+<p:sld xmlns:a="http://schemas.openxmlformats.org/drawingml/2006/main" xmlns:r="http://schemas.openxmlformats.org/officeDocument/2006/relationships" xmlns:p="http://schemas.openxmlformats.org/presentationml/2006/main">
+  <p:cSld>
+    <p:spTree>
+      <p:nvGrpSpPr>
+        <p:cNvPr id="1" name=""/>
+        <p:cNvGrpSpPr/>
+        <p:nvPr/>
+      </p:nvGrpSpPr>
+      <p:grpSpPr>
+        <a:xfrm>
+          <a:off x="0" y="0"/>
+          <a:ext cx="0" cy="0"/>
+          <a:chOff x="0" y="0"/>
+          <a:chExt cx="0" cy="0"/>
+        </a:xfrm>
+      </p:grpSpPr>
+      <p:sp>
+        <p:nvSpPr>
+          <p:cNvPr id="4" name="Rectangle 3"/>
+          <p:cNvSpPr/>
+          <p:nvPr/>
+        </p:nvSpPr>
+        <p:spPr>
+          <a:xfrm>
+            <a:off x="1853580" y="824230"/>
+            <a:ext cx="8778240" cy="5010912"/>
+          </a:xfrm>
+          <a:prstGeom prst="rect">
+            <a:avLst/>
+          </a:prstGeom>
+          <a:solidFill>
+            <a:schemeClr val="bg1">
+              <a:lumMod val="95000"/>
+            </a:schemeClr>
+          </a:solidFill>
+          <a:ln w="38100"/>
+        </p:spPr>
+        <p:style>
+          <a:lnRef idx="2">
+            <a:schemeClr val="accent1">
+              <a:shade val="50000"/>
+            </a:schemeClr>
+          </a:lnRef>
+          <a:fillRef idx="1">
+            <a:schemeClr val="accent1"/>
+          </a:fillRef>
+          <a:effectRef idx="0">
+            <a:schemeClr val="accent1"/>
+          </a:effectRef>
+          <a:fontRef idx="minor">
+            <a:schemeClr val="lt1"/>
+          </a:fontRef>
+        </p:style>
+        <p:txBody>
+          <a:bodyPr rtlCol="0" anchor="ctr"/>
+          <a:lstStyle/>
+          <a:p>
+            <a:pPr algn="ctr"/>
+            <a:endParaRPr lang="en-US"/>
+          </a:p>
+        </p:txBody>
+      </p:sp>
+      <p:sp>
+        <p:nvSpPr>
+          <p:cNvPr id="7" name="TextBox 6"/>
+          <p:cNvSpPr txBox="1"/>
+          <p:nvPr/>
+        </p:nvSpPr>
+        <p:spPr>
+          <a:xfrm>
+            <a:off x="3838696" y="1056832"/>
+            <a:ext cx="5712369" cy="1754326"/>
+          </a:xfrm>
+          <a:prstGeom prst="rect">
+            <a:avLst/>
+          </a:prstGeom>
+          <a:noFill/>
+        </p:spPr>
+        <p:txBody>
+          <a:bodyPr wrap="square" rtlCol="0">
+            <a:spAutoFit/>
+          </a:bodyPr>
+          <a:lstStyle/>
+          <a:p>
+            <a:r>
+              <a:rPr lang="en-US" sz="5400" dirty="0" smtClean="0"/>
+              <a:t>Virtual </a:t>
+            </a:r>
+          </a:p>
+          <a:p>
+            <a:r>
+              <a:rPr lang="en-US" sz="5400" dirty="0" smtClean="0"/>
+              <a:t>Office Hours</a:t>
+            </a:r>
+            <a:endParaRPr lang="en-US" sz="5400" dirty="0"/>
+          </a:p>
+        </p:txBody>
+      </p:sp>
+      <p:sp>
+        <p:nvSpPr>
+          <p:cNvPr id="8" name="TextBox 7"/>
+          <p:cNvSpPr txBox="1"/>
+          <p:nvPr/>
+        </p:nvSpPr>
+        <p:spPr>
+          <a:xfrm>
+            <a:off x="7731444" y="5278932"/>
+            <a:ext cx="2076450" cy="369332"/>
+          </a:xfrm>
+          <a:prstGeom prst="rect">
+            <a:avLst/>
+          </a:prstGeom>
+          <a:noFill/>
+        </p:spPr>
+        <p:txBody>
+          <a:bodyPr wrap="square" rtlCol="0">
+            <a:spAutoFit/>
+          </a:bodyPr>
+          <a:lstStyle/>
+          <a:p>
+            <a:pPr algn="ctr"/>
+            <a:r>
+              <a:rPr lang="en-US" dirty="0" smtClean="0"/>
+              <a:t>March 25, 2020</a:t>
+            </a:r>
+            <a:endParaRPr lang="en-US" dirty="0"/>
+          </a:p>
+        </p:txBody>
+      </p:sp>
+      <p:sp>
+        <p:nvSpPr>
+          <p:cNvPr id="9" name="TextBox 8"/>
+          <p:cNvSpPr txBox="1"/>
+          <p:nvPr/>
+        </p:nvSpPr>
+        <p:spPr>
+          <a:xfrm>
+            <a:off x="2023325" y="2848397"/>
+            <a:ext cx="5005769" cy="1200329"/>
+          </a:xfrm>
+          <a:prstGeom prst="rect">
+            <a:avLst/>
+          </a:prstGeom>
+          <a:noFill/>
+        </p:spPr>
+        <p:txBody>
+          <a:bodyPr wrap="square" rtlCol="0">
+            <a:spAutoFit/>
+          </a:bodyPr>
+          <a:lstStyle/>
+          <a:p>
+            <a:pPr algn="ctr"/>
+            <a:r>
+              <a:rPr lang="en-US" dirty="0" smtClean="0"/>
+              <a:t>HW 13 </a:t>
+            </a:r>
+            <a:endParaRPr lang="en-US" dirty="0"/>
+          </a:p>
+          <a:p>
+            <a:pPr algn="ctr"/>
+            <a:r>
+              <a:rPr lang="en-US" b="1" u="sng" dirty="0" smtClean="0"/>
+              <a:t>Multiple Comparisons: pairwise &amp; linear contrasts</a:t>
+            </a:r>
+          </a:p>
+          <a:p>
+            <a:pPr algn="ctr"/>
+            <a:r>
+              <a:rPr lang="en-US" dirty="0" smtClean="0"/>
+              <a:t>Items # 5 &amp; 6</a:t>
+            </a:r>
+          </a:p>
+          <a:p>
+            <a:pPr algn="ctr"/>
+            <a:endParaRPr lang="en-US" b="1" dirty="0"/>
+          </a:p>
+        </p:txBody>
+      </p:sp>
+      <p:grpSp>
+        <p:nvGrpSpPr>
+          <p:cNvPr id="14" name="Group 13"/>
+          <p:cNvGrpSpPr/>
+          <p:nvPr/>
+        </p:nvGrpSpPr>
+        <p:grpSpPr>
+          <a:xfrm>
+            <a:off x="7198839" y="2137179"/>
+            <a:ext cx="3141660" cy="3193339"/>
+            <a:chOff x="7047391" y="1961976"/>
+            <a:chExt cx="3141660" cy="3193339"/>
+          </a:xfrm>
+        </p:grpSpPr>
+        <p:pic>
+          <p:nvPicPr>
+            <p:cNvPr id="2" name="Picture 1"/>
+            <p:cNvPicPr>
+              <a:picLocks noChangeAspect="1"/>
+            </p:cNvPicPr>
+            <p:nvPr/>
+          </p:nvPicPr>
+          <p:blipFill>
+            <a:blip r:embed="rId2" cstate="print">
+              <a:extLst>
+                <a:ext uri="{28A0092B-C50C-407E-A947-70E740481C1C}">
+                  <a14:useLocalDpi xmlns:a14="http://schemas.microsoft.com/office/drawing/2010/main" val="0"/>
+                </a:ext>
+              </a:extLst>
+            </a:blip>
+            <a:stretch>
+              <a:fillRect/>
+            </a:stretch>
+          </p:blipFill>
+          <p:spPr>
+            <a:xfrm>
+              <a:off x="7047391" y="3320161"/>
+              <a:ext cx="1578867" cy="1828804"/>
+            </a:xfrm>
+            <a:prstGeom prst="rect">
+              <a:avLst/>
+            </a:prstGeom>
+          </p:spPr>
+        </p:pic>
+        <p:pic>
+          <p:nvPicPr>
+            <p:cNvPr id="3" name="Picture 2"/>
+            <p:cNvPicPr>
+              <a:picLocks noChangeAspect="1"/>
+            </p:cNvPicPr>
+            <p:nvPr/>
+          </p:nvPicPr>
+          <p:blipFill>
+            <a:blip r:embed="rId3" cstate="print">
+              <a:extLst>
+                <a:ext uri="{28A0092B-C50C-407E-A947-70E740481C1C}">
+                  <a14:useLocalDpi xmlns:a14="http://schemas.microsoft.com/office/drawing/2010/main" val="0"/>
+                </a:ext>
+              </a:extLst>
+            </a:blip>
+            <a:stretch>
+              <a:fillRect/>
+            </a:stretch>
+          </p:blipFill>
+          <p:spPr>
+            <a:xfrm>
+              <a:off x="7830475" y="1961976"/>
+              <a:ext cx="1578867" cy="1828804"/>
+            </a:xfrm>
+            <a:prstGeom prst="rect">
+              <a:avLst/>
+            </a:prstGeom>
+          </p:spPr>
+        </p:pic>
+        <p:pic>
+          <p:nvPicPr>
+            <p:cNvPr id="11" name="Picture 10"/>
+            <p:cNvPicPr>
+              <a:picLocks noChangeAspect="1"/>
+            </p:cNvPicPr>
+            <p:nvPr/>
+          </p:nvPicPr>
+          <p:blipFill>
+            <a:blip r:embed="rId4" cstate="print">
+              <a:extLst>
+                <a:ext uri="{28A0092B-C50C-407E-A947-70E740481C1C}">
+                  <a14:useLocalDpi xmlns:a14="http://schemas.microsoft.com/office/drawing/2010/main" val="0"/>
+                </a:ext>
+              </a:extLst>
+            </a:blip>
+            <a:stretch>
+              <a:fillRect/>
+            </a:stretch>
+          </p:blipFill>
+          <p:spPr>
+            <a:xfrm>
+              <a:off x="8610184" y="3326511"/>
+              <a:ext cx="1578867" cy="1828804"/>
+            </a:xfrm>
+            <a:prstGeom prst="rect">
+              <a:avLst/>
+            </a:prstGeom>
+          </p:spPr>
+        </p:pic>
+      </p:grpSp>
+      <p:pic>
+        <p:nvPicPr>
+          <p:cNvPr id="12" name="Picture 11"/>
+          <p:cNvPicPr>
+            <a:picLocks noChangeAspect="1"/>
+          </p:cNvPicPr>
+          <p:nvPr/>
+        </p:nvPicPr>
+        <p:blipFill>
+          <a:blip r:embed="rId5" cstate="print">
+            <a:extLst>
+              <a:ext uri="{28A0092B-C50C-407E-A947-70E740481C1C}">
+                <a14:useLocalDpi xmlns:a14="http://schemas.microsoft.com/office/drawing/2010/main" val="0"/>
+              </a:ext>
+            </a:extLst>
+          </a:blip>
+          <a:stretch>
+            <a:fillRect/>
+          </a:stretch>
+        </p:blipFill>
+        <p:spPr>
+          <a:xfrm>
+            <a:off x="2035110" y="1019593"/>
+            <a:ext cx="1578867" cy="1828804"/>
+          </a:xfrm>
+          <a:prstGeom prst="rect">
+            <a:avLst/>
+          </a:prstGeom>
+        </p:spPr>
+      </p:pic>
+      <p:sp>
+        <p:nvSpPr>
+          <p:cNvPr id="13" name="TextBox 12"/>
+          <p:cNvSpPr txBox="1"/>
+          <p:nvPr/>
+        </p:nvSpPr>
+        <p:spPr>
+          <a:xfrm>
+            <a:off x="2023324" y="3965983"/>
+            <a:ext cx="5005769" cy="1200329"/>
+          </a:xfrm>
+          <a:prstGeom prst="rect">
+            <a:avLst/>
+          </a:prstGeom>
+          <a:noFill/>
+        </p:spPr>
+        <p:txBody>
+          <a:bodyPr wrap="square" rtlCol="0">
+            <a:spAutoFit/>
+          </a:bodyPr>
+          <a:lstStyle/>
+          <a:p>
+            <a:pPr algn="ctr"/>
+            <a:r>
+              <a:rPr lang="en-US" dirty="0" smtClean="0"/>
+              <a:t>HW 12 </a:t>
+            </a:r>
+            <a:endParaRPr lang="en-US" dirty="0"/>
+          </a:p>
+          <a:p>
+            <a:pPr algn="ctr"/>
+            <a:r>
+              <a:rPr lang="en-US" b="1" u="sng" dirty="0" smtClean="0"/>
+              <a:t>One-way, independent groups ANOVA</a:t>
+            </a:r>
+          </a:p>
+          <a:p>
+            <a:pPr algn="ctr"/>
+            <a:r>
+              <a:rPr lang="en-US" dirty="0" smtClean="0"/>
+              <a:t>Items with APA methods/results</a:t>
+            </a:r>
+          </a:p>
+          <a:p>
+            <a:pPr algn="ctr"/>
+            <a:endParaRPr lang="en-US" b="1" dirty="0"/>
+          </a:p>
+        </p:txBody>
+      </p:sp>
+      <p:pic>
+        <p:nvPicPr>
+          <p:cNvPr id="5" name="Picture 4"/>
+          <p:cNvPicPr>
+            <a:picLocks noChangeAspect="1"/>
+          </p:cNvPicPr>
+          <p:nvPr/>
+        </p:nvPicPr>
+        <p:blipFill>
+          <a:blip r:embed="rId6"/>
+          <a:stretch>
+            <a:fillRect/>
+          </a:stretch>
+        </p:blipFill>
+        <p:spPr>
+          <a:xfrm>
+            <a:off x="1985351" y="4872564"/>
+            <a:ext cx="1853345" cy="853514"/>
+          </a:xfrm>
+          <a:prstGeom prst="rect">
+            <a:avLst/>
+          </a:prstGeom>
+        </p:spPr>
+      </p:pic>
+    </p:spTree>
+    <p:extLst>
+      <p:ext uri="{BB962C8B-B14F-4D97-AF65-F5344CB8AC3E}">
+        <p14:creationId xmlns:p14="http://schemas.microsoft.com/office/powerpoint/2010/main" val="636154248"/>
+      </p:ext>
+    </p:extLst>
+  </p:cSld>
+  <p:clrMapOvr>
+    <a:masterClrMapping/>
+  </p:clrMapOvr>
+</p:sld>
+</file>
+
+<file path=ppt/slides/slide11.xml><?xml version="1.0" encoding="utf-8"?>
 <p:sld xmlns:a="http://schemas.openxmlformats.org/drawingml/2006/main" xmlns:r="http://schemas.openxmlformats.org/officeDocument/2006/relationships" xmlns:p="http://schemas.openxmlformats.org/presentationml/2006/main">
   <p:cSld>
     <p:spTree>
@@ -3886,7 +4239,7 @@
 </p:sld>
 </file>
 
-<file path=ppt/slides/slide11.xml><?xml version="1.0" encoding="utf-8"?>
+<file path=ppt/slides/slide12.xml><?xml version="1.0" encoding="utf-8"?>
 <p:sld xmlns:a="http://schemas.openxmlformats.org/drawingml/2006/main" xmlns:r="http://schemas.openxmlformats.org/officeDocument/2006/relationships" xmlns:p="http://schemas.openxmlformats.org/presentationml/2006/main">
   <p:cSld>
     <p:spTree>
@@ -4296,7 +4649,7 @@
 </p:sld>
 </file>
 
-<file path=ppt/slides/slide12.xml><?xml version="1.0" encoding="utf-8"?>
+<file path=ppt/slides/slide13.xml><?xml version="1.0" encoding="utf-8"?>
 <p:sld xmlns:a="http://schemas.openxmlformats.org/drawingml/2006/main" xmlns:r="http://schemas.openxmlformats.org/officeDocument/2006/relationships" xmlns:p="http://schemas.openxmlformats.org/presentationml/2006/main">
   <p:cSld>
     <p:spTree>
@@ -4631,7 +4984,7 @@
 </p:sld>
 </file>
 
-<file path=ppt/slides/slide13.xml><?xml version="1.0" encoding="utf-8"?>
+<file path=ppt/slides/slide14.xml><?xml version="1.0" encoding="utf-8"?>
 <p:sld xmlns:a="http://schemas.openxmlformats.org/drawingml/2006/main" xmlns:r="http://schemas.openxmlformats.org/officeDocument/2006/relationships" xmlns:p="http://schemas.openxmlformats.org/presentationml/2006/main">
   <p:cSld>
     <p:spTree>
@@ -4949,7 +5302,7 @@
 </p:sld>
 </file>
 
-<file path=ppt/slides/slide14.xml><?xml version="1.0" encoding="utf-8"?>
+<file path=ppt/slides/slide15.xml><?xml version="1.0" encoding="utf-8"?>
 <p:sld xmlns:a="http://schemas.openxmlformats.org/drawingml/2006/main" xmlns:r="http://schemas.openxmlformats.org/officeDocument/2006/relationships" xmlns:p="http://schemas.openxmlformats.org/presentationml/2006/main">
   <p:cSld>
     <p:spTree>
@@ -5276,7 +5629,7 @@
 </p:sld>
 </file>
 
-<file path=ppt/slides/slide15.xml><?xml version="1.0" encoding="utf-8"?>
+<file path=ppt/slides/slide16.xml><?xml version="1.0" encoding="utf-8"?>
 <p:sld xmlns:a="http://schemas.openxmlformats.org/drawingml/2006/main" xmlns:r="http://schemas.openxmlformats.org/officeDocument/2006/relationships" xmlns:p="http://schemas.openxmlformats.org/presentationml/2006/main">
   <p:cSld>
     <p:spTree>
@@ -5601,7 +5954,7 @@
 </p:sld>
 </file>
 
-<file path=ppt/slides/slide16.xml><?xml version="1.0" encoding="utf-8"?>
+<file path=ppt/slides/slide17.xml><?xml version="1.0" encoding="utf-8"?>
 <p:sld xmlns:a="http://schemas.openxmlformats.org/drawingml/2006/main" xmlns:r="http://schemas.openxmlformats.org/officeDocument/2006/relationships" xmlns:p="http://schemas.openxmlformats.org/presentationml/2006/main">
   <p:cSld>
     <p:spTree>
@@ -5926,7 +6279,7 @@
 </p:sld>
 </file>
 
-<file path=ppt/slides/slide17.xml><?xml version="1.0" encoding="utf-8"?>
+<file path=ppt/slides/slide18.xml><?xml version="1.0" encoding="utf-8"?>
 <p:sld xmlns:a="http://schemas.openxmlformats.org/drawingml/2006/main" xmlns:r="http://schemas.openxmlformats.org/officeDocument/2006/relationships" xmlns:p="http://schemas.openxmlformats.org/presentationml/2006/main">
   <p:cSld>
     <p:spTree>
@@ -6293,7 +6646,7 @@
 </p:sld>
 </file>
 
-<file path=ppt/slides/slide18.xml><?xml version="1.0" encoding="utf-8"?>
+<file path=ppt/slides/slide19.xml><?xml version="1.0" encoding="utf-8"?>
 <p:sld xmlns:a="http://schemas.openxmlformats.org/drawingml/2006/main" xmlns:r="http://schemas.openxmlformats.org/officeDocument/2006/relationships" xmlns:p="http://schemas.openxmlformats.org/presentationml/2006/main">
   <p:cSld>
     <p:spTree>
@@ -6677,7 +7030,7 @@
 </p:sld>
 </file>
 
-<file path=ppt/slides/slide19.xml><?xml version="1.0" encoding="utf-8"?>
+<file path=ppt/slides/slide2.xml><?xml version="1.0" encoding="utf-8"?>
 <p:sld xmlns:a="http://schemas.openxmlformats.org/drawingml/2006/main" xmlns:r="http://schemas.openxmlformats.org/officeDocument/2006/relationships" xmlns:p="http://schemas.openxmlformats.org/presentationml/2006/main">
   <p:cSld>
     <p:spTree>
@@ -6748,8 +7101,8 @@
         </p:nvSpPr>
         <p:spPr>
           <a:xfrm>
-            <a:off x="3840385" y="1213849"/>
-            <a:ext cx="5712369" cy="923330"/>
+            <a:off x="4184694" y="1065121"/>
+            <a:ext cx="5712369" cy="1754326"/>
           </a:xfrm>
           <a:prstGeom prst="rect">
             <a:avLst/>
@@ -6764,7 +7117,7 @@
           <a:p>
             <a:r>
               <a:rPr lang="en-US" sz="5400" dirty="0" smtClean="0"/>
-              <a:t>INCLASS LECTURES</a:t>
+              <a:t>OUT-OF-CLASS LECTURES</a:t>
             </a:r>
             <a:endParaRPr lang="en-US" sz="5400" dirty="0"/>
           </a:p>
@@ -6795,7 +7148,15 @@
             <a:pPr algn="ctr"/>
             <a:r>
               <a:rPr lang="en-US" dirty="0" smtClean="0"/>
-              <a:t>Feb. 10, 2020</a:t>
+              <a:t>April</a:t>
+            </a:r>
+            <a:r>
+              <a:rPr lang="en-US" dirty="0" smtClean="0"/>
+              <a:t> 13, </a:t>
+            </a:r>
+            <a:r>
+              <a:rPr lang="en-US" dirty="0" smtClean="0"/>
+              <a:t>2020</a:t>
             </a:r>
             <a:endParaRPr lang="en-US" dirty="0"/>
           </a:p>
@@ -6809,8 +7170,8 @@
         </p:nvSpPr>
         <p:spPr>
           <a:xfrm>
-            <a:off x="2035110" y="3043759"/>
-            <a:ext cx="5005769" cy="923330"/>
+            <a:off x="2136087" y="2916921"/>
+            <a:ext cx="5005769" cy="2308324"/>
           </a:xfrm>
           <a:prstGeom prst="rect">
             <a:avLst/>
@@ -6829,26 +7190,71 @@
               <a:t>Chapter </a:t>
             </a:r>
             <a:r>
-              <a:rPr lang="en-US" dirty="0"/>
-              <a:t>7</a:t>
-            </a:r>
-          </a:p>
-          <a:p>
-            <a:pPr algn="ctr"/>
-            <a:r>
-              <a:rPr lang="en-US" b="1" u="sng" dirty="0"/>
-              <a:t>Independent Samples t-Test for </a:t>
-            </a:r>
+              <a:rPr lang="en-US" dirty="0" smtClean="0"/>
+              <a:t>15</a:t>
+            </a:r>
+            <a:endParaRPr lang="en-US" dirty="0"/>
+          </a:p>
+          <a:p>
+            <a:pPr algn="ctr"/>
             <a:r>
               <a:rPr lang="en-US" b="1" u="sng" dirty="0" smtClean="0"/>
-              <a:t>Means</a:t>
-            </a:r>
+              <a:t>Repeated </a:t>
+            </a:r>
+            <a:r>
+              <a:rPr lang="en-US" b="1" u="sng" dirty="0" err="1" smtClean="0"/>
+              <a:t>Measurs</a:t>
+            </a:r>
+            <a:r>
+              <a:rPr lang="en-US" b="1" u="sng" dirty="0" smtClean="0"/>
+              <a:t> </a:t>
+            </a:r>
+            <a:r>
+              <a:rPr lang="en-US" b="1" u="sng" dirty="0" smtClean="0"/>
+              <a:t>ANOVA</a:t>
+            </a:r>
+            <a:endParaRPr lang="en-US" b="1" u="sng" dirty="0"/>
           </a:p>
           <a:p>
             <a:pPr algn="ctr"/>
             <a:r>
               <a:rPr lang="en-US" i="1" dirty="0" smtClean="0"/>
-              <a:t>Mostly Homework Helps</a:t>
+              <a:t>2-way RM ANOVA</a:t>
+            </a:r>
+          </a:p>
+          <a:p>
+            <a:pPr algn="ctr"/>
+            <a:r>
+              <a:rPr lang="en-US" i="1" dirty="0" smtClean="0"/>
+              <a:t>Effect Sizes</a:t>
+            </a:r>
+          </a:p>
+          <a:p>
+            <a:pPr algn="ctr"/>
+            <a:r>
+              <a:rPr lang="en-US" i="1" dirty="0" smtClean="0"/>
+              <a:t>Follow-up test &amp; Multiple Comparisons</a:t>
+            </a:r>
+          </a:p>
+          <a:p>
+            <a:pPr algn="ctr"/>
+            <a:r>
+              <a:rPr lang="en-US" i="1" dirty="0" smtClean="0"/>
+              <a:t>Interaction</a:t>
+            </a:r>
+          </a:p>
+          <a:p>
+            <a:pPr algn="ctr"/>
+            <a:r>
+              <a:rPr lang="en-US" i="1" dirty="0" smtClean="0"/>
+              <a:t>Reporting Results</a:t>
+            </a:r>
+          </a:p>
+          <a:p>
+            <a:pPr algn="ctr"/>
+            <a:r>
+              <a:rPr lang="en-US" i="1" dirty="0" smtClean="0"/>
+              <a:t>Slides 37-end</a:t>
             </a:r>
             <a:endParaRPr lang="en-US" i="1" dirty="0"/>
           </a:p>
@@ -6989,10 +7395,94 @@
           </a:prstGeom>
         </p:spPr>
       </p:pic>
+      <p:pic>
+        <p:nvPicPr>
+          <p:cNvPr id="1026" name="Picture 2" descr="Image result for virus"/>
+          <p:cNvPicPr>
+            <a:picLocks noChangeAspect="1" noChangeArrowheads="1"/>
+          </p:cNvPicPr>
+          <p:nvPr/>
+        </p:nvPicPr>
+        <p:blipFill>
+          <a:blip r:embed="rId6" cstate="print">
+            <a:extLst>
+              <a:ext uri="{28A0092B-C50C-407E-A947-70E740481C1C}">
+                <a14:useLocalDpi xmlns:a14="http://schemas.microsoft.com/office/drawing/2010/main" val="0"/>
+              </a:ext>
+            </a:extLst>
+          </a:blip>
+          <a:srcRect/>
+          <a:stretch>
+            <a:fillRect/>
+          </a:stretch>
+        </p:blipFill>
+        <p:spPr bwMode="auto">
+          <a:xfrm>
+            <a:off x="1908176" y="4866721"/>
+            <a:ext cx="825034" cy="824421"/>
+          </a:xfrm>
+          <a:prstGeom prst="rect">
+            <a:avLst/>
+          </a:prstGeom>
+          <a:noFill/>
+          <a:extLst>
+            <a:ext uri="{909E8E84-426E-40DD-AFC4-6F175D3DCCD1}">
+              <a14:hiddenFill xmlns:a14="http://schemas.microsoft.com/office/drawing/2010/main">
+                <a:solidFill>
+                  <a:srgbClr val="FFFFFF"/>
+                </a:solidFill>
+              </a14:hiddenFill>
+            </a:ext>
+          </a:extLst>
+        </p:spPr>
+      </p:pic>
+      <p:sp>
+        <p:nvSpPr>
+          <p:cNvPr id="13" name="TextBox 12"/>
+          <p:cNvSpPr txBox="1"/>
+          <p:nvPr/>
+        </p:nvSpPr>
+        <p:spPr>
+          <a:xfrm>
+            <a:off x="2524444" y="5254195"/>
+            <a:ext cx="1238954" cy="369332"/>
+          </a:xfrm>
+          <a:prstGeom prst="rect">
+            <a:avLst/>
+          </a:prstGeom>
+          <a:noFill/>
+        </p:spPr>
+        <p:txBody>
+          <a:bodyPr wrap="square" rtlCol="0">
+            <a:spAutoFit/>
+          </a:bodyPr>
+          <a:lstStyle/>
+          <a:p>
+            <a:pPr algn="ctr"/>
+            <a:r>
+              <a:rPr lang="en-US" b="1" dirty="0" smtClean="0">
+                <a:solidFill>
+                  <a:schemeClr val="accent1">
+                    <a:lumMod val="75000"/>
+                  </a:schemeClr>
+                </a:solidFill>
+              </a:rPr>
+              <a:t>Covid-19</a:t>
+            </a:r>
+            <a:endParaRPr lang="en-US" b="1" dirty="0">
+              <a:solidFill>
+                <a:schemeClr val="accent1">
+                  <a:lumMod val="75000"/>
+                </a:schemeClr>
+              </a:solidFill>
+            </a:endParaRPr>
+          </a:p>
+        </p:txBody>
+      </p:sp>
     </p:spTree>
     <p:extLst>
       <p:ext uri="{BB962C8B-B14F-4D97-AF65-F5344CB8AC3E}">
-        <p14:creationId xmlns:p14="http://schemas.microsoft.com/office/powerpoint/2010/main" val="2916572011"/>
+        <p14:creationId xmlns:p14="http://schemas.microsoft.com/office/powerpoint/2010/main" val="2525452429"/>
       </p:ext>
     </p:extLst>
   </p:cSld>
@@ -7002,7 +7492,7 @@
 </p:sld>
 </file>
 
-<file path=ppt/slides/slide2.xml><?xml version="1.0" encoding="utf-8"?>
+<file path=ppt/slides/slide20.xml><?xml version="1.0" encoding="utf-8"?>
 <p:sld xmlns:a="http://schemas.openxmlformats.org/drawingml/2006/main" xmlns:r="http://schemas.openxmlformats.org/officeDocument/2006/relationships" xmlns:p="http://schemas.openxmlformats.org/presentationml/2006/main">
   <p:cSld>
     <p:spTree>
@@ -7073,8 +7563,8 @@
         </p:nvSpPr>
         <p:spPr>
           <a:xfrm>
-            <a:off x="4184694" y="1065121"/>
-            <a:ext cx="5712369" cy="1754326"/>
+            <a:off x="3840385" y="1213849"/>
+            <a:ext cx="5712369" cy="923330"/>
           </a:xfrm>
           <a:prstGeom prst="rect">
             <a:avLst/>
@@ -7089,7 +7579,7 @@
           <a:p>
             <a:r>
               <a:rPr lang="en-US" sz="5400" dirty="0" smtClean="0"/>
-              <a:t>OUT-OF-CLASS LECTURES</a:t>
+              <a:t>INCLASS LECTURES</a:t>
             </a:r>
             <a:endParaRPr lang="en-US" sz="5400" dirty="0"/>
           </a:p>
@@ -7120,15 +7610,7 @@
             <a:pPr algn="ctr"/>
             <a:r>
               <a:rPr lang="en-US" dirty="0" smtClean="0"/>
-              <a:t>April</a:t>
-            </a:r>
-            <a:r>
-              <a:rPr lang="en-US" dirty="0" smtClean="0"/>
-              <a:t> 13, </a:t>
-            </a:r>
-            <a:r>
-              <a:rPr lang="en-US" dirty="0" smtClean="0"/>
-              <a:t>2020</a:t>
+              <a:t>Feb. 10, 2020</a:t>
             </a:r>
             <a:endParaRPr lang="en-US" dirty="0"/>
           </a:p>
@@ -7143,7 +7625,7 @@
         <p:spPr>
           <a:xfrm>
             <a:off x="2035110" y="3043759"/>
-            <a:ext cx="5005769" cy="1200329"/>
+            <a:ext cx="5005769" cy="923330"/>
           </a:xfrm>
           <a:prstGeom prst="rect">
             <a:avLst/>
@@ -7162,43 +7644,26 @@
               <a:t>Chapter </a:t>
             </a:r>
             <a:r>
-              <a:rPr lang="en-US" dirty="0" smtClean="0"/>
-              <a:t>15</a:t>
-            </a:r>
-            <a:endParaRPr lang="en-US" dirty="0"/>
-          </a:p>
-          <a:p>
-            <a:pPr algn="ctr"/>
+              <a:rPr lang="en-US" dirty="0"/>
+              <a:t>7</a:t>
+            </a:r>
+          </a:p>
+          <a:p>
+            <a:pPr algn="ctr"/>
+            <a:r>
+              <a:rPr lang="en-US" b="1" u="sng" dirty="0"/>
+              <a:t>Independent Samples t-Test for </a:t>
+            </a:r>
             <a:r>
               <a:rPr lang="en-US" b="1" u="sng" dirty="0" smtClean="0"/>
-              <a:t>Repeated </a:t>
-            </a:r>
-            <a:r>
-              <a:rPr lang="en-US" b="1" u="sng" dirty="0" err="1" smtClean="0"/>
-              <a:t>Measurs</a:t>
-            </a:r>
-            <a:r>
-              <a:rPr lang="en-US" b="1" u="sng" dirty="0" smtClean="0"/>
-              <a:t> </a:t>
-            </a:r>
-            <a:r>
-              <a:rPr lang="en-US" b="1" u="sng" dirty="0" smtClean="0"/>
-              <a:t>ANOVA</a:t>
-            </a:r>
-            <a:endParaRPr lang="en-US" b="1" u="sng" dirty="0"/>
+              <a:t>Means</a:t>
+            </a:r>
           </a:p>
           <a:p>
             <a:pPr algn="ctr"/>
             <a:r>
               <a:rPr lang="en-US" i="1" dirty="0" smtClean="0"/>
-              <a:t>1-way RM ANOVA</a:t>
-            </a:r>
-          </a:p>
-          <a:p>
-            <a:pPr algn="ctr"/>
-            <a:r>
-              <a:rPr lang="en-US" i="1" dirty="0" smtClean="0"/>
-              <a:t>Slides 1 - 36</a:t>
+              <a:t>Mostly Homework Helps</a:t>
             </a:r>
             <a:endParaRPr lang="en-US" i="1" dirty="0"/>
           </a:p>
@@ -7339,94 +7804,10 @@
           </a:prstGeom>
         </p:spPr>
       </p:pic>
-      <p:pic>
-        <p:nvPicPr>
-          <p:cNvPr id="1026" name="Picture 2" descr="Image result for virus"/>
-          <p:cNvPicPr>
-            <a:picLocks noChangeAspect="1" noChangeArrowheads="1"/>
-          </p:cNvPicPr>
-          <p:nvPr/>
-        </p:nvPicPr>
-        <p:blipFill>
-          <a:blip r:embed="rId6" cstate="print">
-            <a:extLst>
-              <a:ext uri="{28A0092B-C50C-407E-A947-70E740481C1C}">
-                <a14:useLocalDpi xmlns:a14="http://schemas.microsoft.com/office/drawing/2010/main" val="0"/>
-              </a:ext>
-            </a:extLst>
-          </a:blip>
-          <a:srcRect/>
-          <a:stretch>
-            <a:fillRect/>
-          </a:stretch>
-        </p:blipFill>
-        <p:spPr bwMode="auto">
-          <a:xfrm>
-            <a:off x="1908176" y="4866721"/>
-            <a:ext cx="825034" cy="824421"/>
-          </a:xfrm>
-          <a:prstGeom prst="rect">
-            <a:avLst/>
-          </a:prstGeom>
-          <a:noFill/>
-          <a:extLst>
-            <a:ext uri="{909E8E84-426E-40DD-AFC4-6F175D3DCCD1}">
-              <a14:hiddenFill xmlns:a14="http://schemas.microsoft.com/office/drawing/2010/main">
-                <a:solidFill>
-                  <a:srgbClr val="FFFFFF"/>
-                </a:solidFill>
-              </a14:hiddenFill>
-            </a:ext>
-          </a:extLst>
-        </p:spPr>
-      </p:pic>
-      <p:sp>
-        <p:nvSpPr>
-          <p:cNvPr id="13" name="TextBox 12"/>
-          <p:cNvSpPr txBox="1"/>
-          <p:nvPr/>
-        </p:nvSpPr>
-        <p:spPr>
-          <a:xfrm>
-            <a:off x="2524444" y="5254195"/>
-            <a:ext cx="1238954" cy="369332"/>
-          </a:xfrm>
-          <a:prstGeom prst="rect">
-            <a:avLst/>
-          </a:prstGeom>
-          <a:noFill/>
-        </p:spPr>
-        <p:txBody>
-          <a:bodyPr wrap="square" rtlCol="0">
-            <a:spAutoFit/>
-          </a:bodyPr>
-          <a:lstStyle/>
-          <a:p>
-            <a:pPr algn="ctr"/>
-            <a:r>
-              <a:rPr lang="en-US" b="1" dirty="0" smtClean="0">
-                <a:solidFill>
-                  <a:schemeClr val="accent1">
-                    <a:lumMod val="75000"/>
-                  </a:schemeClr>
-                </a:solidFill>
-              </a:rPr>
-              <a:t>Covid-19</a:t>
-            </a:r>
-            <a:endParaRPr lang="en-US" b="1" dirty="0">
-              <a:solidFill>
-                <a:schemeClr val="accent1">
-                  <a:lumMod val="75000"/>
-                </a:schemeClr>
-              </a:solidFill>
-            </a:endParaRPr>
-          </a:p>
-        </p:txBody>
-      </p:sp>
     </p:spTree>
     <p:extLst>
       <p:ext uri="{BB962C8B-B14F-4D97-AF65-F5344CB8AC3E}">
-        <p14:creationId xmlns:p14="http://schemas.microsoft.com/office/powerpoint/2010/main" val="3454054716"/>
+        <p14:creationId xmlns:p14="http://schemas.microsoft.com/office/powerpoint/2010/main" val="2916572011"/>
       </p:ext>
     </p:extLst>
   </p:cSld>
@@ -7436,7 +7817,7 @@
 </p:sld>
 </file>
 
-<file path=ppt/slides/slide20.xml><?xml version="1.0" encoding="utf-8"?>
+<file path=ppt/slides/slide21.xml><?xml version="1.0" encoding="utf-8"?>
 <p:sld xmlns:a="http://schemas.openxmlformats.org/drawingml/2006/main" xmlns:r="http://schemas.openxmlformats.org/officeDocument/2006/relationships" xmlns:p="http://schemas.openxmlformats.org/presentationml/2006/main">
   <p:cSld>
     <p:spTree>
@@ -7773,7 +8154,7 @@
 </p:sld>
 </file>
 
-<file path=ppt/slides/slide21.xml><?xml version="1.0" encoding="utf-8"?>
+<file path=ppt/slides/slide22.xml><?xml version="1.0" encoding="utf-8"?>
 <p:sld xmlns:a="http://schemas.openxmlformats.org/drawingml/2006/main" xmlns:r="http://schemas.openxmlformats.org/officeDocument/2006/relationships" xmlns:p="http://schemas.openxmlformats.org/presentationml/2006/main">
   <p:cSld>
     <p:spTree>
@@ -8110,7 +8491,7 @@
 </p:sld>
 </file>
 
-<file path=ppt/slides/slide22.xml><?xml version="1.0" encoding="utf-8"?>
+<file path=ppt/slides/slide23.xml><?xml version="1.0" encoding="utf-8"?>
 <p:sld xmlns:a="http://schemas.openxmlformats.org/drawingml/2006/main" xmlns:r="http://schemas.openxmlformats.org/officeDocument/2006/relationships" xmlns:p="http://schemas.openxmlformats.org/presentationml/2006/main">
   <p:cSld>
     <p:spTree>
@@ -8478,7 +8859,7 @@
 </p:sld>
 </file>
 
-<file path=ppt/slides/slide23.xml><?xml version="1.0" encoding="utf-8"?>
+<file path=ppt/slides/slide24.xml><?xml version="1.0" encoding="utf-8"?>
 <p:sld xmlns:a="http://schemas.openxmlformats.org/drawingml/2006/main" xmlns:r="http://schemas.openxmlformats.org/officeDocument/2006/relationships" xmlns:p="http://schemas.openxmlformats.org/presentationml/2006/main">
   <p:cSld>
     <p:spTree>
@@ -8845,7 +9226,7 @@
 </p:sld>
 </file>
 
-<file path=ppt/slides/slide24.xml><?xml version="1.0" encoding="utf-8"?>
+<file path=ppt/slides/slide25.xml><?xml version="1.0" encoding="utf-8"?>
 <p:sld xmlns:a="http://schemas.openxmlformats.org/drawingml/2006/main" xmlns:r="http://schemas.openxmlformats.org/officeDocument/2006/relationships" xmlns:p="http://schemas.openxmlformats.org/presentationml/2006/main">
   <p:cSld>
     <p:spTree>
@@ -9206,7 +9587,7 @@
 </p:sld>
 </file>
 
-<file path=ppt/slides/slide25.xml><?xml version="1.0" encoding="utf-8"?>
+<file path=ppt/slides/slide26.xml><?xml version="1.0" encoding="utf-8"?>
 <p:sld xmlns:a="http://schemas.openxmlformats.org/drawingml/2006/main" xmlns:r="http://schemas.openxmlformats.org/officeDocument/2006/relationships" xmlns:p="http://schemas.openxmlformats.org/presentationml/2006/main">
   <p:cSld>
     <p:spTree>
@@ -9448,7 +9829,7 @@
         <p:spPr>
           <a:xfrm>
             <a:off x="2035110" y="3043759"/>
-            <a:ext cx="5005769" cy="1477328"/>
+            <a:ext cx="5005769" cy="1200329"/>
           </a:xfrm>
           <a:prstGeom prst="rect">
             <a:avLst/>
@@ -9496,38 +9877,14 @@
             <a:pPr algn="ctr"/>
             <a:r>
               <a:rPr lang="en-US" i="1" dirty="0" smtClean="0"/>
-              <a:t>Examples, in R</a:t>
-            </a:r>
-            <a:endParaRPr lang="en-US" i="1" dirty="0" smtClean="0"/>
+              <a:t>1-way RM ANOVA</a:t>
+            </a:r>
           </a:p>
           <a:p>
             <a:pPr algn="ctr"/>
             <a:r>
               <a:rPr lang="en-US" i="1" dirty="0" smtClean="0"/>
-              <a:t>1</a:t>
-            </a:r>
-            <a:r>
-              <a:rPr lang="en-US" i="1" baseline="30000" dirty="0" smtClean="0"/>
-              <a:t>st</a:t>
-            </a:r>
-            <a:r>
-              <a:rPr lang="en-US" i="1" dirty="0" smtClean="0"/>
-              <a:t> – textbook’s example with word recall</a:t>
-            </a:r>
-          </a:p>
-          <a:p>
-            <a:pPr algn="ctr"/>
-            <a:r>
-              <a:rPr lang="en-US" i="1" dirty="0" smtClean="0"/>
-              <a:t>2</a:t>
-            </a:r>
-            <a:r>
-              <a:rPr lang="en-US" i="1" baseline="30000" dirty="0" smtClean="0"/>
-              <a:t>nd</a:t>
-            </a:r>
-            <a:r>
-              <a:rPr lang="en-US" i="1" dirty="0" smtClean="0"/>
-              <a:t> – weight loss over 3 months</a:t>
+              <a:t>Slides 1 - 36</a:t>
             </a:r>
             <a:endParaRPr lang="en-US" i="1" dirty="0"/>
           </a:p>
@@ -9755,7 +10112,7 @@
     </p:spTree>
     <p:extLst>
       <p:ext uri="{BB962C8B-B14F-4D97-AF65-F5344CB8AC3E}">
-        <p14:creationId xmlns:p14="http://schemas.microsoft.com/office/powerpoint/2010/main" val="707466089"/>
+        <p14:creationId xmlns:p14="http://schemas.microsoft.com/office/powerpoint/2010/main" val="3454054716"/>
       </p:ext>
     </p:extLst>
   </p:cSld>
@@ -9790,7 +10147,7 @@
         </p:nvSpPr>
         <p:spPr>
           <a:xfrm>
-            <a:off x="1853580" y="824230"/>
+            <a:off x="1808702" y="824230"/>
             <a:ext cx="8778240" cy="5010912"/>
           </a:xfrm>
           <a:prstGeom prst="rect">
@@ -9836,7 +10193,7 @@
         </p:nvSpPr>
         <p:spPr>
           <a:xfrm>
-            <a:off x="3838696" y="1056832"/>
+            <a:off x="4184694" y="1065121"/>
             <a:ext cx="5712369" cy="1754326"/>
           </a:xfrm>
           <a:prstGeom prst="rect">
@@ -9852,13 +10209,7 @@
           <a:p>
             <a:r>
               <a:rPr lang="en-US" sz="5400" dirty="0" smtClean="0"/>
-              <a:t>Virtual </a:t>
-            </a:r>
-          </a:p>
-          <a:p>
-            <a:r>
-              <a:rPr lang="en-US" sz="5400" dirty="0" smtClean="0"/>
-              <a:t>Office Hours</a:t>
+              <a:t>OUT-OF-CLASS LECTURES</a:t>
             </a:r>
             <a:endParaRPr lang="en-US" sz="5400" dirty="0"/>
           </a:p>
@@ -9889,11 +10240,11 @@
             <a:pPr algn="ctr"/>
             <a:r>
               <a:rPr lang="en-US" dirty="0" smtClean="0"/>
-              <a:t>April </a:t>
+              <a:t>April</a:t>
             </a:r>
             <a:r>
               <a:rPr lang="en-US" dirty="0" smtClean="0"/>
-              <a:t>7, </a:t>
+              <a:t> 13, </a:t>
             </a:r>
             <a:r>
               <a:rPr lang="en-US" dirty="0" smtClean="0"/>
@@ -9911,8 +10262,8 @@
         </p:nvSpPr>
         <p:spPr>
           <a:xfrm>
-            <a:off x="3133161" y="2743036"/>
-            <a:ext cx="5005769" cy="923330"/>
+            <a:off x="2035110" y="3043759"/>
+            <a:ext cx="5005769" cy="1477328"/>
           </a:xfrm>
           <a:prstGeom prst="rect">
             <a:avLst/>
@@ -9928,7 +10279,11 @@
             <a:pPr algn="ctr"/>
             <a:r>
               <a:rPr lang="en-US" dirty="0" smtClean="0"/>
-              <a:t>HW 14 </a:t>
+              <a:t>Chapter </a:t>
+            </a:r>
+            <a:r>
+              <a:rPr lang="en-US" dirty="0" smtClean="0"/>
+              <a:t>15</a:t>
             </a:r>
             <a:endParaRPr lang="en-US" dirty="0"/>
           </a:p>
@@ -9936,28 +10291,60 @@
             <a:pPr algn="ctr"/>
             <a:r>
               <a:rPr lang="en-US" b="1" u="sng" dirty="0" smtClean="0"/>
-              <a:t>2-way Factorial ANOVAs</a:t>
-            </a:r>
-          </a:p>
-          <a:p>
-            <a:pPr algn="ctr"/>
-            <a:r>
-              <a:rPr lang="en-US" dirty="0" smtClean="0"/>
-              <a:t>Items # </a:t>
-            </a:r>
-            <a:r>
-              <a:rPr lang="en-US" dirty="0" smtClean="0"/>
-              <a:t>4, 5, </a:t>
-            </a:r>
-            <a:r>
-              <a:rPr lang="en-US" dirty="0" smtClean="0"/>
-              <a:t>&amp; </a:t>
-            </a:r>
-            <a:r>
-              <a:rPr lang="en-US" dirty="0" smtClean="0"/>
-              <a:t>6</a:t>
-            </a:r>
-            <a:endParaRPr lang="en-US" dirty="0" smtClean="0"/>
+              <a:t>Repeated </a:t>
+            </a:r>
+            <a:r>
+              <a:rPr lang="en-US" b="1" u="sng" dirty="0" err="1" smtClean="0"/>
+              <a:t>Measurs</a:t>
+            </a:r>
+            <a:r>
+              <a:rPr lang="en-US" b="1" u="sng" dirty="0" smtClean="0"/>
+              <a:t> </a:t>
+            </a:r>
+            <a:r>
+              <a:rPr lang="en-US" b="1" u="sng" dirty="0" smtClean="0"/>
+              <a:t>ANOVA</a:t>
+            </a:r>
+            <a:endParaRPr lang="en-US" b="1" u="sng" dirty="0"/>
+          </a:p>
+          <a:p>
+            <a:pPr algn="ctr"/>
+            <a:r>
+              <a:rPr lang="en-US" i="1" dirty="0" smtClean="0"/>
+              <a:t>Examples, in R</a:t>
+            </a:r>
+            <a:endParaRPr lang="en-US" i="1" dirty="0" smtClean="0"/>
+          </a:p>
+          <a:p>
+            <a:pPr algn="ctr"/>
+            <a:r>
+              <a:rPr lang="en-US" i="1" dirty="0" smtClean="0"/>
+              <a:t>1</a:t>
+            </a:r>
+            <a:r>
+              <a:rPr lang="en-US" i="1" baseline="30000" dirty="0" smtClean="0"/>
+              <a:t>st</a:t>
+            </a:r>
+            <a:r>
+              <a:rPr lang="en-US" i="1" dirty="0" smtClean="0"/>
+              <a:t> – textbook’s example with word recall</a:t>
+            </a:r>
+          </a:p>
+          <a:p>
+            <a:pPr algn="ctr"/>
+            <a:r>
+              <a:rPr lang="en-US" i="1" dirty="0" smtClean="0"/>
+              <a:t>2</a:t>
+            </a:r>
+            <a:r>
+              <a:rPr lang="en-US" i="1" baseline="30000" dirty="0" smtClean="0"/>
+              <a:t>nd</a:t>
+            </a:r>
+            <a:r>
+              <a:rPr lang="en-US" i="1" dirty="0" smtClean="0"/>
+              <a:t> – weight loss over 3 months</a:t>
+            </a:r>
+            <a:endParaRPr lang="en-US" i="1" dirty="0"/>
           </a:p>
         </p:txBody>
       </p:sp>
@@ -10098,38 +10485,55 @@
       </p:pic>
       <p:pic>
         <p:nvPicPr>
-          <p:cNvPr id="5" name="Picture 4"/>
+          <p:cNvPr id="1026" name="Picture 2" descr="Image result for virus"/>
           <p:cNvPicPr>
-            <a:picLocks noChangeAspect="1"/>
+            <a:picLocks noChangeAspect="1" noChangeArrowheads="1"/>
           </p:cNvPicPr>
           <p:nvPr/>
         </p:nvPicPr>
         <p:blipFill>
-          <a:blip r:embed="rId6"/>
+          <a:blip r:embed="rId6" cstate="print">
+            <a:extLst>
+              <a:ext uri="{28A0092B-C50C-407E-A947-70E740481C1C}">
+                <a14:useLocalDpi xmlns:a14="http://schemas.microsoft.com/office/drawing/2010/main" val="0"/>
+              </a:ext>
+            </a:extLst>
+          </a:blip>
+          <a:srcRect/>
           <a:stretch>
             <a:fillRect/>
           </a:stretch>
         </p:blipFill>
-        <p:spPr>
-          <a:xfrm>
-            <a:off x="1985351" y="4872564"/>
-            <a:ext cx="1853345" cy="853514"/>
-          </a:xfrm>
-          <a:prstGeom prst="rect">
-            <a:avLst/>
-          </a:prstGeom>
+        <p:spPr bwMode="auto">
+          <a:xfrm>
+            <a:off x="1908176" y="4866721"/>
+            <a:ext cx="825034" cy="824421"/>
+          </a:xfrm>
+          <a:prstGeom prst="rect">
+            <a:avLst/>
+          </a:prstGeom>
+          <a:noFill/>
+          <a:extLst>
+            <a:ext uri="{909E8E84-426E-40DD-AFC4-6F175D3DCCD1}">
+              <a14:hiddenFill xmlns:a14="http://schemas.microsoft.com/office/drawing/2010/main">
+                <a:solidFill>
+                  <a:srgbClr val="FFFFFF"/>
+                </a:solidFill>
+              </a14:hiddenFill>
+            </a:ext>
+          </a:extLst>
         </p:spPr>
       </p:pic>
       <p:sp>
         <p:nvSpPr>
-          <p:cNvPr id="6" name="TextBox 5"/>
+          <p:cNvPr id="13" name="TextBox 12"/>
           <p:cNvSpPr txBox="1"/>
           <p:nvPr/>
         </p:nvSpPr>
         <p:spPr>
           <a:xfrm>
-            <a:off x="2163479" y="3316893"/>
-            <a:ext cx="1952216" cy="646331"/>
+            <a:off x="2524444" y="5254195"/>
+            <a:ext cx="1238954" cy="369332"/>
           </a:xfrm>
           <a:prstGeom prst="rect">
             <a:avLst/>
@@ -10144,121 +10548,29 @@
           <a:p>
             <a:pPr algn="ctr"/>
             <a:r>
-              <a:rPr lang="en-US" u="sng" dirty="0" smtClean="0"/>
-              <a:t>Factorial ANOVA</a:t>
-            </a:r>
-          </a:p>
-          <a:p>
-            <a:pPr algn="ctr"/>
-            <a:r>
-              <a:rPr lang="en-US" dirty="0" smtClean="0"/>
-              <a:t>Omnibus F-tests</a:t>
-            </a:r>
-            <a:endParaRPr lang="en-US" dirty="0"/>
-          </a:p>
-        </p:txBody>
-      </p:sp>
-      <p:sp>
-        <p:nvSpPr>
-          <p:cNvPr id="15" name="TextBox 14"/>
-          <p:cNvSpPr txBox="1"/>
-          <p:nvPr/>
-        </p:nvSpPr>
-        <p:spPr>
-          <a:xfrm>
-            <a:off x="3473229" y="3827424"/>
-            <a:ext cx="2184037" cy="923330"/>
-          </a:xfrm>
-          <a:prstGeom prst="rect">
-            <a:avLst/>
-          </a:prstGeom>
-          <a:noFill/>
-        </p:spPr>
-        <p:txBody>
-          <a:bodyPr wrap="square" rtlCol="0">
-            <a:spAutoFit/>
-          </a:bodyPr>
-          <a:lstStyle/>
-          <a:p>
-            <a:pPr algn="ctr"/>
-            <a:r>
-              <a:rPr lang="en-US" u="sng" dirty="0" smtClean="0"/>
-              <a:t>Interactions</a:t>
-            </a:r>
-          </a:p>
-          <a:p>
-            <a:pPr algn="ctr"/>
-            <a:r>
-              <a:rPr lang="en-US" dirty="0" smtClean="0"/>
-              <a:t>2-way means plots</a:t>
-            </a:r>
-          </a:p>
-          <a:p>
-            <a:pPr algn="ctr"/>
-            <a:r>
-              <a:rPr lang="en-US" dirty="0" smtClean="0"/>
-              <a:t>Interaction contrasts</a:t>
-            </a:r>
-            <a:endParaRPr lang="en-US" dirty="0"/>
-          </a:p>
-        </p:txBody>
-      </p:sp>
-      <p:sp>
-        <p:nvSpPr>
-          <p:cNvPr id="16" name="TextBox 15"/>
-          <p:cNvSpPr txBox="1"/>
-          <p:nvPr/>
-        </p:nvSpPr>
-        <p:spPr>
-          <a:xfrm>
-            <a:off x="4851703" y="4576843"/>
-            <a:ext cx="2667658" cy="1200329"/>
-          </a:xfrm>
-          <a:prstGeom prst="rect">
-            <a:avLst/>
-          </a:prstGeom>
-          <a:noFill/>
-        </p:spPr>
-        <p:txBody>
-          <a:bodyPr wrap="square" rtlCol="0">
-            <a:spAutoFit/>
-          </a:bodyPr>
-          <a:lstStyle/>
-          <a:p>
-            <a:pPr algn="ctr"/>
-            <a:r>
-              <a:rPr lang="en-US" u="sng" dirty="0" smtClean="0"/>
-              <a:t>Main Effects</a:t>
-            </a:r>
-          </a:p>
-          <a:p>
-            <a:pPr algn="ctr"/>
-            <a:r>
-              <a:rPr lang="en-US" dirty="0" smtClean="0"/>
-              <a:t>1-way means table</a:t>
-            </a:r>
-          </a:p>
-          <a:p>
-            <a:pPr algn="ctr"/>
-            <a:r>
-              <a:rPr lang="en-US" dirty="0" smtClean="0"/>
-              <a:t>1-way means plot</a:t>
-            </a:r>
-          </a:p>
-          <a:p>
-            <a:pPr algn="ctr"/>
-            <a:r>
-              <a:rPr lang="en-US" dirty="0" smtClean="0"/>
-              <a:t>Pairwise post hoc t-tests</a:t>
-            </a:r>
-            <a:endParaRPr lang="en-US" dirty="0"/>
+              <a:rPr lang="en-US" b="1" dirty="0" smtClean="0">
+                <a:solidFill>
+                  <a:schemeClr val="accent1">
+                    <a:lumMod val="75000"/>
+                  </a:schemeClr>
+                </a:solidFill>
+              </a:rPr>
+              <a:t>Covid-19</a:t>
+            </a:r>
+            <a:endParaRPr lang="en-US" b="1" dirty="0">
+              <a:solidFill>
+                <a:schemeClr val="accent1">
+                  <a:lumMod val="75000"/>
+                </a:schemeClr>
+              </a:solidFill>
+            </a:endParaRPr>
           </a:p>
         </p:txBody>
       </p:sp>
     </p:spTree>
     <p:extLst>
       <p:ext uri="{BB962C8B-B14F-4D97-AF65-F5344CB8AC3E}">
-        <p14:creationId xmlns:p14="http://schemas.microsoft.com/office/powerpoint/2010/main" val="1875168771"/>
+        <p14:creationId xmlns:p14="http://schemas.microsoft.com/office/powerpoint/2010/main" val="707466089"/>
       </p:ext>
     </p:extLst>
   </p:cSld>
@@ -10392,7 +10704,15 @@
             <a:pPr algn="ctr"/>
             <a:r>
               <a:rPr lang="en-US" dirty="0" smtClean="0"/>
-              <a:t>April 2, 2020</a:t>
+              <a:t>April </a:t>
+            </a:r>
+            <a:r>
+              <a:rPr lang="en-US" dirty="0" smtClean="0"/>
+              <a:t>7, </a:t>
+            </a:r>
+            <a:r>
+              <a:rPr lang="en-US" dirty="0" smtClean="0"/>
+              <a:t>2020</a:t>
             </a:r>
             <a:endParaRPr lang="en-US" dirty="0"/>
           </a:p>
@@ -10438,8 +10758,21 @@
             <a:pPr algn="ctr"/>
             <a:r>
               <a:rPr lang="en-US" dirty="0" smtClean="0"/>
-              <a:t>Items # 2, 3, &amp; 5</a:t>
-            </a:r>
+              <a:t>Items # </a:t>
+            </a:r>
+            <a:r>
+              <a:rPr lang="en-US" dirty="0" smtClean="0"/>
+              <a:t>4, 5, </a:t>
+            </a:r>
+            <a:r>
+              <a:rPr lang="en-US" dirty="0" smtClean="0"/>
+              <a:t>&amp; </a:t>
+            </a:r>
+            <a:r>
+              <a:rPr lang="en-US" dirty="0" smtClean="0"/>
+              <a:t>6</a:t>
+            </a:r>
+            <a:endParaRPr lang="en-US" dirty="0" smtClean="0"/>
           </a:p>
         </p:txBody>
       </p:sp>
@@ -10740,6 +11073,488 @@
     </p:spTree>
     <p:extLst>
       <p:ext uri="{BB962C8B-B14F-4D97-AF65-F5344CB8AC3E}">
+        <p14:creationId xmlns:p14="http://schemas.microsoft.com/office/powerpoint/2010/main" val="1875168771"/>
+      </p:ext>
+    </p:extLst>
+  </p:cSld>
+  <p:clrMapOvr>
+    <a:masterClrMapping/>
+  </p:clrMapOvr>
+</p:sld>
+</file>
+
+<file path=ppt/slides/slide6.xml><?xml version="1.0" encoding="utf-8"?>
+<p:sld xmlns:a="http://schemas.openxmlformats.org/drawingml/2006/main" xmlns:r="http://schemas.openxmlformats.org/officeDocument/2006/relationships" xmlns:p="http://schemas.openxmlformats.org/presentationml/2006/main">
+  <p:cSld>
+    <p:spTree>
+      <p:nvGrpSpPr>
+        <p:cNvPr id="1" name=""/>
+        <p:cNvGrpSpPr/>
+        <p:nvPr/>
+      </p:nvGrpSpPr>
+      <p:grpSpPr>
+        <a:xfrm>
+          <a:off x="0" y="0"/>
+          <a:ext cx="0" cy="0"/>
+          <a:chOff x="0" y="0"/>
+          <a:chExt cx="0" cy="0"/>
+        </a:xfrm>
+      </p:grpSpPr>
+      <p:sp>
+        <p:nvSpPr>
+          <p:cNvPr id="4" name="Rectangle 3"/>
+          <p:cNvSpPr/>
+          <p:nvPr/>
+        </p:nvSpPr>
+        <p:spPr>
+          <a:xfrm>
+            <a:off x="1853580" y="824230"/>
+            <a:ext cx="8778240" cy="5010912"/>
+          </a:xfrm>
+          <a:prstGeom prst="rect">
+            <a:avLst/>
+          </a:prstGeom>
+          <a:solidFill>
+            <a:schemeClr val="bg1">
+              <a:lumMod val="95000"/>
+            </a:schemeClr>
+          </a:solidFill>
+          <a:ln w="38100"/>
+        </p:spPr>
+        <p:style>
+          <a:lnRef idx="2">
+            <a:schemeClr val="accent1">
+              <a:shade val="50000"/>
+            </a:schemeClr>
+          </a:lnRef>
+          <a:fillRef idx="1">
+            <a:schemeClr val="accent1"/>
+          </a:fillRef>
+          <a:effectRef idx="0">
+            <a:schemeClr val="accent1"/>
+          </a:effectRef>
+          <a:fontRef idx="minor">
+            <a:schemeClr val="lt1"/>
+          </a:fontRef>
+        </p:style>
+        <p:txBody>
+          <a:bodyPr rtlCol="0" anchor="ctr"/>
+          <a:lstStyle/>
+          <a:p>
+            <a:pPr algn="ctr"/>
+            <a:endParaRPr lang="en-US"/>
+          </a:p>
+        </p:txBody>
+      </p:sp>
+      <p:sp>
+        <p:nvSpPr>
+          <p:cNvPr id="7" name="TextBox 6"/>
+          <p:cNvSpPr txBox="1"/>
+          <p:nvPr/>
+        </p:nvSpPr>
+        <p:spPr>
+          <a:xfrm>
+            <a:off x="3838696" y="1056832"/>
+            <a:ext cx="5712369" cy="1754326"/>
+          </a:xfrm>
+          <a:prstGeom prst="rect">
+            <a:avLst/>
+          </a:prstGeom>
+          <a:noFill/>
+        </p:spPr>
+        <p:txBody>
+          <a:bodyPr wrap="square" rtlCol="0">
+            <a:spAutoFit/>
+          </a:bodyPr>
+          <a:lstStyle/>
+          <a:p>
+            <a:r>
+              <a:rPr lang="en-US" sz="5400" dirty="0" smtClean="0"/>
+              <a:t>Virtual </a:t>
+            </a:r>
+          </a:p>
+          <a:p>
+            <a:r>
+              <a:rPr lang="en-US" sz="5400" dirty="0" smtClean="0"/>
+              <a:t>Office Hours</a:t>
+            </a:r>
+            <a:endParaRPr lang="en-US" sz="5400" dirty="0"/>
+          </a:p>
+        </p:txBody>
+      </p:sp>
+      <p:sp>
+        <p:nvSpPr>
+          <p:cNvPr id="8" name="TextBox 7"/>
+          <p:cNvSpPr txBox="1"/>
+          <p:nvPr/>
+        </p:nvSpPr>
+        <p:spPr>
+          <a:xfrm>
+            <a:off x="7731444" y="5278932"/>
+            <a:ext cx="2076450" cy="369332"/>
+          </a:xfrm>
+          <a:prstGeom prst="rect">
+            <a:avLst/>
+          </a:prstGeom>
+          <a:noFill/>
+        </p:spPr>
+        <p:txBody>
+          <a:bodyPr wrap="square" rtlCol="0">
+            <a:spAutoFit/>
+          </a:bodyPr>
+          <a:lstStyle/>
+          <a:p>
+            <a:pPr algn="ctr"/>
+            <a:r>
+              <a:rPr lang="en-US" dirty="0" smtClean="0"/>
+              <a:t>April 2, 2020</a:t>
+            </a:r>
+            <a:endParaRPr lang="en-US" dirty="0"/>
+          </a:p>
+        </p:txBody>
+      </p:sp>
+      <p:sp>
+        <p:nvSpPr>
+          <p:cNvPr id="9" name="TextBox 8"/>
+          <p:cNvSpPr txBox="1"/>
+          <p:nvPr/>
+        </p:nvSpPr>
+        <p:spPr>
+          <a:xfrm>
+            <a:off x="3133161" y="2743036"/>
+            <a:ext cx="5005769" cy="923330"/>
+          </a:xfrm>
+          <a:prstGeom prst="rect">
+            <a:avLst/>
+          </a:prstGeom>
+          <a:noFill/>
+        </p:spPr>
+        <p:txBody>
+          <a:bodyPr wrap="square" rtlCol="0">
+            <a:spAutoFit/>
+          </a:bodyPr>
+          <a:lstStyle/>
+          <a:p>
+            <a:pPr algn="ctr"/>
+            <a:r>
+              <a:rPr lang="en-US" dirty="0" smtClean="0"/>
+              <a:t>HW 14 </a:t>
+            </a:r>
+            <a:endParaRPr lang="en-US" dirty="0"/>
+          </a:p>
+          <a:p>
+            <a:pPr algn="ctr"/>
+            <a:r>
+              <a:rPr lang="en-US" b="1" u="sng" dirty="0" smtClean="0"/>
+              <a:t>2-way Factorial ANOVAs</a:t>
+            </a:r>
+          </a:p>
+          <a:p>
+            <a:pPr algn="ctr"/>
+            <a:r>
+              <a:rPr lang="en-US" dirty="0" smtClean="0"/>
+              <a:t>Items # 2, 3, &amp; 5</a:t>
+            </a:r>
+          </a:p>
+        </p:txBody>
+      </p:sp>
+      <p:grpSp>
+        <p:nvGrpSpPr>
+          <p:cNvPr id="14" name="Group 13"/>
+          <p:cNvGrpSpPr/>
+          <p:nvPr/>
+        </p:nvGrpSpPr>
+        <p:grpSpPr>
+          <a:xfrm>
+            <a:off x="7198839" y="2137179"/>
+            <a:ext cx="3141660" cy="3193339"/>
+            <a:chOff x="7047391" y="1961976"/>
+            <a:chExt cx="3141660" cy="3193339"/>
+          </a:xfrm>
+        </p:grpSpPr>
+        <p:pic>
+          <p:nvPicPr>
+            <p:cNvPr id="2" name="Picture 1"/>
+            <p:cNvPicPr>
+              <a:picLocks noChangeAspect="1"/>
+            </p:cNvPicPr>
+            <p:nvPr/>
+          </p:nvPicPr>
+          <p:blipFill>
+            <a:blip r:embed="rId2" cstate="print">
+              <a:extLst>
+                <a:ext uri="{28A0092B-C50C-407E-A947-70E740481C1C}">
+                  <a14:useLocalDpi xmlns:a14="http://schemas.microsoft.com/office/drawing/2010/main" val="0"/>
+                </a:ext>
+              </a:extLst>
+            </a:blip>
+            <a:stretch>
+              <a:fillRect/>
+            </a:stretch>
+          </p:blipFill>
+          <p:spPr>
+            <a:xfrm>
+              <a:off x="7047391" y="3320161"/>
+              <a:ext cx="1578867" cy="1828804"/>
+            </a:xfrm>
+            <a:prstGeom prst="rect">
+              <a:avLst/>
+            </a:prstGeom>
+          </p:spPr>
+        </p:pic>
+        <p:pic>
+          <p:nvPicPr>
+            <p:cNvPr id="3" name="Picture 2"/>
+            <p:cNvPicPr>
+              <a:picLocks noChangeAspect="1"/>
+            </p:cNvPicPr>
+            <p:nvPr/>
+          </p:nvPicPr>
+          <p:blipFill>
+            <a:blip r:embed="rId3" cstate="print">
+              <a:extLst>
+                <a:ext uri="{28A0092B-C50C-407E-A947-70E740481C1C}">
+                  <a14:useLocalDpi xmlns:a14="http://schemas.microsoft.com/office/drawing/2010/main" val="0"/>
+                </a:ext>
+              </a:extLst>
+            </a:blip>
+            <a:stretch>
+              <a:fillRect/>
+            </a:stretch>
+          </p:blipFill>
+          <p:spPr>
+            <a:xfrm>
+              <a:off x="7830475" y="1961976"/>
+              <a:ext cx="1578867" cy="1828804"/>
+            </a:xfrm>
+            <a:prstGeom prst="rect">
+              <a:avLst/>
+            </a:prstGeom>
+          </p:spPr>
+        </p:pic>
+        <p:pic>
+          <p:nvPicPr>
+            <p:cNvPr id="11" name="Picture 10"/>
+            <p:cNvPicPr>
+              <a:picLocks noChangeAspect="1"/>
+            </p:cNvPicPr>
+            <p:nvPr/>
+          </p:nvPicPr>
+          <p:blipFill>
+            <a:blip r:embed="rId4" cstate="print">
+              <a:extLst>
+                <a:ext uri="{28A0092B-C50C-407E-A947-70E740481C1C}">
+                  <a14:useLocalDpi xmlns:a14="http://schemas.microsoft.com/office/drawing/2010/main" val="0"/>
+                </a:ext>
+              </a:extLst>
+            </a:blip>
+            <a:stretch>
+              <a:fillRect/>
+            </a:stretch>
+          </p:blipFill>
+          <p:spPr>
+            <a:xfrm>
+              <a:off x="8610184" y="3326511"/>
+              <a:ext cx="1578867" cy="1828804"/>
+            </a:xfrm>
+            <a:prstGeom prst="rect">
+              <a:avLst/>
+            </a:prstGeom>
+          </p:spPr>
+        </p:pic>
+      </p:grpSp>
+      <p:pic>
+        <p:nvPicPr>
+          <p:cNvPr id="12" name="Picture 11"/>
+          <p:cNvPicPr>
+            <a:picLocks noChangeAspect="1"/>
+          </p:cNvPicPr>
+          <p:nvPr/>
+        </p:nvPicPr>
+        <p:blipFill>
+          <a:blip r:embed="rId5" cstate="print">
+            <a:extLst>
+              <a:ext uri="{28A0092B-C50C-407E-A947-70E740481C1C}">
+                <a14:useLocalDpi xmlns:a14="http://schemas.microsoft.com/office/drawing/2010/main" val="0"/>
+              </a:ext>
+            </a:extLst>
+          </a:blip>
+          <a:stretch>
+            <a:fillRect/>
+          </a:stretch>
+        </p:blipFill>
+        <p:spPr>
+          <a:xfrm>
+            <a:off x="2035110" y="1019593"/>
+            <a:ext cx="1578867" cy="1828804"/>
+          </a:xfrm>
+          <a:prstGeom prst="rect">
+            <a:avLst/>
+          </a:prstGeom>
+        </p:spPr>
+      </p:pic>
+      <p:pic>
+        <p:nvPicPr>
+          <p:cNvPr id="5" name="Picture 4"/>
+          <p:cNvPicPr>
+            <a:picLocks noChangeAspect="1"/>
+          </p:cNvPicPr>
+          <p:nvPr/>
+        </p:nvPicPr>
+        <p:blipFill>
+          <a:blip r:embed="rId6"/>
+          <a:stretch>
+            <a:fillRect/>
+          </a:stretch>
+        </p:blipFill>
+        <p:spPr>
+          <a:xfrm>
+            <a:off x="1985351" y="4872564"/>
+            <a:ext cx="1853345" cy="853514"/>
+          </a:xfrm>
+          <a:prstGeom prst="rect">
+            <a:avLst/>
+          </a:prstGeom>
+        </p:spPr>
+      </p:pic>
+      <p:sp>
+        <p:nvSpPr>
+          <p:cNvPr id="6" name="TextBox 5"/>
+          <p:cNvSpPr txBox="1"/>
+          <p:nvPr/>
+        </p:nvSpPr>
+        <p:spPr>
+          <a:xfrm>
+            <a:off x="2163479" y="3316893"/>
+            <a:ext cx="1952216" cy="646331"/>
+          </a:xfrm>
+          <a:prstGeom prst="rect">
+            <a:avLst/>
+          </a:prstGeom>
+          <a:noFill/>
+        </p:spPr>
+        <p:txBody>
+          <a:bodyPr wrap="square" rtlCol="0">
+            <a:spAutoFit/>
+          </a:bodyPr>
+          <a:lstStyle/>
+          <a:p>
+            <a:pPr algn="ctr"/>
+            <a:r>
+              <a:rPr lang="en-US" u="sng" dirty="0" smtClean="0"/>
+              <a:t>Factorial ANOVA</a:t>
+            </a:r>
+          </a:p>
+          <a:p>
+            <a:pPr algn="ctr"/>
+            <a:r>
+              <a:rPr lang="en-US" dirty="0" smtClean="0"/>
+              <a:t>Omnibus F-tests</a:t>
+            </a:r>
+            <a:endParaRPr lang="en-US" dirty="0"/>
+          </a:p>
+        </p:txBody>
+      </p:sp>
+      <p:sp>
+        <p:nvSpPr>
+          <p:cNvPr id="15" name="TextBox 14"/>
+          <p:cNvSpPr txBox="1"/>
+          <p:nvPr/>
+        </p:nvSpPr>
+        <p:spPr>
+          <a:xfrm>
+            <a:off x="3473229" y="3827424"/>
+            <a:ext cx="2184037" cy="923330"/>
+          </a:xfrm>
+          <a:prstGeom prst="rect">
+            <a:avLst/>
+          </a:prstGeom>
+          <a:noFill/>
+        </p:spPr>
+        <p:txBody>
+          <a:bodyPr wrap="square" rtlCol="0">
+            <a:spAutoFit/>
+          </a:bodyPr>
+          <a:lstStyle/>
+          <a:p>
+            <a:pPr algn="ctr"/>
+            <a:r>
+              <a:rPr lang="en-US" u="sng" dirty="0" smtClean="0"/>
+              <a:t>Interactions</a:t>
+            </a:r>
+          </a:p>
+          <a:p>
+            <a:pPr algn="ctr"/>
+            <a:r>
+              <a:rPr lang="en-US" dirty="0" smtClean="0"/>
+              <a:t>2-way means plots</a:t>
+            </a:r>
+          </a:p>
+          <a:p>
+            <a:pPr algn="ctr"/>
+            <a:r>
+              <a:rPr lang="en-US" dirty="0" smtClean="0"/>
+              <a:t>Interaction contrasts</a:t>
+            </a:r>
+            <a:endParaRPr lang="en-US" dirty="0"/>
+          </a:p>
+        </p:txBody>
+      </p:sp>
+      <p:sp>
+        <p:nvSpPr>
+          <p:cNvPr id="16" name="TextBox 15"/>
+          <p:cNvSpPr txBox="1"/>
+          <p:nvPr/>
+        </p:nvSpPr>
+        <p:spPr>
+          <a:xfrm>
+            <a:off x="4851703" y="4576843"/>
+            <a:ext cx="2667658" cy="1200329"/>
+          </a:xfrm>
+          <a:prstGeom prst="rect">
+            <a:avLst/>
+          </a:prstGeom>
+          <a:noFill/>
+        </p:spPr>
+        <p:txBody>
+          <a:bodyPr wrap="square" rtlCol="0">
+            <a:spAutoFit/>
+          </a:bodyPr>
+          <a:lstStyle/>
+          <a:p>
+            <a:pPr algn="ctr"/>
+            <a:r>
+              <a:rPr lang="en-US" u="sng" dirty="0" smtClean="0"/>
+              <a:t>Main Effects</a:t>
+            </a:r>
+          </a:p>
+          <a:p>
+            <a:pPr algn="ctr"/>
+            <a:r>
+              <a:rPr lang="en-US" dirty="0" smtClean="0"/>
+              <a:t>1-way means table</a:t>
+            </a:r>
+          </a:p>
+          <a:p>
+            <a:pPr algn="ctr"/>
+            <a:r>
+              <a:rPr lang="en-US" dirty="0" smtClean="0"/>
+              <a:t>1-way means plot</a:t>
+            </a:r>
+          </a:p>
+          <a:p>
+            <a:pPr algn="ctr"/>
+            <a:r>
+              <a:rPr lang="en-US" dirty="0" smtClean="0"/>
+              <a:t>Pairwise post hoc t-tests</a:t>
+            </a:r>
+            <a:endParaRPr lang="en-US" dirty="0"/>
+          </a:p>
+        </p:txBody>
+      </p:sp>
+    </p:spTree>
+    <p:extLst>
+      <p:ext uri="{BB962C8B-B14F-4D97-AF65-F5344CB8AC3E}">
         <p14:creationId xmlns:p14="http://schemas.microsoft.com/office/powerpoint/2010/main" val="3811887098"/>
       </p:ext>
     </p:extLst>
@@ -10750,7 +11565,7 @@
 </p:sld>
 </file>
 
-<file path=ppt/slides/slide6.xml><?xml version="1.0" encoding="utf-8"?>
+<file path=ppt/slides/slide7.xml><?xml version="1.0" encoding="utf-8"?>
 <p:sld xmlns:a="http://schemas.openxmlformats.org/drawingml/2006/main" xmlns:r="http://schemas.openxmlformats.org/officeDocument/2006/relationships" xmlns:p="http://schemas.openxmlformats.org/presentationml/2006/main">
   <p:cSld>
     <p:spTree>
@@ -11183,7 +11998,7 @@
 </p:sld>
 </file>
 
-<file path=ppt/slides/slide7.xml><?xml version="1.0" encoding="utf-8"?>
+<file path=ppt/slides/slide8.xml><?xml version="1.0" encoding="utf-8"?>
 <p:sld xmlns:a="http://schemas.openxmlformats.org/drawingml/2006/main" xmlns:r="http://schemas.openxmlformats.org/officeDocument/2006/relationships" xmlns:p="http://schemas.openxmlformats.org/presentationml/2006/main">
   <p:cSld>
     <p:spTree>
@@ -11610,7 +12425,7 @@
 </p:sld>
 </file>
 
-<file path=ppt/slides/slide8.xml><?xml version="1.0" encoding="utf-8"?>
+<file path=ppt/slides/slide9.xml><?xml version="1.0" encoding="utf-8"?>
 <p:sld xmlns:a="http://schemas.openxmlformats.org/drawingml/2006/main" xmlns:r="http://schemas.openxmlformats.org/officeDocument/2006/relationships" xmlns:p="http://schemas.openxmlformats.org/presentationml/2006/main">
   <p:cSld>
     <p:spTree>
@@ -12011,406 +12826,6 @@
     <p:extLst>
       <p:ext uri="{BB962C8B-B14F-4D97-AF65-F5344CB8AC3E}">
         <p14:creationId xmlns:p14="http://schemas.microsoft.com/office/powerpoint/2010/main" val="1235567156"/>
-      </p:ext>
-    </p:extLst>
-  </p:cSld>
-  <p:clrMapOvr>
-    <a:masterClrMapping/>
-  </p:clrMapOvr>
-</p:sld>
-</file>
-
-<file path=ppt/slides/slide9.xml><?xml version="1.0" encoding="utf-8"?>
-<p:sld xmlns:a="http://schemas.openxmlformats.org/drawingml/2006/main" xmlns:r="http://schemas.openxmlformats.org/officeDocument/2006/relationships" xmlns:p="http://schemas.openxmlformats.org/presentationml/2006/main">
-  <p:cSld>
-    <p:spTree>
-      <p:nvGrpSpPr>
-        <p:cNvPr id="1" name=""/>
-        <p:cNvGrpSpPr/>
-        <p:nvPr/>
-      </p:nvGrpSpPr>
-      <p:grpSpPr>
-        <a:xfrm>
-          <a:off x="0" y="0"/>
-          <a:ext cx="0" cy="0"/>
-          <a:chOff x="0" y="0"/>
-          <a:chExt cx="0" cy="0"/>
-        </a:xfrm>
-      </p:grpSpPr>
-      <p:sp>
-        <p:nvSpPr>
-          <p:cNvPr id="4" name="Rectangle 3"/>
-          <p:cNvSpPr/>
-          <p:nvPr/>
-        </p:nvSpPr>
-        <p:spPr>
-          <a:xfrm>
-            <a:off x="1853580" y="824230"/>
-            <a:ext cx="8778240" cy="5010912"/>
-          </a:xfrm>
-          <a:prstGeom prst="rect">
-            <a:avLst/>
-          </a:prstGeom>
-          <a:solidFill>
-            <a:schemeClr val="bg1">
-              <a:lumMod val="95000"/>
-            </a:schemeClr>
-          </a:solidFill>
-          <a:ln w="38100"/>
-        </p:spPr>
-        <p:style>
-          <a:lnRef idx="2">
-            <a:schemeClr val="accent1">
-              <a:shade val="50000"/>
-            </a:schemeClr>
-          </a:lnRef>
-          <a:fillRef idx="1">
-            <a:schemeClr val="accent1"/>
-          </a:fillRef>
-          <a:effectRef idx="0">
-            <a:schemeClr val="accent1"/>
-          </a:effectRef>
-          <a:fontRef idx="minor">
-            <a:schemeClr val="lt1"/>
-          </a:fontRef>
-        </p:style>
-        <p:txBody>
-          <a:bodyPr rtlCol="0" anchor="ctr"/>
-          <a:lstStyle/>
-          <a:p>
-            <a:pPr algn="ctr"/>
-            <a:endParaRPr lang="en-US"/>
-          </a:p>
-        </p:txBody>
-      </p:sp>
-      <p:sp>
-        <p:nvSpPr>
-          <p:cNvPr id="7" name="TextBox 6"/>
-          <p:cNvSpPr txBox="1"/>
-          <p:nvPr/>
-        </p:nvSpPr>
-        <p:spPr>
-          <a:xfrm>
-            <a:off x="3838696" y="1056832"/>
-            <a:ext cx="5712369" cy="1754326"/>
-          </a:xfrm>
-          <a:prstGeom prst="rect">
-            <a:avLst/>
-          </a:prstGeom>
-          <a:noFill/>
-        </p:spPr>
-        <p:txBody>
-          <a:bodyPr wrap="square" rtlCol="0">
-            <a:spAutoFit/>
-          </a:bodyPr>
-          <a:lstStyle/>
-          <a:p>
-            <a:r>
-              <a:rPr lang="en-US" sz="5400" dirty="0" smtClean="0"/>
-              <a:t>Virtual </a:t>
-            </a:r>
-          </a:p>
-          <a:p>
-            <a:r>
-              <a:rPr lang="en-US" sz="5400" dirty="0" smtClean="0"/>
-              <a:t>Office Hours</a:t>
-            </a:r>
-            <a:endParaRPr lang="en-US" sz="5400" dirty="0"/>
-          </a:p>
-        </p:txBody>
-      </p:sp>
-      <p:sp>
-        <p:nvSpPr>
-          <p:cNvPr id="8" name="TextBox 7"/>
-          <p:cNvSpPr txBox="1"/>
-          <p:nvPr/>
-        </p:nvSpPr>
-        <p:spPr>
-          <a:xfrm>
-            <a:off x="7731444" y="5278932"/>
-            <a:ext cx="2076450" cy="369332"/>
-          </a:xfrm>
-          <a:prstGeom prst="rect">
-            <a:avLst/>
-          </a:prstGeom>
-          <a:noFill/>
-        </p:spPr>
-        <p:txBody>
-          <a:bodyPr wrap="square" rtlCol="0">
-            <a:spAutoFit/>
-          </a:bodyPr>
-          <a:lstStyle/>
-          <a:p>
-            <a:pPr algn="ctr"/>
-            <a:r>
-              <a:rPr lang="en-US" dirty="0" smtClean="0"/>
-              <a:t>March 25, 2020</a:t>
-            </a:r>
-            <a:endParaRPr lang="en-US" dirty="0"/>
-          </a:p>
-        </p:txBody>
-      </p:sp>
-      <p:sp>
-        <p:nvSpPr>
-          <p:cNvPr id="9" name="TextBox 8"/>
-          <p:cNvSpPr txBox="1"/>
-          <p:nvPr/>
-        </p:nvSpPr>
-        <p:spPr>
-          <a:xfrm>
-            <a:off x="2023325" y="2848397"/>
-            <a:ext cx="5005769" cy="1200329"/>
-          </a:xfrm>
-          <a:prstGeom prst="rect">
-            <a:avLst/>
-          </a:prstGeom>
-          <a:noFill/>
-        </p:spPr>
-        <p:txBody>
-          <a:bodyPr wrap="square" rtlCol="0">
-            <a:spAutoFit/>
-          </a:bodyPr>
-          <a:lstStyle/>
-          <a:p>
-            <a:pPr algn="ctr"/>
-            <a:r>
-              <a:rPr lang="en-US" dirty="0" smtClean="0"/>
-              <a:t>HW 13 </a:t>
-            </a:r>
-            <a:endParaRPr lang="en-US" dirty="0"/>
-          </a:p>
-          <a:p>
-            <a:pPr algn="ctr"/>
-            <a:r>
-              <a:rPr lang="en-US" b="1" u="sng" dirty="0" smtClean="0"/>
-              <a:t>Multiple Comparisons: pairwise &amp; linear contrasts</a:t>
-            </a:r>
-          </a:p>
-          <a:p>
-            <a:pPr algn="ctr"/>
-            <a:r>
-              <a:rPr lang="en-US" dirty="0" smtClean="0"/>
-              <a:t>Items # 5 &amp; 6</a:t>
-            </a:r>
-          </a:p>
-          <a:p>
-            <a:pPr algn="ctr"/>
-            <a:endParaRPr lang="en-US" b="1" dirty="0"/>
-          </a:p>
-        </p:txBody>
-      </p:sp>
-      <p:grpSp>
-        <p:nvGrpSpPr>
-          <p:cNvPr id="14" name="Group 13"/>
-          <p:cNvGrpSpPr/>
-          <p:nvPr/>
-        </p:nvGrpSpPr>
-        <p:grpSpPr>
-          <a:xfrm>
-            <a:off x="7198839" y="2137179"/>
-            <a:ext cx="3141660" cy="3193339"/>
-            <a:chOff x="7047391" y="1961976"/>
-            <a:chExt cx="3141660" cy="3193339"/>
-          </a:xfrm>
-        </p:grpSpPr>
-        <p:pic>
-          <p:nvPicPr>
-            <p:cNvPr id="2" name="Picture 1"/>
-            <p:cNvPicPr>
-              <a:picLocks noChangeAspect="1"/>
-            </p:cNvPicPr>
-            <p:nvPr/>
-          </p:nvPicPr>
-          <p:blipFill>
-            <a:blip r:embed="rId2" cstate="print">
-              <a:extLst>
-                <a:ext uri="{28A0092B-C50C-407E-A947-70E740481C1C}">
-                  <a14:useLocalDpi xmlns:a14="http://schemas.microsoft.com/office/drawing/2010/main" val="0"/>
-                </a:ext>
-              </a:extLst>
-            </a:blip>
-            <a:stretch>
-              <a:fillRect/>
-            </a:stretch>
-          </p:blipFill>
-          <p:spPr>
-            <a:xfrm>
-              <a:off x="7047391" y="3320161"/>
-              <a:ext cx="1578867" cy="1828804"/>
-            </a:xfrm>
-            <a:prstGeom prst="rect">
-              <a:avLst/>
-            </a:prstGeom>
-          </p:spPr>
-        </p:pic>
-        <p:pic>
-          <p:nvPicPr>
-            <p:cNvPr id="3" name="Picture 2"/>
-            <p:cNvPicPr>
-              <a:picLocks noChangeAspect="1"/>
-            </p:cNvPicPr>
-            <p:nvPr/>
-          </p:nvPicPr>
-          <p:blipFill>
-            <a:blip r:embed="rId3" cstate="print">
-              <a:extLst>
-                <a:ext uri="{28A0092B-C50C-407E-A947-70E740481C1C}">
-                  <a14:useLocalDpi xmlns:a14="http://schemas.microsoft.com/office/drawing/2010/main" val="0"/>
-                </a:ext>
-              </a:extLst>
-            </a:blip>
-            <a:stretch>
-              <a:fillRect/>
-            </a:stretch>
-          </p:blipFill>
-          <p:spPr>
-            <a:xfrm>
-              <a:off x="7830475" y="1961976"/>
-              <a:ext cx="1578867" cy="1828804"/>
-            </a:xfrm>
-            <a:prstGeom prst="rect">
-              <a:avLst/>
-            </a:prstGeom>
-          </p:spPr>
-        </p:pic>
-        <p:pic>
-          <p:nvPicPr>
-            <p:cNvPr id="11" name="Picture 10"/>
-            <p:cNvPicPr>
-              <a:picLocks noChangeAspect="1"/>
-            </p:cNvPicPr>
-            <p:nvPr/>
-          </p:nvPicPr>
-          <p:blipFill>
-            <a:blip r:embed="rId4" cstate="print">
-              <a:extLst>
-                <a:ext uri="{28A0092B-C50C-407E-A947-70E740481C1C}">
-                  <a14:useLocalDpi xmlns:a14="http://schemas.microsoft.com/office/drawing/2010/main" val="0"/>
-                </a:ext>
-              </a:extLst>
-            </a:blip>
-            <a:stretch>
-              <a:fillRect/>
-            </a:stretch>
-          </p:blipFill>
-          <p:spPr>
-            <a:xfrm>
-              <a:off x="8610184" y="3326511"/>
-              <a:ext cx="1578867" cy="1828804"/>
-            </a:xfrm>
-            <a:prstGeom prst="rect">
-              <a:avLst/>
-            </a:prstGeom>
-          </p:spPr>
-        </p:pic>
-      </p:grpSp>
-      <p:pic>
-        <p:nvPicPr>
-          <p:cNvPr id="12" name="Picture 11"/>
-          <p:cNvPicPr>
-            <a:picLocks noChangeAspect="1"/>
-          </p:cNvPicPr>
-          <p:nvPr/>
-        </p:nvPicPr>
-        <p:blipFill>
-          <a:blip r:embed="rId5" cstate="print">
-            <a:extLst>
-              <a:ext uri="{28A0092B-C50C-407E-A947-70E740481C1C}">
-                <a14:useLocalDpi xmlns:a14="http://schemas.microsoft.com/office/drawing/2010/main" val="0"/>
-              </a:ext>
-            </a:extLst>
-          </a:blip>
-          <a:stretch>
-            <a:fillRect/>
-          </a:stretch>
-        </p:blipFill>
-        <p:spPr>
-          <a:xfrm>
-            <a:off x="2035110" y="1019593"/>
-            <a:ext cx="1578867" cy="1828804"/>
-          </a:xfrm>
-          <a:prstGeom prst="rect">
-            <a:avLst/>
-          </a:prstGeom>
-        </p:spPr>
-      </p:pic>
-      <p:sp>
-        <p:nvSpPr>
-          <p:cNvPr id="13" name="TextBox 12"/>
-          <p:cNvSpPr txBox="1"/>
-          <p:nvPr/>
-        </p:nvSpPr>
-        <p:spPr>
-          <a:xfrm>
-            <a:off x="2023324" y="3965983"/>
-            <a:ext cx="5005769" cy="1200329"/>
-          </a:xfrm>
-          <a:prstGeom prst="rect">
-            <a:avLst/>
-          </a:prstGeom>
-          <a:noFill/>
-        </p:spPr>
-        <p:txBody>
-          <a:bodyPr wrap="square" rtlCol="0">
-            <a:spAutoFit/>
-          </a:bodyPr>
-          <a:lstStyle/>
-          <a:p>
-            <a:pPr algn="ctr"/>
-            <a:r>
-              <a:rPr lang="en-US" dirty="0" smtClean="0"/>
-              <a:t>HW 12 </a:t>
-            </a:r>
-            <a:endParaRPr lang="en-US" dirty="0"/>
-          </a:p>
-          <a:p>
-            <a:pPr algn="ctr"/>
-            <a:r>
-              <a:rPr lang="en-US" b="1" u="sng" dirty="0" smtClean="0"/>
-              <a:t>One-way, independent groups ANOVA</a:t>
-            </a:r>
-          </a:p>
-          <a:p>
-            <a:pPr algn="ctr"/>
-            <a:r>
-              <a:rPr lang="en-US" dirty="0" smtClean="0"/>
-              <a:t>Items with APA methods/results</a:t>
-            </a:r>
-          </a:p>
-          <a:p>
-            <a:pPr algn="ctr"/>
-            <a:endParaRPr lang="en-US" b="1" dirty="0"/>
-          </a:p>
-        </p:txBody>
-      </p:sp>
-      <p:pic>
-        <p:nvPicPr>
-          <p:cNvPr id="5" name="Picture 4"/>
-          <p:cNvPicPr>
-            <a:picLocks noChangeAspect="1"/>
-          </p:cNvPicPr>
-          <p:nvPr/>
-        </p:nvPicPr>
-        <p:blipFill>
-          <a:blip r:embed="rId6"/>
-          <a:stretch>
-            <a:fillRect/>
-          </a:stretch>
-        </p:blipFill>
-        <p:spPr>
-          <a:xfrm>
-            <a:off x="1985351" y="4872564"/>
-            <a:ext cx="1853345" cy="853514"/>
-          </a:xfrm>
-          <a:prstGeom prst="rect">
-            <a:avLst/>
-          </a:prstGeom>
-        </p:spPr>
-      </p:pic>
-    </p:spTree>
-    <p:extLst>
-      <p:ext uri="{BB962C8B-B14F-4D97-AF65-F5344CB8AC3E}">
-        <p14:creationId xmlns:p14="http://schemas.microsoft.com/office/powerpoint/2010/main" val="636154248"/>
       </p:ext>
     </p:extLst>
   </p:cSld>

--- a/static/img/youtube_thumbnails/video_thumbnail_building.pptx
+++ b/static/img/youtube_thumbnails/video_thumbnail_building.pptx
@@ -5,32 +5,36 @@
     <p:sldMasterId id="2147483648" r:id="rId1"/>
   </p:sldMasterIdLst>
   <p:sldIdLst>
-    <p:sldId id="281" r:id="rId2"/>
-    <p:sldId id="280" r:id="rId3"/>
-    <p:sldId id="279" r:id="rId4"/>
-    <p:sldId id="278" r:id="rId5"/>
-    <p:sldId id="277" r:id="rId6"/>
-    <p:sldId id="276" r:id="rId7"/>
-    <p:sldId id="275" r:id="rId8"/>
-    <p:sldId id="273" r:id="rId9"/>
-    <p:sldId id="274" r:id="rId10"/>
-    <p:sldId id="272" r:id="rId11"/>
-    <p:sldId id="271" r:id="rId12"/>
-    <p:sldId id="270" r:id="rId13"/>
-    <p:sldId id="259" r:id="rId14"/>
-    <p:sldId id="261" r:id="rId15"/>
-    <p:sldId id="260" r:id="rId16"/>
-    <p:sldId id="269" r:id="rId17"/>
-    <p:sldId id="268" r:id="rId18"/>
-    <p:sldId id="267" r:id="rId19"/>
-    <p:sldId id="266" r:id="rId20"/>
-    <p:sldId id="265" r:id="rId21"/>
-    <p:sldId id="264" r:id="rId22"/>
-    <p:sldId id="263" r:id="rId23"/>
-    <p:sldId id="262" r:id="rId24"/>
-    <p:sldId id="257" r:id="rId25"/>
-    <p:sldId id="256" r:id="rId26"/>
-    <p:sldId id="258" r:id="rId27"/>
+    <p:sldId id="285" r:id="rId2"/>
+    <p:sldId id="284" r:id="rId3"/>
+    <p:sldId id="283" r:id="rId4"/>
+    <p:sldId id="282" r:id="rId5"/>
+    <p:sldId id="281" r:id="rId6"/>
+    <p:sldId id="280" r:id="rId7"/>
+    <p:sldId id="279" r:id="rId8"/>
+    <p:sldId id="278" r:id="rId9"/>
+    <p:sldId id="277" r:id="rId10"/>
+    <p:sldId id="276" r:id="rId11"/>
+    <p:sldId id="275" r:id="rId12"/>
+    <p:sldId id="273" r:id="rId13"/>
+    <p:sldId id="274" r:id="rId14"/>
+    <p:sldId id="272" r:id="rId15"/>
+    <p:sldId id="271" r:id="rId16"/>
+    <p:sldId id="270" r:id="rId17"/>
+    <p:sldId id="259" r:id="rId18"/>
+    <p:sldId id="261" r:id="rId19"/>
+    <p:sldId id="260" r:id="rId20"/>
+    <p:sldId id="269" r:id="rId21"/>
+    <p:sldId id="268" r:id="rId22"/>
+    <p:sldId id="267" r:id="rId23"/>
+    <p:sldId id="266" r:id="rId24"/>
+    <p:sldId id="265" r:id="rId25"/>
+    <p:sldId id="264" r:id="rId26"/>
+    <p:sldId id="263" r:id="rId27"/>
+    <p:sldId id="262" r:id="rId28"/>
+    <p:sldId id="257" r:id="rId29"/>
+    <p:sldId id="256" r:id="rId30"/>
+    <p:sldId id="258" r:id="rId31"/>
   </p:sldIdLst>
   <p:sldSz cx="12192000" cy="6858000"/>
   <p:notesSz cx="6858000" cy="9144000"/>
@@ -268,7 +272,7 @@
           <a:p>
             <a:fld id="{3C68F153-927F-4ADA-A90F-AFD816292B90}" type="datetimeFigureOut">
               <a:rPr lang="en-US" smtClean="0"/>
-              <a:t>4/7/2020</a:t>
+              <a:t>4/16/2020</a:t>
             </a:fld>
             <a:endParaRPr lang="en-US"/>
           </a:p>
@@ -438,7 +442,7 @@
           <a:p>
             <a:fld id="{3C68F153-927F-4ADA-A90F-AFD816292B90}" type="datetimeFigureOut">
               <a:rPr lang="en-US" smtClean="0"/>
-              <a:t>4/7/2020</a:t>
+              <a:t>4/16/2020</a:t>
             </a:fld>
             <a:endParaRPr lang="en-US"/>
           </a:p>
@@ -618,7 +622,7 @@
           <a:p>
             <a:fld id="{3C68F153-927F-4ADA-A90F-AFD816292B90}" type="datetimeFigureOut">
               <a:rPr lang="en-US" smtClean="0"/>
-              <a:t>4/7/2020</a:t>
+              <a:t>4/16/2020</a:t>
             </a:fld>
             <a:endParaRPr lang="en-US"/>
           </a:p>
@@ -788,7 +792,7 @@
           <a:p>
             <a:fld id="{3C68F153-927F-4ADA-A90F-AFD816292B90}" type="datetimeFigureOut">
               <a:rPr lang="en-US" smtClean="0"/>
-              <a:t>4/7/2020</a:t>
+              <a:t>4/16/2020</a:t>
             </a:fld>
             <a:endParaRPr lang="en-US"/>
           </a:p>
@@ -1034,7 +1038,7 @@
           <a:p>
             <a:fld id="{3C68F153-927F-4ADA-A90F-AFD816292B90}" type="datetimeFigureOut">
               <a:rPr lang="en-US" smtClean="0"/>
-              <a:t>4/7/2020</a:t>
+              <a:t>4/16/2020</a:t>
             </a:fld>
             <a:endParaRPr lang="en-US"/>
           </a:p>
@@ -1266,7 +1270,7 @@
           <a:p>
             <a:fld id="{3C68F153-927F-4ADA-A90F-AFD816292B90}" type="datetimeFigureOut">
               <a:rPr lang="en-US" smtClean="0"/>
-              <a:t>4/7/2020</a:t>
+              <a:t>4/16/2020</a:t>
             </a:fld>
             <a:endParaRPr lang="en-US"/>
           </a:p>
@@ -1633,7 +1637,7 @@
           <a:p>
             <a:fld id="{3C68F153-927F-4ADA-A90F-AFD816292B90}" type="datetimeFigureOut">
               <a:rPr lang="en-US" smtClean="0"/>
-              <a:t>4/7/2020</a:t>
+              <a:t>4/16/2020</a:t>
             </a:fld>
             <a:endParaRPr lang="en-US"/>
           </a:p>
@@ -1751,7 +1755,7 @@
           <a:p>
             <a:fld id="{3C68F153-927F-4ADA-A90F-AFD816292B90}" type="datetimeFigureOut">
               <a:rPr lang="en-US" smtClean="0"/>
-              <a:t>4/7/2020</a:t>
+              <a:t>4/16/2020</a:t>
             </a:fld>
             <a:endParaRPr lang="en-US"/>
           </a:p>
@@ -1846,7 +1850,7 @@
           <a:p>
             <a:fld id="{3C68F153-927F-4ADA-A90F-AFD816292B90}" type="datetimeFigureOut">
               <a:rPr lang="en-US" smtClean="0"/>
-              <a:t>4/7/2020</a:t>
+              <a:t>4/16/2020</a:t>
             </a:fld>
             <a:endParaRPr lang="en-US"/>
           </a:p>
@@ -2123,7 +2127,7 @@
           <a:p>
             <a:fld id="{3C68F153-927F-4ADA-A90F-AFD816292B90}" type="datetimeFigureOut">
               <a:rPr lang="en-US" smtClean="0"/>
-              <a:t>4/7/2020</a:t>
+              <a:t>4/16/2020</a:t>
             </a:fld>
             <a:endParaRPr lang="en-US"/>
           </a:p>
@@ -2376,7 +2380,7 @@
           <a:p>
             <a:fld id="{3C68F153-927F-4ADA-A90F-AFD816292B90}" type="datetimeFigureOut">
               <a:rPr lang="en-US" smtClean="0"/>
-              <a:t>4/7/2020</a:t>
+              <a:t>4/16/2020</a:t>
             </a:fld>
             <a:endParaRPr lang="en-US"/>
           </a:p>
@@ -2589,7 +2593,7 @@
           <a:p>
             <a:fld id="{3C68F153-927F-4ADA-A90F-AFD816292B90}" type="datetimeFigureOut">
               <a:rPr lang="en-US" smtClean="0"/>
-              <a:t>4/7/2020</a:t>
+              <a:t>4/16/2020</a:t>
             </a:fld>
             <a:endParaRPr lang="en-US"/>
           </a:p>
@@ -3002,7 +3006,7 @@
         </p:nvSpPr>
         <p:spPr>
           <a:xfrm>
-            <a:off x="1853580" y="824230"/>
+            <a:off x="1808702" y="824230"/>
             <a:ext cx="8778240" cy="5010912"/>
           </a:xfrm>
           <a:prstGeom prst="rect">
@@ -3048,7 +3052,7 @@
         </p:nvSpPr>
         <p:spPr>
           <a:xfrm>
-            <a:off x="3838696" y="1056832"/>
+            <a:off x="4184694" y="1065121"/>
             <a:ext cx="5712369" cy="1754326"/>
           </a:xfrm>
           <a:prstGeom prst="rect">
@@ -3064,13 +3068,7 @@
           <a:p>
             <a:r>
               <a:rPr lang="en-US" sz="5400" dirty="0" smtClean="0"/>
-              <a:t>Virtual </a:t>
-            </a:r>
-          </a:p>
-          <a:p>
-            <a:r>
-              <a:rPr lang="en-US" sz="5400" dirty="0" smtClean="0"/>
-              <a:t>Office Hours</a:t>
+              <a:t>OUT-OF-CLASS LECTURES</a:t>
             </a:r>
             <a:endParaRPr lang="en-US" sz="5400" dirty="0"/>
           </a:p>
@@ -3105,11 +3103,7 @@
             </a:r>
             <a:r>
               <a:rPr lang="en-US" dirty="0" smtClean="0"/>
-              <a:t>14</a:t>
-            </a:r>
-            <a:r>
-              <a:rPr lang="en-US" dirty="0" smtClean="0"/>
-              <a:t>, </a:t>
+              <a:t>20, </a:t>
             </a:r>
             <a:r>
               <a:rPr lang="en-US" dirty="0" smtClean="0"/>
@@ -3127,7 +3121,7 @@
         </p:nvSpPr>
         <p:spPr>
           <a:xfrm>
-            <a:off x="1985351" y="3033699"/>
+            <a:off x="1946627" y="3432914"/>
             <a:ext cx="5005769" cy="923330"/>
           </a:xfrm>
           <a:prstGeom prst="rect">
@@ -3144,28 +3138,40 @@
             <a:pPr algn="ctr"/>
             <a:r>
               <a:rPr lang="en-US" dirty="0" smtClean="0"/>
-              <a:t>HW </a:t>
+              <a:t>Chapter </a:t>
             </a:r>
             <a:r>
               <a:rPr lang="en-US" dirty="0" smtClean="0"/>
-              <a:t>15 </a:t>
+              <a:t>16</a:t>
             </a:r>
             <a:endParaRPr lang="en-US" dirty="0"/>
           </a:p>
           <a:p>
             <a:pPr algn="ctr"/>
             <a:r>
-              <a:rPr lang="en-US" b="1" u="sng" dirty="0"/>
-              <a:t>1</a:t>
-            </a:r>
-            <a:r>
               <a:rPr lang="en-US" b="1" u="sng" dirty="0" smtClean="0"/>
-              <a:t>-way RM ANOVAs</a:t>
-            </a:r>
-          </a:p>
-          <a:p>
-            <a:pPr algn="ctr"/>
-            <a:endParaRPr lang="en-US" dirty="0" smtClean="0"/>
+              <a:t>Mixed </a:t>
+            </a:r>
+            <a:r>
+              <a:rPr lang="en-US" b="1" u="sng" dirty="0" err="1" smtClean="0"/>
+              <a:t>Deisgn</a:t>
+            </a:r>
+            <a:r>
+              <a:rPr lang="en-US" b="1" u="sng" dirty="0" smtClean="0"/>
+              <a:t> </a:t>
+            </a:r>
+            <a:r>
+              <a:rPr lang="en-US" b="1" u="sng" dirty="0" smtClean="0"/>
+              <a:t>ANOVA</a:t>
+            </a:r>
+            <a:endParaRPr lang="en-US" b="1" u="sng" dirty="0"/>
+          </a:p>
+          <a:p>
+            <a:pPr algn="ctr"/>
+            <a:r>
+              <a:rPr lang="en-US" i="1" dirty="0" smtClean="0"/>
+              <a:t>Very short lecture</a:t>
+            </a:r>
           </a:p>
         </p:txBody>
       </p:sp>
@@ -3306,38 +3312,55 @@
       </p:pic>
       <p:pic>
         <p:nvPicPr>
-          <p:cNvPr id="5" name="Picture 4"/>
+          <p:cNvPr id="1026" name="Picture 2" descr="Image result for virus"/>
           <p:cNvPicPr>
-            <a:picLocks noChangeAspect="1"/>
+            <a:picLocks noChangeAspect="1" noChangeArrowheads="1"/>
           </p:cNvPicPr>
           <p:nvPr/>
         </p:nvPicPr>
         <p:blipFill>
-          <a:blip r:embed="rId6"/>
+          <a:blip r:embed="rId6" cstate="print">
+            <a:extLst>
+              <a:ext uri="{28A0092B-C50C-407E-A947-70E740481C1C}">
+                <a14:useLocalDpi xmlns:a14="http://schemas.microsoft.com/office/drawing/2010/main" val="0"/>
+              </a:ext>
+            </a:extLst>
+          </a:blip>
+          <a:srcRect/>
           <a:stretch>
             <a:fillRect/>
           </a:stretch>
         </p:blipFill>
-        <p:spPr>
-          <a:xfrm>
-            <a:off x="1985351" y="4872564"/>
-            <a:ext cx="1853345" cy="853514"/>
-          </a:xfrm>
-          <a:prstGeom prst="rect">
-            <a:avLst/>
-          </a:prstGeom>
+        <p:spPr bwMode="auto">
+          <a:xfrm>
+            <a:off x="1908176" y="4866721"/>
+            <a:ext cx="825034" cy="824421"/>
+          </a:xfrm>
+          <a:prstGeom prst="rect">
+            <a:avLst/>
+          </a:prstGeom>
+          <a:noFill/>
+          <a:extLst>
+            <a:ext uri="{909E8E84-426E-40DD-AFC4-6F175D3DCCD1}">
+              <a14:hiddenFill xmlns:a14="http://schemas.microsoft.com/office/drawing/2010/main">
+                <a:solidFill>
+                  <a:srgbClr val="FFFFFF"/>
+                </a:solidFill>
+              </a14:hiddenFill>
+            </a:ext>
+          </a:extLst>
         </p:spPr>
       </p:pic>
       <p:sp>
         <p:nvSpPr>
-          <p:cNvPr id="17" name="TextBox 16"/>
+          <p:cNvPr id="13" name="TextBox 12"/>
           <p:cNvSpPr txBox="1"/>
           <p:nvPr/>
         </p:nvSpPr>
         <p:spPr>
           <a:xfrm>
-            <a:off x="2735076" y="4097297"/>
-            <a:ext cx="5005769" cy="923330"/>
+            <a:off x="2524444" y="5254195"/>
+            <a:ext cx="1238954" cy="369332"/>
           </a:xfrm>
           <a:prstGeom prst="rect">
             <a:avLst/>
@@ -3352,36 +3375,29 @@
           <a:p>
             <a:pPr algn="ctr"/>
             <a:r>
-              <a:rPr lang="en-US" dirty="0" smtClean="0"/>
-              <a:t>HW </a:t>
-            </a:r>
-            <a:r>
-              <a:rPr lang="en-US" dirty="0" smtClean="0"/>
-              <a:t>16</a:t>
-            </a:r>
-            <a:endParaRPr lang="en-US" dirty="0"/>
-          </a:p>
-          <a:p>
-            <a:pPr algn="ctr"/>
-            <a:r>
-              <a:rPr lang="en-US" b="1" u="sng" dirty="0" smtClean="0"/>
-              <a:t>Mixed </a:t>
-            </a:r>
-            <a:r>
-              <a:rPr lang="en-US" b="1" u="sng" dirty="0" smtClean="0"/>
-              <a:t>ANOVAs</a:t>
-            </a:r>
-          </a:p>
-          <a:p>
-            <a:pPr algn="ctr"/>
-            <a:endParaRPr lang="en-US" dirty="0" smtClean="0"/>
+              <a:rPr lang="en-US" b="1" dirty="0" smtClean="0">
+                <a:solidFill>
+                  <a:schemeClr val="accent1">
+                    <a:lumMod val="75000"/>
+                  </a:schemeClr>
+                </a:solidFill>
+              </a:rPr>
+              <a:t>Covid-19</a:t>
+            </a:r>
+            <a:endParaRPr lang="en-US" b="1" dirty="0">
+              <a:solidFill>
+                <a:schemeClr val="accent1">
+                  <a:lumMod val="75000"/>
+                </a:schemeClr>
+              </a:solidFill>
+            </a:endParaRPr>
           </a:p>
         </p:txBody>
       </p:sp>
     </p:spTree>
     <p:extLst>
       <p:ext uri="{BB962C8B-B14F-4D97-AF65-F5344CB8AC3E}">
-        <p14:creationId xmlns:p14="http://schemas.microsoft.com/office/powerpoint/2010/main" val="2620031016"/>
+        <p14:creationId xmlns:p14="http://schemas.microsoft.com/office/powerpoint/2010/main" val="2783809321"/>
       </p:ext>
     </p:extLst>
   </p:cSld>
@@ -3515,7 +3531,7 @@
             <a:pPr algn="ctr"/>
             <a:r>
               <a:rPr lang="en-US" dirty="0" smtClean="0"/>
-              <a:t>March 25, 2020</a:t>
+              <a:t>April 2, 2020</a:t>
             </a:r>
             <a:endParaRPr lang="en-US" dirty="0"/>
           </a:p>
@@ -3529,8 +3545,8 @@
         </p:nvSpPr>
         <p:spPr>
           <a:xfrm>
-            <a:off x="2023325" y="2848397"/>
-            <a:ext cx="5005769" cy="1200329"/>
+            <a:off x="3133161" y="2743036"/>
+            <a:ext cx="5005769" cy="923330"/>
           </a:xfrm>
           <a:prstGeom prst="rect">
             <a:avLst/>
@@ -3546,7 +3562,7 @@
             <a:pPr algn="ctr"/>
             <a:r>
               <a:rPr lang="en-US" dirty="0" smtClean="0"/>
-              <a:t>HW 13 </a:t>
+              <a:t>HW 14 </a:t>
             </a:r>
             <a:endParaRPr lang="en-US" dirty="0"/>
           </a:p>
@@ -3554,19 +3570,15 @@
             <a:pPr algn="ctr"/>
             <a:r>
               <a:rPr lang="en-US" b="1" u="sng" dirty="0" smtClean="0"/>
-              <a:t>Multiple Comparisons: pairwise &amp; linear contrasts</a:t>
+              <a:t>2-way Factorial ANOVAs</a:t>
             </a:r>
           </a:p>
           <a:p>
             <a:pPr algn="ctr"/>
             <a:r>
               <a:rPr lang="en-US" dirty="0" smtClean="0"/>
-              <a:t>Items # 5 &amp; 6</a:t>
-            </a:r>
-          </a:p>
-          <a:p>
-            <a:pPr algn="ctr"/>
-            <a:endParaRPr lang="en-US" b="1" dirty="0"/>
+              <a:t>Items # 2, 3, &amp; 5</a:t>
+            </a:r>
           </a:p>
         </p:txBody>
       </p:sp>
@@ -3705,6 +3717,1762 @@
           </a:prstGeom>
         </p:spPr>
       </p:pic>
+      <p:pic>
+        <p:nvPicPr>
+          <p:cNvPr id="5" name="Picture 4"/>
+          <p:cNvPicPr>
+            <a:picLocks noChangeAspect="1"/>
+          </p:cNvPicPr>
+          <p:nvPr/>
+        </p:nvPicPr>
+        <p:blipFill>
+          <a:blip r:embed="rId6"/>
+          <a:stretch>
+            <a:fillRect/>
+          </a:stretch>
+        </p:blipFill>
+        <p:spPr>
+          <a:xfrm>
+            <a:off x="1985351" y="4872564"/>
+            <a:ext cx="1853345" cy="853514"/>
+          </a:xfrm>
+          <a:prstGeom prst="rect">
+            <a:avLst/>
+          </a:prstGeom>
+        </p:spPr>
+      </p:pic>
+      <p:sp>
+        <p:nvSpPr>
+          <p:cNvPr id="6" name="TextBox 5"/>
+          <p:cNvSpPr txBox="1"/>
+          <p:nvPr/>
+        </p:nvSpPr>
+        <p:spPr>
+          <a:xfrm>
+            <a:off x="2163479" y="3316893"/>
+            <a:ext cx="1952216" cy="646331"/>
+          </a:xfrm>
+          <a:prstGeom prst="rect">
+            <a:avLst/>
+          </a:prstGeom>
+          <a:noFill/>
+        </p:spPr>
+        <p:txBody>
+          <a:bodyPr wrap="square" rtlCol="0">
+            <a:spAutoFit/>
+          </a:bodyPr>
+          <a:lstStyle/>
+          <a:p>
+            <a:pPr algn="ctr"/>
+            <a:r>
+              <a:rPr lang="en-US" u="sng" dirty="0" smtClean="0"/>
+              <a:t>Factorial ANOVA</a:t>
+            </a:r>
+          </a:p>
+          <a:p>
+            <a:pPr algn="ctr"/>
+            <a:r>
+              <a:rPr lang="en-US" dirty="0" smtClean="0"/>
+              <a:t>Omnibus F-tests</a:t>
+            </a:r>
+            <a:endParaRPr lang="en-US" dirty="0"/>
+          </a:p>
+        </p:txBody>
+      </p:sp>
+      <p:sp>
+        <p:nvSpPr>
+          <p:cNvPr id="15" name="TextBox 14"/>
+          <p:cNvSpPr txBox="1"/>
+          <p:nvPr/>
+        </p:nvSpPr>
+        <p:spPr>
+          <a:xfrm>
+            <a:off x="3473229" y="3827424"/>
+            <a:ext cx="2184037" cy="923330"/>
+          </a:xfrm>
+          <a:prstGeom prst="rect">
+            <a:avLst/>
+          </a:prstGeom>
+          <a:noFill/>
+        </p:spPr>
+        <p:txBody>
+          <a:bodyPr wrap="square" rtlCol="0">
+            <a:spAutoFit/>
+          </a:bodyPr>
+          <a:lstStyle/>
+          <a:p>
+            <a:pPr algn="ctr"/>
+            <a:r>
+              <a:rPr lang="en-US" u="sng" dirty="0" smtClean="0"/>
+              <a:t>Interactions</a:t>
+            </a:r>
+          </a:p>
+          <a:p>
+            <a:pPr algn="ctr"/>
+            <a:r>
+              <a:rPr lang="en-US" dirty="0" smtClean="0"/>
+              <a:t>2-way means plots</a:t>
+            </a:r>
+          </a:p>
+          <a:p>
+            <a:pPr algn="ctr"/>
+            <a:r>
+              <a:rPr lang="en-US" dirty="0" smtClean="0"/>
+              <a:t>Interaction contrasts</a:t>
+            </a:r>
+            <a:endParaRPr lang="en-US" dirty="0"/>
+          </a:p>
+        </p:txBody>
+      </p:sp>
+      <p:sp>
+        <p:nvSpPr>
+          <p:cNvPr id="16" name="TextBox 15"/>
+          <p:cNvSpPr txBox="1"/>
+          <p:nvPr/>
+        </p:nvSpPr>
+        <p:spPr>
+          <a:xfrm>
+            <a:off x="4851703" y="4576843"/>
+            <a:ext cx="2667658" cy="1200329"/>
+          </a:xfrm>
+          <a:prstGeom prst="rect">
+            <a:avLst/>
+          </a:prstGeom>
+          <a:noFill/>
+        </p:spPr>
+        <p:txBody>
+          <a:bodyPr wrap="square" rtlCol="0">
+            <a:spAutoFit/>
+          </a:bodyPr>
+          <a:lstStyle/>
+          <a:p>
+            <a:pPr algn="ctr"/>
+            <a:r>
+              <a:rPr lang="en-US" u="sng" dirty="0" smtClean="0"/>
+              <a:t>Main Effects</a:t>
+            </a:r>
+          </a:p>
+          <a:p>
+            <a:pPr algn="ctr"/>
+            <a:r>
+              <a:rPr lang="en-US" dirty="0" smtClean="0"/>
+              <a:t>1-way means table</a:t>
+            </a:r>
+          </a:p>
+          <a:p>
+            <a:pPr algn="ctr"/>
+            <a:r>
+              <a:rPr lang="en-US" dirty="0" smtClean="0"/>
+              <a:t>1-way means plot</a:t>
+            </a:r>
+          </a:p>
+          <a:p>
+            <a:pPr algn="ctr"/>
+            <a:r>
+              <a:rPr lang="en-US" dirty="0" smtClean="0"/>
+              <a:t>Pairwise post hoc t-tests</a:t>
+            </a:r>
+            <a:endParaRPr lang="en-US" dirty="0"/>
+          </a:p>
+        </p:txBody>
+      </p:sp>
+    </p:spTree>
+    <p:extLst>
+      <p:ext uri="{BB962C8B-B14F-4D97-AF65-F5344CB8AC3E}">
+        <p14:creationId xmlns:p14="http://schemas.microsoft.com/office/powerpoint/2010/main" val="3811887098"/>
+      </p:ext>
+    </p:extLst>
+  </p:cSld>
+  <p:clrMapOvr>
+    <a:masterClrMapping/>
+  </p:clrMapOvr>
+</p:sld>
+</file>
+
+<file path=ppt/slides/slide11.xml><?xml version="1.0" encoding="utf-8"?>
+<p:sld xmlns:a="http://schemas.openxmlformats.org/drawingml/2006/main" xmlns:r="http://schemas.openxmlformats.org/officeDocument/2006/relationships" xmlns:p="http://schemas.openxmlformats.org/presentationml/2006/main">
+  <p:cSld>
+    <p:spTree>
+      <p:nvGrpSpPr>
+        <p:cNvPr id="1" name=""/>
+        <p:cNvGrpSpPr/>
+        <p:nvPr/>
+      </p:nvGrpSpPr>
+      <p:grpSpPr>
+        <a:xfrm>
+          <a:off x="0" y="0"/>
+          <a:ext cx="0" cy="0"/>
+          <a:chOff x="0" y="0"/>
+          <a:chExt cx="0" cy="0"/>
+        </a:xfrm>
+      </p:grpSpPr>
+      <p:sp>
+        <p:nvSpPr>
+          <p:cNvPr id="4" name="Rectangle 3"/>
+          <p:cNvSpPr/>
+          <p:nvPr/>
+        </p:nvSpPr>
+        <p:spPr>
+          <a:xfrm>
+            <a:off x="1808702" y="824230"/>
+            <a:ext cx="8778240" cy="5010912"/>
+          </a:xfrm>
+          <a:prstGeom prst="rect">
+            <a:avLst/>
+          </a:prstGeom>
+          <a:solidFill>
+            <a:schemeClr val="bg1">
+              <a:lumMod val="95000"/>
+            </a:schemeClr>
+          </a:solidFill>
+          <a:ln w="38100"/>
+        </p:spPr>
+        <p:style>
+          <a:lnRef idx="2">
+            <a:schemeClr val="accent1">
+              <a:shade val="50000"/>
+            </a:schemeClr>
+          </a:lnRef>
+          <a:fillRef idx="1">
+            <a:schemeClr val="accent1"/>
+          </a:fillRef>
+          <a:effectRef idx="0">
+            <a:schemeClr val="accent1"/>
+          </a:effectRef>
+          <a:fontRef idx="minor">
+            <a:schemeClr val="lt1"/>
+          </a:fontRef>
+        </p:style>
+        <p:txBody>
+          <a:bodyPr rtlCol="0" anchor="ctr"/>
+          <a:lstStyle/>
+          <a:p>
+            <a:pPr algn="ctr"/>
+            <a:endParaRPr lang="en-US"/>
+          </a:p>
+        </p:txBody>
+      </p:sp>
+      <p:sp>
+        <p:nvSpPr>
+          <p:cNvPr id="7" name="TextBox 6"/>
+          <p:cNvSpPr txBox="1"/>
+          <p:nvPr/>
+        </p:nvSpPr>
+        <p:spPr>
+          <a:xfrm>
+            <a:off x="4003824" y="1483154"/>
+            <a:ext cx="5712369" cy="1754326"/>
+          </a:xfrm>
+          <a:prstGeom prst="rect">
+            <a:avLst/>
+          </a:prstGeom>
+          <a:noFill/>
+        </p:spPr>
+        <p:txBody>
+          <a:bodyPr wrap="square" rtlCol="0">
+            <a:spAutoFit/>
+          </a:bodyPr>
+          <a:lstStyle/>
+          <a:p>
+            <a:r>
+              <a:rPr lang="en-US" sz="5400" dirty="0" smtClean="0"/>
+              <a:t>HOMEWORK</a:t>
+            </a:r>
+          </a:p>
+          <a:p>
+            <a:r>
+              <a:rPr lang="en-US" sz="5400" dirty="0" smtClean="0"/>
+              <a:t>HELP</a:t>
+            </a:r>
+            <a:endParaRPr lang="en-US" sz="5400" dirty="0"/>
+          </a:p>
+        </p:txBody>
+      </p:sp>
+      <p:sp>
+        <p:nvSpPr>
+          <p:cNvPr id="8" name="TextBox 7"/>
+          <p:cNvSpPr txBox="1"/>
+          <p:nvPr/>
+        </p:nvSpPr>
+        <p:spPr>
+          <a:xfrm>
+            <a:off x="7731444" y="5278932"/>
+            <a:ext cx="2076450" cy="369332"/>
+          </a:xfrm>
+          <a:prstGeom prst="rect">
+            <a:avLst/>
+          </a:prstGeom>
+          <a:noFill/>
+        </p:spPr>
+        <p:txBody>
+          <a:bodyPr wrap="square" rtlCol="0">
+            <a:spAutoFit/>
+          </a:bodyPr>
+          <a:lstStyle/>
+          <a:p>
+            <a:pPr algn="ctr"/>
+            <a:r>
+              <a:rPr lang="en-US" dirty="0" smtClean="0"/>
+              <a:t>April. 1, 2020</a:t>
+            </a:r>
+            <a:endParaRPr lang="en-US" dirty="0"/>
+          </a:p>
+        </p:txBody>
+      </p:sp>
+      <p:sp>
+        <p:nvSpPr>
+          <p:cNvPr id="9" name="TextBox 8"/>
+          <p:cNvSpPr txBox="1"/>
+          <p:nvPr/>
+        </p:nvSpPr>
+        <p:spPr>
+          <a:xfrm>
+            <a:off x="2105405" y="3257394"/>
+            <a:ext cx="5005769" cy="1477328"/>
+          </a:xfrm>
+          <a:prstGeom prst="rect">
+            <a:avLst/>
+          </a:prstGeom>
+          <a:noFill/>
+        </p:spPr>
+        <p:txBody>
+          <a:bodyPr wrap="square" rtlCol="0">
+            <a:spAutoFit/>
+          </a:bodyPr>
+          <a:lstStyle/>
+          <a:p>
+            <a:pPr algn="ctr"/>
+            <a:r>
+              <a:rPr lang="en-US" dirty="0" smtClean="0"/>
+              <a:t>Chapter 14</a:t>
+            </a:r>
+            <a:endParaRPr lang="en-US" dirty="0"/>
+          </a:p>
+          <a:p>
+            <a:pPr algn="ctr"/>
+            <a:r>
+              <a:rPr lang="en-US" b="1" u="sng" dirty="0" smtClean="0"/>
+              <a:t>2-way Factorial ANOVA</a:t>
+            </a:r>
+          </a:p>
+          <a:p>
+            <a:pPr algn="ctr"/>
+            <a:r>
+              <a:rPr lang="en-US" b="1" dirty="0" smtClean="0"/>
+              <a:t>14A #6: MS and F formulas </a:t>
+            </a:r>
+          </a:p>
+          <a:p>
+            <a:pPr algn="ctr"/>
+            <a:r>
+              <a:rPr lang="en-US" b="1" dirty="0" smtClean="0"/>
+              <a:t>Based on a means table</a:t>
+            </a:r>
+          </a:p>
+          <a:p>
+            <a:pPr algn="ctr"/>
+            <a:endParaRPr lang="en-US" b="1" dirty="0"/>
+          </a:p>
+        </p:txBody>
+      </p:sp>
+      <p:grpSp>
+        <p:nvGrpSpPr>
+          <p:cNvPr id="14" name="Group 13"/>
+          <p:cNvGrpSpPr/>
+          <p:nvPr/>
+        </p:nvGrpSpPr>
+        <p:grpSpPr>
+          <a:xfrm>
+            <a:off x="7198839" y="2137179"/>
+            <a:ext cx="3141660" cy="3193339"/>
+            <a:chOff x="7047391" y="1961976"/>
+            <a:chExt cx="3141660" cy="3193339"/>
+          </a:xfrm>
+        </p:grpSpPr>
+        <p:pic>
+          <p:nvPicPr>
+            <p:cNvPr id="2" name="Picture 1"/>
+            <p:cNvPicPr>
+              <a:picLocks noChangeAspect="1"/>
+            </p:cNvPicPr>
+            <p:nvPr/>
+          </p:nvPicPr>
+          <p:blipFill>
+            <a:blip r:embed="rId2" cstate="print">
+              <a:extLst>
+                <a:ext uri="{28A0092B-C50C-407E-A947-70E740481C1C}">
+                  <a14:useLocalDpi xmlns:a14="http://schemas.microsoft.com/office/drawing/2010/main" val="0"/>
+                </a:ext>
+              </a:extLst>
+            </a:blip>
+            <a:stretch>
+              <a:fillRect/>
+            </a:stretch>
+          </p:blipFill>
+          <p:spPr>
+            <a:xfrm>
+              <a:off x="7047391" y="3320161"/>
+              <a:ext cx="1578867" cy="1828804"/>
+            </a:xfrm>
+            <a:prstGeom prst="rect">
+              <a:avLst/>
+            </a:prstGeom>
+          </p:spPr>
+        </p:pic>
+        <p:pic>
+          <p:nvPicPr>
+            <p:cNvPr id="3" name="Picture 2"/>
+            <p:cNvPicPr>
+              <a:picLocks noChangeAspect="1"/>
+            </p:cNvPicPr>
+            <p:nvPr/>
+          </p:nvPicPr>
+          <p:blipFill>
+            <a:blip r:embed="rId3" cstate="print">
+              <a:extLst>
+                <a:ext uri="{28A0092B-C50C-407E-A947-70E740481C1C}">
+                  <a14:useLocalDpi xmlns:a14="http://schemas.microsoft.com/office/drawing/2010/main" val="0"/>
+                </a:ext>
+              </a:extLst>
+            </a:blip>
+            <a:stretch>
+              <a:fillRect/>
+            </a:stretch>
+          </p:blipFill>
+          <p:spPr>
+            <a:xfrm>
+              <a:off x="7830475" y="1961976"/>
+              <a:ext cx="1578867" cy="1828804"/>
+            </a:xfrm>
+            <a:prstGeom prst="rect">
+              <a:avLst/>
+            </a:prstGeom>
+          </p:spPr>
+        </p:pic>
+        <p:pic>
+          <p:nvPicPr>
+            <p:cNvPr id="11" name="Picture 10"/>
+            <p:cNvPicPr>
+              <a:picLocks noChangeAspect="1"/>
+            </p:cNvPicPr>
+            <p:nvPr/>
+          </p:nvPicPr>
+          <p:blipFill>
+            <a:blip r:embed="rId4" cstate="print">
+              <a:extLst>
+                <a:ext uri="{28A0092B-C50C-407E-A947-70E740481C1C}">
+                  <a14:useLocalDpi xmlns:a14="http://schemas.microsoft.com/office/drawing/2010/main" val="0"/>
+                </a:ext>
+              </a:extLst>
+            </a:blip>
+            <a:stretch>
+              <a:fillRect/>
+            </a:stretch>
+          </p:blipFill>
+          <p:spPr>
+            <a:xfrm>
+              <a:off x="8610184" y="3326511"/>
+              <a:ext cx="1578867" cy="1828804"/>
+            </a:xfrm>
+            <a:prstGeom prst="rect">
+              <a:avLst/>
+            </a:prstGeom>
+          </p:spPr>
+        </p:pic>
+      </p:grpSp>
+      <p:pic>
+        <p:nvPicPr>
+          <p:cNvPr id="12" name="Picture 11"/>
+          <p:cNvPicPr>
+            <a:picLocks noChangeAspect="1"/>
+          </p:cNvPicPr>
+          <p:nvPr/>
+        </p:nvPicPr>
+        <p:blipFill>
+          <a:blip r:embed="rId5" cstate="print">
+            <a:extLst>
+              <a:ext uri="{28A0092B-C50C-407E-A947-70E740481C1C}">
+                <a14:useLocalDpi xmlns:a14="http://schemas.microsoft.com/office/drawing/2010/main" val="0"/>
+              </a:ext>
+            </a:extLst>
+          </a:blip>
+          <a:stretch>
+            <a:fillRect/>
+          </a:stretch>
+        </p:blipFill>
+        <p:spPr>
+          <a:xfrm>
+            <a:off x="2035110" y="1019593"/>
+            <a:ext cx="1578867" cy="1828804"/>
+          </a:xfrm>
+          <a:prstGeom prst="rect">
+            <a:avLst/>
+          </a:prstGeom>
+        </p:spPr>
+      </p:pic>
+      <p:grpSp>
+        <p:nvGrpSpPr>
+          <p:cNvPr id="13" name="Group 12"/>
+          <p:cNvGrpSpPr/>
+          <p:nvPr/>
+        </p:nvGrpSpPr>
+        <p:grpSpPr>
+          <a:xfrm>
+            <a:off x="1908176" y="4866721"/>
+            <a:ext cx="1855222" cy="824421"/>
+            <a:chOff x="1908176" y="4866721"/>
+            <a:chExt cx="1855222" cy="824421"/>
+          </a:xfrm>
+        </p:grpSpPr>
+        <p:pic>
+          <p:nvPicPr>
+            <p:cNvPr id="15" name="Picture 2" descr="Image result for virus"/>
+            <p:cNvPicPr>
+              <a:picLocks noChangeAspect="1" noChangeArrowheads="1"/>
+            </p:cNvPicPr>
+            <p:nvPr/>
+          </p:nvPicPr>
+          <p:blipFill>
+            <a:blip r:embed="rId6" cstate="print">
+              <a:extLst>
+                <a:ext uri="{28A0092B-C50C-407E-A947-70E740481C1C}">
+                  <a14:useLocalDpi xmlns:a14="http://schemas.microsoft.com/office/drawing/2010/main" val="0"/>
+                </a:ext>
+              </a:extLst>
+            </a:blip>
+            <a:srcRect/>
+            <a:stretch>
+              <a:fillRect/>
+            </a:stretch>
+          </p:blipFill>
+          <p:spPr bwMode="auto">
+            <a:xfrm>
+              <a:off x="1908176" y="4866721"/>
+              <a:ext cx="825034" cy="824421"/>
+            </a:xfrm>
+            <a:prstGeom prst="rect">
+              <a:avLst/>
+            </a:prstGeom>
+            <a:noFill/>
+            <a:extLst>
+              <a:ext uri="{909E8E84-426E-40DD-AFC4-6F175D3DCCD1}">
+                <a14:hiddenFill xmlns:a14="http://schemas.microsoft.com/office/drawing/2010/main">
+                  <a:solidFill>
+                    <a:srgbClr val="FFFFFF"/>
+                  </a:solidFill>
+                </a14:hiddenFill>
+              </a:ext>
+            </a:extLst>
+          </p:spPr>
+        </p:pic>
+        <p:sp>
+          <p:nvSpPr>
+            <p:cNvPr id="16" name="TextBox 15"/>
+            <p:cNvSpPr txBox="1"/>
+            <p:nvPr/>
+          </p:nvSpPr>
+          <p:spPr>
+            <a:xfrm>
+              <a:off x="2524444" y="5254195"/>
+              <a:ext cx="1238954" cy="369332"/>
+            </a:xfrm>
+            <a:prstGeom prst="rect">
+              <a:avLst/>
+            </a:prstGeom>
+            <a:noFill/>
+          </p:spPr>
+          <p:txBody>
+            <a:bodyPr wrap="square" rtlCol="0">
+              <a:spAutoFit/>
+            </a:bodyPr>
+            <a:lstStyle/>
+            <a:p>
+              <a:pPr algn="ctr"/>
+              <a:r>
+                <a:rPr lang="en-US" b="1" dirty="0" smtClean="0">
+                  <a:solidFill>
+                    <a:schemeClr val="accent1">
+                      <a:lumMod val="75000"/>
+                    </a:schemeClr>
+                  </a:solidFill>
+                </a:rPr>
+                <a:t>Covid-19</a:t>
+              </a:r>
+              <a:endParaRPr lang="en-US" b="1" dirty="0">
+                <a:solidFill>
+                  <a:schemeClr val="accent1">
+                    <a:lumMod val="75000"/>
+                  </a:schemeClr>
+                </a:solidFill>
+              </a:endParaRPr>
+            </a:p>
+          </p:txBody>
+        </p:sp>
+      </p:grpSp>
+    </p:spTree>
+    <p:extLst>
+      <p:ext uri="{BB962C8B-B14F-4D97-AF65-F5344CB8AC3E}">
+        <p14:creationId xmlns:p14="http://schemas.microsoft.com/office/powerpoint/2010/main" val="969755914"/>
+      </p:ext>
+    </p:extLst>
+  </p:cSld>
+  <p:clrMapOvr>
+    <a:masterClrMapping/>
+  </p:clrMapOvr>
+</p:sld>
+</file>
+
+<file path=ppt/slides/slide12.xml><?xml version="1.0" encoding="utf-8"?>
+<p:sld xmlns:a="http://schemas.openxmlformats.org/drawingml/2006/main" xmlns:r="http://schemas.openxmlformats.org/officeDocument/2006/relationships" xmlns:p="http://schemas.openxmlformats.org/presentationml/2006/main">
+  <p:cSld>
+    <p:spTree>
+      <p:nvGrpSpPr>
+        <p:cNvPr id="1" name=""/>
+        <p:cNvGrpSpPr/>
+        <p:nvPr/>
+      </p:nvGrpSpPr>
+      <p:grpSpPr>
+        <a:xfrm>
+          <a:off x="0" y="0"/>
+          <a:ext cx="0" cy="0"/>
+          <a:chOff x="0" y="0"/>
+          <a:chExt cx="0" cy="0"/>
+        </a:xfrm>
+      </p:grpSpPr>
+      <p:sp>
+        <p:nvSpPr>
+          <p:cNvPr id="4" name="Rectangle 3"/>
+          <p:cNvSpPr/>
+          <p:nvPr/>
+        </p:nvSpPr>
+        <p:spPr>
+          <a:xfrm>
+            <a:off x="1808702" y="824230"/>
+            <a:ext cx="8778240" cy="5010912"/>
+          </a:xfrm>
+          <a:prstGeom prst="rect">
+            <a:avLst/>
+          </a:prstGeom>
+          <a:solidFill>
+            <a:schemeClr val="bg1">
+              <a:lumMod val="95000"/>
+            </a:schemeClr>
+          </a:solidFill>
+          <a:ln w="38100"/>
+        </p:spPr>
+        <p:style>
+          <a:lnRef idx="2">
+            <a:schemeClr val="accent1">
+              <a:shade val="50000"/>
+            </a:schemeClr>
+          </a:lnRef>
+          <a:fillRef idx="1">
+            <a:schemeClr val="accent1"/>
+          </a:fillRef>
+          <a:effectRef idx="0">
+            <a:schemeClr val="accent1"/>
+          </a:effectRef>
+          <a:fontRef idx="minor">
+            <a:schemeClr val="lt1"/>
+          </a:fontRef>
+        </p:style>
+        <p:txBody>
+          <a:bodyPr rtlCol="0" anchor="ctr"/>
+          <a:lstStyle/>
+          <a:p>
+            <a:pPr algn="ctr"/>
+            <a:endParaRPr lang="en-US"/>
+          </a:p>
+        </p:txBody>
+      </p:sp>
+      <p:sp>
+        <p:nvSpPr>
+          <p:cNvPr id="7" name="TextBox 6"/>
+          <p:cNvSpPr txBox="1"/>
+          <p:nvPr/>
+        </p:nvSpPr>
+        <p:spPr>
+          <a:xfrm>
+            <a:off x="4184694" y="1065121"/>
+            <a:ext cx="5712369" cy="1754326"/>
+          </a:xfrm>
+          <a:prstGeom prst="rect">
+            <a:avLst/>
+          </a:prstGeom>
+          <a:noFill/>
+        </p:spPr>
+        <p:txBody>
+          <a:bodyPr wrap="square" rtlCol="0">
+            <a:spAutoFit/>
+          </a:bodyPr>
+          <a:lstStyle/>
+          <a:p>
+            <a:r>
+              <a:rPr lang="en-US" sz="5400" dirty="0" smtClean="0"/>
+              <a:t>OUT-OF-CLASS LECTURES</a:t>
+            </a:r>
+            <a:endParaRPr lang="en-US" sz="5400" dirty="0"/>
+          </a:p>
+        </p:txBody>
+      </p:sp>
+      <p:sp>
+        <p:nvSpPr>
+          <p:cNvPr id="8" name="TextBox 7"/>
+          <p:cNvSpPr txBox="1"/>
+          <p:nvPr/>
+        </p:nvSpPr>
+        <p:spPr>
+          <a:xfrm>
+            <a:off x="7731444" y="5278932"/>
+            <a:ext cx="2076450" cy="369332"/>
+          </a:xfrm>
+          <a:prstGeom prst="rect">
+            <a:avLst/>
+          </a:prstGeom>
+          <a:noFill/>
+        </p:spPr>
+        <p:txBody>
+          <a:bodyPr wrap="square" rtlCol="0">
+            <a:spAutoFit/>
+          </a:bodyPr>
+          <a:lstStyle/>
+          <a:p>
+            <a:pPr algn="ctr"/>
+            <a:r>
+              <a:rPr lang="en-US" dirty="0" smtClean="0"/>
+              <a:t>March 31, 2020</a:t>
+            </a:r>
+            <a:endParaRPr lang="en-US" dirty="0"/>
+          </a:p>
+        </p:txBody>
+      </p:sp>
+      <p:sp>
+        <p:nvSpPr>
+          <p:cNvPr id="9" name="TextBox 8"/>
+          <p:cNvSpPr txBox="1"/>
+          <p:nvPr/>
+        </p:nvSpPr>
+        <p:spPr>
+          <a:xfrm>
+            <a:off x="2035110" y="3043759"/>
+            <a:ext cx="5005769" cy="1200329"/>
+          </a:xfrm>
+          <a:prstGeom prst="rect">
+            <a:avLst/>
+          </a:prstGeom>
+          <a:noFill/>
+        </p:spPr>
+        <p:txBody>
+          <a:bodyPr wrap="square" rtlCol="0">
+            <a:spAutoFit/>
+          </a:bodyPr>
+          <a:lstStyle/>
+          <a:p>
+            <a:pPr algn="ctr"/>
+            <a:r>
+              <a:rPr lang="en-US" dirty="0"/>
+              <a:t>Chapter 14</a:t>
+            </a:r>
+          </a:p>
+          <a:p>
+            <a:pPr algn="ctr"/>
+            <a:r>
+              <a:rPr lang="en-US" b="1" u="sng" dirty="0"/>
+              <a:t>2-way Factorial ANOVA</a:t>
+            </a:r>
+          </a:p>
+          <a:p>
+            <a:pPr algn="ctr"/>
+            <a:r>
+              <a:rPr lang="en-US" i="1" dirty="0"/>
+              <a:t>Sleep x Stimulant Exa</a:t>
+            </a:r>
+            <a:r>
+              <a:rPr lang="en-US" i="1" dirty="0" smtClean="0"/>
+              <a:t>mple Walk-through </a:t>
+            </a:r>
+          </a:p>
+          <a:p>
+            <a:pPr algn="ctr"/>
+            <a:r>
+              <a:rPr lang="en-US" i="1" dirty="0" smtClean="0"/>
+              <a:t>Barry Cohen’s Textbook Example </a:t>
+            </a:r>
+            <a:endParaRPr lang="en-US" i="1" dirty="0"/>
+          </a:p>
+        </p:txBody>
+      </p:sp>
+      <p:grpSp>
+        <p:nvGrpSpPr>
+          <p:cNvPr id="14" name="Group 13"/>
+          <p:cNvGrpSpPr/>
+          <p:nvPr/>
+        </p:nvGrpSpPr>
+        <p:grpSpPr>
+          <a:xfrm>
+            <a:off x="7198839" y="2137179"/>
+            <a:ext cx="3141660" cy="3193339"/>
+            <a:chOff x="7047391" y="1961976"/>
+            <a:chExt cx="3141660" cy="3193339"/>
+          </a:xfrm>
+        </p:grpSpPr>
+        <p:pic>
+          <p:nvPicPr>
+            <p:cNvPr id="2" name="Picture 1"/>
+            <p:cNvPicPr>
+              <a:picLocks noChangeAspect="1"/>
+            </p:cNvPicPr>
+            <p:nvPr/>
+          </p:nvPicPr>
+          <p:blipFill>
+            <a:blip r:embed="rId2" cstate="print">
+              <a:extLst>
+                <a:ext uri="{28A0092B-C50C-407E-A947-70E740481C1C}">
+                  <a14:useLocalDpi xmlns:a14="http://schemas.microsoft.com/office/drawing/2010/main" val="0"/>
+                </a:ext>
+              </a:extLst>
+            </a:blip>
+            <a:stretch>
+              <a:fillRect/>
+            </a:stretch>
+          </p:blipFill>
+          <p:spPr>
+            <a:xfrm>
+              <a:off x="7047391" y="3320161"/>
+              <a:ext cx="1578867" cy="1828804"/>
+            </a:xfrm>
+            <a:prstGeom prst="rect">
+              <a:avLst/>
+            </a:prstGeom>
+          </p:spPr>
+        </p:pic>
+        <p:pic>
+          <p:nvPicPr>
+            <p:cNvPr id="3" name="Picture 2"/>
+            <p:cNvPicPr>
+              <a:picLocks noChangeAspect="1"/>
+            </p:cNvPicPr>
+            <p:nvPr/>
+          </p:nvPicPr>
+          <p:blipFill>
+            <a:blip r:embed="rId3" cstate="print">
+              <a:extLst>
+                <a:ext uri="{28A0092B-C50C-407E-A947-70E740481C1C}">
+                  <a14:useLocalDpi xmlns:a14="http://schemas.microsoft.com/office/drawing/2010/main" val="0"/>
+                </a:ext>
+              </a:extLst>
+            </a:blip>
+            <a:stretch>
+              <a:fillRect/>
+            </a:stretch>
+          </p:blipFill>
+          <p:spPr>
+            <a:xfrm>
+              <a:off x="7830475" y="1961976"/>
+              <a:ext cx="1578867" cy="1828804"/>
+            </a:xfrm>
+            <a:prstGeom prst="rect">
+              <a:avLst/>
+            </a:prstGeom>
+          </p:spPr>
+        </p:pic>
+        <p:pic>
+          <p:nvPicPr>
+            <p:cNvPr id="11" name="Picture 10"/>
+            <p:cNvPicPr>
+              <a:picLocks noChangeAspect="1"/>
+            </p:cNvPicPr>
+            <p:nvPr/>
+          </p:nvPicPr>
+          <p:blipFill>
+            <a:blip r:embed="rId4" cstate="print">
+              <a:extLst>
+                <a:ext uri="{28A0092B-C50C-407E-A947-70E740481C1C}">
+                  <a14:useLocalDpi xmlns:a14="http://schemas.microsoft.com/office/drawing/2010/main" val="0"/>
+                </a:ext>
+              </a:extLst>
+            </a:blip>
+            <a:stretch>
+              <a:fillRect/>
+            </a:stretch>
+          </p:blipFill>
+          <p:spPr>
+            <a:xfrm>
+              <a:off x="8610184" y="3326511"/>
+              <a:ext cx="1578867" cy="1828804"/>
+            </a:xfrm>
+            <a:prstGeom prst="rect">
+              <a:avLst/>
+            </a:prstGeom>
+          </p:spPr>
+        </p:pic>
+      </p:grpSp>
+      <p:pic>
+        <p:nvPicPr>
+          <p:cNvPr id="12" name="Picture 11"/>
+          <p:cNvPicPr>
+            <a:picLocks noChangeAspect="1"/>
+          </p:cNvPicPr>
+          <p:nvPr/>
+        </p:nvPicPr>
+        <p:blipFill>
+          <a:blip r:embed="rId5" cstate="print">
+            <a:extLst>
+              <a:ext uri="{28A0092B-C50C-407E-A947-70E740481C1C}">
+                <a14:useLocalDpi xmlns:a14="http://schemas.microsoft.com/office/drawing/2010/main" val="0"/>
+              </a:ext>
+            </a:extLst>
+          </a:blip>
+          <a:stretch>
+            <a:fillRect/>
+          </a:stretch>
+        </p:blipFill>
+        <p:spPr>
+          <a:xfrm>
+            <a:off x="2035110" y="1019593"/>
+            <a:ext cx="1578867" cy="1828804"/>
+          </a:xfrm>
+          <a:prstGeom prst="rect">
+            <a:avLst/>
+          </a:prstGeom>
+        </p:spPr>
+      </p:pic>
+      <p:grpSp>
+        <p:nvGrpSpPr>
+          <p:cNvPr id="5" name="Group 4"/>
+          <p:cNvGrpSpPr/>
+          <p:nvPr/>
+        </p:nvGrpSpPr>
+        <p:grpSpPr>
+          <a:xfrm>
+            <a:off x="1908176" y="4866721"/>
+            <a:ext cx="1855222" cy="824421"/>
+            <a:chOff x="1908176" y="4866721"/>
+            <a:chExt cx="1855222" cy="824421"/>
+          </a:xfrm>
+        </p:grpSpPr>
+        <p:pic>
+          <p:nvPicPr>
+            <p:cNvPr id="1026" name="Picture 2" descr="Image result for virus"/>
+            <p:cNvPicPr>
+              <a:picLocks noChangeAspect="1" noChangeArrowheads="1"/>
+            </p:cNvPicPr>
+            <p:nvPr/>
+          </p:nvPicPr>
+          <p:blipFill>
+            <a:blip r:embed="rId6" cstate="print">
+              <a:extLst>
+                <a:ext uri="{28A0092B-C50C-407E-A947-70E740481C1C}">
+                  <a14:useLocalDpi xmlns:a14="http://schemas.microsoft.com/office/drawing/2010/main" val="0"/>
+                </a:ext>
+              </a:extLst>
+            </a:blip>
+            <a:srcRect/>
+            <a:stretch>
+              <a:fillRect/>
+            </a:stretch>
+          </p:blipFill>
+          <p:spPr bwMode="auto">
+            <a:xfrm>
+              <a:off x="1908176" y="4866721"/>
+              <a:ext cx="825034" cy="824421"/>
+            </a:xfrm>
+            <a:prstGeom prst="rect">
+              <a:avLst/>
+            </a:prstGeom>
+            <a:noFill/>
+            <a:extLst>
+              <a:ext uri="{909E8E84-426E-40DD-AFC4-6F175D3DCCD1}">
+                <a14:hiddenFill xmlns:a14="http://schemas.microsoft.com/office/drawing/2010/main">
+                  <a:solidFill>
+                    <a:srgbClr val="FFFFFF"/>
+                  </a:solidFill>
+                </a14:hiddenFill>
+              </a:ext>
+            </a:extLst>
+          </p:spPr>
+        </p:pic>
+        <p:sp>
+          <p:nvSpPr>
+            <p:cNvPr id="13" name="TextBox 12"/>
+            <p:cNvSpPr txBox="1"/>
+            <p:nvPr/>
+          </p:nvSpPr>
+          <p:spPr>
+            <a:xfrm>
+              <a:off x="2524444" y="5254195"/>
+              <a:ext cx="1238954" cy="369332"/>
+            </a:xfrm>
+            <a:prstGeom prst="rect">
+              <a:avLst/>
+            </a:prstGeom>
+            <a:noFill/>
+          </p:spPr>
+          <p:txBody>
+            <a:bodyPr wrap="square" rtlCol="0">
+              <a:spAutoFit/>
+            </a:bodyPr>
+            <a:lstStyle/>
+            <a:p>
+              <a:pPr algn="ctr"/>
+              <a:r>
+                <a:rPr lang="en-US" b="1" dirty="0" smtClean="0">
+                  <a:solidFill>
+                    <a:schemeClr val="accent1">
+                      <a:lumMod val="75000"/>
+                    </a:schemeClr>
+                  </a:solidFill>
+                </a:rPr>
+                <a:t>Covid-19</a:t>
+              </a:r>
+              <a:endParaRPr lang="en-US" b="1" dirty="0">
+                <a:solidFill>
+                  <a:schemeClr val="accent1">
+                    <a:lumMod val="75000"/>
+                  </a:schemeClr>
+                </a:solidFill>
+              </a:endParaRPr>
+            </a:p>
+          </p:txBody>
+        </p:sp>
+      </p:grpSp>
+    </p:spTree>
+    <p:extLst>
+      <p:ext uri="{BB962C8B-B14F-4D97-AF65-F5344CB8AC3E}">
+        <p14:creationId xmlns:p14="http://schemas.microsoft.com/office/powerpoint/2010/main" val="3068570685"/>
+      </p:ext>
+    </p:extLst>
+  </p:cSld>
+  <p:clrMapOvr>
+    <a:masterClrMapping/>
+  </p:clrMapOvr>
+</p:sld>
+</file>
+
+<file path=ppt/slides/slide13.xml><?xml version="1.0" encoding="utf-8"?>
+<p:sld xmlns:a="http://schemas.openxmlformats.org/drawingml/2006/main" xmlns:r="http://schemas.openxmlformats.org/officeDocument/2006/relationships" xmlns:p="http://schemas.openxmlformats.org/presentationml/2006/main">
+  <p:cSld>
+    <p:spTree>
+      <p:nvGrpSpPr>
+        <p:cNvPr id="1" name=""/>
+        <p:cNvGrpSpPr/>
+        <p:nvPr/>
+      </p:nvGrpSpPr>
+      <p:grpSpPr>
+        <a:xfrm>
+          <a:off x="0" y="0"/>
+          <a:ext cx="0" cy="0"/>
+          <a:chOff x="0" y="0"/>
+          <a:chExt cx="0" cy="0"/>
+        </a:xfrm>
+      </p:grpSpPr>
+      <p:sp>
+        <p:nvSpPr>
+          <p:cNvPr id="4" name="Rectangle 3"/>
+          <p:cNvSpPr/>
+          <p:nvPr/>
+        </p:nvSpPr>
+        <p:spPr>
+          <a:xfrm>
+            <a:off x="1808702" y="824230"/>
+            <a:ext cx="8778240" cy="5010912"/>
+          </a:xfrm>
+          <a:prstGeom prst="rect">
+            <a:avLst/>
+          </a:prstGeom>
+          <a:solidFill>
+            <a:schemeClr val="bg1">
+              <a:lumMod val="95000"/>
+            </a:schemeClr>
+          </a:solidFill>
+          <a:ln w="38100"/>
+        </p:spPr>
+        <p:style>
+          <a:lnRef idx="2">
+            <a:schemeClr val="accent1">
+              <a:shade val="50000"/>
+            </a:schemeClr>
+          </a:lnRef>
+          <a:fillRef idx="1">
+            <a:schemeClr val="accent1"/>
+          </a:fillRef>
+          <a:effectRef idx="0">
+            <a:schemeClr val="accent1"/>
+          </a:effectRef>
+          <a:fontRef idx="minor">
+            <a:schemeClr val="lt1"/>
+          </a:fontRef>
+        </p:style>
+        <p:txBody>
+          <a:bodyPr rtlCol="0" anchor="ctr"/>
+          <a:lstStyle/>
+          <a:p>
+            <a:pPr algn="ctr"/>
+            <a:endParaRPr lang="en-US"/>
+          </a:p>
+        </p:txBody>
+      </p:sp>
+      <p:sp>
+        <p:nvSpPr>
+          <p:cNvPr id="7" name="TextBox 6"/>
+          <p:cNvSpPr txBox="1"/>
+          <p:nvPr/>
+        </p:nvSpPr>
+        <p:spPr>
+          <a:xfrm>
+            <a:off x="4184694" y="1065121"/>
+            <a:ext cx="5712369" cy="1754326"/>
+          </a:xfrm>
+          <a:prstGeom prst="rect">
+            <a:avLst/>
+          </a:prstGeom>
+          <a:noFill/>
+        </p:spPr>
+        <p:txBody>
+          <a:bodyPr wrap="square" rtlCol="0">
+            <a:spAutoFit/>
+          </a:bodyPr>
+          <a:lstStyle/>
+          <a:p>
+            <a:r>
+              <a:rPr lang="en-US" sz="5400" dirty="0" smtClean="0"/>
+              <a:t>OUT-OF-CLASS LECTURES</a:t>
+            </a:r>
+            <a:endParaRPr lang="en-US" sz="5400" dirty="0"/>
+          </a:p>
+        </p:txBody>
+      </p:sp>
+      <p:sp>
+        <p:nvSpPr>
+          <p:cNvPr id="8" name="TextBox 7"/>
+          <p:cNvSpPr txBox="1"/>
+          <p:nvPr/>
+        </p:nvSpPr>
+        <p:spPr>
+          <a:xfrm>
+            <a:off x="7731444" y="5278932"/>
+            <a:ext cx="2076450" cy="369332"/>
+          </a:xfrm>
+          <a:prstGeom prst="rect">
+            <a:avLst/>
+          </a:prstGeom>
+          <a:noFill/>
+        </p:spPr>
+        <p:txBody>
+          <a:bodyPr wrap="square" rtlCol="0">
+            <a:spAutoFit/>
+          </a:bodyPr>
+          <a:lstStyle/>
+          <a:p>
+            <a:pPr algn="ctr"/>
+            <a:r>
+              <a:rPr lang="en-US" dirty="0" smtClean="0"/>
+              <a:t>March 31, 2020</a:t>
+            </a:r>
+            <a:endParaRPr lang="en-US" dirty="0"/>
+          </a:p>
+        </p:txBody>
+      </p:sp>
+      <p:sp>
+        <p:nvSpPr>
+          <p:cNvPr id="9" name="TextBox 8"/>
+          <p:cNvSpPr txBox="1"/>
+          <p:nvPr/>
+        </p:nvSpPr>
+        <p:spPr>
+          <a:xfrm>
+            <a:off x="2035110" y="3043759"/>
+            <a:ext cx="5005769" cy="1200329"/>
+          </a:xfrm>
+          <a:prstGeom prst="rect">
+            <a:avLst/>
+          </a:prstGeom>
+          <a:noFill/>
+        </p:spPr>
+        <p:txBody>
+          <a:bodyPr wrap="square" rtlCol="0">
+            <a:spAutoFit/>
+          </a:bodyPr>
+          <a:lstStyle/>
+          <a:p>
+            <a:pPr algn="ctr"/>
+            <a:r>
+              <a:rPr lang="en-US" dirty="0" smtClean="0"/>
+              <a:t>Chapter 14</a:t>
+            </a:r>
+            <a:endParaRPr lang="en-US" dirty="0"/>
+          </a:p>
+          <a:p>
+            <a:pPr algn="ctr"/>
+            <a:r>
+              <a:rPr lang="en-US" b="1" u="sng" dirty="0" smtClean="0"/>
+              <a:t>2-way Factorial ANOVA</a:t>
+            </a:r>
+            <a:endParaRPr lang="en-US" b="1" u="sng" dirty="0"/>
+          </a:p>
+          <a:p>
+            <a:pPr algn="ctr"/>
+            <a:r>
+              <a:rPr lang="en-US" i="1" dirty="0" smtClean="0"/>
+              <a:t>Lecture slides </a:t>
+            </a:r>
+          </a:p>
+          <a:p>
+            <a:pPr algn="ctr"/>
+            <a:r>
+              <a:rPr lang="en-US" i="1" dirty="0" smtClean="0"/>
+              <a:t>(example in separate video)</a:t>
+            </a:r>
+            <a:endParaRPr lang="en-US" i="1" dirty="0"/>
+          </a:p>
+        </p:txBody>
+      </p:sp>
+      <p:grpSp>
+        <p:nvGrpSpPr>
+          <p:cNvPr id="14" name="Group 13"/>
+          <p:cNvGrpSpPr/>
+          <p:nvPr/>
+        </p:nvGrpSpPr>
+        <p:grpSpPr>
+          <a:xfrm>
+            <a:off x="7198839" y="2137179"/>
+            <a:ext cx="3141660" cy="3193339"/>
+            <a:chOff x="7047391" y="1961976"/>
+            <a:chExt cx="3141660" cy="3193339"/>
+          </a:xfrm>
+        </p:grpSpPr>
+        <p:pic>
+          <p:nvPicPr>
+            <p:cNvPr id="2" name="Picture 1"/>
+            <p:cNvPicPr>
+              <a:picLocks noChangeAspect="1"/>
+            </p:cNvPicPr>
+            <p:nvPr/>
+          </p:nvPicPr>
+          <p:blipFill>
+            <a:blip r:embed="rId2" cstate="print">
+              <a:extLst>
+                <a:ext uri="{28A0092B-C50C-407E-A947-70E740481C1C}">
+                  <a14:useLocalDpi xmlns:a14="http://schemas.microsoft.com/office/drawing/2010/main" val="0"/>
+                </a:ext>
+              </a:extLst>
+            </a:blip>
+            <a:stretch>
+              <a:fillRect/>
+            </a:stretch>
+          </p:blipFill>
+          <p:spPr>
+            <a:xfrm>
+              <a:off x="7047391" y="3320161"/>
+              <a:ext cx="1578867" cy="1828804"/>
+            </a:xfrm>
+            <a:prstGeom prst="rect">
+              <a:avLst/>
+            </a:prstGeom>
+          </p:spPr>
+        </p:pic>
+        <p:pic>
+          <p:nvPicPr>
+            <p:cNvPr id="3" name="Picture 2"/>
+            <p:cNvPicPr>
+              <a:picLocks noChangeAspect="1"/>
+            </p:cNvPicPr>
+            <p:nvPr/>
+          </p:nvPicPr>
+          <p:blipFill>
+            <a:blip r:embed="rId3" cstate="print">
+              <a:extLst>
+                <a:ext uri="{28A0092B-C50C-407E-A947-70E740481C1C}">
+                  <a14:useLocalDpi xmlns:a14="http://schemas.microsoft.com/office/drawing/2010/main" val="0"/>
+                </a:ext>
+              </a:extLst>
+            </a:blip>
+            <a:stretch>
+              <a:fillRect/>
+            </a:stretch>
+          </p:blipFill>
+          <p:spPr>
+            <a:xfrm>
+              <a:off x="7830475" y="1961976"/>
+              <a:ext cx="1578867" cy="1828804"/>
+            </a:xfrm>
+            <a:prstGeom prst="rect">
+              <a:avLst/>
+            </a:prstGeom>
+          </p:spPr>
+        </p:pic>
+        <p:pic>
+          <p:nvPicPr>
+            <p:cNvPr id="11" name="Picture 10"/>
+            <p:cNvPicPr>
+              <a:picLocks noChangeAspect="1"/>
+            </p:cNvPicPr>
+            <p:nvPr/>
+          </p:nvPicPr>
+          <p:blipFill>
+            <a:blip r:embed="rId4" cstate="print">
+              <a:extLst>
+                <a:ext uri="{28A0092B-C50C-407E-A947-70E740481C1C}">
+                  <a14:useLocalDpi xmlns:a14="http://schemas.microsoft.com/office/drawing/2010/main" val="0"/>
+                </a:ext>
+              </a:extLst>
+            </a:blip>
+            <a:stretch>
+              <a:fillRect/>
+            </a:stretch>
+          </p:blipFill>
+          <p:spPr>
+            <a:xfrm>
+              <a:off x="8610184" y="3326511"/>
+              <a:ext cx="1578867" cy="1828804"/>
+            </a:xfrm>
+            <a:prstGeom prst="rect">
+              <a:avLst/>
+            </a:prstGeom>
+          </p:spPr>
+        </p:pic>
+      </p:grpSp>
+      <p:pic>
+        <p:nvPicPr>
+          <p:cNvPr id="12" name="Picture 11"/>
+          <p:cNvPicPr>
+            <a:picLocks noChangeAspect="1"/>
+          </p:cNvPicPr>
+          <p:nvPr/>
+        </p:nvPicPr>
+        <p:blipFill>
+          <a:blip r:embed="rId5" cstate="print">
+            <a:extLst>
+              <a:ext uri="{28A0092B-C50C-407E-A947-70E740481C1C}">
+                <a14:useLocalDpi xmlns:a14="http://schemas.microsoft.com/office/drawing/2010/main" val="0"/>
+              </a:ext>
+            </a:extLst>
+          </a:blip>
+          <a:stretch>
+            <a:fillRect/>
+          </a:stretch>
+        </p:blipFill>
+        <p:spPr>
+          <a:xfrm>
+            <a:off x="2035110" y="1019593"/>
+            <a:ext cx="1578867" cy="1828804"/>
+          </a:xfrm>
+          <a:prstGeom prst="rect">
+            <a:avLst/>
+          </a:prstGeom>
+        </p:spPr>
+      </p:pic>
+      <p:pic>
+        <p:nvPicPr>
+          <p:cNvPr id="1026" name="Picture 2" descr="Image result for virus"/>
+          <p:cNvPicPr>
+            <a:picLocks noChangeAspect="1" noChangeArrowheads="1"/>
+          </p:cNvPicPr>
+          <p:nvPr/>
+        </p:nvPicPr>
+        <p:blipFill>
+          <a:blip r:embed="rId6" cstate="print">
+            <a:extLst>
+              <a:ext uri="{28A0092B-C50C-407E-A947-70E740481C1C}">
+                <a14:useLocalDpi xmlns:a14="http://schemas.microsoft.com/office/drawing/2010/main" val="0"/>
+              </a:ext>
+            </a:extLst>
+          </a:blip>
+          <a:srcRect/>
+          <a:stretch>
+            <a:fillRect/>
+          </a:stretch>
+        </p:blipFill>
+        <p:spPr bwMode="auto">
+          <a:xfrm>
+            <a:off x="1908176" y="4866721"/>
+            <a:ext cx="825034" cy="824421"/>
+          </a:xfrm>
+          <a:prstGeom prst="rect">
+            <a:avLst/>
+          </a:prstGeom>
+          <a:noFill/>
+          <a:extLst>
+            <a:ext uri="{909E8E84-426E-40DD-AFC4-6F175D3DCCD1}">
+              <a14:hiddenFill xmlns:a14="http://schemas.microsoft.com/office/drawing/2010/main">
+                <a:solidFill>
+                  <a:srgbClr val="FFFFFF"/>
+                </a:solidFill>
+              </a14:hiddenFill>
+            </a:ext>
+          </a:extLst>
+        </p:spPr>
+      </p:pic>
+      <p:sp>
+        <p:nvSpPr>
+          <p:cNvPr id="13" name="TextBox 12"/>
+          <p:cNvSpPr txBox="1"/>
+          <p:nvPr/>
+        </p:nvSpPr>
+        <p:spPr>
+          <a:xfrm>
+            <a:off x="2524444" y="5254195"/>
+            <a:ext cx="1238954" cy="369332"/>
+          </a:xfrm>
+          <a:prstGeom prst="rect">
+            <a:avLst/>
+          </a:prstGeom>
+          <a:noFill/>
+        </p:spPr>
+        <p:txBody>
+          <a:bodyPr wrap="square" rtlCol="0">
+            <a:spAutoFit/>
+          </a:bodyPr>
+          <a:lstStyle/>
+          <a:p>
+            <a:pPr algn="ctr"/>
+            <a:r>
+              <a:rPr lang="en-US" b="1" dirty="0" smtClean="0">
+                <a:solidFill>
+                  <a:schemeClr val="accent1">
+                    <a:lumMod val="75000"/>
+                  </a:schemeClr>
+                </a:solidFill>
+              </a:rPr>
+              <a:t>Covid-19</a:t>
+            </a:r>
+            <a:endParaRPr lang="en-US" b="1" dirty="0">
+              <a:solidFill>
+                <a:schemeClr val="accent1">
+                  <a:lumMod val="75000"/>
+                </a:schemeClr>
+              </a:solidFill>
+            </a:endParaRPr>
+          </a:p>
+        </p:txBody>
+      </p:sp>
+    </p:spTree>
+    <p:extLst>
+      <p:ext uri="{BB962C8B-B14F-4D97-AF65-F5344CB8AC3E}">
+        <p14:creationId xmlns:p14="http://schemas.microsoft.com/office/powerpoint/2010/main" val="1235567156"/>
+      </p:ext>
+    </p:extLst>
+  </p:cSld>
+  <p:clrMapOvr>
+    <a:masterClrMapping/>
+  </p:clrMapOvr>
+</p:sld>
+</file>
+
+<file path=ppt/slides/slide14.xml><?xml version="1.0" encoding="utf-8"?>
+<p:sld xmlns:a="http://schemas.openxmlformats.org/drawingml/2006/main" xmlns:r="http://schemas.openxmlformats.org/officeDocument/2006/relationships" xmlns:p="http://schemas.openxmlformats.org/presentationml/2006/main">
+  <p:cSld>
+    <p:spTree>
+      <p:nvGrpSpPr>
+        <p:cNvPr id="1" name=""/>
+        <p:cNvGrpSpPr/>
+        <p:nvPr/>
+      </p:nvGrpSpPr>
+      <p:grpSpPr>
+        <a:xfrm>
+          <a:off x="0" y="0"/>
+          <a:ext cx="0" cy="0"/>
+          <a:chOff x="0" y="0"/>
+          <a:chExt cx="0" cy="0"/>
+        </a:xfrm>
+      </p:grpSpPr>
+      <p:sp>
+        <p:nvSpPr>
+          <p:cNvPr id="4" name="Rectangle 3"/>
+          <p:cNvSpPr/>
+          <p:nvPr/>
+        </p:nvSpPr>
+        <p:spPr>
+          <a:xfrm>
+            <a:off x="1853580" y="824230"/>
+            <a:ext cx="8778240" cy="5010912"/>
+          </a:xfrm>
+          <a:prstGeom prst="rect">
+            <a:avLst/>
+          </a:prstGeom>
+          <a:solidFill>
+            <a:schemeClr val="bg1">
+              <a:lumMod val="95000"/>
+            </a:schemeClr>
+          </a:solidFill>
+          <a:ln w="38100"/>
+        </p:spPr>
+        <p:style>
+          <a:lnRef idx="2">
+            <a:schemeClr val="accent1">
+              <a:shade val="50000"/>
+            </a:schemeClr>
+          </a:lnRef>
+          <a:fillRef idx="1">
+            <a:schemeClr val="accent1"/>
+          </a:fillRef>
+          <a:effectRef idx="0">
+            <a:schemeClr val="accent1"/>
+          </a:effectRef>
+          <a:fontRef idx="minor">
+            <a:schemeClr val="lt1"/>
+          </a:fontRef>
+        </p:style>
+        <p:txBody>
+          <a:bodyPr rtlCol="0" anchor="ctr"/>
+          <a:lstStyle/>
+          <a:p>
+            <a:pPr algn="ctr"/>
+            <a:endParaRPr lang="en-US"/>
+          </a:p>
+        </p:txBody>
+      </p:sp>
+      <p:sp>
+        <p:nvSpPr>
+          <p:cNvPr id="7" name="TextBox 6"/>
+          <p:cNvSpPr txBox="1"/>
+          <p:nvPr/>
+        </p:nvSpPr>
+        <p:spPr>
+          <a:xfrm>
+            <a:off x="3838696" y="1056832"/>
+            <a:ext cx="5712369" cy="1754326"/>
+          </a:xfrm>
+          <a:prstGeom prst="rect">
+            <a:avLst/>
+          </a:prstGeom>
+          <a:noFill/>
+        </p:spPr>
+        <p:txBody>
+          <a:bodyPr wrap="square" rtlCol="0">
+            <a:spAutoFit/>
+          </a:bodyPr>
+          <a:lstStyle/>
+          <a:p>
+            <a:r>
+              <a:rPr lang="en-US" sz="5400" dirty="0" smtClean="0"/>
+              <a:t>Virtual </a:t>
+            </a:r>
+          </a:p>
+          <a:p>
+            <a:r>
+              <a:rPr lang="en-US" sz="5400" dirty="0" smtClean="0"/>
+              <a:t>Office Hours</a:t>
+            </a:r>
+            <a:endParaRPr lang="en-US" sz="5400" dirty="0"/>
+          </a:p>
+        </p:txBody>
+      </p:sp>
+      <p:sp>
+        <p:nvSpPr>
+          <p:cNvPr id="8" name="TextBox 7"/>
+          <p:cNvSpPr txBox="1"/>
+          <p:nvPr/>
+        </p:nvSpPr>
+        <p:spPr>
+          <a:xfrm>
+            <a:off x="7731444" y="5278932"/>
+            <a:ext cx="2076450" cy="369332"/>
+          </a:xfrm>
+          <a:prstGeom prst="rect">
+            <a:avLst/>
+          </a:prstGeom>
+          <a:noFill/>
+        </p:spPr>
+        <p:txBody>
+          <a:bodyPr wrap="square" rtlCol="0">
+            <a:spAutoFit/>
+          </a:bodyPr>
+          <a:lstStyle/>
+          <a:p>
+            <a:pPr algn="ctr"/>
+            <a:r>
+              <a:rPr lang="en-US" dirty="0" smtClean="0"/>
+              <a:t>March 25, 2020</a:t>
+            </a:r>
+            <a:endParaRPr lang="en-US" dirty="0"/>
+          </a:p>
+        </p:txBody>
+      </p:sp>
+      <p:sp>
+        <p:nvSpPr>
+          <p:cNvPr id="9" name="TextBox 8"/>
+          <p:cNvSpPr txBox="1"/>
+          <p:nvPr/>
+        </p:nvSpPr>
+        <p:spPr>
+          <a:xfrm>
+            <a:off x="2023325" y="2848397"/>
+            <a:ext cx="5005769" cy="1200329"/>
+          </a:xfrm>
+          <a:prstGeom prst="rect">
+            <a:avLst/>
+          </a:prstGeom>
+          <a:noFill/>
+        </p:spPr>
+        <p:txBody>
+          <a:bodyPr wrap="square" rtlCol="0">
+            <a:spAutoFit/>
+          </a:bodyPr>
+          <a:lstStyle/>
+          <a:p>
+            <a:pPr algn="ctr"/>
+            <a:r>
+              <a:rPr lang="en-US" dirty="0" smtClean="0"/>
+              <a:t>HW 13 </a:t>
+            </a:r>
+            <a:endParaRPr lang="en-US" dirty="0"/>
+          </a:p>
+          <a:p>
+            <a:pPr algn="ctr"/>
+            <a:r>
+              <a:rPr lang="en-US" b="1" u="sng" dirty="0" smtClean="0"/>
+              <a:t>Multiple Comparisons: pairwise &amp; linear contrasts</a:t>
+            </a:r>
+          </a:p>
+          <a:p>
+            <a:pPr algn="ctr"/>
+            <a:r>
+              <a:rPr lang="en-US" dirty="0" smtClean="0"/>
+              <a:t>Items # 5 &amp; 6</a:t>
+            </a:r>
+          </a:p>
+          <a:p>
+            <a:pPr algn="ctr"/>
+            <a:endParaRPr lang="en-US" b="1" dirty="0"/>
+          </a:p>
+        </p:txBody>
+      </p:sp>
+      <p:grpSp>
+        <p:nvGrpSpPr>
+          <p:cNvPr id="14" name="Group 13"/>
+          <p:cNvGrpSpPr/>
+          <p:nvPr/>
+        </p:nvGrpSpPr>
+        <p:grpSpPr>
+          <a:xfrm>
+            <a:off x="7198839" y="2137179"/>
+            <a:ext cx="3141660" cy="3193339"/>
+            <a:chOff x="7047391" y="1961976"/>
+            <a:chExt cx="3141660" cy="3193339"/>
+          </a:xfrm>
+        </p:grpSpPr>
+        <p:pic>
+          <p:nvPicPr>
+            <p:cNvPr id="2" name="Picture 1"/>
+            <p:cNvPicPr>
+              <a:picLocks noChangeAspect="1"/>
+            </p:cNvPicPr>
+            <p:nvPr/>
+          </p:nvPicPr>
+          <p:blipFill>
+            <a:blip r:embed="rId2" cstate="print">
+              <a:extLst>
+                <a:ext uri="{28A0092B-C50C-407E-A947-70E740481C1C}">
+                  <a14:useLocalDpi xmlns:a14="http://schemas.microsoft.com/office/drawing/2010/main" val="0"/>
+                </a:ext>
+              </a:extLst>
+            </a:blip>
+            <a:stretch>
+              <a:fillRect/>
+            </a:stretch>
+          </p:blipFill>
+          <p:spPr>
+            <a:xfrm>
+              <a:off x="7047391" y="3320161"/>
+              <a:ext cx="1578867" cy="1828804"/>
+            </a:xfrm>
+            <a:prstGeom prst="rect">
+              <a:avLst/>
+            </a:prstGeom>
+          </p:spPr>
+        </p:pic>
+        <p:pic>
+          <p:nvPicPr>
+            <p:cNvPr id="3" name="Picture 2"/>
+            <p:cNvPicPr>
+              <a:picLocks noChangeAspect="1"/>
+            </p:cNvPicPr>
+            <p:nvPr/>
+          </p:nvPicPr>
+          <p:blipFill>
+            <a:blip r:embed="rId3" cstate="print">
+              <a:extLst>
+                <a:ext uri="{28A0092B-C50C-407E-A947-70E740481C1C}">
+                  <a14:useLocalDpi xmlns:a14="http://schemas.microsoft.com/office/drawing/2010/main" val="0"/>
+                </a:ext>
+              </a:extLst>
+            </a:blip>
+            <a:stretch>
+              <a:fillRect/>
+            </a:stretch>
+          </p:blipFill>
+          <p:spPr>
+            <a:xfrm>
+              <a:off x="7830475" y="1961976"/>
+              <a:ext cx="1578867" cy="1828804"/>
+            </a:xfrm>
+            <a:prstGeom prst="rect">
+              <a:avLst/>
+            </a:prstGeom>
+          </p:spPr>
+        </p:pic>
+        <p:pic>
+          <p:nvPicPr>
+            <p:cNvPr id="11" name="Picture 10"/>
+            <p:cNvPicPr>
+              <a:picLocks noChangeAspect="1"/>
+            </p:cNvPicPr>
+            <p:nvPr/>
+          </p:nvPicPr>
+          <p:blipFill>
+            <a:blip r:embed="rId4" cstate="print">
+              <a:extLst>
+                <a:ext uri="{28A0092B-C50C-407E-A947-70E740481C1C}">
+                  <a14:useLocalDpi xmlns:a14="http://schemas.microsoft.com/office/drawing/2010/main" val="0"/>
+                </a:ext>
+              </a:extLst>
+            </a:blip>
+            <a:stretch>
+              <a:fillRect/>
+            </a:stretch>
+          </p:blipFill>
+          <p:spPr>
+            <a:xfrm>
+              <a:off x="8610184" y="3326511"/>
+              <a:ext cx="1578867" cy="1828804"/>
+            </a:xfrm>
+            <a:prstGeom prst="rect">
+              <a:avLst/>
+            </a:prstGeom>
+          </p:spPr>
+        </p:pic>
+      </p:grpSp>
+      <p:pic>
+        <p:nvPicPr>
+          <p:cNvPr id="12" name="Picture 11"/>
+          <p:cNvPicPr>
+            <a:picLocks noChangeAspect="1"/>
+          </p:cNvPicPr>
+          <p:nvPr/>
+        </p:nvPicPr>
+        <p:blipFill>
+          <a:blip r:embed="rId5" cstate="print">
+            <a:extLst>
+              <a:ext uri="{28A0092B-C50C-407E-A947-70E740481C1C}">
+                <a14:useLocalDpi xmlns:a14="http://schemas.microsoft.com/office/drawing/2010/main" val="0"/>
+              </a:ext>
+            </a:extLst>
+          </a:blip>
+          <a:stretch>
+            <a:fillRect/>
+          </a:stretch>
+        </p:blipFill>
+        <p:spPr>
+          <a:xfrm>
+            <a:off x="2035110" y="1019593"/>
+            <a:ext cx="1578867" cy="1828804"/>
+          </a:xfrm>
+          <a:prstGeom prst="rect">
+            <a:avLst/>
+          </a:prstGeom>
+        </p:spPr>
+      </p:pic>
       <p:sp>
         <p:nvSpPr>
           <p:cNvPr id="13" name="TextBox 12"/>
@@ -3791,7 +5559,7 @@
 </p:sld>
 </file>
 
-<file path=ppt/slides/slide11.xml><?xml version="1.0" encoding="utf-8"?>
+<file path=ppt/slides/slide15.xml><?xml version="1.0" encoding="utf-8"?>
 <p:sld xmlns:a="http://schemas.openxmlformats.org/drawingml/2006/main" xmlns:r="http://schemas.openxmlformats.org/officeDocument/2006/relationships" xmlns:p="http://schemas.openxmlformats.org/presentationml/2006/main">
   <p:cSld>
     <p:spTree>
@@ -4239,7 +6007,7 @@
 </p:sld>
 </file>
 
-<file path=ppt/slides/slide12.xml><?xml version="1.0" encoding="utf-8"?>
+<file path=ppt/slides/slide16.xml><?xml version="1.0" encoding="utf-8"?>
 <p:sld xmlns:a="http://schemas.openxmlformats.org/drawingml/2006/main" xmlns:r="http://schemas.openxmlformats.org/officeDocument/2006/relationships" xmlns:p="http://schemas.openxmlformats.org/presentationml/2006/main">
   <p:cSld>
     <p:spTree>
@@ -4649,7 +6417,7 @@
 </p:sld>
 </file>
 
-<file path=ppt/slides/slide13.xml><?xml version="1.0" encoding="utf-8"?>
+<file path=ppt/slides/slide17.xml><?xml version="1.0" encoding="utf-8"?>
 <p:sld xmlns:a="http://schemas.openxmlformats.org/drawingml/2006/main" xmlns:r="http://schemas.openxmlformats.org/officeDocument/2006/relationships" xmlns:p="http://schemas.openxmlformats.org/presentationml/2006/main">
   <p:cSld>
     <p:spTree>
@@ -4984,7 +6752,7 @@
 </p:sld>
 </file>
 
-<file path=ppt/slides/slide14.xml><?xml version="1.0" encoding="utf-8"?>
+<file path=ppt/slides/slide18.xml><?xml version="1.0" encoding="utf-8"?>
 <p:sld xmlns:a="http://schemas.openxmlformats.org/drawingml/2006/main" xmlns:r="http://schemas.openxmlformats.org/officeDocument/2006/relationships" xmlns:p="http://schemas.openxmlformats.org/presentationml/2006/main">
   <p:cSld>
     <p:spTree>
@@ -5302,7 +7070,7 @@
 </p:sld>
 </file>
 
-<file path=ppt/slides/slide15.xml><?xml version="1.0" encoding="utf-8"?>
+<file path=ppt/slides/slide19.xml><?xml version="1.0" encoding="utf-8"?>
 <p:sld xmlns:a="http://schemas.openxmlformats.org/drawingml/2006/main" xmlns:r="http://schemas.openxmlformats.org/officeDocument/2006/relationships" xmlns:p="http://schemas.openxmlformats.org/presentationml/2006/main">
   <p:cSld>
     <p:spTree>
@@ -5629,7 +7397,7 @@
 </p:sld>
 </file>
 
-<file path=ppt/slides/slide16.xml><?xml version="1.0" encoding="utf-8"?>
+<file path=ppt/slides/slide2.xml><?xml version="1.0" encoding="utf-8"?>
 <p:sld xmlns:a="http://schemas.openxmlformats.org/drawingml/2006/main" xmlns:r="http://schemas.openxmlformats.org/officeDocument/2006/relationships" xmlns:p="http://schemas.openxmlformats.org/presentationml/2006/main">
   <p:cSld>
     <p:spTree>
@@ -5654,7 +7422,7 @@
         </p:nvSpPr>
         <p:spPr>
           <a:xfrm>
-            <a:off x="1808702" y="824230"/>
+            <a:off x="1853580" y="824230"/>
             <a:ext cx="8778240" cy="5010912"/>
           </a:xfrm>
           <a:prstGeom prst="rect">
@@ -5700,8 +7468,8 @@
         </p:nvSpPr>
         <p:spPr>
           <a:xfrm>
-            <a:off x="3840385" y="1213849"/>
-            <a:ext cx="5712369" cy="923330"/>
+            <a:off x="3838696" y="1056832"/>
+            <a:ext cx="5712369" cy="1754326"/>
           </a:xfrm>
           <a:prstGeom prst="rect">
             <a:avLst/>
@@ -5716,7 +7484,13 @@
           <a:p>
             <a:r>
               <a:rPr lang="en-US" sz="5400" dirty="0" smtClean="0"/>
-              <a:t>INCLASS LECTURES</a:t>
+              <a:t>Virtual </a:t>
+            </a:r>
+          </a:p>
+          <a:p>
+            <a:r>
+              <a:rPr lang="en-US" sz="5400" dirty="0" smtClean="0"/>
+              <a:t>Office Hours</a:t>
             </a:r>
             <a:endParaRPr lang="en-US" sz="5400" dirty="0"/>
           </a:p>
@@ -5747,62 +7521,17 @@
             <a:pPr algn="ctr"/>
             <a:r>
               <a:rPr lang="en-US" dirty="0" smtClean="0"/>
-              <a:t>March 11, 2020</a:t>
+              <a:t>April </a:t>
+            </a:r>
+            <a:r>
+              <a:rPr lang="en-US" dirty="0" smtClean="0"/>
+              <a:t>17, </a:t>
+            </a:r>
+            <a:r>
+              <a:rPr lang="en-US" dirty="0" smtClean="0"/>
+              <a:t>2020</a:t>
             </a:r>
             <a:endParaRPr lang="en-US" dirty="0"/>
-          </a:p>
-        </p:txBody>
-      </p:sp>
-      <p:sp>
-        <p:nvSpPr>
-          <p:cNvPr id="9" name="TextBox 8"/>
-          <p:cNvSpPr txBox="1"/>
-          <p:nvPr/>
-        </p:nvSpPr>
-        <p:spPr>
-          <a:xfrm>
-            <a:off x="2175358" y="3486436"/>
-            <a:ext cx="5005769" cy="1200329"/>
-          </a:xfrm>
-          <a:prstGeom prst="rect">
-            <a:avLst/>
-          </a:prstGeom>
-          <a:noFill/>
-        </p:spPr>
-        <p:txBody>
-          <a:bodyPr wrap="square" rtlCol="0">
-            <a:spAutoFit/>
-          </a:bodyPr>
-          <a:lstStyle/>
-          <a:p>
-            <a:pPr algn="ctr"/>
-            <a:r>
-              <a:rPr lang="en-US" dirty="0" smtClean="0"/>
-              <a:t>Chapter 12</a:t>
-            </a:r>
-            <a:endParaRPr lang="en-US" dirty="0"/>
-          </a:p>
-          <a:p>
-            <a:pPr algn="ctr"/>
-            <a:r>
-              <a:rPr lang="en-US" b="1" u="sng" dirty="0" smtClean="0"/>
-              <a:t>One-way Independent Groups ANOVA</a:t>
-            </a:r>
-            <a:endParaRPr lang="en-US" dirty="0" smtClean="0"/>
-          </a:p>
-          <a:p>
-            <a:pPr algn="ctr"/>
-            <a:r>
-              <a:rPr lang="en-US" i="1" dirty="0" smtClean="0"/>
-              <a:t>Second half, chapter slides</a:t>
-            </a:r>
-          </a:p>
-          <a:p>
-            <a:pPr algn="ctr"/>
-            <a:r>
-              <a:rPr lang="en-US" i="1" dirty="0" smtClean="0"/>
-              <a:t>Mostly Examples, Using R, and HW Help</a:t>
-            </a:r>
           </a:p>
         </p:txBody>
       </p:sp>
@@ -5941,10 +7670,110 @@
           </a:prstGeom>
         </p:spPr>
       </p:pic>
+      <p:pic>
+        <p:nvPicPr>
+          <p:cNvPr id="5" name="Picture 4"/>
+          <p:cNvPicPr>
+            <a:picLocks noChangeAspect="1"/>
+          </p:cNvPicPr>
+          <p:nvPr/>
+        </p:nvPicPr>
+        <p:blipFill>
+          <a:blip r:embed="rId6"/>
+          <a:stretch>
+            <a:fillRect/>
+          </a:stretch>
+        </p:blipFill>
+        <p:spPr>
+          <a:xfrm>
+            <a:off x="1985351" y="4872564"/>
+            <a:ext cx="1853345" cy="853514"/>
+          </a:xfrm>
+          <a:prstGeom prst="rect">
+            <a:avLst/>
+          </a:prstGeom>
+        </p:spPr>
+      </p:pic>
+      <p:sp>
+        <p:nvSpPr>
+          <p:cNvPr id="17" name="TextBox 16"/>
+          <p:cNvSpPr txBox="1"/>
+          <p:nvPr/>
+        </p:nvSpPr>
+        <p:spPr>
+          <a:xfrm>
+            <a:off x="2035110" y="3092669"/>
+            <a:ext cx="5005769" cy="1754326"/>
+          </a:xfrm>
+          <a:prstGeom prst="rect">
+            <a:avLst/>
+          </a:prstGeom>
+          <a:noFill/>
+        </p:spPr>
+        <p:txBody>
+          <a:bodyPr wrap="square" rtlCol="0">
+            <a:spAutoFit/>
+          </a:bodyPr>
+          <a:lstStyle/>
+          <a:p>
+            <a:pPr algn="ctr"/>
+            <a:r>
+              <a:rPr lang="en-US" dirty="0" smtClean="0"/>
+              <a:t>HW </a:t>
+            </a:r>
+            <a:r>
+              <a:rPr lang="en-US" dirty="0" smtClean="0"/>
+              <a:t>15</a:t>
+            </a:r>
+            <a:endParaRPr lang="en-US" dirty="0"/>
+          </a:p>
+          <a:p>
+            <a:pPr algn="ctr"/>
+            <a:r>
+              <a:rPr lang="en-US" b="1" u="sng" dirty="0" smtClean="0"/>
+              <a:t>RM</a:t>
+            </a:r>
+            <a:r>
+              <a:rPr lang="en-US" b="1" u="sng" dirty="0" smtClean="0"/>
+              <a:t> </a:t>
+            </a:r>
+            <a:r>
+              <a:rPr lang="en-US" b="1" u="sng" dirty="0" smtClean="0"/>
+              <a:t>ANOVAs</a:t>
+            </a:r>
+          </a:p>
+          <a:p>
+            <a:pPr algn="ctr"/>
+            <a:r>
+              <a:rPr lang="en-US" dirty="0" smtClean="0"/>
+              <a:t>Item 1</a:t>
+            </a:r>
+          </a:p>
+          <a:p>
+            <a:pPr algn="ctr"/>
+            <a:r>
+              <a:rPr lang="en-US" dirty="0" smtClean="0"/>
+              <a:t>Person-Profile Plots</a:t>
+            </a:r>
+          </a:p>
+          <a:p>
+            <a:pPr algn="ctr"/>
+            <a:r>
+              <a:rPr lang="en-US" dirty="0" smtClean="0"/>
+              <a:t>Hand Calculations</a:t>
+            </a:r>
+            <a:endParaRPr lang="en-US" dirty="0" smtClean="0"/>
+          </a:p>
+          <a:p>
+            <a:pPr algn="ctr"/>
+            <a:endParaRPr lang="en-US" dirty="0" smtClean="0"/>
+          </a:p>
+        </p:txBody>
+      </p:sp>
     </p:spTree>
     <p:extLst>
       <p:ext uri="{BB962C8B-B14F-4D97-AF65-F5344CB8AC3E}">
-        <p14:creationId xmlns:p14="http://schemas.microsoft.com/office/powerpoint/2010/main" val="928580799"/>
+        <p14:creationId xmlns:p14="http://schemas.microsoft.com/office/powerpoint/2010/main" val="2105505871"/>
       </p:ext>
     </p:extLst>
   </p:cSld>
@@ -5954,7 +7783,7 @@
 </p:sld>
 </file>
 
-<file path=ppt/slides/slide17.xml><?xml version="1.0" encoding="utf-8"?>
+<file path=ppt/slides/slide20.xml><?xml version="1.0" encoding="utf-8"?>
 <p:sld xmlns:a="http://schemas.openxmlformats.org/drawingml/2006/main" xmlns:r="http://schemas.openxmlformats.org/officeDocument/2006/relationships" xmlns:p="http://schemas.openxmlformats.org/presentationml/2006/main">
   <p:cSld>
     <p:spTree>
@@ -6072,7 +7901,7 @@
             <a:pPr algn="ctr"/>
             <a:r>
               <a:rPr lang="en-US" dirty="0" smtClean="0"/>
-              <a:t>March 9, 2020</a:t>
+              <a:t>March 11, 2020</a:t>
             </a:r>
             <a:endParaRPr lang="en-US" dirty="0"/>
           </a:p>
@@ -6119,14 +7948,14 @@
             <a:pPr algn="ctr"/>
             <a:r>
               <a:rPr lang="en-US" i="1" dirty="0" smtClean="0"/>
-              <a:t>First half, chapter slides</a:t>
+              <a:t>Second half, chapter slides</a:t>
             </a:r>
           </a:p>
           <a:p>
             <a:pPr algn="ctr"/>
             <a:r>
               <a:rPr lang="en-US" i="1" dirty="0" smtClean="0"/>
-              <a:t>Mostly New Material Presentation</a:t>
+              <a:t>Mostly Examples, Using R, and HW Help</a:t>
             </a:r>
           </a:p>
         </p:txBody>
@@ -6269,7 +8098,7 @@
     </p:spTree>
     <p:extLst>
       <p:ext uri="{BB962C8B-B14F-4D97-AF65-F5344CB8AC3E}">
-        <p14:creationId xmlns:p14="http://schemas.microsoft.com/office/powerpoint/2010/main" val="2758197068"/>
+        <p14:creationId xmlns:p14="http://schemas.microsoft.com/office/powerpoint/2010/main" val="928580799"/>
       </p:ext>
     </p:extLst>
   </p:cSld>
@@ -6279,7 +8108,7 @@
 </p:sld>
 </file>
 
-<file path=ppt/slides/slide18.xml><?xml version="1.0" encoding="utf-8"?>
+<file path=ppt/slides/slide21.xml><?xml version="1.0" encoding="utf-8"?>
 <p:sld xmlns:a="http://schemas.openxmlformats.org/drawingml/2006/main" xmlns:r="http://schemas.openxmlformats.org/officeDocument/2006/relationships" xmlns:p="http://schemas.openxmlformats.org/presentationml/2006/main">
   <p:cSld>
     <p:spTree>
@@ -6397,7 +8226,7 @@
             <a:pPr algn="ctr"/>
             <a:r>
               <a:rPr lang="en-US" dirty="0" smtClean="0"/>
-              <a:t>Feb. 19, 2020</a:t>
+              <a:t>March 9, 2020</a:t>
             </a:r>
             <a:endParaRPr lang="en-US" dirty="0"/>
           </a:p>
@@ -6411,8 +8240,8 @@
         </p:nvSpPr>
         <p:spPr>
           <a:xfrm>
-            <a:off x="2130478" y="2956774"/>
-            <a:ext cx="5005769" cy="923330"/>
+            <a:off x="2175358" y="3486436"/>
+            <a:ext cx="5005769" cy="1200329"/>
           </a:xfrm>
           <a:prstGeom prst="rect">
             <a:avLst/>
@@ -6428,18 +8257,15 @@
             <a:pPr algn="ctr"/>
             <a:r>
               <a:rPr lang="en-US" dirty="0" smtClean="0"/>
-              <a:t>Chapter </a:t>
-            </a:r>
-            <a:r>
-              <a:rPr lang="en-US" dirty="0"/>
-              <a:t>9</a:t>
-            </a:r>
+              <a:t>Chapter 12</a:t>
+            </a:r>
+            <a:endParaRPr lang="en-US" dirty="0"/>
           </a:p>
           <a:p>
             <a:pPr algn="ctr"/>
             <a:r>
               <a:rPr lang="en-US" b="1" u="sng" dirty="0" smtClean="0"/>
-              <a:t>Correlation</a:t>
+              <a:t>One-way Independent Groups ANOVA</a:t>
             </a:r>
             <a:endParaRPr lang="en-US" dirty="0" smtClean="0"/>
           </a:p>
@@ -6447,7 +8273,14 @@
             <a:pPr algn="ctr"/>
             <a:r>
               <a:rPr lang="en-US" i="1" dirty="0" smtClean="0"/>
-              <a:t>Second half, chapter slides</a:t>
+              <a:t>First half, chapter slides</a:t>
+            </a:r>
+          </a:p>
+          <a:p>
+            <a:pPr algn="ctr"/>
+            <a:r>
+              <a:rPr lang="en-US" i="1" dirty="0" smtClean="0"/>
+              <a:t>Mostly New Material Presentation</a:t>
             </a:r>
           </a:p>
         </p:txBody>
@@ -6587,56 +8420,10 @@
           </a:prstGeom>
         </p:spPr>
       </p:pic>
-      <p:sp>
-        <p:nvSpPr>
-          <p:cNvPr id="15" name="TextBox 14"/>
-          <p:cNvSpPr txBox="1"/>
-          <p:nvPr/>
-        </p:nvSpPr>
-        <p:spPr>
-          <a:xfrm>
-            <a:off x="2107241" y="4130160"/>
-            <a:ext cx="5005769" cy="923330"/>
-          </a:xfrm>
-          <a:prstGeom prst="rect">
-            <a:avLst/>
-          </a:prstGeom>
-          <a:noFill/>
-        </p:spPr>
-        <p:txBody>
-          <a:bodyPr wrap="square" rtlCol="0">
-            <a:spAutoFit/>
-          </a:bodyPr>
-          <a:lstStyle/>
-          <a:p>
-            <a:pPr algn="ctr"/>
-            <a:r>
-              <a:rPr lang="en-US" dirty="0" smtClean="0"/>
-              <a:t>Chapter 10</a:t>
-            </a:r>
-            <a:endParaRPr lang="en-US" dirty="0"/>
-          </a:p>
-          <a:p>
-            <a:pPr algn="ctr"/>
-            <a:r>
-              <a:rPr lang="en-US" b="1" u="sng" dirty="0" smtClean="0"/>
-              <a:t>Simple Linear Regression</a:t>
-            </a:r>
-            <a:endParaRPr lang="en-US" dirty="0" smtClean="0"/>
-          </a:p>
-          <a:p>
-            <a:pPr algn="ctr"/>
-            <a:r>
-              <a:rPr lang="en-US" i="1" dirty="0" smtClean="0"/>
-              <a:t>chapter slides (majority)</a:t>
-            </a:r>
-          </a:p>
-        </p:txBody>
-      </p:sp>
     </p:spTree>
     <p:extLst>
       <p:ext uri="{BB962C8B-B14F-4D97-AF65-F5344CB8AC3E}">
-        <p14:creationId xmlns:p14="http://schemas.microsoft.com/office/powerpoint/2010/main" val="2730707931"/>
+        <p14:creationId xmlns:p14="http://schemas.microsoft.com/office/powerpoint/2010/main" val="2758197068"/>
       </p:ext>
     </p:extLst>
   </p:cSld>
@@ -6646,7 +8433,7 @@
 </p:sld>
 </file>
 
-<file path=ppt/slides/slide19.xml><?xml version="1.0" encoding="utf-8"?>
+<file path=ppt/slides/slide22.xml><?xml version="1.0" encoding="utf-8"?>
 <p:sld xmlns:a="http://schemas.openxmlformats.org/drawingml/2006/main" xmlns:r="http://schemas.openxmlformats.org/officeDocument/2006/relationships" xmlns:p="http://schemas.openxmlformats.org/presentationml/2006/main">
   <p:cSld>
     <p:spTree>
@@ -6764,7 +8551,7 @@
             <a:pPr algn="ctr"/>
             <a:r>
               <a:rPr lang="en-US" dirty="0" smtClean="0"/>
-              <a:t>Feb. 12, 2020</a:t>
+              <a:t>Feb. 19, 2020</a:t>
             </a:r>
             <a:endParaRPr lang="en-US" dirty="0"/>
           </a:p>
@@ -6778,7 +8565,7 @@
         </p:nvSpPr>
         <p:spPr>
           <a:xfrm>
-            <a:off x="2175357" y="4235713"/>
+            <a:off x="2130478" y="2956774"/>
             <a:ext cx="5005769" cy="923330"/>
           </a:xfrm>
           <a:prstGeom prst="rect">
@@ -6814,7 +8601,7 @@
             <a:pPr algn="ctr"/>
             <a:r>
               <a:rPr lang="en-US" i="1" dirty="0" smtClean="0"/>
-              <a:t>First half, chapter slides</a:t>
+              <a:t>Second half, chapter slides</a:t>
             </a:r>
           </a:p>
         </p:txBody>
@@ -6956,14 +8743,14 @@
       </p:pic>
       <p:sp>
         <p:nvSpPr>
-          <p:cNvPr id="13" name="TextBox 12"/>
+          <p:cNvPr id="15" name="TextBox 14"/>
           <p:cNvSpPr txBox="1"/>
           <p:nvPr/>
         </p:nvSpPr>
         <p:spPr>
           <a:xfrm>
-            <a:off x="2175358" y="2646127"/>
-            <a:ext cx="5005769" cy="1477328"/>
+            <a:off x="2107241" y="4130160"/>
+            <a:ext cx="5005769" cy="923330"/>
           </a:xfrm>
           <a:prstGeom prst="rect">
             <a:avLst/>
@@ -6979,18 +8766,15 @@
             <a:pPr algn="ctr"/>
             <a:r>
               <a:rPr lang="en-US" dirty="0" smtClean="0"/>
-              <a:t>Chapter </a:t>
-            </a:r>
-            <a:r>
-              <a:rPr lang="en-US" dirty="0"/>
-              <a:t>8</a:t>
-            </a:r>
+              <a:t>Chapter 10</a:t>
+            </a:r>
+            <a:endParaRPr lang="en-US" dirty="0"/>
           </a:p>
           <a:p>
             <a:pPr algn="ctr"/>
             <a:r>
               <a:rPr lang="en-US" b="1" u="sng" dirty="0" smtClean="0"/>
-              <a:t>Effect Size &amp; Power Analysis</a:t>
+              <a:t>Simple Linear Regression</a:t>
             </a:r>
             <a:endParaRPr lang="en-US" dirty="0" smtClean="0"/>
           </a:p>
@@ -6998,21 +8782,7 @@
             <a:pPr algn="ctr"/>
             <a:r>
               <a:rPr lang="en-US" i="1" dirty="0" smtClean="0"/>
-              <a:t>Chapter slides</a:t>
-            </a:r>
-          </a:p>
-          <a:p>
-            <a:pPr algn="ctr"/>
-            <a:r>
-              <a:rPr lang="en-US" i="1" dirty="0" smtClean="0"/>
-              <a:t>Demo G*Power software</a:t>
-            </a:r>
-          </a:p>
-          <a:p>
-            <a:pPr algn="ctr"/>
-            <a:r>
-              <a:rPr lang="en-US" i="1" dirty="0" smtClean="0"/>
-              <a:t>Homework Help</a:t>
+              <a:t>chapter slides (majority)</a:t>
             </a:r>
           </a:p>
         </p:txBody>
@@ -7020,7 +8790,7 @@
     </p:spTree>
     <p:extLst>
       <p:ext uri="{BB962C8B-B14F-4D97-AF65-F5344CB8AC3E}">
-        <p14:creationId xmlns:p14="http://schemas.microsoft.com/office/powerpoint/2010/main" val="3221510669"/>
+        <p14:creationId xmlns:p14="http://schemas.microsoft.com/office/powerpoint/2010/main" val="2730707931"/>
       </p:ext>
     </p:extLst>
   </p:cSld>
@@ -7030,7 +8800,7 @@
 </p:sld>
 </file>
 
-<file path=ppt/slides/slide2.xml><?xml version="1.0" encoding="utf-8"?>
+<file path=ppt/slides/slide23.xml><?xml version="1.0" encoding="utf-8"?>
 <p:sld xmlns:a="http://schemas.openxmlformats.org/drawingml/2006/main" xmlns:r="http://schemas.openxmlformats.org/officeDocument/2006/relationships" xmlns:p="http://schemas.openxmlformats.org/presentationml/2006/main">
   <p:cSld>
     <p:spTree>
@@ -7101,8 +8871,8 @@
         </p:nvSpPr>
         <p:spPr>
           <a:xfrm>
-            <a:off x="4184694" y="1065121"/>
-            <a:ext cx="5712369" cy="1754326"/>
+            <a:off x="3840385" y="1213849"/>
+            <a:ext cx="5712369" cy="923330"/>
           </a:xfrm>
           <a:prstGeom prst="rect">
             <a:avLst/>
@@ -7117,7 +8887,7 @@
           <a:p>
             <a:r>
               <a:rPr lang="en-US" sz="5400" dirty="0" smtClean="0"/>
-              <a:t>OUT-OF-CLASS LECTURES</a:t>
+              <a:t>INCLASS LECTURES</a:t>
             </a:r>
             <a:endParaRPr lang="en-US" sz="5400" dirty="0"/>
           </a:p>
@@ -7148,15 +8918,7 @@
             <a:pPr algn="ctr"/>
             <a:r>
               <a:rPr lang="en-US" dirty="0" smtClean="0"/>
-              <a:t>April</a:t>
-            </a:r>
-            <a:r>
-              <a:rPr lang="en-US" dirty="0" smtClean="0"/>
-              <a:t> 13, </a:t>
-            </a:r>
-            <a:r>
-              <a:rPr lang="en-US" dirty="0" smtClean="0"/>
-              <a:t>2020</a:t>
+              <a:t>Feb. 12, 2020</a:t>
             </a:r>
             <a:endParaRPr lang="en-US" dirty="0"/>
           </a:p>
@@ -7170,8 +8932,8 @@
         </p:nvSpPr>
         <p:spPr>
           <a:xfrm>
-            <a:off x="2136087" y="2916921"/>
-            <a:ext cx="5005769" cy="2308324"/>
+            <a:off x="2175357" y="4235713"/>
+            <a:ext cx="5005769" cy="923330"/>
           </a:xfrm>
           <a:prstGeom prst="rect">
             <a:avLst/>
@@ -7190,73 +8952,24 @@
               <a:t>Chapter </a:t>
             </a:r>
             <a:r>
-              <a:rPr lang="en-US" dirty="0" smtClean="0"/>
-              <a:t>15</a:t>
-            </a:r>
-            <a:endParaRPr lang="en-US" dirty="0"/>
+              <a:rPr lang="en-US" dirty="0"/>
+              <a:t>9</a:t>
+            </a:r>
           </a:p>
           <a:p>
             <a:pPr algn="ctr"/>
             <a:r>
               <a:rPr lang="en-US" b="1" u="sng" dirty="0" smtClean="0"/>
-              <a:t>Repeated </a:t>
-            </a:r>
-            <a:r>
-              <a:rPr lang="en-US" b="1" u="sng" dirty="0" err="1" smtClean="0"/>
-              <a:t>Measurs</a:t>
-            </a:r>
-            <a:r>
-              <a:rPr lang="en-US" b="1" u="sng" dirty="0" smtClean="0"/>
-              <a:t> </a:t>
-            </a:r>
-            <a:r>
-              <a:rPr lang="en-US" b="1" u="sng" dirty="0" smtClean="0"/>
-              <a:t>ANOVA</a:t>
-            </a:r>
-            <a:endParaRPr lang="en-US" b="1" u="sng" dirty="0"/>
+              <a:t>Correlation</a:t>
+            </a:r>
+            <a:endParaRPr lang="en-US" dirty="0" smtClean="0"/>
           </a:p>
           <a:p>
             <a:pPr algn="ctr"/>
             <a:r>
               <a:rPr lang="en-US" i="1" dirty="0" smtClean="0"/>
-              <a:t>2-way RM ANOVA</a:t>
-            </a:r>
-          </a:p>
-          <a:p>
-            <a:pPr algn="ctr"/>
-            <a:r>
-              <a:rPr lang="en-US" i="1" dirty="0" smtClean="0"/>
-              <a:t>Effect Sizes</a:t>
-            </a:r>
-          </a:p>
-          <a:p>
-            <a:pPr algn="ctr"/>
-            <a:r>
-              <a:rPr lang="en-US" i="1" dirty="0" smtClean="0"/>
-              <a:t>Follow-up test &amp; Multiple Comparisons</a:t>
-            </a:r>
-          </a:p>
-          <a:p>
-            <a:pPr algn="ctr"/>
-            <a:r>
-              <a:rPr lang="en-US" i="1" dirty="0" smtClean="0"/>
-              <a:t>Interaction</a:t>
-            </a:r>
-          </a:p>
-          <a:p>
-            <a:pPr algn="ctr"/>
-            <a:r>
-              <a:rPr lang="en-US" i="1" dirty="0" smtClean="0"/>
-              <a:t>Reporting Results</a:t>
-            </a:r>
-          </a:p>
-          <a:p>
-            <a:pPr algn="ctr"/>
-            <a:r>
-              <a:rPr lang="en-US" i="1" dirty="0" smtClean="0"/>
-              <a:t>Slides 37-end</a:t>
-            </a:r>
-            <a:endParaRPr lang="en-US" i="1" dirty="0"/>
+              <a:t>First half, chapter slides</a:t>
+            </a:r>
           </a:p>
         </p:txBody>
       </p:sp>
@@ -7395,47 +9108,6 @@
           </a:prstGeom>
         </p:spPr>
       </p:pic>
-      <p:pic>
-        <p:nvPicPr>
-          <p:cNvPr id="1026" name="Picture 2" descr="Image result for virus"/>
-          <p:cNvPicPr>
-            <a:picLocks noChangeAspect="1" noChangeArrowheads="1"/>
-          </p:cNvPicPr>
-          <p:nvPr/>
-        </p:nvPicPr>
-        <p:blipFill>
-          <a:blip r:embed="rId6" cstate="print">
-            <a:extLst>
-              <a:ext uri="{28A0092B-C50C-407E-A947-70E740481C1C}">
-                <a14:useLocalDpi xmlns:a14="http://schemas.microsoft.com/office/drawing/2010/main" val="0"/>
-              </a:ext>
-            </a:extLst>
-          </a:blip>
-          <a:srcRect/>
-          <a:stretch>
-            <a:fillRect/>
-          </a:stretch>
-        </p:blipFill>
-        <p:spPr bwMode="auto">
-          <a:xfrm>
-            <a:off x="1908176" y="4866721"/>
-            <a:ext cx="825034" cy="824421"/>
-          </a:xfrm>
-          <a:prstGeom prst="rect">
-            <a:avLst/>
-          </a:prstGeom>
-          <a:noFill/>
-          <a:extLst>
-            <a:ext uri="{909E8E84-426E-40DD-AFC4-6F175D3DCCD1}">
-              <a14:hiddenFill xmlns:a14="http://schemas.microsoft.com/office/drawing/2010/main">
-                <a:solidFill>
-                  <a:srgbClr val="FFFFFF"/>
-                </a:solidFill>
-              </a14:hiddenFill>
-            </a:ext>
-          </a:extLst>
-        </p:spPr>
-      </p:pic>
       <p:sp>
         <p:nvSpPr>
           <p:cNvPr id="13" name="TextBox 12"/>
@@ -7444,8 +9116,8 @@
         </p:nvSpPr>
         <p:spPr>
           <a:xfrm>
-            <a:off x="2524444" y="5254195"/>
-            <a:ext cx="1238954" cy="369332"/>
+            <a:off x="2175358" y="2646127"/>
+            <a:ext cx="5005769" cy="1477328"/>
           </a:xfrm>
           <a:prstGeom prst="rect">
             <a:avLst/>
@@ -7460,29 +9132,49 @@
           <a:p>
             <a:pPr algn="ctr"/>
             <a:r>
-              <a:rPr lang="en-US" b="1" dirty="0" smtClean="0">
-                <a:solidFill>
-                  <a:schemeClr val="accent1">
-                    <a:lumMod val="75000"/>
-                  </a:schemeClr>
-                </a:solidFill>
-              </a:rPr>
-              <a:t>Covid-19</a:t>
-            </a:r>
-            <a:endParaRPr lang="en-US" b="1" dirty="0">
-              <a:solidFill>
-                <a:schemeClr val="accent1">
-                  <a:lumMod val="75000"/>
-                </a:schemeClr>
-              </a:solidFill>
-            </a:endParaRPr>
+              <a:rPr lang="en-US" dirty="0" smtClean="0"/>
+              <a:t>Chapter </a:t>
+            </a:r>
+            <a:r>
+              <a:rPr lang="en-US" dirty="0"/>
+              <a:t>8</a:t>
+            </a:r>
+          </a:p>
+          <a:p>
+            <a:pPr algn="ctr"/>
+            <a:r>
+              <a:rPr lang="en-US" b="1" u="sng" dirty="0" smtClean="0"/>
+              <a:t>Effect Size &amp; Power Analysis</a:t>
+            </a:r>
+            <a:endParaRPr lang="en-US" dirty="0" smtClean="0"/>
+          </a:p>
+          <a:p>
+            <a:pPr algn="ctr"/>
+            <a:r>
+              <a:rPr lang="en-US" i="1" dirty="0" smtClean="0"/>
+              <a:t>Chapter slides</a:t>
+            </a:r>
+          </a:p>
+          <a:p>
+            <a:pPr algn="ctr"/>
+            <a:r>
+              <a:rPr lang="en-US" i="1" dirty="0" smtClean="0"/>
+              <a:t>Demo G*Power software</a:t>
+            </a:r>
+          </a:p>
+          <a:p>
+            <a:pPr algn="ctr"/>
+            <a:r>
+              <a:rPr lang="en-US" i="1" dirty="0" smtClean="0"/>
+              <a:t>Homework Help</a:t>
+            </a:r>
           </a:p>
         </p:txBody>
       </p:sp>
     </p:spTree>
     <p:extLst>
       <p:ext uri="{BB962C8B-B14F-4D97-AF65-F5344CB8AC3E}">
-        <p14:creationId xmlns:p14="http://schemas.microsoft.com/office/powerpoint/2010/main" val="2525452429"/>
+        <p14:creationId xmlns:p14="http://schemas.microsoft.com/office/powerpoint/2010/main" val="3221510669"/>
       </p:ext>
     </p:extLst>
   </p:cSld>
@@ -7492,7 +9184,7 @@
 </p:sld>
 </file>
 
-<file path=ppt/slides/slide20.xml><?xml version="1.0" encoding="utf-8"?>
+<file path=ppt/slides/slide24.xml><?xml version="1.0" encoding="utf-8"?>
 <p:sld xmlns:a="http://schemas.openxmlformats.org/drawingml/2006/main" xmlns:r="http://schemas.openxmlformats.org/officeDocument/2006/relationships" xmlns:p="http://schemas.openxmlformats.org/presentationml/2006/main">
   <p:cSld>
     <p:spTree>
@@ -7817,7 +9509,7 @@
 </p:sld>
 </file>
 
-<file path=ppt/slides/slide21.xml><?xml version="1.0" encoding="utf-8"?>
+<file path=ppt/slides/slide25.xml><?xml version="1.0" encoding="utf-8"?>
 <p:sld xmlns:a="http://schemas.openxmlformats.org/drawingml/2006/main" xmlns:r="http://schemas.openxmlformats.org/officeDocument/2006/relationships" xmlns:p="http://schemas.openxmlformats.org/presentationml/2006/main">
   <p:cSld>
     <p:spTree>
@@ -8154,7 +9846,7 @@
 </p:sld>
 </file>
 
-<file path=ppt/slides/slide22.xml><?xml version="1.0" encoding="utf-8"?>
+<file path=ppt/slides/slide26.xml><?xml version="1.0" encoding="utf-8"?>
 <p:sld xmlns:a="http://schemas.openxmlformats.org/drawingml/2006/main" xmlns:r="http://schemas.openxmlformats.org/officeDocument/2006/relationships" xmlns:p="http://schemas.openxmlformats.org/presentationml/2006/main">
   <p:cSld>
     <p:spTree>
@@ -8491,7 +10183,7 @@
 </p:sld>
 </file>
 
-<file path=ppt/slides/slide23.xml><?xml version="1.0" encoding="utf-8"?>
+<file path=ppt/slides/slide27.xml><?xml version="1.0" encoding="utf-8"?>
 <p:sld xmlns:a="http://schemas.openxmlformats.org/drawingml/2006/main" xmlns:r="http://schemas.openxmlformats.org/officeDocument/2006/relationships" xmlns:p="http://schemas.openxmlformats.org/presentationml/2006/main">
   <p:cSld>
     <p:spTree>
@@ -8859,7 +10551,7 @@
 </p:sld>
 </file>
 
-<file path=ppt/slides/slide24.xml><?xml version="1.0" encoding="utf-8"?>
+<file path=ppt/slides/slide28.xml><?xml version="1.0" encoding="utf-8"?>
 <p:sld xmlns:a="http://schemas.openxmlformats.org/drawingml/2006/main" xmlns:r="http://schemas.openxmlformats.org/officeDocument/2006/relationships" xmlns:p="http://schemas.openxmlformats.org/presentationml/2006/main">
   <p:cSld>
     <p:spTree>
@@ -9226,7 +10918,7 @@
 </p:sld>
 </file>
 
-<file path=ppt/slides/slide25.xml><?xml version="1.0" encoding="utf-8"?>
+<file path=ppt/slides/slide29.xml><?xml version="1.0" encoding="utf-8"?>
 <p:sld xmlns:a="http://schemas.openxmlformats.org/drawingml/2006/main" xmlns:r="http://schemas.openxmlformats.org/officeDocument/2006/relationships" xmlns:p="http://schemas.openxmlformats.org/presentationml/2006/main">
   <p:cSld>
     <p:spTree>
@@ -9587,107 +11279,6 @@
 </p:sld>
 </file>
 
-<file path=ppt/slides/slide26.xml><?xml version="1.0" encoding="utf-8"?>
-<p:sld xmlns:a="http://schemas.openxmlformats.org/drawingml/2006/main" xmlns:r="http://schemas.openxmlformats.org/officeDocument/2006/relationships" xmlns:p="http://schemas.openxmlformats.org/presentationml/2006/main">
-  <p:cSld>
-    <p:spTree>
-      <p:nvGrpSpPr>
-        <p:cNvPr id="1" name=""/>
-        <p:cNvGrpSpPr/>
-        <p:nvPr/>
-      </p:nvGrpSpPr>
-      <p:grpSpPr>
-        <a:xfrm>
-          <a:off x="0" y="0"/>
-          <a:ext cx="0" cy="0"/>
-          <a:chOff x="0" y="0"/>
-          <a:chExt cx="0" cy="0"/>
-        </a:xfrm>
-      </p:grpSpPr>
-      <p:pic>
-        <p:nvPicPr>
-          <p:cNvPr id="2" name="Picture 1"/>
-          <p:cNvPicPr>
-            <a:picLocks noChangeAspect="1"/>
-          </p:cNvPicPr>
-          <p:nvPr/>
-        </p:nvPicPr>
-        <p:blipFill>
-          <a:blip r:embed="rId2" cstate="print">
-            <a:extLst>
-              <a:ext uri="{28A0092B-C50C-407E-A947-70E740481C1C}">
-                <a14:useLocalDpi xmlns:a14="http://schemas.microsoft.com/office/drawing/2010/main" val="0"/>
-              </a:ext>
-            </a:extLst>
-          </a:blip>
-          <a:stretch>
-            <a:fillRect/>
-          </a:stretch>
-        </p:blipFill>
-        <p:spPr>
-          <a:xfrm>
-            <a:off x="5306566" y="2514598"/>
-            <a:ext cx="1578867" cy="1828804"/>
-          </a:xfrm>
-          <a:prstGeom prst="rect">
-            <a:avLst/>
-          </a:prstGeom>
-        </p:spPr>
-      </p:pic>
-      <p:sp>
-        <p:nvSpPr>
-          <p:cNvPr id="3" name="Rectangle 2"/>
-          <p:cNvSpPr/>
-          <p:nvPr/>
-        </p:nvSpPr>
-        <p:spPr>
-          <a:xfrm>
-            <a:off x="5054138" y="2394066"/>
-            <a:ext cx="2094807" cy="2078182"/>
-          </a:xfrm>
-          <a:prstGeom prst="rect">
-            <a:avLst/>
-          </a:prstGeom>
-          <a:noFill/>
-        </p:spPr>
-        <p:style>
-          <a:lnRef idx="2">
-            <a:schemeClr val="accent1">
-              <a:shade val="50000"/>
-            </a:schemeClr>
-          </a:lnRef>
-          <a:fillRef idx="1">
-            <a:schemeClr val="accent1"/>
-          </a:fillRef>
-          <a:effectRef idx="0">
-            <a:schemeClr val="accent1"/>
-          </a:effectRef>
-          <a:fontRef idx="minor">
-            <a:schemeClr val="lt1"/>
-          </a:fontRef>
-        </p:style>
-        <p:txBody>
-          <a:bodyPr rtlCol="0" anchor="ctr"/>
-          <a:lstStyle/>
-          <a:p>
-            <a:pPr algn="ctr"/>
-            <a:endParaRPr lang="en-US"/>
-          </a:p>
-        </p:txBody>
-      </p:sp>
-    </p:spTree>
-    <p:extLst>
-      <p:ext uri="{BB962C8B-B14F-4D97-AF65-F5344CB8AC3E}">
-        <p14:creationId xmlns:p14="http://schemas.microsoft.com/office/powerpoint/2010/main" val="2048573925"/>
-      </p:ext>
-    </p:extLst>
-  </p:cSld>
-  <p:clrMapOvr>
-    <a:masterClrMapping/>
-  </p:clrMapOvr>
-</p:sld>
-</file>
-
 <file path=ppt/slides/slide3.xml><?xml version="1.0" encoding="utf-8"?>
 <p:sld xmlns:a="http://schemas.openxmlformats.org/drawingml/2006/main" xmlns:r="http://schemas.openxmlformats.org/officeDocument/2006/relationships" xmlns:p="http://schemas.openxmlformats.org/presentationml/2006/main">
   <p:cSld>
@@ -9713,7 +11304,7 @@
         </p:nvSpPr>
         <p:spPr>
           <a:xfrm>
-            <a:off x="1808702" y="824230"/>
+            <a:off x="1853580" y="824230"/>
             <a:ext cx="8778240" cy="5010912"/>
           </a:xfrm>
           <a:prstGeom prst="rect">
@@ -9759,7 +11350,7 @@
         </p:nvSpPr>
         <p:spPr>
           <a:xfrm>
-            <a:off x="4184694" y="1065121"/>
+            <a:off x="3838696" y="1056832"/>
             <a:ext cx="5712369" cy="1754326"/>
           </a:xfrm>
           <a:prstGeom prst="rect">
@@ -9775,7 +11366,13 @@
           <a:p>
             <a:r>
               <a:rPr lang="en-US" sz="5400" dirty="0" smtClean="0"/>
-              <a:t>OUT-OF-CLASS LECTURES</a:t>
+              <a:t>Virtual </a:t>
+            </a:r>
+          </a:p>
+          <a:p>
+            <a:r>
+              <a:rPr lang="en-US" sz="5400" dirty="0" smtClean="0"/>
+              <a:t>Office Hours</a:t>
             </a:r>
             <a:endParaRPr lang="en-US" sz="5400" dirty="0"/>
           </a:p>
@@ -9806,87 +11403,17 @@
             <a:pPr algn="ctr"/>
             <a:r>
               <a:rPr lang="en-US" dirty="0" smtClean="0"/>
-              <a:t>April</a:t>
+              <a:t>April </a:t>
             </a:r>
             <a:r>
               <a:rPr lang="en-US" dirty="0" smtClean="0"/>
-              <a:t> 13, </a:t>
+              <a:t>16, </a:t>
             </a:r>
             <a:r>
               <a:rPr lang="en-US" dirty="0" smtClean="0"/>
               <a:t>2020</a:t>
             </a:r>
             <a:endParaRPr lang="en-US" dirty="0"/>
-          </a:p>
-        </p:txBody>
-      </p:sp>
-      <p:sp>
-        <p:nvSpPr>
-          <p:cNvPr id="9" name="TextBox 8"/>
-          <p:cNvSpPr txBox="1"/>
-          <p:nvPr/>
-        </p:nvSpPr>
-        <p:spPr>
-          <a:xfrm>
-            <a:off x="2035110" y="3043759"/>
-            <a:ext cx="5005769" cy="1200329"/>
-          </a:xfrm>
-          <a:prstGeom prst="rect">
-            <a:avLst/>
-          </a:prstGeom>
-          <a:noFill/>
-        </p:spPr>
-        <p:txBody>
-          <a:bodyPr wrap="square" rtlCol="0">
-            <a:spAutoFit/>
-          </a:bodyPr>
-          <a:lstStyle/>
-          <a:p>
-            <a:pPr algn="ctr"/>
-            <a:r>
-              <a:rPr lang="en-US" dirty="0" smtClean="0"/>
-              <a:t>Chapter </a:t>
-            </a:r>
-            <a:r>
-              <a:rPr lang="en-US" dirty="0" smtClean="0"/>
-              <a:t>15</a:t>
-            </a:r>
-            <a:endParaRPr lang="en-US" dirty="0"/>
-          </a:p>
-          <a:p>
-            <a:pPr algn="ctr"/>
-            <a:r>
-              <a:rPr lang="en-US" b="1" u="sng" dirty="0" smtClean="0"/>
-              <a:t>Repeated </a:t>
-            </a:r>
-            <a:r>
-              <a:rPr lang="en-US" b="1" u="sng" dirty="0" err="1" smtClean="0"/>
-              <a:t>Measurs</a:t>
-            </a:r>
-            <a:r>
-              <a:rPr lang="en-US" b="1" u="sng" dirty="0" smtClean="0"/>
-              <a:t> </a:t>
-            </a:r>
-            <a:r>
-              <a:rPr lang="en-US" b="1" u="sng" dirty="0" smtClean="0"/>
-              <a:t>ANOVA</a:t>
-            </a:r>
-            <a:endParaRPr lang="en-US" b="1" u="sng" dirty="0"/>
-          </a:p>
-          <a:p>
-            <a:pPr algn="ctr"/>
-            <a:r>
-              <a:rPr lang="en-US" i="1" dirty="0" smtClean="0"/>
-              <a:t>1-way RM ANOVA</a:t>
-            </a:r>
-          </a:p>
-          <a:p>
-            <a:pPr algn="ctr"/>
-            <a:r>
-              <a:rPr lang="en-US" i="1" dirty="0" smtClean="0"/>
-              <a:t>Slides 1 - 36</a:t>
-            </a:r>
-            <a:endParaRPr lang="en-US" i="1" dirty="0"/>
           </a:p>
         </p:txBody>
       </p:sp>
@@ -10027,92 +11554,205 @@
       </p:pic>
       <p:pic>
         <p:nvPicPr>
-          <p:cNvPr id="1026" name="Picture 2" descr="Image result for virus"/>
+          <p:cNvPr id="5" name="Picture 4"/>
           <p:cNvPicPr>
-            <a:picLocks noChangeAspect="1" noChangeArrowheads="1"/>
+            <a:picLocks noChangeAspect="1"/>
           </p:cNvPicPr>
           <p:nvPr/>
         </p:nvPicPr>
         <p:blipFill>
-          <a:blip r:embed="rId6" cstate="print">
+          <a:blip r:embed="rId6"/>
+          <a:stretch>
+            <a:fillRect/>
+          </a:stretch>
+        </p:blipFill>
+        <p:spPr>
+          <a:xfrm>
+            <a:off x="1985351" y="4872564"/>
+            <a:ext cx="1853345" cy="853514"/>
+          </a:xfrm>
+          <a:prstGeom prst="rect">
+            <a:avLst/>
+          </a:prstGeom>
+        </p:spPr>
+      </p:pic>
+      <p:sp>
+        <p:nvSpPr>
+          <p:cNvPr id="17" name="TextBox 16"/>
+          <p:cNvSpPr txBox="1"/>
+          <p:nvPr/>
+        </p:nvSpPr>
+        <p:spPr>
+          <a:xfrm>
+            <a:off x="2035110" y="3092669"/>
+            <a:ext cx="5005769" cy="1754326"/>
+          </a:xfrm>
+          <a:prstGeom prst="rect">
+            <a:avLst/>
+          </a:prstGeom>
+          <a:noFill/>
+        </p:spPr>
+        <p:txBody>
+          <a:bodyPr wrap="square" rtlCol="0">
+            <a:spAutoFit/>
+          </a:bodyPr>
+          <a:lstStyle/>
+          <a:p>
+            <a:pPr algn="ctr"/>
+            <a:r>
+              <a:rPr lang="en-US" dirty="0" smtClean="0"/>
+              <a:t>HW 16</a:t>
+            </a:r>
+            <a:endParaRPr lang="en-US" dirty="0"/>
+          </a:p>
+          <a:p>
+            <a:pPr algn="ctr"/>
+            <a:r>
+              <a:rPr lang="en-US" b="1" u="sng" dirty="0" smtClean="0"/>
+              <a:t>Mixed ANOVAs</a:t>
+            </a:r>
+          </a:p>
+          <a:p>
+            <a:pPr algn="ctr"/>
+            <a:r>
+              <a:rPr lang="en-US" dirty="0" smtClean="0"/>
+              <a:t>Section “C” problems</a:t>
+            </a:r>
+          </a:p>
+          <a:p>
+            <a:pPr algn="ctr"/>
+            <a:r>
+              <a:rPr lang="en-US" dirty="0" smtClean="0"/>
+              <a:t>APA write-up</a:t>
+            </a:r>
+          </a:p>
+          <a:p>
+            <a:pPr algn="ctr"/>
+            <a:r>
+              <a:rPr lang="en-US" dirty="0" smtClean="0"/>
+              <a:t>Methods &amp; </a:t>
+            </a:r>
+            <a:r>
+              <a:rPr lang="en-US" dirty="0"/>
+              <a:t>R</a:t>
+            </a:r>
+            <a:r>
+              <a:rPr lang="en-US" dirty="0" smtClean="0"/>
+              <a:t>esults sections</a:t>
+            </a:r>
+            <a:endParaRPr lang="en-US" dirty="0" smtClean="0"/>
+          </a:p>
+          <a:p>
+            <a:pPr algn="ctr"/>
+            <a:endParaRPr lang="en-US" dirty="0" smtClean="0"/>
+          </a:p>
+        </p:txBody>
+      </p:sp>
+    </p:spTree>
+    <p:extLst>
+      <p:ext uri="{BB962C8B-B14F-4D97-AF65-F5344CB8AC3E}">
+        <p14:creationId xmlns:p14="http://schemas.microsoft.com/office/powerpoint/2010/main" val="1059415320"/>
+      </p:ext>
+    </p:extLst>
+  </p:cSld>
+  <p:clrMapOvr>
+    <a:masterClrMapping/>
+  </p:clrMapOvr>
+</p:sld>
+</file>
+
+<file path=ppt/slides/slide30.xml><?xml version="1.0" encoding="utf-8"?>
+<p:sld xmlns:a="http://schemas.openxmlformats.org/drawingml/2006/main" xmlns:r="http://schemas.openxmlformats.org/officeDocument/2006/relationships" xmlns:p="http://schemas.openxmlformats.org/presentationml/2006/main">
+  <p:cSld>
+    <p:spTree>
+      <p:nvGrpSpPr>
+        <p:cNvPr id="1" name=""/>
+        <p:cNvGrpSpPr/>
+        <p:nvPr/>
+      </p:nvGrpSpPr>
+      <p:grpSpPr>
+        <a:xfrm>
+          <a:off x="0" y="0"/>
+          <a:ext cx="0" cy="0"/>
+          <a:chOff x="0" y="0"/>
+          <a:chExt cx="0" cy="0"/>
+        </a:xfrm>
+      </p:grpSpPr>
+      <p:pic>
+        <p:nvPicPr>
+          <p:cNvPr id="2" name="Picture 1"/>
+          <p:cNvPicPr>
+            <a:picLocks noChangeAspect="1"/>
+          </p:cNvPicPr>
+          <p:nvPr/>
+        </p:nvPicPr>
+        <p:blipFill>
+          <a:blip r:embed="rId2" cstate="print">
             <a:extLst>
               <a:ext uri="{28A0092B-C50C-407E-A947-70E740481C1C}">
                 <a14:useLocalDpi xmlns:a14="http://schemas.microsoft.com/office/drawing/2010/main" val="0"/>
               </a:ext>
             </a:extLst>
           </a:blip>
-          <a:srcRect/>
           <a:stretch>
             <a:fillRect/>
           </a:stretch>
         </p:blipFill>
-        <p:spPr bwMode="auto">
-          <a:xfrm>
-            <a:off x="1908176" y="4866721"/>
-            <a:ext cx="825034" cy="824421"/>
+        <p:spPr>
+          <a:xfrm>
+            <a:off x="5306566" y="2514598"/>
+            <a:ext cx="1578867" cy="1828804"/>
+          </a:xfrm>
+          <a:prstGeom prst="rect">
+            <a:avLst/>
+          </a:prstGeom>
+        </p:spPr>
+      </p:pic>
+      <p:sp>
+        <p:nvSpPr>
+          <p:cNvPr id="3" name="Rectangle 2"/>
+          <p:cNvSpPr/>
+          <p:nvPr/>
+        </p:nvSpPr>
+        <p:spPr>
+          <a:xfrm>
+            <a:off x="5054138" y="2394066"/>
+            <a:ext cx="2094807" cy="2078182"/>
           </a:xfrm>
           <a:prstGeom prst="rect">
             <a:avLst/>
           </a:prstGeom>
           <a:noFill/>
-          <a:extLst>
-            <a:ext uri="{909E8E84-426E-40DD-AFC4-6F175D3DCCD1}">
-              <a14:hiddenFill xmlns:a14="http://schemas.microsoft.com/office/drawing/2010/main">
-                <a:solidFill>
-                  <a:srgbClr val="FFFFFF"/>
-                </a:solidFill>
-              </a14:hiddenFill>
-            </a:ext>
-          </a:extLst>
-        </p:spPr>
-      </p:pic>
-      <p:sp>
-        <p:nvSpPr>
-          <p:cNvPr id="13" name="TextBox 12"/>
-          <p:cNvSpPr txBox="1"/>
-          <p:nvPr/>
-        </p:nvSpPr>
-        <p:spPr>
-          <a:xfrm>
-            <a:off x="2524444" y="5254195"/>
-            <a:ext cx="1238954" cy="369332"/>
-          </a:xfrm>
-          <a:prstGeom prst="rect">
-            <a:avLst/>
-          </a:prstGeom>
-          <a:noFill/>
-        </p:spPr>
-        <p:txBody>
-          <a:bodyPr wrap="square" rtlCol="0">
-            <a:spAutoFit/>
-          </a:bodyPr>
-          <a:lstStyle/>
-          <a:p>
-            <a:pPr algn="ctr"/>
-            <a:r>
-              <a:rPr lang="en-US" b="1" dirty="0" smtClean="0">
-                <a:solidFill>
-                  <a:schemeClr val="accent1">
-                    <a:lumMod val="75000"/>
-                  </a:schemeClr>
-                </a:solidFill>
-              </a:rPr>
-              <a:t>Covid-19</a:t>
-            </a:r>
-            <a:endParaRPr lang="en-US" b="1" dirty="0">
-              <a:solidFill>
-                <a:schemeClr val="accent1">
-                  <a:lumMod val="75000"/>
-                </a:schemeClr>
-              </a:solidFill>
-            </a:endParaRPr>
+        </p:spPr>
+        <p:style>
+          <a:lnRef idx="2">
+            <a:schemeClr val="accent1">
+              <a:shade val="50000"/>
+            </a:schemeClr>
+          </a:lnRef>
+          <a:fillRef idx="1">
+            <a:schemeClr val="accent1"/>
+          </a:fillRef>
+          <a:effectRef idx="0">
+            <a:schemeClr val="accent1"/>
+          </a:effectRef>
+          <a:fontRef idx="minor">
+            <a:schemeClr val="lt1"/>
+          </a:fontRef>
+        </p:style>
+        <p:txBody>
+          <a:bodyPr rtlCol="0" anchor="ctr"/>
+          <a:lstStyle/>
+          <a:p>
+            <a:pPr algn="ctr"/>
+            <a:endParaRPr lang="en-US"/>
           </a:p>
         </p:txBody>
       </p:sp>
     </p:spTree>
     <p:extLst>
       <p:ext uri="{BB962C8B-B14F-4D97-AF65-F5344CB8AC3E}">
-        <p14:creationId xmlns:p14="http://schemas.microsoft.com/office/powerpoint/2010/main" val="3454054716"/>
+        <p14:creationId xmlns:p14="http://schemas.microsoft.com/office/powerpoint/2010/main" val="2048573925"/>
       </p:ext>
     </p:extLst>
   </p:cSld>
@@ -10147,7 +11787,7 @@
         </p:nvSpPr>
         <p:spPr>
           <a:xfrm>
-            <a:off x="1808702" y="824230"/>
+            <a:off x="1853580" y="824230"/>
             <a:ext cx="8778240" cy="5010912"/>
           </a:xfrm>
           <a:prstGeom prst="rect">
@@ -10193,7 +11833,7 @@
         </p:nvSpPr>
         <p:spPr>
           <a:xfrm>
-            <a:off x="4184694" y="1065121"/>
+            <a:off x="3838696" y="1056832"/>
             <a:ext cx="5712369" cy="1754326"/>
           </a:xfrm>
           <a:prstGeom prst="rect">
@@ -10209,7 +11849,13 @@
           <a:p>
             <a:r>
               <a:rPr lang="en-US" sz="5400" dirty="0" smtClean="0"/>
-              <a:t>OUT-OF-CLASS LECTURES</a:t>
+              <a:t>Virtual </a:t>
+            </a:r>
+          </a:p>
+          <a:p>
+            <a:r>
+              <a:rPr lang="en-US" sz="5400" dirty="0" smtClean="0"/>
+              <a:t>Office Hours</a:t>
             </a:r>
             <a:endParaRPr lang="en-US" sz="5400" dirty="0"/>
           </a:p>
@@ -10240,111 +11886,9 @@
             <a:pPr algn="ctr"/>
             <a:r>
               <a:rPr lang="en-US" dirty="0" smtClean="0"/>
-              <a:t>April</a:t>
-            </a:r>
-            <a:r>
-              <a:rPr lang="en-US" dirty="0" smtClean="0"/>
-              <a:t> 13, </a:t>
-            </a:r>
-            <a:r>
-              <a:rPr lang="en-US" dirty="0" smtClean="0"/>
-              <a:t>2020</a:t>
+              <a:t>April 15, 2020</a:t>
             </a:r>
             <a:endParaRPr lang="en-US" dirty="0"/>
-          </a:p>
-        </p:txBody>
-      </p:sp>
-      <p:sp>
-        <p:nvSpPr>
-          <p:cNvPr id="9" name="TextBox 8"/>
-          <p:cNvSpPr txBox="1"/>
-          <p:nvPr/>
-        </p:nvSpPr>
-        <p:spPr>
-          <a:xfrm>
-            <a:off x="2035110" y="3043759"/>
-            <a:ext cx="5005769" cy="1477328"/>
-          </a:xfrm>
-          <a:prstGeom prst="rect">
-            <a:avLst/>
-          </a:prstGeom>
-          <a:noFill/>
-        </p:spPr>
-        <p:txBody>
-          <a:bodyPr wrap="square" rtlCol="0">
-            <a:spAutoFit/>
-          </a:bodyPr>
-          <a:lstStyle/>
-          <a:p>
-            <a:pPr algn="ctr"/>
-            <a:r>
-              <a:rPr lang="en-US" dirty="0" smtClean="0"/>
-              <a:t>Chapter </a:t>
-            </a:r>
-            <a:r>
-              <a:rPr lang="en-US" dirty="0" smtClean="0"/>
-              <a:t>15</a:t>
-            </a:r>
-            <a:endParaRPr lang="en-US" dirty="0"/>
-          </a:p>
-          <a:p>
-            <a:pPr algn="ctr"/>
-            <a:r>
-              <a:rPr lang="en-US" b="1" u="sng" dirty="0" smtClean="0"/>
-              <a:t>Repeated </a:t>
-            </a:r>
-            <a:r>
-              <a:rPr lang="en-US" b="1" u="sng" dirty="0" err="1" smtClean="0"/>
-              <a:t>Measurs</a:t>
-            </a:r>
-            <a:r>
-              <a:rPr lang="en-US" b="1" u="sng" dirty="0" smtClean="0"/>
-              <a:t> </a:t>
-            </a:r>
-            <a:r>
-              <a:rPr lang="en-US" b="1" u="sng" dirty="0" smtClean="0"/>
-              <a:t>ANOVA</a:t>
-            </a:r>
-            <a:endParaRPr lang="en-US" b="1" u="sng" dirty="0"/>
-          </a:p>
-          <a:p>
-            <a:pPr algn="ctr"/>
-            <a:r>
-              <a:rPr lang="en-US" i="1" dirty="0" smtClean="0"/>
-              <a:t>Examples, in R</a:t>
-            </a:r>
-            <a:endParaRPr lang="en-US" i="1" dirty="0" smtClean="0"/>
-          </a:p>
-          <a:p>
-            <a:pPr algn="ctr"/>
-            <a:r>
-              <a:rPr lang="en-US" i="1" dirty="0" smtClean="0"/>
-              <a:t>1</a:t>
-            </a:r>
-            <a:r>
-              <a:rPr lang="en-US" i="1" baseline="30000" dirty="0" smtClean="0"/>
-              <a:t>st</a:t>
-            </a:r>
-            <a:r>
-              <a:rPr lang="en-US" i="1" dirty="0" smtClean="0"/>
-              <a:t> – textbook’s example with word recall</a:t>
-            </a:r>
-          </a:p>
-          <a:p>
-            <a:pPr algn="ctr"/>
-            <a:r>
-              <a:rPr lang="en-US" i="1" dirty="0" smtClean="0"/>
-              <a:t>2</a:t>
-            </a:r>
-            <a:r>
-              <a:rPr lang="en-US" i="1" baseline="30000" dirty="0" smtClean="0"/>
-              <a:t>nd</a:t>
-            </a:r>
-            <a:r>
-              <a:rPr lang="en-US" i="1" dirty="0" smtClean="0"/>
-              <a:t> – weight loss over 3 months</a:t>
-            </a:r>
-            <a:endParaRPr lang="en-US" i="1" dirty="0"/>
           </a:p>
         </p:txBody>
       </p:sp>
@@ -10485,55 +12029,38 @@
       </p:pic>
       <p:pic>
         <p:nvPicPr>
-          <p:cNvPr id="1026" name="Picture 2" descr="Image result for virus"/>
+          <p:cNvPr id="5" name="Picture 4"/>
           <p:cNvPicPr>
-            <a:picLocks noChangeAspect="1" noChangeArrowheads="1"/>
+            <a:picLocks noChangeAspect="1"/>
           </p:cNvPicPr>
           <p:nvPr/>
         </p:nvPicPr>
         <p:blipFill>
-          <a:blip r:embed="rId6" cstate="print">
-            <a:extLst>
-              <a:ext uri="{28A0092B-C50C-407E-A947-70E740481C1C}">
-                <a14:useLocalDpi xmlns:a14="http://schemas.microsoft.com/office/drawing/2010/main" val="0"/>
-              </a:ext>
-            </a:extLst>
-          </a:blip>
-          <a:srcRect/>
+          <a:blip r:embed="rId6"/>
           <a:stretch>
             <a:fillRect/>
           </a:stretch>
         </p:blipFill>
-        <p:spPr bwMode="auto">
-          <a:xfrm>
-            <a:off x="1908176" y="4866721"/>
-            <a:ext cx="825034" cy="824421"/>
-          </a:xfrm>
-          <a:prstGeom prst="rect">
-            <a:avLst/>
-          </a:prstGeom>
-          <a:noFill/>
-          <a:extLst>
-            <a:ext uri="{909E8E84-426E-40DD-AFC4-6F175D3DCCD1}">
-              <a14:hiddenFill xmlns:a14="http://schemas.microsoft.com/office/drawing/2010/main">
-                <a:solidFill>
-                  <a:srgbClr val="FFFFFF"/>
-                </a:solidFill>
-              </a14:hiddenFill>
-            </a:ext>
-          </a:extLst>
+        <p:spPr>
+          <a:xfrm>
+            <a:off x="1985351" y="4872564"/>
+            <a:ext cx="1853345" cy="853514"/>
+          </a:xfrm>
+          <a:prstGeom prst="rect">
+            <a:avLst/>
+          </a:prstGeom>
         </p:spPr>
       </p:pic>
       <p:sp>
         <p:nvSpPr>
-          <p:cNvPr id="13" name="TextBox 12"/>
+          <p:cNvPr id="17" name="TextBox 16"/>
           <p:cNvSpPr txBox="1"/>
           <p:nvPr/>
         </p:nvSpPr>
         <p:spPr>
           <a:xfrm>
-            <a:off x="2524444" y="5254195"/>
-            <a:ext cx="1238954" cy="369332"/>
+            <a:off x="2035110" y="3092669"/>
+            <a:ext cx="5005769" cy="1754326"/>
           </a:xfrm>
           <a:prstGeom prst="rect">
             <a:avLst/>
@@ -10548,29 +12075,85 @@
           <a:p>
             <a:pPr algn="ctr"/>
             <a:r>
-              <a:rPr lang="en-US" b="1" dirty="0" smtClean="0">
-                <a:solidFill>
-                  <a:schemeClr val="accent1">
-                    <a:lumMod val="75000"/>
-                  </a:schemeClr>
-                </a:solidFill>
-              </a:rPr>
-              <a:t>Covid-19</a:t>
-            </a:r>
-            <a:endParaRPr lang="en-US" b="1" dirty="0">
-              <a:solidFill>
-                <a:schemeClr val="accent1">
-                  <a:lumMod val="75000"/>
-                </a:schemeClr>
-              </a:solidFill>
-            </a:endParaRPr>
+              <a:rPr lang="en-US" dirty="0" smtClean="0"/>
+              <a:t>HW 16</a:t>
+            </a:r>
+            <a:endParaRPr lang="en-US" dirty="0"/>
+          </a:p>
+          <a:p>
+            <a:pPr algn="ctr"/>
+            <a:r>
+              <a:rPr lang="en-US" b="1" u="sng" dirty="0" smtClean="0"/>
+              <a:t>Mixed ANOVAs</a:t>
+            </a:r>
+          </a:p>
+          <a:p>
+            <a:pPr algn="ctr"/>
+            <a:r>
+              <a:rPr lang="en-US" dirty="0" smtClean="0"/>
+              <a:t>*updated* </a:t>
+            </a:r>
+            <a:r>
+              <a:rPr lang="en-US" dirty="0" err="1" smtClean="0"/>
+              <a:t>Rmd</a:t>
+            </a:r>
+            <a:r>
+              <a:rPr lang="en-US" dirty="0" smtClean="0"/>
+              <a:t> skeleton</a:t>
+            </a:r>
+          </a:p>
+          <a:p>
+            <a:pPr algn="ctr"/>
+            <a:r>
+              <a:rPr lang="en-US" dirty="0" err="1" smtClean="0"/>
+              <a:t>Maunchly’s</a:t>
+            </a:r>
+            <a:r>
+              <a:rPr lang="en-US" dirty="0" smtClean="0"/>
+              <a:t> </a:t>
+            </a:r>
+            <a:r>
+              <a:rPr lang="en-US" dirty="0" err="1" smtClean="0"/>
+              <a:t>Sphericity</a:t>
+            </a:r>
+            <a:r>
+              <a:rPr lang="en-US" dirty="0" smtClean="0"/>
+              <a:t> Tests &amp;</a:t>
+            </a:r>
+          </a:p>
+          <a:p>
+            <a:pPr algn="ctr"/>
+            <a:r>
+              <a:rPr lang="en-US" dirty="0" smtClean="0"/>
+              <a:t>The Greenhouse-</a:t>
+            </a:r>
+            <a:r>
+              <a:rPr lang="en-US" dirty="0" err="1" smtClean="0"/>
+              <a:t>Geisser</a:t>
+            </a:r>
+            <a:r>
+              <a:rPr lang="en-US" dirty="0" smtClean="0"/>
+              <a:t> Correction to </a:t>
+            </a:r>
+            <a:r>
+              <a:rPr lang="en-US" dirty="0" err="1" smtClean="0"/>
+              <a:t>df’s</a:t>
+            </a:r>
+            <a:r>
+              <a:rPr lang="en-US" dirty="0" smtClean="0"/>
+              <a:t> </a:t>
+            </a:r>
+          </a:p>
+          <a:p>
+            <a:pPr algn="ctr"/>
+            <a:endParaRPr lang="en-US" dirty="0" smtClean="0"/>
           </a:p>
         </p:txBody>
       </p:sp>
     </p:spTree>
     <p:extLst>
       <p:ext uri="{BB962C8B-B14F-4D97-AF65-F5344CB8AC3E}">
-        <p14:creationId xmlns:p14="http://schemas.microsoft.com/office/powerpoint/2010/main" val="707466089"/>
+        <p14:creationId xmlns:p14="http://schemas.microsoft.com/office/powerpoint/2010/main" val="3758234290"/>
       </p:ext>
     </p:extLst>
   </p:cSld>
@@ -10704,15 +12287,7 @@
             <a:pPr algn="ctr"/>
             <a:r>
               <a:rPr lang="en-US" dirty="0" smtClean="0"/>
-              <a:t>April </a:t>
-            </a:r>
-            <a:r>
-              <a:rPr lang="en-US" dirty="0" smtClean="0"/>
-              <a:t>7, </a:t>
-            </a:r>
-            <a:r>
-              <a:rPr lang="en-US" dirty="0" smtClean="0"/>
-              <a:t>2020</a:t>
+              <a:t>April 14, 2020</a:t>
             </a:r>
             <a:endParaRPr lang="en-US" dirty="0"/>
           </a:p>
@@ -10726,7 +12301,7 @@
         </p:nvSpPr>
         <p:spPr>
           <a:xfrm>
-            <a:off x="3133161" y="2743036"/>
+            <a:off x="1985351" y="3033699"/>
             <a:ext cx="5005769" cy="923330"/>
           </a:xfrm>
           <a:prstGeom prst="rect">
@@ -10743,35 +12318,23 @@
             <a:pPr algn="ctr"/>
             <a:r>
               <a:rPr lang="en-US" dirty="0" smtClean="0"/>
-              <a:t>HW 14 </a:t>
+              <a:t>HW 15 </a:t>
             </a:r>
             <a:endParaRPr lang="en-US" dirty="0"/>
           </a:p>
           <a:p>
             <a:pPr algn="ctr"/>
             <a:r>
+              <a:rPr lang="en-US" b="1" u="sng" dirty="0"/>
+              <a:t>1</a:t>
+            </a:r>
+            <a:r>
               <a:rPr lang="en-US" b="1" u="sng" dirty="0" smtClean="0"/>
-              <a:t>2-way Factorial ANOVAs</a:t>
-            </a:r>
-          </a:p>
-          <a:p>
-            <a:pPr algn="ctr"/>
-            <a:r>
-              <a:rPr lang="en-US" dirty="0" smtClean="0"/>
-              <a:t>Items # </a:t>
-            </a:r>
-            <a:r>
-              <a:rPr lang="en-US" dirty="0" smtClean="0"/>
-              <a:t>4, 5, </a:t>
-            </a:r>
-            <a:r>
-              <a:rPr lang="en-US" dirty="0" smtClean="0"/>
-              <a:t>&amp; </a:t>
-            </a:r>
-            <a:r>
-              <a:rPr lang="en-US" dirty="0" smtClean="0"/>
-              <a:t>6</a:t>
-            </a:r>
+              <a:t>-way RM ANOVAs</a:t>
+            </a:r>
+          </a:p>
+          <a:p>
+            <a:pPr algn="ctr"/>
             <a:endParaRPr lang="en-US" dirty="0" smtClean="0"/>
           </a:p>
         </p:txBody>
@@ -10937,14 +12500,14 @@
       </p:pic>
       <p:sp>
         <p:nvSpPr>
-          <p:cNvPr id="6" name="TextBox 5"/>
+          <p:cNvPr id="17" name="TextBox 16"/>
           <p:cNvSpPr txBox="1"/>
           <p:nvPr/>
         </p:nvSpPr>
         <p:spPr>
           <a:xfrm>
-            <a:off x="2163479" y="3316893"/>
-            <a:ext cx="1952216" cy="646331"/>
+            <a:off x="2735076" y="4097297"/>
+            <a:ext cx="5005769" cy="923330"/>
           </a:xfrm>
           <a:prstGeom prst="rect">
             <a:avLst/>
@@ -10959,121 +12522,28 @@
           <a:p>
             <a:pPr algn="ctr"/>
             <a:r>
-              <a:rPr lang="en-US" u="sng" dirty="0" smtClean="0"/>
-              <a:t>Factorial ANOVA</a:t>
-            </a:r>
-          </a:p>
-          <a:p>
-            <a:pPr algn="ctr"/>
-            <a:r>
               <a:rPr lang="en-US" dirty="0" smtClean="0"/>
-              <a:t>Omnibus F-tests</a:t>
+              <a:t>HW 16</a:t>
             </a:r>
             <a:endParaRPr lang="en-US" dirty="0"/>
           </a:p>
-        </p:txBody>
-      </p:sp>
-      <p:sp>
-        <p:nvSpPr>
-          <p:cNvPr id="15" name="TextBox 14"/>
-          <p:cNvSpPr txBox="1"/>
-          <p:nvPr/>
-        </p:nvSpPr>
-        <p:spPr>
-          <a:xfrm>
-            <a:off x="3473229" y="3827424"/>
-            <a:ext cx="2184037" cy="923330"/>
-          </a:xfrm>
-          <a:prstGeom prst="rect">
-            <a:avLst/>
-          </a:prstGeom>
-          <a:noFill/>
-        </p:spPr>
-        <p:txBody>
-          <a:bodyPr wrap="square" rtlCol="0">
-            <a:spAutoFit/>
-          </a:bodyPr>
-          <a:lstStyle/>
-          <a:p>
-            <a:pPr algn="ctr"/>
-            <a:r>
-              <a:rPr lang="en-US" u="sng" dirty="0" smtClean="0"/>
-              <a:t>Interactions</a:t>
-            </a:r>
-          </a:p>
-          <a:p>
-            <a:pPr algn="ctr"/>
-            <a:r>
-              <a:rPr lang="en-US" dirty="0" smtClean="0"/>
-              <a:t>2-way means plots</a:t>
-            </a:r>
-          </a:p>
-          <a:p>
-            <a:pPr algn="ctr"/>
-            <a:r>
-              <a:rPr lang="en-US" dirty="0" smtClean="0"/>
-              <a:t>Interaction contrasts</a:t>
-            </a:r>
-            <a:endParaRPr lang="en-US" dirty="0"/>
-          </a:p>
-        </p:txBody>
-      </p:sp>
-      <p:sp>
-        <p:nvSpPr>
-          <p:cNvPr id="16" name="TextBox 15"/>
-          <p:cNvSpPr txBox="1"/>
-          <p:nvPr/>
-        </p:nvSpPr>
-        <p:spPr>
-          <a:xfrm>
-            <a:off x="4851703" y="4576843"/>
-            <a:ext cx="2667658" cy="1200329"/>
-          </a:xfrm>
-          <a:prstGeom prst="rect">
-            <a:avLst/>
-          </a:prstGeom>
-          <a:noFill/>
-        </p:spPr>
-        <p:txBody>
-          <a:bodyPr wrap="square" rtlCol="0">
-            <a:spAutoFit/>
-          </a:bodyPr>
-          <a:lstStyle/>
-          <a:p>
-            <a:pPr algn="ctr"/>
-            <a:r>
-              <a:rPr lang="en-US" u="sng" dirty="0" smtClean="0"/>
-              <a:t>Main Effects</a:t>
-            </a:r>
-          </a:p>
-          <a:p>
-            <a:pPr algn="ctr"/>
-            <a:r>
-              <a:rPr lang="en-US" dirty="0" smtClean="0"/>
-              <a:t>1-way means table</a:t>
-            </a:r>
-          </a:p>
-          <a:p>
-            <a:pPr algn="ctr"/>
-            <a:r>
-              <a:rPr lang="en-US" dirty="0" smtClean="0"/>
-              <a:t>1-way means plot</a:t>
-            </a:r>
-          </a:p>
-          <a:p>
-            <a:pPr algn="ctr"/>
-            <a:r>
-              <a:rPr lang="en-US" dirty="0" smtClean="0"/>
-              <a:t>Pairwise post hoc t-tests</a:t>
-            </a:r>
-            <a:endParaRPr lang="en-US" dirty="0"/>
+          <a:p>
+            <a:pPr algn="ctr"/>
+            <a:r>
+              <a:rPr lang="en-US" b="1" u="sng" dirty="0" smtClean="0"/>
+              <a:t>Mixed ANOVAs</a:t>
+            </a:r>
+          </a:p>
+          <a:p>
+            <a:pPr algn="ctr"/>
+            <a:endParaRPr lang="en-US" dirty="0" smtClean="0"/>
           </a:p>
         </p:txBody>
       </p:sp>
     </p:spTree>
     <p:extLst>
       <p:ext uri="{BB962C8B-B14F-4D97-AF65-F5344CB8AC3E}">
-        <p14:creationId xmlns:p14="http://schemas.microsoft.com/office/powerpoint/2010/main" val="1875168771"/>
+        <p14:creationId xmlns:p14="http://schemas.microsoft.com/office/powerpoint/2010/main" val="2620031016"/>
       </p:ext>
     </p:extLst>
   </p:cSld>
@@ -11108,7 +12578,7 @@
         </p:nvSpPr>
         <p:spPr>
           <a:xfrm>
-            <a:off x="1853580" y="824230"/>
+            <a:off x="1808702" y="824230"/>
             <a:ext cx="8778240" cy="5010912"/>
           </a:xfrm>
           <a:prstGeom prst="rect">
@@ -11154,7 +12624,7 @@
         </p:nvSpPr>
         <p:spPr>
           <a:xfrm>
-            <a:off x="3838696" y="1056832"/>
+            <a:off x="4184694" y="1065121"/>
             <a:ext cx="5712369" cy="1754326"/>
           </a:xfrm>
           <a:prstGeom prst="rect">
@@ -11170,13 +12640,7 @@
           <a:p>
             <a:r>
               <a:rPr lang="en-US" sz="5400" dirty="0" smtClean="0"/>
-              <a:t>Virtual </a:t>
-            </a:r>
-          </a:p>
-          <a:p>
-            <a:r>
-              <a:rPr lang="en-US" sz="5400" dirty="0" smtClean="0"/>
-              <a:t>Office Hours</a:t>
+              <a:t>OUT-OF-CLASS LECTURES</a:t>
             </a:r>
             <a:endParaRPr lang="en-US" sz="5400" dirty="0"/>
           </a:p>
@@ -11207,7 +12671,7 @@
             <a:pPr algn="ctr"/>
             <a:r>
               <a:rPr lang="en-US" dirty="0" smtClean="0"/>
-              <a:t>April 2, 2020</a:t>
+              <a:t>April 13, 2020</a:t>
             </a:r>
             <a:endParaRPr lang="en-US" dirty="0"/>
           </a:p>
@@ -11221,8 +12685,8 @@
         </p:nvSpPr>
         <p:spPr>
           <a:xfrm>
-            <a:off x="3133161" y="2743036"/>
-            <a:ext cx="5005769" cy="923330"/>
+            <a:off x="2136087" y="2916921"/>
+            <a:ext cx="5005769" cy="2308324"/>
           </a:xfrm>
           <a:prstGeom prst="rect">
             <a:avLst/>
@@ -11238,7 +12702,7 @@
             <a:pPr algn="ctr"/>
             <a:r>
               <a:rPr lang="en-US" dirty="0" smtClean="0"/>
-              <a:t>HW 14 </a:t>
+              <a:t>Chapter 15</a:t>
             </a:r>
             <a:endParaRPr lang="en-US" dirty="0"/>
           </a:p>
@@ -11246,15 +12710,60 @@
             <a:pPr algn="ctr"/>
             <a:r>
               <a:rPr lang="en-US" b="1" u="sng" dirty="0" smtClean="0"/>
-              <a:t>2-way Factorial ANOVAs</a:t>
-            </a:r>
-          </a:p>
-          <a:p>
-            <a:pPr algn="ctr"/>
-            <a:r>
-              <a:rPr lang="en-US" dirty="0" smtClean="0"/>
-              <a:t>Items # 2, 3, &amp; 5</a:t>
-            </a:r>
+              <a:t>Repeated </a:t>
+            </a:r>
+            <a:r>
+              <a:rPr lang="en-US" b="1" u="sng" dirty="0" err="1" smtClean="0"/>
+              <a:t>Measurs</a:t>
+            </a:r>
+            <a:r>
+              <a:rPr lang="en-US" b="1" u="sng" dirty="0" smtClean="0"/>
+              <a:t> ANOVA</a:t>
+            </a:r>
+            <a:endParaRPr lang="en-US" b="1" u="sng" dirty="0"/>
+          </a:p>
+          <a:p>
+            <a:pPr algn="ctr"/>
+            <a:r>
+              <a:rPr lang="en-US" i="1" dirty="0" smtClean="0"/>
+              <a:t>2-way RM ANOVA</a:t>
+            </a:r>
+          </a:p>
+          <a:p>
+            <a:pPr algn="ctr"/>
+            <a:r>
+              <a:rPr lang="en-US" i="1" dirty="0" smtClean="0"/>
+              <a:t>Effect Sizes</a:t>
+            </a:r>
+          </a:p>
+          <a:p>
+            <a:pPr algn="ctr"/>
+            <a:r>
+              <a:rPr lang="en-US" i="1" dirty="0" smtClean="0"/>
+              <a:t>Follow-up test &amp; Multiple Comparisons</a:t>
+            </a:r>
+          </a:p>
+          <a:p>
+            <a:pPr algn="ctr"/>
+            <a:r>
+              <a:rPr lang="en-US" i="1" dirty="0" smtClean="0"/>
+              <a:t>Interaction</a:t>
+            </a:r>
+          </a:p>
+          <a:p>
+            <a:pPr algn="ctr"/>
+            <a:r>
+              <a:rPr lang="en-US" i="1" dirty="0" smtClean="0"/>
+              <a:t>Reporting Results</a:t>
+            </a:r>
+          </a:p>
+          <a:p>
+            <a:pPr algn="ctr"/>
+            <a:r>
+              <a:rPr lang="en-US" i="1" dirty="0" smtClean="0"/>
+              <a:t>Slides 37-end</a:t>
+            </a:r>
+            <a:endParaRPr lang="en-US" i="1" dirty="0"/>
           </a:p>
         </p:txBody>
       </p:sp>
@@ -11395,38 +12904,55 @@
       </p:pic>
       <p:pic>
         <p:nvPicPr>
-          <p:cNvPr id="5" name="Picture 4"/>
+          <p:cNvPr id="1026" name="Picture 2" descr="Image result for virus"/>
           <p:cNvPicPr>
-            <a:picLocks noChangeAspect="1"/>
+            <a:picLocks noChangeAspect="1" noChangeArrowheads="1"/>
           </p:cNvPicPr>
           <p:nvPr/>
         </p:nvPicPr>
         <p:blipFill>
-          <a:blip r:embed="rId6"/>
+          <a:blip r:embed="rId6" cstate="print">
+            <a:extLst>
+              <a:ext uri="{28A0092B-C50C-407E-A947-70E740481C1C}">
+                <a14:useLocalDpi xmlns:a14="http://schemas.microsoft.com/office/drawing/2010/main" val="0"/>
+              </a:ext>
+            </a:extLst>
+          </a:blip>
+          <a:srcRect/>
           <a:stretch>
             <a:fillRect/>
           </a:stretch>
         </p:blipFill>
-        <p:spPr>
-          <a:xfrm>
-            <a:off x="1985351" y="4872564"/>
-            <a:ext cx="1853345" cy="853514"/>
-          </a:xfrm>
-          <a:prstGeom prst="rect">
-            <a:avLst/>
-          </a:prstGeom>
+        <p:spPr bwMode="auto">
+          <a:xfrm>
+            <a:off x="1908176" y="4866721"/>
+            <a:ext cx="825034" cy="824421"/>
+          </a:xfrm>
+          <a:prstGeom prst="rect">
+            <a:avLst/>
+          </a:prstGeom>
+          <a:noFill/>
+          <a:extLst>
+            <a:ext uri="{909E8E84-426E-40DD-AFC4-6F175D3DCCD1}">
+              <a14:hiddenFill xmlns:a14="http://schemas.microsoft.com/office/drawing/2010/main">
+                <a:solidFill>
+                  <a:srgbClr val="FFFFFF"/>
+                </a:solidFill>
+              </a14:hiddenFill>
+            </a:ext>
+          </a:extLst>
         </p:spPr>
       </p:pic>
       <p:sp>
         <p:nvSpPr>
-          <p:cNvPr id="6" name="TextBox 5"/>
+          <p:cNvPr id="13" name="TextBox 12"/>
           <p:cNvSpPr txBox="1"/>
           <p:nvPr/>
         </p:nvSpPr>
         <p:spPr>
           <a:xfrm>
-            <a:off x="2163479" y="3316893"/>
-            <a:ext cx="1952216" cy="646331"/>
+            <a:off x="2524444" y="5254195"/>
+            <a:ext cx="1238954" cy="369332"/>
           </a:xfrm>
           <a:prstGeom prst="rect">
             <a:avLst/>
@@ -11441,121 +12967,29 @@
           <a:p>
             <a:pPr algn="ctr"/>
             <a:r>
-              <a:rPr lang="en-US" u="sng" dirty="0" smtClean="0"/>
-              <a:t>Factorial ANOVA</a:t>
-            </a:r>
-          </a:p>
-          <a:p>
-            <a:pPr algn="ctr"/>
-            <a:r>
-              <a:rPr lang="en-US" dirty="0" smtClean="0"/>
-              <a:t>Omnibus F-tests</a:t>
-            </a:r>
-            <a:endParaRPr lang="en-US" dirty="0"/>
-          </a:p>
-        </p:txBody>
-      </p:sp>
-      <p:sp>
-        <p:nvSpPr>
-          <p:cNvPr id="15" name="TextBox 14"/>
-          <p:cNvSpPr txBox="1"/>
-          <p:nvPr/>
-        </p:nvSpPr>
-        <p:spPr>
-          <a:xfrm>
-            <a:off x="3473229" y="3827424"/>
-            <a:ext cx="2184037" cy="923330"/>
-          </a:xfrm>
-          <a:prstGeom prst="rect">
-            <a:avLst/>
-          </a:prstGeom>
-          <a:noFill/>
-        </p:spPr>
-        <p:txBody>
-          <a:bodyPr wrap="square" rtlCol="0">
-            <a:spAutoFit/>
-          </a:bodyPr>
-          <a:lstStyle/>
-          <a:p>
-            <a:pPr algn="ctr"/>
-            <a:r>
-              <a:rPr lang="en-US" u="sng" dirty="0" smtClean="0"/>
-              <a:t>Interactions</a:t>
-            </a:r>
-          </a:p>
-          <a:p>
-            <a:pPr algn="ctr"/>
-            <a:r>
-              <a:rPr lang="en-US" dirty="0" smtClean="0"/>
-              <a:t>2-way means plots</a:t>
-            </a:r>
-          </a:p>
-          <a:p>
-            <a:pPr algn="ctr"/>
-            <a:r>
-              <a:rPr lang="en-US" dirty="0" smtClean="0"/>
-              <a:t>Interaction contrasts</a:t>
-            </a:r>
-            <a:endParaRPr lang="en-US" dirty="0"/>
-          </a:p>
-        </p:txBody>
-      </p:sp>
-      <p:sp>
-        <p:nvSpPr>
-          <p:cNvPr id="16" name="TextBox 15"/>
-          <p:cNvSpPr txBox="1"/>
-          <p:nvPr/>
-        </p:nvSpPr>
-        <p:spPr>
-          <a:xfrm>
-            <a:off x="4851703" y="4576843"/>
-            <a:ext cx="2667658" cy="1200329"/>
-          </a:xfrm>
-          <a:prstGeom prst="rect">
-            <a:avLst/>
-          </a:prstGeom>
-          <a:noFill/>
-        </p:spPr>
-        <p:txBody>
-          <a:bodyPr wrap="square" rtlCol="0">
-            <a:spAutoFit/>
-          </a:bodyPr>
-          <a:lstStyle/>
-          <a:p>
-            <a:pPr algn="ctr"/>
-            <a:r>
-              <a:rPr lang="en-US" u="sng" dirty="0" smtClean="0"/>
-              <a:t>Main Effects</a:t>
-            </a:r>
-          </a:p>
-          <a:p>
-            <a:pPr algn="ctr"/>
-            <a:r>
-              <a:rPr lang="en-US" dirty="0" smtClean="0"/>
-              <a:t>1-way means table</a:t>
-            </a:r>
-          </a:p>
-          <a:p>
-            <a:pPr algn="ctr"/>
-            <a:r>
-              <a:rPr lang="en-US" dirty="0" smtClean="0"/>
-              <a:t>1-way means plot</a:t>
-            </a:r>
-          </a:p>
-          <a:p>
-            <a:pPr algn="ctr"/>
-            <a:r>
-              <a:rPr lang="en-US" dirty="0" smtClean="0"/>
-              <a:t>Pairwise post hoc t-tests</a:t>
-            </a:r>
-            <a:endParaRPr lang="en-US" dirty="0"/>
+              <a:rPr lang="en-US" b="1" dirty="0" smtClean="0">
+                <a:solidFill>
+                  <a:schemeClr val="accent1">
+                    <a:lumMod val="75000"/>
+                  </a:schemeClr>
+                </a:solidFill>
+              </a:rPr>
+              <a:t>Covid-19</a:t>
+            </a:r>
+            <a:endParaRPr lang="en-US" b="1" dirty="0">
+              <a:solidFill>
+                <a:schemeClr val="accent1">
+                  <a:lumMod val="75000"/>
+                </a:schemeClr>
+              </a:solidFill>
+            </a:endParaRPr>
           </a:p>
         </p:txBody>
       </p:sp>
     </p:spTree>
     <p:extLst>
       <p:ext uri="{BB962C8B-B14F-4D97-AF65-F5344CB8AC3E}">
-        <p14:creationId xmlns:p14="http://schemas.microsoft.com/office/powerpoint/2010/main" val="3811887098"/>
+        <p14:creationId xmlns:p14="http://schemas.microsoft.com/office/powerpoint/2010/main" val="2525452429"/>
       </p:ext>
     </p:extLst>
   </p:cSld>
@@ -11636,7 +13070,7 @@
         </p:nvSpPr>
         <p:spPr>
           <a:xfrm>
-            <a:off x="4003824" y="1483154"/>
+            <a:off x="4184694" y="1065121"/>
             <a:ext cx="5712369" cy="1754326"/>
           </a:xfrm>
           <a:prstGeom prst="rect">
@@ -11652,13 +13086,7 @@
           <a:p>
             <a:r>
               <a:rPr lang="en-US" sz="5400" dirty="0" smtClean="0"/>
-              <a:t>HOMEWORK</a:t>
-            </a:r>
-          </a:p>
-          <a:p>
-            <a:r>
-              <a:rPr lang="en-US" sz="5400" dirty="0" smtClean="0"/>
-              <a:t>HELP</a:t>
+              <a:t>OUT-OF-CLASS LECTURES</a:t>
             </a:r>
             <a:endParaRPr lang="en-US" sz="5400" dirty="0"/>
           </a:p>
@@ -11689,7 +13117,7 @@
             <a:pPr algn="ctr"/>
             <a:r>
               <a:rPr lang="en-US" dirty="0" smtClean="0"/>
-              <a:t>April. 1, 2020</a:t>
+              <a:t>April 13, 2020</a:t>
             </a:r>
             <a:endParaRPr lang="en-US" dirty="0"/>
           </a:p>
@@ -11703,8 +13131,8 @@
         </p:nvSpPr>
         <p:spPr>
           <a:xfrm>
-            <a:off x="2105405" y="3257394"/>
-            <a:ext cx="5005769" cy="1477328"/>
+            <a:off x="2035110" y="3043759"/>
+            <a:ext cx="5005769" cy="1200329"/>
           </a:xfrm>
           <a:prstGeom prst="rect">
             <a:avLst/>
@@ -11720,7 +13148,7 @@
             <a:pPr algn="ctr"/>
             <a:r>
               <a:rPr lang="en-US" dirty="0" smtClean="0"/>
-              <a:t>Chapter 14</a:t>
+              <a:t>Chapter 15</a:t>
             </a:r>
             <a:endParaRPr lang="en-US" dirty="0"/>
           </a:p>
@@ -11728,26 +13156,32 @@
             <a:pPr algn="ctr"/>
             <a:r>
               <a:rPr lang="en-US" b="1" u="sng" dirty="0" smtClean="0"/>
-              <a:t>2-way Factorial ANOVA</a:t>
-            </a:r>
-          </a:p>
-          <a:p>
-            <a:pPr algn="ctr"/>
-            <a:r>
-              <a:rPr lang="en-US" b="1" dirty="0" smtClean="0"/>
-              <a:t>14A #6: MS and F formulas </a:t>
-            </a:r>
-          </a:p>
-          <a:p>
-            <a:pPr algn="ctr"/>
-            <a:r>
-              <a:rPr lang="en-US" b="1" dirty="0" smtClean="0"/>
-              <a:t>Based on a means table</a:t>
-            </a:r>
-          </a:p>
-          <a:p>
-            <a:pPr algn="ctr"/>
-            <a:endParaRPr lang="en-US" b="1" dirty="0"/>
+              <a:t>Repeated </a:t>
+            </a:r>
+            <a:r>
+              <a:rPr lang="en-US" b="1" u="sng" dirty="0" err="1" smtClean="0"/>
+              <a:t>Measurs</a:t>
+            </a:r>
+            <a:r>
+              <a:rPr lang="en-US" b="1" u="sng" dirty="0" smtClean="0"/>
+              <a:t> ANOVA</a:t>
+            </a:r>
+            <a:endParaRPr lang="en-US" b="1" u="sng" dirty="0"/>
+          </a:p>
+          <a:p>
+            <a:pPr algn="ctr"/>
+            <a:r>
+              <a:rPr lang="en-US" i="1" dirty="0" smtClean="0"/>
+              <a:t>1-way RM ANOVA</a:t>
+            </a:r>
+          </a:p>
+          <a:p>
+            <a:pPr algn="ctr"/>
+            <a:r>
+              <a:rPr lang="en-US" i="1" dirty="0" smtClean="0"/>
+              <a:t>Slides 1 - 36</a:t>
+            </a:r>
+            <a:endParaRPr lang="en-US" i="1" dirty="0"/>
           </a:p>
         </p:txBody>
       </p:sp>
@@ -11886,109 +13320,94 @@
           </a:prstGeom>
         </p:spPr>
       </p:pic>
-      <p:grpSp>
-        <p:nvGrpSpPr>
-          <p:cNvPr id="13" name="Group 12"/>
-          <p:cNvGrpSpPr/>
-          <p:nvPr/>
-        </p:nvGrpSpPr>
-        <p:grpSpPr>
-          <a:xfrm>
-            <a:off x="1908176" y="4866721"/>
-            <a:ext cx="1855222" cy="824421"/>
-            <a:chOff x="1908176" y="4866721"/>
-            <a:chExt cx="1855222" cy="824421"/>
-          </a:xfrm>
-        </p:grpSpPr>
-        <p:pic>
-          <p:nvPicPr>
-            <p:cNvPr id="15" name="Picture 2" descr="Image result for virus"/>
-            <p:cNvPicPr>
-              <a:picLocks noChangeAspect="1" noChangeArrowheads="1"/>
-            </p:cNvPicPr>
-            <p:nvPr/>
-          </p:nvPicPr>
-          <p:blipFill>
-            <a:blip r:embed="rId6" cstate="print">
-              <a:extLst>
-                <a:ext uri="{28A0092B-C50C-407E-A947-70E740481C1C}">
-                  <a14:useLocalDpi xmlns:a14="http://schemas.microsoft.com/office/drawing/2010/main" val="0"/>
-                </a:ext>
-              </a:extLst>
-            </a:blip>
-            <a:srcRect/>
-            <a:stretch>
-              <a:fillRect/>
-            </a:stretch>
-          </p:blipFill>
-          <p:spPr bwMode="auto">
-            <a:xfrm>
-              <a:off x="1908176" y="4866721"/>
-              <a:ext cx="825034" cy="824421"/>
-            </a:xfrm>
-            <a:prstGeom prst="rect">
-              <a:avLst/>
-            </a:prstGeom>
-            <a:noFill/>
+      <p:pic>
+        <p:nvPicPr>
+          <p:cNvPr id="1026" name="Picture 2" descr="Image result for virus"/>
+          <p:cNvPicPr>
+            <a:picLocks noChangeAspect="1" noChangeArrowheads="1"/>
+          </p:cNvPicPr>
+          <p:nvPr/>
+        </p:nvPicPr>
+        <p:blipFill>
+          <a:blip r:embed="rId6" cstate="print">
             <a:extLst>
-              <a:ext uri="{909E8E84-426E-40DD-AFC4-6F175D3DCCD1}">
-                <a14:hiddenFill xmlns:a14="http://schemas.microsoft.com/office/drawing/2010/main">
-                  <a:solidFill>
-                    <a:srgbClr val="FFFFFF"/>
-                  </a:solidFill>
-                </a14:hiddenFill>
+              <a:ext uri="{28A0092B-C50C-407E-A947-70E740481C1C}">
+                <a14:useLocalDpi xmlns:a14="http://schemas.microsoft.com/office/drawing/2010/main" val="0"/>
               </a:ext>
             </a:extLst>
-          </p:spPr>
-        </p:pic>
-        <p:sp>
-          <p:nvSpPr>
-            <p:cNvPr id="16" name="TextBox 15"/>
-            <p:cNvSpPr txBox="1"/>
-            <p:nvPr/>
-          </p:nvSpPr>
-          <p:spPr>
-            <a:xfrm>
-              <a:off x="2524444" y="5254195"/>
-              <a:ext cx="1238954" cy="369332"/>
-            </a:xfrm>
-            <a:prstGeom prst="rect">
-              <a:avLst/>
-            </a:prstGeom>
-            <a:noFill/>
-          </p:spPr>
-          <p:txBody>
-            <a:bodyPr wrap="square" rtlCol="0">
-              <a:spAutoFit/>
-            </a:bodyPr>
-            <a:lstStyle/>
-            <a:p>
-              <a:pPr algn="ctr"/>
-              <a:r>
-                <a:rPr lang="en-US" b="1" dirty="0" smtClean="0">
-                  <a:solidFill>
-                    <a:schemeClr val="accent1">
-                      <a:lumMod val="75000"/>
-                    </a:schemeClr>
-                  </a:solidFill>
-                </a:rPr>
-                <a:t>Covid-19</a:t>
-              </a:r>
-              <a:endParaRPr lang="en-US" b="1" dirty="0">
+          </a:blip>
+          <a:srcRect/>
+          <a:stretch>
+            <a:fillRect/>
+          </a:stretch>
+        </p:blipFill>
+        <p:spPr bwMode="auto">
+          <a:xfrm>
+            <a:off x="1908176" y="4866721"/>
+            <a:ext cx="825034" cy="824421"/>
+          </a:xfrm>
+          <a:prstGeom prst="rect">
+            <a:avLst/>
+          </a:prstGeom>
+          <a:noFill/>
+          <a:extLst>
+            <a:ext uri="{909E8E84-426E-40DD-AFC4-6F175D3DCCD1}">
+              <a14:hiddenFill xmlns:a14="http://schemas.microsoft.com/office/drawing/2010/main">
+                <a:solidFill>
+                  <a:srgbClr val="FFFFFF"/>
+                </a:solidFill>
+              </a14:hiddenFill>
+            </a:ext>
+          </a:extLst>
+        </p:spPr>
+      </p:pic>
+      <p:sp>
+        <p:nvSpPr>
+          <p:cNvPr id="13" name="TextBox 12"/>
+          <p:cNvSpPr txBox="1"/>
+          <p:nvPr/>
+        </p:nvSpPr>
+        <p:spPr>
+          <a:xfrm>
+            <a:off x="2524444" y="5254195"/>
+            <a:ext cx="1238954" cy="369332"/>
+          </a:xfrm>
+          <a:prstGeom prst="rect">
+            <a:avLst/>
+          </a:prstGeom>
+          <a:noFill/>
+        </p:spPr>
+        <p:txBody>
+          <a:bodyPr wrap="square" rtlCol="0">
+            <a:spAutoFit/>
+          </a:bodyPr>
+          <a:lstStyle/>
+          <a:p>
+            <a:pPr algn="ctr"/>
+            <a:r>
+              <a:rPr lang="en-US" b="1" dirty="0" smtClean="0">
                 <a:solidFill>
                   <a:schemeClr val="accent1">
                     <a:lumMod val="75000"/>
                   </a:schemeClr>
                 </a:solidFill>
-              </a:endParaRPr>
-            </a:p>
-          </p:txBody>
-        </p:sp>
-      </p:grpSp>
+              </a:rPr>
+              <a:t>Covid-19</a:t>
+            </a:r>
+            <a:endParaRPr lang="en-US" b="1" dirty="0">
+              <a:solidFill>
+                <a:schemeClr val="accent1">
+                  <a:lumMod val="75000"/>
+                </a:schemeClr>
+              </a:solidFill>
+            </a:endParaRPr>
+          </a:p>
+        </p:txBody>
+      </p:sp>
     </p:spTree>
     <p:extLst>
       <p:ext uri="{BB962C8B-B14F-4D97-AF65-F5344CB8AC3E}">
-        <p14:creationId xmlns:p14="http://schemas.microsoft.com/office/powerpoint/2010/main" val="969755914"/>
+        <p14:creationId xmlns:p14="http://schemas.microsoft.com/office/powerpoint/2010/main" val="3454054716"/>
       </p:ext>
     </p:extLst>
   </p:cSld>
@@ -12116,7 +13535,7 @@
             <a:pPr algn="ctr"/>
             <a:r>
               <a:rPr lang="en-US" dirty="0" smtClean="0"/>
-              <a:t>March 31, 2020</a:t>
+              <a:t>April 13, 2020</a:t>
             </a:r>
             <a:endParaRPr lang="en-US" dirty="0"/>
           </a:p>
@@ -12131,7 +13550,7 @@
         <p:spPr>
           <a:xfrm>
             <a:off x="2035110" y="3043759"/>
-            <a:ext cx="5005769" cy="1200329"/>
+            <a:ext cx="5005769" cy="1477328"/>
           </a:xfrm>
           <a:prstGeom prst="rect">
             <a:avLst/>
@@ -12146,33 +13565,62 @@
           <a:p>
             <a:pPr algn="ctr"/>
             <a:r>
-              <a:rPr lang="en-US" dirty="0"/>
-              <a:t>Chapter 14</a:t>
-            </a:r>
-          </a:p>
-          <a:p>
-            <a:pPr algn="ctr"/>
-            <a:r>
-              <a:rPr lang="en-US" b="1" u="sng" dirty="0"/>
-              <a:t>2-way Factorial ANOVA</a:t>
-            </a:r>
-          </a:p>
-          <a:p>
-            <a:pPr algn="ctr"/>
-            <a:r>
-              <a:rPr lang="en-US" i="1" dirty="0"/>
-              <a:t>Sleep x Stimulant Exa</a:t>
-            </a:r>
+              <a:rPr lang="en-US" dirty="0" smtClean="0"/>
+              <a:t>Chapter 15</a:t>
+            </a:r>
+            <a:endParaRPr lang="en-US" dirty="0"/>
+          </a:p>
+          <a:p>
+            <a:pPr algn="ctr"/>
+            <a:r>
+              <a:rPr lang="en-US" b="1" u="sng" dirty="0" smtClean="0"/>
+              <a:t>Repeated </a:t>
+            </a:r>
+            <a:r>
+              <a:rPr lang="en-US" b="1" u="sng" dirty="0" err="1" smtClean="0"/>
+              <a:t>Measurs</a:t>
+            </a:r>
+            <a:r>
+              <a:rPr lang="en-US" b="1" u="sng" dirty="0" smtClean="0"/>
+              <a:t> ANOVA</a:t>
+            </a:r>
+            <a:endParaRPr lang="en-US" b="1" u="sng" dirty="0"/>
+          </a:p>
+          <a:p>
+            <a:pPr algn="ctr"/>
             <a:r>
               <a:rPr lang="en-US" i="1" dirty="0" smtClean="0"/>
-              <a:t>mple Walk-through </a:t>
+              <a:t>Examples, in R</a:t>
             </a:r>
           </a:p>
           <a:p>
             <a:pPr algn="ctr"/>
             <a:r>
               <a:rPr lang="en-US" i="1" dirty="0" smtClean="0"/>
-              <a:t>Barry Cohen’s Textbook Example </a:t>
+              <a:t>1</a:t>
+            </a:r>
+            <a:r>
+              <a:rPr lang="en-US" i="1" baseline="30000" dirty="0" smtClean="0"/>
+              <a:t>st</a:t>
+            </a:r>
+            <a:r>
+              <a:rPr lang="en-US" i="1" dirty="0" smtClean="0"/>
+              <a:t> – textbook’s example with word recall</a:t>
+            </a:r>
+          </a:p>
+          <a:p>
+            <a:pPr algn="ctr"/>
+            <a:r>
+              <a:rPr lang="en-US" i="1" dirty="0" smtClean="0"/>
+              <a:t>2</a:t>
+            </a:r>
+            <a:r>
+              <a:rPr lang="en-US" i="1" baseline="30000" dirty="0" smtClean="0"/>
+              <a:t>nd</a:t>
+            </a:r>
+            <a:r>
+              <a:rPr lang="en-US" i="1" dirty="0" smtClean="0"/>
+              <a:t> – weight loss over 3 months</a:t>
             </a:r>
             <a:endParaRPr lang="en-US" i="1" dirty="0"/>
           </a:p>
@@ -12313,109 +13761,94 @@
           </a:prstGeom>
         </p:spPr>
       </p:pic>
-      <p:grpSp>
-        <p:nvGrpSpPr>
-          <p:cNvPr id="5" name="Group 4"/>
-          <p:cNvGrpSpPr/>
-          <p:nvPr/>
-        </p:nvGrpSpPr>
-        <p:grpSpPr>
-          <a:xfrm>
-            <a:off x="1908176" y="4866721"/>
-            <a:ext cx="1855222" cy="824421"/>
-            <a:chOff x="1908176" y="4866721"/>
-            <a:chExt cx="1855222" cy="824421"/>
-          </a:xfrm>
-        </p:grpSpPr>
-        <p:pic>
-          <p:nvPicPr>
-            <p:cNvPr id="1026" name="Picture 2" descr="Image result for virus"/>
-            <p:cNvPicPr>
-              <a:picLocks noChangeAspect="1" noChangeArrowheads="1"/>
-            </p:cNvPicPr>
-            <p:nvPr/>
-          </p:nvPicPr>
-          <p:blipFill>
-            <a:blip r:embed="rId6" cstate="print">
-              <a:extLst>
-                <a:ext uri="{28A0092B-C50C-407E-A947-70E740481C1C}">
-                  <a14:useLocalDpi xmlns:a14="http://schemas.microsoft.com/office/drawing/2010/main" val="0"/>
-                </a:ext>
-              </a:extLst>
-            </a:blip>
-            <a:srcRect/>
-            <a:stretch>
-              <a:fillRect/>
-            </a:stretch>
-          </p:blipFill>
-          <p:spPr bwMode="auto">
-            <a:xfrm>
-              <a:off x="1908176" y="4866721"/>
-              <a:ext cx="825034" cy="824421"/>
-            </a:xfrm>
-            <a:prstGeom prst="rect">
-              <a:avLst/>
-            </a:prstGeom>
-            <a:noFill/>
+      <p:pic>
+        <p:nvPicPr>
+          <p:cNvPr id="1026" name="Picture 2" descr="Image result for virus"/>
+          <p:cNvPicPr>
+            <a:picLocks noChangeAspect="1" noChangeArrowheads="1"/>
+          </p:cNvPicPr>
+          <p:nvPr/>
+        </p:nvPicPr>
+        <p:blipFill>
+          <a:blip r:embed="rId6" cstate="print">
             <a:extLst>
-              <a:ext uri="{909E8E84-426E-40DD-AFC4-6F175D3DCCD1}">
-                <a14:hiddenFill xmlns:a14="http://schemas.microsoft.com/office/drawing/2010/main">
-                  <a:solidFill>
-                    <a:srgbClr val="FFFFFF"/>
-                  </a:solidFill>
-                </a14:hiddenFill>
+              <a:ext uri="{28A0092B-C50C-407E-A947-70E740481C1C}">
+                <a14:useLocalDpi xmlns:a14="http://schemas.microsoft.com/office/drawing/2010/main" val="0"/>
               </a:ext>
             </a:extLst>
-          </p:spPr>
-        </p:pic>
-        <p:sp>
-          <p:nvSpPr>
-            <p:cNvPr id="13" name="TextBox 12"/>
-            <p:cNvSpPr txBox="1"/>
-            <p:nvPr/>
-          </p:nvSpPr>
-          <p:spPr>
-            <a:xfrm>
-              <a:off x="2524444" y="5254195"/>
-              <a:ext cx="1238954" cy="369332"/>
-            </a:xfrm>
-            <a:prstGeom prst="rect">
-              <a:avLst/>
-            </a:prstGeom>
-            <a:noFill/>
-          </p:spPr>
-          <p:txBody>
-            <a:bodyPr wrap="square" rtlCol="0">
-              <a:spAutoFit/>
-            </a:bodyPr>
-            <a:lstStyle/>
-            <a:p>
-              <a:pPr algn="ctr"/>
-              <a:r>
-                <a:rPr lang="en-US" b="1" dirty="0" smtClean="0">
-                  <a:solidFill>
-                    <a:schemeClr val="accent1">
-                      <a:lumMod val="75000"/>
-                    </a:schemeClr>
-                  </a:solidFill>
-                </a:rPr>
-                <a:t>Covid-19</a:t>
-              </a:r>
-              <a:endParaRPr lang="en-US" b="1" dirty="0">
+          </a:blip>
+          <a:srcRect/>
+          <a:stretch>
+            <a:fillRect/>
+          </a:stretch>
+        </p:blipFill>
+        <p:spPr bwMode="auto">
+          <a:xfrm>
+            <a:off x="1908176" y="4866721"/>
+            <a:ext cx="825034" cy="824421"/>
+          </a:xfrm>
+          <a:prstGeom prst="rect">
+            <a:avLst/>
+          </a:prstGeom>
+          <a:noFill/>
+          <a:extLst>
+            <a:ext uri="{909E8E84-426E-40DD-AFC4-6F175D3DCCD1}">
+              <a14:hiddenFill xmlns:a14="http://schemas.microsoft.com/office/drawing/2010/main">
+                <a:solidFill>
+                  <a:srgbClr val="FFFFFF"/>
+                </a:solidFill>
+              </a14:hiddenFill>
+            </a:ext>
+          </a:extLst>
+        </p:spPr>
+      </p:pic>
+      <p:sp>
+        <p:nvSpPr>
+          <p:cNvPr id="13" name="TextBox 12"/>
+          <p:cNvSpPr txBox="1"/>
+          <p:nvPr/>
+        </p:nvSpPr>
+        <p:spPr>
+          <a:xfrm>
+            <a:off x="2524444" y="5254195"/>
+            <a:ext cx="1238954" cy="369332"/>
+          </a:xfrm>
+          <a:prstGeom prst="rect">
+            <a:avLst/>
+          </a:prstGeom>
+          <a:noFill/>
+        </p:spPr>
+        <p:txBody>
+          <a:bodyPr wrap="square" rtlCol="0">
+            <a:spAutoFit/>
+          </a:bodyPr>
+          <a:lstStyle/>
+          <a:p>
+            <a:pPr algn="ctr"/>
+            <a:r>
+              <a:rPr lang="en-US" b="1" dirty="0" smtClean="0">
                 <a:solidFill>
                   <a:schemeClr val="accent1">
                     <a:lumMod val="75000"/>
                   </a:schemeClr>
                 </a:solidFill>
-              </a:endParaRPr>
-            </a:p>
-          </p:txBody>
-        </p:sp>
-      </p:grpSp>
+              </a:rPr>
+              <a:t>Covid-19</a:t>
+            </a:r>
+            <a:endParaRPr lang="en-US" b="1" dirty="0">
+              <a:solidFill>
+                <a:schemeClr val="accent1">
+                  <a:lumMod val="75000"/>
+                </a:schemeClr>
+              </a:solidFill>
+            </a:endParaRPr>
+          </a:p>
+        </p:txBody>
+      </p:sp>
     </p:spTree>
     <p:extLst>
       <p:ext uri="{BB962C8B-B14F-4D97-AF65-F5344CB8AC3E}">
-        <p14:creationId xmlns:p14="http://schemas.microsoft.com/office/powerpoint/2010/main" val="3068570685"/>
+        <p14:creationId xmlns:p14="http://schemas.microsoft.com/office/powerpoint/2010/main" val="707466089"/>
       </p:ext>
     </p:extLst>
   </p:cSld>
@@ -12450,7 +13883,7 @@
         </p:nvSpPr>
         <p:spPr>
           <a:xfrm>
-            <a:off x="1808702" y="824230"/>
+            <a:off x="1853580" y="824230"/>
             <a:ext cx="8778240" cy="5010912"/>
           </a:xfrm>
           <a:prstGeom prst="rect">
@@ -12496,7 +13929,7 @@
         </p:nvSpPr>
         <p:spPr>
           <a:xfrm>
-            <a:off x="4184694" y="1065121"/>
+            <a:off x="3838696" y="1056832"/>
             <a:ext cx="5712369" cy="1754326"/>
           </a:xfrm>
           <a:prstGeom prst="rect">
@@ -12512,7 +13945,13 @@
           <a:p>
             <a:r>
               <a:rPr lang="en-US" sz="5400" dirty="0" smtClean="0"/>
-              <a:t>OUT-OF-CLASS LECTURES</a:t>
+              <a:t>Virtual </a:t>
+            </a:r>
+          </a:p>
+          <a:p>
+            <a:r>
+              <a:rPr lang="en-US" sz="5400" dirty="0" smtClean="0"/>
+              <a:t>Office Hours</a:t>
             </a:r>
             <a:endParaRPr lang="en-US" sz="5400" dirty="0"/>
           </a:p>
@@ -12543,7 +13982,7 @@
             <a:pPr algn="ctr"/>
             <a:r>
               <a:rPr lang="en-US" dirty="0" smtClean="0"/>
-              <a:t>March 31, 2020</a:t>
+              <a:t>April 7, 2020</a:t>
             </a:r>
             <a:endParaRPr lang="en-US" dirty="0"/>
           </a:p>
@@ -12557,8 +13996,8 @@
         </p:nvSpPr>
         <p:spPr>
           <a:xfrm>
-            <a:off x="2035110" y="3043759"/>
-            <a:ext cx="5005769" cy="1200329"/>
+            <a:off x="3133161" y="2743036"/>
+            <a:ext cx="5005769" cy="923330"/>
           </a:xfrm>
           <a:prstGeom prst="rect">
             <a:avLst/>
@@ -12574,7 +14013,7 @@
             <a:pPr algn="ctr"/>
             <a:r>
               <a:rPr lang="en-US" dirty="0" smtClean="0"/>
-              <a:t>Chapter 14</a:t>
+              <a:t>HW 14 </a:t>
             </a:r>
             <a:endParaRPr lang="en-US" dirty="0"/>
           </a:p>
@@ -12582,24 +14021,15 @@
             <a:pPr algn="ctr"/>
             <a:r>
               <a:rPr lang="en-US" b="1" u="sng" dirty="0" smtClean="0"/>
-              <a:t>2-way Factorial ANOVA</a:t>
-            </a:r>
-            <a:endParaRPr lang="en-US" b="1" u="sng" dirty="0"/>
-          </a:p>
-          <a:p>
-            <a:pPr algn="ctr"/>
-            <a:r>
-              <a:rPr lang="en-US" i="1" dirty="0" smtClean="0"/>
-              <a:t>Lecture slides </a:t>
-            </a:r>
-          </a:p>
-          <a:p>
-            <a:pPr algn="ctr"/>
-            <a:r>
-              <a:rPr lang="en-US" i="1" dirty="0" smtClean="0"/>
-              <a:t>(example in separate video)</a:t>
-            </a:r>
-            <a:endParaRPr lang="en-US" i="1" dirty="0"/>
+              <a:t>2-way Factorial ANOVAs</a:t>
+            </a:r>
+          </a:p>
+          <a:p>
+            <a:pPr algn="ctr"/>
+            <a:r>
+              <a:rPr lang="en-US" dirty="0" smtClean="0"/>
+              <a:t>Items # 4, 5, &amp; 6</a:t>
+            </a:r>
           </a:p>
         </p:txBody>
       </p:sp>
@@ -12740,55 +14170,38 @@
       </p:pic>
       <p:pic>
         <p:nvPicPr>
-          <p:cNvPr id="1026" name="Picture 2" descr="Image result for virus"/>
+          <p:cNvPr id="5" name="Picture 4"/>
           <p:cNvPicPr>
-            <a:picLocks noChangeAspect="1" noChangeArrowheads="1"/>
+            <a:picLocks noChangeAspect="1"/>
           </p:cNvPicPr>
           <p:nvPr/>
         </p:nvPicPr>
         <p:blipFill>
-          <a:blip r:embed="rId6" cstate="print">
-            <a:extLst>
-              <a:ext uri="{28A0092B-C50C-407E-A947-70E740481C1C}">
-                <a14:useLocalDpi xmlns:a14="http://schemas.microsoft.com/office/drawing/2010/main" val="0"/>
-              </a:ext>
-            </a:extLst>
-          </a:blip>
-          <a:srcRect/>
+          <a:blip r:embed="rId6"/>
           <a:stretch>
             <a:fillRect/>
           </a:stretch>
         </p:blipFill>
-        <p:spPr bwMode="auto">
-          <a:xfrm>
-            <a:off x="1908176" y="4866721"/>
-            <a:ext cx="825034" cy="824421"/>
-          </a:xfrm>
-          <a:prstGeom prst="rect">
-            <a:avLst/>
-          </a:prstGeom>
-          <a:noFill/>
-          <a:extLst>
-            <a:ext uri="{909E8E84-426E-40DD-AFC4-6F175D3DCCD1}">
-              <a14:hiddenFill xmlns:a14="http://schemas.microsoft.com/office/drawing/2010/main">
-                <a:solidFill>
-                  <a:srgbClr val="FFFFFF"/>
-                </a:solidFill>
-              </a14:hiddenFill>
-            </a:ext>
-          </a:extLst>
+        <p:spPr>
+          <a:xfrm>
+            <a:off x="1985351" y="4872564"/>
+            <a:ext cx="1853345" cy="853514"/>
+          </a:xfrm>
+          <a:prstGeom prst="rect">
+            <a:avLst/>
+          </a:prstGeom>
         </p:spPr>
       </p:pic>
       <p:sp>
         <p:nvSpPr>
-          <p:cNvPr id="13" name="TextBox 12"/>
+          <p:cNvPr id="6" name="TextBox 5"/>
           <p:cNvSpPr txBox="1"/>
           <p:nvPr/>
         </p:nvSpPr>
         <p:spPr>
           <a:xfrm>
-            <a:off x="2524444" y="5254195"/>
-            <a:ext cx="1238954" cy="369332"/>
+            <a:off x="2163479" y="3316893"/>
+            <a:ext cx="1952216" cy="646331"/>
           </a:xfrm>
           <a:prstGeom prst="rect">
             <a:avLst/>
@@ -12803,29 +14216,121 @@
           <a:p>
             <a:pPr algn="ctr"/>
             <a:r>
-              <a:rPr lang="en-US" b="1" dirty="0" smtClean="0">
-                <a:solidFill>
-                  <a:schemeClr val="accent1">
-                    <a:lumMod val="75000"/>
-                  </a:schemeClr>
-                </a:solidFill>
-              </a:rPr>
-              <a:t>Covid-19</a:t>
-            </a:r>
-            <a:endParaRPr lang="en-US" b="1" dirty="0">
-              <a:solidFill>
-                <a:schemeClr val="accent1">
-                  <a:lumMod val="75000"/>
-                </a:schemeClr>
-              </a:solidFill>
-            </a:endParaRPr>
+              <a:rPr lang="en-US" u="sng" dirty="0" smtClean="0"/>
+              <a:t>Factorial ANOVA</a:t>
+            </a:r>
+          </a:p>
+          <a:p>
+            <a:pPr algn="ctr"/>
+            <a:r>
+              <a:rPr lang="en-US" dirty="0" smtClean="0"/>
+              <a:t>Omnibus F-tests</a:t>
+            </a:r>
+            <a:endParaRPr lang="en-US" dirty="0"/>
+          </a:p>
+        </p:txBody>
+      </p:sp>
+      <p:sp>
+        <p:nvSpPr>
+          <p:cNvPr id="15" name="TextBox 14"/>
+          <p:cNvSpPr txBox="1"/>
+          <p:nvPr/>
+        </p:nvSpPr>
+        <p:spPr>
+          <a:xfrm>
+            <a:off x="3473229" y="3827424"/>
+            <a:ext cx="2184037" cy="923330"/>
+          </a:xfrm>
+          <a:prstGeom prst="rect">
+            <a:avLst/>
+          </a:prstGeom>
+          <a:noFill/>
+        </p:spPr>
+        <p:txBody>
+          <a:bodyPr wrap="square" rtlCol="0">
+            <a:spAutoFit/>
+          </a:bodyPr>
+          <a:lstStyle/>
+          <a:p>
+            <a:pPr algn="ctr"/>
+            <a:r>
+              <a:rPr lang="en-US" u="sng" dirty="0" smtClean="0"/>
+              <a:t>Interactions</a:t>
+            </a:r>
+          </a:p>
+          <a:p>
+            <a:pPr algn="ctr"/>
+            <a:r>
+              <a:rPr lang="en-US" dirty="0" smtClean="0"/>
+              <a:t>2-way means plots</a:t>
+            </a:r>
+          </a:p>
+          <a:p>
+            <a:pPr algn="ctr"/>
+            <a:r>
+              <a:rPr lang="en-US" dirty="0" smtClean="0"/>
+              <a:t>Interaction contrasts</a:t>
+            </a:r>
+            <a:endParaRPr lang="en-US" dirty="0"/>
+          </a:p>
+        </p:txBody>
+      </p:sp>
+      <p:sp>
+        <p:nvSpPr>
+          <p:cNvPr id="16" name="TextBox 15"/>
+          <p:cNvSpPr txBox="1"/>
+          <p:nvPr/>
+        </p:nvSpPr>
+        <p:spPr>
+          <a:xfrm>
+            <a:off x="4851703" y="4576843"/>
+            <a:ext cx="2667658" cy="1200329"/>
+          </a:xfrm>
+          <a:prstGeom prst="rect">
+            <a:avLst/>
+          </a:prstGeom>
+          <a:noFill/>
+        </p:spPr>
+        <p:txBody>
+          <a:bodyPr wrap="square" rtlCol="0">
+            <a:spAutoFit/>
+          </a:bodyPr>
+          <a:lstStyle/>
+          <a:p>
+            <a:pPr algn="ctr"/>
+            <a:r>
+              <a:rPr lang="en-US" u="sng" dirty="0" smtClean="0"/>
+              <a:t>Main Effects</a:t>
+            </a:r>
+          </a:p>
+          <a:p>
+            <a:pPr algn="ctr"/>
+            <a:r>
+              <a:rPr lang="en-US" dirty="0" smtClean="0"/>
+              <a:t>1-way means table</a:t>
+            </a:r>
+          </a:p>
+          <a:p>
+            <a:pPr algn="ctr"/>
+            <a:r>
+              <a:rPr lang="en-US" dirty="0" smtClean="0"/>
+              <a:t>1-way means plot</a:t>
+            </a:r>
+          </a:p>
+          <a:p>
+            <a:pPr algn="ctr"/>
+            <a:r>
+              <a:rPr lang="en-US" dirty="0" smtClean="0"/>
+              <a:t>Pairwise post hoc t-tests</a:t>
+            </a:r>
+            <a:endParaRPr lang="en-US" dirty="0"/>
           </a:p>
         </p:txBody>
       </p:sp>
     </p:spTree>
     <p:extLst>
       <p:ext uri="{BB962C8B-B14F-4D97-AF65-F5344CB8AC3E}">
-        <p14:creationId xmlns:p14="http://schemas.microsoft.com/office/powerpoint/2010/main" val="1235567156"/>
+        <p14:creationId xmlns:p14="http://schemas.microsoft.com/office/powerpoint/2010/main" val="1875168771"/>
       </p:ext>
     </p:extLst>
   </p:cSld>

--- a/static/img/youtube_thumbnails/video_thumbnail_building.pptx
+++ b/static/img/youtube_thumbnails/video_thumbnail_building.pptx
@@ -5,42 +5,46 @@
     <p:sldMasterId id="2147483648" r:id="rId1"/>
   </p:sldMasterIdLst>
   <p:sldIdLst>
-    <p:sldId id="291" r:id="rId2"/>
-    <p:sldId id="290" r:id="rId3"/>
-    <p:sldId id="289" r:id="rId4"/>
-    <p:sldId id="288" r:id="rId5"/>
-    <p:sldId id="287" r:id="rId6"/>
-    <p:sldId id="286" r:id="rId7"/>
-    <p:sldId id="285" r:id="rId8"/>
-    <p:sldId id="284" r:id="rId9"/>
-    <p:sldId id="283" r:id="rId10"/>
-    <p:sldId id="282" r:id="rId11"/>
-    <p:sldId id="281" r:id="rId12"/>
-    <p:sldId id="280" r:id="rId13"/>
-    <p:sldId id="279" r:id="rId14"/>
-    <p:sldId id="278" r:id="rId15"/>
-    <p:sldId id="277" r:id="rId16"/>
-    <p:sldId id="276" r:id="rId17"/>
-    <p:sldId id="275" r:id="rId18"/>
-    <p:sldId id="273" r:id="rId19"/>
-    <p:sldId id="274" r:id="rId20"/>
-    <p:sldId id="272" r:id="rId21"/>
-    <p:sldId id="271" r:id="rId22"/>
-    <p:sldId id="270" r:id="rId23"/>
-    <p:sldId id="259" r:id="rId24"/>
-    <p:sldId id="261" r:id="rId25"/>
-    <p:sldId id="260" r:id="rId26"/>
-    <p:sldId id="269" r:id="rId27"/>
-    <p:sldId id="268" r:id="rId28"/>
-    <p:sldId id="267" r:id="rId29"/>
-    <p:sldId id="266" r:id="rId30"/>
-    <p:sldId id="265" r:id="rId31"/>
-    <p:sldId id="264" r:id="rId32"/>
-    <p:sldId id="263" r:id="rId33"/>
-    <p:sldId id="262" r:id="rId34"/>
-    <p:sldId id="257" r:id="rId35"/>
-    <p:sldId id="256" r:id="rId36"/>
-    <p:sldId id="258" r:id="rId37"/>
+    <p:sldId id="295" r:id="rId2"/>
+    <p:sldId id="294" r:id="rId3"/>
+    <p:sldId id="293" r:id="rId4"/>
+    <p:sldId id="292" r:id="rId5"/>
+    <p:sldId id="291" r:id="rId6"/>
+    <p:sldId id="290" r:id="rId7"/>
+    <p:sldId id="289" r:id="rId8"/>
+    <p:sldId id="288" r:id="rId9"/>
+    <p:sldId id="287" r:id="rId10"/>
+    <p:sldId id="286" r:id="rId11"/>
+    <p:sldId id="285" r:id="rId12"/>
+    <p:sldId id="284" r:id="rId13"/>
+    <p:sldId id="283" r:id="rId14"/>
+    <p:sldId id="282" r:id="rId15"/>
+    <p:sldId id="281" r:id="rId16"/>
+    <p:sldId id="280" r:id="rId17"/>
+    <p:sldId id="279" r:id="rId18"/>
+    <p:sldId id="278" r:id="rId19"/>
+    <p:sldId id="277" r:id="rId20"/>
+    <p:sldId id="276" r:id="rId21"/>
+    <p:sldId id="275" r:id="rId22"/>
+    <p:sldId id="273" r:id="rId23"/>
+    <p:sldId id="274" r:id="rId24"/>
+    <p:sldId id="272" r:id="rId25"/>
+    <p:sldId id="271" r:id="rId26"/>
+    <p:sldId id="270" r:id="rId27"/>
+    <p:sldId id="259" r:id="rId28"/>
+    <p:sldId id="261" r:id="rId29"/>
+    <p:sldId id="260" r:id="rId30"/>
+    <p:sldId id="269" r:id="rId31"/>
+    <p:sldId id="268" r:id="rId32"/>
+    <p:sldId id="267" r:id="rId33"/>
+    <p:sldId id="266" r:id="rId34"/>
+    <p:sldId id="265" r:id="rId35"/>
+    <p:sldId id="264" r:id="rId36"/>
+    <p:sldId id="263" r:id="rId37"/>
+    <p:sldId id="262" r:id="rId38"/>
+    <p:sldId id="257" r:id="rId39"/>
+    <p:sldId id="256" r:id="rId40"/>
+    <p:sldId id="258" r:id="rId41"/>
   </p:sldIdLst>
   <p:sldSz cx="12192000" cy="6858000"/>
   <p:notesSz cx="6858000" cy="9144000"/>
@@ -276,7 +280,7 @@
           <a:p>
             <a:fld id="{3C68F153-927F-4ADA-A90F-AFD816292B90}" type="datetimeFigureOut">
               <a:rPr lang="en-US" smtClean="0"/>
-              <a:t>5/9/2020</a:t>
+              <a:t>5/11/2020</a:t>
             </a:fld>
             <a:endParaRPr lang="en-US"/>
           </a:p>
@@ -444,7 +448,7 @@
           <a:p>
             <a:fld id="{3C68F153-927F-4ADA-A90F-AFD816292B90}" type="datetimeFigureOut">
               <a:rPr lang="en-US" smtClean="0"/>
-              <a:t>5/9/2020</a:t>
+              <a:t>5/11/2020</a:t>
             </a:fld>
             <a:endParaRPr lang="en-US"/>
           </a:p>
@@ -622,7 +626,7 @@
           <a:p>
             <a:fld id="{3C68F153-927F-4ADA-A90F-AFD816292B90}" type="datetimeFigureOut">
               <a:rPr lang="en-US" smtClean="0"/>
-              <a:t>5/9/2020</a:t>
+              <a:t>5/11/2020</a:t>
             </a:fld>
             <a:endParaRPr lang="en-US"/>
           </a:p>
@@ -790,7 +794,7 @@
           <a:p>
             <a:fld id="{3C68F153-927F-4ADA-A90F-AFD816292B90}" type="datetimeFigureOut">
               <a:rPr lang="en-US" smtClean="0"/>
-              <a:t>5/9/2020</a:t>
+              <a:t>5/11/2020</a:t>
             </a:fld>
             <a:endParaRPr lang="en-US"/>
           </a:p>
@@ -1035,7 +1039,7 @@
           <a:p>
             <a:fld id="{3C68F153-927F-4ADA-A90F-AFD816292B90}" type="datetimeFigureOut">
               <a:rPr lang="en-US" smtClean="0"/>
-              <a:t>5/9/2020</a:t>
+              <a:t>5/11/2020</a:t>
             </a:fld>
             <a:endParaRPr lang="en-US"/>
           </a:p>
@@ -1264,7 +1268,7 @@
           <a:p>
             <a:fld id="{3C68F153-927F-4ADA-A90F-AFD816292B90}" type="datetimeFigureOut">
               <a:rPr lang="en-US" smtClean="0"/>
-              <a:t>5/9/2020</a:t>
+              <a:t>5/11/2020</a:t>
             </a:fld>
             <a:endParaRPr lang="en-US"/>
           </a:p>
@@ -1628,7 +1632,7 @@
           <a:p>
             <a:fld id="{3C68F153-927F-4ADA-A90F-AFD816292B90}" type="datetimeFigureOut">
               <a:rPr lang="en-US" smtClean="0"/>
-              <a:t>5/9/2020</a:t>
+              <a:t>5/11/2020</a:t>
             </a:fld>
             <a:endParaRPr lang="en-US"/>
           </a:p>
@@ -1745,7 +1749,7 @@
           <a:p>
             <a:fld id="{3C68F153-927F-4ADA-A90F-AFD816292B90}" type="datetimeFigureOut">
               <a:rPr lang="en-US" smtClean="0"/>
-              <a:t>5/9/2020</a:t>
+              <a:t>5/11/2020</a:t>
             </a:fld>
             <a:endParaRPr lang="en-US"/>
           </a:p>
@@ -1840,7 +1844,7 @@
           <a:p>
             <a:fld id="{3C68F153-927F-4ADA-A90F-AFD816292B90}" type="datetimeFigureOut">
               <a:rPr lang="en-US" smtClean="0"/>
-              <a:t>5/9/2020</a:t>
+              <a:t>5/11/2020</a:t>
             </a:fld>
             <a:endParaRPr lang="en-US"/>
           </a:p>
@@ -2115,7 +2119,7 @@
           <a:p>
             <a:fld id="{3C68F153-927F-4ADA-A90F-AFD816292B90}" type="datetimeFigureOut">
               <a:rPr lang="en-US" smtClean="0"/>
-              <a:t>5/9/2020</a:t>
+              <a:t>5/11/2020</a:t>
             </a:fld>
             <a:endParaRPr lang="en-US"/>
           </a:p>
@@ -2367,7 +2371,7 @@
           <a:p>
             <a:fld id="{3C68F153-927F-4ADA-A90F-AFD816292B90}" type="datetimeFigureOut">
               <a:rPr lang="en-US" smtClean="0"/>
-              <a:t>5/9/2020</a:t>
+              <a:t>5/11/2020</a:t>
             </a:fld>
             <a:endParaRPr lang="en-US"/>
           </a:p>
@@ -2578,7 +2582,7 @@
           <a:p>
             <a:fld id="{3C68F153-927F-4ADA-A90F-AFD816292B90}" type="datetimeFigureOut">
               <a:rPr lang="en-US" smtClean="0"/>
-              <a:t>5/9/2020</a:t>
+              <a:t>5/11/2020</a:t>
             </a:fld>
             <a:endParaRPr lang="en-US"/>
           </a:p>
@@ -3054,7 +3058,15 @@
             <a:pPr algn="ctr"/>
             <a:r>
               <a:rPr lang="en-US" dirty="0"/>
-              <a:t>May 8, 2020</a:t>
+              <a:t>May </a:t>
+            </a:r>
+            <a:r>
+              <a:rPr lang="en-US" dirty="0" smtClean="0"/>
+              <a:t>11, </a:t>
+            </a:r>
+            <a:r>
+              <a:rPr lang="en-US" dirty="0"/>
+              <a:t>2020</a:t>
             </a:r>
           </a:p>
         </p:txBody>
@@ -3067,8 +3079,8 @@
         </p:nvSpPr>
         <p:spPr>
           <a:xfrm>
-            <a:off x="2679150" y="2855442"/>
-            <a:ext cx="5005769" cy="1200329"/>
+            <a:off x="2639881" y="3325287"/>
+            <a:ext cx="5005769" cy="923330"/>
           </a:xfrm>
           <a:prstGeom prst="rect">
             <a:avLst/>
@@ -3083,38 +3095,27 @@
           <a:p>
             <a:pPr algn="ctr"/>
             <a:r>
-              <a:rPr lang="en-US" dirty="0"/>
-              <a:t>HW_01</a:t>
-            </a:r>
+              <a:rPr lang="en-US" dirty="0" smtClean="0"/>
+              <a:t>HW_04, section C</a:t>
+            </a:r>
+            <a:endParaRPr lang="en-US" dirty="0"/>
           </a:p>
           <a:p>
             <a:pPr algn="ctr"/>
             <a:r>
               <a:rPr lang="en-US" b="1" u="sng" dirty="0"/>
-              <a:t>Getting Started with R &amp; R Studio</a:t>
-            </a:r>
-          </a:p>
-          <a:p>
-            <a:pPr algn="ctr"/>
-            <a:r>
-              <a:rPr lang="en-US" i="1" dirty="0"/>
-              <a:t>Second half of the </a:t>
-            </a:r>
-            <a:r>
-              <a:rPr lang="en-US" i="1" dirty="0" err="1"/>
-              <a:t>Rmd</a:t>
-            </a:r>
-            <a:endParaRPr lang="en-US" i="1" dirty="0"/>
-          </a:p>
-          <a:p>
-            <a:pPr algn="ctr"/>
-            <a:r>
-              <a:rPr lang="en-US" i="1" dirty="0"/>
-              <a:t>Uploading and submitting in </a:t>
-            </a:r>
-            <a:r>
-              <a:rPr lang="en-US" i="1" dirty="0" err="1"/>
-              <a:t>Canvs</a:t>
+              <a:t>Standardized </a:t>
+            </a:r>
+            <a:r>
+              <a:rPr lang="en-US" b="1" u="sng" dirty="0" smtClean="0"/>
+              <a:t>Scores</a:t>
+            </a:r>
+          </a:p>
+          <a:p>
+            <a:pPr algn="ctr"/>
+            <a:r>
+              <a:rPr lang="en-US" i="1" dirty="0" smtClean="0"/>
+              <a:t>Calculate z-scores</a:t>
             </a:r>
             <a:endParaRPr lang="en-US" i="1" dirty="0"/>
           </a:p>
@@ -3387,26 +3388,28 @@
           <a:p>
             <a:r>
               <a:rPr lang="en-US" dirty="0"/>
-              <a:t>After Day 2 of 13</a:t>
-            </a:r>
-          </a:p>
-        </p:txBody>
-      </p:sp>
-      <p:sp>
-        <p:nvSpPr>
-          <p:cNvPr id="15" name="TextBox 14">
-            <a:extLst>
-              <a:ext uri="{FF2B5EF4-FFF2-40B4-BE49-F238E27FC236}">
-                <a16:creationId xmlns:a16="http://schemas.microsoft.com/office/drawing/2014/main" id="{ED772940-6A60-4E55-A11A-675405DD459E}"/>
-              </a:ext>
-            </a:extLst>
-          </p:cNvPr>
+              <a:t>After Day </a:t>
+            </a:r>
+            <a:r>
+              <a:rPr lang="en-US" dirty="0" smtClean="0"/>
+              <a:t>3 </a:t>
+            </a:r>
+            <a:r>
+              <a:rPr lang="en-US" dirty="0"/>
+              <a:t>of 13</a:t>
+            </a:r>
+          </a:p>
+        </p:txBody>
+      </p:sp>
+      <p:sp>
+        <p:nvSpPr>
+          <p:cNvPr id="16" name="TextBox 15"/>
           <p:cNvSpPr txBox="1"/>
           <p:nvPr/>
         </p:nvSpPr>
         <p:spPr>
           <a:xfrm>
-            <a:off x="3838696" y="1056832"/>
+            <a:off x="4184694" y="1065121"/>
             <a:ext cx="5712369" cy="1754326"/>
           </a:xfrm>
           <a:prstGeom prst="rect">
@@ -3422,13 +3425,7 @@
           <a:p>
             <a:r>
               <a:rPr lang="en-US" sz="5400" dirty="0"/>
-              <a:t>Virtual </a:t>
-            </a:r>
-          </a:p>
-          <a:p>
-            <a:r>
-              <a:rPr lang="en-US" sz="5400" dirty="0"/>
-              <a:t>Office Hours</a:t>
+              <a:t>OUT-OF-CLASS LECTURES</a:t>
             </a:r>
           </a:p>
         </p:txBody>
@@ -3436,7 +3433,7 @@
     </p:spTree>
     <p:extLst>
       <p:ext uri="{BB962C8B-B14F-4D97-AF65-F5344CB8AC3E}">
-        <p14:creationId xmlns:p14="http://schemas.microsoft.com/office/powerpoint/2010/main" val="2159513127"/>
+        <p14:creationId xmlns:p14="http://schemas.microsoft.com/office/powerpoint/2010/main" val="4088571183"/>
       </p:ext>
     </p:extLst>
   </p:cSld>
@@ -3569,7 +3566,7 @@
             <a:pPr algn="ctr"/>
             <a:r>
               <a:rPr lang="en-US" dirty="0"/>
-              <a:t>April 15, 2020</a:t>
+              <a:t>April 23, 2020</a:t>
             </a:r>
           </a:p>
         </p:txBody>
@@ -3741,8 +3738,8 @@
         </p:nvSpPr>
         <p:spPr>
           <a:xfrm>
-            <a:off x="2035110" y="3092669"/>
-            <a:ext cx="5005769" cy="1754326"/>
+            <a:off x="1846096" y="2821964"/>
+            <a:ext cx="5943438" cy="1200329"/>
           </a:xfrm>
           <a:prstGeom prst="rect">
             <a:avLst/>
@@ -3758,71 +3755,91 @@
             <a:pPr algn="ctr"/>
             <a:r>
               <a:rPr lang="en-US" dirty="0"/>
-              <a:t>HW 16</a:t>
+              <a:t>HW 19</a:t>
             </a:r>
           </a:p>
           <a:p>
             <a:pPr algn="ctr"/>
             <a:r>
               <a:rPr lang="en-US" b="1" u="sng" dirty="0"/>
-              <a:t>Mixed ANOVAs</a:t>
+              <a:t>Binomial Distribution, Normal Approximation, &amp; Sign Test</a:t>
             </a:r>
           </a:p>
           <a:p>
             <a:pPr algn="ctr"/>
             <a:r>
               <a:rPr lang="en-US" dirty="0"/>
-              <a:t>*updated* </a:t>
+              <a:t>Entering small p-values into HW</a:t>
+            </a:r>
+          </a:p>
+          <a:p>
+            <a:pPr algn="ctr"/>
+            <a:endParaRPr lang="en-US" dirty="0"/>
+          </a:p>
+        </p:txBody>
+      </p:sp>
+      <p:sp>
+        <p:nvSpPr>
+          <p:cNvPr id="13" name="TextBox 12"/>
+          <p:cNvSpPr txBox="1"/>
+          <p:nvPr/>
+        </p:nvSpPr>
+        <p:spPr>
+          <a:xfrm>
+            <a:off x="2664327" y="4025523"/>
+            <a:ext cx="5943438" cy="1754326"/>
+          </a:xfrm>
+          <a:prstGeom prst="rect">
+            <a:avLst/>
+          </a:prstGeom>
+          <a:noFill/>
+        </p:spPr>
+        <p:txBody>
+          <a:bodyPr wrap="square" rtlCol="0">
+            <a:spAutoFit/>
+          </a:bodyPr>
+          <a:lstStyle/>
+          <a:p>
+            <a:pPr algn="ctr"/>
+            <a:r>
+              <a:rPr lang="en-US" dirty="0"/>
+              <a:t>HW 20</a:t>
+            </a:r>
+          </a:p>
+          <a:p>
+            <a:pPr algn="ctr"/>
+            <a:r>
+              <a:rPr lang="en-US" b="1" u="sng" dirty="0"/>
+              <a:t>Chi Squared Tests</a:t>
+            </a:r>
+          </a:p>
+          <a:p>
+            <a:pPr algn="ctr"/>
+            <a:r>
+              <a:rPr lang="en-US" dirty="0"/>
+              <a:t>1-way Goodness of Fit</a:t>
+            </a:r>
+          </a:p>
+          <a:p>
+            <a:pPr algn="ctr"/>
+            <a:r>
+              <a:rPr lang="en-US" dirty="0"/>
+              <a:t>1-way Test of Independence</a:t>
+            </a:r>
+          </a:p>
+          <a:p>
+            <a:pPr algn="ctr"/>
+            <a:r>
+              <a:rPr lang="en-US" dirty="0"/>
+              <a:t>Cramer’s V (</a:t>
             </a:r>
             <a:r>
               <a:rPr lang="en-US" dirty="0" err="1"/>
-              <a:t>Rmd</a:t>
+              <a:t>effectsize</a:t>
             </a:r>
             <a:r>
               <a:rPr lang="en-US" dirty="0"/>
-              <a:t> skeleton</a:t>
-            </a:r>
-          </a:p>
-          <a:p>
-            <a:pPr algn="ctr"/>
-            <a:r>
-              <a:rPr lang="en-US" dirty="0" err="1"/>
-              <a:t>Maunchly’s</a:t>
-            </a:r>
-            <a:r>
-              <a:rPr lang="en-US" dirty="0"/>
-              <a:t> </a:t>
-            </a:r>
-            <a:r>
-              <a:rPr lang="en-US" dirty="0" err="1"/>
-              <a:t>Sphericity</a:t>
-            </a:r>
-            <a:r>
-              <a:rPr lang="en-US" dirty="0"/>
-              <a:t> Tests &amp;</a:t>
-            </a:r>
-          </a:p>
-          <a:p>
-            <a:pPr algn="ctr"/>
-            <a:r>
-              <a:rPr lang="en-US" dirty="0"/>
-              <a:t>The Greenhouse-</a:t>
-            </a:r>
-            <a:r>
-              <a:rPr lang="en-US" dirty="0" err="1"/>
-              <a:t>Geisser</a:t>
-            </a:r>
-            <a:r>
-              <a:rPr lang="en-US" dirty="0"/>
-              <a:t> Correction to </a:t>
-            </a:r>
-            <a:r>
-              <a:rPr lang="en-US" dirty="0" err="1"/>
-              <a:t>df’s</a:t>
-            </a:r>
-            <a:r>
-              <a:rPr lang="en-US" dirty="0"/>
-              <a:t> </a:t>
+              <a:t> package)</a:t>
             </a:r>
           </a:p>
           <a:p>
@@ -3834,7 +3851,7 @@
     </p:spTree>
     <p:extLst>
       <p:ext uri="{BB962C8B-B14F-4D97-AF65-F5344CB8AC3E}">
-        <p14:creationId xmlns:p14="http://schemas.microsoft.com/office/powerpoint/2010/main" val="3758234290"/>
+        <p14:creationId xmlns:p14="http://schemas.microsoft.com/office/powerpoint/2010/main" val="593568448"/>
       </p:ext>
     </p:extLst>
   </p:cSld>
@@ -3869,7 +3886,7 @@
         </p:nvSpPr>
         <p:spPr>
           <a:xfrm>
-            <a:off x="1853580" y="824230"/>
+            <a:off x="1808702" y="824230"/>
             <a:ext cx="8778240" cy="5010912"/>
           </a:xfrm>
           <a:prstGeom prst="rect">
@@ -3915,7 +3932,7 @@
         </p:nvSpPr>
         <p:spPr>
           <a:xfrm>
-            <a:off x="3838696" y="1056832"/>
+            <a:off x="4184694" y="1065121"/>
             <a:ext cx="5712369" cy="1754326"/>
           </a:xfrm>
           <a:prstGeom prst="rect">
@@ -3931,13 +3948,7 @@
           <a:p>
             <a:r>
               <a:rPr lang="en-US" sz="5400" dirty="0"/>
-              <a:t>Virtual </a:t>
-            </a:r>
-          </a:p>
-          <a:p>
-            <a:r>
-              <a:rPr lang="en-US" sz="5400" dirty="0"/>
-              <a:t>Office Hours</a:t>
+              <a:t>OUT-OF-CLASS LECTURES</a:t>
             </a:r>
           </a:p>
         </p:txBody>
@@ -3967,7 +3978,7 @@
             <a:pPr algn="ctr"/>
             <a:r>
               <a:rPr lang="en-US" dirty="0"/>
-              <a:t>April 14, 2020</a:t>
+              <a:t>April 20, 2020</a:t>
             </a:r>
           </a:p>
         </p:txBody>
@@ -3980,7 +3991,7 @@
         </p:nvSpPr>
         <p:spPr>
           <a:xfrm>
-            <a:off x="1985351" y="3033699"/>
+            <a:off x="1946627" y="3432914"/>
             <a:ext cx="5005769" cy="923330"/>
           </a:xfrm>
           <a:prstGeom prst="rect">
@@ -3997,19 +4008,30 @@
             <a:pPr algn="ctr"/>
             <a:r>
               <a:rPr lang="en-US" dirty="0"/>
-              <a:t>HW 15 </a:t>
+              <a:t>Chapter 16</a:t>
             </a:r>
           </a:p>
           <a:p>
             <a:pPr algn="ctr"/>
             <a:r>
               <a:rPr lang="en-US" b="1" u="sng" dirty="0"/>
-              <a:t>1-way RM ANOVAs</a:t>
-            </a:r>
-          </a:p>
-          <a:p>
-            <a:pPr algn="ctr"/>
-            <a:endParaRPr lang="en-US" dirty="0"/>
+              <a:t>Mixed </a:t>
+            </a:r>
+            <a:r>
+              <a:rPr lang="en-US" b="1" u="sng" dirty="0" err="1"/>
+              <a:t>Deisgn</a:t>
+            </a:r>
+            <a:r>
+              <a:rPr lang="en-US" b="1" u="sng" dirty="0"/>
+              <a:t> ANOVA</a:t>
+            </a:r>
+          </a:p>
+          <a:p>
+            <a:pPr algn="ctr"/>
+            <a:r>
+              <a:rPr lang="en-US" i="1" dirty="0"/>
+              <a:t>Very short lecture</a:t>
+            </a:r>
           </a:p>
         </p:txBody>
       </p:sp>
@@ -4150,38 +4172,55 @@
       </p:pic>
       <p:pic>
         <p:nvPicPr>
-          <p:cNvPr id="5" name="Picture 4"/>
+          <p:cNvPr id="1026" name="Picture 2" descr="Image result for virus"/>
           <p:cNvPicPr>
-            <a:picLocks noChangeAspect="1"/>
+            <a:picLocks noChangeAspect="1" noChangeArrowheads="1"/>
           </p:cNvPicPr>
           <p:nvPr/>
         </p:nvPicPr>
         <p:blipFill>
-          <a:blip r:embed="rId6"/>
+          <a:blip r:embed="rId6" cstate="print">
+            <a:extLst>
+              <a:ext uri="{28A0092B-C50C-407E-A947-70E740481C1C}">
+                <a14:useLocalDpi xmlns:a14="http://schemas.microsoft.com/office/drawing/2010/main" val="0"/>
+              </a:ext>
+            </a:extLst>
+          </a:blip>
+          <a:srcRect/>
           <a:stretch>
             <a:fillRect/>
           </a:stretch>
         </p:blipFill>
-        <p:spPr>
-          <a:xfrm>
-            <a:off x="1985351" y="4872564"/>
-            <a:ext cx="1853345" cy="853514"/>
-          </a:xfrm>
-          <a:prstGeom prst="rect">
-            <a:avLst/>
-          </a:prstGeom>
+        <p:spPr bwMode="auto">
+          <a:xfrm>
+            <a:off x="1908176" y="4866721"/>
+            <a:ext cx="825034" cy="824421"/>
+          </a:xfrm>
+          <a:prstGeom prst="rect">
+            <a:avLst/>
+          </a:prstGeom>
+          <a:noFill/>
+          <a:extLst>
+            <a:ext uri="{909E8E84-426E-40DD-AFC4-6F175D3DCCD1}">
+              <a14:hiddenFill xmlns:a14="http://schemas.microsoft.com/office/drawing/2010/main">
+                <a:solidFill>
+                  <a:srgbClr val="FFFFFF"/>
+                </a:solidFill>
+              </a14:hiddenFill>
+            </a:ext>
+          </a:extLst>
         </p:spPr>
       </p:pic>
       <p:sp>
         <p:nvSpPr>
-          <p:cNvPr id="17" name="TextBox 16"/>
+          <p:cNvPr id="13" name="TextBox 12"/>
           <p:cNvSpPr txBox="1"/>
           <p:nvPr/>
         </p:nvSpPr>
         <p:spPr>
           <a:xfrm>
-            <a:off x="2735076" y="4097297"/>
-            <a:ext cx="5005769" cy="923330"/>
+            <a:off x="2524444" y="5254195"/>
+            <a:ext cx="1238954" cy="369332"/>
           </a:xfrm>
           <a:prstGeom prst="rect">
             <a:avLst/>
@@ -4196,27 +4235,22 @@
           <a:p>
             <a:pPr algn="ctr"/>
             <a:r>
-              <a:rPr lang="en-US" dirty="0"/>
-              <a:t>HW 16</a:t>
-            </a:r>
-          </a:p>
-          <a:p>
-            <a:pPr algn="ctr"/>
-            <a:r>
-              <a:rPr lang="en-US" b="1" u="sng" dirty="0"/>
-              <a:t>Mixed ANOVAs</a:t>
-            </a:r>
-          </a:p>
-          <a:p>
-            <a:pPr algn="ctr"/>
-            <a:endParaRPr lang="en-US" dirty="0"/>
+              <a:rPr lang="en-US" b="1" dirty="0">
+                <a:solidFill>
+                  <a:schemeClr val="accent1">
+                    <a:lumMod val="75000"/>
+                  </a:schemeClr>
+                </a:solidFill>
+              </a:rPr>
+              <a:t>Covid-19</a:t>
+            </a:r>
           </a:p>
         </p:txBody>
       </p:sp>
     </p:spTree>
     <p:extLst>
       <p:ext uri="{BB962C8B-B14F-4D97-AF65-F5344CB8AC3E}">
-        <p14:creationId xmlns:p14="http://schemas.microsoft.com/office/powerpoint/2010/main" val="2620031016"/>
+        <p14:creationId xmlns:p14="http://schemas.microsoft.com/office/powerpoint/2010/main" val="2783809321"/>
       </p:ext>
     </p:extLst>
   </p:cSld>
@@ -4251,7 +4285,7 @@
         </p:nvSpPr>
         <p:spPr>
           <a:xfrm>
-            <a:off x="1808702" y="824230"/>
+            <a:off x="1853580" y="824230"/>
             <a:ext cx="8778240" cy="5010912"/>
           </a:xfrm>
           <a:prstGeom prst="rect">
@@ -4297,7 +4331,7 @@
         </p:nvSpPr>
         <p:spPr>
           <a:xfrm>
-            <a:off x="4184694" y="1065121"/>
+            <a:off x="3838696" y="1056832"/>
             <a:ext cx="5712369" cy="1754326"/>
           </a:xfrm>
           <a:prstGeom prst="rect">
@@ -4313,7 +4347,13 @@
           <a:p>
             <a:r>
               <a:rPr lang="en-US" sz="5400" dirty="0"/>
-              <a:t>OUT-OF-CLASS LECTURES</a:t>
+              <a:t>Virtual </a:t>
+            </a:r>
+          </a:p>
+          <a:p>
+            <a:r>
+              <a:rPr lang="en-US" sz="5400" dirty="0"/>
+              <a:t>Office Hours</a:t>
             </a:r>
           </a:p>
         </p:txBody>
@@ -4343,94 +4383,7 @@
             <a:pPr algn="ctr"/>
             <a:r>
               <a:rPr lang="en-US" dirty="0"/>
-              <a:t>April 13, 2020</a:t>
-            </a:r>
-          </a:p>
-        </p:txBody>
-      </p:sp>
-      <p:sp>
-        <p:nvSpPr>
-          <p:cNvPr id="9" name="TextBox 8"/>
-          <p:cNvSpPr txBox="1"/>
-          <p:nvPr/>
-        </p:nvSpPr>
-        <p:spPr>
-          <a:xfrm>
-            <a:off x="2136087" y="2916921"/>
-            <a:ext cx="5005769" cy="2308324"/>
-          </a:xfrm>
-          <a:prstGeom prst="rect">
-            <a:avLst/>
-          </a:prstGeom>
-          <a:noFill/>
-        </p:spPr>
-        <p:txBody>
-          <a:bodyPr wrap="square" rtlCol="0">
-            <a:spAutoFit/>
-          </a:bodyPr>
-          <a:lstStyle/>
-          <a:p>
-            <a:pPr algn="ctr"/>
-            <a:r>
-              <a:rPr lang="en-US" dirty="0"/>
-              <a:t>Chapter 15</a:t>
-            </a:r>
-          </a:p>
-          <a:p>
-            <a:pPr algn="ctr"/>
-            <a:r>
-              <a:rPr lang="en-US" b="1" u="sng" dirty="0"/>
-              <a:t>Repeated </a:t>
-            </a:r>
-            <a:r>
-              <a:rPr lang="en-US" b="1" u="sng" dirty="0" err="1"/>
-              <a:t>Measurs</a:t>
-            </a:r>
-            <a:r>
-              <a:rPr lang="en-US" b="1" u="sng" dirty="0"/>
-              <a:t> ANOVA</a:t>
-            </a:r>
-          </a:p>
-          <a:p>
-            <a:pPr algn="ctr"/>
-            <a:r>
-              <a:rPr lang="en-US" i="1" dirty="0"/>
-              <a:t>2-way RM ANOVA</a:t>
-            </a:r>
-          </a:p>
-          <a:p>
-            <a:pPr algn="ctr"/>
-            <a:r>
-              <a:rPr lang="en-US" i="1" dirty="0"/>
-              <a:t>Effect Sizes</a:t>
-            </a:r>
-          </a:p>
-          <a:p>
-            <a:pPr algn="ctr"/>
-            <a:r>
-              <a:rPr lang="en-US" i="1" dirty="0"/>
-              <a:t>Follow-up test &amp; Multiple Comparisons</a:t>
-            </a:r>
-          </a:p>
-          <a:p>
-            <a:pPr algn="ctr"/>
-            <a:r>
-              <a:rPr lang="en-US" i="1" dirty="0"/>
-              <a:t>Interaction</a:t>
-            </a:r>
-          </a:p>
-          <a:p>
-            <a:pPr algn="ctr"/>
-            <a:r>
-              <a:rPr lang="en-US" i="1" dirty="0"/>
-              <a:t>Reporting Results</a:t>
-            </a:r>
-          </a:p>
-          <a:p>
-            <a:pPr algn="ctr"/>
-            <a:r>
-              <a:rPr lang="en-US" i="1" dirty="0"/>
-              <a:t>Slides 37-end</a:t>
+              <a:t>April 17, 2020</a:t>
             </a:r>
           </a:p>
         </p:txBody>
@@ -4572,55 +4525,38 @@
       </p:pic>
       <p:pic>
         <p:nvPicPr>
-          <p:cNvPr id="1026" name="Picture 2" descr="Image result for virus"/>
+          <p:cNvPr id="5" name="Picture 4"/>
           <p:cNvPicPr>
-            <a:picLocks noChangeAspect="1" noChangeArrowheads="1"/>
+            <a:picLocks noChangeAspect="1"/>
           </p:cNvPicPr>
           <p:nvPr/>
         </p:nvPicPr>
         <p:blipFill>
-          <a:blip r:embed="rId6" cstate="print">
-            <a:extLst>
-              <a:ext uri="{28A0092B-C50C-407E-A947-70E740481C1C}">
-                <a14:useLocalDpi xmlns:a14="http://schemas.microsoft.com/office/drawing/2010/main" val="0"/>
-              </a:ext>
-            </a:extLst>
-          </a:blip>
-          <a:srcRect/>
+          <a:blip r:embed="rId6"/>
           <a:stretch>
             <a:fillRect/>
           </a:stretch>
         </p:blipFill>
-        <p:spPr bwMode="auto">
-          <a:xfrm>
-            <a:off x="1908176" y="4866721"/>
-            <a:ext cx="825034" cy="824421"/>
-          </a:xfrm>
-          <a:prstGeom prst="rect">
-            <a:avLst/>
-          </a:prstGeom>
-          <a:noFill/>
-          <a:extLst>
-            <a:ext uri="{909E8E84-426E-40DD-AFC4-6F175D3DCCD1}">
-              <a14:hiddenFill xmlns:a14="http://schemas.microsoft.com/office/drawing/2010/main">
-                <a:solidFill>
-                  <a:srgbClr val="FFFFFF"/>
-                </a:solidFill>
-              </a14:hiddenFill>
-            </a:ext>
-          </a:extLst>
+        <p:spPr>
+          <a:xfrm>
+            <a:off x="1985351" y="4872564"/>
+            <a:ext cx="1853345" cy="853514"/>
+          </a:xfrm>
+          <a:prstGeom prst="rect">
+            <a:avLst/>
+          </a:prstGeom>
         </p:spPr>
       </p:pic>
       <p:sp>
         <p:nvSpPr>
-          <p:cNvPr id="13" name="TextBox 12"/>
+          <p:cNvPr id="17" name="TextBox 16"/>
           <p:cNvSpPr txBox="1"/>
           <p:nvPr/>
         </p:nvSpPr>
         <p:spPr>
           <a:xfrm>
-            <a:off x="2524444" y="5254195"/>
-            <a:ext cx="1238954" cy="369332"/>
+            <a:off x="2035110" y="3092669"/>
+            <a:ext cx="5005769" cy="1754326"/>
           </a:xfrm>
           <a:prstGeom prst="rect">
             <a:avLst/>
@@ -4635,22 +4571,48 @@
           <a:p>
             <a:pPr algn="ctr"/>
             <a:r>
-              <a:rPr lang="en-US" b="1" dirty="0">
-                <a:solidFill>
-                  <a:schemeClr val="accent1">
-                    <a:lumMod val="75000"/>
-                  </a:schemeClr>
-                </a:solidFill>
-              </a:rPr>
-              <a:t>Covid-19</a:t>
-            </a:r>
+              <a:rPr lang="en-US" dirty="0"/>
+              <a:t>HW 15</a:t>
+            </a:r>
+          </a:p>
+          <a:p>
+            <a:pPr algn="ctr"/>
+            <a:r>
+              <a:rPr lang="en-US" b="1" u="sng" dirty="0"/>
+              <a:t>RM ANOVAs</a:t>
+            </a:r>
+          </a:p>
+          <a:p>
+            <a:pPr algn="ctr"/>
+            <a:r>
+              <a:rPr lang="en-US" dirty="0"/>
+              <a:t>Item 1</a:t>
+            </a:r>
+          </a:p>
+          <a:p>
+            <a:pPr algn="ctr"/>
+            <a:r>
+              <a:rPr lang="en-US" dirty="0"/>
+              <a:t>Person-Profile Plots</a:t>
+            </a:r>
+          </a:p>
+          <a:p>
+            <a:pPr algn="ctr"/>
+            <a:r>
+              <a:rPr lang="en-US" dirty="0"/>
+              <a:t>Hand Calculations</a:t>
+            </a:r>
+          </a:p>
+          <a:p>
+            <a:pPr algn="ctr"/>
+            <a:endParaRPr lang="en-US" dirty="0"/>
           </a:p>
         </p:txBody>
       </p:sp>
     </p:spTree>
     <p:extLst>
       <p:ext uri="{BB962C8B-B14F-4D97-AF65-F5344CB8AC3E}">
-        <p14:creationId xmlns:p14="http://schemas.microsoft.com/office/powerpoint/2010/main" val="2525452429"/>
+        <p14:creationId xmlns:p14="http://schemas.microsoft.com/office/powerpoint/2010/main" val="2105505871"/>
       </p:ext>
     </p:extLst>
   </p:cSld>
@@ -4685,7 +4647,7 @@
         </p:nvSpPr>
         <p:spPr>
           <a:xfrm>
-            <a:off x="1808702" y="824230"/>
+            <a:off x="1853580" y="824230"/>
             <a:ext cx="8778240" cy="5010912"/>
           </a:xfrm>
           <a:prstGeom prst="rect">
@@ -4731,7 +4693,7 @@
         </p:nvSpPr>
         <p:spPr>
           <a:xfrm>
-            <a:off x="4184694" y="1065121"/>
+            <a:off x="3838696" y="1056832"/>
             <a:ext cx="5712369" cy="1754326"/>
           </a:xfrm>
           <a:prstGeom prst="rect">
@@ -4747,7 +4709,13 @@
           <a:p>
             <a:r>
               <a:rPr lang="en-US" sz="5400" dirty="0"/>
-              <a:t>OUT-OF-CLASS LECTURES</a:t>
+              <a:t>Virtual </a:t>
+            </a:r>
+          </a:p>
+          <a:p>
+            <a:r>
+              <a:rPr lang="en-US" sz="5400" dirty="0"/>
+              <a:t>Office Hours</a:t>
             </a:r>
           </a:p>
         </p:txBody>
@@ -4777,66 +4745,7 @@
             <a:pPr algn="ctr"/>
             <a:r>
               <a:rPr lang="en-US" dirty="0"/>
-              <a:t>April 13, 2020</a:t>
-            </a:r>
-          </a:p>
-        </p:txBody>
-      </p:sp>
-      <p:sp>
-        <p:nvSpPr>
-          <p:cNvPr id="9" name="TextBox 8"/>
-          <p:cNvSpPr txBox="1"/>
-          <p:nvPr/>
-        </p:nvSpPr>
-        <p:spPr>
-          <a:xfrm>
-            <a:off x="2035110" y="3043759"/>
-            <a:ext cx="5005769" cy="1200329"/>
-          </a:xfrm>
-          <a:prstGeom prst="rect">
-            <a:avLst/>
-          </a:prstGeom>
-          <a:noFill/>
-        </p:spPr>
-        <p:txBody>
-          <a:bodyPr wrap="square" rtlCol="0">
-            <a:spAutoFit/>
-          </a:bodyPr>
-          <a:lstStyle/>
-          <a:p>
-            <a:pPr algn="ctr"/>
-            <a:r>
-              <a:rPr lang="en-US" dirty="0"/>
-              <a:t>Chapter 15</a:t>
-            </a:r>
-          </a:p>
-          <a:p>
-            <a:pPr algn="ctr"/>
-            <a:r>
-              <a:rPr lang="en-US" b="1" u="sng" dirty="0"/>
-              <a:t>Repeated </a:t>
-            </a:r>
-            <a:r>
-              <a:rPr lang="en-US" b="1" u="sng" dirty="0" err="1"/>
-              <a:t>Measurs</a:t>
-            </a:r>
-            <a:r>
-              <a:rPr lang="en-US" b="1" u="sng" dirty="0"/>
-              <a:t> ANOVA</a:t>
-            </a:r>
-          </a:p>
-          <a:p>
-            <a:pPr algn="ctr"/>
-            <a:r>
-              <a:rPr lang="en-US" i="1" dirty="0"/>
-              <a:t>1-way RM ANOVA</a:t>
-            </a:r>
-          </a:p>
-          <a:p>
-            <a:pPr algn="ctr"/>
-            <a:r>
-              <a:rPr lang="en-US" i="1" dirty="0"/>
-              <a:t>Slides 1 - 36</a:t>
+              <a:t>April 16, 2020</a:t>
             </a:r>
           </a:p>
         </p:txBody>
@@ -4978,55 +4887,38 @@
       </p:pic>
       <p:pic>
         <p:nvPicPr>
-          <p:cNvPr id="1026" name="Picture 2" descr="Image result for virus"/>
+          <p:cNvPr id="5" name="Picture 4"/>
           <p:cNvPicPr>
-            <a:picLocks noChangeAspect="1" noChangeArrowheads="1"/>
+            <a:picLocks noChangeAspect="1"/>
           </p:cNvPicPr>
           <p:nvPr/>
         </p:nvPicPr>
         <p:blipFill>
-          <a:blip r:embed="rId6" cstate="print">
-            <a:extLst>
-              <a:ext uri="{28A0092B-C50C-407E-A947-70E740481C1C}">
-                <a14:useLocalDpi xmlns:a14="http://schemas.microsoft.com/office/drawing/2010/main" val="0"/>
-              </a:ext>
-            </a:extLst>
-          </a:blip>
-          <a:srcRect/>
+          <a:blip r:embed="rId6"/>
           <a:stretch>
             <a:fillRect/>
           </a:stretch>
         </p:blipFill>
-        <p:spPr bwMode="auto">
-          <a:xfrm>
-            <a:off x="1908176" y="4866721"/>
-            <a:ext cx="825034" cy="824421"/>
-          </a:xfrm>
-          <a:prstGeom prst="rect">
-            <a:avLst/>
-          </a:prstGeom>
-          <a:noFill/>
-          <a:extLst>
-            <a:ext uri="{909E8E84-426E-40DD-AFC4-6F175D3DCCD1}">
-              <a14:hiddenFill xmlns:a14="http://schemas.microsoft.com/office/drawing/2010/main">
-                <a:solidFill>
-                  <a:srgbClr val="FFFFFF"/>
-                </a:solidFill>
-              </a14:hiddenFill>
-            </a:ext>
-          </a:extLst>
+        <p:spPr>
+          <a:xfrm>
+            <a:off x="1985351" y="4872564"/>
+            <a:ext cx="1853345" cy="853514"/>
+          </a:xfrm>
+          <a:prstGeom prst="rect">
+            <a:avLst/>
+          </a:prstGeom>
         </p:spPr>
       </p:pic>
       <p:sp>
         <p:nvSpPr>
-          <p:cNvPr id="13" name="TextBox 12"/>
+          <p:cNvPr id="17" name="TextBox 16"/>
           <p:cNvSpPr txBox="1"/>
           <p:nvPr/>
         </p:nvSpPr>
         <p:spPr>
           <a:xfrm>
-            <a:off x="2524444" y="5254195"/>
-            <a:ext cx="1238954" cy="369332"/>
+            <a:off x="2035110" y="3092669"/>
+            <a:ext cx="5005769" cy="1754326"/>
           </a:xfrm>
           <a:prstGeom prst="rect">
             <a:avLst/>
@@ -5041,22 +4933,48 @@
           <a:p>
             <a:pPr algn="ctr"/>
             <a:r>
-              <a:rPr lang="en-US" b="1" dirty="0">
-                <a:solidFill>
-                  <a:schemeClr val="accent1">
-                    <a:lumMod val="75000"/>
-                  </a:schemeClr>
-                </a:solidFill>
-              </a:rPr>
-              <a:t>Covid-19</a:t>
-            </a:r>
+              <a:rPr lang="en-US" dirty="0"/>
+              <a:t>HW 16</a:t>
+            </a:r>
+          </a:p>
+          <a:p>
+            <a:pPr algn="ctr"/>
+            <a:r>
+              <a:rPr lang="en-US" b="1" u="sng" dirty="0"/>
+              <a:t>Mixed ANOVAs</a:t>
+            </a:r>
+          </a:p>
+          <a:p>
+            <a:pPr algn="ctr"/>
+            <a:r>
+              <a:rPr lang="en-US" dirty="0"/>
+              <a:t>Section “C” problems</a:t>
+            </a:r>
+          </a:p>
+          <a:p>
+            <a:pPr algn="ctr"/>
+            <a:r>
+              <a:rPr lang="en-US" dirty="0"/>
+              <a:t>APA write-up</a:t>
+            </a:r>
+          </a:p>
+          <a:p>
+            <a:pPr algn="ctr"/>
+            <a:r>
+              <a:rPr lang="en-US" dirty="0"/>
+              <a:t>Methods &amp; Results sections</a:t>
+            </a:r>
+          </a:p>
+          <a:p>
+            <a:pPr algn="ctr"/>
+            <a:endParaRPr lang="en-US" dirty="0"/>
           </a:p>
         </p:txBody>
       </p:sp>
     </p:spTree>
     <p:extLst>
       <p:ext uri="{BB962C8B-B14F-4D97-AF65-F5344CB8AC3E}">
-        <p14:creationId xmlns:p14="http://schemas.microsoft.com/office/powerpoint/2010/main" val="3454054716"/>
+        <p14:creationId xmlns:p14="http://schemas.microsoft.com/office/powerpoint/2010/main" val="1059415320"/>
       </p:ext>
     </p:extLst>
   </p:cSld>
@@ -5091,7 +5009,7 @@
         </p:nvSpPr>
         <p:spPr>
           <a:xfrm>
-            <a:off x="1808702" y="824230"/>
+            <a:off x="1853580" y="824230"/>
             <a:ext cx="8778240" cy="5010912"/>
           </a:xfrm>
           <a:prstGeom prst="rect">
@@ -5137,7 +5055,7 @@
         </p:nvSpPr>
         <p:spPr>
           <a:xfrm>
-            <a:off x="4184694" y="1065121"/>
+            <a:off x="3838696" y="1056832"/>
             <a:ext cx="5712369" cy="1754326"/>
           </a:xfrm>
           <a:prstGeom prst="rect">
@@ -5153,7 +5071,13 @@
           <a:p>
             <a:r>
               <a:rPr lang="en-US" sz="5400" dirty="0"/>
-              <a:t>OUT-OF-CLASS LECTURES</a:t>
+              <a:t>Virtual </a:t>
+            </a:r>
+          </a:p>
+          <a:p>
+            <a:r>
+              <a:rPr lang="en-US" sz="5400" dirty="0"/>
+              <a:t>Office Hours</a:t>
             </a:r>
           </a:p>
         </p:txBody>
@@ -5183,89 +5107,7 @@
             <a:pPr algn="ctr"/>
             <a:r>
               <a:rPr lang="en-US" dirty="0"/>
-              <a:t>April 13, 2020</a:t>
-            </a:r>
-          </a:p>
-        </p:txBody>
-      </p:sp>
-      <p:sp>
-        <p:nvSpPr>
-          <p:cNvPr id="9" name="TextBox 8"/>
-          <p:cNvSpPr txBox="1"/>
-          <p:nvPr/>
-        </p:nvSpPr>
-        <p:spPr>
-          <a:xfrm>
-            <a:off x="2035110" y="3043759"/>
-            <a:ext cx="5005769" cy="1477328"/>
-          </a:xfrm>
-          <a:prstGeom prst="rect">
-            <a:avLst/>
-          </a:prstGeom>
-          <a:noFill/>
-        </p:spPr>
-        <p:txBody>
-          <a:bodyPr wrap="square" rtlCol="0">
-            <a:spAutoFit/>
-          </a:bodyPr>
-          <a:lstStyle/>
-          <a:p>
-            <a:pPr algn="ctr"/>
-            <a:r>
-              <a:rPr lang="en-US" dirty="0"/>
-              <a:t>Chapter 15</a:t>
-            </a:r>
-          </a:p>
-          <a:p>
-            <a:pPr algn="ctr"/>
-            <a:r>
-              <a:rPr lang="en-US" b="1" u="sng" dirty="0"/>
-              <a:t>Repeated </a:t>
-            </a:r>
-            <a:r>
-              <a:rPr lang="en-US" b="1" u="sng" dirty="0" err="1"/>
-              <a:t>Measurs</a:t>
-            </a:r>
-            <a:r>
-              <a:rPr lang="en-US" b="1" u="sng" dirty="0"/>
-              <a:t> ANOVA</a:t>
-            </a:r>
-          </a:p>
-          <a:p>
-            <a:pPr algn="ctr"/>
-            <a:r>
-              <a:rPr lang="en-US" i="1" dirty="0"/>
-              <a:t>Examples, in R</a:t>
-            </a:r>
-          </a:p>
-          <a:p>
-            <a:pPr algn="ctr"/>
-            <a:r>
-              <a:rPr lang="en-US" i="1" dirty="0"/>
-              <a:t>1</a:t>
-            </a:r>
-            <a:r>
-              <a:rPr lang="en-US" i="1" baseline="30000" dirty="0"/>
-              <a:t>st</a:t>
-            </a:r>
-            <a:r>
-              <a:rPr lang="en-US" i="1" dirty="0"/>
-              <a:t> – textbook’s example with word recall</a:t>
-            </a:r>
-          </a:p>
-          <a:p>
-            <a:pPr algn="ctr"/>
-            <a:r>
-              <a:rPr lang="en-US" i="1" dirty="0"/>
-              <a:t>2</a:t>
-            </a:r>
-            <a:r>
-              <a:rPr lang="en-US" i="1" baseline="30000" dirty="0"/>
-              <a:t>nd</a:t>
-            </a:r>
-            <a:r>
-              <a:rPr lang="en-US" i="1" dirty="0"/>
-              <a:t> – weight loss over 3 months</a:t>
+              <a:t>April 15, 2020</a:t>
             </a:r>
           </a:p>
         </p:txBody>
@@ -5407,55 +5249,38 @@
       </p:pic>
       <p:pic>
         <p:nvPicPr>
-          <p:cNvPr id="1026" name="Picture 2" descr="Image result for virus"/>
+          <p:cNvPr id="5" name="Picture 4"/>
           <p:cNvPicPr>
-            <a:picLocks noChangeAspect="1" noChangeArrowheads="1"/>
+            <a:picLocks noChangeAspect="1"/>
           </p:cNvPicPr>
           <p:nvPr/>
         </p:nvPicPr>
         <p:blipFill>
-          <a:blip r:embed="rId6" cstate="print">
-            <a:extLst>
-              <a:ext uri="{28A0092B-C50C-407E-A947-70E740481C1C}">
-                <a14:useLocalDpi xmlns:a14="http://schemas.microsoft.com/office/drawing/2010/main" val="0"/>
-              </a:ext>
-            </a:extLst>
-          </a:blip>
-          <a:srcRect/>
+          <a:blip r:embed="rId6"/>
           <a:stretch>
             <a:fillRect/>
           </a:stretch>
         </p:blipFill>
-        <p:spPr bwMode="auto">
-          <a:xfrm>
-            <a:off x="1908176" y="4866721"/>
-            <a:ext cx="825034" cy="824421"/>
-          </a:xfrm>
-          <a:prstGeom prst="rect">
-            <a:avLst/>
-          </a:prstGeom>
-          <a:noFill/>
-          <a:extLst>
-            <a:ext uri="{909E8E84-426E-40DD-AFC4-6F175D3DCCD1}">
-              <a14:hiddenFill xmlns:a14="http://schemas.microsoft.com/office/drawing/2010/main">
-                <a:solidFill>
-                  <a:srgbClr val="FFFFFF"/>
-                </a:solidFill>
-              </a14:hiddenFill>
-            </a:ext>
-          </a:extLst>
+        <p:spPr>
+          <a:xfrm>
+            <a:off x="1985351" y="4872564"/>
+            <a:ext cx="1853345" cy="853514"/>
+          </a:xfrm>
+          <a:prstGeom prst="rect">
+            <a:avLst/>
+          </a:prstGeom>
         </p:spPr>
       </p:pic>
       <p:sp>
         <p:nvSpPr>
-          <p:cNvPr id="13" name="TextBox 12"/>
+          <p:cNvPr id="17" name="TextBox 16"/>
           <p:cNvSpPr txBox="1"/>
           <p:nvPr/>
         </p:nvSpPr>
         <p:spPr>
           <a:xfrm>
-            <a:off x="2524444" y="5254195"/>
-            <a:ext cx="1238954" cy="369332"/>
+            <a:off x="2035110" y="3092669"/>
+            <a:ext cx="5005769" cy="1754326"/>
           </a:xfrm>
           <a:prstGeom prst="rect">
             <a:avLst/>
@@ -5470,22 +5295,84 @@
           <a:p>
             <a:pPr algn="ctr"/>
             <a:r>
-              <a:rPr lang="en-US" b="1" dirty="0">
-                <a:solidFill>
-                  <a:schemeClr val="accent1">
-                    <a:lumMod val="75000"/>
-                  </a:schemeClr>
-                </a:solidFill>
-              </a:rPr>
-              <a:t>Covid-19</a:t>
-            </a:r>
+              <a:rPr lang="en-US" dirty="0"/>
+              <a:t>HW 16</a:t>
+            </a:r>
+          </a:p>
+          <a:p>
+            <a:pPr algn="ctr"/>
+            <a:r>
+              <a:rPr lang="en-US" b="1" u="sng" dirty="0"/>
+              <a:t>Mixed ANOVAs</a:t>
+            </a:r>
+          </a:p>
+          <a:p>
+            <a:pPr algn="ctr"/>
+            <a:r>
+              <a:rPr lang="en-US" dirty="0"/>
+              <a:t>*updated* </a:t>
+            </a:r>
+            <a:r>
+              <a:rPr lang="en-US" dirty="0" err="1"/>
+              <a:t>Rmd</a:t>
+            </a:r>
+            <a:r>
+              <a:rPr lang="en-US" dirty="0"/>
+              <a:t> skeleton</a:t>
+            </a:r>
+          </a:p>
+          <a:p>
+            <a:pPr algn="ctr"/>
+            <a:r>
+              <a:rPr lang="en-US" dirty="0" err="1"/>
+              <a:t>Maunchly’s</a:t>
+            </a:r>
+            <a:r>
+              <a:rPr lang="en-US" dirty="0"/>
+              <a:t> </a:t>
+            </a:r>
+            <a:r>
+              <a:rPr lang="en-US" dirty="0" err="1"/>
+              <a:t>Sphericity</a:t>
+            </a:r>
+            <a:r>
+              <a:rPr lang="en-US" dirty="0"/>
+              <a:t> Tests &amp;</a:t>
+            </a:r>
+          </a:p>
+          <a:p>
+            <a:pPr algn="ctr"/>
+            <a:r>
+              <a:rPr lang="en-US" dirty="0"/>
+              <a:t>The Greenhouse-</a:t>
+            </a:r>
+            <a:r>
+              <a:rPr lang="en-US" dirty="0" err="1"/>
+              <a:t>Geisser</a:t>
+            </a:r>
+            <a:r>
+              <a:rPr lang="en-US" dirty="0"/>
+              <a:t> Correction to </a:t>
+            </a:r>
+            <a:r>
+              <a:rPr lang="en-US" dirty="0" err="1"/>
+              <a:t>df’s</a:t>
+            </a:r>
+            <a:r>
+              <a:rPr lang="en-US" dirty="0"/>
+              <a:t> </a:t>
+            </a:r>
+          </a:p>
+          <a:p>
+            <a:pPr algn="ctr"/>
+            <a:endParaRPr lang="en-US" dirty="0"/>
           </a:p>
         </p:txBody>
       </p:sp>
     </p:spTree>
     <p:extLst>
       <p:ext uri="{BB962C8B-B14F-4D97-AF65-F5344CB8AC3E}">
-        <p14:creationId xmlns:p14="http://schemas.microsoft.com/office/powerpoint/2010/main" val="707466089"/>
+        <p14:creationId xmlns:p14="http://schemas.microsoft.com/office/powerpoint/2010/main" val="3758234290"/>
       </p:ext>
     </p:extLst>
   </p:cSld>
@@ -5618,7 +5505,7 @@
             <a:pPr algn="ctr"/>
             <a:r>
               <a:rPr lang="en-US" dirty="0"/>
-              <a:t>April 7, 2020</a:t>
+              <a:t>April 14, 2020</a:t>
             </a:r>
           </a:p>
         </p:txBody>
@@ -5631,7 +5518,7 @@
         </p:nvSpPr>
         <p:spPr>
           <a:xfrm>
-            <a:off x="3133161" y="2743036"/>
+            <a:off x="1985351" y="3033699"/>
             <a:ext cx="5005769" cy="923330"/>
           </a:xfrm>
           <a:prstGeom prst="rect">
@@ -5648,22 +5535,19 @@
             <a:pPr algn="ctr"/>
             <a:r>
               <a:rPr lang="en-US" dirty="0"/>
-              <a:t>HW 14 </a:t>
+              <a:t>HW 15 </a:t>
             </a:r>
           </a:p>
           <a:p>
             <a:pPr algn="ctr"/>
             <a:r>
               <a:rPr lang="en-US" b="1" u="sng" dirty="0"/>
-              <a:t>2-way Factorial ANOVAs</a:t>
-            </a:r>
-          </a:p>
-          <a:p>
-            <a:pPr algn="ctr"/>
-            <a:r>
-              <a:rPr lang="en-US" dirty="0"/>
-              <a:t>Items # 4, 5, &amp; 6</a:t>
-            </a:r>
+              <a:t>1-way RM ANOVAs</a:t>
+            </a:r>
+          </a:p>
+          <a:p>
+            <a:pPr algn="ctr"/>
+            <a:endParaRPr lang="en-US" dirty="0"/>
           </a:p>
         </p:txBody>
       </p:sp>
@@ -5828,14 +5712,14 @@
       </p:pic>
       <p:sp>
         <p:nvSpPr>
-          <p:cNvPr id="6" name="TextBox 5"/>
+          <p:cNvPr id="17" name="TextBox 16"/>
           <p:cNvSpPr txBox="1"/>
           <p:nvPr/>
         </p:nvSpPr>
         <p:spPr>
           <a:xfrm>
-            <a:off x="2163479" y="3316893"/>
-            <a:ext cx="1952216" cy="646331"/>
+            <a:off x="2735076" y="4097297"/>
+            <a:ext cx="5005769" cy="923330"/>
           </a:xfrm>
           <a:prstGeom prst="rect">
             <a:avLst/>
@@ -5850,118 +5734,27 @@
           <a:p>
             <a:pPr algn="ctr"/>
             <a:r>
-              <a:rPr lang="en-US" u="sng" dirty="0"/>
-              <a:t>Factorial ANOVA</a:t>
-            </a:r>
-          </a:p>
-          <a:p>
-            <a:pPr algn="ctr"/>
-            <a:r>
               <a:rPr lang="en-US" dirty="0"/>
-              <a:t>Omnibus F-tests</a:t>
-            </a:r>
-          </a:p>
-        </p:txBody>
-      </p:sp>
-      <p:sp>
-        <p:nvSpPr>
-          <p:cNvPr id="15" name="TextBox 14"/>
-          <p:cNvSpPr txBox="1"/>
-          <p:nvPr/>
-        </p:nvSpPr>
-        <p:spPr>
-          <a:xfrm>
-            <a:off x="3473229" y="3827424"/>
-            <a:ext cx="2184037" cy="923330"/>
-          </a:xfrm>
-          <a:prstGeom prst="rect">
-            <a:avLst/>
-          </a:prstGeom>
-          <a:noFill/>
-        </p:spPr>
-        <p:txBody>
-          <a:bodyPr wrap="square" rtlCol="0">
-            <a:spAutoFit/>
-          </a:bodyPr>
-          <a:lstStyle/>
-          <a:p>
-            <a:pPr algn="ctr"/>
-            <a:r>
-              <a:rPr lang="en-US" u="sng" dirty="0"/>
-              <a:t>Interactions</a:t>
-            </a:r>
-          </a:p>
-          <a:p>
-            <a:pPr algn="ctr"/>
-            <a:r>
-              <a:rPr lang="en-US" dirty="0"/>
-              <a:t>2-way means plots</a:t>
-            </a:r>
-          </a:p>
-          <a:p>
-            <a:pPr algn="ctr"/>
-            <a:r>
-              <a:rPr lang="en-US" dirty="0"/>
-              <a:t>Interaction contrasts</a:t>
-            </a:r>
-          </a:p>
-        </p:txBody>
-      </p:sp>
-      <p:sp>
-        <p:nvSpPr>
-          <p:cNvPr id="16" name="TextBox 15"/>
-          <p:cNvSpPr txBox="1"/>
-          <p:nvPr/>
-        </p:nvSpPr>
-        <p:spPr>
-          <a:xfrm>
-            <a:off x="4851703" y="4576843"/>
-            <a:ext cx="2667658" cy="1200329"/>
-          </a:xfrm>
-          <a:prstGeom prst="rect">
-            <a:avLst/>
-          </a:prstGeom>
-          <a:noFill/>
-        </p:spPr>
-        <p:txBody>
-          <a:bodyPr wrap="square" rtlCol="0">
-            <a:spAutoFit/>
-          </a:bodyPr>
-          <a:lstStyle/>
-          <a:p>
-            <a:pPr algn="ctr"/>
-            <a:r>
-              <a:rPr lang="en-US" u="sng" dirty="0"/>
-              <a:t>Main Effects</a:t>
-            </a:r>
-          </a:p>
-          <a:p>
-            <a:pPr algn="ctr"/>
-            <a:r>
-              <a:rPr lang="en-US" dirty="0"/>
-              <a:t>1-way means table</a:t>
-            </a:r>
-          </a:p>
-          <a:p>
-            <a:pPr algn="ctr"/>
-            <a:r>
-              <a:rPr lang="en-US" dirty="0"/>
-              <a:t>1-way means plot</a:t>
-            </a:r>
-          </a:p>
-          <a:p>
-            <a:pPr algn="ctr"/>
-            <a:r>
-              <a:rPr lang="en-US" dirty="0"/>
-              <a:t>Pairwise post hoc t-tests</a:t>
-            </a:r>
+              <a:t>HW 16</a:t>
+            </a:r>
+          </a:p>
+          <a:p>
+            <a:pPr algn="ctr"/>
+            <a:r>
+              <a:rPr lang="en-US" b="1" u="sng" dirty="0"/>
+              <a:t>Mixed ANOVAs</a:t>
+            </a:r>
+          </a:p>
+          <a:p>
+            <a:pPr algn="ctr"/>
+            <a:endParaRPr lang="en-US" dirty="0"/>
           </a:p>
         </p:txBody>
       </p:sp>
     </p:spTree>
     <p:extLst>
       <p:ext uri="{BB962C8B-B14F-4D97-AF65-F5344CB8AC3E}">
-        <p14:creationId xmlns:p14="http://schemas.microsoft.com/office/powerpoint/2010/main" val="1875168771"/>
+        <p14:creationId xmlns:p14="http://schemas.microsoft.com/office/powerpoint/2010/main" val="2620031016"/>
       </p:ext>
     </p:extLst>
   </p:cSld>
@@ -5996,7 +5789,7 @@
         </p:nvSpPr>
         <p:spPr>
           <a:xfrm>
-            <a:off x="1853580" y="824230"/>
+            <a:off x="1808702" y="824230"/>
             <a:ext cx="8778240" cy="5010912"/>
           </a:xfrm>
           <a:prstGeom prst="rect">
@@ -6042,7 +5835,7 @@
         </p:nvSpPr>
         <p:spPr>
           <a:xfrm>
-            <a:off x="3838696" y="1056832"/>
+            <a:off x="4184694" y="1065121"/>
             <a:ext cx="5712369" cy="1754326"/>
           </a:xfrm>
           <a:prstGeom prst="rect">
@@ -6058,13 +5851,7 @@
           <a:p>
             <a:r>
               <a:rPr lang="en-US" sz="5400" dirty="0"/>
-              <a:t>Virtual </a:t>
-            </a:r>
-          </a:p>
-          <a:p>
-            <a:r>
-              <a:rPr lang="en-US" sz="5400" dirty="0"/>
-              <a:t>Office Hours</a:t>
+              <a:t>OUT-OF-CLASS LECTURES</a:t>
             </a:r>
           </a:p>
         </p:txBody>
@@ -6094,7 +5881,7 @@
             <a:pPr algn="ctr"/>
             <a:r>
               <a:rPr lang="en-US" dirty="0"/>
-              <a:t>April 2, 2020</a:t>
+              <a:t>April 13, 2020</a:t>
             </a:r>
           </a:p>
         </p:txBody>
@@ -6107,8 +5894,8 @@
         </p:nvSpPr>
         <p:spPr>
           <a:xfrm>
-            <a:off x="3133161" y="2743036"/>
-            <a:ext cx="5005769" cy="923330"/>
+            <a:off x="2136087" y="2916921"/>
+            <a:ext cx="5005769" cy="2308324"/>
           </a:xfrm>
           <a:prstGeom prst="rect">
             <a:avLst/>
@@ -6124,21 +5911,64 @@
             <a:pPr algn="ctr"/>
             <a:r>
               <a:rPr lang="en-US" dirty="0"/>
-              <a:t>HW 14 </a:t>
+              <a:t>Chapter 15</a:t>
             </a:r>
           </a:p>
           <a:p>
             <a:pPr algn="ctr"/>
             <a:r>
               <a:rPr lang="en-US" b="1" u="sng" dirty="0"/>
-              <a:t>2-way Factorial ANOVAs</a:t>
-            </a:r>
-          </a:p>
-          <a:p>
-            <a:pPr algn="ctr"/>
-            <a:r>
-              <a:rPr lang="en-US" dirty="0"/>
-              <a:t>Items # 2, 3, &amp; 5</a:t>
+              <a:t>Repeated </a:t>
+            </a:r>
+            <a:r>
+              <a:rPr lang="en-US" b="1" u="sng" dirty="0" err="1"/>
+              <a:t>Measurs</a:t>
+            </a:r>
+            <a:r>
+              <a:rPr lang="en-US" b="1" u="sng" dirty="0"/>
+              <a:t> ANOVA</a:t>
+            </a:r>
+          </a:p>
+          <a:p>
+            <a:pPr algn="ctr"/>
+            <a:r>
+              <a:rPr lang="en-US" i="1" dirty="0"/>
+              <a:t>2-way RM ANOVA</a:t>
+            </a:r>
+          </a:p>
+          <a:p>
+            <a:pPr algn="ctr"/>
+            <a:r>
+              <a:rPr lang="en-US" i="1" dirty="0"/>
+              <a:t>Effect Sizes</a:t>
+            </a:r>
+          </a:p>
+          <a:p>
+            <a:pPr algn="ctr"/>
+            <a:r>
+              <a:rPr lang="en-US" i="1" dirty="0"/>
+              <a:t>Follow-up test &amp; Multiple Comparisons</a:t>
+            </a:r>
+          </a:p>
+          <a:p>
+            <a:pPr algn="ctr"/>
+            <a:r>
+              <a:rPr lang="en-US" i="1" dirty="0"/>
+              <a:t>Interaction</a:t>
+            </a:r>
+          </a:p>
+          <a:p>
+            <a:pPr algn="ctr"/>
+            <a:r>
+              <a:rPr lang="en-US" i="1" dirty="0"/>
+              <a:t>Reporting Results</a:t>
+            </a:r>
+          </a:p>
+          <a:p>
+            <a:pPr algn="ctr"/>
+            <a:r>
+              <a:rPr lang="en-US" i="1" dirty="0"/>
+              <a:t>Slides 37-end</a:t>
             </a:r>
           </a:p>
         </p:txBody>
@@ -6280,38 +6110,55 @@
       </p:pic>
       <p:pic>
         <p:nvPicPr>
-          <p:cNvPr id="5" name="Picture 4"/>
+          <p:cNvPr id="1026" name="Picture 2" descr="Image result for virus"/>
           <p:cNvPicPr>
-            <a:picLocks noChangeAspect="1"/>
+            <a:picLocks noChangeAspect="1" noChangeArrowheads="1"/>
           </p:cNvPicPr>
           <p:nvPr/>
         </p:nvPicPr>
         <p:blipFill>
-          <a:blip r:embed="rId6"/>
+          <a:blip r:embed="rId6" cstate="print">
+            <a:extLst>
+              <a:ext uri="{28A0092B-C50C-407E-A947-70E740481C1C}">
+                <a14:useLocalDpi xmlns:a14="http://schemas.microsoft.com/office/drawing/2010/main" val="0"/>
+              </a:ext>
+            </a:extLst>
+          </a:blip>
+          <a:srcRect/>
           <a:stretch>
             <a:fillRect/>
           </a:stretch>
         </p:blipFill>
-        <p:spPr>
-          <a:xfrm>
-            <a:off x="1985351" y="4872564"/>
-            <a:ext cx="1853345" cy="853514"/>
-          </a:xfrm>
-          <a:prstGeom prst="rect">
-            <a:avLst/>
-          </a:prstGeom>
+        <p:spPr bwMode="auto">
+          <a:xfrm>
+            <a:off x="1908176" y="4866721"/>
+            <a:ext cx="825034" cy="824421"/>
+          </a:xfrm>
+          <a:prstGeom prst="rect">
+            <a:avLst/>
+          </a:prstGeom>
+          <a:noFill/>
+          <a:extLst>
+            <a:ext uri="{909E8E84-426E-40DD-AFC4-6F175D3DCCD1}">
+              <a14:hiddenFill xmlns:a14="http://schemas.microsoft.com/office/drawing/2010/main">
+                <a:solidFill>
+                  <a:srgbClr val="FFFFFF"/>
+                </a:solidFill>
+              </a14:hiddenFill>
+            </a:ext>
+          </a:extLst>
         </p:spPr>
       </p:pic>
       <p:sp>
         <p:nvSpPr>
-          <p:cNvPr id="6" name="TextBox 5"/>
+          <p:cNvPr id="13" name="TextBox 12"/>
           <p:cNvSpPr txBox="1"/>
           <p:nvPr/>
         </p:nvSpPr>
         <p:spPr>
           <a:xfrm>
-            <a:off x="2163479" y="3316893"/>
-            <a:ext cx="1952216" cy="646331"/>
+            <a:off x="2524444" y="5254195"/>
+            <a:ext cx="1238954" cy="369332"/>
           </a:xfrm>
           <a:prstGeom prst="rect">
             <a:avLst/>
@@ -6326,110 +6173,14 @@
           <a:p>
             <a:pPr algn="ctr"/>
             <a:r>
-              <a:rPr lang="en-US" u="sng" dirty="0"/>
-              <a:t>Factorial ANOVA</a:t>
-            </a:r>
-          </a:p>
-          <a:p>
-            <a:pPr algn="ctr"/>
-            <a:r>
-              <a:rPr lang="en-US" dirty="0"/>
-              <a:t>Omnibus F-tests</a:t>
-            </a:r>
-          </a:p>
-        </p:txBody>
-      </p:sp>
-      <p:sp>
-        <p:nvSpPr>
-          <p:cNvPr id="15" name="TextBox 14"/>
-          <p:cNvSpPr txBox="1"/>
-          <p:nvPr/>
-        </p:nvSpPr>
-        <p:spPr>
-          <a:xfrm>
-            <a:off x="3473229" y="3827424"/>
-            <a:ext cx="2184037" cy="923330"/>
-          </a:xfrm>
-          <a:prstGeom prst="rect">
-            <a:avLst/>
-          </a:prstGeom>
-          <a:noFill/>
-        </p:spPr>
-        <p:txBody>
-          <a:bodyPr wrap="square" rtlCol="0">
-            <a:spAutoFit/>
-          </a:bodyPr>
-          <a:lstStyle/>
-          <a:p>
-            <a:pPr algn="ctr"/>
-            <a:r>
-              <a:rPr lang="en-US" u="sng" dirty="0"/>
-              <a:t>Interactions</a:t>
-            </a:r>
-          </a:p>
-          <a:p>
-            <a:pPr algn="ctr"/>
-            <a:r>
-              <a:rPr lang="en-US" dirty="0"/>
-              <a:t>2-way means plots</a:t>
-            </a:r>
-          </a:p>
-          <a:p>
-            <a:pPr algn="ctr"/>
-            <a:r>
-              <a:rPr lang="en-US" dirty="0"/>
-              <a:t>Interaction contrasts</a:t>
-            </a:r>
-          </a:p>
-        </p:txBody>
-      </p:sp>
-      <p:sp>
-        <p:nvSpPr>
-          <p:cNvPr id="16" name="TextBox 15"/>
-          <p:cNvSpPr txBox="1"/>
-          <p:nvPr/>
-        </p:nvSpPr>
-        <p:spPr>
-          <a:xfrm>
-            <a:off x="4851703" y="4576843"/>
-            <a:ext cx="2667658" cy="1200329"/>
-          </a:xfrm>
-          <a:prstGeom prst="rect">
-            <a:avLst/>
-          </a:prstGeom>
-          <a:noFill/>
-        </p:spPr>
-        <p:txBody>
-          <a:bodyPr wrap="square" rtlCol="0">
-            <a:spAutoFit/>
-          </a:bodyPr>
-          <a:lstStyle/>
-          <a:p>
-            <a:pPr algn="ctr"/>
-            <a:r>
-              <a:rPr lang="en-US" u="sng" dirty="0"/>
-              <a:t>Main Effects</a:t>
-            </a:r>
-          </a:p>
-          <a:p>
-            <a:pPr algn="ctr"/>
-            <a:r>
-              <a:rPr lang="en-US" dirty="0"/>
-              <a:t>1-way means table</a:t>
-            </a:r>
-          </a:p>
-          <a:p>
-            <a:pPr algn="ctr"/>
-            <a:r>
-              <a:rPr lang="en-US" dirty="0"/>
-              <a:t>1-way means plot</a:t>
-            </a:r>
-          </a:p>
-          <a:p>
-            <a:pPr algn="ctr"/>
-            <a:r>
-              <a:rPr lang="en-US" dirty="0"/>
-              <a:t>Pairwise post hoc t-tests</a:t>
+              <a:rPr lang="en-US" b="1" dirty="0">
+                <a:solidFill>
+                  <a:schemeClr val="accent1">
+                    <a:lumMod val="75000"/>
+                  </a:schemeClr>
+                </a:solidFill>
+              </a:rPr>
+              <a:t>Covid-19</a:t>
             </a:r>
           </a:p>
         </p:txBody>
@@ -6437,7 +6188,7 @@
     </p:spTree>
     <p:extLst>
       <p:ext uri="{BB962C8B-B14F-4D97-AF65-F5344CB8AC3E}">
-        <p14:creationId xmlns:p14="http://schemas.microsoft.com/office/powerpoint/2010/main" val="3811887098"/>
+        <p14:creationId xmlns:p14="http://schemas.microsoft.com/office/powerpoint/2010/main" val="2525452429"/>
       </p:ext>
     </p:extLst>
   </p:cSld>
@@ -6518,7 +6269,7 @@
         </p:nvSpPr>
         <p:spPr>
           <a:xfrm>
-            <a:off x="4003824" y="1483154"/>
+            <a:off x="4184694" y="1065121"/>
             <a:ext cx="5712369" cy="1754326"/>
           </a:xfrm>
           <a:prstGeom prst="rect">
@@ -6534,13 +6285,7 @@
           <a:p>
             <a:r>
               <a:rPr lang="en-US" sz="5400" dirty="0"/>
-              <a:t>HOMEWORK</a:t>
-            </a:r>
-          </a:p>
-          <a:p>
-            <a:r>
-              <a:rPr lang="en-US" sz="5400" dirty="0"/>
-              <a:t>HELP</a:t>
+              <a:t>OUT-OF-CLASS LECTURES</a:t>
             </a:r>
           </a:p>
         </p:txBody>
@@ -6570,7 +6315,7 @@
             <a:pPr algn="ctr"/>
             <a:r>
               <a:rPr lang="en-US" dirty="0"/>
-              <a:t>April. 1, 2020</a:t>
+              <a:t>April 13, 2020</a:t>
             </a:r>
           </a:p>
         </p:txBody>
@@ -6583,8 +6328,8 @@
         </p:nvSpPr>
         <p:spPr>
           <a:xfrm>
-            <a:off x="2105405" y="3257394"/>
-            <a:ext cx="5005769" cy="1477328"/>
+            <a:off x="2035110" y="3043759"/>
+            <a:ext cx="5005769" cy="1200329"/>
           </a:xfrm>
           <a:prstGeom prst="rect">
             <a:avLst/>
@@ -6600,33 +6345,37 @@
             <a:pPr algn="ctr"/>
             <a:r>
               <a:rPr lang="en-US" dirty="0"/>
-              <a:t>Chapter 14</a:t>
+              <a:t>Chapter 15</a:t>
             </a:r>
           </a:p>
           <a:p>
             <a:pPr algn="ctr"/>
             <a:r>
               <a:rPr lang="en-US" b="1" u="sng" dirty="0"/>
-              <a:t>2-way Factorial ANOVA</a:t>
-            </a:r>
-          </a:p>
-          <a:p>
-            <a:pPr algn="ctr"/>
-            <a:r>
-              <a:rPr lang="en-US" b="1" dirty="0"/>
-              <a:t>14A #6: MS and F formulas </a:t>
-            </a:r>
-          </a:p>
-          <a:p>
-            <a:pPr algn="ctr"/>
-            <a:r>
-              <a:rPr lang="en-US" b="1" dirty="0"/>
-              <a:t>Based on a means table</a:t>
-            </a:r>
-          </a:p>
-          <a:p>
-            <a:pPr algn="ctr"/>
-            <a:endParaRPr lang="en-US" b="1" dirty="0"/>
+              <a:t>Repeated </a:t>
+            </a:r>
+            <a:r>
+              <a:rPr lang="en-US" b="1" u="sng" dirty="0" err="1"/>
+              <a:t>Measurs</a:t>
+            </a:r>
+            <a:r>
+              <a:rPr lang="en-US" b="1" u="sng" dirty="0"/>
+              <a:t> ANOVA</a:t>
+            </a:r>
+          </a:p>
+          <a:p>
+            <a:pPr algn="ctr"/>
+            <a:r>
+              <a:rPr lang="en-US" i="1" dirty="0"/>
+              <a:t>1-way RM ANOVA</a:t>
+            </a:r>
+          </a:p>
+          <a:p>
+            <a:pPr algn="ctr"/>
+            <a:r>
+              <a:rPr lang="en-US" i="1" dirty="0"/>
+              <a:t>Slides 1 - 36</a:t>
+            </a:r>
           </a:p>
         </p:txBody>
       </p:sp>
@@ -6765,102 +6514,87 @@
           </a:prstGeom>
         </p:spPr>
       </p:pic>
-      <p:grpSp>
-        <p:nvGrpSpPr>
-          <p:cNvPr id="13" name="Group 12"/>
-          <p:cNvGrpSpPr/>
-          <p:nvPr/>
-        </p:nvGrpSpPr>
-        <p:grpSpPr>
-          <a:xfrm>
-            <a:off x="1908176" y="4866721"/>
-            <a:ext cx="1855222" cy="824421"/>
-            <a:chOff x="1908176" y="4866721"/>
-            <a:chExt cx="1855222" cy="824421"/>
-          </a:xfrm>
-        </p:grpSpPr>
-        <p:pic>
-          <p:nvPicPr>
-            <p:cNvPr id="15" name="Picture 2" descr="Image result for virus"/>
-            <p:cNvPicPr>
-              <a:picLocks noChangeAspect="1" noChangeArrowheads="1"/>
-            </p:cNvPicPr>
-            <p:nvPr/>
-          </p:nvPicPr>
-          <p:blipFill>
-            <a:blip r:embed="rId6" cstate="print">
-              <a:extLst>
-                <a:ext uri="{28A0092B-C50C-407E-A947-70E740481C1C}">
-                  <a14:useLocalDpi xmlns:a14="http://schemas.microsoft.com/office/drawing/2010/main" val="0"/>
-                </a:ext>
-              </a:extLst>
-            </a:blip>
-            <a:srcRect/>
-            <a:stretch>
-              <a:fillRect/>
-            </a:stretch>
-          </p:blipFill>
-          <p:spPr bwMode="auto">
-            <a:xfrm>
-              <a:off x="1908176" y="4866721"/>
-              <a:ext cx="825034" cy="824421"/>
-            </a:xfrm>
-            <a:prstGeom prst="rect">
-              <a:avLst/>
-            </a:prstGeom>
-            <a:noFill/>
+      <p:pic>
+        <p:nvPicPr>
+          <p:cNvPr id="1026" name="Picture 2" descr="Image result for virus"/>
+          <p:cNvPicPr>
+            <a:picLocks noChangeAspect="1" noChangeArrowheads="1"/>
+          </p:cNvPicPr>
+          <p:nvPr/>
+        </p:nvPicPr>
+        <p:blipFill>
+          <a:blip r:embed="rId6" cstate="print">
             <a:extLst>
-              <a:ext uri="{909E8E84-426E-40DD-AFC4-6F175D3DCCD1}">
-                <a14:hiddenFill xmlns:a14="http://schemas.microsoft.com/office/drawing/2010/main">
-                  <a:solidFill>
-                    <a:srgbClr val="FFFFFF"/>
-                  </a:solidFill>
-                </a14:hiddenFill>
+              <a:ext uri="{28A0092B-C50C-407E-A947-70E740481C1C}">
+                <a14:useLocalDpi xmlns:a14="http://schemas.microsoft.com/office/drawing/2010/main" val="0"/>
               </a:ext>
             </a:extLst>
-          </p:spPr>
-        </p:pic>
-        <p:sp>
-          <p:nvSpPr>
-            <p:cNvPr id="16" name="TextBox 15"/>
-            <p:cNvSpPr txBox="1"/>
-            <p:nvPr/>
-          </p:nvSpPr>
-          <p:spPr>
-            <a:xfrm>
-              <a:off x="2524444" y="5254195"/>
-              <a:ext cx="1238954" cy="369332"/>
-            </a:xfrm>
-            <a:prstGeom prst="rect">
-              <a:avLst/>
-            </a:prstGeom>
-            <a:noFill/>
-          </p:spPr>
-          <p:txBody>
-            <a:bodyPr wrap="square" rtlCol="0">
-              <a:spAutoFit/>
-            </a:bodyPr>
-            <a:lstStyle/>
-            <a:p>
-              <a:pPr algn="ctr"/>
-              <a:r>
-                <a:rPr lang="en-US" b="1" dirty="0">
-                  <a:solidFill>
-                    <a:schemeClr val="accent1">
-                      <a:lumMod val="75000"/>
-                    </a:schemeClr>
-                  </a:solidFill>
-                </a:rPr>
-                <a:t>Covid-19</a:t>
-              </a:r>
-            </a:p>
-          </p:txBody>
-        </p:sp>
-      </p:grpSp>
+          </a:blip>
+          <a:srcRect/>
+          <a:stretch>
+            <a:fillRect/>
+          </a:stretch>
+        </p:blipFill>
+        <p:spPr bwMode="auto">
+          <a:xfrm>
+            <a:off x="1908176" y="4866721"/>
+            <a:ext cx="825034" cy="824421"/>
+          </a:xfrm>
+          <a:prstGeom prst="rect">
+            <a:avLst/>
+          </a:prstGeom>
+          <a:noFill/>
+          <a:extLst>
+            <a:ext uri="{909E8E84-426E-40DD-AFC4-6F175D3DCCD1}">
+              <a14:hiddenFill xmlns:a14="http://schemas.microsoft.com/office/drawing/2010/main">
+                <a:solidFill>
+                  <a:srgbClr val="FFFFFF"/>
+                </a:solidFill>
+              </a14:hiddenFill>
+            </a:ext>
+          </a:extLst>
+        </p:spPr>
+      </p:pic>
+      <p:sp>
+        <p:nvSpPr>
+          <p:cNvPr id="13" name="TextBox 12"/>
+          <p:cNvSpPr txBox="1"/>
+          <p:nvPr/>
+        </p:nvSpPr>
+        <p:spPr>
+          <a:xfrm>
+            <a:off x="2524444" y="5254195"/>
+            <a:ext cx="1238954" cy="369332"/>
+          </a:xfrm>
+          <a:prstGeom prst="rect">
+            <a:avLst/>
+          </a:prstGeom>
+          <a:noFill/>
+        </p:spPr>
+        <p:txBody>
+          <a:bodyPr wrap="square" rtlCol="0">
+            <a:spAutoFit/>
+          </a:bodyPr>
+          <a:lstStyle/>
+          <a:p>
+            <a:pPr algn="ctr"/>
+            <a:r>
+              <a:rPr lang="en-US" b="1" dirty="0">
+                <a:solidFill>
+                  <a:schemeClr val="accent1">
+                    <a:lumMod val="75000"/>
+                  </a:schemeClr>
+                </a:solidFill>
+              </a:rPr>
+              <a:t>Covid-19</a:t>
+            </a:r>
+          </a:p>
+        </p:txBody>
+      </p:sp>
     </p:spTree>
     <p:extLst>
       <p:ext uri="{BB962C8B-B14F-4D97-AF65-F5344CB8AC3E}">
-        <p14:creationId xmlns:p14="http://schemas.microsoft.com/office/powerpoint/2010/main" val="969755914"/>
+        <p14:creationId xmlns:p14="http://schemas.microsoft.com/office/powerpoint/2010/main" val="3454054716"/>
       </p:ext>
     </p:extLst>
   </p:cSld>
@@ -6987,7 +6721,7 @@
             <a:pPr algn="ctr"/>
             <a:r>
               <a:rPr lang="en-US" dirty="0"/>
-              <a:t>March 31, 2020</a:t>
+              <a:t>April 13, 2020</a:t>
             </a:r>
           </a:p>
         </p:txBody>
@@ -7001,7 +6735,7 @@
         <p:spPr>
           <a:xfrm>
             <a:off x="2035110" y="3043759"/>
-            <a:ext cx="5005769" cy="1200329"/>
+            <a:ext cx="5005769" cy="1477328"/>
           </a:xfrm>
           <a:prstGeom prst="rect">
             <a:avLst/>
@@ -7017,28 +6751,59 @@
             <a:pPr algn="ctr"/>
             <a:r>
               <a:rPr lang="en-US" dirty="0"/>
-              <a:t>Chapter 14</a:t>
+              <a:t>Chapter 15</a:t>
             </a:r>
           </a:p>
           <a:p>
             <a:pPr algn="ctr"/>
             <a:r>
               <a:rPr lang="en-US" b="1" u="sng" dirty="0"/>
-              <a:t>2-way Factorial ANOVA</a:t>
+              <a:t>Repeated </a:t>
+            </a:r>
+            <a:r>
+              <a:rPr lang="en-US" b="1" u="sng" dirty="0" err="1"/>
+              <a:t>Measurs</a:t>
+            </a:r>
+            <a:r>
+              <a:rPr lang="en-US" b="1" u="sng" dirty="0"/>
+              <a:t> ANOVA</a:t>
             </a:r>
           </a:p>
           <a:p>
             <a:pPr algn="ctr"/>
             <a:r>
               <a:rPr lang="en-US" i="1" dirty="0"/>
-              <a:t>Sleep x Stimulant Example Walk-through </a:t>
+              <a:t>Examples, in R</a:t>
             </a:r>
           </a:p>
           <a:p>
             <a:pPr algn="ctr"/>
             <a:r>
               <a:rPr lang="en-US" i="1" dirty="0"/>
-              <a:t>Barry Cohen’s Textbook Example </a:t>
+              <a:t>1</a:t>
+            </a:r>
+            <a:r>
+              <a:rPr lang="en-US" i="1" baseline="30000" dirty="0"/>
+              <a:t>st</a:t>
+            </a:r>
+            <a:r>
+              <a:rPr lang="en-US" i="1" dirty="0"/>
+              <a:t> – textbook’s example with word recall</a:t>
+            </a:r>
+          </a:p>
+          <a:p>
+            <a:pPr algn="ctr"/>
+            <a:r>
+              <a:rPr lang="en-US" i="1" dirty="0"/>
+              <a:t>2</a:t>
+            </a:r>
+            <a:r>
+              <a:rPr lang="en-US" i="1" baseline="30000" dirty="0"/>
+              <a:t>nd</a:t>
+            </a:r>
+            <a:r>
+              <a:rPr lang="en-US" i="1" dirty="0"/>
+              <a:t> – weight loss over 3 months</a:t>
             </a:r>
           </a:p>
         </p:txBody>
@@ -7178,102 +6943,87 @@
           </a:prstGeom>
         </p:spPr>
       </p:pic>
-      <p:grpSp>
-        <p:nvGrpSpPr>
-          <p:cNvPr id="5" name="Group 4"/>
-          <p:cNvGrpSpPr/>
-          <p:nvPr/>
-        </p:nvGrpSpPr>
-        <p:grpSpPr>
-          <a:xfrm>
-            <a:off x="1908176" y="4866721"/>
-            <a:ext cx="1855222" cy="824421"/>
-            <a:chOff x="1908176" y="4866721"/>
-            <a:chExt cx="1855222" cy="824421"/>
-          </a:xfrm>
-        </p:grpSpPr>
-        <p:pic>
-          <p:nvPicPr>
-            <p:cNvPr id="1026" name="Picture 2" descr="Image result for virus"/>
-            <p:cNvPicPr>
-              <a:picLocks noChangeAspect="1" noChangeArrowheads="1"/>
-            </p:cNvPicPr>
-            <p:nvPr/>
-          </p:nvPicPr>
-          <p:blipFill>
-            <a:blip r:embed="rId6" cstate="print">
-              <a:extLst>
-                <a:ext uri="{28A0092B-C50C-407E-A947-70E740481C1C}">
-                  <a14:useLocalDpi xmlns:a14="http://schemas.microsoft.com/office/drawing/2010/main" val="0"/>
-                </a:ext>
-              </a:extLst>
-            </a:blip>
-            <a:srcRect/>
-            <a:stretch>
-              <a:fillRect/>
-            </a:stretch>
-          </p:blipFill>
-          <p:spPr bwMode="auto">
-            <a:xfrm>
-              <a:off x="1908176" y="4866721"/>
-              <a:ext cx="825034" cy="824421"/>
-            </a:xfrm>
-            <a:prstGeom prst="rect">
-              <a:avLst/>
-            </a:prstGeom>
-            <a:noFill/>
+      <p:pic>
+        <p:nvPicPr>
+          <p:cNvPr id="1026" name="Picture 2" descr="Image result for virus"/>
+          <p:cNvPicPr>
+            <a:picLocks noChangeAspect="1" noChangeArrowheads="1"/>
+          </p:cNvPicPr>
+          <p:nvPr/>
+        </p:nvPicPr>
+        <p:blipFill>
+          <a:blip r:embed="rId6" cstate="print">
             <a:extLst>
-              <a:ext uri="{909E8E84-426E-40DD-AFC4-6F175D3DCCD1}">
-                <a14:hiddenFill xmlns:a14="http://schemas.microsoft.com/office/drawing/2010/main">
-                  <a:solidFill>
-                    <a:srgbClr val="FFFFFF"/>
-                  </a:solidFill>
-                </a14:hiddenFill>
+              <a:ext uri="{28A0092B-C50C-407E-A947-70E740481C1C}">
+                <a14:useLocalDpi xmlns:a14="http://schemas.microsoft.com/office/drawing/2010/main" val="0"/>
               </a:ext>
             </a:extLst>
-          </p:spPr>
-        </p:pic>
-        <p:sp>
-          <p:nvSpPr>
-            <p:cNvPr id="13" name="TextBox 12"/>
-            <p:cNvSpPr txBox="1"/>
-            <p:nvPr/>
-          </p:nvSpPr>
-          <p:spPr>
-            <a:xfrm>
-              <a:off x="2524444" y="5254195"/>
-              <a:ext cx="1238954" cy="369332"/>
-            </a:xfrm>
-            <a:prstGeom prst="rect">
-              <a:avLst/>
-            </a:prstGeom>
-            <a:noFill/>
-          </p:spPr>
-          <p:txBody>
-            <a:bodyPr wrap="square" rtlCol="0">
-              <a:spAutoFit/>
-            </a:bodyPr>
-            <a:lstStyle/>
-            <a:p>
-              <a:pPr algn="ctr"/>
-              <a:r>
-                <a:rPr lang="en-US" b="1" dirty="0">
-                  <a:solidFill>
-                    <a:schemeClr val="accent1">
-                      <a:lumMod val="75000"/>
-                    </a:schemeClr>
-                  </a:solidFill>
-                </a:rPr>
-                <a:t>Covid-19</a:t>
-              </a:r>
-            </a:p>
-          </p:txBody>
-        </p:sp>
-      </p:grpSp>
+          </a:blip>
+          <a:srcRect/>
+          <a:stretch>
+            <a:fillRect/>
+          </a:stretch>
+        </p:blipFill>
+        <p:spPr bwMode="auto">
+          <a:xfrm>
+            <a:off x="1908176" y="4866721"/>
+            <a:ext cx="825034" cy="824421"/>
+          </a:xfrm>
+          <a:prstGeom prst="rect">
+            <a:avLst/>
+          </a:prstGeom>
+          <a:noFill/>
+          <a:extLst>
+            <a:ext uri="{909E8E84-426E-40DD-AFC4-6F175D3DCCD1}">
+              <a14:hiddenFill xmlns:a14="http://schemas.microsoft.com/office/drawing/2010/main">
+                <a:solidFill>
+                  <a:srgbClr val="FFFFFF"/>
+                </a:solidFill>
+              </a14:hiddenFill>
+            </a:ext>
+          </a:extLst>
+        </p:spPr>
+      </p:pic>
+      <p:sp>
+        <p:nvSpPr>
+          <p:cNvPr id="13" name="TextBox 12"/>
+          <p:cNvSpPr txBox="1"/>
+          <p:nvPr/>
+        </p:nvSpPr>
+        <p:spPr>
+          <a:xfrm>
+            <a:off x="2524444" y="5254195"/>
+            <a:ext cx="1238954" cy="369332"/>
+          </a:xfrm>
+          <a:prstGeom prst="rect">
+            <a:avLst/>
+          </a:prstGeom>
+          <a:noFill/>
+        </p:spPr>
+        <p:txBody>
+          <a:bodyPr wrap="square" rtlCol="0">
+            <a:spAutoFit/>
+          </a:bodyPr>
+          <a:lstStyle/>
+          <a:p>
+            <a:pPr algn="ctr"/>
+            <a:r>
+              <a:rPr lang="en-US" b="1" dirty="0">
+                <a:solidFill>
+                  <a:schemeClr val="accent1">
+                    <a:lumMod val="75000"/>
+                  </a:schemeClr>
+                </a:solidFill>
+              </a:rPr>
+              <a:t>Covid-19</a:t>
+            </a:r>
+          </a:p>
+        </p:txBody>
+      </p:sp>
     </p:spTree>
     <p:extLst>
       <p:ext uri="{BB962C8B-B14F-4D97-AF65-F5344CB8AC3E}">
-        <p14:creationId xmlns:p14="http://schemas.microsoft.com/office/powerpoint/2010/main" val="3068570685"/>
+        <p14:creationId xmlns:p14="http://schemas.microsoft.com/office/powerpoint/2010/main" val="707466089"/>
       </p:ext>
     </p:extLst>
   </p:cSld>
@@ -7308,7 +7058,7 @@
         </p:nvSpPr>
         <p:spPr>
           <a:xfrm>
-            <a:off x="1808702" y="824230"/>
+            <a:off x="1853580" y="824230"/>
             <a:ext cx="8778240" cy="5010912"/>
           </a:xfrm>
           <a:prstGeom prst="rect">
@@ -7354,7 +7104,7 @@
         </p:nvSpPr>
         <p:spPr>
           <a:xfrm>
-            <a:off x="4184694" y="1065121"/>
+            <a:off x="3838696" y="1056832"/>
             <a:ext cx="5712369" cy="1754326"/>
           </a:xfrm>
           <a:prstGeom prst="rect">
@@ -7370,7 +7120,13 @@
           <a:p>
             <a:r>
               <a:rPr lang="en-US" sz="5400" dirty="0"/>
-              <a:t>OUT-OF-CLASS LECTURES</a:t>
+              <a:t>Virtual </a:t>
+            </a:r>
+          </a:p>
+          <a:p>
+            <a:r>
+              <a:rPr lang="en-US" sz="5400" dirty="0"/>
+              <a:t>Office Hours</a:t>
             </a:r>
           </a:p>
         </p:txBody>
@@ -7400,7 +7156,7 @@
             <a:pPr algn="ctr"/>
             <a:r>
               <a:rPr lang="en-US" dirty="0"/>
-              <a:t>March 31, 2020</a:t>
+              <a:t>April 7, 2020</a:t>
             </a:r>
           </a:p>
         </p:txBody>
@@ -7413,8 +7169,8 @@
         </p:nvSpPr>
         <p:spPr>
           <a:xfrm>
-            <a:off x="2035110" y="3043759"/>
-            <a:ext cx="5005769" cy="1200329"/>
+            <a:off x="3133161" y="2743036"/>
+            <a:ext cx="5005769" cy="923330"/>
           </a:xfrm>
           <a:prstGeom prst="rect">
             <a:avLst/>
@@ -7430,28 +7186,21 @@
             <a:pPr algn="ctr"/>
             <a:r>
               <a:rPr lang="en-US" dirty="0"/>
-              <a:t>Chapter 14</a:t>
+              <a:t>HW 14 </a:t>
             </a:r>
           </a:p>
           <a:p>
             <a:pPr algn="ctr"/>
             <a:r>
               <a:rPr lang="en-US" b="1" u="sng" dirty="0"/>
-              <a:t>2-way Factorial ANOVA</a:t>
-            </a:r>
-          </a:p>
-          <a:p>
-            <a:pPr algn="ctr"/>
-            <a:r>
-              <a:rPr lang="en-US" i="1" dirty="0"/>
-              <a:t>Lecture slides </a:t>
-            </a:r>
-          </a:p>
-          <a:p>
-            <a:pPr algn="ctr"/>
-            <a:r>
-              <a:rPr lang="en-US" i="1" dirty="0"/>
-              <a:t>(example in separate video)</a:t>
+              <a:t>2-way Factorial ANOVAs</a:t>
+            </a:r>
+          </a:p>
+          <a:p>
+            <a:pPr algn="ctr"/>
+            <a:r>
+              <a:rPr lang="en-US" dirty="0"/>
+              <a:t>Items # 4, 5, &amp; 6</a:t>
             </a:r>
           </a:p>
         </p:txBody>
@@ -7593,55 +7342,38 @@
       </p:pic>
       <p:pic>
         <p:nvPicPr>
-          <p:cNvPr id="1026" name="Picture 2" descr="Image result for virus"/>
+          <p:cNvPr id="5" name="Picture 4"/>
           <p:cNvPicPr>
-            <a:picLocks noChangeAspect="1" noChangeArrowheads="1"/>
+            <a:picLocks noChangeAspect="1"/>
           </p:cNvPicPr>
           <p:nvPr/>
         </p:nvPicPr>
         <p:blipFill>
-          <a:blip r:embed="rId6" cstate="print">
-            <a:extLst>
-              <a:ext uri="{28A0092B-C50C-407E-A947-70E740481C1C}">
-                <a14:useLocalDpi xmlns:a14="http://schemas.microsoft.com/office/drawing/2010/main" val="0"/>
-              </a:ext>
-            </a:extLst>
-          </a:blip>
-          <a:srcRect/>
+          <a:blip r:embed="rId6"/>
           <a:stretch>
             <a:fillRect/>
           </a:stretch>
         </p:blipFill>
-        <p:spPr bwMode="auto">
-          <a:xfrm>
-            <a:off x="1908176" y="4866721"/>
-            <a:ext cx="825034" cy="824421"/>
-          </a:xfrm>
-          <a:prstGeom prst="rect">
-            <a:avLst/>
-          </a:prstGeom>
-          <a:noFill/>
-          <a:extLst>
-            <a:ext uri="{909E8E84-426E-40DD-AFC4-6F175D3DCCD1}">
-              <a14:hiddenFill xmlns:a14="http://schemas.microsoft.com/office/drawing/2010/main">
-                <a:solidFill>
-                  <a:srgbClr val="FFFFFF"/>
-                </a:solidFill>
-              </a14:hiddenFill>
-            </a:ext>
-          </a:extLst>
+        <p:spPr>
+          <a:xfrm>
+            <a:off x="1985351" y="4872564"/>
+            <a:ext cx="1853345" cy="853514"/>
+          </a:xfrm>
+          <a:prstGeom prst="rect">
+            <a:avLst/>
+          </a:prstGeom>
         </p:spPr>
       </p:pic>
       <p:sp>
         <p:nvSpPr>
-          <p:cNvPr id="13" name="TextBox 12"/>
+          <p:cNvPr id="6" name="TextBox 5"/>
           <p:cNvSpPr txBox="1"/>
           <p:nvPr/>
         </p:nvSpPr>
         <p:spPr>
           <a:xfrm>
-            <a:off x="2524444" y="5254195"/>
-            <a:ext cx="1238954" cy="369332"/>
+            <a:off x="2163479" y="3316893"/>
+            <a:ext cx="1952216" cy="646331"/>
           </a:xfrm>
           <a:prstGeom prst="rect">
             <a:avLst/>
@@ -7656,14 +7388,110 @@
           <a:p>
             <a:pPr algn="ctr"/>
             <a:r>
-              <a:rPr lang="en-US" b="1" dirty="0">
-                <a:solidFill>
-                  <a:schemeClr val="accent1">
-                    <a:lumMod val="75000"/>
-                  </a:schemeClr>
-                </a:solidFill>
-              </a:rPr>
-              <a:t>Covid-19</a:t>
+              <a:rPr lang="en-US" u="sng" dirty="0"/>
+              <a:t>Factorial ANOVA</a:t>
+            </a:r>
+          </a:p>
+          <a:p>
+            <a:pPr algn="ctr"/>
+            <a:r>
+              <a:rPr lang="en-US" dirty="0"/>
+              <a:t>Omnibus F-tests</a:t>
+            </a:r>
+          </a:p>
+        </p:txBody>
+      </p:sp>
+      <p:sp>
+        <p:nvSpPr>
+          <p:cNvPr id="15" name="TextBox 14"/>
+          <p:cNvSpPr txBox="1"/>
+          <p:nvPr/>
+        </p:nvSpPr>
+        <p:spPr>
+          <a:xfrm>
+            <a:off x="3473229" y="3827424"/>
+            <a:ext cx="2184037" cy="923330"/>
+          </a:xfrm>
+          <a:prstGeom prst="rect">
+            <a:avLst/>
+          </a:prstGeom>
+          <a:noFill/>
+        </p:spPr>
+        <p:txBody>
+          <a:bodyPr wrap="square" rtlCol="0">
+            <a:spAutoFit/>
+          </a:bodyPr>
+          <a:lstStyle/>
+          <a:p>
+            <a:pPr algn="ctr"/>
+            <a:r>
+              <a:rPr lang="en-US" u="sng" dirty="0"/>
+              <a:t>Interactions</a:t>
+            </a:r>
+          </a:p>
+          <a:p>
+            <a:pPr algn="ctr"/>
+            <a:r>
+              <a:rPr lang="en-US" dirty="0"/>
+              <a:t>2-way means plots</a:t>
+            </a:r>
+          </a:p>
+          <a:p>
+            <a:pPr algn="ctr"/>
+            <a:r>
+              <a:rPr lang="en-US" dirty="0"/>
+              <a:t>Interaction contrasts</a:t>
+            </a:r>
+          </a:p>
+        </p:txBody>
+      </p:sp>
+      <p:sp>
+        <p:nvSpPr>
+          <p:cNvPr id="16" name="TextBox 15"/>
+          <p:cNvSpPr txBox="1"/>
+          <p:nvPr/>
+        </p:nvSpPr>
+        <p:spPr>
+          <a:xfrm>
+            <a:off x="4851703" y="4576843"/>
+            <a:ext cx="2667658" cy="1200329"/>
+          </a:xfrm>
+          <a:prstGeom prst="rect">
+            <a:avLst/>
+          </a:prstGeom>
+          <a:noFill/>
+        </p:spPr>
+        <p:txBody>
+          <a:bodyPr wrap="square" rtlCol="0">
+            <a:spAutoFit/>
+          </a:bodyPr>
+          <a:lstStyle/>
+          <a:p>
+            <a:pPr algn="ctr"/>
+            <a:r>
+              <a:rPr lang="en-US" u="sng" dirty="0"/>
+              <a:t>Main Effects</a:t>
+            </a:r>
+          </a:p>
+          <a:p>
+            <a:pPr algn="ctr"/>
+            <a:r>
+              <a:rPr lang="en-US" dirty="0"/>
+              <a:t>1-way means table</a:t>
+            </a:r>
+          </a:p>
+          <a:p>
+            <a:pPr algn="ctr"/>
+            <a:r>
+              <a:rPr lang="en-US" dirty="0"/>
+              <a:t>1-way means plot</a:t>
+            </a:r>
+          </a:p>
+          <a:p>
+            <a:pPr algn="ctr"/>
+            <a:r>
+              <a:rPr lang="en-US" dirty="0"/>
+              <a:t>Pairwise post hoc t-tests</a:t>
             </a:r>
           </a:p>
         </p:txBody>
@@ -7671,7 +7499,7 @@
     </p:spTree>
     <p:extLst>
       <p:ext uri="{BB962C8B-B14F-4D97-AF65-F5344CB8AC3E}">
-        <p14:creationId xmlns:p14="http://schemas.microsoft.com/office/powerpoint/2010/main" val="1235567156"/>
+        <p14:creationId xmlns:p14="http://schemas.microsoft.com/office/powerpoint/2010/main" val="1875168771"/>
       </p:ext>
     </p:extLst>
   </p:cSld>
@@ -7769,7 +7597,15 @@
             <a:pPr algn="ctr"/>
             <a:r>
               <a:rPr lang="en-US" dirty="0"/>
-              <a:t>May 7, 2020</a:t>
+              <a:t>May </a:t>
+            </a:r>
+            <a:r>
+              <a:rPr lang="en-US" dirty="0" smtClean="0"/>
+              <a:t>11, </a:t>
+            </a:r>
+            <a:r>
+              <a:rPr lang="en-US" dirty="0"/>
+              <a:t>2020</a:t>
             </a:r>
           </a:p>
         </p:txBody>
@@ -7782,8 +7618,8 @@
         </p:nvSpPr>
         <p:spPr>
           <a:xfrm>
-            <a:off x="2679150" y="2855442"/>
-            <a:ext cx="5005769" cy="1754326"/>
+            <a:off x="2639881" y="3325287"/>
+            <a:ext cx="5005769" cy="1477328"/>
           </a:xfrm>
           <a:prstGeom prst="rect">
             <a:avLst/>
@@ -7798,44 +7634,51 @@
           <a:p>
             <a:pPr algn="ctr"/>
             <a:r>
-              <a:rPr lang="en-US" dirty="0"/>
-              <a:t>HW_01</a:t>
-            </a:r>
+              <a:rPr lang="en-US" dirty="0" smtClean="0"/>
+              <a:t>HW_03, section C</a:t>
+            </a:r>
+            <a:endParaRPr lang="en-US" dirty="0"/>
           </a:p>
           <a:p>
             <a:pPr algn="ctr"/>
             <a:r>
               <a:rPr lang="en-US" b="1" u="sng" dirty="0"/>
-              <a:t>Getting Started with R &amp; R Studio</a:t>
-            </a:r>
-          </a:p>
-          <a:p>
-            <a:pPr algn="ctr"/>
-            <a:r>
-              <a:rPr lang="en-US" i="1" dirty="0"/>
-              <a:t>Additional basic slides</a:t>
-            </a:r>
-          </a:p>
-          <a:p>
-            <a:pPr algn="ctr"/>
-            <a:r>
-              <a:rPr lang="en-US" i="1" dirty="0"/>
-              <a:t>More on the PIPE</a:t>
-            </a:r>
-          </a:p>
-          <a:p>
-            <a:pPr algn="ctr"/>
-            <a:r>
-              <a:rPr lang="en-US" i="1" dirty="0"/>
-              <a:t>Declaring factors (1C #1, df_1)</a:t>
-            </a:r>
-          </a:p>
-          <a:p>
-            <a:pPr algn="ctr"/>
-            <a:r>
-              <a:rPr lang="en-US" i="1" dirty="0"/>
-              <a:t>Creating new variables (1C #2, df_2)</a:t>
-            </a:r>
+              <a:t>Summarizing Data with Descriptive </a:t>
+            </a:r>
+            <a:r>
+              <a:rPr lang="en-US" b="1" u="sng" dirty="0" smtClean="0"/>
+              <a:t>Statistics</a:t>
+            </a:r>
+          </a:p>
+          <a:p>
+            <a:pPr algn="ctr"/>
+            <a:r>
+              <a:rPr lang="en-US" i="1" dirty="0" smtClean="0"/>
+              <a:t>Full </a:t>
+            </a:r>
+            <a:r>
+              <a:rPr lang="en-US" i="1" dirty="0" smtClean="0"/>
+              <a:t>D</a:t>
+            </a:r>
+            <a:r>
+              <a:rPr lang="en-US" i="1" dirty="0" smtClean="0"/>
+              <a:t>escriptive Summary</a:t>
+            </a:r>
+          </a:p>
+          <a:p>
+            <a:pPr algn="ctr"/>
+            <a:r>
+              <a:rPr lang="en-US" i="1" dirty="0" smtClean="0"/>
+              <a:t>Side-by-Side Boxplots</a:t>
+            </a:r>
+          </a:p>
+          <a:p>
+            <a:pPr algn="ctr"/>
+            <a:r>
+              <a:rPr lang="en-US" i="1" dirty="0" smtClean="0"/>
+              <a:t>“Table 1 “</a:t>
+            </a:r>
+            <a:endParaRPr lang="en-US" i="1" dirty="0"/>
           </a:p>
         </p:txBody>
       </p:sp>
@@ -8106,26 +7949,28 @@
           <a:p>
             <a:r>
               <a:rPr lang="en-US" dirty="0"/>
-              <a:t>After Day 2 of 13</a:t>
-            </a:r>
-          </a:p>
-        </p:txBody>
-      </p:sp>
-      <p:sp>
-        <p:nvSpPr>
-          <p:cNvPr id="15" name="TextBox 14">
-            <a:extLst>
-              <a:ext uri="{FF2B5EF4-FFF2-40B4-BE49-F238E27FC236}">
-                <a16:creationId xmlns:a16="http://schemas.microsoft.com/office/drawing/2014/main" id="{ED772940-6A60-4E55-A11A-675405DD459E}"/>
-              </a:ext>
-            </a:extLst>
-          </p:cNvPr>
+              <a:t>After Day </a:t>
+            </a:r>
+            <a:r>
+              <a:rPr lang="en-US" dirty="0" smtClean="0"/>
+              <a:t>3 </a:t>
+            </a:r>
+            <a:r>
+              <a:rPr lang="en-US" dirty="0"/>
+              <a:t>of 13</a:t>
+            </a:r>
+          </a:p>
+        </p:txBody>
+      </p:sp>
+      <p:sp>
+        <p:nvSpPr>
+          <p:cNvPr id="16" name="TextBox 15"/>
           <p:cNvSpPr txBox="1"/>
           <p:nvPr/>
         </p:nvSpPr>
         <p:spPr>
           <a:xfrm>
-            <a:off x="3838696" y="1056832"/>
+            <a:off x="4184694" y="1065121"/>
             <a:ext cx="5712369" cy="1754326"/>
           </a:xfrm>
           <a:prstGeom prst="rect">
@@ -8141,13 +7986,7 @@
           <a:p>
             <a:r>
               <a:rPr lang="en-US" sz="5400" dirty="0"/>
-              <a:t>Virtual </a:t>
-            </a:r>
-          </a:p>
-          <a:p>
-            <a:r>
-              <a:rPr lang="en-US" sz="5400" dirty="0"/>
-              <a:t>Office Hours</a:t>
+              <a:t>OUT-OF-CLASS LECTURES</a:t>
             </a:r>
           </a:p>
         </p:txBody>
@@ -8155,7 +7994,7 @@
     </p:spTree>
     <p:extLst>
       <p:ext uri="{BB962C8B-B14F-4D97-AF65-F5344CB8AC3E}">
-        <p14:creationId xmlns:p14="http://schemas.microsoft.com/office/powerpoint/2010/main" val="1205030995"/>
+        <p14:creationId xmlns:p14="http://schemas.microsoft.com/office/powerpoint/2010/main" val="1114200830"/>
       </p:ext>
     </p:extLst>
   </p:cSld>
@@ -8288,7 +8127,7 @@
             <a:pPr algn="ctr"/>
             <a:r>
               <a:rPr lang="en-US" dirty="0"/>
-              <a:t>March 25, 2020</a:t>
+              <a:t>April 2, 2020</a:t>
             </a:r>
           </a:p>
         </p:txBody>
@@ -8301,8 +8140,8 @@
         </p:nvSpPr>
         <p:spPr>
           <a:xfrm>
-            <a:off x="2023325" y="2848397"/>
-            <a:ext cx="5005769" cy="1200329"/>
+            <a:off x="3133161" y="2743036"/>
+            <a:ext cx="5005769" cy="923330"/>
           </a:xfrm>
           <a:prstGeom prst="rect">
             <a:avLst/>
@@ -8318,26 +8157,22 @@
             <a:pPr algn="ctr"/>
             <a:r>
               <a:rPr lang="en-US" dirty="0"/>
-              <a:t>HW 13 </a:t>
+              <a:t>HW 14 </a:t>
             </a:r>
           </a:p>
           <a:p>
             <a:pPr algn="ctr"/>
             <a:r>
               <a:rPr lang="en-US" b="1" u="sng" dirty="0"/>
-              <a:t>Multiple Comparisons: pairwise &amp; linear contrasts</a:t>
+              <a:t>2-way Factorial ANOVAs</a:t>
             </a:r>
           </a:p>
           <a:p>
             <a:pPr algn="ctr"/>
             <a:r>
               <a:rPr lang="en-US" dirty="0"/>
-              <a:t>Items # 5 &amp; 6</a:t>
-            </a:r>
-          </a:p>
-          <a:p>
-            <a:pPr algn="ctr"/>
-            <a:endParaRPr lang="en-US" b="1" dirty="0"/>
+              <a:t>Items # 2, 3, &amp; 5</a:t>
+            </a:r>
           </a:p>
         </p:txBody>
       </p:sp>
@@ -8476,54 +8311,6 @@
           </a:prstGeom>
         </p:spPr>
       </p:pic>
-      <p:sp>
-        <p:nvSpPr>
-          <p:cNvPr id="13" name="TextBox 12"/>
-          <p:cNvSpPr txBox="1"/>
-          <p:nvPr/>
-        </p:nvSpPr>
-        <p:spPr>
-          <a:xfrm>
-            <a:off x="2023324" y="3965983"/>
-            <a:ext cx="5005769" cy="1200329"/>
-          </a:xfrm>
-          <a:prstGeom prst="rect">
-            <a:avLst/>
-          </a:prstGeom>
-          <a:noFill/>
-        </p:spPr>
-        <p:txBody>
-          <a:bodyPr wrap="square" rtlCol="0">
-            <a:spAutoFit/>
-          </a:bodyPr>
-          <a:lstStyle/>
-          <a:p>
-            <a:pPr algn="ctr"/>
-            <a:r>
-              <a:rPr lang="en-US" dirty="0"/>
-              <a:t>HW 12 </a:t>
-            </a:r>
-          </a:p>
-          <a:p>
-            <a:pPr algn="ctr"/>
-            <a:r>
-              <a:rPr lang="en-US" b="1" u="sng" dirty="0"/>
-              <a:t>One-way, independent groups ANOVA</a:t>
-            </a:r>
-          </a:p>
-          <a:p>
-            <a:pPr algn="ctr"/>
-            <a:r>
-              <a:rPr lang="en-US" dirty="0"/>
-              <a:t>Items with APA methods/results</a:t>
-            </a:r>
-          </a:p>
-          <a:p>
-            <a:pPr algn="ctr"/>
-            <a:endParaRPr lang="en-US" b="1" dirty="0"/>
-          </a:p>
-        </p:txBody>
-      </p:sp>
       <p:pic>
         <p:nvPicPr>
           <p:cNvPr id="5" name="Picture 4"/>
@@ -8548,10 +8335,142 @@
           </a:prstGeom>
         </p:spPr>
       </p:pic>
+      <p:sp>
+        <p:nvSpPr>
+          <p:cNvPr id="6" name="TextBox 5"/>
+          <p:cNvSpPr txBox="1"/>
+          <p:nvPr/>
+        </p:nvSpPr>
+        <p:spPr>
+          <a:xfrm>
+            <a:off x="2163479" y="3316893"/>
+            <a:ext cx="1952216" cy="646331"/>
+          </a:xfrm>
+          <a:prstGeom prst="rect">
+            <a:avLst/>
+          </a:prstGeom>
+          <a:noFill/>
+        </p:spPr>
+        <p:txBody>
+          <a:bodyPr wrap="square" rtlCol="0">
+            <a:spAutoFit/>
+          </a:bodyPr>
+          <a:lstStyle/>
+          <a:p>
+            <a:pPr algn="ctr"/>
+            <a:r>
+              <a:rPr lang="en-US" u="sng" dirty="0"/>
+              <a:t>Factorial ANOVA</a:t>
+            </a:r>
+          </a:p>
+          <a:p>
+            <a:pPr algn="ctr"/>
+            <a:r>
+              <a:rPr lang="en-US" dirty="0"/>
+              <a:t>Omnibus F-tests</a:t>
+            </a:r>
+          </a:p>
+        </p:txBody>
+      </p:sp>
+      <p:sp>
+        <p:nvSpPr>
+          <p:cNvPr id="15" name="TextBox 14"/>
+          <p:cNvSpPr txBox="1"/>
+          <p:nvPr/>
+        </p:nvSpPr>
+        <p:spPr>
+          <a:xfrm>
+            <a:off x="3473229" y="3827424"/>
+            <a:ext cx="2184037" cy="923330"/>
+          </a:xfrm>
+          <a:prstGeom prst="rect">
+            <a:avLst/>
+          </a:prstGeom>
+          <a:noFill/>
+        </p:spPr>
+        <p:txBody>
+          <a:bodyPr wrap="square" rtlCol="0">
+            <a:spAutoFit/>
+          </a:bodyPr>
+          <a:lstStyle/>
+          <a:p>
+            <a:pPr algn="ctr"/>
+            <a:r>
+              <a:rPr lang="en-US" u="sng" dirty="0"/>
+              <a:t>Interactions</a:t>
+            </a:r>
+          </a:p>
+          <a:p>
+            <a:pPr algn="ctr"/>
+            <a:r>
+              <a:rPr lang="en-US" dirty="0"/>
+              <a:t>2-way means plots</a:t>
+            </a:r>
+          </a:p>
+          <a:p>
+            <a:pPr algn="ctr"/>
+            <a:r>
+              <a:rPr lang="en-US" dirty="0"/>
+              <a:t>Interaction contrasts</a:t>
+            </a:r>
+          </a:p>
+        </p:txBody>
+      </p:sp>
+      <p:sp>
+        <p:nvSpPr>
+          <p:cNvPr id="16" name="TextBox 15"/>
+          <p:cNvSpPr txBox="1"/>
+          <p:nvPr/>
+        </p:nvSpPr>
+        <p:spPr>
+          <a:xfrm>
+            <a:off x="4851703" y="4576843"/>
+            <a:ext cx="2667658" cy="1200329"/>
+          </a:xfrm>
+          <a:prstGeom prst="rect">
+            <a:avLst/>
+          </a:prstGeom>
+          <a:noFill/>
+        </p:spPr>
+        <p:txBody>
+          <a:bodyPr wrap="square" rtlCol="0">
+            <a:spAutoFit/>
+          </a:bodyPr>
+          <a:lstStyle/>
+          <a:p>
+            <a:pPr algn="ctr"/>
+            <a:r>
+              <a:rPr lang="en-US" u="sng" dirty="0"/>
+              <a:t>Main Effects</a:t>
+            </a:r>
+          </a:p>
+          <a:p>
+            <a:pPr algn="ctr"/>
+            <a:r>
+              <a:rPr lang="en-US" dirty="0"/>
+              <a:t>1-way means table</a:t>
+            </a:r>
+          </a:p>
+          <a:p>
+            <a:pPr algn="ctr"/>
+            <a:r>
+              <a:rPr lang="en-US" dirty="0"/>
+              <a:t>1-way means plot</a:t>
+            </a:r>
+          </a:p>
+          <a:p>
+            <a:pPr algn="ctr"/>
+            <a:r>
+              <a:rPr lang="en-US" dirty="0"/>
+              <a:t>Pairwise post hoc t-tests</a:t>
+            </a:r>
+          </a:p>
+        </p:txBody>
+      </p:sp>
     </p:spTree>
     <p:extLst>
       <p:ext uri="{BB962C8B-B14F-4D97-AF65-F5344CB8AC3E}">
-        <p14:creationId xmlns:p14="http://schemas.microsoft.com/office/powerpoint/2010/main" val="636154248"/>
+        <p14:creationId xmlns:p14="http://schemas.microsoft.com/office/powerpoint/2010/main" val="3811887098"/>
       </p:ext>
     </p:extLst>
   </p:cSld>
@@ -8632,7 +8551,7 @@
         </p:nvSpPr>
         <p:spPr>
           <a:xfrm>
-            <a:off x="4184694" y="1065121"/>
+            <a:off x="4003824" y="1483154"/>
             <a:ext cx="5712369" cy="1754326"/>
           </a:xfrm>
           <a:prstGeom prst="rect">
@@ -8648,7 +8567,13 @@
           <a:p>
             <a:r>
               <a:rPr lang="en-US" sz="5400" dirty="0"/>
-              <a:t>OUT-OF-CLASS LECTURES</a:t>
+              <a:t>HOMEWORK</a:t>
+            </a:r>
+          </a:p>
+          <a:p>
+            <a:r>
+              <a:rPr lang="en-US" sz="5400" dirty="0"/>
+              <a:t>HELP</a:t>
             </a:r>
           </a:p>
         </p:txBody>
@@ -8678,7 +8603,7 @@
             <a:pPr algn="ctr"/>
             <a:r>
               <a:rPr lang="en-US" dirty="0"/>
-              <a:t>March 23, 2020</a:t>
+              <a:t>April. 1, 2020</a:t>
             </a:r>
           </a:p>
         </p:txBody>
@@ -8691,7 +8616,7 @@
         </p:nvSpPr>
         <p:spPr>
           <a:xfrm>
-            <a:off x="2035110" y="3043759"/>
+            <a:off x="2105405" y="3257394"/>
             <a:ext cx="5005769" cy="1477328"/>
           </a:xfrm>
           <a:prstGeom prst="rect">
@@ -8708,52 +8633,33 @@
             <a:pPr algn="ctr"/>
             <a:r>
               <a:rPr lang="en-US" dirty="0"/>
-              <a:t>Chapter 13</a:t>
+              <a:t>Chapter 14</a:t>
             </a:r>
           </a:p>
           <a:p>
             <a:pPr algn="ctr"/>
             <a:r>
               <a:rPr lang="en-US" b="1" u="sng" dirty="0"/>
-              <a:t>Multiple Comparisons Procedures</a:t>
-            </a:r>
-          </a:p>
-          <a:p>
-            <a:pPr algn="ctr"/>
-            <a:r>
-              <a:rPr lang="en-US" i="1" dirty="0"/>
-              <a:t>Lecture slides, part 2 of 2</a:t>
-            </a:r>
-          </a:p>
-          <a:p>
-            <a:pPr algn="ctr"/>
-            <a:r>
-              <a:rPr lang="en-US" i="1" dirty="0"/>
-              <a:t>Includes example in R (</a:t>
-            </a:r>
-            <a:r>
-              <a:rPr lang="en-US" i="1" dirty="0" err="1"/>
-              <a:t>afex</a:t>
-            </a:r>
-            <a:r>
-              <a:rPr lang="en-US" i="1" dirty="0"/>
-              <a:t> &amp; </a:t>
-            </a:r>
-            <a:r>
-              <a:rPr lang="en-US" i="1" dirty="0" err="1"/>
-              <a:t>emmeans</a:t>
-            </a:r>
-            <a:r>
-              <a:rPr lang="en-US" i="1" dirty="0"/>
-              <a:t>)</a:t>
-            </a:r>
-          </a:p>
-          <a:p>
-            <a:pPr algn="ctr"/>
-            <a:r>
-              <a:rPr lang="en-US" i="1" dirty="0"/>
-              <a:t>linear contrast statements: by hand and code</a:t>
-            </a:r>
+              <a:t>2-way Factorial ANOVA</a:t>
+            </a:r>
+          </a:p>
+          <a:p>
+            <a:pPr algn="ctr"/>
+            <a:r>
+              <a:rPr lang="en-US" b="1" dirty="0"/>
+              <a:t>14A #6: MS and F formulas </a:t>
+            </a:r>
+          </a:p>
+          <a:p>
+            <a:pPr algn="ctr"/>
+            <a:r>
+              <a:rPr lang="en-US" b="1" dirty="0"/>
+              <a:t>Based on a means table</a:t>
+            </a:r>
+          </a:p>
+          <a:p>
+            <a:pPr algn="ctr"/>
+            <a:endParaRPr lang="en-US" b="1" dirty="0"/>
           </a:p>
         </p:txBody>
       </p:sp>
@@ -8894,7 +8800,7 @@
       </p:pic>
       <p:grpSp>
         <p:nvGrpSpPr>
-          <p:cNvPr id="5" name="Group 4"/>
+          <p:cNvPr id="13" name="Group 12"/>
           <p:cNvGrpSpPr/>
           <p:nvPr/>
         </p:nvGrpSpPr>
@@ -8908,7 +8814,7 @@
         </p:grpSpPr>
         <p:pic>
           <p:nvPicPr>
-            <p:cNvPr id="1026" name="Picture 2" descr="Image result for virus"/>
+            <p:cNvPr id="15" name="Picture 2" descr="Image result for virus"/>
             <p:cNvPicPr>
               <a:picLocks noChangeAspect="1" noChangeArrowheads="1"/>
             </p:cNvPicPr>
@@ -8949,7 +8855,7 @@
         </p:pic>
         <p:sp>
           <p:nvSpPr>
-            <p:cNvPr id="13" name="TextBox 12"/>
+            <p:cNvPr id="16" name="TextBox 15"/>
             <p:cNvSpPr txBox="1"/>
             <p:nvPr/>
           </p:nvSpPr>
@@ -8987,7 +8893,7 @@
     </p:spTree>
     <p:extLst>
       <p:ext uri="{BB962C8B-B14F-4D97-AF65-F5344CB8AC3E}">
-        <p14:creationId xmlns:p14="http://schemas.microsoft.com/office/powerpoint/2010/main" val="3788962138"/>
+        <p14:creationId xmlns:p14="http://schemas.microsoft.com/office/powerpoint/2010/main" val="969755914"/>
       </p:ext>
     </p:extLst>
   </p:cSld>
@@ -9114,7 +9020,7 @@
             <a:pPr algn="ctr"/>
             <a:r>
               <a:rPr lang="en-US" dirty="0"/>
-              <a:t>March 23, 2020</a:t>
+              <a:t>March 31, 2020</a:t>
             </a:r>
           </a:p>
         </p:txBody>
@@ -9144,28 +9050,28 @@
             <a:pPr algn="ctr"/>
             <a:r>
               <a:rPr lang="en-US" dirty="0"/>
-              <a:t>Chapter 13</a:t>
+              <a:t>Chapter 14</a:t>
             </a:r>
           </a:p>
           <a:p>
             <a:pPr algn="ctr"/>
             <a:r>
               <a:rPr lang="en-US" b="1" u="sng" dirty="0"/>
-              <a:t>Multiple Comparisons Procedures</a:t>
+              <a:t>2-way Factorial ANOVA</a:t>
             </a:r>
           </a:p>
           <a:p>
             <a:pPr algn="ctr"/>
             <a:r>
               <a:rPr lang="en-US" i="1" dirty="0"/>
-              <a:t>Lecture slides </a:t>
+              <a:t>Sleep x Stimulant Example Walk-through </a:t>
             </a:r>
           </a:p>
           <a:p>
             <a:pPr algn="ctr"/>
             <a:r>
               <a:rPr lang="en-US" i="1" dirty="0"/>
-              <a:t>(excludes linear contrast statements)</a:t>
+              <a:t>Barry Cohen’s Textbook Example </a:t>
             </a:r>
           </a:p>
         </p:txBody>
@@ -9305,87 +9211,102 @@
           </a:prstGeom>
         </p:spPr>
       </p:pic>
-      <p:pic>
-        <p:nvPicPr>
-          <p:cNvPr id="1026" name="Picture 2" descr="Image result for virus"/>
-          <p:cNvPicPr>
-            <a:picLocks noChangeAspect="1" noChangeArrowheads="1"/>
-          </p:cNvPicPr>
-          <p:nvPr/>
-        </p:nvPicPr>
-        <p:blipFill>
-          <a:blip r:embed="rId6" cstate="print">
+      <p:grpSp>
+        <p:nvGrpSpPr>
+          <p:cNvPr id="5" name="Group 4"/>
+          <p:cNvGrpSpPr/>
+          <p:nvPr/>
+        </p:nvGrpSpPr>
+        <p:grpSpPr>
+          <a:xfrm>
+            <a:off x="1908176" y="4866721"/>
+            <a:ext cx="1855222" cy="824421"/>
+            <a:chOff x="1908176" y="4866721"/>
+            <a:chExt cx="1855222" cy="824421"/>
+          </a:xfrm>
+        </p:grpSpPr>
+        <p:pic>
+          <p:nvPicPr>
+            <p:cNvPr id="1026" name="Picture 2" descr="Image result for virus"/>
+            <p:cNvPicPr>
+              <a:picLocks noChangeAspect="1" noChangeArrowheads="1"/>
+            </p:cNvPicPr>
+            <p:nvPr/>
+          </p:nvPicPr>
+          <p:blipFill>
+            <a:blip r:embed="rId6" cstate="print">
+              <a:extLst>
+                <a:ext uri="{28A0092B-C50C-407E-A947-70E740481C1C}">
+                  <a14:useLocalDpi xmlns:a14="http://schemas.microsoft.com/office/drawing/2010/main" val="0"/>
+                </a:ext>
+              </a:extLst>
+            </a:blip>
+            <a:srcRect/>
+            <a:stretch>
+              <a:fillRect/>
+            </a:stretch>
+          </p:blipFill>
+          <p:spPr bwMode="auto">
+            <a:xfrm>
+              <a:off x="1908176" y="4866721"/>
+              <a:ext cx="825034" cy="824421"/>
+            </a:xfrm>
+            <a:prstGeom prst="rect">
+              <a:avLst/>
+            </a:prstGeom>
+            <a:noFill/>
             <a:extLst>
-              <a:ext uri="{28A0092B-C50C-407E-A947-70E740481C1C}">
-                <a14:useLocalDpi xmlns:a14="http://schemas.microsoft.com/office/drawing/2010/main" val="0"/>
+              <a:ext uri="{909E8E84-426E-40DD-AFC4-6F175D3DCCD1}">
+                <a14:hiddenFill xmlns:a14="http://schemas.microsoft.com/office/drawing/2010/main">
+                  <a:solidFill>
+                    <a:srgbClr val="FFFFFF"/>
+                  </a:solidFill>
+                </a14:hiddenFill>
               </a:ext>
             </a:extLst>
-          </a:blip>
-          <a:srcRect/>
-          <a:stretch>
-            <a:fillRect/>
-          </a:stretch>
-        </p:blipFill>
-        <p:spPr bwMode="auto">
-          <a:xfrm>
-            <a:off x="1908176" y="4866721"/>
-            <a:ext cx="825034" cy="824421"/>
-          </a:xfrm>
-          <a:prstGeom prst="rect">
-            <a:avLst/>
-          </a:prstGeom>
-          <a:noFill/>
-          <a:extLst>
-            <a:ext uri="{909E8E84-426E-40DD-AFC4-6F175D3DCCD1}">
-              <a14:hiddenFill xmlns:a14="http://schemas.microsoft.com/office/drawing/2010/main">
-                <a:solidFill>
-                  <a:srgbClr val="FFFFFF"/>
-                </a:solidFill>
-              </a14:hiddenFill>
-            </a:ext>
-          </a:extLst>
-        </p:spPr>
-      </p:pic>
-      <p:sp>
-        <p:nvSpPr>
-          <p:cNvPr id="13" name="TextBox 12"/>
-          <p:cNvSpPr txBox="1"/>
-          <p:nvPr/>
-        </p:nvSpPr>
-        <p:spPr>
-          <a:xfrm>
-            <a:off x="2524444" y="5254195"/>
-            <a:ext cx="1238954" cy="369332"/>
-          </a:xfrm>
-          <a:prstGeom prst="rect">
-            <a:avLst/>
-          </a:prstGeom>
-          <a:noFill/>
-        </p:spPr>
-        <p:txBody>
-          <a:bodyPr wrap="square" rtlCol="0">
-            <a:spAutoFit/>
-          </a:bodyPr>
-          <a:lstStyle/>
-          <a:p>
-            <a:pPr algn="ctr"/>
-            <a:r>
-              <a:rPr lang="en-US" b="1" dirty="0">
-                <a:solidFill>
-                  <a:schemeClr val="accent1">
-                    <a:lumMod val="75000"/>
-                  </a:schemeClr>
-                </a:solidFill>
-              </a:rPr>
-              <a:t>Covid-19</a:t>
-            </a:r>
-          </a:p>
-        </p:txBody>
-      </p:sp>
+          </p:spPr>
+        </p:pic>
+        <p:sp>
+          <p:nvSpPr>
+            <p:cNvPr id="13" name="TextBox 12"/>
+            <p:cNvSpPr txBox="1"/>
+            <p:nvPr/>
+          </p:nvSpPr>
+          <p:spPr>
+            <a:xfrm>
+              <a:off x="2524444" y="5254195"/>
+              <a:ext cx="1238954" cy="369332"/>
+            </a:xfrm>
+            <a:prstGeom prst="rect">
+              <a:avLst/>
+            </a:prstGeom>
+            <a:noFill/>
+          </p:spPr>
+          <p:txBody>
+            <a:bodyPr wrap="square" rtlCol="0">
+              <a:spAutoFit/>
+            </a:bodyPr>
+            <a:lstStyle/>
+            <a:p>
+              <a:pPr algn="ctr"/>
+              <a:r>
+                <a:rPr lang="en-US" b="1" dirty="0">
+                  <a:solidFill>
+                    <a:schemeClr val="accent1">
+                      <a:lumMod val="75000"/>
+                    </a:schemeClr>
+                  </a:solidFill>
+                </a:rPr>
+                <a:t>Covid-19</a:t>
+              </a:r>
+            </a:p>
+          </p:txBody>
+        </p:sp>
+      </p:grpSp>
     </p:spTree>
     <p:extLst>
       <p:ext uri="{BB962C8B-B14F-4D97-AF65-F5344CB8AC3E}">
-        <p14:creationId xmlns:p14="http://schemas.microsoft.com/office/powerpoint/2010/main" val="911328323"/>
+        <p14:creationId xmlns:p14="http://schemas.microsoft.com/office/powerpoint/2010/main" val="3068570685"/>
       </p:ext>
     </p:extLst>
   </p:cSld>
@@ -9466,7 +9387,7 @@
         </p:nvSpPr>
         <p:spPr>
           <a:xfrm>
-            <a:off x="4003824" y="1483154"/>
+            <a:off x="4184694" y="1065121"/>
             <a:ext cx="5712369" cy="1754326"/>
           </a:xfrm>
           <a:prstGeom prst="rect">
@@ -9482,13 +9403,7 @@
           <a:p>
             <a:r>
               <a:rPr lang="en-US" sz="5400" dirty="0"/>
-              <a:t>HOMEWORK</a:t>
-            </a:r>
-          </a:p>
-          <a:p>
-            <a:r>
-              <a:rPr lang="en-US" sz="5400" dirty="0"/>
-              <a:t>HELP</a:t>
+              <a:t>OUT-OF-CLASS LECTURES</a:t>
             </a:r>
           </a:p>
         </p:txBody>
@@ -9518,7 +9433,7 @@
             <a:pPr algn="ctr"/>
             <a:r>
               <a:rPr lang="en-US" dirty="0"/>
-              <a:t>Jan. 24, 2020</a:t>
+              <a:t>March 31, 2020</a:t>
             </a:r>
           </a:p>
         </p:txBody>
@@ -9531,7 +9446,7 @@
         </p:nvSpPr>
         <p:spPr>
           <a:xfrm>
-            <a:off x="2000886" y="3743671"/>
+            <a:off x="2035110" y="3043759"/>
             <a:ext cx="5005769" cy="1200329"/>
           </a:xfrm>
           <a:prstGeom prst="rect">
@@ -9548,34 +9463,29 @@
             <a:pPr algn="ctr"/>
             <a:r>
               <a:rPr lang="en-US" dirty="0"/>
-              <a:t>Chapter 4</a:t>
+              <a:t>Chapter 14</a:t>
             </a:r>
           </a:p>
           <a:p>
             <a:pPr algn="ctr"/>
             <a:r>
               <a:rPr lang="en-US" b="1" u="sng" dirty="0"/>
-              <a:t>Standardized Scores &amp; the Normal Distribution</a:t>
-            </a:r>
-          </a:p>
-          <a:p>
-            <a:pPr algn="ctr"/>
-            <a:r>
-              <a:rPr lang="en-US" b="1" dirty="0"/>
-              <a:t>4B #6: IQ (mu = 100, </a:t>
-            </a:r>
-            <a:r>
-              <a:rPr lang="en-US" b="1" dirty="0" err="1"/>
-              <a:t>sd</a:t>
-            </a:r>
-            <a:r>
-              <a:rPr lang="en-US" b="1" dirty="0"/>
-              <a:t>=15) -&gt; sample w/M = 108</a:t>
-            </a:r>
-          </a:p>
-          <a:p>
-            <a:pPr algn="ctr"/>
-            <a:endParaRPr lang="en-US" b="1" dirty="0"/>
+              <a:t>2-way Factorial ANOVA</a:t>
+            </a:r>
+          </a:p>
+          <a:p>
+            <a:pPr algn="ctr"/>
+            <a:r>
+              <a:rPr lang="en-US" i="1" dirty="0"/>
+              <a:t>Lecture slides </a:t>
+            </a:r>
+          </a:p>
+          <a:p>
+            <a:pPr algn="ctr"/>
+            <a:r>
+              <a:rPr lang="en-US" i="1" dirty="0"/>
+              <a:t>(example in separate video)</a:t>
+            </a:r>
           </a:p>
         </p:txBody>
       </p:sp>
@@ -9714,10 +9624,87 @@
           </a:prstGeom>
         </p:spPr>
       </p:pic>
+      <p:pic>
+        <p:nvPicPr>
+          <p:cNvPr id="1026" name="Picture 2" descr="Image result for virus"/>
+          <p:cNvPicPr>
+            <a:picLocks noChangeAspect="1" noChangeArrowheads="1"/>
+          </p:cNvPicPr>
+          <p:nvPr/>
+        </p:nvPicPr>
+        <p:blipFill>
+          <a:blip r:embed="rId6" cstate="print">
+            <a:extLst>
+              <a:ext uri="{28A0092B-C50C-407E-A947-70E740481C1C}">
+                <a14:useLocalDpi xmlns:a14="http://schemas.microsoft.com/office/drawing/2010/main" val="0"/>
+              </a:ext>
+            </a:extLst>
+          </a:blip>
+          <a:srcRect/>
+          <a:stretch>
+            <a:fillRect/>
+          </a:stretch>
+        </p:blipFill>
+        <p:spPr bwMode="auto">
+          <a:xfrm>
+            <a:off x="1908176" y="4866721"/>
+            <a:ext cx="825034" cy="824421"/>
+          </a:xfrm>
+          <a:prstGeom prst="rect">
+            <a:avLst/>
+          </a:prstGeom>
+          <a:noFill/>
+          <a:extLst>
+            <a:ext uri="{909E8E84-426E-40DD-AFC4-6F175D3DCCD1}">
+              <a14:hiddenFill xmlns:a14="http://schemas.microsoft.com/office/drawing/2010/main">
+                <a:solidFill>
+                  <a:srgbClr val="FFFFFF"/>
+                </a:solidFill>
+              </a14:hiddenFill>
+            </a:ext>
+          </a:extLst>
+        </p:spPr>
+      </p:pic>
+      <p:sp>
+        <p:nvSpPr>
+          <p:cNvPr id="13" name="TextBox 12"/>
+          <p:cNvSpPr txBox="1"/>
+          <p:nvPr/>
+        </p:nvSpPr>
+        <p:spPr>
+          <a:xfrm>
+            <a:off x="2524444" y="5254195"/>
+            <a:ext cx="1238954" cy="369332"/>
+          </a:xfrm>
+          <a:prstGeom prst="rect">
+            <a:avLst/>
+          </a:prstGeom>
+          <a:noFill/>
+        </p:spPr>
+        <p:txBody>
+          <a:bodyPr wrap="square" rtlCol="0">
+            <a:spAutoFit/>
+          </a:bodyPr>
+          <a:lstStyle/>
+          <a:p>
+            <a:pPr algn="ctr"/>
+            <a:r>
+              <a:rPr lang="en-US" b="1" dirty="0">
+                <a:solidFill>
+                  <a:schemeClr val="accent1">
+                    <a:lumMod val="75000"/>
+                  </a:schemeClr>
+                </a:solidFill>
+              </a:rPr>
+              <a:t>Covid-19</a:t>
+            </a:r>
+          </a:p>
+        </p:txBody>
+      </p:sp>
     </p:spTree>
     <p:extLst>
       <p:ext uri="{BB962C8B-B14F-4D97-AF65-F5344CB8AC3E}">
-        <p14:creationId xmlns:p14="http://schemas.microsoft.com/office/powerpoint/2010/main" val="3542266102"/>
+        <p14:creationId xmlns:p14="http://schemas.microsoft.com/office/powerpoint/2010/main" val="1235567156"/>
       </p:ext>
     </p:extLst>
   </p:cSld>
@@ -9752,7 +9739,7 @@
         </p:nvSpPr>
         <p:spPr>
           <a:xfrm>
-            <a:off x="1808702" y="824230"/>
+            <a:off x="1853580" y="824230"/>
             <a:ext cx="8778240" cy="5010912"/>
           </a:xfrm>
           <a:prstGeom prst="rect">
@@ -9798,7 +9785,7 @@
         </p:nvSpPr>
         <p:spPr>
           <a:xfrm>
-            <a:off x="4003824" y="1483154"/>
+            <a:off x="3838696" y="1056832"/>
             <a:ext cx="5712369" cy="1754326"/>
           </a:xfrm>
           <a:prstGeom prst="rect">
@@ -9814,7 +9801,13 @@
           <a:p>
             <a:r>
               <a:rPr lang="en-US" sz="5400" dirty="0"/>
-              <a:t>OUT-OF-CLASS LECTURES</a:t>
+              <a:t>Virtual </a:t>
+            </a:r>
+          </a:p>
+          <a:p>
+            <a:r>
+              <a:rPr lang="en-US" sz="5400" dirty="0"/>
+              <a:t>Office Hours</a:t>
             </a:r>
           </a:p>
         </p:txBody>
@@ -9844,7 +9837,7 @@
             <a:pPr algn="ctr"/>
             <a:r>
               <a:rPr lang="en-US" dirty="0"/>
-              <a:t>Jan. 24, 2020</a:t>
+              <a:t>March 25, 2020</a:t>
             </a:r>
           </a:p>
         </p:txBody>
@@ -9857,8 +9850,8 @@
         </p:nvSpPr>
         <p:spPr>
           <a:xfrm>
-            <a:off x="2000886" y="3743671"/>
-            <a:ext cx="5005769" cy="923330"/>
+            <a:off x="2023325" y="2848397"/>
+            <a:ext cx="5005769" cy="1200329"/>
           </a:xfrm>
           <a:prstGeom prst="rect">
             <a:avLst/>
@@ -9874,22 +9867,26 @@
             <a:pPr algn="ctr"/>
             <a:r>
               <a:rPr lang="en-US" dirty="0"/>
-              <a:t>Chapter 4</a:t>
+              <a:t>HW 13 </a:t>
             </a:r>
           </a:p>
           <a:p>
             <a:pPr algn="ctr"/>
             <a:r>
               <a:rPr lang="en-US" b="1" u="sng" dirty="0"/>
-              <a:t>Standardized Scores &amp; the Normal Distribution</a:t>
-            </a:r>
-          </a:p>
-          <a:p>
-            <a:pPr algn="ctr"/>
-            <a:r>
-              <a:rPr lang="en-US" i="1" dirty="0"/>
-              <a:t>Lecture Slide Examples Worked</a:t>
-            </a:r>
+              <a:t>Multiple Comparisons: pairwise &amp; linear contrasts</a:t>
+            </a:r>
+          </a:p>
+          <a:p>
+            <a:pPr algn="ctr"/>
+            <a:r>
+              <a:rPr lang="en-US" dirty="0"/>
+              <a:t>Items # 5 &amp; 6</a:t>
+            </a:r>
+          </a:p>
+          <a:p>
+            <a:pPr algn="ctr"/>
+            <a:endParaRPr lang="en-US" b="1" dirty="0"/>
           </a:p>
         </p:txBody>
       </p:sp>
@@ -10028,10 +10025,82 @@
           </a:prstGeom>
         </p:spPr>
       </p:pic>
+      <p:sp>
+        <p:nvSpPr>
+          <p:cNvPr id="13" name="TextBox 12"/>
+          <p:cNvSpPr txBox="1"/>
+          <p:nvPr/>
+        </p:nvSpPr>
+        <p:spPr>
+          <a:xfrm>
+            <a:off x="2023324" y="3965983"/>
+            <a:ext cx="5005769" cy="1200329"/>
+          </a:xfrm>
+          <a:prstGeom prst="rect">
+            <a:avLst/>
+          </a:prstGeom>
+          <a:noFill/>
+        </p:spPr>
+        <p:txBody>
+          <a:bodyPr wrap="square" rtlCol="0">
+            <a:spAutoFit/>
+          </a:bodyPr>
+          <a:lstStyle/>
+          <a:p>
+            <a:pPr algn="ctr"/>
+            <a:r>
+              <a:rPr lang="en-US" dirty="0"/>
+              <a:t>HW 12 </a:t>
+            </a:r>
+          </a:p>
+          <a:p>
+            <a:pPr algn="ctr"/>
+            <a:r>
+              <a:rPr lang="en-US" b="1" u="sng" dirty="0"/>
+              <a:t>One-way, independent groups ANOVA</a:t>
+            </a:r>
+          </a:p>
+          <a:p>
+            <a:pPr algn="ctr"/>
+            <a:r>
+              <a:rPr lang="en-US" dirty="0"/>
+              <a:t>Items with APA methods/results</a:t>
+            </a:r>
+          </a:p>
+          <a:p>
+            <a:pPr algn="ctr"/>
+            <a:endParaRPr lang="en-US" b="1" dirty="0"/>
+          </a:p>
+        </p:txBody>
+      </p:sp>
+      <p:pic>
+        <p:nvPicPr>
+          <p:cNvPr id="5" name="Picture 4"/>
+          <p:cNvPicPr>
+            <a:picLocks noChangeAspect="1"/>
+          </p:cNvPicPr>
+          <p:nvPr/>
+        </p:nvPicPr>
+        <p:blipFill>
+          <a:blip r:embed="rId6"/>
+          <a:stretch>
+            <a:fillRect/>
+          </a:stretch>
+        </p:blipFill>
+        <p:spPr>
+          <a:xfrm>
+            <a:off x="1985351" y="4872564"/>
+            <a:ext cx="1853345" cy="853514"/>
+          </a:xfrm>
+          <a:prstGeom prst="rect">
+            <a:avLst/>
+          </a:prstGeom>
+        </p:spPr>
+      </p:pic>
     </p:spTree>
     <p:extLst>
       <p:ext uri="{BB962C8B-B14F-4D97-AF65-F5344CB8AC3E}">
-        <p14:creationId xmlns:p14="http://schemas.microsoft.com/office/powerpoint/2010/main" val="267042058"/>
+        <p14:creationId xmlns:p14="http://schemas.microsoft.com/office/powerpoint/2010/main" val="636154248"/>
       </p:ext>
     </p:extLst>
   </p:cSld>
@@ -10158,7 +10227,7 @@
             <a:pPr algn="ctr"/>
             <a:r>
               <a:rPr lang="en-US" dirty="0"/>
-              <a:t>Jan. 24, 2020</a:t>
+              <a:t>March 23, 2020</a:t>
             </a:r>
           </a:p>
         </p:txBody>
@@ -10172,7 +10241,7 @@
         <p:spPr>
           <a:xfrm>
             <a:off x="2035110" y="3043759"/>
-            <a:ext cx="5005769" cy="1200329"/>
+            <a:ext cx="5005769" cy="1477328"/>
           </a:xfrm>
           <a:prstGeom prst="rect">
             <a:avLst/>
@@ -10188,28 +10257,51 @@
             <a:pPr algn="ctr"/>
             <a:r>
               <a:rPr lang="en-US" dirty="0"/>
-              <a:t>Chapter 4</a:t>
+              <a:t>Chapter 13</a:t>
             </a:r>
           </a:p>
           <a:p>
             <a:pPr algn="ctr"/>
             <a:r>
               <a:rPr lang="en-US" b="1" u="sng" dirty="0"/>
-              <a:t>Standardized Scores &amp; the Normal Distribution</a:t>
+              <a:t>Multiple Comparisons Procedures</a:t>
             </a:r>
           </a:p>
           <a:p>
             <a:pPr algn="ctr"/>
             <a:r>
               <a:rPr lang="en-US" i="1" dirty="0"/>
-              <a:t>Lecture slides 25-43</a:t>
+              <a:t>Lecture slides, part 2 of 2</a:t>
             </a:r>
           </a:p>
           <a:p>
             <a:pPr algn="ctr"/>
             <a:r>
               <a:rPr lang="en-US" i="1" dirty="0"/>
-              <a:t>(Second half)</a:t>
+              <a:t>Includes example in R (</a:t>
+            </a:r>
+            <a:r>
+              <a:rPr lang="en-US" i="1" dirty="0" err="1"/>
+              <a:t>afex</a:t>
+            </a:r>
+            <a:r>
+              <a:rPr lang="en-US" i="1" dirty="0"/>
+              <a:t> &amp; </a:t>
+            </a:r>
+            <a:r>
+              <a:rPr lang="en-US" i="1" dirty="0" err="1"/>
+              <a:t>emmeans</a:t>
+            </a:r>
+            <a:r>
+              <a:rPr lang="en-US" i="1" dirty="0"/>
+              <a:t>)</a:t>
+            </a:r>
+          </a:p>
+          <a:p>
+            <a:pPr algn="ctr"/>
+            <a:r>
+              <a:rPr lang="en-US" i="1" dirty="0"/>
+              <a:t>linear contrast statements: by hand and code</a:t>
             </a:r>
           </a:p>
         </p:txBody>
@@ -10349,10 +10441,102 @@
           </a:prstGeom>
         </p:spPr>
       </p:pic>
+      <p:grpSp>
+        <p:nvGrpSpPr>
+          <p:cNvPr id="5" name="Group 4"/>
+          <p:cNvGrpSpPr/>
+          <p:nvPr/>
+        </p:nvGrpSpPr>
+        <p:grpSpPr>
+          <a:xfrm>
+            <a:off x="1908176" y="4866721"/>
+            <a:ext cx="1855222" cy="824421"/>
+            <a:chOff x="1908176" y="4866721"/>
+            <a:chExt cx="1855222" cy="824421"/>
+          </a:xfrm>
+        </p:grpSpPr>
+        <p:pic>
+          <p:nvPicPr>
+            <p:cNvPr id="1026" name="Picture 2" descr="Image result for virus"/>
+            <p:cNvPicPr>
+              <a:picLocks noChangeAspect="1" noChangeArrowheads="1"/>
+            </p:cNvPicPr>
+            <p:nvPr/>
+          </p:nvPicPr>
+          <p:blipFill>
+            <a:blip r:embed="rId6" cstate="print">
+              <a:extLst>
+                <a:ext uri="{28A0092B-C50C-407E-A947-70E740481C1C}">
+                  <a14:useLocalDpi xmlns:a14="http://schemas.microsoft.com/office/drawing/2010/main" val="0"/>
+                </a:ext>
+              </a:extLst>
+            </a:blip>
+            <a:srcRect/>
+            <a:stretch>
+              <a:fillRect/>
+            </a:stretch>
+          </p:blipFill>
+          <p:spPr bwMode="auto">
+            <a:xfrm>
+              <a:off x="1908176" y="4866721"/>
+              <a:ext cx="825034" cy="824421"/>
+            </a:xfrm>
+            <a:prstGeom prst="rect">
+              <a:avLst/>
+            </a:prstGeom>
+            <a:noFill/>
+            <a:extLst>
+              <a:ext uri="{909E8E84-426E-40DD-AFC4-6F175D3DCCD1}">
+                <a14:hiddenFill xmlns:a14="http://schemas.microsoft.com/office/drawing/2010/main">
+                  <a:solidFill>
+                    <a:srgbClr val="FFFFFF"/>
+                  </a:solidFill>
+                </a14:hiddenFill>
+              </a:ext>
+            </a:extLst>
+          </p:spPr>
+        </p:pic>
+        <p:sp>
+          <p:nvSpPr>
+            <p:cNvPr id="13" name="TextBox 12"/>
+            <p:cNvSpPr txBox="1"/>
+            <p:nvPr/>
+          </p:nvSpPr>
+          <p:spPr>
+            <a:xfrm>
+              <a:off x="2524444" y="5254195"/>
+              <a:ext cx="1238954" cy="369332"/>
+            </a:xfrm>
+            <a:prstGeom prst="rect">
+              <a:avLst/>
+            </a:prstGeom>
+            <a:noFill/>
+          </p:spPr>
+          <p:txBody>
+            <a:bodyPr wrap="square" rtlCol="0">
+              <a:spAutoFit/>
+            </a:bodyPr>
+            <a:lstStyle/>
+            <a:p>
+              <a:pPr algn="ctr"/>
+              <a:r>
+                <a:rPr lang="en-US" b="1" dirty="0">
+                  <a:solidFill>
+                    <a:schemeClr val="accent1">
+                      <a:lumMod val="75000"/>
+                    </a:schemeClr>
+                  </a:solidFill>
+                </a:rPr>
+                <a:t>Covid-19</a:t>
+              </a:r>
+            </a:p>
+          </p:txBody>
+        </p:sp>
+      </p:grpSp>
     </p:spTree>
     <p:extLst>
       <p:ext uri="{BB962C8B-B14F-4D97-AF65-F5344CB8AC3E}">
-        <p14:creationId xmlns:p14="http://schemas.microsoft.com/office/powerpoint/2010/main" val="1429724622"/>
+        <p14:creationId xmlns:p14="http://schemas.microsoft.com/office/powerpoint/2010/main" val="3788962138"/>
       </p:ext>
     </p:extLst>
   </p:cSld>
@@ -10433,8 +10617,8 @@
         </p:nvSpPr>
         <p:spPr>
           <a:xfrm>
-            <a:off x="3840385" y="1213849"/>
-            <a:ext cx="5712369" cy="923330"/>
+            <a:off x="4184694" y="1065121"/>
+            <a:ext cx="5712369" cy="1754326"/>
           </a:xfrm>
           <a:prstGeom prst="rect">
             <a:avLst/>
@@ -10449,7 +10633,7 @@
           <a:p>
             <a:r>
               <a:rPr lang="en-US" sz="5400" dirty="0"/>
-              <a:t>INCLASS LECTURES</a:t>
+              <a:t>OUT-OF-CLASS LECTURES</a:t>
             </a:r>
           </a:p>
         </p:txBody>
@@ -10479,7 +10663,7 @@
             <a:pPr algn="ctr"/>
             <a:r>
               <a:rPr lang="en-US" dirty="0"/>
-              <a:t>March 11, 2020</a:t>
+              <a:t>March 23, 2020</a:t>
             </a:r>
           </a:p>
         </p:txBody>
@@ -10492,7 +10676,7 @@
         </p:nvSpPr>
         <p:spPr>
           <a:xfrm>
-            <a:off x="2175358" y="3486436"/>
+            <a:off x="2035110" y="3043759"/>
             <a:ext cx="5005769" cy="1200329"/>
           </a:xfrm>
           <a:prstGeom prst="rect">
@@ -10509,29 +10693,28 @@
             <a:pPr algn="ctr"/>
             <a:r>
               <a:rPr lang="en-US" dirty="0"/>
-              <a:t>Chapter 12</a:t>
+              <a:t>Chapter 13</a:t>
             </a:r>
           </a:p>
           <a:p>
             <a:pPr algn="ctr"/>
             <a:r>
               <a:rPr lang="en-US" b="1" u="sng" dirty="0"/>
-              <a:t>One-way Independent Groups ANOVA</a:t>
-            </a:r>
-            <a:endParaRPr lang="en-US" dirty="0"/>
+              <a:t>Multiple Comparisons Procedures</a:t>
+            </a:r>
           </a:p>
           <a:p>
             <a:pPr algn="ctr"/>
             <a:r>
               <a:rPr lang="en-US" i="1" dirty="0"/>
-              <a:t>Second half, chapter slides</a:t>
+              <a:t>Lecture slides </a:t>
             </a:r>
           </a:p>
           <a:p>
             <a:pPr algn="ctr"/>
             <a:r>
               <a:rPr lang="en-US" i="1" dirty="0"/>
-              <a:t>Mostly Examples, Using R, and HW Help</a:t>
+              <a:t>(excludes linear contrast statements)</a:t>
             </a:r>
           </a:p>
         </p:txBody>
@@ -10671,10 +10854,87 @@
           </a:prstGeom>
         </p:spPr>
       </p:pic>
+      <p:pic>
+        <p:nvPicPr>
+          <p:cNvPr id="1026" name="Picture 2" descr="Image result for virus"/>
+          <p:cNvPicPr>
+            <a:picLocks noChangeAspect="1" noChangeArrowheads="1"/>
+          </p:cNvPicPr>
+          <p:nvPr/>
+        </p:nvPicPr>
+        <p:blipFill>
+          <a:blip r:embed="rId6" cstate="print">
+            <a:extLst>
+              <a:ext uri="{28A0092B-C50C-407E-A947-70E740481C1C}">
+                <a14:useLocalDpi xmlns:a14="http://schemas.microsoft.com/office/drawing/2010/main" val="0"/>
+              </a:ext>
+            </a:extLst>
+          </a:blip>
+          <a:srcRect/>
+          <a:stretch>
+            <a:fillRect/>
+          </a:stretch>
+        </p:blipFill>
+        <p:spPr bwMode="auto">
+          <a:xfrm>
+            <a:off x="1908176" y="4866721"/>
+            <a:ext cx="825034" cy="824421"/>
+          </a:xfrm>
+          <a:prstGeom prst="rect">
+            <a:avLst/>
+          </a:prstGeom>
+          <a:noFill/>
+          <a:extLst>
+            <a:ext uri="{909E8E84-426E-40DD-AFC4-6F175D3DCCD1}">
+              <a14:hiddenFill xmlns:a14="http://schemas.microsoft.com/office/drawing/2010/main">
+                <a:solidFill>
+                  <a:srgbClr val="FFFFFF"/>
+                </a:solidFill>
+              </a14:hiddenFill>
+            </a:ext>
+          </a:extLst>
+        </p:spPr>
+      </p:pic>
+      <p:sp>
+        <p:nvSpPr>
+          <p:cNvPr id="13" name="TextBox 12"/>
+          <p:cNvSpPr txBox="1"/>
+          <p:nvPr/>
+        </p:nvSpPr>
+        <p:spPr>
+          <a:xfrm>
+            <a:off x="2524444" y="5254195"/>
+            <a:ext cx="1238954" cy="369332"/>
+          </a:xfrm>
+          <a:prstGeom prst="rect">
+            <a:avLst/>
+          </a:prstGeom>
+          <a:noFill/>
+        </p:spPr>
+        <p:txBody>
+          <a:bodyPr wrap="square" rtlCol="0">
+            <a:spAutoFit/>
+          </a:bodyPr>
+          <a:lstStyle/>
+          <a:p>
+            <a:pPr algn="ctr"/>
+            <a:r>
+              <a:rPr lang="en-US" b="1" dirty="0">
+                <a:solidFill>
+                  <a:schemeClr val="accent1">
+                    <a:lumMod val="75000"/>
+                  </a:schemeClr>
+                </a:solidFill>
+              </a:rPr>
+              <a:t>Covid-19</a:t>
+            </a:r>
+          </a:p>
+        </p:txBody>
+      </p:sp>
     </p:spTree>
     <p:extLst>
       <p:ext uri="{BB962C8B-B14F-4D97-AF65-F5344CB8AC3E}">
-        <p14:creationId xmlns:p14="http://schemas.microsoft.com/office/powerpoint/2010/main" val="928580799"/>
+        <p14:creationId xmlns:p14="http://schemas.microsoft.com/office/powerpoint/2010/main" val="911328323"/>
       </p:ext>
     </p:extLst>
   </p:cSld>
@@ -10755,8 +11015,8 @@
         </p:nvSpPr>
         <p:spPr>
           <a:xfrm>
-            <a:off x="3840385" y="1213849"/>
-            <a:ext cx="5712369" cy="923330"/>
+            <a:off x="4003824" y="1483154"/>
+            <a:ext cx="5712369" cy="1754326"/>
           </a:xfrm>
           <a:prstGeom prst="rect">
             <a:avLst/>
@@ -10771,7 +11031,13 @@
           <a:p>
             <a:r>
               <a:rPr lang="en-US" sz="5400" dirty="0"/>
-              <a:t>INCLASS LECTURES</a:t>
+              <a:t>HOMEWORK</a:t>
+            </a:r>
+          </a:p>
+          <a:p>
+            <a:r>
+              <a:rPr lang="en-US" sz="5400" dirty="0"/>
+              <a:t>HELP</a:t>
             </a:r>
           </a:p>
         </p:txBody>
@@ -10801,7 +11067,7 @@
             <a:pPr algn="ctr"/>
             <a:r>
               <a:rPr lang="en-US" dirty="0"/>
-              <a:t>March 9, 2020</a:t>
+              <a:t>Jan. 24, 2020</a:t>
             </a:r>
           </a:p>
         </p:txBody>
@@ -10814,7 +11080,7 @@
         </p:nvSpPr>
         <p:spPr>
           <a:xfrm>
-            <a:off x="2175358" y="3486436"/>
+            <a:off x="2000886" y="3743671"/>
             <a:ext cx="5005769" cy="1200329"/>
           </a:xfrm>
           <a:prstGeom prst="rect">
@@ -10831,30 +11097,34 @@
             <a:pPr algn="ctr"/>
             <a:r>
               <a:rPr lang="en-US" dirty="0"/>
-              <a:t>Chapter 12</a:t>
+              <a:t>Chapter 4</a:t>
             </a:r>
           </a:p>
           <a:p>
             <a:pPr algn="ctr"/>
             <a:r>
               <a:rPr lang="en-US" b="1" u="sng" dirty="0"/>
-              <a:t>One-way Independent Groups ANOVA</a:t>
-            </a:r>
-            <a:endParaRPr lang="en-US" dirty="0"/>
-          </a:p>
-          <a:p>
-            <a:pPr algn="ctr"/>
-            <a:r>
-              <a:rPr lang="en-US" i="1" dirty="0"/>
-              <a:t>First half, chapter slides</a:t>
-            </a:r>
-          </a:p>
-          <a:p>
-            <a:pPr algn="ctr"/>
-            <a:r>
-              <a:rPr lang="en-US" i="1" dirty="0"/>
-              <a:t>Mostly New Material Presentation</a:t>
-            </a:r>
+              <a:t>Standardized Scores &amp; the Normal Distribution</a:t>
+            </a:r>
+          </a:p>
+          <a:p>
+            <a:pPr algn="ctr"/>
+            <a:r>
+              <a:rPr lang="en-US" b="1" dirty="0"/>
+              <a:t>4B #6: IQ (mu = 100, </a:t>
+            </a:r>
+            <a:r>
+              <a:rPr lang="en-US" b="1" dirty="0" err="1"/>
+              <a:t>sd</a:t>
+            </a:r>
+            <a:r>
+              <a:rPr lang="en-US" b="1" dirty="0"/>
+              <a:t>=15) -&gt; sample w/M = 108</a:t>
+            </a:r>
+          </a:p>
+          <a:p>
+            <a:pPr algn="ctr"/>
+            <a:endParaRPr lang="en-US" b="1" dirty="0"/>
           </a:p>
         </p:txBody>
       </p:sp>
@@ -10996,7 +11266,7 @@
     </p:spTree>
     <p:extLst>
       <p:ext uri="{BB962C8B-B14F-4D97-AF65-F5344CB8AC3E}">
-        <p14:creationId xmlns:p14="http://schemas.microsoft.com/office/powerpoint/2010/main" val="2758197068"/>
+        <p14:creationId xmlns:p14="http://schemas.microsoft.com/office/powerpoint/2010/main" val="3542266102"/>
       </p:ext>
     </p:extLst>
   </p:cSld>
@@ -11077,8 +11347,8 @@
         </p:nvSpPr>
         <p:spPr>
           <a:xfrm>
-            <a:off x="3840385" y="1213849"/>
-            <a:ext cx="5712369" cy="923330"/>
+            <a:off x="4003824" y="1483154"/>
+            <a:ext cx="5712369" cy="1754326"/>
           </a:xfrm>
           <a:prstGeom prst="rect">
             <a:avLst/>
@@ -11093,7 +11363,7 @@
           <a:p>
             <a:r>
               <a:rPr lang="en-US" sz="5400" dirty="0"/>
-              <a:t>INCLASS LECTURES</a:t>
+              <a:t>OUT-OF-CLASS LECTURES</a:t>
             </a:r>
           </a:p>
         </p:txBody>
@@ -11123,7 +11393,7 @@
             <a:pPr algn="ctr"/>
             <a:r>
               <a:rPr lang="en-US" dirty="0"/>
-              <a:t>Feb. 19, 2020</a:t>
+              <a:t>Jan. 24, 2020</a:t>
             </a:r>
           </a:p>
         </p:txBody>
@@ -11136,7 +11406,7 @@
         </p:nvSpPr>
         <p:spPr>
           <a:xfrm>
-            <a:off x="2130478" y="2956774"/>
+            <a:off x="2000886" y="3743671"/>
             <a:ext cx="5005769" cy="923330"/>
           </a:xfrm>
           <a:prstGeom prst="rect">
@@ -11153,22 +11423,21 @@
             <a:pPr algn="ctr"/>
             <a:r>
               <a:rPr lang="en-US" dirty="0"/>
-              <a:t>Chapter 9</a:t>
+              <a:t>Chapter 4</a:t>
             </a:r>
           </a:p>
           <a:p>
             <a:pPr algn="ctr"/>
             <a:r>
               <a:rPr lang="en-US" b="1" u="sng" dirty="0"/>
-              <a:t>Correlation</a:t>
-            </a:r>
-            <a:endParaRPr lang="en-US" dirty="0"/>
+              <a:t>Standardized Scores &amp; the Normal Distribution</a:t>
+            </a:r>
           </a:p>
           <a:p>
             <a:pPr algn="ctr"/>
             <a:r>
               <a:rPr lang="en-US" i="1" dirty="0"/>
-              <a:t>Second half, chapter slides</a:t>
+              <a:t>Lecture Slide Examples Worked</a:t>
             </a:r>
           </a:p>
         </p:txBody>
@@ -11308,55 +11577,10 @@
           </a:prstGeom>
         </p:spPr>
       </p:pic>
-      <p:sp>
-        <p:nvSpPr>
-          <p:cNvPr id="15" name="TextBox 14"/>
-          <p:cNvSpPr txBox="1"/>
-          <p:nvPr/>
-        </p:nvSpPr>
-        <p:spPr>
-          <a:xfrm>
-            <a:off x="2107241" y="4130160"/>
-            <a:ext cx="5005769" cy="923330"/>
-          </a:xfrm>
-          <a:prstGeom prst="rect">
-            <a:avLst/>
-          </a:prstGeom>
-          <a:noFill/>
-        </p:spPr>
-        <p:txBody>
-          <a:bodyPr wrap="square" rtlCol="0">
-            <a:spAutoFit/>
-          </a:bodyPr>
-          <a:lstStyle/>
-          <a:p>
-            <a:pPr algn="ctr"/>
-            <a:r>
-              <a:rPr lang="en-US" dirty="0"/>
-              <a:t>Chapter 10</a:t>
-            </a:r>
-          </a:p>
-          <a:p>
-            <a:pPr algn="ctr"/>
-            <a:r>
-              <a:rPr lang="en-US" b="1" u="sng" dirty="0"/>
-              <a:t>Simple Linear Regression</a:t>
-            </a:r>
-            <a:endParaRPr lang="en-US" dirty="0"/>
-          </a:p>
-          <a:p>
-            <a:pPr algn="ctr"/>
-            <a:r>
-              <a:rPr lang="en-US" i="1" dirty="0"/>
-              <a:t>chapter slides (majority)</a:t>
-            </a:r>
-          </a:p>
-        </p:txBody>
-      </p:sp>
     </p:spTree>
     <p:extLst>
       <p:ext uri="{BB962C8B-B14F-4D97-AF65-F5344CB8AC3E}">
-        <p14:creationId xmlns:p14="http://schemas.microsoft.com/office/powerpoint/2010/main" val="2730707931"/>
+        <p14:creationId xmlns:p14="http://schemas.microsoft.com/office/powerpoint/2010/main" val="267042058"/>
       </p:ext>
     </p:extLst>
   </p:cSld>
@@ -11437,8 +11661,8 @@
         </p:nvSpPr>
         <p:spPr>
           <a:xfrm>
-            <a:off x="3840385" y="1213849"/>
-            <a:ext cx="5712369" cy="923330"/>
+            <a:off x="4184694" y="1065121"/>
+            <a:ext cx="5712369" cy="1754326"/>
           </a:xfrm>
           <a:prstGeom prst="rect">
             <a:avLst/>
@@ -11453,7 +11677,7 @@
           <a:p>
             <a:r>
               <a:rPr lang="en-US" sz="5400" dirty="0"/>
-              <a:t>INCLASS LECTURES</a:t>
+              <a:t>OUT-OF-CLASS LECTURES</a:t>
             </a:r>
           </a:p>
         </p:txBody>
@@ -11483,7 +11707,7 @@
             <a:pPr algn="ctr"/>
             <a:r>
               <a:rPr lang="en-US" dirty="0"/>
-              <a:t>Feb. 12, 2020</a:t>
+              <a:t>Jan. 24, 2020</a:t>
             </a:r>
           </a:p>
         </p:txBody>
@@ -11496,8 +11720,8 @@
         </p:nvSpPr>
         <p:spPr>
           <a:xfrm>
-            <a:off x="2175357" y="4235713"/>
-            <a:ext cx="5005769" cy="923330"/>
+            <a:off x="2035110" y="3043759"/>
+            <a:ext cx="5005769" cy="1200329"/>
           </a:xfrm>
           <a:prstGeom prst="rect">
             <a:avLst/>
@@ -11513,22 +11737,28 @@
             <a:pPr algn="ctr"/>
             <a:r>
               <a:rPr lang="en-US" dirty="0"/>
-              <a:t>Chapter 9</a:t>
+              <a:t>Chapter 4</a:t>
             </a:r>
           </a:p>
           <a:p>
             <a:pPr algn="ctr"/>
             <a:r>
               <a:rPr lang="en-US" b="1" u="sng" dirty="0"/>
-              <a:t>Correlation</a:t>
-            </a:r>
-            <a:endParaRPr lang="en-US" dirty="0"/>
+              <a:t>Standardized Scores &amp; the Normal Distribution</a:t>
+            </a:r>
           </a:p>
           <a:p>
             <a:pPr algn="ctr"/>
             <a:r>
               <a:rPr lang="en-US" i="1" dirty="0"/>
-              <a:t>First half, chapter slides</a:t>
+              <a:t>Lecture slides 25-43</a:t>
+            </a:r>
+          </a:p>
+          <a:p>
+            <a:pPr algn="ctr"/>
+            <a:r>
+              <a:rPr lang="en-US" i="1" dirty="0"/>
+              <a:t>(Second half)</a:t>
             </a:r>
           </a:p>
         </p:txBody>
@@ -11668,69 +11898,10 @@
           </a:prstGeom>
         </p:spPr>
       </p:pic>
-      <p:sp>
-        <p:nvSpPr>
-          <p:cNvPr id="13" name="TextBox 12"/>
-          <p:cNvSpPr txBox="1"/>
-          <p:nvPr/>
-        </p:nvSpPr>
-        <p:spPr>
-          <a:xfrm>
-            <a:off x="2175358" y="2646127"/>
-            <a:ext cx="5005769" cy="1477328"/>
-          </a:xfrm>
-          <a:prstGeom prst="rect">
-            <a:avLst/>
-          </a:prstGeom>
-          <a:noFill/>
-        </p:spPr>
-        <p:txBody>
-          <a:bodyPr wrap="square" rtlCol="0">
-            <a:spAutoFit/>
-          </a:bodyPr>
-          <a:lstStyle/>
-          <a:p>
-            <a:pPr algn="ctr"/>
-            <a:r>
-              <a:rPr lang="en-US" dirty="0"/>
-              <a:t>Chapter 8</a:t>
-            </a:r>
-          </a:p>
-          <a:p>
-            <a:pPr algn="ctr"/>
-            <a:r>
-              <a:rPr lang="en-US" b="1" u="sng" dirty="0"/>
-              <a:t>Effect Size &amp; Power Analysis</a:t>
-            </a:r>
-            <a:endParaRPr lang="en-US" dirty="0"/>
-          </a:p>
-          <a:p>
-            <a:pPr algn="ctr"/>
-            <a:r>
-              <a:rPr lang="en-US" i="1" dirty="0"/>
-              <a:t>Chapter slides</a:t>
-            </a:r>
-          </a:p>
-          <a:p>
-            <a:pPr algn="ctr"/>
-            <a:r>
-              <a:rPr lang="en-US" i="1" dirty="0"/>
-              <a:t>Demo G*Power software</a:t>
-            </a:r>
-          </a:p>
-          <a:p>
-            <a:pPr algn="ctr"/>
-            <a:r>
-              <a:rPr lang="en-US" i="1" dirty="0"/>
-              <a:t>Homework Help</a:t>
-            </a:r>
-          </a:p>
-        </p:txBody>
-      </p:sp>
     </p:spTree>
     <p:extLst>
       <p:ext uri="{BB962C8B-B14F-4D97-AF65-F5344CB8AC3E}">
-        <p14:creationId xmlns:p14="http://schemas.microsoft.com/office/powerpoint/2010/main" val="3221510669"/>
+        <p14:creationId xmlns:p14="http://schemas.microsoft.com/office/powerpoint/2010/main" val="1429724622"/>
       </p:ext>
     </p:extLst>
   </p:cSld>
@@ -11805,14 +11976,14 @@
       </p:sp>
       <p:sp>
         <p:nvSpPr>
-          <p:cNvPr id="7" name="TextBox 6"/>
+          <p:cNvPr id="8" name="TextBox 7"/>
           <p:cNvSpPr txBox="1"/>
           <p:nvPr/>
         </p:nvSpPr>
         <p:spPr>
           <a:xfrm>
-            <a:off x="3840385" y="1213849"/>
-            <a:ext cx="5712369" cy="923330"/>
+            <a:off x="7731444" y="5278932"/>
+            <a:ext cx="2076450" cy="369332"/>
           </a:xfrm>
           <a:prstGeom prst="rect">
             <a:avLst/>
@@ -11825,23 +11996,32 @@
           </a:bodyPr>
           <a:lstStyle/>
           <a:p>
-            <a:r>
-              <a:rPr lang="en-US" sz="5400" dirty="0"/>
-              <a:t>INCLASS LECTURES</a:t>
-            </a:r>
-          </a:p>
-        </p:txBody>
-      </p:sp>
-      <p:sp>
-        <p:nvSpPr>
-          <p:cNvPr id="8" name="TextBox 7"/>
+            <a:pPr algn="ctr"/>
+            <a:r>
+              <a:rPr lang="en-US" dirty="0"/>
+              <a:t>May </a:t>
+            </a:r>
+            <a:r>
+              <a:rPr lang="en-US" dirty="0" smtClean="0"/>
+              <a:t>11, </a:t>
+            </a:r>
+            <a:r>
+              <a:rPr lang="en-US" dirty="0"/>
+              <a:t>2020</a:t>
+            </a:r>
+          </a:p>
+        </p:txBody>
+      </p:sp>
+      <p:sp>
+        <p:nvSpPr>
+          <p:cNvPr id="9" name="TextBox 8"/>
           <p:cNvSpPr txBox="1"/>
           <p:nvPr/>
         </p:nvSpPr>
         <p:spPr>
           <a:xfrm>
-            <a:off x="7731444" y="5278932"/>
-            <a:ext cx="2076450" cy="369332"/>
+            <a:off x="2639881" y="3325287"/>
+            <a:ext cx="5005769" cy="1477328"/>
           </a:xfrm>
           <a:prstGeom prst="rect">
             <a:avLst/>
@@ -11856,88 +12036,45 @@
           <a:p>
             <a:pPr algn="ctr"/>
             <a:r>
-              <a:rPr lang="en-US" dirty="0"/>
-              <a:t>May 6, 2020</a:t>
-            </a:r>
-          </a:p>
-        </p:txBody>
-      </p:sp>
-      <p:sp>
-        <p:nvSpPr>
-          <p:cNvPr id="9" name="TextBox 8"/>
-          <p:cNvSpPr txBox="1"/>
-          <p:nvPr/>
-        </p:nvSpPr>
-        <p:spPr>
-          <a:xfrm>
-            <a:off x="2365000" y="2644649"/>
-            <a:ext cx="5005769" cy="2308324"/>
-          </a:xfrm>
-          <a:prstGeom prst="rect">
-            <a:avLst/>
-          </a:prstGeom>
-          <a:noFill/>
-        </p:spPr>
-        <p:txBody>
-          <a:bodyPr wrap="square" rtlCol="0">
-            <a:spAutoFit/>
-          </a:bodyPr>
-          <a:lstStyle/>
-          <a:p>
-            <a:pPr algn="ctr"/>
-            <a:r>
-              <a:rPr lang="en-US" dirty="0"/>
-              <a:t>Chapter 1</a:t>
-            </a:r>
+              <a:rPr lang="en-US" dirty="0" smtClean="0"/>
+              <a:t>HW_02, section C</a:t>
+            </a:r>
+            <a:endParaRPr lang="en-US" dirty="0"/>
           </a:p>
           <a:p>
             <a:pPr algn="ctr"/>
             <a:r>
               <a:rPr lang="en-US" b="1" u="sng" dirty="0"/>
-              <a:t>Getting Started with R &amp; R Studio</a:t>
-            </a:r>
-          </a:p>
-          <a:p>
-            <a:pPr algn="ctr"/>
-            <a:r>
-              <a:rPr lang="en-US" i="1" dirty="0"/>
-              <a:t>Workspace Orientation</a:t>
-            </a:r>
-          </a:p>
-          <a:p>
-            <a:pPr algn="ctr"/>
-            <a:r>
-              <a:rPr lang="en-US" i="1" dirty="0"/>
-              <a:t>Getting Help</a:t>
-            </a:r>
-          </a:p>
-          <a:p>
-            <a:pPr algn="ctr"/>
-            <a:r>
-              <a:rPr lang="en-US" i="1" dirty="0"/>
-              <a:t>Running &amp; knitting</a:t>
-            </a:r>
-          </a:p>
-          <a:p>
-            <a:pPr algn="ctr"/>
-            <a:r>
-              <a:rPr lang="en-US" i="1" dirty="0"/>
-              <a:t>Importing data</a:t>
-            </a:r>
-          </a:p>
-          <a:p>
-            <a:pPr algn="ctr"/>
-            <a:r>
-              <a:rPr lang="en-US" i="1" dirty="0"/>
-              <a:t>NA, pipe, assignment</a:t>
-            </a:r>
-          </a:p>
-          <a:p>
-            <a:pPr algn="ctr"/>
-            <a:r>
-              <a:rPr lang="en-US" i="1" dirty="0"/>
-              <a:t>Declaring factors</a:t>
-            </a:r>
+              <a:t>Exploration of Data with Plots </a:t>
+            </a:r>
+            <a:endParaRPr lang="en-US" b="1" u="sng" dirty="0"/>
+          </a:p>
+          <a:p>
+            <a:pPr algn="ctr"/>
+            <a:r>
+              <a:rPr lang="en-US" i="1" dirty="0" smtClean="0"/>
+              <a:t>Frequency Distribution Tables</a:t>
+            </a:r>
+            <a:endParaRPr lang="en-US" i="1" dirty="0"/>
+          </a:p>
+          <a:p>
+            <a:pPr algn="ctr"/>
+            <a:r>
+              <a:rPr lang="en-US" i="1" dirty="0" smtClean="0"/>
+              <a:t>Bar Charts &amp; </a:t>
+            </a:r>
+            <a:r>
+              <a:rPr lang="en-US" i="1" dirty="0" smtClean="0"/>
+              <a:t>Histograms</a:t>
+            </a:r>
+          </a:p>
+          <a:p>
+            <a:pPr algn="ctr"/>
+            <a:r>
+              <a:rPr lang="en-US" i="1" dirty="0" smtClean="0"/>
+              <a:t>Percentiles, Quartiles, Deciles</a:t>
+            </a:r>
+            <a:endParaRPr lang="en-US" i="1" dirty="0"/>
           </a:p>
         </p:txBody>
       </p:sp>
@@ -12208,7 +12345,44 @@
           <a:p>
             <a:r>
               <a:rPr lang="en-US" dirty="0"/>
-              <a:t>Part 2 of 2, Day 2 of 13</a:t>
+              <a:t>After Day </a:t>
+            </a:r>
+            <a:r>
+              <a:rPr lang="en-US" dirty="0" smtClean="0"/>
+              <a:t>3 </a:t>
+            </a:r>
+            <a:r>
+              <a:rPr lang="en-US" dirty="0"/>
+              <a:t>of 13</a:t>
+            </a:r>
+          </a:p>
+        </p:txBody>
+      </p:sp>
+      <p:sp>
+        <p:nvSpPr>
+          <p:cNvPr id="16" name="TextBox 15"/>
+          <p:cNvSpPr txBox="1"/>
+          <p:nvPr/>
+        </p:nvSpPr>
+        <p:spPr>
+          <a:xfrm>
+            <a:off x="4184694" y="1065121"/>
+            <a:ext cx="5712369" cy="1754326"/>
+          </a:xfrm>
+          <a:prstGeom prst="rect">
+            <a:avLst/>
+          </a:prstGeom>
+          <a:noFill/>
+        </p:spPr>
+        <p:txBody>
+          <a:bodyPr wrap="square" rtlCol="0">
+            <a:spAutoFit/>
+          </a:bodyPr>
+          <a:lstStyle/>
+          <a:p>
+            <a:r>
+              <a:rPr lang="en-US" sz="5400" dirty="0"/>
+              <a:t>OUT-OF-CLASS LECTURES</a:t>
             </a:r>
           </a:p>
         </p:txBody>
@@ -12216,7 +12390,7 @@
     </p:spTree>
     <p:extLst>
       <p:ext uri="{BB962C8B-B14F-4D97-AF65-F5344CB8AC3E}">
-        <p14:creationId xmlns:p14="http://schemas.microsoft.com/office/powerpoint/2010/main" val="3166273230"/>
+        <p14:creationId xmlns:p14="http://schemas.microsoft.com/office/powerpoint/2010/main" val="3670027290"/>
       </p:ext>
     </p:extLst>
   </p:cSld>
@@ -12343,7 +12517,7 @@
             <a:pPr algn="ctr"/>
             <a:r>
               <a:rPr lang="en-US" dirty="0"/>
-              <a:t>Feb. 10, 2020</a:t>
+              <a:t>March 11, 2020</a:t>
             </a:r>
           </a:p>
         </p:txBody>
@@ -12356,8 +12530,8 @@
         </p:nvSpPr>
         <p:spPr>
           <a:xfrm>
-            <a:off x="2035110" y="3043759"/>
-            <a:ext cx="5005769" cy="923330"/>
+            <a:off x="2175358" y="3486436"/>
+            <a:ext cx="5005769" cy="1200329"/>
           </a:xfrm>
           <a:prstGeom prst="rect">
             <a:avLst/>
@@ -12373,21 +12547,29 @@
             <a:pPr algn="ctr"/>
             <a:r>
               <a:rPr lang="en-US" dirty="0"/>
-              <a:t>Chapter 7</a:t>
+              <a:t>Chapter 12</a:t>
             </a:r>
           </a:p>
           <a:p>
             <a:pPr algn="ctr"/>
             <a:r>
               <a:rPr lang="en-US" b="1" u="sng" dirty="0"/>
-              <a:t>Independent Samples t-Test for Means</a:t>
-            </a:r>
+              <a:t>One-way Independent Groups ANOVA</a:t>
+            </a:r>
+            <a:endParaRPr lang="en-US" dirty="0"/>
           </a:p>
           <a:p>
             <a:pPr algn="ctr"/>
             <a:r>
               <a:rPr lang="en-US" i="1" dirty="0"/>
-              <a:t>Mostly Homework Helps</a:t>
+              <a:t>Second half, chapter slides</a:t>
+            </a:r>
+          </a:p>
+          <a:p>
+            <a:pPr algn="ctr"/>
+            <a:r>
+              <a:rPr lang="en-US" i="1" dirty="0"/>
+              <a:t>Mostly Examples, Using R, and HW Help</a:t>
             </a:r>
           </a:p>
         </p:txBody>
@@ -12530,7 +12712,7 @@
     </p:spTree>
     <p:extLst>
       <p:ext uri="{BB962C8B-B14F-4D97-AF65-F5344CB8AC3E}">
-        <p14:creationId xmlns:p14="http://schemas.microsoft.com/office/powerpoint/2010/main" val="2916572011"/>
+        <p14:creationId xmlns:p14="http://schemas.microsoft.com/office/powerpoint/2010/main" val="928580799"/>
       </p:ext>
     </p:extLst>
   </p:cSld>
@@ -12657,7 +12839,7 @@
             <a:pPr algn="ctr"/>
             <a:r>
               <a:rPr lang="en-US" dirty="0"/>
-              <a:t>Feb. 5, 2020</a:t>
+              <a:t>March 9, 2020</a:t>
             </a:r>
           </a:p>
         </p:txBody>
@@ -12670,8 +12852,8 @@
         </p:nvSpPr>
         <p:spPr>
           <a:xfrm>
-            <a:off x="2035110" y="3043759"/>
-            <a:ext cx="5005769" cy="1477328"/>
+            <a:off x="2175358" y="3486436"/>
+            <a:ext cx="5005769" cy="1200329"/>
           </a:xfrm>
           <a:prstGeom prst="rect">
             <a:avLst/>
@@ -12687,35 +12869,29 @@
             <a:pPr algn="ctr"/>
             <a:r>
               <a:rPr lang="en-US" dirty="0"/>
-              <a:t>Chapter 6</a:t>
+              <a:t>Chapter 12</a:t>
             </a:r>
           </a:p>
           <a:p>
             <a:pPr algn="ctr"/>
             <a:r>
               <a:rPr lang="en-US" b="1" u="sng" dirty="0"/>
-              <a:t>Confidence Interval Estimation: The t Distribution</a:t>
-            </a:r>
+              <a:t>One-way Independent Groups ANOVA</a:t>
+            </a:r>
+            <a:endParaRPr lang="en-US" dirty="0"/>
           </a:p>
           <a:p>
             <a:pPr algn="ctr"/>
             <a:r>
               <a:rPr lang="en-US" i="1" dirty="0"/>
-              <a:t>Lecture slides</a:t>
+              <a:t>First half, chapter slides</a:t>
             </a:r>
           </a:p>
           <a:p>
             <a:pPr algn="ctr"/>
             <a:r>
               <a:rPr lang="en-US" i="1" dirty="0"/>
-              <a:t>(second half)</a:t>
-            </a:r>
-          </a:p>
-          <a:p>
-            <a:pPr algn="ctr"/>
-            <a:r>
-              <a:rPr lang="en-US" i="1" dirty="0"/>
-              <a:t>Homework Helps</a:t>
+              <a:t>Mostly New Material Presentation</a:t>
             </a:r>
           </a:p>
         </p:txBody>
@@ -12858,7 +13034,7 @@
     </p:spTree>
     <p:extLst>
       <p:ext uri="{BB962C8B-B14F-4D97-AF65-F5344CB8AC3E}">
-        <p14:creationId xmlns:p14="http://schemas.microsoft.com/office/powerpoint/2010/main" val="3019460125"/>
+        <p14:creationId xmlns:p14="http://schemas.microsoft.com/office/powerpoint/2010/main" val="2758197068"/>
       </p:ext>
     </p:extLst>
   </p:cSld>
@@ -12985,7 +13161,7 @@
             <a:pPr algn="ctr"/>
             <a:r>
               <a:rPr lang="en-US" dirty="0"/>
-              <a:t>Feb. 5, 2020</a:t>
+              <a:t>Feb. 19, 2020</a:t>
             </a:r>
           </a:p>
         </p:txBody>
@@ -12998,8 +13174,8 @@
         </p:nvSpPr>
         <p:spPr>
           <a:xfrm>
-            <a:off x="2035110" y="3043759"/>
-            <a:ext cx="5005769" cy="1477328"/>
+            <a:off x="2130478" y="2956774"/>
+            <a:ext cx="5005769" cy="923330"/>
           </a:xfrm>
           <a:prstGeom prst="rect">
             <a:avLst/>
@@ -13015,35 +13191,22 @@
             <a:pPr algn="ctr"/>
             <a:r>
               <a:rPr lang="en-US" dirty="0"/>
-              <a:t>Chapter 6</a:t>
+              <a:t>Chapter 9</a:t>
             </a:r>
           </a:p>
           <a:p>
             <a:pPr algn="ctr"/>
             <a:r>
               <a:rPr lang="en-US" b="1" u="sng" dirty="0"/>
-              <a:t>Confidence Interval Estimation: The t Distribution</a:t>
-            </a:r>
+              <a:t>Correlation</a:t>
+            </a:r>
+            <a:endParaRPr lang="en-US" dirty="0"/>
           </a:p>
           <a:p>
             <a:pPr algn="ctr"/>
             <a:r>
               <a:rPr lang="en-US" i="1" dirty="0"/>
-              <a:t>Lecture slides</a:t>
-            </a:r>
-          </a:p>
-          <a:p>
-            <a:pPr algn="ctr"/>
-            <a:r>
-              <a:rPr lang="en-US" i="1" dirty="0"/>
-              <a:t>(second half)</a:t>
-            </a:r>
-          </a:p>
-          <a:p>
-            <a:pPr algn="ctr"/>
-            <a:r>
-              <a:rPr lang="en-US" i="1" dirty="0"/>
-              <a:t>Homework Helps</a:t>
+              <a:t>Second half, chapter slides</a:t>
             </a:r>
           </a:p>
         </p:txBody>
@@ -13183,10 +13346,55 @@
           </a:prstGeom>
         </p:spPr>
       </p:pic>
+      <p:sp>
+        <p:nvSpPr>
+          <p:cNvPr id="15" name="TextBox 14"/>
+          <p:cNvSpPr txBox="1"/>
+          <p:nvPr/>
+        </p:nvSpPr>
+        <p:spPr>
+          <a:xfrm>
+            <a:off x="2107241" y="4130160"/>
+            <a:ext cx="5005769" cy="923330"/>
+          </a:xfrm>
+          <a:prstGeom prst="rect">
+            <a:avLst/>
+          </a:prstGeom>
+          <a:noFill/>
+        </p:spPr>
+        <p:txBody>
+          <a:bodyPr wrap="square" rtlCol="0">
+            <a:spAutoFit/>
+          </a:bodyPr>
+          <a:lstStyle/>
+          <a:p>
+            <a:pPr algn="ctr"/>
+            <a:r>
+              <a:rPr lang="en-US" dirty="0"/>
+              <a:t>Chapter 10</a:t>
+            </a:r>
+          </a:p>
+          <a:p>
+            <a:pPr algn="ctr"/>
+            <a:r>
+              <a:rPr lang="en-US" b="1" u="sng" dirty="0"/>
+              <a:t>Simple Linear Regression</a:t>
+            </a:r>
+            <a:endParaRPr lang="en-US" dirty="0"/>
+          </a:p>
+          <a:p>
+            <a:pPr algn="ctr"/>
+            <a:r>
+              <a:rPr lang="en-US" i="1" dirty="0"/>
+              <a:t>chapter slides (majority)</a:t>
+            </a:r>
+          </a:p>
+        </p:txBody>
+      </p:sp>
     </p:spTree>
     <p:extLst>
       <p:ext uri="{BB962C8B-B14F-4D97-AF65-F5344CB8AC3E}">
-        <p14:creationId xmlns:p14="http://schemas.microsoft.com/office/powerpoint/2010/main" val="4154058086"/>
+        <p14:creationId xmlns:p14="http://schemas.microsoft.com/office/powerpoint/2010/main" val="2730707931"/>
       </p:ext>
     </p:extLst>
   </p:cSld>
@@ -13313,7 +13521,7 @@
             <a:pPr algn="ctr"/>
             <a:r>
               <a:rPr lang="en-US" dirty="0"/>
-              <a:t>Feb. 3, 2020</a:t>
+              <a:t>Feb. 12, 2020</a:t>
             </a:r>
           </a:p>
         </p:txBody>
@@ -13326,8 +13534,8 @@
         </p:nvSpPr>
         <p:spPr>
           <a:xfrm>
-            <a:off x="2035110" y="3043759"/>
-            <a:ext cx="5005769" cy="2585323"/>
+            <a:off x="2175357" y="4235713"/>
+            <a:ext cx="5005769" cy="923330"/>
           </a:xfrm>
           <a:prstGeom prst="rect">
             <a:avLst/>
@@ -13343,60 +13551,22 @@
             <a:pPr algn="ctr"/>
             <a:r>
               <a:rPr lang="en-US" dirty="0"/>
-              <a:t>Chapter 5</a:t>
+              <a:t>Chapter 9</a:t>
             </a:r>
           </a:p>
           <a:p>
             <a:pPr algn="ctr"/>
             <a:r>
               <a:rPr lang="en-US" b="1" u="sng" dirty="0"/>
-              <a:t>Intro to Hypothesis Testing: 1 sample z-Test</a:t>
-            </a:r>
+              <a:t>Correlation</a:t>
+            </a:r>
+            <a:endParaRPr lang="en-US" dirty="0"/>
           </a:p>
           <a:p>
             <a:pPr algn="ctr"/>
             <a:r>
               <a:rPr lang="en-US" i="1" dirty="0"/>
-              <a:t>Finish discussion</a:t>
-            </a:r>
-          </a:p>
-          <a:p>
-            <a:pPr algn="ctr"/>
-            <a:r>
-              <a:rPr lang="en-US" i="1" dirty="0"/>
-              <a:t>Homework questions</a:t>
-            </a:r>
-          </a:p>
-          <a:p>
-            <a:pPr algn="ctr"/>
-            <a:endParaRPr lang="en-US" i="1" dirty="0"/>
-          </a:p>
-          <a:p>
-            <a:pPr algn="ctr"/>
-            <a:r>
-              <a:rPr lang="en-US" dirty="0"/>
-              <a:t>Chapter 6</a:t>
-            </a:r>
-          </a:p>
-          <a:p>
-            <a:pPr algn="ctr"/>
-            <a:r>
-              <a:rPr lang="en-US" b="1" u="sng" dirty="0"/>
-              <a:t>Confidence Interval Estimation: The t Distribution</a:t>
-            </a:r>
-          </a:p>
-          <a:p>
-            <a:pPr algn="ctr"/>
-            <a:r>
-              <a:rPr lang="en-US" i="1" dirty="0"/>
-              <a:t>Lecture slides</a:t>
-            </a:r>
-          </a:p>
-          <a:p>
-            <a:pPr algn="ctr"/>
-            <a:r>
-              <a:rPr lang="en-US" i="1" dirty="0"/>
-              <a:t>(first half)</a:t>
+              <a:t>First half, chapter slides</a:t>
             </a:r>
           </a:p>
         </p:txBody>
@@ -13536,10 +13706,69 @@
           </a:prstGeom>
         </p:spPr>
       </p:pic>
+      <p:sp>
+        <p:nvSpPr>
+          <p:cNvPr id="13" name="TextBox 12"/>
+          <p:cNvSpPr txBox="1"/>
+          <p:nvPr/>
+        </p:nvSpPr>
+        <p:spPr>
+          <a:xfrm>
+            <a:off x="2175358" y="2646127"/>
+            <a:ext cx="5005769" cy="1477328"/>
+          </a:xfrm>
+          <a:prstGeom prst="rect">
+            <a:avLst/>
+          </a:prstGeom>
+          <a:noFill/>
+        </p:spPr>
+        <p:txBody>
+          <a:bodyPr wrap="square" rtlCol="0">
+            <a:spAutoFit/>
+          </a:bodyPr>
+          <a:lstStyle/>
+          <a:p>
+            <a:pPr algn="ctr"/>
+            <a:r>
+              <a:rPr lang="en-US" dirty="0"/>
+              <a:t>Chapter 8</a:t>
+            </a:r>
+          </a:p>
+          <a:p>
+            <a:pPr algn="ctr"/>
+            <a:r>
+              <a:rPr lang="en-US" b="1" u="sng" dirty="0"/>
+              <a:t>Effect Size &amp; Power Analysis</a:t>
+            </a:r>
+            <a:endParaRPr lang="en-US" dirty="0"/>
+          </a:p>
+          <a:p>
+            <a:pPr algn="ctr"/>
+            <a:r>
+              <a:rPr lang="en-US" i="1" dirty="0"/>
+              <a:t>Chapter slides</a:t>
+            </a:r>
+          </a:p>
+          <a:p>
+            <a:pPr algn="ctr"/>
+            <a:r>
+              <a:rPr lang="en-US" i="1" dirty="0"/>
+              <a:t>Demo G*Power software</a:t>
+            </a:r>
+          </a:p>
+          <a:p>
+            <a:pPr algn="ctr"/>
+            <a:r>
+              <a:rPr lang="en-US" i="1" dirty="0"/>
+              <a:t>Homework Help</a:t>
+            </a:r>
+          </a:p>
+        </p:txBody>
+      </p:sp>
     </p:spTree>
     <p:extLst>
       <p:ext uri="{BB962C8B-B14F-4D97-AF65-F5344CB8AC3E}">
-        <p14:creationId xmlns:p14="http://schemas.microsoft.com/office/powerpoint/2010/main" val="1136618621"/>
+        <p14:creationId xmlns:p14="http://schemas.microsoft.com/office/powerpoint/2010/main" val="3221510669"/>
       </p:ext>
     </p:extLst>
   </p:cSld>
@@ -13666,7 +13895,7 @@
             <a:pPr algn="ctr"/>
             <a:r>
               <a:rPr lang="en-US" dirty="0"/>
-              <a:t>Jan. 22, 2020</a:t>
+              <a:t>Feb. 10, 2020</a:t>
             </a:r>
           </a:p>
         </p:txBody>
@@ -13680,7 +13909,7 @@
         <p:spPr>
           <a:xfrm>
             <a:off x="2035110" y="3043759"/>
-            <a:ext cx="5005769" cy="2585323"/>
+            <a:ext cx="5005769" cy="923330"/>
           </a:xfrm>
           <a:prstGeom prst="rect">
             <a:avLst/>
@@ -13696,60 +13925,21 @@
             <a:pPr algn="ctr"/>
             <a:r>
               <a:rPr lang="en-US" dirty="0"/>
-              <a:t>Chapter 3</a:t>
+              <a:t>Chapter 7</a:t>
             </a:r>
           </a:p>
           <a:p>
             <a:pPr algn="ctr"/>
             <a:r>
               <a:rPr lang="en-US" b="1" u="sng" dirty="0"/>
-              <a:t>Variable/Scale, Rounding &amp; Summation</a:t>
+              <a:t>Independent Samples t-Test for Means</a:t>
             </a:r>
           </a:p>
           <a:p>
             <a:pPr algn="ctr"/>
             <a:r>
               <a:rPr lang="en-US" i="1" dirty="0"/>
-              <a:t>Finish discussion</a:t>
-            </a:r>
-          </a:p>
-          <a:p>
-            <a:pPr algn="ctr"/>
-            <a:r>
-              <a:rPr lang="en-US" i="1" dirty="0"/>
-              <a:t>Homework questions</a:t>
-            </a:r>
-          </a:p>
-          <a:p>
-            <a:pPr algn="ctr"/>
-            <a:endParaRPr lang="en-US" i="1" dirty="0"/>
-          </a:p>
-          <a:p>
-            <a:pPr algn="ctr"/>
-            <a:r>
-              <a:rPr lang="en-US" dirty="0"/>
-              <a:t>Chapter 4</a:t>
-            </a:r>
-          </a:p>
-          <a:p>
-            <a:pPr algn="ctr"/>
-            <a:r>
-              <a:rPr lang="en-US" b="1" u="sng" dirty="0"/>
-              <a:t>Standardized Scores &amp; the Normal Distribution</a:t>
-            </a:r>
-          </a:p>
-          <a:p>
-            <a:pPr algn="ctr"/>
-            <a:r>
-              <a:rPr lang="en-US" i="1" dirty="0"/>
-              <a:t>Lecture slides</a:t>
-            </a:r>
-          </a:p>
-          <a:p>
-            <a:pPr algn="ctr"/>
-            <a:r>
-              <a:rPr lang="en-US" i="1" dirty="0"/>
-              <a:t>(first half)</a:t>
+              <a:t>Mostly Homework Helps</a:t>
             </a:r>
           </a:p>
         </p:txBody>
@@ -13892,7 +14082,7 @@
     </p:spTree>
     <p:extLst>
       <p:ext uri="{BB962C8B-B14F-4D97-AF65-F5344CB8AC3E}">
-        <p14:creationId xmlns:p14="http://schemas.microsoft.com/office/powerpoint/2010/main" val="2900019700"/>
+        <p14:creationId xmlns:p14="http://schemas.microsoft.com/office/powerpoint/2010/main" val="2916572011"/>
       </p:ext>
     </p:extLst>
   </p:cSld>
@@ -14019,7 +14209,7 @@
             <a:pPr algn="ctr"/>
             <a:r>
               <a:rPr lang="en-US" dirty="0"/>
-              <a:t>Jan. 15, 2020</a:t>
+              <a:t>Feb. 5, 2020</a:t>
             </a:r>
           </a:p>
         </p:txBody>
@@ -14032,8 +14222,8 @@
         </p:nvSpPr>
         <p:spPr>
           <a:xfrm>
-            <a:off x="2318419" y="3043759"/>
-            <a:ext cx="4212906" cy="2585323"/>
+            <a:off x="2035110" y="3043759"/>
+            <a:ext cx="5005769" cy="1477328"/>
           </a:xfrm>
           <a:prstGeom prst="rect">
             <a:avLst/>
@@ -14049,46 +14239,14 @@
             <a:pPr algn="ctr"/>
             <a:r>
               <a:rPr lang="en-US" dirty="0"/>
-              <a:t>Chapter 1</a:t>
+              <a:t>Chapter 6</a:t>
             </a:r>
           </a:p>
           <a:p>
             <a:pPr algn="ctr"/>
             <a:r>
               <a:rPr lang="en-US" b="1" u="sng" dirty="0"/>
-              <a:t>Variable/Scale, Rounding &amp; Summation</a:t>
-            </a:r>
-          </a:p>
-          <a:p>
-            <a:pPr algn="ctr"/>
-            <a:r>
-              <a:rPr lang="en-US" i="1" dirty="0"/>
-              <a:t>Finish discussion</a:t>
-            </a:r>
-          </a:p>
-          <a:p>
-            <a:pPr algn="ctr"/>
-            <a:r>
-              <a:rPr lang="en-US" i="1" dirty="0"/>
-              <a:t>Homework questions</a:t>
-            </a:r>
-          </a:p>
-          <a:p>
-            <a:pPr algn="ctr"/>
-            <a:endParaRPr lang="en-US" i="1" dirty="0"/>
-          </a:p>
-          <a:p>
-            <a:pPr algn="ctr"/>
-            <a:r>
-              <a:rPr lang="en-US" dirty="0"/>
-              <a:t>Chapter 2 </a:t>
-            </a:r>
-          </a:p>
-          <a:p>
-            <a:pPr algn="ctr"/>
-            <a:r>
-              <a:rPr lang="en-US" b="1" u="sng" dirty="0"/>
-              <a:t>Exploring Data with Plots</a:t>
+              <a:t>Confidence Interval Estimation: The t Distribution</a:t>
             </a:r>
           </a:p>
           <a:p>
@@ -14102,7 +14260,14 @@
             <a:pPr algn="ctr"/>
             <a:r>
               <a:rPr lang="en-US" i="1" dirty="0"/>
-              <a:t>Homework questions</a:t>
+              <a:t>(second half)</a:t>
+            </a:r>
+          </a:p>
+          <a:p>
+            <a:pPr algn="ctr"/>
+            <a:r>
+              <a:rPr lang="en-US" i="1" dirty="0"/>
+              <a:t>Homework Helps</a:t>
             </a:r>
           </a:p>
         </p:txBody>
@@ -14245,7 +14410,7 @@
     </p:spTree>
     <p:extLst>
       <p:ext uri="{BB962C8B-B14F-4D97-AF65-F5344CB8AC3E}">
-        <p14:creationId xmlns:p14="http://schemas.microsoft.com/office/powerpoint/2010/main" val="3290463226"/>
+        <p14:creationId xmlns:p14="http://schemas.microsoft.com/office/powerpoint/2010/main" val="3019460125"/>
       </p:ext>
     </p:extLst>
   </p:cSld>
@@ -14272,51 +14437,26 @@
           <a:chExt cx="0" cy="0"/>
         </a:xfrm>
       </p:grpSpPr>
-      <p:pic>
-        <p:nvPicPr>
-          <p:cNvPr id="2" name="Picture 1"/>
-          <p:cNvPicPr>
-            <a:picLocks noChangeAspect="1"/>
-          </p:cNvPicPr>
-          <p:nvPr/>
-        </p:nvPicPr>
-        <p:blipFill>
-          <a:blip r:embed="rId2" cstate="print">
-            <a:extLst>
-              <a:ext uri="{28A0092B-C50C-407E-A947-70E740481C1C}">
-                <a14:useLocalDpi xmlns:a14="http://schemas.microsoft.com/office/drawing/2010/main" val="0"/>
-              </a:ext>
-            </a:extLst>
-          </a:blip>
-          <a:stretch>
-            <a:fillRect/>
-          </a:stretch>
-        </p:blipFill>
-        <p:spPr>
-          <a:xfrm>
-            <a:off x="5306566" y="2514598"/>
-            <a:ext cx="1578867" cy="1828804"/>
-          </a:xfrm>
-          <a:prstGeom prst="rect">
-            <a:avLst/>
-          </a:prstGeom>
-        </p:spPr>
-      </p:pic>
-      <p:sp>
-        <p:nvSpPr>
-          <p:cNvPr id="3" name="Rectangle 2"/>
+      <p:sp>
+        <p:nvSpPr>
+          <p:cNvPr id="4" name="Rectangle 3"/>
           <p:cNvSpPr/>
           <p:nvPr/>
         </p:nvSpPr>
         <p:spPr>
           <a:xfrm>
-            <a:off x="5054138" y="2394066"/>
-            <a:ext cx="2094807" cy="2078182"/>
-          </a:xfrm>
-          <a:prstGeom prst="rect">
-            <a:avLst/>
-          </a:prstGeom>
-          <a:noFill/>
+            <a:off x="1808702" y="824230"/>
+            <a:ext cx="8778240" cy="5010912"/>
+          </a:xfrm>
+          <a:prstGeom prst="rect">
+            <a:avLst/>
+          </a:prstGeom>
+          <a:solidFill>
+            <a:schemeClr val="bg1">
+              <a:lumMod val="95000"/>
+            </a:schemeClr>
+          </a:solidFill>
+          <a:ln w="38100"/>
         </p:spPr>
         <p:style>
           <a:lnRef idx="2">
@@ -14343,82 +14483,6 @@
           </a:p>
         </p:txBody>
       </p:sp>
-    </p:spTree>
-    <p:extLst>
-      <p:ext uri="{BB962C8B-B14F-4D97-AF65-F5344CB8AC3E}">
-        <p14:creationId xmlns:p14="http://schemas.microsoft.com/office/powerpoint/2010/main" val="2048573925"/>
-      </p:ext>
-    </p:extLst>
-  </p:cSld>
-  <p:clrMapOvr>
-    <a:masterClrMapping/>
-  </p:clrMapOvr>
-</p:sld>
-</file>
-
-<file path=ppt/slides/slide4.xml><?xml version="1.0" encoding="utf-8"?>
-<p:sld xmlns:a="http://schemas.openxmlformats.org/drawingml/2006/main" xmlns:r="http://schemas.openxmlformats.org/officeDocument/2006/relationships" xmlns:p="http://schemas.openxmlformats.org/presentationml/2006/main">
-  <p:cSld>
-    <p:spTree>
-      <p:nvGrpSpPr>
-        <p:cNvPr id="1" name=""/>
-        <p:cNvGrpSpPr/>
-        <p:nvPr/>
-      </p:nvGrpSpPr>
-      <p:grpSpPr>
-        <a:xfrm>
-          <a:off x="0" y="0"/>
-          <a:ext cx="0" cy="0"/>
-          <a:chOff x="0" y="0"/>
-          <a:chExt cx="0" cy="0"/>
-        </a:xfrm>
-      </p:grpSpPr>
-      <p:sp>
-        <p:nvSpPr>
-          <p:cNvPr id="4" name="Rectangle 3"/>
-          <p:cNvSpPr/>
-          <p:nvPr/>
-        </p:nvSpPr>
-        <p:spPr>
-          <a:xfrm>
-            <a:off x="1706880" y="923544"/>
-            <a:ext cx="8778240" cy="5010912"/>
-          </a:xfrm>
-          <a:prstGeom prst="rect">
-            <a:avLst/>
-          </a:prstGeom>
-          <a:solidFill>
-            <a:schemeClr val="bg1">
-              <a:lumMod val="95000"/>
-            </a:schemeClr>
-          </a:solidFill>
-          <a:ln w="38100"/>
-        </p:spPr>
-        <p:style>
-          <a:lnRef idx="2">
-            <a:schemeClr val="accent1">
-              <a:shade val="50000"/>
-            </a:schemeClr>
-          </a:lnRef>
-          <a:fillRef idx="1">
-            <a:schemeClr val="accent1"/>
-          </a:fillRef>
-          <a:effectRef idx="0">
-            <a:schemeClr val="accent1"/>
-          </a:effectRef>
-          <a:fontRef idx="minor">
-            <a:schemeClr val="lt1"/>
-          </a:fontRef>
-        </p:style>
-        <p:txBody>
-          <a:bodyPr rtlCol="0" anchor="ctr"/>
-          <a:lstStyle/>
-          <a:p>
-            <a:pPr algn="ctr"/>
-            <a:endParaRPr lang="en-US"/>
-          </a:p>
-        </p:txBody>
-      </p:sp>
       <p:sp>
         <p:nvSpPr>
           <p:cNvPr id="7" name="TextBox 6"/>
@@ -14473,7 +14537,7 @@
             <a:pPr algn="ctr"/>
             <a:r>
               <a:rPr lang="en-US" dirty="0"/>
-              <a:t>May 6, 2020</a:t>
+              <a:t>Feb. 5, 2020</a:t>
             </a:r>
           </a:p>
         </p:txBody>
@@ -14486,8 +14550,8 @@
         </p:nvSpPr>
         <p:spPr>
           <a:xfrm>
-            <a:off x="2365000" y="2644649"/>
-            <a:ext cx="5005769" cy="2031325"/>
+            <a:off x="2035110" y="3043759"/>
+            <a:ext cx="5005769" cy="1477328"/>
           </a:xfrm>
           <a:prstGeom prst="rect">
             <a:avLst/>
@@ -14503,49 +14567,35 @@
             <a:pPr algn="ctr"/>
             <a:r>
               <a:rPr lang="en-US" dirty="0"/>
-              <a:t>Chapter 1</a:t>
+              <a:t>Chapter 6</a:t>
             </a:r>
           </a:p>
           <a:p>
             <a:pPr algn="ctr"/>
             <a:r>
               <a:rPr lang="en-US" b="1" u="sng" dirty="0"/>
-              <a:t>Basic Vocabulary and Skills</a:t>
+              <a:t>Confidence Interval Estimation: The t Distribution</a:t>
             </a:r>
           </a:p>
           <a:p>
             <a:pPr algn="ctr"/>
             <a:r>
               <a:rPr lang="en-US" i="1" dirty="0"/>
-              <a:t>Scales of Measure</a:t>
+              <a:t>Lecture slides</a:t>
             </a:r>
           </a:p>
           <a:p>
             <a:pPr algn="ctr"/>
             <a:r>
               <a:rPr lang="en-US" i="1" dirty="0"/>
-              <a:t>Type of Variable</a:t>
+              <a:t>(second half)</a:t>
             </a:r>
           </a:p>
           <a:p>
             <a:pPr algn="ctr"/>
             <a:r>
               <a:rPr lang="en-US" i="1" dirty="0"/>
-              <a:t>Study Design</a:t>
-            </a:r>
-          </a:p>
-          <a:p>
-            <a:pPr algn="ctr"/>
-            <a:r>
-              <a:rPr lang="en-US" i="1" dirty="0"/>
-              <a:t>Rounding Numbers</a:t>
-            </a:r>
-          </a:p>
-          <a:p>
-            <a:pPr algn="ctr"/>
-            <a:r>
-              <a:rPr lang="en-US" i="1" dirty="0"/>
-              <a:t>Summation Notation</a:t>
+              <a:t>Homework Helps</a:t>
             </a:r>
           </a:p>
         </p:txBody>
@@ -14685,147 +14735,10 @@
           </a:prstGeom>
         </p:spPr>
       </p:pic>
-      <p:pic>
-        <p:nvPicPr>
-          <p:cNvPr id="13" name="Picture 12" descr="Hello summer illustration vector. with cute summer icon and ...">
-            <a:extLst>
-              <a:ext uri="{FF2B5EF4-FFF2-40B4-BE49-F238E27FC236}">
-                <a16:creationId xmlns:a16="http://schemas.microsoft.com/office/drawing/2014/main" id="{50B5A1E4-2998-48E4-BC77-79D8790DF13F}"/>
-              </a:ext>
-            </a:extLst>
-          </p:cNvPr>
-          <p:cNvPicPr/>
-          <p:nvPr/>
-        </p:nvPicPr>
-        <p:blipFill>
-          <a:blip r:embed="rId6" cstate="print">
-            <a:clrChange>
-              <a:clrFrom>
-                <a:srgbClr val="FFFFFF"/>
-              </a:clrFrom>
-              <a:clrTo>
-                <a:srgbClr val="FFFFFF">
-                  <a:alpha val="0"/>
-                </a:srgbClr>
-              </a:clrTo>
-            </a:clrChange>
-            <a:extLst>
-              <a:ext uri="{28A0092B-C50C-407E-A947-70E740481C1C}">
-                <a14:useLocalDpi xmlns:a14="http://schemas.microsoft.com/office/drawing/2010/main" val="0"/>
-              </a:ext>
-            </a:extLst>
-          </a:blip>
-          <a:srcRect/>
-          <a:stretch>
-            <a:fillRect/>
-          </a:stretch>
-        </p:blipFill>
-        <p:spPr bwMode="auto">
-          <a:xfrm>
-            <a:off x="1784203" y="4158563"/>
-            <a:ext cx="1578867" cy="1406017"/>
-          </a:xfrm>
-          <a:prstGeom prst="rect">
-            <a:avLst/>
-          </a:prstGeom>
-          <a:noFill/>
-          <a:extLst>
-            <a:ext uri="{909E8E84-426E-40DD-AFC4-6F175D3DCCD1}">
-              <a14:hiddenFill xmlns:a14="http://schemas.microsoft.com/office/drawing/2010/main">
-                <a:solidFill>
-                  <a:srgbClr val="FFFFFF"/>
-                </a:solidFill>
-              </a14:hiddenFill>
-            </a:ext>
-          </a:extLst>
-        </p:spPr>
-      </p:pic>
-      <p:pic>
-        <p:nvPicPr>
-          <p:cNvPr id="1028" name="Picture 4" descr="Calendar, schedule, schedule icon icon">
-            <a:extLst>
-              <a:ext uri="{FF2B5EF4-FFF2-40B4-BE49-F238E27FC236}">
-                <a16:creationId xmlns:a16="http://schemas.microsoft.com/office/drawing/2014/main" id="{C17B732E-BA53-4386-9A3E-FF78AABEEECB}"/>
-              </a:ext>
-            </a:extLst>
-          </p:cNvPr>
-          <p:cNvPicPr>
-            <a:picLocks noChangeAspect="1" noChangeArrowheads="1"/>
-          </p:cNvPicPr>
-          <p:nvPr/>
-        </p:nvPicPr>
-        <p:blipFill>
-          <a:blip r:embed="rId7" cstate="print">
-            <a:extLst>
-              <a:ext uri="{28A0092B-C50C-407E-A947-70E740481C1C}">
-                <a14:useLocalDpi xmlns:a14="http://schemas.microsoft.com/office/drawing/2010/main" val="0"/>
-              </a:ext>
-            </a:extLst>
-          </a:blip>
-          <a:srcRect/>
-          <a:stretch>
-            <a:fillRect/>
-          </a:stretch>
-        </p:blipFill>
-        <p:spPr bwMode="auto">
-          <a:xfrm>
-            <a:off x="1944790" y="4668816"/>
-            <a:ext cx="1257692" cy="1257692"/>
-          </a:xfrm>
-          <a:prstGeom prst="rect">
-            <a:avLst/>
-          </a:prstGeom>
-          <a:noFill/>
-          <a:extLst>
-            <a:ext uri="{909E8E84-426E-40DD-AFC4-6F175D3DCCD1}">
-              <a14:hiddenFill xmlns:a14="http://schemas.microsoft.com/office/drawing/2010/main">
-                <a:solidFill>
-                  <a:srgbClr val="FFFFFF"/>
-                </a:solidFill>
-              </a14:hiddenFill>
-            </a:ext>
-          </a:extLst>
-        </p:spPr>
-      </p:pic>
-      <p:sp>
-        <p:nvSpPr>
-          <p:cNvPr id="5" name="TextBox 4">
-            <a:extLst>
-              <a:ext uri="{FF2B5EF4-FFF2-40B4-BE49-F238E27FC236}">
-                <a16:creationId xmlns:a16="http://schemas.microsoft.com/office/drawing/2014/main" id="{803FD3B0-B62F-442A-AC07-BC6B0D20FF53}"/>
-              </a:ext>
-            </a:extLst>
-          </p:cNvPr>
-          <p:cNvSpPr txBox="1"/>
-          <p:nvPr/>
-        </p:nvSpPr>
-        <p:spPr>
-          <a:xfrm>
-            <a:off x="3021210" y="5278932"/>
-            <a:ext cx="2614836" cy="369332"/>
-          </a:xfrm>
-          <a:prstGeom prst="rect">
-            <a:avLst/>
-          </a:prstGeom>
-          <a:noFill/>
-        </p:spPr>
-        <p:txBody>
-          <a:bodyPr wrap="square" rtlCol="0">
-            <a:spAutoFit/>
-          </a:bodyPr>
-          <a:lstStyle/>
-          <a:p>
-            <a:r>
-              <a:rPr lang="en-US" dirty="0"/>
-              <a:t>Part 1 of 2, Day 2 of 13</a:t>
-            </a:r>
-          </a:p>
-        </p:txBody>
-      </p:sp>
     </p:spTree>
     <p:extLst>
       <p:ext uri="{BB962C8B-B14F-4D97-AF65-F5344CB8AC3E}">
-        <p14:creationId xmlns:p14="http://schemas.microsoft.com/office/powerpoint/2010/main" val="121509918"/>
+        <p14:creationId xmlns:p14="http://schemas.microsoft.com/office/powerpoint/2010/main" val="4154058086"/>
       </p:ext>
     </p:extLst>
   </p:cSld>
@@ -14835,7 +14748,7 @@
 </p:sld>
 </file>
 
-<file path=ppt/slides/slide5.xml><?xml version="1.0" encoding="utf-8"?>
+<file path=ppt/slides/slide37.xml><?xml version="1.0" encoding="utf-8"?>
 <p:sld xmlns:a="http://schemas.openxmlformats.org/drawingml/2006/main" xmlns:r="http://schemas.openxmlformats.org/officeDocument/2006/relationships" xmlns:p="http://schemas.openxmlformats.org/presentationml/2006/main">
   <p:cSld>
     <p:spTree>
@@ -14860,7 +14773,7 @@
         </p:nvSpPr>
         <p:spPr>
           <a:xfrm>
-            <a:off x="1706880" y="923544"/>
+            <a:off x="1808702" y="824230"/>
             <a:ext cx="8778240" cy="5010912"/>
           </a:xfrm>
           <a:prstGeom prst="rect">
@@ -14952,7 +14865,7 @@
             <a:pPr algn="ctr"/>
             <a:r>
               <a:rPr lang="en-US" dirty="0"/>
-              <a:t>May 4, 2020</a:t>
+              <a:t>Feb. 3, 2020</a:t>
             </a:r>
           </a:p>
         </p:txBody>
@@ -14965,8 +14878,8 @@
         </p:nvSpPr>
         <p:spPr>
           <a:xfrm>
-            <a:off x="2365000" y="2644649"/>
-            <a:ext cx="5005769" cy="1754326"/>
+            <a:off x="2035110" y="3043759"/>
+            <a:ext cx="5005769" cy="2585323"/>
           </a:xfrm>
           <a:prstGeom prst="rect">
             <a:avLst/>
@@ -14982,48 +14895,61 @@
             <a:pPr algn="ctr"/>
             <a:r>
               <a:rPr lang="en-US" dirty="0"/>
-              <a:t>Chapter 0</a:t>
+              <a:t>Chapter 5</a:t>
             </a:r>
           </a:p>
           <a:p>
             <a:pPr algn="ctr"/>
             <a:r>
               <a:rPr lang="en-US" b="1" u="sng" dirty="0"/>
-              <a:t>Getting Started</a:t>
+              <a:t>Intro to Hypothesis Testing: 1 sample z-Test</a:t>
             </a:r>
           </a:p>
           <a:p>
             <a:pPr algn="ctr"/>
             <a:r>
               <a:rPr lang="en-US" i="1" dirty="0"/>
-              <a:t>Syllabus &amp; Grade Components</a:t>
+              <a:t>Finish discussion</a:t>
             </a:r>
           </a:p>
           <a:p>
             <a:pPr algn="ctr"/>
             <a:r>
               <a:rPr lang="en-US" i="1" dirty="0"/>
-              <a:t>Cohen’s Textbook &amp; Ihno’s Dataset</a:t>
+              <a:t>Homework questions</a:t>
+            </a:r>
+          </a:p>
+          <a:p>
+            <a:pPr algn="ctr"/>
+            <a:endParaRPr lang="en-US" i="1" dirty="0"/>
+          </a:p>
+          <a:p>
+            <a:pPr algn="ctr"/>
+            <a:r>
+              <a:rPr lang="en-US" dirty="0"/>
+              <a:t>Chapter 6</a:t>
+            </a:r>
+          </a:p>
+          <a:p>
+            <a:pPr algn="ctr"/>
+            <a:r>
+              <a:rPr lang="en-US" b="1" u="sng" dirty="0"/>
+              <a:t>Confidence Interval Estimation: The t Distribution</a:t>
             </a:r>
           </a:p>
           <a:p>
             <a:pPr algn="ctr"/>
             <a:r>
               <a:rPr lang="en-US" i="1" dirty="0"/>
-              <a:t>APA Style relating to stats</a:t>
+              <a:t>Lecture slides</a:t>
             </a:r>
           </a:p>
           <a:p>
             <a:pPr algn="ctr"/>
             <a:r>
               <a:rPr lang="en-US" i="1" dirty="0"/>
-              <a:t>Software Installation: R, R Studio, &amp; </a:t>
-            </a:r>
-            <a:r>
-              <a:rPr lang="en-US" i="1" dirty="0" err="1"/>
-              <a:t>Tex</a:t>
-            </a:r>
-            <a:endParaRPr lang="en-US" i="1" dirty="0"/>
+              <a:t>(first half)</a:t>
+            </a:r>
           </a:p>
         </p:txBody>
       </p:sp>
@@ -15162,147 +15088,10 @@
           </a:prstGeom>
         </p:spPr>
       </p:pic>
-      <p:pic>
-        <p:nvPicPr>
-          <p:cNvPr id="13" name="Picture 12" descr="Hello summer illustration vector. with cute summer icon and ...">
-            <a:extLst>
-              <a:ext uri="{FF2B5EF4-FFF2-40B4-BE49-F238E27FC236}">
-                <a16:creationId xmlns:a16="http://schemas.microsoft.com/office/drawing/2014/main" id="{50B5A1E4-2998-48E4-BC77-79D8790DF13F}"/>
-              </a:ext>
-            </a:extLst>
-          </p:cNvPr>
-          <p:cNvPicPr/>
-          <p:nvPr/>
-        </p:nvPicPr>
-        <p:blipFill>
-          <a:blip r:embed="rId6" cstate="print">
-            <a:clrChange>
-              <a:clrFrom>
-                <a:srgbClr val="FFFFFF"/>
-              </a:clrFrom>
-              <a:clrTo>
-                <a:srgbClr val="FFFFFF">
-                  <a:alpha val="0"/>
-                </a:srgbClr>
-              </a:clrTo>
-            </a:clrChange>
-            <a:extLst>
-              <a:ext uri="{28A0092B-C50C-407E-A947-70E740481C1C}">
-                <a14:useLocalDpi xmlns:a14="http://schemas.microsoft.com/office/drawing/2010/main" val="0"/>
-              </a:ext>
-            </a:extLst>
-          </a:blip>
-          <a:srcRect/>
-          <a:stretch>
-            <a:fillRect/>
-          </a:stretch>
-        </p:blipFill>
-        <p:spPr bwMode="auto">
-          <a:xfrm>
-            <a:off x="1784203" y="4158563"/>
-            <a:ext cx="1578867" cy="1406017"/>
-          </a:xfrm>
-          <a:prstGeom prst="rect">
-            <a:avLst/>
-          </a:prstGeom>
-          <a:noFill/>
-          <a:extLst>
-            <a:ext uri="{909E8E84-426E-40DD-AFC4-6F175D3DCCD1}">
-              <a14:hiddenFill xmlns:a14="http://schemas.microsoft.com/office/drawing/2010/main">
-                <a:solidFill>
-                  <a:srgbClr val="FFFFFF"/>
-                </a:solidFill>
-              </a14:hiddenFill>
-            </a:ext>
-          </a:extLst>
-        </p:spPr>
-      </p:pic>
-      <p:pic>
-        <p:nvPicPr>
-          <p:cNvPr id="1028" name="Picture 4" descr="Calendar, schedule, schedule icon icon">
-            <a:extLst>
-              <a:ext uri="{FF2B5EF4-FFF2-40B4-BE49-F238E27FC236}">
-                <a16:creationId xmlns:a16="http://schemas.microsoft.com/office/drawing/2014/main" id="{C17B732E-BA53-4386-9A3E-FF78AABEEECB}"/>
-              </a:ext>
-            </a:extLst>
-          </p:cNvPr>
-          <p:cNvPicPr>
-            <a:picLocks noChangeAspect="1" noChangeArrowheads="1"/>
-          </p:cNvPicPr>
-          <p:nvPr/>
-        </p:nvPicPr>
-        <p:blipFill>
-          <a:blip r:embed="rId7" cstate="print">
-            <a:extLst>
-              <a:ext uri="{28A0092B-C50C-407E-A947-70E740481C1C}">
-                <a14:useLocalDpi xmlns:a14="http://schemas.microsoft.com/office/drawing/2010/main" val="0"/>
-              </a:ext>
-            </a:extLst>
-          </a:blip>
-          <a:srcRect/>
-          <a:stretch>
-            <a:fillRect/>
-          </a:stretch>
-        </p:blipFill>
-        <p:spPr bwMode="auto">
-          <a:xfrm>
-            <a:off x="1944790" y="4668816"/>
-            <a:ext cx="1257692" cy="1257692"/>
-          </a:xfrm>
-          <a:prstGeom prst="rect">
-            <a:avLst/>
-          </a:prstGeom>
-          <a:noFill/>
-          <a:extLst>
-            <a:ext uri="{909E8E84-426E-40DD-AFC4-6F175D3DCCD1}">
-              <a14:hiddenFill xmlns:a14="http://schemas.microsoft.com/office/drawing/2010/main">
-                <a:solidFill>
-                  <a:srgbClr val="FFFFFF"/>
-                </a:solidFill>
-              </a14:hiddenFill>
-            </a:ext>
-          </a:extLst>
-        </p:spPr>
-      </p:pic>
-      <p:sp>
-        <p:nvSpPr>
-          <p:cNvPr id="5" name="TextBox 4">
-            <a:extLst>
-              <a:ext uri="{FF2B5EF4-FFF2-40B4-BE49-F238E27FC236}">
-                <a16:creationId xmlns:a16="http://schemas.microsoft.com/office/drawing/2014/main" id="{803FD3B0-B62F-442A-AC07-BC6B0D20FF53}"/>
-              </a:ext>
-            </a:extLst>
-          </p:cNvPr>
-          <p:cNvSpPr txBox="1"/>
-          <p:nvPr/>
-        </p:nvSpPr>
-        <p:spPr>
-          <a:xfrm>
-            <a:off x="3021210" y="5278932"/>
-            <a:ext cx="2243137" cy="369332"/>
-          </a:xfrm>
-          <a:prstGeom prst="rect">
-            <a:avLst/>
-          </a:prstGeom>
-          <a:noFill/>
-        </p:spPr>
-        <p:txBody>
-          <a:bodyPr wrap="square" rtlCol="0">
-            <a:spAutoFit/>
-          </a:bodyPr>
-          <a:lstStyle/>
-          <a:p>
-            <a:r>
-              <a:rPr lang="en-US" dirty="0"/>
-              <a:t>Day 1 of 13</a:t>
-            </a:r>
-          </a:p>
-        </p:txBody>
-      </p:sp>
     </p:spTree>
     <p:extLst>
       <p:ext uri="{BB962C8B-B14F-4D97-AF65-F5344CB8AC3E}">
-        <p14:creationId xmlns:p14="http://schemas.microsoft.com/office/powerpoint/2010/main" val="775600964"/>
+        <p14:creationId xmlns:p14="http://schemas.microsoft.com/office/powerpoint/2010/main" val="1136618621"/>
       </p:ext>
     </p:extLst>
   </p:cSld>
@@ -15312,7 +15101,7 @@
 </p:sld>
 </file>
 
-<file path=ppt/slides/slide6.xml><?xml version="1.0" encoding="utf-8"?>
+<file path=ppt/slides/slide38.xml><?xml version="1.0" encoding="utf-8"?>
 <p:sld xmlns:a="http://schemas.openxmlformats.org/drawingml/2006/main" xmlns:r="http://schemas.openxmlformats.org/officeDocument/2006/relationships" xmlns:p="http://schemas.openxmlformats.org/presentationml/2006/main">
   <p:cSld>
     <p:spTree>
@@ -15337,7 +15126,7 @@
         </p:nvSpPr>
         <p:spPr>
           <a:xfrm>
-            <a:off x="1853580" y="824230"/>
+            <a:off x="1808702" y="824230"/>
             <a:ext cx="8778240" cy="5010912"/>
           </a:xfrm>
           <a:prstGeom prst="rect">
@@ -15383,8 +15172,8 @@
         </p:nvSpPr>
         <p:spPr>
           <a:xfrm>
-            <a:off x="3838696" y="1056832"/>
-            <a:ext cx="5712369" cy="1754326"/>
+            <a:off x="3840385" y="1213849"/>
+            <a:ext cx="5712369" cy="923330"/>
           </a:xfrm>
           <a:prstGeom prst="rect">
             <a:avLst/>
@@ -15399,13 +15188,7 @@
           <a:p>
             <a:r>
               <a:rPr lang="en-US" sz="5400" dirty="0"/>
-              <a:t>Virtual </a:t>
-            </a:r>
-          </a:p>
-          <a:p>
-            <a:r>
-              <a:rPr lang="en-US" sz="5400" dirty="0"/>
-              <a:t>Office Hours</a:t>
+              <a:t>INCLASS LECTURES</a:t>
             </a:r>
           </a:p>
         </p:txBody>
@@ -15435,7 +15218,90 @@
             <a:pPr algn="ctr"/>
             <a:r>
               <a:rPr lang="en-US" dirty="0"/>
-              <a:t>April 23, 2020</a:t>
+              <a:t>Jan. 22, 2020</a:t>
+            </a:r>
+          </a:p>
+        </p:txBody>
+      </p:sp>
+      <p:sp>
+        <p:nvSpPr>
+          <p:cNvPr id="9" name="TextBox 8"/>
+          <p:cNvSpPr txBox="1"/>
+          <p:nvPr/>
+        </p:nvSpPr>
+        <p:spPr>
+          <a:xfrm>
+            <a:off x="2035110" y="3043759"/>
+            <a:ext cx="5005769" cy="2585323"/>
+          </a:xfrm>
+          <a:prstGeom prst="rect">
+            <a:avLst/>
+          </a:prstGeom>
+          <a:noFill/>
+        </p:spPr>
+        <p:txBody>
+          <a:bodyPr wrap="square" rtlCol="0">
+            <a:spAutoFit/>
+          </a:bodyPr>
+          <a:lstStyle/>
+          <a:p>
+            <a:pPr algn="ctr"/>
+            <a:r>
+              <a:rPr lang="en-US" dirty="0"/>
+              <a:t>Chapter 3</a:t>
+            </a:r>
+          </a:p>
+          <a:p>
+            <a:pPr algn="ctr"/>
+            <a:r>
+              <a:rPr lang="en-US" b="1" u="sng" dirty="0"/>
+              <a:t>Variable/Scale, Rounding &amp; Summation</a:t>
+            </a:r>
+          </a:p>
+          <a:p>
+            <a:pPr algn="ctr"/>
+            <a:r>
+              <a:rPr lang="en-US" i="1" dirty="0"/>
+              <a:t>Finish discussion</a:t>
+            </a:r>
+          </a:p>
+          <a:p>
+            <a:pPr algn="ctr"/>
+            <a:r>
+              <a:rPr lang="en-US" i="1" dirty="0"/>
+              <a:t>Homework questions</a:t>
+            </a:r>
+          </a:p>
+          <a:p>
+            <a:pPr algn="ctr"/>
+            <a:endParaRPr lang="en-US" i="1" dirty="0"/>
+          </a:p>
+          <a:p>
+            <a:pPr algn="ctr"/>
+            <a:r>
+              <a:rPr lang="en-US" dirty="0"/>
+              <a:t>Chapter 4</a:t>
+            </a:r>
+          </a:p>
+          <a:p>
+            <a:pPr algn="ctr"/>
+            <a:r>
+              <a:rPr lang="en-US" b="1" u="sng" dirty="0"/>
+              <a:t>Standardized Scores &amp; the Normal Distribution</a:t>
+            </a:r>
+          </a:p>
+          <a:p>
+            <a:pPr algn="ctr"/>
+            <a:r>
+              <a:rPr lang="en-US" i="1" dirty="0"/>
+              <a:t>Lecture slides</a:t>
+            </a:r>
+          </a:p>
+          <a:p>
+            <a:pPr algn="ctr"/>
+            <a:r>
+              <a:rPr lang="en-US" i="1" dirty="0"/>
+              <a:t>(first half)</a:t>
             </a:r>
           </a:p>
         </p:txBody>
@@ -15575,152 +15441,10 @@
           </a:prstGeom>
         </p:spPr>
       </p:pic>
-      <p:pic>
-        <p:nvPicPr>
-          <p:cNvPr id="5" name="Picture 4"/>
-          <p:cNvPicPr>
-            <a:picLocks noChangeAspect="1"/>
-          </p:cNvPicPr>
-          <p:nvPr/>
-        </p:nvPicPr>
-        <p:blipFill>
-          <a:blip r:embed="rId6"/>
-          <a:stretch>
-            <a:fillRect/>
-          </a:stretch>
-        </p:blipFill>
-        <p:spPr>
-          <a:xfrm>
-            <a:off x="1985351" y="4872564"/>
-            <a:ext cx="1853345" cy="853514"/>
-          </a:xfrm>
-          <a:prstGeom prst="rect">
-            <a:avLst/>
-          </a:prstGeom>
-        </p:spPr>
-      </p:pic>
-      <p:sp>
-        <p:nvSpPr>
-          <p:cNvPr id="17" name="TextBox 16"/>
-          <p:cNvSpPr txBox="1"/>
-          <p:nvPr/>
-        </p:nvSpPr>
-        <p:spPr>
-          <a:xfrm>
-            <a:off x="1846096" y="2821964"/>
-            <a:ext cx="5943438" cy="1200329"/>
-          </a:xfrm>
-          <a:prstGeom prst="rect">
-            <a:avLst/>
-          </a:prstGeom>
-          <a:noFill/>
-        </p:spPr>
-        <p:txBody>
-          <a:bodyPr wrap="square" rtlCol="0">
-            <a:spAutoFit/>
-          </a:bodyPr>
-          <a:lstStyle/>
-          <a:p>
-            <a:pPr algn="ctr"/>
-            <a:r>
-              <a:rPr lang="en-US" dirty="0"/>
-              <a:t>HW 19</a:t>
-            </a:r>
-          </a:p>
-          <a:p>
-            <a:pPr algn="ctr"/>
-            <a:r>
-              <a:rPr lang="en-US" b="1" u="sng" dirty="0"/>
-              <a:t>Binomial Distribution, Normal Approximation, &amp; Sign Test</a:t>
-            </a:r>
-          </a:p>
-          <a:p>
-            <a:pPr algn="ctr"/>
-            <a:r>
-              <a:rPr lang="en-US" dirty="0"/>
-              <a:t>Entering small p-values into HW</a:t>
-            </a:r>
-          </a:p>
-          <a:p>
-            <a:pPr algn="ctr"/>
-            <a:endParaRPr lang="en-US" dirty="0"/>
-          </a:p>
-        </p:txBody>
-      </p:sp>
-      <p:sp>
-        <p:nvSpPr>
-          <p:cNvPr id="13" name="TextBox 12"/>
-          <p:cNvSpPr txBox="1"/>
-          <p:nvPr/>
-        </p:nvSpPr>
-        <p:spPr>
-          <a:xfrm>
-            <a:off x="2664327" y="4025523"/>
-            <a:ext cx="5943438" cy="1754326"/>
-          </a:xfrm>
-          <a:prstGeom prst="rect">
-            <a:avLst/>
-          </a:prstGeom>
-          <a:noFill/>
-        </p:spPr>
-        <p:txBody>
-          <a:bodyPr wrap="square" rtlCol="0">
-            <a:spAutoFit/>
-          </a:bodyPr>
-          <a:lstStyle/>
-          <a:p>
-            <a:pPr algn="ctr"/>
-            <a:r>
-              <a:rPr lang="en-US" dirty="0"/>
-              <a:t>HW 20</a:t>
-            </a:r>
-          </a:p>
-          <a:p>
-            <a:pPr algn="ctr"/>
-            <a:r>
-              <a:rPr lang="en-US" b="1" u="sng" dirty="0"/>
-              <a:t>Chi Squared Tests</a:t>
-            </a:r>
-          </a:p>
-          <a:p>
-            <a:pPr algn="ctr"/>
-            <a:r>
-              <a:rPr lang="en-US" dirty="0"/>
-              <a:t>1-way Goodness of Fit</a:t>
-            </a:r>
-          </a:p>
-          <a:p>
-            <a:pPr algn="ctr"/>
-            <a:r>
-              <a:rPr lang="en-US" dirty="0"/>
-              <a:t>1-way Test of Independence</a:t>
-            </a:r>
-          </a:p>
-          <a:p>
-            <a:pPr algn="ctr"/>
-            <a:r>
-              <a:rPr lang="en-US" dirty="0"/>
-              <a:t>Cramer’s V (</a:t>
-            </a:r>
-            <a:r>
-              <a:rPr lang="en-US" dirty="0" err="1"/>
-              <a:t>effectsize</a:t>
-            </a:r>
-            <a:r>
-              <a:rPr lang="en-US" dirty="0"/>
-              <a:t> package)</a:t>
-            </a:r>
-          </a:p>
-          <a:p>
-            <a:pPr algn="ctr"/>
-            <a:endParaRPr lang="en-US" dirty="0"/>
-          </a:p>
-        </p:txBody>
-      </p:sp>
     </p:spTree>
     <p:extLst>
       <p:ext uri="{BB962C8B-B14F-4D97-AF65-F5344CB8AC3E}">
-        <p14:creationId xmlns:p14="http://schemas.microsoft.com/office/powerpoint/2010/main" val="593568448"/>
+        <p14:creationId xmlns:p14="http://schemas.microsoft.com/office/powerpoint/2010/main" val="2900019700"/>
       </p:ext>
     </p:extLst>
   </p:cSld>
@@ -15730,7 +15454,7 @@
 </p:sld>
 </file>
 
-<file path=ppt/slides/slide7.xml><?xml version="1.0" encoding="utf-8"?>
+<file path=ppt/slides/slide39.xml><?xml version="1.0" encoding="utf-8"?>
 <p:sld xmlns:a="http://schemas.openxmlformats.org/drawingml/2006/main" xmlns:r="http://schemas.openxmlformats.org/officeDocument/2006/relationships" xmlns:p="http://schemas.openxmlformats.org/presentationml/2006/main">
   <p:cSld>
     <p:spTree>
@@ -15801,8 +15525,8 @@
         </p:nvSpPr>
         <p:spPr>
           <a:xfrm>
-            <a:off x="4184694" y="1065121"/>
-            <a:ext cx="5712369" cy="1754326"/>
+            <a:off x="3840385" y="1213849"/>
+            <a:ext cx="5712369" cy="923330"/>
           </a:xfrm>
           <a:prstGeom prst="rect">
             <a:avLst/>
@@ -15817,7 +15541,7 @@
           <a:p>
             <a:r>
               <a:rPr lang="en-US" sz="5400" dirty="0"/>
-              <a:t>OUT-OF-CLASS LECTURES</a:t>
+              <a:t>INCLASS LECTURES</a:t>
             </a:r>
           </a:p>
         </p:txBody>
@@ -15847,7 +15571,7 @@
             <a:pPr algn="ctr"/>
             <a:r>
               <a:rPr lang="en-US" dirty="0"/>
-              <a:t>April 20, 2020</a:t>
+              <a:t>Jan. 15, 2020</a:t>
             </a:r>
           </a:p>
         </p:txBody>
@@ -15860,8 +15584,8 @@
         </p:nvSpPr>
         <p:spPr>
           <a:xfrm>
-            <a:off x="1946627" y="3432914"/>
-            <a:ext cx="5005769" cy="923330"/>
+            <a:off x="2318419" y="3043759"/>
+            <a:ext cx="4212906" cy="2585323"/>
           </a:xfrm>
           <a:prstGeom prst="rect">
             <a:avLst/>
@@ -15877,29 +15601,60 @@
             <a:pPr algn="ctr"/>
             <a:r>
               <a:rPr lang="en-US" dirty="0"/>
-              <a:t>Chapter 16</a:t>
+              <a:t>Chapter 1</a:t>
             </a:r>
           </a:p>
           <a:p>
             <a:pPr algn="ctr"/>
             <a:r>
               <a:rPr lang="en-US" b="1" u="sng" dirty="0"/>
-              <a:t>Mixed </a:t>
-            </a:r>
-            <a:r>
-              <a:rPr lang="en-US" b="1" u="sng" dirty="0" err="1"/>
-              <a:t>Deisgn</a:t>
-            </a:r>
+              <a:t>Variable/Scale, Rounding &amp; Summation</a:t>
+            </a:r>
+          </a:p>
+          <a:p>
+            <a:pPr algn="ctr"/>
+            <a:r>
+              <a:rPr lang="en-US" i="1" dirty="0"/>
+              <a:t>Finish discussion</a:t>
+            </a:r>
+          </a:p>
+          <a:p>
+            <a:pPr algn="ctr"/>
+            <a:r>
+              <a:rPr lang="en-US" i="1" dirty="0"/>
+              <a:t>Homework questions</a:t>
+            </a:r>
+          </a:p>
+          <a:p>
+            <a:pPr algn="ctr"/>
+            <a:endParaRPr lang="en-US" i="1" dirty="0"/>
+          </a:p>
+          <a:p>
+            <a:pPr algn="ctr"/>
+            <a:r>
+              <a:rPr lang="en-US" dirty="0"/>
+              <a:t>Chapter 2 </a:t>
+            </a:r>
+          </a:p>
+          <a:p>
+            <a:pPr algn="ctr"/>
             <a:r>
               <a:rPr lang="en-US" b="1" u="sng" dirty="0"/>
-              <a:t> ANOVA</a:t>
+              <a:t>Exploring Data with Plots</a:t>
             </a:r>
           </a:p>
           <a:p>
             <a:pPr algn="ctr"/>
             <a:r>
               <a:rPr lang="en-US" i="1" dirty="0"/>
-              <a:t>Very short lecture</a:t>
+              <a:t>Lecture slides</a:t>
+            </a:r>
+          </a:p>
+          <a:p>
+            <a:pPr algn="ctr"/>
+            <a:r>
+              <a:rPr lang="en-US" i="1" dirty="0"/>
+              <a:t>Homework questions</a:t>
             </a:r>
           </a:p>
         </p:txBody>
@@ -16039,87 +15794,10 @@
           </a:prstGeom>
         </p:spPr>
       </p:pic>
-      <p:pic>
-        <p:nvPicPr>
-          <p:cNvPr id="1026" name="Picture 2" descr="Image result for virus"/>
-          <p:cNvPicPr>
-            <a:picLocks noChangeAspect="1" noChangeArrowheads="1"/>
-          </p:cNvPicPr>
-          <p:nvPr/>
-        </p:nvPicPr>
-        <p:blipFill>
-          <a:blip r:embed="rId6" cstate="print">
-            <a:extLst>
-              <a:ext uri="{28A0092B-C50C-407E-A947-70E740481C1C}">
-                <a14:useLocalDpi xmlns:a14="http://schemas.microsoft.com/office/drawing/2010/main" val="0"/>
-              </a:ext>
-            </a:extLst>
-          </a:blip>
-          <a:srcRect/>
-          <a:stretch>
-            <a:fillRect/>
-          </a:stretch>
-        </p:blipFill>
-        <p:spPr bwMode="auto">
-          <a:xfrm>
-            <a:off x="1908176" y="4866721"/>
-            <a:ext cx="825034" cy="824421"/>
-          </a:xfrm>
-          <a:prstGeom prst="rect">
-            <a:avLst/>
-          </a:prstGeom>
-          <a:noFill/>
-          <a:extLst>
-            <a:ext uri="{909E8E84-426E-40DD-AFC4-6F175D3DCCD1}">
-              <a14:hiddenFill xmlns:a14="http://schemas.microsoft.com/office/drawing/2010/main">
-                <a:solidFill>
-                  <a:srgbClr val="FFFFFF"/>
-                </a:solidFill>
-              </a14:hiddenFill>
-            </a:ext>
-          </a:extLst>
-        </p:spPr>
-      </p:pic>
-      <p:sp>
-        <p:nvSpPr>
-          <p:cNvPr id="13" name="TextBox 12"/>
-          <p:cNvSpPr txBox="1"/>
-          <p:nvPr/>
-        </p:nvSpPr>
-        <p:spPr>
-          <a:xfrm>
-            <a:off x="2524444" y="5254195"/>
-            <a:ext cx="1238954" cy="369332"/>
-          </a:xfrm>
-          <a:prstGeom prst="rect">
-            <a:avLst/>
-          </a:prstGeom>
-          <a:noFill/>
-        </p:spPr>
-        <p:txBody>
-          <a:bodyPr wrap="square" rtlCol="0">
-            <a:spAutoFit/>
-          </a:bodyPr>
-          <a:lstStyle/>
-          <a:p>
-            <a:pPr algn="ctr"/>
-            <a:r>
-              <a:rPr lang="en-US" b="1" dirty="0">
-                <a:solidFill>
-                  <a:schemeClr val="accent1">
-                    <a:lumMod val="75000"/>
-                  </a:schemeClr>
-                </a:solidFill>
-              </a:rPr>
-              <a:t>Covid-19</a:t>
-            </a:r>
-          </a:p>
-        </p:txBody>
-      </p:sp>
     </p:spTree>
     <p:extLst>
       <p:ext uri="{BB962C8B-B14F-4D97-AF65-F5344CB8AC3E}">
-        <p14:creationId xmlns:p14="http://schemas.microsoft.com/office/powerpoint/2010/main" val="2783809321"/>
+        <p14:creationId xmlns:p14="http://schemas.microsoft.com/office/powerpoint/2010/main" val="3290463226"/>
       </p:ext>
     </p:extLst>
   </p:cSld>
@@ -16129,7 +15807,7 @@
 </p:sld>
 </file>
 
-<file path=ppt/slides/slide8.xml><?xml version="1.0" encoding="utf-8"?>
+<file path=ppt/slides/slide4.xml><?xml version="1.0" encoding="utf-8"?>
 <p:sld xmlns:a="http://schemas.openxmlformats.org/drawingml/2006/main" xmlns:r="http://schemas.openxmlformats.org/officeDocument/2006/relationships" xmlns:p="http://schemas.openxmlformats.org/presentationml/2006/main">
   <p:cSld>
     <p:spTree>
@@ -16154,7 +15832,7 @@
         </p:nvSpPr>
         <p:spPr>
           <a:xfrm>
-            <a:off x="1853580" y="824230"/>
+            <a:off x="1706880" y="923544"/>
             <a:ext cx="8778240" cy="5010912"/>
           </a:xfrm>
           <a:prstGeom prst="rect">
@@ -16200,8 +15878,8 @@
         </p:nvSpPr>
         <p:spPr>
           <a:xfrm>
-            <a:off x="3838696" y="1056832"/>
-            <a:ext cx="5712369" cy="1754326"/>
+            <a:off x="3840385" y="1213849"/>
+            <a:ext cx="5712369" cy="923330"/>
           </a:xfrm>
           <a:prstGeom prst="rect">
             <a:avLst/>
@@ -16216,13 +15894,7 @@
           <a:p>
             <a:r>
               <a:rPr lang="en-US" sz="5400" dirty="0"/>
-              <a:t>Virtual </a:t>
-            </a:r>
-          </a:p>
-          <a:p>
-            <a:r>
-              <a:rPr lang="en-US" sz="5400" dirty="0"/>
-              <a:t>Office Hours</a:t>
+              <a:t>INCLASS LECTURES</a:t>
             </a:r>
           </a:p>
         </p:txBody>
@@ -16252,8 +15924,75 @@
             <a:pPr algn="ctr"/>
             <a:r>
               <a:rPr lang="en-US" dirty="0"/>
-              <a:t>April 17, 2020</a:t>
-            </a:r>
+              <a:t>May </a:t>
+            </a:r>
+            <a:r>
+              <a:rPr lang="en-US" dirty="0" smtClean="0"/>
+              <a:t>11, </a:t>
+            </a:r>
+            <a:r>
+              <a:rPr lang="en-US" dirty="0"/>
+              <a:t>2020</a:t>
+            </a:r>
+          </a:p>
+        </p:txBody>
+      </p:sp>
+      <p:sp>
+        <p:nvSpPr>
+          <p:cNvPr id="9" name="TextBox 8"/>
+          <p:cNvSpPr txBox="1"/>
+          <p:nvPr/>
+        </p:nvSpPr>
+        <p:spPr>
+          <a:xfrm>
+            <a:off x="3506996" y="2465382"/>
+            <a:ext cx="5005769" cy="1200329"/>
+          </a:xfrm>
+          <a:prstGeom prst="rect">
+            <a:avLst/>
+          </a:prstGeom>
+          <a:noFill/>
+        </p:spPr>
+        <p:txBody>
+          <a:bodyPr wrap="square" rtlCol="0">
+            <a:spAutoFit/>
+          </a:bodyPr>
+          <a:lstStyle/>
+          <a:p>
+            <a:pPr algn="ctr"/>
+            <a:r>
+              <a:rPr lang="en-US" dirty="0"/>
+              <a:t>Chapter </a:t>
+            </a:r>
+            <a:r>
+              <a:rPr lang="en-US" dirty="0" smtClean="0"/>
+              <a:t>2</a:t>
+            </a:r>
+            <a:endParaRPr lang="en-US" dirty="0"/>
+          </a:p>
+          <a:p>
+            <a:pPr algn="ctr"/>
+            <a:r>
+              <a:rPr lang="en-US" b="1" u="sng" dirty="0"/>
+              <a:t>Exploration of Data </a:t>
+            </a:r>
+            <a:endParaRPr lang="en-US" b="1" u="sng" dirty="0" smtClean="0"/>
+          </a:p>
+          <a:p>
+            <a:pPr algn="ctr"/>
+            <a:r>
+              <a:rPr lang="en-US" b="1" u="sng" dirty="0" smtClean="0"/>
+              <a:t>with </a:t>
+            </a:r>
+            <a:r>
+              <a:rPr lang="en-US" b="1" u="sng" dirty="0"/>
+              <a:t>Plots </a:t>
+            </a:r>
+            <a:endParaRPr lang="en-US" b="1" u="sng" dirty="0" smtClean="0"/>
+          </a:p>
+          <a:p>
+            <a:pPr algn="ctr"/>
+            <a:endParaRPr lang="en-US" b="1" u="sng" dirty="0" smtClean="0"/>
           </a:p>
         </p:txBody>
       </p:sp>
@@ -16394,38 +16133,122 @@
       </p:pic>
       <p:pic>
         <p:nvPicPr>
-          <p:cNvPr id="5" name="Picture 4"/>
-          <p:cNvPicPr>
-            <a:picLocks noChangeAspect="1"/>
-          </p:cNvPicPr>
+          <p:cNvPr id="13" name="Picture 12" descr="Hello summer illustration vector. with cute summer icon and ...">
+            <a:extLst>
+              <a:ext uri="{FF2B5EF4-FFF2-40B4-BE49-F238E27FC236}">
+                <a16:creationId xmlns:a16="http://schemas.microsoft.com/office/drawing/2014/main" id="{50B5A1E4-2998-48E4-BC77-79D8790DF13F}"/>
+              </a:ext>
+            </a:extLst>
+          </p:cNvPr>
+          <p:cNvPicPr/>
           <p:nvPr/>
         </p:nvPicPr>
         <p:blipFill>
-          <a:blip r:embed="rId6"/>
+          <a:blip r:embed="rId6" cstate="print">
+            <a:clrChange>
+              <a:clrFrom>
+                <a:srgbClr val="FFFFFF"/>
+              </a:clrFrom>
+              <a:clrTo>
+                <a:srgbClr val="FFFFFF">
+                  <a:alpha val="0"/>
+                </a:srgbClr>
+              </a:clrTo>
+            </a:clrChange>
+            <a:extLst>
+              <a:ext uri="{28A0092B-C50C-407E-A947-70E740481C1C}">
+                <a14:useLocalDpi xmlns:a14="http://schemas.microsoft.com/office/drawing/2010/main" val="0"/>
+              </a:ext>
+            </a:extLst>
+          </a:blip>
+          <a:srcRect/>
           <a:stretch>
             <a:fillRect/>
           </a:stretch>
         </p:blipFill>
-        <p:spPr>
-          <a:xfrm>
-            <a:off x="1985351" y="4872564"/>
-            <a:ext cx="1853345" cy="853514"/>
-          </a:xfrm>
-          <a:prstGeom prst="rect">
-            <a:avLst/>
-          </a:prstGeom>
+        <p:spPr bwMode="auto">
+          <a:xfrm>
+            <a:off x="1784203" y="4158563"/>
+            <a:ext cx="1578867" cy="1406017"/>
+          </a:xfrm>
+          <a:prstGeom prst="rect">
+            <a:avLst/>
+          </a:prstGeom>
+          <a:noFill/>
+          <a:extLst>
+            <a:ext uri="{909E8E84-426E-40DD-AFC4-6F175D3DCCD1}">
+              <a14:hiddenFill xmlns:a14="http://schemas.microsoft.com/office/drawing/2010/main">
+                <a:solidFill>
+                  <a:srgbClr val="FFFFFF"/>
+                </a:solidFill>
+              </a14:hiddenFill>
+            </a:ext>
+          </a:extLst>
         </p:spPr>
       </p:pic>
-      <p:sp>
-        <p:nvSpPr>
-          <p:cNvPr id="17" name="TextBox 16"/>
+      <p:pic>
+        <p:nvPicPr>
+          <p:cNvPr id="1028" name="Picture 4" descr="Calendar, schedule, schedule icon icon">
+            <a:extLst>
+              <a:ext uri="{FF2B5EF4-FFF2-40B4-BE49-F238E27FC236}">
+                <a16:creationId xmlns:a16="http://schemas.microsoft.com/office/drawing/2014/main" id="{C17B732E-BA53-4386-9A3E-FF78AABEEECB}"/>
+              </a:ext>
+            </a:extLst>
+          </p:cNvPr>
+          <p:cNvPicPr>
+            <a:picLocks noChangeAspect="1" noChangeArrowheads="1"/>
+          </p:cNvPicPr>
+          <p:nvPr/>
+        </p:nvPicPr>
+        <p:blipFill>
+          <a:blip r:embed="rId7" cstate="print">
+            <a:extLst>
+              <a:ext uri="{28A0092B-C50C-407E-A947-70E740481C1C}">
+                <a14:useLocalDpi xmlns:a14="http://schemas.microsoft.com/office/drawing/2010/main" val="0"/>
+              </a:ext>
+            </a:extLst>
+          </a:blip>
+          <a:srcRect/>
+          <a:stretch>
+            <a:fillRect/>
+          </a:stretch>
+        </p:blipFill>
+        <p:spPr bwMode="auto">
+          <a:xfrm>
+            <a:off x="1944790" y="4668816"/>
+            <a:ext cx="1257692" cy="1257692"/>
+          </a:xfrm>
+          <a:prstGeom prst="rect">
+            <a:avLst/>
+          </a:prstGeom>
+          <a:noFill/>
+          <a:extLst>
+            <a:ext uri="{909E8E84-426E-40DD-AFC4-6F175D3DCCD1}">
+              <a14:hiddenFill xmlns:a14="http://schemas.microsoft.com/office/drawing/2010/main">
+                <a:solidFill>
+                  <a:srgbClr val="FFFFFF"/>
+                </a:solidFill>
+              </a14:hiddenFill>
+            </a:ext>
+          </a:extLst>
+        </p:spPr>
+      </p:pic>
+      <p:sp>
+        <p:nvSpPr>
+          <p:cNvPr id="5" name="TextBox 4">
+            <a:extLst>
+              <a:ext uri="{FF2B5EF4-FFF2-40B4-BE49-F238E27FC236}">
+                <a16:creationId xmlns:a16="http://schemas.microsoft.com/office/drawing/2014/main" id="{803FD3B0-B62F-442A-AC07-BC6B0D20FF53}"/>
+              </a:ext>
+            </a:extLst>
+          </p:cNvPr>
           <p:cNvSpPr txBox="1"/>
           <p:nvPr/>
         </p:nvSpPr>
         <p:spPr>
           <a:xfrm>
-            <a:off x="2035110" y="3092669"/>
-            <a:ext cx="5005769" cy="1754326"/>
+            <a:off x="3021210" y="5278932"/>
+            <a:ext cx="2614836" cy="369332"/>
           </a:xfrm>
           <a:prstGeom prst="rect">
             <a:avLst/>
@@ -16438,50 +16261,134 @@
           </a:bodyPr>
           <a:lstStyle/>
           <a:p>
-            <a:pPr algn="ctr"/>
+            <a:r>
+              <a:rPr lang="en-US" dirty="0" smtClean="0"/>
+              <a:t>Day 3 </a:t>
+            </a:r>
             <a:r>
               <a:rPr lang="en-US" dirty="0"/>
-              <a:t>HW 15</a:t>
-            </a:r>
-          </a:p>
-          <a:p>
-            <a:pPr algn="ctr"/>
+              <a:t>of 13</a:t>
+            </a:r>
+          </a:p>
+        </p:txBody>
+      </p:sp>
+      <p:sp>
+        <p:nvSpPr>
+          <p:cNvPr id="15" name="TextBox 14"/>
+          <p:cNvSpPr txBox="1"/>
+          <p:nvPr/>
+        </p:nvSpPr>
+        <p:spPr>
+          <a:xfrm>
+            <a:off x="2035110" y="3429000"/>
+            <a:ext cx="5005769" cy="1200329"/>
+          </a:xfrm>
+          <a:prstGeom prst="rect">
+            <a:avLst/>
+          </a:prstGeom>
+          <a:noFill/>
+        </p:spPr>
+        <p:txBody>
+          <a:bodyPr wrap="square" rtlCol="0">
+            <a:spAutoFit/>
+          </a:bodyPr>
+          <a:lstStyle/>
+          <a:p>
+            <a:pPr algn="ctr"/>
+            <a:r>
+              <a:rPr lang="en-US" dirty="0"/>
+              <a:t>Chapter </a:t>
+            </a:r>
+            <a:r>
+              <a:rPr lang="en-US" dirty="0"/>
+              <a:t>3</a:t>
+            </a:r>
+            <a:endParaRPr lang="en-US" dirty="0"/>
+          </a:p>
+          <a:p>
+            <a:pPr algn="ctr"/>
+            <a:r>
+              <a:rPr lang="en-US" b="1" u="sng" dirty="0" smtClean="0"/>
+              <a:t>Summarizing </a:t>
+            </a:r>
             <a:r>
               <a:rPr lang="en-US" b="1" u="sng" dirty="0"/>
-              <a:t>RM ANOVAs</a:t>
-            </a:r>
-          </a:p>
+              <a:t>Data with </a:t>
+            </a:r>
+            <a:endParaRPr lang="en-US" b="1" u="sng" dirty="0" smtClean="0"/>
+          </a:p>
+          <a:p>
+            <a:pPr algn="ctr"/>
+            <a:r>
+              <a:rPr lang="en-US" b="1" u="sng" dirty="0" smtClean="0"/>
+              <a:t>Descriptive Statistics</a:t>
+            </a:r>
+          </a:p>
+          <a:p>
+            <a:pPr algn="ctr"/>
+            <a:endParaRPr lang="en-US" b="1" u="sng" dirty="0" smtClean="0"/>
+          </a:p>
+        </p:txBody>
+      </p:sp>
+      <p:sp>
+        <p:nvSpPr>
+          <p:cNvPr id="16" name="TextBox 15"/>
+          <p:cNvSpPr txBox="1"/>
+          <p:nvPr/>
+        </p:nvSpPr>
+        <p:spPr>
+          <a:xfrm>
+            <a:off x="3258130" y="4574181"/>
+            <a:ext cx="5005769" cy="923330"/>
+          </a:xfrm>
+          <a:prstGeom prst="rect">
+            <a:avLst/>
+          </a:prstGeom>
+          <a:noFill/>
+        </p:spPr>
+        <p:txBody>
+          <a:bodyPr wrap="square" rtlCol="0">
+            <a:spAutoFit/>
+          </a:bodyPr>
+          <a:lstStyle/>
           <a:p>
             <a:pPr algn="ctr"/>
             <a:r>
               <a:rPr lang="en-US" dirty="0"/>
-              <a:t>Item 1</a:t>
-            </a:r>
-          </a:p>
-          <a:p>
-            <a:pPr algn="ctr"/>
-            <a:r>
-              <a:rPr lang="en-US" dirty="0"/>
-              <a:t>Person-Profile Plots</a:t>
-            </a:r>
-          </a:p>
-          <a:p>
-            <a:pPr algn="ctr"/>
-            <a:r>
-              <a:rPr lang="en-US" dirty="0"/>
-              <a:t>Hand Calculations</a:t>
-            </a:r>
-          </a:p>
-          <a:p>
-            <a:pPr algn="ctr"/>
+              <a:t>Chapter </a:t>
+            </a:r>
+            <a:r>
+              <a:rPr lang="en-US" dirty="0" smtClean="0"/>
+              <a:t>4</a:t>
+            </a:r>
             <a:endParaRPr lang="en-US" dirty="0"/>
+          </a:p>
+          <a:p>
+            <a:pPr algn="ctr"/>
+            <a:r>
+              <a:rPr lang="en-US" b="1" u="sng" dirty="0"/>
+              <a:t>Standardized Scores &amp; </a:t>
+            </a:r>
+            <a:endParaRPr lang="en-US" b="1" u="sng" dirty="0" smtClean="0"/>
+          </a:p>
+          <a:p>
+            <a:pPr algn="ctr"/>
+            <a:r>
+              <a:rPr lang="en-US" b="1" u="sng" dirty="0" smtClean="0"/>
+              <a:t>he </a:t>
+            </a:r>
+            <a:r>
+              <a:rPr lang="en-US" b="1" u="sng" dirty="0"/>
+              <a:t>Normal Distribution</a:t>
+            </a:r>
+            <a:endParaRPr lang="en-US" b="1" u="sng" dirty="0" smtClean="0"/>
           </a:p>
         </p:txBody>
       </p:sp>
     </p:spTree>
     <p:extLst>
       <p:ext uri="{BB962C8B-B14F-4D97-AF65-F5344CB8AC3E}">
-        <p14:creationId xmlns:p14="http://schemas.microsoft.com/office/powerpoint/2010/main" val="2105505871"/>
+        <p14:creationId xmlns:p14="http://schemas.microsoft.com/office/powerpoint/2010/main" val="3819651160"/>
       </p:ext>
     </p:extLst>
   </p:cSld>
@@ -16491,7 +16398,7 @@
 </p:sld>
 </file>
 
-<file path=ppt/slides/slide9.xml><?xml version="1.0" encoding="utf-8"?>
+<file path=ppt/slides/slide40.xml><?xml version="1.0" encoding="utf-8"?>
 <p:sld xmlns:a="http://schemas.openxmlformats.org/drawingml/2006/main" xmlns:r="http://schemas.openxmlformats.org/officeDocument/2006/relationships" xmlns:p="http://schemas.openxmlformats.org/presentationml/2006/main">
   <p:cSld>
     <p:spTree>
@@ -16508,26 +16415,51 @@
           <a:chExt cx="0" cy="0"/>
         </a:xfrm>
       </p:grpSpPr>
-      <p:sp>
-        <p:nvSpPr>
-          <p:cNvPr id="4" name="Rectangle 3"/>
+      <p:pic>
+        <p:nvPicPr>
+          <p:cNvPr id="2" name="Picture 1"/>
+          <p:cNvPicPr>
+            <a:picLocks noChangeAspect="1"/>
+          </p:cNvPicPr>
+          <p:nvPr/>
+        </p:nvPicPr>
+        <p:blipFill>
+          <a:blip r:embed="rId2" cstate="print">
+            <a:extLst>
+              <a:ext uri="{28A0092B-C50C-407E-A947-70E740481C1C}">
+                <a14:useLocalDpi xmlns:a14="http://schemas.microsoft.com/office/drawing/2010/main" val="0"/>
+              </a:ext>
+            </a:extLst>
+          </a:blip>
+          <a:stretch>
+            <a:fillRect/>
+          </a:stretch>
+        </p:blipFill>
+        <p:spPr>
+          <a:xfrm>
+            <a:off x="5306566" y="2514598"/>
+            <a:ext cx="1578867" cy="1828804"/>
+          </a:xfrm>
+          <a:prstGeom prst="rect">
+            <a:avLst/>
+          </a:prstGeom>
+        </p:spPr>
+      </p:pic>
+      <p:sp>
+        <p:nvSpPr>
+          <p:cNvPr id="3" name="Rectangle 2"/>
           <p:cNvSpPr/>
           <p:nvPr/>
         </p:nvSpPr>
         <p:spPr>
           <a:xfrm>
-            <a:off x="1853580" y="824230"/>
-            <a:ext cx="8778240" cy="5010912"/>
-          </a:xfrm>
-          <a:prstGeom prst="rect">
-            <a:avLst/>
-          </a:prstGeom>
-          <a:solidFill>
-            <a:schemeClr val="bg1">
-              <a:lumMod val="95000"/>
-            </a:schemeClr>
-          </a:solidFill>
-          <a:ln w="38100"/>
+            <a:off x="5054138" y="2394066"/>
+            <a:ext cx="2094807" cy="2078182"/>
+          </a:xfrm>
+          <a:prstGeom prst="rect">
+            <a:avLst/>
+          </a:prstGeom>
+          <a:noFill/>
         </p:spPr>
         <p:style>
           <a:lnRef idx="2">
@@ -16554,16 +16486,92 @@
           </a:p>
         </p:txBody>
       </p:sp>
-      <p:sp>
-        <p:nvSpPr>
-          <p:cNvPr id="7" name="TextBox 6"/>
+    </p:spTree>
+    <p:extLst>
+      <p:ext uri="{BB962C8B-B14F-4D97-AF65-F5344CB8AC3E}">
+        <p14:creationId xmlns:p14="http://schemas.microsoft.com/office/powerpoint/2010/main" val="2048573925"/>
+      </p:ext>
+    </p:extLst>
+  </p:cSld>
+  <p:clrMapOvr>
+    <a:masterClrMapping/>
+  </p:clrMapOvr>
+</p:sld>
+</file>
+
+<file path=ppt/slides/slide5.xml><?xml version="1.0" encoding="utf-8"?>
+<p:sld xmlns:a="http://schemas.openxmlformats.org/drawingml/2006/main" xmlns:r="http://schemas.openxmlformats.org/officeDocument/2006/relationships" xmlns:p="http://schemas.openxmlformats.org/presentationml/2006/main">
+  <p:cSld>
+    <p:spTree>
+      <p:nvGrpSpPr>
+        <p:cNvPr id="1" name=""/>
+        <p:cNvGrpSpPr/>
+        <p:nvPr/>
+      </p:nvGrpSpPr>
+      <p:grpSpPr>
+        <a:xfrm>
+          <a:off x="0" y="0"/>
+          <a:ext cx="0" cy="0"/>
+          <a:chOff x="0" y="0"/>
+          <a:chExt cx="0" cy="0"/>
+        </a:xfrm>
+      </p:grpSpPr>
+      <p:sp>
+        <p:nvSpPr>
+          <p:cNvPr id="4" name="Rectangle 3"/>
+          <p:cNvSpPr/>
+          <p:nvPr/>
+        </p:nvSpPr>
+        <p:spPr>
+          <a:xfrm>
+            <a:off x="1706880" y="923544"/>
+            <a:ext cx="8778240" cy="5010912"/>
+          </a:xfrm>
+          <a:prstGeom prst="rect">
+            <a:avLst/>
+          </a:prstGeom>
+          <a:solidFill>
+            <a:schemeClr val="bg1">
+              <a:lumMod val="95000"/>
+            </a:schemeClr>
+          </a:solidFill>
+          <a:ln w="38100"/>
+        </p:spPr>
+        <p:style>
+          <a:lnRef idx="2">
+            <a:schemeClr val="accent1">
+              <a:shade val="50000"/>
+            </a:schemeClr>
+          </a:lnRef>
+          <a:fillRef idx="1">
+            <a:schemeClr val="accent1"/>
+          </a:fillRef>
+          <a:effectRef idx="0">
+            <a:schemeClr val="accent1"/>
+          </a:effectRef>
+          <a:fontRef idx="minor">
+            <a:schemeClr val="lt1"/>
+          </a:fontRef>
+        </p:style>
+        <p:txBody>
+          <a:bodyPr rtlCol="0" anchor="ctr"/>
+          <a:lstStyle/>
+          <a:p>
+            <a:pPr algn="ctr"/>
+            <a:endParaRPr lang="en-US"/>
+          </a:p>
+        </p:txBody>
+      </p:sp>
+      <p:sp>
+        <p:nvSpPr>
+          <p:cNvPr id="8" name="TextBox 7"/>
           <p:cNvSpPr txBox="1"/>
           <p:nvPr/>
         </p:nvSpPr>
         <p:spPr>
           <a:xfrm>
-            <a:off x="3838696" y="1056832"/>
-            <a:ext cx="5712369" cy="1754326"/>
+            <a:off x="7731444" y="5278932"/>
+            <a:ext cx="2076450" cy="369332"/>
           </a:xfrm>
           <a:prstGeom prst="rect">
             <a:avLst/>
@@ -16576,29 +16584,24 @@
           </a:bodyPr>
           <a:lstStyle/>
           <a:p>
-            <a:r>
-              <a:rPr lang="en-US" sz="5400" dirty="0"/>
-              <a:t>Virtual </a:t>
-            </a:r>
-          </a:p>
-          <a:p>
-            <a:r>
-              <a:rPr lang="en-US" sz="5400" dirty="0"/>
-              <a:t>Office Hours</a:t>
-            </a:r>
-          </a:p>
-        </p:txBody>
-      </p:sp>
-      <p:sp>
-        <p:nvSpPr>
-          <p:cNvPr id="8" name="TextBox 7"/>
+            <a:pPr algn="ctr"/>
+            <a:r>
+              <a:rPr lang="en-US" dirty="0"/>
+              <a:t>May 8, 2020</a:t>
+            </a:r>
+          </a:p>
+        </p:txBody>
+      </p:sp>
+      <p:sp>
+        <p:nvSpPr>
+          <p:cNvPr id="9" name="TextBox 8"/>
           <p:cNvSpPr txBox="1"/>
           <p:nvPr/>
         </p:nvSpPr>
         <p:spPr>
           <a:xfrm>
-            <a:off x="7731444" y="5278932"/>
-            <a:ext cx="2076450" cy="369332"/>
+            <a:off x="2679150" y="2855442"/>
+            <a:ext cx="5005769" cy="1200329"/>
           </a:xfrm>
           <a:prstGeom prst="rect">
             <a:avLst/>
@@ -16614,8 +16617,39 @@
             <a:pPr algn="ctr"/>
             <a:r>
               <a:rPr lang="en-US" dirty="0"/>
-              <a:t>April 16, 2020</a:t>
-            </a:r>
+              <a:t>HW_01</a:t>
+            </a:r>
+          </a:p>
+          <a:p>
+            <a:pPr algn="ctr"/>
+            <a:r>
+              <a:rPr lang="en-US" b="1" u="sng" dirty="0"/>
+              <a:t>Getting Started with R &amp; R Studio</a:t>
+            </a:r>
+          </a:p>
+          <a:p>
+            <a:pPr algn="ctr"/>
+            <a:r>
+              <a:rPr lang="en-US" i="1" dirty="0"/>
+              <a:t>Second half of the </a:t>
+            </a:r>
+            <a:r>
+              <a:rPr lang="en-US" i="1" dirty="0" err="1"/>
+              <a:t>Rmd</a:t>
+            </a:r>
+            <a:endParaRPr lang="en-US" i="1" dirty="0"/>
+          </a:p>
+          <a:p>
+            <a:pPr algn="ctr"/>
+            <a:r>
+              <a:rPr lang="en-US" i="1" dirty="0"/>
+              <a:t>Uploading and submitting in </a:t>
+            </a:r>
+            <a:r>
+              <a:rPr lang="en-US" i="1" dirty="0" err="1"/>
+              <a:t>Canvs</a:t>
+            </a:r>
+            <a:endParaRPr lang="en-US" i="1" dirty="0"/>
           </a:p>
         </p:txBody>
       </p:sp>
@@ -16756,38 +16790,122 @@
       </p:pic>
       <p:pic>
         <p:nvPicPr>
-          <p:cNvPr id="5" name="Picture 4"/>
-          <p:cNvPicPr>
-            <a:picLocks noChangeAspect="1"/>
-          </p:cNvPicPr>
+          <p:cNvPr id="13" name="Picture 12" descr="Hello summer illustration vector. with cute summer icon and ...">
+            <a:extLst>
+              <a:ext uri="{FF2B5EF4-FFF2-40B4-BE49-F238E27FC236}">
+                <a16:creationId xmlns:a16="http://schemas.microsoft.com/office/drawing/2014/main" id="{50B5A1E4-2998-48E4-BC77-79D8790DF13F}"/>
+              </a:ext>
+            </a:extLst>
+          </p:cNvPr>
+          <p:cNvPicPr/>
           <p:nvPr/>
         </p:nvPicPr>
         <p:blipFill>
-          <a:blip r:embed="rId6"/>
+          <a:blip r:embed="rId6" cstate="print">
+            <a:clrChange>
+              <a:clrFrom>
+                <a:srgbClr val="FFFFFF"/>
+              </a:clrFrom>
+              <a:clrTo>
+                <a:srgbClr val="FFFFFF">
+                  <a:alpha val="0"/>
+                </a:srgbClr>
+              </a:clrTo>
+            </a:clrChange>
+            <a:extLst>
+              <a:ext uri="{28A0092B-C50C-407E-A947-70E740481C1C}">
+                <a14:useLocalDpi xmlns:a14="http://schemas.microsoft.com/office/drawing/2010/main" val="0"/>
+              </a:ext>
+            </a:extLst>
+          </a:blip>
+          <a:srcRect/>
           <a:stretch>
             <a:fillRect/>
           </a:stretch>
         </p:blipFill>
-        <p:spPr>
-          <a:xfrm>
-            <a:off x="1985351" y="4872564"/>
-            <a:ext cx="1853345" cy="853514"/>
-          </a:xfrm>
-          <a:prstGeom prst="rect">
-            <a:avLst/>
-          </a:prstGeom>
+        <p:spPr bwMode="auto">
+          <a:xfrm>
+            <a:off x="1784203" y="4158563"/>
+            <a:ext cx="1578867" cy="1406017"/>
+          </a:xfrm>
+          <a:prstGeom prst="rect">
+            <a:avLst/>
+          </a:prstGeom>
+          <a:noFill/>
+          <a:extLst>
+            <a:ext uri="{909E8E84-426E-40DD-AFC4-6F175D3DCCD1}">
+              <a14:hiddenFill xmlns:a14="http://schemas.microsoft.com/office/drawing/2010/main">
+                <a:solidFill>
+                  <a:srgbClr val="FFFFFF"/>
+                </a:solidFill>
+              </a14:hiddenFill>
+            </a:ext>
+          </a:extLst>
         </p:spPr>
       </p:pic>
-      <p:sp>
-        <p:nvSpPr>
-          <p:cNvPr id="17" name="TextBox 16"/>
+      <p:pic>
+        <p:nvPicPr>
+          <p:cNvPr id="1028" name="Picture 4" descr="Calendar, schedule, schedule icon icon">
+            <a:extLst>
+              <a:ext uri="{FF2B5EF4-FFF2-40B4-BE49-F238E27FC236}">
+                <a16:creationId xmlns:a16="http://schemas.microsoft.com/office/drawing/2014/main" id="{C17B732E-BA53-4386-9A3E-FF78AABEEECB}"/>
+              </a:ext>
+            </a:extLst>
+          </p:cNvPr>
+          <p:cNvPicPr>
+            <a:picLocks noChangeAspect="1" noChangeArrowheads="1"/>
+          </p:cNvPicPr>
+          <p:nvPr/>
+        </p:nvPicPr>
+        <p:blipFill>
+          <a:blip r:embed="rId7" cstate="print">
+            <a:extLst>
+              <a:ext uri="{28A0092B-C50C-407E-A947-70E740481C1C}">
+                <a14:useLocalDpi xmlns:a14="http://schemas.microsoft.com/office/drawing/2010/main" val="0"/>
+              </a:ext>
+            </a:extLst>
+          </a:blip>
+          <a:srcRect/>
+          <a:stretch>
+            <a:fillRect/>
+          </a:stretch>
+        </p:blipFill>
+        <p:spPr bwMode="auto">
+          <a:xfrm>
+            <a:off x="1944790" y="4668816"/>
+            <a:ext cx="1257692" cy="1257692"/>
+          </a:xfrm>
+          <a:prstGeom prst="rect">
+            <a:avLst/>
+          </a:prstGeom>
+          <a:noFill/>
+          <a:extLst>
+            <a:ext uri="{909E8E84-426E-40DD-AFC4-6F175D3DCCD1}">
+              <a14:hiddenFill xmlns:a14="http://schemas.microsoft.com/office/drawing/2010/main">
+                <a:solidFill>
+                  <a:srgbClr val="FFFFFF"/>
+                </a:solidFill>
+              </a14:hiddenFill>
+            </a:ext>
+          </a:extLst>
+        </p:spPr>
+      </p:pic>
+      <p:sp>
+        <p:nvSpPr>
+          <p:cNvPr id="5" name="TextBox 4">
+            <a:extLst>
+              <a:ext uri="{FF2B5EF4-FFF2-40B4-BE49-F238E27FC236}">
+                <a16:creationId xmlns:a16="http://schemas.microsoft.com/office/drawing/2014/main" id="{803FD3B0-B62F-442A-AC07-BC6B0D20FF53}"/>
+              </a:ext>
+            </a:extLst>
+          </p:cNvPr>
           <p:cNvSpPr txBox="1"/>
           <p:nvPr/>
         </p:nvSpPr>
         <p:spPr>
           <a:xfrm>
-            <a:off x="2035110" y="3092669"/>
-            <a:ext cx="5005769" cy="1754326"/>
+            <a:off x="3021210" y="5278932"/>
+            <a:ext cx="2614836" cy="369332"/>
           </a:xfrm>
           <a:prstGeom prst="rect">
             <a:avLst/>
@@ -16800,50 +16918,1984 @@
           </a:bodyPr>
           <a:lstStyle/>
           <a:p>
-            <a:pPr algn="ctr"/>
             <a:r>
               <a:rPr lang="en-US" dirty="0"/>
-              <a:t>HW 16</a:t>
-            </a:r>
-          </a:p>
-          <a:p>
-            <a:pPr algn="ctr"/>
-            <a:r>
-              <a:rPr lang="en-US" b="1" u="sng" dirty="0"/>
-              <a:t>Mixed ANOVAs</a:t>
-            </a:r>
-          </a:p>
-          <a:p>
-            <a:pPr algn="ctr"/>
-            <a:r>
-              <a:rPr lang="en-US" dirty="0"/>
-              <a:t>Section “C” problems</a:t>
-            </a:r>
-          </a:p>
-          <a:p>
-            <a:pPr algn="ctr"/>
-            <a:r>
-              <a:rPr lang="en-US" dirty="0"/>
-              <a:t>APA write-up</a:t>
-            </a:r>
-          </a:p>
-          <a:p>
-            <a:pPr algn="ctr"/>
-            <a:r>
-              <a:rPr lang="en-US" dirty="0"/>
-              <a:t>Methods &amp; Results sections</a:t>
-            </a:r>
-          </a:p>
-          <a:p>
-            <a:pPr algn="ctr"/>
-            <a:endParaRPr lang="en-US" dirty="0"/>
+              <a:t>After Day 2 of 13</a:t>
+            </a:r>
+          </a:p>
+        </p:txBody>
+      </p:sp>
+      <p:sp>
+        <p:nvSpPr>
+          <p:cNvPr id="15" name="TextBox 14">
+            <a:extLst>
+              <a:ext uri="{FF2B5EF4-FFF2-40B4-BE49-F238E27FC236}">
+                <a16:creationId xmlns:a16="http://schemas.microsoft.com/office/drawing/2014/main" id="{ED772940-6A60-4E55-A11A-675405DD459E}"/>
+              </a:ext>
+            </a:extLst>
+          </p:cNvPr>
+          <p:cNvSpPr txBox="1"/>
+          <p:nvPr/>
+        </p:nvSpPr>
+        <p:spPr>
+          <a:xfrm>
+            <a:off x="3838696" y="1056832"/>
+            <a:ext cx="5712369" cy="1754326"/>
+          </a:xfrm>
+          <a:prstGeom prst="rect">
+            <a:avLst/>
+          </a:prstGeom>
+          <a:noFill/>
+        </p:spPr>
+        <p:txBody>
+          <a:bodyPr wrap="square" rtlCol="0">
+            <a:spAutoFit/>
+          </a:bodyPr>
+          <a:lstStyle/>
+          <a:p>
+            <a:r>
+              <a:rPr lang="en-US" sz="5400" dirty="0"/>
+              <a:t>Virtual </a:t>
+            </a:r>
+          </a:p>
+          <a:p>
+            <a:r>
+              <a:rPr lang="en-US" sz="5400" dirty="0"/>
+              <a:t>Office Hours</a:t>
+            </a:r>
           </a:p>
         </p:txBody>
       </p:sp>
     </p:spTree>
     <p:extLst>
       <p:ext uri="{BB962C8B-B14F-4D97-AF65-F5344CB8AC3E}">
-        <p14:creationId xmlns:p14="http://schemas.microsoft.com/office/powerpoint/2010/main" val="1059415320"/>
+        <p14:creationId xmlns:p14="http://schemas.microsoft.com/office/powerpoint/2010/main" val="2159513127"/>
+      </p:ext>
+    </p:extLst>
+  </p:cSld>
+  <p:clrMapOvr>
+    <a:masterClrMapping/>
+  </p:clrMapOvr>
+</p:sld>
+</file>
+
+<file path=ppt/slides/slide6.xml><?xml version="1.0" encoding="utf-8"?>
+<p:sld xmlns:a="http://schemas.openxmlformats.org/drawingml/2006/main" xmlns:r="http://schemas.openxmlformats.org/officeDocument/2006/relationships" xmlns:p="http://schemas.openxmlformats.org/presentationml/2006/main">
+  <p:cSld>
+    <p:spTree>
+      <p:nvGrpSpPr>
+        <p:cNvPr id="1" name=""/>
+        <p:cNvGrpSpPr/>
+        <p:nvPr/>
+      </p:nvGrpSpPr>
+      <p:grpSpPr>
+        <a:xfrm>
+          <a:off x="0" y="0"/>
+          <a:ext cx="0" cy="0"/>
+          <a:chOff x="0" y="0"/>
+          <a:chExt cx="0" cy="0"/>
+        </a:xfrm>
+      </p:grpSpPr>
+      <p:sp>
+        <p:nvSpPr>
+          <p:cNvPr id="4" name="Rectangle 3"/>
+          <p:cNvSpPr/>
+          <p:nvPr/>
+        </p:nvSpPr>
+        <p:spPr>
+          <a:xfrm>
+            <a:off x="1706880" y="923544"/>
+            <a:ext cx="8778240" cy="5010912"/>
+          </a:xfrm>
+          <a:prstGeom prst="rect">
+            <a:avLst/>
+          </a:prstGeom>
+          <a:solidFill>
+            <a:schemeClr val="bg1">
+              <a:lumMod val="95000"/>
+            </a:schemeClr>
+          </a:solidFill>
+          <a:ln w="38100"/>
+        </p:spPr>
+        <p:style>
+          <a:lnRef idx="2">
+            <a:schemeClr val="accent1">
+              <a:shade val="50000"/>
+            </a:schemeClr>
+          </a:lnRef>
+          <a:fillRef idx="1">
+            <a:schemeClr val="accent1"/>
+          </a:fillRef>
+          <a:effectRef idx="0">
+            <a:schemeClr val="accent1"/>
+          </a:effectRef>
+          <a:fontRef idx="minor">
+            <a:schemeClr val="lt1"/>
+          </a:fontRef>
+        </p:style>
+        <p:txBody>
+          <a:bodyPr rtlCol="0" anchor="ctr"/>
+          <a:lstStyle/>
+          <a:p>
+            <a:pPr algn="ctr"/>
+            <a:endParaRPr lang="en-US"/>
+          </a:p>
+        </p:txBody>
+      </p:sp>
+      <p:sp>
+        <p:nvSpPr>
+          <p:cNvPr id="8" name="TextBox 7"/>
+          <p:cNvSpPr txBox="1"/>
+          <p:nvPr/>
+        </p:nvSpPr>
+        <p:spPr>
+          <a:xfrm>
+            <a:off x="7731444" y="5278932"/>
+            <a:ext cx="2076450" cy="369332"/>
+          </a:xfrm>
+          <a:prstGeom prst="rect">
+            <a:avLst/>
+          </a:prstGeom>
+          <a:noFill/>
+        </p:spPr>
+        <p:txBody>
+          <a:bodyPr wrap="square" rtlCol="0">
+            <a:spAutoFit/>
+          </a:bodyPr>
+          <a:lstStyle/>
+          <a:p>
+            <a:pPr algn="ctr"/>
+            <a:r>
+              <a:rPr lang="en-US" dirty="0"/>
+              <a:t>May 7, 2020</a:t>
+            </a:r>
+          </a:p>
+        </p:txBody>
+      </p:sp>
+      <p:sp>
+        <p:nvSpPr>
+          <p:cNvPr id="9" name="TextBox 8"/>
+          <p:cNvSpPr txBox="1"/>
+          <p:nvPr/>
+        </p:nvSpPr>
+        <p:spPr>
+          <a:xfrm>
+            <a:off x="2679150" y="2855442"/>
+            <a:ext cx="5005769" cy="1754326"/>
+          </a:xfrm>
+          <a:prstGeom prst="rect">
+            <a:avLst/>
+          </a:prstGeom>
+          <a:noFill/>
+        </p:spPr>
+        <p:txBody>
+          <a:bodyPr wrap="square" rtlCol="0">
+            <a:spAutoFit/>
+          </a:bodyPr>
+          <a:lstStyle/>
+          <a:p>
+            <a:pPr algn="ctr"/>
+            <a:r>
+              <a:rPr lang="en-US" dirty="0"/>
+              <a:t>HW_01</a:t>
+            </a:r>
+          </a:p>
+          <a:p>
+            <a:pPr algn="ctr"/>
+            <a:r>
+              <a:rPr lang="en-US" b="1" u="sng" dirty="0"/>
+              <a:t>Getting Started with R &amp; R Studio</a:t>
+            </a:r>
+          </a:p>
+          <a:p>
+            <a:pPr algn="ctr"/>
+            <a:r>
+              <a:rPr lang="en-US" i="1" dirty="0"/>
+              <a:t>Additional basic slides</a:t>
+            </a:r>
+          </a:p>
+          <a:p>
+            <a:pPr algn="ctr"/>
+            <a:r>
+              <a:rPr lang="en-US" i="1" dirty="0"/>
+              <a:t>More on the PIPE</a:t>
+            </a:r>
+          </a:p>
+          <a:p>
+            <a:pPr algn="ctr"/>
+            <a:r>
+              <a:rPr lang="en-US" i="1" dirty="0"/>
+              <a:t>Declaring factors (1C #1, df_1)</a:t>
+            </a:r>
+          </a:p>
+          <a:p>
+            <a:pPr algn="ctr"/>
+            <a:r>
+              <a:rPr lang="en-US" i="1" dirty="0"/>
+              <a:t>Creating new variables (1C #2, df_2)</a:t>
+            </a:r>
+          </a:p>
+        </p:txBody>
+      </p:sp>
+      <p:grpSp>
+        <p:nvGrpSpPr>
+          <p:cNvPr id="14" name="Group 13"/>
+          <p:cNvGrpSpPr/>
+          <p:nvPr/>
+        </p:nvGrpSpPr>
+        <p:grpSpPr>
+          <a:xfrm>
+            <a:off x="7198839" y="2137179"/>
+            <a:ext cx="3141660" cy="3193339"/>
+            <a:chOff x="7047391" y="1961976"/>
+            <a:chExt cx="3141660" cy="3193339"/>
+          </a:xfrm>
+        </p:grpSpPr>
+        <p:pic>
+          <p:nvPicPr>
+            <p:cNvPr id="2" name="Picture 1"/>
+            <p:cNvPicPr>
+              <a:picLocks noChangeAspect="1"/>
+            </p:cNvPicPr>
+            <p:nvPr/>
+          </p:nvPicPr>
+          <p:blipFill>
+            <a:blip r:embed="rId2" cstate="print">
+              <a:extLst>
+                <a:ext uri="{28A0092B-C50C-407E-A947-70E740481C1C}">
+                  <a14:useLocalDpi xmlns:a14="http://schemas.microsoft.com/office/drawing/2010/main" val="0"/>
+                </a:ext>
+              </a:extLst>
+            </a:blip>
+            <a:stretch>
+              <a:fillRect/>
+            </a:stretch>
+          </p:blipFill>
+          <p:spPr>
+            <a:xfrm>
+              <a:off x="7047391" y="3320161"/>
+              <a:ext cx="1578867" cy="1828804"/>
+            </a:xfrm>
+            <a:prstGeom prst="rect">
+              <a:avLst/>
+            </a:prstGeom>
+          </p:spPr>
+        </p:pic>
+        <p:pic>
+          <p:nvPicPr>
+            <p:cNvPr id="3" name="Picture 2"/>
+            <p:cNvPicPr>
+              <a:picLocks noChangeAspect="1"/>
+            </p:cNvPicPr>
+            <p:nvPr/>
+          </p:nvPicPr>
+          <p:blipFill>
+            <a:blip r:embed="rId3" cstate="print">
+              <a:extLst>
+                <a:ext uri="{28A0092B-C50C-407E-A947-70E740481C1C}">
+                  <a14:useLocalDpi xmlns:a14="http://schemas.microsoft.com/office/drawing/2010/main" val="0"/>
+                </a:ext>
+              </a:extLst>
+            </a:blip>
+            <a:stretch>
+              <a:fillRect/>
+            </a:stretch>
+          </p:blipFill>
+          <p:spPr>
+            <a:xfrm>
+              <a:off x="7830475" y="1961976"/>
+              <a:ext cx="1578867" cy="1828804"/>
+            </a:xfrm>
+            <a:prstGeom prst="rect">
+              <a:avLst/>
+            </a:prstGeom>
+          </p:spPr>
+        </p:pic>
+        <p:pic>
+          <p:nvPicPr>
+            <p:cNvPr id="11" name="Picture 10"/>
+            <p:cNvPicPr>
+              <a:picLocks noChangeAspect="1"/>
+            </p:cNvPicPr>
+            <p:nvPr/>
+          </p:nvPicPr>
+          <p:blipFill>
+            <a:blip r:embed="rId4" cstate="print">
+              <a:extLst>
+                <a:ext uri="{28A0092B-C50C-407E-A947-70E740481C1C}">
+                  <a14:useLocalDpi xmlns:a14="http://schemas.microsoft.com/office/drawing/2010/main" val="0"/>
+                </a:ext>
+              </a:extLst>
+            </a:blip>
+            <a:stretch>
+              <a:fillRect/>
+            </a:stretch>
+          </p:blipFill>
+          <p:spPr>
+            <a:xfrm>
+              <a:off x="8610184" y="3326511"/>
+              <a:ext cx="1578867" cy="1828804"/>
+            </a:xfrm>
+            <a:prstGeom prst="rect">
+              <a:avLst/>
+            </a:prstGeom>
+          </p:spPr>
+        </p:pic>
+      </p:grpSp>
+      <p:pic>
+        <p:nvPicPr>
+          <p:cNvPr id="12" name="Picture 11"/>
+          <p:cNvPicPr>
+            <a:picLocks noChangeAspect="1"/>
+          </p:cNvPicPr>
+          <p:nvPr/>
+        </p:nvPicPr>
+        <p:blipFill>
+          <a:blip r:embed="rId5" cstate="print">
+            <a:extLst>
+              <a:ext uri="{28A0092B-C50C-407E-A947-70E740481C1C}">
+                <a14:useLocalDpi xmlns:a14="http://schemas.microsoft.com/office/drawing/2010/main" val="0"/>
+              </a:ext>
+            </a:extLst>
+          </a:blip>
+          <a:stretch>
+            <a:fillRect/>
+          </a:stretch>
+        </p:blipFill>
+        <p:spPr>
+          <a:xfrm>
+            <a:off x="2035110" y="1019593"/>
+            <a:ext cx="1578867" cy="1828804"/>
+          </a:xfrm>
+          <a:prstGeom prst="rect">
+            <a:avLst/>
+          </a:prstGeom>
+        </p:spPr>
+      </p:pic>
+      <p:pic>
+        <p:nvPicPr>
+          <p:cNvPr id="13" name="Picture 12" descr="Hello summer illustration vector. with cute summer icon and ...">
+            <a:extLst>
+              <a:ext uri="{FF2B5EF4-FFF2-40B4-BE49-F238E27FC236}">
+                <a16:creationId xmlns:a16="http://schemas.microsoft.com/office/drawing/2014/main" id="{50B5A1E4-2998-48E4-BC77-79D8790DF13F}"/>
+              </a:ext>
+            </a:extLst>
+          </p:cNvPr>
+          <p:cNvPicPr/>
+          <p:nvPr/>
+        </p:nvPicPr>
+        <p:blipFill>
+          <a:blip r:embed="rId6" cstate="print">
+            <a:clrChange>
+              <a:clrFrom>
+                <a:srgbClr val="FFFFFF"/>
+              </a:clrFrom>
+              <a:clrTo>
+                <a:srgbClr val="FFFFFF">
+                  <a:alpha val="0"/>
+                </a:srgbClr>
+              </a:clrTo>
+            </a:clrChange>
+            <a:extLst>
+              <a:ext uri="{28A0092B-C50C-407E-A947-70E740481C1C}">
+                <a14:useLocalDpi xmlns:a14="http://schemas.microsoft.com/office/drawing/2010/main" val="0"/>
+              </a:ext>
+            </a:extLst>
+          </a:blip>
+          <a:srcRect/>
+          <a:stretch>
+            <a:fillRect/>
+          </a:stretch>
+        </p:blipFill>
+        <p:spPr bwMode="auto">
+          <a:xfrm>
+            <a:off x="1784203" y="4158563"/>
+            <a:ext cx="1578867" cy="1406017"/>
+          </a:xfrm>
+          <a:prstGeom prst="rect">
+            <a:avLst/>
+          </a:prstGeom>
+          <a:noFill/>
+          <a:extLst>
+            <a:ext uri="{909E8E84-426E-40DD-AFC4-6F175D3DCCD1}">
+              <a14:hiddenFill xmlns:a14="http://schemas.microsoft.com/office/drawing/2010/main">
+                <a:solidFill>
+                  <a:srgbClr val="FFFFFF"/>
+                </a:solidFill>
+              </a14:hiddenFill>
+            </a:ext>
+          </a:extLst>
+        </p:spPr>
+      </p:pic>
+      <p:pic>
+        <p:nvPicPr>
+          <p:cNvPr id="1028" name="Picture 4" descr="Calendar, schedule, schedule icon icon">
+            <a:extLst>
+              <a:ext uri="{FF2B5EF4-FFF2-40B4-BE49-F238E27FC236}">
+                <a16:creationId xmlns:a16="http://schemas.microsoft.com/office/drawing/2014/main" id="{C17B732E-BA53-4386-9A3E-FF78AABEEECB}"/>
+              </a:ext>
+            </a:extLst>
+          </p:cNvPr>
+          <p:cNvPicPr>
+            <a:picLocks noChangeAspect="1" noChangeArrowheads="1"/>
+          </p:cNvPicPr>
+          <p:nvPr/>
+        </p:nvPicPr>
+        <p:blipFill>
+          <a:blip r:embed="rId7" cstate="print">
+            <a:extLst>
+              <a:ext uri="{28A0092B-C50C-407E-A947-70E740481C1C}">
+                <a14:useLocalDpi xmlns:a14="http://schemas.microsoft.com/office/drawing/2010/main" val="0"/>
+              </a:ext>
+            </a:extLst>
+          </a:blip>
+          <a:srcRect/>
+          <a:stretch>
+            <a:fillRect/>
+          </a:stretch>
+        </p:blipFill>
+        <p:spPr bwMode="auto">
+          <a:xfrm>
+            <a:off x="1944790" y="4668816"/>
+            <a:ext cx="1257692" cy="1257692"/>
+          </a:xfrm>
+          <a:prstGeom prst="rect">
+            <a:avLst/>
+          </a:prstGeom>
+          <a:noFill/>
+          <a:extLst>
+            <a:ext uri="{909E8E84-426E-40DD-AFC4-6F175D3DCCD1}">
+              <a14:hiddenFill xmlns:a14="http://schemas.microsoft.com/office/drawing/2010/main">
+                <a:solidFill>
+                  <a:srgbClr val="FFFFFF"/>
+                </a:solidFill>
+              </a14:hiddenFill>
+            </a:ext>
+          </a:extLst>
+        </p:spPr>
+      </p:pic>
+      <p:sp>
+        <p:nvSpPr>
+          <p:cNvPr id="5" name="TextBox 4">
+            <a:extLst>
+              <a:ext uri="{FF2B5EF4-FFF2-40B4-BE49-F238E27FC236}">
+                <a16:creationId xmlns:a16="http://schemas.microsoft.com/office/drawing/2014/main" id="{803FD3B0-B62F-442A-AC07-BC6B0D20FF53}"/>
+              </a:ext>
+            </a:extLst>
+          </p:cNvPr>
+          <p:cNvSpPr txBox="1"/>
+          <p:nvPr/>
+        </p:nvSpPr>
+        <p:spPr>
+          <a:xfrm>
+            <a:off x="3021210" y="5278932"/>
+            <a:ext cx="2614836" cy="369332"/>
+          </a:xfrm>
+          <a:prstGeom prst="rect">
+            <a:avLst/>
+          </a:prstGeom>
+          <a:noFill/>
+        </p:spPr>
+        <p:txBody>
+          <a:bodyPr wrap="square" rtlCol="0">
+            <a:spAutoFit/>
+          </a:bodyPr>
+          <a:lstStyle/>
+          <a:p>
+            <a:r>
+              <a:rPr lang="en-US" dirty="0"/>
+              <a:t>After Day 2 of 13</a:t>
+            </a:r>
+          </a:p>
+        </p:txBody>
+      </p:sp>
+      <p:sp>
+        <p:nvSpPr>
+          <p:cNvPr id="15" name="TextBox 14">
+            <a:extLst>
+              <a:ext uri="{FF2B5EF4-FFF2-40B4-BE49-F238E27FC236}">
+                <a16:creationId xmlns:a16="http://schemas.microsoft.com/office/drawing/2014/main" id="{ED772940-6A60-4E55-A11A-675405DD459E}"/>
+              </a:ext>
+            </a:extLst>
+          </p:cNvPr>
+          <p:cNvSpPr txBox="1"/>
+          <p:nvPr/>
+        </p:nvSpPr>
+        <p:spPr>
+          <a:xfrm>
+            <a:off x="3838696" y="1056832"/>
+            <a:ext cx="5712369" cy="1754326"/>
+          </a:xfrm>
+          <a:prstGeom prst="rect">
+            <a:avLst/>
+          </a:prstGeom>
+          <a:noFill/>
+        </p:spPr>
+        <p:txBody>
+          <a:bodyPr wrap="square" rtlCol="0">
+            <a:spAutoFit/>
+          </a:bodyPr>
+          <a:lstStyle/>
+          <a:p>
+            <a:r>
+              <a:rPr lang="en-US" sz="5400" dirty="0"/>
+              <a:t>Virtual </a:t>
+            </a:r>
+          </a:p>
+          <a:p>
+            <a:r>
+              <a:rPr lang="en-US" sz="5400" dirty="0"/>
+              <a:t>Office Hours</a:t>
+            </a:r>
+          </a:p>
+        </p:txBody>
+      </p:sp>
+    </p:spTree>
+    <p:extLst>
+      <p:ext uri="{BB962C8B-B14F-4D97-AF65-F5344CB8AC3E}">
+        <p14:creationId xmlns:p14="http://schemas.microsoft.com/office/powerpoint/2010/main" val="1205030995"/>
+      </p:ext>
+    </p:extLst>
+  </p:cSld>
+  <p:clrMapOvr>
+    <a:masterClrMapping/>
+  </p:clrMapOvr>
+</p:sld>
+</file>
+
+<file path=ppt/slides/slide7.xml><?xml version="1.0" encoding="utf-8"?>
+<p:sld xmlns:a="http://schemas.openxmlformats.org/drawingml/2006/main" xmlns:r="http://schemas.openxmlformats.org/officeDocument/2006/relationships" xmlns:p="http://schemas.openxmlformats.org/presentationml/2006/main">
+  <p:cSld>
+    <p:spTree>
+      <p:nvGrpSpPr>
+        <p:cNvPr id="1" name=""/>
+        <p:cNvGrpSpPr/>
+        <p:nvPr/>
+      </p:nvGrpSpPr>
+      <p:grpSpPr>
+        <a:xfrm>
+          <a:off x="0" y="0"/>
+          <a:ext cx="0" cy="0"/>
+          <a:chOff x="0" y="0"/>
+          <a:chExt cx="0" cy="0"/>
+        </a:xfrm>
+      </p:grpSpPr>
+      <p:sp>
+        <p:nvSpPr>
+          <p:cNvPr id="4" name="Rectangle 3"/>
+          <p:cNvSpPr/>
+          <p:nvPr/>
+        </p:nvSpPr>
+        <p:spPr>
+          <a:xfrm>
+            <a:off x="1706880" y="923544"/>
+            <a:ext cx="8778240" cy="5010912"/>
+          </a:xfrm>
+          <a:prstGeom prst="rect">
+            <a:avLst/>
+          </a:prstGeom>
+          <a:solidFill>
+            <a:schemeClr val="bg1">
+              <a:lumMod val="95000"/>
+            </a:schemeClr>
+          </a:solidFill>
+          <a:ln w="38100"/>
+        </p:spPr>
+        <p:style>
+          <a:lnRef idx="2">
+            <a:schemeClr val="accent1">
+              <a:shade val="50000"/>
+            </a:schemeClr>
+          </a:lnRef>
+          <a:fillRef idx="1">
+            <a:schemeClr val="accent1"/>
+          </a:fillRef>
+          <a:effectRef idx="0">
+            <a:schemeClr val="accent1"/>
+          </a:effectRef>
+          <a:fontRef idx="minor">
+            <a:schemeClr val="lt1"/>
+          </a:fontRef>
+        </p:style>
+        <p:txBody>
+          <a:bodyPr rtlCol="0" anchor="ctr"/>
+          <a:lstStyle/>
+          <a:p>
+            <a:pPr algn="ctr"/>
+            <a:endParaRPr lang="en-US"/>
+          </a:p>
+        </p:txBody>
+      </p:sp>
+      <p:sp>
+        <p:nvSpPr>
+          <p:cNvPr id="7" name="TextBox 6"/>
+          <p:cNvSpPr txBox="1"/>
+          <p:nvPr/>
+        </p:nvSpPr>
+        <p:spPr>
+          <a:xfrm>
+            <a:off x="3840385" y="1213849"/>
+            <a:ext cx="5712369" cy="923330"/>
+          </a:xfrm>
+          <a:prstGeom prst="rect">
+            <a:avLst/>
+          </a:prstGeom>
+          <a:noFill/>
+        </p:spPr>
+        <p:txBody>
+          <a:bodyPr wrap="square" rtlCol="0">
+            <a:spAutoFit/>
+          </a:bodyPr>
+          <a:lstStyle/>
+          <a:p>
+            <a:r>
+              <a:rPr lang="en-US" sz="5400" dirty="0"/>
+              <a:t>INCLASS LECTURES</a:t>
+            </a:r>
+          </a:p>
+        </p:txBody>
+      </p:sp>
+      <p:sp>
+        <p:nvSpPr>
+          <p:cNvPr id="8" name="TextBox 7"/>
+          <p:cNvSpPr txBox="1"/>
+          <p:nvPr/>
+        </p:nvSpPr>
+        <p:spPr>
+          <a:xfrm>
+            <a:off x="7731444" y="5278932"/>
+            <a:ext cx="2076450" cy="369332"/>
+          </a:xfrm>
+          <a:prstGeom prst="rect">
+            <a:avLst/>
+          </a:prstGeom>
+          <a:noFill/>
+        </p:spPr>
+        <p:txBody>
+          <a:bodyPr wrap="square" rtlCol="0">
+            <a:spAutoFit/>
+          </a:bodyPr>
+          <a:lstStyle/>
+          <a:p>
+            <a:pPr algn="ctr"/>
+            <a:r>
+              <a:rPr lang="en-US" dirty="0"/>
+              <a:t>May 6, 2020</a:t>
+            </a:r>
+          </a:p>
+        </p:txBody>
+      </p:sp>
+      <p:sp>
+        <p:nvSpPr>
+          <p:cNvPr id="9" name="TextBox 8"/>
+          <p:cNvSpPr txBox="1"/>
+          <p:nvPr/>
+        </p:nvSpPr>
+        <p:spPr>
+          <a:xfrm>
+            <a:off x="2365000" y="2644649"/>
+            <a:ext cx="5005769" cy="2308324"/>
+          </a:xfrm>
+          <a:prstGeom prst="rect">
+            <a:avLst/>
+          </a:prstGeom>
+          <a:noFill/>
+        </p:spPr>
+        <p:txBody>
+          <a:bodyPr wrap="square" rtlCol="0">
+            <a:spAutoFit/>
+          </a:bodyPr>
+          <a:lstStyle/>
+          <a:p>
+            <a:pPr algn="ctr"/>
+            <a:r>
+              <a:rPr lang="en-US" dirty="0"/>
+              <a:t>Chapter 1</a:t>
+            </a:r>
+          </a:p>
+          <a:p>
+            <a:pPr algn="ctr"/>
+            <a:r>
+              <a:rPr lang="en-US" b="1" u="sng" dirty="0"/>
+              <a:t>Getting Started with R &amp; R Studio</a:t>
+            </a:r>
+          </a:p>
+          <a:p>
+            <a:pPr algn="ctr"/>
+            <a:r>
+              <a:rPr lang="en-US" i="1" dirty="0"/>
+              <a:t>Workspace Orientation</a:t>
+            </a:r>
+          </a:p>
+          <a:p>
+            <a:pPr algn="ctr"/>
+            <a:r>
+              <a:rPr lang="en-US" i="1" dirty="0"/>
+              <a:t>Getting Help</a:t>
+            </a:r>
+          </a:p>
+          <a:p>
+            <a:pPr algn="ctr"/>
+            <a:r>
+              <a:rPr lang="en-US" i="1" dirty="0"/>
+              <a:t>Running &amp; knitting</a:t>
+            </a:r>
+          </a:p>
+          <a:p>
+            <a:pPr algn="ctr"/>
+            <a:r>
+              <a:rPr lang="en-US" i="1" dirty="0"/>
+              <a:t>Importing data</a:t>
+            </a:r>
+          </a:p>
+          <a:p>
+            <a:pPr algn="ctr"/>
+            <a:r>
+              <a:rPr lang="en-US" i="1" dirty="0"/>
+              <a:t>NA, pipe, assignment</a:t>
+            </a:r>
+          </a:p>
+          <a:p>
+            <a:pPr algn="ctr"/>
+            <a:r>
+              <a:rPr lang="en-US" i="1" dirty="0"/>
+              <a:t>Declaring factors</a:t>
+            </a:r>
+          </a:p>
+        </p:txBody>
+      </p:sp>
+      <p:grpSp>
+        <p:nvGrpSpPr>
+          <p:cNvPr id="14" name="Group 13"/>
+          <p:cNvGrpSpPr/>
+          <p:nvPr/>
+        </p:nvGrpSpPr>
+        <p:grpSpPr>
+          <a:xfrm>
+            <a:off x="7198839" y="2137179"/>
+            <a:ext cx="3141660" cy="3193339"/>
+            <a:chOff x="7047391" y="1961976"/>
+            <a:chExt cx="3141660" cy="3193339"/>
+          </a:xfrm>
+        </p:grpSpPr>
+        <p:pic>
+          <p:nvPicPr>
+            <p:cNvPr id="2" name="Picture 1"/>
+            <p:cNvPicPr>
+              <a:picLocks noChangeAspect="1"/>
+            </p:cNvPicPr>
+            <p:nvPr/>
+          </p:nvPicPr>
+          <p:blipFill>
+            <a:blip r:embed="rId2" cstate="print">
+              <a:extLst>
+                <a:ext uri="{28A0092B-C50C-407E-A947-70E740481C1C}">
+                  <a14:useLocalDpi xmlns:a14="http://schemas.microsoft.com/office/drawing/2010/main" val="0"/>
+                </a:ext>
+              </a:extLst>
+            </a:blip>
+            <a:stretch>
+              <a:fillRect/>
+            </a:stretch>
+          </p:blipFill>
+          <p:spPr>
+            <a:xfrm>
+              <a:off x="7047391" y="3320161"/>
+              <a:ext cx="1578867" cy="1828804"/>
+            </a:xfrm>
+            <a:prstGeom prst="rect">
+              <a:avLst/>
+            </a:prstGeom>
+          </p:spPr>
+        </p:pic>
+        <p:pic>
+          <p:nvPicPr>
+            <p:cNvPr id="3" name="Picture 2"/>
+            <p:cNvPicPr>
+              <a:picLocks noChangeAspect="1"/>
+            </p:cNvPicPr>
+            <p:nvPr/>
+          </p:nvPicPr>
+          <p:blipFill>
+            <a:blip r:embed="rId3" cstate="print">
+              <a:extLst>
+                <a:ext uri="{28A0092B-C50C-407E-A947-70E740481C1C}">
+                  <a14:useLocalDpi xmlns:a14="http://schemas.microsoft.com/office/drawing/2010/main" val="0"/>
+                </a:ext>
+              </a:extLst>
+            </a:blip>
+            <a:stretch>
+              <a:fillRect/>
+            </a:stretch>
+          </p:blipFill>
+          <p:spPr>
+            <a:xfrm>
+              <a:off x="7830475" y="1961976"/>
+              <a:ext cx="1578867" cy="1828804"/>
+            </a:xfrm>
+            <a:prstGeom prst="rect">
+              <a:avLst/>
+            </a:prstGeom>
+          </p:spPr>
+        </p:pic>
+        <p:pic>
+          <p:nvPicPr>
+            <p:cNvPr id="11" name="Picture 10"/>
+            <p:cNvPicPr>
+              <a:picLocks noChangeAspect="1"/>
+            </p:cNvPicPr>
+            <p:nvPr/>
+          </p:nvPicPr>
+          <p:blipFill>
+            <a:blip r:embed="rId4" cstate="print">
+              <a:extLst>
+                <a:ext uri="{28A0092B-C50C-407E-A947-70E740481C1C}">
+                  <a14:useLocalDpi xmlns:a14="http://schemas.microsoft.com/office/drawing/2010/main" val="0"/>
+                </a:ext>
+              </a:extLst>
+            </a:blip>
+            <a:stretch>
+              <a:fillRect/>
+            </a:stretch>
+          </p:blipFill>
+          <p:spPr>
+            <a:xfrm>
+              <a:off x="8610184" y="3326511"/>
+              <a:ext cx="1578867" cy="1828804"/>
+            </a:xfrm>
+            <a:prstGeom prst="rect">
+              <a:avLst/>
+            </a:prstGeom>
+          </p:spPr>
+        </p:pic>
+      </p:grpSp>
+      <p:pic>
+        <p:nvPicPr>
+          <p:cNvPr id="12" name="Picture 11"/>
+          <p:cNvPicPr>
+            <a:picLocks noChangeAspect="1"/>
+          </p:cNvPicPr>
+          <p:nvPr/>
+        </p:nvPicPr>
+        <p:blipFill>
+          <a:blip r:embed="rId5" cstate="print">
+            <a:extLst>
+              <a:ext uri="{28A0092B-C50C-407E-A947-70E740481C1C}">
+                <a14:useLocalDpi xmlns:a14="http://schemas.microsoft.com/office/drawing/2010/main" val="0"/>
+              </a:ext>
+            </a:extLst>
+          </a:blip>
+          <a:stretch>
+            <a:fillRect/>
+          </a:stretch>
+        </p:blipFill>
+        <p:spPr>
+          <a:xfrm>
+            <a:off x="2035110" y="1019593"/>
+            <a:ext cx="1578867" cy="1828804"/>
+          </a:xfrm>
+          <a:prstGeom prst="rect">
+            <a:avLst/>
+          </a:prstGeom>
+        </p:spPr>
+      </p:pic>
+      <p:pic>
+        <p:nvPicPr>
+          <p:cNvPr id="13" name="Picture 12" descr="Hello summer illustration vector. with cute summer icon and ...">
+            <a:extLst>
+              <a:ext uri="{FF2B5EF4-FFF2-40B4-BE49-F238E27FC236}">
+                <a16:creationId xmlns:a16="http://schemas.microsoft.com/office/drawing/2014/main" id="{50B5A1E4-2998-48E4-BC77-79D8790DF13F}"/>
+              </a:ext>
+            </a:extLst>
+          </p:cNvPr>
+          <p:cNvPicPr/>
+          <p:nvPr/>
+        </p:nvPicPr>
+        <p:blipFill>
+          <a:blip r:embed="rId6" cstate="print">
+            <a:clrChange>
+              <a:clrFrom>
+                <a:srgbClr val="FFFFFF"/>
+              </a:clrFrom>
+              <a:clrTo>
+                <a:srgbClr val="FFFFFF">
+                  <a:alpha val="0"/>
+                </a:srgbClr>
+              </a:clrTo>
+            </a:clrChange>
+            <a:extLst>
+              <a:ext uri="{28A0092B-C50C-407E-A947-70E740481C1C}">
+                <a14:useLocalDpi xmlns:a14="http://schemas.microsoft.com/office/drawing/2010/main" val="0"/>
+              </a:ext>
+            </a:extLst>
+          </a:blip>
+          <a:srcRect/>
+          <a:stretch>
+            <a:fillRect/>
+          </a:stretch>
+        </p:blipFill>
+        <p:spPr bwMode="auto">
+          <a:xfrm>
+            <a:off x="1784203" y="4158563"/>
+            <a:ext cx="1578867" cy="1406017"/>
+          </a:xfrm>
+          <a:prstGeom prst="rect">
+            <a:avLst/>
+          </a:prstGeom>
+          <a:noFill/>
+          <a:extLst>
+            <a:ext uri="{909E8E84-426E-40DD-AFC4-6F175D3DCCD1}">
+              <a14:hiddenFill xmlns:a14="http://schemas.microsoft.com/office/drawing/2010/main">
+                <a:solidFill>
+                  <a:srgbClr val="FFFFFF"/>
+                </a:solidFill>
+              </a14:hiddenFill>
+            </a:ext>
+          </a:extLst>
+        </p:spPr>
+      </p:pic>
+      <p:pic>
+        <p:nvPicPr>
+          <p:cNvPr id="1028" name="Picture 4" descr="Calendar, schedule, schedule icon icon">
+            <a:extLst>
+              <a:ext uri="{FF2B5EF4-FFF2-40B4-BE49-F238E27FC236}">
+                <a16:creationId xmlns:a16="http://schemas.microsoft.com/office/drawing/2014/main" id="{C17B732E-BA53-4386-9A3E-FF78AABEEECB}"/>
+              </a:ext>
+            </a:extLst>
+          </p:cNvPr>
+          <p:cNvPicPr>
+            <a:picLocks noChangeAspect="1" noChangeArrowheads="1"/>
+          </p:cNvPicPr>
+          <p:nvPr/>
+        </p:nvPicPr>
+        <p:blipFill>
+          <a:blip r:embed="rId7" cstate="print">
+            <a:extLst>
+              <a:ext uri="{28A0092B-C50C-407E-A947-70E740481C1C}">
+                <a14:useLocalDpi xmlns:a14="http://schemas.microsoft.com/office/drawing/2010/main" val="0"/>
+              </a:ext>
+            </a:extLst>
+          </a:blip>
+          <a:srcRect/>
+          <a:stretch>
+            <a:fillRect/>
+          </a:stretch>
+        </p:blipFill>
+        <p:spPr bwMode="auto">
+          <a:xfrm>
+            <a:off x="1944790" y="4668816"/>
+            <a:ext cx="1257692" cy="1257692"/>
+          </a:xfrm>
+          <a:prstGeom prst="rect">
+            <a:avLst/>
+          </a:prstGeom>
+          <a:noFill/>
+          <a:extLst>
+            <a:ext uri="{909E8E84-426E-40DD-AFC4-6F175D3DCCD1}">
+              <a14:hiddenFill xmlns:a14="http://schemas.microsoft.com/office/drawing/2010/main">
+                <a:solidFill>
+                  <a:srgbClr val="FFFFFF"/>
+                </a:solidFill>
+              </a14:hiddenFill>
+            </a:ext>
+          </a:extLst>
+        </p:spPr>
+      </p:pic>
+      <p:sp>
+        <p:nvSpPr>
+          <p:cNvPr id="5" name="TextBox 4">
+            <a:extLst>
+              <a:ext uri="{FF2B5EF4-FFF2-40B4-BE49-F238E27FC236}">
+                <a16:creationId xmlns:a16="http://schemas.microsoft.com/office/drawing/2014/main" id="{803FD3B0-B62F-442A-AC07-BC6B0D20FF53}"/>
+              </a:ext>
+            </a:extLst>
+          </p:cNvPr>
+          <p:cNvSpPr txBox="1"/>
+          <p:nvPr/>
+        </p:nvSpPr>
+        <p:spPr>
+          <a:xfrm>
+            <a:off x="3021210" y="5278932"/>
+            <a:ext cx="2614836" cy="369332"/>
+          </a:xfrm>
+          <a:prstGeom prst="rect">
+            <a:avLst/>
+          </a:prstGeom>
+          <a:noFill/>
+        </p:spPr>
+        <p:txBody>
+          <a:bodyPr wrap="square" rtlCol="0">
+            <a:spAutoFit/>
+          </a:bodyPr>
+          <a:lstStyle/>
+          <a:p>
+            <a:r>
+              <a:rPr lang="en-US" dirty="0"/>
+              <a:t>Part 2 of 2, Day 2 of 13</a:t>
+            </a:r>
+          </a:p>
+        </p:txBody>
+      </p:sp>
+    </p:spTree>
+    <p:extLst>
+      <p:ext uri="{BB962C8B-B14F-4D97-AF65-F5344CB8AC3E}">
+        <p14:creationId xmlns:p14="http://schemas.microsoft.com/office/powerpoint/2010/main" val="3166273230"/>
+      </p:ext>
+    </p:extLst>
+  </p:cSld>
+  <p:clrMapOvr>
+    <a:masterClrMapping/>
+  </p:clrMapOvr>
+</p:sld>
+</file>
+
+<file path=ppt/slides/slide8.xml><?xml version="1.0" encoding="utf-8"?>
+<p:sld xmlns:a="http://schemas.openxmlformats.org/drawingml/2006/main" xmlns:r="http://schemas.openxmlformats.org/officeDocument/2006/relationships" xmlns:p="http://schemas.openxmlformats.org/presentationml/2006/main">
+  <p:cSld>
+    <p:spTree>
+      <p:nvGrpSpPr>
+        <p:cNvPr id="1" name=""/>
+        <p:cNvGrpSpPr/>
+        <p:nvPr/>
+      </p:nvGrpSpPr>
+      <p:grpSpPr>
+        <a:xfrm>
+          <a:off x="0" y="0"/>
+          <a:ext cx="0" cy="0"/>
+          <a:chOff x="0" y="0"/>
+          <a:chExt cx="0" cy="0"/>
+        </a:xfrm>
+      </p:grpSpPr>
+      <p:sp>
+        <p:nvSpPr>
+          <p:cNvPr id="4" name="Rectangle 3"/>
+          <p:cNvSpPr/>
+          <p:nvPr/>
+        </p:nvSpPr>
+        <p:spPr>
+          <a:xfrm>
+            <a:off x="1706880" y="923544"/>
+            <a:ext cx="8778240" cy="5010912"/>
+          </a:xfrm>
+          <a:prstGeom prst="rect">
+            <a:avLst/>
+          </a:prstGeom>
+          <a:solidFill>
+            <a:schemeClr val="bg1">
+              <a:lumMod val="95000"/>
+            </a:schemeClr>
+          </a:solidFill>
+          <a:ln w="38100"/>
+        </p:spPr>
+        <p:style>
+          <a:lnRef idx="2">
+            <a:schemeClr val="accent1">
+              <a:shade val="50000"/>
+            </a:schemeClr>
+          </a:lnRef>
+          <a:fillRef idx="1">
+            <a:schemeClr val="accent1"/>
+          </a:fillRef>
+          <a:effectRef idx="0">
+            <a:schemeClr val="accent1"/>
+          </a:effectRef>
+          <a:fontRef idx="minor">
+            <a:schemeClr val="lt1"/>
+          </a:fontRef>
+        </p:style>
+        <p:txBody>
+          <a:bodyPr rtlCol="0" anchor="ctr"/>
+          <a:lstStyle/>
+          <a:p>
+            <a:pPr algn="ctr"/>
+            <a:endParaRPr lang="en-US"/>
+          </a:p>
+        </p:txBody>
+      </p:sp>
+      <p:sp>
+        <p:nvSpPr>
+          <p:cNvPr id="7" name="TextBox 6"/>
+          <p:cNvSpPr txBox="1"/>
+          <p:nvPr/>
+        </p:nvSpPr>
+        <p:spPr>
+          <a:xfrm>
+            <a:off x="3840385" y="1213849"/>
+            <a:ext cx="5712369" cy="923330"/>
+          </a:xfrm>
+          <a:prstGeom prst="rect">
+            <a:avLst/>
+          </a:prstGeom>
+          <a:noFill/>
+        </p:spPr>
+        <p:txBody>
+          <a:bodyPr wrap="square" rtlCol="0">
+            <a:spAutoFit/>
+          </a:bodyPr>
+          <a:lstStyle/>
+          <a:p>
+            <a:r>
+              <a:rPr lang="en-US" sz="5400" dirty="0"/>
+              <a:t>INCLASS LECTURES</a:t>
+            </a:r>
+          </a:p>
+        </p:txBody>
+      </p:sp>
+      <p:sp>
+        <p:nvSpPr>
+          <p:cNvPr id="8" name="TextBox 7"/>
+          <p:cNvSpPr txBox="1"/>
+          <p:nvPr/>
+        </p:nvSpPr>
+        <p:spPr>
+          <a:xfrm>
+            <a:off x="7731444" y="5278932"/>
+            <a:ext cx="2076450" cy="369332"/>
+          </a:xfrm>
+          <a:prstGeom prst="rect">
+            <a:avLst/>
+          </a:prstGeom>
+          <a:noFill/>
+        </p:spPr>
+        <p:txBody>
+          <a:bodyPr wrap="square" rtlCol="0">
+            <a:spAutoFit/>
+          </a:bodyPr>
+          <a:lstStyle/>
+          <a:p>
+            <a:pPr algn="ctr"/>
+            <a:r>
+              <a:rPr lang="en-US" dirty="0"/>
+              <a:t>May 6, 2020</a:t>
+            </a:r>
+          </a:p>
+        </p:txBody>
+      </p:sp>
+      <p:sp>
+        <p:nvSpPr>
+          <p:cNvPr id="9" name="TextBox 8"/>
+          <p:cNvSpPr txBox="1"/>
+          <p:nvPr/>
+        </p:nvSpPr>
+        <p:spPr>
+          <a:xfrm>
+            <a:off x="2365000" y="2644649"/>
+            <a:ext cx="5005769" cy="2031325"/>
+          </a:xfrm>
+          <a:prstGeom prst="rect">
+            <a:avLst/>
+          </a:prstGeom>
+          <a:noFill/>
+        </p:spPr>
+        <p:txBody>
+          <a:bodyPr wrap="square" rtlCol="0">
+            <a:spAutoFit/>
+          </a:bodyPr>
+          <a:lstStyle/>
+          <a:p>
+            <a:pPr algn="ctr"/>
+            <a:r>
+              <a:rPr lang="en-US" dirty="0"/>
+              <a:t>Chapter 1</a:t>
+            </a:r>
+          </a:p>
+          <a:p>
+            <a:pPr algn="ctr"/>
+            <a:r>
+              <a:rPr lang="en-US" b="1" u="sng" dirty="0"/>
+              <a:t>Basic Vocabulary and Skills</a:t>
+            </a:r>
+          </a:p>
+          <a:p>
+            <a:pPr algn="ctr"/>
+            <a:r>
+              <a:rPr lang="en-US" i="1" dirty="0"/>
+              <a:t>Scales of Measure</a:t>
+            </a:r>
+          </a:p>
+          <a:p>
+            <a:pPr algn="ctr"/>
+            <a:r>
+              <a:rPr lang="en-US" i="1" dirty="0"/>
+              <a:t>Type of Variable</a:t>
+            </a:r>
+          </a:p>
+          <a:p>
+            <a:pPr algn="ctr"/>
+            <a:r>
+              <a:rPr lang="en-US" i="1" dirty="0"/>
+              <a:t>Study Design</a:t>
+            </a:r>
+          </a:p>
+          <a:p>
+            <a:pPr algn="ctr"/>
+            <a:r>
+              <a:rPr lang="en-US" i="1" dirty="0"/>
+              <a:t>Rounding Numbers</a:t>
+            </a:r>
+          </a:p>
+          <a:p>
+            <a:pPr algn="ctr"/>
+            <a:r>
+              <a:rPr lang="en-US" i="1" dirty="0"/>
+              <a:t>Summation Notation</a:t>
+            </a:r>
+          </a:p>
+        </p:txBody>
+      </p:sp>
+      <p:grpSp>
+        <p:nvGrpSpPr>
+          <p:cNvPr id="14" name="Group 13"/>
+          <p:cNvGrpSpPr/>
+          <p:nvPr/>
+        </p:nvGrpSpPr>
+        <p:grpSpPr>
+          <a:xfrm>
+            <a:off x="7198839" y="2137179"/>
+            <a:ext cx="3141660" cy="3193339"/>
+            <a:chOff x="7047391" y="1961976"/>
+            <a:chExt cx="3141660" cy="3193339"/>
+          </a:xfrm>
+        </p:grpSpPr>
+        <p:pic>
+          <p:nvPicPr>
+            <p:cNvPr id="2" name="Picture 1"/>
+            <p:cNvPicPr>
+              <a:picLocks noChangeAspect="1"/>
+            </p:cNvPicPr>
+            <p:nvPr/>
+          </p:nvPicPr>
+          <p:blipFill>
+            <a:blip r:embed="rId2" cstate="print">
+              <a:extLst>
+                <a:ext uri="{28A0092B-C50C-407E-A947-70E740481C1C}">
+                  <a14:useLocalDpi xmlns:a14="http://schemas.microsoft.com/office/drawing/2010/main" val="0"/>
+                </a:ext>
+              </a:extLst>
+            </a:blip>
+            <a:stretch>
+              <a:fillRect/>
+            </a:stretch>
+          </p:blipFill>
+          <p:spPr>
+            <a:xfrm>
+              <a:off x="7047391" y="3320161"/>
+              <a:ext cx="1578867" cy="1828804"/>
+            </a:xfrm>
+            <a:prstGeom prst="rect">
+              <a:avLst/>
+            </a:prstGeom>
+          </p:spPr>
+        </p:pic>
+        <p:pic>
+          <p:nvPicPr>
+            <p:cNvPr id="3" name="Picture 2"/>
+            <p:cNvPicPr>
+              <a:picLocks noChangeAspect="1"/>
+            </p:cNvPicPr>
+            <p:nvPr/>
+          </p:nvPicPr>
+          <p:blipFill>
+            <a:blip r:embed="rId3" cstate="print">
+              <a:extLst>
+                <a:ext uri="{28A0092B-C50C-407E-A947-70E740481C1C}">
+                  <a14:useLocalDpi xmlns:a14="http://schemas.microsoft.com/office/drawing/2010/main" val="0"/>
+                </a:ext>
+              </a:extLst>
+            </a:blip>
+            <a:stretch>
+              <a:fillRect/>
+            </a:stretch>
+          </p:blipFill>
+          <p:spPr>
+            <a:xfrm>
+              <a:off x="7830475" y="1961976"/>
+              <a:ext cx="1578867" cy="1828804"/>
+            </a:xfrm>
+            <a:prstGeom prst="rect">
+              <a:avLst/>
+            </a:prstGeom>
+          </p:spPr>
+        </p:pic>
+        <p:pic>
+          <p:nvPicPr>
+            <p:cNvPr id="11" name="Picture 10"/>
+            <p:cNvPicPr>
+              <a:picLocks noChangeAspect="1"/>
+            </p:cNvPicPr>
+            <p:nvPr/>
+          </p:nvPicPr>
+          <p:blipFill>
+            <a:blip r:embed="rId4" cstate="print">
+              <a:extLst>
+                <a:ext uri="{28A0092B-C50C-407E-A947-70E740481C1C}">
+                  <a14:useLocalDpi xmlns:a14="http://schemas.microsoft.com/office/drawing/2010/main" val="0"/>
+                </a:ext>
+              </a:extLst>
+            </a:blip>
+            <a:stretch>
+              <a:fillRect/>
+            </a:stretch>
+          </p:blipFill>
+          <p:spPr>
+            <a:xfrm>
+              <a:off x="8610184" y="3326511"/>
+              <a:ext cx="1578867" cy="1828804"/>
+            </a:xfrm>
+            <a:prstGeom prst="rect">
+              <a:avLst/>
+            </a:prstGeom>
+          </p:spPr>
+        </p:pic>
+      </p:grpSp>
+      <p:pic>
+        <p:nvPicPr>
+          <p:cNvPr id="12" name="Picture 11"/>
+          <p:cNvPicPr>
+            <a:picLocks noChangeAspect="1"/>
+          </p:cNvPicPr>
+          <p:nvPr/>
+        </p:nvPicPr>
+        <p:blipFill>
+          <a:blip r:embed="rId5" cstate="print">
+            <a:extLst>
+              <a:ext uri="{28A0092B-C50C-407E-A947-70E740481C1C}">
+                <a14:useLocalDpi xmlns:a14="http://schemas.microsoft.com/office/drawing/2010/main" val="0"/>
+              </a:ext>
+            </a:extLst>
+          </a:blip>
+          <a:stretch>
+            <a:fillRect/>
+          </a:stretch>
+        </p:blipFill>
+        <p:spPr>
+          <a:xfrm>
+            <a:off x="2035110" y="1019593"/>
+            <a:ext cx="1578867" cy="1828804"/>
+          </a:xfrm>
+          <a:prstGeom prst="rect">
+            <a:avLst/>
+          </a:prstGeom>
+        </p:spPr>
+      </p:pic>
+      <p:pic>
+        <p:nvPicPr>
+          <p:cNvPr id="13" name="Picture 12" descr="Hello summer illustration vector. with cute summer icon and ...">
+            <a:extLst>
+              <a:ext uri="{FF2B5EF4-FFF2-40B4-BE49-F238E27FC236}">
+                <a16:creationId xmlns:a16="http://schemas.microsoft.com/office/drawing/2014/main" id="{50B5A1E4-2998-48E4-BC77-79D8790DF13F}"/>
+              </a:ext>
+            </a:extLst>
+          </p:cNvPr>
+          <p:cNvPicPr/>
+          <p:nvPr/>
+        </p:nvPicPr>
+        <p:blipFill>
+          <a:blip r:embed="rId6" cstate="print">
+            <a:clrChange>
+              <a:clrFrom>
+                <a:srgbClr val="FFFFFF"/>
+              </a:clrFrom>
+              <a:clrTo>
+                <a:srgbClr val="FFFFFF">
+                  <a:alpha val="0"/>
+                </a:srgbClr>
+              </a:clrTo>
+            </a:clrChange>
+            <a:extLst>
+              <a:ext uri="{28A0092B-C50C-407E-A947-70E740481C1C}">
+                <a14:useLocalDpi xmlns:a14="http://schemas.microsoft.com/office/drawing/2010/main" val="0"/>
+              </a:ext>
+            </a:extLst>
+          </a:blip>
+          <a:srcRect/>
+          <a:stretch>
+            <a:fillRect/>
+          </a:stretch>
+        </p:blipFill>
+        <p:spPr bwMode="auto">
+          <a:xfrm>
+            <a:off x="1784203" y="4158563"/>
+            <a:ext cx="1578867" cy="1406017"/>
+          </a:xfrm>
+          <a:prstGeom prst="rect">
+            <a:avLst/>
+          </a:prstGeom>
+          <a:noFill/>
+          <a:extLst>
+            <a:ext uri="{909E8E84-426E-40DD-AFC4-6F175D3DCCD1}">
+              <a14:hiddenFill xmlns:a14="http://schemas.microsoft.com/office/drawing/2010/main">
+                <a:solidFill>
+                  <a:srgbClr val="FFFFFF"/>
+                </a:solidFill>
+              </a14:hiddenFill>
+            </a:ext>
+          </a:extLst>
+        </p:spPr>
+      </p:pic>
+      <p:pic>
+        <p:nvPicPr>
+          <p:cNvPr id="1028" name="Picture 4" descr="Calendar, schedule, schedule icon icon">
+            <a:extLst>
+              <a:ext uri="{FF2B5EF4-FFF2-40B4-BE49-F238E27FC236}">
+                <a16:creationId xmlns:a16="http://schemas.microsoft.com/office/drawing/2014/main" id="{C17B732E-BA53-4386-9A3E-FF78AABEEECB}"/>
+              </a:ext>
+            </a:extLst>
+          </p:cNvPr>
+          <p:cNvPicPr>
+            <a:picLocks noChangeAspect="1" noChangeArrowheads="1"/>
+          </p:cNvPicPr>
+          <p:nvPr/>
+        </p:nvPicPr>
+        <p:blipFill>
+          <a:blip r:embed="rId7" cstate="print">
+            <a:extLst>
+              <a:ext uri="{28A0092B-C50C-407E-A947-70E740481C1C}">
+                <a14:useLocalDpi xmlns:a14="http://schemas.microsoft.com/office/drawing/2010/main" val="0"/>
+              </a:ext>
+            </a:extLst>
+          </a:blip>
+          <a:srcRect/>
+          <a:stretch>
+            <a:fillRect/>
+          </a:stretch>
+        </p:blipFill>
+        <p:spPr bwMode="auto">
+          <a:xfrm>
+            <a:off x="1944790" y="4668816"/>
+            <a:ext cx="1257692" cy="1257692"/>
+          </a:xfrm>
+          <a:prstGeom prst="rect">
+            <a:avLst/>
+          </a:prstGeom>
+          <a:noFill/>
+          <a:extLst>
+            <a:ext uri="{909E8E84-426E-40DD-AFC4-6F175D3DCCD1}">
+              <a14:hiddenFill xmlns:a14="http://schemas.microsoft.com/office/drawing/2010/main">
+                <a:solidFill>
+                  <a:srgbClr val="FFFFFF"/>
+                </a:solidFill>
+              </a14:hiddenFill>
+            </a:ext>
+          </a:extLst>
+        </p:spPr>
+      </p:pic>
+      <p:sp>
+        <p:nvSpPr>
+          <p:cNvPr id="5" name="TextBox 4">
+            <a:extLst>
+              <a:ext uri="{FF2B5EF4-FFF2-40B4-BE49-F238E27FC236}">
+                <a16:creationId xmlns:a16="http://schemas.microsoft.com/office/drawing/2014/main" id="{803FD3B0-B62F-442A-AC07-BC6B0D20FF53}"/>
+              </a:ext>
+            </a:extLst>
+          </p:cNvPr>
+          <p:cNvSpPr txBox="1"/>
+          <p:nvPr/>
+        </p:nvSpPr>
+        <p:spPr>
+          <a:xfrm>
+            <a:off x="3021210" y="5278932"/>
+            <a:ext cx="2614836" cy="369332"/>
+          </a:xfrm>
+          <a:prstGeom prst="rect">
+            <a:avLst/>
+          </a:prstGeom>
+          <a:noFill/>
+        </p:spPr>
+        <p:txBody>
+          <a:bodyPr wrap="square" rtlCol="0">
+            <a:spAutoFit/>
+          </a:bodyPr>
+          <a:lstStyle/>
+          <a:p>
+            <a:r>
+              <a:rPr lang="en-US" dirty="0"/>
+              <a:t>Part 1 of 2, Day 2 of 13</a:t>
+            </a:r>
+          </a:p>
+        </p:txBody>
+      </p:sp>
+    </p:spTree>
+    <p:extLst>
+      <p:ext uri="{BB962C8B-B14F-4D97-AF65-F5344CB8AC3E}">
+        <p14:creationId xmlns:p14="http://schemas.microsoft.com/office/powerpoint/2010/main" val="121509918"/>
+      </p:ext>
+    </p:extLst>
+  </p:cSld>
+  <p:clrMapOvr>
+    <a:masterClrMapping/>
+  </p:clrMapOvr>
+</p:sld>
+</file>
+
+<file path=ppt/slides/slide9.xml><?xml version="1.0" encoding="utf-8"?>
+<p:sld xmlns:a="http://schemas.openxmlformats.org/drawingml/2006/main" xmlns:r="http://schemas.openxmlformats.org/officeDocument/2006/relationships" xmlns:p="http://schemas.openxmlformats.org/presentationml/2006/main">
+  <p:cSld>
+    <p:spTree>
+      <p:nvGrpSpPr>
+        <p:cNvPr id="1" name=""/>
+        <p:cNvGrpSpPr/>
+        <p:nvPr/>
+      </p:nvGrpSpPr>
+      <p:grpSpPr>
+        <a:xfrm>
+          <a:off x="0" y="0"/>
+          <a:ext cx="0" cy="0"/>
+          <a:chOff x="0" y="0"/>
+          <a:chExt cx="0" cy="0"/>
+        </a:xfrm>
+      </p:grpSpPr>
+      <p:sp>
+        <p:nvSpPr>
+          <p:cNvPr id="4" name="Rectangle 3"/>
+          <p:cNvSpPr/>
+          <p:nvPr/>
+        </p:nvSpPr>
+        <p:spPr>
+          <a:xfrm>
+            <a:off x="1706880" y="923544"/>
+            <a:ext cx="8778240" cy="5010912"/>
+          </a:xfrm>
+          <a:prstGeom prst="rect">
+            <a:avLst/>
+          </a:prstGeom>
+          <a:solidFill>
+            <a:schemeClr val="bg1">
+              <a:lumMod val="95000"/>
+            </a:schemeClr>
+          </a:solidFill>
+          <a:ln w="38100"/>
+        </p:spPr>
+        <p:style>
+          <a:lnRef idx="2">
+            <a:schemeClr val="accent1">
+              <a:shade val="50000"/>
+            </a:schemeClr>
+          </a:lnRef>
+          <a:fillRef idx="1">
+            <a:schemeClr val="accent1"/>
+          </a:fillRef>
+          <a:effectRef idx="0">
+            <a:schemeClr val="accent1"/>
+          </a:effectRef>
+          <a:fontRef idx="minor">
+            <a:schemeClr val="lt1"/>
+          </a:fontRef>
+        </p:style>
+        <p:txBody>
+          <a:bodyPr rtlCol="0" anchor="ctr"/>
+          <a:lstStyle/>
+          <a:p>
+            <a:pPr algn="ctr"/>
+            <a:endParaRPr lang="en-US"/>
+          </a:p>
+        </p:txBody>
+      </p:sp>
+      <p:sp>
+        <p:nvSpPr>
+          <p:cNvPr id="7" name="TextBox 6"/>
+          <p:cNvSpPr txBox="1"/>
+          <p:nvPr/>
+        </p:nvSpPr>
+        <p:spPr>
+          <a:xfrm>
+            <a:off x="3840385" y="1213849"/>
+            <a:ext cx="5712369" cy="923330"/>
+          </a:xfrm>
+          <a:prstGeom prst="rect">
+            <a:avLst/>
+          </a:prstGeom>
+          <a:noFill/>
+        </p:spPr>
+        <p:txBody>
+          <a:bodyPr wrap="square" rtlCol="0">
+            <a:spAutoFit/>
+          </a:bodyPr>
+          <a:lstStyle/>
+          <a:p>
+            <a:r>
+              <a:rPr lang="en-US" sz="5400" dirty="0"/>
+              <a:t>INCLASS LECTURES</a:t>
+            </a:r>
+          </a:p>
+        </p:txBody>
+      </p:sp>
+      <p:sp>
+        <p:nvSpPr>
+          <p:cNvPr id="8" name="TextBox 7"/>
+          <p:cNvSpPr txBox="1"/>
+          <p:nvPr/>
+        </p:nvSpPr>
+        <p:spPr>
+          <a:xfrm>
+            <a:off x="7731444" y="5278932"/>
+            <a:ext cx="2076450" cy="369332"/>
+          </a:xfrm>
+          <a:prstGeom prst="rect">
+            <a:avLst/>
+          </a:prstGeom>
+          <a:noFill/>
+        </p:spPr>
+        <p:txBody>
+          <a:bodyPr wrap="square" rtlCol="0">
+            <a:spAutoFit/>
+          </a:bodyPr>
+          <a:lstStyle/>
+          <a:p>
+            <a:pPr algn="ctr"/>
+            <a:r>
+              <a:rPr lang="en-US" dirty="0"/>
+              <a:t>May 4, 2020</a:t>
+            </a:r>
+          </a:p>
+        </p:txBody>
+      </p:sp>
+      <p:sp>
+        <p:nvSpPr>
+          <p:cNvPr id="9" name="TextBox 8"/>
+          <p:cNvSpPr txBox="1"/>
+          <p:nvPr/>
+        </p:nvSpPr>
+        <p:spPr>
+          <a:xfrm>
+            <a:off x="2365000" y="2644649"/>
+            <a:ext cx="5005769" cy="1754326"/>
+          </a:xfrm>
+          <a:prstGeom prst="rect">
+            <a:avLst/>
+          </a:prstGeom>
+          <a:noFill/>
+        </p:spPr>
+        <p:txBody>
+          <a:bodyPr wrap="square" rtlCol="0">
+            <a:spAutoFit/>
+          </a:bodyPr>
+          <a:lstStyle/>
+          <a:p>
+            <a:pPr algn="ctr"/>
+            <a:r>
+              <a:rPr lang="en-US" dirty="0"/>
+              <a:t>Chapter 0</a:t>
+            </a:r>
+          </a:p>
+          <a:p>
+            <a:pPr algn="ctr"/>
+            <a:r>
+              <a:rPr lang="en-US" b="1" u="sng" dirty="0"/>
+              <a:t>Getting Started</a:t>
+            </a:r>
+          </a:p>
+          <a:p>
+            <a:pPr algn="ctr"/>
+            <a:r>
+              <a:rPr lang="en-US" i="1" dirty="0"/>
+              <a:t>Syllabus &amp; Grade Components</a:t>
+            </a:r>
+          </a:p>
+          <a:p>
+            <a:pPr algn="ctr"/>
+            <a:r>
+              <a:rPr lang="en-US" i="1" dirty="0"/>
+              <a:t>Cohen’s Textbook &amp; Ihno’s Dataset</a:t>
+            </a:r>
+          </a:p>
+          <a:p>
+            <a:pPr algn="ctr"/>
+            <a:r>
+              <a:rPr lang="en-US" i="1" dirty="0"/>
+              <a:t>APA Style relating to stats</a:t>
+            </a:r>
+          </a:p>
+          <a:p>
+            <a:pPr algn="ctr"/>
+            <a:r>
+              <a:rPr lang="en-US" i="1" dirty="0"/>
+              <a:t>Software Installation: R, R Studio, &amp; </a:t>
+            </a:r>
+            <a:r>
+              <a:rPr lang="en-US" i="1" dirty="0" err="1"/>
+              <a:t>Tex</a:t>
+            </a:r>
+            <a:endParaRPr lang="en-US" i="1" dirty="0"/>
+          </a:p>
+        </p:txBody>
+      </p:sp>
+      <p:grpSp>
+        <p:nvGrpSpPr>
+          <p:cNvPr id="14" name="Group 13"/>
+          <p:cNvGrpSpPr/>
+          <p:nvPr/>
+        </p:nvGrpSpPr>
+        <p:grpSpPr>
+          <a:xfrm>
+            <a:off x="7198839" y="2137179"/>
+            <a:ext cx="3141660" cy="3193339"/>
+            <a:chOff x="7047391" y="1961976"/>
+            <a:chExt cx="3141660" cy="3193339"/>
+          </a:xfrm>
+        </p:grpSpPr>
+        <p:pic>
+          <p:nvPicPr>
+            <p:cNvPr id="2" name="Picture 1"/>
+            <p:cNvPicPr>
+              <a:picLocks noChangeAspect="1"/>
+            </p:cNvPicPr>
+            <p:nvPr/>
+          </p:nvPicPr>
+          <p:blipFill>
+            <a:blip r:embed="rId2" cstate="print">
+              <a:extLst>
+                <a:ext uri="{28A0092B-C50C-407E-A947-70E740481C1C}">
+                  <a14:useLocalDpi xmlns:a14="http://schemas.microsoft.com/office/drawing/2010/main" val="0"/>
+                </a:ext>
+              </a:extLst>
+            </a:blip>
+            <a:stretch>
+              <a:fillRect/>
+            </a:stretch>
+          </p:blipFill>
+          <p:spPr>
+            <a:xfrm>
+              <a:off x="7047391" y="3320161"/>
+              <a:ext cx="1578867" cy="1828804"/>
+            </a:xfrm>
+            <a:prstGeom prst="rect">
+              <a:avLst/>
+            </a:prstGeom>
+          </p:spPr>
+        </p:pic>
+        <p:pic>
+          <p:nvPicPr>
+            <p:cNvPr id="3" name="Picture 2"/>
+            <p:cNvPicPr>
+              <a:picLocks noChangeAspect="1"/>
+            </p:cNvPicPr>
+            <p:nvPr/>
+          </p:nvPicPr>
+          <p:blipFill>
+            <a:blip r:embed="rId3" cstate="print">
+              <a:extLst>
+                <a:ext uri="{28A0092B-C50C-407E-A947-70E740481C1C}">
+                  <a14:useLocalDpi xmlns:a14="http://schemas.microsoft.com/office/drawing/2010/main" val="0"/>
+                </a:ext>
+              </a:extLst>
+            </a:blip>
+            <a:stretch>
+              <a:fillRect/>
+            </a:stretch>
+          </p:blipFill>
+          <p:spPr>
+            <a:xfrm>
+              <a:off x="7830475" y="1961976"/>
+              <a:ext cx="1578867" cy="1828804"/>
+            </a:xfrm>
+            <a:prstGeom prst="rect">
+              <a:avLst/>
+            </a:prstGeom>
+          </p:spPr>
+        </p:pic>
+        <p:pic>
+          <p:nvPicPr>
+            <p:cNvPr id="11" name="Picture 10"/>
+            <p:cNvPicPr>
+              <a:picLocks noChangeAspect="1"/>
+            </p:cNvPicPr>
+            <p:nvPr/>
+          </p:nvPicPr>
+          <p:blipFill>
+            <a:blip r:embed="rId4" cstate="print">
+              <a:extLst>
+                <a:ext uri="{28A0092B-C50C-407E-A947-70E740481C1C}">
+                  <a14:useLocalDpi xmlns:a14="http://schemas.microsoft.com/office/drawing/2010/main" val="0"/>
+                </a:ext>
+              </a:extLst>
+            </a:blip>
+            <a:stretch>
+              <a:fillRect/>
+            </a:stretch>
+          </p:blipFill>
+          <p:spPr>
+            <a:xfrm>
+              <a:off x="8610184" y="3326511"/>
+              <a:ext cx="1578867" cy="1828804"/>
+            </a:xfrm>
+            <a:prstGeom prst="rect">
+              <a:avLst/>
+            </a:prstGeom>
+          </p:spPr>
+        </p:pic>
+      </p:grpSp>
+      <p:pic>
+        <p:nvPicPr>
+          <p:cNvPr id="12" name="Picture 11"/>
+          <p:cNvPicPr>
+            <a:picLocks noChangeAspect="1"/>
+          </p:cNvPicPr>
+          <p:nvPr/>
+        </p:nvPicPr>
+        <p:blipFill>
+          <a:blip r:embed="rId5" cstate="print">
+            <a:extLst>
+              <a:ext uri="{28A0092B-C50C-407E-A947-70E740481C1C}">
+                <a14:useLocalDpi xmlns:a14="http://schemas.microsoft.com/office/drawing/2010/main" val="0"/>
+              </a:ext>
+            </a:extLst>
+          </a:blip>
+          <a:stretch>
+            <a:fillRect/>
+          </a:stretch>
+        </p:blipFill>
+        <p:spPr>
+          <a:xfrm>
+            <a:off x="2035110" y="1019593"/>
+            <a:ext cx="1578867" cy="1828804"/>
+          </a:xfrm>
+          <a:prstGeom prst="rect">
+            <a:avLst/>
+          </a:prstGeom>
+        </p:spPr>
+      </p:pic>
+      <p:pic>
+        <p:nvPicPr>
+          <p:cNvPr id="13" name="Picture 12" descr="Hello summer illustration vector. with cute summer icon and ...">
+            <a:extLst>
+              <a:ext uri="{FF2B5EF4-FFF2-40B4-BE49-F238E27FC236}">
+                <a16:creationId xmlns:a16="http://schemas.microsoft.com/office/drawing/2014/main" id="{50B5A1E4-2998-48E4-BC77-79D8790DF13F}"/>
+              </a:ext>
+            </a:extLst>
+          </p:cNvPr>
+          <p:cNvPicPr/>
+          <p:nvPr/>
+        </p:nvPicPr>
+        <p:blipFill>
+          <a:blip r:embed="rId6" cstate="print">
+            <a:clrChange>
+              <a:clrFrom>
+                <a:srgbClr val="FFFFFF"/>
+              </a:clrFrom>
+              <a:clrTo>
+                <a:srgbClr val="FFFFFF">
+                  <a:alpha val="0"/>
+                </a:srgbClr>
+              </a:clrTo>
+            </a:clrChange>
+            <a:extLst>
+              <a:ext uri="{28A0092B-C50C-407E-A947-70E740481C1C}">
+                <a14:useLocalDpi xmlns:a14="http://schemas.microsoft.com/office/drawing/2010/main" val="0"/>
+              </a:ext>
+            </a:extLst>
+          </a:blip>
+          <a:srcRect/>
+          <a:stretch>
+            <a:fillRect/>
+          </a:stretch>
+        </p:blipFill>
+        <p:spPr bwMode="auto">
+          <a:xfrm>
+            <a:off x="1784203" y="4158563"/>
+            <a:ext cx="1578867" cy="1406017"/>
+          </a:xfrm>
+          <a:prstGeom prst="rect">
+            <a:avLst/>
+          </a:prstGeom>
+          <a:noFill/>
+          <a:extLst>
+            <a:ext uri="{909E8E84-426E-40DD-AFC4-6F175D3DCCD1}">
+              <a14:hiddenFill xmlns:a14="http://schemas.microsoft.com/office/drawing/2010/main">
+                <a:solidFill>
+                  <a:srgbClr val="FFFFFF"/>
+                </a:solidFill>
+              </a14:hiddenFill>
+            </a:ext>
+          </a:extLst>
+        </p:spPr>
+      </p:pic>
+      <p:pic>
+        <p:nvPicPr>
+          <p:cNvPr id="1028" name="Picture 4" descr="Calendar, schedule, schedule icon icon">
+            <a:extLst>
+              <a:ext uri="{FF2B5EF4-FFF2-40B4-BE49-F238E27FC236}">
+                <a16:creationId xmlns:a16="http://schemas.microsoft.com/office/drawing/2014/main" id="{C17B732E-BA53-4386-9A3E-FF78AABEEECB}"/>
+              </a:ext>
+            </a:extLst>
+          </p:cNvPr>
+          <p:cNvPicPr>
+            <a:picLocks noChangeAspect="1" noChangeArrowheads="1"/>
+          </p:cNvPicPr>
+          <p:nvPr/>
+        </p:nvPicPr>
+        <p:blipFill>
+          <a:blip r:embed="rId7" cstate="print">
+            <a:extLst>
+              <a:ext uri="{28A0092B-C50C-407E-A947-70E740481C1C}">
+                <a14:useLocalDpi xmlns:a14="http://schemas.microsoft.com/office/drawing/2010/main" val="0"/>
+              </a:ext>
+            </a:extLst>
+          </a:blip>
+          <a:srcRect/>
+          <a:stretch>
+            <a:fillRect/>
+          </a:stretch>
+        </p:blipFill>
+        <p:spPr bwMode="auto">
+          <a:xfrm>
+            <a:off x="1944790" y="4668816"/>
+            <a:ext cx="1257692" cy="1257692"/>
+          </a:xfrm>
+          <a:prstGeom prst="rect">
+            <a:avLst/>
+          </a:prstGeom>
+          <a:noFill/>
+          <a:extLst>
+            <a:ext uri="{909E8E84-426E-40DD-AFC4-6F175D3DCCD1}">
+              <a14:hiddenFill xmlns:a14="http://schemas.microsoft.com/office/drawing/2010/main">
+                <a:solidFill>
+                  <a:srgbClr val="FFFFFF"/>
+                </a:solidFill>
+              </a14:hiddenFill>
+            </a:ext>
+          </a:extLst>
+        </p:spPr>
+      </p:pic>
+      <p:sp>
+        <p:nvSpPr>
+          <p:cNvPr id="5" name="TextBox 4">
+            <a:extLst>
+              <a:ext uri="{FF2B5EF4-FFF2-40B4-BE49-F238E27FC236}">
+                <a16:creationId xmlns:a16="http://schemas.microsoft.com/office/drawing/2014/main" id="{803FD3B0-B62F-442A-AC07-BC6B0D20FF53}"/>
+              </a:ext>
+            </a:extLst>
+          </p:cNvPr>
+          <p:cNvSpPr txBox="1"/>
+          <p:nvPr/>
+        </p:nvSpPr>
+        <p:spPr>
+          <a:xfrm>
+            <a:off x="3021210" y="5278932"/>
+            <a:ext cx="2243137" cy="369332"/>
+          </a:xfrm>
+          <a:prstGeom prst="rect">
+            <a:avLst/>
+          </a:prstGeom>
+          <a:noFill/>
+        </p:spPr>
+        <p:txBody>
+          <a:bodyPr wrap="square" rtlCol="0">
+            <a:spAutoFit/>
+          </a:bodyPr>
+          <a:lstStyle/>
+          <a:p>
+            <a:r>
+              <a:rPr lang="en-US" dirty="0"/>
+              <a:t>Day 1 of 13</a:t>
+            </a:r>
+          </a:p>
+        </p:txBody>
+      </p:sp>
+    </p:spTree>
+    <p:extLst>
+      <p:ext uri="{BB962C8B-B14F-4D97-AF65-F5344CB8AC3E}">
+        <p14:creationId xmlns:p14="http://schemas.microsoft.com/office/powerpoint/2010/main" val="775600964"/>
       </p:ext>
     </p:extLst>
   </p:cSld>

--- a/static/img/youtube_thumbnails/video_thumbnail_building.pptx
+++ b/static/img/youtube_thumbnails/video_thumbnail_building.pptx
@@ -5,46 +5,47 @@
     <p:sldMasterId id="2147483648" r:id="rId1"/>
   </p:sldMasterIdLst>
   <p:sldIdLst>
-    <p:sldId id="295" r:id="rId2"/>
-    <p:sldId id="294" r:id="rId3"/>
-    <p:sldId id="293" r:id="rId4"/>
-    <p:sldId id="292" r:id="rId5"/>
-    <p:sldId id="291" r:id="rId6"/>
-    <p:sldId id="290" r:id="rId7"/>
-    <p:sldId id="289" r:id="rId8"/>
-    <p:sldId id="288" r:id="rId9"/>
-    <p:sldId id="287" r:id="rId10"/>
-    <p:sldId id="286" r:id="rId11"/>
-    <p:sldId id="285" r:id="rId12"/>
-    <p:sldId id="284" r:id="rId13"/>
-    <p:sldId id="283" r:id="rId14"/>
-    <p:sldId id="282" r:id="rId15"/>
-    <p:sldId id="281" r:id="rId16"/>
-    <p:sldId id="280" r:id="rId17"/>
-    <p:sldId id="279" r:id="rId18"/>
-    <p:sldId id="278" r:id="rId19"/>
-    <p:sldId id="277" r:id="rId20"/>
-    <p:sldId id="276" r:id="rId21"/>
-    <p:sldId id="275" r:id="rId22"/>
-    <p:sldId id="273" r:id="rId23"/>
-    <p:sldId id="274" r:id="rId24"/>
-    <p:sldId id="272" r:id="rId25"/>
-    <p:sldId id="271" r:id="rId26"/>
-    <p:sldId id="270" r:id="rId27"/>
-    <p:sldId id="259" r:id="rId28"/>
-    <p:sldId id="261" r:id="rId29"/>
-    <p:sldId id="260" r:id="rId30"/>
-    <p:sldId id="269" r:id="rId31"/>
-    <p:sldId id="268" r:id="rId32"/>
-    <p:sldId id="267" r:id="rId33"/>
-    <p:sldId id="266" r:id="rId34"/>
-    <p:sldId id="265" r:id="rId35"/>
-    <p:sldId id="264" r:id="rId36"/>
-    <p:sldId id="263" r:id="rId37"/>
-    <p:sldId id="262" r:id="rId38"/>
-    <p:sldId id="257" r:id="rId39"/>
-    <p:sldId id="256" r:id="rId40"/>
-    <p:sldId id="258" r:id="rId41"/>
+    <p:sldId id="296" r:id="rId2"/>
+    <p:sldId id="295" r:id="rId3"/>
+    <p:sldId id="294" r:id="rId4"/>
+    <p:sldId id="293" r:id="rId5"/>
+    <p:sldId id="292" r:id="rId6"/>
+    <p:sldId id="291" r:id="rId7"/>
+    <p:sldId id="290" r:id="rId8"/>
+    <p:sldId id="289" r:id="rId9"/>
+    <p:sldId id="288" r:id="rId10"/>
+    <p:sldId id="287" r:id="rId11"/>
+    <p:sldId id="286" r:id="rId12"/>
+    <p:sldId id="285" r:id="rId13"/>
+    <p:sldId id="284" r:id="rId14"/>
+    <p:sldId id="283" r:id="rId15"/>
+    <p:sldId id="282" r:id="rId16"/>
+    <p:sldId id="281" r:id="rId17"/>
+    <p:sldId id="280" r:id="rId18"/>
+    <p:sldId id="279" r:id="rId19"/>
+    <p:sldId id="278" r:id="rId20"/>
+    <p:sldId id="277" r:id="rId21"/>
+    <p:sldId id="276" r:id="rId22"/>
+    <p:sldId id="275" r:id="rId23"/>
+    <p:sldId id="273" r:id="rId24"/>
+    <p:sldId id="274" r:id="rId25"/>
+    <p:sldId id="272" r:id="rId26"/>
+    <p:sldId id="271" r:id="rId27"/>
+    <p:sldId id="270" r:id="rId28"/>
+    <p:sldId id="259" r:id="rId29"/>
+    <p:sldId id="261" r:id="rId30"/>
+    <p:sldId id="260" r:id="rId31"/>
+    <p:sldId id="269" r:id="rId32"/>
+    <p:sldId id="268" r:id="rId33"/>
+    <p:sldId id="267" r:id="rId34"/>
+    <p:sldId id="266" r:id="rId35"/>
+    <p:sldId id="265" r:id="rId36"/>
+    <p:sldId id="264" r:id="rId37"/>
+    <p:sldId id="263" r:id="rId38"/>
+    <p:sldId id="262" r:id="rId39"/>
+    <p:sldId id="257" r:id="rId40"/>
+    <p:sldId id="256" r:id="rId41"/>
+    <p:sldId id="258" r:id="rId42"/>
   </p:sldIdLst>
   <p:sldSz cx="12192000" cy="6858000"/>
   <p:notesSz cx="6858000" cy="9144000"/>
@@ -280,7 +281,7 @@
           <a:p>
             <a:fld id="{3C68F153-927F-4ADA-A90F-AFD816292B90}" type="datetimeFigureOut">
               <a:rPr lang="en-US" smtClean="0"/>
-              <a:t>5/11/2020</a:t>
+              <a:t>5/13/2020</a:t>
             </a:fld>
             <a:endParaRPr lang="en-US"/>
           </a:p>
@@ -448,7 +449,7 @@
           <a:p>
             <a:fld id="{3C68F153-927F-4ADA-A90F-AFD816292B90}" type="datetimeFigureOut">
               <a:rPr lang="en-US" smtClean="0"/>
-              <a:t>5/11/2020</a:t>
+              <a:t>5/13/2020</a:t>
             </a:fld>
             <a:endParaRPr lang="en-US"/>
           </a:p>
@@ -626,7 +627,7 @@
           <a:p>
             <a:fld id="{3C68F153-927F-4ADA-A90F-AFD816292B90}" type="datetimeFigureOut">
               <a:rPr lang="en-US" smtClean="0"/>
-              <a:t>5/11/2020</a:t>
+              <a:t>5/13/2020</a:t>
             </a:fld>
             <a:endParaRPr lang="en-US"/>
           </a:p>
@@ -794,7 +795,7 @@
           <a:p>
             <a:fld id="{3C68F153-927F-4ADA-A90F-AFD816292B90}" type="datetimeFigureOut">
               <a:rPr lang="en-US" smtClean="0"/>
-              <a:t>5/11/2020</a:t>
+              <a:t>5/13/2020</a:t>
             </a:fld>
             <a:endParaRPr lang="en-US"/>
           </a:p>
@@ -1039,7 +1040,7 @@
           <a:p>
             <a:fld id="{3C68F153-927F-4ADA-A90F-AFD816292B90}" type="datetimeFigureOut">
               <a:rPr lang="en-US" smtClean="0"/>
-              <a:t>5/11/2020</a:t>
+              <a:t>5/13/2020</a:t>
             </a:fld>
             <a:endParaRPr lang="en-US"/>
           </a:p>
@@ -1268,7 +1269,7 @@
           <a:p>
             <a:fld id="{3C68F153-927F-4ADA-A90F-AFD816292B90}" type="datetimeFigureOut">
               <a:rPr lang="en-US" smtClean="0"/>
-              <a:t>5/11/2020</a:t>
+              <a:t>5/13/2020</a:t>
             </a:fld>
             <a:endParaRPr lang="en-US"/>
           </a:p>
@@ -1632,7 +1633,7 @@
           <a:p>
             <a:fld id="{3C68F153-927F-4ADA-A90F-AFD816292B90}" type="datetimeFigureOut">
               <a:rPr lang="en-US" smtClean="0"/>
-              <a:t>5/11/2020</a:t>
+              <a:t>5/13/2020</a:t>
             </a:fld>
             <a:endParaRPr lang="en-US"/>
           </a:p>
@@ -1749,7 +1750,7 @@
           <a:p>
             <a:fld id="{3C68F153-927F-4ADA-A90F-AFD816292B90}" type="datetimeFigureOut">
               <a:rPr lang="en-US" smtClean="0"/>
-              <a:t>5/11/2020</a:t>
+              <a:t>5/13/2020</a:t>
             </a:fld>
             <a:endParaRPr lang="en-US"/>
           </a:p>
@@ -1844,7 +1845,7 @@
           <a:p>
             <a:fld id="{3C68F153-927F-4ADA-A90F-AFD816292B90}" type="datetimeFigureOut">
               <a:rPr lang="en-US" smtClean="0"/>
-              <a:t>5/11/2020</a:t>
+              <a:t>5/13/2020</a:t>
             </a:fld>
             <a:endParaRPr lang="en-US"/>
           </a:p>
@@ -2119,7 +2120,7 @@
           <a:p>
             <a:fld id="{3C68F153-927F-4ADA-A90F-AFD816292B90}" type="datetimeFigureOut">
               <a:rPr lang="en-US" smtClean="0"/>
-              <a:t>5/11/2020</a:t>
+              <a:t>5/13/2020</a:t>
             </a:fld>
             <a:endParaRPr lang="en-US"/>
           </a:p>
@@ -2371,7 +2372,7 @@
           <a:p>
             <a:fld id="{3C68F153-927F-4ADA-A90F-AFD816292B90}" type="datetimeFigureOut">
               <a:rPr lang="en-US" smtClean="0"/>
-              <a:t>5/11/2020</a:t>
+              <a:t>5/13/2020</a:t>
             </a:fld>
             <a:endParaRPr lang="en-US"/>
           </a:p>
@@ -2582,7 +2583,7 @@
           <a:p>
             <a:fld id="{3C68F153-927F-4ADA-A90F-AFD816292B90}" type="datetimeFigureOut">
               <a:rPr lang="en-US" smtClean="0"/>
-              <a:t>5/11/2020</a:t>
+              <a:t>5/13/2020</a:t>
             </a:fld>
             <a:endParaRPr lang="en-US"/>
           </a:p>
@@ -3035,14 +3036,14 @@
       </p:sp>
       <p:sp>
         <p:nvSpPr>
-          <p:cNvPr id="8" name="TextBox 7"/>
+          <p:cNvPr id="7" name="TextBox 6"/>
           <p:cNvSpPr txBox="1"/>
           <p:nvPr/>
         </p:nvSpPr>
         <p:spPr>
           <a:xfrm>
-            <a:off x="7731444" y="5278932"/>
-            <a:ext cx="2076450" cy="369332"/>
+            <a:off x="3840385" y="1213849"/>
+            <a:ext cx="5712369" cy="923330"/>
           </a:xfrm>
           <a:prstGeom prst="rect">
             <a:avLst/>
@@ -3055,32 +3056,23 @@
           </a:bodyPr>
           <a:lstStyle/>
           <a:p>
-            <a:pPr algn="ctr"/>
-            <a:r>
-              <a:rPr lang="en-US" dirty="0"/>
-              <a:t>May </a:t>
-            </a:r>
-            <a:r>
-              <a:rPr lang="en-US" dirty="0" smtClean="0"/>
-              <a:t>11, </a:t>
-            </a:r>
-            <a:r>
-              <a:rPr lang="en-US" dirty="0"/>
-              <a:t>2020</a:t>
-            </a:r>
-          </a:p>
-        </p:txBody>
-      </p:sp>
-      <p:sp>
-        <p:nvSpPr>
-          <p:cNvPr id="9" name="TextBox 8"/>
+            <a:r>
+              <a:rPr lang="en-US" sz="5400" dirty="0"/>
+              <a:t>INCLASS LECTURES</a:t>
+            </a:r>
+          </a:p>
+        </p:txBody>
+      </p:sp>
+      <p:sp>
+        <p:nvSpPr>
+          <p:cNvPr id="8" name="TextBox 7"/>
           <p:cNvSpPr txBox="1"/>
           <p:nvPr/>
         </p:nvSpPr>
         <p:spPr>
           <a:xfrm>
-            <a:off x="2639881" y="3325287"/>
-            <a:ext cx="5005769" cy="923330"/>
+            <a:off x="7731444" y="5278932"/>
+            <a:ext cx="2076450" cy="369332"/>
           </a:xfrm>
           <a:prstGeom prst="rect">
             <a:avLst/>
@@ -3095,29 +3087,71 @@
           <a:p>
             <a:pPr algn="ctr"/>
             <a:r>
+              <a:rPr lang="en-US" dirty="0"/>
+              <a:t>May </a:t>
+            </a:r>
+            <a:r>
               <a:rPr lang="en-US" dirty="0" smtClean="0"/>
-              <a:t>HW_04, section C</a:t>
+              <a:t>13, </a:t>
+            </a:r>
+            <a:r>
+              <a:rPr lang="en-US" dirty="0"/>
+              <a:t>2020</a:t>
+            </a:r>
+          </a:p>
+        </p:txBody>
+      </p:sp>
+      <p:sp>
+        <p:nvSpPr>
+          <p:cNvPr id="9" name="TextBox 8"/>
+          <p:cNvSpPr txBox="1"/>
+          <p:nvPr/>
+        </p:nvSpPr>
+        <p:spPr>
+          <a:xfrm>
+            <a:off x="3506996" y="2465382"/>
+            <a:ext cx="5005769" cy="1200329"/>
+          </a:xfrm>
+          <a:prstGeom prst="rect">
+            <a:avLst/>
+          </a:prstGeom>
+          <a:noFill/>
+        </p:spPr>
+        <p:txBody>
+          <a:bodyPr wrap="square" rtlCol="0">
+            <a:spAutoFit/>
+          </a:bodyPr>
+          <a:lstStyle/>
+          <a:p>
+            <a:pPr algn="ctr"/>
+            <a:r>
+              <a:rPr lang="en-US" dirty="0"/>
+              <a:t>Chapter </a:t>
+            </a:r>
+            <a:r>
+              <a:rPr lang="en-US" dirty="0"/>
+              <a:t>5</a:t>
             </a:r>
             <a:endParaRPr lang="en-US" dirty="0"/>
           </a:p>
           <a:p>
             <a:pPr algn="ctr"/>
             <a:r>
-              <a:rPr lang="en-US" b="1" u="sng" dirty="0"/>
-              <a:t>Standardized </a:t>
-            </a:r>
-            <a:r>
               <a:rPr lang="en-US" b="1" u="sng" dirty="0" smtClean="0"/>
-              <a:t>Scores</a:t>
+              <a:t>Intro to Hypothesis Testing</a:t>
             </a:r>
           </a:p>
           <a:p>
             <a:pPr algn="ctr"/>
             <a:r>
               <a:rPr lang="en-US" i="1" dirty="0" smtClean="0"/>
-              <a:t>Calculate z-scores</a:t>
-            </a:r>
-            <a:endParaRPr lang="en-US" i="1" dirty="0"/>
+              <a:t>1-sample z-Test for a Mean</a:t>
+            </a:r>
+            <a:endParaRPr lang="en-US" i="1" dirty="0" smtClean="0"/>
+          </a:p>
+          <a:p>
+            <a:pPr algn="ctr"/>
+            <a:endParaRPr lang="en-US" b="1" u="sng" dirty="0" smtClean="0"/>
           </a:p>
         </p:txBody>
       </p:sp>
@@ -3387,12 +3421,12 @@
           <a:lstStyle/>
           <a:p>
             <a:r>
-              <a:rPr lang="en-US" dirty="0"/>
-              <a:t>After Day </a:t>
-            </a:r>
-            <a:r>
               <a:rPr lang="en-US" dirty="0" smtClean="0"/>
-              <a:t>3 </a:t>
+              <a:t>Day </a:t>
+            </a:r>
+            <a:r>
+              <a:rPr lang="en-US" dirty="0" smtClean="0"/>
+              <a:t>4 </a:t>
             </a:r>
             <a:r>
               <a:rPr lang="en-US" dirty="0"/>
@@ -3403,14 +3437,14 @@
       </p:sp>
       <p:sp>
         <p:nvSpPr>
-          <p:cNvPr id="16" name="TextBox 15"/>
+          <p:cNvPr id="15" name="TextBox 14"/>
           <p:cNvSpPr txBox="1"/>
           <p:nvPr/>
         </p:nvSpPr>
         <p:spPr>
           <a:xfrm>
-            <a:off x="4184694" y="1065121"/>
-            <a:ext cx="5712369" cy="1754326"/>
+            <a:off x="2035110" y="3429000"/>
+            <a:ext cx="5005769" cy="923330"/>
           </a:xfrm>
           <a:prstGeom prst="rect">
             <a:avLst/>
@@ -3423,17 +3457,38 @@
           </a:bodyPr>
           <a:lstStyle/>
           <a:p>
-            <a:r>
-              <a:rPr lang="en-US" sz="5400" dirty="0"/>
-              <a:t>OUT-OF-CLASS LECTURES</a:t>
-            </a:r>
+            <a:pPr algn="ctr"/>
+            <a:r>
+              <a:rPr lang="en-US" dirty="0"/>
+              <a:t>Chapter </a:t>
+            </a:r>
+            <a:r>
+              <a:rPr lang="en-US" dirty="0" smtClean="0"/>
+              <a:t>6</a:t>
+            </a:r>
+            <a:endParaRPr lang="en-US" dirty="0"/>
+          </a:p>
+          <a:p>
+            <a:pPr algn="ctr"/>
+            <a:r>
+              <a:rPr lang="en-US" b="1" u="sng" dirty="0" smtClean="0"/>
+              <a:t>Confidence Interval Estimation</a:t>
+            </a:r>
+          </a:p>
+          <a:p>
+            <a:pPr algn="ctr"/>
+            <a:r>
+              <a:rPr lang="en-US" i="1" dirty="0" smtClean="0"/>
+              <a:t>1-sample t-Test for a Mean</a:t>
+            </a:r>
+            <a:endParaRPr lang="en-US" i="1" dirty="0" smtClean="0"/>
           </a:p>
         </p:txBody>
       </p:sp>
     </p:spTree>
     <p:extLst>
       <p:ext uri="{BB962C8B-B14F-4D97-AF65-F5344CB8AC3E}">
-        <p14:creationId xmlns:p14="http://schemas.microsoft.com/office/powerpoint/2010/main" val="4088571183"/>
+        <p14:creationId xmlns:p14="http://schemas.microsoft.com/office/powerpoint/2010/main" val="1965765169"/>
       </p:ext>
     </p:extLst>
   </p:cSld>
@@ -3468,7 +3523,7 @@
         </p:nvSpPr>
         <p:spPr>
           <a:xfrm>
-            <a:off x="1853580" y="824230"/>
+            <a:off x="1706880" y="923544"/>
             <a:ext cx="8778240" cy="5010912"/>
           </a:xfrm>
           <a:prstGeom prst="rect">
@@ -3514,8 +3569,8 @@
         </p:nvSpPr>
         <p:spPr>
           <a:xfrm>
-            <a:off x="3838696" y="1056832"/>
-            <a:ext cx="5712369" cy="1754326"/>
+            <a:off x="3840385" y="1213849"/>
+            <a:ext cx="5712369" cy="923330"/>
           </a:xfrm>
           <a:prstGeom prst="rect">
             <a:avLst/>
@@ -3530,13 +3585,7 @@
           <a:p>
             <a:r>
               <a:rPr lang="en-US" sz="5400" dirty="0"/>
-              <a:t>Virtual </a:t>
-            </a:r>
-          </a:p>
-          <a:p>
-            <a:r>
-              <a:rPr lang="en-US" sz="5400" dirty="0"/>
-              <a:t>Office Hours</a:t>
+              <a:t>INCLASS LECTURES</a:t>
             </a:r>
           </a:p>
         </p:txBody>
@@ -3566,8 +3615,78 @@
             <a:pPr algn="ctr"/>
             <a:r>
               <a:rPr lang="en-US" dirty="0"/>
-              <a:t>April 23, 2020</a:t>
-            </a:r>
+              <a:t>May 4, 2020</a:t>
+            </a:r>
+          </a:p>
+        </p:txBody>
+      </p:sp>
+      <p:sp>
+        <p:nvSpPr>
+          <p:cNvPr id="9" name="TextBox 8"/>
+          <p:cNvSpPr txBox="1"/>
+          <p:nvPr/>
+        </p:nvSpPr>
+        <p:spPr>
+          <a:xfrm>
+            <a:off x="2365000" y="2644649"/>
+            <a:ext cx="5005769" cy="1754326"/>
+          </a:xfrm>
+          <a:prstGeom prst="rect">
+            <a:avLst/>
+          </a:prstGeom>
+          <a:noFill/>
+        </p:spPr>
+        <p:txBody>
+          <a:bodyPr wrap="square" rtlCol="0">
+            <a:spAutoFit/>
+          </a:bodyPr>
+          <a:lstStyle/>
+          <a:p>
+            <a:pPr algn="ctr"/>
+            <a:r>
+              <a:rPr lang="en-US" dirty="0"/>
+              <a:t>Chapter 0</a:t>
+            </a:r>
+          </a:p>
+          <a:p>
+            <a:pPr algn="ctr"/>
+            <a:r>
+              <a:rPr lang="en-US" b="1" u="sng" dirty="0"/>
+              <a:t>Getting Started</a:t>
+            </a:r>
+          </a:p>
+          <a:p>
+            <a:pPr algn="ctr"/>
+            <a:r>
+              <a:rPr lang="en-US" i="1" dirty="0"/>
+              <a:t>Syllabus &amp; Grade Components</a:t>
+            </a:r>
+          </a:p>
+          <a:p>
+            <a:pPr algn="ctr"/>
+            <a:r>
+              <a:rPr lang="en-US" i="1" dirty="0"/>
+              <a:t>Cohen’s Textbook &amp; Ihno’s Dataset</a:t>
+            </a:r>
+          </a:p>
+          <a:p>
+            <a:pPr algn="ctr"/>
+            <a:r>
+              <a:rPr lang="en-US" i="1" dirty="0"/>
+              <a:t>APA Style relating to stats</a:t>
+            </a:r>
+          </a:p>
+          <a:p>
+            <a:pPr algn="ctr"/>
+            <a:r>
+              <a:rPr lang="en-US" i="1" dirty="0"/>
+              <a:t>Software Installation: R, R Studio, &amp; </a:t>
+            </a:r>
+            <a:r>
+              <a:rPr lang="en-US" i="1" dirty="0" err="1"/>
+              <a:t>Tex</a:t>
+            </a:r>
+            <a:endParaRPr lang="en-US" i="1" dirty="0"/>
           </a:p>
         </p:txBody>
       </p:sp>
@@ -3708,38 +3827,122 @@
       </p:pic>
       <p:pic>
         <p:nvPicPr>
-          <p:cNvPr id="5" name="Picture 4"/>
-          <p:cNvPicPr>
-            <a:picLocks noChangeAspect="1"/>
-          </p:cNvPicPr>
+          <p:cNvPr id="13" name="Picture 12" descr="Hello summer illustration vector. with cute summer icon and ...">
+            <a:extLst>
+              <a:ext uri="{FF2B5EF4-FFF2-40B4-BE49-F238E27FC236}">
+                <a16:creationId xmlns:a16="http://schemas.microsoft.com/office/drawing/2014/main" id="{50B5A1E4-2998-48E4-BC77-79D8790DF13F}"/>
+              </a:ext>
+            </a:extLst>
+          </p:cNvPr>
+          <p:cNvPicPr/>
           <p:nvPr/>
         </p:nvPicPr>
         <p:blipFill>
-          <a:blip r:embed="rId6"/>
+          <a:blip r:embed="rId6" cstate="print">
+            <a:clrChange>
+              <a:clrFrom>
+                <a:srgbClr val="FFFFFF"/>
+              </a:clrFrom>
+              <a:clrTo>
+                <a:srgbClr val="FFFFFF">
+                  <a:alpha val="0"/>
+                </a:srgbClr>
+              </a:clrTo>
+            </a:clrChange>
+            <a:extLst>
+              <a:ext uri="{28A0092B-C50C-407E-A947-70E740481C1C}">
+                <a14:useLocalDpi xmlns:a14="http://schemas.microsoft.com/office/drawing/2010/main" val="0"/>
+              </a:ext>
+            </a:extLst>
+          </a:blip>
+          <a:srcRect/>
           <a:stretch>
             <a:fillRect/>
           </a:stretch>
         </p:blipFill>
-        <p:spPr>
-          <a:xfrm>
-            <a:off x="1985351" y="4872564"/>
-            <a:ext cx="1853345" cy="853514"/>
-          </a:xfrm>
-          <a:prstGeom prst="rect">
-            <a:avLst/>
-          </a:prstGeom>
+        <p:spPr bwMode="auto">
+          <a:xfrm>
+            <a:off x="1784203" y="4158563"/>
+            <a:ext cx="1578867" cy="1406017"/>
+          </a:xfrm>
+          <a:prstGeom prst="rect">
+            <a:avLst/>
+          </a:prstGeom>
+          <a:noFill/>
+          <a:extLst>
+            <a:ext uri="{909E8E84-426E-40DD-AFC4-6F175D3DCCD1}">
+              <a14:hiddenFill xmlns:a14="http://schemas.microsoft.com/office/drawing/2010/main">
+                <a:solidFill>
+                  <a:srgbClr val="FFFFFF"/>
+                </a:solidFill>
+              </a14:hiddenFill>
+            </a:ext>
+          </a:extLst>
         </p:spPr>
       </p:pic>
-      <p:sp>
-        <p:nvSpPr>
-          <p:cNvPr id="17" name="TextBox 16"/>
+      <p:pic>
+        <p:nvPicPr>
+          <p:cNvPr id="1028" name="Picture 4" descr="Calendar, schedule, schedule icon icon">
+            <a:extLst>
+              <a:ext uri="{FF2B5EF4-FFF2-40B4-BE49-F238E27FC236}">
+                <a16:creationId xmlns:a16="http://schemas.microsoft.com/office/drawing/2014/main" id="{C17B732E-BA53-4386-9A3E-FF78AABEEECB}"/>
+              </a:ext>
+            </a:extLst>
+          </p:cNvPr>
+          <p:cNvPicPr>
+            <a:picLocks noChangeAspect="1" noChangeArrowheads="1"/>
+          </p:cNvPicPr>
+          <p:nvPr/>
+        </p:nvPicPr>
+        <p:blipFill>
+          <a:blip r:embed="rId7" cstate="print">
+            <a:extLst>
+              <a:ext uri="{28A0092B-C50C-407E-A947-70E740481C1C}">
+                <a14:useLocalDpi xmlns:a14="http://schemas.microsoft.com/office/drawing/2010/main" val="0"/>
+              </a:ext>
+            </a:extLst>
+          </a:blip>
+          <a:srcRect/>
+          <a:stretch>
+            <a:fillRect/>
+          </a:stretch>
+        </p:blipFill>
+        <p:spPr bwMode="auto">
+          <a:xfrm>
+            <a:off x="1944790" y="4668816"/>
+            <a:ext cx="1257692" cy="1257692"/>
+          </a:xfrm>
+          <a:prstGeom prst="rect">
+            <a:avLst/>
+          </a:prstGeom>
+          <a:noFill/>
+          <a:extLst>
+            <a:ext uri="{909E8E84-426E-40DD-AFC4-6F175D3DCCD1}">
+              <a14:hiddenFill xmlns:a14="http://schemas.microsoft.com/office/drawing/2010/main">
+                <a:solidFill>
+                  <a:srgbClr val="FFFFFF"/>
+                </a:solidFill>
+              </a14:hiddenFill>
+            </a:ext>
+          </a:extLst>
+        </p:spPr>
+      </p:pic>
+      <p:sp>
+        <p:nvSpPr>
+          <p:cNvPr id="5" name="TextBox 4">
+            <a:extLst>
+              <a:ext uri="{FF2B5EF4-FFF2-40B4-BE49-F238E27FC236}">
+                <a16:creationId xmlns:a16="http://schemas.microsoft.com/office/drawing/2014/main" id="{803FD3B0-B62F-442A-AC07-BC6B0D20FF53}"/>
+              </a:ext>
+            </a:extLst>
+          </p:cNvPr>
           <p:cNvSpPr txBox="1"/>
           <p:nvPr/>
         </p:nvSpPr>
         <p:spPr>
           <a:xfrm>
-            <a:off x="1846096" y="2821964"/>
-            <a:ext cx="5943438" cy="1200329"/>
+            <a:off x="3021210" y="5278932"/>
+            <a:ext cx="2243137" cy="369332"/>
           </a:xfrm>
           <a:prstGeom prst="rect">
             <a:avLst/>
@@ -3752,106 +3955,17 @@
           </a:bodyPr>
           <a:lstStyle/>
           <a:p>
-            <a:pPr algn="ctr"/>
             <a:r>
               <a:rPr lang="en-US" dirty="0"/>
-              <a:t>HW 19</a:t>
-            </a:r>
-          </a:p>
-          <a:p>
-            <a:pPr algn="ctr"/>
-            <a:r>
-              <a:rPr lang="en-US" b="1" u="sng" dirty="0"/>
-              <a:t>Binomial Distribution, Normal Approximation, &amp; Sign Test</a:t>
-            </a:r>
-          </a:p>
-          <a:p>
-            <a:pPr algn="ctr"/>
-            <a:r>
-              <a:rPr lang="en-US" dirty="0"/>
-              <a:t>Entering small p-values into HW</a:t>
-            </a:r>
-          </a:p>
-          <a:p>
-            <a:pPr algn="ctr"/>
-            <a:endParaRPr lang="en-US" dirty="0"/>
-          </a:p>
-        </p:txBody>
-      </p:sp>
-      <p:sp>
-        <p:nvSpPr>
-          <p:cNvPr id="13" name="TextBox 12"/>
-          <p:cNvSpPr txBox="1"/>
-          <p:nvPr/>
-        </p:nvSpPr>
-        <p:spPr>
-          <a:xfrm>
-            <a:off x="2664327" y="4025523"/>
-            <a:ext cx="5943438" cy="1754326"/>
-          </a:xfrm>
-          <a:prstGeom prst="rect">
-            <a:avLst/>
-          </a:prstGeom>
-          <a:noFill/>
-        </p:spPr>
-        <p:txBody>
-          <a:bodyPr wrap="square" rtlCol="0">
-            <a:spAutoFit/>
-          </a:bodyPr>
-          <a:lstStyle/>
-          <a:p>
-            <a:pPr algn="ctr"/>
-            <a:r>
-              <a:rPr lang="en-US" dirty="0"/>
-              <a:t>HW 20</a:t>
-            </a:r>
-          </a:p>
-          <a:p>
-            <a:pPr algn="ctr"/>
-            <a:r>
-              <a:rPr lang="en-US" b="1" u="sng" dirty="0"/>
-              <a:t>Chi Squared Tests</a:t>
-            </a:r>
-          </a:p>
-          <a:p>
-            <a:pPr algn="ctr"/>
-            <a:r>
-              <a:rPr lang="en-US" dirty="0"/>
-              <a:t>1-way Goodness of Fit</a:t>
-            </a:r>
-          </a:p>
-          <a:p>
-            <a:pPr algn="ctr"/>
-            <a:r>
-              <a:rPr lang="en-US" dirty="0"/>
-              <a:t>1-way Test of Independence</a:t>
-            </a:r>
-          </a:p>
-          <a:p>
-            <a:pPr algn="ctr"/>
-            <a:r>
-              <a:rPr lang="en-US" dirty="0"/>
-              <a:t>Cramer’s V (</a:t>
-            </a:r>
-            <a:r>
-              <a:rPr lang="en-US" dirty="0" err="1"/>
-              <a:t>effectsize</a:t>
-            </a:r>
-            <a:r>
-              <a:rPr lang="en-US" dirty="0"/>
-              <a:t> package)</a:t>
-            </a:r>
-          </a:p>
-          <a:p>
-            <a:pPr algn="ctr"/>
-            <a:endParaRPr lang="en-US" dirty="0"/>
+              <a:t>Day 1 of 13</a:t>
+            </a:r>
           </a:p>
         </p:txBody>
       </p:sp>
     </p:spTree>
     <p:extLst>
       <p:ext uri="{BB962C8B-B14F-4D97-AF65-F5344CB8AC3E}">
-        <p14:creationId xmlns:p14="http://schemas.microsoft.com/office/powerpoint/2010/main" val="593568448"/>
+        <p14:creationId xmlns:p14="http://schemas.microsoft.com/office/powerpoint/2010/main" val="775600964"/>
       </p:ext>
     </p:extLst>
   </p:cSld>
@@ -3886,7 +4000,7 @@
         </p:nvSpPr>
         <p:spPr>
           <a:xfrm>
-            <a:off x="1808702" y="824230"/>
+            <a:off x="1853580" y="824230"/>
             <a:ext cx="8778240" cy="5010912"/>
           </a:xfrm>
           <a:prstGeom prst="rect">
@@ -3932,7 +4046,7 @@
         </p:nvSpPr>
         <p:spPr>
           <a:xfrm>
-            <a:off x="4184694" y="1065121"/>
+            <a:off x="3838696" y="1056832"/>
             <a:ext cx="5712369" cy="1754326"/>
           </a:xfrm>
           <a:prstGeom prst="rect">
@@ -3948,7 +4062,13 @@
           <a:p>
             <a:r>
               <a:rPr lang="en-US" sz="5400" dirty="0"/>
-              <a:t>OUT-OF-CLASS LECTURES</a:t>
+              <a:t>Virtual </a:t>
+            </a:r>
+          </a:p>
+          <a:p>
+            <a:r>
+              <a:rPr lang="en-US" sz="5400" dirty="0"/>
+              <a:t>Office Hours</a:t>
             </a:r>
           </a:p>
         </p:txBody>
@@ -3978,59 +4098,7 @@
             <a:pPr algn="ctr"/>
             <a:r>
               <a:rPr lang="en-US" dirty="0"/>
-              <a:t>April 20, 2020</a:t>
-            </a:r>
-          </a:p>
-        </p:txBody>
-      </p:sp>
-      <p:sp>
-        <p:nvSpPr>
-          <p:cNvPr id="9" name="TextBox 8"/>
-          <p:cNvSpPr txBox="1"/>
-          <p:nvPr/>
-        </p:nvSpPr>
-        <p:spPr>
-          <a:xfrm>
-            <a:off x="1946627" y="3432914"/>
-            <a:ext cx="5005769" cy="923330"/>
-          </a:xfrm>
-          <a:prstGeom prst="rect">
-            <a:avLst/>
-          </a:prstGeom>
-          <a:noFill/>
-        </p:spPr>
-        <p:txBody>
-          <a:bodyPr wrap="square" rtlCol="0">
-            <a:spAutoFit/>
-          </a:bodyPr>
-          <a:lstStyle/>
-          <a:p>
-            <a:pPr algn="ctr"/>
-            <a:r>
-              <a:rPr lang="en-US" dirty="0"/>
-              <a:t>Chapter 16</a:t>
-            </a:r>
-          </a:p>
-          <a:p>
-            <a:pPr algn="ctr"/>
-            <a:r>
-              <a:rPr lang="en-US" b="1" u="sng" dirty="0"/>
-              <a:t>Mixed </a:t>
-            </a:r>
-            <a:r>
-              <a:rPr lang="en-US" b="1" u="sng" dirty="0" err="1"/>
-              <a:t>Deisgn</a:t>
-            </a:r>
-            <a:r>
-              <a:rPr lang="en-US" b="1" u="sng" dirty="0"/>
-              <a:t> ANOVA</a:t>
-            </a:r>
-          </a:p>
-          <a:p>
-            <a:pPr algn="ctr"/>
-            <a:r>
-              <a:rPr lang="en-US" i="1" dirty="0"/>
-              <a:t>Very short lecture</a:t>
+              <a:t>April 23, 2020</a:t>
             </a:r>
           </a:p>
         </p:txBody>
@@ -4172,55 +4240,38 @@
       </p:pic>
       <p:pic>
         <p:nvPicPr>
-          <p:cNvPr id="1026" name="Picture 2" descr="Image result for virus"/>
+          <p:cNvPr id="5" name="Picture 4"/>
           <p:cNvPicPr>
-            <a:picLocks noChangeAspect="1" noChangeArrowheads="1"/>
+            <a:picLocks noChangeAspect="1"/>
           </p:cNvPicPr>
           <p:nvPr/>
         </p:nvPicPr>
         <p:blipFill>
-          <a:blip r:embed="rId6" cstate="print">
-            <a:extLst>
-              <a:ext uri="{28A0092B-C50C-407E-A947-70E740481C1C}">
-                <a14:useLocalDpi xmlns:a14="http://schemas.microsoft.com/office/drawing/2010/main" val="0"/>
-              </a:ext>
-            </a:extLst>
-          </a:blip>
-          <a:srcRect/>
+          <a:blip r:embed="rId6"/>
           <a:stretch>
             <a:fillRect/>
           </a:stretch>
         </p:blipFill>
-        <p:spPr bwMode="auto">
-          <a:xfrm>
-            <a:off x="1908176" y="4866721"/>
-            <a:ext cx="825034" cy="824421"/>
-          </a:xfrm>
-          <a:prstGeom prst="rect">
-            <a:avLst/>
-          </a:prstGeom>
-          <a:noFill/>
-          <a:extLst>
-            <a:ext uri="{909E8E84-426E-40DD-AFC4-6F175D3DCCD1}">
-              <a14:hiddenFill xmlns:a14="http://schemas.microsoft.com/office/drawing/2010/main">
-                <a:solidFill>
-                  <a:srgbClr val="FFFFFF"/>
-                </a:solidFill>
-              </a14:hiddenFill>
-            </a:ext>
-          </a:extLst>
+        <p:spPr>
+          <a:xfrm>
+            <a:off x="1985351" y="4872564"/>
+            <a:ext cx="1853345" cy="853514"/>
+          </a:xfrm>
+          <a:prstGeom prst="rect">
+            <a:avLst/>
+          </a:prstGeom>
         </p:spPr>
       </p:pic>
       <p:sp>
         <p:nvSpPr>
-          <p:cNvPr id="13" name="TextBox 12"/>
+          <p:cNvPr id="17" name="TextBox 16"/>
           <p:cNvSpPr txBox="1"/>
           <p:nvPr/>
         </p:nvSpPr>
         <p:spPr>
           <a:xfrm>
-            <a:off x="2524444" y="5254195"/>
-            <a:ext cx="1238954" cy="369332"/>
+            <a:off x="1846096" y="2821964"/>
+            <a:ext cx="5943438" cy="1200329"/>
           </a:xfrm>
           <a:prstGeom prst="rect">
             <a:avLst/>
@@ -4235,22 +4286,104 @@
           <a:p>
             <a:pPr algn="ctr"/>
             <a:r>
-              <a:rPr lang="en-US" b="1" dirty="0">
-                <a:solidFill>
-                  <a:schemeClr val="accent1">
-                    <a:lumMod val="75000"/>
-                  </a:schemeClr>
-                </a:solidFill>
-              </a:rPr>
-              <a:t>Covid-19</a:t>
-            </a:r>
+              <a:rPr lang="en-US" dirty="0"/>
+              <a:t>HW 19</a:t>
+            </a:r>
+          </a:p>
+          <a:p>
+            <a:pPr algn="ctr"/>
+            <a:r>
+              <a:rPr lang="en-US" b="1" u="sng" dirty="0"/>
+              <a:t>Binomial Distribution, Normal Approximation, &amp; Sign Test</a:t>
+            </a:r>
+          </a:p>
+          <a:p>
+            <a:pPr algn="ctr"/>
+            <a:r>
+              <a:rPr lang="en-US" dirty="0"/>
+              <a:t>Entering small p-values into HW</a:t>
+            </a:r>
+          </a:p>
+          <a:p>
+            <a:pPr algn="ctr"/>
+            <a:endParaRPr lang="en-US" dirty="0"/>
+          </a:p>
+        </p:txBody>
+      </p:sp>
+      <p:sp>
+        <p:nvSpPr>
+          <p:cNvPr id="13" name="TextBox 12"/>
+          <p:cNvSpPr txBox="1"/>
+          <p:nvPr/>
+        </p:nvSpPr>
+        <p:spPr>
+          <a:xfrm>
+            <a:off x="2664327" y="4025523"/>
+            <a:ext cx="5943438" cy="1754326"/>
+          </a:xfrm>
+          <a:prstGeom prst="rect">
+            <a:avLst/>
+          </a:prstGeom>
+          <a:noFill/>
+        </p:spPr>
+        <p:txBody>
+          <a:bodyPr wrap="square" rtlCol="0">
+            <a:spAutoFit/>
+          </a:bodyPr>
+          <a:lstStyle/>
+          <a:p>
+            <a:pPr algn="ctr"/>
+            <a:r>
+              <a:rPr lang="en-US" dirty="0"/>
+              <a:t>HW 20</a:t>
+            </a:r>
+          </a:p>
+          <a:p>
+            <a:pPr algn="ctr"/>
+            <a:r>
+              <a:rPr lang="en-US" b="1" u="sng" dirty="0"/>
+              <a:t>Chi Squared Tests</a:t>
+            </a:r>
+          </a:p>
+          <a:p>
+            <a:pPr algn="ctr"/>
+            <a:r>
+              <a:rPr lang="en-US" dirty="0"/>
+              <a:t>1-way Goodness of Fit</a:t>
+            </a:r>
+          </a:p>
+          <a:p>
+            <a:pPr algn="ctr"/>
+            <a:r>
+              <a:rPr lang="en-US" dirty="0"/>
+              <a:t>1-way Test of Independence</a:t>
+            </a:r>
+          </a:p>
+          <a:p>
+            <a:pPr algn="ctr"/>
+            <a:r>
+              <a:rPr lang="en-US" dirty="0"/>
+              <a:t>Cramer’s V (</a:t>
+            </a:r>
+            <a:r>
+              <a:rPr lang="en-US" dirty="0" err="1"/>
+              <a:t>effectsize</a:t>
+            </a:r>
+            <a:r>
+              <a:rPr lang="en-US" dirty="0"/>
+              <a:t> package)</a:t>
+            </a:r>
+          </a:p>
+          <a:p>
+            <a:pPr algn="ctr"/>
+            <a:endParaRPr lang="en-US" dirty="0"/>
           </a:p>
         </p:txBody>
       </p:sp>
     </p:spTree>
     <p:extLst>
       <p:ext uri="{BB962C8B-B14F-4D97-AF65-F5344CB8AC3E}">
-        <p14:creationId xmlns:p14="http://schemas.microsoft.com/office/powerpoint/2010/main" val="2783809321"/>
+        <p14:creationId xmlns:p14="http://schemas.microsoft.com/office/powerpoint/2010/main" val="593568448"/>
       </p:ext>
     </p:extLst>
   </p:cSld>
@@ -4285,7 +4418,7 @@
         </p:nvSpPr>
         <p:spPr>
           <a:xfrm>
-            <a:off x="1853580" y="824230"/>
+            <a:off x="1808702" y="824230"/>
             <a:ext cx="8778240" cy="5010912"/>
           </a:xfrm>
           <a:prstGeom prst="rect">
@@ -4331,7 +4464,7 @@
         </p:nvSpPr>
         <p:spPr>
           <a:xfrm>
-            <a:off x="3838696" y="1056832"/>
+            <a:off x="4184694" y="1065121"/>
             <a:ext cx="5712369" cy="1754326"/>
           </a:xfrm>
           <a:prstGeom prst="rect">
@@ -4347,13 +4480,7 @@
           <a:p>
             <a:r>
               <a:rPr lang="en-US" sz="5400" dirty="0"/>
-              <a:t>Virtual </a:t>
-            </a:r>
-          </a:p>
-          <a:p>
-            <a:r>
-              <a:rPr lang="en-US" sz="5400" dirty="0"/>
-              <a:t>Office Hours</a:t>
+              <a:t>OUT-OF-CLASS LECTURES</a:t>
             </a:r>
           </a:p>
         </p:txBody>
@@ -4383,7 +4510,59 @@
             <a:pPr algn="ctr"/>
             <a:r>
               <a:rPr lang="en-US" dirty="0"/>
-              <a:t>April 17, 2020</a:t>
+              <a:t>April 20, 2020</a:t>
+            </a:r>
+          </a:p>
+        </p:txBody>
+      </p:sp>
+      <p:sp>
+        <p:nvSpPr>
+          <p:cNvPr id="9" name="TextBox 8"/>
+          <p:cNvSpPr txBox="1"/>
+          <p:nvPr/>
+        </p:nvSpPr>
+        <p:spPr>
+          <a:xfrm>
+            <a:off x="1946627" y="3432914"/>
+            <a:ext cx="5005769" cy="923330"/>
+          </a:xfrm>
+          <a:prstGeom prst="rect">
+            <a:avLst/>
+          </a:prstGeom>
+          <a:noFill/>
+        </p:spPr>
+        <p:txBody>
+          <a:bodyPr wrap="square" rtlCol="0">
+            <a:spAutoFit/>
+          </a:bodyPr>
+          <a:lstStyle/>
+          <a:p>
+            <a:pPr algn="ctr"/>
+            <a:r>
+              <a:rPr lang="en-US" dirty="0"/>
+              <a:t>Chapter 16</a:t>
+            </a:r>
+          </a:p>
+          <a:p>
+            <a:pPr algn="ctr"/>
+            <a:r>
+              <a:rPr lang="en-US" b="1" u="sng" dirty="0"/>
+              <a:t>Mixed </a:t>
+            </a:r>
+            <a:r>
+              <a:rPr lang="en-US" b="1" u="sng" dirty="0" err="1"/>
+              <a:t>Deisgn</a:t>
+            </a:r>
+            <a:r>
+              <a:rPr lang="en-US" b="1" u="sng" dirty="0"/>
+              <a:t> ANOVA</a:t>
+            </a:r>
+          </a:p>
+          <a:p>
+            <a:pPr algn="ctr"/>
+            <a:r>
+              <a:rPr lang="en-US" i="1" dirty="0"/>
+              <a:t>Very short lecture</a:t>
             </a:r>
           </a:p>
         </p:txBody>
@@ -4525,38 +4704,55 @@
       </p:pic>
       <p:pic>
         <p:nvPicPr>
-          <p:cNvPr id="5" name="Picture 4"/>
+          <p:cNvPr id="1026" name="Picture 2" descr="Image result for virus"/>
           <p:cNvPicPr>
-            <a:picLocks noChangeAspect="1"/>
+            <a:picLocks noChangeAspect="1" noChangeArrowheads="1"/>
           </p:cNvPicPr>
           <p:nvPr/>
         </p:nvPicPr>
         <p:blipFill>
-          <a:blip r:embed="rId6"/>
+          <a:blip r:embed="rId6" cstate="print">
+            <a:extLst>
+              <a:ext uri="{28A0092B-C50C-407E-A947-70E740481C1C}">
+                <a14:useLocalDpi xmlns:a14="http://schemas.microsoft.com/office/drawing/2010/main" val="0"/>
+              </a:ext>
+            </a:extLst>
+          </a:blip>
+          <a:srcRect/>
           <a:stretch>
             <a:fillRect/>
           </a:stretch>
         </p:blipFill>
-        <p:spPr>
-          <a:xfrm>
-            <a:off x="1985351" y="4872564"/>
-            <a:ext cx="1853345" cy="853514"/>
-          </a:xfrm>
-          <a:prstGeom prst="rect">
-            <a:avLst/>
-          </a:prstGeom>
+        <p:spPr bwMode="auto">
+          <a:xfrm>
+            <a:off x="1908176" y="4866721"/>
+            <a:ext cx="825034" cy="824421"/>
+          </a:xfrm>
+          <a:prstGeom prst="rect">
+            <a:avLst/>
+          </a:prstGeom>
+          <a:noFill/>
+          <a:extLst>
+            <a:ext uri="{909E8E84-426E-40DD-AFC4-6F175D3DCCD1}">
+              <a14:hiddenFill xmlns:a14="http://schemas.microsoft.com/office/drawing/2010/main">
+                <a:solidFill>
+                  <a:srgbClr val="FFFFFF"/>
+                </a:solidFill>
+              </a14:hiddenFill>
+            </a:ext>
+          </a:extLst>
         </p:spPr>
       </p:pic>
       <p:sp>
         <p:nvSpPr>
-          <p:cNvPr id="17" name="TextBox 16"/>
+          <p:cNvPr id="13" name="TextBox 12"/>
           <p:cNvSpPr txBox="1"/>
           <p:nvPr/>
         </p:nvSpPr>
         <p:spPr>
           <a:xfrm>
-            <a:off x="2035110" y="3092669"/>
-            <a:ext cx="5005769" cy="1754326"/>
+            <a:off x="2524444" y="5254195"/>
+            <a:ext cx="1238954" cy="369332"/>
           </a:xfrm>
           <a:prstGeom prst="rect">
             <a:avLst/>
@@ -4571,48 +4767,22 @@
           <a:p>
             <a:pPr algn="ctr"/>
             <a:r>
-              <a:rPr lang="en-US" dirty="0"/>
-              <a:t>HW 15</a:t>
-            </a:r>
-          </a:p>
-          <a:p>
-            <a:pPr algn="ctr"/>
-            <a:r>
-              <a:rPr lang="en-US" b="1" u="sng" dirty="0"/>
-              <a:t>RM ANOVAs</a:t>
-            </a:r>
-          </a:p>
-          <a:p>
-            <a:pPr algn="ctr"/>
-            <a:r>
-              <a:rPr lang="en-US" dirty="0"/>
-              <a:t>Item 1</a:t>
-            </a:r>
-          </a:p>
-          <a:p>
-            <a:pPr algn="ctr"/>
-            <a:r>
-              <a:rPr lang="en-US" dirty="0"/>
-              <a:t>Person-Profile Plots</a:t>
-            </a:r>
-          </a:p>
-          <a:p>
-            <a:pPr algn="ctr"/>
-            <a:r>
-              <a:rPr lang="en-US" dirty="0"/>
-              <a:t>Hand Calculations</a:t>
-            </a:r>
-          </a:p>
-          <a:p>
-            <a:pPr algn="ctr"/>
-            <a:endParaRPr lang="en-US" dirty="0"/>
+              <a:rPr lang="en-US" b="1" dirty="0">
+                <a:solidFill>
+                  <a:schemeClr val="accent1">
+                    <a:lumMod val="75000"/>
+                  </a:schemeClr>
+                </a:solidFill>
+              </a:rPr>
+              <a:t>Covid-19</a:t>
+            </a:r>
           </a:p>
         </p:txBody>
       </p:sp>
     </p:spTree>
     <p:extLst>
       <p:ext uri="{BB962C8B-B14F-4D97-AF65-F5344CB8AC3E}">
-        <p14:creationId xmlns:p14="http://schemas.microsoft.com/office/powerpoint/2010/main" val="2105505871"/>
+        <p14:creationId xmlns:p14="http://schemas.microsoft.com/office/powerpoint/2010/main" val="2783809321"/>
       </p:ext>
     </p:extLst>
   </p:cSld>
@@ -4745,7 +4915,7 @@
             <a:pPr algn="ctr"/>
             <a:r>
               <a:rPr lang="en-US" dirty="0"/>
-              <a:t>April 16, 2020</a:t>
+              <a:t>April 17, 2020</a:t>
             </a:r>
           </a:p>
         </p:txBody>
@@ -4934,35 +5104,35 @@
             <a:pPr algn="ctr"/>
             <a:r>
               <a:rPr lang="en-US" dirty="0"/>
-              <a:t>HW 16</a:t>
+              <a:t>HW 15</a:t>
             </a:r>
           </a:p>
           <a:p>
             <a:pPr algn="ctr"/>
             <a:r>
               <a:rPr lang="en-US" b="1" u="sng" dirty="0"/>
-              <a:t>Mixed ANOVAs</a:t>
+              <a:t>RM ANOVAs</a:t>
             </a:r>
           </a:p>
           <a:p>
             <a:pPr algn="ctr"/>
             <a:r>
               <a:rPr lang="en-US" dirty="0"/>
-              <a:t>Section “C” problems</a:t>
+              <a:t>Item 1</a:t>
             </a:r>
           </a:p>
           <a:p>
             <a:pPr algn="ctr"/>
             <a:r>
               <a:rPr lang="en-US" dirty="0"/>
-              <a:t>APA write-up</a:t>
+              <a:t>Person-Profile Plots</a:t>
             </a:r>
           </a:p>
           <a:p>
             <a:pPr algn="ctr"/>
             <a:r>
               <a:rPr lang="en-US" dirty="0"/>
-              <a:t>Methods &amp; Results sections</a:t>
+              <a:t>Hand Calculations</a:t>
             </a:r>
           </a:p>
           <a:p>
@@ -4974,7 +5144,7 @@
     </p:spTree>
     <p:extLst>
       <p:ext uri="{BB962C8B-B14F-4D97-AF65-F5344CB8AC3E}">
-        <p14:creationId xmlns:p14="http://schemas.microsoft.com/office/powerpoint/2010/main" val="1059415320"/>
+        <p14:creationId xmlns:p14="http://schemas.microsoft.com/office/powerpoint/2010/main" val="2105505871"/>
       </p:ext>
     </p:extLst>
   </p:cSld>
@@ -5107,7 +5277,7 @@
             <a:pPr algn="ctr"/>
             <a:r>
               <a:rPr lang="en-US" dirty="0"/>
-              <a:t>April 15, 2020</a:t>
+              <a:t>April 16, 2020</a:t>
             </a:r>
           </a:p>
         </p:txBody>
@@ -5310,57 +5480,21 @@
             <a:pPr algn="ctr"/>
             <a:r>
               <a:rPr lang="en-US" dirty="0"/>
-              <a:t>*updated* </a:t>
-            </a:r>
-            <a:r>
-              <a:rPr lang="en-US" dirty="0" err="1"/>
-              <a:t>Rmd</a:t>
-            </a:r>
+              <a:t>Section “C” problems</a:t>
+            </a:r>
+          </a:p>
+          <a:p>
+            <a:pPr algn="ctr"/>
             <a:r>
               <a:rPr lang="en-US" dirty="0"/>
-              <a:t> skeleton</a:t>
-            </a:r>
-          </a:p>
-          <a:p>
-            <a:pPr algn="ctr"/>
-            <a:r>
-              <a:rPr lang="en-US" dirty="0" err="1"/>
-              <a:t>Maunchly’s</a:t>
-            </a:r>
+              <a:t>APA write-up</a:t>
+            </a:r>
+          </a:p>
+          <a:p>
+            <a:pPr algn="ctr"/>
             <a:r>
               <a:rPr lang="en-US" dirty="0"/>
-              <a:t> </a:t>
-            </a:r>
-            <a:r>
-              <a:rPr lang="en-US" dirty="0" err="1"/>
-              <a:t>Sphericity</a:t>
-            </a:r>
-            <a:r>
-              <a:rPr lang="en-US" dirty="0"/>
-              <a:t> Tests &amp;</a:t>
-            </a:r>
-          </a:p>
-          <a:p>
-            <a:pPr algn="ctr"/>
-            <a:r>
-              <a:rPr lang="en-US" dirty="0"/>
-              <a:t>The Greenhouse-</a:t>
-            </a:r>
-            <a:r>
-              <a:rPr lang="en-US" dirty="0" err="1"/>
-              <a:t>Geisser</a:t>
-            </a:r>
-            <a:r>
-              <a:rPr lang="en-US" dirty="0"/>
-              <a:t> Correction to </a:t>
-            </a:r>
-            <a:r>
-              <a:rPr lang="en-US" dirty="0" err="1"/>
-              <a:t>df’s</a:t>
-            </a:r>
-            <a:r>
-              <a:rPr lang="en-US" dirty="0"/>
-              <a:t> </a:t>
+              <a:t>Methods &amp; Results sections</a:t>
             </a:r>
           </a:p>
           <a:p>
@@ -5372,7 +5506,7 @@
     </p:spTree>
     <p:extLst>
       <p:ext uri="{BB962C8B-B14F-4D97-AF65-F5344CB8AC3E}">
-        <p14:creationId xmlns:p14="http://schemas.microsoft.com/office/powerpoint/2010/main" val="3758234290"/>
+        <p14:creationId xmlns:p14="http://schemas.microsoft.com/office/powerpoint/2010/main" val="1059415320"/>
       </p:ext>
     </p:extLst>
   </p:cSld>
@@ -5505,49 +5639,8 @@
             <a:pPr algn="ctr"/>
             <a:r>
               <a:rPr lang="en-US" dirty="0"/>
-              <a:t>April 14, 2020</a:t>
-            </a:r>
-          </a:p>
-        </p:txBody>
-      </p:sp>
-      <p:sp>
-        <p:nvSpPr>
-          <p:cNvPr id="9" name="TextBox 8"/>
-          <p:cNvSpPr txBox="1"/>
-          <p:nvPr/>
-        </p:nvSpPr>
-        <p:spPr>
-          <a:xfrm>
-            <a:off x="1985351" y="3033699"/>
-            <a:ext cx="5005769" cy="923330"/>
-          </a:xfrm>
-          <a:prstGeom prst="rect">
-            <a:avLst/>
-          </a:prstGeom>
-          <a:noFill/>
-        </p:spPr>
-        <p:txBody>
-          <a:bodyPr wrap="square" rtlCol="0">
-            <a:spAutoFit/>
-          </a:bodyPr>
-          <a:lstStyle/>
-          <a:p>
-            <a:pPr algn="ctr"/>
-            <a:r>
-              <a:rPr lang="en-US" dirty="0"/>
-              <a:t>HW 15 </a:t>
-            </a:r>
-          </a:p>
-          <a:p>
-            <a:pPr algn="ctr"/>
-            <a:r>
-              <a:rPr lang="en-US" b="1" u="sng" dirty="0"/>
-              <a:t>1-way RM ANOVAs</a:t>
-            </a:r>
-          </a:p>
-          <a:p>
-            <a:pPr algn="ctr"/>
-            <a:endParaRPr lang="en-US" dirty="0"/>
+              <a:t>April 15, 2020</a:t>
+            </a:r>
           </a:p>
         </p:txBody>
       </p:sp>
@@ -5718,8 +5811,8 @@
         </p:nvSpPr>
         <p:spPr>
           <a:xfrm>
-            <a:off x="2735076" y="4097297"/>
-            <a:ext cx="5005769" cy="923330"/>
+            <a:off x="2035110" y="3092669"/>
+            <a:ext cx="5005769" cy="1754326"/>
           </a:xfrm>
           <a:prstGeom prst="rect">
             <a:avLst/>
@@ -5747,6 +5840,63 @@
           </a:p>
           <a:p>
             <a:pPr algn="ctr"/>
+            <a:r>
+              <a:rPr lang="en-US" dirty="0"/>
+              <a:t>*updated* </a:t>
+            </a:r>
+            <a:r>
+              <a:rPr lang="en-US" dirty="0" err="1"/>
+              <a:t>Rmd</a:t>
+            </a:r>
+            <a:r>
+              <a:rPr lang="en-US" dirty="0"/>
+              <a:t> skeleton</a:t>
+            </a:r>
+          </a:p>
+          <a:p>
+            <a:pPr algn="ctr"/>
+            <a:r>
+              <a:rPr lang="en-US" dirty="0" err="1"/>
+              <a:t>Maunchly’s</a:t>
+            </a:r>
+            <a:r>
+              <a:rPr lang="en-US" dirty="0"/>
+              <a:t> </a:t>
+            </a:r>
+            <a:r>
+              <a:rPr lang="en-US" dirty="0" err="1"/>
+              <a:t>Sphericity</a:t>
+            </a:r>
+            <a:r>
+              <a:rPr lang="en-US" dirty="0"/>
+              <a:t> Tests &amp;</a:t>
+            </a:r>
+          </a:p>
+          <a:p>
+            <a:pPr algn="ctr"/>
+            <a:r>
+              <a:rPr lang="en-US" dirty="0"/>
+              <a:t>The Greenhouse-</a:t>
+            </a:r>
+            <a:r>
+              <a:rPr lang="en-US" dirty="0" err="1"/>
+              <a:t>Geisser</a:t>
+            </a:r>
+            <a:r>
+              <a:rPr lang="en-US" dirty="0"/>
+              <a:t> Correction to </a:t>
+            </a:r>
+            <a:r>
+              <a:rPr lang="en-US" dirty="0" err="1"/>
+              <a:t>df’s</a:t>
+            </a:r>
+            <a:r>
+              <a:rPr lang="en-US" dirty="0"/>
+              <a:t> </a:t>
+            </a:r>
+          </a:p>
+          <a:p>
+            <a:pPr algn="ctr"/>
             <a:endParaRPr lang="en-US" dirty="0"/>
           </a:p>
         </p:txBody>
@@ -5754,7 +5904,7 @@
     </p:spTree>
     <p:extLst>
       <p:ext uri="{BB962C8B-B14F-4D97-AF65-F5344CB8AC3E}">
-        <p14:creationId xmlns:p14="http://schemas.microsoft.com/office/powerpoint/2010/main" val="2620031016"/>
+        <p14:creationId xmlns:p14="http://schemas.microsoft.com/office/powerpoint/2010/main" val="3758234290"/>
       </p:ext>
     </p:extLst>
   </p:cSld>
@@ -5789,7 +5939,7 @@
         </p:nvSpPr>
         <p:spPr>
           <a:xfrm>
-            <a:off x="1808702" y="824230"/>
+            <a:off x="1853580" y="824230"/>
             <a:ext cx="8778240" cy="5010912"/>
           </a:xfrm>
           <a:prstGeom prst="rect">
@@ -5835,7 +5985,7 @@
         </p:nvSpPr>
         <p:spPr>
           <a:xfrm>
-            <a:off x="4184694" y="1065121"/>
+            <a:off x="3838696" y="1056832"/>
             <a:ext cx="5712369" cy="1754326"/>
           </a:xfrm>
           <a:prstGeom prst="rect">
@@ -5851,7 +6001,13 @@
           <a:p>
             <a:r>
               <a:rPr lang="en-US" sz="5400" dirty="0"/>
-              <a:t>OUT-OF-CLASS LECTURES</a:t>
+              <a:t>Virtual </a:t>
+            </a:r>
+          </a:p>
+          <a:p>
+            <a:r>
+              <a:rPr lang="en-US" sz="5400" dirty="0"/>
+              <a:t>Office Hours</a:t>
             </a:r>
           </a:p>
         </p:txBody>
@@ -5881,7 +6037,7 @@
             <a:pPr algn="ctr"/>
             <a:r>
               <a:rPr lang="en-US" dirty="0"/>
-              <a:t>April 13, 2020</a:t>
+              <a:t>April 14, 2020</a:t>
             </a:r>
           </a:p>
         </p:txBody>
@@ -5894,8 +6050,8 @@
         </p:nvSpPr>
         <p:spPr>
           <a:xfrm>
-            <a:off x="2136087" y="2916921"/>
-            <a:ext cx="5005769" cy="2308324"/>
+            <a:off x="1985351" y="3033699"/>
+            <a:ext cx="5005769" cy="923330"/>
           </a:xfrm>
           <a:prstGeom prst="rect">
             <a:avLst/>
@@ -5911,65 +6067,19 @@
             <a:pPr algn="ctr"/>
             <a:r>
               <a:rPr lang="en-US" dirty="0"/>
-              <a:t>Chapter 15</a:t>
+              <a:t>HW 15 </a:t>
             </a:r>
           </a:p>
           <a:p>
             <a:pPr algn="ctr"/>
             <a:r>
               <a:rPr lang="en-US" b="1" u="sng" dirty="0"/>
-              <a:t>Repeated </a:t>
-            </a:r>
-            <a:r>
-              <a:rPr lang="en-US" b="1" u="sng" dirty="0" err="1"/>
-              <a:t>Measurs</a:t>
-            </a:r>
-            <a:r>
-              <a:rPr lang="en-US" b="1" u="sng" dirty="0"/>
-              <a:t> ANOVA</a:t>
-            </a:r>
-          </a:p>
-          <a:p>
-            <a:pPr algn="ctr"/>
-            <a:r>
-              <a:rPr lang="en-US" i="1" dirty="0"/>
-              <a:t>2-way RM ANOVA</a:t>
-            </a:r>
-          </a:p>
-          <a:p>
-            <a:pPr algn="ctr"/>
-            <a:r>
-              <a:rPr lang="en-US" i="1" dirty="0"/>
-              <a:t>Effect Sizes</a:t>
-            </a:r>
-          </a:p>
-          <a:p>
-            <a:pPr algn="ctr"/>
-            <a:r>
-              <a:rPr lang="en-US" i="1" dirty="0"/>
-              <a:t>Follow-up test &amp; Multiple Comparisons</a:t>
-            </a:r>
-          </a:p>
-          <a:p>
-            <a:pPr algn="ctr"/>
-            <a:r>
-              <a:rPr lang="en-US" i="1" dirty="0"/>
-              <a:t>Interaction</a:t>
-            </a:r>
-          </a:p>
-          <a:p>
-            <a:pPr algn="ctr"/>
-            <a:r>
-              <a:rPr lang="en-US" i="1" dirty="0"/>
-              <a:t>Reporting Results</a:t>
-            </a:r>
-          </a:p>
-          <a:p>
-            <a:pPr algn="ctr"/>
-            <a:r>
-              <a:rPr lang="en-US" i="1" dirty="0"/>
-              <a:t>Slides 37-end</a:t>
-            </a:r>
+              <a:t>1-way RM ANOVAs</a:t>
+            </a:r>
+          </a:p>
+          <a:p>
+            <a:pPr algn="ctr"/>
+            <a:endParaRPr lang="en-US" dirty="0"/>
           </a:p>
         </p:txBody>
       </p:sp>
@@ -6110,55 +6220,38 @@
       </p:pic>
       <p:pic>
         <p:nvPicPr>
-          <p:cNvPr id="1026" name="Picture 2" descr="Image result for virus"/>
+          <p:cNvPr id="5" name="Picture 4"/>
           <p:cNvPicPr>
-            <a:picLocks noChangeAspect="1" noChangeArrowheads="1"/>
+            <a:picLocks noChangeAspect="1"/>
           </p:cNvPicPr>
           <p:nvPr/>
         </p:nvPicPr>
         <p:blipFill>
-          <a:blip r:embed="rId6" cstate="print">
-            <a:extLst>
-              <a:ext uri="{28A0092B-C50C-407E-A947-70E740481C1C}">
-                <a14:useLocalDpi xmlns:a14="http://schemas.microsoft.com/office/drawing/2010/main" val="0"/>
-              </a:ext>
-            </a:extLst>
-          </a:blip>
-          <a:srcRect/>
+          <a:blip r:embed="rId6"/>
           <a:stretch>
             <a:fillRect/>
           </a:stretch>
         </p:blipFill>
-        <p:spPr bwMode="auto">
-          <a:xfrm>
-            <a:off x="1908176" y="4866721"/>
-            <a:ext cx="825034" cy="824421"/>
-          </a:xfrm>
-          <a:prstGeom prst="rect">
-            <a:avLst/>
-          </a:prstGeom>
-          <a:noFill/>
-          <a:extLst>
-            <a:ext uri="{909E8E84-426E-40DD-AFC4-6F175D3DCCD1}">
-              <a14:hiddenFill xmlns:a14="http://schemas.microsoft.com/office/drawing/2010/main">
-                <a:solidFill>
-                  <a:srgbClr val="FFFFFF"/>
-                </a:solidFill>
-              </a14:hiddenFill>
-            </a:ext>
-          </a:extLst>
+        <p:spPr>
+          <a:xfrm>
+            <a:off x="1985351" y="4872564"/>
+            <a:ext cx="1853345" cy="853514"/>
+          </a:xfrm>
+          <a:prstGeom prst="rect">
+            <a:avLst/>
+          </a:prstGeom>
         </p:spPr>
       </p:pic>
       <p:sp>
         <p:nvSpPr>
-          <p:cNvPr id="13" name="TextBox 12"/>
+          <p:cNvPr id="17" name="TextBox 16"/>
           <p:cNvSpPr txBox="1"/>
           <p:nvPr/>
         </p:nvSpPr>
         <p:spPr>
           <a:xfrm>
-            <a:off x="2524444" y="5254195"/>
-            <a:ext cx="1238954" cy="369332"/>
+            <a:off x="2735076" y="4097297"/>
+            <a:ext cx="5005769" cy="923330"/>
           </a:xfrm>
           <a:prstGeom prst="rect">
             <a:avLst/>
@@ -6173,22 +6266,27 @@
           <a:p>
             <a:pPr algn="ctr"/>
             <a:r>
-              <a:rPr lang="en-US" b="1" dirty="0">
-                <a:solidFill>
-                  <a:schemeClr val="accent1">
-                    <a:lumMod val="75000"/>
-                  </a:schemeClr>
-                </a:solidFill>
-              </a:rPr>
-              <a:t>Covid-19</a:t>
-            </a:r>
+              <a:rPr lang="en-US" dirty="0"/>
+              <a:t>HW 16</a:t>
+            </a:r>
+          </a:p>
+          <a:p>
+            <a:pPr algn="ctr"/>
+            <a:r>
+              <a:rPr lang="en-US" b="1" u="sng" dirty="0"/>
+              <a:t>Mixed ANOVAs</a:t>
+            </a:r>
+          </a:p>
+          <a:p>
+            <a:pPr algn="ctr"/>
+            <a:endParaRPr lang="en-US" dirty="0"/>
           </a:p>
         </p:txBody>
       </p:sp>
     </p:spTree>
     <p:extLst>
       <p:ext uri="{BB962C8B-B14F-4D97-AF65-F5344CB8AC3E}">
-        <p14:creationId xmlns:p14="http://schemas.microsoft.com/office/powerpoint/2010/main" val="2525452429"/>
+        <p14:creationId xmlns:p14="http://schemas.microsoft.com/office/powerpoint/2010/main" val="2620031016"/>
       </p:ext>
     </p:extLst>
   </p:cSld>
@@ -6328,8 +6426,8 @@
         </p:nvSpPr>
         <p:spPr>
           <a:xfrm>
-            <a:off x="2035110" y="3043759"/>
-            <a:ext cx="5005769" cy="1200329"/>
+            <a:off x="2136087" y="2916921"/>
+            <a:ext cx="5005769" cy="2308324"/>
           </a:xfrm>
           <a:prstGeom prst="rect">
             <a:avLst/>
@@ -6367,14 +6465,42 @@
             <a:pPr algn="ctr"/>
             <a:r>
               <a:rPr lang="en-US" i="1" dirty="0"/>
-              <a:t>1-way RM ANOVA</a:t>
+              <a:t>2-way RM ANOVA</a:t>
             </a:r>
           </a:p>
           <a:p>
             <a:pPr algn="ctr"/>
             <a:r>
               <a:rPr lang="en-US" i="1" dirty="0"/>
-              <a:t>Slides 1 - 36</a:t>
+              <a:t>Effect Sizes</a:t>
+            </a:r>
+          </a:p>
+          <a:p>
+            <a:pPr algn="ctr"/>
+            <a:r>
+              <a:rPr lang="en-US" i="1" dirty="0"/>
+              <a:t>Follow-up test &amp; Multiple Comparisons</a:t>
+            </a:r>
+          </a:p>
+          <a:p>
+            <a:pPr algn="ctr"/>
+            <a:r>
+              <a:rPr lang="en-US" i="1" dirty="0"/>
+              <a:t>Interaction</a:t>
+            </a:r>
+          </a:p>
+          <a:p>
+            <a:pPr algn="ctr"/>
+            <a:r>
+              <a:rPr lang="en-US" i="1" dirty="0"/>
+              <a:t>Reporting Results</a:t>
+            </a:r>
+          </a:p>
+          <a:p>
+            <a:pPr algn="ctr"/>
+            <a:r>
+              <a:rPr lang="en-US" i="1" dirty="0"/>
+              <a:t>Slides 37-end</a:t>
             </a:r>
           </a:p>
         </p:txBody>
@@ -6594,7 +6720,7 @@
     </p:spTree>
     <p:extLst>
       <p:ext uri="{BB962C8B-B14F-4D97-AF65-F5344CB8AC3E}">
-        <p14:creationId xmlns:p14="http://schemas.microsoft.com/office/powerpoint/2010/main" val="3454054716"/>
+        <p14:creationId xmlns:p14="http://schemas.microsoft.com/office/powerpoint/2010/main" val="2525452429"/>
       </p:ext>
     </p:extLst>
   </p:cSld>
@@ -6735,7 +6861,7 @@
         <p:spPr>
           <a:xfrm>
             <a:off x="2035110" y="3043759"/>
-            <a:ext cx="5005769" cy="1477328"/>
+            <a:ext cx="5005769" cy="1200329"/>
           </a:xfrm>
           <a:prstGeom prst="rect">
             <a:avLst/>
@@ -6773,37 +6899,14 @@
             <a:pPr algn="ctr"/>
             <a:r>
               <a:rPr lang="en-US" i="1" dirty="0"/>
-              <a:t>Examples, in R</a:t>
+              <a:t>1-way RM ANOVA</a:t>
             </a:r>
           </a:p>
           <a:p>
             <a:pPr algn="ctr"/>
             <a:r>
               <a:rPr lang="en-US" i="1" dirty="0"/>
-              <a:t>1</a:t>
-            </a:r>
-            <a:r>
-              <a:rPr lang="en-US" i="1" baseline="30000" dirty="0"/>
-              <a:t>st</a:t>
-            </a:r>
-            <a:r>
-              <a:rPr lang="en-US" i="1" dirty="0"/>
-              <a:t> – textbook’s example with word recall</a:t>
-            </a:r>
-          </a:p>
-          <a:p>
-            <a:pPr algn="ctr"/>
-            <a:r>
-              <a:rPr lang="en-US" i="1" dirty="0"/>
-              <a:t>2</a:t>
-            </a:r>
-            <a:r>
-              <a:rPr lang="en-US" i="1" baseline="30000" dirty="0"/>
-              <a:t>nd</a:t>
-            </a:r>
-            <a:r>
-              <a:rPr lang="en-US" i="1" dirty="0"/>
-              <a:t> – weight loss over 3 months</a:t>
+              <a:t>Slides 1 - 36</a:t>
             </a:r>
           </a:p>
         </p:txBody>
@@ -7023,7 +7126,7 @@
     </p:spTree>
     <p:extLst>
       <p:ext uri="{BB962C8B-B14F-4D97-AF65-F5344CB8AC3E}">
-        <p14:creationId xmlns:p14="http://schemas.microsoft.com/office/powerpoint/2010/main" val="707466089"/>
+        <p14:creationId xmlns:p14="http://schemas.microsoft.com/office/powerpoint/2010/main" val="3454054716"/>
       </p:ext>
     </p:extLst>
   </p:cSld>
@@ -7058,7 +7161,7 @@
         </p:nvSpPr>
         <p:spPr>
           <a:xfrm>
-            <a:off x="1853580" y="824230"/>
+            <a:off x="1808702" y="824230"/>
             <a:ext cx="8778240" cy="5010912"/>
           </a:xfrm>
           <a:prstGeom prst="rect">
@@ -7104,7 +7207,7 @@
         </p:nvSpPr>
         <p:spPr>
           <a:xfrm>
-            <a:off x="3838696" y="1056832"/>
+            <a:off x="4184694" y="1065121"/>
             <a:ext cx="5712369" cy="1754326"/>
           </a:xfrm>
           <a:prstGeom prst="rect">
@@ -7120,13 +7223,7 @@
           <a:p>
             <a:r>
               <a:rPr lang="en-US" sz="5400" dirty="0"/>
-              <a:t>Virtual </a:t>
-            </a:r>
-          </a:p>
-          <a:p>
-            <a:r>
-              <a:rPr lang="en-US" sz="5400" dirty="0"/>
-              <a:t>Office Hours</a:t>
+              <a:t>OUT-OF-CLASS LECTURES</a:t>
             </a:r>
           </a:p>
         </p:txBody>
@@ -7156,7 +7253,7 @@
             <a:pPr algn="ctr"/>
             <a:r>
               <a:rPr lang="en-US" dirty="0"/>
-              <a:t>April 7, 2020</a:t>
+              <a:t>April 13, 2020</a:t>
             </a:r>
           </a:p>
         </p:txBody>
@@ -7169,8 +7266,8 @@
         </p:nvSpPr>
         <p:spPr>
           <a:xfrm>
-            <a:off x="3133161" y="2743036"/>
-            <a:ext cx="5005769" cy="923330"/>
+            <a:off x="2035110" y="3043759"/>
+            <a:ext cx="5005769" cy="1477328"/>
           </a:xfrm>
           <a:prstGeom prst="rect">
             <a:avLst/>
@@ -7186,21 +7283,59 @@
             <a:pPr algn="ctr"/>
             <a:r>
               <a:rPr lang="en-US" dirty="0"/>
-              <a:t>HW 14 </a:t>
+              <a:t>Chapter 15</a:t>
             </a:r>
           </a:p>
           <a:p>
             <a:pPr algn="ctr"/>
             <a:r>
               <a:rPr lang="en-US" b="1" u="sng" dirty="0"/>
-              <a:t>2-way Factorial ANOVAs</a:t>
-            </a:r>
-          </a:p>
-          <a:p>
-            <a:pPr algn="ctr"/>
-            <a:r>
-              <a:rPr lang="en-US" dirty="0"/>
-              <a:t>Items # 4, 5, &amp; 6</a:t>
+              <a:t>Repeated </a:t>
+            </a:r>
+            <a:r>
+              <a:rPr lang="en-US" b="1" u="sng" dirty="0" err="1"/>
+              <a:t>Measurs</a:t>
+            </a:r>
+            <a:r>
+              <a:rPr lang="en-US" b="1" u="sng" dirty="0"/>
+              <a:t> ANOVA</a:t>
+            </a:r>
+          </a:p>
+          <a:p>
+            <a:pPr algn="ctr"/>
+            <a:r>
+              <a:rPr lang="en-US" i="1" dirty="0"/>
+              <a:t>Examples, in R</a:t>
+            </a:r>
+          </a:p>
+          <a:p>
+            <a:pPr algn="ctr"/>
+            <a:r>
+              <a:rPr lang="en-US" i="1" dirty="0"/>
+              <a:t>1</a:t>
+            </a:r>
+            <a:r>
+              <a:rPr lang="en-US" i="1" baseline="30000" dirty="0"/>
+              <a:t>st</a:t>
+            </a:r>
+            <a:r>
+              <a:rPr lang="en-US" i="1" dirty="0"/>
+              <a:t> – textbook’s example with word recall</a:t>
+            </a:r>
+          </a:p>
+          <a:p>
+            <a:pPr algn="ctr"/>
+            <a:r>
+              <a:rPr lang="en-US" i="1" dirty="0"/>
+              <a:t>2</a:t>
+            </a:r>
+            <a:r>
+              <a:rPr lang="en-US" i="1" baseline="30000" dirty="0"/>
+              <a:t>nd</a:t>
+            </a:r>
+            <a:r>
+              <a:rPr lang="en-US" i="1" dirty="0"/>
+              <a:t> – weight loss over 3 months</a:t>
             </a:r>
           </a:p>
         </p:txBody>
@@ -7342,38 +7477,55 @@
       </p:pic>
       <p:pic>
         <p:nvPicPr>
-          <p:cNvPr id="5" name="Picture 4"/>
+          <p:cNvPr id="1026" name="Picture 2" descr="Image result for virus"/>
           <p:cNvPicPr>
-            <a:picLocks noChangeAspect="1"/>
+            <a:picLocks noChangeAspect="1" noChangeArrowheads="1"/>
           </p:cNvPicPr>
           <p:nvPr/>
         </p:nvPicPr>
         <p:blipFill>
-          <a:blip r:embed="rId6"/>
+          <a:blip r:embed="rId6" cstate="print">
+            <a:extLst>
+              <a:ext uri="{28A0092B-C50C-407E-A947-70E740481C1C}">
+                <a14:useLocalDpi xmlns:a14="http://schemas.microsoft.com/office/drawing/2010/main" val="0"/>
+              </a:ext>
+            </a:extLst>
+          </a:blip>
+          <a:srcRect/>
           <a:stretch>
             <a:fillRect/>
           </a:stretch>
         </p:blipFill>
-        <p:spPr>
-          <a:xfrm>
-            <a:off x="1985351" y="4872564"/>
-            <a:ext cx="1853345" cy="853514"/>
-          </a:xfrm>
-          <a:prstGeom prst="rect">
-            <a:avLst/>
-          </a:prstGeom>
+        <p:spPr bwMode="auto">
+          <a:xfrm>
+            <a:off x="1908176" y="4866721"/>
+            <a:ext cx="825034" cy="824421"/>
+          </a:xfrm>
+          <a:prstGeom prst="rect">
+            <a:avLst/>
+          </a:prstGeom>
+          <a:noFill/>
+          <a:extLst>
+            <a:ext uri="{909E8E84-426E-40DD-AFC4-6F175D3DCCD1}">
+              <a14:hiddenFill xmlns:a14="http://schemas.microsoft.com/office/drawing/2010/main">
+                <a:solidFill>
+                  <a:srgbClr val="FFFFFF"/>
+                </a:solidFill>
+              </a14:hiddenFill>
+            </a:ext>
+          </a:extLst>
         </p:spPr>
       </p:pic>
       <p:sp>
         <p:nvSpPr>
-          <p:cNvPr id="6" name="TextBox 5"/>
+          <p:cNvPr id="13" name="TextBox 12"/>
           <p:cNvSpPr txBox="1"/>
           <p:nvPr/>
         </p:nvSpPr>
         <p:spPr>
           <a:xfrm>
-            <a:off x="2163479" y="3316893"/>
-            <a:ext cx="1952216" cy="646331"/>
+            <a:off x="2524444" y="5254195"/>
+            <a:ext cx="1238954" cy="369332"/>
           </a:xfrm>
           <a:prstGeom prst="rect">
             <a:avLst/>
@@ -7388,110 +7540,14 @@
           <a:p>
             <a:pPr algn="ctr"/>
             <a:r>
-              <a:rPr lang="en-US" u="sng" dirty="0"/>
-              <a:t>Factorial ANOVA</a:t>
-            </a:r>
-          </a:p>
-          <a:p>
-            <a:pPr algn="ctr"/>
-            <a:r>
-              <a:rPr lang="en-US" dirty="0"/>
-              <a:t>Omnibus F-tests</a:t>
-            </a:r>
-          </a:p>
-        </p:txBody>
-      </p:sp>
-      <p:sp>
-        <p:nvSpPr>
-          <p:cNvPr id="15" name="TextBox 14"/>
-          <p:cNvSpPr txBox="1"/>
-          <p:nvPr/>
-        </p:nvSpPr>
-        <p:spPr>
-          <a:xfrm>
-            <a:off x="3473229" y="3827424"/>
-            <a:ext cx="2184037" cy="923330"/>
-          </a:xfrm>
-          <a:prstGeom prst="rect">
-            <a:avLst/>
-          </a:prstGeom>
-          <a:noFill/>
-        </p:spPr>
-        <p:txBody>
-          <a:bodyPr wrap="square" rtlCol="0">
-            <a:spAutoFit/>
-          </a:bodyPr>
-          <a:lstStyle/>
-          <a:p>
-            <a:pPr algn="ctr"/>
-            <a:r>
-              <a:rPr lang="en-US" u="sng" dirty="0"/>
-              <a:t>Interactions</a:t>
-            </a:r>
-          </a:p>
-          <a:p>
-            <a:pPr algn="ctr"/>
-            <a:r>
-              <a:rPr lang="en-US" dirty="0"/>
-              <a:t>2-way means plots</a:t>
-            </a:r>
-          </a:p>
-          <a:p>
-            <a:pPr algn="ctr"/>
-            <a:r>
-              <a:rPr lang="en-US" dirty="0"/>
-              <a:t>Interaction contrasts</a:t>
-            </a:r>
-          </a:p>
-        </p:txBody>
-      </p:sp>
-      <p:sp>
-        <p:nvSpPr>
-          <p:cNvPr id="16" name="TextBox 15"/>
-          <p:cNvSpPr txBox="1"/>
-          <p:nvPr/>
-        </p:nvSpPr>
-        <p:spPr>
-          <a:xfrm>
-            <a:off x="4851703" y="4576843"/>
-            <a:ext cx="2667658" cy="1200329"/>
-          </a:xfrm>
-          <a:prstGeom prst="rect">
-            <a:avLst/>
-          </a:prstGeom>
-          <a:noFill/>
-        </p:spPr>
-        <p:txBody>
-          <a:bodyPr wrap="square" rtlCol="0">
-            <a:spAutoFit/>
-          </a:bodyPr>
-          <a:lstStyle/>
-          <a:p>
-            <a:pPr algn="ctr"/>
-            <a:r>
-              <a:rPr lang="en-US" u="sng" dirty="0"/>
-              <a:t>Main Effects</a:t>
-            </a:r>
-          </a:p>
-          <a:p>
-            <a:pPr algn="ctr"/>
-            <a:r>
-              <a:rPr lang="en-US" dirty="0"/>
-              <a:t>1-way means table</a:t>
-            </a:r>
-          </a:p>
-          <a:p>
-            <a:pPr algn="ctr"/>
-            <a:r>
-              <a:rPr lang="en-US" dirty="0"/>
-              <a:t>1-way means plot</a:t>
-            </a:r>
-          </a:p>
-          <a:p>
-            <a:pPr algn="ctr"/>
-            <a:r>
-              <a:rPr lang="en-US" dirty="0"/>
-              <a:t>Pairwise post hoc t-tests</a:t>
+              <a:rPr lang="en-US" b="1" dirty="0">
+                <a:solidFill>
+                  <a:schemeClr val="accent1">
+                    <a:lumMod val="75000"/>
+                  </a:schemeClr>
+                </a:solidFill>
+              </a:rPr>
+              <a:t>Covid-19</a:t>
             </a:r>
           </a:p>
         </p:txBody>
@@ -7499,7 +7555,7 @@
     </p:spTree>
     <p:extLst>
       <p:ext uri="{BB962C8B-B14F-4D97-AF65-F5344CB8AC3E}">
-        <p14:creationId xmlns:p14="http://schemas.microsoft.com/office/powerpoint/2010/main" val="1875168771"/>
+        <p14:creationId xmlns:p14="http://schemas.microsoft.com/office/powerpoint/2010/main" val="707466089"/>
       </p:ext>
     </p:extLst>
   </p:cSld>
@@ -7619,7 +7675,7 @@
         <p:spPr>
           <a:xfrm>
             <a:off x="2639881" y="3325287"/>
-            <a:ext cx="5005769" cy="1477328"/>
+            <a:ext cx="5005769" cy="923330"/>
           </a:xfrm>
           <a:prstGeom prst="rect">
             <a:avLst/>
@@ -7635,7 +7691,7 @@
             <a:pPr algn="ctr"/>
             <a:r>
               <a:rPr lang="en-US" dirty="0" smtClean="0"/>
-              <a:t>HW_03, section C</a:t>
+              <a:t>HW_04, section C</a:t>
             </a:r>
             <a:endParaRPr lang="en-US" dirty="0"/>
           </a:p>
@@ -7643,40 +7699,18 @@
             <a:pPr algn="ctr"/>
             <a:r>
               <a:rPr lang="en-US" b="1" u="sng" dirty="0"/>
-              <a:t>Summarizing Data with Descriptive </a:t>
+              <a:t>Standardized </a:t>
             </a:r>
             <a:r>
               <a:rPr lang="en-US" b="1" u="sng" dirty="0" smtClean="0"/>
-              <a:t>Statistics</a:t>
+              <a:t>Scores</a:t>
             </a:r>
           </a:p>
           <a:p>
             <a:pPr algn="ctr"/>
             <a:r>
               <a:rPr lang="en-US" i="1" dirty="0" smtClean="0"/>
-              <a:t>Full </a:t>
-            </a:r>
-            <a:r>
-              <a:rPr lang="en-US" i="1" dirty="0" smtClean="0"/>
-              <a:t>D</a:t>
-            </a:r>
-            <a:r>
-              <a:rPr lang="en-US" i="1" dirty="0" smtClean="0"/>
-              <a:t>escriptive Summary</a:t>
-            </a:r>
-          </a:p>
-          <a:p>
-            <a:pPr algn="ctr"/>
-            <a:r>
-              <a:rPr lang="en-US" i="1" dirty="0" smtClean="0"/>
-              <a:t>Side-by-Side Boxplots</a:t>
-            </a:r>
-          </a:p>
-          <a:p>
-            <a:pPr algn="ctr"/>
-            <a:r>
-              <a:rPr lang="en-US" i="1" dirty="0" smtClean="0"/>
-              <a:t>“Table 1 “</a:t>
+              <a:t>Calculate z-scores</a:t>
             </a:r>
             <a:endParaRPr lang="en-US" i="1" dirty="0"/>
           </a:p>
@@ -7994,7 +8028,7 @@
     </p:spTree>
     <p:extLst>
       <p:ext uri="{BB962C8B-B14F-4D97-AF65-F5344CB8AC3E}">
-        <p14:creationId xmlns:p14="http://schemas.microsoft.com/office/powerpoint/2010/main" val="1114200830"/>
+        <p14:creationId xmlns:p14="http://schemas.microsoft.com/office/powerpoint/2010/main" val="4088571183"/>
       </p:ext>
     </p:extLst>
   </p:cSld>
@@ -8127,7 +8161,7 @@
             <a:pPr algn="ctr"/>
             <a:r>
               <a:rPr lang="en-US" dirty="0"/>
-              <a:t>April 2, 2020</a:t>
+              <a:t>April 7, 2020</a:t>
             </a:r>
           </a:p>
         </p:txBody>
@@ -8171,7 +8205,7 @@
             <a:pPr algn="ctr"/>
             <a:r>
               <a:rPr lang="en-US" dirty="0"/>
-              <a:t>Items # 2, 3, &amp; 5</a:t>
+              <a:t>Items # 4, 5, &amp; 6</a:t>
             </a:r>
           </a:p>
         </p:txBody>
@@ -8470,7 +8504,7 @@
     </p:spTree>
     <p:extLst>
       <p:ext uri="{BB962C8B-B14F-4D97-AF65-F5344CB8AC3E}">
-        <p14:creationId xmlns:p14="http://schemas.microsoft.com/office/powerpoint/2010/main" val="3811887098"/>
+        <p14:creationId xmlns:p14="http://schemas.microsoft.com/office/powerpoint/2010/main" val="1875168771"/>
       </p:ext>
     </p:extLst>
   </p:cSld>
@@ -8505,7 +8539,7 @@
         </p:nvSpPr>
         <p:spPr>
           <a:xfrm>
-            <a:off x="1808702" y="824230"/>
+            <a:off x="1853580" y="824230"/>
             <a:ext cx="8778240" cy="5010912"/>
           </a:xfrm>
           <a:prstGeom prst="rect">
@@ -8551,7 +8585,7 @@
         </p:nvSpPr>
         <p:spPr>
           <a:xfrm>
-            <a:off x="4003824" y="1483154"/>
+            <a:off x="3838696" y="1056832"/>
             <a:ext cx="5712369" cy="1754326"/>
           </a:xfrm>
           <a:prstGeom prst="rect">
@@ -8567,13 +8601,13 @@
           <a:p>
             <a:r>
               <a:rPr lang="en-US" sz="5400" dirty="0"/>
-              <a:t>HOMEWORK</a:t>
+              <a:t>Virtual </a:t>
             </a:r>
           </a:p>
           <a:p>
             <a:r>
               <a:rPr lang="en-US" sz="5400" dirty="0"/>
-              <a:t>HELP</a:t>
+              <a:t>Office Hours</a:t>
             </a:r>
           </a:p>
         </p:txBody>
@@ -8603,7 +8637,7 @@
             <a:pPr algn="ctr"/>
             <a:r>
               <a:rPr lang="en-US" dirty="0"/>
-              <a:t>April. 1, 2020</a:t>
+              <a:t>April 2, 2020</a:t>
             </a:r>
           </a:p>
         </p:txBody>
@@ -8616,8 +8650,8 @@
         </p:nvSpPr>
         <p:spPr>
           <a:xfrm>
-            <a:off x="2105405" y="3257394"/>
-            <a:ext cx="5005769" cy="1477328"/>
+            <a:off x="3133161" y="2743036"/>
+            <a:ext cx="5005769" cy="923330"/>
           </a:xfrm>
           <a:prstGeom prst="rect">
             <a:avLst/>
@@ -8633,33 +8667,22 @@
             <a:pPr algn="ctr"/>
             <a:r>
               <a:rPr lang="en-US" dirty="0"/>
-              <a:t>Chapter 14</a:t>
+              <a:t>HW 14 </a:t>
             </a:r>
           </a:p>
           <a:p>
             <a:pPr algn="ctr"/>
             <a:r>
               <a:rPr lang="en-US" b="1" u="sng" dirty="0"/>
-              <a:t>2-way Factorial ANOVA</a:t>
-            </a:r>
-          </a:p>
-          <a:p>
-            <a:pPr algn="ctr"/>
-            <a:r>
-              <a:rPr lang="en-US" b="1" dirty="0"/>
-              <a:t>14A #6: MS and F formulas </a:t>
-            </a:r>
-          </a:p>
-          <a:p>
-            <a:pPr algn="ctr"/>
-            <a:r>
-              <a:rPr lang="en-US" b="1" dirty="0"/>
-              <a:t>Based on a means table</a:t>
-            </a:r>
-          </a:p>
-          <a:p>
-            <a:pPr algn="ctr"/>
-            <a:endParaRPr lang="en-US" b="1" dirty="0"/>
+              <a:t>2-way Factorial ANOVAs</a:t>
+            </a:r>
+          </a:p>
+          <a:p>
+            <a:pPr algn="ctr"/>
+            <a:r>
+              <a:rPr lang="en-US" dirty="0"/>
+              <a:t>Items # 2, 3, &amp; 5</a:t>
+            </a:r>
           </a:p>
         </p:txBody>
       </p:sp>
@@ -8798,102 +8821,166 @@
           </a:prstGeom>
         </p:spPr>
       </p:pic>
-      <p:grpSp>
-        <p:nvGrpSpPr>
-          <p:cNvPr id="13" name="Group 12"/>
-          <p:cNvGrpSpPr/>
-          <p:nvPr/>
-        </p:nvGrpSpPr>
-        <p:grpSpPr>
-          <a:xfrm>
-            <a:off x="1908176" y="4866721"/>
-            <a:ext cx="1855222" cy="824421"/>
-            <a:chOff x="1908176" y="4866721"/>
-            <a:chExt cx="1855222" cy="824421"/>
-          </a:xfrm>
-        </p:grpSpPr>
-        <p:pic>
-          <p:nvPicPr>
-            <p:cNvPr id="15" name="Picture 2" descr="Image result for virus"/>
-            <p:cNvPicPr>
-              <a:picLocks noChangeAspect="1" noChangeArrowheads="1"/>
-            </p:cNvPicPr>
-            <p:nvPr/>
-          </p:nvPicPr>
-          <p:blipFill>
-            <a:blip r:embed="rId6" cstate="print">
-              <a:extLst>
-                <a:ext uri="{28A0092B-C50C-407E-A947-70E740481C1C}">
-                  <a14:useLocalDpi xmlns:a14="http://schemas.microsoft.com/office/drawing/2010/main" val="0"/>
-                </a:ext>
-              </a:extLst>
-            </a:blip>
-            <a:srcRect/>
-            <a:stretch>
-              <a:fillRect/>
-            </a:stretch>
-          </p:blipFill>
-          <p:spPr bwMode="auto">
-            <a:xfrm>
-              <a:off x="1908176" y="4866721"/>
-              <a:ext cx="825034" cy="824421"/>
-            </a:xfrm>
-            <a:prstGeom prst="rect">
-              <a:avLst/>
-            </a:prstGeom>
-            <a:noFill/>
-            <a:extLst>
-              <a:ext uri="{909E8E84-426E-40DD-AFC4-6F175D3DCCD1}">
-                <a14:hiddenFill xmlns:a14="http://schemas.microsoft.com/office/drawing/2010/main">
-                  <a:solidFill>
-                    <a:srgbClr val="FFFFFF"/>
-                  </a:solidFill>
-                </a14:hiddenFill>
-              </a:ext>
-            </a:extLst>
-          </p:spPr>
-        </p:pic>
-        <p:sp>
-          <p:nvSpPr>
-            <p:cNvPr id="16" name="TextBox 15"/>
-            <p:cNvSpPr txBox="1"/>
-            <p:nvPr/>
-          </p:nvSpPr>
-          <p:spPr>
-            <a:xfrm>
-              <a:off x="2524444" y="5254195"/>
-              <a:ext cx="1238954" cy="369332"/>
-            </a:xfrm>
-            <a:prstGeom prst="rect">
-              <a:avLst/>
-            </a:prstGeom>
-            <a:noFill/>
-          </p:spPr>
-          <p:txBody>
-            <a:bodyPr wrap="square" rtlCol="0">
-              <a:spAutoFit/>
-            </a:bodyPr>
-            <a:lstStyle/>
-            <a:p>
-              <a:pPr algn="ctr"/>
-              <a:r>
-                <a:rPr lang="en-US" b="1" dirty="0">
-                  <a:solidFill>
-                    <a:schemeClr val="accent1">
-                      <a:lumMod val="75000"/>
-                    </a:schemeClr>
-                  </a:solidFill>
-                </a:rPr>
-                <a:t>Covid-19</a:t>
-              </a:r>
-            </a:p>
-          </p:txBody>
-        </p:sp>
-      </p:grpSp>
+      <p:pic>
+        <p:nvPicPr>
+          <p:cNvPr id="5" name="Picture 4"/>
+          <p:cNvPicPr>
+            <a:picLocks noChangeAspect="1"/>
+          </p:cNvPicPr>
+          <p:nvPr/>
+        </p:nvPicPr>
+        <p:blipFill>
+          <a:blip r:embed="rId6"/>
+          <a:stretch>
+            <a:fillRect/>
+          </a:stretch>
+        </p:blipFill>
+        <p:spPr>
+          <a:xfrm>
+            <a:off x="1985351" y="4872564"/>
+            <a:ext cx="1853345" cy="853514"/>
+          </a:xfrm>
+          <a:prstGeom prst="rect">
+            <a:avLst/>
+          </a:prstGeom>
+        </p:spPr>
+      </p:pic>
+      <p:sp>
+        <p:nvSpPr>
+          <p:cNvPr id="6" name="TextBox 5"/>
+          <p:cNvSpPr txBox="1"/>
+          <p:nvPr/>
+        </p:nvSpPr>
+        <p:spPr>
+          <a:xfrm>
+            <a:off x="2163479" y="3316893"/>
+            <a:ext cx="1952216" cy="646331"/>
+          </a:xfrm>
+          <a:prstGeom prst="rect">
+            <a:avLst/>
+          </a:prstGeom>
+          <a:noFill/>
+        </p:spPr>
+        <p:txBody>
+          <a:bodyPr wrap="square" rtlCol="0">
+            <a:spAutoFit/>
+          </a:bodyPr>
+          <a:lstStyle/>
+          <a:p>
+            <a:pPr algn="ctr"/>
+            <a:r>
+              <a:rPr lang="en-US" u="sng" dirty="0"/>
+              <a:t>Factorial ANOVA</a:t>
+            </a:r>
+          </a:p>
+          <a:p>
+            <a:pPr algn="ctr"/>
+            <a:r>
+              <a:rPr lang="en-US" dirty="0"/>
+              <a:t>Omnibus F-tests</a:t>
+            </a:r>
+          </a:p>
+        </p:txBody>
+      </p:sp>
+      <p:sp>
+        <p:nvSpPr>
+          <p:cNvPr id="15" name="TextBox 14"/>
+          <p:cNvSpPr txBox="1"/>
+          <p:nvPr/>
+        </p:nvSpPr>
+        <p:spPr>
+          <a:xfrm>
+            <a:off x="3473229" y="3827424"/>
+            <a:ext cx="2184037" cy="923330"/>
+          </a:xfrm>
+          <a:prstGeom prst="rect">
+            <a:avLst/>
+          </a:prstGeom>
+          <a:noFill/>
+        </p:spPr>
+        <p:txBody>
+          <a:bodyPr wrap="square" rtlCol="0">
+            <a:spAutoFit/>
+          </a:bodyPr>
+          <a:lstStyle/>
+          <a:p>
+            <a:pPr algn="ctr"/>
+            <a:r>
+              <a:rPr lang="en-US" u="sng" dirty="0"/>
+              <a:t>Interactions</a:t>
+            </a:r>
+          </a:p>
+          <a:p>
+            <a:pPr algn="ctr"/>
+            <a:r>
+              <a:rPr lang="en-US" dirty="0"/>
+              <a:t>2-way means plots</a:t>
+            </a:r>
+          </a:p>
+          <a:p>
+            <a:pPr algn="ctr"/>
+            <a:r>
+              <a:rPr lang="en-US" dirty="0"/>
+              <a:t>Interaction contrasts</a:t>
+            </a:r>
+          </a:p>
+        </p:txBody>
+      </p:sp>
+      <p:sp>
+        <p:nvSpPr>
+          <p:cNvPr id="16" name="TextBox 15"/>
+          <p:cNvSpPr txBox="1"/>
+          <p:nvPr/>
+        </p:nvSpPr>
+        <p:spPr>
+          <a:xfrm>
+            <a:off x="4851703" y="4576843"/>
+            <a:ext cx="2667658" cy="1200329"/>
+          </a:xfrm>
+          <a:prstGeom prst="rect">
+            <a:avLst/>
+          </a:prstGeom>
+          <a:noFill/>
+        </p:spPr>
+        <p:txBody>
+          <a:bodyPr wrap="square" rtlCol="0">
+            <a:spAutoFit/>
+          </a:bodyPr>
+          <a:lstStyle/>
+          <a:p>
+            <a:pPr algn="ctr"/>
+            <a:r>
+              <a:rPr lang="en-US" u="sng" dirty="0"/>
+              <a:t>Main Effects</a:t>
+            </a:r>
+          </a:p>
+          <a:p>
+            <a:pPr algn="ctr"/>
+            <a:r>
+              <a:rPr lang="en-US" dirty="0"/>
+              <a:t>1-way means table</a:t>
+            </a:r>
+          </a:p>
+          <a:p>
+            <a:pPr algn="ctr"/>
+            <a:r>
+              <a:rPr lang="en-US" dirty="0"/>
+              <a:t>1-way means plot</a:t>
+            </a:r>
+          </a:p>
+          <a:p>
+            <a:pPr algn="ctr"/>
+            <a:r>
+              <a:rPr lang="en-US" dirty="0"/>
+              <a:t>Pairwise post hoc t-tests</a:t>
+            </a:r>
+          </a:p>
+        </p:txBody>
+      </p:sp>
     </p:spTree>
     <p:extLst>
       <p:ext uri="{BB962C8B-B14F-4D97-AF65-F5344CB8AC3E}">
-        <p14:creationId xmlns:p14="http://schemas.microsoft.com/office/powerpoint/2010/main" val="969755914"/>
+        <p14:creationId xmlns:p14="http://schemas.microsoft.com/office/powerpoint/2010/main" val="3811887098"/>
       </p:ext>
     </p:extLst>
   </p:cSld>
@@ -8974,7 +9061,7 @@
         </p:nvSpPr>
         <p:spPr>
           <a:xfrm>
-            <a:off x="4184694" y="1065121"/>
+            <a:off x="4003824" y="1483154"/>
             <a:ext cx="5712369" cy="1754326"/>
           </a:xfrm>
           <a:prstGeom prst="rect">
@@ -8990,7 +9077,13 @@
           <a:p>
             <a:r>
               <a:rPr lang="en-US" sz="5400" dirty="0"/>
-              <a:t>OUT-OF-CLASS LECTURES</a:t>
+              <a:t>HOMEWORK</a:t>
+            </a:r>
+          </a:p>
+          <a:p>
+            <a:r>
+              <a:rPr lang="en-US" sz="5400" dirty="0"/>
+              <a:t>HELP</a:t>
             </a:r>
           </a:p>
         </p:txBody>
@@ -9020,7 +9113,7 @@
             <a:pPr algn="ctr"/>
             <a:r>
               <a:rPr lang="en-US" dirty="0"/>
-              <a:t>March 31, 2020</a:t>
+              <a:t>April. 1, 2020</a:t>
             </a:r>
           </a:p>
         </p:txBody>
@@ -9033,8 +9126,8 @@
         </p:nvSpPr>
         <p:spPr>
           <a:xfrm>
-            <a:off x="2035110" y="3043759"/>
-            <a:ext cx="5005769" cy="1200329"/>
+            <a:off x="2105405" y="3257394"/>
+            <a:ext cx="5005769" cy="1477328"/>
           </a:xfrm>
           <a:prstGeom prst="rect">
             <a:avLst/>
@@ -9063,16 +9156,20 @@
           <a:p>
             <a:pPr algn="ctr"/>
             <a:r>
-              <a:rPr lang="en-US" i="1" dirty="0"/>
-              <a:t>Sleep x Stimulant Example Walk-through </a:t>
-            </a:r>
-          </a:p>
-          <a:p>
-            <a:pPr algn="ctr"/>
-            <a:r>
-              <a:rPr lang="en-US" i="1" dirty="0"/>
-              <a:t>Barry Cohen’s Textbook Example </a:t>
-            </a:r>
+              <a:rPr lang="en-US" b="1" dirty="0"/>
+              <a:t>14A #6: MS and F formulas </a:t>
+            </a:r>
+          </a:p>
+          <a:p>
+            <a:pPr algn="ctr"/>
+            <a:r>
+              <a:rPr lang="en-US" b="1" dirty="0"/>
+              <a:t>Based on a means table</a:t>
+            </a:r>
+          </a:p>
+          <a:p>
+            <a:pPr algn="ctr"/>
+            <a:endParaRPr lang="en-US" b="1" dirty="0"/>
           </a:p>
         </p:txBody>
       </p:sp>
@@ -9213,7 +9310,7 @@
       </p:pic>
       <p:grpSp>
         <p:nvGrpSpPr>
-          <p:cNvPr id="5" name="Group 4"/>
+          <p:cNvPr id="13" name="Group 12"/>
           <p:cNvGrpSpPr/>
           <p:nvPr/>
         </p:nvGrpSpPr>
@@ -9227,7 +9324,7 @@
         </p:grpSpPr>
         <p:pic>
           <p:nvPicPr>
-            <p:cNvPr id="1026" name="Picture 2" descr="Image result for virus"/>
+            <p:cNvPr id="15" name="Picture 2" descr="Image result for virus"/>
             <p:cNvPicPr>
               <a:picLocks noChangeAspect="1" noChangeArrowheads="1"/>
             </p:cNvPicPr>
@@ -9268,7 +9365,7 @@
         </p:pic>
         <p:sp>
           <p:nvSpPr>
-            <p:cNvPr id="13" name="TextBox 12"/>
+            <p:cNvPr id="16" name="TextBox 15"/>
             <p:cNvSpPr txBox="1"/>
             <p:nvPr/>
           </p:nvSpPr>
@@ -9306,7 +9403,7 @@
     </p:spTree>
     <p:extLst>
       <p:ext uri="{BB962C8B-B14F-4D97-AF65-F5344CB8AC3E}">
-        <p14:creationId xmlns:p14="http://schemas.microsoft.com/office/powerpoint/2010/main" val="3068570685"/>
+        <p14:creationId xmlns:p14="http://schemas.microsoft.com/office/powerpoint/2010/main" val="969755914"/>
       </p:ext>
     </p:extLst>
   </p:cSld>
@@ -9477,14 +9574,14 @@
             <a:pPr algn="ctr"/>
             <a:r>
               <a:rPr lang="en-US" i="1" dirty="0"/>
-              <a:t>Lecture slides </a:t>
+              <a:t>Sleep x Stimulant Example Walk-through </a:t>
             </a:r>
           </a:p>
           <a:p>
             <a:pPr algn="ctr"/>
             <a:r>
               <a:rPr lang="en-US" i="1" dirty="0"/>
-              <a:t>(example in separate video)</a:t>
+              <a:t>Barry Cohen’s Textbook Example </a:t>
             </a:r>
           </a:p>
         </p:txBody>
@@ -9624,87 +9721,102 @@
           </a:prstGeom>
         </p:spPr>
       </p:pic>
-      <p:pic>
-        <p:nvPicPr>
-          <p:cNvPr id="1026" name="Picture 2" descr="Image result for virus"/>
-          <p:cNvPicPr>
-            <a:picLocks noChangeAspect="1" noChangeArrowheads="1"/>
-          </p:cNvPicPr>
-          <p:nvPr/>
-        </p:nvPicPr>
-        <p:blipFill>
-          <a:blip r:embed="rId6" cstate="print">
+      <p:grpSp>
+        <p:nvGrpSpPr>
+          <p:cNvPr id="5" name="Group 4"/>
+          <p:cNvGrpSpPr/>
+          <p:nvPr/>
+        </p:nvGrpSpPr>
+        <p:grpSpPr>
+          <a:xfrm>
+            <a:off x="1908176" y="4866721"/>
+            <a:ext cx="1855222" cy="824421"/>
+            <a:chOff x="1908176" y="4866721"/>
+            <a:chExt cx="1855222" cy="824421"/>
+          </a:xfrm>
+        </p:grpSpPr>
+        <p:pic>
+          <p:nvPicPr>
+            <p:cNvPr id="1026" name="Picture 2" descr="Image result for virus"/>
+            <p:cNvPicPr>
+              <a:picLocks noChangeAspect="1" noChangeArrowheads="1"/>
+            </p:cNvPicPr>
+            <p:nvPr/>
+          </p:nvPicPr>
+          <p:blipFill>
+            <a:blip r:embed="rId6" cstate="print">
+              <a:extLst>
+                <a:ext uri="{28A0092B-C50C-407E-A947-70E740481C1C}">
+                  <a14:useLocalDpi xmlns:a14="http://schemas.microsoft.com/office/drawing/2010/main" val="0"/>
+                </a:ext>
+              </a:extLst>
+            </a:blip>
+            <a:srcRect/>
+            <a:stretch>
+              <a:fillRect/>
+            </a:stretch>
+          </p:blipFill>
+          <p:spPr bwMode="auto">
+            <a:xfrm>
+              <a:off x="1908176" y="4866721"/>
+              <a:ext cx="825034" cy="824421"/>
+            </a:xfrm>
+            <a:prstGeom prst="rect">
+              <a:avLst/>
+            </a:prstGeom>
+            <a:noFill/>
             <a:extLst>
-              <a:ext uri="{28A0092B-C50C-407E-A947-70E740481C1C}">
-                <a14:useLocalDpi xmlns:a14="http://schemas.microsoft.com/office/drawing/2010/main" val="0"/>
+              <a:ext uri="{909E8E84-426E-40DD-AFC4-6F175D3DCCD1}">
+                <a14:hiddenFill xmlns:a14="http://schemas.microsoft.com/office/drawing/2010/main">
+                  <a:solidFill>
+                    <a:srgbClr val="FFFFFF"/>
+                  </a:solidFill>
+                </a14:hiddenFill>
               </a:ext>
             </a:extLst>
-          </a:blip>
-          <a:srcRect/>
-          <a:stretch>
-            <a:fillRect/>
-          </a:stretch>
-        </p:blipFill>
-        <p:spPr bwMode="auto">
-          <a:xfrm>
-            <a:off x="1908176" y="4866721"/>
-            <a:ext cx="825034" cy="824421"/>
-          </a:xfrm>
-          <a:prstGeom prst="rect">
-            <a:avLst/>
-          </a:prstGeom>
-          <a:noFill/>
-          <a:extLst>
-            <a:ext uri="{909E8E84-426E-40DD-AFC4-6F175D3DCCD1}">
-              <a14:hiddenFill xmlns:a14="http://schemas.microsoft.com/office/drawing/2010/main">
-                <a:solidFill>
-                  <a:srgbClr val="FFFFFF"/>
-                </a:solidFill>
-              </a14:hiddenFill>
-            </a:ext>
-          </a:extLst>
-        </p:spPr>
-      </p:pic>
-      <p:sp>
-        <p:nvSpPr>
-          <p:cNvPr id="13" name="TextBox 12"/>
-          <p:cNvSpPr txBox="1"/>
-          <p:nvPr/>
-        </p:nvSpPr>
-        <p:spPr>
-          <a:xfrm>
-            <a:off x="2524444" y="5254195"/>
-            <a:ext cx="1238954" cy="369332"/>
-          </a:xfrm>
-          <a:prstGeom prst="rect">
-            <a:avLst/>
-          </a:prstGeom>
-          <a:noFill/>
-        </p:spPr>
-        <p:txBody>
-          <a:bodyPr wrap="square" rtlCol="0">
-            <a:spAutoFit/>
-          </a:bodyPr>
-          <a:lstStyle/>
-          <a:p>
-            <a:pPr algn="ctr"/>
-            <a:r>
-              <a:rPr lang="en-US" b="1" dirty="0">
-                <a:solidFill>
-                  <a:schemeClr val="accent1">
-                    <a:lumMod val="75000"/>
-                  </a:schemeClr>
-                </a:solidFill>
-              </a:rPr>
-              <a:t>Covid-19</a:t>
-            </a:r>
-          </a:p>
-        </p:txBody>
-      </p:sp>
+          </p:spPr>
+        </p:pic>
+        <p:sp>
+          <p:nvSpPr>
+            <p:cNvPr id="13" name="TextBox 12"/>
+            <p:cNvSpPr txBox="1"/>
+            <p:nvPr/>
+          </p:nvSpPr>
+          <p:spPr>
+            <a:xfrm>
+              <a:off x="2524444" y="5254195"/>
+              <a:ext cx="1238954" cy="369332"/>
+            </a:xfrm>
+            <a:prstGeom prst="rect">
+              <a:avLst/>
+            </a:prstGeom>
+            <a:noFill/>
+          </p:spPr>
+          <p:txBody>
+            <a:bodyPr wrap="square" rtlCol="0">
+              <a:spAutoFit/>
+            </a:bodyPr>
+            <a:lstStyle/>
+            <a:p>
+              <a:pPr algn="ctr"/>
+              <a:r>
+                <a:rPr lang="en-US" b="1" dirty="0">
+                  <a:solidFill>
+                    <a:schemeClr val="accent1">
+                      <a:lumMod val="75000"/>
+                    </a:schemeClr>
+                  </a:solidFill>
+                </a:rPr>
+                <a:t>Covid-19</a:t>
+              </a:r>
+            </a:p>
+          </p:txBody>
+        </p:sp>
+      </p:grpSp>
     </p:spTree>
     <p:extLst>
       <p:ext uri="{BB962C8B-B14F-4D97-AF65-F5344CB8AC3E}">
-        <p14:creationId xmlns:p14="http://schemas.microsoft.com/office/powerpoint/2010/main" val="1235567156"/>
+        <p14:creationId xmlns:p14="http://schemas.microsoft.com/office/powerpoint/2010/main" val="3068570685"/>
       </p:ext>
     </p:extLst>
   </p:cSld>
@@ -9739,7 +9851,7 @@
         </p:nvSpPr>
         <p:spPr>
           <a:xfrm>
-            <a:off x="1853580" y="824230"/>
+            <a:off x="1808702" y="824230"/>
             <a:ext cx="8778240" cy="5010912"/>
           </a:xfrm>
           <a:prstGeom prst="rect">
@@ -9785,7 +9897,7 @@
         </p:nvSpPr>
         <p:spPr>
           <a:xfrm>
-            <a:off x="3838696" y="1056832"/>
+            <a:off x="4184694" y="1065121"/>
             <a:ext cx="5712369" cy="1754326"/>
           </a:xfrm>
           <a:prstGeom prst="rect">
@@ -9801,13 +9913,7 @@
           <a:p>
             <a:r>
               <a:rPr lang="en-US" sz="5400" dirty="0"/>
-              <a:t>Virtual </a:t>
-            </a:r>
-          </a:p>
-          <a:p>
-            <a:r>
-              <a:rPr lang="en-US" sz="5400" dirty="0"/>
-              <a:t>Office Hours</a:t>
+              <a:t>OUT-OF-CLASS LECTURES</a:t>
             </a:r>
           </a:p>
         </p:txBody>
@@ -9837,7 +9943,7 @@
             <a:pPr algn="ctr"/>
             <a:r>
               <a:rPr lang="en-US" dirty="0"/>
-              <a:t>March 25, 2020</a:t>
+              <a:t>March 31, 2020</a:t>
             </a:r>
           </a:p>
         </p:txBody>
@@ -9850,7 +9956,7 @@
         </p:nvSpPr>
         <p:spPr>
           <a:xfrm>
-            <a:off x="2023325" y="2848397"/>
+            <a:off x="2035110" y="3043759"/>
             <a:ext cx="5005769" cy="1200329"/>
           </a:xfrm>
           <a:prstGeom prst="rect">
@@ -9867,26 +9973,29 @@
             <a:pPr algn="ctr"/>
             <a:r>
               <a:rPr lang="en-US" dirty="0"/>
-              <a:t>HW 13 </a:t>
+              <a:t>Chapter 14</a:t>
             </a:r>
           </a:p>
           <a:p>
             <a:pPr algn="ctr"/>
             <a:r>
               <a:rPr lang="en-US" b="1" u="sng" dirty="0"/>
-              <a:t>Multiple Comparisons: pairwise &amp; linear contrasts</a:t>
-            </a:r>
-          </a:p>
-          <a:p>
-            <a:pPr algn="ctr"/>
-            <a:r>
-              <a:rPr lang="en-US" dirty="0"/>
-              <a:t>Items # 5 &amp; 6</a:t>
-            </a:r>
-          </a:p>
-          <a:p>
-            <a:pPr algn="ctr"/>
-            <a:endParaRPr lang="en-US" b="1" dirty="0"/>
+              <a:t>2-way Factorial ANOVA</a:t>
+            </a:r>
+          </a:p>
+          <a:p>
+            <a:pPr algn="ctr"/>
+            <a:r>
+              <a:rPr lang="en-US" i="1" dirty="0"/>
+              <a:t>Lecture slides </a:t>
+            </a:r>
+          </a:p>
+          <a:p>
+            <a:pPr algn="ctr"/>
+            <a:r>
+              <a:rPr lang="en-US" i="1" dirty="0"/>
+              <a:t>(example in separate video)</a:t>
+            </a:r>
           </a:p>
         </p:txBody>
       </p:sp>
@@ -10025,82 +10134,87 @@
           </a:prstGeom>
         </p:spPr>
       </p:pic>
-      <p:sp>
-        <p:nvSpPr>
-          <p:cNvPr id="13" name="TextBox 12"/>
-          <p:cNvSpPr txBox="1"/>
-          <p:nvPr/>
-        </p:nvSpPr>
-        <p:spPr>
-          <a:xfrm>
-            <a:off x="2023324" y="3965983"/>
-            <a:ext cx="5005769" cy="1200329"/>
-          </a:xfrm>
-          <a:prstGeom prst="rect">
-            <a:avLst/>
-          </a:prstGeom>
-          <a:noFill/>
-        </p:spPr>
-        <p:txBody>
-          <a:bodyPr wrap="square" rtlCol="0">
-            <a:spAutoFit/>
-          </a:bodyPr>
-          <a:lstStyle/>
-          <a:p>
-            <a:pPr algn="ctr"/>
-            <a:r>
-              <a:rPr lang="en-US" dirty="0"/>
-              <a:t>HW 12 </a:t>
-            </a:r>
-          </a:p>
-          <a:p>
-            <a:pPr algn="ctr"/>
-            <a:r>
-              <a:rPr lang="en-US" b="1" u="sng" dirty="0"/>
-              <a:t>One-way, independent groups ANOVA</a:t>
-            </a:r>
-          </a:p>
-          <a:p>
-            <a:pPr algn="ctr"/>
-            <a:r>
-              <a:rPr lang="en-US" dirty="0"/>
-              <a:t>Items with APA methods/results</a:t>
-            </a:r>
-          </a:p>
-          <a:p>
-            <a:pPr algn="ctr"/>
-            <a:endParaRPr lang="en-US" b="1" dirty="0"/>
-          </a:p>
-        </p:txBody>
-      </p:sp>
       <p:pic>
         <p:nvPicPr>
-          <p:cNvPr id="5" name="Picture 4"/>
+          <p:cNvPr id="1026" name="Picture 2" descr="Image result for virus"/>
           <p:cNvPicPr>
-            <a:picLocks noChangeAspect="1"/>
+            <a:picLocks noChangeAspect="1" noChangeArrowheads="1"/>
           </p:cNvPicPr>
           <p:nvPr/>
         </p:nvPicPr>
         <p:blipFill>
-          <a:blip r:embed="rId6"/>
+          <a:blip r:embed="rId6" cstate="print">
+            <a:extLst>
+              <a:ext uri="{28A0092B-C50C-407E-A947-70E740481C1C}">
+                <a14:useLocalDpi xmlns:a14="http://schemas.microsoft.com/office/drawing/2010/main" val="0"/>
+              </a:ext>
+            </a:extLst>
+          </a:blip>
+          <a:srcRect/>
           <a:stretch>
             <a:fillRect/>
           </a:stretch>
         </p:blipFill>
-        <p:spPr>
-          <a:xfrm>
-            <a:off x="1985351" y="4872564"/>
-            <a:ext cx="1853345" cy="853514"/>
-          </a:xfrm>
-          <a:prstGeom prst="rect">
-            <a:avLst/>
-          </a:prstGeom>
+        <p:spPr bwMode="auto">
+          <a:xfrm>
+            <a:off x="1908176" y="4866721"/>
+            <a:ext cx="825034" cy="824421"/>
+          </a:xfrm>
+          <a:prstGeom prst="rect">
+            <a:avLst/>
+          </a:prstGeom>
+          <a:noFill/>
+          <a:extLst>
+            <a:ext uri="{909E8E84-426E-40DD-AFC4-6F175D3DCCD1}">
+              <a14:hiddenFill xmlns:a14="http://schemas.microsoft.com/office/drawing/2010/main">
+                <a:solidFill>
+                  <a:srgbClr val="FFFFFF"/>
+                </a:solidFill>
+              </a14:hiddenFill>
+            </a:ext>
+          </a:extLst>
         </p:spPr>
       </p:pic>
+      <p:sp>
+        <p:nvSpPr>
+          <p:cNvPr id="13" name="TextBox 12"/>
+          <p:cNvSpPr txBox="1"/>
+          <p:nvPr/>
+        </p:nvSpPr>
+        <p:spPr>
+          <a:xfrm>
+            <a:off x="2524444" y="5254195"/>
+            <a:ext cx="1238954" cy="369332"/>
+          </a:xfrm>
+          <a:prstGeom prst="rect">
+            <a:avLst/>
+          </a:prstGeom>
+          <a:noFill/>
+        </p:spPr>
+        <p:txBody>
+          <a:bodyPr wrap="square" rtlCol="0">
+            <a:spAutoFit/>
+          </a:bodyPr>
+          <a:lstStyle/>
+          <a:p>
+            <a:pPr algn="ctr"/>
+            <a:r>
+              <a:rPr lang="en-US" b="1" dirty="0">
+                <a:solidFill>
+                  <a:schemeClr val="accent1">
+                    <a:lumMod val="75000"/>
+                  </a:schemeClr>
+                </a:solidFill>
+              </a:rPr>
+              <a:t>Covid-19</a:t>
+            </a:r>
+          </a:p>
+        </p:txBody>
+      </p:sp>
     </p:spTree>
     <p:extLst>
       <p:ext uri="{BB962C8B-B14F-4D97-AF65-F5344CB8AC3E}">
-        <p14:creationId xmlns:p14="http://schemas.microsoft.com/office/powerpoint/2010/main" val="636154248"/>
+        <p14:creationId xmlns:p14="http://schemas.microsoft.com/office/powerpoint/2010/main" val="1235567156"/>
       </p:ext>
     </p:extLst>
   </p:cSld>
@@ -10135,7 +10249,7 @@
         </p:nvSpPr>
         <p:spPr>
           <a:xfrm>
-            <a:off x="1808702" y="824230"/>
+            <a:off x="1853580" y="824230"/>
             <a:ext cx="8778240" cy="5010912"/>
           </a:xfrm>
           <a:prstGeom prst="rect">
@@ -10181,7 +10295,7 @@
         </p:nvSpPr>
         <p:spPr>
           <a:xfrm>
-            <a:off x="4184694" y="1065121"/>
+            <a:off x="3838696" y="1056832"/>
             <a:ext cx="5712369" cy="1754326"/>
           </a:xfrm>
           <a:prstGeom prst="rect">
@@ -10197,7 +10311,13 @@
           <a:p>
             <a:r>
               <a:rPr lang="en-US" sz="5400" dirty="0"/>
-              <a:t>OUT-OF-CLASS LECTURES</a:t>
+              <a:t>Virtual </a:t>
+            </a:r>
+          </a:p>
+          <a:p>
+            <a:r>
+              <a:rPr lang="en-US" sz="5400" dirty="0"/>
+              <a:t>Office Hours</a:t>
             </a:r>
           </a:p>
         </p:txBody>
@@ -10227,7 +10347,7 @@
             <a:pPr algn="ctr"/>
             <a:r>
               <a:rPr lang="en-US" dirty="0"/>
-              <a:t>March 23, 2020</a:t>
+              <a:t>March 25, 2020</a:t>
             </a:r>
           </a:p>
         </p:txBody>
@@ -10240,8 +10360,8 @@
         </p:nvSpPr>
         <p:spPr>
           <a:xfrm>
-            <a:off x="2035110" y="3043759"/>
-            <a:ext cx="5005769" cy="1477328"/>
+            <a:off x="2023325" y="2848397"/>
+            <a:ext cx="5005769" cy="1200329"/>
           </a:xfrm>
           <a:prstGeom prst="rect">
             <a:avLst/>
@@ -10257,52 +10377,26 @@
             <a:pPr algn="ctr"/>
             <a:r>
               <a:rPr lang="en-US" dirty="0"/>
-              <a:t>Chapter 13</a:t>
+              <a:t>HW 13 </a:t>
             </a:r>
           </a:p>
           <a:p>
             <a:pPr algn="ctr"/>
             <a:r>
               <a:rPr lang="en-US" b="1" u="sng" dirty="0"/>
-              <a:t>Multiple Comparisons Procedures</a:t>
-            </a:r>
-          </a:p>
-          <a:p>
-            <a:pPr algn="ctr"/>
-            <a:r>
-              <a:rPr lang="en-US" i="1" dirty="0"/>
-              <a:t>Lecture slides, part 2 of 2</a:t>
-            </a:r>
-          </a:p>
-          <a:p>
-            <a:pPr algn="ctr"/>
-            <a:r>
-              <a:rPr lang="en-US" i="1" dirty="0"/>
-              <a:t>Includes example in R (</a:t>
-            </a:r>
-            <a:r>
-              <a:rPr lang="en-US" i="1" dirty="0" err="1"/>
-              <a:t>afex</a:t>
-            </a:r>
-            <a:r>
-              <a:rPr lang="en-US" i="1" dirty="0"/>
-              <a:t> &amp; </a:t>
-            </a:r>
-            <a:r>
-              <a:rPr lang="en-US" i="1" dirty="0" err="1"/>
-              <a:t>emmeans</a:t>
-            </a:r>
-            <a:r>
-              <a:rPr lang="en-US" i="1" dirty="0"/>
-              <a:t>)</a:t>
-            </a:r>
-          </a:p>
-          <a:p>
-            <a:pPr algn="ctr"/>
-            <a:r>
-              <a:rPr lang="en-US" i="1" dirty="0"/>
-              <a:t>linear contrast statements: by hand and code</a:t>
-            </a:r>
+              <a:t>Multiple Comparisons: pairwise &amp; linear contrasts</a:t>
+            </a:r>
+          </a:p>
+          <a:p>
+            <a:pPr algn="ctr"/>
+            <a:r>
+              <a:rPr lang="en-US" dirty="0"/>
+              <a:t>Items # 5 &amp; 6</a:t>
+            </a:r>
+          </a:p>
+          <a:p>
+            <a:pPr algn="ctr"/>
+            <a:endParaRPr lang="en-US" b="1" dirty="0"/>
           </a:p>
         </p:txBody>
       </p:sp>
@@ -10441,102 +10535,82 @@
           </a:prstGeom>
         </p:spPr>
       </p:pic>
-      <p:grpSp>
-        <p:nvGrpSpPr>
-          <p:cNvPr id="5" name="Group 4"/>
-          <p:cNvGrpSpPr/>
-          <p:nvPr/>
-        </p:nvGrpSpPr>
-        <p:grpSpPr>
-          <a:xfrm>
-            <a:off x="1908176" y="4866721"/>
-            <a:ext cx="1855222" cy="824421"/>
-            <a:chOff x="1908176" y="4866721"/>
-            <a:chExt cx="1855222" cy="824421"/>
-          </a:xfrm>
-        </p:grpSpPr>
-        <p:pic>
-          <p:nvPicPr>
-            <p:cNvPr id="1026" name="Picture 2" descr="Image result for virus"/>
-            <p:cNvPicPr>
-              <a:picLocks noChangeAspect="1" noChangeArrowheads="1"/>
-            </p:cNvPicPr>
-            <p:nvPr/>
-          </p:nvPicPr>
-          <p:blipFill>
-            <a:blip r:embed="rId6" cstate="print">
-              <a:extLst>
-                <a:ext uri="{28A0092B-C50C-407E-A947-70E740481C1C}">
-                  <a14:useLocalDpi xmlns:a14="http://schemas.microsoft.com/office/drawing/2010/main" val="0"/>
-                </a:ext>
-              </a:extLst>
-            </a:blip>
-            <a:srcRect/>
-            <a:stretch>
-              <a:fillRect/>
-            </a:stretch>
-          </p:blipFill>
-          <p:spPr bwMode="auto">
-            <a:xfrm>
-              <a:off x="1908176" y="4866721"/>
-              <a:ext cx="825034" cy="824421"/>
-            </a:xfrm>
-            <a:prstGeom prst="rect">
-              <a:avLst/>
-            </a:prstGeom>
-            <a:noFill/>
-            <a:extLst>
-              <a:ext uri="{909E8E84-426E-40DD-AFC4-6F175D3DCCD1}">
-                <a14:hiddenFill xmlns:a14="http://schemas.microsoft.com/office/drawing/2010/main">
-                  <a:solidFill>
-                    <a:srgbClr val="FFFFFF"/>
-                  </a:solidFill>
-                </a14:hiddenFill>
-              </a:ext>
-            </a:extLst>
-          </p:spPr>
-        </p:pic>
-        <p:sp>
-          <p:nvSpPr>
-            <p:cNvPr id="13" name="TextBox 12"/>
-            <p:cNvSpPr txBox="1"/>
-            <p:nvPr/>
-          </p:nvSpPr>
-          <p:spPr>
-            <a:xfrm>
-              <a:off x="2524444" y="5254195"/>
-              <a:ext cx="1238954" cy="369332"/>
-            </a:xfrm>
-            <a:prstGeom prst="rect">
-              <a:avLst/>
-            </a:prstGeom>
-            <a:noFill/>
-          </p:spPr>
-          <p:txBody>
-            <a:bodyPr wrap="square" rtlCol="0">
-              <a:spAutoFit/>
-            </a:bodyPr>
-            <a:lstStyle/>
-            <a:p>
-              <a:pPr algn="ctr"/>
-              <a:r>
-                <a:rPr lang="en-US" b="1" dirty="0">
-                  <a:solidFill>
-                    <a:schemeClr val="accent1">
-                      <a:lumMod val="75000"/>
-                    </a:schemeClr>
-                  </a:solidFill>
-                </a:rPr>
-                <a:t>Covid-19</a:t>
-              </a:r>
-            </a:p>
-          </p:txBody>
-        </p:sp>
-      </p:grpSp>
+      <p:sp>
+        <p:nvSpPr>
+          <p:cNvPr id="13" name="TextBox 12"/>
+          <p:cNvSpPr txBox="1"/>
+          <p:nvPr/>
+        </p:nvSpPr>
+        <p:spPr>
+          <a:xfrm>
+            <a:off x="2023324" y="3965983"/>
+            <a:ext cx="5005769" cy="1200329"/>
+          </a:xfrm>
+          <a:prstGeom prst="rect">
+            <a:avLst/>
+          </a:prstGeom>
+          <a:noFill/>
+        </p:spPr>
+        <p:txBody>
+          <a:bodyPr wrap="square" rtlCol="0">
+            <a:spAutoFit/>
+          </a:bodyPr>
+          <a:lstStyle/>
+          <a:p>
+            <a:pPr algn="ctr"/>
+            <a:r>
+              <a:rPr lang="en-US" dirty="0"/>
+              <a:t>HW 12 </a:t>
+            </a:r>
+          </a:p>
+          <a:p>
+            <a:pPr algn="ctr"/>
+            <a:r>
+              <a:rPr lang="en-US" b="1" u="sng" dirty="0"/>
+              <a:t>One-way, independent groups ANOVA</a:t>
+            </a:r>
+          </a:p>
+          <a:p>
+            <a:pPr algn="ctr"/>
+            <a:r>
+              <a:rPr lang="en-US" dirty="0"/>
+              <a:t>Items with APA methods/results</a:t>
+            </a:r>
+          </a:p>
+          <a:p>
+            <a:pPr algn="ctr"/>
+            <a:endParaRPr lang="en-US" b="1" dirty="0"/>
+          </a:p>
+        </p:txBody>
+      </p:sp>
+      <p:pic>
+        <p:nvPicPr>
+          <p:cNvPr id="5" name="Picture 4"/>
+          <p:cNvPicPr>
+            <a:picLocks noChangeAspect="1"/>
+          </p:cNvPicPr>
+          <p:nvPr/>
+        </p:nvPicPr>
+        <p:blipFill>
+          <a:blip r:embed="rId6"/>
+          <a:stretch>
+            <a:fillRect/>
+          </a:stretch>
+        </p:blipFill>
+        <p:spPr>
+          <a:xfrm>
+            <a:off x="1985351" y="4872564"/>
+            <a:ext cx="1853345" cy="853514"/>
+          </a:xfrm>
+          <a:prstGeom prst="rect">
+            <a:avLst/>
+          </a:prstGeom>
+        </p:spPr>
+      </p:pic>
     </p:spTree>
     <p:extLst>
       <p:ext uri="{BB962C8B-B14F-4D97-AF65-F5344CB8AC3E}">
-        <p14:creationId xmlns:p14="http://schemas.microsoft.com/office/powerpoint/2010/main" val="3788962138"/>
+        <p14:creationId xmlns:p14="http://schemas.microsoft.com/office/powerpoint/2010/main" val="636154248"/>
       </p:ext>
     </p:extLst>
   </p:cSld>
@@ -10677,7 +10751,7 @@
         <p:spPr>
           <a:xfrm>
             <a:off x="2035110" y="3043759"/>
-            <a:ext cx="5005769" cy="1200329"/>
+            <a:ext cx="5005769" cy="1477328"/>
           </a:xfrm>
           <a:prstGeom prst="rect">
             <a:avLst/>
@@ -10707,14 +10781,37 @@
             <a:pPr algn="ctr"/>
             <a:r>
               <a:rPr lang="en-US" i="1" dirty="0"/>
-              <a:t>Lecture slides </a:t>
+              <a:t>Lecture slides, part 2 of 2</a:t>
             </a:r>
           </a:p>
           <a:p>
             <a:pPr algn="ctr"/>
             <a:r>
               <a:rPr lang="en-US" i="1" dirty="0"/>
-              <a:t>(excludes linear contrast statements)</a:t>
+              <a:t>Includes example in R (</a:t>
+            </a:r>
+            <a:r>
+              <a:rPr lang="en-US" i="1" dirty="0" err="1"/>
+              <a:t>afex</a:t>
+            </a:r>
+            <a:r>
+              <a:rPr lang="en-US" i="1" dirty="0"/>
+              <a:t> &amp; </a:t>
+            </a:r>
+            <a:r>
+              <a:rPr lang="en-US" i="1" dirty="0" err="1"/>
+              <a:t>emmeans</a:t>
+            </a:r>
+            <a:r>
+              <a:rPr lang="en-US" i="1" dirty="0"/>
+              <a:t>)</a:t>
+            </a:r>
+          </a:p>
+          <a:p>
+            <a:pPr algn="ctr"/>
+            <a:r>
+              <a:rPr lang="en-US" i="1" dirty="0"/>
+              <a:t>linear contrast statements: by hand and code</a:t>
             </a:r>
           </a:p>
         </p:txBody>
@@ -10854,87 +10951,102 @@
           </a:prstGeom>
         </p:spPr>
       </p:pic>
-      <p:pic>
-        <p:nvPicPr>
-          <p:cNvPr id="1026" name="Picture 2" descr="Image result for virus"/>
-          <p:cNvPicPr>
-            <a:picLocks noChangeAspect="1" noChangeArrowheads="1"/>
-          </p:cNvPicPr>
-          <p:nvPr/>
-        </p:nvPicPr>
-        <p:blipFill>
-          <a:blip r:embed="rId6" cstate="print">
+      <p:grpSp>
+        <p:nvGrpSpPr>
+          <p:cNvPr id="5" name="Group 4"/>
+          <p:cNvGrpSpPr/>
+          <p:nvPr/>
+        </p:nvGrpSpPr>
+        <p:grpSpPr>
+          <a:xfrm>
+            <a:off x="1908176" y="4866721"/>
+            <a:ext cx="1855222" cy="824421"/>
+            <a:chOff x="1908176" y="4866721"/>
+            <a:chExt cx="1855222" cy="824421"/>
+          </a:xfrm>
+        </p:grpSpPr>
+        <p:pic>
+          <p:nvPicPr>
+            <p:cNvPr id="1026" name="Picture 2" descr="Image result for virus"/>
+            <p:cNvPicPr>
+              <a:picLocks noChangeAspect="1" noChangeArrowheads="1"/>
+            </p:cNvPicPr>
+            <p:nvPr/>
+          </p:nvPicPr>
+          <p:blipFill>
+            <a:blip r:embed="rId6" cstate="print">
+              <a:extLst>
+                <a:ext uri="{28A0092B-C50C-407E-A947-70E740481C1C}">
+                  <a14:useLocalDpi xmlns:a14="http://schemas.microsoft.com/office/drawing/2010/main" val="0"/>
+                </a:ext>
+              </a:extLst>
+            </a:blip>
+            <a:srcRect/>
+            <a:stretch>
+              <a:fillRect/>
+            </a:stretch>
+          </p:blipFill>
+          <p:spPr bwMode="auto">
+            <a:xfrm>
+              <a:off x="1908176" y="4866721"/>
+              <a:ext cx="825034" cy="824421"/>
+            </a:xfrm>
+            <a:prstGeom prst="rect">
+              <a:avLst/>
+            </a:prstGeom>
+            <a:noFill/>
             <a:extLst>
-              <a:ext uri="{28A0092B-C50C-407E-A947-70E740481C1C}">
-                <a14:useLocalDpi xmlns:a14="http://schemas.microsoft.com/office/drawing/2010/main" val="0"/>
+              <a:ext uri="{909E8E84-426E-40DD-AFC4-6F175D3DCCD1}">
+                <a14:hiddenFill xmlns:a14="http://schemas.microsoft.com/office/drawing/2010/main">
+                  <a:solidFill>
+                    <a:srgbClr val="FFFFFF"/>
+                  </a:solidFill>
+                </a14:hiddenFill>
               </a:ext>
             </a:extLst>
-          </a:blip>
-          <a:srcRect/>
-          <a:stretch>
-            <a:fillRect/>
-          </a:stretch>
-        </p:blipFill>
-        <p:spPr bwMode="auto">
-          <a:xfrm>
-            <a:off x="1908176" y="4866721"/>
-            <a:ext cx="825034" cy="824421"/>
-          </a:xfrm>
-          <a:prstGeom prst="rect">
-            <a:avLst/>
-          </a:prstGeom>
-          <a:noFill/>
-          <a:extLst>
-            <a:ext uri="{909E8E84-426E-40DD-AFC4-6F175D3DCCD1}">
-              <a14:hiddenFill xmlns:a14="http://schemas.microsoft.com/office/drawing/2010/main">
-                <a:solidFill>
-                  <a:srgbClr val="FFFFFF"/>
-                </a:solidFill>
-              </a14:hiddenFill>
-            </a:ext>
-          </a:extLst>
-        </p:spPr>
-      </p:pic>
-      <p:sp>
-        <p:nvSpPr>
-          <p:cNvPr id="13" name="TextBox 12"/>
-          <p:cNvSpPr txBox="1"/>
-          <p:nvPr/>
-        </p:nvSpPr>
-        <p:spPr>
-          <a:xfrm>
-            <a:off x="2524444" y="5254195"/>
-            <a:ext cx="1238954" cy="369332"/>
-          </a:xfrm>
-          <a:prstGeom prst="rect">
-            <a:avLst/>
-          </a:prstGeom>
-          <a:noFill/>
-        </p:spPr>
-        <p:txBody>
-          <a:bodyPr wrap="square" rtlCol="0">
-            <a:spAutoFit/>
-          </a:bodyPr>
-          <a:lstStyle/>
-          <a:p>
-            <a:pPr algn="ctr"/>
-            <a:r>
-              <a:rPr lang="en-US" b="1" dirty="0">
-                <a:solidFill>
-                  <a:schemeClr val="accent1">
-                    <a:lumMod val="75000"/>
-                  </a:schemeClr>
-                </a:solidFill>
-              </a:rPr>
-              <a:t>Covid-19</a:t>
-            </a:r>
-          </a:p>
-        </p:txBody>
-      </p:sp>
+          </p:spPr>
+        </p:pic>
+        <p:sp>
+          <p:nvSpPr>
+            <p:cNvPr id="13" name="TextBox 12"/>
+            <p:cNvSpPr txBox="1"/>
+            <p:nvPr/>
+          </p:nvSpPr>
+          <p:spPr>
+            <a:xfrm>
+              <a:off x="2524444" y="5254195"/>
+              <a:ext cx="1238954" cy="369332"/>
+            </a:xfrm>
+            <a:prstGeom prst="rect">
+              <a:avLst/>
+            </a:prstGeom>
+            <a:noFill/>
+          </p:spPr>
+          <p:txBody>
+            <a:bodyPr wrap="square" rtlCol="0">
+              <a:spAutoFit/>
+            </a:bodyPr>
+            <a:lstStyle/>
+            <a:p>
+              <a:pPr algn="ctr"/>
+              <a:r>
+                <a:rPr lang="en-US" b="1" dirty="0">
+                  <a:solidFill>
+                    <a:schemeClr val="accent1">
+                      <a:lumMod val="75000"/>
+                    </a:schemeClr>
+                  </a:solidFill>
+                </a:rPr>
+                <a:t>Covid-19</a:t>
+              </a:r>
+            </a:p>
+          </p:txBody>
+        </p:sp>
+      </p:grpSp>
     </p:spTree>
     <p:extLst>
       <p:ext uri="{BB962C8B-B14F-4D97-AF65-F5344CB8AC3E}">
-        <p14:creationId xmlns:p14="http://schemas.microsoft.com/office/powerpoint/2010/main" val="911328323"/>
+        <p14:creationId xmlns:p14="http://schemas.microsoft.com/office/powerpoint/2010/main" val="3788962138"/>
       </p:ext>
     </p:extLst>
   </p:cSld>
@@ -11015,7 +11127,7 @@
         </p:nvSpPr>
         <p:spPr>
           <a:xfrm>
-            <a:off x="4003824" y="1483154"/>
+            <a:off x="4184694" y="1065121"/>
             <a:ext cx="5712369" cy="1754326"/>
           </a:xfrm>
           <a:prstGeom prst="rect">
@@ -11031,13 +11143,7 @@
           <a:p>
             <a:r>
               <a:rPr lang="en-US" sz="5400" dirty="0"/>
-              <a:t>HOMEWORK</a:t>
-            </a:r>
-          </a:p>
-          <a:p>
-            <a:r>
-              <a:rPr lang="en-US" sz="5400" dirty="0"/>
-              <a:t>HELP</a:t>
+              <a:t>OUT-OF-CLASS LECTURES</a:t>
             </a:r>
           </a:p>
         </p:txBody>
@@ -11067,7 +11173,7 @@
             <a:pPr algn="ctr"/>
             <a:r>
               <a:rPr lang="en-US" dirty="0"/>
-              <a:t>Jan. 24, 2020</a:t>
+              <a:t>March 23, 2020</a:t>
             </a:r>
           </a:p>
         </p:txBody>
@@ -11080,7 +11186,7 @@
         </p:nvSpPr>
         <p:spPr>
           <a:xfrm>
-            <a:off x="2000886" y="3743671"/>
+            <a:off x="2035110" y="3043759"/>
             <a:ext cx="5005769" cy="1200329"/>
           </a:xfrm>
           <a:prstGeom prst="rect">
@@ -11097,34 +11203,29 @@
             <a:pPr algn="ctr"/>
             <a:r>
               <a:rPr lang="en-US" dirty="0"/>
-              <a:t>Chapter 4</a:t>
+              <a:t>Chapter 13</a:t>
             </a:r>
           </a:p>
           <a:p>
             <a:pPr algn="ctr"/>
             <a:r>
               <a:rPr lang="en-US" b="1" u="sng" dirty="0"/>
-              <a:t>Standardized Scores &amp; the Normal Distribution</a:t>
-            </a:r>
-          </a:p>
-          <a:p>
-            <a:pPr algn="ctr"/>
-            <a:r>
-              <a:rPr lang="en-US" b="1" dirty="0"/>
-              <a:t>4B #6: IQ (mu = 100, </a:t>
-            </a:r>
-            <a:r>
-              <a:rPr lang="en-US" b="1" dirty="0" err="1"/>
-              <a:t>sd</a:t>
-            </a:r>
-            <a:r>
-              <a:rPr lang="en-US" b="1" dirty="0"/>
-              <a:t>=15) -&gt; sample w/M = 108</a:t>
-            </a:r>
-          </a:p>
-          <a:p>
-            <a:pPr algn="ctr"/>
-            <a:endParaRPr lang="en-US" b="1" dirty="0"/>
+              <a:t>Multiple Comparisons Procedures</a:t>
+            </a:r>
+          </a:p>
+          <a:p>
+            <a:pPr algn="ctr"/>
+            <a:r>
+              <a:rPr lang="en-US" i="1" dirty="0"/>
+              <a:t>Lecture slides </a:t>
+            </a:r>
+          </a:p>
+          <a:p>
+            <a:pPr algn="ctr"/>
+            <a:r>
+              <a:rPr lang="en-US" i="1" dirty="0"/>
+              <a:t>(excludes linear contrast statements)</a:t>
+            </a:r>
           </a:p>
         </p:txBody>
       </p:sp>
@@ -11263,10 +11364,87 @@
           </a:prstGeom>
         </p:spPr>
       </p:pic>
+      <p:pic>
+        <p:nvPicPr>
+          <p:cNvPr id="1026" name="Picture 2" descr="Image result for virus"/>
+          <p:cNvPicPr>
+            <a:picLocks noChangeAspect="1" noChangeArrowheads="1"/>
+          </p:cNvPicPr>
+          <p:nvPr/>
+        </p:nvPicPr>
+        <p:blipFill>
+          <a:blip r:embed="rId6" cstate="print">
+            <a:extLst>
+              <a:ext uri="{28A0092B-C50C-407E-A947-70E740481C1C}">
+                <a14:useLocalDpi xmlns:a14="http://schemas.microsoft.com/office/drawing/2010/main" val="0"/>
+              </a:ext>
+            </a:extLst>
+          </a:blip>
+          <a:srcRect/>
+          <a:stretch>
+            <a:fillRect/>
+          </a:stretch>
+        </p:blipFill>
+        <p:spPr bwMode="auto">
+          <a:xfrm>
+            <a:off x="1908176" y="4866721"/>
+            <a:ext cx="825034" cy="824421"/>
+          </a:xfrm>
+          <a:prstGeom prst="rect">
+            <a:avLst/>
+          </a:prstGeom>
+          <a:noFill/>
+          <a:extLst>
+            <a:ext uri="{909E8E84-426E-40DD-AFC4-6F175D3DCCD1}">
+              <a14:hiddenFill xmlns:a14="http://schemas.microsoft.com/office/drawing/2010/main">
+                <a:solidFill>
+                  <a:srgbClr val="FFFFFF"/>
+                </a:solidFill>
+              </a14:hiddenFill>
+            </a:ext>
+          </a:extLst>
+        </p:spPr>
+      </p:pic>
+      <p:sp>
+        <p:nvSpPr>
+          <p:cNvPr id="13" name="TextBox 12"/>
+          <p:cNvSpPr txBox="1"/>
+          <p:nvPr/>
+        </p:nvSpPr>
+        <p:spPr>
+          <a:xfrm>
+            <a:off x="2524444" y="5254195"/>
+            <a:ext cx="1238954" cy="369332"/>
+          </a:xfrm>
+          <a:prstGeom prst="rect">
+            <a:avLst/>
+          </a:prstGeom>
+          <a:noFill/>
+        </p:spPr>
+        <p:txBody>
+          <a:bodyPr wrap="square" rtlCol="0">
+            <a:spAutoFit/>
+          </a:bodyPr>
+          <a:lstStyle/>
+          <a:p>
+            <a:pPr algn="ctr"/>
+            <a:r>
+              <a:rPr lang="en-US" b="1" dirty="0">
+                <a:solidFill>
+                  <a:schemeClr val="accent1">
+                    <a:lumMod val="75000"/>
+                  </a:schemeClr>
+                </a:solidFill>
+              </a:rPr>
+              <a:t>Covid-19</a:t>
+            </a:r>
+          </a:p>
+        </p:txBody>
+      </p:sp>
     </p:spTree>
     <p:extLst>
       <p:ext uri="{BB962C8B-B14F-4D97-AF65-F5344CB8AC3E}">
-        <p14:creationId xmlns:p14="http://schemas.microsoft.com/office/powerpoint/2010/main" val="3542266102"/>
+        <p14:creationId xmlns:p14="http://schemas.microsoft.com/office/powerpoint/2010/main" val="911328323"/>
       </p:ext>
     </p:extLst>
   </p:cSld>
@@ -11363,7 +11541,13 @@
           <a:p>
             <a:r>
               <a:rPr lang="en-US" sz="5400" dirty="0"/>
-              <a:t>OUT-OF-CLASS LECTURES</a:t>
+              <a:t>HOMEWORK</a:t>
+            </a:r>
+          </a:p>
+          <a:p>
+            <a:r>
+              <a:rPr lang="en-US" sz="5400" dirty="0"/>
+              <a:t>HELP</a:t>
             </a:r>
           </a:p>
         </p:txBody>
@@ -11407,7 +11591,7 @@
         <p:spPr>
           <a:xfrm>
             <a:off x="2000886" y="3743671"/>
-            <a:ext cx="5005769" cy="923330"/>
+            <a:ext cx="5005769" cy="1200329"/>
           </a:xfrm>
           <a:prstGeom prst="rect">
             <a:avLst/>
@@ -11436,9 +11620,21 @@
           <a:p>
             <a:pPr algn="ctr"/>
             <a:r>
-              <a:rPr lang="en-US" i="1" dirty="0"/>
-              <a:t>Lecture Slide Examples Worked</a:t>
-            </a:r>
+              <a:rPr lang="en-US" b="1" dirty="0"/>
+              <a:t>4B #6: IQ (mu = 100, </a:t>
+            </a:r>
+            <a:r>
+              <a:rPr lang="en-US" b="1" dirty="0" err="1"/>
+              <a:t>sd</a:t>
+            </a:r>
+            <a:r>
+              <a:rPr lang="en-US" b="1" dirty="0"/>
+              <a:t>=15) -&gt; sample w/M = 108</a:t>
+            </a:r>
+          </a:p>
+          <a:p>
+            <a:pPr algn="ctr"/>
+            <a:endParaRPr lang="en-US" b="1" dirty="0"/>
           </a:p>
         </p:txBody>
       </p:sp>
@@ -11580,7 +11776,7 @@
     </p:spTree>
     <p:extLst>
       <p:ext uri="{BB962C8B-B14F-4D97-AF65-F5344CB8AC3E}">
-        <p14:creationId xmlns:p14="http://schemas.microsoft.com/office/powerpoint/2010/main" val="267042058"/>
+        <p14:creationId xmlns:p14="http://schemas.microsoft.com/office/powerpoint/2010/main" val="3542266102"/>
       </p:ext>
     </p:extLst>
   </p:cSld>
@@ -11661,7 +11857,7 @@
         </p:nvSpPr>
         <p:spPr>
           <a:xfrm>
-            <a:off x="4184694" y="1065121"/>
+            <a:off x="4003824" y="1483154"/>
             <a:ext cx="5712369" cy="1754326"/>
           </a:xfrm>
           <a:prstGeom prst="rect">
@@ -11720,8 +11916,8 @@
         </p:nvSpPr>
         <p:spPr>
           <a:xfrm>
-            <a:off x="2035110" y="3043759"/>
-            <a:ext cx="5005769" cy="1200329"/>
+            <a:off x="2000886" y="3743671"/>
+            <a:ext cx="5005769" cy="923330"/>
           </a:xfrm>
           <a:prstGeom prst="rect">
             <a:avLst/>
@@ -11751,14 +11947,7 @@
             <a:pPr algn="ctr"/>
             <a:r>
               <a:rPr lang="en-US" i="1" dirty="0"/>
-              <a:t>Lecture slides 25-43</a:t>
-            </a:r>
-          </a:p>
-          <a:p>
-            <a:pPr algn="ctr"/>
-            <a:r>
-              <a:rPr lang="en-US" i="1" dirty="0"/>
-              <a:t>(Second half)</a:t>
+              <a:t>Lecture Slide Examples Worked</a:t>
             </a:r>
           </a:p>
         </p:txBody>
@@ -11901,7 +12090,7 @@
     </p:spTree>
     <p:extLst>
       <p:ext uri="{BB962C8B-B14F-4D97-AF65-F5344CB8AC3E}">
-        <p14:creationId xmlns:p14="http://schemas.microsoft.com/office/powerpoint/2010/main" val="1429724622"/>
+        <p14:creationId xmlns:p14="http://schemas.microsoft.com/office/powerpoint/2010/main" val="267042058"/>
       </p:ext>
     </p:extLst>
   </p:cSld>
@@ -12037,7 +12226,7 @@
             <a:pPr algn="ctr"/>
             <a:r>
               <a:rPr lang="en-US" dirty="0" smtClean="0"/>
-              <a:t>HW_02, section C</a:t>
+              <a:t>HW_03, section C</a:t>
             </a:r>
             <a:endParaRPr lang="en-US" dirty="0"/>
           </a:p>
@@ -12045,34 +12234,32 @@
             <a:pPr algn="ctr"/>
             <a:r>
               <a:rPr lang="en-US" b="1" u="sng" dirty="0"/>
-              <a:t>Exploration of Data with Plots </a:t>
-            </a:r>
-            <a:endParaRPr lang="en-US" b="1" u="sng" dirty="0"/>
+              <a:t>Summarizing Data with Descriptive </a:t>
+            </a:r>
+            <a:r>
+              <a:rPr lang="en-US" b="1" u="sng" dirty="0" smtClean="0"/>
+              <a:t>Statistics</a:t>
+            </a:r>
           </a:p>
           <a:p>
             <a:pPr algn="ctr"/>
             <a:r>
               <a:rPr lang="en-US" i="1" dirty="0" smtClean="0"/>
-              <a:t>Frequency Distribution Tables</a:t>
-            </a:r>
-            <a:endParaRPr lang="en-US" i="1" dirty="0"/>
+              <a:t>Full Descriptive Summary</a:t>
+            </a:r>
           </a:p>
           <a:p>
             <a:pPr algn="ctr"/>
             <a:r>
               <a:rPr lang="en-US" i="1" dirty="0" smtClean="0"/>
-              <a:t>Bar Charts &amp; </a:t>
-            </a:r>
+              <a:t>Side-by-Side Boxplots</a:t>
+            </a:r>
+          </a:p>
+          <a:p>
+            <a:pPr algn="ctr"/>
             <a:r>
               <a:rPr lang="en-US" i="1" dirty="0" smtClean="0"/>
-              <a:t>Histograms</a:t>
-            </a:r>
-          </a:p>
-          <a:p>
-            <a:pPr algn="ctr"/>
-            <a:r>
-              <a:rPr lang="en-US" i="1" dirty="0" smtClean="0"/>
-              <a:t>Percentiles, Quartiles, Deciles</a:t>
+              <a:t>“Table 1 “</a:t>
             </a:r>
             <a:endParaRPr lang="en-US" i="1" dirty="0"/>
           </a:p>
@@ -12390,7 +12577,7 @@
     </p:spTree>
     <p:extLst>
       <p:ext uri="{BB962C8B-B14F-4D97-AF65-F5344CB8AC3E}">
-        <p14:creationId xmlns:p14="http://schemas.microsoft.com/office/powerpoint/2010/main" val="3670027290"/>
+        <p14:creationId xmlns:p14="http://schemas.microsoft.com/office/powerpoint/2010/main" val="1114200830"/>
       </p:ext>
     </p:extLst>
   </p:cSld>
@@ -12471,8 +12658,8 @@
         </p:nvSpPr>
         <p:spPr>
           <a:xfrm>
-            <a:off x="3840385" y="1213849"/>
-            <a:ext cx="5712369" cy="923330"/>
+            <a:off x="4184694" y="1065121"/>
+            <a:ext cx="5712369" cy="1754326"/>
           </a:xfrm>
           <a:prstGeom prst="rect">
             <a:avLst/>
@@ -12487,7 +12674,7 @@
           <a:p>
             <a:r>
               <a:rPr lang="en-US" sz="5400" dirty="0"/>
-              <a:t>INCLASS LECTURES</a:t>
+              <a:t>OUT-OF-CLASS LECTURES</a:t>
             </a:r>
           </a:p>
         </p:txBody>
@@ -12517,7 +12704,7 @@
             <a:pPr algn="ctr"/>
             <a:r>
               <a:rPr lang="en-US" dirty="0"/>
-              <a:t>March 11, 2020</a:t>
+              <a:t>Jan. 24, 2020</a:t>
             </a:r>
           </a:p>
         </p:txBody>
@@ -12530,7 +12717,7 @@
         </p:nvSpPr>
         <p:spPr>
           <a:xfrm>
-            <a:off x="2175358" y="3486436"/>
+            <a:off x="2035110" y="3043759"/>
             <a:ext cx="5005769" cy="1200329"/>
           </a:xfrm>
           <a:prstGeom prst="rect">
@@ -12547,29 +12734,28 @@
             <a:pPr algn="ctr"/>
             <a:r>
               <a:rPr lang="en-US" dirty="0"/>
-              <a:t>Chapter 12</a:t>
+              <a:t>Chapter 4</a:t>
             </a:r>
           </a:p>
           <a:p>
             <a:pPr algn="ctr"/>
             <a:r>
               <a:rPr lang="en-US" b="1" u="sng" dirty="0"/>
-              <a:t>One-way Independent Groups ANOVA</a:t>
-            </a:r>
-            <a:endParaRPr lang="en-US" dirty="0"/>
+              <a:t>Standardized Scores &amp; the Normal Distribution</a:t>
+            </a:r>
           </a:p>
           <a:p>
             <a:pPr algn="ctr"/>
             <a:r>
               <a:rPr lang="en-US" i="1" dirty="0"/>
-              <a:t>Second half, chapter slides</a:t>
+              <a:t>Lecture slides 25-43</a:t>
             </a:r>
           </a:p>
           <a:p>
             <a:pPr algn="ctr"/>
             <a:r>
               <a:rPr lang="en-US" i="1" dirty="0"/>
-              <a:t>Mostly Examples, Using R, and HW Help</a:t>
+              <a:t>(Second half)</a:t>
             </a:r>
           </a:p>
         </p:txBody>
@@ -12712,7 +12898,7 @@
     </p:spTree>
     <p:extLst>
       <p:ext uri="{BB962C8B-B14F-4D97-AF65-F5344CB8AC3E}">
-        <p14:creationId xmlns:p14="http://schemas.microsoft.com/office/powerpoint/2010/main" val="928580799"/>
+        <p14:creationId xmlns:p14="http://schemas.microsoft.com/office/powerpoint/2010/main" val="1429724622"/>
       </p:ext>
     </p:extLst>
   </p:cSld>
@@ -12839,7 +13025,7 @@
             <a:pPr algn="ctr"/>
             <a:r>
               <a:rPr lang="en-US" dirty="0"/>
-              <a:t>March 9, 2020</a:t>
+              <a:t>March 11, 2020</a:t>
             </a:r>
           </a:p>
         </p:txBody>
@@ -12884,14 +13070,14 @@
             <a:pPr algn="ctr"/>
             <a:r>
               <a:rPr lang="en-US" i="1" dirty="0"/>
-              <a:t>First half, chapter slides</a:t>
+              <a:t>Second half, chapter slides</a:t>
             </a:r>
           </a:p>
           <a:p>
             <a:pPr algn="ctr"/>
             <a:r>
               <a:rPr lang="en-US" i="1" dirty="0"/>
-              <a:t>Mostly New Material Presentation</a:t>
+              <a:t>Mostly Examples, Using R, and HW Help</a:t>
             </a:r>
           </a:p>
         </p:txBody>
@@ -13034,7 +13220,7 @@
     </p:spTree>
     <p:extLst>
       <p:ext uri="{BB962C8B-B14F-4D97-AF65-F5344CB8AC3E}">
-        <p14:creationId xmlns:p14="http://schemas.microsoft.com/office/powerpoint/2010/main" val="2758197068"/>
+        <p14:creationId xmlns:p14="http://schemas.microsoft.com/office/powerpoint/2010/main" val="928580799"/>
       </p:ext>
     </p:extLst>
   </p:cSld>
@@ -13161,7 +13347,7 @@
             <a:pPr algn="ctr"/>
             <a:r>
               <a:rPr lang="en-US" dirty="0"/>
-              <a:t>Feb. 19, 2020</a:t>
+              <a:t>March 9, 2020</a:t>
             </a:r>
           </a:p>
         </p:txBody>
@@ -13174,8 +13360,8 @@
         </p:nvSpPr>
         <p:spPr>
           <a:xfrm>
-            <a:off x="2130478" y="2956774"/>
-            <a:ext cx="5005769" cy="923330"/>
+            <a:off x="2175358" y="3486436"/>
+            <a:ext cx="5005769" cy="1200329"/>
           </a:xfrm>
           <a:prstGeom prst="rect">
             <a:avLst/>
@@ -13191,14 +13377,14 @@
             <a:pPr algn="ctr"/>
             <a:r>
               <a:rPr lang="en-US" dirty="0"/>
-              <a:t>Chapter 9</a:t>
+              <a:t>Chapter 12</a:t>
             </a:r>
           </a:p>
           <a:p>
             <a:pPr algn="ctr"/>
             <a:r>
               <a:rPr lang="en-US" b="1" u="sng" dirty="0"/>
-              <a:t>Correlation</a:t>
+              <a:t>One-way Independent Groups ANOVA</a:t>
             </a:r>
             <a:endParaRPr lang="en-US" dirty="0"/>
           </a:p>
@@ -13206,7 +13392,14 @@
             <a:pPr algn="ctr"/>
             <a:r>
               <a:rPr lang="en-US" i="1" dirty="0"/>
-              <a:t>Second half, chapter slides</a:t>
+              <a:t>First half, chapter slides</a:t>
+            </a:r>
+          </a:p>
+          <a:p>
+            <a:pPr algn="ctr"/>
+            <a:r>
+              <a:rPr lang="en-US" i="1" dirty="0"/>
+              <a:t>Mostly New Material Presentation</a:t>
             </a:r>
           </a:p>
         </p:txBody>
@@ -13346,55 +13539,10 @@
           </a:prstGeom>
         </p:spPr>
       </p:pic>
-      <p:sp>
-        <p:nvSpPr>
-          <p:cNvPr id="15" name="TextBox 14"/>
-          <p:cNvSpPr txBox="1"/>
-          <p:nvPr/>
-        </p:nvSpPr>
-        <p:spPr>
-          <a:xfrm>
-            <a:off x="2107241" y="4130160"/>
-            <a:ext cx="5005769" cy="923330"/>
-          </a:xfrm>
-          <a:prstGeom prst="rect">
-            <a:avLst/>
-          </a:prstGeom>
-          <a:noFill/>
-        </p:spPr>
-        <p:txBody>
-          <a:bodyPr wrap="square" rtlCol="0">
-            <a:spAutoFit/>
-          </a:bodyPr>
-          <a:lstStyle/>
-          <a:p>
-            <a:pPr algn="ctr"/>
-            <a:r>
-              <a:rPr lang="en-US" dirty="0"/>
-              <a:t>Chapter 10</a:t>
-            </a:r>
-          </a:p>
-          <a:p>
-            <a:pPr algn="ctr"/>
-            <a:r>
-              <a:rPr lang="en-US" b="1" u="sng" dirty="0"/>
-              <a:t>Simple Linear Regression</a:t>
-            </a:r>
-            <a:endParaRPr lang="en-US" dirty="0"/>
-          </a:p>
-          <a:p>
-            <a:pPr algn="ctr"/>
-            <a:r>
-              <a:rPr lang="en-US" i="1" dirty="0"/>
-              <a:t>chapter slides (majority)</a:t>
-            </a:r>
-          </a:p>
-        </p:txBody>
-      </p:sp>
     </p:spTree>
     <p:extLst>
       <p:ext uri="{BB962C8B-B14F-4D97-AF65-F5344CB8AC3E}">
-        <p14:creationId xmlns:p14="http://schemas.microsoft.com/office/powerpoint/2010/main" val="2730707931"/>
+        <p14:creationId xmlns:p14="http://schemas.microsoft.com/office/powerpoint/2010/main" val="2758197068"/>
       </p:ext>
     </p:extLst>
   </p:cSld>
@@ -13521,7 +13669,7 @@
             <a:pPr algn="ctr"/>
             <a:r>
               <a:rPr lang="en-US" dirty="0"/>
-              <a:t>Feb. 12, 2020</a:t>
+              <a:t>Feb. 19, 2020</a:t>
             </a:r>
           </a:p>
         </p:txBody>
@@ -13534,7 +13682,7 @@
         </p:nvSpPr>
         <p:spPr>
           <a:xfrm>
-            <a:off x="2175357" y="4235713"/>
+            <a:off x="2130478" y="2956774"/>
             <a:ext cx="5005769" cy="923330"/>
           </a:xfrm>
           <a:prstGeom prst="rect">
@@ -13566,7 +13714,7 @@
             <a:pPr algn="ctr"/>
             <a:r>
               <a:rPr lang="en-US" i="1" dirty="0"/>
-              <a:t>First half, chapter slides</a:t>
+              <a:t>Second half, chapter slides</a:t>
             </a:r>
           </a:p>
         </p:txBody>
@@ -13708,14 +13856,14 @@
       </p:pic>
       <p:sp>
         <p:nvSpPr>
-          <p:cNvPr id="13" name="TextBox 12"/>
+          <p:cNvPr id="15" name="TextBox 14"/>
           <p:cNvSpPr txBox="1"/>
           <p:nvPr/>
         </p:nvSpPr>
         <p:spPr>
           <a:xfrm>
-            <a:off x="2175358" y="2646127"/>
-            <a:ext cx="5005769" cy="1477328"/>
+            <a:off x="2107241" y="4130160"/>
+            <a:ext cx="5005769" cy="923330"/>
           </a:xfrm>
           <a:prstGeom prst="rect">
             <a:avLst/>
@@ -13731,14 +13879,14 @@
             <a:pPr algn="ctr"/>
             <a:r>
               <a:rPr lang="en-US" dirty="0"/>
-              <a:t>Chapter 8</a:t>
+              <a:t>Chapter 10</a:t>
             </a:r>
           </a:p>
           <a:p>
             <a:pPr algn="ctr"/>
             <a:r>
               <a:rPr lang="en-US" b="1" u="sng" dirty="0"/>
-              <a:t>Effect Size &amp; Power Analysis</a:t>
+              <a:t>Simple Linear Regression</a:t>
             </a:r>
             <a:endParaRPr lang="en-US" dirty="0"/>
           </a:p>
@@ -13746,21 +13894,7 @@
             <a:pPr algn="ctr"/>
             <a:r>
               <a:rPr lang="en-US" i="1" dirty="0"/>
-              <a:t>Chapter slides</a:t>
-            </a:r>
-          </a:p>
-          <a:p>
-            <a:pPr algn="ctr"/>
-            <a:r>
-              <a:rPr lang="en-US" i="1" dirty="0"/>
-              <a:t>Demo G*Power software</a:t>
-            </a:r>
-          </a:p>
-          <a:p>
-            <a:pPr algn="ctr"/>
-            <a:r>
-              <a:rPr lang="en-US" i="1" dirty="0"/>
-              <a:t>Homework Help</a:t>
+              <a:t>chapter slides (majority)</a:t>
             </a:r>
           </a:p>
         </p:txBody>
@@ -13768,7 +13902,7 @@
     </p:spTree>
     <p:extLst>
       <p:ext uri="{BB962C8B-B14F-4D97-AF65-F5344CB8AC3E}">
-        <p14:creationId xmlns:p14="http://schemas.microsoft.com/office/powerpoint/2010/main" val="3221510669"/>
+        <p14:creationId xmlns:p14="http://schemas.microsoft.com/office/powerpoint/2010/main" val="2730707931"/>
       </p:ext>
     </p:extLst>
   </p:cSld>
@@ -13895,7 +14029,7 @@
             <a:pPr algn="ctr"/>
             <a:r>
               <a:rPr lang="en-US" dirty="0"/>
-              <a:t>Feb. 10, 2020</a:t>
+              <a:t>Feb. 12, 2020</a:t>
             </a:r>
           </a:p>
         </p:txBody>
@@ -13908,7 +14042,7 @@
         </p:nvSpPr>
         <p:spPr>
           <a:xfrm>
-            <a:off x="2035110" y="3043759"/>
+            <a:off x="2175357" y="4235713"/>
             <a:ext cx="5005769" cy="923330"/>
           </a:xfrm>
           <a:prstGeom prst="rect">
@@ -13925,21 +14059,22 @@
             <a:pPr algn="ctr"/>
             <a:r>
               <a:rPr lang="en-US" dirty="0"/>
-              <a:t>Chapter 7</a:t>
+              <a:t>Chapter 9</a:t>
             </a:r>
           </a:p>
           <a:p>
             <a:pPr algn="ctr"/>
             <a:r>
               <a:rPr lang="en-US" b="1" u="sng" dirty="0"/>
-              <a:t>Independent Samples t-Test for Means</a:t>
-            </a:r>
+              <a:t>Correlation</a:t>
+            </a:r>
+            <a:endParaRPr lang="en-US" dirty="0"/>
           </a:p>
           <a:p>
             <a:pPr algn="ctr"/>
             <a:r>
               <a:rPr lang="en-US" i="1" dirty="0"/>
-              <a:t>Mostly Homework Helps</a:t>
+              <a:t>First half, chapter slides</a:t>
             </a:r>
           </a:p>
         </p:txBody>
@@ -14079,10 +14214,69 @@
           </a:prstGeom>
         </p:spPr>
       </p:pic>
+      <p:sp>
+        <p:nvSpPr>
+          <p:cNvPr id="13" name="TextBox 12"/>
+          <p:cNvSpPr txBox="1"/>
+          <p:nvPr/>
+        </p:nvSpPr>
+        <p:spPr>
+          <a:xfrm>
+            <a:off x="2175358" y="2646127"/>
+            <a:ext cx="5005769" cy="1477328"/>
+          </a:xfrm>
+          <a:prstGeom prst="rect">
+            <a:avLst/>
+          </a:prstGeom>
+          <a:noFill/>
+        </p:spPr>
+        <p:txBody>
+          <a:bodyPr wrap="square" rtlCol="0">
+            <a:spAutoFit/>
+          </a:bodyPr>
+          <a:lstStyle/>
+          <a:p>
+            <a:pPr algn="ctr"/>
+            <a:r>
+              <a:rPr lang="en-US" dirty="0"/>
+              <a:t>Chapter 8</a:t>
+            </a:r>
+          </a:p>
+          <a:p>
+            <a:pPr algn="ctr"/>
+            <a:r>
+              <a:rPr lang="en-US" b="1" u="sng" dirty="0"/>
+              <a:t>Effect Size &amp; Power Analysis</a:t>
+            </a:r>
+            <a:endParaRPr lang="en-US" dirty="0"/>
+          </a:p>
+          <a:p>
+            <a:pPr algn="ctr"/>
+            <a:r>
+              <a:rPr lang="en-US" i="1" dirty="0"/>
+              <a:t>Chapter slides</a:t>
+            </a:r>
+          </a:p>
+          <a:p>
+            <a:pPr algn="ctr"/>
+            <a:r>
+              <a:rPr lang="en-US" i="1" dirty="0"/>
+              <a:t>Demo G*Power software</a:t>
+            </a:r>
+          </a:p>
+          <a:p>
+            <a:pPr algn="ctr"/>
+            <a:r>
+              <a:rPr lang="en-US" i="1" dirty="0"/>
+              <a:t>Homework Help</a:t>
+            </a:r>
+          </a:p>
+        </p:txBody>
+      </p:sp>
     </p:spTree>
     <p:extLst>
       <p:ext uri="{BB962C8B-B14F-4D97-AF65-F5344CB8AC3E}">
-        <p14:creationId xmlns:p14="http://schemas.microsoft.com/office/powerpoint/2010/main" val="2916572011"/>
+        <p14:creationId xmlns:p14="http://schemas.microsoft.com/office/powerpoint/2010/main" val="3221510669"/>
       </p:ext>
     </p:extLst>
   </p:cSld>
@@ -14209,7 +14403,7 @@
             <a:pPr algn="ctr"/>
             <a:r>
               <a:rPr lang="en-US" dirty="0"/>
-              <a:t>Feb. 5, 2020</a:t>
+              <a:t>Feb. 10, 2020</a:t>
             </a:r>
           </a:p>
         </p:txBody>
@@ -14223,7 +14417,7 @@
         <p:spPr>
           <a:xfrm>
             <a:off x="2035110" y="3043759"/>
-            <a:ext cx="5005769" cy="1477328"/>
+            <a:ext cx="5005769" cy="923330"/>
           </a:xfrm>
           <a:prstGeom prst="rect">
             <a:avLst/>
@@ -14239,35 +14433,21 @@
             <a:pPr algn="ctr"/>
             <a:r>
               <a:rPr lang="en-US" dirty="0"/>
-              <a:t>Chapter 6</a:t>
+              <a:t>Chapter 7</a:t>
             </a:r>
           </a:p>
           <a:p>
             <a:pPr algn="ctr"/>
             <a:r>
               <a:rPr lang="en-US" b="1" u="sng" dirty="0"/>
-              <a:t>Confidence Interval Estimation: The t Distribution</a:t>
+              <a:t>Independent Samples t-Test for Means</a:t>
             </a:r>
           </a:p>
           <a:p>
             <a:pPr algn="ctr"/>
             <a:r>
               <a:rPr lang="en-US" i="1" dirty="0"/>
-              <a:t>Lecture slides</a:t>
-            </a:r>
-          </a:p>
-          <a:p>
-            <a:pPr algn="ctr"/>
-            <a:r>
-              <a:rPr lang="en-US" i="1" dirty="0"/>
-              <a:t>(second half)</a:t>
-            </a:r>
-          </a:p>
-          <a:p>
-            <a:pPr algn="ctr"/>
-            <a:r>
-              <a:rPr lang="en-US" i="1" dirty="0"/>
-              <a:t>Homework Helps</a:t>
+              <a:t>Mostly Homework Helps</a:t>
             </a:r>
           </a:p>
         </p:txBody>
@@ -14410,7 +14590,7 @@
     </p:spTree>
     <p:extLst>
       <p:ext uri="{BB962C8B-B14F-4D97-AF65-F5344CB8AC3E}">
-        <p14:creationId xmlns:p14="http://schemas.microsoft.com/office/powerpoint/2010/main" val="3019460125"/>
+        <p14:creationId xmlns:p14="http://schemas.microsoft.com/office/powerpoint/2010/main" val="2916572011"/>
       </p:ext>
     </p:extLst>
   </p:cSld>
@@ -14738,7 +14918,7 @@
     </p:spTree>
     <p:extLst>
       <p:ext uri="{BB962C8B-B14F-4D97-AF65-F5344CB8AC3E}">
-        <p14:creationId xmlns:p14="http://schemas.microsoft.com/office/powerpoint/2010/main" val="4154058086"/>
+        <p14:creationId xmlns:p14="http://schemas.microsoft.com/office/powerpoint/2010/main" val="3019460125"/>
       </p:ext>
     </p:extLst>
   </p:cSld>
@@ -14865,7 +15045,7 @@
             <a:pPr algn="ctr"/>
             <a:r>
               <a:rPr lang="en-US" dirty="0"/>
-              <a:t>Feb. 3, 2020</a:t>
+              <a:t>Feb. 5, 2020</a:t>
             </a:r>
           </a:p>
         </p:txBody>
@@ -14879,7 +15059,7 @@
         <p:spPr>
           <a:xfrm>
             <a:off x="2035110" y="3043759"/>
-            <a:ext cx="5005769" cy="2585323"/>
+            <a:ext cx="5005769" cy="1477328"/>
           </a:xfrm>
           <a:prstGeom prst="rect">
             <a:avLst/>
@@ -14895,38 +15075,6 @@
             <a:pPr algn="ctr"/>
             <a:r>
               <a:rPr lang="en-US" dirty="0"/>
-              <a:t>Chapter 5</a:t>
-            </a:r>
-          </a:p>
-          <a:p>
-            <a:pPr algn="ctr"/>
-            <a:r>
-              <a:rPr lang="en-US" b="1" u="sng" dirty="0"/>
-              <a:t>Intro to Hypothesis Testing: 1 sample z-Test</a:t>
-            </a:r>
-          </a:p>
-          <a:p>
-            <a:pPr algn="ctr"/>
-            <a:r>
-              <a:rPr lang="en-US" i="1" dirty="0"/>
-              <a:t>Finish discussion</a:t>
-            </a:r>
-          </a:p>
-          <a:p>
-            <a:pPr algn="ctr"/>
-            <a:r>
-              <a:rPr lang="en-US" i="1" dirty="0"/>
-              <a:t>Homework questions</a:t>
-            </a:r>
-          </a:p>
-          <a:p>
-            <a:pPr algn="ctr"/>
-            <a:endParaRPr lang="en-US" i="1" dirty="0"/>
-          </a:p>
-          <a:p>
-            <a:pPr algn="ctr"/>
-            <a:r>
-              <a:rPr lang="en-US" dirty="0"/>
               <a:t>Chapter 6</a:t>
             </a:r>
           </a:p>
@@ -14948,7 +15096,14 @@
             <a:pPr algn="ctr"/>
             <a:r>
               <a:rPr lang="en-US" i="1" dirty="0"/>
-              <a:t>(first half)</a:t>
+              <a:t>(second half)</a:t>
+            </a:r>
+          </a:p>
+          <a:p>
+            <a:pPr algn="ctr"/>
+            <a:r>
+              <a:rPr lang="en-US" i="1" dirty="0"/>
+              <a:t>Homework Helps</a:t>
             </a:r>
           </a:p>
         </p:txBody>
@@ -15091,7 +15246,7 @@
     </p:spTree>
     <p:extLst>
       <p:ext uri="{BB962C8B-B14F-4D97-AF65-F5344CB8AC3E}">
-        <p14:creationId xmlns:p14="http://schemas.microsoft.com/office/powerpoint/2010/main" val="1136618621"/>
+        <p14:creationId xmlns:p14="http://schemas.microsoft.com/office/powerpoint/2010/main" val="4154058086"/>
       </p:ext>
     </p:extLst>
   </p:cSld>
@@ -15218,7 +15373,7 @@
             <a:pPr algn="ctr"/>
             <a:r>
               <a:rPr lang="en-US" dirty="0"/>
-              <a:t>Jan. 22, 2020</a:t>
+              <a:t>Feb. 3, 2020</a:t>
             </a:r>
           </a:p>
         </p:txBody>
@@ -15248,14 +15403,14 @@
             <a:pPr algn="ctr"/>
             <a:r>
               <a:rPr lang="en-US" dirty="0"/>
-              <a:t>Chapter 3</a:t>
+              <a:t>Chapter 5</a:t>
             </a:r>
           </a:p>
           <a:p>
             <a:pPr algn="ctr"/>
             <a:r>
               <a:rPr lang="en-US" b="1" u="sng" dirty="0"/>
-              <a:t>Variable/Scale, Rounding &amp; Summation</a:t>
+              <a:t>Intro to Hypothesis Testing: 1 sample z-Test</a:t>
             </a:r>
           </a:p>
           <a:p>
@@ -15280,14 +15435,14 @@
             <a:pPr algn="ctr"/>
             <a:r>
               <a:rPr lang="en-US" dirty="0"/>
-              <a:t>Chapter 4</a:t>
+              <a:t>Chapter 6</a:t>
             </a:r>
           </a:p>
           <a:p>
             <a:pPr algn="ctr"/>
             <a:r>
               <a:rPr lang="en-US" b="1" u="sng" dirty="0"/>
-              <a:t>Standardized Scores &amp; the Normal Distribution</a:t>
+              <a:t>Confidence Interval Estimation: The t Distribution</a:t>
             </a:r>
           </a:p>
           <a:p>
@@ -15444,7 +15599,7 @@
     </p:spTree>
     <p:extLst>
       <p:ext uri="{BB962C8B-B14F-4D97-AF65-F5344CB8AC3E}">
-        <p14:creationId xmlns:p14="http://schemas.microsoft.com/office/powerpoint/2010/main" val="2900019700"/>
+        <p14:creationId xmlns:p14="http://schemas.microsoft.com/office/powerpoint/2010/main" val="1136618621"/>
       </p:ext>
     </p:extLst>
   </p:cSld>
@@ -15571,7 +15726,7 @@
             <a:pPr algn="ctr"/>
             <a:r>
               <a:rPr lang="en-US" dirty="0"/>
-              <a:t>Jan. 15, 2020</a:t>
+              <a:t>Jan. 22, 2020</a:t>
             </a:r>
           </a:p>
         </p:txBody>
@@ -15584,8 +15739,8 @@
         </p:nvSpPr>
         <p:spPr>
           <a:xfrm>
-            <a:off x="2318419" y="3043759"/>
-            <a:ext cx="4212906" cy="2585323"/>
+            <a:off x="2035110" y="3043759"/>
+            <a:ext cx="5005769" cy="2585323"/>
           </a:xfrm>
           <a:prstGeom prst="rect">
             <a:avLst/>
@@ -15601,7 +15756,7 @@
             <a:pPr algn="ctr"/>
             <a:r>
               <a:rPr lang="en-US" dirty="0"/>
-              <a:t>Chapter 1</a:t>
+              <a:t>Chapter 3</a:t>
             </a:r>
           </a:p>
           <a:p>
@@ -15633,14 +15788,14 @@
             <a:pPr algn="ctr"/>
             <a:r>
               <a:rPr lang="en-US" dirty="0"/>
-              <a:t>Chapter 2 </a:t>
+              <a:t>Chapter 4</a:t>
             </a:r>
           </a:p>
           <a:p>
             <a:pPr algn="ctr"/>
             <a:r>
               <a:rPr lang="en-US" b="1" u="sng" dirty="0"/>
-              <a:t>Exploring Data with Plots</a:t>
+              <a:t>Standardized Scores &amp; the Normal Distribution</a:t>
             </a:r>
           </a:p>
           <a:p>
@@ -15654,7 +15809,7 @@
             <a:pPr algn="ctr"/>
             <a:r>
               <a:rPr lang="en-US" i="1" dirty="0"/>
-              <a:t>Homework questions</a:t>
+              <a:t>(first half)</a:t>
             </a:r>
           </a:p>
         </p:txBody>
@@ -15797,7 +15952,7 @@
     </p:spTree>
     <p:extLst>
       <p:ext uri="{BB962C8B-B14F-4D97-AF65-F5344CB8AC3E}">
-        <p14:creationId xmlns:p14="http://schemas.microsoft.com/office/powerpoint/2010/main" val="3290463226"/>
+        <p14:creationId xmlns:p14="http://schemas.microsoft.com/office/powerpoint/2010/main" val="2900019700"/>
       </p:ext>
     </p:extLst>
   </p:cSld>
@@ -15872,14 +16027,14 @@
       </p:sp>
       <p:sp>
         <p:nvSpPr>
-          <p:cNvPr id="7" name="TextBox 6"/>
+          <p:cNvPr id="8" name="TextBox 7"/>
           <p:cNvSpPr txBox="1"/>
           <p:nvPr/>
         </p:nvSpPr>
         <p:spPr>
           <a:xfrm>
-            <a:off x="3840385" y="1213849"/>
-            <a:ext cx="5712369" cy="923330"/>
+            <a:off x="7731444" y="5278932"/>
+            <a:ext cx="2076450" cy="369332"/>
           </a:xfrm>
           <a:prstGeom prst="rect">
             <a:avLst/>
@@ -15892,23 +16047,32 @@
           </a:bodyPr>
           <a:lstStyle/>
           <a:p>
-            <a:r>
-              <a:rPr lang="en-US" sz="5400" dirty="0"/>
-              <a:t>INCLASS LECTURES</a:t>
-            </a:r>
-          </a:p>
-        </p:txBody>
-      </p:sp>
-      <p:sp>
-        <p:nvSpPr>
-          <p:cNvPr id="8" name="TextBox 7"/>
+            <a:pPr algn="ctr"/>
+            <a:r>
+              <a:rPr lang="en-US" dirty="0"/>
+              <a:t>May </a:t>
+            </a:r>
+            <a:r>
+              <a:rPr lang="en-US" dirty="0" smtClean="0"/>
+              <a:t>11, </a:t>
+            </a:r>
+            <a:r>
+              <a:rPr lang="en-US" dirty="0"/>
+              <a:t>2020</a:t>
+            </a:r>
+          </a:p>
+        </p:txBody>
+      </p:sp>
+      <p:sp>
+        <p:nvSpPr>
+          <p:cNvPr id="9" name="TextBox 8"/>
           <p:cNvSpPr txBox="1"/>
           <p:nvPr/>
         </p:nvSpPr>
         <p:spPr>
           <a:xfrm>
-            <a:off x="7731444" y="5278932"/>
-            <a:ext cx="2076450" cy="369332"/>
+            <a:off x="2639881" y="3325287"/>
+            <a:ext cx="5005769" cy="1477328"/>
           </a:xfrm>
           <a:prstGeom prst="rect">
             <a:avLst/>
@@ -15923,50 +16087,8 @@
           <a:p>
             <a:pPr algn="ctr"/>
             <a:r>
-              <a:rPr lang="en-US" dirty="0"/>
-              <a:t>May </a:t>
-            </a:r>
-            <a:r>
               <a:rPr lang="en-US" dirty="0" smtClean="0"/>
-              <a:t>11, </a:t>
-            </a:r>
-            <a:r>
-              <a:rPr lang="en-US" dirty="0"/>
-              <a:t>2020</a:t>
-            </a:r>
-          </a:p>
-        </p:txBody>
-      </p:sp>
-      <p:sp>
-        <p:nvSpPr>
-          <p:cNvPr id="9" name="TextBox 8"/>
-          <p:cNvSpPr txBox="1"/>
-          <p:nvPr/>
-        </p:nvSpPr>
-        <p:spPr>
-          <a:xfrm>
-            <a:off x="3506996" y="2465382"/>
-            <a:ext cx="5005769" cy="1200329"/>
-          </a:xfrm>
-          <a:prstGeom prst="rect">
-            <a:avLst/>
-          </a:prstGeom>
-          <a:noFill/>
-        </p:spPr>
-        <p:txBody>
-          <a:bodyPr wrap="square" rtlCol="0">
-            <a:spAutoFit/>
-          </a:bodyPr>
-          <a:lstStyle/>
-          <a:p>
-            <a:pPr algn="ctr"/>
-            <a:r>
-              <a:rPr lang="en-US" dirty="0"/>
-              <a:t>Chapter </a:t>
-            </a:r>
-            <a:r>
-              <a:rPr lang="en-US" dirty="0" smtClean="0"/>
-              <a:t>2</a:t>
+              <a:t>HW_02, section C</a:t>
             </a:r>
             <a:endParaRPr lang="en-US" dirty="0"/>
           </a:p>
@@ -15974,25 +16096,31 @@
             <a:pPr algn="ctr"/>
             <a:r>
               <a:rPr lang="en-US" b="1" u="sng" dirty="0"/>
-              <a:t>Exploration of Data </a:t>
-            </a:r>
-            <a:endParaRPr lang="en-US" b="1" u="sng" dirty="0" smtClean="0"/>
-          </a:p>
-          <a:p>
-            <a:pPr algn="ctr"/>
-            <a:r>
-              <a:rPr lang="en-US" b="1" u="sng" dirty="0" smtClean="0"/>
-              <a:t>with </a:t>
-            </a:r>
-            <a:r>
-              <a:rPr lang="en-US" b="1" u="sng" dirty="0"/>
-              <a:t>Plots </a:t>
-            </a:r>
-            <a:endParaRPr lang="en-US" b="1" u="sng" dirty="0" smtClean="0"/>
-          </a:p>
-          <a:p>
-            <a:pPr algn="ctr"/>
-            <a:endParaRPr lang="en-US" b="1" u="sng" dirty="0" smtClean="0"/>
+              <a:t>Exploration of Data with Plots </a:t>
+            </a:r>
+          </a:p>
+          <a:p>
+            <a:pPr algn="ctr"/>
+            <a:r>
+              <a:rPr lang="en-US" i="1" dirty="0" smtClean="0"/>
+              <a:t>Frequency Distribution Tables</a:t>
+            </a:r>
+            <a:endParaRPr lang="en-US" i="1" dirty="0"/>
+          </a:p>
+          <a:p>
+            <a:pPr algn="ctr"/>
+            <a:r>
+              <a:rPr lang="en-US" i="1" dirty="0" smtClean="0"/>
+              <a:t>Bar Charts &amp; Histograms</a:t>
+            </a:r>
+          </a:p>
+          <a:p>
+            <a:pPr algn="ctr"/>
+            <a:r>
+              <a:rPr lang="en-US" i="1" dirty="0" smtClean="0"/>
+              <a:t>Percentiles, Quartiles, Deciles</a:t>
+            </a:r>
+            <a:endParaRPr lang="en-US" i="1" dirty="0"/>
           </a:p>
         </p:txBody>
       </p:sp>
@@ -16262,8 +16390,12 @@
           <a:lstStyle/>
           <a:p>
             <a:r>
+              <a:rPr lang="en-US" dirty="0"/>
+              <a:t>After Day </a:t>
+            </a:r>
+            <a:r>
               <a:rPr lang="en-US" dirty="0" smtClean="0"/>
-              <a:t>Day 3 </a:t>
+              <a:t>3 </a:t>
             </a:r>
             <a:r>
               <a:rPr lang="en-US" dirty="0"/>
@@ -16274,14 +16406,14 @@
       </p:sp>
       <p:sp>
         <p:nvSpPr>
-          <p:cNvPr id="15" name="TextBox 14"/>
+          <p:cNvPr id="16" name="TextBox 15"/>
           <p:cNvSpPr txBox="1"/>
           <p:nvPr/>
         </p:nvSpPr>
         <p:spPr>
           <a:xfrm>
-            <a:off x="2035110" y="3429000"/>
-            <a:ext cx="5005769" cy="1200329"/>
+            <a:off x="4184694" y="1065121"/>
+            <a:ext cx="5712369" cy="1754326"/>
           </a:xfrm>
           <a:prstGeom prst="rect">
             <a:avLst/>
@@ -16294,101 +16426,17 @@
           </a:bodyPr>
           <a:lstStyle/>
           <a:p>
-            <a:pPr algn="ctr"/>
-            <a:r>
-              <a:rPr lang="en-US" dirty="0"/>
-              <a:t>Chapter </a:t>
-            </a:r>
-            <a:r>
-              <a:rPr lang="en-US" dirty="0"/>
-              <a:t>3</a:t>
-            </a:r>
-            <a:endParaRPr lang="en-US" dirty="0"/>
-          </a:p>
-          <a:p>
-            <a:pPr algn="ctr"/>
-            <a:r>
-              <a:rPr lang="en-US" b="1" u="sng" dirty="0" smtClean="0"/>
-              <a:t>Summarizing </a:t>
-            </a:r>
-            <a:r>
-              <a:rPr lang="en-US" b="1" u="sng" dirty="0"/>
-              <a:t>Data with </a:t>
-            </a:r>
-            <a:endParaRPr lang="en-US" b="1" u="sng" dirty="0" smtClean="0"/>
-          </a:p>
-          <a:p>
-            <a:pPr algn="ctr"/>
-            <a:r>
-              <a:rPr lang="en-US" b="1" u="sng" dirty="0" smtClean="0"/>
-              <a:t>Descriptive Statistics</a:t>
-            </a:r>
-          </a:p>
-          <a:p>
-            <a:pPr algn="ctr"/>
-            <a:endParaRPr lang="en-US" b="1" u="sng" dirty="0" smtClean="0"/>
-          </a:p>
-        </p:txBody>
-      </p:sp>
-      <p:sp>
-        <p:nvSpPr>
-          <p:cNvPr id="16" name="TextBox 15"/>
-          <p:cNvSpPr txBox="1"/>
-          <p:nvPr/>
-        </p:nvSpPr>
-        <p:spPr>
-          <a:xfrm>
-            <a:off x="3258130" y="4574181"/>
-            <a:ext cx="5005769" cy="923330"/>
-          </a:xfrm>
-          <a:prstGeom prst="rect">
-            <a:avLst/>
-          </a:prstGeom>
-          <a:noFill/>
-        </p:spPr>
-        <p:txBody>
-          <a:bodyPr wrap="square" rtlCol="0">
-            <a:spAutoFit/>
-          </a:bodyPr>
-          <a:lstStyle/>
-          <a:p>
-            <a:pPr algn="ctr"/>
-            <a:r>
-              <a:rPr lang="en-US" dirty="0"/>
-              <a:t>Chapter </a:t>
-            </a:r>
-            <a:r>
-              <a:rPr lang="en-US" dirty="0" smtClean="0"/>
-              <a:t>4</a:t>
-            </a:r>
-            <a:endParaRPr lang="en-US" dirty="0"/>
-          </a:p>
-          <a:p>
-            <a:pPr algn="ctr"/>
-            <a:r>
-              <a:rPr lang="en-US" b="1" u="sng" dirty="0"/>
-              <a:t>Standardized Scores &amp; </a:t>
-            </a:r>
-            <a:endParaRPr lang="en-US" b="1" u="sng" dirty="0" smtClean="0"/>
-          </a:p>
-          <a:p>
-            <a:pPr algn="ctr"/>
-            <a:r>
-              <a:rPr lang="en-US" b="1" u="sng" dirty="0" smtClean="0"/>
-              <a:t>he </a:t>
-            </a:r>
-            <a:r>
-              <a:rPr lang="en-US" b="1" u="sng" dirty="0"/>
-              <a:t>Normal Distribution</a:t>
-            </a:r>
-            <a:endParaRPr lang="en-US" b="1" u="sng" dirty="0" smtClean="0"/>
+            <a:r>
+              <a:rPr lang="en-US" sz="5400" dirty="0"/>
+              <a:t>OUT-OF-CLASS LECTURES</a:t>
+            </a:r>
           </a:p>
         </p:txBody>
       </p:sp>
     </p:spTree>
     <p:extLst>
       <p:ext uri="{BB962C8B-B14F-4D97-AF65-F5344CB8AC3E}">
-        <p14:creationId xmlns:p14="http://schemas.microsoft.com/office/powerpoint/2010/main" val="3819651160"/>
+        <p14:creationId xmlns:p14="http://schemas.microsoft.com/office/powerpoint/2010/main" val="3670027290"/>
       </p:ext>
     </p:extLst>
   </p:cSld>
@@ -16415,51 +16463,26 @@
           <a:chExt cx="0" cy="0"/>
         </a:xfrm>
       </p:grpSpPr>
-      <p:pic>
-        <p:nvPicPr>
-          <p:cNvPr id="2" name="Picture 1"/>
-          <p:cNvPicPr>
-            <a:picLocks noChangeAspect="1"/>
-          </p:cNvPicPr>
-          <p:nvPr/>
-        </p:nvPicPr>
-        <p:blipFill>
-          <a:blip r:embed="rId2" cstate="print">
-            <a:extLst>
-              <a:ext uri="{28A0092B-C50C-407E-A947-70E740481C1C}">
-                <a14:useLocalDpi xmlns:a14="http://schemas.microsoft.com/office/drawing/2010/main" val="0"/>
-              </a:ext>
-            </a:extLst>
-          </a:blip>
-          <a:stretch>
-            <a:fillRect/>
-          </a:stretch>
-        </p:blipFill>
-        <p:spPr>
-          <a:xfrm>
-            <a:off x="5306566" y="2514598"/>
-            <a:ext cx="1578867" cy="1828804"/>
-          </a:xfrm>
-          <a:prstGeom prst="rect">
-            <a:avLst/>
-          </a:prstGeom>
-        </p:spPr>
-      </p:pic>
-      <p:sp>
-        <p:nvSpPr>
-          <p:cNvPr id="3" name="Rectangle 2"/>
+      <p:sp>
+        <p:nvSpPr>
+          <p:cNvPr id="4" name="Rectangle 3"/>
           <p:cNvSpPr/>
           <p:nvPr/>
         </p:nvSpPr>
         <p:spPr>
           <a:xfrm>
-            <a:off x="5054138" y="2394066"/>
-            <a:ext cx="2094807" cy="2078182"/>
-          </a:xfrm>
-          <a:prstGeom prst="rect">
-            <a:avLst/>
-          </a:prstGeom>
-          <a:noFill/>
+            <a:off x="1808702" y="824230"/>
+            <a:ext cx="8778240" cy="5010912"/>
+          </a:xfrm>
+          <a:prstGeom prst="rect">
+            <a:avLst/>
+          </a:prstGeom>
+          <a:solidFill>
+            <a:schemeClr val="bg1">
+              <a:lumMod val="95000"/>
+            </a:schemeClr>
+          </a:solidFill>
+          <a:ln w="38100"/>
         </p:spPr>
         <p:style>
           <a:lnRef idx="2">
@@ -16486,92 +16509,16 @@
           </a:p>
         </p:txBody>
       </p:sp>
-    </p:spTree>
-    <p:extLst>
-      <p:ext uri="{BB962C8B-B14F-4D97-AF65-F5344CB8AC3E}">
-        <p14:creationId xmlns:p14="http://schemas.microsoft.com/office/powerpoint/2010/main" val="2048573925"/>
-      </p:ext>
-    </p:extLst>
-  </p:cSld>
-  <p:clrMapOvr>
-    <a:masterClrMapping/>
-  </p:clrMapOvr>
-</p:sld>
-</file>
-
-<file path=ppt/slides/slide5.xml><?xml version="1.0" encoding="utf-8"?>
-<p:sld xmlns:a="http://schemas.openxmlformats.org/drawingml/2006/main" xmlns:r="http://schemas.openxmlformats.org/officeDocument/2006/relationships" xmlns:p="http://schemas.openxmlformats.org/presentationml/2006/main">
-  <p:cSld>
-    <p:spTree>
-      <p:nvGrpSpPr>
-        <p:cNvPr id="1" name=""/>
-        <p:cNvGrpSpPr/>
-        <p:nvPr/>
-      </p:nvGrpSpPr>
-      <p:grpSpPr>
-        <a:xfrm>
-          <a:off x="0" y="0"/>
-          <a:ext cx="0" cy="0"/>
-          <a:chOff x="0" y="0"/>
-          <a:chExt cx="0" cy="0"/>
-        </a:xfrm>
-      </p:grpSpPr>
-      <p:sp>
-        <p:nvSpPr>
-          <p:cNvPr id="4" name="Rectangle 3"/>
-          <p:cNvSpPr/>
-          <p:nvPr/>
-        </p:nvSpPr>
-        <p:spPr>
-          <a:xfrm>
-            <a:off x="1706880" y="923544"/>
-            <a:ext cx="8778240" cy="5010912"/>
-          </a:xfrm>
-          <a:prstGeom prst="rect">
-            <a:avLst/>
-          </a:prstGeom>
-          <a:solidFill>
-            <a:schemeClr val="bg1">
-              <a:lumMod val="95000"/>
-            </a:schemeClr>
-          </a:solidFill>
-          <a:ln w="38100"/>
-        </p:spPr>
-        <p:style>
-          <a:lnRef idx="2">
-            <a:schemeClr val="accent1">
-              <a:shade val="50000"/>
-            </a:schemeClr>
-          </a:lnRef>
-          <a:fillRef idx="1">
-            <a:schemeClr val="accent1"/>
-          </a:fillRef>
-          <a:effectRef idx="0">
-            <a:schemeClr val="accent1"/>
-          </a:effectRef>
-          <a:fontRef idx="minor">
-            <a:schemeClr val="lt1"/>
-          </a:fontRef>
-        </p:style>
-        <p:txBody>
-          <a:bodyPr rtlCol="0" anchor="ctr"/>
-          <a:lstStyle/>
-          <a:p>
-            <a:pPr algn="ctr"/>
-            <a:endParaRPr lang="en-US"/>
-          </a:p>
-        </p:txBody>
-      </p:sp>
-      <p:sp>
-        <p:nvSpPr>
-          <p:cNvPr id="8" name="TextBox 7"/>
+      <p:sp>
+        <p:nvSpPr>
+          <p:cNvPr id="7" name="TextBox 6"/>
           <p:cNvSpPr txBox="1"/>
           <p:nvPr/>
         </p:nvSpPr>
         <p:spPr>
           <a:xfrm>
-            <a:off x="7731444" y="5278932"/>
-            <a:ext cx="2076450" cy="369332"/>
+            <a:off x="3840385" y="1213849"/>
+            <a:ext cx="5712369" cy="923330"/>
           </a:xfrm>
           <a:prstGeom prst="rect">
             <a:avLst/>
@@ -16584,24 +16531,23 @@
           </a:bodyPr>
           <a:lstStyle/>
           <a:p>
-            <a:pPr algn="ctr"/>
-            <a:r>
-              <a:rPr lang="en-US" dirty="0"/>
-              <a:t>May 8, 2020</a:t>
-            </a:r>
-          </a:p>
-        </p:txBody>
-      </p:sp>
-      <p:sp>
-        <p:nvSpPr>
-          <p:cNvPr id="9" name="TextBox 8"/>
+            <a:r>
+              <a:rPr lang="en-US" sz="5400" dirty="0"/>
+              <a:t>INCLASS LECTURES</a:t>
+            </a:r>
+          </a:p>
+        </p:txBody>
+      </p:sp>
+      <p:sp>
+        <p:nvSpPr>
+          <p:cNvPr id="8" name="TextBox 7"/>
           <p:cNvSpPr txBox="1"/>
           <p:nvPr/>
         </p:nvSpPr>
         <p:spPr>
           <a:xfrm>
-            <a:off x="2679150" y="2855442"/>
-            <a:ext cx="5005769" cy="1200329"/>
+            <a:off x="7731444" y="5278932"/>
+            <a:ext cx="2076450" cy="369332"/>
           </a:xfrm>
           <a:prstGeom prst="rect">
             <a:avLst/>
@@ -16617,39 +16563,91 @@
             <a:pPr algn="ctr"/>
             <a:r>
               <a:rPr lang="en-US" dirty="0"/>
-              <a:t>HW_01</a:t>
+              <a:t>Jan. 15, 2020</a:t>
+            </a:r>
+          </a:p>
+        </p:txBody>
+      </p:sp>
+      <p:sp>
+        <p:nvSpPr>
+          <p:cNvPr id="9" name="TextBox 8"/>
+          <p:cNvSpPr txBox="1"/>
+          <p:nvPr/>
+        </p:nvSpPr>
+        <p:spPr>
+          <a:xfrm>
+            <a:off x="2318419" y="3043759"/>
+            <a:ext cx="4212906" cy="2585323"/>
+          </a:xfrm>
+          <a:prstGeom prst="rect">
+            <a:avLst/>
+          </a:prstGeom>
+          <a:noFill/>
+        </p:spPr>
+        <p:txBody>
+          <a:bodyPr wrap="square" rtlCol="0">
+            <a:spAutoFit/>
+          </a:bodyPr>
+          <a:lstStyle/>
+          <a:p>
+            <a:pPr algn="ctr"/>
+            <a:r>
+              <a:rPr lang="en-US" dirty="0"/>
+              <a:t>Chapter 1</a:t>
             </a:r>
           </a:p>
           <a:p>
             <a:pPr algn="ctr"/>
             <a:r>
               <a:rPr lang="en-US" b="1" u="sng" dirty="0"/>
-              <a:t>Getting Started with R &amp; R Studio</a:t>
+              <a:t>Variable/Scale, Rounding &amp; Summation</a:t>
             </a:r>
           </a:p>
           <a:p>
             <a:pPr algn="ctr"/>
             <a:r>
               <a:rPr lang="en-US" i="1" dirty="0"/>
-              <a:t>Second half of the </a:t>
-            </a:r>
-            <a:r>
-              <a:rPr lang="en-US" i="1" dirty="0" err="1"/>
-              <a:t>Rmd</a:t>
-            </a:r>
+              <a:t>Finish discussion</a:t>
+            </a:r>
+          </a:p>
+          <a:p>
+            <a:pPr algn="ctr"/>
+            <a:r>
+              <a:rPr lang="en-US" i="1" dirty="0"/>
+              <a:t>Homework questions</a:t>
+            </a:r>
+          </a:p>
+          <a:p>
+            <a:pPr algn="ctr"/>
             <a:endParaRPr lang="en-US" i="1" dirty="0"/>
           </a:p>
           <a:p>
             <a:pPr algn="ctr"/>
             <a:r>
+              <a:rPr lang="en-US" dirty="0"/>
+              <a:t>Chapter 2 </a:t>
+            </a:r>
+          </a:p>
+          <a:p>
+            <a:pPr algn="ctr"/>
+            <a:r>
+              <a:rPr lang="en-US" b="1" u="sng" dirty="0"/>
+              <a:t>Exploring Data with Plots</a:t>
+            </a:r>
+          </a:p>
+          <a:p>
+            <a:pPr algn="ctr"/>
+            <a:r>
               <a:rPr lang="en-US" i="1" dirty="0"/>
-              <a:t>Uploading and submitting in </a:t>
-            </a:r>
-            <a:r>
-              <a:rPr lang="en-US" i="1" dirty="0" err="1"/>
-              <a:t>Canvs</a:t>
-            </a:r>
-            <a:endParaRPr lang="en-US" i="1" dirty="0"/>
+              <a:t>Lecture slides</a:t>
+            </a:r>
+          </a:p>
+          <a:p>
+            <a:pPr algn="ctr"/>
+            <a:r>
+              <a:rPr lang="en-US" i="1" dirty="0"/>
+              <a:t>Homework questions</a:t>
+            </a:r>
           </a:p>
         </p:txBody>
       </p:sp>
@@ -16788,188 +16786,10 @@
           </a:prstGeom>
         </p:spPr>
       </p:pic>
-      <p:pic>
-        <p:nvPicPr>
-          <p:cNvPr id="13" name="Picture 12" descr="Hello summer illustration vector. with cute summer icon and ...">
-            <a:extLst>
-              <a:ext uri="{FF2B5EF4-FFF2-40B4-BE49-F238E27FC236}">
-                <a16:creationId xmlns:a16="http://schemas.microsoft.com/office/drawing/2014/main" id="{50B5A1E4-2998-48E4-BC77-79D8790DF13F}"/>
-              </a:ext>
-            </a:extLst>
-          </p:cNvPr>
-          <p:cNvPicPr/>
-          <p:nvPr/>
-        </p:nvPicPr>
-        <p:blipFill>
-          <a:blip r:embed="rId6" cstate="print">
-            <a:clrChange>
-              <a:clrFrom>
-                <a:srgbClr val="FFFFFF"/>
-              </a:clrFrom>
-              <a:clrTo>
-                <a:srgbClr val="FFFFFF">
-                  <a:alpha val="0"/>
-                </a:srgbClr>
-              </a:clrTo>
-            </a:clrChange>
-            <a:extLst>
-              <a:ext uri="{28A0092B-C50C-407E-A947-70E740481C1C}">
-                <a14:useLocalDpi xmlns:a14="http://schemas.microsoft.com/office/drawing/2010/main" val="0"/>
-              </a:ext>
-            </a:extLst>
-          </a:blip>
-          <a:srcRect/>
-          <a:stretch>
-            <a:fillRect/>
-          </a:stretch>
-        </p:blipFill>
-        <p:spPr bwMode="auto">
-          <a:xfrm>
-            <a:off x="1784203" y="4158563"/>
-            <a:ext cx="1578867" cy="1406017"/>
-          </a:xfrm>
-          <a:prstGeom prst="rect">
-            <a:avLst/>
-          </a:prstGeom>
-          <a:noFill/>
-          <a:extLst>
-            <a:ext uri="{909E8E84-426E-40DD-AFC4-6F175D3DCCD1}">
-              <a14:hiddenFill xmlns:a14="http://schemas.microsoft.com/office/drawing/2010/main">
-                <a:solidFill>
-                  <a:srgbClr val="FFFFFF"/>
-                </a:solidFill>
-              </a14:hiddenFill>
-            </a:ext>
-          </a:extLst>
-        </p:spPr>
-      </p:pic>
-      <p:pic>
-        <p:nvPicPr>
-          <p:cNvPr id="1028" name="Picture 4" descr="Calendar, schedule, schedule icon icon">
-            <a:extLst>
-              <a:ext uri="{FF2B5EF4-FFF2-40B4-BE49-F238E27FC236}">
-                <a16:creationId xmlns:a16="http://schemas.microsoft.com/office/drawing/2014/main" id="{C17B732E-BA53-4386-9A3E-FF78AABEEECB}"/>
-              </a:ext>
-            </a:extLst>
-          </p:cNvPr>
-          <p:cNvPicPr>
-            <a:picLocks noChangeAspect="1" noChangeArrowheads="1"/>
-          </p:cNvPicPr>
-          <p:nvPr/>
-        </p:nvPicPr>
-        <p:blipFill>
-          <a:blip r:embed="rId7" cstate="print">
-            <a:extLst>
-              <a:ext uri="{28A0092B-C50C-407E-A947-70E740481C1C}">
-                <a14:useLocalDpi xmlns:a14="http://schemas.microsoft.com/office/drawing/2010/main" val="0"/>
-              </a:ext>
-            </a:extLst>
-          </a:blip>
-          <a:srcRect/>
-          <a:stretch>
-            <a:fillRect/>
-          </a:stretch>
-        </p:blipFill>
-        <p:spPr bwMode="auto">
-          <a:xfrm>
-            <a:off x="1944790" y="4668816"/>
-            <a:ext cx="1257692" cy="1257692"/>
-          </a:xfrm>
-          <a:prstGeom prst="rect">
-            <a:avLst/>
-          </a:prstGeom>
-          <a:noFill/>
-          <a:extLst>
-            <a:ext uri="{909E8E84-426E-40DD-AFC4-6F175D3DCCD1}">
-              <a14:hiddenFill xmlns:a14="http://schemas.microsoft.com/office/drawing/2010/main">
-                <a:solidFill>
-                  <a:srgbClr val="FFFFFF"/>
-                </a:solidFill>
-              </a14:hiddenFill>
-            </a:ext>
-          </a:extLst>
-        </p:spPr>
-      </p:pic>
-      <p:sp>
-        <p:nvSpPr>
-          <p:cNvPr id="5" name="TextBox 4">
-            <a:extLst>
-              <a:ext uri="{FF2B5EF4-FFF2-40B4-BE49-F238E27FC236}">
-                <a16:creationId xmlns:a16="http://schemas.microsoft.com/office/drawing/2014/main" id="{803FD3B0-B62F-442A-AC07-BC6B0D20FF53}"/>
-              </a:ext>
-            </a:extLst>
-          </p:cNvPr>
-          <p:cNvSpPr txBox="1"/>
-          <p:nvPr/>
-        </p:nvSpPr>
-        <p:spPr>
-          <a:xfrm>
-            <a:off x="3021210" y="5278932"/>
-            <a:ext cx="2614836" cy="369332"/>
-          </a:xfrm>
-          <a:prstGeom prst="rect">
-            <a:avLst/>
-          </a:prstGeom>
-          <a:noFill/>
-        </p:spPr>
-        <p:txBody>
-          <a:bodyPr wrap="square" rtlCol="0">
-            <a:spAutoFit/>
-          </a:bodyPr>
-          <a:lstStyle/>
-          <a:p>
-            <a:r>
-              <a:rPr lang="en-US" dirty="0"/>
-              <a:t>After Day 2 of 13</a:t>
-            </a:r>
-          </a:p>
-        </p:txBody>
-      </p:sp>
-      <p:sp>
-        <p:nvSpPr>
-          <p:cNvPr id="15" name="TextBox 14">
-            <a:extLst>
-              <a:ext uri="{FF2B5EF4-FFF2-40B4-BE49-F238E27FC236}">
-                <a16:creationId xmlns:a16="http://schemas.microsoft.com/office/drawing/2014/main" id="{ED772940-6A60-4E55-A11A-675405DD459E}"/>
-              </a:ext>
-            </a:extLst>
-          </p:cNvPr>
-          <p:cNvSpPr txBox="1"/>
-          <p:nvPr/>
-        </p:nvSpPr>
-        <p:spPr>
-          <a:xfrm>
-            <a:off x="3838696" y="1056832"/>
-            <a:ext cx="5712369" cy="1754326"/>
-          </a:xfrm>
-          <a:prstGeom prst="rect">
-            <a:avLst/>
-          </a:prstGeom>
-          <a:noFill/>
-        </p:spPr>
-        <p:txBody>
-          <a:bodyPr wrap="square" rtlCol="0">
-            <a:spAutoFit/>
-          </a:bodyPr>
-          <a:lstStyle/>
-          <a:p>
-            <a:r>
-              <a:rPr lang="en-US" sz="5400" dirty="0"/>
-              <a:t>Virtual </a:t>
-            </a:r>
-          </a:p>
-          <a:p>
-            <a:r>
-              <a:rPr lang="en-US" sz="5400" dirty="0"/>
-              <a:t>Office Hours</a:t>
-            </a:r>
-          </a:p>
-        </p:txBody>
-      </p:sp>
     </p:spTree>
     <p:extLst>
       <p:ext uri="{BB962C8B-B14F-4D97-AF65-F5344CB8AC3E}">
-        <p14:creationId xmlns:p14="http://schemas.microsoft.com/office/powerpoint/2010/main" val="2159513127"/>
+        <p14:creationId xmlns:p14="http://schemas.microsoft.com/office/powerpoint/2010/main" val="3290463226"/>
       </p:ext>
     </p:extLst>
   </p:cSld>
@@ -16979,7 +16799,7 @@
 </p:sld>
 </file>
 
-<file path=ppt/slides/slide6.xml><?xml version="1.0" encoding="utf-8"?>
+<file path=ppt/slides/slide41.xml><?xml version="1.0" encoding="utf-8"?>
 <p:sld xmlns:a="http://schemas.openxmlformats.org/drawingml/2006/main" xmlns:r="http://schemas.openxmlformats.org/officeDocument/2006/relationships" xmlns:p="http://schemas.openxmlformats.org/presentationml/2006/main">
   <p:cSld>
     <p:spTree>
@@ -16996,26 +16816,51 @@
           <a:chExt cx="0" cy="0"/>
         </a:xfrm>
       </p:grpSpPr>
-      <p:sp>
-        <p:nvSpPr>
-          <p:cNvPr id="4" name="Rectangle 3"/>
+      <p:pic>
+        <p:nvPicPr>
+          <p:cNvPr id="2" name="Picture 1"/>
+          <p:cNvPicPr>
+            <a:picLocks noChangeAspect="1"/>
+          </p:cNvPicPr>
+          <p:nvPr/>
+        </p:nvPicPr>
+        <p:blipFill>
+          <a:blip r:embed="rId2" cstate="print">
+            <a:extLst>
+              <a:ext uri="{28A0092B-C50C-407E-A947-70E740481C1C}">
+                <a14:useLocalDpi xmlns:a14="http://schemas.microsoft.com/office/drawing/2010/main" val="0"/>
+              </a:ext>
+            </a:extLst>
+          </a:blip>
+          <a:stretch>
+            <a:fillRect/>
+          </a:stretch>
+        </p:blipFill>
+        <p:spPr>
+          <a:xfrm>
+            <a:off x="5306566" y="2514598"/>
+            <a:ext cx="1578867" cy="1828804"/>
+          </a:xfrm>
+          <a:prstGeom prst="rect">
+            <a:avLst/>
+          </a:prstGeom>
+        </p:spPr>
+      </p:pic>
+      <p:sp>
+        <p:nvSpPr>
+          <p:cNvPr id="3" name="Rectangle 2"/>
           <p:cNvSpPr/>
           <p:nvPr/>
         </p:nvSpPr>
         <p:spPr>
           <a:xfrm>
-            <a:off x="1706880" y="923544"/>
-            <a:ext cx="8778240" cy="5010912"/>
-          </a:xfrm>
-          <a:prstGeom prst="rect">
-            <a:avLst/>
-          </a:prstGeom>
-          <a:solidFill>
-            <a:schemeClr val="bg1">
-              <a:lumMod val="95000"/>
-            </a:schemeClr>
-          </a:solidFill>
-          <a:ln w="38100"/>
+            <a:off x="5054138" y="2394066"/>
+            <a:ext cx="2094807" cy="2078182"/>
+          </a:xfrm>
+          <a:prstGeom prst="rect">
+            <a:avLst/>
+          </a:prstGeom>
+          <a:noFill/>
         </p:spPr>
         <p:style>
           <a:lnRef idx="2">
@@ -17042,16 +16887,92 @@
           </a:p>
         </p:txBody>
       </p:sp>
-      <p:sp>
-        <p:nvSpPr>
-          <p:cNvPr id="8" name="TextBox 7"/>
+    </p:spTree>
+    <p:extLst>
+      <p:ext uri="{BB962C8B-B14F-4D97-AF65-F5344CB8AC3E}">
+        <p14:creationId xmlns:p14="http://schemas.microsoft.com/office/powerpoint/2010/main" val="2048573925"/>
+      </p:ext>
+    </p:extLst>
+  </p:cSld>
+  <p:clrMapOvr>
+    <a:masterClrMapping/>
+  </p:clrMapOvr>
+</p:sld>
+</file>
+
+<file path=ppt/slides/slide5.xml><?xml version="1.0" encoding="utf-8"?>
+<p:sld xmlns:a="http://schemas.openxmlformats.org/drawingml/2006/main" xmlns:r="http://schemas.openxmlformats.org/officeDocument/2006/relationships" xmlns:p="http://schemas.openxmlformats.org/presentationml/2006/main">
+  <p:cSld>
+    <p:spTree>
+      <p:nvGrpSpPr>
+        <p:cNvPr id="1" name=""/>
+        <p:cNvGrpSpPr/>
+        <p:nvPr/>
+      </p:nvGrpSpPr>
+      <p:grpSpPr>
+        <a:xfrm>
+          <a:off x="0" y="0"/>
+          <a:ext cx="0" cy="0"/>
+          <a:chOff x="0" y="0"/>
+          <a:chExt cx="0" cy="0"/>
+        </a:xfrm>
+      </p:grpSpPr>
+      <p:sp>
+        <p:nvSpPr>
+          <p:cNvPr id="4" name="Rectangle 3"/>
+          <p:cNvSpPr/>
+          <p:nvPr/>
+        </p:nvSpPr>
+        <p:spPr>
+          <a:xfrm>
+            <a:off x="1706880" y="923544"/>
+            <a:ext cx="8778240" cy="5010912"/>
+          </a:xfrm>
+          <a:prstGeom prst="rect">
+            <a:avLst/>
+          </a:prstGeom>
+          <a:solidFill>
+            <a:schemeClr val="bg1">
+              <a:lumMod val="95000"/>
+            </a:schemeClr>
+          </a:solidFill>
+          <a:ln w="38100"/>
+        </p:spPr>
+        <p:style>
+          <a:lnRef idx="2">
+            <a:schemeClr val="accent1">
+              <a:shade val="50000"/>
+            </a:schemeClr>
+          </a:lnRef>
+          <a:fillRef idx="1">
+            <a:schemeClr val="accent1"/>
+          </a:fillRef>
+          <a:effectRef idx="0">
+            <a:schemeClr val="accent1"/>
+          </a:effectRef>
+          <a:fontRef idx="minor">
+            <a:schemeClr val="lt1"/>
+          </a:fontRef>
+        </p:style>
+        <p:txBody>
+          <a:bodyPr rtlCol="0" anchor="ctr"/>
+          <a:lstStyle/>
+          <a:p>
+            <a:pPr algn="ctr"/>
+            <a:endParaRPr lang="en-US"/>
+          </a:p>
+        </p:txBody>
+      </p:sp>
+      <p:sp>
+        <p:nvSpPr>
+          <p:cNvPr id="7" name="TextBox 6"/>
           <p:cNvSpPr txBox="1"/>
           <p:nvPr/>
         </p:nvSpPr>
         <p:spPr>
           <a:xfrm>
-            <a:off x="7731444" y="5278932"/>
-            <a:ext cx="2076450" cy="369332"/>
+            <a:off x="3840385" y="1213849"/>
+            <a:ext cx="5712369" cy="923330"/>
           </a:xfrm>
           <a:prstGeom prst="rect">
             <a:avLst/>
@@ -17064,24 +16985,23 @@
           </a:bodyPr>
           <a:lstStyle/>
           <a:p>
-            <a:pPr algn="ctr"/>
-            <a:r>
-              <a:rPr lang="en-US" dirty="0"/>
-              <a:t>May 7, 2020</a:t>
-            </a:r>
-          </a:p>
-        </p:txBody>
-      </p:sp>
-      <p:sp>
-        <p:nvSpPr>
-          <p:cNvPr id="9" name="TextBox 8"/>
+            <a:r>
+              <a:rPr lang="en-US" sz="5400" dirty="0"/>
+              <a:t>INCLASS LECTURES</a:t>
+            </a:r>
+          </a:p>
+        </p:txBody>
+      </p:sp>
+      <p:sp>
+        <p:nvSpPr>
+          <p:cNvPr id="8" name="TextBox 7"/>
           <p:cNvSpPr txBox="1"/>
           <p:nvPr/>
         </p:nvSpPr>
         <p:spPr>
           <a:xfrm>
-            <a:off x="2679150" y="2855442"/>
-            <a:ext cx="5005769" cy="1754326"/>
+            <a:off x="7731444" y="5278932"/>
+            <a:ext cx="2076450" cy="369332"/>
           </a:xfrm>
           <a:prstGeom prst="rect">
             <a:avLst/>
@@ -17097,43 +17017,75 @@
             <a:pPr algn="ctr"/>
             <a:r>
               <a:rPr lang="en-US" dirty="0"/>
-              <a:t>HW_01</a:t>
-            </a:r>
+              <a:t>May </a:t>
+            </a:r>
+            <a:r>
+              <a:rPr lang="en-US" dirty="0" smtClean="0"/>
+              <a:t>11, </a:t>
+            </a:r>
+            <a:r>
+              <a:rPr lang="en-US" dirty="0"/>
+              <a:t>2020</a:t>
+            </a:r>
+          </a:p>
+        </p:txBody>
+      </p:sp>
+      <p:sp>
+        <p:nvSpPr>
+          <p:cNvPr id="9" name="TextBox 8"/>
+          <p:cNvSpPr txBox="1"/>
+          <p:nvPr/>
+        </p:nvSpPr>
+        <p:spPr>
+          <a:xfrm>
+            <a:off x="3506996" y="2465382"/>
+            <a:ext cx="5005769" cy="1200329"/>
+          </a:xfrm>
+          <a:prstGeom prst="rect">
+            <a:avLst/>
+          </a:prstGeom>
+          <a:noFill/>
+        </p:spPr>
+        <p:txBody>
+          <a:bodyPr wrap="square" rtlCol="0">
+            <a:spAutoFit/>
+          </a:bodyPr>
+          <a:lstStyle/>
+          <a:p>
+            <a:pPr algn="ctr"/>
+            <a:r>
+              <a:rPr lang="en-US" dirty="0"/>
+              <a:t>Chapter </a:t>
+            </a:r>
+            <a:r>
+              <a:rPr lang="en-US" dirty="0" smtClean="0"/>
+              <a:t>2</a:t>
+            </a:r>
+            <a:endParaRPr lang="en-US" dirty="0"/>
           </a:p>
           <a:p>
             <a:pPr algn="ctr"/>
             <a:r>
               <a:rPr lang="en-US" b="1" u="sng" dirty="0"/>
-              <a:t>Getting Started with R &amp; R Studio</a:t>
-            </a:r>
-          </a:p>
-          <a:p>
-            <a:pPr algn="ctr"/>
-            <a:r>
-              <a:rPr lang="en-US" i="1" dirty="0"/>
-              <a:t>Additional basic slides</a:t>
-            </a:r>
-          </a:p>
-          <a:p>
-            <a:pPr algn="ctr"/>
-            <a:r>
-              <a:rPr lang="en-US" i="1" dirty="0"/>
-              <a:t>More on the PIPE</a:t>
-            </a:r>
-          </a:p>
-          <a:p>
-            <a:pPr algn="ctr"/>
-            <a:r>
-              <a:rPr lang="en-US" i="1" dirty="0"/>
-              <a:t>Declaring factors (1C #1, df_1)</a:t>
-            </a:r>
-          </a:p>
-          <a:p>
-            <a:pPr algn="ctr"/>
-            <a:r>
-              <a:rPr lang="en-US" i="1" dirty="0"/>
-              <a:t>Creating new variables (1C #2, df_2)</a:t>
-            </a:r>
+              <a:t>Exploration of Data </a:t>
+            </a:r>
+            <a:endParaRPr lang="en-US" b="1" u="sng" dirty="0" smtClean="0"/>
+          </a:p>
+          <a:p>
+            <a:pPr algn="ctr"/>
+            <a:r>
+              <a:rPr lang="en-US" b="1" u="sng" dirty="0" smtClean="0"/>
+              <a:t>with </a:t>
+            </a:r>
+            <a:r>
+              <a:rPr lang="en-US" b="1" u="sng" dirty="0"/>
+              <a:t>Plots </a:t>
+            </a:r>
+            <a:endParaRPr lang="en-US" b="1" u="sng" dirty="0" smtClean="0"/>
+          </a:p>
+          <a:p>
+            <a:pPr algn="ctr"/>
+            <a:endParaRPr lang="en-US" b="1" u="sng" dirty="0" smtClean="0"/>
           </a:p>
         </p:txBody>
       </p:sp>
@@ -17403,28 +17355,26 @@
           <a:lstStyle/>
           <a:p>
             <a:r>
+              <a:rPr lang="en-US" dirty="0" smtClean="0"/>
+              <a:t>Day 3 </a:t>
+            </a:r>
+            <a:r>
               <a:rPr lang="en-US" dirty="0"/>
-              <a:t>After Day 2 of 13</a:t>
-            </a:r>
-          </a:p>
-        </p:txBody>
-      </p:sp>
-      <p:sp>
-        <p:nvSpPr>
-          <p:cNvPr id="15" name="TextBox 14">
-            <a:extLst>
-              <a:ext uri="{FF2B5EF4-FFF2-40B4-BE49-F238E27FC236}">
-                <a16:creationId xmlns:a16="http://schemas.microsoft.com/office/drawing/2014/main" id="{ED772940-6A60-4E55-A11A-675405DD459E}"/>
-              </a:ext>
-            </a:extLst>
-          </p:cNvPr>
+              <a:t>of 13</a:t>
+            </a:r>
+          </a:p>
+        </p:txBody>
+      </p:sp>
+      <p:sp>
+        <p:nvSpPr>
+          <p:cNvPr id="15" name="TextBox 14"/>
           <p:cNvSpPr txBox="1"/>
           <p:nvPr/>
         </p:nvSpPr>
         <p:spPr>
           <a:xfrm>
-            <a:off x="3838696" y="1056832"/>
-            <a:ext cx="5712369" cy="1754326"/>
+            <a:off x="2035110" y="3429000"/>
+            <a:ext cx="5005769" cy="1200329"/>
           </a:xfrm>
           <a:prstGeom prst="rect">
             <a:avLst/>
@@ -17437,23 +17387,96 @@
           </a:bodyPr>
           <a:lstStyle/>
           <a:p>
-            <a:r>
-              <a:rPr lang="en-US" sz="5400" dirty="0"/>
-              <a:t>Virtual </a:t>
-            </a:r>
-          </a:p>
-          <a:p>
-            <a:r>
-              <a:rPr lang="en-US" sz="5400" dirty="0"/>
-              <a:t>Office Hours</a:t>
-            </a:r>
+            <a:pPr algn="ctr"/>
+            <a:r>
+              <a:rPr lang="en-US" dirty="0"/>
+              <a:t>Chapter 3</a:t>
+            </a:r>
+          </a:p>
+          <a:p>
+            <a:pPr algn="ctr"/>
+            <a:r>
+              <a:rPr lang="en-US" b="1" u="sng" dirty="0" smtClean="0"/>
+              <a:t>Summarizing </a:t>
+            </a:r>
+            <a:r>
+              <a:rPr lang="en-US" b="1" u="sng" dirty="0"/>
+              <a:t>Data with </a:t>
+            </a:r>
+            <a:endParaRPr lang="en-US" b="1" u="sng" dirty="0" smtClean="0"/>
+          </a:p>
+          <a:p>
+            <a:pPr algn="ctr"/>
+            <a:r>
+              <a:rPr lang="en-US" b="1" u="sng" dirty="0" smtClean="0"/>
+              <a:t>Descriptive Statistics</a:t>
+            </a:r>
+          </a:p>
+          <a:p>
+            <a:pPr algn="ctr"/>
+            <a:endParaRPr lang="en-US" b="1" u="sng" dirty="0" smtClean="0"/>
+          </a:p>
+        </p:txBody>
+      </p:sp>
+      <p:sp>
+        <p:nvSpPr>
+          <p:cNvPr id="16" name="TextBox 15"/>
+          <p:cNvSpPr txBox="1"/>
+          <p:nvPr/>
+        </p:nvSpPr>
+        <p:spPr>
+          <a:xfrm>
+            <a:off x="3258130" y="4574181"/>
+            <a:ext cx="5005769" cy="923330"/>
+          </a:xfrm>
+          <a:prstGeom prst="rect">
+            <a:avLst/>
+          </a:prstGeom>
+          <a:noFill/>
+        </p:spPr>
+        <p:txBody>
+          <a:bodyPr wrap="square" rtlCol="0">
+            <a:spAutoFit/>
+          </a:bodyPr>
+          <a:lstStyle/>
+          <a:p>
+            <a:pPr algn="ctr"/>
+            <a:r>
+              <a:rPr lang="en-US" dirty="0"/>
+              <a:t>Chapter </a:t>
+            </a:r>
+            <a:r>
+              <a:rPr lang="en-US" dirty="0" smtClean="0"/>
+              <a:t>4</a:t>
+            </a:r>
+            <a:endParaRPr lang="en-US" dirty="0"/>
+          </a:p>
+          <a:p>
+            <a:pPr algn="ctr"/>
+            <a:r>
+              <a:rPr lang="en-US" b="1" u="sng" dirty="0"/>
+              <a:t>Standardized Scores &amp; </a:t>
+            </a:r>
+            <a:endParaRPr lang="en-US" b="1" u="sng" dirty="0" smtClean="0"/>
+          </a:p>
+          <a:p>
+            <a:pPr algn="ctr"/>
+            <a:r>
+              <a:rPr lang="en-US" b="1" u="sng" dirty="0" smtClean="0"/>
+              <a:t>he </a:t>
+            </a:r>
+            <a:r>
+              <a:rPr lang="en-US" b="1" u="sng" dirty="0"/>
+              <a:t>Normal Distribution</a:t>
+            </a:r>
+            <a:endParaRPr lang="en-US" b="1" u="sng" dirty="0" smtClean="0"/>
           </a:p>
         </p:txBody>
       </p:sp>
     </p:spTree>
     <p:extLst>
       <p:ext uri="{BB962C8B-B14F-4D97-AF65-F5344CB8AC3E}">
-        <p14:creationId xmlns:p14="http://schemas.microsoft.com/office/powerpoint/2010/main" val="1205030995"/>
+        <p14:creationId xmlns:p14="http://schemas.microsoft.com/office/powerpoint/2010/main" val="3819651160"/>
       </p:ext>
     </p:extLst>
   </p:cSld>
@@ -17463,7 +17486,7 @@
 </p:sld>
 </file>
 
-<file path=ppt/slides/slide7.xml><?xml version="1.0" encoding="utf-8"?>
+<file path=ppt/slides/slide6.xml><?xml version="1.0" encoding="utf-8"?>
 <p:sld xmlns:a="http://schemas.openxmlformats.org/drawingml/2006/main" xmlns:r="http://schemas.openxmlformats.org/officeDocument/2006/relationships" xmlns:p="http://schemas.openxmlformats.org/presentationml/2006/main">
   <p:cSld>
     <p:spTree>
@@ -17528,14 +17551,14 @@
       </p:sp>
       <p:sp>
         <p:nvSpPr>
-          <p:cNvPr id="7" name="TextBox 6"/>
+          <p:cNvPr id="8" name="TextBox 7"/>
           <p:cNvSpPr txBox="1"/>
           <p:nvPr/>
         </p:nvSpPr>
         <p:spPr>
           <a:xfrm>
-            <a:off x="3840385" y="1213849"/>
-            <a:ext cx="5712369" cy="923330"/>
+            <a:off x="7731444" y="5278932"/>
+            <a:ext cx="2076450" cy="369332"/>
           </a:xfrm>
           <a:prstGeom prst="rect">
             <a:avLst/>
@@ -17548,23 +17571,24 @@
           </a:bodyPr>
           <a:lstStyle/>
           <a:p>
-            <a:r>
-              <a:rPr lang="en-US" sz="5400" dirty="0"/>
-              <a:t>INCLASS LECTURES</a:t>
-            </a:r>
-          </a:p>
-        </p:txBody>
-      </p:sp>
-      <p:sp>
-        <p:nvSpPr>
-          <p:cNvPr id="8" name="TextBox 7"/>
+            <a:pPr algn="ctr"/>
+            <a:r>
+              <a:rPr lang="en-US" dirty="0"/>
+              <a:t>May 8, 2020</a:t>
+            </a:r>
+          </a:p>
+        </p:txBody>
+      </p:sp>
+      <p:sp>
+        <p:nvSpPr>
+          <p:cNvPr id="9" name="TextBox 8"/>
           <p:cNvSpPr txBox="1"/>
           <p:nvPr/>
         </p:nvSpPr>
         <p:spPr>
           <a:xfrm>
-            <a:off x="7731444" y="5278932"/>
-            <a:ext cx="2076450" cy="369332"/>
+            <a:off x="2679150" y="2855442"/>
+            <a:ext cx="5005769" cy="1200329"/>
           </a:xfrm>
           <a:prstGeom prst="rect">
             <a:avLst/>
@@ -17580,37 +17604,7 @@
             <a:pPr algn="ctr"/>
             <a:r>
               <a:rPr lang="en-US" dirty="0"/>
-              <a:t>May 6, 2020</a:t>
-            </a:r>
-          </a:p>
-        </p:txBody>
-      </p:sp>
-      <p:sp>
-        <p:nvSpPr>
-          <p:cNvPr id="9" name="TextBox 8"/>
-          <p:cNvSpPr txBox="1"/>
-          <p:nvPr/>
-        </p:nvSpPr>
-        <p:spPr>
-          <a:xfrm>
-            <a:off x="2365000" y="2644649"/>
-            <a:ext cx="5005769" cy="2308324"/>
-          </a:xfrm>
-          <a:prstGeom prst="rect">
-            <a:avLst/>
-          </a:prstGeom>
-          <a:noFill/>
-        </p:spPr>
-        <p:txBody>
-          <a:bodyPr wrap="square" rtlCol="0">
-            <a:spAutoFit/>
-          </a:bodyPr>
-          <a:lstStyle/>
-          <a:p>
-            <a:pPr algn="ctr"/>
-            <a:r>
-              <a:rPr lang="en-US" dirty="0"/>
-              <a:t>Chapter 1</a:t>
+              <a:t>HW_01</a:t>
             </a:r>
           </a:p>
           <a:p>
@@ -17624,43 +17618,25 @@
             <a:pPr algn="ctr"/>
             <a:r>
               <a:rPr lang="en-US" i="1" dirty="0"/>
-              <a:t>Workspace Orientation</a:t>
-            </a:r>
+              <a:t>Second half of the </a:t>
+            </a:r>
+            <a:r>
+              <a:rPr lang="en-US" i="1" dirty="0" err="1"/>
+              <a:t>Rmd</a:t>
+            </a:r>
+            <a:endParaRPr lang="en-US" i="1" dirty="0"/>
           </a:p>
           <a:p>
             <a:pPr algn="ctr"/>
             <a:r>
               <a:rPr lang="en-US" i="1" dirty="0"/>
-              <a:t>Getting Help</a:t>
-            </a:r>
-          </a:p>
-          <a:p>
-            <a:pPr algn="ctr"/>
-            <a:r>
-              <a:rPr lang="en-US" i="1" dirty="0"/>
-              <a:t>Running &amp; knitting</a:t>
-            </a:r>
-          </a:p>
-          <a:p>
-            <a:pPr algn="ctr"/>
-            <a:r>
-              <a:rPr lang="en-US" i="1" dirty="0"/>
-              <a:t>Importing data</a:t>
-            </a:r>
-          </a:p>
-          <a:p>
-            <a:pPr algn="ctr"/>
-            <a:r>
-              <a:rPr lang="en-US" i="1" dirty="0"/>
-              <a:t>NA, pipe, assignment</a:t>
-            </a:r>
-          </a:p>
-          <a:p>
-            <a:pPr algn="ctr"/>
-            <a:r>
-              <a:rPr lang="en-US" i="1" dirty="0"/>
-              <a:t>Declaring factors</a:t>
-            </a:r>
+              <a:t>Uploading and submitting in </a:t>
+            </a:r>
+            <a:r>
+              <a:rPr lang="en-US" i="1" dirty="0" err="1"/>
+              <a:t>Canvs</a:t>
+            </a:r>
+            <a:endParaRPr lang="en-US" i="1" dirty="0"/>
           </a:p>
         </p:txBody>
       </p:sp>
@@ -17931,7 +17907,48 @@
           <a:p>
             <a:r>
               <a:rPr lang="en-US" dirty="0"/>
-              <a:t>Part 2 of 2, Day 2 of 13</a:t>
+              <a:t>After Day 2 of 13</a:t>
+            </a:r>
+          </a:p>
+        </p:txBody>
+      </p:sp>
+      <p:sp>
+        <p:nvSpPr>
+          <p:cNvPr id="15" name="TextBox 14">
+            <a:extLst>
+              <a:ext uri="{FF2B5EF4-FFF2-40B4-BE49-F238E27FC236}">
+                <a16:creationId xmlns:a16="http://schemas.microsoft.com/office/drawing/2014/main" id="{ED772940-6A60-4E55-A11A-675405DD459E}"/>
+              </a:ext>
+            </a:extLst>
+          </p:cNvPr>
+          <p:cNvSpPr txBox="1"/>
+          <p:nvPr/>
+        </p:nvSpPr>
+        <p:spPr>
+          <a:xfrm>
+            <a:off x="3838696" y="1056832"/>
+            <a:ext cx="5712369" cy="1754326"/>
+          </a:xfrm>
+          <a:prstGeom prst="rect">
+            <a:avLst/>
+          </a:prstGeom>
+          <a:noFill/>
+        </p:spPr>
+        <p:txBody>
+          <a:bodyPr wrap="square" rtlCol="0">
+            <a:spAutoFit/>
+          </a:bodyPr>
+          <a:lstStyle/>
+          <a:p>
+            <a:r>
+              <a:rPr lang="en-US" sz="5400" dirty="0"/>
+              <a:t>Virtual </a:t>
+            </a:r>
+          </a:p>
+          <a:p>
+            <a:r>
+              <a:rPr lang="en-US" sz="5400" dirty="0"/>
+              <a:t>Office Hours</a:t>
             </a:r>
           </a:p>
         </p:txBody>
@@ -17939,7 +17956,7 @@
     </p:spTree>
     <p:extLst>
       <p:ext uri="{BB962C8B-B14F-4D97-AF65-F5344CB8AC3E}">
-        <p14:creationId xmlns:p14="http://schemas.microsoft.com/office/powerpoint/2010/main" val="3166273230"/>
+        <p14:creationId xmlns:p14="http://schemas.microsoft.com/office/powerpoint/2010/main" val="2159513127"/>
       </p:ext>
     </p:extLst>
   </p:cSld>
@@ -17949,7 +17966,7 @@
 </p:sld>
 </file>
 
-<file path=ppt/slides/slide8.xml><?xml version="1.0" encoding="utf-8"?>
+<file path=ppt/slides/slide7.xml><?xml version="1.0" encoding="utf-8"?>
 <p:sld xmlns:a="http://schemas.openxmlformats.org/drawingml/2006/main" xmlns:r="http://schemas.openxmlformats.org/officeDocument/2006/relationships" xmlns:p="http://schemas.openxmlformats.org/presentationml/2006/main">
   <p:cSld>
     <p:spTree>
@@ -18014,14 +18031,14 @@
       </p:sp>
       <p:sp>
         <p:nvSpPr>
-          <p:cNvPr id="7" name="TextBox 6"/>
+          <p:cNvPr id="8" name="TextBox 7"/>
           <p:cNvSpPr txBox="1"/>
           <p:nvPr/>
         </p:nvSpPr>
         <p:spPr>
           <a:xfrm>
-            <a:off x="3840385" y="1213849"/>
-            <a:ext cx="5712369" cy="923330"/>
+            <a:off x="7731444" y="5278932"/>
+            <a:ext cx="2076450" cy="369332"/>
           </a:xfrm>
           <a:prstGeom prst="rect">
             <a:avLst/>
@@ -18034,23 +18051,24 @@
           </a:bodyPr>
           <a:lstStyle/>
           <a:p>
-            <a:r>
-              <a:rPr lang="en-US" sz="5400" dirty="0"/>
-              <a:t>INCLASS LECTURES</a:t>
-            </a:r>
-          </a:p>
-        </p:txBody>
-      </p:sp>
-      <p:sp>
-        <p:nvSpPr>
-          <p:cNvPr id="8" name="TextBox 7"/>
+            <a:pPr algn="ctr"/>
+            <a:r>
+              <a:rPr lang="en-US" dirty="0"/>
+              <a:t>May 7, 2020</a:t>
+            </a:r>
+          </a:p>
+        </p:txBody>
+      </p:sp>
+      <p:sp>
+        <p:nvSpPr>
+          <p:cNvPr id="9" name="TextBox 8"/>
           <p:cNvSpPr txBox="1"/>
           <p:nvPr/>
         </p:nvSpPr>
         <p:spPr>
           <a:xfrm>
-            <a:off x="7731444" y="5278932"/>
-            <a:ext cx="2076450" cy="369332"/>
+            <a:off x="2679150" y="2855442"/>
+            <a:ext cx="5005769" cy="1754326"/>
           </a:xfrm>
           <a:prstGeom prst="rect">
             <a:avLst/>
@@ -18066,79 +18084,42 @@
             <a:pPr algn="ctr"/>
             <a:r>
               <a:rPr lang="en-US" dirty="0"/>
-              <a:t>May 6, 2020</a:t>
-            </a:r>
-          </a:p>
-        </p:txBody>
-      </p:sp>
-      <p:sp>
-        <p:nvSpPr>
-          <p:cNvPr id="9" name="TextBox 8"/>
-          <p:cNvSpPr txBox="1"/>
-          <p:nvPr/>
-        </p:nvSpPr>
-        <p:spPr>
-          <a:xfrm>
-            <a:off x="2365000" y="2644649"/>
-            <a:ext cx="5005769" cy="2031325"/>
-          </a:xfrm>
-          <a:prstGeom prst="rect">
-            <a:avLst/>
-          </a:prstGeom>
-          <a:noFill/>
-        </p:spPr>
-        <p:txBody>
-          <a:bodyPr wrap="square" rtlCol="0">
-            <a:spAutoFit/>
-          </a:bodyPr>
-          <a:lstStyle/>
-          <a:p>
-            <a:pPr algn="ctr"/>
-            <a:r>
-              <a:rPr lang="en-US" dirty="0"/>
-              <a:t>Chapter 1</a:t>
+              <a:t>HW_01</a:t>
             </a:r>
           </a:p>
           <a:p>
             <a:pPr algn="ctr"/>
             <a:r>
               <a:rPr lang="en-US" b="1" u="sng" dirty="0"/>
-              <a:t>Basic Vocabulary and Skills</a:t>
+              <a:t>Getting Started with R &amp; R Studio</a:t>
             </a:r>
           </a:p>
           <a:p>
             <a:pPr algn="ctr"/>
             <a:r>
               <a:rPr lang="en-US" i="1" dirty="0"/>
-              <a:t>Scales of Measure</a:t>
+              <a:t>Additional basic slides</a:t>
             </a:r>
           </a:p>
           <a:p>
             <a:pPr algn="ctr"/>
             <a:r>
               <a:rPr lang="en-US" i="1" dirty="0"/>
-              <a:t>Type of Variable</a:t>
+              <a:t>More on the PIPE</a:t>
             </a:r>
           </a:p>
           <a:p>
             <a:pPr algn="ctr"/>
             <a:r>
               <a:rPr lang="en-US" i="1" dirty="0"/>
-              <a:t>Study Design</a:t>
+              <a:t>Declaring factors (1C #1, df_1)</a:t>
             </a:r>
           </a:p>
           <a:p>
             <a:pPr algn="ctr"/>
             <a:r>
               <a:rPr lang="en-US" i="1" dirty="0"/>
-              <a:t>Rounding Numbers</a:t>
-            </a:r>
-          </a:p>
-          <a:p>
-            <a:pPr algn="ctr"/>
-            <a:r>
-              <a:rPr lang="en-US" i="1" dirty="0"/>
-              <a:t>Summation Notation</a:t>
+              <a:t>Creating new variables (1C #2, df_2)</a:t>
             </a:r>
           </a:p>
         </p:txBody>
@@ -18410,7 +18391,48 @@
           <a:p>
             <a:r>
               <a:rPr lang="en-US" dirty="0"/>
-              <a:t>Part 1 of 2, Day 2 of 13</a:t>
+              <a:t>After Day 2 of 13</a:t>
+            </a:r>
+          </a:p>
+        </p:txBody>
+      </p:sp>
+      <p:sp>
+        <p:nvSpPr>
+          <p:cNvPr id="15" name="TextBox 14">
+            <a:extLst>
+              <a:ext uri="{FF2B5EF4-FFF2-40B4-BE49-F238E27FC236}">
+                <a16:creationId xmlns:a16="http://schemas.microsoft.com/office/drawing/2014/main" id="{ED772940-6A60-4E55-A11A-675405DD459E}"/>
+              </a:ext>
+            </a:extLst>
+          </p:cNvPr>
+          <p:cNvSpPr txBox="1"/>
+          <p:nvPr/>
+        </p:nvSpPr>
+        <p:spPr>
+          <a:xfrm>
+            <a:off x="3838696" y="1056832"/>
+            <a:ext cx="5712369" cy="1754326"/>
+          </a:xfrm>
+          <a:prstGeom prst="rect">
+            <a:avLst/>
+          </a:prstGeom>
+          <a:noFill/>
+        </p:spPr>
+        <p:txBody>
+          <a:bodyPr wrap="square" rtlCol="0">
+            <a:spAutoFit/>
+          </a:bodyPr>
+          <a:lstStyle/>
+          <a:p>
+            <a:r>
+              <a:rPr lang="en-US" sz="5400" dirty="0"/>
+              <a:t>Virtual </a:t>
+            </a:r>
+          </a:p>
+          <a:p>
+            <a:r>
+              <a:rPr lang="en-US" sz="5400" dirty="0"/>
+              <a:t>Office Hours</a:t>
             </a:r>
           </a:p>
         </p:txBody>
@@ -18418,7 +18440,7 @@
     </p:spTree>
     <p:extLst>
       <p:ext uri="{BB962C8B-B14F-4D97-AF65-F5344CB8AC3E}">
-        <p14:creationId xmlns:p14="http://schemas.microsoft.com/office/powerpoint/2010/main" val="121509918"/>
+        <p14:creationId xmlns:p14="http://schemas.microsoft.com/office/powerpoint/2010/main" val="1205030995"/>
       </p:ext>
     </p:extLst>
   </p:cSld>
@@ -18428,7 +18450,7 @@
 </p:sld>
 </file>
 
-<file path=ppt/slides/slide9.xml><?xml version="1.0" encoding="utf-8"?>
+<file path=ppt/slides/slide8.xml><?xml version="1.0" encoding="utf-8"?>
 <p:sld xmlns:a="http://schemas.openxmlformats.org/drawingml/2006/main" xmlns:r="http://schemas.openxmlformats.org/officeDocument/2006/relationships" xmlns:p="http://schemas.openxmlformats.org/presentationml/2006/main">
   <p:cSld>
     <p:spTree>
@@ -18545,7 +18567,7 @@
             <a:pPr algn="ctr"/>
             <a:r>
               <a:rPr lang="en-US" dirty="0"/>
-              <a:t>May 4, 2020</a:t>
+              <a:t>May 6, 2020</a:t>
             </a:r>
           </a:p>
         </p:txBody>
@@ -18559,7 +18581,7 @@
         <p:spPr>
           <a:xfrm>
             <a:off x="2365000" y="2644649"/>
-            <a:ext cx="5005769" cy="1754326"/>
+            <a:ext cx="5005769" cy="2308324"/>
           </a:xfrm>
           <a:prstGeom prst="rect">
             <a:avLst/>
@@ -18575,48 +18597,57 @@
             <a:pPr algn="ctr"/>
             <a:r>
               <a:rPr lang="en-US" dirty="0"/>
-              <a:t>Chapter 0</a:t>
+              <a:t>Chapter 1</a:t>
             </a:r>
           </a:p>
           <a:p>
             <a:pPr algn="ctr"/>
             <a:r>
               <a:rPr lang="en-US" b="1" u="sng" dirty="0"/>
-              <a:t>Getting Started</a:t>
+              <a:t>Getting Started with R &amp; R Studio</a:t>
             </a:r>
           </a:p>
           <a:p>
             <a:pPr algn="ctr"/>
             <a:r>
               <a:rPr lang="en-US" i="1" dirty="0"/>
-              <a:t>Syllabus &amp; Grade Components</a:t>
+              <a:t>Workspace Orientation</a:t>
             </a:r>
           </a:p>
           <a:p>
             <a:pPr algn="ctr"/>
             <a:r>
               <a:rPr lang="en-US" i="1" dirty="0"/>
-              <a:t>Cohen’s Textbook &amp; Ihno’s Dataset</a:t>
+              <a:t>Getting Help</a:t>
             </a:r>
           </a:p>
           <a:p>
             <a:pPr algn="ctr"/>
             <a:r>
               <a:rPr lang="en-US" i="1" dirty="0"/>
-              <a:t>APA Style relating to stats</a:t>
+              <a:t>Running &amp; knitting</a:t>
             </a:r>
           </a:p>
           <a:p>
             <a:pPr algn="ctr"/>
             <a:r>
               <a:rPr lang="en-US" i="1" dirty="0"/>
-              <a:t>Software Installation: R, R Studio, &amp; </a:t>
-            </a:r>
-            <a:r>
-              <a:rPr lang="en-US" i="1" dirty="0" err="1"/>
-              <a:t>Tex</a:t>
-            </a:r>
-            <a:endParaRPr lang="en-US" i="1" dirty="0"/>
+              <a:t>Importing data</a:t>
+            </a:r>
+          </a:p>
+          <a:p>
+            <a:pPr algn="ctr"/>
+            <a:r>
+              <a:rPr lang="en-US" i="1" dirty="0"/>
+              <a:t>NA, pipe, assignment</a:t>
+            </a:r>
+          </a:p>
+          <a:p>
+            <a:pPr algn="ctr"/>
+            <a:r>
+              <a:rPr lang="en-US" i="1" dirty="0"/>
+              <a:t>Declaring factors</a:t>
+            </a:r>
           </a:p>
         </p:txBody>
       </p:sp>
@@ -18872,7 +18903,7 @@
         <p:spPr>
           <a:xfrm>
             <a:off x="3021210" y="5278932"/>
-            <a:ext cx="2243137" cy="369332"/>
+            <a:ext cx="2614836" cy="369332"/>
           </a:xfrm>
           <a:prstGeom prst="rect">
             <a:avLst/>
@@ -18887,7 +18918,7 @@
           <a:p>
             <a:r>
               <a:rPr lang="en-US" dirty="0"/>
-              <a:t>Day 1 of 13</a:t>
+              <a:t>Part 2 of 2, Day 2 of 13</a:t>
             </a:r>
           </a:p>
         </p:txBody>
@@ -18895,7 +18926,486 @@
     </p:spTree>
     <p:extLst>
       <p:ext uri="{BB962C8B-B14F-4D97-AF65-F5344CB8AC3E}">
-        <p14:creationId xmlns:p14="http://schemas.microsoft.com/office/powerpoint/2010/main" val="775600964"/>
+        <p14:creationId xmlns:p14="http://schemas.microsoft.com/office/powerpoint/2010/main" val="3166273230"/>
+      </p:ext>
+    </p:extLst>
+  </p:cSld>
+  <p:clrMapOvr>
+    <a:masterClrMapping/>
+  </p:clrMapOvr>
+</p:sld>
+</file>
+
+<file path=ppt/slides/slide9.xml><?xml version="1.0" encoding="utf-8"?>
+<p:sld xmlns:a="http://schemas.openxmlformats.org/drawingml/2006/main" xmlns:r="http://schemas.openxmlformats.org/officeDocument/2006/relationships" xmlns:p="http://schemas.openxmlformats.org/presentationml/2006/main">
+  <p:cSld>
+    <p:spTree>
+      <p:nvGrpSpPr>
+        <p:cNvPr id="1" name=""/>
+        <p:cNvGrpSpPr/>
+        <p:nvPr/>
+      </p:nvGrpSpPr>
+      <p:grpSpPr>
+        <a:xfrm>
+          <a:off x="0" y="0"/>
+          <a:ext cx="0" cy="0"/>
+          <a:chOff x="0" y="0"/>
+          <a:chExt cx="0" cy="0"/>
+        </a:xfrm>
+      </p:grpSpPr>
+      <p:sp>
+        <p:nvSpPr>
+          <p:cNvPr id="4" name="Rectangle 3"/>
+          <p:cNvSpPr/>
+          <p:nvPr/>
+        </p:nvSpPr>
+        <p:spPr>
+          <a:xfrm>
+            <a:off x="1706880" y="923544"/>
+            <a:ext cx="8778240" cy="5010912"/>
+          </a:xfrm>
+          <a:prstGeom prst="rect">
+            <a:avLst/>
+          </a:prstGeom>
+          <a:solidFill>
+            <a:schemeClr val="bg1">
+              <a:lumMod val="95000"/>
+            </a:schemeClr>
+          </a:solidFill>
+          <a:ln w="38100"/>
+        </p:spPr>
+        <p:style>
+          <a:lnRef idx="2">
+            <a:schemeClr val="accent1">
+              <a:shade val="50000"/>
+            </a:schemeClr>
+          </a:lnRef>
+          <a:fillRef idx="1">
+            <a:schemeClr val="accent1"/>
+          </a:fillRef>
+          <a:effectRef idx="0">
+            <a:schemeClr val="accent1"/>
+          </a:effectRef>
+          <a:fontRef idx="minor">
+            <a:schemeClr val="lt1"/>
+          </a:fontRef>
+        </p:style>
+        <p:txBody>
+          <a:bodyPr rtlCol="0" anchor="ctr"/>
+          <a:lstStyle/>
+          <a:p>
+            <a:pPr algn="ctr"/>
+            <a:endParaRPr lang="en-US"/>
+          </a:p>
+        </p:txBody>
+      </p:sp>
+      <p:sp>
+        <p:nvSpPr>
+          <p:cNvPr id="7" name="TextBox 6"/>
+          <p:cNvSpPr txBox="1"/>
+          <p:nvPr/>
+        </p:nvSpPr>
+        <p:spPr>
+          <a:xfrm>
+            <a:off x="3840385" y="1213849"/>
+            <a:ext cx="5712369" cy="923330"/>
+          </a:xfrm>
+          <a:prstGeom prst="rect">
+            <a:avLst/>
+          </a:prstGeom>
+          <a:noFill/>
+        </p:spPr>
+        <p:txBody>
+          <a:bodyPr wrap="square" rtlCol="0">
+            <a:spAutoFit/>
+          </a:bodyPr>
+          <a:lstStyle/>
+          <a:p>
+            <a:r>
+              <a:rPr lang="en-US" sz="5400" dirty="0"/>
+              <a:t>INCLASS LECTURES</a:t>
+            </a:r>
+          </a:p>
+        </p:txBody>
+      </p:sp>
+      <p:sp>
+        <p:nvSpPr>
+          <p:cNvPr id="8" name="TextBox 7"/>
+          <p:cNvSpPr txBox="1"/>
+          <p:nvPr/>
+        </p:nvSpPr>
+        <p:spPr>
+          <a:xfrm>
+            <a:off x="7731444" y="5278932"/>
+            <a:ext cx="2076450" cy="369332"/>
+          </a:xfrm>
+          <a:prstGeom prst="rect">
+            <a:avLst/>
+          </a:prstGeom>
+          <a:noFill/>
+        </p:spPr>
+        <p:txBody>
+          <a:bodyPr wrap="square" rtlCol="0">
+            <a:spAutoFit/>
+          </a:bodyPr>
+          <a:lstStyle/>
+          <a:p>
+            <a:pPr algn="ctr"/>
+            <a:r>
+              <a:rPr lang="en-US" dirty="0"/>
+              <a:t>May 6, 2020</a:t>
+            </a:r>
+          </a:p>
+        </p:txBody>
+      </p:sp>
+      <p:sp>
+        <p:nvSpPr>
+          <p:cNvPr id="9" name="TextBox 8"/>
+          <p:cNvSpPr txBox="1"/>
+          <p:nvPr/>
+        </p:nvSpPr>
+        <p:spPr>
+          <a:xfrm>
+            <a:off x="2365000" y="2644649"/>
+            <a:ext cx="5005769" cy="2031325"/>
+          </a:xfrm>
+          <a:prstGeom prst="rect">
+            <a:avLst/>
+          </a:prstGeom>
+          <a:noFill/>
+        </p:spPr>
+        <p:txBody>
+          <a:bodyPr wrap="square" rtlCol="0">
+            <a:spAutoFit/>
+          </a:bodyPr>
+          <a:lstStyle/>
+          <a:p>
+            <a:pPr algn="ctr"/>
+            <a:r>
+              <a:rPr lang="en-US" dirty="0"/>
+              <a:t>Chapter 1</a:t>
+            </a:r>
+          </a:p>
+          <a:p>
+            <a:pPr algn="ctr"/>
+            <a:r>
+              <a:rPr lang="en-US" b="1" u="sng" dirty="0"/>
+              <a:t>Basic Vocabulary and Skills</a:t>
+            </a:r>
+          </a:p>
+          <a:p>
+            <a:pPr algn="ctr"/>
+            <a:r>
+              <a:rPr lang="en-US" i="1" dirty="0"/>
+              <a:t>Scales of Measure</a:t>
+            </a:r>
+          </a:p>
+          <a:p>
+            <a:pPr algn="ctr"/>
+            <a:r>
+              <a:rPr lang="en-US" i="1" dirty="0"/>
+              <a:t>Type of Variable</a:t>
+            </a:r>
+          </a:p>
+          <a:p>
+            <a:pPr algn="ctr"/>
+            <a:r>
+              <a:rPr lang="en-US" i="1" dirty="0"/>
+              <a:t>Study Design</a:t>
+            </a:r>
+          </a:p>
+          <a:p>
+            <a:pPr algn="ctr"/>
+            <a:r>
+              <a:rPr lang="en-US" i="1" dirty="0"/>
+              <a:t>Rounding Numbers</a:t>
+            </a:r>
+          </a:p>
+          <a:p>
+            <a:pPr algn="ctr"/>
+            <a:r>
+              <a:rPr lang="en-US" i="1" dirty="0"/>
+              <a:t>Summation Notation</a:t>
+            </a:r>
+          </a:p>
+        </p:txBody>
+      </p:sp>
+      <p:grpSp>
+        <p:nvGrpSpPr>
+          <p:cNvPr id="14" name="Group 13"/>
+          <p:cNvGrpSpPr/>
+          <p:nvPr/>
+        </p:nvGrpSpPr>
+        <p:grpSpPr>
+          <a:xfrm>
+            <a:off x="7198839" y="2137179"/>
+            <a:ext cx="3141660" cy="3193339"/>
+            <a:chOff x="7047391" y="1961976"/>
+            <a:chExt cx="3141660" cy="3193339"/>
+          </a:xfrm>
+        </p:grpSpPr>
+        <p:pic>
+          <p:nvPicPr>
+            <p:cNvPr id="2" name="Picture 1"/>
+            <p:cNvPicPr>
+              <a:picLocks noChangeAspect="1"/>
+            </p:cNvPicPr>
+            <p:nvPr/>
+          </p:nvPicPr>
+          <p:blipFill>
+            <a:blip r:embed="rId2" cstate="print">
+              <a:extLst>
+                <a:ext uri="{28A0092B-C50C-407E-A947-70E740481C1C}">
+                  <a14:useLocalDpi xmlns:a14="http://schemas.microsoft.com/office/drawing/2010/main" val="0"/>
+                </a:ext>
+              </a:extLst>
+            </a:blip>
+            <a:stretch>
+              <a:fillRect/>
+            </a:stretch>
+          </p:blipFill>
+          <p:spPr>
+            <a:xfrm>
+              <a:off x="7047391" y="3320161"/>
+              <a:ext cx="1578867" cy="1828804"/>
+            </a:xfrm>
+            <a:prstGeom prst="rect">
+              <a:avLst/>
+            </a:prstGeom>
+          </p:spPr>
+        </p:pic>
+        <p:pic>
+          <p:nvPicPr>
+            <p:cNvPr id="3" name="Picture 2"/>
+            <p:cNvPicPr>
+              <a:picLocks noChangeAspect="1"/>
+            </p:cNvPicPr>
+            <p:nvPr/>
+          </p:nvPicPr>
+          <p:blipFill>
+            <a:blip r:embed="rId3" cstate="print">
+              <a:extLst>
+                <a:ext uri="{28A0092B-C50C-407E-A947-70E740481C1C}">
+                  <a14:useLocalDpi xmlns:a14="http://schemas.microsoft.com/office/drawing/2010/main" val="0"/>
+                </a:ext>
+              </a:extLst>
+            </a:blip>
+            <a:stretch>
+              <a:fillRect/>
+            </a:stretch>
+          </p:blipFill>
+          <p:spPr>
+            <a:xfrm>
+              <a:off x="7830475" y="1961976"/>
+              <a:ext cx="1578867" cy="1828804"/>
+            </a:xfrm>
+            <a:prstGeom prst="rect">
+              <a:avLst/>
+            </a:prstGeom>
+          </p:spPr>
+        </p:pic>
+        <p:pic>
+          <p:nvPicPr>
+            <p:cNvPr id="11" name="Picture 10"/>
+            <p:cNvPicPr>
+              <a:picLocks noChangeAspect="1"/>
+            </p:cNvPicPr>
+            <p:nvPr/>
+          </p:nvPicPr>
+          <p:blipFill>
+            <a:blip r:embed="rId4" cstate="print">
+              <a:extLst>
+                <a:ext uri="{28A0092B-C50C-407E-A947-70E740481C1C}">
+                  <a14:useLocalDpi xmlns:a14="http://schemas.microsoft.com/office/drawing/2010/main" val="0"/>
+                </a:ext>
+              </a:extLst>
+            </a:blip>
+            <a:stretch>
+              <a:fillRect/>
+            </a:stretch>
+          </p:blipFill>
+          <p:spPr>
+            <a:xfrm>
+              <a:off x="8610184" y="3326511"/>
+              <a:ext cx="1578867" cy="1828804"/>
+            </a:xfrm>
+            <a:prstGeom prst="rect">
+              <a:avLst/>
+            </a:prstGeom>
+          </p:spPr>
+        </p:pic>
+      </p:grpSp>
+      <p:pic>
+        <p:nvPicPr>
+          <p:cNvPr id="12" name="Picture 11"/>
+          <p:cNvPicPr>
+            <a:picLocks noChangeAspect="1"/>
+          </p:cNvPicPr>
+          <p:nvPr/>
+        </p:nvPicPr>
+        <p:blipFill>
+          <a:blip r:embed="rId5" cstate="print">
+            <a:extLst>
+              <a:ext uri="{28A0092B-C50C-407E-A947-70E740481C1C}">
+                <a14:useLocalDpi xmlns:a14="http://schemas.microsoft.com/office/drawing/2010/main" val="0"/>
+              </a:ext>
+            </a:extLst>
+          </a:blip>
+          <a:stretch>
+            <a:fillRect/>
+          </a:stretch>
+        </p:blipFill>
+        <p:spPr>
+          <a:xfrm>
+            <a:off x="2035110" y="1019593"/>
+            <a:ext cx="1578867" cy="1828804"/>
+          </a:xfrm>
+          <a:prstGeom prst="rect">
+            <a:avLst/>
+          </a:prstGeom>
+        </p:spPr>
+      </p:pic>
+      <p:pic>
+        <p:nvPicPr>
+          <p:cNvPr id="13" name="Picture 12" descr="Hello summer illustration vector. with cute summer icon and ...">
+            <a:extLst>
+              <a:ext uri="{FF2B5EF4-FFF2-40B4-BE49-F238E27FC236}">
+                <a16:creationId xmlns:a16="http://schemas.microsoft.com/office/drawing/2014/main" id="{50B5A1E4-2998-48E4-BC77-79D8790DF13F}"/>
+              </a:ext>
+            </a:extLst>
+          </p:cNvPr>
+          <p:cNvPicPr/>
+          <p:nvPr/>
+        </p:nvPicPr>
+        <p:blipFill>
+          <a:blip r:embed="rId6" cstate="print">
+            <a:clrChange>
+              <a:clrFrom>
+                <a:srgbClr val="FFFFFF"/>
+              </a:clrFrom>
+              <a:clrTo>
+                <a:srgbClr val="FFFFFF">
+                  <a:alpha val="0"/>
+                </a:srgbClr>
+              </a:clrTo>
+            </a:clrChange>
+            <a:extLst>
+              <a:ext uri="{28A0092B-C50C-407E-A947-70E740481C1C}">
+                <a14:useLocalDpi xmlns:a14="http://schemas.microsoft.com/office/drawing/2010/main" val="0"/>
+              </a:ext>
+            </a:extLst>
+          </a:blip>
+          <a:srcRect/>
+          <a:stretch>
+            <a:fillRect/>
+          </a:stretch>
+        </p:blipFill>
+        <p:spPr bwMode="auto">
+          <a:xfrm>
+            <a:off x="1784203" y="4158563"/>
+            <a:ext cx="1578867" cy="1406017"/>
+          </a:xfrm>
+          <a:prstGeom prst="rect">
+            <a:avLst/>
+          </a:prstGeom>
+          <a:noFill/>
+          <a:extLst>
+            <a:ext uri="{909E8E84-426E-40DD-AFC4-6F175D3DCCD1}">
+              <a14:hiddenFill xmlns:a14="http://schemas.microsoft.com/office/drawing/2010/main">
+                <a:solidFill>
+                  <a:srgbClr val="FFFFFF"/>
+                </a:solidFill>
+              </a14:hiddenFill>
+            </a:ext>
+          </a:extLst>
+        </p:spPr>
+      </p:pic>
+      <p:pic>
+        <p:nvPicPr>
+          <p:cNvPr id="1028" name="Picture 4" descr="Calendar, schedule, schedule icon icon">
+            <a:extLst>
+              <a:ext uri="{FF2B5EF4-FFF2-40B4-BE49-F238E27FC236}">
+                <a16:creationId xmlns:a16="http://schemas.microsoft.com/office/drawing/2014/main" id="{C17B732E-BA53-4386-9A3E-FF78AABEEECB}"/>
+              </a:ext>
+            </a:extLst>
+          </p:cNvPr>
+          <p:cNvPicPr>
+            <a:picLocks noChangeAspect="1" noChangeArrowheads="1"/>
+          </p:cNvPicPr>
+          <p:nvPr/>
+        </p:nvPicPr>
+        <p:blipFill>
+          <a:blip r:embed="rId7" cstate="print">
+            <a:extLst>
+              <a:ext uri="{28A0092B-C50C-407E-A947-70E740481C1C}">
+                <a14:useLocalDpi xmlns:a14="http://schemas.microsoft.com/office/drawing/2010/main" val="0"/>
+              </a:ext>
+            </a:extLst>
+          </a:blip>
+          <a:srcRect/>
+          <a:stretch>
+            <a:fillRect/>
+          </a:stretch>
+        </p:blipFill>
+        <p:spPr bwMode="auto">
+          <a:xfrm>
+            <a:off x="1944790" y="4668816"/>
+            <a:ext cx="1257692" cy="1257692"/>
+          </a:xfrm>
+          <a:prstGeom prst="rect">
+            <a:avLst/>
+          </a:prstGeom>
+          <a:noFill/>
+          <a:extLst>
+            <a:ext uri="{909E8E84-426E-40DD-AFC4-6F175D3DCCD1}">
+              <a14:hiddenFill xmlns:a14="http://schemas.microsoft.com/office/drawing/2010/main">
+                <a:solidFill>
+                  <a:srgbClr val="FFFFFF"/>
+                </a:solidFill>
+              </a14:hiddenFill>
+            </a:ext>
+          </a:extLst>
+        </p:spPr>
+      </p:pic>
+      <p:sp>
+        <p:nvSpPr>
+          <p:cNvPr id="5" name="TextBox 4">
+            <a:extLst>
+              <a:ext uri="{FF2B5EF4-FFF2-40B4-BE49-F238E27FC236}">
+                <a16:creationId xmlns:a16="http://schemas.microsoft.com/office/drawing/2014/main" id="{803FD3B0-B62F-442A-AC07-BC6B0D20FF53}"/>
+              </a:ext>
+            </a:extLst>
+          </p:cNvPr>
+          <p:cNvSpPr txBox="1"/>
+          <p:nvPr/>
+        </p:nvSpPr>
+        <p:spPr>
+          <a:xfrm>
+            <a:off x="3021210" y="5278932"/>
+            <a:ext cx="2614836" cy="369332"/>
+          </a:xfrm>
+          <a:prstGeom prst="rect">
+            <a:avLst/>
+          </a:prstGeom>
+          <a:noFill/>
+        </p:spPr>
+        <p:txBody>
+          <a:bodyPr wrap="square" rtlCol="0">
+            <a:spAutoFit/>
+          </a:bodyPr>
+          <a:lstStyle/>
+          <a:p>
+            <a:r>
+              <a:rPr lang="en-US" dirty="0"/>
+              <a:t>Part 1 of 2, Day 2 of 13</a:t>
+            </a:r>
+          </a:p>
+        </p:txBody>
+      </p:sp>
+    </p:spTree>
+    <p:extLst>
+      <p:ext uri="{BB962C8B-B14F-4D97-AF65-F5344CB8AC3E}">
+        <p14:creationId xmlns:p14="http://schemas.microsoft.com/office/powerpoint/2010/main" val="121509918"/>
       </p:ext>
     </p:extLst>
   </p:cSld>

--- a/static/img/youtube_thumbnails/video_thumbnail_building.pptx
+++ b/static/img/youtube_thumbnails/video_thumbnail_building.pptx
@@ -5,47 +5,48 @@
     <p:sldMasterId id="2147483648" r:id="rId1"/>
   </p:sldMasterIdLst>
   <p:sldIdLst>
-    <p:sldId id="296" r:id="rId2"/>
-    <p:sldId id="295" r:id="rId3"/>
-    <p:sldId id="294" r:id="rId4"/>
-    <p:sldId id="293" r:id="rId5"/>
-    <p:sldId id="292" r:id="rId6"/>
-    <p:sldId id="291" r:id="rId7"/>
-    <p:sldId id="290" r:id="rId8"/>
-    <p:sldId id="289" r:id="rId9"/>
-    <p:sldId id="288" r:id="rId10"/>
-    <p:sldId id="287" r:id="rId11"/>
-    <p:sldId id="286" r:id="rId12"/>
-    <p:sldId id="285" r:id="rId13"/>
-    <p:sldId id="284" r:id="rId14"/>
-    <p:sldId id="283" r:id="rId15"/>
-    <p:sldId id="282" r:id="rId16"/>
-    <p:sldId id="281" r:id="rId17"/>
-    <p:sldId id="280" r:id="rId18"/>
-    <p:sldId id="279" r:id="rId19"/>
-    <p:sldId id="278" r:id="rId20"/>
-    <p:sldId id="277" r:id="rId21"/>
-    <p:sldId id="276" r:id="rId22"/>
-    <p:sldId id="275" r:id="rId23"/>
-    <p:sldId id="273" r:id="rId24"/>
-    <p:sldId id="274" r:id="rId25"/>
-    <p:sldId id="272" r:id="rId26"/>
-    <p:sldId id="271" r:id="rId27"/>
-    <p:sldId id="270" r:id="rId28"/>
-    <p:sldId id="259" r:id="rId29"/>
-    <p:sldId id="261" r:id="rId30"/>
-    <p:sldId id="260" r:id="rId31"/>
-    <p:sldId id="269" r:id="rId32"/>
-    <p:sldId id="268" r:id="rId33"/>
-    <p:sldId id="267" r:id="rId34"/>
-    <p:sldId id="266" r:id="rId35"/>
-    <p:sldId id="265" r:id="rId36"/>
-    <p:sldId id="264" r:id="rId37"/>
-    <p:sldId id="263" r:id="rId38"/>
-    <p:sldId id="262" r:id="rId39"/>
-    <p:sldId id="257" r:id="rId40"/>
-    <p:sldId id="256" r:id="rId41"/>
-    <p:sldId id="258" r:id="rId42"/>
+    <p:sldId id="297" r:id="rId2"/>
+    <p:sldId id="296" r:id="rId3"/>
+    <p:sldId id="295" r:id="rId4"/>
+    <p:sldId id="294" r:id="rId5"/>
+    <p:sldId id="293" r:id="rId6"/>
+    <p:sldId id="292" r:id="rId7"/>
+    <p:sldId id="291" r:id="rId8"/>
+    <p:sldId id="290" r:id="rId9"/>
+    <p:sldId id="289" r:id="rId10"/>
+    <p:sldId id="288" r:id="rId11"/>
+    <p:sldId id="287" r:id="rId12"/>
+    <p:sldId id="286" r:id="rId13"/>
+    <p:sldId id="285" r:id="rId14"/>
+    <p:sldId id="284" r:id="rId15"/>
+    <p:sldId id="283" r:id="rId16"/>
+    <p:sldId id="282" r:id="rId17"/>
+    <p:sldId id="281" r:id="rId18"/>
+    <p:sldId id="280" r:id="rId19"/>
+    <p:sldId id="279" r:id="rId20"/>
+    <p:sldId id="278" r:id="rId21"/>
+    <p:sldId id="277" r:id="rId22"/>
+    <p:sldId id="276" r:id="rId23"/>
+    <p:sldId id="275" r:id="rId24"/>
+    <p:sldId id="273" r:id="rId25"/>
+    <p:sldId id="274" r:id="rId26"/>
+    <p:sldId id="272" r:id="rId27"/>
+    <p:sldId id="271" r:id="rId28"/>
+    <p:sldId id="270" r:id="rId29"/>
+    <p:sldId id="259" r:id="rId30"/>
+    <p:sldId id="261" r:id="rId31"/>
+    <p:sldId id="260" r:id="rId32"/>
+    <p:sldId id="269" r:id="rId33"/>
+    <p:sldId id="268" r:id="rId34"/>
+    <p:sldId id="267" r:id="rId35"/>
+    <p:sldId id="266" r:id="rId36"/>
+    <p:sldId id="265" r:id="rId37"/>
+    <p:sldId id="264" r:id="rId38"/>
+    <p:sldId id="263" r:id="rId39"/>
+    <p:sldId id="262" r:id="rId40"/>
+    <p:sldId id="257" r:id="rId41"/>
+    <p:sldId id="256" r:id="rId42"/>
+    <p:sldId id="258" r:id="rId43"/>
   </p:sldIdLst>
   <p:sldSz cx="12192000" cy="6858000"/>
   <p:notesSz cx="6858000" cy="9144000"/>
@@ -281,7 +282,7 @@
           <a:p>
             <a:fld id="{3C68F153-927F-4ADA-A90F-AFD816292B90}" type="datetimeFigureOut">
               <a:rPr lang="en-US" smtClean="0"/>
-              <a:t>5/13/2020</a:t>
+              <a:t>5/18/2020</a:t>
             </a:fld>
             <a:endParaRPr lang="en-US"/>
           </a:p>
@@ -449,7 +450,7 @@
           <a:p>
             <a:fld id="{3C68F153-927F-4ADA-A90F-AFD816292B90}" type="datetimeFigureOut">
               <a:rPr lang="en-US" smtClean="0"/>
-              <a:t>5/13/2020</a:t>
+              <a:t>5/18/2020</a:t>
             </a:fld>
             <a:endParaRPr lang="en-US"/>
           </a:p>
@@ -627,7 +628,7 @@
           <a:p>
             <a:fld id="{3C68F153-927F-4ADA-A90F-AFD816292B90}" type="datetimeFigureOut">
               <a:rPr lang="en-US" smtClean="0"/>
-              <a:t>5/13/2020</a:t>
+              <a:t>5/18/2020</a:t>
             </a:fld>
             <a:endParaRPr lang="en-US"/>
           </a:p>
@@ -795,7 +796,7 @@
           <a:p>
             <a:fld id="{3C68F153-927F-4ADA-A90F-AFD816292B90}" type="datetimeFigureOut">
               <a:rPr lang="en-US" smtClean="0"/>
-              <a:t>5/13/2020</a:t>
+              <a:t>5/18/2020</a:t>
             </a:fld>
             <a:endParaRPr lang="en-US"/>
           </a:p>
@@ -1040,7 +1041,7 @@
           <a:p>
             <a:fld id="{3C68F153-927F-4ADA-A90F-AFD816292B90}" type="datetimeFigureOut">
               <a:rPr lang="en-US" smtClean="0"/>
-              <a:t>5/13/2020</a:t>
+              <a:t>5/18/2020</a:t>
             </a:fld>
             <a:endParaRPr lang="en-US"/>
           </a:p>
@@ -1269,7 +1270,7 @@
           <a:p>
             <a:fld id="{3C68F153-927F-4ADA-A90F-AFD816292B90}" type="datetimeFigureOut">
               <a:rPr lang="en-US" smtClean="0"/>
-              <a:t>5/13/2020</a:t>
+              <a:t>5/18/2020</a:t>
             </a:fld>
             <a:endParaRPr lang="en-US"/>
           </a:p>
@@ -1633,7 +1634,7 @@
           <a:p>
             <a:fld id="{3C68F153-927F-4ADA-A90F-AFD816292B90}" type="datetimeFigureOut">
               <a:rPr lang="en-US" smtClean="0"/>
-              <a:t>5/13/2020</a:t>
+              <a:t>5/18/2020</a:t>
             </a:fld>
             <a:endParaRPr lang="en-US"/>
           </a:p>
@@ -1750,7 +1751,7 @@
           <a:p>
             <a:fld id="{3C68F153-927F-4ADA-A90F-AFD816292B90}" type="datetimeFigureOut">
               <a:rPr lang="en-US" smtClean="0"/>
-              <a:t>5/13/2020</a:t>
+              <a:t>5/18/2020</a:t>
             </a:fld>
             <a:endParaRPr lang="en-US"/>
           </a:p>
@@ -1845,7 +1846,7 @@
           <a:p>
             <a:fld id="{3C68F153-927F-4ADA-A90F-AFD816292B90}" type="datetimeFigureOut">
               <a:rPr lang="en-US" smtClean="0"/>
-              <a:t>5/13/2020</a:t>
+              <a:t>5/18/2020</a:t>
             </a:fld>
             <a:endParaRPr lang="en-US"/>
           </a:p>
@@ -2120,7 +2121,7 @@
           <a:p>
             <a:fld id="{3C68F153-927F-4ADA-A90F-AFD816292B90}" type="datetimeFigureOut">
               <a:rPr lang="en-US" smtClean="0"/>
-              <a:t>5/13/2020</a:t>
+              <a:t>5/18/2020</a:t>
             </a:fld>
             <a:endParaRPr lang="en-US"/>
           </a:p>
@@ -2372,7 +2373,7 @@
           <a:p>
             <a:fld id="{3C68F153-927F-4ADA-A90F-AFD816292B90}" type="datetimeFigureOut">
               <a:rPr lang="en-US" smtClean="0"/>
-              <a:t>5/13/2020</a:t>
+              <a:t>5/18/2020</a:t>
             </a:fld>
             <a:endParaRPr lang="en-US"/>
           </a:p>
@@ -2583,7 +2584,7 @@
           <a:p>
             <a:fld id="{3C68F153-927F-4ADA-A90F-AFD816292B90}" type="datetimeFigureOut">
               <a:rPr lang="en-US" smtClean="0"/>
-              <a:t>5/13/2020</a:t>
+              <a:t>5/18/2020</a:t>
             </a:fld>
             <a:endParaRPr lang="en-US"/>
           </a:p>
@@ -3092,7 +3093,7 @@
             </a:r>
             <a:r>
               <a:rPr lang="en-US" dirty="0" smtClean="0"/>
-              <a:t>13, </a:t>
+              <a:t>18, </a:t>
             </a:r>
             <a:r>
               <a:rPr lang="en-US" dirty="0"/>
@@ -3109,8 +3110,8 @@
         </p:nvSpPr>
         <p:spPr>
           <a:xfrm>
-            <a:off x="3506996" y="2465382"/>
-            <a:ext cx="5005769" cy="1200329"/>
+            <a:off x="2904156" y="2339397"/>
+            <a:ext cx="5005769" cy="2031325"/>
           </a:xfrm>
           <a:prstGeom prst="rect">
             <a:avLst/>
@@ -3129,24 +3130,49 @@
               <a:t>Chapter </a:t>
             </a:r>
             <a:r>
-              <a:rPr lang="en-US" dirty="0"/>
-              <a:t>5</a:t>
+              <a:rPr lang="en-US" dirty="0" smtClean="0"/>
+              <a:t>7</a:t>
             </a:r>
             <a:endParaRPr lang="en-US" dirty="0"/>
           </a:p>
           <a:p>
             <a:pPr algn="ctr"/>
             <a:r>
+              <a:rPr lang="en-US" b="1" u="sng" dirty="0"/>
+              <a:t>Independent Samples t-Test for </a:t>
+            </a:r>
+            <a:r>
               <a:rPr lang="en-US" b="1" u="sng" dirty="0" smtClean="0"/>
-              <a:t>Intro to Hypothesis Testing</a:t>
-            </a:r>
-          </a:p>
-          <a:p>
-            <a:pPr algn="ctr"/>
+              <a:t>Means</a:t>
+            </a:r>
+          </a:p>
+          <a:p>
+            <a:pPr algn="ctr"/>
+            <a:r>
+              <a:rPr lang="en-US" i="1" dirty="0" err="1" smtClean="0"/>
+              <a:t>Levene’s</a:t>
+            </a:r>
             <a:r>
               <a:rPr lang="en-US" i="1" dirty="0" smtClean="0"/>
-              <a:t>1-sample z-Test for a Mean</a:t>
-            </a:r>
+              <a:t> Test of HOV</a:t>
+            </a:r>
+          </a:p>
+          <a:p>
+            <a:pPr algn="ctr"/>
+            <a:r>
+              <a:rPr lang="en-US" i="1" dirty="0" smtClean="0"/>
+              <a:t>Standard Pooled Variance version</a:t>
+            </a:r>
+          </a:p>
+          <a:p>
+            <a:pPr algn="ctr"/>
+            <a:r>
+              <a:rPr lang="en-US" i="1" dirty="0" smtClean="0"/>
+              <a:t>Welch’s Separate Variance version </a:t>
+            </a:r>
+          </a:p>
+          <a:p>
+            <a:pPr algn="ctr"/>
             <a:endParaRPr lang="en-US" i="1" dirty="0" smtClean="0"/>
           </a:p>
           <a:p>
@@ -3426,7 +3452,7 @@
             </a:r>
             <a:r>
               <a:rPr lang="en-US" dirty="0" smtClean="0"/>
-              <a:t>4 </a:t>
+              <a:t>5 </a:t>
             </a:r>
             <a:r>
               <a:rPr lang="en-US" dirty="0"/>
@@ -3443,8 +3469,8 @@
         </p:nvSpPr>
         <p:spPr>
           <a:xfrm>
-            <a:off x="2035110" y="3429000"/>
-            <a:ext cx="5005769" cy="923330"/>
+            <a:off x="2725675" y="4199203"/>
+            <a:ext cx="5005769" cy="1200329"/>
           </a:xfrm>
           <a:prstGeom prst="rect">
             <a:avLst/>
@@ -3463,8 +3489,8 @@
               <a:t>Chapter </a:t>
             </a:r>
             <a:r>
-              <a:rPr lang="en-US" dirty="0" smtClean="0"/>
-              <a:t>6</a:t>
+              <a:rPr lang="en-US" dirty="0"/>
+              <a:t>8</a:t>
             </a:r>
             <a:endParaRPr lang="en-US" dirty="0"/>
           </a:p>
@@ -3472,14 +3498,22 @@
             <a:pPr algn="ctr"/>
             <a:r>
               <a:rPr lang="en-US" b="1" u="sng" dirty="0" smtClean="0"/>
-              <a:t>Confidence Interval Estimation</a:t>
-            </a:r>
+              <a:t>Statistical Power &amp; Effect Size</a:t>
+            </a:r>
+            <a:endParaRPr lang="en-US" b="1" u="sng" dirty="0" smtClean="0"/>
           </a:p>
           <a:p>
             <a:pPr algn="ctr"/>
             <a:r>
               <a:rPr lang="en-US" i="1" dirty="0" smtClean="0"/>
-              <a:t>1-sample t-Test for a Mean</a:t>
+              <a:t>Cohen’s d &amp; g</a:t>
+            </a:r>
+          </a:p>
+          <a:p>
+            <a:pPr algn="ctr"/>
+            <a:r>
+              <a:rPr lang="en-US" i="1" dirty="0" smtClean="0"/>
+              <a:t>G*Power software</a:t>
             </a:r>
             <a:endParaRPr lang="en-US" i="1" dirty="0" smtClean="0"/>
           </a:p>
@@ -3488,7 +3522,7 @@
     </p:spTree>
     <p:extLst>
       <p:ext uri="{BB962C8B-B14F-4D97-AF65-F5344CB8AC3E}">
-        <p14:creationId xmlns:p14="http://schemas.microsoft.com/office/powerpoint/2010/main" val="1965765169"/>
+        <p14:creationId xmlns:p14="http://schemas.microsoft.com/office/powerpoint/2010/main" val="1178293772"/>
       </p:ext>
     </p:extLst>
   </p:cSld>
@@ -3615,7 +3649,7 @@
             <a:pPr algn="ctr"/>
             <a:r>
               <a:rPr lang="en-US" dirty="0"/>
-              <a:t>May 4, 2020</a:t>
+              <a:t>May 6, 2020</a:t>
             </a:r>
           </a:p>
         </p:txBody>
@@ -3629,7 +3663,7 @@
         <p:spPr>
           <a:xfrm>
             <a:off x="2365000" y="2644649"/>
-            <a:ext cx="5005769" cy="1754326"/>
+            <a:ext cx="5005769" cy="2031325"/>
           </a:xfrm>
           <a:prstGeom prst="rect">
             <a:avLst/>
@@ -3645,48 +3679,50 @@
             <a:pPr algn="ctr"/>
             <a:r>
               <a:rPr lang="en-US" dirty="0"/>
-              <a:t>Chapter 0</a:t>
+              <a:t>Chapter 1</a:t>
             </a:r>
           </a:p>
           <a:p>
             <a:pPr algn="ctr"/>
             <a:r>
               <a:rPr lang="en-US" b="1" u="sng" dirty="0"/>
-              <a:t>Getting Started</a:t>
+              <a:t>Basic Vocabulary and Skills</a:t>
             </a:r>
           </a:p>
           <a:p>
             <a:pPr algn="ctr"/>
             <a:r>
               <a:rPr lang="en-US" i="1" dirty="0"/>
-              <a:t>Syllabus &amp; Grade Components</a:t>
+              <a:t>Scales of Measure</a:t>
             </a:r>
           </a:p>
           <a:p>
             <a:pPr algn="ctr"/>
             <a:r>
               <a:rPr lang="en-US" i="1" dirty="0"/>
-              <a:t>Cohen’s Textbook &amp; Ihno’s Dataset</a:t>
+              <a:t>Type of Variable</a:t>
             </a:r>
           </a:p>
           <a:p>
             <a:pPr algn="ctr"/>
             <a:r>
               <a:rPr lang="en-US" i="1" dirty="0"/>
-              <a:t>APA Style relating to stats</a:t>
+              <a:t>Study Design</a:t>
             </a:r>
           </a:p>
           <a:p>
             <a:pPr algn="ctr"/>
             <a:r>
               <a:rPr lang="en-US" i="1" dirty="0"/>
-              <a:t>Software Installation: R, R Studio, &amp; </a:t>
-            </a:r>
-            <a:r>
-              <a:rPr lang="en-US" i="1" dirty="0" err="1"/>
-              <a:t>Tex</a:t>
-            </a:r>
-            <a:endParaRPr lang="en-US" i="1" dirty="0"/>
+              <a:t>Rounding Numbers</a:t>
+            </a:r>
+          </a:p>
+          <a:p>
+            <a:pPr algn="ctr"/>
+            <a:r>
+              <a:rPr lang="en-US" i="1" dirty="0"/>
+              <a:t>Summation Notation</a:t>
+            </a:r>
           </a:p>
         </p:txBody>
       </p:sp>
@@ -3942,7 +3978,7 @@
         <p:spPr>
           <a:xfrm>
             <a:off x="3021210" y="5278932"/>
-            <a:ext cx="2243137" cy="369332"/>
+            <a:ext cx="2614836" cy="369332"/>
           </a:xfrm>
           <a:prstGeom prst="rect">
             <a:avLst/>
@@ -3957,7 +3993,7 @@
           <a:p>
             <a:r>
               <a:rPr lang="en-US" dirty="0"/>
-              <a:t>Day 1 of 13</a:t>
+              <a:t>Part 1 of 2, Day 2 of 13</a:t>
             </a:r>
           </a:p>
         </p:txBody>
@@ -3965,7 +4001,7 @@
     </p:spTree>
     <p:extLst>
       <p:ext uri="{BB962C8B-B14F-4D97-AF65-F5344CB8AC3E}">
-        <p14:creationId xmlns:p14="http://schemas.microsoft.com/office/powerpoint/2010/main" val="775600964"/>
+        <p14:creationId xmlns:p14="http://schemas.microsoft.com/office/powerpoint/2010/main" val="121509918"/>
       </p:ext>
     </p:extLst>
   </p:cSld>
@@ -4000,7 +4036,7 @@
         </p:nvSpPr>
         <p:spPr>
           <a:xfrm>
-            <a:off x="1853580" y="824230"/>
+            <a:off x="1706880" y="923544"/>
             <a:ext cx="8778240" cy="5010912"/>
           </a:xfrm>
           <a:prstGeom prst="rect">
@@ -4046,8 +4082,8 @@
         </p:nvSpPr>
         <p:spPr>
           <a:xfrm>
-            <a:off x="3838696" y="1056832"/>
-            <a:ext cx="5712369" cy="1754326"/>
+            <a:off x="3840385" y="1213849"/>
+            <a:ext cx="5712369" cy="923330"/>
           </a:xfrm>
           <a:prstGeom prst="rect">
             <a:avLst/>
@@ -4062,13 +4098,7 @@
           <a:p>
             <a:r>
               <a:rPr lang="en-US" sz="5400" dirty="0"/>
-              <a:t>Virtual </a:t>
-            </a:r>
-          </a:p>
-          <a:p>
-            <a:r>
-              <a:rPr lang="en-US" sz="5400" dirty="0"/>
-              <a:t>Office Hours</a:t>
+              <a:t>INCLASS LECTURES</a:t>
             </a:r>
           </a:p>
         </p:txBody>
@@ -4098,8 +4128,78 @@
             <a:pPr algn="ctr"/>
             <a:r>
               <a:rPr lang="en-US" dirty="0"/>
-              <a:t>April 23, 2020</a:t>
-            </a:r>
+              <a:t>May 4, 2020</a:t>
+            </a:r>
+          </a:p>
+        </p:txBody>
+      </p:sp>
+      <p:sp>
+        <p:nvSpPr>
+          <p:cNvPr id="9" name="TextBox 8"/>
+          <p:cNvSpPr txBox="1"/>
+          <p:nvPr/>
+        </p:nvSpPr>
+        <p:spPr>
+          <a:xfrm>
+            <a:off x="2365000" y="2644649"/>
+            <a:ext cx="5005769" cy="1754326"/>
+          </a:xfrm>
+          <a:prstGeom prst="rect">
+            <a:avLst/>
+          </a:prstGeom>
+          <a:noFill/>
+        </p:spPr>
+        <p:txBody>
+          <a:bodyPr wrap="square" rtlCol="0">
+            <a:spAutoFit/>
+          </a:bodyPr>
+          <a:lstStyle/>
+          <a:p>
+            <a:pPr algn="ctr"/>
+            <a:r>
+              <a:rPr lang="en-US" dirty="0"/>
+              <a:t>Chapter 0</a:t>
+            </a:r>
+          </a:p>
+          <a:p>
+            <a:pPr algn="ctr"/>
+            <a:r>
+              <a:rPr lang="en-US" b="1" u="sng" dirty="0"/>
+              <a:t>Getting Started</a:t>
+            </a:r>
+          </a:p>
+          <a:p>
+            <a:pPr algn="ctr"/>
+            <a:r>
+              <a:rPr lang="en-US" i="1" dirty="0"/>
+              <a:t>Syllabus &amp; Grade Components</a:t>
+            </a:r>
+          </a:p>
+          <a:p>
+            <a:pPr algn="ctr"/>
+            <a:r>
+              <a:rPr lang="en-US" i="1" dirty="0"/>
+              <a:t>Cohen’s Textbook &amp; Ihno’s Dataset</a:t>
+            </a:r>
+          </a:p>
+          <a:p>
+            <a:pPr algn="ctr"/>
+            <a:r>
+              <a:rPr lang="en-US" i="1" dirty="0"/>
+              <a:t>APA Style relating to stats</a:t>
+            </a:r>
+          </a:p>
+          <a:p>
+            <a:pPr algn="ctr"/>
+            <a:r>
+              <a:rPr lang="en-US" i="1" dirty="0"/>
+              <a:t>Software Installation: R, R Studio, &amp; </a:t>
+            </a:r>
+            <a:r>
+              <a:rPr lang="en-US" i="1" dirty="0" err="1"/>
+              <a:t>Tex</a:t>
+            </a:r>
+            <a:endParaRPr lang="en-US" i="1" dirty="0"/>
           </a:p>
         </p:txBody>
       </p:sp>
@@ -4240,38 +4340,122 @@
       </p:pic>
       <p:pic>
         <p:nvPicPr>
-          <p:cNvPr id="5" name="Picture 4"/>
-          <p:cNvPicPr>
-            <a:picLocks noChangeAspect="1"/>
-          </p:cNvPicPr>
+          <p:cNvPr id="13" name="Picture 12" descr="Hello summer illustration vector. with cute summer icon and ...">
+            <a:extLst>
+              <a:ext uri="{FF2B5EF4-FFF2-40B4-BE49-F238E27FC236}">
+                <a16:creationId xmlns:a16="http://schemas.microsoft.com/office/drawing/2014/main" id="{50B5A1E4-2998-48E4-BC77-79D8790DF13F}"/>
+              </a:ext>
+            </a:extLst>
+          </p:cNvPr>
+          <p:cNvPicPr/>
           <p:nvPr/>
         </p:nvPicPr>
         <p:blipFill>
-          <a:blip r:embed="rId6"/>
+          <a:blip r:embed="rId6" cstate="print">
+            <a:clrChange>
+              <a:clrFrom>
+                <a:srgbClr val="FFFFFF"/>
+              </a:clrFrom>
+              <a:clrTo>
+                <a:srgbClr val="FFFFFF">
+                  <a:alpha val="0"/>
+                </a:srgbClr>
+              </a:clrTo>
+            </a:clrChange>
+            <a:extLst>
+              <a:ext uri="{28A0092B-C50C-407E-A947-70E740481C1C}">
+                <a14:useLocalDpi xmlns:a14="http://schemas.microsoft.com/office/drawing/2010/main" val="0"/>
+              </a:ext>
+            </a:extLst>
+          </a:blip>
+          <a:srcRect/>
           <a:stretch>
             <a:fillRect/>
           </a:stretch>
         </p:blipFill>
-        <p:spPr>
-          <a:xfrm>
-            <a:off x="1985351" y="4872564"/>
-            <a:ext cx="1853345" cy="853514"/>
-          </a:xfrm>
-          <a:prstGeom prst="rect">
-            <a:avLst/>
-          </a:prstGeom>
+        <p:spPr bwMode="auto">
+          <a:xfrm>
+            <a:off x="1784203" y="4158563"/>
+            <a:ext cx="1578867" cy="1406017"/>
+          </a:xfrm>
+          <a:prstGeom prst="rect">
+            <a:avLst/>
+          </a:prstGeom>
+          <a:noFill/>
+          <a:extLst>
+            <a:ext uri="{909E8E84-426E-40DD-AFC4-6F175D3DCCD1}">
+              <a14:hiddenFill xmlns:a14="http://schemas.microsoft.com/office/drawing/2010/main">
+                <a:solidFill>
+                  <a:srgbClr val="FFFFFF"/>
+                </a:solidFill>
+              </a14:hiddenFill>
+            </a:ext>
+          </a:extLst>
         </p:spPr>
       </p:pic>
-      <p:sp>
-        <p:nvSpPr>
-          <p:cNvPr id="17" name="TextBox 16"/>
+      <p:pic>
+        <p:nvPicPr>
+          <p:cNvPr id="1028" name="Picture 4" descr="Calendar, schedule, schedule icon icon">
+            <a:extLst>
+              <a:ext uri="{FF2B5EF4-FFF2-40B4-BE49-F238E27FC236}">
+                <a16:creationId xmlns:a16="http://schemas.microsoft.com/office/drawing/2014/main" id="{C17B732E-BA53-4386-9A3E-FF78AABEEECB}"/>
+              </a:ext>
+            </a:extLst>
+          </p:cNvPr>
+          <p:cNvPicPr>
+            <a:picLocks noChangeAspect="1" noChangeArrowheads="1"/>
+          </p:cNvPicPr>
+          <p:nvPr/>
+        </p:nvPicPr>
+        <p:blipFill>
+          <a:blip r:embed="rId7" cstate="print">
+            <a:extLst>
+              <a:ext uri="{28A0092B-C50C-407E-A947-70E740481C1C}">
+                <a14:useLocalDpi xmlns:a14="http://schemas.microsoft.com/office/drawing/2010/main" val="0"/>
+              </a:ext>
+            </a:extLst>
+          </a:blip>
+          <a:srcRect/>
+          <a:stretch>
+            <a:fillRect/>
+          </a:stretch>
+        </p:blipFill>
+        <p:spPr bwMode="auto">
+          <a:xfrm>
+            <a:off x="1944790" y="4668816"/>
+            <a:ext cx="1257692" cy="1257692"/>
+          </a:xfrm>
+          <a:prstGeom prst="rect">
+            <a:avLst/>
+          </a:prstGeom>
+          <a:noFill/>
+          <a:extLst>
+            <a:ext uri="{909E8E84-426E-40DD-AFC4-6F175D3DCCD1}">
+              <a14:hiddenFill xmlns:a14="http://schemas.microsoft.com/office/drawing/2010/main">
+                <a:solidFill>
+                  <a:srgbClr val="FFFFFF"/>
+                </a:solidFill>
+              </a14:hiddenFill>
+            </a:ext>
+          </a:extLst>
+        </p:spPr>
+      </p:pic>
+      <p:sp>
+        <p:nvSpPr>
+          <p:cNvPr id="5" name="TextBox 4">
+            <a:extLst>
+              <a:ext uri="{FF2B5EF4-FFF2-40B4-BE49-F238E27FC236}">
+                <a16:creationId xmlns:a16="http://schemas.microsoft.com/office/drawing/2014/main" id="{803FD3B0-B62F-442A-AC07-BC6B0D20FF53}"/>
+              </a:ext>
+            </a:extLst>
+          </p:cNvPr>
           <p:cNvSpPr txBox="1"/>
           <p:nvPr/>
         </p:nvSpPr>
         <p:spPr>
           <a:xfrm>
-            <a:off x="1846096" y="2821964"/>
-            <a:ext cx="5943438" cy="1200329"/>
+            <a:off x="3021210" y="5278932"/>
+            <a:ext cx="2243137" cy="369332"/>
           </a:xfrm>
           <a:prstGeom prst="rect">
             <a:avLst/>
@@ -4284,106 +4468,17 @@
           </a:bodyPr>
           <a:lstStyle/>
           <a:p>
-            <a:pPr algn="ctr"/>
             <a:r>
               <a:rPr lang="en-US" dirty="0"/>
-              <a:t>HW 19</a:t>
-            </a:r>
-          </a:p>
-          <a:p>
-            <a:pPr algn="ctr"/>
-            <a:r>
-              <a:rPr lang="en-US" b="1" u="sng" dirty="0"/>
-              <a:t>Binomial Distribution, Normal Approximation, &amp; Sign Test</a:t>
-            </a:r>
-          </a:p>
-          <a:p>
-            <a:pPr algn="ctr"/>
-            <a:r>
-              <a:rPr lang="en-US" dirty="0"/>
-              <a:t>Entering small p-values into HW</a:t>
-            </a:r>
-          </a:p>
-          <a:p>
-            <a:pPr algn="ctr"/>
-            <a:endParaRPr lang="en-US" dirty="0"/>
-          </a:p>
-        </p:txBody>
-      </p:sp>
-      <p:sp>
-        <p:nvSpPr>
-          <p:cNvPr id="13" name="TextBox 12"/>
-          <p:cNvSpPr txBox="1"/>
-          <p:nvPr/>
-        </p:nvSpPr>
-        <p:spPr>
-          <a:xfrm>
-            <a:off x="2664327" y="4025523"/>
-            <a:ext cx="5943438" cy="1754326"/>
-          </a:xfrm>
-          <a:prstGeom prst="rect">
-            <a:avLst/>
-          </a:prstGeom>
-          <a:noFill/>
-        </p:spPr>
-        <p:txBody>
-          <a:bodyPr wrap="square" rtlCol="0">
-            <a:spAutoFit/>
-          </a:bodyPr>
-          <a:lstStyle/>
-          <a:p>
-            <a:pPr algn="ctr"/>
-            <a:r>
-              <a:rPr lang="en-US" dirty="0"/>
-              <a:t>HW 20</a:t>
-            </a:r>
-          </a:p>
-          <a:p>
-            <a:pPr algn="ctr"/>
-            <a:r>
-              <a:rPr lang="en-US" b="1" u="sng" dirty="0"/>
-              <a:t>Chi Squared Tests</a:t>
-            </a:r>
-          </a:p>
-          <a:p>
-            <a:pPr algn="ctr"/>
-            <a:r>
-              <a:rPr lang="en-US" dirty="0"/>
-              <a:t>1-way Goodness of Fit</a:t>
-            </a:r>
-          </a:p>
-          <a:p>
-            <a:pPr algn="ctr"/>
-            <a:r>
-              <a:rPr lang="en-US" dirty="0"/>
-              <a:t>1-way Test of Independence</a:t>
-            </a:r>
-          </a:p>
-          <a:p>
-            <a:pPr algn="ctr"/>
-            <a:r>
-              <a:rPr lang="en-US" dirty="0"/>
-              <a:t>Cramer’s V (</a:t>
-            </a:r>
-            <a:r>
-              <a:rPr lang="en-US" dirty="0" err="1"/>
-              <a:t>effectsize</a:t>
-            </a:r>
-            <a:r>
-              <a:rPr lang="en-US" dirty="0"/>
-              <a:t> package)</a:t>
-            </a:r>
-          </a:p>
-          <a:p>
-            <a:pPr algn="ctr"/>
-            <a:endParaRPr lang="en-US" dirty="0"/>
+              <a:t>Day 1 of 13</a:t>
+            </a:r>
           </a:p>
         </p:txBody>
       </p:sp>
     </p:spTree>
     <p:extLst>
       <p:ext uri="{BB962C8B-B14F-4D97-AF65-F5344CB8AC3E}">
-        <p14:creationId xmlns:p14="http://schemas.microsoft.com/office/powerpoint/2010/main" val="593568448"/>
+        <p14:creationId xmlns:p14="http://schemas.microsoft.com/office/powerpoint/2010/main" val="775600964"/>
       </p:ext>
     </p:extLst>
   </p:cSld>
@@ -4418,7 +4513,7 @@
         </p:nvSpPr>
         <p:spPr>
           <a:xfrm>
-            <a:off x="1808702" y="824230"/>
+            <a:off x="1853580" y="824230"/>
             <a:ext cx="8778240" cy="5010912"/>
           </a:xfrm>
           <a:prstGeom prst="rect">
@@ -4464,7 +4559,7 @@
         </p:nvSpPr>
         <p:spPr>
           <a:xfrm>
-            <a:off x="4184694" y="1065121"/>
+            <a:off x="3838696" y="1056832"/>
             <a:ext cx="5712369" cy="1754326"/>
           </a:xfrm>
           <a:prstGeom prst="rect">
@@ -4480,7 +4575,13 @@
           <a:p>
             <a:r>
               <a:rPr lang="en-US" sz="5400" dirty="0"/>
-              <a:t>OUT-OF-CLASS LECTURES</a:t>
+              <a:t>Virtual </a:t>
+            </a:r>
+          </a:p>
+          <a:p>
+            <a:r>
+              <a:rPr lang="en-US" sz="5400" dirty="0"/>
+              <a:t>Office Hours</a:t>
             </a:r>
           </a:p>
         </p:txBody>
@@ -4510,59 +4611,7 @@
             <a:pPr algn="ctr"/>
             <a:r>
               <a:rPr lang="en-US" dirty="0"/>
-              <a:t>April 20, 2020</a:t>
-            </a:r>
-          </a:p>
-        </p:txBody>
-      </p:sp>
-      <p:sp>
-        <p:nvSpPr>
-          <p:cNvPr id="9" name="TextBox 8"/>
-          <p:cNvSpPr txBox="1"/>
-          <p:nvPr/>
-        </p:nvSpPr>
-        <p:spPr>
-          <a:xfrm>
-            <a:off x="1946627" y="3432914"/>
-            <a:ext cx="5005769" cy="923330"/>
-          </a:xfrm>
-          <a:prstGeom prst="rect">
-            <a:avLst/>
-          </a:prstGeom>
-          <a:noFill/>
-        </p:spPr>
-        <p:txBody>
-          <a:bodyPr wrap="square" rtlCol="0">
-            <a:spAutoFit/>
-          </a:bodyPr>
-          <a:lstStyle/>
-          <a:p>
-            <a:pPr algn="ctr"/>
-            <a:r>
-              <a:rPr lang="en-US" dirty="0"/>
-              <a:t>Chapter 16</a:t>
-            </a:r>
-          </a:p>
-          <a:p>
-            <a:pPr algn="ctr"/>
-            <a:r>
-              <a:rPr lang="en-US" b="1" u="sng" dirty="0"/>
-              <a:t>Mixed </a:t>
-            </a:r>
-            <a:r>
-              <a:rPr lang="en-US" b="1" u="sng" dirty="0" err="1"/>
-              <a:t>Deisgn</a:t>
-            </a:r>
-            <a:r>
-              <a:rPr lang="en-US" b="1" u="sng" dirty="0"/>
-              <a:t> ANOVA</a:t>
-            </a:r>
-          </a:p>
-          <a:p>
-            <a:pPr algn="ctr"/>
-            <a:r>
-              <a:rPr lang="en-US" i="1" dirty="0"/>
-              <a:t>Very short lecture</a:t>
+              <a:t>April 23, 2020</a:t>
             </a:r>
           </a:p>
         </p:txBody>
@@ -4704,55 +4753,38 @@
       </p:pic>
       <p:pic>
         <p:nvPicPr>
-          <p:cNvPr id="1026" name="Picture 2" descr="Image result for virus"/>
+          <p:cNvPr id="5" name="Picture 4"/>
           <p:cNvPicPr>
-            <a:picLocks noChangeAspect="1" noChangeArrowheads="1"/>
+            <a:picLocks noChangeAspect="1"/>
           </p:cNvPicPr>
           <p:nvPr/>
         </p:nvPicPr>
         <p:blipFill>
-          <a:blip r:embed="rId6" cstate="print">
-            <a:extLst>
-              <a:ext uri="{28A0092B-C50C-407E-A947-70E740481C1C}">
-                <a14:useLocalDpi xmlns:a14="http://schemas.microsoft.com/office/drawing/2010/main" val="0"/>
-              </a:ext>
-            </a:extLst>
-          </a:blip>
-          <a:srcRect/>
+          <a:blip r:embed="rId6"/>
           <a:stretch>
             <a:fillRect/>
           </a:stretch>
         </p:blipFill>
-        <p:spPr bwMode="auto">
-          <a:xfrm>
-            <a:off x="1908176" y="4866721"/>
-            <a:ext cx="825034" cy="824421"/>
-          </a:xfrm>
-          <a:prstGeom prst="rect">
-            <a:avLst/>
-          </a:prstGeom>
-          <a:noFill/>
-          <a:extLst>
-            <a:ext uri="{909E8E84-426E-40DD-AFC4-6F175D3DCCD1}">
-              <a14:hiddenFill xmlns:a14="http://schemas.microsoft.com/office/drawing/2010/main">
-                <a:solidFill>
-                  <a:srgbClr val="FFFFFF"/>
-                </a:solidFill>
-              </a14:hiddenFill>
-            </a:ext>
-          </a:extLst>
+        <p:spPr>
+          <a:xfrm>
+            <a:off x="1985351" y="4872564"/>
+            <a:ext cx="1853345" cy="853514"/>
+          </a:xfrm>
+          <a:prstGeom prst="rect">
+            <a:avLst/>
+          </a:prstGeom>
         </p:spPr>
       </p:pic>
       <p:sp>
         <p:nvSpPr>
-          <p:cNvPr id="13" name="TextBox 12"/>
+          <p:cNvPr id="17" name="TextBox 16"/>
           <p:cNvSpPr txBox="1"/>
           <p:nvPr/>
         </p:nvSpPr>
         <p:spPr>
           <a:xfrm>
-            <a:off x="2524444" y="5254195"/>
-            <a:ext cx="1238954" cy="369332"/>
+            <a:off x="1846096" y="2821964"/>
+            <a:ext cx="5943438" cy="1200329"/>
           </a:xfrm>
           <a:prstGeom prst="rect">
             <a:avLst/>
@@ -4767,22 +4799,104 @@
           <a:p>
             <a:pPr algn="ctr"/>
             <a:r>
-              <a:rPr lang="en-US" b="1" dirty="0">
-                <a:solidFill>
-                  <a:schemeClr val="accent1">
-                    <a:lumMod val="75000"/>
-                  </a:schemeClr>
-                </a:solidFill>
-              </a:rPr>
-              <a:t>Covid-19</a:t>
-            </a:r>
+              <a:rPr lang="en-US" dirty="0"/>
+              <a:t>HW 19</a:t>
+            </a:r>
+          </a:p>
+          <a:p>
+            <a:pPr algn="ctr"/>
+            <a:r>
+              <a:rPr lang="en-US" b="1" u="sng" dirty="0"/>
+              <a:t>Binomial Distribution, Normal Approximation, &amp; Sign Test</a:t>
+            </a:r>
+          </a:p>
+          <a:p>
+            <a:pPr algn="ctr"/>
+            <a:r>
+              <a:rPr lang="en-US" dirty="0"/>
+              <a:t>Entering small p-values into HW</a:t>
+            </a:r>
+          </a:p>
+          <a:p>
+            <a:pPr algn="ctr"/>
+            <a:endParaRPr lang="en-US" dirty="0"/>
+          </a:p>
+        </p:txBody>
+      </p:sp>
+      <p:sp>
+        <p:nvSpPr>
+          <p:cNvPr id="13" name="TextBox 12"/>
+          <p:cNvSpPr txBox="1"/>
+          <p:nvPr/>
+        </p:nvSpPr>
+        <p:spPr>
+          <a:xfrm>
+            <a:off x="2664327" y="4025523"/>
+            <a:ext cx="5943438" cy="1754326"/>
+          </a:xfrm>
+          <a:prstGeom prst="rect">
+            <a:avLst/>
+          </a:prstGeom>
+          <a:noFill/>
+        </p:spPr>
+        <p:txBody>
+          <a:bodyPr wrap="square" rtlCol="0">
+            <a:spAutoFit/>
+          </a:bodyPr>
+          <a:lstStyle/>
+          <a:p>
+            <a:pPr algn="ctr"/>
+            <a:r>
+              <a:rPr lang="en-US" dirty="0"/>
+              <a:t>HW 20</a:t>
+            </a:r>
+          </a:p>
+          <a:p>
+            <a:pPr algn="ctr"/>
+            <a:r>
+              <a:rPr lang="en-US" b="1" u="sng" dirty="0"/>
+              <a:t>Chi Squared Tests</a:t>
+            </a:r>
+          </a:p>
+          <a:p>
+            <a:pPr algn="ctr"/>
+            <a:r>
+              <a:rPr lang="en-US" dirty="0"/>
+              <a:t>1-way Goodness of Fit</a:t>
+            </a:r>
+          </a:p>
+          <a:p>
+            <a:pPr algn="ctr"/>
+            <a:r>
+              <a:rPr lang="en-US" dirty="0"/>
+              <a:t>1-way Test of Independence</a:t>
+            </a:r>
+          </a:p>
+          <a:p>
+            <a:pPr algn="ctr"/>
+            <a:r>
+              <a:rPr lang="en-US" dirty="0"/>
+              <a:t>Cramer’s V (</a:t>
+            </a:r>
+            <a:r>
+              <a:rPr lang="en-US" dirty="0" err="1"/>
+              <a:t>effectsize</a:t>
+            </a:r>
+            <a:r>
+              <a:rPr lang="en-US" dirty="0"/>
+              <a:t> package)</a:t>
+            </a:r>
+          </a:p>
+          <a:p>
+            <a:pPr algn="ctr"/>
+            <a:endParaRPr lang="en-US" dirty="0"/>
           </a:p>
         </p:txBody>
       </p:sp>
     </p:spTree>
     <p:extLst>
       <p:ext uri="{BB962C8B-B14F-4D97-AF65-F5344CB8AC3E}">
-        <p14:creationId xmlns:p14="http://schemas.microsoft.com/office/powerpoint/2010/main" val="2783809321"/>
+        <p14:creationId xmlns:p14="http://schemas.microsoft.com/office/powerpoint/2010/main" val="593568448"/>
       </p:ext>
     </p:extLst>
   </p:cSld>
@@ -4817,7 +4931,7 @@
         </p:nvSpPr>
         <p:spPr>
           <a:xfrm>
-            <a:off x="1853580" y="824230"/>
+            <a:off x="1808702" y="824230"/>
             <a:ext cx="8778240" cy="5010912"/>
           </a:xfrm>
           <a:prstGeom prst="rect">
@@ -4863,7 +4977,7 @@
         </p:nvSpPr>
         <p:spPr>
           <a:xfrm>
-            <a:off x="3838696" y="1056832"/>
+            <a:off x="4184694" y="1065121"/>
             <a:ext cx="5712369" cy="1754326"/>
           </a:xfrm>
           <a:prstGeom prst="rect">
@@ -4879,13 +4993,7 @@
           <a:p>
             <a:r>
               <a:rPr lang="en-US" sz="5400" dirty="0"/>
-              <a:t>Virtual </a:t>
-            </a:r>
-          </a:p>
-          <a:p>
-            <a:r>
-              <a:rPr lang="en-US" sz="5400" dirty="0"/>
-              <a:t>Office Hours</a:t>
+              <a:t>OUT-OF-CLASS LECTURES</a:t>
             </a:r>
           </a:p>
         </p:txBody>
@@ -4915,7 +5023,59 @@
             <a:pPr algn="ctr"/>
             <a:r>
               <a:rPr lang="en-US" dirty="0"/>
-              <a:t>April 17, 2020</a:t>
+              <a:t>April 20, 2020</a:t>
+            </a:r>
+          </a:p>
+        </p:txBody>
+      </p:sp>
+      <p:sp>
+        <p:nvSpPr>
+          <p:cNvPr id="9" name="TextBox 8"/>
+          <p:cNvSpPr txBox="1"/>
+          <p:nvPr/>
+        </p:nvSpPr>
+        <p:spPr>
+          <a:xfrm>
+            <a:off x="1946627" y="3432914"/>
+            <a:ext cx="5005769" cy="923330"/>
+          </a:xfrm>
+          <a:prstGeom prst="rect">
+            <a:avLst/>
+          </a:prstGeom>
+          <a:noFill/>
+        </p:spPr>
+        <p:txBody>
+          <a:bodyPr wrap="square" rtlCol="0">
+            <a:spAutoFit/>
+          </a:bodyPr>
+          <a:lstStyle/>
+          <a:p>
+            <a:pPr algn="ctr"/>
+            <a:r>
+              <a:rPr lang="en-US" dirty="0"/>
+              <a:t>Chapter 16</a:t>
+            </a:r>
+          </a:p>
+          <a:p>
+            <a:pPr algn="ctr"/>
+            <a:r>
+              <a:rPr lang="en-US" b="1" u="sng" dirty="0"/>
+              <a:t>Mixed </a:t>
+            </a:r>
+            <a:r>
+              <a:rPr lang="en-US" b="1" u="sng" dirty="0" err="1"/>
+              <a:t>Deisgn</a:t>
+            </a:r>
+            <a:r>
+              <a:rPr lang="en-US" b="1" u="sng" dirty="0"/>
+              <a:t> ANOVA</a:t>
+            </a:r>
+          </a:p>
+          <a:p>
+            <a:pPr algn="ctr"/>
+            <a:r>
+              <a:rPr lang="en-US" i="1" dirty="0"/>
+              <a:t>Very short lecture</a:t>
             </a:r>
           </a:p>
         </p:txBody>
@@ -5057,38 +5217,55 @@
       </p:pic>
       <p:pic>
         <p:nvPicPr>
-          <p:cNvPr id="5" name="Picture 4"/>
+          <p:cNvPr id="1026" name="Picture 2" descr="Image result for virus"/>
           <p:cNvPicPr>
-            <a:picLocks noChangeAspect="1"/>
+            <a:picLocks noChangeAspect="1" noChangeArrowheads="1"/>
           </p:cNvPicPr>
           <p:nvPr/>
         </p:nvPicPr>
         <p:blipFill>
-          <a:blip r:embed="rId6"/>
+          <a:blip r:embed="rId6" cstate="print">
+            <a:extLst>
+              <a:ext uri="{28A0092B-C50C-407E-A947-70E740481C1C}">
+                <a14:useLocalDpi xmlns:a14="http://schemas.microsoft.com/office/drawing/2010/main" val="0"/>
+              </a:ext>
+            </a:extLst>
+          </a:blip>
+          <a:srcRect/>
           <a:stretch>
             <a:fillRect/>
           </a:stretch>
         </p:blipFill>
-        <p:spPr>
-          <a:xfrm>
-            <a:off x="1985351" y="4872564"/>
-            <a:ext cx="1853345" cy="853514"/>
-          </a:xfrm>
-          <a:prstGeom prst="rect">
-            <a:avLst/>
-          </a:prstGeom>
+        <p:spPr bwMode="auto">
+          <a:xfrm>
+            <a:off x="1908176" y="4866721"/>
+            <a:ext cx="825034" cy="824421"/>
+          </a:xfrm>
+          <a:prstGeom prst="rect">
+            <a:avLst/>
+          </a:prstGeom>
+          <a:noFill/>
+          <a:extLst>
+            <a:ext uri="{909E8E84-426E-40DD-AFC4-6F175D3DCCD1}">
+              <a14:hiddenFill xmlns:a14="http://schemas.microsoft.com/office/drawing/2010/main">
+                <a:solidFill>
+                  <a:srgbClr val="FFFFFF"/>
+                </a:solidFill>
+              </a14:hiddenFill>
+            </a:ext>
+          </a:extLst>
         </p:spPr>
       </p:pic>
       <p:sp>
         <p:nvSpPr>
-          <p:cNvPr id="17" name="TextBox 16"/>
+          <p:cNvPr id="13" name="TextBox 12"/>
           <p:cNvSpPr txBox="1"/>
           <p:nvPr/>
         </p:nvSpPr>
         <p:spPr>
           <a:xfrm>
-            <a:off x="2035110" y="3092669"/>
-            <a:ext cx="5005769" cy="1754326"/>
+            <a:off x="2524444" y="5254195"/>
+            <a:ext cx="1238954" cy="369332"/>
           </a:xfrm>
           <a:prstGeom prst="rect">
             <a:avLst/>
@@ -5103,48 +5280,22 @@
           <a:p>
             <a:pPr algn="ctr"/>
             <a:r>
-              <a:rPr lang="en-US" dirty="0"/>
-              <a:t>HW 15</a:t>
-            </a:r>
-          </a:p>
-          <a:p>
-            <a:pPr algn="ctr"/>
-            <a:r>
-              <a:rPr lang="en-US" b="1" u="sng" dirty="0"/>
-              <a:t>RM ANOVAs</a:t>
-            </a:r>
-          </a:p>
-          <a:p>
-            <a:pPr algn="ctr"/>
-            <a:r>
-              <a:rPr lang="en-US" dirty="0"/>
-              <a:t>Item 1</a:t>
-            </a:r>
-          </a:p>
-          <a:p>
-            <a:pPr algn="ctr"/>
-            <a:r>
-              <a:rPr lang="en-US" dirty="0"/>
-              <a:t>Person-Profile Plots</a:t>
-            </a:r>
-          </a:p>
-          <a:p>
-            <a:pPr algn="ctr"/>
-            <a:r>
-              <a:rPr lang="en-US" dirty="0"/>
-              <a:t>Hand Calculations</a:t>
-            </a:r>
-          </a:p>
-          <a:p>
-            <a:pPr algn="ctr"/>
-            <a:endParaRPr lang="en-US" dirty="0"/>
+              <a:rPr lang="en-US" b="1" dirty="0">
+                <a:solidFill>
+                  <a:schemeClr val="accent1">
+                    <a:lumMod val="75000"/>
+                  </a:schemeClr>
+                </a:solidFill>
+              </a:rPr>
+              <a:t>Covid-19</a:t>
+            </a:r>
           </a:p>
         </p:txBody>
       </p:sp>
     </p:spTree>
     <p:extLst>
       <p:ext uri="{BB962C8B-B14F-4D97-AF65-F5344CB8AC3E}">
-        <p14:creationId xmlns:p14="http://schemas.microsoft.com/office/powerpoint/2010/main" val="2105505871"/>
+        <p14:creationId xmlns:p14="http://schemas.microsoft.com/office/powerpoint/2010/main" val="2783809321"/>
       </p:ext>
     </p:extLst>
   </p:cSld>
@@ -5277,7 +5428,7 @@
             <a:pPr algn="ctr"/>
             <a:r>
               <a:rPr lang="en-US" dirty="0"/>
-              <a:t>April 16, 2020</a:t>
+              <a:t>April 17, 2020</a:t>
             </a:r>
           </a:p>
         </p:txBody>
@@ -5466,35 +5617,35 @@
             <a:pPr algn="ctr"/>
             <a:r>
               <a:rPr lang="en-US" dirty="0"/>
-              <a:t>HW 16</a:t>
+              <a:t>HW 15</a:t>
             </a:r>
           </a:p>
           <a:p>
             <a:pPr algn="ctr"/>
             <a:r>
               <a:rPr lang="en-US" b="1" u="sng" dirty="0"/>
-              <a:t>Mixed ANOVAs</a:t>
+              <a:t>RM ANOVAs</a:t>
             </a:r>
           </a:p>
           <a:p>
             <a:pPr algn="ctr"/>
             <a:r>
               <a:rPr lang="en-US" dirty="0"/>
-              <a:t>Section “C” problems</a:t>
+              <a:t>Item 1</a:t>
             </a:r>
           </a:p>
           <a:p>
             <a:pPr algn="ctr"/>
             <a:r>
               <a:rPr lang="en-US" dirty="0"/>
-              <a:t>APA write-up</a:t>
+              <a:t>Person-Profile Plots</a:t>
             </a:r>
           </a:p>
           <a:p>
             <a:pPr algn="ctr"/>
             <a:r>
               <a:rPr lang="en-US" dirty="0"/>
-              <a:t>Methods &amp; Results sections</a:t>
+              <a:t>Hand Calculations</a:t>
             </a:r>
           </a:p>
           <a:p>
@@ -5506,7 +5657,7 @@
     </p:spTree>
     <p:extLst>
       <p:ext uri="{BB962C8B-B14F-4D97-AF65-F5344CB8AC3E}">
-        <p14:creationId xmlns:p14="http://schemas.microsoft.com/office/powerpoint/2010/main" val="1059415320"/>
+        <p14:creationId xmlns:p14="http://schemas.microsoft.com/office/powerpoint/2010/main" val="2105505871"/>
       </p:ext>
     </p:extLst>
   </p:cSld>
@@ -5639,7 +5790,7 @@
             <a:pPr algn="ctr"/>
             <a:r>
               <a:rPr lang="en-US" dirty="0"/>
-              <a:t>April 15, 2020</a:t>
+              <a:t>April 16, 2020</a:t>
             </a:r>
           </a:p>
         </p:txBody>
@@ -5842,57 +5993,21 @@
             <a:pPr algn="ctr"/>
             <a:r>
               <a:rPr lang="en-US" dirty="0"/>
-              <a:t>*updated* </a:t>
-            </a:r>
-            <a:r>
-              <a:rPr lang="en-US" dirty="0" err="1"/>
-              <a:t>Rmd</a:t>
-            </a:r>
+              <a:t>Section “C” problems</a:t>
+            </a:r>
+          </a:p>
+          <a:p>
+            <a:pPr algn="ctr"/>
             <a:r>
               <a:rPr lang="en-US" dirty="0"/>
-              <a:t> skeleton</a:t>
-            </a:r>
-          </a:p>
-          <a:p>
-            <a:pPr algn="ctr"/>
-            <a:r>
-              <a:rPr lang="en-US" dirty="0" err="1"/>
-              <a:t>Maunchly’s</a:t>
-            </a:r>
+              <a:t>APA write-up</a:t>
+            </a:r>
+          </a:p>
+          <a:p>
+            <a:pPr algn="ctr"/>
             <a:r>
               <a:rPr lang="en-US" dirty="0"/>
-              <a:t> </a:t>
-            </a:r>
-            <a:r>
-              <a:rPr lang="en-US" dirty="0" err="1"/>
-              <a:t>Sphericity</a:t>
-            </a:r>
-            <a:r>
-              <a:rPr lang="en-US" dirty="0"/>
-              <a:t> Tests &amp;</a:t>
-            </a:r>
-          </a:p>
-          <a:p>
-            <a:pPr algn="ctr"/>
-            <a:r>
-              <a:rPr lang="en-US" dirty="0"/>
-              <a:t>The Greenhouse-</a:t>
-            </a:r>
-            <a:r>
-              <a:rPr lang="en-US" dirty="0" err="1"/>
-              <a:t>Geisser</a:t>
-            </a:r>
-            <a:r>
-              <a:rPr lang="en-US" dirty="0"/>
-              <a:t> Correction to </a:t>
-            </a:r>
-            <a:r>
-              <a:rPr lang="en-US" dirty="0" err="1"/>
-              <a:t>df’s</a:t>
-            </a:r>
-            <a:r>
-              <a:rPr lang="en-US" dirty="0"/>
-              <a:t> </a:t>
+              <a:t>Methods &amp; Results sections</a:t>
             </a:r>
           </a:p>
           <a:p>
@@ -5904,7 +6019,7 @@
     </p:spTree>
     <p:extLst>
       <p:ext uri="{BB962C8B-B14F-4D97-AF65-F5344CB8AC3E}">
-        <p14:creationId xmlns:p14="http://schemas.microsoft.com/office/powerpoint/2010/main" val="3758234290"/>
+        <p14:creationId xmlns:p14="http://schemas.microsoft.com/office/powerpoint/2010/main" val="1059415320"/>
       </p:ext>
     </p:extLst>
   </p:cSld>
@@ -6037,49 +6152,8 @@
             <a:pPr algn="ctr"/>
             <a:r>
               <a:rPr lang="en-US" dirty="0"/>
-              <a:t>April 14, 2020</a:t>
-            </a:r>
-          </a:p>
-        </p:txBody>
-      </p:sp>
-      <p:sp>
-        <p:nvSpPr>
-          <p:cNvPr id="9" name="TextBox 8"/>
-          <p:cNvSpPr txBox="1"/>
-          <p:nvPr/>
-        </p:nvSpPr>
-        <p:spPr>
-          <a:xfrm>
-            <a:off x="1985351" y="3033699"/>
-            <a:ext cx="5005769" cy="923330"/>
-          </a:xfrm>
-          <a:prstGeom prst="rect">
-            <a:avLst/>
-          </a:prstGeom>
-          <a:noFill/>
-        </p:spPr>
-        <p:txBody>
-          <a:bodyPr wrap="square" rtlCol="0">
-            <a:spAutoFit/>
-          </a:bodyPr>
-          <a:lstStyle/>
-          <a:p>
-            <a:pPr algn="ctr"/>
-            <a:r>
-              <a:rPr lang="en-US" dirty="0"/>
-              <a:t>HW 15 </a:t>
-            </a:r>
-          </a:p>
-          <a:p>
-            <a:pPr algn="ctr"/>
-            <a:r>
-              <a:rPr lang="en-US" b="1" u="sng" dirty="0"/>
-              <a:t>1-way RM ANOVAs</a:t>
-            </a:r>
-          </a:p>
-          <a:p>
-            <a:pPr algn="ctr"/>
-            <a:endParaRPr lang="en-US" dirty="0"/>
+              <a:t>April 15, 2020</a:t>
+            </a:r>
           </a:p>
         </p:txBody>
       </p:sp>
@@ -6250,8 +6324,8 @@
         </p:nvSpPr>
         <p:spPr>
           <a:xfrm>
-            <a:off x="2735076" y="4097297"/>
-            <a:ext cx="5005769" cy="923330"/>
+            <a:off x="2035110" y="3092669"/>
+            <a:ext cx="5005769" cy="1754326"/>
           </a:xfrm>
           <a:prstGeom prst="rect">
             <a:avLst/>
@@ -6279,6 +6353,63 @@
           </a:p>
           <a:p>
             <a:pPr algn="ctr"/>
+            <a:r>
+              <a:rPr lang="en-US" dirty="0"/>
+              <a:t>*updated* </a:t>
+            </a:r>
+            <a:r>
+              <a:rPr lang="en-US" dirty="0" err="1"/>
+              <a:t>Rmd</a:t>
+            </a:r>
+            <a:r>
+              <a:rPr lang="en-US" dirty="0"/>
+              <a:t> skeleton</a:t>
+            </a:r>
+          </a:p>
+          <a:p>
+            <a:pPr algn="ctr"/>
+            <a:r>
+              <a:rPr lang="en-US" dirty="0" err="1"/>
+              <a:t>Maunchly’s</a:t>
+            </a:r>
+            <a:r>
+              <a:rPr lang="en-US" dirty="0"/>
+              <a:t> </a:t>
+            </a:r>
+            <a:r>
+              <a:rPr lang="en-US" dirty="0" err="1"/>
+              <a:t>Sphericity</a:t>
+            </a:r>
+            <a:r>
+              <a:rPr lang="en-US" dirty="0"/>
+              <a:t> Tests &amp;</a:t>
+            </a:r>
+          </a:p>
+          <a:p>
+            <a:pPr algn="ctr"/>
+            <a:r>
+              <a:rPr lang="en-US" dirty="0"/>
+              <a:t>The Greenhouse-</a:t>
+            </a:r>
+            <a:r>
+              <a:rPr lang="en-US" dirty="0" err="1"/>
+              <a:t>Geisser</a:t>
+            </a:r>
+            <a:r>
+              <a:rPr lang="en-US" dirty="0"/>
+              <a:t> Correction to </a:t>
+            </a:r>
+            <a:r>
+              <a:rPr lang="en-US" dirty="0" err="1"/>
+              <a:t>df’s</a:t>
+            </a:r>
+            <a:r>
+              <a:rPr lang="en-US" dirty="0"/>
+              <a:t> </a:t>
+            </a:r>
+          </a:p>
+          <a:p>
+            <a:pPr algn="ctr"/>
             <a:endParaRPr lang="en-US" dirty="0"/>
           </a:p>
         </p:txBody>
@@ -6286,7 +6417,7 @@
     </p:spTree>
     <p:extLst>
       <p:ext uri="{BB962C8B-B14F-4D97-AF65-F5344CB8AC3E}">
-        <p14:creationId xmlns:p14="http://schemas.microsoft.com/office/powerpoint/2010/main" val="2620031016"/>
+        <p14:creationId xmlns:p14="http://schemas.microsoft.com/office/powerpoint/2010/main" val="3758234290"/>
       </p:ext>
     </p:extLst>
   </p:cSld>
@@ -6321,7 +6452,7 @@
         </p:nvSpPr>
         <p:spPr>
           <a:xfrm>
-            <a:off x="1808702" y="824230"/>
+            <a:off x="1853580" y="824230"/>
             <a:ext cx="8778240" cy="5010912"/>
           </a:xfrm>
           <a:prstGeom prst="rect">
@@ -6367,7 +6498,7 @@
         </p:nvSpPr>
         <p:spPr>
           <a:xfrm>
-            <a:off x="4184694" y="1065121"/>
+            <a:off x="3838696" y="1056832"/>
             <a:ext cx="5712369" cy="1754326"/>
           </a:xfrm>
           <a:prstGeom prst="rect">
@@ -6383,7 +6514,13 @@
           <a:p>
             <a:r>
               <a:rPr lang="en-US" sz="5400" dirty="0"/>
-              <a:t>OUT-OF-CLASS LECTURES</a:t>
+              <a:t>Virtual </a:t>
+            </a:r>
+          </a:p>
+          <a:p>
+            <a:r>
+              <a:rPr lang="en-US" sz="5400" dirty="0"/>
+              <a:t>Office Hours</a:t>
             </a:r>
           </a:p>
         </p:txBody>
@@ -6413,7 +6550,7 @@
             <a:pPr algn="ctr"/>
             <a:r>
               <a:rPr lang="en-US" dirty="0"/>
-              <a:t>April 13, 2020</a:t>
+              <a:t>April 14, 2020</a:t>
             </a:r>
           </a:p>
         </p:txBody>
@@ -6426,8 +6563,8 @@
         </p:nvSpPr>
         <p:spPr>
           <a:xfrm>
-            <a:off x="2136087" y="2916921"/>
-            <a:ext cx="5005769" cy="2308324"/>
+            <a:off x="1985351" y="3033699"/>
+            <a:ext cx="5005769" cy="923330"/>
           </a:xfrm>
           <a:prstGeom prst="rect">
             <a:avLst/>
@@ -6443,65 +6580,19 @@
             <a:pPr algn="ctr"/>
             <a:r>
               <a:rPr lang="en-US" dirty="0"/>
-              <a:t>Chapter 15</a:t>
+              <a:t>HW 15 </a:t>
             </a:r>
           </a:p>
           <a:p>
             <a:pPr algn="ctr"/>
             <a:r>
               <a:rPr lang="en-US" b="1" u="sng" dirty="0"/>
-              <a:t>Repeated </a:t>
-            </a:r>
-            <a:r>
-              <a:rPr lang="en-US" b="1" u="sng" dirty="0" err="1"/>
-              <a:t>Measurs</a:t>
-            </a:r>
-            <a:r>
-              <a:rPr lang="en-US" b="1" u="sng" dirty="0"/>
-              <a:t> ANOVA</a:t>
-            </a:r>
-          </a:p>
-          <a:p>
-            <a:pPr algn="ctr"/>
-            <a:r>
-              <a:rPr lang="en-US" i="1" dirty="0"/>
-              <a:t>2-way RM ANOVA</a:t>
-            </a:r>
-          </a:p>
-          <a:p>
-            <a:pPr algn="ctr"/>
-            <a:r>
-              <a:rPr lang="en-US" i="1" dirty="0"/>
-              <a:t>Effect Sizes</a:t>
-            </a:r>
-          </a:p>
-          <a:p>
-            <a:pPr algn="ctr"/>
-            <a:r>
-              <a:rPr lang="en-US" i="1" dirty="0"/>
-              <a:t>Follow-up test &amp; Multiple Comparisons</a:t>
-            </a:r>
-          </a:p>
-          <a:p>
-            <a:pPr algn="ctr"/>
-            <a:r>
-              <a:rPr lang="en-US" i="1" dirty="0"/>
-              <a:t>Interaction</a:t>
-            </a:r>
-          </a:p>
-          <a:p>
-            <a:pPr algn="ctr"/>
-            <a:r>
-              <a:rPr lang="en-US" i="1" dirty="0"/>
-              <a:t>Reporting Results</a:t>
-            </a:r>
-          </a:p>
-          <a:p>
-            <a:pPr algn="ctr"/>
-            <a:r>
-              <a:rPr lang="en-US" i="1" dirty="0"/>
-              <a:t>Slides 37-end</a:t>
-            </a:r>
+              <a:t>1-way RM ANOVAs</a:t>
+            </a:r>
+          </a:p>
+          <a:p>
+            <a:pPr algn="ctr"/>
+            <a:endParaRPr lang="en-US" dirty="0"/>
           </a:p>
         </p:txBody>
       </p:sp>
@@ -6642,55 +6733,38 @@
       </p:pic>
       <p:pic>
         <p:nvPicPr>
-          <p:cNvPr id="1026" name="Picture 2" descr="Image result for virus"/>
+          <p:cNvPr id="5" name="Picture 4"/>
           <p:cNvPicPr>
-            <a:picLocks noChangeAspect="1" noChangeArrowheads="1"/>
+            <a:picLocks noChangeAspect="1"/>
           </p:cNvPicPr>
           <p:nvPr/>
         </p:nvPicPr>
         <p:blipFill>
-          <a:blip r:embed="rId6" cstate="print">
-            <a:extLst>
-              <a:ext uri="{28A0092B-C50C-407E-A947-70E740481C1C}">
-                <a14:useLocalDpi xmlns:a14="http://schemas.microsoft.com/office/drawing/2010/main" val="0"/>
-              </a:ext>
-            </a:extLst>
-          </a:blip>
-          <a:srcRect/>
+          <a:blip r:embed="rId6"/>
           <a:stretch>
             <a:fillRect/>
           </a:stretch>
         </p:blipFill>
-        <p:spPr bwMode="auto">
-          <a:xfrm>
-            <a:off x="1908176" y="4866721"/>
-            <a:ext cx="825034" cy="824421"/>
-          </a:xfrm>
-          <a:prstGeom prst="rect">
-            <a:avLst/>
-          </a:prstGeom>
-          <a:noFill/>
-          <a:extLst>
-            <a:ext uri="{909E8E84-426E-40DD-AFC4-6F175D3DCCD1}">
-              <a14:hiddenFill xmlns:a14="http://schemas.microsoft.com/office/drawing/2010/main">
-                <a:solidFill>
-                  <a:srgbClr val="FFFFFF"/>
-                </a:solidFill>
-              </a14:hiddenFill>
-            </a:ext>
-          </a:extLst>
+        <p:spPr>
+          <a:xfrm>
+            <a:off x="1985351" y="4872564"/>
+            <a:ext cx="1853345" cy="853514"/>
+          </a:xfrm>
+          <a:prstGeom prst="rect">
+            <a:avLst/>
+          </a:prstGeom>
         </p:spPr>
       </p:pic>
       <p:sp>
         <p:nvSpPr>
-          <p:cNvPr id="13" name="TextBox 12"/>
+          <p:cNvPr id="17" name="TextBox 16"/>
           <p:cNvSpPr txBox="1"/>
           <p:nvPr/>
         </p:nvSpPr>
         <p:spPr>
           <a:xfrm>
-            <a:off x="2524444" y="5254195"/>
-            <a:ext cx="1238954" cy="369332"/>
+            <a:off x="2735076" y="4097297"/>
+            <a:ext cx="5005769" cy="923330"/>
           </a:xfrm>
           <a:prstGeom prst="rect">
             <a:avLst/>
@@ -6705,22 +6779,27 @@
           <a:p>
             <a:pPr algn="ctr"/>
             <a:r>
-              <a:rPr lang="en-US" b="1" dirty="0">
-                <a:solidFill>
-                  <a:schemeClr val="accent1">
-                    <a:lumMod val="75000"/>
-                  </a:schemeClr>
-                </a:solidFill>
-              </a:rPr>
-              <a:t>Covid-19</a:t>
-            </a:r>
+              <a:rPr lang="en-US" dirty="0"/>
+              <a:t>HW 16</a:t>
+            </a:r>
+          </a:p>
+          <a:p>
+            <a:pPr algn="ctr"/>
+            <a:r>
+              <a:rPr lang="en-US" b="1" u="sng" dirty="0"/>
+              <a:t>Mixed ANOVAs</a:t>
+            </a:r>
+          </a:p>
+          <a:p>
+            <a:pPr algn="ctr"/>
+            <a:endParaRPr lang="en-US" dirty="0"/>
           </a:p>
         </p:txBody>
       </p:sp>
     </p:spTree>
     <p:extLst>
       <p:ext uri="{BB962C8B-B14F-4D97-AF65-F5344CB8AC3E}">
-        <p14:creationId xmlns:p14="http://schemas.microsoft.com/office/powerpoint/2010/main" val="2525452429"/>
+        <p14:creationId xmlns:p14="http://schemas.microsoft.com/office/powerpoint/2010/main" val="2620031016"/>
       </p:ext>
     </p:extLst>
   </p:cSld>
@@ -6860,8 +6939,8 @@
         </p:nvSpPr>
         <p:spPr>
           <a:xfrm>
-            <a:off x="2035110" y="3043759"/>
-            <a:ext cx="5005769" cy="1200329"/>
+            <a:off x="2136087" y="2916921"/>
+            <a:ext cx="5005769" cy="2308324"/>
           </a:xfrm>
           <a:prstGeom prst="rect">
             <a:avLst/>
@@ -6899,14 +6978,42 @@
             <a:pPr algn="ctr"/>
             <a:r>
               <a:rPr lang="en-US" i="1" dirty="0"/>
-              <a:t>1-way RM ANOVA</a:t>
+              <a:t>2-way RM ANOVA</a:t>
             </a:r>
           </a:p>
           <a:p>
             <a:pPr algn="ctr"/>
             <a:r>
               <a:rPr lang="en-US" i="1" dirty="0"/>
-              <a:t>Slides 1 - 36</a:t>
+              <a:t>Effect Sizes</a:t>
+            </a:r>
+          </a:p>
+          <a:p>
+            <a:pPr algn="ctr"/>
+            <a:r>
+              <a:rPr lang="en-US" i="1" dirty="0"/>
+              <a:t>Follow-up test &amp; Multiple Comparisons</a:t>
+            </a:r>
+          </a:p>
+          <a:p>
+            <a:pPr algn="ctr"/>
+            <a:r>
+              <a:rPr lang="en-US" i="1" dirty="0"/>
+              <a:t>Interaction</a:t>
+            </a:r>
+          </a:p>
+          <a:p>
+            <a:pPr algn="ctr"/>
+            <a:r>
+              <a:rPr lang="en-US" i="1" dirty="0"/>
+              <a:t>Reporting Results</a:t>
+            </a:r>
+          </a:p>
+          <a:p>
+            <a:pPr algn="ctr"/>
+            <a:r>
+              <a:rPr lang="en-US" i="1" dirty="0"/>
+              <a:t>Slides 37-end</a:t>
             </a:r>
           </a:p>
         </p:txBody>
@@ -7126,7 +7233,7 @@
     </p:spTree>
     <p:extLst>
       <p:ext uri="{BB962C8B-B14F-4D97-AF65-F5344CB8AC3E}">
-        <p14:creationId xmlns:p14="http://schemas.microsoft.com/office/powerpoint/2010/main" val="3454054716"/>
+        <p14:creationId xmlns:p14="http://schemas.microsoft.com/office/powerpoint/2010/main" val="2525452429"/>
       </p:ext>
     </p:extLst>
   </p:cSld>
@@ -7267,7 +7374,7 @@
         <p:spPr>
           <a:xfrm>
             <a:off x="2035110" y="3043759"/>
-            <a:ext cx="5005769" cy="1477328"/>
+            <a:ext cx="5005769" cy="1200329"/>
           </a:xfrm>
           <a:prstGeom prst="rect">
             <a:avLst/>
@@ -7305,37 +7412,14 @@
             <a:pPr algn="ctr"/>
             <a:r>
               <a:rPr lang="en-US" i="1" dirty="0"/>
-              <a:t>Examples, in R</a:t>
+              <a:t>1-way RM ANOVA</a:t>
             </a:r>
           </a:p>
           <a:p>
             <a:pPr algn="ctr"/>
             <a:r>
               <a:rPr lang="en-US" i="1" dirty="0"/>
-              <a:t>1</a:t>
-            </a:r>
-            <a:r>
-              <a:rPr lang="en-US" i="1" baseline="30000" dirty="0"/>
-              <a:t>st</a:t>
-            </a:r>
-            <a:r>
-              <a:rPr lang="en-US" i="1" dirty="0"/>
-              <a:t> – textbook’s example with word recall</a:t>
-            </a:r>
-          </a:p>
-          <a:p>
-            <a:pPr algn="ctr"/>
-            <a:r>
-              <a:rPr lang="en-US" i="1" dirty="0"/>
-              <a:t>2</a:t>
-            </a:r>
-            <a:r>
-              <a:rPr lang="en-US" i="1" baseline="30000" dirty="0"/>
-              <a:t>nd</a:t>
-            </a:r>
-            <a:r>
-              <a:rPr lang="en-US" i="1" dirty="0"/>
-              <a:t> – weight loss over 3 months</a:t>
+              <a:t>Slides 1 - 36</a:t>
             </a:r>
           </a:p>
         </p:txBody>
@@ -7555,7 +7639,7 @@
     </p:spTree>
     <p:extLst>
       <p:ext uri="{BB962C8B-B14F-4D97-AF65-F5344CB8AC3E}">
-        <p14:creationId xmlns:p14="http://schemas.microsoft.com/office/powerpoint/2010/main" val="707466089"/>
+        <p14:creationId xmlns:p14="http://schemas.microsoft.com/office/powerpoint/2010/main" val="3454054716"/>
       </p:ext>
     </p:extLst>
   </p:cSld>
@@ -7630,14 +7714,14 @@
       </p:sp>
       <p:sp>
         <p:nvSpPr>
-          <p:cNvPr id="8" name="TextBox 7"/>
+          <p:cNvPr id="7" name="TextBox 6"/>
           <p:cNvSpPr txBox="1"/>
           <p:nvPr/>
         </p:nvSpPr>
         <p:spPr>
           <a:xfrm>
-            <a:off x="7731444" y="5278932"/>
-            <a:ext cx="2076450" cy="369332"/>
+            <a:off x="3840385" y="1213849"/>
+            <a:ext cx="5712369" cy="923330"/>
           </a:xfrm>
           <a:prstGeom prst="rect">
             <a:avLst/>
@@ -7650,32 +7734,23 @@
           </a:bodyPr>
           <a:lstStyle/>
           <a:p>
-            <a:pPr algn="ctr"/>
-            <a:r>
-              <a:rPr lang="en-US" dirty="0"/>
-              <a:t>May </a:t>
-            </a:r>
-            <a:r>
-              <a:rPr lang="en-US" dirty="0" smtClean="0"/>
-              <a:t>11, </a:t>
-            </a:r>
-            <a:r>
-              <a:rPr lang="en-US" dirty="0"/>
-              <a:t>2020</a:t>
-            </a:r>
-          </a:p>
-        </p:txBody>
-      </p:sp>
-      <p:sp>
-        <p:nvSpPr>
-          <p:cNvPr id="9" name="TextBox 8"/>
+            <a:r>
+              <a:rPr lang="en-US" sz="5400" dirty="0"/>
+              <a:t>INCLASS LECTURES</a:t>
+            </a:r>
+          </a:p>
+        </p:txBody>
+      </p:sp>
+      <p:sp>
+        <p:nvSpPr>
+          <p:cNvPr id="8" name="TextBox 7"/>
           <p:cNvSpPr txBox="1"/>
           <p:nvPr/>
         </p:nvSpPr>
         <p:spPr>
           <a:xfrm>
-            <a:off x="2639881" y="3325287"/>
-            <a:ext cx="5005769" cy="923330"/>
+            <a:off x="7731444" y="5278932"/>
+            <a:ext cx="2076450" cy="369332"/>
           </a:xfrm>
           <a:prstGeom prst="rect">
             <a:avLst/>
@@ -7690,29 +7765,65 @@
           <a:p>
             <a:pPr algn="ctr"/>
             <a:r>
+              <a:rPr lang="en-US" dirty="0"/>
+              <a:t>May </a:t>
+            </a:r>
+            <a:r>
               <a:rPr lang="en-US" dirty="0" smtClean="0"/>
-              <a:t>HW_04, section C</a:t>
-            </a:r>
-            <a:endParaRPr lang="en-US" dirty="0"/>
-          </a:p>
-          <a:p>
-            <a:pPr algn="ctr"/>
-            <a:r>
-              <a:rPr lang="en-US" b="1" u="sng" dirty="0"/>
-              <a:t>Standardized </a:t>
-            </a:r>
+              <a:t>13, </a:t>
+            </a:r>
+            <a:r>
+              <a:rPr lang="en-US" dirty="0"/>
+              <a:t>2020</a:t>
+            </a:r>
+          </a:p>
+        </p:txBody>
+      </p:sp>
+      <p:sp>
+        <p:nvSpPr>
+          <p:cNvPr id="9" name="TextBox 8"/>
+          <p:cNvSpPr txBox="1"/>
+          <p:nvPr/>
+        </p:nvSpPr>
+        <p:spPr>
+          <a:xfrm>
+            <a:off x="3506996" y="2465382"/>
+            <a:ext cx="5005769" cy="1200329"/>
+          </a:xfrm>
+          <a:prstGeom prst="rect">
+            <a:avLst/>
+          </a:prstGeom>
+          <a:noFill/>
+        </p:spPr>
+        <p:txBody>
+          <a:bodyPr wrap="square" rtlCol="0">
+            <a:spAutoFit/>
+          </a:bodyPr>
+          <a:lstStyle/>
+          <a:p>
+            <a:pPr algn="ctr"/>
+            <a:r>
+              <a:rPr lang="en-US" dirty="0"/>
+              <a:t>Chapter 5</a:t>
+            </a:r>
+          </a:p>
+          <a:p>
+            <a:pPr algn="ctr"/>
             <a:r>
               <a:rPr lang="en-US" b="1" u="sng" dirty="0" smtClean="0"/>
-              <a:t>Scores</a:t>
+              <a:t>Intro to Hypothesis Testing</a:t>
             </a:r>
           </a:p>
           <a:p>
             <a:pPr algn="ctr"/>
             <a:r>
               <a:rPr lang="en-US" i="1" dirty="0" smtClean="0"/>
-              <a:t>Calculate z-scores</a:t>
-            </a:r>
-            <a:endParaRPr lang="en-US" i="1" dirty="0"/>
+              <a:t>1-sample z-Test for a Mean</a:t>
+            </a:r>
+          </a:p>
+          <a:p>
+            <a:pPr algn="ctr"/>
+            <a:endParaRPr lang="en-US" b="1" u="sng" dirty="0" smtClean="0"/>
           </a:p>
         </p:txBody>
       </p:sp>
@@ -7982,12 +8093,8 @@
           <a:lstStyle/>
           <a:p>
             <a:r>
-              <a:rPr lang="en-US" dirty="0"/>
-              <a:t>After Day </a:t>
-            </a:r>
-            <a:r>
               <a:rPr lang="en-US" dirty="0" smtClean="0"/>
-              <a:t>3 </a:t>
+              <a:t>Day 4 </a:t>
             </a:r>
             <a:r>
               <a:rPr lang="en-US" dirty="0"/>
@@ -7998,14 +8105,14 @@
       </p:sp>
       <p:sp>
         <p:nvSpPr>
-          <p:cNvPr id="16" name="TextBox 15"/>
+          <p:cNvPr id="15" name="TextBox 14"/>
           <p:cNvSpPr txBox="1"/>
           <p:nvPr/>
         </p:nvSpPr>
         <p:spPr>
           <a:xfrm>
-            <a:off x="4184694" y="1065121"/>
-            <a:ext cx="5712369" cy="1754326"/>
+            <a:off x="2035110" y="3429000"/>
+            <a:ext cx="5005769" cy="923330"/>
           </a:xfrm>
           <a:prstGeom prst="rect">
             <a:avLst/>
@@ -8018,9 +8125,29 @@
           </a:bodyPr>
           <a:lstStyle/>
           <a:p>
-            <a:r>
-              <a:rPr lang="en-US" sz="5400" dirty="0"/>
-              <a:t>OUT-OF-CLASS LECTURES</a:t>
+            <a:pPr algn="ctr"/>
+            <a:r>
+              <a:rPr lang="en-US" dirty="0"/>
+              <a:t>Chapter </a:t>
+            </a:r>
+            <a:r>
+              <a:rPr lang="en-US" dirty="0" smtClean="0"/>
+              <a:t>6</a:t>
+            </a:r>
+            <a:endParaRPr lang="en-US" dirty="0"/>
+          </a:p>
+          <a:p>
+            <a:pPr algn="ctr"/>
+            <a:r>
+              <a:rPr lang="en-US" b="1" u="sng" dirty="0" smtClean="0"/>
+              <a:t>Confidence Interval Estimation</a:t>
+            </a:r>
+          </a:p>
+          <a:p>
+            <a:pPr algn="ctr"/>
+            <a:r>
+              <a:rPr lang="en-US" i="1" dirty="0" smtClean="0"/>
+              <a:t>1-sample t-Test for a Mean</a:t>
             </a:r>
           </a:p>
         </p:txBody>
@@ -8028,7 +8155,7 @@
     </p:spTree>
     <p:extLst>
       <p:ext uri="{BB962C8B-B14F-4D97-AF65-F5344CB8AC3E}">
-        <p14:creationId xmlns:p14="http://schemas.microsoft.com/office/powerpoint/2010/main" val="4088571183"/>
+        <p14:creationId xmlns:p14="http://schemas.microsoft.com/office/powerpoint/2010/main" val="1965765169"/>
       </p:ext>
     </p:extLst>
   </p:cSld>
@@ -8063,7 +8190,7 @@
         </p:nvSpPr>
         <p:spPr>
           <a:xfrm>
-            <a:off x="1853580" y="824230"/>
+            <a:off x="1808702" y="824230"/>
             <a:ext cx="8778240" cy="5010912"/>
           </a:xfrm>
           <a:prstGeom prst="rect">
@@ -8109,7 +8236,7 @@
         </p:nvSpPr>
         <p:spPr>
           <a:xfrm>
-            <a:off x="3838696" y="1056832"/>
+            <a:off x="4184694" y="1065121"/>
             <a:ext cx="5712369" cy="1754326"/>
           </a:xfrm>
           <a:prstGeom prst="rect">
@@ -8125,13 +8252,7 @@
           <a:p>
             <a:r>
               <a:rPr lang="en-US" sz="5400" dirty="0"/>
-              <a:t>Virtual </a:t>
-            </a:r>
-          </a:p>
-          <a:p>
-            <a:r>
-              <a:rPr lang="en-US" sz="5400" dirty="0"/>
-              <a:t>Office Hours</a:t>
+              <a:t>OUT-OF-CLASS LECTURES</a:t>
             </a:r>
           </a:p>
         </p:txBody>
@@ -8161,7 +8282,7 @@
             <a:pPr algn="ctr"/>
             <a:r>
               <a:rPr lang="en-US" dirty="0"/>
-              <a:t>April 7, 2020</a:t>
+              <a:t>April 13, 2020</a:t>
             </a:r>
           </a:p>
         </p:txBody>
@@ -8174,8 +8295,8 @@
         </p:nvSpPr>
         <p:spPr>
           <a:xfrm>
-            <a:off x="3133161" y="2743036"/>
-            <a:ext cx="5005769" cy="923330"/>
+            <a:off x="2035110" y="3043759"/>
+            <a:ext cx="5005769" cy="1477328"/>
           </a:xfrm>
           <a:prstGeom prst="rect">
             <a:avLst/>
@@ -8191,21 +8312,59 @@
             <a:pPr algn="ctr"/>
             <a:r>
               <a:rPr lang="en-US" dirty="0"/>
-              <a:t>HW 14 </a:t>
+              <a:t>Chapter 15</a:t>
             </a:r>
           </a:p>
           <a:p>
             <a:pPr algn="ctr"/>
             <a:r>
               <a:rPr lang="en-US" b="1" u="sng" dirty="0"/>
-              <a:t>2-way Factorial ANOVAs</a:t>
-            </a:r>
-          </a:p>
-          <a:p>
-            <a:pPr algn="ctr"/>
-            <a:r>
-              <a:rPr lang="en-US" dirty="0"/>
-              <a:t>Items # 4, 5, &amp; 6</a:t>
+              <a:t>Repeated </a:t>
+            </a:r>
+            <a:r>
+              <a:rPr lang="en-US" b="1" u="sng" dirty="0" err="1"/>
+              <a:t>Measurs</a:t>
+            </a:r>
+            <a:r>
+              <a:rPr lang="en-US" b="1" u="sng" dirty="0"/>
+              <a:t> ANOVA</a:t>
+            </a:r>
+          </a:p>
+          <a:p>
+            <a:pPr algn="ctr"/>
+            <a:r>
+              <a:rPr lang="en-US" i="1" dirty="0"/>
+              <a:t>Examples, in R</a:t>
+            </a:r>
+          </a:p>
+          <a:p>
+            <a:pPr algn="ctr"/>
+            <a:r>
+              <a:rPr lang="en-US" i="1" dirty="0"/>
+              <a:t>1</a:t>
+            </a:r>
+            <a:r>
+              <a:rPr lang="en-US" i="1" baseline="30000" dirty="0"/>
+              <a:t>st</a:t>
+            </a:r>
+            <a:r>
+              <a:rPr lang="en-US" i="1" dirty="0"/>
+              <a:t> – textbook’s example with word recall</a:t>
+            </a:r>
+          </a:p>
+          <a:p>
+            <a:pPr algn="ctr"/>
+            <a:r>
+              <a:rPr lang="en-US" i="1" dirty="0"/>
+              <a:t>2</a:t>
+            </a:r>
+            <a:r>
+              <a:rPr lang="en-US" i="1" baseline="30000" dirty="0"/>
+              <a:t>nd</a:t>
+            </a:r>
+            <a:r>
+              <a:rPr lang="en-US" i="1" dirty="0"/>
+              <a:t> – weight loss over 3 months</a:t>
             </a:r>
           </a:p>
         </p:txBody>
@@ -8347,38 +8506,55 @@
       </p:pic>
       <p:pic>
         <p:nvPicPr>
-          <p:cNvPr id="5" name="Picture 4"/>
+          <p:cNvPr id="1026" name="Picture 2" descr="Image result for virus"/>
           <p:cNvPicPr>
-            <a:picLocks noChangeAspect="1"/>
+            <a:picLocks noChangeAspect="1" noChangeArrowheads="1"/>
           </p:cNvPicPr>
           <p:nvPr/>
         </p:nvPicPr>
         <p:blipFill>
-          <a:blip r:embed="rId6"/>
+          <a:blip r:embed="rId6" cstate="print">
+            <a:extLst>
+              <a:ext uri="{28A0092B-C50C-407E-A947-70E740481C1C}">
+                <a14:useLocalDpi xmlns:a14="http://schemas.microsoft.com/office/drawing/2010/main" val="0"/>
+              </a:ext>
+            </a:extLst>
+          </a:blip>
+          <a:srcRect/>
           <a:stretch>
             <a:fillRect/>
           </a:stretch>
         </p:blipFill>
-        <p:spPr>
-          <a:xfrm>
-            <a:off x="1985351" y="4872564"/>
-            <a:ext cx="1853345" cy="853514"/>
-          </a:xfrm>
-          <a:prstGeom prst="rect">
-            <a:avLst/>
-          </a:prstGeom>
+        <p:spPr bwMode="auto">
+          <a:xfrm>
+            <a:off x="1908176" y="4866721"/>
+            <a:ext cx="825034" cy="824421"/>
+          </a:xfrm>
+          <a:prstGeom prst="rect">
+            <a:avLst/>
+          </a:prstGeom>
+          <a:noFill/>
+          <a:extLst>
+            <a:ext uri="{909E8E84-426E-40DD-AFC4-6F175D3DCCD1}">
+              <a14:hiddenFill xmlns:a14="http://schemas.microsoft.com/office/drawing/2010/main">
+                <a:solidFill>
+                  <a:srgbClr val="FFFFFF"/>
+                </a:solidFill>
+              </a14:hiddenFill>
+            </a:ext>
+          </a:extLst>
         </p:spPr>
       </p:pic>
       <p:sp>
         <p:nvSpPr>
-          <p:cNvPr id="6" name="TextBox 5"/>
+          <p:cNvPr id="13" name="TextBox 12"/>
           <p:cNvSpPr txBox="1"/>
           <p:nvPr/>
         </p:nvSpPr>
         <p:spPr>
           <a:xfrm>
-            <a:off x="2163479" y="3316893"/>
-            <a:ext cx="1952216" cy="646331"/>
+            <a:off x="2524444" y="5254195"/>
+            <a:ext cx="1238954" cy="369332"/>
           </a:xfrm>
           <a:prstGeom prst="rect">
             <a:avLst/>
@@ -8393,110 +8569,14 @@
           <a:p>
             <a:pPr algn="ctr"/>
             <a:r>
-              <a:rPr lang="en-US" u="sng" dirty="0"/>
-              <a:t>Factorial ANOVA</a:t>
-            </a:r>
-          </a:p>
-          <a:p>
-            <a:pPr algn="ctr"/>
-            <a:r>
-              <a:rPr lang="en-US" dirty="0"/>
-              <a:t>Omnibus F-tests</a:t>
-            </a:r>
-          </a:p>
-        </p:txBody>
-      </p:sp>
-      <p:sp>
-        <p:nvSpPr>
-          <p:cNvPr id="15" name="TextBox 14"/>
-          <p:cNvSpPr txBox="1"/>
-          <p:nvPr/>
-        </p:nvSpPr>
-        <p:spPr>
-          <a:xfrm>
-            <a:off x="3473229" y="3827424"/>
-            <a:ext cx="2184037" cy="923330"/>
-          </a:xfrm>
-          <a:prstGeom prst="rect">
-            <a:avLst/>
-          </a:prstGeom>
-          <a:noFill/>
-        </p:spPr>
-        <p:txBody>
-          <a:bodyPr wrap="square" rtlCol="0">
-            <a:spAutoFit/>
-          </a:bodyPr>
-          <a:lstStyle/>
-          <a:p>
-            <a:pPr algn="ctr"/>
-            <a:r>
-              <a:rPr lang="en-US" u="sng" dirty="0"/>
-              <a:t>Interactions</a:t>
-            </a:r>
-          </a:p>
-          <a:p>
-            <a:pPr algn="ctr"/>
-            <a:r>
-              <a:rPr lang="en-US" dirty="0"/>
-              <a:t>2-way means plots</a:t>
-            </a:r>
-          </a:p>
-          <a:p>
-            <a:pPr algn="ctr"/>
-            <a:r>
-              <a:rPr lang="en-US" dirty="0"/>
-              <a:t>Interaction contrasts</a:t>
-            </a:r>
-          </a:p>
-        </p:txBody>
-      </p:sp>
-      <p:sp>
-        <p:nvSpPr>
-          <p:cNvPr id="16" name="TextBox 15"/>
-          <p:cNvSpPr txBox="1"/>
-          <p:nvPr/>
-        </p:nvSpPr>
-        <p:spPr>
-          <a:xfrm>
-            <a:off x="4851703" y="4576843"/>
-            <a:ext cx="2667658" cy="1200329"/>
-          </a:xfrm>
-          <a:prstGeom prst="rect">
-            <a:avLst/>
-          </a:prstGeom>
-          <a:noFill/>
-        </p:spPr>
-        <p:txBody>
-          <a:bodyPr wrap="square" rtlCol="0">
-            <a:spAutoFit/>
-          </a:bodyPr>
-          <a:lstStyle/>
-          <a:p>
-            <a:pPr algn="ctr"/>
-            <a:r>
-              <a:rPr lang="en-US" u="sng" dirty="0"/>
-              <a:t>Main Effects</a:t>
-            </a:r>
-          </a:p>
-          <a:p>
-            <a:pPr algn="ctr"/>
-            <a:r>
-              <a:rPr lang="en-US" dirty="0"/>
-              <a:t>1-way means table</a:t>
-            </a:r>
-          </a:p>
-          <a:p>
-            <a:pPr algn="ctr"/>
-            <a:r>
-              <a:rPr lang="en-US" dirty="0"/>
-              <a:t>1-way means plot</a:t>
-            </a:r>
-          </a:p>
-          <a:p>
-            <a:pPr algn="ctr"/>
-            <a:r>
-              <a:rPr lang="en-US" dirty="0"/>
-              <a:t>Pairwise post hoc t-tests</a:t>
+              <a:rPr lang="en-US" b="1" dirty="0">
+                <a:solidFill>
+                  <a:schemeClr val="accent1">
+                    <a:lumMod val="75000"/>
+                  </a:schemeClr>
+                </a:solidFill>
+              </a:rPr>
+              <a:t>Covid-19</a:t>
             </a:r>
           </a:p>
         </p:txBody>
@@ -8504,7 +8584,7 @@
     </p:spTree>
     <p:extLst>
       <p:ext uri="{BB962C8B-B14F-4D97-AF65-F5344CB8AC3E}">
-        <p14:creationId xmlns:p14="http://schemas.microsoft.com/office/powerpoint/2010/main" val="1875168771"/>
+        <p14:creationId xmlns:p14="http://schemas.microsoft.com/office/powerpoint/2010/main" val="707466089"/>
       </p:ext>
     </p:extLst>
   </p:cSld>
@@ -8637,7 +8717,7 @@
             <a:pPr algn="ctr"/>
             <a:r>
               <a:rPr lang="en-US" dirty="0"/>
-              <a:t>April 2, 2020</a:t>
+              <a:t>April 7, 2020</a:t>
             </a:r>
           </a:p>
         </p:txBody>
@@ -8681,7 +8761,7 @@
             <a:pPr algn="ctr"/>
             <a:r>
               <a:rPr lang="en-US" dirty="0"/>
-              <a:t>Items # 2, 3, &amp; 5</a:t>
+              <a:t>Items # 4, 5, &amp; 6</a:t>
             </a:r>
           </a:p>
         </p:txBody>
@@ -8980,7 +9060,7 @@
     </p:spTree>
     <p:extLst>
       <p:ext uri="{BB962C8B-B14F-4D97-AF65-F5344CB8AC3E}">
-        <p14:creationId xmlns:p14="http://schemas.microsoft.com/office/powerpoint/2010/main" val="3811887098"/>
+        <p14:creationId xmlns:p14="http://schemas.microsoft.com/office/powerpoint/2010/main" val="1875168771"/>
       </p:ext>
     </p:extLst>
   </p:cSld>
@@ -9015,7 +9095,7 @@
         </p:nvSpPr>
         <p:spPr>
           <a:xfrm>
-            <a:off x="1808702" y="824230"/>
+            <a:off x="1853580" y="824230"/>
             <a:ext cx="8778240" cy="5010912"/>
           </a:xfrm>
           <a:prstGeom prst="rect">
@@ -9061,7 +9141,7 @@
         </p:nvSpPr>
         <p:spPr>
           <a:xfrm>
-            <a:off x="4003824" y="1483154"/>
+            <a:off x="3838696" y="1056832"/>
             <a:ext cx="5712369" cy="1754326"/>
           </a:xfrm>
           <a:prstGeom prst="rect">
@@ -9077,13 +9157,13 @@
           <a:p>
             <a:r>
               <a:rPr lang="en-US" sz="5400" dirty="0"/>
-              <a:t>HOMEWORK</a:t>
+              <a:t>Virtual </a:t>
             </a:r>
           </a:p>
           <a:p>
             <a:r>
               <a:rPr lang="en-US" sz="5400" dirty="0"/>
-              <a:t>HELP</a:t>
+              <a:t>Office Hours</a:t>
             </a:r>
           </a:p>
         </p:txBody>
@@ -9113,7 +9193,7 @@
             <a:pPr algn="ctr"/>
             <a:r>
               <a:rPr lang="en-US" dirty="0"/>
-              <a:t>April. 1, 2020</a:t>
+              <a:t>April 2, 2020</a:t>
             </a:r>
           </a:p>
         </p:txBody>
@@ -9126,8 +9206,8 @@
         </p:nvSpPr>
         <p:spPr>
           <a:xfrm>
-            <a:off x="2105405" y="3257394"/>
-            <a:ext cx="5005769" cy="1477328"/>
+            <a:off x="3133161" y="2743036"/>
+            <a:ext cx="5005769" cy="923330"/>
           </a:xfrm>
           <a:prstGeom prst="rect">
             <a:avLst/>
@@ -9143,33 +9223,22 @@
             <a:pPr algn="ctr"/>
             <a:r>
               <a:rPr lang="en-US" dirty="0"/>
-              <a:t>Chapter 14</a:t>
+              <a:t>HW 14 </a:t>
             </a:r>
           </a:p>
           <a:p>
             <a:pPr algn="ctr"/>
             <a:r>
               <a:rPr lang="en-US" b="1" u="sng" dirty="0"/>
-              <a:t>2-way Factorial ANOVA</a:t>
-            </a:r>
-          </a:p>
-          <a:p>
-            <a:pPr algn="ctr"/>
-            <a:r>
-              <a:rPr lang="en-US" b="1" dirty="0"/>
-              <a:t>14A #6: MS and F formulas </a:t>
-            </a:r>
-          </a:p>
-          <a:p>
-            <a:pPr algn="ctr"/>
-            <a:r>
-              <a:rPr lang="en-US" b="1" dirty="0"/>
-              <a:t>Based on a means table</a:t>
-            </a:r>
-          </a:p>
-          <a:p>
-            <a:pPr algn="ctr"/>
-            <a:endParaRPr lang="en-US" b="1" dirty="0"/>
+              <a:t>2-way Factorial ANOVAs</a:t>
+            </a:r>
+          </a:p>
+          <a:p>
+            <a:pPr algn="ctr"/>
+            <a:r>
+              <a:rPr lang="en-US" dirty="0"/>
+              <a:t>Items # 2, 3, &amp; 5</a:t>
+            </a:r>
           </a:p>
         </p:txBody>
       </p:sp>
@@ -9308,102 +9377,166 @@
           </a:prstGeom>
         </p:spPr>
       </p:pic>
-      <p:grpSp>
-        <p:nvGrpSpPr>
-          <p:cNvPr id="13" name="Group 12"/>
-          <p:cNvGrpSpPr/>
-          <p:nvPr/>
-        </p:nvGrpSpPr>
-        <p:grpSpPr>
-          <a:xfrm>
-            <a:off x="1908176" y="4866721"/>
-            <a:ext cx="1855222" cy="824421"/>
-            <a:chOff x="1908176" y="4866721"/>
-            <a:chExt cx="1855222" cy="824421"/>
-          </a:xfrm>
-        </p:grpSpPr>
-        <p:pic>
-          <p:nvPicPr>
-            <p:cNvPr id="15" name="Picture 2" descr="Image result for virus"/>
-            <p:cNvPicPr>
-              <a:picLocks noChangeAspect="1" noChangeArrowheads="1"/>
-            </p:cNvPicPr>
-            <p:nvPr/>
-          </p:nvPicPr>
-          <p:blipFill>
-            <a:blip r:embed="rId6" cstate="print">
-              <a:extLst>
-                <a:ext uri="{28A0092B-C50C-407E-A947-70E740481C1C}">
-                  <a14:useLocalDpi xmlns:a14="http://schemas.microsoft.com/office/drawing/2010/main" val="0"/>
-                </a:ext>
-              </a:extLst>
-            </a:blip>
-            <a:srcRect/>
-            <a:stretch>
-              <a:fillRect/>
-            </a:stretch>
-          </p:blipFill>
-          <p:spPr bwMode="auto">
-            <a:xfrm>
-              <a:off x="1908176" y="4866721"/>
-              <a:ext cx="825034" cy="824421"/>
-            </a:xfrm>
-            <a:prstGeom prst="rect">
-              <a:avLst/>
-            </a:prstGeom>
-            <a:noFill/>
-            <a:extLst>
-              <a:ext uri="{909E8E84-426E-40DD-AFC4-6F175D3DCCD1}">
-                <a14:hiddenFill xmlns:a14="http://schemas.microsoft.com/office/drawing/2010/main">
-                  <a:solidFill>
-                    <a:srgbClr val="FFFFFF"/>
-                  </a:solidFill>
-                </a14:hiddenFill>
-              </a:ext>
-            </a:extLst>
-          </p:spPr>
-        </p:pic>
-        <p:sp>
-          <p:nvSpPr>
-            <p:cNvPr id="16" name="TextBox 15"/>
-            <p:cNvSpPr txBox="1"/>
-            <p:nvPr/>
-          </p:nvSpPr>
-          <p:spPr>
-            <a:xfrm>
-              <a:off x="2524444" y="5254195"/>
-              <a:ext cx="1238954" cy="369332"/>
-            </a:xfrm>
-            <a:prstGeom prst="rect">
-              <a:avLst/>
-            </a:prstGeom>
-            <a:noFill/>
-          </p:spPr>
-          <p:txBody>
-            <a:bodyPr wrap="square" rtlCol="0">
-              <a:spAutoFit/>
-            </a:bodyPr>
-            <a:lstStyle/>
-            <a:p>
-              <a:pPr algn="ctr"/>
-              <a:r>
-                <a:rPr lang="en-US" b="1" dirty="0">
-                  <a:solidFill>
-                    <a:schemeClr val="accent1">
-                      <a:lumMod val="75000"/>
-                    </a:schemeClr>
-                  </a:solidFill>
-                </a:rPr>
-                <a:t>Covid-19</a:t>
-              </a:r>
-            </a:p>
-          </p:txBody>
-        </p:sp>
-      </p:grpSp>
+      <p:pic>
+        <p:nvPicPr>
+          <p:cNvPr id="5" name="Picture 4"/>
+          <p:cNvPicPr>
+            <a:picLocks noChangeAspect="1"/>
+          </p:cNvPicPr>
+          <p:nvPr/>
+        </p:nvPicPr>
+        <p:blipFill>
+          <a:blip r:embed="rId6"/>
+          <a:stretch>
+            <a:fillRect/>
+          </a:stretch>
+        </p:blipFill>
+        <p:spPr>
+          <a:xfrm>
+            <a:off x="1985351" y="4872564"/>
+            <a:ext cx="1853345" cy="853514"/>
+          </a:xfrm>
+          <a:prstGeom prst="rect">
+            <a:avLst/>
+          </a:prstGeom>
+        </p:spPr>
+      </p:pic>
+      <p:sp>
+        <p:nvSpPr>
+          <p:cNvPr id="6" name="TextBox 5"/>
+          <p:cNvSpPr txBox="1"/>
+          <p:nvPr/>
+        </p:nvSpPr>
+        <p:spPr>
+          <a:xfrm>
+            <a:off x="2163479" y="3316893"/>
+            <a:ext cx="1952216" cy="646331"/>
+          </a:xfrm>
+          <a:prstGeom prst="rect">
+            <a:avLst/>
+          </a:prstGeom>
+          <a:noFill/>
+        </p:spPr>
+        <p:txBody>
+          <a:bodyPr wrap="square" rtlCol="0">
+            <a:spAutoFit/>
+          </a:bodyPr>
+          <a:lstStyle/>
+          <a:p>
+            <a:pPr algn="ctr"/>
+            <a:r>
+              <a:rPr lang="en-US" u="sng" dirty="0"/>
+              <a:t>Factorial ANOVA</a:t>
+            </a:r>
+          </a:p>
+          <a:p>
+            <a:pPr algn="ctr"/>
+            <a:r>
+              <a:rPr lang="en-US" dirty="0"/>
+              <a:t>Omnibus F-tests</a:t>
+            </a:r>
+          </a:p>
+        </p:txBody>
+      </p:sp>
+      <p:sp>
+        <p:nvSpPr>
+          <p:cNvPr id="15" name="TextBox 14"/>
+          <p:cNvSpPr txBox="1"/>
+          <p:nvPr/>
+        </p:nvSpPr>
+        <p:spPr>
+          <a:xfrm>
+            <a:off x="3473229" y="3827424"/>
+            <a:ext cx="2184037" cy="923330"/>
+          </a:xfrm>
+          <a:prstGeom prst="rect">
+            <a:avLst/>
+          </a:prstGeom>
+          <a:noFill/>
+        </p:spPr>
+        <p:txBody>
+          <a:bodyPr wrap="square" rtlCol="0">
+            <a:spAutoFit/>
+          </a:bodyPr>
+          <a:lstStyle/>
+          <a:p>
+            <a:pPr algn="ctr"/>
+            <a:r>
+              <a:rPr lang="en-US" u="sng" dirty="0"/>
+              <a:t>Interactions</a:t>
+            </a:r>
+          </a:p>
+          <a:p>
+            <a:pPr algn="ctr"/>
+            <a:r>
+              <a:rPr lang="en-US" dirty="0"/>
+              <a:t>2-way means plots</a:t>
+            </a:r>
+          </a:p>
+          <a:p>
+            <a:pPr algn="ctr"/>
+            <a:r>
+              <a:rPr lang="en-US" dirty="0"/>
+              <a:t>Interaction contrasts</a:t>
+            </a:r>
+          </a:p>
+        </p:txBody>
+      </p:sp>
+      <p:sp>
+        <p:nvSpPr>
+          <p:cNvPr id="16" name="TextBox 15"/>
+          <p:cNvSpPr txBox="1"/>
+          <p:nvPr/>
+        </p:nvSpPr>
+        <p:spPr>
+          <a:xfrm>
+            <a:off x="4851703" y="4576843"/>
+            <a:ext cx="2667658" cy="1200329"/>
+          </a:xfrm>
+          <a:prstGeom prst="rect">
+            <a:avLst/>
+          </a:prstGeom>
+          <a:noFill/>
+        </p:spPr>
+        <p:txBody>
+          <a:bodyPr wrap="square" rtlCol="0">
+            <a:spAutoFit/>
+          </a:bodyPr>
+          <a:lstStyle/>
+          <a:p>
+            <a:pPr algn="ctr"/>
+            <a:r>
+              <a:rPr lang="en-US" u="sng" dirty="0"/>
+              <a:t>Main Effects</a:t>
+            </a:r>
+          </a:p>
+          <a:p>
+            <a:pPr algn="ctr"/>
+            <a:r>
+              <a:rPr lang="en-US" dirty="0"/>
+              <a:t>1-way means table</a:t>
+            </a:r>
+          </a:p>
+          <a:p>
+            <a:pPr algn="ctr"/>
+            <a:r>
+              <a:rPr lang="en-US" dirty="0"/>
+              <a:t>1-way means plot</a:t>
+            </a:r>
+          </a:p>
+          <a:p>
+            <a:pPr algn="ctr"/>
+            <a:r>
+              <a:rPr lang="en-US" dirty="0"/>
+              <a:t>Pairwise post hoc t-tests</a:t>
+            </a:r>
+          </a:p>
+        </p:txBody>
+      </p:sp>
     </p:spTree>
     <p:extLst>
       <p:ext uri="{BB962C8B-B14F-4D97-AF65-F5344CB8AC3E}">
-        <p14:creationId xmlns:p14="http://schemas.microsoft.com/office/powerpoint/2010/main" val="969755914"/>
+        <p14:creationId xmlns:p14="http://schemas.microsoft.com/office/powerpoint/2010/main" val="3811887098"/>
       </p:ext>
     </p:extLst>
   </p:cSld>
@@ -9484,7 +9617,7 @@
         </p:nvSpPr>
         <p:spPr>
           <a:xfrm>
-            <a:off x="4184694" y="1065121"/>
+            <a:off x="4003824" y="1483154"/>
             <a:ext cx="5712369" cy="1754326"/>
           </a:xfrm>
           <a:prstGeom prst="rect">
@@ -9500,7 +9633,13 @@
           <a:p>
             <a:r>
               <a:rPr lang="en-US" sz="5400" dirty="0"/>
-              <a:t>OUT-OF-CLASS LECTURES</a:t>
+              <a:t>HOMEWORK</a:t>
+            </a:r>
+          </a:p>
+          <a:p>
+            <a:r>
+              <a:rPr lang="en-US" sz="5400" dirty="0"/>
+              <a:t>HELP</a:t>
             </a:r>
           </a:p>
         </p:txBody>
@@ -9530,7 +9669,7 @@
             <a:pPr algn="ctr"/>
             <a:r>
               <a:rPr lang="en-US" dirty="0"/>
-              <a:t>March 31, 2020</a:t>
+              <a:t>April. 1, 2020</a:t>
             </a:r>
           </a:p>
         </p:txBody>
@@ -9543,8 +9682,8 @@
         </p:nvSpPr>
         <p:spPr>
           <a:xfrm>
-            <a:off x="2035110" y="3043759"/>
-            <a:ext cx="5005769" cy="1200329"/>
+            <a:off x="2105405" y="3257394"/>
+            <a:ext cx="5005769" cy="1477328"/>
           </a:xfrm>
           <a:prstGeom prst="rect">
             <a:avLst/>
@@ -9573,16 +9712,20 @@
           <a:p>
             <a:pPr algn="ctr"/>
             <a:r>
-              <a:rPr lang="en-US" i="1" dirty="0"/>
-              <a:t>Sleep x Stimulant Example Walk-through </a:t>
-            </a:r>
-          </a:p>
-          <a:p>
-            <a:pPr algn="ctr"/>
-            <a:r>
-              <a:rPr lang="en-US" i="1" dirty="0"/>
-              <a:t>Barry Cohen’s Textbook Example </a:t>
-            </a:r>
+              <a:rPr lang="en-US" b="1" dirty="0"/>
+              <a:t>14A #6: MS and F formulas </a:t>
+            </a:r>
+          </a:p>
+          <a:p>
+            <a:pPr algn="ctr"/>
+            <a:r>
+              <a:rPr lang="en-US" b="1" dirty="0"/>
+              <a:t>Based on a means table</a:t>
+            </a:r>
+          </a:p>
+          <a:p>
+            <a:pPr algn="ctr"/>
+            <a:endParaRPr lang="en-US" b="1" dirty="0"/>
           </a:p>
         </p:txBody>
       </p:sp>
@@ -9723,7 +9866,7 @@
       </p:pic>
       <p:grpSp>
         <p:nvGrpSpPr>
-          <p:cNvPr id="5" name="Group 4"/>
+          <p:cNvPr id="13" name="Group 12"/>
           <p:cNvGrpSpPr/>
           <p:nvPr/>
         </p:nvGrpSpPr>
@@ -9737,7 +9880,7 @@
         </p:grpSpPr>
         <p:pic>
           <p:nvPicPr>
-            <p:cNvPr id="1026" name="Picture 2" descr="Image result for virus"/>
+            <p:cNvPr id="15" name="Picture 2" descr="Image result for virus"/>
             <p:cNvPicPr>
               <a:picLocks noChangeAspect="1" noChangeArrowheads="1"/>
             </p:cNvPicPr>
@@ -9778,7 +9921,7 @@
         </p:pic>
         <p:sp>
           <p:nvSpPr>
-            <p:cNvPr id="13" name="TextBox 12"/>
+            <p:cNvPr id="16" name="TextBox 15"/>
             <p:cNvSpPr txBox="1"/>
             <p:nvPr/>
           </p:nvSpPr>
@@ -9816,7 +9959,7 @@
     </p:spTree>
     <p:extLst>
       <p:ext uri="{BB962C8B-B14F-4D97-AF65-F5344CB8AC3E}">
-        <p14:creationId xmlns:p14="http://schemas.microsoft.com/office/powerpoint/2010/main" val="3068570685"/>
+        <p14:creationId xmlns:p14="http://schemas.microsoft.com/office/powerpoint/2010/main" val="969755914"/>
       </p:ext>
     </p:extLst>
   </p:cSld>
@@ -9987,14 +10130,14 @@
             <a:pPr algn="ctr"/>
             <a:r>
               <a:rPr lang="en-US" i="1" dirty="0"/>
-              <a:t>Lecture slides </a:t>
+              <a:t>Sleep x Stimulant Example Walk-through </a:t>
             </a:r>
           </a:p>
           <a:p>
             <a:pPr algn="ctr"/>
             <a:r>
               <a:rPr lang="en-US" i="1" dirty="0"/>
-              <a:t>(example in separate video)</a:t>
+              <a:t>Barry Cohen’s Textbook Example </a:t>
             </a:r>
           </a:p>
         </p:txBody>
@@ -10134,87 +10277,102 @@
           </a:prstGeom>
         </p:spPr>
       </p:pic>
-      <p:pic>
-        <p:nvPicPr>
-          <p:cNvPr id="1026" name="Picture 2" descr="Image result for virus"/>
-          <p:cNvPicPr>
-            <a:picLocks noChangeAspect="1" noChangeArrowheads="1"/>
-          </p:cNvPicPr>
-          <p:nvPr/>
-        </p:nvPicPr>
-        <p:blipFill>
-          <a:blip r:embed="rId6" cstate="print">
+      <p:grpSp>
+        <p:nvGrpSpPr>
+          <p:cNvPr id="5" name="Group 4"/>
+          <p:cNvGrpSpPr/>
+          <p:nvPr/>
+        </p:nvGrpSpPr>
+        <p:grpSpPr>
+          <a:xfrm>
+            <a:off x="1908176" y="4866721"/>
+            <a:ext cx="1855222" cy="824421"/>
+            <a:chOff x="1908176" y="4866721"/>
+            <a:chExt cx="1855222" cy="824421"/>
+          </a:xfrm>
+        </p:grpSpPr>
+        <p:pic>
+          <p:nvPicPr>
+            <p:cNvPr id="1026" name="Picture 2" descr="Image result for virus"/>
+            <p:cNvPicPr>
+              <a:picLocks noChangeAspect="1" noChangeArrowheads="1"/>
+            </p:cNvPicPr>
+            <p:nvPr/>
+          </p:nvPicPr>
+          <p:blipFill>
+            <a:blip r:embed="rId6" cstate="print">
+              <a:extLst>
+                <a:ext uri="{28A0092B-C50C-407E-A947-70E740481C1C}">
+                  <a14:useLocalDpi xmlns:a14="http://schemas.microsoft.com/office/drawing/2010/main" val="0"/>
+                </a:ext>
+              </a:extLst>
+            </a:blip>
+            <a:srcRect/>
+            <a:stretch>
+              <a:fillRect/>
+            </a:stretch>
+          </p:blipFill>
+          <p:spPr bwMode="auto">
+            <a:xfrm>
+              <a:off x="1908176" y="4866721"/>
+              <a:ext cx="825034" cy="824421"/>
+            </a:xfrm>
+            <a:prstGeom prst="rect">
+              <a:avLst/>
+            </a:prstGeom>
+            <a:noFill/>
             <a:extLst>
-              <a:ext uri="{28A0092B-C50C-407E-A947-70E740481C1C}">
-                <a14:useLocalDpi xmlns:a14="http://schemas.microsoft.com/office/drawing/2010/main" val="0"/>
+              <a:ext uri="{909E8E84-426E-40DD-AFC4-6F175D3DCCD1}">
+                <a14:hiddenFill xmlns:a14="http://schemas.microsoft.com/office/drawing/2010/main">
+                  <a:solidFill>
+                    <a:srgbClr val="FFFFFF"/>
+                  </a:solidFill>
+                </a14:hiddenFill>
               </a:ext>
             </a:extLst>
-          </a:blip>
-          <a:srcRect/>
-          <a:stretch>
-            <a:fillRect/>
-          </a:stretch>
-        </p:blipFill>
-        <p:spPr bwMode="auto">
-          <a:xfrm>
-            <a:off x="1908176" y="4866721"/>
-            <a:ext cx="825034" cy="824421"/>
-          </a:xfrm>
-          <a:prstGeom prst="rect">
-            <a:avLst/>
-          </a:prstGeom>
-          <a:noFill/>
-          <a:extLst>
-            <a:ext uri="{909E8E84-426E-40DD-AFC4-6F175D3DCCD1}">
-              <a14:hiddenFill xmlns:a14="http://schemas.microsoft.com/office/drawing/2010/main">
-                <a:solidFill>
-                  <a:srgbClr val="FFFFFF"/>
-                </a:solidFill>
-              </a14:hiddenFill>
-            </a:ext>
-          </a:extLst>
-        </p:spPr>
-      </p:pic>
-      <p:sp>
-        <p:nvSpPr>
-          <p:cNvPr id="13" name="TextBox 12"/>
-          <p:cNvSpPr txBox="1"/>
-          <p:nvPr/>
-        </p:nvSpPr>
-        <p:spPr>
-          <a:xfrm>
-            <a:off x="2524444" y="5254195"/>
-            <a:ext cx="1238954" cy="369332"/>
-          </a:xfrm>
-          <a:prstGeom prst="rect">
-            <a:avLst/>
-          </a:prstGeom>
-          <a:noFill/>
-        </p:spPr>
-        <p:txBody>
-          <a:bodyPr wrap="square" rtlCol="0">
-            <a:spAutoFit/>
-          </a:bodyPr>
-          <a:lstStyle/>
-          <a:p>
-            <a:pPr algn="ctr"/>
-            <a:r>
-              <a:rPr lang="en-US" b="1" dirty="0">
-                <a:solidFill>
-                  <a:schemeClr val="accent1">
-                    <a:lumMod val="75000"/>
-                  </a:schemeClr>
-                </a:solidFill>
-              </a:rPr>
-              <a:t>Covid-19</a:t>
-            </a:r>
-          </a:p>
-        </p:txBody>
-      </p:sp>
+          </p:spPr>
+        </p:pic>
+        <p:sp>
+          <p:nvSpPr>
+            <p:cNvPr id="13" name="TextBox 12"/>
+            <p:cNvSpPr txBox="1"/>
+            <p:nvPr/>
+          </p:nvSpPr>
+          <p:spPr>
+            <a:xfrm>
+              <a:off x="2524444" y="5254195"/>
+              <a:ext cx="1238954" cy="369332"/>
+            </a:xfrm>
+            <a:prstGeom prst="rect">
+              <a:avLst/>
+            </a:prstGeom>
+            <a:noFill/>
+          </p:spPr>
+          <p:txBody>
+            <a:bodyPr wrap="square" rtlCol="0">
+              <a:spAutoFit/>
+            </a:bodyPr>
+            <a:lstStyle/>
+            <a:p>
+              <a:pPr algn="ctr"/>
+              <a:r>
+                <a:rPr lang="en-US" b="1" dirty="0">
+                  <a:solidFill>
+                    <a:schemeClr val="accent1">
+                      <a:lumMod val="75000"/>
+                    </a:schemeClr>
+                  </a:solidFill>
+                </a:rPr>
+                <a:t>Covid-19</a:t>
+              </a:r>
+            </a:p>
+          </p:txBody>
+        </p:sp>
+      </p:grpSp>
     </p:spTree>
     <p:extLst>
       <p:ext uri="{BB962C8B-B14F-4D97-AF65-F5344CB8AC3E}">
-        <p14:creationId xmlns:p14="http://schemas.microsoft.com/office/powerpoint/2010/main" val="1235567156"/>
+        <p14:creationId xmlns:p14="http://schemas.microsoft.com/office/powerpoint/2010/main" val="3068570685"/>
       </p:ext>
     </p:extLst>
   </p:cSld>
@@ -10249,7 +10407,7 @@
         </p:nvSpPr>
         <p:spPr>
           <a:xfrm>
-            <a:off x="1853580" y="824230"/>
+            <a:off x="1808702" y="824230"/>
             <a:ext cx="8778240" cy="5010912"/>
           </a:xfrm>
           <a:prstGeom prst="rect">
@@ -10295,7 +10453,7 @@
         </p:nvSpPr>
         <p:spPr>
           <a:xfrm>
-            <a:off x="3838696" y="1056832"/>
+            <a:off x="4184694" y="1065121"/>
             <a:ext cx="5712369" cy="1754326"/>
           </a:xfrm>
           <a:prstGeom prst="rect">
@@ -10311,13 +10469,7 @@
           <a:p>
             <a:r>
               <a:rPr lang="en-US" sz="5400" dirty="0"/>
-              <a:t>Virtual </a:t>
-            </a:r>
-          </a:p>
-          <a:p>
-            <a:r>
-              <a:rPr lang="en-US" sz="5400" dirty="0"/>
-              <a:t>Office Hours</a:t>
+              <a:t>OUT-OF-CLASS LECTURES</a:t>
             </a:r>
           </a:p>
         </p:txBody>
@@ -10347,7 +10499,7 @@
             <a:pPr algn="ctr"/>
             <a:r>
               <a:rPr lang="en-US" dirty="0"/>
-              <a:t>March 25, 2020</a:t>
+              <a:t>March 31, 2020</a:t>
             </a:r>
           </a:p>
         </p:txBody>
@@ -10360,7 +10512,7 @@
         </p:nvSpPr>
         <p:spPr>
           <a:xfrm>
-            <a:off x="2023325" y="2848397"/>
+            <a:off x="2035110" y="3043759"/>
             <a:ext cx="5005769" cy="1200329"/>
           </a:xfrm>
           <a:prstGeom prst="rect">
@@ -10377,26 +10529,29 @@
             <a:pPr algn="ctr"/>
             <a:r>
               <a:rPr lang="en-US" dirty="0"/>
-              <a:t>HW 13 </a:t>
+              <a:t>Chapter 14</a:t>
             </a:r>
           </a:p>
           <a:p>
             <a:pPr algn="ctr"/>
             <a:r>
               <a:rPr lang="en-US" b="1" u="sng" dirty="0"/>
-              <a:t>Multiple Comparisons: pairwise &amp; linear contrasts</a:t>
-            </a:r>
-          </a:p>
-          <a:p>
-            <a:pPr algn="ctr"/>
-            <a:r>
-              <a:rPr lang="en-US" dirty="0"/>
-              <a:t>Items # 5 &amp; 6</a:t>
-            </a:r>
-          </a:p>
-          <a:p>
-            <a:pPr algn="ctr"/>
-            <a:endParaRPr lang="en-US" b="1" dirty="0"/>
+              <a:t>2-way Factorial ANOVA</a:t>
+            </a:r>
+          </a:p>
+          <a:p>
+            <a:pPr algn="ctr"/>
+            <a:r>
+              <a:rPr lang="en-US" i="1" dirty="0"/>
+              <a:t>Lecture slides </a:t>
+            </a:r>
+          </a:p>
+          <a:p>
+            <a:pPr algn="ctr"/>
+            <a:r>
+              <a:rPr lang="en-US" i="1" dirty="0"/>
+              <a:t>(example in separate video)</a:t>
+            </a:r>
           </a:p>
         </p:txBody>
       </p:sp>
@@ -10535,82 +10690,87 @@
           </a:prstGeom>
         </p:spPr>
       </p:pic>
-      <p:sp>
-        <p:nvSpPr>
-          <p:cNvPr id="13" name="TextBox 12"/>
-          <p:cNvSpPr txBox="1"/>
-          <p:nvPr/>
-        </p:nvSpPr>
-        <p:spPr>
-          <a:xfrm>
-            <a:off x="2023324" y="3965983"/>
-            <a:ext cx="5005769" cy="1200329"/>
-          </a:xfrm>
-          <a:prstGeom prst="rect">
-            <a:avLst/>
-          </a:prstGeom>
-          <a:noFill/>
-        </p:spPr>
-        <p:txBody>
-          <a:bodyPr wrap="square" rtlCol="0">
-            <a:spAutoFit/>
-          </a:bodyPr>
-          <a:lstStyle/>
-          <a:p>
-            <a:pPr algn="ctr"/>
-            <a:r>
-              <a:rPr lang="en-US" dirty="0"/>
-              <a:t>HW 12 </a:t>
-            </a:r>
-          </a:p>
-          <a:p>
-            <a:pPr algn="ctr"/>
-            <a:r>
-              <a:rPr lang="en-US" b="1" u="sng" dirty="0"/>
-              <a:t>One-way, independent groups ANOVA</a:t>
-            </a:r>
-          </a:p>
-          <a:p>
-            <a:pPr algn="ctr"/>
-            <a:r>
-              <a:rPr lang="en-US" dirty="0"/>
-              <a:t>Items with APA methods/results</a:t>
-            </a:r>
-          </a:p>
-          <a:p>
-            <a:pPr algn="ctr"/>
-            <a:endParaRPr lang="en-US" b="1" dirty="0"/>
-          </a:p>
-        </p:txBody>
-      </p:sp>
       <p:pic>
         <p:nvPicPr>
-          <p:cNvPr id="5" name="Picture 4"/>
+          <p:cNvPr id="1026" name="Picture 2" descr="Image result for virus"/>
           <p:cNvPicPr>
-            <a:picLocks noChangeAspect="1"/>
+            <a:picLocks noChangeAspect="1" noChangeArrowheads="1"/>
           </p:cNvPicPr>
           <p:nvPr/>
         </p:nvPicPr>
         <p:blipFill>
-          <a:blip r:embed="rId6"/>
+          <a:blip r:embed="rId6" cstate="print">
+            <a:extLst>
+              <a:ext uri="{28A0092B-C50C-407E-A947-70E740481C1C}">
+                <a14:useLocalDpi xmlns:a14="http://schemas.microsoft.com/office/drawing/2010/main" val="0"/>
+              </a:ext>
+            </a:extLst>
+          </a:blip>
+          <a:srcRect/>
           <a:stretch>
             <a:fillRect/>
           </a:stretch>
         </p:blipFill>
-        <p:spPr>
-          <a:xfrm>
-            <a:off x="1985351" y="4872564"/>
-            <a:ext cx="1853345" cy="853514"/>
-          </a:xfrm>
-          <a:prstGeom prst="rect">
-            <a:avLst/>
-          </a:prstGeom>
+        <p:spPr bwMode="auto">
+          <a:xfrm>
+            <a:off x="1908176" y="4866721"/>
+            <a:ext cx="825034" cy="824421"/>
+          </a:xfrm>
+          <a:prstGeom prst="rect">
+            <a:avLst/>
+          </a:prstGeom>
+          <a:noFill/>
+          <a:extLst>
+            <a:ext uri="{909E8E84-426E-40DD-AFC4-6F175D3DCCD1}">
+              <a14:hiddenFill xmlns:a14="http://schemas.microsoft.com/office/drawing/2010/main">
+                <a:solidFill>
+                  <a:srgbClr val="FFFFFF"/>
+                </a:solidFill>
+              </a14:hiddenFill>
+            </a:ext>
+          </a:extLst>
         </p:spPr>
       </p:pic>
+      <p:sp>
+        <p:nvSpPr>
+          <p:cNvPr id="13" name="TextBox 12"/>
+          <p:cNvSpPr txBox="1"/>
+          <p:nvPr/>
+        </p:nvSpPr>
+        <p:spPr>
+          <a:xfrm>
+            <a:off x="2524444" y="5254195"/>
+            <a:ext cx="1238954" cy="369332"/>
+          </a:xfrm>
+          <a:prstGeom prst="rect">
+            <a:avLst/>
+          </a:prstGeom>
+          <a:noFill/>
+        </p:spPr>
+        <p:txBody>
+          <a:bodyPr wrap="square" rtlCol="0">
+            <a:spAutoFit/>
+          </a:bodyPr>
+          <a:lstStyle/>
+          <a:p>
+            <a:pPr algn="ctr"/>
+            <a:r>
+              <a:rPr lang="en-US" b="1" dirty="0">
+                <a:solidFill>
+                  <a:schemeClr val="accent1">
+                    <a:lumMod val="75000"/>
+                  </a:schemeClr>
+                </a:solidFill>
+              </a:rPr>
+              <a:t>Covid-19</a:t>
+            </a:r>
+          </a:p>
+        </p:txBody>
+      </p:sp>
     </p:spTree>
     <p:extLst>
       <p:ext uri="{BB962C8B-B14F-4D97-AF65-F5344CB8AC3E}">
-        <p14:creationId xmlns:p14="http://schemas.microsoft.com/office/powerpoint/2010/main" val="636154248"/>
+        <p14:creationId xmlns:p14="http://schemas.microsoft.com/office/powerpoint/2010/main" val="1235567156"/>
       </p:ext>
     </p:extLst>
   </p:cSld>
@@ -10645,7 +10805,7 @@
         </p:nvSpPr>
         <p:spPr>
           <a:xfrm>
-            <a:off x="1808702" y="824230"/>
+            <a:off x="1853580" y="824230"/>
             <a:ext cx="8778240" cy="5010912"/>
           </a:xfrm>
           <a:prstGeom prst="rect">
@@ -10691,7 +10851,7 @@
         </p:nvSpPr>
         <p:spPr>
           <a:xfrm>
-            <a:off x="4184694" y="1065121"/>
+            <a:off x="3838696" y="1056832"/>
             <a:ext cx="5712369" cy="1754326"/>
           </a:xfrm>
           <a:prstGeom prst="rect">
@@ -10707,7 +10867,13 @@
           <a:p>
             <a:r>
               <a:rPr lang="en-US" sz="5400" dirty="0"/>
-              <a:t>OUT-OF-CLASS LECTURES</a:t>
+              <a:t>Virtual </a:t>
+            </a:r>
+          </a:p>
+          <a:p>
+            <a:r>
+              <a:rPr lang="en-US" sz="5400" dirty="0"/>
+              <a:t>Office Hours</a:t>
             </a:r>
           </a:p>
         </p:txBody>
@@ -10737,7 +10903,7 @@
             <a:pPr algn="ctr"/>
             <a:r>
               <a:rPr lang="en-US" dirty="0"/>
-              <a:t>March 23, 2020</a:t>
+              <a:t>March 25, 2020</a:t>
             </a:r>
           </a:p>
         </p:txBody>
@@ -10750,8 +10916,8 @@
         </p:nvSpPr>
         <p:spPr>
           <a:xfrm>
-            <a:off x="2035110" y="3043759"/>
-            <a:ext cx="5005769" cy="1477328"/>
+            <a:off x="2023325" y="2848397"/>
+            <a:ext cx="5005769" cy="1200329"/>
           </a:xfrm>
           <a:prstGeom prst="rect">
             <a:avLst/>
@@ -10767,52 +10933,26 @@
             <a:pPr algn="ctr"/>
             <a:r>
               <a:rPr lang="en-US" dirty="0"/>
-              <a:t>Chapter 13</a:t>
+              <a:t>HW 13 </a:t>
             </a:r>
           </a:p>
           <a:p>
             <a:pPr algn="ctr"/>
             <a:r>
               <a:rPr lang="en-US" b="1" u="sng" dirty="0"/>
-              <a:t>Multiple Comparisons Procedures</a:t>
-            </a:r>
-          </a:p>
-          <a:p>
-            <a:pPr algn="ctr"/>
-            <a:r>
-              <a:rPr lang="en-US" i="1" dirty="0"/>
-              <a:t>Lecture slides, part 2 of 2</a:t>
-            </a:r>
-          </a:p>
-          <a:p>
-            <a:pPr algn="ctr"/>
-            <a:r>
-              <a:rPr lang="en-US" i="1" dirty="0"/>
-              <a:t>Includes example in R (</a:t>
-            </a:r>
-            <a:r>
-              <a:rPr lang="en-US" i="1" dirty="0" err="1"/>
-              <a:t>afex</a:t>
-            </a:r>
-            <a:r>
-              <a:rPr lang="en-US" i="1" dirty="0"/>
-              <a:t> &amp; </a:t>
-            </a:r>
-            <a:r>
-              <a:rPr lang="en-US" i="1" dirty="0" err="1"/>
-              <a:t>emmeans</a:t>
-            </a:r>
-            <a:r>
-              <a:rPr lang="en-US" i="1" dirty="0"/>
-              <a:t>)</a:t>
-            </a:r>
-          </a:p>
-          <a:p>
-            <a:pPr algn="ctr"/>
-            <a:r>
-              <a:rPr lang="en-US" i="1" dirty="0"/>
-              <a:t>linear contrast statements: by hand and code</a:t>
-            </a:r>
+              <a:t>Multiple Comparisons: pairwise &amp; linear contrasts</a:t>
+            </a:r>
+          </a:p>
+          <a:p>
+            <a:pPr algn="ctr"/>
+            <a:r>
+              <a:rPr lang="en-US" dirty="0"/>
+              <a:t>Items # 5 &amp; 6</a:t>
+            </a:r>
+          </a:p>
+          <a:p>
+            <a:pPr algn="ctr"/>
+            <a:endParaRPr lang="en-US" b="1" dirty="0"/>
           </a:p>
         </p:txBody>
       </p:sp>
@@ -10951,102 +11091,82 @@
           </a:prstGeom>
         </p:spPr>
       </p:pic>
-      <p:grpSp>
-        <p:nvGrpSpPr>
-          <p:cNvPr id="5" name="Group 4"/>
-          <p:cNvGrpSpPr/>
-          <p:nvPr/>
-        </p:nvGrpSpPr>
-        <p:grpSpPr>
-          <a:xfrm>
-            <a:off x="1908176" y="4866721"/>
-            <a:ext cx="1855222" cy="824421"/>
-            <a:chOff x="1908176" y="4866721"/>
-            <a:chExt cx="1855222" cy="824421"/>
-          </a:xfrm>
-        </p:grpSpPr>
-        <p:pic>
-          <p:nvPicPr>
-            <p:cNvPr id="1026" name="Picture 2" descr="Image result for virus"/>
-            <p:cNvPicPr>
-              <a:picLocks noChangeAspect="1" noChangeArrowheads="1"/>
-            </p:cNvPicPr>
-            <p:nvPr/>
-          </p:nvPicPr>
-          <p:blipFill>
-            <a:blip r:embed="rId6" cstate="print">
-              <a:extLst>
-                <a:ext uri="{28A0092B-C50C-407E-A947-70E740481C1C}">
-                  <a14:useLocalDpi xmlns:a14="http://schemas.microsoft.com/office/drawing/2010/main" val="0"/>
-                </a:ext>
-              </a:extLst>
-            </a:blip>
-            <a:srcRect/>
-            <a:stretch>
-              <a:fillRect/>
-            </a:stretch>
-          </p:blipFill>
-          <p:spPr bwMode="auto">
-            <a:xfrm>
-              <a:off x="1908176" y="4866721"/>
-              <a:ext cx="825034" cy="824421"/>
-            </a:xfrm>
-            <a:prstGeom prst="rect">
-              <a:avLst/>
-            </a:prstGeom>
-            <a:noFill/>
-            <a:extLst>
-              <a:ext uri="{909E8E84-426E-40DD-AFC4-6F175D3DCCD1}">
-                <a14:hiddenFill xmlns:a14="http://schemas.microsoft.com/office/drawing/2010/main">
-                  <a:solidFill>
-                    <a:srgbClr val="FFFFFF"/>
-                  </a:solidFill>
-                </a14:hiddenFill>
-              </a:ext>
-            </a:extLst>
-          </p:spPr>
-        </p:pic>
-        <p:sp>
-          <p:nvSpPr>
-            <p:cNvPr id="13" name="TextBox 12"/>
-            <p:cNvSpPr txBox="1"/>
-            <p:nvPr/>
-          </p:nvSpPr>
-          <p:spPr>
-            <a:xfrm>
-              <a:off x="2524444" y="5254195"/>
-              <a:ext cx="1238954" cy="369332"/>
-            </a:xfrm>
-            <a:prstGeom prst="rect">
-              <a:avLst/>
-            </a:prstGeom>
-            <a:noFill/>
-          </p:spPr>
-          <p:txBody>
-            <a:bodyPr wrap="square" rtlCol="0">
-              <a:spAutoFit/>
-            </a:bodyPr>
-            <a:lstStyle/>
-            <a:p>
-              <a:pPr algn="ctr"/>
-              <a:r>
-                <a:rPr lang="en-US" b="1" dirty="0">
-                  <a:solidFill>
-                    <a:schemeClr val="accent1">
-                      <a:lumMod val="75000"/>
-                    </a:schemeClr>
-                  </a:solidFill>
-                </a:rPr>
-                <a:t>Covid-19</a:t>
-              </a:r>
-            </a:p>
-          </p:txBody>
-        </p:sp>
-      </p:grpSp>
+      <p:sp>
+        <p:nvSpPr>
+          <p:cNvPr id="13" name="TextBox 12"/>
+          <p:cNvSpPr txBox="1"/>
+          <p:nvPr/>
+        </p:nvSpPr>
+        <p:spPr>
+          <a:xfrm>
+            <a:off x="2023324" y="3965983"/>
+            <a:ext cx="5005769" cy="1200329"/>
+          </a:xfrm>
+          <a:prstGeom prst="rect">
+            <a:avLst/>
+          </a:prstGeom>
+          <a:noFill/>
+        </p:spPr>
+        <p:txBody>
+          <a:bodyPr wrap="square" rtlCol="0">
+            <a:spAutoFit/>
+          </a:bodyPr>
+          <a:lstStyle/>
+          <a:p>
+            <a:pPr algn="ctr"/>
+            <a:r>
+              <a:rPr lang="en-US" dirty="0"/>
+              <a:t>HW 12 </a:t>
+            </a:r>
+          </a:p>
+          <a:p>
+            <a:pPr algn="ctr"/>
+            <a:r>
+              <a:rPr lang="en-US" b="1" u="sng" dirty="0"/>
+              <a:t>One-way, independent groups ANOVA</a:t>
+            </a:r>
+          </a:p>
+          <a:p>
+            <a:pPr algn="ctr"/>
+            <a:r>
+              <a:rPr lang="en-US" dirty="0"/>
+              <a:t>Items with APA methods/results</a:t>
+            </a:r>
+          </a:p>
+          <a:p>
+            <a:pPr algn="ctr"/>
+            <a:endParaRPr lang="en-US" b="1" dirty="0"/>
+          </a:p>
+        </p:txBody>
+      </p:sp>
+      <p:pic>
+        <p:nvPicPr>
+          <p:cNvPr id="5" name="Picture 4"/>
+          <p:cNvPicPr>
+            <a:picLocks noChangeAspect="1"/>
+          </p:cNvPicPr>
+          <p:nvPr/>
+        </p:nvPicPr>
+        <p:blipFill>
+          <a:blip r:embed="rId6"/>
+          <a:stretch>
+            <a:fillRect/>
+          </a:stretch>
+        </p:blipFill>
+        <p:spPr>
+          <a:xfrm>
+            <a:off x="1985351" y="4872564"/>
+            <a:ext cx="1853345" cy="853514"/>
+          </a:xfrm>
+          <a:prstGeom prst="rect">
+            <a:avLst/>
+          </a:prstGeom>
+        </p:spPr>
+      </p:pic>
     </p:spTree>
     <p:extLst>
       <p:ext uri="{BB962C8B-B14F-4D97-AF65-F5344CB8AC3E}">
-        <p14:creationId xmlns:p14="http://schemas.microsoft.com/office/powerpoint/2010/main" val="3788962138"/>
+        <p14:creationId xmlns:p14="http://schemas.microsoft.com/office/powerpoint/2010/main" val="636154248"/>
       </p:ext>
     </p:extLst>
   </p:cSld>
@@ -11187,7 +11307,7 @@
         <p:spPr>
           <a:xfrm>
             <a:off x="2035110" y="3043759"/>
-            <a:ext cx="5005769" cy="1200329"/>
+            <a:ext cx="5005769" cy="1477328"/>
           </a:xfrm>
           <a:prstGeom prst="rect">
             <a:avLst/>
@@ -11217,14 +11337,37 @@
             <a:pPr algn="ctr"/>
             <a:r>
               <a:rPr lang="en-US" i="1" dirty="0"/>
-              <a:t>Lecture slides </a:t>
+              <a:t>Lecture slides, part 2 of 2</a:t>
             </a:r>
           </a:p>
           <a:p>
             <a:pPr algn="ctr"/>
             <a:r>
               <a:rPr lang="en-US" i="1" dirty="0"/>
-              <a:t>(excludes linear contrast statements)</a:t>
+              <a:t>Includes example in R (</a:t>
+            </a:r>
+            <a:r>
+              <a:rPr lang="en-US" i="1" dirty="0" err="1"/>
+              <a:t>afex</a:t>
+            </a:r>
+            <a:r>
+              <a:rPr lang="en-US" i="1" dirty="0"/>
+              <a:t> &amp; </a:t>
+            </a:r>
+            <a:r>
+              <a:rPr lang="en-US" i="1" dirty="0" err="1"/>
+              <a:t>emmeans</a:t>
+            </a:r>
+            <a:r>
+              <a:rPr lang="en-US" i="1" dirty="0"/>
+              <a:t>)</a:t>
+            </a:r>
+          </a:p>
+          <a:p>
+            <a:pPr algn="ctr"/>
+            <a:r>
+              <a:rPr lang="en-US" i="1" dirty="0"/>
+              <a:t>linear contrast statements: by hand and code</a:t>
             </a:r>
           </a:p>
         </p:txBody>
@@ -11364,87 +11507,102 @@
           </a:prstGeom>
         </p:spPr>
       </p:pic>
-      <p:pic>
-        <p:nvPicPr>
-          <p:cNvPr id="1026" name="Picture 2" descr="Image result for virus"/>
-          <p:cNvPicPr>
-            <a:picLocks noChangeAspect="1" noChangeArrowheads="1"/>
-          </p:cNvPicPr>
-          <p:nvPr/>
-        </p:nvPicPr>
-        <p:blipFill>
-          <a:blip r:embed="rId6" cstate="print">
+      <p:grpSp>
+        <p:nvGrpSpPr>
+          <p:cNvPr id="5" name="Group 4"/>
+          <p:cNvGrpSpPr/>
+          <p:nvPr/>
+        </p:nvGrpSpPr>
+        <p:grpSpPr>
+          <a:xfrm>
+            <a:off x="1908176" y="4866721"/>
+            <a:ext cx="1855222" cy="824421"/>
+            <a:chOff x="1908176" y="4866721"/>
+            <a:chExt cx="1855222" cy="824421"/>
+          </a:xfrm>
+        </p:grpSpPr>
+        <p:pic>
+          <p:nvPicPr>
+            <p:cNvPr id="1026" name="Picture 2" descr="Image result for virus"/>
+            <p:cNvPicPr>
+              <a:picLocks noChangeAspect="1" noChangeArrowheads="1"/>
+            </p:cNvPicPr>
+            <p:nvPr/>
+          </p:nvPicPr>
+          <p:blipFill>
+            <a:blip r:embed="rId6" cstate="print">
+              <a:extLst>
+                <a:ext uri="{28A0092B-C50C-407E-A947-70E740481C1C}">
+                  <a14:useLocalDpi xmlns:a14="http://schemas.microsoft.com/office/drawing/2010/main" val="0"/>
+                </a:ext>
+              </a:extLst>
+            </a:blip>
+            <a:srcRect/>
+            <a:stretch>
+              <a:fillRect/>
+            </a:stretch>
+          </p:blipFill>
+          <p:spPr bwMode="auto">
+            <a:xfrm>
+              <a:off x="1908176" y="4866721"/>
+              <a:ext cx="825034" cy="824421"/>
+            </a:xfrm>
+            <a:prstGeom prst="rect">
+              <a:avLst/>
+            </a:prstGeom>
+            <a:noFill/>
             <a:extLst>
-              <a:ext uri="{28A0092B-C50C-407E-A947-70E740481C1C}">
-                <a14:useLocalDpi xmlns:a14="http://schemas.microsoft.com/office/drawing/2010/main" val="0"/>
+              <a:ext uri="{909E8E84-426E-40DD-AFC4-6F175D3DCCD1}">
+                <a14:hiddenFill xmlns:a14="http://schemas.microsoft.com/office/drawing/2010/main">
+                  <a:solidFill>
+                    <a:srgbClr val="FFFFFF"/>
+                  </a:solidFill>
+                </a14:hiddenFill>
               </a:ext>
             </a:extLst>
-          </a:blip>
-          <a:srcRect/>
-          <a:stretch>
-            <a:fillRect/>
-          </a:stretch>
-        </p:blipFill>
-        <p:spPr bwMode="auto">
-          <a:xfrm>
-            <a:off x="1908176" y="4866721"/>
-            <a:ext cx="825034" cy="824421"/>
-          </a:xfrm>
-          <a:prstGeom prst="rect">
-            <a:avLst/>
-          </a:prstGeom>
-          <a:noFill/>
-          <a:extLst>
-            <a:ext uri="{909E8E84-426E-40DD-AFC4-6F175D3DCCD1}">
-              <a14:hiddenFill xmlns:a14="http://schemas.microsoft.com/office/drawing/2010/main">
-                <a:solidFill>
-                  <a:srgbClr val="FFFFFF"/>
-                </a:solidFill>
-              </a14:hiddenFill>
-            </a:ext>
-          </a:extLst>
-        </p:spPr>
-      </p:pic>
-      <p:sp>
-        <p:nvSpPr>
-          <p:cNvPr id="13" name="TextBox 12"/>
-          <p:cNvSpPr txBox="1"/>
-          <p:nvPr/>
-        </p:nvSpPr>
-        <p:spPr>
-          <a:xfrm>
-            <a:off x="2524444" y="5254195"/>
-            <a:ext cx="1238954" cy="369332"/>
-          </a:xfrm>
-          <a:prstGeom prst="rect">
-            <a:avLst/>
-          </a:prstGeom>
-          <a:noFill/>
-        </p:spPr>
-        <p:txBody>
-          <a:bodyPr wrap="square" rtlCol="0">
-            <a:spAutoFit/>
-          </a:bodyPr>
-          <a:lstStyle/>
-          <a:p>
-            <a:pPr algn="ctr"/>
-            <a:r>
-              <a:rPr lang="en-US" b="1" dirty="0">
-                <a:solidFill>
-                  <a:schemeClr val="accent1">
-                    <a:lumMod val="75000"/>
-                  </a:schemeClr>
-                </a:solidFill>
-              </a:rPr>
-              <a:t>Covid-19</a:t>
-            </a:r>
-          </a:p>
-        </p:txBody>
-      </p:sp>
+          </p:spPr>
+        </p:pic>
+        <p:sp>
+          <p:nvSpPr>
+            <p:cNvPr id="13" name="TextBox 12"/>
+            <p:cNvSpPr txBox="1"/>
+            <p:nvPr/>
+          </p:nvSpPr>
+          <p:spPr>
+            <a:xfrm>
+              <a:off x="2524444" y="5254195"/>
+              <a:ext cx="1238954" cy="369332"/>
+            </a:xfrm>
+            <a:prstGeom prst="rect">
+              <a:avLst/>
+            </a:prstGeom>
+            <a:noFill/>
+          </p:spPr>
+          <p:txBody>
+            <a:bodyPr wrap="square" rtlCol="0">
+              <a:spAutoFit/>
+            </a:bodyPr>
+            <a:lstStyle/>
+            <a:p>
+              <a:pPr algn="ctr"/>
+              <a:r>
+                <a:rPr lang="en-US" b="1" dirty="0">
+                  <a:solidFill>
+                    <a:schemeClr val="accent1">
+                      <a:lumMod val="75000"/>
+                    </a:schemeClr>
+                  </a:solidFill>
+                </a:rPr>
+                <a:t>Covid-19</a:t>
+              </a:r>
+            </a:p>
+          </p:txBody>
+        </p:sp>
+      </p:grpSp>
     </p:spTree>
     <p:extLst>
       <p:ext uri="{BB962C8B-B14F-4D97-AF65-F5344CB8AC3E}">
-        <p14:creationId xmlns:p14="http://schemas.microsoft.com/office/powerpoint/2010/main" val="911328323"/>
+        <p14:creationId xmlns:p14="http://schemas.microsoft.com/office/powerpoint/2010/main" val="3788962138"/>
       </p:ext>
     </p:extLst>
   </p:cSld>
@@ -11525,7 +11683,7 @@
         </p:nvSpPr>
         <p:spPr>
           <a:xfrm>
-            <a:off x="4003824" y="1483154"/>
+            <a:off x="4184694" y="1065121"/>
             <a:ext cx="5712369" cy="1754326"/>
           </a:xfrm>
           <a:prstGeom prst="rect">
@@ -11541,13 +11699,7 @@
           <a:p>
             <a:r>
               <a:rPr lang="en-US" sz="5400" dirty="0"/>
-              <a:t>HOMEWORK</a:t>
-            </a:r>
-          </a:p>
-          <a:p>
-            <a:r>
-              <a:rPr lang="en-US" sz="5400" dirty="0"/>
-              <a:t>HELP</a:t>
+              <a:t>OUT-OF-CLASS LECTURES</a:t>
             </a:r>
           </a:p>
         </p:txBody>
@@ -11577,7 +11729,7 @@
             <a:pPr algn="ctr"/>
             <a:r>
               <a:rPr lang="en-US" dirty="0"/>
-              <a:t>Jan. 24, 2020</a:t>
+              <a:t>March 23, 2020</a:t>
             </a:r>
           </a:p>
         </p:txBody>
@@ -11590,7 +11742,7 @@
         </p:nvSpPr>
         <p:spPr>
           <a:xfrm>
-            <a:off x="2000886" y="3743671"/>
+            <a:off x="2035110" y="3043759"/>
             <a:ext cx="5005769" cy="1200329"/>
           </a:xfrm>
           <a:prstGeom prst="rect">
@@ -11607,34 +11759,29 @@
             <a:pPr algn="ctr"/>
             <a:r>
               <a:rPr lang="en-US" dirty="0"/>
-              <a:t>Chapter 4</a:t>
+              <a:t>Chapter 13</a:t>
             </a:r>
           </a:p>
           <a:p>
             <a:pPr algn="ctr"/>
             <a:r>
               <a:rPr lang="en-US" b="1" u="sng" dirty="0"/>
-              <a:t>Standardized Scores &amp; the Normal Distribution</a:t>
-            </a:r>
-          </a:p>
-          <a:p>
-            <a:pPr algn="ctr"/>
-            <a:r>
-              <a:rPr lang="en-US" b="1" dirty="0"/>
-              <a:t>4B #6: IQ (mu = 100, </a:t>
-            </a:r>
-            <a:r>
-              <a:rPr lang="en-US" b="1" dirty="0" err="1"/>
-              <a:t>sd</a:t>
-            </a:r>
-            <a:r>
-              <a:rPr lang="en-US" b="1" dirty="0"/>
-              <a:t>=15) -&gt; sample w/M = 108</a:t>
-            </a:r>
-          </a:p>
-          <a:p>
-            <a:pPr algn="ctr"/>
-            <a:endParaRPr lang="en-US" b="1" dirty="0"/>
+              <a:t>Multiple Comparisons Procedures</a:t>
+            </a:r>
+          </a:p>
+          <a:p>
+            <a:pPr algn="ctr"/>
+            <a:r>
+              <a:rPr lang="en-US" i="1" dirty="0"/>
+              <a:t>Lecture slides </a:t>
+            </a:r>
+          </a:p>
+          <a:p>
+            <a:pPr algn="ctr"/>
+            <a:r>
+              <a:rPr lang="en-US" i="1" dirty="0"/>
+              <a:t>(excludes linear contrast statements)</a:t>
+            </a:r>
           </a:p>
         </p:txBody>
       </p:sp>
@@ -11773,10 +11920,87 @@
           </a:prstGeom>
         </p:spPr>
       </p:pic>
+      <p:pic>
+        <p:nvPicPr>
+          <p:cNvPr id="1026" name="Picture 2" descr="Image result for virus"/>
+          <p:cNvPicPr>
+            <a:picLocks noChangeAspect="1" noChangeArrowheads="1"/>
+          </p:cNvPicPr>
+          <p:nvPr/>
+        </p:nvPicPr>
+        <p:blipFill>
+          <a:blip r:embed="rId6" cstate="print">
+            <a:extLst>
+              <a:ext uri="{28A0092B-C50C-407E-A947-70E740481C1C}">
+                <a14:useLocalDpi xmlns:a14="http://schemas.microsoft.com/office/drawing/2010/main" val="0"/>
+              </a:ext>
+            </a:extLst>
+          </a:blip>
+          <a:srcRect/>
+          <a:stretch>
+            <a:fillRect/>
+          </a:stretch>
+        </p:blipFill>
+        <p:spPr bwMode="auto">
+          <a:xfrm>
+            <a:off x="1908176" y="4866721"/>
+            <a:ext cx="825034" cy="824421"/>
+          </a:xfrm>
+          <a:prstGeom prst="rect">
+            <a:avLst/>
+          </a:prstGeom>
+          <a:noFill/>
+          <a:extLst>
+            <a:ext uri="{909E8E84-426E-40DD-AFC4-6F175D3DCCD1}">
+              <a14:hiddenFill xmlns:a14="http://schemas.microsoft.com/office/drawing/2010/main">
+                <a:solidFill>
+                  <a:srgbClr val="FFFFFF"/>
+                </a:solidFill>
+              </a14:hiddenFill>
+            </a:ext>
+          </a:extLst>
+        </p:spPr>
+      </p:pic>
+      <p:sp>
+        <p:nvSpPr>
+          <p:cNvPr id="13" name="TextBox 12"/>
+          <p:cNvSpPr txBox="1"/>
+          <p:nvPr/>
+        </p:nvSpPr>
+        <p:spPr>
+          <a:xfrm>
+            <a:off x="2524444" y="5254195"/>
+            <a:ext cx="1238954" cy="369332"/>
+          </a:xfrm>
+          <a:prstGeom prst="rect">
+            <a:avLst/>
+          </a:prstGeom>
+          <a:noFill/>
+        </p:spPr>
+        <p:txBody>
+          <a:bodyPr wrap="square" rtlCol="0">
+            <a:spAutoFit/>
+          </a:bodyPr>
+          <a:lstStyle/>
+          <a:p>
+            <a:pPr algn="ctr"/>
+            <a:r>
+              <a:rPr lang="en-US" b="1" dirty="0">
+                <a:solidFill>
+                  <a:schemeClr val="accent1">
+                    <a:lumMod val="75000"/>
+                  </a:schemeClr>
+                </a:solidFill>
+              </a:rPr>
+              <a:t>Covid-19</a:t>
+            </a:r>
+          </a:p>
+        </p:txBody>
+      </p:sp>
     </p:spTree>
     <p:extLst>
       <p:ext uri="{BB962C8B-B14F-4D97-AF65-F5344CB8AC3E}">
-        <p14:creationId xmlns:p14="http://schemas.microsoft.com/office/powerpoint/2010/main" val="3542266102"/>
+        <p14:creationId xmlns:p14="http://schemas.microsoft.com/office/powerpoint/2010/main" val="911328323"/>
       </p:ext>
     </p:extLst>
   </p:cSld>
@@ -11873,7 +12097,13 @@
           <a:p>
             <a:r>
               <a:rPr lang="en-US" sz="5400" dirty="0"/>
-              <a:t>OUT-OF-CLASS LECTURES</a:t>
+              <a:t>HOMEWORK</a:t>
+            </a:r>
+          </a:p>
+          <a:p>
+            <a:r>
+              <a:rPr lang="en-US" sz="5400" dirty="0"/>
+              <a:t>HELP</a:t>
             </a:r>
           </a:p>
         </p:txBody>
@@ -11917,7 +12147,7 @@
         <p:spPr>
           <a:xfrm>
             <a:off x="2000886" y="3743671"/>
-            <a:ext cx="5005769" cy="923330"/>
+            <a:ext cx="5005769" cy="1200329"/>
           </a:xfrm>
           <a:prstGeom prst="rect">
             <a:avLst/>
@@ -11946,9 +12176,21 @@
           <a:p>
             <a:pPr algn="ctr"/>
             <a:r>
-              <a:rPr lang="en-US" i="1" dirty="0"/>
-              <a:t>Lecture Slide Examples Worked</a:t>
-            </a:r>
+              <a:rPr lang="en-US" b="1" dirty="0"/>
+              <a:t>4B #6: IQ (mu = 100, </a:t>
+            </a:r>
+            <a:r>
+              <a:rPr lang="en-US" b="1" dirty="0" err="1"/>
+              <a:t>sd</a:t>
+            </a:r>
+            <a:r>
+              <a:rPr lang="en-US" b="1" dirty="0"/>
+              <a:t>=15) -&gt; sample w/M = 108</a:t>
+            </a:r>
+          </a:p>
+          <a:p>
+            <a:pPr algn="ctr"/>
+            <a:endParaRPr lang="en-US" b="1" dirty="0"/>
           </a:p>
         </p:txBody>
       </p:sp>
@@ -12090,7 +12332,7 @@
     </p:spTree>
     <p:extLst>
       <p:ext uri="{BB962C8B-B14F-4D97-AF65-F5344CB8AC3E}">
-        <p14:creationId xmlns:p14="http://schemas.microsoft.com/office/powerpoint/2010/main" val="267042058"/>
+        <p14:creationId xmlns:p14="http://schemas.microsoft.com/office/powerpoint/2010/main" val="3542266102"/>
       </p:ext>
     </p:extLst>
   </p:cSld>
@@ -12210,7 +12452,7 @@
         <p:spPr>
           <a:xfrm>
             <a:off x="2639881" y="3325287"/>
-            <a:ext cx="5005769" cy="1477328"/>
+            <a:ext cx="5005769" cy="923330"/>
           </a:xfrm>
           <a:prstGeom prst="rect">
             <a:avLst/>
@@ -12226,7 +12468,7 @@
             <a:pPr algn="ctr"/>
             <a:r>
               <a:rPr lang="en-US" dirty="0" smtClean="0"/>
-              <a:t>HW_03, section C</a:t>
+              <a:t>HW_04, section C</a:t>
             </a:r>
             <a:endParaRPr lang="en-US" dirty="0"/>
           </a:p>
@@ -12234,32 +12476,18 @@
             <a:pPr algn="ctr"/>
             <a:r>
               <a:rPr lang="en-US" b="1" u="sng" dirty="0"/>
-              <a:t>Summarizing Data with Descriptive </a:t>
+              <a:t>Standardized </a:t>
             </a:r>
             <a:r>
               <a:rPr lang="en-US" b="1" u="sng" dirty="0" smtClean="0"/>
-              <a:t>Statistics</a:t>
+              <a:t>Scores</a:t>
             </a:r>
           </a:p>
           <a:p>
             <a:pPr algn="ctr"/>
             <a:r>
               <a:rPr lang="en-US" i="1" dirty="0" smtClean="0"/>
-              <a:t>Full Descriptive Summary</a:t>
-            </a:r>
-          </a:p>
-          <a:p>
-            <a:pPr algn="ctr"/>
-            <a:r>
-              <a:rPr lang="en-US" i="1" dirty="0" smtClean="0"/>
-              <a:t>Side-by-Side Boxplots</a:t>
-            </a:r>
-          </a:p>
-          <a:p>
-            <a:pPr algn="ctr"/>
-            <a:r>
-              <a:rPr lang="en-US" i="1" dirty="0" smtClean="0"/>
-              <a:t>“Table 1 “</a:t>
+              <a:t>Calculate z-scores</a:t>
             </a:r>
             <a:endParaRPr lang="en-US" i="1" dirty="0"/>
           </a:p>
@@ -12577,7 +12805,7 @@
     </p:spTree>
     <p:extLst>
       <p:ext uri="{BB962C8B-B14F-4D97-AF65-F5344CB8AC3E}">
-        <p14:creationId xmlns:p14="http://schemas.microsoft.com/office/powerpoint/2010/main" val="1114200830"/>
+        <p14:creationId xmlns:p14="http://schemas.microsoft.com/office/powerpoint/2010/main" val="4088571183"/>
       </p:ext>
     </p:extLst>
   </p:cSld>
@@ -12658,7 +12886,7 @@
         </p:nvSpPr>
         <p:spPr>
           <a:xfrm>
-            <a:off x="4184694" y="1065121"/>
+            <a:off x="4003824" y="1483154"/>
             <a:ext cx="5712369" cy="1754326"/>
           </a:xfrm>
           <a:prstGeom prst="rect">
@@ -12717,8 +12945,8 @@
         </p:nvSpPr>
         <p:spPr>
           <a:xfrm>
-            <a:off x="2035110" y="3043759"/>
-            <a:ext cx="5005769" cy="1200329"/>
+            <a:off x="2000886" y="3743671"/>
+            <a:ext cx="5005769" cy="923330"/>
           </a:xfrm>
           <a:prstGeom prst="rect">
             <a:avLst/>
@@ -12748,14 +12976,7 @@
             <a:pPr algn="ctr"/>
             <a:r>
               <a:rPr lang="en-US" i="1" dirty="0"/>
-              <a:t>Lecture slides 25-43</a:t>
-            </a:r>
-          </a:p>
-          <a:p>
-            <a:pPr algn="ctr"/>
-            <a:r>
-              <a:rPr lang="en-US" i="1" dirty="0"/>
-              <a:t>(Second half)</a:t>
+              <a:t>Lecture Slide Examples Worked</a:t>
             </a:r>
           </a:p>
         </p:txBody>
@@ -12898,7 +13119,7 @@
     </p:spTree>
     <p:extLst>
       <p:ext uri="{BB962C8B-B14F-4D97-AF65-F5344CB8AC3E}">
-        <p14:creationId xmlns:p14="http://schemas.microsoft.com/office/powerpoint/2010/main" val="1429724622"/>
+        <p14:creationId xmlns:p14="http://schemas.microsoft.com/office/powerpoint/2010/main" val="267042058"/>
       </p:ext>
     </p:extLst>
   </p:cSld>
@@ -12979,8 +13200,8 @@
         </p:nvSpPr>
         <p:spPr>
           <a:xfrm>
-            <a:off x="3840385" y="1213849"/>
-            <a:ext cx="5712369" cy="923330"/>
+            <a:off x="4184694" y="1065121"/>
+            <a:ext cx="5712369" cy="1754326"/>
           </a:xfrm>
           <a:prstGeom prst="rect">
             <a:avLst/>
@@ -12995,7 +13216,7 @@
           <a:p>
             <a:r>
               <a:rPr lang="en-US" sz="5400" dirty="0"/>
-              <a:t>INCLASS LECTURES</a:t>
+              <a:t>OUT-OF-CLASS LECTURES</a:t>
             </a:r>
           </a:p>
         </p:txBody>
@@ -13025,7 +13246,7 @@
             <a:pPr algn="ctr"/>
             <a:r>
               <a:rPr lang="en-US" dirty="0"/>
-              <a:t>March 11, 2020</a:t>
+              <a:t>Jan. 24, 2020</a:t>
             </a:r>
           </a:p>
         </p:txBody>
@@ -13038,7 +13259,7 @@
         </p:nvSpPr>
         <p:spPr>
           <a:xfrm>
-            <a:off x="2175358" y="3486436"/>
+            <a:off x="2035110" y="3043759"/>
             <a:ext cx="5005769" cy="1200329"/>
           </a:xfrm>
           <a:prstGeom prst="rect">
@@ -13055,29 +13276,28 @@
             <a:pPr algn="ctr"/>
             <a:r>
               <a:rPr lang="en-US" dirty="0"/>
-              <a:t>Chapter 12</a:t>
+              <a:t>Chapter 4</a:t>
             </a:r>
           </a:p>
           <a:p>
             <a:pPr algn="ctr"/>
             <a:r>
               <a:rPr lang="en-US" b="1" u="sng" dirty="0"/>
-              <a:t>One-way Independent Groups ANOVA</a:t>
-            </a:r>
-            <a:endParaRPr lang="en-US" dirty="0"/>
+              <a:t>Standardized Scores &amp; the Normal Distribution</a:t>
+            </a:r>
           </a:p>
           <a:p>
             <a:pPr algn="ctr"/>
             <a:r>
               <a:rPr lang="en-US" i="1" dirty="0"/>
-              <a:t>Second half, chapter slides</a:t>
+              <a:t>Lecture slides 25-43</a:t>
             </a:r>
           </a:p>
           <a:p>
             <a:pPr algn="ctr"/>
             <a:r>
               <a:rPr lang="en-US" i="1" dirty="0"/>
-              <a:t>Mostly Examples, Using R, and HW Help</a:t>
+              <a:t>(Second half)</a:t>
             </a:r>
           </a:p>
         </p:txBody>
@@ -13220,7 +13440,7 @@
     </p:spTree>
     <p:extLst>
       <p:ext uri="{BB962C8B-B14F-4D97-AF65-F5344CB8AC3E}">
-        <p14:creationId xmlns:p14="http://schemas.microsoft.com/office/powerpoint/2010/main" val="928580799"/>
+        <p14:creationId xmlns:p14="http://schemas.microsoft.com/office/powerpoint/2010/main" val="1429724622"/>
       </p:ext>
     </p:extLst>
   </p:cSld>
@@ -13347,7 +13567,7 @@
             <a:pPr algn="ctr"/>
             <a:r>
               <a:rPr lang="en-US" dirty="0"/>
-              <a:t>March 9, 2020</a:t>
+              <a:t>March 11, 2020</a:t>
             </a:r>
           </a:p>
         </p:txBody>
@@ -13392,14 +13612,14 @@
             <a:pPr algn="ctr"/>
             <a:r>
               <a:rPr lang="en-US" i="1" dirty="0"/>
-              <a:t>First half, chapter slides</a:t>
+              <a:t>Second half, chapter slides</a:t>
             </a:r>
           </a:p>
           <a:p>
             <a:pPr algn="ctr"/>
             <a:r>
               <a:rPr lang="en-US" i="1" dirty="0"/>
-              <a:t>Mostly New Material Presentation</a:t>
+              <a:t>Mostly Examples, Using R, and HW Help</a:t>
             </a:r>
           </a:p>
         </p:txBody>
@@ -13542,7 +13762,7 @@
     </p:spTree>
     <p:extLst>
       <p:ext uri="{BB962C8B-B14F-4D97-AF65-F5344CB8AC3E}">
-        <p14:creationId xmlns:p14="http://schemas.microsoft.com/office/powerpoint/2010/main" val="2758197068"/>
+        <p14:creationId xmlns:p14="http://schemas.microsoft.com/office/powerpoint/2010/main" val="928580799"/>
       </p:ext>
     </p:extLst>
   </p:cSld>
@@ -13669,7 +13889,7 @@
             <a:pPr algn="ctr"/>
             <a:r>
               <a:rPr lang="en-US" dirty="0"/>
-              <a:t>Feb. 19, 2020</a:t>
+              <a:t>March 9, 2020</a:t>
             </a:r>
           </a:p>
         </p:txBody>
@@ -13682,8 +13902,8 @@
         </p:nvSpPr>
         <p:spPr>
           <a:xfrm>
-            <a:off x="2130478" y="2956774"/>
-            <a:ext cx="5005769" cy="923330"/>
+            <a:off x="2175358" y="3486436"/>
+            <a:ext cx="5005769" cy="1200329"/>
           </a:xfrm>
           <a:prstGeom prst="rect">
             <a:avLst/>
@@ -13699,14 +13919,14 @@
             <a:pPr algn="ctr"/>
             <a:r>
               <a:rPr lang="en-US" dirty="0"/>
-              <a:t>Chapter 9</a:t>
+              <a:t>Chapter 12</a:t>
             </a:r>
           </a:p>
           <a:p>
             <a:pPr algn="ctr"/>
             <a:r>
               <a:rPr lang="en-US" b="1" u="sng" dirty="0"/>
-              <a:t>Correlation</a:t>
+              <a:t>One-way Independent Groups ANOVA</a:t>
             </a:r>
             <a:endParaRPr lang="en-US" dirty="0"/>
           </a:p>
@@ -13714,7 +13934,14 @@
             <a:pPr algn="ctr"/>
             <a:r>
               <a:rPr lang="en-US" i="1" dirty="0"/>
-              <a:t>Second half, chapter slides</a:t>
+              <a:t>First half, chapter slides</a:t>
+            </a:r>
+          </a:p>
+          <a:p>
+            <a:pPr algn="ctr"/>
+            <a:r>
+              <a:rPr lang="en-US" i="1" dirty="0"/>
+              <a:t>Mostly New Material Presentation</a:t>
             </a:r>
           </a:p>
         </p:txBody>
@@ -13854,55 +14081,10 @@
           </a:prstGeom>
         </p:spPr>
       </p:pic>
-      <p:sp>
-        <p:nvSpPr>
-          <p:cNvPr id="15" name="TextBox 14"/>
-          <p:cNvSpPr txBox="1"/>
-          <p:nvPr/>
-        </p:nvSpPr>
-        <p:spPr>
-          <a:xfrm>
-            <a:off x="2107241" y="4130160"/>
-            <a:ext cx="5005769" cy="923330"/>
-          </a:xfrm>
-          <a:prstGeom prst="rect">
-            <a:avLst/>
-          </a:prstGeom>
-          <a:noFill/>
-        </p:spPr>
-        <p:txBody>
-          <a:bodyPr wrap="square" rtlCol="0">
-            <a:spAutoFit/>
-          </a:bodyPr>
-          <a:lstStyle/>
-          <a:p>
-            <a:pPr algn="ctr"/>
-            <a:r>
-              <a:rPr lang="en-US" dirty="0"/>
-              <a:t>Chapter 10</a:t>
-            </a:r>
-          </a:p>
-          <a:p>
-            <a:pPr algn="ctr"/>
-            <a:r>
-              <a:rPr lang="en-US" b="1" u="sng" dirty="0"/>
-              <a:t>Simple Linear Regression</a:t>
-            </a:r>
-            <a:endParaRPr lang="en-US" dirty="0"/>
-          </a:p>
-          <a:p>
-            <a:pPr algn="ctr"/>
-            <a:r>
-              <a:rPr lang="en-US" i="1" dirty="0"/>
-              <a:t>chapter slides (majority)</a:t>
-            </a:r>
-          </a:p>
-        </p:txBody>
-      </p:sp>
     </p:spTree>
     <p:extLst>
       <p:ext uri="{BB962C8B-B14F-4D97-AF65-F5344CB8AC3E}">
-        <p14:creationId xmlns:p14="http://schemas.microsoft.com/office/powerpoint/2010/main" val="2730707931"/>
+        <p14:creationId xmlns:p14="http://schemas.microsoft.com/office/powerpoint/2010/main" val="2758197068"/>
       </p:ext>
     </p:extLst>
   </p:cSld>
@@ -14029,7 +14211,7 @@
             <a:pPr algn="ctr"/>
             <a:r>
               <a:rPr lang="en-US" dirty="0"/>
-              <a:t>Feb. 12, 2020</a:t>
+              <a:t>Feb. 19, 2020</a:t>
             </a:r>
           </a:p>
         </p:txBody>
@@ -14042,7 +14224,7 @@
         </p:nvSpPr>
         <p:spPr>
           <a:xfrm>
-            <a:off x="2175357" y="4235713"/>
+            <a:off x="2130478" y="2956774"/>
             <a:ext cx="5005769" cy="923330"/>
           </a:xfrm>
           <a:prstGeom prst="rect">
@@ -14074,7 +14256,7 @@
             <a:pPr algn="ctr"/>
             <a:r>
               <a:rPr lang="en-US" i="1" dirty="0"/>
-              <a:t>First half, chapter slides</a:t>
+              <a:t>Second half, chapter slides</a:t>
             </a:r>
           </a:p>
         </p:txBody>
@@ -14216,14 +14398,14 @@
       </p:pic>
       <p:sp>
         <p:nvSpPr>
-          <p:cNvPr id="13" name="TextBox 12"/>
+          <p:cNvPr id="15" name="TextBox 14"/>
           <p:cNvSpPr txBox="1"/>
           <p:nvPr/>
         </p:nvSpPr>
         <p:spPr>
           <a:xfrm>
-            <a:off x="2175358" y="2646127"/>
-            <a:ext cx="5005769" cy="1477328"/>
+            <a:off x="2107241" y="4130160"/>
+            <a:ext cx="5005769" cy="923330"/>
           </a:xfrm>
           <a:prstGeom prst="rect">
             <a:avLst/>
@@ -14239,14 +14421,14 @@
             <a:pPr algn="ctr"/>
             <a:r>
               <a:rPr lang="en-US" dirty="0"/>
-              <a:t>Chapter 8</a:t>
+              <a:t>Chapter 10</a:t>
             </a:r>
           </a:p>
           <a:p>
             <a:pPr algn="ctr"/>
             <a:r>
               <a:rPr lang="en-US" b="1" u="sng" dirty="0"/>
-              <a:t>Effect Size &amp; Power Analysis</a:t>
+              <a:t>Simple Linear Regression</a:t>
             </a:r>
             <a:endParaRPr lang="en-US" dirty="0"/>
           </a:p>
@@ -14254,21 +14436,7 @@
             <a:pPr algn="ctr"/>
             <a:r>
               <a:rPr lang="en-US" i="1" dirty="0"/>
-              <a:t>Chapter slides</a:t>
-            </a:r>
-          </a:p>
-          <a:p>
-            <a:pPr algn="ctr"/>
-            <a:r>
-              <a:rPr lang="en-US" i="1" dirty="0"/>
-              <a:t>Demo G*Power software</a:t>
-            </a:r>
-          </a:p>
-          <a:p>
-            <a:pPr algn="ctr"/>
-            <a:r>
-              <a:rPr lang="en-US" i="1" dirty="0"/>
-              <a:t>Homework Help</a:t>
+              <a:t>chapter slides (majority)</a:t>
             </a:r>
           </a:p>
         </p:txBody>
@@ -14276,7 +14444,7 @@
     </p:spTree>
     <p:extLst>
       <p:ext uri="{BB962C8B-B14F-4D97-AF65-F5344CB8AC3E}">
-        <p14:creationId xmlns:p14="http://schemas.microsoft.com/office/powerpoint/2010/main" val="3221510669"/>
+        <p14:creationId xmlns:p14="http://schemas.microsoft.com/office/powerpoint/2010/main" val="2730707931"/>
       </p:ext>
     </p:extLst>
   </p:cSld>
@@ -14403,7 +14571,7 @@
             <a:pPr algn="ctr"/>
             <a:r>
               <a:rPr lang="en-US" dirty="0"/>
-              <a:t>Feb. 10, 2020</a:t>
+              <a:t>Feb. 12, 2020</a:t>
             </a:r>
           </a:p>
         </p:txBody>
@@ -14416,7 +14584,7 @@
         </p:nvSpPr>
         <p:spPr>
           <a:xfrm>
-            <a:off x="2035110" y="3043759"/>
+            <a:off x="2175357" y="4235713"/>
             <a:ext cx="5005769" cy="923330"/>
           </a:xfrm>
           <a:prstGeom prst="rect">
@@ -14433,21 +14601,22 @@
             <a:pPr algn="ctr"/>
             <a:r>
               <a:rPr lang="en-US" dirty="0"/>
-              <a:t>Chapter 7</a:t>
+              <a:t>Chapter 9</a:t>
             </a:r>
           </a:p>
           <a:p>
             <a:pPr algn="ctr"/>
             <a:r>
               <a:rPr lang="en-US" b="1" u="sng" dirty="0"/>
-              <a:t>Independent Samples t-Test for Means</a:t>
-            </a:r>
+              <a:t>Correlation</a:t>
+            </a:r>
+            <a:endParaRPr lang="en-US" dirty="0"/>
           </a:p>
           <a:p>
             <a:pPr algn="ctr"/>
             <a:r>
               <a:rPr lang="en-US" i="1" dirty="0"/>
-              <a:t>Mostly Homework Helps</a:t>
+              <a:t>First half, chapter slides</a:t>
             </a:r>
           </a:p>
         </p:txBody>
@@ -14587,10 +14756,69 @@
           </a:prstGeom>
         </p:spPr>
       </p:pic>
+      <p:sp>
+        <p:nvSpPr>
+          <p:cNvPr id="13" name="TextBox 12"/>
+          <p:cNvSpPr txBox="1"/>
+          <p:nvPr/>
+        </p:nvSpPr>
+        <p:spPr>
+          <a:xfrm>
+            <a:off x="2175358" y="2646127"/>
+            <a:ext cx="5005769" cy="1477328"/>
+          </a:xfrm>
+          <a:prstGeom prst="rect">
+            <a:avLst/>
+          </a:prstGeom>
+          <a:noFill/>
+        </p:spPr>
+        <p:txBody>
+          <a:bodyPr wrap="square" rtlCol="0">
+            <a:spAutoFit/>
+          </a:bodyPr>
+          <a:lstStyle/>
+          <a:p>
+            <a:pPr algn="ctr"/>
+            <a:r>
+              <a:rPr lang="en-US" dirty="0"/>
+              <a:t>Chapter 8</a:t>
+            </a:r>
+          </a:p>
+          <a:p>
+            <a:pPr algn="ctr"/>
+            <a:r>
+              <a:rPr lang="en-US" b="1" u="sng" dirty="0"/>
+              <a:t>Effect Size &amp; Power Analysis</a:t>
+            </a:r>
+            <a:endParaRPr lang="en-US" dirty="0"/>
+          </a:p>
+          <a:p>
+            <a:pPr algn="ctr"/>
+            <a:r>
+              <a:rPr lang="en-US" i="1" dirty="0"/>
+              <a:t>Chapter slides</a:t>
+            </a:r>
+          </a:p>
+          <a:p>
+            <a:pPr algn="ctr"/>
+            <a:r>
+              <a:rPr lang="en-US" i="1" dirty="0"/>
+              <a:t>Demo G*Power software</a:t>
+            </a:r>
+          </a:p>
+          <a:p>
+            <a:pPr algn="ctr"/>
+            <a:r>
+              <a:rPr lang="en-US" i="1" dirty="0"/>
+              <a:t>Homework Help</a:t>
+            </a:r>
+          </a:p>
+        </p:txBody>
+      </p:sp>
     </p:spTree>
     <p:extLst>
       <p:ext uri="{BB962C8B-B14F-4D97-AF65-F5344CB8AC3E}">
-        <p14:creationId xmlns:p14="http://schemas.microsoft.com/office/powerpoint/2010/main" val="2916572011"/>
+        <p14:creationId xmlns:p14="http://schemas.microsoft.com/office/powerpoint/2010/main" val="3221510669"/>
       </p:ext>
     </p:extLst>
   </p:cSld>
@@ -14717,7 +14945,7 @@
             <a:pPr algn="ctr"/>
             <a:r>
               <a:rPr lang="en-US" dirty="0"/>
-              <a:t>Feb. 5, 2020</a:t>
+              <a:t>Feb. 10, 2020</a:t>
             </a:r>
           </a:p>
         </p:txBody>
@@ -14731,7 +14959,7 @@
         <p:spPr>
           <a:xfrm>
             <a:off x="2035110" y="3043759"/>
-            <a:ext cx="5005769" cy="1477328"/>
+            <a:ext cx="5005769" cy="923330"/>
           </a:xfrm>
           <a:prstGeom prst="rect">
             <a:avLst/>
@@ -14747,35 +14975,21 @@
             <a:pPr algn="ctr"/>
             <a:r>
               <a:rPr lang="en-US" dirty="0"/>
-              <a:t>Chapter 6</a:t>
+              <a:t>Chapter 7</a:t>
             </a:r>
           </a:p>
           <a:p>
             <a:pPr algn="ctr"/>
             <a:r>
               <a:rPr lang="en-US" b="1" u="sng" dirty="0"/>
-              <a:t>Confidence Interval Estimation: The t Distribution</a:t>
+              <a:t>Independent Samples t-Test for Means</a:t>
             </a:r>
           </a:p>
           <a:p>
             <a:pPr algn="ctr"/>
             <a:r>
               <a:rPr lang="en-US" i="1" dirty="0"/>
-              <a:t>Lecture slides</a:t>
-            </a:r>
-          </a:p>
-          <a:p>
-            <a:pPr algn="ctr"/>
-            <a:r>
-              <a:rPr lang="en-US" i="1" dirty="0"/>
-              <a:t>(second half)</a:t>
-            </a:r>
-          </a:p>
-          <a:p>
-            <a:pPr algn="ctr"/>
-            <a:r>
-              <a:rPr lang="en-US" i="1" dirty="0"/>
-              <a:t>Homework Helps</a:t>
+              <a:t>Mostly Homework Helps</a:t>
             </a:r>
           </a:p>
         </p:txBody>
@@ -14918,7 +15132,7 @@
     </p:spTree>
     <p:extLst>
       <p:ext uri="{BB962C8B-B14F-4D97-AF65-F5344CB8AC3E}">
-        <p14:creationId xmlns:p14="http://schemas.microsoft.com/office/powerpoint/2010/main" val="3019460125"/>
+        <p14:creationId xmlns:p14="http://schemas.microsoft.com/office/powerpoint/2010/main" val="2916572011"/>
       </p:ext>
     </p:extLst>
   </p:cSld>
@@ -15246,7 +15460,7 @@
     </p:spTree>
     <p:extLst>
       <p:ext uri="{BB962C8B-B14F-4D97-AF65-F5344CB8AC3E}">
-        <p14:creationId xmlns:p14="http://schemas.microsoft.com/office/powerpoint/2010/main" val="4154058086"/>
+        <p14:creationId xmlns:p14="http://schemas.microsoft.com/office/powerpoint/2010/main" val="3019460125"/>
       </p:ext>
     </p:extLst>
   </p:cSld>
@@ -15373,7 +15587,7 @@
             <a:pPr algn="ctr"/>
             <a:r>
               <a:rPr lang="en-US" dirty="0"/>
-              <a:t>Feb. 3, 2020</a:t>
+              <a:t>Feb. 5, 2020</a:t>
             </a:r>
           </a:p>
         </p:txBody>
@@ -15387,7 +15601,7 @@
         <p:spPr>
           <a:xfrm>
             <a:off x="2035110" y="3043759"/>
-            <a:ext cx="5005769" cy="2585323"/>
+            <a:ext cx="5005769" cy="1477328"/>
           </a:xfrm>
           <a:prstGeom prst="rect">
             <a:avLst/>
@@ -15403,38 +15617,6 @@
             <a:pPr algn="ctr"/>
             <a:r>
               <a:rPr lang="en-US" dirty="0"/>
-              <a:t>Chapter 5</a:t>
-            </a:r>
-          </a:p>
-          <a:p>
-            <a:pPr algn="ctr"/>
-            <a:r>
-              <a:rPr lang="en-US" b="1" u="sng" dirty="0"/>
-              <a:t>Intro to Hypothesis Testing: 1 sample z-Test</a:t>
-            </a:r>
-          </a:p>
-          <a:p>
-            <a:pPr algn="ctr"/>
-            <a:r>
-              <a:rPr lang="en-US" i="1" dirty="0"/>
-              <a:t>Finish discussion</a:t>
-            </a:r>
-          </a:p>
-          <a:p>
-            <a:pPr algn="ctr"/>
-            <a:r>
-              <a:rPr lang="en-US" i="1" dirty="0"/>
-              <a:t>Homework questions</a:t>
-            </a:r>
-          </a:p>
-          <a:p>
-            <a:pPr algn="ctr"/>
-            <a:endParaRPr lang="en-US" i="1" dirty="0"/>
-          </a:p>
-          <a:p>
-            <a:pPr algn="ctr"/>
-            <a:r>
-              <a:rPr lang="en-US" dirty="0"/>
               <a:t>Chapter 6</a:t>
             </a:r>
           </a:p>
@@ -15456,7 +15638,14 @@
             <a:pPr algn="ctr"/>
             <a:r>
               <a:rPr lang="en-US" i="1" dirty="0"/>
-              <a:t>(first half)</a:t>
+              <a:t>(second half)</a:t>
+            </a:r>
+          </a:p>
+          <a:p>
+            <a:pPr algn="ctr"/>
+            <a:r>
+              <a:rPr lang="en-US" i="1" dirty="0"/>
+              <a:t>Homework Helps</a:t>
             </a:r>
           </a:p>
         </p:txBody>
@@ -15599,7 +15788,7 @@
     </p:spTree>
     <p:extLst>
       <p:ext uri="{BB962C8B-B14F-4D97-AF65-F5344CB8AC3E}">
-        <p14:creationId xmlns:p14="http://schemas.microsoft.com/office/powerpoint/2010/main" val="1136618621"/>
+        <p14:creationId xmlns:p14="http://schemas.microsoft.com/office/powerpoint/2010/main" val="4154058086"/>
       </p:ext>
     </p:extLst>
   </p:cSld>
@@ -15726,7 +15915,7 @@
             <a:pPr algn="ctr"/>
             <a:r>
               <a:rPr lang="en-US" dirty="0"/>
-              <a:t>Jan. 22, 2020</a:t>
+              <a:t>Feb. 3, 2020</a:t>
             </a:r>
           </a:p>
         </p:txBody>
@@ -15756,14 +15945,14 @@
             <a:pPr algn="ctr"/>
             <a:r>
               <a:rPr lang="en-US" dirty="0"/>
-              <a:t>Chapter 3</a:t>
+              <a:t>Chapter 5</a:t>
             </a:r>
           </a:p>
           <a:p>
             <a:pPr algn="ctr"/>
             <a:r>
               <a:rPr lang="en-US" b="1" u="sng" dirty="0"/>
-              <a:t>Variable/Scale, Rounding &amp; Summation</a:t>
+              <a:t>Intro to Hypothesis Testing: 1 sample z-Test</a:t>
             </a:r>
           </a:p>
           <a:p>
@@ -15788,14 +15977,14 @@
             <a:pPr algn="ctr"/>
             <a:r>
               <a:rPr lang="en-US" dirty="0"/>
-              <a:t>Chapter 4</a:t>
+              <a:t>Chapter 6</a:t>
             </a:r>
           </a:p>
           <a:p>
             <a:pPr algn="ctr"/>
             <a:r>
               <a:rPr lang="en-US" b="1" u="sng" dirty="0"/>
-              <a:t>Standardized Scores &amp; the Normal Distribution</a:t>
+              <a:t>Confidence Interval Estimation: The t Distribution</a:t>
             </a:r>
           </a:p>
           <a:p>
@@ -15952,7 +16141,7 @@
     </p:spTree>
     <p:extLst>
       <p:ext uri="{BB962C8B-B14F-4D97-AF65-F5344CB8AC3E}">
-        <p14:creationId xmlns:p14="http://schemas.microsoft.com/office/powerpoint/2010/main" val="2900019700"/>
+        <p14:creationId xmlns:p14="http://schemas.microsoft.com/office/powerpoint/2010/main" val="1136618621"/>
       </p:ext>
     </p:extLst>
   </p:cSld>
@@ -16088,7 +16277,7 @@
             <a:pPr algn="ctr"/>
             <a:r>
               <a:rPr lang="en-US" dirty="0" smtClean="0"/>
-              <a:t>HW_02, section C</a:t>
+              <a:t>HW_03, section C</a:t>
             </a:r>
             <a:endParaRPr lang="en-US" dirty="0"/>
           </a:p>
@@ -16096,29 +16285,32 @@
             <a:pPr algn="ctr"/>
             <a:r>
               <a:rPr lang="en-US" b="1" u="sng" dirty="0"/>
-              <a:t>Exploration of Data with Plots </a:t>
+              <a:t>Summarizing Data with Descriptive </a:t>
+            </a:r>
+            <a:r>
+              <a:rPr lang="en-US" b="1" u="sng" dirty="0" smtClean="0"/>
+              <a:t>Statistics</a:t>
             </a:r>
           </a:p>
           <a:p>
             <a:pPr algn="ctr"/>
             <a:r>
               <a:rPr lang="en-US" i="1" dirty="0" smtClean="0"/>
-              <a:t>Frequency Distribution Tables</a:t>
-            </a:r>
-            <a:endParaRPr lang="en-US" i="1" dirty="0"/>
+              <a:t>Full Descriptive Summary</a:t>
+            </a:r>
           </a:p>
           <a:p>
             <a:pPr algn="ctr"/>
             <a:r>
               <a:rPr lang="en-US" i="1" dirty="0" smtClean="0"/>
-              <a:t>Bar Charts &amp; Histograms</a:t>
+              <a:t>Side-by-Side Boxplots</a:t>
             </a:r>
           </a:p>
           <a:p>
             <a:pPr algn="ctr"/>
             <a:r>
               <a:rPr lang="en-US" i="1" dirty="0" smtClean="0"/>
-              <a:t>Percentiles, Quartiles, Deciles</a:t>
+              <a:t>“Table 1 “</a:t>
             </a:r>
             <a:endParaRPr lang="en-US" i="1" dirty="0"/>
           </a:p>
@@ -16436,7 +16628,7 @@
     </p:spTree>
     <p:extLst>
       <p:ext uri="{BB962C8B-B14F-4D97-AF65-F5344CB8AC3E}">
-        <p14:creationId xmlns:p14="http://schemas.microsoft.com/office/powerpoint/2010/main" val="3670027290"/>
+        <p14:creationId xmlns:p14="http://schemas.microsoft.com/office/powerpoint/2010/main" val="1114200830"/>
       </p:ext>
     </p:extLst>
   </p:cSld>
@@ -16563,7 +16755,7 @@
             <a:pPr algn="ctr"/>
             <a:r>
               <a:rPr lang="en-US" dirty="0"/>
-              <a:t>Jan. 15, 2020</a:t>
+              <a:t>Jan. 22, 2020</a:t>
             </a:r>
           </a:p>
         </p:txBody>
@@ -16576,8 +16768,8 @@
         </p:nvSpPr>
         <p:spPr>
           <a:xfrm>
-            <a:off x="2318419" y="3043759"/>
-            <a:ext cx="4212906" cy="2585323"/>
+            <a:off x="2035110" y="3043759"/>
+            <a:ext cx="5005769" cy="2585323"/>
           </a:xfrm>
           <a:prstGeom prst="rect">
             <a:avLst/>
@@ -16593,7 +16785,7 @@
             <a:pPr algn="ctr"/>
             <a:r>
               <a:rPr lang="en-US" dirty="0"/>
-              <a:t>Chapter 1</a:t>
+              <a:t>Chapter 3</a:t>
             </a:r>
           </a:p>
           <a:p>
@@ -16625,14 +16817,14 @@
             <a:pPr algn="ctr"/>
             <a:r>
               <a:rPr lang="en-US" dirty="0"/>
-              <a:t>Chapter 2 </a:t>
+              <a:t>Chapter 4</a:t>
             </a:r>
           </a:p>
           <a:p>
             <a:pPr algn="ctr"/>
             <a:r>
               <a:rPr lang="en-US" b="1" u="sng" dirty="0"/>
-              <a:t>Exploring Data with Plots</a:t>
+              <a:t>Standardized Scores &amp; the Normal Distribution</a:t>
             </a:r>
           </a:p>
           <a:p>
@@ -16646,7 +16838,7 @@
             <a:pPr algn="ctr"/>
             <a:r>
               <a:rPr lang="en-US" i="1" dirty="0"/>
-              <a:t>Homework questions</a:t>
+              <a:t>(first half)</a:t>
             </a:r>
           </a:p>
         </p:txBody>
@@ -16789,7 +16981,7 @@
     </p:spTree>
     <p:extLst>
       <p:ext uri="{BB962C8B-B14F-4D97-AF65-F5344CB8AC3E}">
-        <p14:creationId xmlns:p14="http://schemas.microsoft.com/office/powerpoint/2010/main" val="3290463226"/>
+        <p14:creationId xmlns:p14="http://schemas.microsoft.com/office/powerpoint/2010/main" val="2900019700"/>
       </p:ext>
     </p:extLst>
   </p:cSld>
@@ -16816,51 +17008,26 @@
           <a:chExt cx="0" cy="0"/>
         </a:xfrm>
       </p:grpSpPr>
-      <p:pic>
-        <p:nvPicPr>
-          <p:cNvPr id="2" name="Picture 1"/>
-          <p:cNvPicPr>
-            <a:picLocks noChangeAspect="1"/>
-          </p:cNvPicPr>
-          <p:nvPr/>
-        </p:nvPicPr>
-        <p:blipFill>
-          <a:blip r:embed="rId2" cstate="print">
-            <a:extLst>
-              <a:ext uri="{28A0092B-C50C-407E-A947-70E740481C1C}">
-                <a14:useLocalDpi xmlns:a14="http://schemas.microsoft.com/office/drawing/2010/main" val="0"/>
-              </a:ext>
-            </a:extLst>
-          </a:blip>
-          <a:stretch>
-            <a:fillRect/>
-          </a:stretch>
-        </p:blipFill>
-        <p:spPr>
-          <a:xfrm>
-            <a:off x="5306566" y="2514598"/>
-            <a:ext cx="1578867" cy="1828804"/>
-          </a:xfrm>
-          <a:prstGeom prst="rect">
-            <a:avLst/>
-          </a:prstGeom>
-        </p:spPr>
-      </p:pic>
-      <p:sp>
-        <p:nvSpPr>
-          <p:cNvPr id="3" name="Rectangle 2"/>
+      <p:sp>
+        <p:nvSpPr>
+          <p:cNvPr id="4" name="Rectangle 3"/>
           <p:cNvSpPr/>
           <p:nvPr/>
         </p:nvSpPr>
         <p:spPr>
           <a:xfrm>
-            <a:off x="5054138" y="2394066"/>
-            <a:ext cx="2094807" cy="2078182"/>
-          </a:xfrm>
-          <a:prstGeom prst="rect">
-            <a:avLst/>
-          </a:prstGeom>
-          <a:noFill/>
+            <a:off x="1808702" y="824230"/>
+            <a:ext cx="8778240" cy="5010912"/>
+          </a:xfrm>
+          <a:prstGeom prst="rect">
+            <a:avLst/>
+          </a:prstGeom>
+          <a:solidFill>
+            <a:schemeClr val="bg1">
+              <a:lumMod val="95000"/>
+            </a:schemeClr>
+          </a:solidFill>
+          <a:ln w="38100"/>
         </p:spPr>
         <p:style>
           <a:lnRef idx="2">
@@ -16887,82 +17054,6 @@
           </a:p>
         </p:txBody>
       </p:sp>
-    </p:spTree>
-    <p:extLst>
-      <p:ext uri="{BB962C8B-B14F-4D97-AF65-F5344CB8AC3E}">
-        <p14:creationId xmlns:p14="http://schemas.microsoft.com/office/powerpoint/2010/main" val="2048573925"/>
-      </p:ext>
-    </p:extLst>
-  </p:cSld>
-  <p:clrMapOvr>
-    <a:masterClrMapping/>
-  </p:clrMapOvr>
-</p:sld>
-</file>
-
-<file path=ppt/slides/slide5.xml><?xml version="1.0" encoding="utf-8"?>
-<p:sld xmlns:a="http://schemas.openxmlformats.org/drawingml/2006/main" xmlns:r="http://schemas.openxmlformats.org/officeDocument/2006/relationships" xmlns:p="http://schemas.openxmlformats.org/presentationml/2006/main">
-  <p:cSld>
-    <p:spTree>
-      <p:nvGrpSpPr>
-        <p:cNvPr id="1" name=""/>
-        <p:cNvGrpSpPr/>
-        <p:nvPr/>
-      </p:nvGrpSpPr>
-      <p:grpSpPr>
-        <a:xfrm>
-          <a:off x="0" y="0"/>
-          <a:ext cx="0" cy="0"/>
-          <a:chOff x="0" y="0"/>
-          <a:chExt cx="0" cy="0"/>
-        </a:xfrm>
-      </p:grpSpPr>
-      <p:sp>
-        <p:nvSpPr>
-          <p:cNvPr id="4" name="Rectangle 3"/>
-          <p:cNvSpPr/>
-          <p:nvPr/>
-        </p:nvSpPr>
-        <p:spPr>
-          <a:xfrm>
-            <a:off x="1706880" y="923544"/>
-            <a:ext cx="8778240" cy="5010912"/>
-          </a:xfrm>
-          <a:prstGeom prst="rect">
-            <a:avLst/>
-          </a:prstGeom>
-          <a:solidFill>
-            <a:schemeClr val="bg1">
-              <a:lumMod val="95000"/>
-            </a:schemeClr>
-          </a:solidFill>
-          <a:ln w="38100"/>
-        </p:spPr>
-        <p:style>
-          <a:lnRef idx="2">
-            <a:schemeClr val="accent1">
-              <a:shade val="50000"/>
-            </a:schemeClr>
-          </a:lnRef>
-          <a:fillRef idx="1">
-            <a:schemeClr val="accent1"/>
-          </a:fillRef>
-          <a:effectRef idx="0">
-            <a:schemeClr val="accent1"/>
-          </a:effectRef>
-          <a:fontRef idx="minor">
-            <a:schemeClr val="lt1"/>
-          </a:fontRef>
-        </p:style>
-        <p:txBody>
-          <a:bodyPr rtlCol="0" anchor="ctr"/>
-          <a:lstStyle/>
-          <a:p>
-            <a:pPr algn="ctr"/>
-            <a:endParaRPr lang="en-US"/>
-          </a:p>
-        </p:txBody>
-      </p:sp>
       <p:sp>
         <p:nvSpPr>
           <p:cNvPr id="7" name="TextBox 6"/>
@@ -17017,15 +17108,7 @@
             <a:pPr algn="ctr"/>
             <a:r>
               <a:rPr lang="en-US" dirty="0"/>
-              <a:t>May </a:t>
-            </a:r>
-            <a:r>
-              <a:rPr lang="en-US" dirty="0" smtClean="0"/>
-              <a:t>11, </a:t>
-            </a:r>
-            <a:r>
-              <a:rPr lang="en-US" dirty="0"/>
-              <a:t>2020</a:t>
+              <a:t>Jan. 15, 2020</a:t>
             </a:r>
           </a:p>
         </p:txBody>
@@ -17038,8 +17121,8 @@
         </p:nvSpPr>
         <p:spPr>
           <a:xfrm>
-            <a:off x="3506996" y="2465382"/>
-            <a:ext cx="5005769" cy="1200329"/>
+            <a:off x="2318419" y="3043759"/>
+            <a:ext cx="4212906" cy="2585323"/>
           </a:xfrm>
           <a:prstGeom prst="rect">
             <a:avLst/>
@@ -17055,37 +17138,61 @@
             <a:pPr algn="ctr"/>
             <a:r>
               <a:rPr lang="en-US" dirty="0"/>
-              <a:t>Chapter </a:t>
-            </a:r>
-            <a:r>
-              <a:rPr lang="en-US" dirty="0" smtClean="0"/>
-              <a:t>2</a:t>
-            </a:r>
-            <a:endParaRPr lang="en-US" dirty="0"/>
+              <a:t>Chapter 1</a:t>
+            </a:r>
           </a:p>
           <a:p>
             <a:pPr algn="ctr"/>
             <a:r>
               <a:rPr lang="en-US" b="1" u="sng" dirty="0"/>
-              <a:t>Exploration of Data </a:t>
-            </a:r>
-            <a:endParaRPr lang="en-US" b="1" u="sng" dirty="0" smtClean="0"/>
-          </a:p>
-          <a:p>
-            <a:pPr algn="ctr"/>
-            <a:r>
-              <a:rPr lang="en-US" b="1" u="sng" dirty="0" smtClean="0"/>
-              <a:t>with </a:t>
-            </a:r>
+              <a:t>Variable/Scale, Rounding &amp; Summation</a:t>
+            </a:r>
+          </a:p>
+          <a:p>
+            <a:pPr algn="ctr"/>
+            <a:r>
+              <a:rPr lang="en-US" i="1" dirty="0"/>
+              <a:t>Finish discussion</a:t>
+            </a:r>
+          </a:p>
+          <a:p>
+            <a:pPr algn="ctr"/>
+            <a:r>
+              <a:rPr lang="en-US" i="1" dirty="0"/>
+              <a:t>Homework questions</a:t>
+            </a:r>
+          </a:p>
+          <a:p>
+            <a:pPr algn="ctr"/>
+            <a:endParaRPr lang="en-US" i="1" dirty="0"/>
+          </a:p>
+          <a:p>
+            <a:pPr algn="ctr"/>
+            <a:r>
+              <a:rPr lang="en-US" dirty="0"/>
+              <a:t>Chapter 2 </a:t>
+            </a:r>
+          </a:p>
+          <a:p>
+            <a:pPr algn="ctr"/>
             <a:r>
               <a:rPr lang="en-US" b="1" u="sng" dirty="0"/>
-              <a:t>Plots </a:t>
-            </a:r>
-            <a:endParaRPr lang="en-US" b="1" u="sng" dirty="0" smtClean="0"/>
-          </a:p>
-          <a:p>
-            <a:pPr algn="ctr"/>
-            <a:endParaRPr lang="en-US" b="1" u="sng" dirty="0" smtClean="0"/>
+              <a:t>Exploring Data with Plots</a:t>
+            </a:r>
+          </a:p>
+          <a:p>
+            <a:pPr algn="ctr"/>
+            <a:r>
+              <a:rPr lang="en-US" i="1" dirty="0"/>
+              <a:t>Lecture slides</a:t>
+            </a:r>
+          </a:p>
+          <a:p>
+            <a:pPr algn="ctr"/>
+            <a:r>
+              <a:rPr lang="en-US" i="1" dirty="0"/>
+              <a:t>Homework questions</a:t>
+            </a:r>
           </a:p>
         </p:txBody>
       </p:sp>
@@ -17224,259 +17331,10 @@
           </a:prstGeom>
         </p:spPr>
       </p:pic>
-      <p:pic>
-        <p:nvPicPr>
-          <p:cNvPr id="13" name="Picture 12" descr="Hello summer illustration vector. with cute summer icon and ...">
-            <a:extLst>
-              <a:ext uri="{FF2B5EF4-FFF2-40B4-BE49-F238E27FC236}">
-                <a16:creationId xmlns:a16="http://schemas.microsoft.com/office/drawing/2014/main" id="{50B5A1E4-2998-48E4-BC77-79D8790DF13F}"/>
-              </a:ext>
-            </a:extLst>
-          </p:cNvPr>
-          <p:cNvPicPr/>
-          <p:nvPr/>
-        </p:nvPicPr>
-        <p:blipFill>
-          <a:blip r:embed="rId6" cstate="print">
-            <a:clrChange>
-              <a:clrFrom>
-                <a:srgbClr val="FFFFFF"/>
-              </a:clrFrom>
-              <a:clrTo>
-                <a:srgbClr val="FFFFFF">
-                  <a:alpha val="0"/>
-                </a:srgbClr>
-              </a:clrTo>
-            </a:clrChange>
-            <a:extLst>
-              <a:ext uri="{28A0092B-C50C-407E-A947-70E740481C1C}">
-                <a14:useLocalDpi xmlns:a14="http://schemas.microsoft.com/office/drawing/2010/main" val="0"/>
-              </a:ext>
-            </a:extLst>
-          </a:blip>
-          <a:srcRect/>
-          <a:stretch>
-            <a:fillRect/>
-          </a:stretch>
-        </p:blipFill>
-        <p:spPr bwMode="auto">
-          <a:xfrm>
-            <a:off x="1784203" y="4158563"/>
-            <a:ext cx="1578867" cy="1406017"/>
-          </a:xfrm>
-          <a:prstGeom prst="rect">
-            <a:avLst/>
-          </a:prstGeom>
-          <a:noFill/>
-          <a:extLst>
-            <a:ext uri="{909E8E84-426E-40DD-AFC4-6F175D3DCCD1}">
-              <a14:hiddenFill xmlns:a14="http://schemas.microsoft.com/office/drawing/2010/main">
-                <a:solidFill>
-                  <a:srgbClr val="FFFFFF"/>
-                </a:solidFill>
-              </a14:hiddenFill>
-            </a:ext>
-          </a:extLst>
-        </p:spPr>
-      </p:pic>
-      <p:pic>
-        <p:nvPicPr>
-          <p:cNvPr id="1028" name="Picture 4" descr="Calendar, schedule, schedule icon icon">
-            <a:extLst>
-              <a:ext uri="{FF2B5EF4-FFF2-40B4-BE49-F238E27FC236}">
-                <a16:creationId xmlns:a16="http://schemas.microsoft.com/office/drawing/2014/main" id="{C17B732E-BA53-4386-9A3E-FF78AABEEECB}"/>
-              </a:ext>
-            </a:extLst>
-          </p:cNvPr>
-          <p:cNvPicPr>
-            <a:picLocks noChangeAspect="1" noChangeArrowheads="1"/>
-          </p:cNvPicPr>
-          <p:nvPr/>
-        </p:nvPicPr>
-        <p:blipFill>
-          <a:blip r:embed="rId7" cstate="print">
-            <a:extLst>
-              <a:ext uri="{28A0092B-C50C-407E-A947-70E740481C1C}">
-                <a14:useLocalDpi xmlns:a14="http://schemas.microsoft.com/office/drawing/2010/main" val="0"/>
-              </a:ext>
-            </a:extLst>
-          </a:blip>
-          <a:srcRect/>
-          <a:stretch>
-            <a:fillRect/>
-          </a:stretch>
-        </p:blipFill>
-        <p:spPr bwMode="auto">
-          <a:xfrm>
-            <a:off x="1944790" y="4668816"/>
-            <a:ext cx="1257692" cy="1257692"/>
-          </a:xfrm>
-          <a:prstGeom prst="rect">
-            <a:avLst/>
-          </a:prstGeom>
-          <a:noFill/>
-          <a:extLst>
-            <a:ext uri="{909E8E84-426E-40DD-AFC4-6F175D3DCCD1}">
-              <a14:hiddenFill xmlns:a14="http://schemas.microsoft.com/office/drawing/2010/main">
-                <a:solidFill>
-                  <a:srgbClr val="FFFFFF"/>
-                </a:solidFill>
-              </a14:hiddenFill>
-            </a:ext>
-          </a:extLst>
-        </p:spPr>
-      </p:pic>
-      <p:sp>
-        <p:nvSpPr>
-          <p:cNvPr id="5" name="TextBox 4">
-            <a:extLst>
-              <a:ext uri="{FF2B5EF4-FFF2-40B4-BE49-F238E27FC236}">
-                <a16:creationId xmlns:a16="http://schemas.microsoft.com/office/drawing/2014/main" id="{803FD3B0-B62F-442A-AC07-BC6B0D20FF53}"/>
-              </a:ext>
-            </a:extLst>
-          </p:cNvPr>
-          <p:cNvSpPr txBox="1"/>
-          <p:nvPr/>
-        </p:nvSpPr>
-        <p:spPr>
-          <a:xfrm>
-            <a:off x="3021210" y="5278932"/>
-            <a:ext cx="2614836" cy="369332"/>
-          </a:xfrm>
-          <a:prstGeom prst="rect">
-            <a:avLst/>
-          </a:prstGeom>
-          <a:noFill/>
-        </p:spPr>
-        <p:txBody>
-          <a:bodyPr wrap="square" rtlCol="0">
-            <a:spAutoFit/>
-          </a:bodyPr>
-          <a:lstStyle/>
-          <a:p>
-            <a:r>
-              <a:rPr lang="en-US" dirty="0" smtClean="0"/>
-              <a:t>Day 3 </a:t>
-            </a:r>
-            <a:r>
-              <a:rPr lang="en-US" dirty="0"/>
-              <a:t>of 13</a:t>
-            </a:r>
-          </a:p>
-        </p:txBody>
-      </p:sp>
-      <p:sp>
-        <p:nvSpPr>
-          <p:cNvPr id="15" name="TextBox 14"/>
-          <p:cNvSpPr txBox="1"/>
-          <p:nvPr/>
-        </p:nvSpPr>
-        <p:spPr>
-          <a:xfrm>
-            <a:off x="2035110" y="3429000"/>
-            <a:ext cx="5005769" cy="1200329"/>
-          </a:xfrm>
-          <a:prstGeom prst="rect">
-            <a:avLst/>
-          </a:prstGeom>
-          <a:noFill/>
-        </p:spPr>
-        <p:txBody>
-          <a:bodyPr wrap="square" rtlCol="0">
-            <a:spAutoFit/>
-          </a:bodyPr>
-          <a:lstStyle/>
-          <a:p>
-            <a:pPr algn="ctr"/>
-            <a:r>
-              <a:rPr lang="en-US" dirty="0"/>
-              <a:t>Chapter 3</a:t>
-            </a:r>
-          </a:p>
-          <a:p>
-            <a:pPr algn="ctr"/>
-            <a:r>
-              <a:rPr lang="en-US" b="1" u="sng" dirty="0" smtClean="0"/>
-              <a:t>Summarizing </a:t>
-            </a:r>
-            <a:r>
-              <a:rPr lang="en-US" b="1" u="sng" dirty="0"/>
-              <a:t>Data with </a:t>
-            </a:r>
-            <a:endParaRPr lang="en-US" b="1" u="sng" dirty="0" smtClean="0"/>
-          </a:p>
-          <a:p>
-            <a:pPr algn="ctr"/>
-            <a:r>
-              <a:rPr lang="en-US" b="1" u="sng" dirty="0" smtClean="0"/>
-              <a:t>Descriptive Statistics</a:t>
-            </a:r>
-          </a:p>
-          <a:p>
-            <a:pPr algn="ctr"/>
-            <a:endParaRPr lang="en-US" b="1" u="sng" dirty="0" smtClean="0"/>
-          </a:p>
-        </p:txBody>
-      </p:sp>
-      <p:sp>
-        <p:nvSpPr>
-          <p:cNvPr id="16" name="TextBox 15"/>
-          <p:cNvSpPr txBox="1"/>
-          <p:nvPr/>
-        </p:nvSpPr>
-        <p:spPr>
-          <a:xfrm>
-            <a:off x="3258130" y="4574181"/>
-            <a:ext cx="5005769" cy="923330"/>
-          </a:xfrm>
-          <a:prstGeom prst="rect">
-            <a:avLst/>
-          </a:prstGeom>
-          <a:noFill/>
-        </p:spPr>
-        <p:txBody>
-          <a:bodyPr wrap="square" rtlCol="0">
-            <a:spAutoFit/>
-          </a:bodyPr>
-          <a:lstStyle/>
-          <a:p>
-            <a:pPr algn="ctr"/>
-            <a:r>
-              <a:rPr lang="en-US" dirty="0"/>
-              <a:t>Chapter </a:t>
-            </a:r>
-            <a:r>
-              <a:rPr lang="en-US" dirty="0" smtClean="0"/>
-              <a:t>4</a:t>
-            </a:r>
-            <a:endParaRPr lang="en-US" dirty="0"/>
-          </a:p>
-          <a:p>
-            <a:pPr algn="ctr"/>
-            <a:r>
-              <a:rPr lang="en-US" b="1" u="sng" dirty="0"/>
-              <a:t>Standardized Scores &amp; </a:t>
-            </a:r>
-            <a:endParaRPr lang="en-US" b="1" u="sng" dirty="0" smtClean="0"/>
-          </a:p>
-          <a:p>
-            <a:pPr algn="ctr"/>
-            <a:r>
-              <a:rPr lang="en-US" b="1" u="sng" dirty="0" smtClean="0"/>
-              <a:t>he </a:t>
-            </a:r>
-            <a:r>
-              <a:rPr lang="en-US" b="1" u="sng" dirty="0"/>
-              <a:t>Normal Distribution</a:t>
-            </a:r>
-            <a:endParaRPr lang="en-US" b="1" u="sng" dirty="0" smtClean="0"/>
-          </a:p>
-        </p:txBody>
-      </p:sp>
     </p:spTree>
     <p:extLst>
       <p:ext uri="{BB962C8B-B14F-4D97-AF65-F5344CB8AC3E}">
-        <p14:creationId xmlns:p14="http://schemas.microsoft.com/office/powerpoint/2010/main" val="3819651160"/>
+        <p14:creationId xmlns:p14="http://schemas.microsoft.com/office/powerpoint/2010/main" val="3290463226"/>
       </p:ext>
     </p:extLst>
   </p:cSld>
@@ -17486,7 +17344,7 @@
 </p:sld>
 </file>
 
-<file path=ppt/slides/slide6.xml><?xml version="1.0" encoding="utf-8"?>
+<file path=ppt/slides/slide42.xml><?xml version="1.0" encoding="utf-8"?>
 <p:sld xmlns:a="http://schemas.openxmlformats.org/drawingml/2006/main" xmlns:r="http://schemas.openxmlformats.org/officeDocument/2006/relationships" xmlns:p="http://schemas.openxmlformats.org/presentationml/2006/main">
   <p:cSld>
     <p:spTree>
@@ -17503,26 +17361,51 @@
           <a:chExt cx="0" cy="0"/>
         </a:xfrm>
       </p:grpSpPr>
-      <p:sp>
-        <p:nvSpPr>
-          <p:cNvPr id="4" name="Rectangle 3"/>
+      <p:pic>
+        <p:nvPicPr>
+          <p:cNvPr id="2" name="Picture 1"/>
+          <p:cNvPicPr>
+            <a:picLocks noChangeAspect="1"/>
+          </p:cNvPicPr>
+          <p:nvPr/>
+        </p:nvPicPr>
+        <p:blipFill>
+          <a:blip r:embed="rId2" cstate="print">
+            <a:extLst>
+              <a:ext uri="{28A0092B-C50C-407E-A947-70E740481C1C}">
+                <a14:useLocalDpi xmlns:a14="http://schemas.microsoft.com/office/drawing/2010/main" val="0"/>
+              </a:ext>
+            </a:extLst>
+          </a:blip>
+          <a:stretch>
+            <a:fillRect/>
+          </a:stretch>
+        </p:blipFill>
+        <p:spPr>
+          <a:xfrm>
+            <a:off x="5306566" y="2514598"/>
+            <a:ext cx="1578867" cy="1828804"/>
+          </a:xfrm>
+          <a:prstGeom prst="rect">
+            <a:avLst/>
+          </a:prstGeom>
+        </p:spPr>
+      </p:pic>
+      <p:sp>
+        <p:nvSpPr>
+          <p:cNvPr id="3" name="Rectangle 2"/>
           <p:cNvSpPr/>
           <p:nvPr/>
         </p:nvSpPr>
         <p:spPr>
           <a:xfrm>
-            <a:off x="1706880" y="923544"/>
-            <a:ext cx="8778240" cy="5010912"/>
-          </a:xfrm>
-          <a:prstGeom prst="rect">
-            <a:avLst/>
-          </a:prstGeom>
-          <a:solidFill>
-            <a:schemeClr val="bg1">
-              <a:lumMod val="95000"/>
-            </a:schemeClr>
-          </a:solidFill>
-          <a:ln w="38100"/>
+            <a:off x="5054138" y="2394066"/>
+            <a:ext cx="2094807" cy="2078182"/>
+          </a:xfrm>
+          <a:prstGeom prst="rect">
+            <a:avLst/>
+          </a:prstGeom>
+          <a:noFill/>
         </p:spPr>
         <p:style>
           <a:lnRef idx="2">
@@ -17549,6 +17432,82 @@
           </a:p>
         </p:txBody>
       </p:sp>
+    </p:spTree>
+    <p:extLst>
+      <p:ext uri="{BB962C8B-B14F-4D97-AF65-F5344CB8AC3E}">
+        <p14:creationId xmlns:p14="http://schemas.microsoft.com/office/powerpoint/2010/main" val="2048573925"/>
+      </p:ext>
+    </p:extLst>
+  </p:cSld>
+  <p:clrMapOvr>
+    <a:masterClrMapping/>
+  </p:clrMapOvr>
+</p:sld>
+</file>
+
+<file path=ppt/slides/slide5.xml><?xml version="1.0" encoding="utf-8"?>
+<p:sld xmlns:a="http://schemas.openxmlformats.org/drawingml/2006/main" xmlns:r="http://schemas.openxmlformats.org/officeDocument/2006/relationships" xmlns:p="http://schemas.openxmlformats.org/presentationml/2006/main">
+  <p:cSld>
+    <p:spTree>
+      <p:nvGrpSpPr>
+        <p:cNvPr id="1" name=""/>
+        <p:cNvGrpSpPr/>
+        <p:nvPr/>
+      </p:nvGrpSpPr>
+      <p:grpSpPr>
+        <a:xfrm>
+          <a:off x="0" y="0"/>
+          <a:ext cx="0" cy="0"/>
+          <a:chOff x="0" y="0"/>
+          <a:chExt cx="0" cy="0"/>
+        </a:xfrm>
+      </p:grpSpPr>
+      <p:sp>
+        <p:nvSpPr>
+          <p:cNvPr id="4" name="Rectangle 3"/>
+          <p:cNvSpPr/>
+          <p:nvPr/>
+        </p:nvSpPr>
+        <p:spPr>
+          <a:xfrm>
+            <a:off x="1706880" y="923544"/>
+            <a:ext cx="8778240" cy="5010912"/>
+          </a:xfrm>
+          <a:prstGeom prst="rect">
+            <a:avLst/>
+          </a:prstGeom>
+          <a:solidFill>
+            <a:schemeClr val="bg1">
+              <a:lumMod val="95000"/>
+            </a:schemeClr>
+          </a:solidFill>
+          <a:ln w="38100"/>
+        </p:spPr>
+        <p:style>
+          <a:lnRef idx="2">
+            <a:schemeClr val="accent1">
+              <a:shade val="50000"/>
+            </a:schemeClr>
+          </a:lnRef>
+          <a:fillRef idx="1">
+            <a:schemeClr val="accent1"/>
+          </a:fillRef>
+          <a:effectRef idx="0">
+            <a:schemeClr val="accent1"/>
+          </a:effectRef>
+          <a:fontRef idx="minor">
+            <a:schemeClr val="lt1"/>
+          </a:fontRef>
+        </p:style>
+        <p:txBody>
+          <a:bodyPr rtlCol="0" anchor="ctr"/>
+          <a:lstStyle/>
+          <a:p>
+            <a:pPr algn="ctr"/>
+            <a:endParaRPr lang="en-US"/>
+          </a:p>
+        </p:txBody>
+      </p:sp>
       <p:sp>
         <p:nvSpPr>
           <p:cNvPr id="8" name="TextBox 7"/>
@@ -17574,7 +17533,15 @@
             <a:pPr algn="ctr"/>
             <a:r>
               <a:rPr lang="en-US" dirty="0"/>
-              <a:t>May 8, 2020</a:t>
+              <a:t>May </a:t>
+            </a:r>
+            <a:r>
+              <a:rPr lang="en-US" dirty="0" smtClean="0"/>
+              <a:t>11, </a:t>
+            </a:r>
+            <a:r>
+              <a:rPr lang="en-US" dirty="0"/>
+              <a:t>2020</a:t>
             </a:r>
           </a:p>
         </p:txBody>
@@ -17587,8 +17554,8 @@
         </p:nvSpPr>
         <p:spPr>
           <a:xfrm>
-            <a:off x="2679150" y="2855442"/>
-            <a:ext cx="5005769" cy="1200329"/>
+            <a:off x="2639881" y="3325287"/>
+            <a:ext cx="5005769" cy="1477328"/>
           </a:xfrm>
           <a:prstGeom prst="rect">
             <a:avLst/>
@@ -17603,38 +17570,38 @@
           <a:p>
             <a:pPr algn="ctr"/>
             <a:r>
-              <a:rPr lang="en-US" dirty="0"/>
-              <a:t>HW_01</a:t>
-            </a:r>
+              <a:rPr lang="en-US" dirty="0" smtClean="0"/>
+              <a:t>HW_02, section C</a:t>
+            </a:r>
+            <a:endParaRPr lang="en-US" dirty="0"/>
           </a:p>
           <a:p>
             <a:pPr algn="ctr"/>
             <a:r>
               <a:rPr lang="en-US" b="1" u="sng" dirty="0"/>
-              <a:t>Getting Started with R &amp; R Studio</a:t>
-            </a:r>
-          </a:p>
-          <a:p>
-            <a:pPr algn="ctr"/>
-            <a:r>
-              <a:rPr lang="en-US" i="1" dirty="0"/>
-              <a:t>Second half of the </a:t>
-            </a:r>
-            <a:r>
-              <a:rPr lang="en-US" i="1" dirty="0" err="1"/>
-              <a:t>Rmd</a:t>
+              <a:t>Exploration of Data with Plots </a:t>
+            </a:r>
+          </a:p>
+          <a:p>
+            <a:pPr algn="ctr"/>
+            <a:r>
+              <a:rPr lang="en-US" i="1" dirty="0" smtClean="0"/>
+              <a:t>Frequency Distribution Tables</a:t>
             </a:r>
             <a:endParaRPr lang="en-US" i="1" dirty="0"/>
           </a:p>
           <a:p>
             <a:pPr algn="ctr"/>
             <a:r>
-              <a:rPr lang="en-US" i="1" dirty="0"/>
-              <a:t>Uploading and submitting in </a:t>
-            </a:r>
-            <a:r>
-              <a:rPr lang="en-US" i="1" dirty="0" err="1"/>
-              <a:t>Canvs</a:t>
+              <a:rPr lang="en-US" i="1" dirty="0" smtClean="0"/>
+              <a:t>Bar Charts &amp; Histograms</a:t>
+            </a:r>
+          </a:p>
+          <a:p>
+            <a:pPr algn="ctr"/>
+            <a:r>
+              <a:rPr lang="en-US" i="1" dirty="0" smtClean="0"/>
+              <a:t>Percentiles, Quartiles, Deciles</a:t>
             </a:r>
             <a:endParaRPr lang="en-US" i="1" dirty="0"/>
           </a:p>
@@ -17907,26 +17874,28 @@
           <a:p>
             <a:r>
               <a:rPr lang="en-US" dirty="0"/>
-              <a:t>After Day 2 of 13</a:t>
-            </a:r>
-          </a:p>
-        </p:txBody>
-      </p:sp>
-      <p:sp>
-        <p:nvSpPr>
-          <p:cNvPr id="15" name="TextBox 14">
-            <a:extLst>
-              <a:ext uri="{FF2B5EF4-FFF2-40B4-BE49-F238E27FC236}">
-                <a16:creationId xmlns:a16="http://schemas.microsoft.com/office/drawing/2014/main" id="{ED772940-6A60-4E55-A11A-675405DD459E}"/>
-              </a:ext>
-            </a:extLst>
-          </p:cNvPr>
+              <a:t>After Day </a:t>
+            </a:r>
+            <a:r>
+              <a:rPr lang="en-US" dirty="0" smtClean="0"/>
+              <a:t>3 </a:t>
+            </a:r>
+            <a:r>
+              <a:rPr lang="en-US" dirty="0"/>
+              <a:t>of 13</a:t>
+            </a:r>
+          </a:p>
+        </p:txBody>
+      </p:sp>
+      <p:sp>
+        <p:nvSpPr>
+          <p:cNvPr id="16" name="TextBox 15"/>
           <p:cNvSpPr txBox="1"/>
           <p:nvPr/>
         </p:nvSpPr>
         <p:spPr>
           <a:xfrm>
-            <a:off x="3838696" y="1056832"/>
+            <a:off x="4184694" y="1065121"/>
             <a:ext cx="5712369" cy="1754326"/>
           </a:xfrm>
           <a:prstGeom prst="rect">
@@ -17942,13 +17911,7 @@
           <a:p>
             <a:r>
               <a:rPr lang="en-US" sz="5400" dirty="0"/>
-              <a:t>Virtual </a:t>
-            </a:r>
-          </a:p>
-          <a:p>
-            <a:r>
-              <a:rPr lang="en-US" sz="5400" dirty="0"/>
-              <a:t>Office Hours</a:t>
+              <a:t>OUT-OF-CLASS LECTURES</a:t>
             </a:r>
           </a:p>
         </p:txBody>
@@ -17956,7 +17919,7 @@
     </p:spTree>
     <p:extLst>
       <p:ext uri="{BB962C8B-B14F-4D97-AF65-F5344CB8AC3E}">
-        <p14:creationId xmlns:p14="http://schemas.microsoft.com/office/powerpoint/2010/main" val="2159513127"/>
+        <p14:creationId xmlns:p14="http://schemas.microsoft.com/office/powerpoint/2010/main" val="3670027290"/>
       </p:ext>
     </p:extLst>
   </p:cSld>
@@ -17966,7 +17929,7 @@
 </p:sld>
 </file>
 
-<file path=ppt/slides/slide7.xml><?xml version="1.0" encoding="utf-8"?>
+<file path=ppt/slides/slide6.xml><?xml version="1.0" encoding="utf-8"?>
 <p:sld xmlns:a="http://schemas.openxmlformats.org/drawingml/2006/main" xmlns:r="http://schemas.openxmlformats.org/officeDocument/2006/relationships" xmlns:p="http://schemas.openxmlformats.org/presentationml/2006/main">
   <p:cSld>
     <p:spTree>
@@ -18031,14 +17994,14 @@
       </p:sp>
       <p:sp>
         <p:nvSpPr>
-          <p:cNvPr id="8" name="TextBox 7"/>
+          <p:cNvPr id="7" name="TextBox 6"/>
           <p:cNvSpPr txBox="1"/>
           <p:nvPr/>
         </p:nvSpPr>
         <p:spPr>
           <a:xfrm>
-            <a:off x="7731444" y="5278932"/>
-            <a:ext cx="2076450" cy="369332"/>
+            <a:off x="3840385" y="1213849"/>
+            <a:ext cx="5712369" cy="923330"/>
           </a:xfrm>
           <a:prstGeom prst="rect">
             <a:avLst/>
@@ -18051,24 +18014,23 @@
           </a:bodyPr>
           <a:lstStyle/>
           <a:p>
-            <a:pPr algn="ctr"/>
-            <a:r>
-              <a:rPr lang="en-US" dirty="0"/>
-              <a:t>May 7, 2020</a:t>
-            </a:r>
-          </a:p>
-        </p:txBody>
-      </p:sp>
-      <p:sp>
-        <p:nvSpPr>
-          <p:cNvPr id="9" name="TextBox 8"/>
+            <a:r>
+              <a:rPr lang="en-US" sz="5400" dirty="0"/>
+              <a:t>INCLASS LECTURES</a:t>
+            </a:r>
+          </a:p>
+        </p:txBody>
+      </p:sp>
+      <p:sp>
+        <p:nvSpPr>
+          <p:cNvPr id="8" name="TextBox 7"/>
           <p:cNvSpPr txBox="1"/>
           <p:nvPr/>
         </p:nvSpPr>
         <p:spPr>
           <a:xfrm>
-            <a:off x="2679150" y="2855442"/>
-            <a:ext cx="5005769" cy="1754326"/>
+            <a:off x="7731444" y="5278932"/>
+            <a:ext cx="2076450" cy="369332"/>
           </a:xfrm>
           <a:prstGeom prst="rect">
             <a:avLst/>
@@ -18084,43 +18046,75 @@
             <a:pPr algn="ctr"/>
             <a:r>
               <a:rPr lang="en-US" dirty="0"/>
-              <a:t>HW_01</a:t>
-            </a:r>
+              <a:t>May </a:t>
+            </a:r>
+            <a:r>
+              <a:rPr lang="en-US" dirty="0" smtClean="0"/>
+              <a:t>11, </a:t>
+            </a:r>
+            <a:r>
+              <a:rPr lang="en-US" dirty="0"/>
+              <a:t>2020</a:t>
+            </a:r>
+          </a:p>
+        </p:txBody>
+      </p:sp>
+      <p:sp>
+        <p:nvSpPr>
+          <p:cNvPr id="9" name="TextBox 8"/>
+          <p:cNvSpPr txBox="1"/>
+          <p:nvPr/>
+        </p:nvSpPr>
+        <p:spPr>
+          <a:xfrm>
+            <a:off x="3506996" y="2465382"/>
+            <a:ext cx="5005769" cy="1200329"/>
+          </a:xfrm>
+          <a:prstGeom prst="rect">
+            <a:avLst/>
+          </a:prstGeom>
+          <a:noFill/>
+        </p:spPr>
+        <p:txBody>
+          <a:bodyPr wrap="square" rtlCol="0">
+            <a:spAutoFit/>
+          </a:bodyPr>
+          <a:lstStyle/>
+          <a:p>
+            <a:pPr algn="ctr"/>
+            <a:r>
+              <a:rPr lang="en-US" dirty="0"/>
+              <a:t>Chapter </a:t>
+            </a:r>
+            <a:r>
+              <a:rPr lang="en-US" dirty="0" smtClean="0"/>
+              <a:t>2</a:t>
+            </a:r>
+            <a:endParaRPr lang="en-US" dirty="0"/>
           </a:p>
           <a:p>
             <a:pPr algn="ctr"/>
             <a:r>
               <a:rPr lang="en-US" b="1" u="sng" dirty="0"/>
-              <a:t>Getting Started with R &amp; R Studio</a:t>
-            </a:r>
-          </a:p>
-          <a:p>
-            <a:pPr algn="ctr"/>
-            <a:r>
-              <a:rPr lang="en-US" i="1" dirty="0"/>
-              <a:t>Additional basic slides</a:t>
-            </a:r>
-          </a:p>
-          <a:p>
-            <a:pPr algn="ctr"/>
-            <a:r>
-              <a:rPr lang="en-US" i="1" dirty="0"/>
-              <a:t>More on the PIPE</a:t>
-            </a:r>
-          </a:p>
-          <a:p>
-            <a:pPr algn="ctr"/>
-            <a:r>
-              <a:rPr lang="en-US" i="1" dirty="0"/>
-              <a:t>Declaring factors (1C #1, df_1)</a:t>
-            </a:r>
-          </a:p>
-          <a:p>
-            <a:pPr algn="ctr"/>
-            <a:r>
-              <a:rPr lang="en-US" i="1" dirty="0"/>
-              <a:t>Creating new variables (1C #2, df_2)</a:t>
-            </a:r>
+              <a:t>Exploration of Data </a:t>
+            </a:r>
+            <a:endParaRPr lang="en-US" b="1" u="sng" dirty="0" smtClean="0"/>
+          </a:p>
+          <a:p>
+            <a:pPr algn="ctr"/>
+            <a:r>
+              <a:rPr lang="en-US" b="1" u="sng" dirty="0" smtClean="0"/>
+              <a:t>with </a:t>
+            </a:r>
+            <a:r>
+              <a:rPr lang="en-US" b="1" u="sng" dirty="0"/>
+              <a:t>Plots </a:t>
+            </a:r>
+            <a:endParaRPr lang="en-US" b="1" u="sng" dirty="0" smtClean="0"/>
+          </a:p>
+          <a:p>
+            <a:pPr algn="ctr"/>
+            <a:endParaRPr lang="en-US" b="1" u="sng" dirty="0" smtClean="0"/>
           </a:p>
         </p:txBody>
       </p:sp>
@@ -18390,28 +18384,26 @@
           <a:lstStyle/>
           <a:p>
             <a:r>
+              <a:rPr lang="en-US" dirty="0" smtClean="0"/>
+              <a:t>Day 3 </a:t>
+            </a:r>
+            <a:r>
               <a:rPr lang="en-US" dirty="0"/>
-              <a:t>After Day 2 of 13</a:t>
-            </a:r>
-          </a:p>
-        </p:txBody>
-      </p:sp>
-      <p:sp>
-        <p:nvSpPr>
-          <p:cNvPr id="15" name="TextBox 14">
-            <a:extLst>
-              <a:ext uri="{FF2B5EF4-FFF2-40B4-BE49-F238E27FC236}">
-                <a16:creationId xmlns:a16="http://schemas.microsoft.com/office/drawing/2014/main" id="{ED772940-6A60-4E55-A11A-675405DD459E}"/>
-              </a:ext>
-            </a:extLst>
-          </p:cNvPr>
+              <a:t>of 13</a:t>
+            </a:r>
+          </a:p>
+        </p:txBody>
+      </p:sp>
+      <p:sp>
+        <p:nvSpPr>
+          <p:cNvPr id="15" name="TextBox 14"/>
           <p:cNvSpPr txBox="1"/>
           <p:nvPr/>
         </p:nvSpPr>
         <p:spPr>
           <a:xfrm>
-            <a:off x="3838696" y="1056832"/>
-            <a:ext cx="5712369" cy="1754326"/>
+            <a:off x="2035110" y="3429000"/>
+            <a:ext cx="5005769" cy="1200329"/>
           </a:xfrm>
           <a:prstGeom prst="rect">
             <a:avLst/>
@@ -18424,23 +18416,96 @@
           </a:bodyPr>
           <a:lstStyle/>
           <a:p>
-            <a:r>
-              <a:rPr lang="en-US" sz="5400" dirty="0"/>
-              <a:t>Virtual </a:t>
-            </a:r>
-          </a:p>
-          <a:p>
-            <a:r>
-              <a:rPr lang="en-US" sz="5400" dirty="0"/>
-              <a:t>Office Hours</a:t>
-            </a:r>
+            <a:pPr algn="ctr"/>
+            <a:r>
+              <a:rPr lang="en-US" dirty="0"/>
+              <a:t>Chapter 3</a:t>
+            </a:r>
+          </a:p>
+          <a:p>
+            <a:pPr algn="ctr"/>
+            <a:r>
+              <a:rPr lang="en-US" b="1" u="sng" dirty="0" smtClean="0"/>
+              <a:t>Summarizing </a:t>
+            </a:r>
+            <a:r>
+              <a:rPr lang="en-US" b="1" u="sng" dirty="0"/>
+              <a:t>Data with </a:t>
+            </a:r>
+            <a:endParaRPr lang="en-US" b="1" u="sng" dirty="0" smtClean="0"/>
+          </a:p>
+          <a:p>
+            <a:pPr algn="ctr"/>
+            <a:r>
+              <a:rPr lang="en-US" b="1" u="sng" dirty="0" smtClean="0"/>
+              <a:t>Descriptive Statistics</a:t>
+            </a:r>
+          </a:p>
+          <a:p>
+            <a:pPr algn="ctr"/>
+            <a:endParaRPr lang="en-US" b="1" u="sng" dirty="0" smtClean="0"/>
+          </a:p>
+        </p:txBody>
+      </p:sp>
+      <p:sp>
+        <p:nvSpPr>
+          <p:cNvPr id="16" name="TextBox 15"/>
+          <p:cNvSpPr txBox="1"/>
+          <p:nvPr/>
+        </p:nvSpPr>
+        <p:spPr>
+          <a:xfrm>
+            <a:off x="3258130" y="4574181"/>
+            <a:ext cx="5005769" cy="923330"/>
+          </a:xfrm>
+          <a:prstGeom prst="rect">
+            <a:avLst/>
+          </a:prstGeom>
+          <a:noFill/>
+        </p:spPr>
+        <p:txBody>
+          <a:bodyPr wrap="square" rtlCol="0">
+            <a:spAutoFit/>
+          </a:bodyPr>
+          <a:lstStyle/>
+          <a:p>
+            <a:pPr algn="ctr"/>
+            <a:r>
+              <a:rPr lang="en-US" dirty="0"/>
+              <a:t>Chapter </a:t>
+            </a:r>
+            <a:r>
+              <a:rPr lang="en-US" dirty="0" smtClean="0"/>
+              <a:t>4</a:t>
+            </a:r>
+            <a:endParaRPr lang="en-US" dirty="0"/>
+          </a:p>
+          <a:p>
+            <a:pPr algn="ctr"/>
+            <a:r>
+              <a:rPr lang="en-US" b="1" u="sng" dirty="0"/>
+              <a:t>Standardized Scores &amp; </a:t>
+            </a:r>
+            <a:endParaRPr lang="en-US" b="1" u="sng" dirty="0" smtClean="0"/>
+          </a:p>
+          <a:p>
+            <a:pPr algn="ctr"/>
+            <a:r>
+              <a:rPr lang="en-US" b="1" u="sng" dirty="0" smtClean="0"/>
+              <a:t>he </a:t>
+            </a:r>
+            <a:r>
+              <a:rPr lang="en-US" b="1" u="sng" dirty="0"/>
+              <a:t>Normal Distribution</a:t>
+            </a:r>
+            <a:endParaRPr lang="en-US" b="1" u="sng" dirty="0" smtClean="0"/>
           </a:p>
         </p:txBody>
       </p:sp>
     </p:spTree>
     <p:extLst>
       <p:ext uri="{BB962C8B-B14F-4D97-AF65-F5344CB8AC3E}">
-        <p14:creationId xmlns:p14="http://schemas.microsoft.com/office/powerpoint/2010/main" val="1205030995"/>
+        <p14:creationId xmlns:p14="http://schemas.microsoft.com/office/powerpoint/2010/main" val="3819651160"/>
       </p:ext>
     </p:extLst>
   </p:cSld>
@@ -18450,7 +18515,7 @@
 </p:sld>
 </file>
 
-<file path=ppt/slides/slide8.xml><?xml version="1.0" encoding="utf-8"?>
+<file path=ppt/slides/slide7.xml><?xml version="1.0" encoding="utf-8"?>
 <p:sld xmlns:a="http://schemas.openxmlformats.org/drawingml/2006/main" xmlns:r="http://schemas.openxmlformats.org/officeDocument/2006/relationships" xmlns:p="http://schemas.openxmlformats.org/presentationml/2006/main">
   <p:cSld>
     <p:spTree>
@@ -18515,14 +18580,14 @@
       </p:sp>
       <p:sp>
         <p:nvSpPr>
-          <p:cNvPr id="7" name="TextBox 6"/>
+          <p:cNvPr id="8" name="TextBox 7"/>
           <p:cNvSpPr txBox="1"/>
           <p:nvPr/>
         </p:nvSpPr>
         <p:spPr>
           <a:xfrm>
-            <a:off x="3840385" y="1213849"/>
-            <a:ext cx="5712369" cy="923330"/>
+            <a:off x="7731444" y="5278932"/>
+            <a:ext cx="2076450" cy="369332"/>
           </a:xfrm>
           <a:prstGeom prst="rect">
             <a:avLst/>
@@ -18535,23 +18600,24 @@
           </a:bodyPr>
           <a:lstStyle/>
           <a:p>
-            <a:r>
-              <a:rPr lang="en-US" sz="5400" dirty="0"/>
-              <a:t>INCLASS LECTURES</a:t>
-            </a:r>
-          </a:p>
-        </p:txBody>
-      </p:sp>
-      <p:sp>
-        <p:nvSpPr>
-          <p:cNvPr id="8" name="TextBox 7"/>
+            <a:pPr algn="ctr"/>
+            <a:r>
+              <a:rPr lang="en-US" dirty="0"/>
+              <a:t>May 8, 2020</a:t>
+            </a:r>
+          </a:p>
+        </p:txBody>
+      </p:sp>
+      <p:sp>
+        <p:nvSpPr>
+          <p:cNvPr id="9" name="TextBox 8"/>
           <p:cNvSpPr txBox="1"/>
           <p:nvPr/>
         </p:nvSpPr>
         <p:spPr>
           <a:xfrm>
-            <a:off x="7731444" y="5278932"/>
-            <a:ext cx="2076450" cy="369332"/>
+            <a:off x="2679150" y="2855442"/>
+            <a:ext cx="5005769" cy="1200329"/>
           </a:xfrm>
           <a:prstGeom prst="rect">
             <a:avLst/>
@@ -18567,37 +18633,7 @@
             <a:pPr algn="ctr"/>
             <a:r>
               <a:rPr lang="en-US" dirty="0"/>
-              <a:t>May 6, 2020</a:t>
-            </a:r>
-          </a:p>
-        </p:txBody>
-      </p:sp>
-      <p:sp>
-        <p:nvSpPr>
-          <p:cNvPr id="9" name="TextBox 8"/>
-          <p:cNvSpPr txBox="1"/>
-          <p:nvPr/>
-        </p:nvSpPr>
-        <p:spPr>
-          <a:xfrm>
-            <a:off x="2365000" y="2644649"/>
-            <a:ext cx="5005769" cy="2308324"/>
-          </a:xfrm>
-          <a:prstGeom prst="rect">
-            <a:avLst/>
-          </a:prstGeom>
-          <a:noFill/>
-        </p:spPr>
-        <p:txBody>
-          <a:bodyPr wrap="square" rtlCol="0">
-            <a:spAutoFit/>
-          </a:bodyPr>
-          <a:lstStyle/>
-          <a:p>
-            <a:pPr algn="ctr"/>
-            <a:r>
-              <a:rPr lang="en-US" dirty="0"/>
-              <a:t>Chapter 1</a:t>
+              <a:t>HW_01</a:t>
             </a:r>
           </a:p>
           <a:p>
@@ -18611,43 +18647,25 @@
             <a:pPr algn="ctr"/>
             <a:r>
               <a:rPr lang="en-US" i="1" dirty="0"/>
-              <a:t>Workspace Orientation</a:t>
-            </a:r>
+              <a:t>Second half of the </a:t>
+            </a:r>
+            <a:r>
+              <a:rPr lang="en-US" i="1" dirty="0" err="1"/>
+              <a:t>Rmd</a:t>
+            </a:r>
+            <a:endParaRPr lang="en-US" i="1" dirty="0"/>
           </a:p>
           <a:p>
             <a:pPr algn="ctr"/>
             <a:r>
               <a:rPr lang="en-US" i="1" dirty="0"/>
-              <a:t>Getting Help</a:t>
-            </a:r>
-          </a:p>
-          <a:p>
-            <a:pPr algn="ctr"/>
-            <a:r>
-              <a:rPr lang="en-US" i="1" dirty="0"/>
-              <a:t>Running &amp; knitting</a:t>
-            </a:r>
-          </a:p>
-          <a:p>
-            <a:pPr algn="ctr"/>
-            <a:r>
-              <a:rPr lang="en-US" i="1" dirty="0"/>
-              <a:t>Importing data</a:t>
-            </a:r>
-          </a:p>
-          <a:p>
-            <a:pPr algn="ctr"/>
-            <a:r>
-              <a:rPr lang="en-US" i="1" dirty="0"/>
-              <a:t>NA, pipe, assignment</a:t>
-            </a:r>
-          </a:p>
-          <a:p>
-            <a:pPr algn="ctr"/>
-            <a:r>
-              <a:rPr lang="en-US" i="1" dirty="0"/>
-              <a:t>Declaring factors</a:t>
-            </a:r>
+              <a:t>Uploading and submitting in </a:t>
+            </a:r>
+            <a:r>
+              <a:rPr lang="en-US" i="1" dirty="0" err="1"/>
+              <a:t>Canvs</a:t>
+            </a:r>
+            <a:endParaRPr lang="en-US" i="1" dirty="0"/>
           </a:p>
         </p:txBody>
       </p:sp>
@@ -18918,7 +18936,48 @@
           <a:p>
             <a:r>
               <a:rPr lang="en-US" dirty="0"/>
-              <a:t>Part 2 of 2, Day 2 of 13</a:t>
+              <a:t>After Day 2 of 13</a:t>
+            </a:r>
+          </a:p>
+        </p:txBody>
+      </p:sp>
+      <p:sp>
+        <p:nvSpPr>
+          <p:cNvPr id="15" name="TextBox 14">
+            <a:extLst>
+              <a:ext uri="{FF2B5EF4-FFF2-40B4-BE49-F238E27FC236}">
+                <a16:creationId xmlns:a16="http://schemas.microsoft.com/office/drawing/2014/main" id="{ED772940-6A60-4E55-A11A-675405DD459E}"/>
+              </a:ext>
+            </a:extLst>
+          </p:cNvPr>
+          <p:cNvSpPr txBox="1"/>
+          <p:nvPr/>
+        </p:nvSpPr>
+        <p:spPr>
+          <a:xfrm>
+            <a:off x="3838696" y="1056832"/>
+            <a:ext cx="5712369" cy="1754326"/>
+          </a:xfrm>
+          <a:prstGeom prst="rect">
+            <a:avLst/>
+          </a:prstGeom>
+          <a:noFill/>
+        </p:spPr>
+        <p:txBody>
+          <a:bodyPr wrap="square" rtlCol="0">
+            <a:spAutoFit/>
+          </a:bodyPr>
+          <a:lstStyle/>
+          <a:p>
+            <a:r>
+              <a:rPr lang="en-US" sz="5400" dirty="0"/>
+              <a:t>Virtual </a:t>
+            </a:r>
+          </a:p>
+          <a:p>
+            <a:r>
+              <a:rPr lang="en-US" sz="5400" dirty="0"/>
+              <a:t>Office Hours</a:t>
             </a:r>
           </a:p>
         </p:txBody>
@@ -18926,7 +18985,7 @@
     </p:spTree>
     <p:extLst>
       <p:ext uri="{BB962C8B-B14F-4D97-AF65-F5344CB8AC3E}">
-        <p14:creationId xmlns:p14="http://schemas.microsoft.com/office/powerpoint/2010/main" val="3166273230"/>
+        <p14:creationId xmlns:p14="http://schemas.microsoft.com/office/powerpoint/2010/main" val="2159513127"/>
       </p:ext>
     </p:extLst>
   </p:cSld>
@@ -18936,7 +18995,7 @@
 </p:sld>
 </file>
 
-<file path=ppt/slides/slide9.xml><?xml version="1.0" encoding="utf-8"?>
+<file path=ppt/slides/slide8.xml><?xml version="1.0" encoding="utf-8"?>
 <p:sld xmlns:a="http://schemas.openxmlformats.org/drawingml/2006/main" xmlns:r="http://schemas.openxmlformats.org/officeDocument/2006/relationships" xmlns:p="http://schemas.openxmlformats.org/presentationml/2006/main">
   <p:cSld>
     <p:spTree>
@@ -19001,14 +19060,14 @@
       </p:sp>
       <p:sp>
         <p:nvSpPr>
-          <p:cNvPr id="7" name="TextBox 6"/>
+          <p:cNvPr id="8" name="TextBox 7"/>
           <p:cNvSpPr txBox="1"/>
           <p:nvPr/>
         </p:nvSpPr>
         <p:spPr>
           <a:xfrm>
-            <a:off x="3840385" y="1213849"/>
-            <a:ext cx="5712369" cy="923330"/>
+            <a:off x="7731444" y="5278932"/>
+            <a:ext cx="2076450" cy="369332"/>
           </a:xfrm>
           <a:prstGeom prst="rect">
             <a:avLst/>
@@ -19021,23 +19080,24 @@
           </a:bodyPr>
           <a:lstStyle/>
           <a:p>
-            <a:r>
-              <a:rPr lang="en-US" sz="5400" dirty="0"/>
-              <a:t>INCLASS LECTURES</a:t>
-            </a:r>
-          </a:p>
-        </p:txBody>
-      </p:sp>
-      <p:sp>
-        <p:nvSpPr>
-          <p:cNvPr id="8" name="TextBox 7"/>
+            <a:pPr algn="ctr"/>
+            <a:r>
+              <a:rPr lang="en-US" dirty="0"/>
+              <a:t>May 7, 2020</a:t>
+            </a:r>
+          </a:p>
+        </p:txBody>
+      </p:sp>
+      <p:sp>
+        <p:nvSpPr>
+          <p:cNvPr id="9" name="TextBox 8"/>
           <p:cNvSpPr txBox="1"/>
           <p:nvPr/>
         </p:nvSpPr>
         <p:spPr>
           <a:xfrm>
-            <a:off x="7731444" y="5278932"/>
-            <a:ext cx="2076450" cy="369332"/>
+            <a:off x="2679150" y="2855442"/>
+            <a:ext cx="5005769" cy="1754326"/>
           </a:xfrm>
           <a:prstGeom prst="rect">
             <a:avLst/>
@@ -19053,79 +19113,42 @@
             <a:pPr algn="ctr"/>
             <a:r>
               <a:rPr lang="en-US" dirty="0"/>
-              <a:t>May 6, 2020</a:t>
-            </a:r>
-          </a:p>
-        </p:txBody>
-      </p:sp>
-      <p:sp>
-        <p:nvSpPr>
-          <p:cNvPr id="9" name="TextBox 8"/>
-          <p:cNvSpPr txBox="1"/>
-          <p:nvPr/>
-        </p:nvSpPr>
-        <p:spPr>
-          <a:xfrm>
-            <a:off x="2365000" y="2644649"/>
-            <a:ext cx="5005769" cy="2031325"/>
-          </a:xfrm>
-          <a:prstGeom prst="rect">
-            <a:avLst/>
-          </a:prstGeom>
-          <a:noFill/>
-        </p:spPr>
-        <p:txBody>
-          <a:bodyPr wrap="square" rtlCol="0">
-            <a:spAutoFit/>
-          </a:bodyPr>
-          <a:lstStyle/>
-          <a:p>
-            <a:pPr algn="ctr"/>
-            <a:r>
-              <a:rPr lang="en-US" dirty="0"/>
-              <a:t>Chapter 1</a:t>
+              <a:t>HW_01</a:t>
             </a:r>
           </a:p>
           <a:p>
             <a:pPr algn="ctr"/>
             <a:r>
               <a:rPr lang="en-US" b="1" u="sng" dirty="0"/>
-              <a:t>Basic Vocabulary and Skills</a:t>
+              <a:t>Getting Started with R &amp; R Studio</a:t>
             </a:r>
           </a:p>
           <a:p>
             <a:pPr algn="ctr"/>
             <a:r>
               <a:rPr lang="en-US" i="1" dirty="0"/>
-              <a:t>Scales of Measure</a:t>
+              <a:t>Additional basic slides</a:t>
             </a:r>
           </a:p>
           <a:p>
             <a:pPr algn="ctr"/>
             <a:r>
               <a:rPr lang="en-US" i="1" dirty="0"/>
-              <a:t>Type of Variable</a:t>
+              <a:t>More on the PIPE</a:t>
             </a:r>
           </a:p>
           <a:p>
             <a:pPr algn="ctr"/>
             <a:r>
               <a:rPr lang="en-US" i="1" dirty="0"/>
-              <a:t>Study Design</a:t>
+              <a:t>Declaring factors (1C #1, df_1)</a:t>
             </a:r>
           </a:p>
           <a:p>
             <a:pPr algn="ctr"/>
             <a:r>
               <a:rPr lang="en-US" i="1" dirty="0"/>
-              <a:t>Rounding Numbers</a:t>
-            </a:r>
-          </a:p>
-          <a:p>
-            <a:pPr algn="ctr"/>
-            <a:r>
-              <a:rPr lang="en-US" i="1" dirty="0"/>
-              <a:t>Summation Notation</a:t>
+              <a:t>Creating new variables (1C #2, df_2)</a:t>
             </a:r>
           </a:p>
         </p:txBody>
@@ -19397,7 +19420,48 @@
           <a:p>
             <a:r>
               <a:rPr lang="en-US" dirty="0"/>
-              <a:t>Part 1 of 2, Day 2 of 13</a:t>
+              <a:t>After Day 2 of 13</a:t>
+            </a:r>
+          </a:p>
+        </p:txBody>
+      </p:sp>
+      <p:sp>
+        <p:nvSpPr>
+          <p:cNvPr id="15" name="TextBox 14">
+            <a:extLst>
+              <a:ext uri="{FF2B5EF4-FFF2-40B4-BE49-F238E27FC236}">
+                <a16:creationId xmlns:a16="http://schemas.microsoft.com/office/drawing/2014/main" id="{ED772940-6A60-4E55-A11A-675405DD459E}"/>
+              </a:ext>
+            </a:extLst>
+          </p:cNvPr>
+          <p:cNvSpPr txBox="1"/>
+          <p:nvPr/>
+        </p:nvSpPr>
+        <p:spPr>
+          <a:xfrm>
+            <a:off x="3838696" y="1056832"/>
+            <a:ext cx="5712369" cy="1754326"/>
+          </a:xfrm>
+          <a:prstGeom prst="rect">
+            <a:avLst/>
+          </a:prstGeom>
+          <a:noFill/>
+        </p:spPr>
+        <p:txBody>
+          <a:bodyPr wrap="square" rtlCol="0">
+            <a:spAutoFit/>
+          </a:bodyPr>
+          <a:lstStyle/>
+          <a:p>
+            <a:r>
+              <a:rPr lang="en-US" sz="5400" dirty="0"/>
+              <a:t>Virtual </a:t>
+            </a:r>
+          </a:p>
+          <a:p>
+            <a:r>
+              <a:rPr lang="en-US" sz="5400" dirty="0"/>
+              <a:t>Office Hours</a:t>
             </a:r>
           </a:p>
         </p:txBody>
@@ -19405,7 +19469,493 @@
     </p:spTree>
     <p:extLst>
       <p:ext uri="{BB962C8B-B14F-4D97-AF65-F5344CB8AC3E}">
-        <p14:creationId xmlns:p14="http://schemas.microsoft.com/office/powerpoint/2010/main" val="121509918"/>
+        <p14:creationId xmlns:p14="http://schemas.microsoft.com/office/powerpoint/2010/main" val="1205030995"/>
+      </p:ext>
+    </p:extLst>
+  </p:cSld>
+  <p:clrMapOvr>
+    <a:masterClrMapping/>
+  </p:clrMapOvr>
+</p:sld>
+</file>
+
+<file path=ppt/slides/slide9.xml><?xml version="1.0" encoding="utf-8"?>
+<p:sld xmlns:a="http://schemas.openxmlformats.org/drawingml/2006/main" xmlns:r="http://schemas.openxmlformats.org/officeDocument/2006/relationships" xmlns:p="http://schemas.openxmlformats.org/presentationml/2006/main">
+  <p:cSld>
+    <p:spTree>
+      <p:nvGrpSpPr>
+        <p:cNvPr id="1" name=""/>
+        <p:cNvGrpSpPr/>
+        <p:nvPr/>
+      </p:nvGrpSpPr>
+      <p:grpSpPr>
+        <a:xfrm>
+          <a:off x="0" y="0"/>
+          <a:ext cx="0" cy="0"/>
+          <a:chOff x="0" y="0"/>
+          <a:chExt cx="0" cy="0"/>
+        </a:xfrm>
+      </p:grpSpPr>
+      <p:sp>
+        <p:nvSpPr>
+          <p:cNvPr id="4" name="Rectangle 3"/>
+          <p:cNvSpPr/>
+          <p:nvPr/>
+        </p:nvSpPr>
+        <p:spPr>
+          <a:xfrm>
+            <a:off x="1706880" y="923544"/>
+            <a:ext cx="8778240" cy="5010912"/>
+          </a:xfrm>
+          <a:prstGeom prst="rect">
+            <a:avLst/>
+          </a:prstGeom>
+          <a:solidFill>
+            <a:schemeClr val="bg1">
+              <a:lumMod val="95000"/>
+            </a:schemeClr>
+          </a:solidFill>
+          <a:ln w="38100"/>
+        </p:spPr>
+        <p:style>
+          <a:lnRef idx="2">
+            <a:schemeClr val="accent1">
+              <a:shade val="50000"/>
+            </a:schemeClr>
+          </a:lnRef>
+          <a:fillRef idx="1">
+            <a:schemeClr val="accent1"/>
+          </a:fillRef>
+          <a:effectRef idx="0">
+            <a:schemeClr val="accent1"/>
+          </a:effectRef>
+          <a:fontRef idx="minor">
+            <a:schemeClr val="lt1"/>
+          </a:fontRef>
+        </p:style>
+        <p:txBody>
+          <a:bodyPr rtlCol="0" anchor="ctr"/>
+          <a:lstStyle/>
+          <a:p>
+            <a:pPr algn="ctr"/>
+            <a:endParaRPr lang="en-US"/>
+          </a:p>
+        </p:txBody>
+      </p:sp>
+      <p:sp>
+        <p:nvSpPr>
+          <p:cNvPr id="7" name="TextBox 6"/>
+          <p:cNvSpPr txBox="1"/>
+          <p:nvPr/>
+        </p:nvSpPr>
+        <p:spPr>
+          <a:xfrm>
+            <a:off x="3840385" y="1213849"/>
+            <a:ext cx="5712369" cy="923330"/>
+          </a:xfrm>
+          <a:prstGeom prst="rect">
+            <a:avLst/>
+          </a:prstGeom>
+          <a:noFill/>
+        </p:spPr>
+        <p:txBody>
+          <a:bodyPr wrap="square" rtlCol="0">
+            <a:spAutoFit/>
+          </a:bodyPr>
+          <a:lstStyle/>
+          <a:p>
+            <a:r>
+              <a:rPr lang="en-US" sz="5400" dirty="0"/>
+              <a:t>INCLASS LECTURES</a:t>
+            </a:r>
+          </a:p>
+        </p:txBody>
+      </p:sp>
+      <p:sp>
+        <p:nvSpPr>
+          <p:cNvPr id="8" name="TextBox 7"/>
+          <p:cNvSpPr txBox="1"/>
+          <p:nvPr/>
+        </p:nvSpPr>
+        <p:spPr>
+          <a:xfrm>
+            <a:off x="7731444" y="5278932"/>
+            <a:ext cx="2076450" cy="369332"/>
+          </a:xfrm>
+          <a:prstGeom prst="rect">
+            <a:avLst/>
+          </a:prstGeom>
+          <a:noFill/>
+        </p:spPr>
+        <p:txBody>
+          <a:bodyPr wrap="square" rtlCol="0">
+            <a:spAutoFit/>
+          </a:bodyPr>
+          <a:lstStyle/>
+          <a:p>
+            <a:pPr algn="ctr"/>
+            <a:r>
+              <a:rPr lang="en-US" dirty="0"/>
+              <a:t>May 6, 2020</a:t>
+            </a:r>
+          </a:p>
+        </p:txBody>
+      </p:sp>
+      <p:sp>
+        <p:nvSpPr>
+          <p:cNvPr id="9" name="TextBox 8"/>
+          <p:cNvSpPr txBox="1"/>
+          <p:nvPr/>
+        </p:nvSpPr>
+        <p:spPr>
+          <a:xfrm>
+            <a:off x="2365000" y="2644649"/>
+            <a:ext cx="5005769" cy="2308324"/>
+          </a:xfrm>
+          <a:prstGeom prst="rect">
+            <a:avLst/>
+          </a:prstGeom>
+          <a:noFill/>
+        </p:spPr>
+        <p:txBody>
+          <a:bodyPr wrap="square" rtlCol="0">
+            <a:spAutoFit/>
+          </a:bodyPr>
+          <a:lstStyle/>
+          <a:p>
+            <a:pPr algn="ctr"/>
+            <a:r>
+              <a:rPr lang="en-US" dirty="0"/>
+              <a:t>Chapter 1</a:t>
+            </a:r>
+          </a:p>
+          <a:p>
+            <a:pPr algn="ctr"/>
+            <a:r>
+              <a:rPr lang="en-US" b="1" u="sng" dirty="0"/>
+              <a:t>Getting Started with R &amp; R Studio</a:t>
+            </a:r>
+          </a:p>
+          <a:p>
+            <a:pPr algn="ctr"/>
+            <a:r>
+              <a:rPr lang="en-US" i="1" dirty="0"/>
+              <a:t>Workspace Orientation</a:t>
+            </a:r>
+          </a:p>
+          <a:p>
+            <a:pPr algn="ctr"/>
+            <a:r>
+              <a:rPr lang="en-US" i="1" dirty="0"/>
+              <a:t>Getting Help</a:t>
+            </a:r>
+          </a:p>
+          <a:p>
+            <a:pPr algn="ctr"/>
+            <a:r>
+              <a:rPr lang="en-US" i="1" dirty="0"/>
+              <a:t>Running &amp; knitting</a:t>
+            </a:r>
+          </a:p>
+          <a:p>
+            <a:pPr algn="ctr"/>
+            <a:r>
+              <a:rPr lang="en-US" i="1" dirty="0"/>
+              <a:t>Importing data</a:t>
+            </a:r>
+          </a:p>
+          <a:p>
+            <a:pPr algn="ctr"/>
+            <a:r>
+              <a:rPr lang="en-US" i="1" dirty="0"/>
+              <a:t>NA, pipe, assignment</a:t>
+            </a:r>
+          </a:p>
+          <a:p>
+            <a:pPr algn="ctr"/>
+            <a:r>
+              <a:rPr lang="en-US" i="1" dirty="0"/>
+              <a:t>Declaring factors</a:t>
+            </a:r>
+          </a:p>
+        </p:txBody>
+      </p:sp>
+      <p:grpSp>
+        <p:nvGrpSpPr>
+          <p:cNvPr id="14" name="Group 13"/>
+          <p:cNvGrpSpPr/>
+          <p:nvPr/>
+        </p:nvGrpSpPr>
+        <p:grpSpPr>
+          <a:xfrm>
+            <a:off x="7198839" y="2137179"/>
+            <a:ext cx="3141660" cy="3193339"/>
+            <a:chOff x="7047391" y="1961976"/>
+            <a:chExt cx="3141660" cy="3193339"/>
+          </a:xfrm>
+        </p:grpSpPr>
+        <p:pic>
+          <p:nvPicPr>
+            <p:cNvPr id="2" name="Picture 1"/>
+            <p:cNvPicPr>
+              <a:picLocks noChangeAspect="1"/>
+            </p:cNvPicPr>
+            <p:nvPr/>
+          </p:nvPicPr>
+          <p:blipFill>
+            <a:blip r:embed="rId2" cstate="print">
+              <a:extLst>
+                <a:ext uri="{28A0092B-C50C-407E-A947-70E740481C1C}">
+                  <a14:useLocalDpi xmlns:a14="http://schemas.microsoft.com/office/drawing/2010/main" val="0"/>
+                </a:ext>
+              </a:extLst>
+            </a:blip>
+            <a:stretch>
+              <a:fillRect/>
+            </a:stretch>
+          </p:blipFill>
+          <p:spPr>
+            <a:xfrm>
+              <a:off x="7047391" y="3320161"/>
+              <a:ext cx="1578867" cy="1828804"/>
+            </a:xfrm>
+            <a:prstGeom prst="rect">
+              <a:avLst/>
+            </a:prstGeom>
+          </p:spPr>
+        </p:pic>
+        <p:pic>
+          <p:nvPicPr>
+            <p:cNvPr id="3" name="Picture 2"/>
+            <p:cNvPicPr>
+              <a:picLocks noChangeAspect="1"/>
+            </p:cNvPicPr>
+            <p:nvPr/>
+          </p:nvPicPr>
+          <p:blipFill>
+            <a:blip r:embed="rId3" cstate="print">
+              <a:extLst>
+                <a:ext uri="{28A0092B-C50C-407E-A947-70E740481C1C}">
+                  <a14:useLocalDpi xmlns:a14="http://schemas.microsoft.com/office/drawing/2010/main" val="0"/>
+                </a:ext>
+              </a:extLst>
+            </a:blip>
+            <a:stretch>
+              <a:fillRect/>
+            </a:stretch>
+          </p:blipFill>
+          <p:spPr>
+            <a:xfrm>
+              <a:off x="7830475" y="1961976"/>
+              <a:ext cx="1578867" cy="1828804"/>
+            </a:xfrm>
+            <a:prstGeom prst="rect">
+              <a:avLst/>
+            </a:prstGeom>
+          </p:spPr>
+        </p:pic>
+        <p:pic>
+          <p:nvPicPr>
+            <p:cNvPr id="11" name="Picture 10"/>
+            <p:cNvPicPr>
+              <a:picLocks noChangeAspect="1"/>
+            </p:cNvPicPr>
+            <p:nvPr/>
+          </p:nvPicPr>
+          <p:blipFill>
+            <a:blip r:embed="rId4" cstate="print">
+              <a:extLst>
+                <a:ext uri="{28A0092B-C50C-407E-A947-70E740481C1C}">
+                  <a14:useLocalDpi xmlns:a14="http://schemas.microsoft.com/office/drawing/2010/main" val="0"/>
+                </a:ext>
+              </a:extLst>
+            </a:blip>
+            <a:stretch>
+              <a:fillRect/>
+            </a:stretch>
+          </p:blipFill>
+          <p:spPr>
+            <a:xfrm>
+              <a:off x="8610184" y="3326511"/>
+              <a:ext cx="1578867" cy="1828804"/>
+            </a:xfrm>
+            <a:prstGeom prst="rect">
+              <a:avLst/>
+            </a:prstGeom>
+          </p:spPr>
+        </p:pic>
+      </p:grpSp>
+      <p:pic>
+        <p:nvPicPr>
+          <p:cNvPr id="12" name="Picture 11"/>
+          <p:cNvPicPr>
+            <a:picLocks noChangeAspect="1"/>
+          </p:cNvPicPr>
+          <p:nvPr/>
+        </p:nvPicPr>
+        <p:blipFill>
+          <a:blip r:embed="rId5" cstate="print">
+            <a:extLst>
+              <a:ext uri="{28A0092B-C50C-407E-A947-70E740481C1C}">
+                <a14:useLocalDpi xmlns:a14="http://schemas.microsoft.com/office/drawing/2010/main" val="0"/>
+              </a:ext>
+            </a:extLst>
+          </a:blip>
+          <a:stretch>
+            <a:fillRect/>
+          </a:stretch>
+        </p:blipFill>
+        <p:spPr>
+          <a:xfrm>
+            <a:off x="2035110" y="1019593"/>
+            <a:ext cx="1578867" cy="1828804"/>
+          </a:xfrm>
+          <a:prstGeom prst="rect">
+            <a:avLst/>
+          </a:prstGeom>
+        </p:spPr>
+      </p:pic>
+      <p:pic>
+        <p:nvPicPr>
+          <p:cNvPr id="13" name="Picture 12" descr="Hello summer illustration vector. with cute summer icon and ...">
+            <a:extLst>
+              <a:ext uri="{FF2B5EF4-FFF2-40B4-BE49-F238E27FC236}">
+                <a16:creationId xmlns:a16="http://schemas.microsoft.com/office/drawing/2014/main" id="{50B5A1E4-2998-48E4-BC77-79D8790DF13F}"/>
+              </a:ext>
+            </a:extLst>
+          </p:cNvPr>
+          <p:cNvPicPr/>
+          <p:nvPr/>
+        </p:nvPicPr>
+        <p:blipFill>
+          <a:blip r:embed="rId6" cstate="print">
+            <a:clrChange>
+              <a:clrFrom>
+                <a:srgbClr val="FFFFFF"/>
+              </a:clrFrom>
+              <a:clrTo>
+                <a:srgbClr val="FFFFFF">
+                  <a:alpha val="0"/>
+                </a:srgbClr>
+              </a:clrTo>
+            </a:clrChange>
+            <a:extLst>
+              <a:ext uri="{28A0092B-C50C-407E-A947-70E740481C1C}">
+                <a14:useLocalDpi xmlns:a14="http://schemas.microsoft.com/office/drawing/2010/main" val="0"/>
+              </a:ext>
+            </a:extLst>
+          </a:blip>
+          <a:srcRect/>
+          <a:stretch>
+            <a:fillRect/>
+          </a:stretch>
+        </p:blipFill>
+        <p:spPr bwMode="auto">
+          <a:xfrm>
+            <a:off x="1784203" y="4158563"/>
+            <a:ext cx="1578867" cy="1406017"/>
+          </a:xfrm>
+          <a:prstGeom prst="rect">
+            <a:avLst/>
+          </a:prstGeom>
+          <a:noFill/>
+          <a:extLst>
+            <a:ext uri="{909E8E84-426E-40DD-AFC4-6F175D3DCCD1}">
+              <a14:hiddenFill xmlns:a14="http://schemas.microsoft.com/office/drawing/2010/main">
+                <a:solidFill>
+                  <a:srgbClr val="FFFFFF"/>
+                </a:solidFill>
+              </a14:hiddenFill>
+            </a:ext>
+          </a:extLst>
+        </p:spPr>
+      </p:pic>
+      <p:pic>
+        <p:nvPicPr>
+          <p:cNvPr id="1028" name="Picture 4" descr="Calendar, schedule, schedule icon icon">
+            <a:extLst>
+              <a:ext uri="{FF2B5EF4-FFF2-40B4-BE49-F238E27FC236}">
+                <a16:creationId xmlns:a16="http://schemas.microsoft.com/office/drawing/2014/main" id="{C17B732E-BA53-4386-9A3E-FF78AABEEECB}"/>
+              </a:ext>
+            </a:extLst>
+          </p:cNvPr>
+          <p:cNvPicPr>
+            <a:picLocks noChangeAspect="1" noChangeArrowheads="1"/>
+          </p:cNvPicPr>
+          <p:nvPr/>
+        </p:nvPicPr>
+        <p:blipFill>
+          <a:blip r:embed="rId7" cstate="print">
+            <a:extLst>
+              <a:ext uri="{28A0092B-C50C-407E-A947-70E740481C1C}">
+                <a14:useLocalDpi xmlns:a14="http://schemas.microsoft.com/office/drawing/2010/main" val="0"/>
+              </a:ext>
+            </a:extLst>
+          </a:blip>
+          <a:srcRect/>
+          <a:stretch>
+            <a:fillRect/>
+          </a:stretch>
+        </p:blipFill>
+        <p:spPr bwMode="auto">
+          <a:xfrm>
+            <a:off x="1944790" y="4668816"/>
+            <a:ext cx="1257692" cy="1257692"/>
+          </a:xfrm>
+          <a:prstGeom prst="rect">
+            <a:avLst/>
+          </a:prstGeom>
+          <a:noFill/>
+          <a:extLst>
+            <a:ext uri="{909E8E84-426E-40DD-AFC4-6F175D3DCCD1}">
+              <a14:hiddenFill xmlns:a14="http://schemas.microsoft.com/office/drawing/2010/main">
+                <a:solidFill>
+                  <a:srgbClr val="FFFFFF"/>
+                </a:solidFill>
+              </a14:hiddenFill>
+            </a:ext>
+          </a:extLst>
+        </p:spPr>
+      </p:pic>
+      <p:sp>
+        <p:nvSpPr>
+          <p:cNvPr id="5" name="TextBox 4">
+            <a:extLst>
+              <a:ext uri="{FF2B5EF4-FFF2-40B4-BE49-F238E27FC236}">
+                <a16:creationId xmlns:a16="http://schemas.microsoft.com/office/drawing/2014/main" id="{803FD3B0-B62F-442A-AC07-BC6B0D20FF53}"/>
+              </a:ext>
+            </a:extLst>
+          </p:cNvPr>
+          <p:cNvSpPr txBox="1"/>
+          <p:nvPr/>
+        </p:nvSpPr>
+        <p:spPr>
+          <a:xfrm>
+            <a:off x="3021210" y="5278932"/>
+            <a:ext cx="2614836" cy="369332"/>
+          </a:xfrm>
+          <a:prstGeom prst="rect">
+            <a:avLst/>
+          </a:prstGeom>
+          <a:noFill/>
+        </p:spPr>
+        <p:txBody>
+          <a:bodyPr wrap="square" rtlCol="0">
+            <a:spAutoFit/>
+          </a:bodyPr>
+          <a:lstStyle/>
+          <a:p>
+            <a:r>
+              <a:rPr lang="en-US" dirty="0"/>
+              <a:t>Part 2 of 2, Day 2 of 13</a:t>
+            </a:r>
+          </a:p>
+        </p:txBody>
+      </p:sp>
+    </p:spTree>
+    <p:extLst>
+      <p:ext uri="{BB962C8B-B14F-4D97-AF65-F5344CB8AC3E}">
+        <p14:creationId xmlns:p14="http://schemas.microsoft.com/office/powerpoint/2010/main" val="3166273230"/>
       </p:ext>
     </p:extLst>
   </p:cSld>

--- a/static/img/youtube_thumbnails/video_thumbnail_building.pptx
+++ b/static/img/youtube_thumbnails/video_thumbnail_building.pptx
@@ -5,48 +5,49 @@
     <p:sldMasterId id="2147483648" r:id="rId1"/>
   </p:sldMasterIdLst>
   <p:sldIdLst>
-    <p:sldId id="297" r:id="rId2"/>
-    <p:sldId id="296" r:id="rId3"/>
-    <p:sldId id="295" r:id="rId4"/>
-    <p:sldId id="294" r:id="rId5"/>
-    <p:sldId id="293" r:id="rId6"/>
-    <p:sldId id="292" r:id="rId7"/>
-    <p:sldId id="291" r:id="rId8"/>
-    <p:sldId id="290" r:id="rId9"/>
-    <p:sldId id="289" r:id="rId10"/>
-    <p:sldId id="288" r:id="rId11"/>
-    <p:sldId id="287" r:id="rId12"/>
-    <p:sldId id="286" r:id="rId13"/>
-    <p:sldId id="285" r:id="rId14"/>
-    <p:sldId id="284" r:id="rId15"/>
-    <p:sldId id="283" r:id="rId16"/>
-    <p:sldId id="282" r:id="rId17"/>
-    <p:sldId id="281" r:id="rId18"/>
-    <p:sldId id="280" r:id="rId19"/>
-    <p:sldId id="279" r:id="rId20"/>
-    <p:sldId id="278" r:id="rId21"/>
-    <p:sldId id="277" r:id="rId22"/>
-    <p:sldId id="276" r:id="rId23"/>
-    <p:sldId id="275" r:id="rId24"/>
-    <p:sldId id="273" r:id="rId25"/>
-    <p:sldId id="274" r:id="rId26"/>
-    <p:sldId id="272" r:id="rId27"/>
-    <p:sldId id="271" r:id="rId28"/>
-    <p:sldId id="270" r:id="rId29"/>
-    <p:sldId id="259" r:id="rId30"/>
-    <p:sldId id="261" r:id="rId31"/>
-    <p:sldId id="260" r:id="rId32"/>
-    <p:sldId id="269" r:id="rId33"/>
-    <p:sldId id="268" r:id="rId34"/>
-    <p:sldId id="267" r:id="rId35"/>
-    <p:sldId id="266" r:id="rId36"/>
-    <p:sldId id="265" r:id="rId37"/>
-    <p:sldId id="264" r:id="rId38"/>
-    <p:sldId id="263" r:id="rId39"/>
-    <p:sldId id="262" r:id="rId40"/>
-    <p:sldId id="257" r:id="rId41"/>
-    <p:sldId id="256" r:id="rId42"/>
-    <p:sldId id="258" r:id="rId43"/>
+    <p:sldId id="298" r:id="rId2"/>
+    <p:sldId id="297" r:id="rId3"/>
+    <p:sldId id="296" r:id="rId4"/>
+    <p:sldId id="295" r:id="rId5"/>
+    <p:sldId id="294" r:id="rId6"/>
+    <p:sldId id="293" r:id="rId7"/>
+    <p:sldId id="292" r:id="rId8"/>
+    <p:sldId id="291" r:id="rId9"/>
+    <p:sldId id="290" r:id="rId10"/>
+    <p:sldId id="289" r:id="rId11"/>
+    <p:sldId id="288" r:id="rId12"/>
+    <p:sldId id="287" r:id="rId13"/>
+    <p:sldId id="286" r:id="rId14"/>
+    <p:sldId id="285" r:id="rId15"/>
+    <p:sldId id="284" r:id="rId16"/>
+    <p:sldId id="283" r:id="rId17"/>
+    <p:sldId id="282" r:id="rId18"/>
+    <p:sldId id="281" r:id="rId19"/>
+    <p:sldId id="280" r:id="rId20"/>
+    <p:sldId id="279" r:id="rId21"/>
+    <p:sldId id="278" r:id="rId22"/>
+    <p:sldId id="277" r:id="rId23"/>
+    <p:sldId id="276" r:id="rId24"/>
+    <p:sldId id="275" r:id="rId25"/>
+    <p:sldId id="273" r:id="rId26"/>
+    <p:sldId id="274" r:id="rId27"/>
+    <p:sldId id="272" r:id="rId28"/>
+    <p:sldId id="271" r:id="rId29"/>
+    <p:sldId id="270" r:id="rId30"/>
+    <p:sldId id="259" r:id="rId31"/>
+    <p:sldId id="261" r:id="rId32"/>
+    <p:sldId id="260" r:id="rId33"/>
+    <p:sldId id="269" r:id="rId34"/>
+    <p:sldId id="268" r:id="rId35"/>
+    <p:sldId id="267" r:id="rId36"/>
+    <p:sldId id="266" r:id="rId37"/>
+    <p:sldId id="265" r:id="rId38"/>
+    <p:sldId id="264" r:id="rId39"/>
+    <p:sldId id="263" r:id="rId40"/>
+    <p:sldId id="262" r:id="rId41"/>
+    <p:sldId id="257" r:id="rId42"/>
+    <p:sldId id="256" r:id="rId43"/>
+    <p:sldId id="258" r:id="rId44"/>
   </p:sldIdLst>
   <p:sldSz cx="12192000" cy="6858000"/>
   <p:notesSz cx="6858000" cy="9144000"/>
@@ -282,7 +283,7 @@
           <a:p>
             <a:fld id="{3C68F153-927F-4ADA-A90F-AFD816292B90}" type="datetimeFigureOut">
               <a:rPr lang="en-US" smtClean="0"/>
-              <a:t>5/18/2020</a:t>
+              <a:t>5/27/2020</a:t>
             </a:fld>
             <a:endParaRPr lang="en-US"/>
           </a:p>
@@ -450,7 +451,7 @@
           <a:p>
             <a:fld id="{3C68F153-927F-4ADA-A90F-AFD816292B90}" type="datetimeFigureOut">
               <a:rPr lang="en-US" smtClean="0"/>
-              <a:t>5/18/2020</a:t>
+              <a:t>5/27/2020</a:t>
             </a:fld>
             <a:endParaRPr lang="en-US"/>
           </a:p>
@@ -628,7 +629,7 @@
           <a:p>
             <a:fld id="{3C68F153-927F-4ADA-A90F-AFD816292B90}" type="datetimeFigureOut">
               <a:rPr lang="en-US" smtClean="0"/>
-              <a:t>5/18/2020</a:t>
+              <a:t>5/27/2020</a:t>
             </a:fld>
             <a:endParaRPr lang="en-US"/>
           </a:p>
@@ -796,7 +797,7 @@
           <a:p>
             <a:fld id="{3C68F153-927F-4ADA-A90F-AFD816292B90}" type="datetimeFigureOut">
               <a:rPr lang="en-US" smtClean="0"/>
-              <a:t>5/18/2020</a:t>
+              <a:t>5/27/2020</a:t>
             </a:fld>
             <a:endParaRPr lang="en-US"/>
           </a:p>
@@ -1041,7 +1042,7 @@
           <a:p>
             <a:fld id="{3C68F153-927F-4ADA-A90F-AFD816292B90}" type="datetimeFigureOut">
               <a:rPr lang="en-US" smtClean="0"/>
-              <a:t>5/18/2020</a:t>
+              <a:t>5/27/2020</a:t>
             </a:fld>
             <a:endParaRPr lang="en-US"/>
           </a:p>
@@ -1270,7 +1271,7 @@
           <a:p>
             <a:fld id="{3C68F153-927F-4ADA-A90F-AFD816292B90}" type="datetimeFigureOut">
               <a:rPr lang="en-US" smtClean="0"/>
-              <a:t>5/18/2020</a:t>
+              <a:t>5/27/2020</a:t>
             </a:fld>
             <a:endParaRPr lang="en-US"/>
           </a:p>
@@ -1634,7 +1635,7 @@
           <a:p>
             <a:fld id="{3C68F153-927F-4ADA-A90F-AFD816292B90}" type="datetimeFigureOut">
               <a:rPr lang="en-US" smtClean="0"/>
-              <a:t>5/18/2020</a:t>
+              <a:t>5/27/2020</a:t>
             </a:fld>
             <a:endParaRPr lang="en-US"/>
           </a:p>
@@ -1751,7 +1752,7 @@
           <a:p>
             <a:fld id="{3C68F153-927F-4ADA-A90F-AFD816292B90}" type="datetimeFigureOut">
               <a:rPr lang="en-US" smtClean="0"/>
-              <a:t>5/18/2020</a:t>
+              <a:t>5/27/2020</a:t>
             </a:fld>
             <a:endParaRPr lang="en-US"/>
           </a:p>
@@ -1846,7 +1847,7 @@
           <a:p>
             <a:fld id="{3C68F153-927F-4ADA-A90F-AFD816292B90}" type="datetimeFigureOut">
               <a:rPr lang="en-US" smtClean="0"/>
-              <a:t>5/18/2020</a:t>
+              <a:t>5/27/2020</a:t>
             </a:fld>
             <a:endParaRPr lang="en-US"/>
           </a:p>
@@ -2121,7 +2122,7 @@
           <a:p>
             <a:fld id="{3C68F153-927F-4ADA-A90F-AFD816292B90}" type="datetimeFigureOut">
               <a:rPr lang="en-US" smtClean="0"/>
-              <a:t>5/18/2020</a:t>
+              <a:t>5/27/2020</a:t>
             </a:fld>
             <a:endParaRPr lang="en-US"/>
           </a:p>
@@ -2373,7 +2374,7 @@
           <a:p>
             <a:fld id="{3C68F153-927F-4ADA-A90F-AFD816292B90}" type="datetimeFigureOut">
               <a:rPr lang="en-US" smtClean="0"/>
-              <a:t>5/18/2020</a:t>
+              <a:t>5/27/2020</a:t>
             </a:fld>
             <a:endParaRPr lang="en-US"/>
           </a:p>
@@ -2584,7 +2585,7 @@
           <a:p>
             <a:fld id="{3C68F153-927F-4ADA-A90F-AFD816292B90}" type="datetimeFigureOut">
               <a:rPr lang="en-US" smtClean="0"/>
-              <a:t>5/18/2020</a:t>
+              <a:t>5/27/2020</a:t>
             </a:fld>
             <a:endParaRPr lang="en-US"/>
           </a:p>
@@ -3089,15 +3090,7 @@
             <a:pPr algn="ctr"/>
             <a:r>
               <a:rPr lang="en-US" dirty="0"/>
-              <a:t>May </a:t>
-            </a:r>
-            <a:r>
-              <a:rPr lang="en-US" dirty="0" smtClean="0"/>
-              <a:t>18, </a:t>
-            </a:r>
-            <a:r>
-              <a:rPr lang="en-US" dirty="0"/>
-              <a:t>2020</a:t>
+              <a:t>May 27, 2020</a:t>
             </a:r>
           </a:p>
         </p:txBody>
@@ -3110,8 +3103,8 @@
         </p:nvSpPr>
         <p:spPr>
           <a:xfrm>
-            <a:off x="2904156" y="2339397"/>
-            <a:ext cx="5005769" cy="2031325"/>
+            <a:off x="3202482" y="2248232"/>
+            <a:ext cx="5005769" cy="1477328"/>
           </a:xfrm>
           <a:prstGeom prst="rect">
             <a:avLst/>
@@ -3127,57 +3120,33 @@
             <a:pPr algn="ctr"/>
             <a:r>
               <a:rPr lang="en-US" dirty="0"/>
-              <a:t>Chapter </a:t>
-            </a:r>
-            <a:r>
-              <a:rPr lang="en-US" dirty="0" smtClean="0"/>
-              <a:t>7</a:t>
-            </a:r>
-            <a:endParaRPr lang="en-US" dirty="0"/>
+              <a:t>Chapter 10</a:t>
+            </a:r>
           </a:p>
           <a:p>
             <a:pPr algn="ctr"/>
             <a:r>
               <a:rPr lang="en-US" b="1" u="sng" dirty="0"/>
-              <a:t>Independent Samples t-Test for </a:t>
-            </a:r>
-            <a:r>
-              <a:rPr lang="en-US" b="1" u="sng" dirty="0" smtClean="0"/>
-              <a:t>Means</a:t>
-            </a:r>
-          </a:p>
-          <a:p>
-            <a:pPr algn="ctr"/>
-            <a:r>
-              <a:rPr lang="en-US" i="1" dirty="0" err="1" smtClean="0"/>
-              <a:t>Levene’s</a:t>
-            </a:r>
-            <a:r>
-              <a:rPr lang="en-US" i="1" dirty="0" smtClean="0"/>
-              <a:t> Test of HOV</a:t>
-            </a:r>
-          </a:p>
-          <a:p>
-            <a:pPr algn="ctr"/>
-            <a:r>
-              <a:rPr lang="en-US" i="1" dirty="0" smtClean="0"/>
-              <a:t>Standard Pooled Variance version</a:t>
-            </a:r>
-          </a:p>
-          <a:p>
-            <a:pPr algn="ctr"/>
-            <a:r>
-              <a:rPr lang="en-US" i="1" dirty="0" smtClean="0"/>
-              <a:t>Welch’s Separate Variance version </a:t>
-            </a:r>
-          </a:p>
-          <a:p>
-            <a:pPr algn="ctr"/>
-            <a:endParaRPr lang="en-US" i="1" dirty="0" smtClean="0"/>
-          </a:p>
-          <a:p>
-            <a:pPr algn="ctr"/>
-            <a:endParaRPr lang="en-US" b="1" u="sng" dirty="0" smtClean="0"/>
+              <a:t>Simple Linear Regression</a:t>
+            </a:r>
+          </a:p>
+          <a:p>
+            <a:pPr algn="ctr"/>
+            <a:r>
+              <a:rPr lang="en-US" i="1" dirty="0"/>
+              <a:t>Formulation &amp; Prediction</a:t>
+            </a:r>
+          </a:p>
+          <a:p>
+            <a:pPr algn="ctr"/>
+            <a:r>
+              <a:rPr lang="en-US" i="1" dirty="0"/>
+              <a:t>Statistical Control</a:t>
+            </a:r>
+          </a:p>
+          <a:p>
+            <a:pPr algn="ctr"/>
+            <a:endParaRPr lang="en-US" b="1" u="sng" dirty="0"/>
           </a:p>
         </p:txBody>
       </p:sp>
@@ -3447,16 +3416,8 @@
           <a:lstStyle/>
           <a:p>
             <a:r>
-              <a:rPr lang="en-US" dirty="0" smtClean="0"/>
-              <a:t>Day </a:t>
-            </a:r>
-            <a:r>
-              <a:rPr lang="en-US" dirty="0" smtClean="0"/>
-              <a:t>5 </a:t>
-            </a:r>
-            <a:r>
               <a:rPr lang="en-US" dirty="0"/>
-              <a:t>of 13</a:t>
+              <a:t>Day 7 of 13</a:t>
             </a:r>
           </a:p>
         </p:txBody>
@@ -3469,8 +3430,8 @@
         </p:nvSpPr>
         <p:spPr>
           <a:xfrm>
-            <a:off x="2725675" y="4199203"/>
-            <a:ext cx="5005769" cy="1200329"/>
+            <a:off x="2157071" y="3659201"/>
+            <a:ext cx="5005769" cy="1477328"/>
           </a:xfrm>
           <a:prstGeom prst="rect">
             <a:avLst/>
@@ -3486,43 +3447,43 @@
             <a:pPr algn="ctr"/>
             <a:r>
               <a:rPr lang="en-US" dirty="0"/>
-              <a:t>Chapter </a:t>
-            </a:r>
-            <a:r>
-              <a:rPr lang="en-US" dirty="0"/>
-              <a:t>8</a:t>
-            </a:r>
-            <a:endParaRPr lang="en-US" dirty="0"/>
-          </a:p>
-          <a:p>
-            <a:pPr algn="ctr"/>
-            <a:r>
-              <a:rPr lang="en-US" b="1" u="sng" dirty="0" smtClean="0"/>
-              <a:t>Statistical Power &amp; Effect Size</a:t>
-            </a:r>
-            <a:endParaRPr lang="en-US" b="1" u="sng" dirty="0" smtClean="0"/>
-          </a:p>
-          <a:p>
-            <a:pPr algn="ctr"/>
-            <a:r>
-              <a:rPr lang="en-US" i="1" dirty="0" smtClean="0"/>
-              <a:t>Cohen’s d &amp; g</a:t>
-            </a:r>
-          </a:p>
-          <a:p>
-            <a:pPr algn="ctr"/>
-            <a:r>
-              <a:rPr lang="en-US" i="1" dirty="0" smtClean="0"/>
-              <a:t>G*Power software</a:t>
-            </a:r>
-            <a:endParaRPr lang="en-US" i="1" dirty="0" smtClean="0"/>
+              <a:t>Chapter 11</a:t>
+            </a:r>
+          </a:p>
+          <a:p>
+            <a:pPr algn="ctr"/>
+            <a:r>
+              <a:rPr lang="en-US" b="1" u="sng" dirty="0"/>
+              <a:t>Matched/Paired t Test for Mean Difference</a:t>
+            </a:r>
+          </a:p>
+          <a:p>
+            <a:pPr algn="ctr"/>
+            <a:r>
+              <a:rPr lang="en-US" i="1" dirty="0"/>
+              <a:t>Study design</a:t>
+            </a:r>
+          </a:p>
+          <a:p>
+            <a:pPr algn="ctr"/>
+            <a:r>
+              <a:rPr lang="en-US" i="1" dirty="0"/>
+              <a:t>Power</a:t>
+            </a:r>
+          </a:p>
+          <a:p>
+            <a:pPr algn="ctr"/>
+            <a:r>
+              <a:rPr lang="en-US" i="1" dirty="0"/>
+              <a:t>Assumptions</a:t>
+            </a:r>
           </a:p>
         </p:txBody>
       </p:sp>
     </p:spTree>
     <p:extLst>
       <p:ext uri="{BB962C8B-B14F-4D97-AF65-F5344CB8AC3E}">
-        <p14:creationId xmlns:p14="http://schemas.microsoft.com/office/powerpoint/2010/main" val="1178293772"/>
+        <p14:creationId xmlns:p14="http://schemas.microsoft.com/office/powerpoint/2010/main" val="3789788266"/>
       </p:ext>
     </p:extLst>
   </p:cSld>
@@ -3663,7 +3624,7 @@
         <p:spPr>
           <a:xfrm>
             <a:off x="2365000" y="2644649"/>
-            <a:ext cx="5005769" cy="2031325"/>
+            <a:ext cx="5005769" cy="2308324"/>
           </a:xfrm>
           <a:prstGeom prst="rect">
             <a:avLst/>
@@ -3686,42 +3647,49 @@
             <a:pPr algn="ctr"/>
             <a:r>
               <a:rPr lang="en-US" b="1" u="sng" dirty="0"/>
-              <a:t>Basic Vocabulary and Skills</a:t>
+              <a:t>Getting Started with R &amp; R Studio</a:t>
             </a:r>
           </a:p>
           <a:p>
             <a:pPr algn="ctr"/>
             <a:r>
               <a:rPr lang="en-US" i="1" dirty="0"/>
-              <a:t>Scales of Measure</a:t>
+              <a:t>Workspace Orientation</a:t>
             </a:r>
           </a:p>
           <a:p>
             <a:pPr algn="ctr"/>
             <a:r>
               <a:rPr lang="en-US" i="1" dirty="0"/>
-              <a:t>Type of Variable</a:t>
+              <a:t>Getting Help</a:t>
             </a:r>
           </a:p>
           <a:p>
             <a:pPr algn="ctr"/>
             <a:r>
               <a:rPr lang="en-US" i="1" dirty="0"/>
-              <a:t>Study Design</a:t>
+              <a:t>Running &amp; knitting</a:t>
             </a:r>
           </a:p>
           <a:p>
             <a:pPr algn="ctr"/>
             <a:r>
               <a:rPr lang="en-US" i="1" dirty="0"/>
-              <a:t>Rounding Numbers</a:t>
+              <a:t>Importing data</a:t>
             </a:r>
           </a:p>
           <a:p>
             <a:pPr algn="ctr"/>
             <a:r>
               <a:rPr lang="en-US" i="1" dirty="0"/>
-              <a:t>Summation Notation</a:t>
+              <a:t>NA, pipe, assignment</a:t>
+            </a:r>
+          </a:p>
+          <a:p>
+            <a:pPr algn="ctr"/>
+            <a:r>
+              <a:rPr lang="en-US" i="1" dirty="0"/>
+              <a:t>Declaring factors</a:t>
             </a:r>
           </a:p>
         </p:txBody>
@@ -3993,7 +3961,7 @@
           <a:p>
             <a:r>
               <a:rPr lang="en-US" dirty="0"/>
-              <a:t>Part 1 of 2, Day 2 of 13</a:t>
+              <a:t>Part 2 of 2, Day 2 of 13</a:t>
             </a:r>
           </a:p>
         </p:txBody>
@@ -4001,7 +3969,7 @@
     </p:spTree>
     <p:extLst>
       <p:ext uri="{BB962C8B-B14F-4D97-AF65-F5344CB8AC3E}">
-        <p14:creationId xmlns:p14="http://schemas.microsoft.com/office/powerpoint/2010/main" val="121509918"/>
+        <p14:creationId xmlns:p14="http://schemas.microsoft.com/office/powerpoint/2010/main" val="3166273230"/>
       </p:ext>
     </p:extLst>
   </p:cSld>
@@ -4128,7 +4096,7 @@
             <a:pPr algn="ctr"/>
             <a:r>
               <a:rPr lang="en-US" dirty="0"/>
-              <a:t>May 4, 2020</a:t>
+              <a:t>May 6, 2020</a:t>
             </a:r>
           </a:p>
         </p:txBody>
@@ -4142,7 +4110,7 @@
         <p:spPr>
           <a:xfrm>
             <a:off x="2365000" y="2644649"/>
-            <a:ext cx="5005769" cy="1754326"/>
+            <a:ext cx="5005769" cy="2031325"/>
           </a:xfrm>
           <a:prstGeom prst="rect">
             <a:avLst/>
@@ -4158,48 +4126,50 @@
             <a:pPr algn="ctr"/>
             <a:r>
               <a:rPr lang="en-US" dirty="0"/>
-              <a:t>Chapter 0</a:t>
+              <a:t>Chapter 1</a:t>
             </a:r>
           </a:p>
           <a:p>
             <a:pPr algn="ctr"/>
             <a:r>
               <a:rPr lang="en-US" b="1" u="sng" dirty="0"/>
-              <a:t>Getting Started</a:t>
+              <a:t>Basic Vocabulary and Skills</a:t>
             </a:r>
           </a:p>
           <a:p>
             <a:pPr algn="ctr"/>
             <a:r>
               <a:rPr lang="en-US" i="1" dirty="0"/>
-              <a:t>Syllabus &amp; Grade Components</a:t>
+              <a:t>Scales of Measure</a:t>
             </a:r>
           </a:p>
           <a:p>
             <a:pPr algn="ctr"/>
             <a:r>
               <a:rPr lang="en-US" i="1" dirty="0"/>
-              <a:t>Cohen’s Textbook &amp; Ihno’s Dataset</a:t>
+              <a:t>Type of Variable</a:t>
             </a:r>
           </a:p>
           <a:p>
             <a:pPr algn="ctr"/>
             <a:r>
               <a:rPr lang="en-US" i="1" dirty="0"/>
-              <a:t>APA Style relating to stats</a:t>
+              <a:t>Study Design</a:t>
             </a:r>
           </a:p>
           <a:p>
             <a:pPr algn="ctr"/>
             <a:r>
               <a:rPr lang="en-US" i="1" dirty="0"/>
-              <a:t>Software Installation: R, R Studio, &amp; </a:t>
-            </a:r>
-            <a:r>
-              <a:rPr lang="en-US" i="1" dirty="0" err="1"/>
-              <a:t>Tex</a:t>
-            </a:r>
-            <a:endParaRPr lang="en-US" i="1" dirty="0"/>
+              <a:t>Rounding Numbers</a:t>
+            </a:r>
+          </a:p>
+          <a:p>
+            <a:pPr algn="ctr"/>
+            <a:r>
+              <a:rPr lang="en-US" i="1" dirty="0"/>
+              <a:t>Summation Notation</a:t>
+            </a:r>
           </a:p>
         </p:txBody>
       </p:sp>
@@ -4455,7 +4425,7 @@
         <p:spPr>
           <a:xfrm>
             <a:off x="3021210" y="5278932"/>
-            <a:ext cx="2243137" cy="369332"/>
+            <a:ext cx="2614836" cy="369332"/>
           </a:xfrm>
           <a:prstGeom prst="rect">
             <a:avLst/>
@@ -4470,7 +4440,7 @@
           <a:p>
             <a:r>
               <a:rPr lang="en-US" dirty="0"/>
-              <a:t>Day 1 of 13</a:t>
+              <a:t>Part 1 of 2, Day 2 of 13</a:t>
             </a:r>
           </a:p>
         </p:txBody>
@@ -4478,7 +4448,7 @@
     </p:spTree>
     <p:extLst>
       <p:ext uri="{BB962C8B-B14F-4D97-AF65-F5344CB8AC3E}">
-        <p14:creationId xmlns:p14="http://schemas.microsoft.com/office/powerpoint/2010/main" val="775600964"/>
+        <p14:creationId xmlns:p14="http://schemas.microsoft.com/office/powerpoint/2010/main" val="121509918"/>
       </p:ext>
     </p:extLst>
   </p:cSld>
@@ -4513,7 +4483,7 @@
         </p:nvSpPr>
         <p:spPr>
           <a:xfrm>
-            <a:off x="1853580" y="824230"/>
+            <a:off x="1706880" y="923544"/>
             <a:ext cx="8778240" cy="5010912"/>
           </a:xfrm>
           <a:prstGeom prst="rect">
@@ -4559,8 +4529,8 @@
         </p:nvSpPr>
         <p:spPr>
           <a:xfrm>
-            <a:off x="3838696" y="1056832"/>
-            <a:ext cx="5712369" cy="1754326"/>
+            <a:off x="3840385" y="1213849"/>
+            <a:ext cx="5712369" cy="923330"/>
           </a:xfrm>
           <a:prstGeom prst="rect">
             <a:avLst/>
@@ -4575,13 +4545,7 @@
           <a:p>
             <a:r>
               <a:rPr lang="en-US" sz="5400" dirty="0"/>
-              <a:t>Virtual </a:t>
-            </a:r>
-          </a:p>
-          <a:p>
-            <a:r>
-              <a:rPr lang="en-US" sz="5400" dirty="0"/>
-              <a:t>Office Hours</a:t>
+              <a:t>INCLASS LECTURES</a:t>
             </a:r>
           </a:p>
         </p:txBody>
@@ -4611,8 +4575,78 @@
             <a:pPr algn="ctr"/>
             <a:r>
               <a:rPr lang="en-US" dirty="0"/>
-              <a:t>April 23, 2020</a:t>
-            </a:r>
+              <a:t>May 4, 2020</a:t>
+            </a:r>
+          </a:p>
+        </p:txBody>
+      </p:sp>
+      <p:sp>
+        <p:nvSpPr>
+          <p:cNvPr id="9" name="TextBox 8"/>
+          <p:cNvSpPr txBox="1"/>
+          <p:nvPr/>
+        </p:nvSpPr>
+        <p:spPr>
+          <a:xfrm>
+            <a:off x="2365000" y="2644649"/>
+            <a:ext cx="5005769" cy="1754326"/>
+          </a:xfrm>
+          <a:prstGeom prst="rect">
+            <a:avLst/>
+          </a:prstGeom>
+          <a:noFill/>
+        </p:spPr>
+        <p:txBody>
+          <a:bodyPr wrap="square" rtlCol="0">
+            <a:spAutoFit/>
+          </a:bodyPr>
+          <a:lstStyle/>
+          <a:p>
+            <a:pPr algn="ctr"/>
+            <a:r>
+              <a:rPr lang="en-US" dirty="0"/>
+              <a:t>Chapter 0</a:t>
+            </a:r>
+          </a:p>
+          <a:p>
+            <a:pPr algn="ctr"/>
+            <a:r>
+              <a:rPr lang="en-US" b="1" u="sng" dirty="0"/>
+              <a:t>Getting Started</a:t>
+            </a:r>
+          </a:p>
+          <a:p>
+            <a:pPr algn="ctr"/>
+            <a:r>
+              <a:rPr lang="en-US" i="1" dirty="0"/>
+              <a:t>Syllabus &amp; Grade Components</a:t>
+            </a:r>
+          </a:p>
+          <a:p>
+            <a:pPr algn="ctr"/>
+            <a:r>
+              <a:rPr lang="en-US" i="1" dirty="0"/>
+              <a:t>Cohen’s Textbook &amp; Ihno’s Dataset</a:t>
+            </a:r>
+          </a:p>
+          <a:p>
+            <a:pPr algn="ctr"/>
+            <a:r>
+              <a:rPr lang="en-US" i="1" dirty="0"/>
+              <a:t>APA Style relating to stats</a:t>
+            </a:r>
+          </a:p>
+          <a:p>
+            <a:pPr algn="ctr"/>
+            <a:r>
+              <a:rPr lang="en-US" i="1" dirty="0"/>
+              <a:t>Software Installation: R, R Studio, &amp; </a:t>
+            </a:r>
+            <a:r>
+              <a:rPr lang="en-US" i="1" dirty="0" err="1"/>
+              <a:t>Tex</a:t>
+            </a:r>
+            <a:endParaRPr lang="en-US" i="1" dirty="0"/>
           </a:p>
         </p:txBody>
       </p:sp>
@@ -4753,38 +4787,122 @@
       </p:pic>
       <p:pic>
         <p:nvPicPr>
-          <p:cNvPr id="5" name="Picture 4"/>
-          <p:cNvPicPr>
-            <a:picLocks noChangeAspect="1"/>
-          </p:cNvPicPr>
+          <p:cNvPr id="13" name="Picture 12" descr="Hello summer illustration vector. with cute summer icon and ...">
+            <a:extLst>
+              <a:ext uri="{FF2B5EF4-FFF2-40B4-BE49-F238E27FC236}">
+                <a16:creationId xmlns:a16="http://schemas.microsoft.com/office/drawing/2014/main" id="{50B5A1E4-2998-48E4-BC77-79D8790DF13F}"/>
+              </a:ext>
+            </a:extLst>
+          </p:cNvPr>
+          <p:cNvPicPr/>
           <p:nvPr/>
         </p:nvPicPr>
         <p:blipFill>
-          <a:blip r:embed="rId6"/>
+          <a:blip r:embed="rId6" cstate="print">
+            <a:clrChange>
+              <a:clrFrom>
+                <a:srgbClr val="FFFFFF"/>
+              </a:clrFrom>
+              <a:clrTo>
+                <a:srgbClr val="FFFFFF">
+                  <a:alpha val="0"/>
+                </a:srgbClr>
+              </a:clrTo>
+            </a:clrChange>
+            <a:extLst>
+              <a:ext uri="{28A0092B-C50C-407E-A947-70E740481C1C}">
+                <a14:useLocalDpi xmlns:a14="http://schemas.microsoft.com/office/drawing/2010/main" val="0"/>
+              </a:ext>
+            </a:extLst>
+          </a:blip>
+          <a:srcRect/>
           <a:stretch>
             <a:fillRect/>
           </a:stretch>
         </p:blipFill>
-        <p:spPr>
-          <a:xfrm>
-            <a:off x="1985351" y="4872564"/>
-            <a:ext cx="1853345" cy="853514"/>
-          </a:xfrm>
-          <a:prstGeom prst="rect">
-            <a:avLst/>
-          </a:prstGeom>
+        <p:spPr bwMode="auto">
+          <a:xfrm>
+            <a:off x="1784203" y="4158563"/>
+            <a:ext cx="1578867" cy="1406017"/>
+          </a:xfrm>
+          <a:prstGeom prst="rect">
+            <a:avLst/>
+          </a:prstGeom>
+          <a:noFill/>
+          <a:extLst>
+            <a:ext uri="{909E8E84-426E-40DD-AFC4-6F175D3DCCD1}">
+              <a14:hiddenFill xmlns:a14="http://schemas.microsoft.com/office/drawing/2010/main">
+                <a:solidFill>
+                  <a:srgbClr val="FFFFFF"/>
+                </a:solidFill>
+              </a14:hiddenFill>
+            </a:ext>
+          </a:extLst>
         </p:spPr>
       </p:pic>
-      <p:sp>
-        <p:nvSpPr>
-          <p:cNvPr id="17" name="TextBox 16"/>
+      <p:pic>
+        <p:nvPicPr>
+          <p:cNvPr id="1028" name="Picture 4" descr="Calendar, schedule, schedule icon icon">
+            <a:extLst>
+              <a:ext uri="{FF2B5EF4-FFF2-40B4-BE49-F238E27FC236}">
+                <a16:creationId xmlns:a16="http://schemas.microsoft.com/office/drawing/2014/main" id="{C17B732E-BA53-4386-9A3E-FF78AABEEECB}"/>
+              </a:ext>
+            </a:extLst>
+          </p:cNvPr>
+          <p:cNvPicPr>
+            <a:picLocks noChangeAspect="1" noChangeArrowheads="1"/>
+          </p:cNvPicPr>
+          <p:nvPr/>
+        </p:nvPicPr>
+        <p:blipFill>
+          <a:blip r:embed="rId7" cstate="print">
+            <a:extLst>
+              <a:ext uri="{28A0092B-C50C-407E-A947-70E740481C1C}">
+                <a14:useLocalDpi xmlns:a14="http://schemas.microsoft.com/office/drawing/2010/main" val="0"/>
+              </a:ext>
+            </a:extLst>
+          </a:blip>
+          <a:srcRect/>
+          <a:stretch>
+            <a:fillRect/>
+          </a:stretch>
+        </p:blipFill>
+        <p:spPr bwMode="auto">
+          <a:xfrm>
+            <a:off x="1944790" y="4668816"/>
+            <a:ext cx="1257692" cy="1257692"/>
+          </a:xfrm>
+          <a:prstGeom prst="rect">
+            <a:avLst/>
+          </a:prstGeom>
+          <a:noFill/>
+          <a:extLst>
+            <a:ext uri="{909E8E84-426E-40DD-AFC4-6F175D3DCCD1}">
+              <a14:hiddenFill xmlns:a14="http://schemas.microsoft.com/office/drawing/2010/main">
+                <a:solidFill>
+                  <a:srgbClr val="FFFFFF"/>
+                </a:solidFill>
+              </a14:hiddenFill>
+            </a:ext>
+          </a:extLst>
+        </p:spPr>
+      </p:pic>
+      <p:sp>
+        <p:nvSpPr>
+          <p:cNvPr id="5" name="TextBox 4">
+            <a:extLst>
+              <a:ext uri="{FF2B5EF4-FFF2-40B4-BE49-F238E27FC236}">
+                <a16:creationId xmlns:a16="http://schemas.microsoft.com/office/drawing/2014/main" id="{803FD3B0-B62F-442A-AC07-BC6B0D20FF53}"/>
+              </a:ext>
+            </a:extLst>
+          </p:cNvPr>
           <p:cNvSpPr txBox="1"/>
           <p:nvPr/>
         </p:nvSpPr>
         <p:spPr>
           <a:xfrm>
-            <a:off x="1846096" y="2821964"/>
-            <a:ext cx="5943438" cy="1200329"/>
+            <a:off x="3021210" y="5278932"/>
+            <a:ext cx="2243137" cy="369332"/>
           </a:xfrm>
           <a:prstGeom prst="rect">
             <a:avLst/>
@@ -4797,106 +4915,17 @@
           </a:bodyPr>
           <a:lstStyle/>
           <a:p>
-            <a:pPr algn="ctr"/>
             <a:r>
               <a:rPr lang="en-US" dirty="0"/>
-              <a:t>HW 19</a:t>
-            </a:r>
-          </a:p>
-          <a:p>
-            <a:pPr algn="ctr"/>
-            <a:r>
-              <a:rPr lang="en-US" b="1" u="sng" dirty="0"/>
-              <a:t>Binomial Distribution, Normal Approximation, &amp; Sign Test</a:t>
-            </a:r>
-          </a:p>
-          <a:p>
-            <a:pPr algn="ctr"/>
-            <a:r>
-              <a:rPr lang="en-US" dirty="0"/>
-              <a:t>Entering small p-values into HW</a:t>
-            </a:r>
-          </a:p>
-          <a:p>
-            <a:pPr algn="ctr"/>
-            <a:endParaRPr lang="en-US" dirty="0"/>
-          </a:p>
-        </p:txBody>
-      </p:sp>
-      <p:sp>
-        <p:nvSpPr>
-          <p:cNvPr id="13" name="TextBox 12"/>
-          <p:cNvSpPr txBox="1"/>
-          <p:nvPr/>
-        </p:nvSpPr>
-        <p:spPr>
-          <a:xfrm>
-            <a:off x="2664327" y="4025523"/>
-            <a:ext cx="5943438" cy="1754326"/>
-          </a:xfrm>
-          <a:prstGeom prst="rect">
-            <a:avLst/>
-          </a:prstGeom>
-          <a:noFill/>
-        </p:spPr>
-        <p:txBody>
-          <a:bodyPr wrap="square" rtlCol="0">
-            <a:spAutoFit/>
-          </a:bodyPr>
-          <a:lstStyle/>
-          <a:p>
-            <a:pPr algn="ctr"/>
-            <a:r>
-              <a:rPr lang="en-US" dirty="0"/>
-              <a:t>HW 20</a:t>
-            </a:r>
-          </a:p>
-          <a:p>
-            <a:pPr algn="ctr"/>
-            <a:r>
-              <a:rPr lang="en-US" b="1" u="sng" dirty="0"/>
-              <a:t>Chi Squared Tests</a:t>
-            </a:r>
-          </a:p>
-          <a:p>
-            <a:pPr algn="ctr"/>
-            <a:r>
-              <a:rPr lang="en-US" dirty="0"/>
-              <a:t>1-way Goodness of Fit</a:t>
-            </a:r>
-          </a:p>
-          <a:p>
-            <a:pPr algn="ctr"/>
-            <a:r>
-              <a:rPr lang="en-US" dirty="0"/>
-              <a:t>1-way Test of Independence</a:t>
-            </a:r>
-          </a:p>
-          <a:p>
-            <a:pPr algn="ctr"/>
-            <a:r>
-              <a:rPr lang="en-US" dirty="0"/>
-              <a:t>Cramer’s V (</a:t>
-            </a:r>
-            <a:r>
-              <a:rPr lang="en-US" dirty="0" err="1"/>
-              <a:t>effectsize</a:t>
-            </a:r>
-            <a:r>
-              <a:rPr lang="en-US" dirty="0"/>
-              <a:t> package)</a:t>
-            </a:r>
-          </a:p>
-          <a:p>
-            <a:pPr algn="ctr"/>
-            <a:endParaRPr lang="en-US" dirty="0"/>
+              <a:t>Day 1 of 13</a:t>
+            </a:r>
           </a:p>
         </p:txBody>
       </p:sp>
     </p:spTree>
     <p:extLst>
       <p:ext uri="{BB962C8B-B14F-4D97-AF65-F5344CB8AC3E}">
-        <p14:creationId xmlns:p14="http://schemas.microsoft.com/office/powerpoint/2010/main" val="593568448"/>
+        <p14:creationId xmlns:p14="http://schemas.microsoft.com/office/powerpoint/2010/main" val="775600964"/>
       </p:ext>
     </p:extLst>
   </p:cSld>
@@ -4931,7 +4960,7 @@
         </p:nvSpPr>
         <p:spPr>
           <a:xfrm>
-            <a:off x="1808702" y="824230"/>
+            <a:off x="1853580" y="824230"/>
             <a:ext cx="8778240" cy="5010912"/>
           </a:xfrm>
           <a:prstGeom prst="rect">
@@ -4977,7 +5006,7 @@
         </p:nvSpPr>
         <p:spPr>
           <a:xfrm>
-            <a:off x="4184694" y="1065121"/>
+            <a:off x="3838696" y="1056832"/>
             <a:ext cx="5712369" cy="1754326"/>
           </a:xfrm>
           <a:prstGeom prst="rect">
@@ -4993,7 +5022,13 @@
           <a:p>
             <a:r>
               <a:rPr lang="en-US" sz="5400" dirty="0"/>
-              <a:t>OUT-OF-CLASS LECTURES</a:t>
+              <a:t>Virtual </a:t>
+            </a:r>
+          </a:p>
+          <a:p>
+            <a:r>
+              <a:rPr lang="en-US" sz="5400" dirty="0"/>
+              <a:t>Office Hours</a:t>
             </a:r>
           </a:p>
         </p:txBody>
@@ -5023,59 +5058,7 @@
             <a:pPr algn="ctr"/>
             <a:r>
               <a:rPr lang="en-US" dirty="0"/>
-              <a:t>April 20, 2020</a:t>
-            </a:r>
-          </a:p>
-        </p:txBody>
-      </p:sp>
-      <p:sp>
-        <p:nvSpPr>
-          <p:cNvPr id="9" name="TextBox 8"/>
-          <p:cNvSpPr txBox="1"/>
-          <p:nvPr/>
-        </p:nvSpPr>
-        <p:spPr>
-          <a:xfrm>
-            <a:off x="1946627" y="3432914"/>
-            <a:ext cx="5005769" cy="923330"/>
-          </a:xfrm>
-          <a:prstGeom prst="rect">
-            <a:avLst/>
-          </a:prstGeom>
-          <a:noFill/>
-        </p:spPr>
-        <p:txBody>
-          <a:bodyPr wrap="square" rtlCol="0">
-            <a:spAutoFit/>
-          </a:bodyPr>
-          <a:lstStyle/>
-          <a:p>
-            <a:pPr algn="ctr"/>
-            <a:r>
-              <a:rPr lang="en-US" dirty="0"/>
-              <a:t>Chapter 16</a:t>
-            </a:r>
-          </a:p>
-          <a:p>
-            <a:pPr algn="ctr"/>
-            <a:r>
-              <a:rPr lang="en-US" b="1" u="sng" dirty="0"/>
-              <a:t>Mixed </a:t>
-            </a:r>
-            <a:r>
-              <a:rPr lang="en-US" b="1" u="sng" dirty="0" err="1"/>
-              <a:t>Deisgn</a:t>
-            </a:r>
-            <a:r>
-              <a:rPr lang="en-US" b="1" u="sng" dirty="0"/>
-              <a:t> ANOVA</a:t>
-            </a:r>
-          </a:p>
-          <a:p>
-            <a:pPr algn="ctr"/>
-            <a:r>
-              <a:rPr lang="en-US" i="1" dirty="0"/>
-              <a:t>Very short lecture</a:t>
+              <a:t>April 23, 2020</a:t>
             </a:r>
           </a:p>
         </p:txBody>
@@ -5217,55 +5200,38 @@
       </p:pic>
       <p:pic>
         <p:nvPicPr>
-          <p:cNvPr id="1026" name="Picture 2" descr="Image result for virus"/>
+          <p:cNvPr id="5" name="Picture 4"/>
           <p:cNvPicPr>
-            <a:picLocks noChangeAspect="1" noChangeArrowheads="1"/>
+            <a:picLocks noChangeAspect="1"/>
           </p:cNvPicPr>
           <p:nvPr/>
         </p:nvPicPr>
         <p:blipFill>
-          <a:blip r:embed="rId6" cstate="print">
-            <a:extLst>
-              <a:ext uri="{28A0092B-C50C-407E-A947-70E740481C1C}">
-                <a14:useLocalDpi xmlns:a14="http://schemas.microsoft.com/office/drawing/2010/main" val="0"/>
-              </a:ext>
-            </a:extLst>
-          </a:blip>
-          <a:srcRect/>
+          <a:blip r:embed="rId6"/>
           <a:stretch>
             <a:fillRect/>
           </a:stretch>
         </p:blipFill>
-        <p:spPr bwMode="auto">
-          <a:xfrm>
-            <a:off x="1908176" y="4866721"/>
-            <a:ext cx="825034" cy="824421"/>
-          </a:xfrm>
-          <a:prstGeom prst="rect">
-            <a:avLst/>
-          </a:prstGeom>
-          <a:noFill/>
-          <a:extLst>
-            <a:ext uri="{909E8E84-426E-40DD-AFC4-6F175D3DCCD1}">
-              <a14:hiddenFill xmlns:a14="http://schemas.microsoft.com/office/drawing/2010/main">
-                <a:solidFill>
-                  <a:srgbClr val="FFFFFF"/>
-                </a:solidFill>
-              </a14:hiddenFill>
-            </a:ext>
-          </a:extLst>
+        <p:spPr>
+          <a:xfrm>
+            <a:off x="1985351" y="4872564"/>
+            <a:ext cx="1853345" cy="853514"/>
+          </a:xfrm>
+          <a:prstGeom prst="rect">
+            <a:avLst/>
+          </a:prstGeom>
         </p:spPr>
       </p:pic>
       <p:sp>
         <p:nvSpPr>
-          <p:cNvPr id="13" name="TextBox 12"/>
+          <p:cNvPr id="17" name="TextBox 16"/>
           <p:cNvSpPr txBox="1"/>
           <p:nvPr/>
         </p:nvSpPr>
         <p:spPr>
           <a:xfrm>
-            <a:off x="2524444" y="5254195"/>
-            <a:ext cx="1238954" cy="369332"/>
+            <a:off x="1846096" y="2821964"/>
+            <a:ext cx="5943438" cy="1200329"/>
           </a:xfrm>
           <a:prstGeom prst="rect">
             <a:avLst/>
@@ -5280,22 +5246,104 @@
           <a:p>
             <a:pPr algn="ctr"/>
             <a:r>
-              <a:rPr lang="en-US" b="1" dirty="0">
-                <a:solidFill>
-                  <a:schemeClr val="accent1">
-                    <a:lumMod val="75000"/>
-                  </a:schemeClr>
-                </a:solidFill>
-              </a:rPr>
-              <a:t>Covid-19</a:t>
-            </a:r>
+              <a:rPr lang="en-US" dirty="0"/>
+              <a:t>HW 19</a:t>
+            </a:r>
+          </a:p>
+          <a:p>
+            <a:pPr algn="ctr"/>
+            <a:r>
+              <a:rPr lang="en-US" b="1" u="sng" dirty="0"/>
+              <a:t>Binomial Distribution, Normal Approximation, &amp; Sign Test</a:t>
+            </a:r>
+          </a:p>
+          <a:p>
+            <a:pPr algn="ctr"/>
+            <a:r>
+              <a:rPr lang="en-US" dirty="0"/>
+              <a:t>Entering small p-values into HW</a:t>
+            </a:r>
+          </a:p>
+          <a:p>
+            <a:pPr algn="ctr"/>
+            <a:endParaRPr lang="en-US" dirty="0"/>
+          </a:p>
+        </p:txBody>
+      </p:sp>
+      <p:sp>
+        <p:nvSpPr>
+          <p:cNvPr id="13" name="TextBox 12"/>
+          <p:cNvSpPr txBox="1"/>
+          <p:nvPr/>
+        </p:nvSpPr>
+        <p:spPr>
+          <a:xfrm>
+            <a:off x="2664327" y="4025523"/>
+            <a:ext cx="5943438" cy="1754326"/>
+          </a:xfrm>
+          <a:prstGeom prst="rect">
+            <a:avLst/>
+          </a:prstGeom>
+          <a:noFill/>
+        </p:spPr>
+        <p:txBody>
+          <a:bodyPr wrap="square" rtlCol="0">
+            <a:spAutoFit/>
+          </a:bodyPr>
+          <a:lstStyle/>
+          <a:p>
+            <a:pPr algn="ctr"/>
+            <a:r>
+              <a:rPr lang="en-US" dirty="0"/>
+              <a:t>HW 20</a:t>
+            </a:r>
+          </a:p>
+          <a:p>
+            <a:pPr algn="ctr"/>
+            <a:r>
+              <a:rPr lang="en-US" b="1" u="sng" dirty="0"/>
+              <a:t>Chi Squared Tests</a:t>
+            </a:r>
+          </a:p>
+          <a:p>
+            <a:pPr algn="ctr"/>
+            <a:r>
+              <a:rPr lang="en-US" dirty="0"/>
+              <a:t>1-way Goodness of Fit</a:t>
+            </a:r>
+          </a:p>
+          <a:p>
+            <a:pPr algn="ctr"/>
+            <a:r>
+              <a:rPr lang="en-US" dirty="0"/>
+              <a:t>1-way Test of Independence</a:t>
+            </a:r>
+          </a:p>
+          <a:p>
+            <a:pPr algn="ctr"/>
+            <a:r>
+              <a:rPr lang="en-US" dirty="0"/>
+              <a:t>Cramer’s V (</a:t>
+            </a:r>
+            <a:r>
+              <a:rPr lang="en-US" dirty="0" err="1"/>
+              <a:t>effectsize</a:t>
+            </a:r>
+            <a:r>
+              <a:rPr lang="en-US" dirty="0"/>
+              <a:t> package)</a:t>
+            </a:r>
+          </a:p>
+          <a:p>
+            <a:pPr algn="ctr"/>
+            <a:endParaRPr lang="en-US" dirty="0"/>
           </a:p>
         </p:txBody>
       </p:sp>
     </p:spTree>
     <p:extLst>
       <p:ext uri="{BB962C8B-B14F-4D97-AF65-F5344CB8AC3E}">
-        <p14:creationId xmlns:p14="http://schemas.microsoft.com/office/powerpoint/2010/main" val="2783809321"/>
+        <p14:creationId xmlns:p14="http://schemas.microsoft.com/office/powerpoint/2010/main" val="593568448"/>
       </p:ext>
     </p:extLst>
   </p:cSld>
@@ -5330,7 +5378,7 @@
         </p:nvSpPr>
         <p:spPr>
           <a:xfrm>
-            <a:off x="1853580" y="824230"/>
+            <a:off x="1808702" y="824230"/>
             <a:ext cx="8778240" cy="5010912"/>
           </a:xfrm>
           <a:prstGeom prst="rect">
@@ -5376,7 +5424,7 @@
         </p:nvSpPr>
         <p:spPr>
           <a:xfrm>
-            <a:off x="3838696" y="1056832"/>
+            <a:off x="4184694" y="1065121"/>
             <a:ext cx="5712369" cy="1754326"/>
           </a:xfrm>
           <a:prstGeom prst="rect">
@@ -5392,13 +5440,7 @@
           <a:p>
             <a:r>
               <a:rPr lang="en-US" sz="5400" dirty="0"/>
-              <a:t>Virtual </a:t>
-            </a:r>
-          </a:p>
-          <a:p>
-            <a:r>
-              <a:rPr lang="en-US" sz="5400" dirty="0"/>
-              <a:t>Office Hours</a:t>
+              <a:t>OUT-OF-CLASS LECTURES</a:t>
             </a:r>
           </a:p>
         </p:txBody>
@@ -5428,7 +5470,59 @@
             <a:pPr algn="ctr"/>
             <a:r>
               <a:rPr lang="en-US" dirty="0"/>
-              <a:t>April 17, 2020</a:t>
+              <a:t>April 20, 2020</a:t>
+            </a:r>
+          </a:p>
+        </p:txBody>
+      </p:sp>
+      <p:sp>
+        <p:nvSpPr>
+          <p:cNvPr id="9" name="TextBox 8"/>
+          <p:cNvSpPr txBox="1"/>
+          <p:nvPr/>
+        </p:nvSpPr>
+        <p:spPr>
+          <a:xfrm>
+            <a:off x="1946627" y="3432914"/>
+            <a:ext cx="5005769" cy="923330"/>
+          </a:xfrm>
+          <a:prstGeom prst="rect">
+            <a:avLst/>
+          </a:prstGeom>
+          <a:noFill/>
+        </p:spPr>
+        <p:txBody>
+          <a:bodyPr wrap="square" rtlCol="0">
+            <a:spAutoFit/>
+          </a:bodyPr>
+          <a:lstStyle/>
+          <a:p>
+            <a:pPr algn="ctr"/>
+            <a:r>
+              <a:rPr lang="en-US" dirty="0"/>
+              <a:t>Chapter 16</a:t>
+            </a:r>
+          </a:p>
+          <a:p>
+            <a:pPr algn="ctr"/>
+            <a:r>
+              <a:rPr lang="en-US" b="1" u="sng" dirty="0"/>
+              <a:t>Mixed </a:t>
+            </a:r>
+            <a:r>
+              <a:rPr lang="en-US" b="1" u="sng" dirty="0" err="1"/>
+              <a:t>Deisgn</a:t>
+            </a:r>
+            <a:r>
+              <a:rPr lang="en-US" b="1" u="sng" dirty="0"/>
+              <a:t> ANOVA</a:t>
+            </a:r>
+          </a:p>
+          <a:p>
+            <a:pPr algn="ctr"/>
+            <a:r>
+              <a:rPr lang="en-US" i="1" dirty="0"/>
+              <a:t>Very short lecture</a:t>
             </a:r>
           </a:p>
         </p:txBody>
@@ -5570,38 +5664,55 @@
       </p:pic>
       <p:pic>
         <p:nvPicPr>
-          <p:cNvPr id="5" name="Picture 4"/>
+          <p:cNvPr id="1026" name="Picture 2" descr="Image result for virus"/>
           <p:cNvPicPr>
-            <a:picLocks noChangeAspect="1"/>
+            <a:picLocks noChangeAspect="1" noChangeArrowheads="1"/>
           </p:cNvPicPr>
           <p:nvPr/>
         </p:nvPicPr>
         <p:blipFill>
-          <a:blip r:embed="rId6"/>
+          <a:blip r:embed="rId6" cstate="print">
+            <a:extLst>
+              <a:ext uri="{28A0092B-C50C-407E-A947-70E740481C1C}">
+                <a14:useLocalDpi xmlns:a14="http://schemas.microsoft.com/office/drawing/2010/main" val="0"/>
+              </a:ext>
+            </a:extLst>
+          </a:blip>
+          <a:srcRect/>
           <a:stretch>
             <a:fillRect/>
           </a:stretch>
         </p:blipFill>
-        <p:spPr>
-          <a:xfrm>
-            <a:off x="1985351" y="4872564"/>
-            <a:ext cx="1853345" cy="853514"/>
-          </a:xfrm>
-          <a:prstGeom prst="rect">
-            <a:avLst/>
-          </a:prstGeom>
+        <p:spPr bwMode="auto">
+          <a:xfrm>
+            <a:off x="1908176" y="4866721"/>
+            <a:ext cx="825034" cy="824421"/>
+          </a:xfrm>
+          <a:prstGeom prst="rect">
+            <a:avLst/>
+          </a:prstGeom>
+          <a:noFill/>
+          <a:extLst>
+            <a:ext uri="{909E8E84-426E-40DD-AFC4-6F175D3DCCD1}">
+              <a14:hiddenFill xmlns:a14="http://schemas.microsoft.com/office/drawing/2010/main">
+                <a:solidFill>
+                  <a:srgbClr val="FFFFFF"/>
+                </a:solidFill>
+              </a14:hiddenFill>
+            </a:ext>
+          </a:extLst>
         </p:spPr>
       </p:pic>
       <p:sp>
         <p:nvSpPr>
-          <p:cNvPr id="17" name="TextBox 16"/>
+          <p:cNvPr id="13" name="TextBox 12"/>
           <p:cNvSpPr txBox="1"/>
           <p:nvPr/>
         </p:nvSpPr>
         <p:spPr>
           <a:xfrm>
-            <a:off x="2035110" y="3092669"/>
-            <a:ext cx="5005769" cy="1754326"/>
+            <a:off x="2524444" y="5254195"/>
+            <a:ext cx="1238954" cy="369332"/>
           </a:xfrm>
           <a:prstGeom prst="rect">
             <a:avLst/>
@@ -5616,48 +5727,22 @@
           <a:p>
             <a:pPr algn="ctr"/>
             <a:r>
-              <a:rPr lang="en-US" dirty="0"/>
-              <a:t>HW 15</a:t>
-            </a:r>
-          </a:p>
-          <a:p>
-            <a:pPr algn="ctr"/>
-            <a:r>
-              <a:rPr lang="en-US" b="1" u="sng" dirty="0"/>
-              <a:t>RM ANOVAs</a:t>
-            </a:r>
-          </a:p>
-          <a:p>
-            <a:pPr algn="ctr"/>
-            <a:r>
-              <a:rPr lang="en-US" dirty="0"/>
-              <a:t>Item 1</a:t>
-            </a:r>
-          </a:p>
-          <a:p>
-            <a:pPr algn="ctr"/>
-            <a:r>
-              <a:rPr lang="en-US" dirty="0"/>
-              <a:t>Person-Profile Plots</a:t>
-            </a:r>
-          </a:p>
-          <a:p>
-            <a:pPr algn="ctr"/>
-            <a:r>
-              <a:rPr lang="en-US" dirty="0"/>
-              <a:t>Hand Calculations</a:t>
-            </a:r>
-          </a:p>
-          <a:p>
-            <a:pPr algn="ctr"/>
-            <a:endParaRPr lang="en-US" dirty="0"/>
+              <a:rPr lang="en-US" b="1" dirty="0">
+                <a:solidFill>
+                  <a:schemeClr val="accent1">
+                    <a:lumMod val="75000"/>
+                  </a:schemeClr>
+                </a:solidFill>
+              </a:rPr>
+              <a:t>Covid-19</a:t>
+            </a:r>
           </a:p>
         </p:txBody>
       </p:sp>
     </p:spTree>
     <p:extLst>
       <p:ext uri="{BB962C8B-B14F-4D97-AF65-F5344CB8AC3E}">
-        <p14:creationId xmlns:p14="http://schemas.microsoft.com/office/powerpoint/2010/main" val="2105505871"/>
+        <p14:creationId xmlns:p14="http://schemas.microsoft.com/office/powerpoint/2010/main" val="2783809321"/>
       </p:ext>
     </p:extLst>
   </p:cSld>
@@ -5790,7 +5875,7 @@
             <a:pPr algn="ctr"/>
             <a:r>
               <a:rPr lang="en-US" dirty="0"/>
-              <a:t>April 16, 2020</a:t>
+              <a:t>April 17, 2020</a:t>
             </a:r>
           </a:p>
         </p:txBody>
@@ -5979,35 +6064,35 @@
             <a:pPr algn="ctr"/>
             <a:r>
               <a:rPr lang="en-US" dirty="0"/>
-              <a:t>HW 16</a:t>
+              <a:t>HW 15</a:t>
             </a:r>
           </a:p>
           <a:p>
             <a:pPr algn="ctr"/>
             <a:r>
               <a:rPr lang="en-US" b="1" u="sng" dirty="0"/>
-              <a:t>Mixed ANOVAs</a:t>
+              <a:t>RM ANOVAs</a:t>
             </a:r>
           </a:p>
           <a:p>
             <a:pPr algn="ctr"/>
             <a:r>
               <a:rPr lang="en-US" dirty="0"/>
-              <a:t>Section “C” problems</a:t>
+              <a:t>Item 1</a:t>
             </a:r>
           </a:p>
           <a:p>
             <a:pPr algn="ctr"/>
             <a:r>
               <a:rPr lang="en-US" dirty="0"/>
-              <a:t>APA write-up</a:t>
+              <a:t>Person-Profile Plots</a:t>
             </a:r>
           </a:p>
           <a:p>
             <a:pPr algn="ctr"/>
             <a:r>
               <a:rPr lang="en-US" dirty="0"/>
-              <a:t>Methods &amp; Results sections</a:t>
+              <a:t>Hand Calculations</a:t>
             </a:r>
           </a:p>
           <a:p>
@@ -6019,7 +6104,7 @@
     </p:spTree>
     <p:extLst>
       <p:ext uri="{BB962C8B-B14F-4D97-AF65-F5344CB8AC3E}">
-        <p14:creationId xmlns:p14="http://schemas.microsoft.com/office/powerpoint/2010/main" val="1059415320"/>
+        <p14:creationId xmlns:p14="http://schemas.microsoft.com/office/powerpoint/2010/main" val="2105505871"/>
       </p:ext>
     </p:extLst>
   </p:cSld>
@@ -6152,7 +6237,7 @@
             <a:pPr algn="ctr"/>
             <a:r>
               <a:rPr lang="en-US" dirty="0"/>
-              <a:t>April 15, 2020</a:t>
+              <a:t>April 16, 2020</a:t>
             </a:r>
           </a:p>
         </p:txBody>
@@ -6355,57 +6440,21 @@
             <a:pPr algn="ctr"/>
             <a:r>
               <a:rPr lang="en-US" dirty="0"/>
-              <a:t>*updated* </a:t>
-            </a:r>
-            <a:r>
-              <a:rPr lang="en-US" dirty="0" err="1"/>
-              <a:t>Rmd</a:t>
-            </a:r>
+              <a:t>Section “C” problems</a:t>
+            </a:r>
+          </a:p>
+          <a:p>
+            <a:pPr algn="ctr"/>
             <a:r>
               <a:rPr lang="en-US" dirty="0"/>
-              <a:t> skeleton</a:t>
-            </a:r>
-          </a:p>
-          <a:p>
-            <a:pPr algn="ctr"/>
-            <a:r>
-              <a:rPr lang="en-US" dirty="0" err="1"/>
-              <a:t>Maunchly’s</a:t>
-            </a:r>
+              <a:t>APA write-up</a:t>
+            </a:r>
+          </a:p>
+          <a:p>
+            <a:pPr algn="ctr"/>
             <a:r>
               <a:rPr lang="en-US" dirty="0"/>
-              <a:t> </a:t>
-            </a:r>
-            <a:r>
-              <a:rPr lang="en-US" dirty="0" err="1"/>
-              <a:t>Sphericity</a:t>
-            </a:r>
-            <a:r>
-              <a:rPr lang="en-US" dirty="0"/>
-              <a:t> Tests &amp;</a:t>
-            </a:r>
-          </a:p>
-          <a:p>
-            <a:pPr algn="ctr"/>
-            <a:r>
-              <a:rPr lang="en-US" dirty="0"/>
-              <a:t>The Greenhouse-</a:t>
-            </a:r>
-            <a:r>
-              <a:rPr lang="en-US" dirty="0" err="1"/>
-              <a:t>Geisser</a:t>
-            </a:r>
-            <a:r>
-              <a:rPr lang="en-US" dirty="0"/>
-              <a:t> Correction to </a:t>
-            </a:r>
-            <a:r>
-              <a:rPr lang="en-US" dirty="0" err="1"/>
-              <a:t>df’s</a:t>
-            </a:r>
-            <a:r>
-              <a:rPr lang="en-US" dirty="0"/>
-              <a:t> </a:t>
+              <a:t>Methods &amp; Results sections</a:t>
             </a:r>
           </a:p>
           <a:p>
@@ -6417,7 +6466,7 @@
     </p:spTree>
     <p:extLst>
       <p:ext uri="{BB962C8B-B14F-4D97-AF65-F5344CB8AC3E}">
-        <p14:creationId xmlns:p14="http://schemas.microsoft.com/office/powerpoint/2010/main" val="3758234290"/>
+        <p14:creationId xmlns:p14="http://schemas.microsoft.com/office/powerpoint/2010/main" val="1059415320"/>
       </p:ext>
     </p:extLst>
   </p:cSld>
@@ -6550,49 +6599,8 @@
             <a:pPr algn="ctr"/>
             <a:r>
               <a:rPr lang="en-US" dirty="0"/>
-              <a:t>April 14, 2020</a:t>
-            </a:r>
-          </a:p>
-        </p:txBody>
-      </p:sp>
-      <p:sp>
-        <p:nvSpPr>
-          <p:cNvPr id="9" name="TextBox 8"/>
-          <p:cNvSpPr txBox="1"/>
-          <p:nvPr/>
-        </p:nvSpPr>
-        <p:spPr>
-          <a:xfrm>
-            <a:off x="1985351" y="3033699"/>
-            <a:ext cx="5005769" cy="923330"/>
-          </a:xfrm>
-          <a:prstGeom prst="rect">
-            <a:avLst/>
-          </a:prstGeom>
-          <a:noFill/>
-        </p:spPr>
-        <p:txBody>
-          <a:bodyPr wrap="square" rtlCol="0">
-            <a:spAutoFit/>
-          </a:bodyPr>
-          <a:lstStyle/>
-          <a:p>
-            <a:pPr algn="ctr"/>
-            <a:r>
-              <a:rPr lang="en-US" dirty="0"/>
-              <a:t>HW 15 </a:t>
-            </a:r>
-          </a:p>
-          <a:p>
-            <a:pPr algn="ctr"/>
-            <a:r>
-              <a:rPr lang="en-US" b="1" u="sng" dirty="0"/>
-              <a:t>1-way RM ANOVAs</a:t>
-            </a:r>
-          </a:p>
-          <a:p>
-            <a:pPr algn="ctr"/>
-            <a:endParaRPr lang="en-US" dirty="0"/>
+              <a:t>April 15, 2020</a:t>
+            </a:r>
           </a:p>
         </p:txBody>
       </p:sp>
@@ -6763,8 +6771,8 @@
         </p:nvSpPr>
         <p:spPr>
           <a:xfrm>
-            <a:off x="2735076" y="4097297"/>
-            <a:ext cx="5005769" cy="923330"/>
+            <a:off x="2035110" y="3092669"/>
+            <a:ext cx="5005769" cy="1754326"/>
           </a:xfrm>
           <a:prstGeom prst="rect">
             <a:avLst/>
@@ -6792,6 +6800,63 @@
           </a:p>
           <a:p>
             <a:pPr algn="ctr"/>
+            <a:r>
+              <a:rPr lang="en-US" dirty="0"/>
+              <a:t>*updated* </a:t>
+            </a:r>
+            <a:r>
+              <a:rPr lang="en-US" dirty="0" err="1"/>
+              <a:t>Rmd</a:t>
+            </a:r>
+            <a:r>
+              <a:rPr lang="en-US" dirty="0"/>
+              <a:t> skeleton</a:t>
+            </a:r>
+          </a:p>
+          <a:p>
+            <a:pPr algn="ctr"/>
+            <a:r>
+              <a:rPr lang="en-US" dirty="0" err="1"/>
+              <a:t>Maunchly’s</a:t>
+            </a:r>
+            <a:r>
+              <a:rPr lang="en-US" dirty="0"/>
+              <a:t> </a:t>
+            </a:r>
+            <a:r>
+              <a:rPr lang="en-US" dirty="0" err="1"/>
+              <a:t>Sphericity</a:t>
+            </a:r>
+            <a:r>
+              <a:rPr lang="en-US" dirty="0"/>
+              <a:t> Tests &amp;</a:t>
+            </a:r>
+          </a:p>
+          <a:p>
+            <a:pPr algn="ctr"/>
+            <a:r>
+              <a:rPr lang="en-US" dirty="0"/>
+              <a:t>The Greenhouse-</a:t>
+            </a:r>
+            <a:r>
+              <a:rPr lang="en-US" dirty="0" err="1"/>
+              <a:t>Geisser</a:t>
+            </a:r>
+            <a:r>
+              <a:rPr lang="en-US" dirty="0"/>
+              <a:t> Correction to </a:t>
+            </a:r>
+            <a:r>
+              <a:rPr lang="en-US" dirty="0" err="1"/>
+              <a:t>df’s</a:t>
+            </a:r>
+            <a:r>
+              <a:rPr lang="en-US" dirty="0"/>
+              <a:t> </a:t>
+            </a:r>
+          </a:p>
+          <a:p>
+            <a:pPr algn="ctr"/>
             <a:endParaRPr lang="en-US" dirty="0"/>
           </a:p>
         </p:txBody>
@@ -6799,7 +6864,7 @@
     </p:spTree>
     <p:extLst>
       <p:ext uri="{BB962C8B-B14F-4D97-AF65-F5344CB8AC3E}">
-        <p14:creationId xmlns:p14="http://schemas.microsoft.com/office/powerpoint/2010/main" val="2620031016"/>
+        <p14:creationId xmlns:p14="http://schemas.microsoft.com/office/powerpoint/2010/main" val="3758234290"/>
       </p:ext>
     </p:extLst>
   </p:cSld>
@@ -6834,7 +6899,7 @@
         </p:nvSpPr>
         <p:spPr>
           <a:xfrm>
-            <a:off x="1808702" y="824230"/>
+            <a:off x="1853580" y="824230"/>
             <a:ext cx="8778240" cy="5010912"/>
           </a:xfrm>
           <a:prstGeom prst="rect">
@@ -6880,7 +6945,7 @@
         </p:nvSpPr>
         <p:spPr>
           <a:xfrm>
-            <a:off x="4184694" y="1065121"/>
+            <a:off x="3838696" y="1056832"/>
             <a:ext cx="5712369" cy="1754326"/>
           </a:xfrm>
           <a:prstGeom prst="rect">
@@ -6896,7 +6961,13 @@
           <a:p>
             <a:r>
               <a:rPr lang="en-US" sz="5400" dirty="0"/>
-              <a:t>OUT-OF-CLASS LECTURES</a:t>
+              <a:t>Virtual </a:t>
+            </a:r>
+          </a:p>
+          <a:p>
+            <a:r>
+              <a:rPr lang="en-US" sz="5400" dirty="0"/>
+              <a:t>Office Hours</a:t>
             </a:r>
           </a:p>
         </p:txBody>
@@ -6926,7 +6997,7 @@
             <a:pPr algn="ctr"/>
             <a:r>
               <a:rPr lang="en-US" dirty="0"/>
-              <a:t>April 13, 2020</a:t>
+              <a:t>April 14, 2020</a:t>
             </a:r>
           </a:p>
         </p:txBody>
@@ -6939,8 +7010,8 @@
         </p:nvSpPr>
         <p:spPr>
           <a:xfrm>
-            <a:off x="2136087" y="2916921"/>
-            <a:ext cx="5005769" cy="2308324"/>
+            <a:off x="1985351" y="3033699"/>
+            <a:ext cx="5005769" cy="923330"/>
           </a:xfrm>
           <a:prstGeom prst="rect">
             <a:avLst/>
@@ -6956,65 +7027,19 @@
             <a:pPr algn="ctr"/>
             <a:r>
               <a:rPr lang="en-US" dirty="0"/>
-              <a:t>Chapter 15</a:t>
+              <a:t>HW 15 </a:t>
             </a:r>
           </a:p>
           <a:p>
             <a:pPr algn="ctr"/>
             <a:r>
               <a:rPr lang="en-US" b="1" u="sng" dirty="0"/>
-              <a:t>Repeated </a:t>
-            </a:r>
-            <a:r>
-              <a:rPr lang="en-US" b="1" u="sng" dirty="0" err="1"/>
-              <a:t>Measurs</a:t>
-            </a:r>
-            <a:r>
-              <a:rPr lang="en-US" b="1" u="sng" dirty="0"/>
-              <a:t> ANOVA</a:t>
-            </a:r>
-          </a:p>
-          <a:p>
-            <a:pPr algn="ctr"/>
-            <a:r>
-              <a:rPr lang="en-US" i="1" dirty="0"/>
-              <a:t>2-way RM ANOVA</a:t>
-            </a:r>
-          </a:p>
-          <a:p>
-            <a:pPr algn="ctr"/>
-            <a:r>
-              <a:rPr lang="en-US" i="1" dirty="0"/>
-              <a:t>Effect Sizes</a:t>
-            </a:r>
-          </a:p>
-          <a:p>
-            <a:pPr algn="ctr"/>
-            <a:r>
-              <a:rPr lang="en-US" i="1" dirty="0"/>
-              <a:t>Follow-up test &amp; Multiple Comparisons</a:t>
-            </a:r>
-          </a:p>
-          <a:p>
-            <a:pPr algn="ctr"/>
-            <a:r>
-              <a:rPr lang="en-US" i="1" dirty="0"/>
-              <a:t>Interaction</a:t>
-            </a:r>
-          </a:p>
-          <a:p>
-            <a:pPr algn="ctr"/>
-            <a:r>
-              <a:rPr lang="en-US" i="1" dirty="0"/>
-              <a:t>Reporting Results</a:t>
-            </a:r>
-          </a:p>
-          <a:p>
-            <a:pPr algn="ctr"/>
-            <a:r>
-              <a:rPr lang="en-US" i="1" dirty="0"/>
-              <a:t>Slides 37-end</a:t>
-            </a:r>
+              <a:t>1-way RM ANOVAs</a:t>
+            </a:r>
+          </a:p>
+          <a:p>
+            <a:pPr algn="ctr"/>
+            <a:endParaRPr lang="en-US" dirty="0"/>
           </a:p>
         </p:txBody>
       </p:sp>
@@ -7155,55 +7180,38 @@
       </p:pic>
       <p:pic>
         <p:nvPicPr>
-          <p:cNvPr id="1026" name="Picture 2" descr="Image result for virus"/>
+          <p:cNvPr id="5" name="Picture 4"/>
           <p:cNvPicPr>
-            <a:picLocks noChangeAspect="1" noChangeArrowheads="1"/>
+            <a:picLocks noChangeAspect="1"/>
           </p:cNvPicPr>
           <p:nvPr/>
         </p:nvPicPr>
         <p:blipFill>
-          <a:blip r:embed="rId6" cstate="print">
-            <a:extLst>
-              <a:ext uri="{28A0092B-C50C-407E-A947-70E740481C1C}">
-                <a14:useLocalDpi xmlns:a14="http://schemas.microsoft.com/office/drawing/2010/main" val="0"/>
-              </a:ext>
-            </a:extLst>
-          </a:blip>
-          <a:srcRect/>
+          <a:blip r:embed="rId6"/>
           <a:stretch>
             <a:fillRect/>
           </a:stretch>
         </p:blipFill>
-        <p:spPr bwMode="auto">
-          <a:xfrm>
-            <a:off x="1908176" y="4866721"/>
-            <a:ext cx="825034" cy="824421"/>
-          </a:xfrm>
-          <a:prstGeom prst="rect">
-            <a:avLst/>
-          </a:prstGeom>
-          <a:noFill/>
-          <a:extLst>
-            <a:ext uri="{909E8E84-426E-40DD-AFC4-6F175D3DCCD1}">
-              <a14:hiddenFill xmlns:a14="http://schemas.microsoft.com/office/drawing/2010/main">
-                <a:solidFill>
-                  <a:srgbClr val="FFFFFF"/>
-                </a:solidFill>
-              </a14:hiddenFill>
-            </a:ext>
-          </a:extLst>
+        <p:spPr>
+          <a:xfrm>
+            <a:off x="1985351" y="4872564"/>
+            <a:ext cx="1853345" cy="853514"/>
+          </a:xfrm>
+          <a:prstGeom prst="rect">
+            <a:avLst/>
+          </a:prstGeom>
         </p:spPr>
       </p:pic>
       <p:sp>
         <p:nvSpPr>
-          <p:cNvPr id="13" name="TextBox 12"/>
+          <p:cNvPr id="17" name="TextBox 16"/>
           <p:cNvSpPr txBox="1"/>
           <p:nvPr/>
         </p:nvSpPr>
         <p:spPr>
           <a:xfrm>
-            <a:off x="2524444" y="5254195"/>
-            <a:ext cx="1238954" cy="369332"/>
+            <a:off x="2735076" y="4097297"/>
+            <a:ext cx="5005769" cy="923330"/>
           </a:xfrm>
           <a:prstGeom prst="rect">
             <a:avLst/>
@@ -7218,22 +7226,27 @@
           <a:p>
             <a:pPr algn="ctr"/>
             <a:r>
-              <a:rPr lang="en-US" b="1" dirty="0">
-                <a:solidFill>
-                  <a:schemeClr val="accent1">
-                    <a:lumMod val="75000"/>
-                  </a:schemeClr>
-                </a:solidFill>
-              </a:rPr>
-              <a:t>Covid-19</a:t>
-            </a:r>
+              <a:rPr lang="en-US" dirty="0"/>
+              <a:t>HW 16</a:t>
+            </a:r>
+          </a:p>
+          <a:p>
+            <a:pPr algn="ctr"/>
+            <a:r>
+              <a:rPr lang="en-US" b="1" u="sng" dirty="0"/>
+              <a:t>Mixed ANOVAs</a:t>
+            </a:r>
+          </a:p>
+          <a:p>
+            <a:pPr algn="ctr"/>
+            <a:endParaRPr lang="en-US" dirty="0"/>
           </a:p>
         </p:txBody>
       </p:sp>
     </p:spTree>
     <p:extLst>
       <p:ext uri="{BB962C8B-B14F-4D97-AF65-F5344CB8AC3E}">
-        <p14:creationId xmlns:p14="http://schemas.microsoft.com/office/powerpoint/2010/main" val="2525452429"/>
+        <p14:creationId xmlns:p14="http://schemas.microsoft.com/office/powerpoint/2010/main" val="2620031016"/>
       </p:ext>
     </p:extLst>
   </p:cSld>
@@ -7373,8 +7386,8 @@
         </p:nvSpPr>
         <p:spPr>
           <a:xfrm>
-            <a:off x="2035110" y="3043759"/>
-            <a:ext cx="5005769" cy="1200329"/>
+            <a:off x="2136087" y="2916921"/>
+            <a:ext cx="5005769" cy="2308324"/>
           </a:xfrm>
           <a:prstGeom prst="rect">
             <a:avLst/>
@@ -7412,14 +7425,42 @@
             <a:pPr algn="ctr"/>
             <a:r>
               <a:rPr lang="en-US" i="1" dirty="0"/>
-              <a:t>1-way RM ANOVA</a:t>
+              <a:t>2-way RM ANOVA</a:t>
             </a:r>
           </a:p>
           <a:p>
             <a:pPr algn="ctr"/>
             <a:r>
               <a:rPr lang="en-US" i="1" dirty="0"/>
-              <a:t>Slides 1 - 36</a:t>
+              <a:t>Effect Sizes</a:t>
+            </a:r>
+          </a:p>
+          <a:p>
+            <a:pPr algn="ctr"/>
+            <a:r>
+              <a:rPr lang="en-US" i="1" dirty="0"/>
+              <a:t>Follow-up test &amp; Multiple Comparisons</a:t>
+            </a:r>
+          </a:p>
+          <a:p>
+            <a:pPr algn="ctr"/>
+            <a:r>
+              <a:rPr lang="en-US" i="1" dirty="0"/>
+              <a:t>Interaction</a:t>
+            </a:r>
+          </a:p>
+          <a:p>
+            <a:pPr algn="ctr"/>
+            <a:r>
+              <a:rPr lang="en-US" i="1" dirty="0"/>
+              <a:t>Reporting Results</a:t>
+            </a:r>
+          </a:p>
+          <a:p>
+            <a:pPr algn="ctr"/>
+            <a:r>
+              <a:rPr lang="en-US" i="1" dirty="0"/>
+              <a:t>Slides 37-end</a:t>
             </a:r>
           </a:p>
         </p:txBody>
@@ -7639,7 +7680,7 @@
     </p:spTree>
     <p:extLst>
       <p:ext uri="{BB962C8B-B14F-4D97-AF65-F5344CB8AC3E}">
-        <p14:creationId xmlns:p14="http://schemas.microsoft.com/office/powerpoint/2010/main" val="3454054716"/>
+        <p14:creationId xmlns:p14="http://schemas.microsoft.com/office/powerpoint/2010/main" val="2525452429"/>
       </p:ext>
     </p:extLst>
   </p:cSld>
@@ -7766,15 +7807,7 @@
             <a:pPr algn="ctr"/>
             <a:r>
               <a:rPr lang="en-US" dirty="0"/>
-              <a:t>May </a:t>
-            </a:r>
-            <a:r>
-              <a:rPr lang="en-US" dirty="0" smtClean="0"/>
-              <a:t>13, </a:t>
-            </a:r>
-            <a:r>
-              <a:rPr lang="en-US" dirty="0"/>
-              <a:t>2020</a:t>
+              <a:t>May 18, 2020</a:t>
             </a:r>
           </a:p>
         </p:txBody>
@@ -7787,8 +7820,8 @@
         </p:nvSpPr>
         <p:spPr>
           <a:xfrm>
-            <a:off x="3506996" y="2465382"/>
-            <a:ext cx="5005769" cy="1200329"/>
+            <a:off x="2904156" y="2339397"/>
+            <a:ext cx="5005769" cy="2031325"/>
           </a:xfrm>
           <a:prstGeom prst="rect">
             <a:avLst/>
@@ -7804,26 +7837,48 @@
             <a:pPr algn="ctr"/>
             <a:r>
               <a:rPr lang="en-US" dirty="0"/>
-              <a:t>Chapter 5</a:t>
-            </a:r>
-          </a:p>
-          <a:p>
-            <a:pPr algn="ctr"/>
-            <a:r>
-              <a:rPr lang="en-US" b="1" u="sng" dirty="0" smtClean="0"/>
-              <a:t>Intro to Hypothesis Testing</a:t>
-            </a:r>
-          </a:p>
-          <a:p>
-            <a:pPr algn="ctr"/>
-            <a:r>
-              <a:rPr lang="en-US" i="1" dirty="0" smtClean="0"/>
-              <a:t>1-sample z-Test for a Mean</a:t>
-            </a:r>
-          </a:p>
-          <a:p>
-            <a:pPr algn="ctr"/>
-            <a:endParaRPr lang="en-US" b="1" u="sng" dirty="0" smtClean="0"/>
+              <a:t>Chapter 7</a:t>
+            </a:r>
+          </a:p>
+          <a:p>
+            <a:pPr algn="ctr"/>
+            <a:r>
+              <a:rPr lang="en-US" b="1" u="sng" dirty="0"/>
+              <a:t>Independent Samples t-Test for Means</a:t>
+            </a:r>
+          </a:p>
+          <a:p>
+            <a:pPr algn="ctr"/>
+            <a:r>
+              <a:rPr lang="en-US" i="1" dirty="0" err="1"/>
+              <a:t>Levene’s</a:t>
+            </a:r>
+            <a:r>
+              <a:rPr lang="en-US" i="1" dirty="0"/>
+              <a:t> Test of HOV</a:t>
+            </a:r>
+          </a:p>
+          <a:p>
+            <a:pPr algn="ctr"/>
+            <a:r>
+              <a:rPr lang="en-US" i="1" dirty="0"/>
+              <a:t>Standard Pooled Variance version</a:t>
+            </a:r>
+          </a:p>
+          <a:p>
+            <a:pPr algn="ctr"/>
+            <a:r>
+              <a:rPr lang="en-US" i="1" dirty="0"/>
+              <a:t>Welch’s Separate Variance version </a:t>
+            </a:r>
+          </a:p>
+          <a:p>
+            <a:pPr algn="ctr"/>
+            <a:endParaRPr lang="en-US" i="1" dirty="0"/>
+          </a:p>
+          <a:p>
+            <a:pPr algn="ctr"/>
+            <a:endParaRPr lang="en-US" b="1" u="sng" dirty="0"/>
           </a:p>
         </p:txBody>
       </p:sp>
@@ -8093,12 +8148,8 @@
           <a:lstStyle/>
           <a:p>
             <a:r>
-              <a:rPr lang="en-US" dirty="0" smtClean="0"/>
-              <a:t>Day 4 </a:t>
-            </a:r>
-            <a:r>
               <a:rPr lang="en-US" dirty="0"/>
-              <a:t>of 13</a:t>
+              <a:t>Day 5 of 13</a:t>
             </a:r>
           </a:p>
         </p:txBody>
@@ -8111,8 +8162,8 @@
         </p:nvSpPr>
         <p:spPr>
           <a:xfrm>
-            <a:off x="2035110" y="3429000"/>
-            <a:ext cx="5005769" cy="923330"/>
+            <a:off x="2725675" y="4199203"/>
+            <a:ext cx="5005769" cy="1200329"/>
           </a:xfrm>
           <a:prstGeom prst="rect">
             <a:avLst/>
@@ -8128,26 +8179,28 @@
             <a:pPr algn="ctr"/>
             <a:r>
               <a:rPr lang="en-US" dirty="0"/>
-              <a:t>Chapter </a:t>
-            </a:r>
-            <a:r>
-              <a:rPr lang="en-US" dirty="0" smtClean="0"/>
-              <a:t>6</a:t>
-            </a:r>
-            <a:endParaRPr lang="en-US" dirty="0"/>
-          </a:p>
-          <a:p>
-            <a:pPr algn="ctr"/>
-            <a:r>
-              <a:rPr lang="en-US" b="1" u="sng" dirty="0" smtClean="0"/>
-              <a:t>Confidence Interval Estimation</a:t>
-            </a:r>
-          </a:p>
-          <a:p>
-            <a:pPr algn="ctr"/>
-            <a:r>
-              <a:rPr lang="en-US" i="1" dirty="0" smtClean="0"/>
-              <a:t>1-sample t-Test for a Mean</a:t>
+              <a:t>Chapter 8</a:t>
+            </a:r>
+          </a:p>
+          <a:p>
+            <a:pPr algn="ctr"/>
+            <a:r>
+              <a:rPr lang="en-US" b="1" u="sng" dirty="0"/>
+              <a:t>Statistical Power &amp; Effect Size</a:t>
+            </a:r>
+          </a:p>
+          <a:p>
+            <a:pPr algn="ctr"/>
+            <a:r>
+              <a:rPr lang="en-US" i="1" dirty="0"/>
+              <a:t>Cohen’s d &amp; g</a:t>
+            </a:r>
+          </a:p>
+          <a:p>
+            <a:pPr algn="ctr"/>
+            <a:r>
+              <a:rPr lang="en-US" i="1" dirty="0"/>
+              <a:t>G*Power software</a:t>
             </a:r>
           </a:p>
         </p:txBody>
@@ -8155,7 +8208,7 @@
     </p:spTree>
     <p:extLst>
       <p:ext uri="{BB962C8B-B14F-4D97-AF65-F5344CB8AC3E}">
-        <p14:creationId xmlns:p14="http://schemas.microsoft.com/office/powerpoint/2010/main" val="1965765169"/>
+        <p14:creationId xmlns:p14="http://schemas.microsoft.com/office/powerpoint/2010/main" val="1178293772"/>
       </p:ext>
     </p:extLst>
   </p:cSld>
@@ -8296,7 +8349,7 @@
         <p:spPr>
           <a:xfrm>
             <a:off x="2035110" y="3043759"/>
-            <a:ext cx="5005769" cy="1477328"/>
+            <a:ext cx="5005769" cy="1200329"/>
           </a:xfrm>
           <a:prstGeom prst="rect">
             <a:avLst/>
@@ -8334,37 +8387,14 @@
             <a:pPr algn="ctr"/>
             <a:r>
               <a:rPr lang="en-US" i="1" dirty="0"/>
-              <a:t>Examples, in R</a:t>
+              <a:t>1-way RM ANOVA</a:t>
             </a:r>
           </a:p>
           <a:p>
             <a:pPr algn="ctr"/>
             <a:r>
               <a:rPr lang="en-US" i="1" dirty="0"/>
-              <a:t>1</a:t>
-            </a:r>
-            <a:r>
-              <a:rPr lang="en-US" i="1" baseline="30000" dirty="0"/>
-              <a:t>st</a:t>
-            </a:r>
-            <a:r>
-              <a:rPr lang="en-US" i="1" dirty="0"/>
-              <a:t> – textbook’s example with word recall</a:t>
-            </a:r>
-          </a:p>
-          <a:p>
-            <a:pPr algn="ctr"/>
-            <a:r>
-              <a:rPr lang="en-US" i="1" dirty="0"/>
-              <a:t>2</a:t>
-            </a:r>
-            <a:r>
-              <a:rPr lang="en-US" i="1" baseline="30000" dirty="0"/>
-              <a:t>nd</a:t>
-            </a:r>
-            <a:r>
-              <a:rPr lang="en-US" i="1" dirty="0"/>
-              <a:t> – weight loss over 3 months</a:t>
+              <a:t>Slides 1 - 36</a:t>
             </a:r>
           </a:p>
         </p:txBody>
@@ -8584,7 +8614,7 @@
     </p:spTree>
     <p:extLst>
       <p:ext uri="{BB962C8B-B14F-4D97-AF65-F5344CB8AC3E}">
-        <p14:creationId xmlns:p14="http://schemas.microsoft.com/office/powerpoint/2010/main" val="707466089"/>
+        <p14:creationId xmlns:p14="http://schemas.microsoft.com/office/powerpoint/2010/main" val="3454054716"/>
       </p:ext>
     </p:extLst>
   </p:cSld>
@@ -8619,7 +8649,7 @@
         </p:nvSpPr>
         <p:spPr>
           <a:xfrm>
-            <a:off x="1853580" y="824230"/>
+            <a:off x="1808702" y="824230"/>
             <a:ext cx="8778240" cy="5010912"/>
           </a:xfrm>
           <a:prstGeom prst="rect">
@@ -8665,7 +8695,7 @@
         </p:nvSpPr>
         <p:spPr>
           <a:xfrm>
-            <a:off x="3838696" y="1056832"/>
+            <a:off x="4184694" y="1065121"/>
             <a:ext cx="5712369" cy="1754326"/>
           </a:xfrm>
           <a:prstGeom prst="rect">
@@ -8681,13 +8711,7 @@
           <a:p>
             <a:r>
               <a:rPr lang="en-US" sz="5400" dirty="0"/>
-              <a:t>Virtual </a:t>
-            </a:r>
-          </a:p>
-          <a:p>
-            <a:r>
-              <a:rPr lang="en-US" sz="5400" dirty="0"/>
-              <a:t>Office Hours</a:t>
+              <a:t>OUT-OF-CLASS LECTURES</a:t>
             </a:r>
           </a:p>
         </p:txBody>
@@ -8717,7 +8741,7 @@
             <a:pPr algn="ctr"/>
             <a:r>
               <a:rPr lang="en-US" dirty="0"/>
-              <a:t>April 7, 2020</a:t>
+              <a:t>April 13, 2020</a:t>
             </a:r>
           </a:p>
         </p:txBody>
@@ -8730,8 +8754,8 @@
         </p:nvSpPr>
         <p:spPr>
           <a:xfrm>
-            <a:off x="3133161" y="2743036"/>
-            <a:ext cx="5005769" cy="923330"/>
+            <a:off x="2035110" y="3043759"/>
+            <a:ext cx="5005769" cy="1477328"/>
           </a:xfrm>
           <a:prstGeom prst="rect">
             <a:avLst/>
@@ -8747,21 +8771,59 @@
             <a:pPr algn="ctr"/>
             <a:r>
               <a:rPr lang="en-US" dirty="0"/>
-              <a:t>HW 14 </a:t>
+              <a:t>Chapter 15</a:t>
             </a:r>
           </a:p>
           <a:p>
             <a:pPr algn="ctr"/>
             <a:r>
               <a:rPr lang="en-US" b="1" u="sng" dirty="0"/>
-              <a:t>2-way Factorial ANOVAs</a:t>
-            </a:r>
-          </a:p>
-          <a:p>
-            <a:pPr algn="ctr"/>
-            <a:r>
-              <a:rPr lang="en-US" dirty="0"/>
-              <a:t>Items # 4, 5, &amp; 6</a:t>
+              <a:t>Repeated </a:t>
+            </a:r>
+            <a:r>
+              <a:rPr lang="en-US" b="1" u="sng" dirty="0" err="1"/>
+              <a:t>Measurs</a:t>
+            </a:r>
+            <a:r>
+              <a:rPr lang="en-US" b="1" u="sng" dirty="0"/>
+              <a:t> ANOVA</a:t>
+            </a:r>
+          </a:p>
+          <a:p>
+            <a:pPr algn="ctr"/>
+            <a:r>
+              <a:rPr lang="en-US" i="1" dirty="0"/>
+              <a:t>Examples, in R</a:t>
+            </a:r>
+          </a:p>
+          <a:p>
+            <a:pPr algn="ctr"/>
+            <a:r>
+              <a:rPr lang="en-US" i="1" dirty="0"/>
+              <a:t>1</a:t>
+            </a:r>
+            <a:r>
+              <a:rPr lang="en-US" i="1" baseline="30000" dirty="0"/>
+              <a:t>st</a:t>
+            </a:r>
+            <a:r>
+              <a:rPr lang="en-US" i="1" dirty="0"/>
+              <a:t> – textbook’s example with word recall</a:t>
+            </a:r>
+          </a:p>
+          <a:p>
+            <a:pPr algn="ctr"/>
+            <a:r>
+              <a:rPr lang="en-US" i="1" dirty="0"/>
+              <a:t>2</a:t>
+            </a:r>
+            <a:r>
+              <a:rPr lang="en-US" i="1" baseline="30000" dirty="0"/>
+              <a:t>nd</a:t>
+            </a:r>
+            <a:r>
+              <a:rPr lang="en-US" i="1" dirty="0"/>
+              <a:t> – weight loss over 3 months</a:t>
             </a:r>
           </a:p>
         </p:txBody>
@@ -8903,38 +8965,55 @@
       </p:pic>
       <p:pic>
         <p:nvPicPr>
-          <p:cNvPr id="5" name="Picture 4"/>
+          <p:cNvPr id="1026" name="Picture 2" descr="Image result for virus"/>
           <p:cNvPicPr>
-            <a:picLocks noChangeAspect="1"/>
+            <a:picLocks noChangeAspect="1" noChangeArrowheads="1"/>
           </p:cNvPicPr>
           <p:nvPr/>
         </p:nvPicPr>
         <p:blipFill>
-          <a:blip r:embed="rId6"/>
+          <a:blip r:embed="rId6" cstate="print">
+            <a:extLst>
+              <a:ext uri="{28A0092B-C50C-407E-A947-70E740481C1C}">
+                <a14:useLocalDpi xmlns:a14="http://schemas.microsoft.com/office/drawing/2010/main" val="0"/>
+              </a:ext>
+            </a:extLst>
+          </a:blip>
+          <a:srcRect/>
           <a:stretch>
             <a:fillRect/>
           </a:stretch>
         </p:blipFill>
-        <p:spPr>
-          <a:xfrm>
-            <a:off x="1985351" y="4872564"/>
-            <a:ext cx="1853345" cy="853514"/>
-          </a:xfrm>
-          <a:prstGeom prst="rect">
-            <a:avLst/>
-          </a:prstGeom>
+        <p:spPr bwMode="auto">
+          <a:xfrm>
+            <a:off x="1908176" y="4866721"/>
+            <a:ext cx="825034" cy="824421"/>
+          </a:xfrm>
+          <a:prstGeom prst="rect">
+            <a:avLst/>
+          </a:prstGeom>
+          <a:noFill/>
+          <a:extLst>
+            <a:ext uri="{909E8E84-426E-40DD-AFC4-6F175D3DCCD1}">
+              <a14:hiddenFill xmlns:a14="http://schemas.microsoft.com/office/drawing/2010/main">
+                <a:solidFill>
+                  <a:srgbClr val="FFFFFF"/>
+                </a:solidFill>
+              </a14:hiddenFill>
+            </a:ext>
+          </a:extLst>
         </p:spPr>
       </p:pic>
       <p:sp>
         <p:nvSpPr>
-          <p:cNvPr id="6" name="TextBox 5"/>
+          <p:cNvPr id="13" name="TextBox 12"/>
           <p:cNvSpPr txBox="1"/>
           <p:nvPr/>
         </p:nvSpPr>
         <p:spPr>
           <a:xfrm>
-            <a:off x="2163479" y="3316893"/>
-            <a:ext cx="1952216" cy="646331"/>
+            <a:off x="2524444" y="5254195"/>
+            <a:ext cx="1238954" cy="369332"/>
           </a:xfrm>
           <a:prstGeom prst="rect">
             <a:avLst/>
@@ -8949,110 +9028,14 @@
           <a:p>
             <a:pPr algn="ctr"/>
             <a:r>
-              <a:rPr lang="en-US" u="sng" dirty="0"/>
-              <a:t>Factorial ANOVA</a:t>
-            </a:r>
-          </a:p>
-          <a:p>
-            <a:pPr algn="ctr"/>
-            <a:r>
-              <a:rPr lang="en-US" dirty="0"/>
-              <a:t>Omnibus F-tests</a:t>
-            </a:r>
-          </a:p>
-        </p:txBody>
-      </p:sp>
-      <p:sp>
-        <p:nvSpPr>
-          <p:cNvPr id="15" name="TextBox 14"/>
-          <p:cNvSpPr txBox="1"/>
-          <p:nvPr/>
-        </p:nvSpPr>
-        <p:spPr>
-          <a:xfrm>
-            <a:off x="3473229" y="3827424"/>
-            <a:ext cx="2184037" cy="923330"/>
-          </a:xfrm>
-          <a:prstGeom prst="rect">
-            <a:avLst/>
-          </a:prstGeom>
-          <a:noFill/>
-        </p:spPr>
-        <p:txBody>
-          <a:bodyPr wrap="square" rtlCol="0">
-            <a:spAutoFit/>
-          </a:bodyPr>
-          <a:lstStyle/>
-          <a:p>
-            <a:pPr algn="ctr"/>
-            <a:r>
-              <a:rPr lang="en-US" u="sng" dirty="0"/>
-              <a:t>Interactions</a:t>
-            </a:r>
-          </a:p>
-          <a:p>
-            <a:pPr algn="ctr"/>
-            <a:r>
-              <a:rPr lang="en-US" dirty="0"/>
-              <a:t>2-way means plots</a:t>
-            </a:r>
-          </a:p>
-          <a:p>
-            <a:pPr algn="ctr"/>
-            <a:r>
-              <a:rPr lang="en-US" dirty="0"/>
-              <a:t>Interaction contrasts</a:t>
-            </a:r>
-          </a:p>
-        </p:txBody>
-      </p:sp>
-      <p:sp>
-        <p:nvSpPr>
-          <p:cNvPr id="16" name="TextBox 15"/>
-          <p:cNvSpPr txBox="1"/>
-          <p:nvPr/>
-        </p:nvSpPr>
-        <p:spPr>
-          <a:xfrm>
-            <a:off x="4851703" y="4576843"/>
-            <a:ext cx="2667658" cy="1200329"/>
-          </a:xfrm>
-          <a:prstGeom prst="rect">
-            <a:avLst/>
-          </a:prstGeom>
-          <a:noFill/>
-        </p:spPr>
-        <p:txBody>
-          <a:bodyPr wrap="square" rtlCol="0">
-            <a:spAutoFit/>
-          </a:bodyPr>
-          <a:lstStyle/>
-          <a:p>
-            <a:pPr algn="ctr"/>
-            <a:r>
-              <a:rPr lang="en-US" u="sng" dirty="0"/>
-              <a:t>Main Effects</a:t>
-            </a:r>
-          </a:p>
-          <a:p>
-            <a:pPr algn="ctr"/>
-            <a:r>
-              <a:rPr lang="en-US" dirty="0"/>
-              <a:t>1-way means table</a:t>
-            </a:r>
-          </a:p>
-          <a:p>
-            <a:pPr algn="ctr"/>
-            <a:r>
-              <a:rPr lang="en-US" dirty="0"/>
-              <a:t>1-way means plot</a:t>
-            </a:r>
-          </a:p>
-          <a:p>
-            <a:pPr algn="ctr"/>
-            <a:r>
-              <a:rPr lang="en-US" dirty="0"/>
-              <a:t>Pairwise post hoc t-tests</a:t>
+              <a:rPr lang="en-US" b="1" dirty="0">
+                <a:solidFill>
+                  <a:schemeClr val="accent1">
+                    <a:lumMod val="75000"/>
+                  </a:schemeClr>
+                </a:solidFill>
+              </a:rPr>
+              <a:t>Covid-19</a:t>
             </a:r>
           </a:p>
         </p:txBody>
@@ -9060,7 +9043,7 @@
     </p:spTree>
     <p:extLst>
       <p:ext uri="{BB962C8B-B14F-4D97-AF65-F5344CB8AC3E}">
-        <p14:creationId xmlns:p14="http://schemas.microsoft.com/office/powerpoint/2010/main" val="1875168771"/>
+        <p14:creationId xmlns:p14="http://schemas.microsoft.com/office/powerpoint/2010/main" val="707466089"/>
       </p:ext>
     </p:extLst>
   </p:cSld>
@@ -9193,7 +9176,7 @@
             <a:pPr algn="ctr"/>
             <a:r>
               <a:rPr lang="en-US" dirty="0"/>
-              <a:t>April 2, 2020</a:t>
+              <a:t>April 7, 2020</a:t>
             </a:r>
           </a:p>
         </p:txBody>
@@ -9237,7 +9220,7 @@
             <a:pPr algn="ctr"/>
             <a:r>
               <a:rPr lang="en-US" dirty="0"/>
-              <a:t>Items # 2, 3, &amp; 5</a:t>
+              <a:t>Items # 4, 5, &amp; 6</a:t>
             </a:r>
           </a:p>
         </p:txBody>
@@ -9536,7 +9519,7 @@
     </p:spTree>
     <p:extLst>
       <p:ext uri="{BB962C8B-B14F-4D97-AF65-F5344CB8AC3E}">
-        <p14:creationId xmlns:p14="http://schemas.microsoft.com/office/powerpoint/2010/main" val="3811887098"/>
+        <p14:creationId xmlns:p14="http://schemas.microsoft.com/office/powerpoint/2010/main" val="1875168771"/>
       </p:ext>
     </p:extLst>
   </p:cSld>
@@ -9571,7 +9554,7 @@
         </p:nvSpPr>
         <p:spPr>
           <a:xfrm>
-            <a:off x="1808702" y="824230"/>
+            <a:off x="1853580" y="824230"/>
             <a:ext cx="8778240" cy="5010912"/>
           </a:xfrm>
           <a:prstGeom prst="rect">
@@ -9617,7 +9600,7 @@
         </p:nvSpPr>
         <p:spPr>
           <a:xfrm>
-            <a:off x="4003824" y="1483154"/>
+            <a:off x="3838696" y="1056832"/>
             <a:ext cx="5712369" cy="1754326"/>
           </a:xfrm>
           <a:prstGeom prst="rect">
@@ -9633,13 +9616,13 @@
           <a:p>
             <a:r>
               <a:rPr lang="en-US" sz="5400" dirty="0"/>
-              <a:t>HOMEWORK</a:t>
+              <a:t>Virtual </a:t>
             </a:r>
           </a:p>
           <a:p>
             <a:r>
               <a:rPr lang="en-US" sz="5400" dirty="0"/>
-              <a:t>HELP</a:t>
+              <a:t>Office Hours</a:t>
             </a:r>
           </a:p>
         </p:txBody>
@@ -9669,7 +9652,7 @@
             <a:pPr algn="ctr"/>
             <a:r>
               <a:rPr lang="en-US" dirty="0"/>
-              <a:t>April. 1, 2020</a:t>
+              <a:t>April 2, 2020</a:t>
             </a:r>
           </a:p>
         </p:txBody>
@@ -9682,8 +9665,8 @@
         </p:nvSpPr>
         <p:spPr>
           <a:xfrm>
-            <a:off x="2105405" y="3257394"/>
-            <a:ext cx="5005769" cy="1477328"/>
+            <a:off x="3133161" y="2743036"/>
+            <a:ext cx="5005769" cy="923330"/>
           </a:xfrm>
           <a:prstGeom prst="rect">
             <a:avLst/>
@@ -9699,33 +9682,22 @@
             <a:pPr algn="ctr"/>
             <a:r>
               <a:rPr lang="en-US" dirty="0"/>
-              <a:t>Chapter 14</a:t>
+              <a:t>HW 14 </a:t>
             </a:r>
           </a:p>
           <a:p>
             <a:pPr algn="ctr"/>
             <a:r>
               <a:rPr lang="en-US" b="1" u="sng" dirty="0"/>
-              <a:t>2-way Factorial ANOVA</a:t>
-            </a:r>
-          </a:p>
-          <a:p>
-            <a:pPr algn="ctr"/>
-            <a:r>
-              <a:rPr lang="en-US" b="1" dirty="0"/>
-              <a:t>14A #6: MS and F formulas </a:t>
-            </a:r>
-          </a:p>
-          <a:p>
-            <a:pPr algn="ctr"/>
-            <a:r>
-              <a:rPr lang="en-US" b="1" dirty="0"/>
-              <a:t>Based on a means table</a:t>
-            </a:r>
-          </a:p>
-          <a:p>
-            <a:pPr algn="ctr"/>
-            <a:endParaRPr lang="en-US" b="1" dirty="0"/>
+              <a:t>2-way Factorial ANOVAs</a:t>
+            </a:r>
+          </a:p>
+          <a:p>
+            <a:pPr algn="ctr"/>
+            <a:r>
+              <a:rPr lang="en-US" dirty="0"/>
+              <a:t>Items # 2, 3, &amp; 5</a:t>
+            </a:r>
           </a:p>
         </p:txBody>
       </p:sp>
@@ -9864,102 +9836,166 @@
           </a:prstGeom>
         </p:spPr>
       </p:pic>
-      <p:grpSp>
-        <p:nvGrpSpPr>
-          <p:cNvPr id="13" name="Group 12"/>
-          <p:cNvGrpSpPr/>
-          <p:nvPr/>
-        </p:nvGrpSpPr>
-        <p:grpSpPr>
-          <a:xfrm>
-            <a:off x="1908176" y="4866721"/>
-            <a:ext cx="1855222" cy="824421"/>
-            <a:chOff x="1908176" y="4866721"/>
-            <a:chExt cx="1855222" cy="824421"/>
-          </a:xfrm>
-        </p:grpSpPr>
-        <p:pic>
-          <p:nvPicPr>
-            <p:cNvPr id="15" name="Picture 2" descr="Image result for virus"/>
-            <p:cNvPicPr>
-              <a:picLocks noChangeAspect="1" noChangeArrowheads="1"/>
-            </p:cNvPicPr>
-            <p:nvPr/>
-          </p:nvPicPr>
-          <p:blipFill>
-            <a:blip r:embed="rId6" cstate="print">
-              <a:extLst>
-                <a:ext uri="{28A0092B-C50C-407E-A947-70E740481C1C}">
-                  <a14:useLocalDpi xmlns:a14="http://schemas.microsoft.com/office/drawing/2010/main" val="0"/>
-                </a:ext>
-              </a:extLst>
-            </a:blip>
-            <a:srcRect/>
-            <a:stretch>
-              <a:fillRect/>
-            </a:stretch>
-          </p:blipFill>
-          <p:spPr bwMode="auto">
-            <a:xfrm>
-              <a:off x="1908176" y="4866721"/>
-              <a:ext cx="825034" cy="824421"/>
-            </a:xfrm>
-            <a:prstGeom prst="rect">
-              <a:avLst/>
-            </a:prstGeom>
-            <a:noFill/>
-            <a:extLst>
-              <a:ext uri="{909E8E84-426E-40DD-AFC4-6F175D3DCCD1}">
-                <a14:hiddenFill xmlns:a14="http://schemas.microsoft.com/office/drawing/2010/main">
-                  <a:solidFill>
-                    <a:srgbClr val="FFFFFF"/>
-                  </a:solidFill>
-                </a14:hiddenFill>
-              </a:ext>
-            </a:extLst>
-          </p:spPr>
-        </p:pic>
-        <p:sp>
-          <p:nvSpPr>
-            <p:cNvPr id="16" name="TextBox 15"/>
-            <p:cNvSpPr txBox="1"/>
-            <p:nvPr/>
-          </p:nvSpPr>
-          <p:spPr>
-            <a:xfrm>
-              <a:off x="2524444" y="5254195"/>
-              <a:ext cx="1238954" cy="369332"/>
-            </a:xfrm>
-            <a:prstGeom prst="rect">
-              <a:avLst/>
-            </a:prstGeom>
-            <a:noFill/>
-          </p:spPr>
-          <p:txBody>
-            <a:bodyPr wrap="square" rtlCol="0">
-              <a:spAutoFit/>
-            </a:bodyPr>
-            <a:lstStyle/>
-            <a:p>
-              <a:pPr algn="ctr"/>
-              <a:r>
-                <a:rPr lang="en-US" b="1" dirty="0">
-                  <a:solidFill>
-                    <a:schemeClr val="accent1">
-                      <a:lumMod val="75000"/>
-                    </a:schemeClr>
-                  </a:solidFill>
-                </a:rPr>
-                <a:t>Covid-19</a:t>
-              </a:r>
-            </a:p>
-          </p:txBody>
-        </p:sp>
-      </p:grpSp>
+      <p:pic>
+        <p:nvPicPr>
+          <p:cNvPr id="5" name="Picture 4"/>
+          <p:cNvPicPr>
+            <a:picLocks noChangeAspect="1"/>
+          </p:cNvPicPr>
+          <p:nvPr/>
+        </p:nvPicPr>
+        <p:blipFill>
+          <a:blip r:embed="rId6"/>
+          <a:stretch>
+            <a:fillRect/>
+          </a:stretch>
+        </p:blipFill>
+        <p:spPr>
+          <a:xfrm>
+            <a:off x="1985351" y="4872564"/>
+            <a:ext cx="1853345" cy="853514"/>
+          </a:xfrm>
+          <a:prstGeom prst="rect">
+            <a:avLst/>
+          </a:prstGeom>
+        </p:spPr>
+      </p:pic>
+      <p:sp>
+        <p:nvSpPr>
+          <p:cNvPr id="6" name="TextBox 5"/>
+          <p:cNvSpPr txBox="1"/>
+          <p:nvPr/>
+        </p:nvSpPr>
+        <p:spPr>
+          <a:xfrm>
+            <a:off x="2163479" y="3316893"/>
+            <a:ext cx="1952216" cy="646331"/>
+          </a:xfrm>
+          <a:prstGeom prst="rect">
+            <a:avLst/>
+          </a:prstGeom>
+          <a:noFill/>
+        </p:spPr>
+        <p:txBody>
+          <a:bodyPr wrap="square" rtlCol="0">
+            <a:spAutoFit/>
+          </a:bodyPr>
+          <a:lstStyle/>
+          <a:p>
+            <a:pPr algn="ctr"/>
+            <a:r>
+              <a:rPr lang="en-US" u="sng" dirty="0"/>
+              <a:t>Factorial ANOVA</a:t>
+            </a:r>
+          </a:p>
+          <a:p>
+            <a:pPr algn="ctr"/>
+            <a:r>
+              <a:rPr lang="en-US" dirty="0"/>
+              <a:t>Omnibus F-tests</a:t>
+            </a:r>
+          </a:p>
+        </p:txBody>
+      </p:sp>
+      <p:sp>
+        <p:nvSpPr>
+          <p:cNvPr id="15" name="TextBox 14"/>
+          <p:cNvSpPr txBox="1"/>
+          <p:nvPr/>
+        </p:nvSpPr>
+        <p:spPr>
+          <a:xfrm>
+            <a:off x="3473229" y="3827424"/>
+            <a:ext cx="2184037" cy="923330"/>
+          </a:xfrm>
+          <a:prstGeom prst="rect">
+            <a:avLst/>
+          </a:prstGeom>
+          <a:noFill/>
+        </p:spPr>
+        <p:txBody>
+          <a:bodyPr wrap="square" rtlCol="0">
+            <a:spAutoFit/>
+          </a:bodyPr>
+          <a:lstStyle/>
+          <a:p>
+            <a:pPr algn="ctr"/>
+            <a:r>
+              <a:rPr lang="en-US" u="sng" dirty="0"/>
+              <a:t>Interactions</a:t>
+            </a:r>
+          </a:p>
+          <a:p>
+            <a:pPr algn="ctr"/>
+            <a:r>
+              <a:rPr lang="en-US" dirty="0"/>
+              <a:t>2-way means plots</a:t>
+            </a:r>
+          </a:p>
+          <a:p>
+            <a:pPr algn="ctr"/>
+            <a:r>
+              <a:rPr lang="en-US" dirty="0"/>
+              <a:t>Interaction contrasts</a:t>
+            </a:r>
+          </a:p>
+        </p:txBody>
+      </p:sp>
+      <p:sp>
+        <p:nvSpPr>
+          <p:cNvPr id="16" name="TextBox 15"/>
+          <p:cNvSpPr txBox="1"/>
+          <p:nvPr/>
+        </p:nvSpPr>
+        <p:spPr>
+          <a:xfrm>
+            <a:off x="4851703" y="4576843"/>
+            <a:ext cx="2667658" cy="1200329"/>
+          </a:xfrm>
+          <a:prstGeom prst="rect">
+            <a:avLst/>
+          </a:prstGeom>
+          <a:noFill/>
+        </p:spPr>
+        <p:txBody>
+          <a:bodyPr wrap="square" rtlCol="0">
+            <a:spAutoFit/>
+          </a:bodyPr>
+          <a:lstStyle/>
+          <a:p>
+            <a:pPr algn="ctr"/>
+            <a:r>
+              <a:rPr lang="en-US" u="sng" dirty="0"/>
+              <a:t>Main Effects</a:t>
+            </a:r>
+          </a:p>
+          <a:p>
+            <a:pPr algn="ctr"/>
+            <a:r>
+              <a:rPr lang="en-US" dirty="0"/>
+              <a:t>1-way means table</a:t>
+            </a:r>
+          </a:p>
+          <a:p>
+            <a:pPr algn="ctr"/>
+            <a:r>
+              <a:rPr lang="en-US" dirty="0"/>
+              <a:t>1-way means plot</a:t>
+            </a:r>
+          </a:p>
+          <a:p>
+            <a:pPr algn="ctr"/>
+            <a:r>
+              <a:rPr lang="en-US" dirty="0"/>
+              <a:t>Pairwise post hoc t-tests</a:t>
+            </a:r>
+          </a:p>
+        </p:txBody>
+      </p:sp>
     </p:spTree>
     <p:extLst>
       <p:ext uri="{BB962C8B-B14F-4D97-AF65-F5344CB8AC3E}">
-        <p14:creationId xmlns:p14="http://schemas.microsoft.com/office/powerpoint/2010/main" val="969755914"/>
+        <p14:creationId xmlns:p14="http://schemas.microsoft.com/office/powerpoint/2010/main" val="3811887098"/>
       </p:ext>
     </p:extLst>
   </p:cSld>
@@ -10040,7 +10076,7 @@
         </p:nvSpPr>
         <p:spPr>
           <a:xfrm>
-            <a:off x="4184694" y="1065121"/>
+            <a:off x="4003824" y="1483154"/>
             <a:ext cx="5712369" cy="1754326"/>
           </a:xfrm>
           <a:prstGeom prst="rect">
@@ -10056,7 +10092,13 @@
           <a:p>
             <a:r>
               <a:rPr lang="en-US" sz="5400" dirty="0"/>
-              <a:t>OUT-OF-CLASS LECTURES</a:t>
+              <a:t>HOMEWORK</a:t>
+            </a:r>
+          </a:p>
+          <a:p>
+            <a:r>
+              <a:rPr lang="en-US" sz="5400" dirty="0"/>
+              <a:t>HELP</a:t>
             </a:r>
           </a:p>
         </p:txBody>
@@ -10086,7 +10128,7 @@
             <a:pPr algn="ctr"/>
             <a:r>
               <a:rPr lang="en-US" dirty="0"/>
-              <a:t>March 31, 2020</a:t>
+              <a:t>April. 1, 2020</a:t>
             </a:r>
           </a:p>
         </p:txBody>
@@ -10099,8 +10141,8 @@
         </p:nvSpPr>
         <p:spPr>
           <a:xfrm>
-            <a:off x="2035110" y="3043759"/>
-            <a:ext cx="5005769" cy="1200329"/>
+            <a:off x="2105405" y="3257394"/>
+            <a:ext cx="5005769" cy="1477328"/>
           </a:xfrm>
           <a:prstGeom prst="rect">
             <a:avLst/>
@@ -10129,16 +10171,20 @@
           <a:p>
             <a:pPr algn="ctr"/>
             <a:r>
-              <a:rPr lang="en-US" i="1" dirty="0"/>
-              <a:t>Sleep x Stimulant Example Walk-through </a:t>
-            </a:r>
-          </a:p>
-          <a:p>
-            <a:pPr algn="ctr"/>
-            <a:r>
-              <a:rPr lang="en-US" i="1" dirty="0"/>
-              <a:t>Barry Cohen’s Textbook Example </a:t>
-            </a:r>
+              <a:rPr lang="en-US" b="1" dirty="0"/>
+              <a:t>14A #6: MS and F formulas </a:t>
+            </a:r>
+          </a:p>
+          <a:p>
+            <a:pPr algn="ctr"/>
+            <a:r>
+              <a:rPr lang="en-US" b="1" dirty="0"/>
+              <a:t>Based on a means table</a:t>
+            </a:r>
+          </a:p>
+          <a:p>
+            <a:pPr algn="ctr"/>
+            <a:endParaRPr lang="en-US" b="1" dirty="0"/>
           </a:p>
         </p:txBody>
       </p:sp>
@@ -10279,7 +10325,7 @@
       </p:pic>
       <p:grpSp>
         <p:nvGrpSpPr>
-          <p:cNvPr id="5" name="Group 4"/>
+          <p:cNvPr id="13" name="Group 12"/>
           <p:cNvGrpSpPr/>
           <p:nvPr/>
         </p:nvGrpSpPr>
@@ -10293,7 +10339,7 @@
         </p:grpSpPr>
         <p:pic>
           <p:nvPicPr>
-            <p:cNvPr id="1026" name="Picture 2" descr="Image result for virus"/>
+            <p:cNvPr id="15" name="Picture 2" descr="Image result for virus"/>
             <p:cNvPicPr>
               <a:picLocks noChangeAspect="1" noChangeArrowheads="1"/>
             </p:cNvPicPr>
@@ -10334,7 +10380,7 @@
         </p:pic>
         <p:sp>
           <p:nvSpPr>
-            <p:cNvPr id="13" name="TextBox 12"/>
+            <p:cNvPr id="16" name="TextBox 15"/>
             <p:cNvSpPr txBox="1"/>
             <p:nvPr/>
           </p:nvSpPr>
@@ -10372,7 +10418,7 @@
     </p:spTree>
     <p:extLst>
       <p:ext uri="{BB962C8B-B14F-4D97-AF65-F5344CB8AC3E}">
-        <p14:creationId xmlns:p14="http://schemas.microsoft.com/office/powerpoint/2010/main" val="3068570685"/>
+        <p14:creationId xmlns:p14="http://schemas.microsoft.com/office/powerpoint/2010/main" val="969755914"/>
       </p:ext>
     </p:extLst>
   </p:cSld>
@@ -10543,14 +10589,14 @@
             <a:pPr algn="ctr"/>
             <a:r>
               <a:rPr lang="en-US" i="1" dirty="0"/>
-              <a:t>Lecture slides </a:t>
+              <a:t>Sleep x Stimulant Example Walk-through </a:t>
             </a:r>
           </a:p>
           <a:p>
             <a:pPr algn="ctr"/>
             <a:r>
               <a:rPr lang="en-US" i="1" dirty="0"/>
-              <a:t>(example in separate video)</a:t>
+              <a:t>Barry Cohen’s Textbook Example </a:t>
             </a:r>
           </a:p>
         </p:txBody>
@@ -10690,87 +10736,102 @@
           </a:prstGeom>
         </p:spPr>
       </p:pic>
-      <p:pic>
-        <p:nvPicPr>
-          <p:cNvPr id="1026" name="Picture 2" descr="Image result for virus"/>
-          <p:cNvPicPr>
-            <a:picLocks noChangeAspect="1" noChangeArrowheads="1"/>
-          </p:cNvPicPr>
-          <p:nvPr/>
-        </p:nvPicPr>
-        <p:blipFill>
-          <a:blip r:embed="rId6" cstate="print">
+      <p:grpSp>
+        <p:nvGrpSpPr>
+          <p:cNvPr id="5" name="Group 4"/>
+          <p:cNvGrpSpPr/>
+          <p:nvPr/>
+        </p:nvGrpSpPr>
+        <p:grpSpPr>
+          <a:xfrm>
+            <a:off x="1908176" y="4866721"/>
+            <a:ext cx="1855222" cy="824421"/>
+            <a:chOff x="1908176" y="4866721"/>
+            <a:chExt cx="1855222" cy="824421"/>
+          </a:xfrm>
+        </p:grpSpPr>
+        <p:pic>
+          <p:nvPicPr>
+            <p:cNvPr id="1026" name="Picture 2" descr="Image result for virus"/>
+            <p:cNvPicPr>
+              <a:picLocks noChangeAspect="1" noChangeArrowheads="1"/>
+            </p:cNvPicPr>
+            <p:nvPr/>
+          </p:nvPicPr>
+          <p:blipFill>
+            <a:blip r:embed="rId6" cstate="print">
+              <a:extLst>
+                <a:ext uri="{28A0092B-C50C-407E-A947-70E740481C1C}">
+                  <a14:useLocalDpi xmlns:a14="http://schemas.microsoft.com/office/drawing/2010/main" val="0"/>
+                </a:ext>
+              </a:extLst>
+            </a:blip>
+            <a:srcRect/>
+            <a:stretch>
+              <a:fillRect/>
+            </a:stretch>
+          </p:blipFill>
+          <p:spPr bwMode="auto">
+            <a:xfrm>
+              <a:off x="1908176" y="4866721"/>
+              <a:ext cx="825034" cy="824421"/>
+            </a:xfrm>
+            <a:prstGeom prst="rect">
+              <a:avLst/>
+            </a:prstGeom>
+            <a:noFill/>
             <a:extLst>
-              <a:ext uri="{28A0092B-C50C-407E-A947-70E740481C1C}">
-                <a14:useLocalDpi xmlns:a14="http://schemas.microsoft.com/office/drawing/2010/main" val="0"/>
+              <a:ext uri="{909E8E84-426E-40DD-AFC4-6F175D3DCCD1}">
+                <a14:hiddenFill xmlns:a14="http://schemas.microsoft.com/office/drawing/2010/main">
+                  <a:solidFill>
+                    <a:srgbClr val="FFFFFF"/>
+                  </a:solidFill>
+                </a14:hiddenFill>
               </a:ext>
             </a:extLst>
-          </a:blip>
-          <a:srcRect/>
-          <a:stretch>
-            <a:fillRect/>
-          </a:stretch>
-        </p:blipFill>
-        <p:spPr bwMode="auto">
-          <a:xfrm>
-            <a:off x="1908176" y="4866721"/>
-            <a:ext cx="825034" cy="824421"/>
-          </a:xfrm>
-          <a:prstGeom prst="rect">
-            <a:avLst/>
-          </a:prstGeom>
-          <a:noFill/>
-          <a:extLst>
-            <a:ext uri="{909E8E84-426E-40DD-AFC4-6F175D3DCCD1}">
-              <a14:hiddenFill xmlns:a14="http://schemas.microsoft.com/office/drawing/2010/main">
-                <a:solidFill>
-                  <a:srgbClr val="FFFFFF"/>
-                </a:solidFill>
-              </a14:hiddenFill>
-            </a:ext>
-          </a:extLst>
-        </p:spPr>
-      </p:pic>
-      <p:sp>
-        <p:nvSpPr>
-          <p:cNvPr id="13" name="TextBox 12"/>
-          <p:cNvSpPr txBox="1"/>
-          <p:nvPr/>
-        </p:nvSpPr>
-        <p:spPr>
-          <a:xfrm>
-            <a:off x="2524444" y="5254195"/>
-            <a:ext cx="1238954" cy="369332"/>
-          </a:xfrm>
-          <a:prstGeom prst="rect">
-            <a:avLst/>
-          </a:prstGeom>
-          <a:noFill/>
-        </p:spPr>
-        <p:txBody>
-          <a:bodyPr wrap="square" rtlCol="0">
-            <a:spAutoFit/>
-          </a:bodyPr>
-          <a:lstStyle/>
-          <a:p>
-            <a:pPr algn="ctr"/>
-            <a:r>
-              <a:rPr lang="en-US" b="1" dirty="0">
-                <a:solidFill>
-                  <a:schemeClr val="accent1">
-                    <a:lumMod val="75000"/>
-                  </a:schemeClr>
-                </a:solidFill>
-              </a:rPr>
-              <a:t>Covid-19</a:t>
-            </a:r>
-          </a:p>
-        </p:txBody>
-      </p:sp>
+          </p:spPr>
+        </p:pic>
+        <p:sp>
+          <p:nvSpPr>
+            <p:cNvPr id="13" name="TextBox 12"/>
+            <p:cNvSpPr txBox="1"/>
+            <p:nvPr/>
+          </p:nvSpPr>
+          <p:spPr>
+            <a:xfrm>
+              <a:off x="2524444" y="5254195"/>
+              <a:ext cx="1238954" cy="369332"/>
+            </a:xfrm>
+            <a:prstGeom prst="rect">
+              <a:avLst/>
+            </a:prstGeom>
+            <a:noFill/>
+          </p:spPr>
+          <p:txBody>
+            <a:bodyPr wrap="square" rtlCol="0">
+              <a:spAutoFit/>
+            </a:bodyPr>
+            <a:lstStyle/>
+            <a:p>
+              <a:pPr algn="ctr"/>
+              <a:r>
+                <a:rPr lang="en-US" b="1" dirty="0">
+                  <a:solidFill>
+                    <a:schemeClr val="accent1">
+                      <a:lumMod val="75000"/>
+                    </a:schemeClr>
+                  </a:solidFill>
+                </a:rPr>
+                <a:t>Covid-19</a:t>
+              </a:r>
+            </a:p>
+          </p:txBody>
+        </p:sp>
+      </p:grpSp>
     </p:spTree>
     <p:extLst>
       <p:ext uri="{BB962C8B-B14F-4D97-AF65-F5344CB8AC3E}">
-        <p14:creationId xmlns:p14="http://schemas.microsoft.com/office/powerpoint/2010/main" val="1235567156"/>
+        <p14:creationId xmlns:p14="http://schemas.microsoft.com/office/powerpoint/2010/main" val="3068570685"/>
       </p:ext>
     </p:extLst>
   </p:cSld>
@@ -10805,7 +10866,7 @@
         </p:nvSpPr>
         <p:spPr>
           <a:xfrm>
-            <a:off x="1853580" y="824230"/>
+            <a:off x="1808702" y="824230"/>
             <a:ext cx="8778240" cy="5010912"/>
           </a:xfrm>
           <a:prstGeom prst="rect">
@@ -10851,7 +10912,7 @@
         </p:nvSpPr>
         <p:spPr>
           <a:xfrm>
-            <a:off x="3838696" y="1056832"/>
+            <a:off x="4184694" y="1065121"/>
             <a:ext cx="5712369" cy="1754326"/>
           </a:xfrm>
           <a:prstGeom prst="rect">
@@ -10867,13 +10928,7 @@
           <a:p>
             <a:r>
               <a:rPr lang="en-US" sz="5400" dirty="0"/>
-              <a:t>Virtual </a:t>
-            </a:r>
-          </a:p>
-          <a:p>
-            <a:r>
-              <a:rPr lang="en-US" sz="5400" dirty="0"/>
-              <a:t>Office Hours</a:t>
+              <a:t>OUT-OF-CLASS LECTURES</a:t>
             </a:r>
           </a:p>
         </p:txBody>
@@ -10903,7 +10958,7 @@
             <a:pPr algn="ctr"/>
             <a:r>
               <a:rPr lang="en-US" dirty="0"/>
-              <a:t>March 25, 2020</a:t>
+              <a:t>March 31, 2020</a:t>
             </a:r>
           </a:p>
         </p:txBody>
@@ -10916,7 +10971,7 @@
         </p:nvSpPr>
         <p:spPr>
           <a:xfrm>
-            <a:off x="2023325" y="2848397"/>
+            <a:off x="2035110" y="3043759"/>
             <a:ext cx="5005769" cy="1200329"/>
           </a:xfrm>
           <a:prstGeom prst="rect">
@@ -10933,26 +10988,29 @@
             <a:pPr algn="ctr"/>
             <a:r>
               <a:rPr lang="en-US" dirty="0"/>
-              <a:t>HW 13 </a:t>
+              <a:t>Chapter 14</a:t>
             </a:r>
           </a:p>
           <a:p>
             <a:pPr algn="ctr"/>
             <a:r>
               <a:rPr lang="en-US" b="1" u="sng" dirty="0"/>
-              <a:t>Multiple Comparisons: pairwise &amp; linear contrasts</a:t>
-            </a:r>
-          </a:p>
-          <a:p>
-            <a:pPr algn="ctr"/>
-            <a:r>
-              <a:rPr lang="en-US" dirty="0"/>
-              <a:t>Items # 5 &amp; 6</a:t>
-            </a:r>
-          </a:p>
-          <a:p>
-            <a:pPr algn="ctr"/>
-            <a:endParaRPr lang="en-US" b="1" dirty="0"/>
+              <a:t>2-way Factorial ANOVA</a:t>
+            </a:r>
+          </a:p>
+          <a:p>
+            <a:pPr algn="ctr"/>
+            <a:r>
+              <a:rPr lang="en-US" i="1" dirty="0"/>
+              <a:t>Lecture slides </a:t>
+            </a:r>
+          </a:p>
+          <a:p>
+            <a:pPr algn="ctr"/>
+            <a:r>
+              <a:rPr lang="en-US" i="1" dirty="0"/>
+              <a:t>(example in separate video)</a:t>
+            </a:r>
           </a:p>
         </p:txBody>
       </p:sp>
@@ -11091,82 +11149,87 @@
           </a:prstGeom>
         </p:spPr>
       </p:pic>
-      <p:sp>
-        <p:nvSpPr>
-          <p:cNvPr id="13" name="TextBox 12"/>
-          <p:cNvSpPr txBox="1"/>
-          <p:nvPr/>
-        </p:nvSpPr>
-        <p:spPr>
-          <a:xfrm>
-            <a:off x="2023324" y="3965983"/>
-            <a:ext cx="5005769" cy="1200329"/>
-          </a:xfrm>
-          <a:prstGeom prst="rect">
-            <a:avLst/>
-          </a:prstGeom>
-          <a:noFill/>
-        </p:spPr>
-        <p:txBody>
-          <a:bodyPr wrap="square" rtlCol="0">
-            <a:spAutoFit/>
-          </a:bodyPr>
-          <a:lstStyle/>
-          <a:p>
-            <a:pPr algn="ctr"/>
-            <a:r>
-              <a:rPr lang="en-US" dirty="0"/>
-              <a:t>HW 12 </a:t>
-            </a:r>
-          </a:p>
-          <a:p>
-            <a:pPr algn="ctr"/>
-            <a:r>
-              <a:rPr lang="en-US" b="1" u="sng" dirty="0"/>
-              <a:t>One-way, independent groups ANOVA</a:t>
-            </a:r>
-          </a:p>
-          <a:p>
-            <a:pPr algn="ctr"/>
-            <a:r>
-              <a:rPr lang="en-US" dirty="0"/>
-              <a:t>Items with APA methods/results</a:t>
-            </a:r>
-          </a:p>
-          <a:p>
-            <a:pPr algn="ctr"/>
-            <a:endParaRPr lang="en-US" b="1" dirty="0"/>
-          </a:p>
-        </p:txBody>
-      </p:sp>
       <p:pic>
         <p:nvPicPr>
-          <p:cNvPr id="5" name="Picture 4"/>
+          <p:cNvPr id="1026" name="Picture 2" descr="Image result for virus"/>
           <p:cNvPicPr>
-            <a:picLocks noChangeAspect="1"/>
+            <a:picLocks noChangeAspect="1" noChangeArrowheads="1"/>
           </p:cNvPicPr>
           <p:nvPr/>
         </p:nvPicPr>
         <p:blipFill>
-          <a:blip r:embed="rId6"/>
+          <a:blip r:embed="rId6" cstate="print">
+            <a:extLst>
+              <a:ext uri="{28A0092B-C50C-407E-A947-70E740481C1C}">
+                <a14:useLocalDpi xmlns:a14="http://schemas.microsoft.com/office/drawing/2010/main" val="0"/>
+              </a:ext>
+            </a:extLst>
+          </a:blip>
+          <a:srcRect/>
           <a:stretch>
             <a:fillRect/>
           </a:stretch>
         </p:blipFill>
-        <p:spPr>
-          <a:xfrm>
-            <a:off x="1985351" y="4872564"/>
-            <a:ext cx="1853345" cy="853514"/>
-          </a:xfrm>
-          <a:prstGeom prst="rect">
-            <a:avLst/>
-          </a:prstGeom>
+        <p:spPr bwMode="auto">
+          <a:xfrm>
+            <a:off x="1908176" y="4866721"/>
+            <a:ext cx="825034" cy="824421"/>
+          </a:xfrm>
+          <a:prstGeom prst="rect">
+            <a:avLst/>
+          </a:prstGeom>
+          <a:noFill/>
+          <a:extLst>
+            <a:ext uri="{909E8E84-426E-40DD-AFC4-6F175D3DCCD1}">
+              <a14:hiddenFill xmlns:a14="http://schemas.microsoft.com/office/drawing/2010/main">
+                <a:solidFill>
+                  <a:srgbClr val="FFFFFF"/>
+                </a:solidFill>
+              </a14:hiddenFill>
+            </a:ext>
+          </a:extLst>
         </p:spPr>
       </p:pic>
+      <p:sp>
+        <p:nvSpPr>
+          <p:cNvPr id="13" name="TextBox 12"/>
+          <p:cNvSpPr txBox="1"/>
+          <p:nvPr/>
+        </p:nvSpPr>
+        <p:spPr>
+          <a:xfrm>
+            <a:off x="2524444" y="5254195"/>
+            <a:ext cx="1238954" cy="369332"/>
+          </a:xfrm>
+          <a:prstGeom prst="rect">
+            <a:avLst/>
+          </a:prstGeom>
+          <a:noFill/>
+        </p:spPr>
+        <p:txBody>
+          <a:bodyPr wrap="square" rtlCol="0">
+            <a:spAutoFit/>
+          </a:bodyPr>
+          <a:lstStyle/>
+          <a:p>
+            <a:pPr algn="ctr"/>
+            <a:r>
+              <a:rPr lang="en-US" b="1" dirty="0">
+                <a:solidFill>
+                  <a:schemeClr val="accent1">
+                    <a:lumMod val="75000"/>
+                  </a:schemeClr>
+                </a:solidFill>
+              </a:rPr>
+              <a:t>Covid-19</a:t>
+            </a:r>
+          </a:p>
+        </p:txBody>
+      </p:sp>
     </p:spTree>
     <p:extLst>
       <p:ext uri="{BB962C8B-B14F-4D97-AF65-F5344CB8AC3E}">
-        <p14:creationId xmlns:p14="http://schemas.microsoft.com/office/powerpoint/2010/main" val="636154248"/>
+        <p14:creationId xmlns:p14="http://schemas.microsoft.com/office/powerpoint/2010/main" val="1235567156"/>
       </p:ext>
     </p:extLst>
   </p:cSld>
@@ -11201,7 +11264,7 @@
         </p:nvSpPr>
         <p:spPr>
           <a:xfrm>
-            <a:off x="1808702" y="824230"/>
+            <a:off x="1853580" y="824230"/>
             <a:ext cx="8778240" cy="5010912"/>
           </a:xfrm>
           <a:prstGeom prst="rect">
@@ -11247,7 +11310,7 @@
         </p:nvSpPr>
         <p:spPr>
           <a:xfrm>
-            <a:off x="4184694" y="1065121"/>
+            <a:off x="3838696" y="1056832"/>
             <a:ext cx="5712369" cy="1754326"/>
           </a:xfrm>
           <a:prstGeom prst="rect">
@@ -11263,7 +11326,13 @@
           <a:p>
             <a:r>
               <a:rPr lang="en-US" sz="5400" dirty="0"/>
-              <a:t>OUT-OF-CLASS LECTURES</a:t>
+              <a:t>Virtual </a:t>
+            </a:r>
+          </a:p>
+          <a:p>
+            <a:r>
+              <a:rPr lang="en-US" sz="5400" dirty="0"/>
+              <a:t>Office Hours</a:t>
             </a:r>
           </a:p>
         </p:txBody>
@@ -11293,7 +11362,7 @@
             <a:pPr algn="ctr"/>
             <a:r>
               <a:rPr lang="en-US" dirty="0"/>
-              <a:t>March 23, 2020</a:t>
+              <a:t>March 25, 2020</a:t>
             </a:r>
           </a:p>
         </p:txBody>
@@ -11306,8 +11375,8 @@
         </p:nvSpPr>
         <p:spPr>
           <a:xfrm>
-            <a:off x="2035110" y="3043759"/>
-            <a:ext cx="5005769" cy="1477328"/>
+            <a:off x="2023325" y="2848397"/>
+            <a:ext cx="5005769" cy="1200329"/>
           </a:xfrm>
           <a:prstGeom prst="rect">
             <a:avLst/>
@@ -11323,52 +11392,26 @@
             <a:pPr algn="ctr"/>
             <a:r>
               <a:rPr lang="en-US" dirty="0"/>
-              <a:t>Chapter 13</a:t>
+              <a:t>HW 13 </a:t>
             </a:r>
           </a:p>
           <a:p>
             <a:pPr algn="ctr"/>
             <a:r>
               <a:rPr lang="en-US" b="1" u="sng" dirty="0"/>
-              <a:t>Multiple Comparisons Procedures</a:t>
-            </a:r>
-          </a:p>
-          <a:p>
-            <a:pPr algn="ctr"/>
-            <a:r>
-              <a:rPr lang="en-US" i="1" dirty="0"/>
-              <a:t>Lecture slides, part 2 of 2</a:t>
-            </a:r>
-          </a:p>
-          <a:p>
-            <a:pPr algn="ctr"/>
-            <a:r>
-              <a:rPr lang="en-US" i="1" dirty="0"/>
-              <a:t>Includes example in R (</a:t>
-            </a:r>
-            <a:r>
-              <a:rPr lang="en-US" i="1" dirty="0" err="1"/>
-              <a:t>afex</a:t>
-            </a:r>
-            <a:r>
-              <a:rPr lang="en-US" i="1" dirty="0"/>
-              <a:t> &amp; </a:t>
-            </a:r>
-            <a:r>
-              <a:rPr lang="en-US" i="1" dirty="0" err="1"/>
-              <a:t>emmeans</a:t>
-            </a:r>
-            <a:r>
-              <a:rPr lang="en-US" i="1" dirty="0"/>
-              <a:t>)</a:t>
-            </a:r>
-          </a:p>
-          <a:p>
-            <a:pPr algn="ctr"/>
-            <a:r>
-              <a:rPr lang="en-US" i="1" dirty="0"/>
-              <a:t>linear contrast statements: by hand and code</a:t>
-            </a:r>
+              <a:t>Multiple Comparisons: pairwise &amp; linear contrasts</a:t>
+            </a:r>
+          </a:p>
+          <a:p>
+            <a:pPr algn="ctr"/>
+            <a:r>
+              <a:rPr lang="en-US" dirty="0"/>
+              <a:t>Items # 5 &amp; 6</a:t>
+            </a:r>
+          </a:p>
+          <a:p>
+            <a:pPr algn="ctr"/>
+            <a:endParaRPr lang="en-US" b="1" dirty="0"/>
           </a:p>
         </p:txBody>
       </p:sp>
@@ -11507,102 +11550,82 @@
           </a:prstGeom>
         </p:spPr>
       </p:pic>
-      <p:grpSp>
-        <p:nvGrpSpPr>
-          <p:cNvPr id="5" name="Group 4"/>
-          <p:cNvGrpSpPr/>
-          <p:nvPr/>
-        </p:nvGrpSpPr>
-        <p:grpSpPr>
-          <a:xfrm>
-            <a:off x="1908176" y="4866721"/>
-            <a:ext cx="1855222" cy="824421"/>
-            <a:chOff x="1908176" y="4866721"/>
-            <a:chExt cx="1855222" cy="824421"/>
-          </a:xfrm>
-        </p:grpSpPr>
-        <p:pic>
-          <p:nvPicPr>
-            <p:cNvPr id="1026" name="Picture 2" descr="Image result for virus"/>
-            <p:cNvPicPr>
-              <a:picLocks noChangeAspect="1" noChangeArrowheads="1"/>
-            </p:cNvPicPr>
-            <p:nvPr/>
-          </p:nvPicPr>
-          <p:blipFill>
-            <a:blip r:embed="rId6" cstate="print">
-              <a:extLst>
-                <a:ext uri="{28A0092B-C50C-407E-A947-70E740481C1C}">
-                  <a14:useLocalDpi xmlns:a14="http://schemas.microsoft.com/office/drawing/2010/main" val="0"/>
-                </a:ext>
-              </a:extLst>
-            </a:blip>
-            <a:srcRect/>
-            <a:stretch>
-              <a:fillRect/>
-            </a:stretch>
-          </p:blipFill>
-          <p:spPr bwMode="auto">
-            <a:xfrm>
-              <a:off x="1908176" y="4866721"/>
-              <a:ext cx="825034" cy="824421"/>
-            </a:xfrm>
-            <a:prstGeom prst="rect">
-              <a:avLst/>
-            </a:prstGeom>
-            <a:noFill/>
-            <a:extLst>
-              <a:ext uri="{909E8E84-426E-40DD-AFC4-6F175D3DCCD1}">
-                <a14:hiddenFill xmlns:a14="http://schemas.microsoft.com/office/drawing/2010/main">
-                  <a:solidFill>
-                    <a:srgbClr val="FFFFFF"/>
-                  </a:solidFill>
-                </a14:hiddenFill>
-              </a:ext>
-            </a:extLst>
-          </p:spPr>
-        </p:pic>
-        <p:sp>
-          <p:nvSpPr>
-            <p:cNvPr id="13" name="TextBox 12"/>
-            <p:cNvSpPr txBox="1"/>
-            <p:nvPr/>
-          </p:nvSpPr>
-          <p:spPr>
-            <a:xfrm>
-              <a:off x="2524444" y="5254195"/>
-              <a:ext cx="1238954" cy="369332"/>
-            </a:xfrm>
-            <a:prstGeom prst="rect">
-              <a:avLst/>
-            </a:prstGeom>
-            <a:noFill/>
-          </p:spPr>
-          <p:txBody>
-            <a:bodyPr wrap="square" rtlCol="0">
-              <a:spAutoFit/>
-            </a:bodyPr>
-            <a:lstStyle/>
-            <a:p>
-              <a:pPr algn="ctr"/>
-              <a:r>
-                <a:rPr lang="en-US" b="1" dirty="0">
-                  <a:solidFill>
-                    <a:schemeClr val="accent1">
-                      <a:lumMod val="75000"/>
-                    </a:schemeClr>
-                  </a:solidFill>
-                </a:rPr>
-                <a:t>Covid-19</a:t>
-              </a:r>
-            </a:p>
-          </p:txBody>
-        </p:sp>
-      </p:grpSp>
+      <p:sp>
+        <p:nvSpPr>
+          <p:cNvPr id="13" name="TextBox 12"/>
+          <p:cNvSpPr txBox="1"/>
+          <p:nvPr/>
+        </p:nvSpPr>
+        <p:spPr>
+          <a:xfrm>
+            <a:off x="2023324" y="3965983"/>
+            <a:ext cx="5005769" cy="1200329"/>
+          </a:xfrm>
+          <a:prstGeom prst="rect">
+            <a:avLst/>
+          </a:prstGeom>
+          <a:noFill/>
+        </p:spPr>
+        <p:txBody>
+          <a:bodyPr wrap="square" rtlCol="0">
+            <a:spAutoFit/>
+          </a:bodyPr>
+          <a:lstStyle/>
+          <a:p>
+            <a:pPr algn="ctr"/>
+            <a:r>
+              <a:rPr lang="en-US" dirty="0"/>
+              <a:t>HW 12 </a:t>
+            </a:r>
+          </a:p>
+          <a:p>
+            <a:pPr algn="ctr"/>
+            <a:r>
+              <a:rPr lang="en-US" b="1" u="sng" dirty="0"/>
+              <a:t>One-way, independent groups ANOVA</a:t>
+            </a:r>
+          </a:p>
+          <a:p>
+            <a:pPr algn="ctr"/>
+            <a:r>
+              <a:rPr lang="en-US" dirty="0"/>
+              <a:t>Items with APA methods/results</a:t>
+            </a:r>
+          </a:p>
+          <a:p>
+            <a:pPr algn="ctr"/>
+            <a:endParaRPr lang="en-US" b="1" dirty="0"/>
+          </a:p>
+        </p:txBody>
+      </p:sp>
+      <p:pic>
+        <p:nvPicPr>
+          <p:cNvPr id="5" name="Picture 4"/>
+          <p:cNvPicPr>
+            <a:picLocks noChangeAspect="1"/>
+          </p:cNvPicPr>
+          <p:nvPr/>
+        </p:nvPicPr>
+        <p:blipFill>
+          <a:blip r:embed="rId6"/>
+          <a:stretch>
+            <a:fillRect/>
+          </a:stretch>
+        </p:blipFill>
+        <p:spPr>
+          <a:xfrm>
+            <a:off x="1985351" y="4872564"/>
+            <a:ext cx="1853345" cy="853514"/>
+          </a:xfrm>
+          <a:prstGeom prst="rect">
+            <a:avLst/>
+          </a:prstGeom>
+        </p:spPr>
+      </p:pic>
     </p:spTree>
     <p:extLst>
       <p:ext uri="{BB962C8B-B14F-4D97-AF65-F5344CB8AC3E}">
-        <p14:creationId xmlns:p14="http://schemas.microsoft.com/office/powerpoint/2010/main" val="3788962138"/>
+        <p14:creationId xmlns:p14="http://schemas.microsoft.com/office/powerpoint/2010/main" val="636154248"/>
       </p:ext>
     </p:extLst>
   </p:cSld>
@@ -11743,7 +11766,7 @@
         <p:spPr>
           <a:xfrm>
             <a:off x="2035110" y="3043759"/>
-            <a:ext cx="5005769" cy="1200329"/>
+            <a:ext cx="5005769" cy="1477328"/>
           </a:xfrm>
           <a:prstGeom prst="rect">
             <a:avLst/>
@@ -11773,14 +11796,37 @@
             <a:pPr algn="ctr"/>
             <a:r>
               <a:rPr lang="en-US" i="1" dirty="0"/>
-              <a:t>Lecture slides </a:t>
+              <a:t>Lecture slides, part 2 of 2</a:t>
             </a:r>
           </a:p>
           <a:p>
             <a:pPr algn="ctr"/>
             <a:r>
               <a:rPr lang="en-US" i="1" dirty="0"/>
-              <a:t>(excludes linear contrast statements)</a:t>
+              <a:t>Includes example in R (</a:t>
+            </a:r>
+            <a:r>
+              <a:rPr lang="en-US" i="1" dirty="0" err="1"/>
+              <a:t>afex</a:t>
+            </a:r>
+            <a:r>
+              <a:rPr lang="en-US" i="1" dirty="0"/>
+              <a:t> &amp; </a:t>
+            </a:r>
+            <a:r>
+              <a:rPr lang="en-US" i="1" dirty="0" err="1"/>
+              <a:t>emmeans</a:t>
+            </a:r>
+            <a:r>
+              <a:rPr lang="en-US" i="1" dirty="0"/>
+              <a:t>)</a:t>
+            </a:r>
+          </a:p>
+          <a:p>
+            <a:pPr algn="ctr"/>
+            <a:r>
+              <a:rPr lang="en-US" i="1" dirty="0"/>
+              <a:t>linear contrast statements: by hand and code</a:t>
             </a:r>
           </a:p>
         </p:txBody>
@@ -11920,87 +11966,102 @@
           </a:prstGeom>
         </p:spPr>
       </p:pic>
-      <p:pic>
-        <p:nvPicPr>
-          <p:cNvPr id="1026" name="Picture 2" descr="Image result for virus"/>
-          <p:cNvPicPr>
-            <a:picLocks noChangeAspect="1" noChangeArrowheads="1"/>
-          </p:cNvPicPr>
-          <p:nvPr/>
-        </p:nvPicPr>
-        <p:blipFill>
-          <a:blip r:embed="rId6" cstate="print">
+      <p:grpSp>
+        <p:nvGrpSpPr>
+          <p:cNvPr id="5" name="Group 4"/>
+          <p:cNvGrpSpPr/>
+          <p:nvPr/>
+        </p:nvGrpSpPr>
+        <p:grpSpPr>
+          <a:xfrm>
+            <a:off x="1908176" y="4866721"/>
+            <a:ext cx="1855222" cy="824421"/>
+            <a:chOff x="1908176" y="4866721"/>
+            <a:chExt cx="1855222" cy="824421"/>
+          </a:xfrm>
+        </p:grpSpPr>
+        <p:pic>
+          <p:nvPicPr>
+            <p:cNvPr id="1026" name="Picture 2" descr="Image result for virus"/>
+            <p:cNvPicPr>
+              <a:picLocks noChangeAspect="1" noChangeArrowheads="1"/>
+            </p:cNvPicPr>
+            <p:nvPr/>
+          </p:nvPicPr>
+          <p:blipFill>
+            <a:blip r:embed="rId6" cstate="print">
+              <a:extLst>
+                <a:ext uri="{28A0092B-C50C-407E-A947-70E740481C1C}">
+                  <a14:useLocalDpi xmlns:a14="http://schemas.microsoft.com/office/drawing/2010/main" val="0"/>
+                </a:ext>
+              </a:extLst>
+            </a:blip>
+            <a:srcRect/>
+            <a:stretch>
+              <a:fillRect/>
+            </a:stretch>
+          </p:blipFill>
+          <p:spPr bwMode="auto">
+            <a:xfrm>
+              <a:off x="1908176" y="4866721"/>
+              <a:ext cx="825034" cy="824421"/>
+            </a:xfrm>
+            <a:prstGeom prst="rect">
+              <a:avLst/>
+            </a:prstGeom>
+            <a:noFill/>
             <a:extLst>
-              <a:ext uri="{28A0092B-C50C-407E-A947-70E740481C1C}">
-                <a14:useLocalDpi xmlns:a14="http://schemas.microsoft.com/office/drawing/2010/main" val="0"/>
+              <a:ext uri="{909E8E84-426E-40DD-AFC4-6F175D3DCCD1}">
+                <a14:hiddenFill xmlns:a14="http://schemas.microsoft.com/office/drawing/2010/main">
+                  <a:solidFill>
+                    <a:srgbClr val="FFFFFF"/>
+                  </a:solidFill>
+                </a14:hiddenFill>
               </a:ext>
             </a:extLst>
-          </a:blip>
-          <a:srcRect/>
-          <a:stretch>
-            <a:fillRect/>
-          </a:stretch>
-        </p:blipFill>
-        <p:spPr bwMode="auto">
-          <a:xfrm>
-            <a:off x="1908176" y="4866721"/>
-            <a:ext cx="825034" cy="824421"/>
-          </a:xfrm>
-          <a:prstGeom prst="rect">
-            <a:avLst/>
-          </a:prstGeom>
-          <a:noFill/>
-          <a:extLst>
-            <a:ext uri="{909E8E84-426E-40DD-AFC4-6F175D3DCCD1}">
-              <a14:hiddenFill xmlns:a14="http://schemas.microsoft.com/office/drawing/2010/main">
-                <a:solidFill>
-                  <a:srgbClr val="FFFFFF"/>
-                </a:solidFill>
-              </a14:hiddenFill>
-            </a:ext>
-          </a:extLst>
-        </p:spPr>
-      </p:pic>
-      <p:sp>
-        <p:nvSpPr>
-          <p:cNvPr id="13" name="TextBox 12"/>
-          <p:cNvSpPr txBox="1"/>
-          <p:nvPr/>
-        </p:nvSpPr>
-        <p:spPr>
-          <a:xfrm>
-            <a:off x="2524444" y="5254195"/>
-            <a:ext cx="1238954" cy="369332"/>
-          </a:xfrm>
-          <a:prstGeom prst="rect">
-            <a:avLst/>
-          </a:prstGeom>
-          <a:noFill/>
-        </p:spPr>
-        <p:txBody>
-          <a:bodyPr wrap="square" rtlCol="0">
-            <a:spAutoFit/>
-          </a:bodyPr>
-          <a:lstStyle/>
-          <a:p>
-            <a:pPr algn="ctr"/>
-            <a:r>
-              <a:rPr lang="en-US" b="1" dirty="0">
-                <a:solidFill>
-                  <a:schemeClr val="accent1">
-                    <a:lumMod val="75000"/>
-                  </a:schemeClr>
-                </a:solidFill>
-              </a:rPr>
-              <a:t>Covid-19</a:t>
-            </a:r>
-          </a:p>
-        </p:txBody>
-      </p:sp>
+          </p:spPr>
+        </p:pic>
+        <p:sp>
+          <p:nvSpPr>
+            <p:cNvPr id="13" name="TextBox 12"/>
+            <p:cNvSpPr txBox="1"/>
+            <p:nvPr/>
+          </p:nvSpPr>
+          <p:spPr>
+            <a:xfrm>
+              <a:off x="2524444" y="5254195"/>
+              <a:ext cx="1238954" cy="369332"/>
+            </a:xfrm>
+            <a:prstGeom prst="rect">
+              <a:avLst/>
+            </a:prstGeom>
+            <a:noFill/>
+          </p:spPr>
+          <p:txBody>
+            <a:bodyPr wrap="square" rtlCol="0">
+              <a:spAutoFit/>
+            </a:bodyPr>
+            <a:lstStyle/>
+            <a:p>
+              <a:pPr algn="ctr"/>
+              <a:r>
+                <a:rPr lang="en-US" b="1" dirty="0">
+                  <a:solidFill>
+                    <a:schemeClr val="accent1">
+                      <a:lumMod val="75000"/>
+                    </a:schemeClr>
+                  </a:solidFill>
+                </a:rPr>
+                <a:t>Covid-19</a:t>
+              </a:r>
+            </a:p>
+          </p:txBody>
+        </p:sp>
+      </p:grpSp>
     </p:spTree>
     <p:extLst>
       <p:ext uri="{BB962C8B-B14F-4D97-AF65-F5344CB8AC3E}">
-        <p14:creationId xmlns:p14="http://schemas.microsoft.com/office/powerpoint/2010/main" val="911328323"/>
+        <p14:creationId xmlns:p14="http://schemas.microsoft.com/office/powerpoint/2010/main" val="3788962138"/>
       </p:ext>
     </p:extLst>
   </p:cSld>
@@ -12081,7 +12142,7 @@
         </p:nvSpPr>
         <p:spPr>
           <a:xfrm>
-            <a:off x="4003824" y="1483154"/>
+            <a:off x="4184694" y="1065121"/>
             <a:ext cx="5712369" cy="1754326"/>
           </a:xfrm>
           <a:prstGeom prst="rect">
@@ -12097,13 +12158,7 @@
           <a:p>
             <a:r>
               <a:rPr lang="en-US" sz="5400" dirty="0"/>
-              <a:t>HOMEWORK</a:t>
-            </a:r>
-          </a:p>
-          <a:p>
-            <a:r>
-              <a:rPr lang="en-US" sz="5400" dirty="0"/>
-              <a:t>HELP</a:t>
+              <a:t>OUT-OF-CLASS LECTURES</a:t>
             </a:r>
           </a:p>
         </p:txBody>
@@ -12133,7 +12188,7 @@
             <a:pPr algn="ctr"/>
             <a:r>
               <a:rPr lang="en-US" dirty="0"/>
-              <a:t>Jan. 24, 2020</a:t>
+              <a:t>March 23, 2020</a:t>
             </a:r>
           </a:p>
         </p:txBody>
@@ -12146,7 +12201,7 @@
         </p:nvSpPr>
         <p:spPr>
           <a:xfrm>
-            <a:off x="2000886" y="3743671"/>
+            <a:off x="2035110" y="3043759"/>
             <a:ext cx="5005769" cy="1200329"/>
           </a:xfrm>
           <a:prstGeom prst="rect">
@@ -12163,34 +12218,29 @@
             <a:pPr algn="ctr"/>
             <a:r>
               <a:rPr lang="en-US" dirty="0"/>
-              <a:t>Chapter 4</a:t>
+              <a:t>Chapter 13</a:t>
             </a:r>
           </a:p>
           <a:p>
             <a:pPr algn="ctr"/>
             <a:r>
               <a:rPr lang="en-US" b="1" u="sng" dirty="0"/>
-              <a:t>Standardized Scores &amp; the Normal Distribution</a:t>
-            </a:r>
-          </a:p>
-          <a:p>
-            <a:pPr algn="ctr"/>
-            <a:r>
-              <a:rPr lang="en-US" b="1" dirty="0"/>
-              <a:t>4B #6: IQ (mu = 100, </a:t>
-            </a:r>
-            <a:r>
-              <a:rPr lang="en-US" b="1" dirty="0" err="1"/>
-              <a:t>sd</a:t>
-            </a:r>
-            <a:r>
-              <a:rPr lang="en-US" b="1" dirty="0"/>
-              <a:t>=15) -&gt; sample w/M = 108</a:t>
-            </a:r>
-          </a:p>
-          <a:p>
-            <a:pPr algn="ctr"/>
-            <a:endParaRPr lang="en-US" b="1" dirty="0"/>
+              <a:t>Multiple Comparisons Procedures</a:t>
+            </a:r>
+          </a:p>
+          <a:p>
+            <a:pPr algn="ctr"/>
+            <a:r>
+              <a:rPr lang="en-US" i="1" dirty="0"/>
+              <a:t>Lecture slides </a:t>
+            </a:r>
+          </a:p>
+          <a:p>
+            <a:pPr algn="ctr"/>
+            <a:r>
+              <a:rPr lang="en-US" i="1" dirty="0"/>
+              <a:t>(excludes linear contrast statements)</a:t>
+            </a:r>
           </a:p>
         </p:txBody>
       </p:sp>
@@ -12329,10 +12379,87 @@
           </a:prstGeom>
         </p:spPr>
       </p:pic>
+      <p:pic>
+        <p:nvPicPr>
+          <p:cNvPr id="1026" name="Picture 2" descr="Image result for virus"/>
+          <p:cNvPicPr>
+            <a:picLocks noChangeAspect="1" noChangeArrowheads="1"/>
+          </p:cNvPicPr>
+          <p:nvPr/>
+        </p:nvPicPr>
+        <p:blipFill>
+          <a:blip r:embed="rId6" cstate="print">
+            <a:extLst>
+              <a:ext uri="{28A0092B-C50C-407E-A947-70E740481C1C}">
+                <a14:useLocalDpi xmlns:a14="http://schemas.microsoft.com/office/drawing/2010/main" val="0"/>
+              </a:ext>
+            </a:extLst>
+          </a:blip>
+          <a:srcRect/>
+          <a:stretch>
+            <a:fillRect/>
+          </a:stretch>
+        </p:blipFill>
+        <p:spPr bwMode="auto">
+          <a:xfrm>
+            <a:off x="1908176" y="4866721"/>
+            <a:ext cx="825034" cy="824421"/>
+          </a:xfrm>
+          <a:prstGeom prst="rect">
+            <a:avLst/>
+          </a:prstGeom>
+          <a:noFill/>
+          <a:extLst>
+            <a:ext uri="{909E8E84-426E-40DD-AFC4-6F175D3DCCD1}">
+              <a14:hiddenFill xmlns:a14="http://schemas.microsoft.com/office/drawing/2010/main">
+                <a:solidFill>
+                  <a:srgbClr val="FFFFFF"/>
+                </a:solidFill>
+              </a14:hiddenFill>
+            </a:ext>
+          </a:extLst>
+        </p:spPr>
+      </p:pic>
+      <p:sp>
+        <p:nvSpPr>
+          <p:cNvPr id="13" name="TextBox 12"/>
+          <p:cNvSpPr txBox="1"/>
+          <p:nvPr/>
+        </p:nvSpPr>
+        <p:spPr>
+          <a:xfrm>
+            <a:off x="2524444" y="5254195"/>
+            <a:ext cx="1238954" cy="369332"/>
+          </a:xfrm>
+          <a:prstGeom prst="rect">
+            <a:avLst/>
+          </a:prstGeom>
+          <a:noFill/>
+        </p:spPr>
+        <p:txBody>
+          <a:bodyPr wrap="square" rtlCol="0">
+            <a:spAutoFit/>
+          </a:bodyPr>
+          <a:lstStyle/>
+          <a:p>
+            <a:pPr algn="ctr"/>
+            <a:r>
+              <a:rPr lang="en-US" b="1" dirty="0">
+                <a:solidFill>
+                  <a:schemeClr val="accent1">
+                    <a:lumMod val="75000"/>
+                  </a:schemeClr>
+                </a:solidFill>
+              </a:rPr>
+              <a:t>Covid-19</a:t>
+            </a:r>
+          </a:p>
+        </p:txBody>
+      </p:sp>
     </p:spTree>
     <p:extLst>
       <p:ext uri="{BB962C8B-B14F-4D97-AF65-F5344CB8AC3E}">
-        <p14:creationId xmlns:p14="http://schemas.microsoft.com/office/powerpoint/2010/main" val="3542266102"/>
+        <p14:creationId xmlns:p14="http://schemas.microsoft.com/office/powerpoint/2010/main" val="911328323"/>
       </p:ext>
     </p:extLst>
   </p:cSld>
@@ -12407,14 +12534,14 @@
       </p:sp>
       <p:sp>
         <p:nvSpPr>
-          <p:cNvPr id="8" name="TextBox 7"/>
+          <p:cNvPr id="7" name="TextBox 6"/>
           <p:cNvSpPr txBox="1"/>
           <p:nvPr/>
         </p:nvSpPr>
         <p:spPr>
           <a:xfrm>
-            <a:off x="7731444" y="5278932"/>
-            <a:ext cx="2076450" cy="369332"/>
+            <a:off x="3840385" y="1213849"/>
+            <a:ext cx="5712369" cy="923330"/>
           </a:xfrm>
           <a:prstGeom prst="rect">
             <a:avLst/>
@@ -12427,32 +12554,23 @@
           </a:bodyPr>
           <a:lstStyle/>
           <a:p>
-            <a:pPr algn="ctr"/>
-            <a:r>
-              <a:rPr lang="en-US" dirty="0"/>
-              <a:t>May </a:t>
-            </a:r>
-            <a:r>
-              <a:rPr lang="en-US" dirty="0" smtClean="0"/>
-              <a:t>11, </a:t>
-            </a:r>
-            <a:r>
-              <a:rPr lang="en-US" dirty="0"/>
-              <a:t>2020</a:t>
-            </a:r>
-          </a:p>
-        </p:txBody>
-      </p:sp>
-      <p:sp>
-        <p:nvSpPr>
-          <p:cNvPr id="9" name="TextBox 8"/>
+            <a:r>
+              <a:rPr lang="en-US" sz="5400" dirty="0"/>
+              <a:t>INCLASS LECTURES</a:t>
+            </a:r>
+          </a:p>
+        </p:txBody>
+      </p:sp>
+      <p:sp>
+        <p:nvSpPr>
+          <p:cNvPr id="8" name="TextBox 7"/>
           <p:cNvSpPr txBox="1"/>
           <p:nvPr/>
         </p:nvSpPr>
         <p:spPr>
           <a:xfrm>
-            <a:off x="2639881" y="3325287"/>
-            <a:ext cx="5005769" cy="923330"/>
+            <a:off x="7731444" y="5278932"/>
+            <a:ext cx="2076450" cy="369332"/>
           </a:xfrm>
           <a:prstGeom prst="rect">
             <a:avLst/>
@@ -12467,29 +12585,57 @@
           <a:p>
             <a:pPr algn="ctr"/>
             <a:r>
-              <a:rPr lang="en-US" dirty="0" smtClean="0"/>
-              <a:t>HW_04, section C</a:t>
-            </a:r>
-            <a:endParaRPr lang="en-US" dirty="0"/>
+              <a:rPr lang="en-US" dirty="0"/>
+              <a:t>May 13, 2020</a:t>
+            </a:r>
+          </a:p>
+        </p:txBody>
+      </p:sp>
+      <p:sp>
+        <p:nvSpPr>
+          <p:cNvPr id="9" name="TextBox 8"/>
+          <p:cNvSpPr txBox="1"/>
+          <p:nvPr/>
+        </p:nvSpPr>
+        <p:spPr>
+          <a:xfrm>
+            <a:off x="3506996" y="2465382"/>
+            <a:ext cx="5005769" cy="1200329"/>
+          </a:xfrm>
+          <a:prstGeom prst="rect">
+            <a:avLst/>
+          </a:prstGeom>
+          <a:noFill/>
+        </p:spPr>
+        <p:txBody>
+          <a:bodyPr wrap="square" rtlCol="0">
+            <a:spAutoFit/>
+          </a:bodyPr>
+          <a:lstStyle/>
+          <a:p>
+            <a:pPr algn="ctr"/>
+            <a:r>
+              <a:rPr lang="en-US" dirty="0"/>
+              <a:t>Chapter 5</a:t>
+            </a:r>
           </a:p>
           <a:p>
             <a:pPr algn="ctr"/>
             <a:r>
               <a:rPr lang="en-US" b="1" u="sng" dirty="0"/>
-              <a:t>Standardized </a:t>
-            </a:r>
-            <a:r>
-              <a:rPr lang="en-US" b="1" u="sng" dirty="0" smtClean="0"/>
-              <a:t>Scores</a:t>
-            </a:r>
-          </a:p>
-          <a:p>
-            <a:pPr algn="ctr"/>
-            <a:r>
-              <a:rPr lang="en-US" i="1" dirty="0" smtClean="0"/>
-              <a:t>Calculate z-scores</a:t>
-            </a:r>
-            <a:endParaRPr lang="en-US" i="1" dirty="0"/>
+              <a:t>Intro to Hypothesis Testing</a:t>
+            </a:r>
+          </a:p>
+          <a:p>
+            <a:pPr algn="ctr"/>
+            <a:r>
+              <a:rPr lang="en-US" i="1" dirty="0"/>
+              <a:t>1-sample z-Test for a Mean</a:t>
+            </a:r>
+          </a:p>
+          <a:p>
+            <a:pPr algn="ctr"/>
+            <a:endParaRPr lang="en-US" b="1" u="sng" dirty="0"/>
           </a:p>
         </p:txBody>
       </p:sp>
@@ -12760,29 +12906,21 @@
           <a:p>
             <a:r>
               <a:rPr lang="en-US" dirty="0"/>
-              <a:t>After Day </a:t>
-            </a:r>
-            <a:r>
-              <a:rPr lang="en-US" dirty="0" smtClean="0"/>
-              <a:t>3 </a:t>
-            </a:r>
-            <a:r>
-              <a:rPr lang="en-US" dirty="0"/>
-              <a:t>of 13</a:t>
-            </a:r>
-          </a:p>
-        </p:txBody>
-      </p:sp>
-      <p:sp>
-        <p:nvSpPr>
-          <p:cNvPr id="16" name="TextBox 15"/>
+              <a:t>Day 4 of 13</a:t>
+            </a:r>
+          </a:p>
+        </p:txBody>
+      </p:sp>
+      <p:sp>
+        <p:nvSpPr>
+          <p:cNvPr id="15" name="TextBox 14"/>
           <p:cNvSpPr txBox="1"/>
           <p:nvPr/>
         </p:nvSpPr>
         <p:spPr>
           <a:xfrm>
-            <a:off x="4184694" y="1065121"/>
-            <a:ext cx="5712369" cy="1754326"/>
+            <a:off x="2035110" y="3429000"/>
+            <a:ext cx="5005769" cy="923330"/>
           </a:xfrm>
           <a:prstGeom prst="rect">
             <a:avLst/>
@@ -12795,9 +12933,24 @@
           </a:bodyPr>
           <a:lstStyle/>
           <a:p>
-            <a:r>
-              <a:rPr lang="en-US" sz="5400" dirty="0"/>
-              <a:t>OUT-OF-CLASS LECTURES</a:t>
+            <a:pPr algn="ctr"/>
+            <a:r>
+              <a:rPr lang="en-US" dirty="0"/>
+              <a:t>Chapter 6</a:t>
+            </a:r>
+          </a:p>
+          <a:p>
+            <a:pPr algn="ctr"/>
+            <a:r>
+              <a:rPr lang="en-US" b="1" u="sng" dirty="0"/>
+              <a:t>Confidence Interval Estimation</a:t>
+            </a:r>
+          </a:p>
+          <a:p>
+            <a:pPr algn="ctr"/>
+            <a:r>
+              <a:rPr lang="en-US" i="1" dirty="0"/>
+              <a:t>1-sample t-Test for a Mean</a:t>
             </a:r>
           </a:p>
         </p:txBody>
@@ -12805,7 +12958,7 @@
     </p:spTree>
     <p:extLst>
       <p:ext uri="{BB962C8B-B14F-4D97-AF65-F5344CB8AC3E}">
-        <p14:creationId xmlns:p14="http://schemas.microsoft.com/office/powerpoint/2010/main" val="4088571183"/>
+        <p14:creationId xmlns:p14="http://schemas.microsoft.com/office/powerpoint/2010/main" val="1965765169"/>
       </p:ext>
     </p:extLst>
   </p:cSld>
@@ -12902,7 +13055,13 @@
           <a:p>
             <a:r>
               <a:rPr lang="en-US" sz="5400" dirty="0"/>
-              <a:t>OUT-OF-CLASS LECTURES</a:t>
+              <a:t>HOMEWORK</a:t>
+            </a:r>
+          </a:p>
+          <a:p>
+            <a:r>
+              <a:rPr lang="en-US" sz="5400" dirty="0"/>
+              <a:t>HELP</a:t>
             </a:r>
           </a:p>
         </p:txBody>
@@ -12946,7 +13105,7 @@
         <p:spPr>
           <a:xfrm>
             <a:off x="2000886" y="3743671"/>
-            <a:ext cx="5005769" cy="923330"/>
+            <a:ext cx="5005769" cy="1200329"/>
           </a:xfrm>
           <a:prstGeom prst="rect">
             <a:avLst/>
@@ -12975,9 +13134,21 @@
           <a:p>
             <a:pPr algn="ctr"/>
             <a:r>
-              <a:rPr lang="en-US" i="1" dirty="0"/>
-              <a:t>Lecture Slide Examples Worked</a:t>
-            </a:r>
+              <a:rPr lang="en-US" b="1" dirty="0"/>
+              <a:t>4B #6: IQ (mu = 100, </a:t>
+            </a:r>
+            <a:r>
+              <a:rPr lang="en-US" b="1" dirty="0" err="1"/>
+              <a:t>sd</a:t>
+            </a:r>
+            <a:r>
+              <a:rPr lang="en-US" b="1" dirty="0"/>
+              <a:t>=15) -&gt; sample w/M = 108</a:t>
+            </a:r>
+          </a:p>
+          <a:p>
+            <a:pPr algn="ctr"/>
+            <a:endParaRPr lang="en-US" b="1" dirty="0"/>
           </a:p>
         </p:txBody>
       </p:sp>
@@ -13119,7 +13290,7 @@
     </p:spTree>
     <p:extLst>
       <p:ext uri="{BB962C8B-B14F-4D97-AF65-F5344CB8AC3E}">
-        <p14:creationId xmlns:p14="http://schemas.microsoft.com/office/powerpoint/2010/main" val="267042058"/>
+        <p14:creationId xmlns:p14="http://schemas.microsoft.com/office/powerpoint/2010/main" val="3542266102"/>
       </p:ext>
     </p:extLst>
   </p:cSld>
@@ -13200,7 +13371,7 @@
         </p:nvSpPr>
         <p:spPr>
           <a:xfrm>
-            <a:off x="4184694" y="1065121"/>
+            <a:off x="4003824" y="1483154"/>
             <a:ext cx="5712369" cy="1754326"/>
           </a:xfrm>
           <a:prstGeom prst="rect">
@@ -13259,8 +13430,8 @@
         </p:nvSpPr>
         <p:spPr>
           <a:xfrm>
-            <a:off x="2035110" y="3043759"/>
-            <a:ext cx="5005769" cy="1200329"/>
+            <a:off x="2000886" y="3743671"/>
+            <a:ext cx="5005769" cy="923330"/>
           </a:xfrm>
           <a:prstGeom prst="rect">
             <a:avLst/>
@@ -13290,14 +13461,7 @@
             <a:pPr algn="ctr"/>
             <a:r>
               <a:rPr lang="en-US" i="1" dirty="0"/>
-              <a:t>Lecture slides 25-43</a:t>
-            </a:r>
-          </a:p>
-          <a:p>
-            <a:pPr algn="ctr"/>
-            <a:r>
-              <a:rPr lang="en-US" i="1" dirty="0"/>
-              <a:t>(Second half)</a:t>
+              <a:t>Lecture Slide Examples Worked</a:t>
             </a:r>
           </a:p>
         </p:txBody>
@@ -13440,7 +13604,7 @@
     </p:spTree>
     <p:extLst>
       <p:ext uri="{BB962C8B-B14F-4D97-AF65-F5344CB8AC3E}">
-        <p14:creationId xmlns:p14="http://schemas.microsoft.com/office/powerpoint/2010/main" val="1429724622"/>
+        <p14:creationId xmlns:p14="http://schemas.microsoft.com/office/powerpoint/2010/main" val="267042058"/>
       </p:ext>
     </p:extLst>
   </p:cSld>
@@ -13521,8 +13685,8 @@
         </p:nvSpPr>
         <p:spPr>
           <a:xfrm>
-            <a:off x="3840385" y="1213849"/>
-            <a:ext cx="5712369" cy="923330"/>
+            <a:off x="4184694" y="1065121"/>
+            <a:ext cx="5712369" cy="1754326"/>
           </a:xfrm>
           <a:prstGeom prst="rect">
             <a:avLst/>
@@ -13537,7 +13701,7 @@
           <a:p>
             <a:r>
               <a:rPr lang="en-US" sz="5400" dirty="0"/>
-              <a:t>INCLASS LECTURES</a:t>
+              <a:t>OUT-OF-CLASS LECTURES</a:t>
             </a:r>
           </a:p>
         </p:txBody>
@@ -13567,7 +13731,7 @@
             <a:pPr algn="ctr"/>
             <a:r>
               <a:rPr lang="en-US" dirty="0"/>
-              <a:t>March 11, 2020</a:t>
+              <a:t>Jan. 24, 2020</a:t>
             </a:r>
           </a:p>
         </p:txBody>
@@ -13580,7 +13744,7 @@
         </p:nvSpPr>
         <p:spPr>
           <a:xfrm>
-            <a:off x="2175358" y="3486436"/>
+            <a:off x="2035110" y="3043759"/>
             <a:ext cx="5005769" cy="1200329"/>
           </a:xfrm>
           <a:prstGeom prst="rect">
@@ -13597,29 +13761,28 @@
             <a:pPr algn="ctr"/>
             <a:r>
               <a:rPr lang="en-US" dirty="0"/>
-              <a:t>Chapter 12</a:t>
+              <a:t>Chapter 4</a:t>
             </a:r>
           </a:p>
           <a:p>
             <a:pPr algn="ctr"/>
             <a:r>
               <a:rPr lang="en-US" b="1" u="sng" dirty="0"/>
-              <a:t>One-way Independent Groups ANOVA</a:t>
-            </a:r>
-            <a:endParaRPr lang="en-US" dirty="0"/>
+              <a:t>Standardized Scores &amp; the Normal Distribution</a:t>
+            </a:r>
           </a:p>
           <a:p>
             <a:pPr algn="ctr"/>
             <a:r>
               <a:rPr lang="en-US" i="1" dirty="0"/>
-              <a:t>Second half, chapter slides</a:t>
+              <a:t>Lecture slides 25-43</a:t>
             </a:r>
           </a:p>
           <a:p>
             <a:pPr algn="ctr"/>
             <a:r>
               <a:rPr lang="en-US" i="1" dirty="0"/>
-              <a:t>Mostly Examples, Using R, and HW Help</a:t>
+              <a:t>(Second half)</a:t>
             </a:r>
           </a:p>
         </p:txBody>
@@ -13762,7 +13925,7 @@
     </p:spTree>
     <p:extLst>
       <p:ext uri="{BB962C8B-B14F-4D97-AF65-F5344CB8AC3E}">
-        <p14:creationId xmlns:p14="http://schemas.microsoft.com/office/powerpoint/2010/main" val="928580799"/>
+        <p14:creationId xmlns:p14="http://schemas.microsoft.com/office/powerpoint/2010/main" val="1429724622"/>
       </p:ext>
     </p:extLst>
   </p:cSld>
@@ -13889,7 +14052,7 @@
             <a:pPr algn="ctr"/>
             <a:r>
               <a:rPr lang="en-US" dirty="0"/>
-              <a:t>March 9, 2020</a:t>
+              <a:t>March 11, 2020</a:t>
             </a:r>
           </a:p>
         </p:txBody>
@@ -13934,14 +14097,14 @@
             <a:pPr algn="ctr"/>
             <a:r>
               <a:rPr lang="en-US" i="1" dirty="0"/>
-              <a:t>First half, chapter slides</a:t>
+              <a:t>Second half, chapter slides</a:t>
             </a:r>
           </a:p>
           <a:p>
             <a:pPr algn="ctr"/>
             <a:r>
               <a:rPr lang="en-US" i="1" dirty="0"/>
-              <a:t>Mostly New Material Presentation</a:t>
+              <a:t>Mostly Examples, Using R, and HW Help</a:t>
             </a:r>
           </a:p>
         </p:txBody>
@@ -14084,7 +14247,7 @@
     </p:spTree>
     <p:extLst>
       <p:ext uri="{BB962C8B-B14F-4D97-AF65-F5344CB8AC3E}">
-        <p14:creationId xmlns:p14="http://schemas.microsoft.com/office/powerpoint/2010/main" val="2758197068"/>
+        <p14:creationId xmlns:p14="http://schemas.microsoft.com/office/powerpoint/2010/main" val="928580799"/>
       </p:ext>
     </p:extLst>
   </p:cSld>
@@ -14211,7 +14374,7 @@
             <a:pPr algn="ctr"/>
             <a:r>
               <a:rPr lang="en-US" dirty="0"/>
-              <a:t>Feb. 19, 2020</a:t>
+              <a:t>March 9, 2020</a:t>
             </a:r>
           </a:p>
         </p:txBody>
@@ -14224,8 +14387,8 @@
         </p:nvSpPr>
         <p:spPr>
           <a:xfrm>
-            <a:off x="2130478" y="2956774"/>
-            <a:ext cx="5005769" cy="923330"/>
+            <a:off x="2175358" y="3486436"/>
+            <a:ext cx="5005769" cy="1200329"/>
           </a:xfrm>
           <a:prstGeom prst="rect">
             <a:avLst/>
@@ -14241,14 +14404,14 @@
             <a:pPr algn="ctr"/>
             <a:r>
               <a:rPr lang="en-US" dirty="0"/>
-              <a:t>Chapter 9</a:t>
+              <a:t>Chapter 12</a:t>
             </a:r>
           </a:p>
           <a:p>
             <a:pPr algn="ctr"/>
             <a:r>
               <a:rPr lang="en-US" b="1" u="sng" dirty="0"/>
-              <a:t>Correlation</a:t>
+              <a:t>One-way Independent Groups ANOVA</a:t>
             </a:r>
             <a:endParaRPr lang="en-US" dirty="0"/>
           </a:p>
@@ -14256,7 +14419,14 @@
             <a:pPr algn="ctr"/>
             <a:r>
               <a:rPr lang="en-US" i="1" dirty="0"/>
-              <a:t>Second half, chapter slides</a:t>
+              <a:t>First half, chapter slides</a:t>
+            </a:r>
+          </a:p>
+          <a:p>
+            <a:pPr algn="ctr"/>
+            <a:r>
+              <a:rPr lang="en-US" i="1" dirty="0"/>
+              <a:t>Mostly New Material Presentation</a:t>
             </a:r>
           </a:p>
         </p:txBody>
@@ -14396,55 +14566,10 @@
           </a:prstGeom>
         </p:spPr>
       </p:pic>
-      <p:sp>
-        <p:nvSpPr>
-          <p:cNvPr id="15" name="TextBox 14"/>
-          <p:cNvSpPr txBox="1"/>
-          <p:nvPr/>
-        </p:nvSpPr>
-        <p:spPr>
-          <a:xfrm>
-            <a:off x="2107241" y="4130160"/>
-            <a:ext cx="5005769" cy="923330"/>
-          </a:xfrm>
-          <a:prstGeom prst="rect">
-            <a:avLst/>
-          </a:prstGeom>
-          <a:noFill/>
-        </p:spPr>
-        <p:txBody>
-          <a:bodyPr wrap="square" rtlCol="0">
-            <a:spAutoFit/>
-          </a:bodyPr>
-          <a:lstStyle/>
-          <a:p>
-            <a:pPr algn="ctr"/>
-            <a:r>
-              <a:rPr lang="en-US" dirty="0"/>
-              <a:t>Chapter 10</a:t>
-            </a:r>
-          </a:p>
-          <a:p>
-            <a:pPr algn="ctr"/>
-            <a:r>
-              <a:rPr lang="en-US" b="1" u="sng" dirty="0"/>
-              <a:t>Simple Linear Regression</a:t>
-            </a:r>
-            <a:endParaRPr lang="en-US" dirty="0"/>
-          </a:p>
-          <a:p>
-            <a:pPr algn="ctr"/>
-            <a:r>
-              <a:rPr lang="en-US" i="1" dirty="0"/>
-              <a:t>chapter slides (majority)</a:t>
-            </a:r>
-          </a:p>
-        </p:txBody>
-      </p:sp>
     </p:spTree>
     <p:extLst>
       <p:ext uri="{BB962C8B-B14F-4D97-AF65-F5344CB8AC3E}">
-        <p14:creationId xmlns:p14="http://schemas.microsoft.com/office/powerpoint/2010/main" val="2730707931"/>
+        <p14:creationId xmlns:p14="http://schemas.microsoft.com/office/powerpoint/2010/main" val="2758197068"/>
       </p:ext>
     </p:extLst>
   </p:cSld>
@@ -14571,7 +14696,7 @@
             <a:pPr algn="ctr"/>
             <a:r>
               <a:rPr lang="en-US" dirty="0"/>
-              <a:t>Feb. 12, 2020</a:t>
+              <a:t>Feb. 19, 2020</a:t>
             </a:r>
           </a:p>
         </p:txBody>
@@ -14584,7 +14709,7 @@
         </p:nvSpPr>
         <p:spPr>
           <a:xfrm>
-            <a:off x="2175357" y="4235713"/>
+            <a:off x="2130478" y="2956774"/>
             <a:ext cx="5005769" cy="923330"/>
           </a:xfrm>
           <a:prstGeom prst="rect">
@@ -14616,7 +14741,7 @@
             <a:pPr algn="ctr"/>
             <a:r>
               <a:rPr lang="en-US" i="1" dirty="0"/>
-              <a:t>First half, chapter slides</a:t>
+              <a:t>Second half, chapter slides</a:t>
             </a:r>
           </a:p>
         </p:txBody>
@@ -14758,14 +14883,14 @@
       </p:pic>
       <p:sp>
         <p:nvSpPr>
-          <p:cNvPr id="13" name="TextBox 12"/>
+          <p:cNvPr id="15" name="TextBox 14"/>
           <p:cNvSpPr txBox="1"/>
           <p:nvPr/>
         </p:nvSpPr>
         <p:spPr>
           <a:xfrm>
-            <a:off x="2175358" y="2646127"/>
-            <a:ext cx="5005769" cy="1477328"/>
+            <a:off x="2107241" y="4130160"/>
+            <a:ext cx="5005769" cy="923330"/>
           </a:xfrm>
           <a:prstGeom prst="rect">
             <a:avLst/>
@@ -14781,14 +14906,14 @@
             <a:pPr algn="ctr"/>
             <a:r>
               <a:rPr lang="en-US" dirty="0"/>
-              <a:t>Chapter 8</a:t>
+              <a:t>Chapter 10</a:t>
             </a:r>
           </a:p>
           <a:p>
             <a:pPr algn="ctr"/>
             <a:r>
               <a:rPr lang="en-US" b="1" u="sng" dirty="0"/>
-              <a:t>Effect Size &amp; Power Analysis</a:t>
+              <a:t>Simple Linear Regression</a:t>
             </a:r>
             <a:endParaRPr lang="en-US" dirty="0"/>
           </a:p>
@@ -14796,21 +14921,7 @@
             <a:pPr algn="ctr"/>
             <a:r>
               <a:rPr lang="en-US" i="1" dirty="0"/>
-              <a:t>Chapter slides</a:t>
-            </a:r>
-          </a:p>
-          <a:p>
-            <a:pPr algn="ctr"/>
-            <a:r>
-              <a:rPr lang="en-US" i="1" dirty="0"/>
-              <a:t>Demo G*Power software</a:t>
-            </a:r>
-          </a:p>
-          <a:p>
-            <a:pPr algn="ctr"/>
-            <a:r>
-              <a:rPr lang="en-US" i="1" dirty="0"/>
-              <a:t>Homework Help</a:t>
+              <a:t>chapter slides (majority)</a:t>
             </a:r>
           </a:p>
         </p:txBody>
@@ -14818,7 +14929,7 @@
     </p:spTree>
     <p:extLst>
       <p:ext uri="{BB962C8B-B14F-4D97-AF65-F5344CB8AC3E}">
-        <p14:creationId xmlns:p14="http://schemas.microsoft.com/office/powerpoint/2010/main" val="3221510669"/>
+        <p14:creationId xmlns:p14="http://schemas.microsoft.com/office/powerpoint/2010/main" val="2730707931"/>
       </p:ext>
     </p:extLst>
   </p:cSld>
@@ -14945,7 +15056,7 @@
             <a:pPr algn="ctr"/>
             <a:r>
               <a:rPr lang="en-US" dirty="0"/>
-              <a:t>Feb. 10, 2020</a:t>
+              <a:t>Feb. 12, 2020</a:t>
             </a:r>
           </a:p>
         </p:txBody>
@@ -14958,7 +15069,7 @@
         </p:nvSpPr>
         <p:spPr>
           <a:xfrm>
-            <a:off x="2035110" y="3043759"/>
+            <a:off x="2175357" y="4235713"/>
             <a:ext cx="5005769" cy="923330"/>
           </a:xfrm>
           <a:prstGeom prst="rect">
@@ -14975,21 +15086,22 @@
             <a:pPr algn="ctr"/>
             <a:r>
               <a:rPr lang="en-US" dirty="0"/>
-              <a:t>Chapter 7</a:t>
+              <a:t>Chapter 9</a:t>
             </a:r>
           </a:p>
           <a:p>
             <a:pPr algn="ctr"/>
             <a:r>
               <a:rPr lang="en-US" b="1" u="sng" dirty="0"/>
-              <a:t>Independent Samples t-Test for Means</a:t>
-            </a:r>
+              <a:t>Correlation</a:t>
+            </a:r>
+            <a:endParaRPr lang="en-US" dirty="0"/>
           </a:p>
           <a:p>
             <a:pPr algn="ctr"/>
             <a:r>
               <a:rPr lang="en-US" i="1" dirty="0"/>
-              <a:t>Mostly Homework Helps</a:t>
+              <a:t>First half, chapter slides</a:t>
             </a:r>
           </a:p>
         </p:txBody>
@@ -15129,10 +15241,69 @@
           </a:prstGeom>
         </p:spPr>
       </p:pic>
+      <p:sp>
+        <p:nvSpPr>
+          <p:cNvPr id="13" name="TextBox 12"/>
+          <p:cNvSpPr txBox="1"/>
+          <p:nvPr/>
+        </p:nvSpPr>
+        <p:spPr>
+          <a:xfrm>
+            <a:off x="2175358" y="2646127"/>
+            <a:ext cx="5005769" cy="1477328"/>
+          </a:xfrm>
+          <a:prstGeom prst="rect">
+            <a:avLst/>
+          </a:prstGeom>
+          <a:noFill/>
+        </p:spPr>
+        <p:txBody>
+          <a:bodyPr wrap="square" rtlCol="0">
+            <a:spAutoFit/>
+          </a:bodyPr>
+          <a:lstStyle/>
+          <a:p>
+            <a:pPr algn="ctr"/>
+            <a:r>
+              <a:rPr lang="en-US" dirty="0"/>
+              <a:t>Chapter 8</a:t>
+            </a:r>
+          </a:p>
+          <a:p>
+            <a:pPr algn="ctr"/>
+            <a:r>
+              <a:rPr lang="en-US" b="1" u="sng" dirty="0"/>
+              <a:t>Effect Size &amp; Power Analysis</a:t>
+            </a:r>
+            <a:endParaRPr lang="en-US" dirty="0"/>
+          </a:p>
+          <a:p>
+            <a:pPr algn="ctr"/>
+            <a:r>
+              <a:rPr lang="en-US" i="1" dirty="0"/>
+              <a:t>Chapter slides</a:t>
+            </a:r>
+          </a:p>
+          <a:p>
+            <a:pPr algn="ctr"/>
+            <a:r>
+              <a:rPr lang="en-US" i="1" dirty="0"/>
+              <a:t>Demo G*Power software</a:t>
+            </a:r>
+          </a:p>
+          <a:p>
+            <a:pPr algn="ctr"/>
+            <a:r>
+              <a:rPr lang="en-US" i="1" dirty="0"/>
+              <a:t>Homework Help</a:t>
+            </a:r>
+          </a:p>
+        </p:txBody>
+      </p:sp>
     </p:spTree>
     <p:extLst>
       <p:ext uri="{BB962C8B-B14F-4D97-AF65-F5344CB8AC3E}">
-        <p14:creationId xmlns:p14="http://schemas.microsoft.com/office/powerpoint/2010/main" val="2916572011"/>
+        <p14:creationId xmlns:p14="http://schemas.microsoft.com/office/powerpoint/2010/main" val="3221510669"/>
       </p:ext>
     </p:extLst>
   </p:cSld>
@@ -15259,7 +15430,7 @@
             <a:pPr algn="ctr"/>
             <a:r>
               <a:rPr lang="en-US" dirty="0"/>
-              <a:t>Feb. 5, 2020</a:t>
+              <a:t>Feb. 10, 2020</a:t>
             </a:r>
           </a:p>
         </p:txBody>
@@ -15273,7 +15444,7 @@
         <p:spPr>
           <a:xfrm>
             <a:off x="2035110" y="3043759"/>
-            <a:ext cx="5005769" cy="1477328"/>
+            <a:ext cx="5005769" cy="923330"/>
           </a:xfrm>
           <a:prstGeom prst="rect">
             <a:avLst/>
@@ -15289,35 +15460,21 @@
             <a:pPr algn="ctr"/>
             <a:r>
               <a:rPr lang="en-US" dirty="0"/>
-              <a:t>Chapter 6</a:t>
+              <a:t>Chapter 7</a:t>
             </a:r>
           </a:p>
           <a:p>
             <a:pPr algn="ctr"/>
             <a:r>
               <a:rPr lang="en-US" b="1" u="sng" dirty="0"/>
-              <a:t>Confidence Interval Estimation: The t Distribution</a:t>
+              <a:t>Independent Samples t-Test for Means</a:t>
             </a:r>
           </a:p>
           <a:p>
             <a:pPr algn="ctr"/>
             <a:r>
               <a:rPr lang="en-US" i="1" dirty="0"/>
-              <a:t>Lecture slides</a:t>
-            </a:r>
-          </a:p>
-          <a:p>
-            <a:pPr algn="ctr"/>
-            <a:r>
-              <a:rPr lang="en-US" i="1" dirty="0"/>
-              <a:t>(second half)</a:t>
-            </a:r>
-          </a:p>
-          <a:p>
-            <a:pPr algn="ctr"/>
-            <a:r>
-              <a:rPr lang="en-US" i="1" dirty="0"/>
-              <a:t>Homework Helps</a:t>
+              <a:t>Mostly Homework Helps</a:t>
             </a:r>
           </a:p>
         </p:txBody>
@@ -15460,7 +15617,7 @@
     </p:spTree>
     <p:extLst>
       <p:ext uri="{BB962C8B-B14F-4D97-AF65-F5344CB8AC3E}">
-        <p14:creationId xmlns:p14="http://schemas.microsoft.com/office/powerpoint/2010/main" val="3019460125"/>
+        <p14:creationId xmlns:p14="http://schemas.microsoft.com/office/powerpoint/2010/main" val="2916572011"/>
       </p:ext>
     </p:extLst>
   </p:cSld>
@@ -15788,7 +15945,7 @@
     </p:spTree>
     <p:extLst>
       <p:ext uri="{BB962C8B-B14F-4D97-AF65-F5344CB8AC3E}">
-        <p14:creationId xmlns:p14="http://schemas.microsoft.com/office/powerpoint/2010/main" val="4154058086"/>
+        <p14:creationId xmlns:p14="http://schemas.microsoft.com/office/powerpoint/2010/main" val="3019460125"/>
       </p:ext>
     </p:extLst>
   </p:cSld>
@@ -15915,7 +16072,7 @@
             <a:pPr algn="ctr"/>
             <a:r>
               <a:rPr lang="en-US" dirty="0"/>
-              <a:t>Feb. 3, 2020</a:t>
+              <a:t>Feb. 5, 2020</a:t>
             </a:r>
           </a:p>
         </p:txBody>
@@ -15929,7 +16086,7 @@
         <p:spPr>
           <a:xfrm>
             <a:off x="2035110" y="3043759"/>
-            <a:ext cx="5005769" cy="2585323"/>
+            <a:ext cx="5005769" cy="1477328"/>
           </a:xfrm>
           <a:prstGeom prst="rect">
             <a:avLst/>
@@ -15945,38 +16102,6 @@
             <a:pPr algn="ctr"/>
             <a:r>
               <a:rPr lang="en-US" dirty="0"/>
-              <a:t>Chapter 5</a:t>
-            </a:r>
-          </a:p>
-          <a:p>
-            <a:pPr algn="ctr"/>
-            <a:r>
-              <a:rPr lang="en-US" b="1" u="sng" dirty="0"/>
-              <a:t>Intro to Hypothesis Testing: 1 sample z-Test</a:t>
-            </a:r>
-          </a:p>
-          <a:p>
-            <a:pPr algn="ctr"/>
-            <a:r>
-              <a:rPr lang="en-US" i="1" dirty="0"/>
-              <a:t>Finish discussion</a:t>
-            </a:r>
-          </a:p>
-          <a:p>
-            <a:pPr algn="ctr"/>
-            <a:r>
-              <a:rPr lang="en-US" i="1" dirty="0"/>
-              <a:t>Homework questions</a:t>
-            </a:r>
-          </a:p>
-          <a:p>
-            <a:pPr algn="ctr"/>
-            <a:endParaRPr lang="en-US" i="1" dirty="0"/>
-          </a:p>
-          <a:p>
-            <a:pPr algn="ctr"/>
-            <a:r>
-              <a:rPr lang="en-US" dirty="0"/>
               <a:t>Chapter 6</a:t>
             </a:r>
           </a:p>
@@ -15998,7 +16123,14 @@
             <a:pPr algn="ctr"/>
             <a:r>
               <a:rPr lang="en-US" i="1" dirty="0"/>
-              <a:t>(first half)</a:t>
+              <a:t>(second half)</a:t>
+            </a:r>
+          </a:p>
+          <a:p>
+            <a:pPr algn="ctr"/>
+            <a:r>
+              <a:rPr lang="en-US" i="1" dirty="0"/>
+              <a:t>Homework Helps</a:t>
             </a:r>
           </a:p>
         </p:txBody>
@@ -16141,7 +16273,7 @@
     </p:spTree>
     <p:extLst>
       <p:ext uri="{BB962C8B-B14F-4D97-AF65-F5344CB8AC3E}">
-        <p14:creationId xmlns:p14="http://schemas.microsoft.com/office/powerpoint/2010/main" val="1136618621"/>
+        <p14:creationId xmlns:p14="http://schemas.microsoft.com/office/powerpoint/2010/main" val="4154058086"/>
       </p:ext>
     </p:extLst>
   </p:cSld>
@@ -16239,15 +16371,7 @@
             <a:pPr algn="ctr"/>
             <a:r>
               <a:rPr lang="en-US" dirty="0"/>
-              <a:t>May </a:t>
-            </a:r>
-            <a:r>
-              <a:rPr lang="en-US" dirty="0" smtClean="0"/>
-              <a:t>11, </a:t>
-            </a:r>
-            <a:r>
-              <a:rPr lang="en-US" dirty="0"/>
-              <a:t>2020</a:t>
+              <a:t>May 11, 2020</a:t>
             </a:r>
           </a:p>
         </p:txBody>
@@ -16261,7 +16385,7 @@
         <p:spPr>
           <a:xfrm>
             <a:off x="2639881" y="3325287"/>
-            <a:ext cx="5005769" cy="1477328"/>
+            <a:ext cx="5005769" cy="923330"/>
           </a:xfrm>
           <a:prstGeom prst="rect">
             <a:avLst/>
@@ -16276,43 +16400,23 @@
           <a:p>
             <a:pPr algn="ctr"/>
             <a:r>
-              <a:rPr lang="en-US" dirty="0" smtClean="0"/>
-              <a:t>HW_03, section C</a:t>
-            </a:r>
-            <a:endParaRPr lang="en-US" dirty="0"/>
+              <a:rPr lang="en-US" dirty="0"/>
+              <a:t>HW_04, section C</a:t>
+            </a:r>
           </a:p>
           <a:p>
             <a:pPr algn="ctr"/>
             <a:r>
               <a:rPr lang="en-US" b="1" u="sng" dirty="0"/>
-              <a:t>Summarizing Data with Descriptive </a:t>
-            </a:r>
-            <a:r>
-              <a:rPr lang="en-US" b="1" u="sng" dirty="0" smtClean="0"/>
-              <a:t>Statistics</a:t>
-            </a:r>
-          </a:p>
-          <a:p>
-            <a:pPr algn="ctr"/>
-            <a:r>
-              <a:rPr lang="en-US" i="1" dirty="0" smtClean="0"/>
-              <a:t>Full Descriptive Summary</a:t>
-            </a:r>
-          </a:p>
-          <a:p>
-            <a:pPr algn="ctr"/>
-            <a:r>
-              <a:rPr lang="en-US" i="1" dirty="0" smtClean="0"/>
-              <a:t>Side-by-Side Boxplots</a:t>
-            </a:r>
-          </a:p>
-          <a:p>
-            <a:pPr algn="ctr"/>
-            <a:r>
-              <a:rPr lang="en-US" i="1" dirty="0" smtClean="0"/>
-              <a:t>“Table 1 “</a:t>
-            </a:r>
-            <a:endParaRPr lang="en-US" i="1" dirty="0"/>
+              <a:t>Standardized Scores</a:t>
+            </a:r>
+          </a:p>
+          <a:p>
+            <a:pPr algn="ctr"/>
+            <a:r>
+              <a:rPr lang="en-US" i="1" dirty="0"/>
+              <a:t>Calculate z-scores</a:t>
+            </a:r>
           </a:p>
         </p:txBody>
       </p:sp>
@@ -16583,15 +16687,7 @@
           <a:p>
             <a:r>
               <a:rPr lang="en-US" dirty="0"/>
-              <a:t>After Day </a:t>
-            </a:r>
-            <a:r>
-              <a:rPr lang="en-US" dirty="0" smtClean="0"/>
-              <a:t>3 </a:t>
-            </a:r>
-            <a:r>
-              <a:rPr lang="en-US" dirty="0"/>
-              <a:t>of 13</a:t>
+              <a:t>After Day 3 of 13</a:t>
             </a:r>
           </a:p>
         </p:txBody>
@@ -16628,7 +16724,7 @@
     </p:spTree>
     <p:extLst>
       <p:ext uri="{BB962C8B-B14F-4D97-AF65-F5344CB8AC3E}">
-        <p14:creationId xmlns:p14="http://schemas.microsoft.com/office/powerpoint/2010/main" val="1114200830"/>
+        <p14:creationId xmlns:p14="http://schemas.microsoft.com/office/powerpoint/2010/main" val="4088571183"/>
       </p:ext>
     </p:extLst>
   </p:cSld>
@@ -16755,7 +16851,7 @@
             <a:pPr algn="ctr"/>
             <a:r>
               <a:rPr lang="en-US" dirty="0"/>
-              <a:t>Jan. 22, 2020</a:t>
+              <a:t>Feb. 3, 2020</a:t>
             </a:r>
           </a:p>
         </p:txBody>
@@ -16785,14 +16881,14 @@
             <a:pPr algn="ctr"/>
             <a:r>
               <a:rPr lang="en-US" dirty="0"/>
-              <a:t>Chapter 3</a:t>
+              <a:t>Chapter 5</a:t>
             </a:r>
           </a:p>
           <a:p>
             <a:pPr algn="ctr"/>
             <a:r>
               <a:rPr lang="en-US" b="1" u="sng" dirty="0"/>
-              <a:t>Variable/Scale, Rounding &amp; Summation</a:t>
+              <a:t>Intro to Hypothesis Testing: 1 sample z-Test</a:t>
             </a:r>
           </a:p>
           <a:p>
@@ -16817,14 +16913,14 @@
             <a:pPr algn="ctr"/>
             <a:r>
               <a:rPr lang="en-US" dirty="0"/>
-              <a:t>Chapter 4</a:t>
+              <a:t>Chapter 6</a:t>
             </a:r>
           </a:p>
           <a:p>
             <a:pPr algn="ctr"/>
             <a:r>
               <a:rPr lang="en-US" b="1" u="sng" dirty="0"/>
-              <a:t>Standardized Scores &amp; the Normal Distribution</a:t>
+              <a:t>Confidence Interval Estimation: The t Distribution</a:t>
             </a:r>
           </a:p>
           <a:p>
@@ -16981,7 +17077,7 @@
     </p:spTree>
     <p:extLst>
       <p:ext uri="{BB962C8B-B14F-4D97-AF65-F5344CB8AC3E}">
-        <p14:creationId xmlns:p14="http://schemas.microsoft.com/office/powerpoint/2010/main" val="2900019700"/>
+        <p14:creationId xmlns:p14="http://schemas.microsoft.com/office/powerpoint/2010/main" val="1136618621"/>
       </p:ext>
     </p:extLst>
   </p:cSld>
@@ -17108,7 +17204,7 @@
             <a:pPr algn="ctr"/>
             <a:r>
               <a:rPr lang="en-US" dirty="0"/>
-              <a:t>Jan. 15, 2020</a:t>
+              <a:t>Jan. 22, 2020</a:t>
             </a:r>
           </a:p>
         </p:txBody>
@@ -17121,8 +17217,8 @@
         </p:nvSpPr>
         <p:spPr>
           <a:xfrm>
-            <a:off x="2318419" y="3043759"/>
-            <a:ext cx="4212906" cy="2585323"/>
+            <a:off x="2035110" y="3043759"/>
+            <a:ext cx="5005769" cy="2585323"/>
           </a:xfrm>
           <a:prstGeom prst="rect">
             <a:avLst/>
@@ -17138,7 +17234,7 @@
             <a:pPr algn="ctr"/>
             <a:r>
               <a:rPr lang="en-US" dirty="0"/>
-              <a:t>Chapter 1</a:t>
+              <a:t>Chapter 3</a:t>
             </a:r>
           </a:p>
           <a:p>
@@ -17170,14 +17266,14 @@
             <a:pPr algn="ctr"/>
             <a:r>
               <a:rPr lang="en-US" dirty="0"/>
-              <a:t>Chapter 2 </a:t>
+              <a:t>Chapter 4</a:t>
             </a:r>
           </a:p>
           <a:p>
             <a:pPr algn="ctr"/>
             <a:r>
               <a:rPr lang="en-US" b="1" u="sng" dirty="0"/>
-              <a:t>Exploring Data with Plots</a:t>
+              <a:t>Standardized Scores &amp; the Normal Distribution</a:t>
             </a:r>
           </a:p>
           <a:p>
@@ -17191,7 +17287,7 @@
             <a:pPr algn="ctr"/>
             <a:r>
               <a:rPr lang="en-US" i="1" dirty="0"/>
-              <a:t>Homework questions</a:t>
+              <a:t>(first half)</a:t>
             </a:r>
           </a:p>
         </p:txBody>
@@ -17334,7 +17430,7 @@
     </p:spTree>
     <p:extLst>
       <p:ext uri="{BB962C8B-B14F-4D97-AF65-F5344CB8AC3E}">
-        <p14:creationId xmlns:p14="http://schemas.microsoft.com/office/powerpoint/2010/main" val="3290463226"/>
+        <p14:creationId xmlns:p14="http://schemas.microsoft.com/office/powerpoint/2010/main" val="2900019700"/>
       </p:ext>
     </p:extLst>
   </p:cSld>
@@ -17361,51 +17457,26 @@
           <a:chExt cx="0" cy="0"/>
         </a:xfrm>
       </p:grpSpPr>
-      <p:pic>
-        <p:nvPicPr>
-          <p:cNvPr id="2" name="Picture 1"/>
-          <p:cNvPicPr>
-            <a:picLocks noChangeAspect="1"/>
-          </p:cNvPicPr>
-          <p:nvPr/>
-        </p:nvPicPr>
-        <p:blipFill>
-          <a:blip r:embed="rId2" cstate="print">
-            <a:extLst>
-              <a:ext uri="{28A0092B-C50C-407E-A947-70E740481C1C}">
-                <a14:useLocalDpi xmlns:a14="http://schemas.microsoft.com/office/drawing/2010/main" val="0"/>
-              </a:ext>
-            </a:extLst>
-          </a:blip>
-          <a:stretch>
-            <a:fillRect/>
-          </a:stretch>
-        </p:blipFill>
-        <p:spPr>
-          <a:xfrm>
-            <a:off x="5306566" y="2514598"/>
-            <a:ext cx="1578867" cy="1828804"/>
-          </a:xfrm>
-          <a:prstGeom prst="rect">
-            <a:avLst/>
-          </a:prstGeom>
-        </p:spPr>
-      </p:pic>
-      <p:sp>
-        <p:nvSpPr>
-          <p:cNvPr id="3" name="Rectangle 2"/>
+      <p:sp>
+        <p:nvSpPr>
+          <p:cNvPr id="4" name="Rectangle 3"/>
           <p:cNvSpPr/>
           <p:nvPr/>
         </p:nvSpPr>
         <p:spPr>
           <a:xfrm>
-            <a:off x="5054138" y="2394066"/>
-            <a:ext cx="2094807" cy="2078182"/>
-          </a:xfrm>
-          <a:prstGeom prst="rect">
-            <a:avLst/>
-          </a:prstGeom>
-          <a:noFill/>
+            <a:off x="1808702" y="824230"/>
+            <a:ext cx="8778240" cy="5010912"/>
+          </a:xfrm>
+          <a:prstGeom prst="rect">
+            <a:avLst/>
+          </a:prstGeom>
+          <a:solidFill>
+            <a:schemeClr val="bg1">
+              <a:lumMod val="95000"/>
+            </a:schemeClr>
+          </a:solidFill>
+          <a:ln w="38100"/>
         </p:spPr>
         <p:style>
           <a:lnRef idx="2">
@@ -17432,92 +17503,16 @@
           </a:p>
         </p:txBody>
       </p:sp>
-    </p:spTree>
-    <p:extLst>
-      <p:ext uri="{BB962C8B-B14F-4D97-AF65-F5344CB8AC3E}">
-        <p14:creationId xmlns:p14="http://schemas.microsoft.com/office/powerpoint/2010/main" val="2048573925"/>
-      </p:ext>
-    </p:extLst>
-  </p:cSld>
-  <p:clrMapOvr>
-    <a:masterClrMapping/>
-  </p:clrMapOvr>
-</p:sld>
-</file>
-
-<file path=ppt/slides/slide5.xml><?xml version="1.0" encoding="utf-8"?>
-<p:sld xmlns:a="http://schemas.openxmlformats.org/drawingml/2006/main" xmlns:r="http://schemas.openxmlformats.org/officeDocument/2006/relationships" xmlns:p="http://schemas.openxmlformats.org/presentationml/2006/main">
-  <p:cSld>
-    <p:spTree>
-      <p:nvGrpSpPr>
-        <p:cNvPr id="1" name=""/>
-        <p:cNvGrpSpPr/>
-        <p:nvPr/>
-      </p:nvGrpSpPr>
-      <p:grpSpPr>
-        <a:xfrm>
-          <a:off x="0" y="0"/>
-          <a:ext cx="0" cy="0"/>
-          <a:chOff x="0" y="0"/>
-          <a:chExt cx="0" cy="0"/>
-        </a:xfrm>
-      </p:grpSpPr>
-      <p:sp>
-        <p:nvSpPr>
-          <p:cNvPr id="4" name="Rectangle 3"/>
-          <p:cNvSpPr/>
-          <p:nvPr/>
-        </p:nvSpPr>
-        <p:spPr>
-          <a:xfrm>
-            <a:off x="1706880" y="923544"/>
-            <a:ext cx="8778240" cy="5010912"/>
-          </a:xfrm>
-          <a:prstGeom prst="rect">
-            <a:avLst/>
-          </a:prstGeom>
-          <a:solidFill>
-            <a:schemeClr val="bg1">
-              <a:lumMod val="95000"/>
-            </a:schemeClr>
-          </a:solidFill>
-          <a:ln w="38100"/>
-        </p:spPr>
-        <p:style>
-          <a:lnRef idx="2">
-            <a:schemeClr val="accent1">
-              <a:shade val="50000"/>
-            </a:schemeClr>
-          </a:lnRef>
-          <a:fillRef idx="1">
-            <a:schemeClr val="accent1"/>
-          </a:fillRef>
-          <a:effectRef idx="0">
-            <a:schemeClr val="accent1"/>
-          </a:effectRef>
-          <a:fontRef idx="minor">
-            <a:schemeClr val="lt1"/>
-          </a:fontRef>
-        </p:style>
-        <p:txBody>
-          <a:bodyPr rtlCol="0" anchor="ctr"/>
-          <a:lstStyle/>
-          <a:p>
-            <a:pPr algn="ctr"/>
-            <a:endParaRPr lang="en-US"/>
-          </a:p>
-        </p:txBody>
-      </p:sp>
-      <p:sp>
-        <p:nvSpPr>
-          <p:cNvPr id="8" name="TextBox 7"/>
+      <p:sp>
+        <p:nvSpPr>
+          <p:cNvPr id="7" name="TextBox 6"/>
           <p:cNvSpPr txBox="1"/>
           <p:nvPr/>
         </p:nvSpPr>
         <p:spPr>
           <a:xfrm>
-            <a:off x="7731444" y="5278932"/>
-            <a:ext cx="2076450" cy="369332"/>
+            <a:off x="3840385" y="1213849"/>
+            <a:ext cx="5712369" cy="923330"/>
           </a:xfrm>
           <a:prstGeom prst="rect">
             <a:avLst/>
@@ -17530,32 +17525,23 @@
           </a:bodyPr>
           <a:lstStyle/>
           <a:p>
-            <a:pPr algn="ctr"/>
-            <a:r>
-              <a:rPr lang="en-US" dirty="0"/>
-              <a:t>May </a:t>
-            </a:r>
-            <a:r>
-              <a:rPr lang="en-US" dirty="0" smtClean="0"/>
-              <a:t>11, </a:t>
-            </a:r>
-            <a:r>
-              <a:rPr lang="en-US" dirty="0"/>
-              <a:t>2020</a:t>
-            </a:r>
-          </a:p>
-        </p:txBody>
-      </p:sp>
-      <p:sp>
-        <p:nvSpPr>
-          <p:cNvPr id="9" name="TextBox 8"/>
+            <a:r>
+              <a:rPr lang="en-US" sz="5400" dirty="0"/>
+              <a:t>INCLASS LECTURES</a:t>
+            </a:r>
+          </a:p>
+        </p:txBody>
+      </p:sp>
+      <p:sp>
+        <p:nvSpPr>
+          <p:cNvPr id="8" name="TextBox 7"/>
           <p:cNvSpPr txBox="1"/>
           <p:nvPr/>
         </p:nvSpPr>
         <p:spPr>
           <a:xfrm>
-            <a:off x="2639881" y="3325287"/>
-            <a:ext cx="5005769" cy="1477328"/>
+            <a:off x="7731444" y="5278932"/>
+            <a:ext cx="2076450" cy="369332"/>
           </a:xfrm>
           <a:prstGeom prst="rect">
             <a:avLst/>
@@ -17570,40 +17556,92 @@
           <a:p>
             <a:pPr algn="ctr"/>
             <a:r>
-              <a:rPr lang="en-US" dirty="0" smtClean="0"/>
-              <a:t>HW_02, section C</a:t>
-            </a:r>
-            <a:endParaRPr lang="en-US" dirty="0"/>
+              <a:rPr lang="en-US" dirty="0"/>
+              <a:t>Jan. 15, 2020</a:t>
+            </a:r>
+          </a:p>
+        </p:txBody>
+      </p:sp>
+      <p:sp>
+        <p:nvSpPr>
+          <p:cNvPr id="9" name="TextBox 8"/>
+          <p:cNvSpPr txBox="1"/>
+          <p:nvPr/>
+        </p:nvSpPr>
+        <p:spPr>
+          <a:xfrm>
+            <a:off x="2318419" y="3043759"/>
+            <a:ext cx="4212906" cy="2585323"/>
+          </a:xfrm>
+          <a:prstGeom prst="rect">
+            <a:avLst/>
+          </a:prstGeom>
+          <a:noFill/>
+        </p:spPr>
+        <p:txBody>
+          <a:bodyPr wrap="square" rtlCol="0">
+            <a:spAutoFit/>
+          </a:bodyPr>
+          <a:lstStyle/>
+          <a:p>
+            <a:pPr algn="ctr"/>
+            <a:r>
+              <a:rPr lang="en-US" dirty="0"/>
+              <a:t>Chapter 1</a:t>
+            </a:r>
           </a:p>
           <a:p>
             <a:pPr algn="ctr"/>
             <a:r>
               <a:rPr lang="en-US" b="1" u="sng" dirty="0"/>
-              <a:t>Exploration of Data with Plots </a:t>
-            </a:r>
-          </a:p>
-          <a:p>
-            <a:pPr algn="ctr"/>
-            <a:r>
-              <a:rPr lang="en-US" i="1" dirty="0" smtClean="0"/>
-              <a:t>Frequency Distribution Tables</a:t>
-            </a:r>
+              <a:t>Variable/Scale, Rounding &amp; Summation</a:t>
+            </a:r>
+          </a:p>
+          <a:p>
+            <a:pPr algn="ctr"/>
+            <a:r>
+              <a:rPr lang="en-US" i="1" dirty="0"/>
+              <a:t>Finish discussion</a:t>
+            </a:r>
+          </a:p>
+          <a:p>
+            <a:pPr algn="ctr"/>
+            <a:r>
+              <a:rPr lang="en-US" i="1" dirty="0"/>
+              <a:t>Homework questions</a:t>
+            </a:r>
+          </a:p>
+          <a:p>
+            <a:pPr algn="ctr"/>
             <a:endParaRPr lang="en-US" i="1" dirty="0"/>
           </a:p>
           <a:p>
             <a:pPr algn="ctr"/>
             <a:r>
-              <a:rPr lang="en-US" i="1" dirty="0" smtClean="0"/>
-              <a:t>Bar Charts &amp; Histograms</a:t>
-            </a:r>
-          </a:p>
-          <a:p>
-            <a:pPr algn="ctr"/>
-            <a:r>
-              <a:rPr lang="en-US" i="1" dirty="0" smtClean="0"/>
-              <a:t>Percentiles, Quartiles, Deciles</a:t>
-            </a:r>
-            <a:endParaRPr lang="en-US" i="1" dirty="0"/>
+              <a:rPr lang="en-US" dirty="0"/>
+              <a:t>Chapter 2 </a:t>
+            </a:r>
+          </a:p>
+          <a:p>
+            <a:pPr algn="ctr"/>
+            <a:r>
+              <a:rPr lang="en-US" b="1" u="sng" dirty="0"/>
+              <a:t>Exploring Data with Plots</a:t>
+            </a:r>
+          </a:p>
+          <a:p>
+            <a:pPr algn="ctr"/>
+            <a:r>
+              <a:rPr lang="en-US" i="1" dirty="0"/>
+              <a:t>Lecture slides</a:t>
+            </a:r>
+          </a:p>
+          <a:p>
+            <a:pPr algn="ctr"/>
+            <a:r>
+              <a:rPr lang="en-US" i="1" dirty="0"/>
+              <a:t>Homework questions</a:t>
+            </a:r>
           </a:p>
         </p:txBody>
       </p:sp>
@@ -17742,184 +17780,10 @@
           </a:prstGeom>
         </p:spPr>
       </p:pic>
-      <p:pic>
-        <p:nvPicPr>
-          <p:cNvPr id="13" name="Picture 12" descr="Hello summer illustration vector. with cute summer icon and ...">
-            <a:extLst>
-              <a:ext uri="{FF2B5EF4-FFF2-40B4-BE49-F238E27FC236}">
-                <a16:creationId xmlns:a16="http://schemas.microsoft.com/office/drawing/2014/main" id="{50B5A1E4-2998-48E4-BC77-79D8790DF13F}"/>
-              </a:ext>
-            </a:extLst>
-          </p:cNvPr>
-          <p:cNvPicPr/>
-          <p:nvPr/>
-        </p:nvPicPr>
-        <p:blipFill>
-          <a:blip r:embed="rId6" cstate="print">
-            <a:clrChange>
-              <a:clrFrom>
-                <a:srgbClr val="FFFFFF"/>
-              </a:clrFrom>
-              <a:clrTo>
-                <a:srgbClr val="FFFFFF">
-                  <a:alpha val="0"/>
-                </a:srgbClr>
-              </a:clrTo>
-            </a:clrChange>
-            <a:extLst>
-              <a:ext uri="{28A0092B-C50C-407E-A947-70E740481C1C}">
-                <a14:useLocalDpi xmlns:a14="http://schemas.microsoft.com/office/drawing/2010/main" val="0"/>
-              </a:ext>
-            </a:extLst>
-          </a:blip>
-          <a:srcRect/>
-          <a:stretch>
-            <a:fillRect/>
-          </a:stretch>
-        </p:blipFill>
-        <p:spPr bwMode="auto">
-          <a:xfrm>
-            <a:off x="1784203" y="4158563"/>
-            <a:ext cx="1578867" cy="1406017"/>
-          </a:xfrm>
-          <a:prstGeom prst="rect">
-            <a:avLst/>
-          </a:prstGeom>
-          <a:noFill/>
-          <a:extLst>
-            <a:ext uri="{909E8E84-426E-40DD-AFC4-6F175D3DCCD1}">
-              <a14:hiddenFill xmlns:a14="http://schemas.microsoft.com/office/drawing/2010/main">
-                <a:solidFill>
-                  <a:srgbClr val="FFFFFF"/>
-                </a:solidFill>
-              </a14:hiddenFill>
-            </a:ext>
-          </a:extLst>
-        </p:spPr>
-      </p:pic>
-      <p:pic>
-        <p:nvPicPr>
-          <p:cNvPr id="1028" name="Picture 4" descr="Calendar, schedule, schedule icon icon">
-            <a:extLst>
-              <a:ext uri="{FF2B5EF4-FFF2-40B4-BE49-F238E27FC236}">
-                <a16:creationId xmlns:a16="http://schemas.microsoft.com/office/drawing/2014/main" id="{C17B732E-BA53-4386-9A3E-FF78AABEEECB}"/>
-              </a:ext>
-            </a:extLst>
-          </p:cNvPr>
-          <p:cNvPicPr>
-            <a:picLocks noChangeAspect="1" noChangeArrowheads="1"/>
-          </p:cNvPicPr>
-          <p:nvPr/>
-        </p:nvPicPr>
-        <p:blipFill>
-          <a:blip r:embed="rId7" cstate="print">
-            <a:extLst>
-              <a:ext uri="{28A0092B-C50C-407E-A947-70E740481C1C}">
-                <a14:useLocalDpi xmlns:a14="http://schemas.microsoft.com/office/drawing/2010/main" val="0"/>
-              </a:ext>
-            </a:extLst>
-          </a:blip>
-          <a:srcRect/>
-          <a:stretch>
-            <a:fillRect/>
-          </a:stretch>
-        </p:blipFill>
-        <p:spPr bwMode="auto">
-          <a:xfrm>
-            <a:off x="1944790" y="4668816"/>
-            <a:ext cx="1257692" cy="1257692"/>
-          </a:xfrm>
-          <a:prstGeom prst="rect">
-            <a:avLst/>
-          </a:prstGeom>
-          <a:noFill/>
-          <a:extLst>
-            <a:ext uri="{909E8E84-426E-40DD-AFC4-6F175D3DCCD1}">
-              <a14:hiddenFill xmlns:a14="http://schemas.microsoft.com/office/drawing/2010/main">
-                <a:solidFill>
-                  <a:srgbClr val="FFFFFF"/>
-                </a:solidFill>
-              </a14:hiddenFill>
-            </a:ext>
-          </a:extLst>
-        </p:spPr>
-      </p:pic>
-      <p:sp>
-        <p:nvSpPr>
-          <p:cNvPr id="5" name="TextBox 4">
-            <a:extLst>
-              <a:ext uri="{FF2B5EF4-FFF2-40B4-BE49-F238E27FC236}">
-                <a16:creationId xmlns:a16="http://schemas.microsoft.com/office/drawing/2014/main" id="{803FD3B0-B62F-442A-AC07-BC6B0D20FF53}"/>
-              </a:ext>
-            </a:extLst>
-          </p:cNvPr>
-          <p:cNvSpPr txBox="1"/>
-          <p:nvPr/>
-        </p:nvSpPr>
-        <p:spPr>
-          <a:xfrm>
-            <a:off x="3021210" y="5278932"/>
-            <a:ext cx="2614836" cy="369332"/>
-          </a:xfrm>
-          <a:prstGeom prst="rect">
-            <a:avLst/>
-          </a:prstGeom>
-          <a:noFill/>
-        </p:spPr>
-        <p:txBody>
-          <a:bodyPr wrap="square" rtlCol="0">
-            <a:spAutoFit/>
-          </a:bodyPr>
-          <a:lstStyle/>
-          <a:p>
-            <a:r>
-              <a:rPr lang="en-US" dirty="0"/>
-              <a:t>After Day </a:t>
-            </a:r>
-            <a:r>
-              <a:rPr lang="en-US" dirty="0" smtClean="0"/>
-              <a:t>3 </a:t>
-            </a:r>
-            <a:r>
-              <a:rPr lang="en-US" dirty="0"/>
-              <a:t>of 13</a:t>
-            </a:r>
-          </a:p>
-        </p:txBody>
-      </p:sp>
-      <p:sp>
-        <p:nvSpPr>
-          <p:cNvPr id="16" name="TextBox 15"/>
-          <p:cNvSpPr txBox="1"/>
-          <p:nvPr/>
-        </p:nvSpPr>
-        <p:spPr>
-          <a:xfrm>
-            <a:off x="4184694" y="1065121"/>
-            <a:ext cx="5712369" cy="1754326"/>
-          </a:xfrm>
-          <a:prstGeom prst="rect">
-            <a:avLst/>
-          </a:prstGeom>
-          <a:noFill/>
-        </p:spPr>
-        <p:txBody>
-          <a:bodyPr wrap="square" rtlCol="0">
-            <a:spAutoFit/>
-          </a:bodyPr>
-          <a:lstStyle/>
-          <a:p>
-            <a:r>
-              <a:rPr lang="en-US" sz="5400" dirty="0"/>
-              <a:t>OUT-OF-CLASS LECTURES</a:t>
-            </a:r>
-          </a:p>
-        </p:txBody>
-      </p:sp>
     </p:spTree>
     <p:extLst>
       <p:ext uri="{BB962C8B-B14F-4D97-AF65-F5344CB8AC3E}">
-        <p14:creationId xmlns:p14="http://schemas.microsoft.com/office/powerpoint/2010/main" val="3670027290"/>
+        <p14:creationId xmlns:p14="http://schemas.microsoft.com/office/powerpoint/2010/main" val="3290463226"/>
       </p:ext>
     </p:extLst>
   </p:cSld>
@@ -17929,7 +17793,7 @@
 </p:sld>
 </file>
 
-<file path=ppt/slides/slide6.xml><?xml version="1.0" encoding="utf-8"?>
+<file path=ppt/slides/slide43.xml><?xml version="1.0" encoding="utf-8"?>
 <p:sld xmlns:a="http://schemas.openxmlformats.org/drawingml/2006/main" xmlns:r="http://schemas.openxmlformats.org/officeDocument/2006/relationships" xmlns:p="http://schemas.openxmlformats.org/presentationml/2006/main">
   <p:cSld>
     <p:spTree>
@@ -17946,26 +17810,51 @@
           <a:chExt cx="0" cy="0"/>
         </a:xfrm>
       </p:grpSpPr>
-      <p:sp>
-        <p:nvSpPr>
-          <p:cNvPr id="4" name="Rectangle 3"/>
+      <p:pic>
+        <p:nvPicPr>
+          <p:cNvPr id="2" name="Picture 1"/>
+          <p:cNvPicPr>
+            <a:picLocks noChangeAspect="1"/>
+          </p:cNvPicPr>
+          <p:nvPr/>
+        </p:nvPicPr>
+        <p:blipFill>
+          <a:blip r:embed="rId2" cstate="print">
+            <a:extLst>
+              <a:ext uri="{28A0092B-C50C-407E-A947-70E740481C1C}">
+                <a14:useLocalDpi xmlns:a14="http://schemas.microsoft.com/office/drawing/2010/main" val="0"/>
+              </a:ext>
+            </a:extLst>
+          </a:blip>
+          <a:stretch>
+            <a:fillRect/>
+          </a:stretch>
+        </p:blipFill>
+        <p:spPr>
+          <a:xfrm>
+            <a:off x="5306566" y="2514598"/>
+            <a:ext cx="1578867" cy="1828804"/>
+          </a:xfrm>
+          <a:prstGeom prst="rect">
+            <a:avLst/>
+          </a:prstGeom>
+        </p:spPr>
+      </p:pic>
+      <p:sp>
+        <p:nvSpPr>
+          <p:cNvPr id="3" name="Rectangle 2"/>
           <p:cNvSpPr/>
           <p:nvPr/>
         </p:nvSpPr>
         <p:spPr>
           <a:xfrm>
-            <a:off x="1706880" y="923544"/>
-            <a:ext cx="8778240" cy="5010912"/>
-          </a:xfrm>
-          <a:prstGeom prst="rect">
-            <a:avLst/>
-          </a:prstGeom>
-          <a:solidFill>
-            <a:schemeClr val="bg1">
-              <a:lumMod val="95000"/>
-            </a:schemeClr>
-          </a:solidFill>
-          <a:ln w="38100"/>
+            <a:off x="5054138" y="2394066"/>
+            <a:ext cx="2094807" cy="2078182"/>
+          </a:xfrm>
+          <a:prstGeom prst="rect">
+            <a:avLst/>
+          </a:prstGeom>
+          <a:noFill/>
         </p:spPr>
         <p:style>
           <a:lnRef idx="2">
@@ -17992,16 +17881,92 @@
           </a:p>
         </p:txBody>
       </p:sp>
-      <p:sp>
-        <p:nvSpPr>
-          <p:cNvPr id="7" name="TextBox 6"/>
+    </p:spTree>
+    <p:extLst>
+      <p:ext uri="{BB962C8B-B14F-4D97-AF65-F5344CB8AC3E}">
+        <p14:creationId xmlns:p14="http://schemas.microsoft.com/office/powerpoint/2010/main" val="2048573925"/>
+      </p:ext>
+    </p:extLst>
+  </p:cSld>
+  <p:clrMapOvr>
+    <a:masterClrMapping/>
+  </p:clrMapOvr>
+</p:sld>
+</file>
+
+<file path=ppt/slides/slide5.xml><?xml version="1.0" encoding="utf-8"?>
+<p:sld xmlns:a="http://schemas.openxmlformats.org/drawingml/2006/main" xmlns:r="http://schemas.openxmlformats.org/officeDocument/2006/relationships" xmlns:p="http://schemas.openxmlformats.org/presentationml/2006/main">
+  <p:cSld>
+    <p:spTree>
+      <p:nvGrpSpPr>
+        <p:cNvPr id="1" name=""/>
+        <p:cNvGrpSpPr/>
+        <p:nvPr/>
+      </p:nvGrpSpPr>
+      <p:grpSpPr>
+        <a:xfrm>
+          <a:off x="0" y="0"/>
+          <a:ext cx="0" cy="0"/>
+          <a:chOff x="0" y="0"/>
+          <a:chExt cx="0" cy="0"/>
+        </a:xfrm>
+      </p:grpSpPr>
+      <p:sp>
+        <p:nvSpPr>
+          <p:cNvPr id="4" name="Rectangle 3"/>
+          <p:cNvSpPr/>
+          <p:nvPr/>
+        </p:nvSpPr>
+        <p:spPr>
+          <a:xfrm>
+            <a:off x="1706880" y="923544"/>
+            <a:ext cx="8778240" cy="5010912"/>
+          </a:xfrm>
+          <a:prstGeom prst="rect">
+            <a:avLst/>
+          </a:prstGeom>
+          <a:solidFill>
+            <a:schemeClr val="bg1">
+              <a:lumMod val="95000"/>
+            </a:schemeClr>
+          </a:solidFill>
+          <a:ln w="38100"/>
+        </p:spPr>
+        <p:style>
+          <a:lnRef idx="2">
+            <a:schemeClr val="accent1">
+              <a:shade val="50000"/>
+            </a:schemeClr>
+          </a:lnRef>
+          <a:fillRef idx="1">
+            <a:schemeClr val="accent1"/>
+          </a:fillRef>
+          <a:effectRef idx="0">
+            <a:schemeClr val="accent1"/>
+          </a:effectRef>
+          <a:fontRef idx="minor">
+            <a:schemeClr val="lt1"/>
+          </a:fontRef>
+        </p:style>
+        <p:txBody>
+          <a:bodyPr rtlCol="0" anchor="ctr"/>
+          <a:lstStyle/>
+          <a:p>
+            <a:pPr algn="ctr"/>
+            <a:endParaRPr lang="en-US"/>
+          </a:p>
+        </p:txBody>
+      </p:sp>
+      <p:sp>
+        <p:nvSpPr>
+          <p:cNvPr id="8" name="TextBox 7"/>
           <p:cNvSpPr txBox="1"/>
           <p:nvPr/>
         </p:nvSpPr>
         <p:spPr>
           <a:xfrm>
-            <a:off x="3840385" y="1213849"/>
-            <a:ext cx="5712369" cy="923330"/>
+            <a:off x="7731444" y="5278932"/>
+            <a:ext cx="2076450" cy="369332"/>
           </a:xfrm>
           <a:prstGeom prst="rect">
             <a:avLst/>
@@ -18014,23 +17979,24 @@
           </a:bodyPr>
           <a:lstStyle/>
           <a:p>
-            <a:r>
-              <a:rPr lang="en-US" sz="5400" dirty="0"/>
-              <a:t>INCLASS LECTURES</a:t>
-            </a:r>
-          </a:p>
-        </p:txBody>
-      </p:sp>
-      <p:sp>
-        <p:nvSpPr>
-          <p:cNvPr id="8" name="TextBox 7"/>
+            <a:pPr algn="ctr"/>
+            <a:r>
+              <a:rPr lang="en-US" dirty="0"/>
+              <a:t>May 11, 2020</a:t>
+            </a:r>
+          </a:p>
+        </p:txBody>
+      </p:sp>
+      <p:sp>
+        <p:nvSpPr>
+          <p:cNvPr id="9" name="TextBox 8"/>
           <p:cNvSpPr txBox="1"/>
           <p:nvPr/>
         </p:nvSpPr>
         <p:spPr>
           <a:xfrm>
-            <a:off x="7731444" y="5278932"/>
-            <a:ext cx="2076450" cy="369332"/>
+            <a:off x="2639881" y="3325287"/>
+            <a:ext cx="5005769" cy="1477328"/>
           </a:xfrm>
           <a:prstGeom prst="rect">
             <a:avLst/>
@@ -18046,75 +18012,36 @@
             <a:pPr algn="ctr"/>
             <a:r>
               <a:rPr lang="en-US" dirty="0"/>
-              <a:t>May </a:t>
-            </a:r>
-            <a:r>
-              <a:rPr lang="en-US" dirty="0" smtClean="0"/>
-              <a:t>11, </a:t>
-            </a:r>
-            <a:r>
-              <a:rPr lang="en-US" dirty="0"/>
-              <a:t>2020</a:t>
-            </a:r>
-          </a:p>
-        </p:txBody>
-      </p:sp>
-      <p:sp>
-        <p:nvSpPr>
-          <p:cNvPr id="9" name="TextBox 8"/>
-          <p:cNvSpPr txBox="1"/>
-          <p:nvPr/>
-        </p:nvSpPr>
-        <p:spPr>
-          <a:xfrm>
-            <a:off x="3506996" y="2465382"/>
-            <a:ext cx="5005769" cy="1200329"/>
-          </a:xfrm>
-          <a:prstGeom prst="rect">
-            <a:avLst/>
-          </a:prstGeom>
-          <a:noFill/>
-        </p:spPr>
-        <p:txBody>
-          <a:bodyPr wrap="square" rtlCol="0">
-            <a:spAutoFit/>
-          </a:bodyPr>
-          <a:lstStyle/>
-          <a:p>
-            <a:pPr algn="ctr"/>
-            <a:r>
-              <a:rPr lang="en-US" dirty="0"/>
-              <a:t>Chapter </a:t>
-            </a:r>
-            <a:r>
-              <a:rPr lang="en-US" dirty="0" smtClean="0"/>
-              <a:t>2</a:t>
-            </a:r>
-            <a:endParaRPr lang="en-US" dirty="0"/>
+              <a:t>HW_03, section C</a:t>
+            </a:r>
           </a:p>
           <a:p>
             <a:pPr algn="ctr"/>
             <a:r>
               <a:rPr lang="en-US" b="1" u="sng" dirty="0"/>
-              <a:t>Exploration of Data </a:t>
-            </a:r>
-            <a:endParaRPr lang="en-US" b="1" u="sng" dirty="0" smtClean="0"/>
-          </a:p>
-          <a:p>
-            <a:pPr algn="ctr"/>
-            <a:r>
-              <a:rPr lang="en-US" b="1" u="sng" dirty="0" smtClean="0"/>
-              <a:t>with </a:t>
-            </a:r>
-            <a:r>
-              <a:rPr lang="en-US" b="1" u="sng" dirty="0"/>
-              <a:t>Plots </a:t>
-            </a:r>
-            <a:endParaRPr lang="en-US" b="1" u="sng" dirty="0" smtClean="0"/>
-          </a:p>
-          <a:p>
-            <a:pPr algn="ctr"/>
-            <a:endParaRPr lang="en-US" b="1" u="sng" dirty="0" smtClean="0"/>
+              <a:t>Summarizing Data with Descriptive Statistics</a:t>
+            </a:r>
+          </a:p>
+          <a:p>
+            <a:pPr algn="ctr"/>
+            <a:r>
+              <a:rPr lang="en-US" i="1" dirty="0"/>
+              <a:t>Full Descriptive Summary</a:t>
+            </a:r>
+          </a:p>
+          <a:p>
+            <a:pPr algn="ctr"/>
+            <a:r>
+              <a:rPr lang="en-US" i="1" dirty="0"/>
+              <a:t>Side-by-Side Boxplots</a:t>
+            </a:r>
+          </a:p>
+          <a:p>
+            <a:pPr algn="ctr"/>
+            <a:r>
+              <a:rPr lang="en-US" i="1" dirty="0"/>
+              <a:t>“Table 1 “</a:t>
+            </a:r>
           </a:p>
         </p:txBody>
       </p:sp>
@@ -18384,26 +18311,22 @@
           <a:lstStyle/>
           <a:p>
             <a:r>
-              <a:rPr lang="en-US" dirty="0" smtClean="0"/>
-              <a:t>Day 3 </a:t>
-            </a:r>
-            <a:r>
               <a:rPr lang="en-US" dirty="0"/>
-              <a:t>of 13</a:t>
-            </a:r>
-          </a:p>
-        </p:txBody>
-      </p:sp>
-      <p:sp>
-        <p:nvSpPr>
-          <p:cNvPr id="15" name="TextBox 14"/>
+              <a:t>After Day 3 of 13</a:t>
+            </a:r>
+          </a:p>
+        </p:txBody>
+      </p:sp>
+      <p:sp>
+        <p:nvSpPr>
+          <p:cNvPr id="16" name="TextBox 15"/>
           <p:cNvSpPr txBox="1"/>
           <p:nvPr/>
         </p:nvSpPr>
         <p:spPr>
           <a:xfrm>
-            <a:off x="2035110" y="3429000"/>
-            <a:ext cx="5005769" cy="1200329"/>
+            <a:off x="4184694" y="1065121"/>
+            <a:ext cx="5712369" cy="1754326"/>
           </a:xfrm>
           <a:prstGeom prst="rect">
             <a:avLst/>
@@ -18416,96 +18339,17 @@
           </a:bodyPr>
           <a:lstStyle/>
           <a:p>
-            <a:pPr algn="ctr"/>
-            <a:r>
-              <a:rPr lang="en-US" dirty="0"/>
-              <a:t>Chapter 3</a:t>
-            </a:r>
-          </a:p>
-          <a:p>
-            <a:pPr algn="ctr"/>
-            <a:r>
-              <a:rPr lang="en-US" b="1" u="sng" dirty="0" smtClean="0"/>
-              <a:t>Summarizing </a:t>
-            </a:r>
-            <a:r>
-              <a:rPr lang="en-US" b="1" u="sng" dirty="0"/>
-              <a:t>Data with </a:t>
-            </a:r>
-            <a:endParaRPr lang="en-US" b="1" u="sng" dirty="0" smtClean="0"/>
-          </a:p>
-          <a:p>
-            <a:pPr algn="ctr"/>
-            <a:r>
-              <a:rPr lang="en-US" b="1" u="sng" dirty="0" smtClean="0"/>
-              <a:t>Descriptive Statistics</a:t>
-            </a:r>
-          </a:p>
-          <a:p>
-            <a:pPr algn="ctr"/>
-            <a:endParaRPr lang="en-US" b="1" u="sng" dirty="0" smtClean="0"/>
-          </a:p>
-        </p:txBody>
-      </p:sp>
-      <p:sp>
-        <p:nvSpPr>
-          <p:cNvPr id="16" name="TextBox 15"/>
-          <p:cNvSpPr txBox="1"/>
-          <p:nvPr/>
-        </p:nvSpPr>
-        <p:spPr>
-          <a:xfrm>
-            <a:off x="3258130" y="4574181"/>
-            <a:ext cx="5005769" cy="923330"/>
-          </a:xfrm>
-          <a:prstGeom prst="rect">
-            <a:avLst/>
-          </a:prstGeom>
-          <a:noFill/>
-        </p:spPr>
-        <p:txBody>
-          <a:bodyPr wrap="square" rtlCol="0">
-            <a:spAutoFit/>
-          </a:bodyPr>
-          <a:lstStyle/>
-          <a:p>
-            <a:pPr algn="ctr"/>
-            <a:r>
-              <a:rPr lang="en-US" dirty="0"/>
-              <a:t>Chapter </a:t>
-            </a:r>
-            <a:r>
-              <a:rPr lang="en-US" dirty="0" smtClean="0"/>
-              <a:t>4</a:t>
-            </a:r>
-            <a:endParaRPr lang="en-US" dirty="0"/>
-          </a:p>
-          <a:p>
-            <a:pPr algn="ctr"/>
-            <a:r>
-              <a:rPr lang="en-US" b="1" u="sng" dirty="0"/>
-              <a:t>Standardized Scores &amp; </a:t>
-            </a:r>
-            <a:endParaRPr lang="en-US" b="1" u="sng" dirty="0" smtClean="0"/>
-          </a:p>
-          <a:p>
-            <a:pPr algn="ctr"/>
-            <a:r>
-              <a:rPr lang="en-US" b="1" u="sng" dirty="0" smtClean="0"/>
-              <a:t>he </a:t>
-            </a:r>
-            <a:r>
-              <a:rPr lang="en-US" b="1" u="sng" dirty="0"/>
-              <a:t>Normal Distribution</a:t>
-            </a:r>
-            <a:endParaRPr lang="en-US" b="1" u="sng" dirty="0" smtClean="0"/>
+            <a:r>
+              <a:rPr lang="en-US" sz="5400" dirty="0"/>
+              <a:t>OUT-OF-CLASS LECTURES</a:t>
+            </a:r>
           </a:p>
         </p:txBody>
       </p:sp>
     </p:spTree>
     <p:extLst>
       <p:ext uri="{BB962C8B-B14F-4D97-AF65-F5344CB8AC3E}">
-        <p14:creationId xmlns:p14="http://schemas.microsoft.com/office/powerpoint/2010/main" val="3819651160"/>
+        <p14:creationId xmlns:p14="http://schemas.microsoft.com/office/powerpoint/2010/main" val="1114200830"/>
       </p:ext>
     </p:extLst>
   </p:cSld>
@@ -18515,7 +18359,7 @@
 </p:sld>
 </file>
 
-<file path=ppt/slides/slide7.xml><?xml version="1.0" encoding="utf-8"?>
+<file path=ppt/slides/slide6.xml><?xml version="1.0" encoding="utf-8"?>
 <p:sld xmlns:a="http://schemas.openxmlformats.org/drawingml/2006/main" xmlns:r="http://schemas.openxmlformats.org/officeDocument/2006/relationships" xmlns:p="http://schemas.openxmlformats.org/presentationml/2006/main">
   <p:cSld>
     <p:spTree>
@@ -18603,7 +18447,7 @@
             <a:pPr algn="ctr"/>
             <a:r>
               <a:rPr lang="en-US" dirty="0"/>
-              <a:t>May 8, 2020</a:t>
+              <a:t>May 11, 2020</a:t>
             </a:r>
           </a:p>
         </p:txBody>
@@ -18616,8 +18460,8 @@
         </p:nvSpPr>
         <p:spPr>
           <a:xfrm>
-            <a:off x="2679150" y="2855442"/>
-            <a:ext cx="5005769" cy="1200329"/>
+            <a:off x="2639881" y="3325287"/>
+            <a:ext cx="5005769" cy="1477328"/>
           </a:xfrm>
           <a:prstGeom prst="rect">
             <a:avLst/>
@@ -18633,39 +18477,36 @@
             <a:pPr algn="ctr"/>
             <a:r>
               <a:rPr lang="en-US" dirty="0"/>
-              <a:t>HW_01</a:t>
+              <a:t>HW_02, section C</a:t>
             </a:r>
           </a:p>
           <a:p>
             <a:pPr algn="ctr"/>
             <a:r>
               <a:rPr lang="en-US" b="1" u="sng" dirty="0"/>
-              <a:t>Getting Started with R &amp; R Studio</a:t>
+              <a:t>Exploration of Data with Plots </a:t>
             </a:r>
           </a:p>
           <a:p>
             <a:pPr algn="ctr"/>
             <a:r>
               <a:rPr lang="en-US" i="1" dirty="0"/>
-              <a:t>Second half of the </a:t>
-            </a:r>
-            <a:r>
-              <a:rPr lang="en-US" i="1" dirty="0" err="1"/>
-              <a:t>Rmd</a:t>
-            </a:r>
-            <a:endParaRPr lang="en-US" i="1" dirty="0"/>
+              <a:t>Frequency Distribution Tables</a:t>
+            </a:r>
           </a:p>
           <a:p>
             <a:pPr algn="ctr"/>
             <a:r>
               <a:rPr lang="en-US" i="1" dirty="0"/>
-              <a:t>Uploading and submitting in </a:t>
-            </a:r>
-            <a:r>
-              <a:rPr lang="en-US" i="1" dirty="0" err="1"/>
-              <a:t>Canvs</a:t>
-            </a:r>
-            <a:endParaRPr lang="en-US" i="1" dirty="0"/>
+              <a:t>Bar Charts &amp; Histograms</a:t>
+            </a:r>
+          </a:p>
+          <a:p>
+            <a:pPr algn="ctr"/>
+            <a:r>
+              <a:rPr lang="en-US" i="1" dirty="0"/>
+              <a:t>Percentiles, Quartiles, Deciles</a:t>
+            </a:r>
           </a:p>
         </p:txBody>
       </p:sp>
@@ -18936,26 +18777,20 @@
           <a:p>
             <a:r>
               <a:rPr lang="en-US" dirty="0"/>
-              <a:t>After Day 2 of 13</a:t>
-            </a:r>
-          </a:p>
-        </p:txBody>
-      </p:sp>
-      <p:sp>
-        <p:nvSpPr>
-          <p:cNvPr id="15" name="TextBox 14">
-            <a:extLst>
-              <a:ext uri="{FF2B5EF4-FFF2-40B4-BE49-F238E27FC236}">
-                <a16:creationId xmlns:a16="http://schemas.microsoft.com/office/drawing/2014/main" id="{ED772940-6A60-4E55-A11A-675405DD459E}"/>
-              </a:ext>
-            </a:extLst>
-          </p:cNvPr>
+              <a:t>After Day 3 of 13</a:t>
+            </a:r>
+          </a:p>
+        </p:txBody>
+      </p:sp>
+      <p:sp>
+        <p:nvSpPr>
+          <p:cNvPr id="16" name="TextBox 15"/>
           <p:cNvSpPr txBox="1"/>
           <p:nvPr/>
         </p:nvSpPr>
         <p:spPr>
           <a:xfrm>
-            <a:off x="3838696" y="1056832"/>
+            <a:off x="4184694" y="1065121"/>
             <a:ext cx="5712369" cy="1754326"/>
           </a:xfrm>
           <a:prstGeom prst="rect">
@@ -18971,13 +18806,7 @@
           <a:p>
             <a:r>
               <a:rPr lang="en-US" sz="5400" dirty="0"/>
-              <a:t>Virtual </a:t>
-            </a:r>
-          </a:p>
-          <a:p>
-            <a:r>
-              <a:rPr lang="en-US" sz="5400" dirty="0"/>
-              <a:t>Office Hours</a:t>
+              <a:t>OUT-OF-CLASS LECTURES</a:t>
             </a:r>
           </a:p>
         </p:txBody>
@@ -18985,7 +18814,7 @@
     </p:spTree>
     <p:extLst>
       <p:ext uri="{BB962C8B-B14F-4D97-AF65-F5344CB8AC3E}">
-        <p14:creationId xmlns:p14="http://schemas.microsoft.com/office/powerpoint/2010/main" val="2159513127"/>
+        <p14:creationId xmlns:p14="http://schemas.microsoft.com/office/powerpoint/2010/main" val="3670027290"/>
       </p:ext>
     </p:extLst>
   </p:cSld>
@@ -18995,7 +18824,7 @@
 </p:sld>
 </file>
 
-<file path=ppt/slides/slide8.xml><?xml version="1.0" encoding="utf-8"?>
+<file path=ppt/slides/slide7.xml><?xml version="1.0" encoding="utf-8"?>
 <p:sld xmlns:a="http://schemas.openxmlformats.org/drawingml/2006/main" xmlns:r="http://schemas.openxmlformats.org/officeDocument/2006/relationships" xmlns:p="http://schemas.openxmlformats.org/presentationml/2006/main">
   <p:cSld>
     <p:spTree>
@@ -19060,14 +18889,14 @@
       </p:sp>
       <p:sp>
         <p:nvSpPr>
-          <p:cNvPr id="8" name="TextBox 7"/>
+          <p:cNvPr id="7" name="TextBox 6"/>
           <p:cNvSpPr txBox="1"/>
           <p:nvPr/>
         </p:nvSpPr>
         <p:spPr>
           <a:xfrm>
-            <a:off x="7731444" y="5278932"/>
-            <a:ext cx="2076450" cy="369332"/>
+            <a:off x="3840385" y="1213849"/>
+            <a:ext cx="5712369" cy="923330"/>
           </a:xfrm>
           <a:prstGeom prst="rect">
             <a:avLst/>
@@ -19080,24 +18909,23 @@
           </a:bodyPr>
           <a:lstStyle/>
           <a:p>
-            <a:pPr algn="ctr"/>
-            <a:r>
-              <a:rPr lang="en-US" dirty="0"/>
-              <a:t>May 7, 2020</a:t>
-            </a:r>
-          </a:p>
-        </p:txBody>
-      </p:sp>
-      <p:sp>
-        <p:nvSpPr>
-          <p:cNvPr id="9" name="TextBox 8"/>
+            <a:r>
+              <a:rPr lang="en-US" sz="5400" dirty="0"/>
+              <a:t>INCLASS LECTURES</a:t>
+            </a:r>
+          </a:p>
+        </p:txBody>
+      </p:sp>
+      <p:sp>
+        <p:nvSpPr>
+          <p:cNvPr id="8" name="TextBox 7"/>
           <p:cNvSpPr txBox="1"/>
           <p:nvPr/>
         </p:nvSpPr>
         <p:spPr>
           <a:xfrm>
-            <a:off x="2679150" y="2855442"/>
-            <a:ext cx="5005769" cy="1754326"/>
+            <a:off x="7731444" y="5278932"/>
+            <a:ext cx="2076450" cy="369332"/>
           </a:xfrm>
           <a:prstGeom prst="rect">
             <a:avLst/>
@@ -19113,43 +18941,56 @@
             <a:pPr algn="ctr"/>
             <a:r>
               <a:rPr lang="en-US" dirty="0"/>
-              <a:t>HW_01</a:t>
+              <a:t>May 11, 2020</a:t>
+            </a:r>
+          </a:p>
+        </p:txBody>
+      </p:sp>
+      <p:sp>
+        <p:nvSpPr>
+          <p:cNvPr id="9" name="TextBox 8"/>
+          <p:cNvSpPr txBox="1"/>
+          <p:nvPr/>
+        </p:nvSpPr>
+        <p:spPr>
+          <a:xfrm>
+            <a:off x="3506996" y="2465382"/>
+            <a:ext cx="5005769" cy="1200329"/>
+          </a:xfrm>
+          <a:prstGeom prst="rect">
+            <a:avLst/>
+          </a:prstGeom>
+          <a:noFill/>
+        </p:spPr>
+        <p:txBody>
+          <a:bodyPr wrap="square" rtlCol="0">
+            <a:spAutoFit/>
+          </a:bodyPr>
+          <a:lstStyle/>
+          <a:p>
+            <a:pPr algn="ctr"/>
+            <a:r>
+              <a:rPr lang="en-US" dirty="0"/>
+              <a:t>Chapter 2</a:t>
             </a:r>
           </a:p>
           <a:p>
             <a:pPr algn="ctr"/>
             <a:r>
               <a:rPr lang="en-US" b="1" u="sng" dirty="0"/>
-              <a:t>Getting Started with R &amp; R Studio</a:t>
-            </a:r>
-          </a:p>
-          <a:p>
-            <a:pPr algn="ctr"/>
-            <a:r>
-              <a:rPr lang="en-US" i="1" dirty="0"/>
-              <a:t>Additional basic slides</a:t>
-            </a:r>
-          </a:p>
-          <a:p>
-            <a:pPr algn="ctr"/>
-            <a:r>
-              <a:rPr lang="en-US" i="1" dirty="0"/>
-              <a:t>More on the PIPE</a:t>
-            </a:r>
-          </a:p>
-          <a:p>
-            <a:pPr algn="ctr"/>
-            <a:r>
-              <a:rPr lang="en-US" i="1" dirty="0"/>
-              <a:t>Declaring factors (1C #1, df_1)</a:t>
-            </a:r>
-          </a:p>
-          <a:p>
-            <a:pPr algn="ctr"/>
-            <a:r>
-              <a:rPr lang="en-US" i="1" dirty="0"/>
-              <a:t>Creating new variables (1C #2, df_2)</a:t>
-            </a:r>
+              <a:t>Exploration of Data </a:t>
+            </a:r>
+          </a:p>
+          <a:p>
+            <a:pPr algn="ctr"/>
+            <a:r>
+              <a:rPr lang="en-US" b="1" u="sng" dirty="0"/>
+              <a:t>with Plots </a:t>
+            </a:r>
+          </a:p>
+          <a:p>
+            <a:pPr algn="ctr"/>
+            <a:endParaRPr lang="en-US" b="1" u="sng" dirty="0"/>
           </a:p>
         </p:txBody>
       </p:sp>
@@ -19420,27 +19261,21 @@
           <a:p>
             <a:r>
               <a:rPr lang="en-US" dirty="0"/>
-              <a:t>After Day 2 of 13</a:t>
-            </a:r>
-          </a:p>
-        </p:txBody>
-      </p:sp>
-      <p:sp>
-        <p:nvSpPr>
-          <p:cNvPr id="15" name="TextBox 14">
-            <a:extLst>
-              <a:ext uri="{FF2B5EF4-FFF2-40B4-BE49-F238E27FC236}">
-                <a16:creationId xmlns:a16="http://schemas.microsoft.com/office/drawing/2014/main" id="{ED772940-6A60-4E55-A11A-675405DD459E}"/>
-              </a:ext>
-            </a:extLst>
-          </p:cNvPr>
+              <a:t>Day 3 of 13</a:t>
+            </a:r>
+          </a:p>
+        </p:txBody>
+      </p:sp>
+      <p:sp>
+        <p:nvSpPr>
+          <p:cNvPr id="15" name="TextBox 14"/>
           <p:cNvSpPr txBox="1"/>
           <p:nvPr/>
         </p:nvSpPr>
         <p:spPr>
           <a:xfrm>
-            <a:off x="3838696" y="1056832"/>
-            <a:ext cx="5712369" cy="1754326"/>
+            <a:off x="2035110" y="3429000"/>
+            <a:ext cx="5005769" cy="1200329"/>
           </a:xfrm>
           <a:prstGeom prst="rect">
             <a:avLst/>
@@ -19453,15 +19288,72 @@
           </a:bodyPr>
           <a:lstStyle/>
           <a:p>
-            <a:r>
-              <a:rPr lang="en-US" sz="5400" dirty="0"/>
-              <a:t>Virtual </a:t>
-            </a:r>
-          </a:p>
-          <a:p>
-            <a:r>
-              <a:rPr lang="en-US" sz="5400" dirty="0"/>
-              <a:t>Office Hours</a:t>
+            <a:pPr algn="ctr"/>
+            <a:r>
+              <a:rPr lang="en-US" dirty="0"/>
+              <a:t>Chapter 3</a:t>
+            </a:r>
+          </a:p>
+          <a:p>
+            <a:pPr algn="ctr"/>
+            <a:r>
+              <a:rPr lang="en-US" b="1" u="sng" dirty="0"/>
+              <a:t>Summarizing Data with </a:t>
+            </a:r>
+          </a:p>
+          <a:p>
+            <a:pPr algn="ctr"/>
+            <a:r>
+              <a:rPr lang="en-US" b="1" u="sng" dirty="0"/>
+              <a:t>Descriptive Statistics</a:t>
+            </a:r>
+          </a:p>
+          <a:p>
+            <a:pPr algn="ctr"/>
+            <a:endParaRPr lang="en-US" b="1" u="sng" dirty="0"/>
+          </a:p>
+        </p:txBody>
+      </p:sp>
+      <p:sp>
+        <p:nvSpPr>
+          <p:cNvPr id="16" name="TextBox 15"/>
+          <p:cNvSpPr txBox="1"/>
+          <p:nvPr/>
+        </p:nvSpPr>
+        <p:spPr>
+          <a:xfrm>
+            <a:off x="3258130" y="4574181"/>
+            <a:ext cx="5005769" cy="923330"/>
+          </a:xfrm>
+          <a:prstGeom prst="rect">
+            <a:avLst/>
+          </a:prstGeom>
+          <a:noFill/>
+        </p:spPr>
+        <p:txBody>
+          <a:bodyPr wrap="square" rtlCol="0">
+            <a:spAutoFit/>
+          </a:bodyPr>
+          <a:lstStyle/>
+          <a:p>
+            <a:pPr algn="ctr"/>
+            <a:r>
+              <a:rPr lang="en-US" dirty="0"/>
+              <a:t>Chapter 4</a:t>
+            </a:r>
+          </a:p>
+          <a:p>
+            <a:pPr algn="ctr"/>
+            <a:r>
+              <a:rPr lang="en-US" b="1" u="sng" dirty="0"/>
+              <a:t>Standardized Scores &amp; </a:t>
+            </a:r>
+          </a:p>
+          <a:p>
+            <a:pPr algn="ctr"/>
+            <a:r>
+              <a:rPr lang="en-US" b="1" u="sng" dirty="0"/>
+              <a:t>he Normal Distribution</a:t>
             </a:r>
           </a:p>
         </p:txBody>
@@ -19469,7 +19361,7 @@
     </p:spTree>
     <p:extLst>
       <p:ext uri="{BB962C8B-B14F-4D97-AF65-F5344CB8AC3E}">
-        <p14:creationId xmlns:p14="http://schemas.microsoft.com/office/powerpoint/2010/main" val="1205030995"/>
+        <p14:creationId xmlns:p14="http://schemas.microsoft.com/office/powerpoint/2010/main" val="3819651160"/>
       </p:ext>
     </p:extLst>
   </p:cSld>
@@ -19479,7 +19371,7 @@
 </p:sld>
 </file>
 
-<file path=ppt/slides/slide9.xml><?xml version="1.0" encoding="utf-8"?>
+<file path=ppt/slides/slide8.xml><?xml version="1.0" encoding="utf-8"?>
 <p:sld xmlns:a="http://schemas.openxmlformats.org/drawingml/2006/main" xmlns:r="http://schemas.openxmlformats.org/officeDocument/2006/relationships" xmlns:p="http://schemas.openxmlformats.org/presentationml/2006/main">
   <p:cSld>
     <p:spTree>
@@ -19544,14 +19436,14 @@
       </p:sp>
       <p:sp>
         <p:nvSpPr>
-          <p:cNvPr id="7" name="TextBox 6"/>
+          <p:cNvPr id="8" name="TextBox 7"/>
           <p:cNvSpPr txBox="1"/>
           <p:nvPr/>
         </p:nvSpPr>
         <p:spPr>
           <a:xfrm>
-            <a:off x="3840385" y="1213849"/>
-            <a:ext cx="5712369" cy="923330"/>
+            <a:off x="7731444" y="5278932"/>
+            <a:ext cx="2076450" cy="369332"/>
           </a:xfrm>
           <a:prstGeom prst="rect">
             <a:avLst/>
@@ -19564,23 +19456,24 @@
           </a:bodyPr>
           <a:lstStyle/>
           <a:p>
-            <a:r>
-              <a:rPr lang="en-US" sz="5400" dirty="0"/>
-              <a:t>INCLASS LECTURES</a:t>
-            </a:r>
-          </a:p>
-        </p:txBody>
-      </p:sp>
-      <p:sp>
-        <p:nvSpPr>
-          <p:cNvPr id="8" name="TextBox 7"/>
+            <a:pPr algn="ctr"/>
+            <a:r>
+              <a:rPr lang="en-US" dirty="0"/>
+              <a:t>May 8, 2020</a:t>
+            </a:r>
+          </a:p>
+        </p:txBody>
+      </p:sp>
+      <p:sp>
+        <p:nvSpPr>
+          <p:cNvPr id="9" name="TextBox 8"/>
           <p:cNvSpPr txBox="1"/>
           <p:nvPr/>
         </p:nvSpPr>
         <p:spPr>
           <a:xfrm>
-            <a:off x="7731444" y="5278932"/>
-            <a:ext cx="2076450" cy="369332"/>
+            <a:off x="2679150" y="2855442"/>
+            <a:ext cx="5005769" cy="1200329"/>
           </a:xfrm>
           <a:prstGeom prst="rect">
             <a:avLst/>
@@ -19596,37 +19489,7 @@
             <a:pPr algn="ctr"/>
             <a:r>
               <a:rPr lang="en-US" dirty="0"/>
-              <a:t>May 6, 2020</a:t>
-            </a:r>
-          </a:p>
-        </p:txBody>
-      </p:sp>
-      <p:sp>
-        <p:nvSpPr>
-          <p:cNvPr id="9" name="TextBox 8"/>
-          <p:cNvSpPr txBox="1"/>
-          <p:nvPr/>
-        </p:nvSpPr>
-        <p:spPr>
-          <a:xfrm>
-            <a:off x="2365000" y="2644649"/>
-            <a:ext cx="5005769" cy="2308324"/>
-          </a:xfrm>
-          <a:prstGeom prst="rect">
-            <a:avLst/>
-          </a:prstGeom>
-          <a:noFill/>
-        </p:spPr>
-        <p:txBody>
-          <a:bodyPr wrap="square" rtlCol="0">
-            <a:spAutoFit/>
-          </a:bodyPr>
-          <a:lstStyle/>
-          <a:p>
-            <a:pPr algn="ctr"/>
-            <a:r>
-              <a:rPr lang="en-US" dirty="0"/>
-              <a:t>Chapter 1</a:t>
+              <a:t>HW_01</a:t>
             </a:r>
           </a:p>
           <a:p>
@@ -19640,43 +19503,25 @@
             <a:pPr algn="ctr"/>
             <a:r>
               <a:rPr lang="en-US" i="1" dirty="0"/>
-              <a:t>Workspace Orientation</a:t>
-            </a:r>
+              <a:t>Second half of the </a:t>
+            </a:r>
+            <a:r>
+              <a:rPr lang="en-US" i="1" dirty="0" err="1"/>
+              <a:t>Rmd</a:t>
+            </a:r>
+            <a:endParaRPr lang="en-US" i="1" dirty="0"/>
           </a:p>
           <a:p>
             <a:pPr algn="ctr"/>
             <a:r>
               <a:rPr lang="en-US" i="1" dirty="0"/>
-              <a:t>Getting Help</a:t>
-            </a:r>
-          </a:p>
-          <a:p>
-            <a:pPr algn="ctr"/>
-            <a:r>
-              <a:rPr lang="en-US" i="1" dirty="0"/>
-              <a:t>Running &amp; knitting</a:t>
-            </a:r>
-          </a:p>
-          <a:p>
-            <a:pPr algn="ctr"/>
-            <a:r>
-              <a:rPr lang="en-US" i="1" dirty="0"/>
-              <a:t>Importing data</a:t>
-            </a:r>
-          </a:p>
-          <a:p>
-            <a:pPr algn="ctr"/>
-            <a:r>
-              <a:rPr lang="en-US" i="1" dirty="0"/>
-              <a:t>NA, pipe, assignment</a:t>
-            </a:r>
-          </a:p>
-          <a:p>
-            <a:pPr algn="ctr"/>
-            <a:r>
-              <a:rPr lang="en-US" i="1" dirty="0"/>
-              <a:t>Declaring factors</a:t>
-            </a:r>
+              <a:t>Uploading and submitting in </a:t>
+            </a:r>
+            <a:r>
+              <a:rPr lang="en-US" i="1" dirty="0" err="1"/>
+              <a:t>Canvs</a:t>
+            </a:r>
+            <a:endParaRPr lang="en-US" i="1" dirty="0"/>
           </a:p>
         </p:txBody>
       </p:sp>
@@ -19947,7 +19792,48 @@
           <a:p>
             <a:r>
               <a:rPr lang="en-US" dirty="0"/>
-              <a:t>Part 2 of 2, Day 2 of 13</a:t>
+              <a:t>After Day 2 of 13</a:t>
+            </a:r>
+          </a:p>
+        </p:txBody>
+      </p:sp>
+      <p:sp>
+        <p:nvSpPr>
+          <p:cNvPr id="15" name="TextBox 14">
+            <a:extLst>
+              <a:ext uri="{FF2B5EF4-FFF2-40B4-BE49-F238E27FC236}">
+                <a16:creationId xmlns:a16="http://schemas.microsoft.com/office/drawing/2014/main" id="{ED772940-6A60-4E55-A11A-675405DD459E}"/>
+              </a:ext>
+            </a:extLst>
+          </p:cNvPr>
+          <p:cNvSpPr txBox="1"/>
+          <p:nvPr/>
+        </p:nvSpPr>
+        <p:spPr>
+          <a:xfrm>
+            <a:off x="3838696" y="1056832"/>
+            <a:ext cx="5712369" cy="1754326"/>
+          </a:xfrm>
+          <a:prstGeom prst="rect">
+            <a:avLst/>
+          </a:prstGeom>
+          <a:noFill/>
+        </p:spPr>
+        <p:txBody>
+          <a:bodyPr wrap="square" rtlCol="0">
+            <a:spAutoFit/>
+          </a:bodyPr>
+          <a:lstStyle/>
+          <a:p>
+            <a:r>
+              <a:rPr lang="en-US" sz="5400" dirty="0"/>
+              <a:t>Virtual </a:t>
+            </a:r>
+          </a:p>
+          <a:p>
+            <a:r>
+              <a:rPr lang="en-US" sz="5400" dirty="0"/>
+              <a:t>Office Hours</a:t>
             </a:r>
           </a:p>
         </p:txBody>
@@ -19955,7 +19841,491 @@
     </p:spTree>
     <p:extLst>
       <p:ext uri="{BB962C8B-B14F-4D97-AF65-F5344CB8AC3E}">
-        <p14:creationId xmlns:p14="http://schemas.microsoft.com/office/powerpoint/2010/main" val="3166273230"/>
+        <p14:creationId xmlns:p14="http://schemas.microsoft.com/office/powerpoint/2010/main" val="2159513127"/>
+      </p:ext>
+    </p:extLst>
+  </p:cSld>
+  <p:clrMapOvr>
+    <a:masterClrMapping/>
+  </p:clrMapOvr>
+</p:sld>
+</file>
+
+<file path=ppt/slides/slide9.xml><?xml version="1.0" encoding="utf-8"?>
+<p:sld xmlns:a="http://schemas.openxmlformats.org/drawingml/2006/main" xmlns:r="http://schemas.openxmlformats.org/officeDocument/2006/relationships" xmlns:p="http://schemas.openxmlformats.org/presentationml/2006/main">
+  <p:cSld>
+    <p:spTree>
+      <p:nvGrpSpPr>
+        <p:cNvPr id="1" name=""/>
+        <p:cNvGrpSpPr/>
+        <p:nvPr/>
+      </p:nvGrpSpPr>
+      <p:grpSpPr>
+        <a:xfrm>
+          <a:off x="0" y="0"/>
+          <a:ext cx="0" cy="0"/>
+          <a:chOff x="0" y="0"/>
+          <a:chExt cx="0" cy="0"/>
+        </a:xfrm>
+      </p:grpSpPr>
+      <p:sp>
+        <p:nvSpPr>
+          <p:cNvPr id="4" name="Rectangle 3"/>
+          <p:cNvSpPr/>
+          <p:nvPr/>
+        </p:nvSpPr>
+        <p:spPr>
+          <a:xfrm>
+            <a:off x="1706880" y="923544"/>
+            <a:ext cx="8778240" cy="5010912"/>
+          </a:xfrm>
+          <a:prstGeom prst="rect">
+            <a:avLst/>
+          </a:prstGeom>
+          <a:solidFill>
+            <a:schemeClr val="bg1">
+              <a:lumMod val="95000"/>
+            </a:schemeClr>
+          </a:solidFill>
+          <a:ln w="38100"/>
+        </p:spPr>
+        <p:style>
+          <a:lnRef idx="2">
+            <a:schemeClr val="accent1">
+              <a:shade val="50000"/>
+            </a:schemeClr>
+          </a:lnRef>
+          <a:fillRef idx="1">
+            <a:schemeClr val="accent1"/>
+          </a:fillRef>
+          <a:effectRef idx="0">
+            <a:schemeClr val="accent1"/>
+          </a:effectRef>
+          <a:fontRef idx="minor">
+            <a:schemeClr val="lt1"/>
+          </a:fontRef>
+        </p:style>
+        <p:txBody>
+          <a:bodyPr rtlCol="0" anchor="ctr"/>
+          <a:lstStyle/>
+          <a:p>
+            <a:pPr algn="ctr"/>
+            <a:endParaRPr lang="en-US"/>
+          </a:p>
+        </p:txBody>
+      </p:sp>
+      <p:sp>
+        <p:nvSpPr>
+          <p:cNvPr id="8" name="TextBox 7"/>
+          <p:cNvSpPr txBox="1"/>
+          <p:nvPr/>
+        </p:nvSpPr>
+        <p:spPr>
+          <a:xfrm>
+            <a:off x="7731444" y="5278932"/>
+            <a:ext cx="2076450" cy="369332"/>
+          </a:xfrm>
+          <a:prstGeom prst="rect">
+            <a:avLst/>
+          </a:prstGeom>
+          <a:noFill/>
+        </p:spPr>
+        <p:txBody>
+          <a:bodyPr wrap="square" rtlCol="0">
+            <a:spAutoFit/>
+          </a:bodyPr>
+          <a:lstStyle/>
+          <a:p>
+            <a:pPr algn="ctr"/>
+            <a:r>
+              <a:rPr lang="en-US" dirty="0"/>
+              <a:t>May 7, 2020</a:t>
+            </a:r>
+          </a:p>
+        </p:txBody>
+      </p:sp>
+      <p:sp>
+        <p:nvSpPr>
+          <p:cNvPr id="9" name="TextBox 8"/>
+          <p:cNvSpPr txBox="1"/>
+          <p:nvPr/>
+        </p:nvSpPr>
+        <p:spPr>
+          <a:xfrm>
+            <a:off x="2679150" y="2855442"/>
+            <a:ext cx="5005769" cy="1754326"/>
+          </a:xfrm>
+          <a:prstGeom prst="rect">
+            <a:avLst/>
+          </a:prstGeom>
+          <a:noFill/>
+        </p:spPr>
+        <p:txBody>
+          <a:bodyPr wrap="square" rtlCol="0">
+            <a:spAutoFit/>
+          </a:bodyPr>
+          <a:lstStyle/>
+          <a:p>
+            <a:pPr algn="ctr"/>
+            <a:r>
+              <a:rPr lang="en-US" dirty="0"/>
+              <a:t>HW_01</a:t>
+            </a:r>
+          </a:p>
+          <a:p>
+            <a:pPr algn="ctr"/>
+            <a:r>
+              <a:rPr lang="en-US" b="1" u="sng" dirty="0"/>
+              <a:t>Getting Started with R &amp; R Studio</a:t>
+            </a:r>
+          </a:p>
+          <a:p>
+            <a:pPr algn="ctr"/>
+            <a:r>
+              <a:rPr lang="en-US" i="1" dirty="0"/>
+              <a:t>Additional basic slides</a:t>
+            </a:r>
+          </a:p>
+          <a:p>
+            <a:pPr algn="ctr"/>
+            <a:r>
+              <a:rPr lang="en-US" i="1" dirty="0"/>
+              <a:t>More on the PIPE</a:t>
+            </a:r>
+          </a:p>
+          <a:p>
+            <a:pPr algn="ctr"/>
+            <a:r>
+              <a:rPr lang="en-US" i="1" dirty="0"/>
+              <a:t>Declaring factors (1C #1, df_1)</a:t>
+            </a:r>
+          </a:p>
+          <a:p>
+            <a:pPr algn="ctr"/>
+            <a:r>
+              <a:rPr lang="en-US" i="1" dirty="0"/>
+              <a:t>Creating new variables (1C #2, df_2)</a:t>
+            </a:r>
+          </a:p>
+        </p:txBody>
+      </p:sp>
+      <p:grpSp>
+        <p:nvGrpSpPr>
+          <p:cNvPr id="14" name="Group 13"/>
+          <p:cNvGrpSpPr/>
+          <p:nvPr/>
+        </p:nvGrpSpPr>
+        <p:grpSpPr>
+          <a:xfrm>
+            <a:off x="7198839" y="2137179"/>
+            <a:ext cx="3141660" cy="3193339"/>
+            <a:chOff x="7047391" y="1961976"/>
+            <a:chExt cx="3141660" cy="3193339"/>
+          </a:xfrm>
+        </p:grpSpPr>
+        <p:pic>
+          <p:nvPicPr>
+            <p:cNvPr id="2" name="Picture 1"/>
+            <p:cNvPicPr>
+              <a:picLocks noChangeAspect="1"/>
+            </p:cNvPicPr>
+            <p:nvPr/>
+          </p:nvPicPr>
+          <p:blipFill>
+            <a:blip r:embed="rId2" cstate="print">
+              <a:extLst>
+                <a:ext uri="{28A0092B-C50C-407E-A947-70E740481C1C}">
+                  <a14:useLocalDpi xmlns:a14="http://schemas.microsoft.com/office/drawing/2010/main" val="0"/>
+                </a:ext>
+              </a:extLst>
+            </a:blip>
+            <a:stretch>
+              <a:fillRect/>
+            </a:stretch>
+          </p:blipFill>
+          <p:spPr>
+            <a:xfrm>
+              <a:off x="7047391" y="3320161"/>
+              <a:ext cx="1578867" cy="1828804"/>
+            </a:xfrm>
+            <a:prstGeom prst="rect">
+              <a:avLst/>
+            </a:prstGeom>
+          </p:spPr>
+        </p:pic>
+        <p:pic>
+          <p:nvPicPr>
+            <p:cNvPr id="3" name="Picture 2"/>
+            <p:cNvPicPr>
+              <a:picLocks noChangeAspect="1"/>
+            </p:cNvPicPr>
+            <p:nvPr/>
+          </p:nvPicPr>
+          <p:blipFill>
+            <a:blip r:embed="rId3" cstate="print">
+              <a:extLst>
+                <a:ext uri="{28A0092B-C50C-407E-A947-70E740481C1C}">
+                  <a14:useLocalDpi xmlns:a14="http://schemas.microsoft.com/office/drawing/2010/main" val="0"/>
+                </a:ext>
+              </a:extLst>
+            </a:blip>
+            <a:stretch>
+              <a:fillRect/>
+            </a:stretch>
+          </p:blipFill>
+          <p:spPr>
+            <a:xfrm>
+              <a:off x="7830475" y="1961976"/>
+              <a:ext cx="1578867" cy="1828804"/>
+            </a:xfrm>
+            <a:prstGeom prst="rect">
+              <a:avLst/>
+            </a:prstGeom>
+          </p:spPr>
+        </p:pic>
+        <p:pic>
+          <p:nvPicPr>
+            <p:cNvPr id="11" name="Picture 10"/>
+            <p:cNvPicPr>
+              <a:picLocks noChangeAspect="1"/>
+            </p:cNvPicPr>
+            <p:nvPr/>
+          </p:nvPicPr>
+          <p:blipFill>
+            <a:blip r:embed="rId4" cstate="print">
+              <a:extLst>
+                <a:ext uri="{28A0092B-C50C-407E-A947-70E740481C1C}">
+                  <a14:useLocalDpi xmlns:a14="http://schemas.microsoft.com/office/drawing/2010/main" val="0"/>
+                </a:ext>
+              </a:extLst>
+            </a:blip>
+            <a:stretch>
+              <a:fillRect/>
+            </a:stretch>
+          </p:blipFill>
+          <p:spPr>
+            <a:xfrm>
+              <a:off x="8610184" y="3326511"/>
+              <a:ext cx="1578867" cy="1828804"/>
+            </a:xfrm>
+            <a:prstGeom prst="rect">
+              <a:avLst/>
+            </a:prstGeom>
+          </p:spPr>
+        </p:pic>
+      </p:grpSp>
+      <p:pic>
+        <p:nvPicPr>
+          <p:cNvPr id="12" name="Picture 11"/>
+          <p:cNvPicPr>
+            <a:picLocks noChangeAspect="1"/>
+          </p:cNvPicPr>
+          <p:nvPr/>
+        </p:nvPicPr>
+        <p:blipFill>
+          <a:blip r:embed="rId5" cstate="print">
+            <a:extLst>
+              <a:ext uri="{28A0092B-C50C-407E-A947-70E740481C1C}">
+                <a14:useLocalDpi xmlns:a14="http://schemas.microsoft.com/office/drawing/2010/main" val="0"/>
+              </a:ext>
+            </a:extLst>
+          </a:blip>
+          <a:stretch>
+            <a:fillRect/>
+          </a:stretch>
+        </p:blipFill>
+        <p:spPr>
+          <a:xfrm>
+            <a:off x="2035110" y="1019593"/>
+            <a:ext cx="1578867" cy="1828804"/>
+          </a:xfrm>
+          <a:prstGeom prst="rect">
+            <a:avLst/>
+          </a:prstGeom>
+        </p:spPr>
+      </p:pic>
+      <p:pic>
+        <p:nvPicPr>
+          <p:cNvPr id="13" name="Picture 12" descr="Hello summer illustration vector. with cute summer icon and ...">
+            <a:extLst>
+              <a:ext uri="{FF2B5EF4-FFF2-40B4-BE49-F238E27FC236}">
+                <a16:creationId xmlns:a16="http://schemas.microsoft.com/office/drawing/2014/main" id="{50B5A1E4-2998-48E4-BC77-79D8790DF13F}"/>
+              </a:ext>
+            </a:extLst>
+          </p:cNvPr>
+          <p:cNvPicPr/>
+          <p:nvPr/>
+        </p:nvPicPr>
+        <p:blipFill>
+          <a:blip r:embed="rId6" cstate="print">
+            <a:clrChange>
+              <a:clrFrom>
+                <a:srgbClr val="FFFFFF"/>
+              </a:clrFrom>
+              <a:clrTo>
+                <a:srgbClr val="FFFFFF">
+                  <a:alpha val="0"/>
+                </a:srgbClr>
+              </a:clrTo>
+            </a:clrChange>
+            <a:extLst>
+              <a:ext uri="{28A0092B-C50C-407E-A947-70E740481C1C}">
+                <a14:useLocalDpi xmlns:a14="http://schemas.microsoft.com/office/drawing/2010/main" val="0"/>
+              </a:ext>
+            </a:extLst>
+          </a:blip>
+          <a:srcRect/>
+          <a:stretch>
+            <a:fillRect/>
+          </a:stretch>
+        </p:blipFill>
+        <p:spPr bwMode="auto">
+          <a:xfrm>
+            <a:off x="1784203" y="4158563"/>
+            <a:ext cx="1578867" cy="1406017"/>
+          </a:xfrm>
+          <a:prstGeom prst="rect">
+            <a:avLst/>
+          </a:prstGeom>
+          <a:noFill/>
+          <a:extLst>
+            <a:ext uri="{909E8E84-426E-40DD-AFC4-6F175D3DCCD1}">
+              <a14:hiddenFill xmlns:a14="http://schemas.microsoft.com/office/drawing/2010/main">
+                <a:solidFill>
+                  <a:srgbClr val="FFFFFF"/>
+                </a:solidFill>
+              </a14:hiddenFill>
+            </a:ext>
+          </a:extLst>
+        </p:spPr>
+      </p:pic>
+      <p:pic>
+        <p:nvPicPr>
+          <p:cNvPr id="1028" name="Picture 4" descr="Calendar, schedule, schedule icon icon">
+            <a:extLst>
+              <a:ext uri="{FF2B5EF4-FFF2-40B4-BE49-F238E27FC236}">
+                <a16:creationId xmlns:a16="http://schemas.microsoft.com/office/drawing/2014/main" id="{C17B732E-BA53-4386-9A3E-FF78AABEEECB}"/>
+              </a:ext>
+            </a:extLst>
+          </p:cNvPr>
+          <p:cNvPicPr>
+            <a:picLocks noChangeAspect="1" noChangeArrowheads="1"/>
+          </p:cNvPicPr>
+          <p:nvPr/>
+        </p:nvPicPr>
+        <p:blipFill>
+          <a:blip r:embed="rId7" cstate="print">
+            <a:extLst>
+              <a:ext uri="{28A0092B-C50C-407E-A947-70E740481C1C}">
+                <a14:useLocalDpi xmlns:a14="http://schemas.microsoft.com/office/drawing/2010/main" val="0"/>
+              </a:ext>
+            </a:extLst>
+          </a:blip>
+          <a:srcRect/>
+          <a:stretch>
+            <a:fillRect/>
+          </a:stretch>
+        </p:blipFill>
+        <p:spPr bwMode="auto">
+          <a:xfrm>
+            <a:off x="1944790" y="4668816"/>
+            <a:ext cx="1257692" cy="1257692"/>
+          </a:xfrm>
+          <a:prstGeom prst="rect">
+            <a:avLst/>
+          </a:prstGeom>
+          <a:noFill/>
+          <a:extLst>
+            <a:ext uri="{909E8E84-426E-40DD-AFC4-6F175D3DCCD1}">
+              <a14:hiddenFill xmlns:a14="http://schemas.microsoft.com/office/drawing/2010/main">
+                <a:solidFill>
+                  <a:srgbClr val="FFFFFF"/>
+                </a:solidFill>
+              </a14:hiddenFill>
+            </a:ext>
+          </a:extLst>
+        </p:spPr>
+      </p:pic>
+      <p:sp>
+        <p:nvSpPr>
+          <p:cNvPr id="5" name="TextBox 4">
+            <a:extLst>
+              <a:ext uri="{FF2B5EF4-FFF2-40B4-BE49-F238E27FC236}">
+                <a16:creationId xmlns:a16="http://schemas.microsoft.com/office/drawing/2014/main" id="{803FD3B0-B62F-442A-AC07-BC6B0D20FF53}"/>
+              </a:ext>
+            </a:extLst>
+          </p:cNvPr>
+          <p:cNvSpPr txBox="1"/>
+          <p:nvPr/>
+        </p:nvSpPr>
+        <p:spPr>
+          <a:xfrm>
+            <a:off x="3021210" y="5278932"/>
+            <a:ext cx="2614836" cy="369332"/>
+          </a:xfrm>
+          <a:prstGeom prst="rect">
+            <a:avLst/>
+          </a:prstGeom>
+          <a:noFill/>
+        </p:spPr>
+        <p:txBody>
+          <a:bodyPr wrap="square" rtlCol="0">
+            <a:spAutoFit/>
+          </a:bodyPr>
+          <a:lstStyle/>
+          <a:p>
+            <a:r>
+              <a:rPr lang="en-US" dirty="0"/>
+              <a:t>After Day 2 of 13</a:t>
+            </a:r>
+          </a:p>
+        </p:txBody>
+      </p:sp>
+      <p:sp>
+        <p:nvSpPr>
+          <p:cNvPr id="15" name="TextBox 14">
+            <a:extLst>
+              <a:ext uri="{FF2B5EF4-FFF2-40B4-BE49-F238E27FC236}">
+                <a16:creationId xmlns:a16="http://schemas.microsoft.com/office/drawing/2014/main" id="{ED772940-6A60-4E55-A11A-675405DD459E}"/>
+              </a:ext>
+            </a:extLst>
+          </p:cNvPr>
+          <p:cNvSpPr txBox="1"/>
+          <p:nvPr/>
+        </p:nvSpPr>
+        <p:spPr>
+          <a:xfrm>
+            <a:off x="3838696" y="1056832"/>
+            <a:ext cx="5712369" cy="1754326"/>
+          </a:xfrm>
+          <a:prstGeom prst="rect">
+            <a:avLst/>
+          </a:prstGeom>
+          <a:noFill/>
+        </p:spPr>
+        <p:txBody>
+          <a:bodyPr wrap="square" rtlCol="0">
+            <a:spAutoFit/>
+          </a:bodyPr>
+          <a:lstStyle/>
+          <a:p>
+            <a:r>
+              <a:rPr lang="en-US" sz="5400" dirty="0"/>
+              <a:t>Virtual </a:t>
+            </a:r>
+          </a:p>
+          <a:p>
+            <a:r>
+              <a:rPr lang="en-US" sz="5400" dirty="0"/>
+              <a:t>Office Hours</a:t>
+            </a:r>
+          </a:p>
+        </p:txBody>
+      </p:sp>
+    </p:spTree>
+    <p:extLst>
+      <p:ext uri="{BB962C8B-B14F-4D97-AF65-F5344CB8AC3E}">
+        <p14:creationId xmlns:p14="http://schemas.microsoft.com/office/powerpoint/2010/main" val="1205030995"/>
       </p:ext>
     </p:extLst>
   </p:cSld>

--- a/static/img/youtube_thumbnails/video_thumbnail_building.pptx
+++ b/static/img/youtube_thumbnails/video_thumbnail_building.pptx
@@ -5,55 +5,57 @@
     <p:sldMasterId id="2147483648" r:id="rId1"/>
   </p:sldMasterIdLst>
   <p:sldIdLst>
-    <p:sldId id="304" r:id="rId2"/>
-    <p:sldId id="303" r:id="rId3"/>
-    <p:sldId id="302" r:id="rId4"/>
-    <p:sldId id="301" r:id="rId5"/>
-    <p:sldId id="300" r:id="rId6"/>
-    <p:sldId id="299" r:id="rId7"/>
-    <p:sldId id="298" r:id="rId8"/>
-    <p:sldId id="297" r:id="rId9"/>
-    <p:sldId id="296" r:id="rId10"/>
-    <p:sldId id="295" r:id="rId11"/>
-    <p:sldId id="294" r:id="rId12"/>
-    <p:sldId id="293" r:id="rId13"/>
-    <p:sldId id="292" r:id="rId14"/>
-    <p:sldId id="291" r:id="rId15"/>
-    <p:sldId id="290" r:id="rId16"/>
-    <p:sldId id="289" r:id="rId17"/>
-    <p:sldId id="288" r:id="rId18"/>
-    <p:sldId id="287" r:id="rId19"/>
-    <p:sldId id="286" r:id="rId20"/>
-    <p:sldId id="285" r:id="rId21"/>
-    <p:sldId id="284" r:id="rId22"/>
-    <p:sldId id="283" r:id="rId23"/>
-    <p:sldId id="282" r:id="rId24"/>
-    <p:sldId id="281" r:id="rId25"/>
-    <p:sldId id="280" r:id="rId26"/>
-    <p:sldId id="279" r:id="rId27"/>
-    <p:sldId id="278" r:id="rId28"/>
-    <p:sldId id="277" r:id="rId29"/>
-    <p:sldId id="276" r:id="rId30"/>
-    <p:sldId id="275" r:id="rId31"/>
-    <p:sldId id="273" r:id="rId32"/>
-    <p:sldId id="274" r:id="rId33"/>
-    <p:sldId id="272" r:id="rId34"/>
-    <p:sldId id="271" r:id="rId35"/>
-    <p:sldId id="270" r:id="rId36"/>
-    <p:sldId id="259" r:id="rId37"/>
-    <p:sldId id="261" r:id="rId38"/>
-    <p:sldId id="260" r:id="rId39"/>
-    <p:sldId id="269" r:id="rId40"/>
-    <p:sldId id="268" r:id="rId41"/>
-    <p:sldId id="267" r:id="rId42"/>
-    <p:sldId id="266" r:id="rId43"/>
-    <p:sldId id="265" r:id="rId44"/>
-    <p:sldId id="264" r:id="rId45"/>
-    <p:sldId id="263" r:id="rId46"/>
-    <p:sldId id="262" r:id="rId47"/>
-    <p:sldId id="257" r:id="rId48"/>
-    <p:sldId id="256" r:id="rId49"/>
-    <p:sldId id="258" r:id="rId50"/>
+    <p:sldId id="305" r:id="rId2"/>
+    <p:sldId id="306" r:id="rId3"/>
+    <p:sldId id="304" r:id="rId4"/>
+    <p:sldId id="303" r:id="rId5"/>
+    <p:sldId id="302" r:id="rId6"/>
+    <p:sldId id="301" r:id="rId7"/>
+    <p:sldId id="300" r:id="rId8"/>
+    <p:sldId id="299" r:id="rId9"/>
+    <p:sldId id="298" r:id="rId10"/>
+    <p:sldId id="297" r:id="rId11"/>
+    <p:sldId id="296" r:id="rId12"/>
+    <p:sldId id="295" r:id="rId13"/>
+    <p:sldId id="294" r:id="rId14"/>
+    <p:sldId id="293" r:id="rId15"/>
+    <p:sldId id="292" r:id="rId16"/>
+    <p:sldId id="291" r:id="rId17"/>
+    <p:sldId id="290" r:id="rId18"/>
+    <p:sldId id="289" r:id="rId19"/>
+    <p:sldId id="288" r:id="rId20"/>
+    <p:sldId id="287" r:id="rId21"/>
+    <p:sldId id="286" r:id="rId22"/>
+    <p:sldId id="285" r:id="rId23"/>
+    <p:sldId id="284" r:id="rId24"/>
+    <p:sldId id="283" r:id="rId25"/>
+    <p:sldId id="282" r:id="rId26"/>
+    <p:sldId id="281" r:id="rId27"/>
+    <p:sldId id="280" r:id="rId28"/>
+    <p:sldId id="279" r:id="rId29"/>
+    <p:sldId id="278" r:id="rId30"/>
+    <p:sldId id="277" r:id="rId31"/>
+    <p:sldId id="276" r:id="rId32"/>
+    <p:sldId id="275" r:id="rId33"/>
+    <p:sldId id="273" r:id="rId34"/>
+    <p:sldId id="274" r:id="rId35"/>
+    <p:sldId id="272" r:id="rId36"/>
+    <p:sldId id="271" r:id="rId37"/>
+    <p:sldId id="270" r:id="rId38"/>
+    <p:sldId id="259" r:id="rId39"/>
+    <p:sldId id="261" r:id="rId40"/>
+    <p:sldId id="260" r:id="rId41"/>
+    <p:sldId id="269" r:id="rId42"/>
+    <p:sldId id="268" r:id="rId43"/>
+    <p:sldId id="267" r:id="rId44"/>
+    <p:sldId id="266" r:id="rId45"/>
+    <p:sldId id="265" r:id="rId46"/>
+    <p:sldId id="264" r:id="rId47"/>
+    <p:sldId id="263" r:id="rId48"/>
+    <p:sldId id="262" r:id="rId49"/>
+    <p:sldId id="257" r:id="rId50"/>
+    <p:sldId id="256" r:id="rId51"/>
+    <p:sldId id="258" r:id="rId52"/>
   </p:sldIdLst>
   <p:sldSz cx="12192000" cy="6858000"/>
   <p:notesSz cx="6858000" cy="9144000"/>
@@ -289,7 +291,7 @@
           <a:p>
             <a:fld id="{3C68F153-927F-4ADA-A90F-AFD816292B90}" type="datetimeFigureOut">
               <a:rPr lang="en-US" smtClean="0"/>
-              <a:t>6/15/2020</a:t>
+              <a:t>9/3/2020</a:t>
             </a:fld>
             <a:endParaRPr lang="en-US"/>
           </a:p>
@@ -457,7 +459,7 @@
           <a:p>
             <a:fld id="{3C68F153-927F-4ADA-A90F-AFD816292B90}" type="datetimeFigureOut">
               <a:rPr lang="en-US" smtClean="0"/>
-              <a:t>6/15/2020</a:t>
+              <a:t>9/3/2020</a:t>
             </a:fld>
             <a:endParaRPr lang="en-US"/>
           </a:p>
@@ -635,7 +637,7 @@
           <a:p>
             <a:fld id="{3C68F153-927F-4ADA-A90F-AFD816292B90}" type="datetimeFigureOut">
               <a:rPr lang="en-US" smtClean="0"/>
-              <a:t>6/15/2020</a:t>
+              <a:t>9/3/2020</a:t>
             </a:fld>
             <a:endParaRPr lang="en-US"/>
           </a:p>
@@ -803,7 +805,7 @@
           <a:p>
             <a:fld id="{3C68F153-927F-4ADA-A90F-AFD816292B90}" type="datetimeFigureOut">
               <a:rPr lang="en-US" smtClean="0"/>
-              <a:t>6/15/2020</a:t>
+              <a:t>9/3/2020</a:t>
             </a:fld>
             <a:endParaRPr lang="en-US"/>
           </a:p>
@@ -1048,7 +1050,7 @@
           <a:p>
             <a:fld id="{3C68F153-927F-4ADA-A90F-AFD816292B90}" type="datetimeFigureOut">
               <a:rPr lang="en-US" smtClean="0"/>
-              <a:t>6/15/2020</a:t>
+              <a:t>9/3/2020</a:t>
             </a:fld>
             <a:endParaRPr lang="en-US"/>
           </a:p>
@@ -1277,7 +1279,7 @@
           <a:p>
             <a:fld id="{3C68F153-927F-4ADA-A90F-AFD816292B90}" type="datetimeFigureOut">
               <a:rPr lang="en-US" smtClean="0"/>
-              <a:t>6/15/2020</a:t>
+              <a:t>9/3/2020</a:t>
             </a:fld>
             <a:endParaRPr lang="en-US"/>
           </a:p>
@@ -1641,7 +1643,7 @@
           <a:p>
             <a:fld id="{3C68F153-927F-4ADA-A90F-AFD816292B90}" type="datetimeFigureOut">
               <a:rPr lang="en-US" smtClean="0"/>
-              <a:t>6/15/2020</a:t>
+              <a:t>9/3/2020</a:t>
             </a:fld>
             <a:endParaRPr lang="en-US"/>
           </a:p>
@@ -1758,7 +1760,7 @@
           <a:p>
             <a:fld id="{3C68F153-927F-4ADA-A90F-AFD816292B90}" type="datetimeFigureOut">
               <a:rPr lang="en-US" smtClean="0"/>
-              <a:t>6/15/2020</a:t>
+              <a:t>9/3/2020</a:t>
             </a:fld>
             <a:endParaRPr lang="en-US"/>
           </a:p>
@@ -1853,7 +1855,7 @@
           <a:p>
             <a:fld id="{3C68F153-927F-4ADA-A90F-AFD816292B90}" type="datetimeFigureOut">
               <a:rPr lang="en-US" smtClean="0"/>
-              <a:t>6/15/2020</a:t>
+              <a:t>9/3/2020</a:t>
             </a:fld>
             <a:endParaRPr lang="en-US"/>
           </a:p>
@@ -2128,7 +2130,7 @@
           <a:p>
             <a:fld id="{3C68F153-927F-4ADA-A90F-AFD816292B90}" type="datetimeFigureOut">
               <a:rPr lang="en-US" smtClean="0"/>
-              <a:t>6/15/2020</a:t>
+              <a:t>9/3/2020</a:t>
             </a:fld>
             <a:endParaRPr lang="en-US"/>
           </a:p>
@@ -2380,7 +2382,7 @@
           <a:p>
             <a:fld id="{3C68F153-927F-4ADA-A90F-AFD816292B90}" type="datetimeFigureOut">
               <a:rPr lang="en-US" smtClean="0"/>
-              <a:t>6/15/2020</a:t>
+              <a:t>9/3/2020</a:t>
             </a:fld>
             <a:endParaRPr lang="en-US"/>
           </a:p>
@@ -2591,7 +2593,7 @@
           <a:p>
             <a:fld id="{3C68F153-927F-4ADA-A90F-AFD816292B90}" type="datetimeFigureOut">
               <a:rPr lang="en-US" smtClean="0"/>
-              <a:t>6/15/2020</a:t>
+              <a:t>9/3/2020</a:t>
             </a:fld>
             <a:endParaRPr lang="en-US"/>
           </a:p>
@@ -3042,16 +3044,151 @@
           </a:p>
         </p:txBody>
       </p:sp>
-      <p:sp>
-        <p:nvSpPr>
-          <p:cNvPr id="7" name="TextBox 6"/>
+      <p:grpSp>
+        <p:nvGrpSpPr>
+          <p:cNvPr id="14" name="Group 13"/>
+          <p:cNvGrpSpPr/>
+          <p:nvPr/>
+        </p:nvGrpSpPr>
+        <p:grpSpPr>
+          <a:xfrm>
+            <a:off x="7198839" y="2137179"/>
+            <a:ext cx="3141660" cy="3193339"/>
+            <a:chOff x="7047391" y="1961976"/>
+            <a:chExt cx="3141660" cy="3193339"/>
+          </a:xfrm>
+        </p:grpSpPr>
+        <p:pic>
+          <p:nvPicPr>
+            <p:cNvPr id="2" name="Picture 1"/>
+            <p:cNvPicPr>
+              <a:picLocks noChangeAspect="1"/>
+            </p:cNvPicPr>
+            <p:nvPr/>
+          </p:nvPicPr>
+          <p:blipFill>
+            <a:blip r:embed="rId2" cstate="print">
+              <a:extLst>
+                <a:ext uri="{28A0092B-C50C-407E-A947-70E740481C1C}">
+                  <a14:useLocalDpi xmlns:a14="http://schemas.microsoft.com/office/drawing/2010/main" val="0"/>
+                </a:ext>
+              </a:extLst>
+            </a:blip>
+            <a:stretch>
+              <a:fillRect/>
+            </a:stretch>
+          </p:blipFill>
+          <p:spPr>
+            <a:xfrm>
+              <a:off x="7047391" y="3320161"/>
+              <a:ext cx="1578867" cy="1828804"/>
+            </a:xfrm>
+            <a:prstGeom prst="rect">
+              <a:avLst/>
+            </a:prstGeom>
+          </p:spPr>
+        </p:pic>
+        <p:pic>
+          <p:nvPicPr>
+            <p:cNvPr id="3" name="Picture 2"/>
+            <p:cNvPicPr>
+              <a:picLocks noChangeAspect="1"/>
+            </p:cNvPicPr>
+            <p:nvPr/>
+          </p:nvPicPr>
+          <p:blipFill>
+            <a:blip r:embed="rId3" cstate="print">
+              <a:extLst>
+                <a:ext uri="{28A0092B-C50C-407E-A947-70E740481C1C}">
+                  <a14:useLocalDpi xmlns:a14="http://schemas.microsoft.com/office/drawing/2010/main" val="0"/>
+                </a:ext>
+              </a:extLst>
+            </a:blip>
+            <a:stretch>
+              <a:fillRect/>
+            </a:stretch>
+          </p:blipFill>
+          <p:spPr>
+            <a:xfrm>
+              <a:off x="7830475" y="1961976"/>
+              <a:ext cx="1578867" cy="1828804"/>
+            </a:xfrm>
+            <a:prstGeom prst="rect">
+              <a:avLst/>
+            </a:prstGeom>
+          </p:spPr>
+        </p:pic>
+        <p:pic>
+          <p:nvPicPr>
+            <p:cNvPr id="11" name="Picture 10"/>
+            <p:cNvPicPr>
+              <a:picLocks noChangeAspect="1"/>
+            </p:cNvPicPr>
+            <p:nvPr/>
+          </p:nvPicPr>
+          <p:blipFill>
+            <a:blip r:embed="rId4" cstate="print">
+              <a:extLst>
+                <a:ext uri="{28A0092B-C50C-407E-A947-70E740481C1C}">
+                  <a14:useLocalDpi xmlns:a14="http://schemas.microsoft.com/office/drawing/2010/main" val="0"/>
+                </a:ext>
+              </a:extLst>
+            </a:blip>
+            <a:stretch>
+              <a:fillRect/>
+            </a:stretch>
+          </p:blipFill>
+          <p:spPr>
+            <a:xfrm>
+              <a:off x="8610184" y="3326511"/>
+              <a:ext cx="1578867" cy="1828804"/>
+            </a:xfrm>
+            <a:prstGeom prst="rect">
+              <a:avLst/>
+            </a:prstGeom>
+          </p:spPr>
+        </p:pic>
+      </p:grpSp>
+      <p:pic>
+        <p:nvPicPr>
+          <p:cNvPr id="6" name="Picture 5"/>
+          <p:cNvPicPr>
+            <a:picLocks noChangeAspect="1"/>
+          </p:cNvPicPr>
+          <p:nvPr/>
+        </p:nvPicPr>
+        <p:blipFill>
+          <a:blip r:embed="rId5">
+            <a:extLst>
+              <a:ext uri="{28A0092B-C50C-407E-A947-70E740481C1C}">
+                <a14:useLocalDpi xmlns:a14="http://schemas.microsoft.com/office/drawing/2010/main" val="0"/>
+              </a:ext>
+            </a:extLst>
+          </a:blip>
+          <a:stretch>
+            <a:fillRect/>
+          </a:stretch>
+        </p:blipFill>
+        <p:spPr>
+          <a:xfrm>
+            <a:off x="2000175" y="1141046"/>
+            <a:ext cx="2539590" cy="2941610"/>
+          </a:xfrm>
+          <a:prstGeom prst="rect">
+            <a:avLst/>
+          </a:prstGeom>
+        </p:spPr>
+      </p:pic>
+      <p:sp>
+        <p:nvSpPr>
+          <p:cNvPr id="9" name="TextBox 8"/>
           <p:cNvSpPr txBox="1"/>
           <p:nvPr/>
         </p:nvSpPr>
         <p:spPr>
           <a:xfrm>
-            <a:off x="3840385" y="1213849"/>
-            <a:ext cx="5712369" cy="923330"/>
+            <a:off x="3337621" y="5145630"/>
+            <a:ext cx="2371411" cy="584775"/>
           </a:xfrm>
           <a:prstGeom prst="rect">
             <a:avLst/>
@@ -3065,22 +3202,105 @@
           <a:lstStyle/>
           <a:p>
             <a:r>
-              <a:rPr lang="en-US" sz="5400" dirty="0"/>
-              <a:t>INCLASS LECTURES</a:t>
-            </a:r>
-          </a:p>
-        </p:txBody>
-      </p:sp>
-      <p:sp>
-        <p:nvSpPr>
-          <p:cNvPr id="8" name="TextBox 7"/>
+              <a:rPr lang="en-US" sz="3200" dirty="0" smtClean="0"/>
+              <a:t>Fall 2020</a:t>
+            </a:r>
+            <a:endParaRPr lang="en-US" sz="3200" dirty="0"/>
+          </a:p>
+        </p:txBody>
+      </p:sp>
+      <p:pic>
+        <p:nvPicPr>
+          <p:cNvPr id="1026" name="Picture 2" descr="Gallery - Recent updates | Fall leaves drawing, Fall clip art, Free clip art"/>
+          <p:cNvPicPr>
+            <a:picLocks noChangeAspect="1" noChangeArrowheads="1"/>
+          </p:cNvPicPr>
+          <p:nvPr/>
+        </p:nvPicPr>
+        <p:blipFill>
+          <a:blip r:embed="rId6" cstate="print">
+            <a:extLst>
+              <a:ext uri="{28A0092B-C50C-407E-A947-70E740481C1C}">
+                <a14:useLocalDpi xmlns:a14="http://schemas.microsoft.com/office/drawing/2010/main" val="0"/>
+              </a:ext>
+            </a:extLst>
+          </a:blip>
+          <a:srcRect/>
+          <a:stretch>
+            <a:fillRect/>
+          </a:stretch>
+        </p:blipFill>
+        <p:spPr bwMode="auto">
+          <a:xfrm>
+            <a:off x="2708650" y="4395817"/>
+            <a:ext cx="1050959" cy="1042201"/>
+          </a:xfrm>
+          <a:prstGeom prst="rect">
+            <a:avLst/>
+          </a:prstGeom>
+          <a:noFill/>
+          <a:extLst>
+            <a:ext uri="{909E8E84-426E-40DD-AFC4-6F175D3DCCD1}">
+              <a14:hiddenFill xmlns:a14="http://schemas.microsoft.com/office/drawing/2010/main">
+                <a:solidFill>
+                  <a:srgbClr val="FFFFFF"/>
+                </a:solidFill>
+              </a14:hiddenFill>
+            </a:ext>
+          </a:extLst>
+        </p:spPr>
+      </p:pic>
+      <p:pic>
+        <p:nvPicPr>
+          <p:cNvPr id="16" name="Picture 2" descr="Image result for virus"/>
+          <p:cNvPicPr>
+            <a:picLocks noChangeAspect="1" noChangeArrowheads="1"/>
+          </p:cNvPicPr>
+          <p:nvPr/>
+        </p:nvPicPr>
+        <p:blipFill>
+          <a:blip r:embed="rId7" cstate="print">
+            <a:extLst>
+              <a:ext uri="{28A0092B-C50C-407E-A947-70E740481C1C}">
+                <a14:useLocalDpi xmlns:a14="http://schemas.microsoft.com/office/drawing/2010/main" val="0"/>
+              </a:ext>
+            </a:extLst>
+          </a:blip>
+          <a:srcRect/>
+          <a:stretch>
+            <a:fillRect/>
+          </a:stretch>
+        </p:blipFill>
+        <p:spPr bwMode="auto">
+          <a:xfrm>
+            <a:off x="2068013" y="4827672"/>
+            <a:ext cx="924192" cy="923507"/>
+          </a:xfrm>
+          <a:prstGeom prst="rect">
+            <a:avLst/>
+          </a:prstGeom>
+          <a:noFill/>
+          <a:extLst>
+            <a:ext uri="{909E8E84-426E-40DD-AFC4-6F175D3DCCD1}">
+              <a14:hiddenFill xmlns:a14="http://schemas.microsoft.com/office/drawing/2010/main">
+                <a:solidFill>
+                  <a:srgbClr val="FFFFFF"/>
+                </a:solidFill>
+              </a14:hiddenFill>
+            </a:ext>
+          </a:extLst>
+        </p:spPr>
+      </p:pic>
+      <p:sp>
+        <p:nvSpPr>
+          <p:cNvPr id="18" name="TextBox 17"/>
           <p:cNvSpPr txBox="1"/>
           <p:nvPr/>
         </p:nvSpPr>
         <p:spPr>
           <a:xfrm>
-            <a:off x="7731444" y="5278932"/>
-            <a:ext cx="2076450" cy="369332"/>
+            <a:off x="4660895" y="1141046"/>
+            <a:ext cx="5337765" cy="2585323"/>
           </a:xfrm>
           <a:prstGeom prst="rect">
             <a:avLst/>
@@ -3093,19 +3313,235 @@
           </a:bodyPr>
           <a:lstStyle/>
           <a:p>
-            <a:pPr algn="ctr"/>
-            <a:r>
-              <a:rPr lang="en-US" dirty="0" smtClean="0"/>
-              <a:t>June</a:t>
-            </a:r>
-            <a:r>
-              <a:rPr lang="en-US" dirty="0" smtClean="0"/>
-              <a:t> 17, </a:t>
-            </a:r>
+            <a:r>
+              <a:rPr lang="en-US" sz="5400" dirty="0" smtClean="0"/>
+              <a:t>RECORDINGS OF</a:t>
+            </a:r>
+          </a:p>
+          <a:p>
+            <a:r>
+              <a:rPr lang="en-US" sz="5400" dirty="0" smtClean="0"/>
+              <a:t>CLASS</a:t>
+            </a:r>
+          </a:p>
+          <a:p>
+            <a:r>
+              <a:rPr lang="en-US" sz="5400" dirty="0" smtClean="0"/>
+              <a:t>LECTURES</a:t>
+            </a:r>
+            <a:endParaRPr lang="en-US" sz="5400" dirty="0"/>
+          </a:p>
+        </p:txBody>
+      </p:sp>
+    </p:spTree>
+    <p:extLst>
+      <p:ext uri="{BB962C8B-B14F-4D97-AF65-F5344CB8AC3E}">
+        <p14:creationId xmlns:p14="http://schemas.microsoft.com/office/powerpoint/2010/main" val="232315466"/>
+      </p:ext>
+    </p:extLst>
+  </p:cSld>
+  <p:clrMapOvr>
+    <a:masterClrMapping/>
+  </p:clrMapOvr>
+  <p:timing>
+    <p:tnLst>
+      <p:par>
+        <p:cTn id="1" dur="indefinite" restart="never" nodeType="tmRoot"/>
+      </p:par>
+    </p:tnLst>
+  </p:timing>
+</p:sld>
+</file>
+
+<file path=ppt/slides/slide10.xml><?xml version="1.0" encoding="utf-8"?>
+<p:sld xmlns:a="http://schemas.openxmlformats.org/drawingml/2006/main" xmlns:r="http://schemas.openxmlformats.org/officeDocument/2006/relationships" xmlns:p="http://schemas.openxmlformats.org/presentationml/2006/main">
+  <p:cSld>
+    <p:spTree>
+      <p:nvGrpSpPr>
+        <p:cNvPr id="1" name=""/>
+        <p:cNvGrpSpPr/>
+        <p:nvPr/>
+      </p:nvGrpSpPr>
+      <p:grpSpPr>
+        <a:xfrm>
+          <a:off x="0" y="0"/>
+          <a:ext cx="0" cy="0"/>
+          <a:chOff x="0" y="0"/>
+          <a:chExt cx="0" cy="0"/>
+        </a:xfrm>
+      </p:grpSpPr>
+      <p:sp>
+        <p:nvSpPr>
+          <p:cNvPr id="4" name="Rectangle 3"/>
+          <p:cNvSpPr/>
+          <p:nvPr/>
+        </p:nvSpPr>
+        <p:spPr>
+          <a:xfrm>
+            <a:off x="1706880" y="923544"/>
+            <a:ext cx="8778240" cy="5010912"/>
+          </a:xfrm>
+          <a:prstGeom prst="rect">
+            <a:avLst/>
+          </a:prstGeom>
+          <a:solidFill>
+            <a:schemeClr val="bg1">
+              <a:lumMod val="95000"/>
+            </a:schemeClr>
+          </a:solidFill>
+          <a:ln w="38100"/>
+        </p:spPr>
+        <p:style>
+          <a:lnRef idx="2">
+            <a:schemeClr val="accent1">
+              <a:shade val="50000"/>
+            </a:schemeClr>
+          </a:lnRef>
+          <a:fillRef idx="1">
+            <a:schemeClr val="accent1"/>
+          </a:fillRef>
+          <a:effectRef idx="0">
+            <a:schemeClr val="accent1"/>
+          </a:effectRef>
+          <a:fontRef idx="minor">
+            <a:schemeClr val="lt1"/>
+          </a:fontRef>
+        </p:style>
+        <p:txBody>
+          <a:bodyPr rtlCol="0" anchor="ctr"/>
+          <a:lstStyle/>
+          <a:p>
+            <a:pPr algn="ctr"/>
+            <a:endParaRPr lang="en-US"/>
+          </a:p>
+        </p:txBody>
+      </p:sp>
+      <p:sp>
+        <p:nvSpPr>
+          <p:cNvPr id="7" name="TextBox 6"/>
+          <p:cNvSpPr txBox="1"/>
+          <p:nvPr/>
+        </p:nvSpPr>
+        <p:spPr>
+          <a:xfrm>
+            <a:off x="3840385" y="1213849"/>
+            <a:ext cx="5712369" cy="923330"/>
+          </a:xfrm>
+          <a:prstGeom prst="rect">
+            <a:avLst/>
+          </a:prstGeom>
+          <a:noFill/>
+        </p:spPr>
+        <p:txBody>
+          <a:bodyPr wrap="square" rtlCol="0">
+            <a:spAutoFit/>
+          </a:bodyPr>
+          <a:lstStyle/>
+          <a:p>
+            <a:r>
+              <a:rPr lang="en-US" sz="5400" dirty="0"/>
+              <a:t>INCLASS LECTURES</a:t>
+            </a:r>
+          </a:p>
+        </p:txBody>
+      </p:sp>
+      <p:sp>
+        <p:nvSpPr>
+          <p:cNvPr id="8" name="TextBox 7"/>
+          <p:cNvSpPr txBox="1"/>
+          <p:nvPr/>
+        </p:nvSpPr>
+        <p:spPr>
+          <a:xfrm>
+            <a:off x="7731444" y="5278932"/>
+            <a:ext cx="2076450" cy="369332"/>
+          </a:xfrm>
+          <a:prstGeom prst="rect">
+            <a:avLst/>
+          </a:prstGeom>
+          <a:noFill/>
+        </p:spPr>
+        <p:txBody>
+          <a:bodyPr wrap="square" rtlCol="0">
+            <a:spAutoFit/>
+          </a:bodyPr>
+          <a:lstStyle/>
+          <a:p>
+            <a:pPr algn="ctr"/>
             <a:r>
               <a:rPr lang="en-US" dirty="0"/>
-              <a:t>2020</a:t>
-            </a:r>
+              <a:t>May 18, 2020</a:t>
+            </a:r>
+          </a:p>
+        </p:txBody>
+      </p:sp>
+      <p:sp>
+        <p:nvSpPr>
+          <p:cNvPr id="9" name="TextBox 8"/>
+          <p:cNvSpPr txBox="1"/>
+          <p:nvPr/>
+        </p:nvSpPr>
+        <p:spPr>
+          <a:xfrm>
+            <a:off x="2904156" y="2339397"/>
+            <a:ext cx="5005769" cy="2031325"/>
+          </a:xfrm>
+          <a:prstGeom prst="rect">
+            <a:avLst/>
+          </a:prstGeom>
+          <a:noFill/>
+        </p:spPr>
+        <p:txBody>
+          <a:bodyPr wrap="square" rtlCol="0">
+            <a:spAutoFit/>
+          </a:bodyPr>
+          <a:lstStyle/>
+          <a:p>
+            <a:pPr algn="ctr"/>
+            <a:r>
+              <a:rPr lang="en-US" dirty="0"/>
+              <a:t>Chapter 7</a:t>
+            </a:r>
+          </a:p>
+          <a:p>
+            <a:pPr algn="ctr"/>
+            <a:r>
+              <a:rPr lang="en-US" b="1" u="sng" dirty="0"/>
+              <a:t>Independent Samples t-Test for Means</a:t>
+            </a:r>
+          </a:p>
+          <a:p>
+            <a:pPr algn="ctr"/>
+            <a:r>
+              <a:rPr lang="en-US" i="1" dirty="0" err="1"/>
+              <a:t>Levene’s</a:t>
+            </a:r>
+            <a:r>
+              <a:rPr lang="en-US" i="1" dirty="0"/>
+              <a:t> Test of HOV</a:t>
+            </a:r>
+          </a:p>
+          <a:p>
+            <a:pPr algn="ctr"/>
+            <a:r>
+              <a:rPr lang="en-US" i="1" dirty="0"/>
+              <a:t>Standard Pooled Variance version</a:t>
+            </a:r>
+          </a:p>
+          <a:p>
+            <a:pPr algn="ctr"/>
+            <a:r>
+              <a:rPr lang="en-US" i="1" dirty="0"/>
+              <a:t>Welch’s Separate Variance version </a:t>
+            </a:r>
+          </a:p>
+          <a:p>
+            <a:pPr algn="ctr"/>
+            <a:endParaRPr lang="en-US" i="1" dirty="0"/>
+          </a:p>
+          <a:p>
+            <a:pPr algn="ctr"/>
+            <a:endParaRPr lang="en-US" b="1" u="sng" dirty="0"/>
           </a:p>
         </p:txBody>
       </p:sp>
@@ -3376,15 +3812,7 @@
           <a:p>
             <a:r>
               <a:rPr lang="en-US" dirty="0"/>
-              <a:t>Day </a:t>
-            </a:r>
-            <a:r>
-              <a:rPr lang="en-US" dirty="0" smtClean="0"/>
-              <a:t>13 </a:t>
-            </a:r>
-            <a:r>
-              <a:rPr lang="en-US" dirty="0"/>
-              <a:t>of 13</a:t>
+              <a:t>Day 5 of 13</a:t>
             </a:r>
           </a:p>
         </p:txBody>
@@ -3397,8 +3825,8 @@
         </p:nvSpPr>
         <p:spPr>
           <a:xfrm>
-            <a:off x="2194757" y="2729254"/>
-            <a:ext cx="5005769" cy="923330"/>
+            <a:off x="2725675" y="4199203"/>
+            <a:ext cx="5005769" cy="1200329"/>
           </a:xfrm>
           <a:prstGeom prst="rect">
             <a:avLst/>
@@ -3414,48 +3842,46 @@
             <a:pPr algn="ctr"/>
             <a:r>
               <a:rPr lang="en-US" dirty="0"/>
-              <a:t>Chapter </a:t>
-            </a:r>
-            <a:r>
-              <a:rPr lang="en-US" dirty="0" smtClean="0"/>
-              <a:t>19 &amp; 20</a:t>
-            </a:r>
-            <a:endParaRPr lang="en-US" dirty="0"/>
-          </a:p>
-          <a:p>
-            <a:pPr algn="ctr"/>
-            <a:r>
-              <a:rPr lang="en-US" b="1" u="sng" dirty="0" smtClean="0"/>
-              <a:t>Binomial &amp; Chi Squared Tests</a:t>
-            </a:r>
-          </a:p>
-          <a:p>
-            <a:pPr algn="ctr"/>
-            <a:endParaRPr lang="en-US" i="1" dirty="0"/>
+              <a:t>Chapter 8</a:t>
+            </a:r>
+          </a:p>
+          <a:p>
+            <a:pPr algn="ctr"/>
+            <a:r>
+              <a:rPr lang="en-US" b="1" u="sng" dirty="0"/>
+              <a:t>Statistical Power &amp; Effect Size</a:t>
+            </a:r>
+          </a:p>
+          <a:p>
+            <a:pPr algn="ctr"/>
+            <a:r>
+              <a:rPr lang="en-US" i="1" dirty="0"/>
+              <a:t>Cohen’s d &amp; g</a:t>
+            </a:r>
+          </a:p>
+          <a:p>
+            <a:pPr algn="ctr"/>
+            <a:r>
+              <a:rPr lang="en-US" i="1" dirty="0"/>
+              <a:t>G*Power software</a:t>
+            </a:r>
           </a:p>
         </p:txBody>
       </p:sp>
     </p:spTree>
     <p:extLst>
       <p:ext uri="{BB962C8B-B14F-4D97-AF65-F5344CB8AC3E}">
-        <p14:creationId xmlns:p14="http://schemas.microsoft.com/office/powerpoint/2010/main" val="2159300832"/>
+        <p14:creationId xmlns:p14="http://schemas.microsoft.com/office/powerpoint/2010/main" val="1178293772"/>
       </p:ext>
     </p:extLst>
   </p:cSld>
   <p:clrMapOvr>
     <a:masterClrMapping/>
   </p:clrMapOvr>
-  <p:timing>
-    <p:tnLst>
-      <p:par>
-        <p:cTn id="1" dur="indefinite" restart="never" nodeType="tmRoot"/>
-      </p:par>
-    </p:tnLst>
-  </p:timing>
 </p:sld>
 </file>
 
-<file path=ppt/slides/slide10.xml><?xml version="1.0" encoding="utf-8"?>
+<file path=ppt/slides/slide11.xml><?xml version="1.0" encoding="utf-8"?>
 <p:sld xmlns:a="http://schemas.openxmlformats.org/drawingml/2006/main" xmlns:r="http://schemas.openxmlformats.org/officeDocument/2006/relationships" xmlns:p="http://schemas.openxmlformats.org/presentationml/2006/main">
   <p:cSld>
     <p:spTree>
@@ -3520,14 +3946,14 @@
       </p:sp>
       <p:sp>
         <p:nvSpPr>
-          <p:cNvPr id="8" name="TextBox 7"/>
+          <p:cNvPr id="7" name="TextBox 6"/>
           <p:cNvSpPr txBox="1"/>
           <p:nvPr/>
         </p:nvSpPr>
         <p:spPr>
           <a:xfrm>
-            <a:off x="7731444" y="5278932"/>
-            <a:ext cx="2076450" cy="369332"/>
+            <a:off x="3840385" y="1213849"/>
+            <a:ext cx="5712369" cy="923330"/>
           </a:xfrm>
           <a:prstGeom prst="rect">
             <a:avLst/>
@@ -3540,24 +3966,23 @@
           </a:bodyPr>
           <a:lstStyle/>
           <a:p>
-            <a:pPr algn="ctr"/>
-            <a:r>
-              <a:rPr lang="en-US" dirty="0"/>
-              <a:t>May 11, 2020</a:t>
-            </a:r>
-          </a:p>
-        </p:txBody>
-      </p:sp>
-      <p:sp>
-        <p:nvSpPr>
-          <p:cNvPr id="9" name="TextBox 8"/>
+            <a:r>
+              <a:rPr lang="en-US" sz="5400" dirty="0"/>
+              <a:t>INCLASS LECTURES</a:t>
+            </a:r>
+          </a:p>
+        </p:txBody>
+      </p:sp>
+      <p:sp>
+        <p:nvSpPr>
+          <p:cNvPr id="8" name="TextBox 7"/>
           <p:cNvSpPr txBox="1"/>
           <p:nvPr/>
         </p:nvSpPr>
         <p:spPr>
           <a:xfrm>
-            <a:off x="2639881" y="3325287"/>
-            <a:ext cx="5005769" cy="923330"/>
+            <a:off x="7731444" y="5278932"/>
+            <a:ext cx="2076450" cy="369332"/>
           </a:xfrm>
           <a:prstGeom prst="rect">
             <a:avLst/>
@@ -3573,22 +3998,56 @@
             <a:pPr algn="ctr"/>
             <a:r>
               <a:rPr lang="en-US" dirty="0"/>
-              <a:t>HW_04, section C</a:t>
+              <a:t>May 13, 2020</a:t>
+            </a:r>
+          </a:p>
+        </p:txBody>
+      </p:sp>
+      <p:sp>
+        <p:nvSpPr>
+          <p:cNvPr id="9" name="TextBox 8"/>
+          <p:cNvSpPr txBox="1"/>
+          <p:nvPr/>
+        </p:nvSpPr>
+        <p:spPr>
+          <a:xfrm>
+            <a:off x="3506996" y="2465382"/>
+            <a:ext cx="5005769" cy="1200329"/>
+          </a:xfrm>
+          <a:prstGeom prst="rect">
+            <a:avLst/>
+          </a:prstGeom>
+          <a:noFill/>
+        </p:spPr>
+        <p:txBody>
+          <a:bodyPr wrap="square" rtlCol="0">
+            <a:spAutoFit/>
+          </a:bodyPr>
+          <a:lstStyle/>
+          <a:p>
+            <a:pPr algn="ctr"/>
+            <a:r>
+              <a:rPr lang="en-US" dirty="0"/>
+              <a:t>Chapter 5</a:t>
             </a:r>
           </a:p>
           <a:p>
             <a:pPr algn="ctr"/>
             <a:r>
               <a:rPr lang="en-US" b="1" u="sng" dirty="0"/>
-              <a:t>Standardized Scores</a:t>
+              <a:t>Intro to Hypothesis Testing</a:t>
             </a:r>
           </a:p>
           <a:p>
             <a:pPr algn="ctr"/>
             <a:r>
               <a:rPr lang="en-US" i="1" dirty="0"/>
-              <a:t>Calculate z-scores</a:t>
-            </a:r>
+              <a:t>1-sample z-Test for a Mean</a:t>
+            </a:r>
+          </a:p>
+          <a:p>
+            <a:pPr algn="ctr"/>
+            <a:endParaRPr lang="en-US" b="1" u="sng" dirty="0"/>
           </a:p>
         </p:txBody>
       </p:sp>
@@ -3859,21 +4318,21 @@
           <a:p>
             <a:r>
               <a:rPr lang="en-US" dirty="0"/>
-              <a:t>After Day 3 of 13</a:t>
-            </a:r>
-          </a:p>
-        </p:txBody>
-      </p:sp>
-      <p:sp>
-        <p:nvSpPr>
-          <p:cNvPr id="16" name="TextBox 15"/>
+              <a:t>Day 4 of 13</a:t>
+            </a:r>
+          </a:p>
+        </p:txBody>
+      </p:sp>
+      <p:sp>
+        <p:nvSpPr>
+          <p:cNvPr id="15" name="TextBox 14"/>
           <p:cNvSpPr txBox="1"/>
           <p:nvPr/>
         </p:nvSpPr>
         <p:spPr>
           <a:xfrm>
-            <a:off x="4184694" y="1065121"/>
-            <a:ext cx="5712369" cy="1754326"/>
+            <a:off x="2035110" y="3429000"/>
+            <a:ext cx="5005769" cy="923330"/>
           </a:xfrm>
           <a:prstGeom prst="rect">
             <a:avLst/>
@@ -3886,9 +4345,24 @@
           </a:bodyPr>
           <a:lstStyle/>
           <a:p>
-            <a:r>
-              <a:rPr lang="en-US" sz="5400" dirty="0"/>
-              <a:t>OUT-OF-CLASS LECTURES</a:t>
+            <a:pPr algn="ctr"/>
+            <a:r>
+              <a:rPr lang="en-US" dirty="0"/>
+              <a:t>Chapter 6</a:t>
+            </a:r>
+          </a:p>
+          <a:p>
+            <a:pPr algn="ctr"/>
+            <a:r>
+              <a:rPr lang="en-US" b="1" u="sng" dirty="0"/>
+              <a:t>Confidence Interval Estimation</a:t>
+            </a:r>
+          </a:p>
+          <a:p>
+            <a:pPr algn="ctr"/>
+            <a:r>
+              <a:rPr lang="en-US" i="1" dirty="0"/>
+              <a:t>1-sample t-Test for a Mean</a:t>
             </a:r>
           </a:p>
         </p:txBody>
@@ -3896,7 +4370,7 @@
     </p:spTree>
     <p:extLst>
       <p:ext uri="{BB962C8B-B14F-4D97-AF65-F5344CB8AC3E}">
-        <p14:creationId xmlns:p14="http://schemas.microsoft.com/office/powerpoint/2010/main" val="4088571183"/>
+        <p14:creationId xmlns:p14="http://schemas.microsoft.com/office/powerpoint/2010/main" val="1965765169"/>
       </p:ext>
     </p:extLst>
   </p:cSld>
@@ -3906,7 +4380,7 @@
 </p:sld>
 </file>
 
-<file path=ppt/slides/slide11.xml><?xml version="1.0" encoding="utf-8"?>
+<file path=ppt/slides/slide12.xml><?xml version="1.0" encoding="utf-8"?>
 <p:sld xmlns:a="http://schemas.openxmlformats.org/drawingml/2006/main" xmlns:r="http://schemas.openxmlformats.org/officeDocument/2006/relationships" xmlns:p="http://schemas.openxmlformats.org/presentationml/2006/main">
   <p:cSld>
     <p:spTree>
@@ -4008,7 +4482,7 @@
         <p:spPr>
           <a:xfrm>
             <a:off x="2639881" y="3325287"/>
-            <a:ext cx="5005769" cy="1477328"/>
+            <a:ext cx="5005769" cy="923330"/>
           </a:xfrm>
           <a:prstGeom prst="rect">
             <a:avLst/>
@@ -4024,35 +4498,21 @@
             <a:pPr algn="ctr"/>
             <a:r>
               <a:rPr lang="en-US" dirty="0"/>
-              <a:t>HW_03, section C</a:t>
+              <a:t>HW_04, section C</a:t>
             </a:r>
           </a:p>
           <a:p>
             <a:pPr algn="ctr"/>
             <a:r>
               <a:rPr lang="en-US" b="1" u="sng" dirty="0"/>
-              <a:t>Summarizing Data with Descriptive Statistics</a:t>
+              <a:t>Standardized Scores</a:t>
             </a:r>
           </a:p>
           <a:p>
             <a:pPr algn="ctr"/>
             <a:r>
               <a:rPr lang="en-US" i="1" dirty="0"/>
-              <a:t>Full Descriptive Summary</a:t>
-            </a:r>
-          </a:p>
-          <a:p>
-            <a:pPr algn="ctr"/>
-            <a:r>
-              <a:rPr lang="en-US" i="1" dirty="0"/>
-              <a:t>Side-by-Side Boxplots</a:t>
-            </a:r>
-          </a:p>
-          <a:p>
-            <a:pPr algn="ctr"/>
-            <a:r>
-              <a:rPr lang="en-US" i="1" dirty="0"/>
-              <a:t>“Table 1 “</a:t>
+              <a:t>Calculate z-scores</a:t>
             </a:r>
           </a:p>
         </p:txBody>
@@ -4361,7 +4821,7 @@
     </p:spTree>
     <p:extLst>
       <p:ext uri="{BB962C8B-B14F-4D97-AF65-F5344CB8AC3E}">
-        <p14:creationId xmlns:p14="http://schemas.microsoft.com/office/powerpoint/2010/main" val="1114200830"/>
+        <p14:creationId xmlns:p14="http://schemas.microsoft.com/office/powerpoint/2010/main" val="4088571183"/>
       </p:ext>
     </p:extLst>
   </p:cSld>
@@ -4371,7 +4831,7 @@
 </p:sld>
 </file>
 
-<file path=ppt/slides/slide12.xml><?xml version="1.0" encoding="utf-8"?>
+<file path=ppt/slides/slide13.xml><?xml version="1.0" encoding="utf-8"?>
 <p:sld xmlns:a="http://schemas.openxmlformats.org/drawingml/2006/main" xmlns:r="http://schemas.openxmlformats.org/officeDocument/2006/relationships" xmlns:p="http://schemas.openxmlformats.org/presentationml/2006/main">
   <p:cSld>
     <p:spTree>
@@ -4489,35 +4949,35 @@
             <a:pPr algn="ctr"/>
             <a:r>
               <a:rPr lang="en-US" dirty="0"/>
-              <a:t>HW_02, section C</a:t>
+              <a:t>HW_03, section C</a:t>
             </a:r>
           </a:p>
           <a:p>
             <a:pPr algn="ctr"/>
             <a:r>
               <a:rPr lang="en-US" b="1" u="sng" dirty="0"/>
-              <a:t>Exploration of Data with Plots </a:t>
+              <a:t>Summarizing Data with Descriptive Statistics</a:t>
             </a:r>
           </a:p>
           <a:p>
             <a:pPr algn="ctr"/>
             <a:r>
               <a:rPr lang="en-US" i="1" dirty="0"/>
-              <a:t>Frequency Distribution Tables</a:t>
+              <a:t>Full Descriptive Summary</a:t>
             </a:r>
           </a:p>
           <a:p>
             <a:pPr algn="ctr"/>
             <a:r>
               <a:rPr lang="en-US" i="1" dirty="0"/>
-              <a:t>Bar Charts &amp; Histograms</a:t>
+              <a:t>Side-by-Side Boxplots</a:t>
             </a:r>
           </a:p>
           <a:p>
             <a:pPr algn="ctr"/>
             <a:r>
               <a:rPr lang="en-US" i="1" dirty="0"/>
-              <a:t>Percentiles, Quartiles, Deciles</a:t>
+              <a:t>“Table 1 “</a:t>
             </a:r>
           </a:p>
         </p:txBody>
@@ -4826,7 +5286,7 @@
     </p:spTree>
     <p:extLst>
       <p:ext uri="{BB962C8B-B14F-4D97-AF65-F5344CB8AC3E}">
-        <p14:creationId xmlns:p14="http://schemas.microsoft.com/office/powerpoint/2010/main" val="3670027290"/>
+        <p14:creationId xmlns:p14="http://schemas.microsoft.com/office/powerpoint/2010/main" val="1114200830"/>
       </p:ext>
     </p:extLst>
   </p:cSld>
@@ -4836,7 +5296,7 @@
 </p:sld>
 </file>
 
-<file path=ppt/slides/slide13.xml><?xml version="1.0" encoding="utf-8"?>
+<file path=ppt/slides/slide14.xml><?xml version="1.0" encoding="utf-8"?>
 <p:sld xmlns:a="http://schemas.openxmlformats.org/drawingml/2006/main" xmlns:r="http://schemas.openxmlformats.org/officeDocument/2006/relationships" xmlns:p="http://schemas.openxmlformats.org/presentationml/2006/main">
   <p:cSld>
     <p:spTree>
@@ -4901,14 +5361,14 @@
       </p:sp>
       <p:sp>
         <p:nvSpPr>
-          <p:cNvPr id="7" name="TextBox 6"/>
+          <p:cNvPr id="8" name="TextBox 7"/>
           <p:cNvSpPr txBox="1"/>
           <p:nvPr/>
         </p:nvSpPr>
         <p:spPr>
           <a:xfrm>
-            <a:off x="3840385" y="1213849"/>
-            <a:ext cx="5712369" cy="923330"/>
+            <a:off x="7731444" y="5278932"/>
+            <a:ext cx="2076450" cy="369332"/>
           </a:xfrm>
           <a:prstGeom prst="rect">
             <a:avLst/>
@@ -4921,23 +5381,24 @@
           </a:bodyPr>
           <a:lstStyle/>
           <a:p>
-            <a:r>
-              <a:rPr lang="en-US" sz="5400" dirty="0"/>
-              <a:t>INCLASS LECTURES</a:t>
-            </a:r>
-          </a:p>
-        </p:txBody>
-      </p:sp>
-      <p:sp>
-        <p:nvSpPr>
-          <p:cNvPr id="8" name="TextBox 7"/>
+            <a:pPr algn="ctr"/>
+            <a:r>
+              <a:rPr lang="en-US" dirty="0"/>
+              <a:t>May 11, 2020</a:t>
+            </a:r>
+          </a:p>
+        </p:txBody>
+      </p:sp>
+      <p:sp>
+        <p:nvSpPr>
+          <p:cNvPr id="9" name="TextBox 8"/>
           <p:cNvSpPr txBox="1"/>
           <p:nvPr/>
         </p:nvSpPr>
         <p:spPr>
           <a:xfrm>
-            <a:off x="7731444" y="5278932"/>
-            <a:ext cx="2076450" cy="369332"/>
+            <a:off x="2639881" y="3325287"/>
+            <a:ext cx="5005769" cy="1477328"/>
           </a:xfrm>
           <a:prstGeom prst="rect">
             <a:avLst/>
@@ -4953,56 +5414,36 @@
             <a:pPr algn="ctr"/>
             <a:r>
               <a:rPr lang="en-US" dirty="0"/>
-              <a:t>May 11, 2020</a:t>
-            </a:r>
-          </a:p>
-        </p:txBody>
-      </p:sp>
-      <p:sp>
-        <p:nvSpPr>
-          <p:cNvPr id="9" name="TextBox 8"/>
-          <p:cNvSpPr txBox="1"/>
-          <p:nvPr/>
-        </p:nvSpPr>
-        <p:spPr>
-          <a:xfrm>
-            <a:off x="3506996" y="2465382"/>
-            <a:ext cx="5005769" cy="1200329"/>
-          </a:xfrm>
-          <a:prstGeom prst="rect">
-            <a:avLst/>
-          </a:prstGeom>
-          <a:noFill/>
-        </p:spPr>
-        <p:txBody>
-          <a:bodyPr wrap="square" rtlCol="0">
-            <a:spAutoFit/>
-          </a:bodyPr>
-          <a:lstStyle/>
-          <a:p>
-            <a:pPr algn="ctr"/>
-            <a:r>
-              <a:rPr lang="en-US" dirty="0"/>
-              <a:t>Chapter 2</a:t>
+              <a:t>HW_02, section C</a:t>
             </a:r>
           </a:p>
           <a:p>
             <a:pPr algn="ctr"/>
             <a:r>
               <a:rPr lang="en-US" b="1" u="sng" dirty="0"/>
-              <a:t>Exploration of Data </a:t>
-            </a:r>
-          </a:p>
-          <a:p>
-            <a:pPr algn="ctr"/>
-            <a:r>
-              <a:rPr lang="en-US" b="1" u="sng" dirty="0"/>
-              <a:t>with Plots </a:t>
-            </a:r>
-          </a:p>
-          <a:p>
-            <a:pPr algn="ctr"/>
-            <a:endParaRPr lang="en-US" b="1" u="sng" dirty="0"/>
+              <a:t>Exploration of Data with Plots </a:t>
+            </a:r>
+          </a:p>
+          <a:p>
+            <a:pPr algn="ctr"/>
+            <a:r>
+              <a:rPr lang="en-US" i="1" dirty="0"/>
+              <a:t>Frequency Distribution Tables</a:t>
+            </a:r>
+          </a:p>
+          <a:p>
+            <a:pPr algn="ctr"/>
+            <a:r>
+              <a:rPr lang="en-US" i="1" dirty="0"/>
+              <a:t>Bar Charts &amp; Histograms</a:t>
+            </a:r>
+          </a:p>
+          <a:p>
+            <a:pPr algn="ctr"/>
+            <a:r>
+              <a:rPr lang="en-US" i="1" dirty="0"/>
+              <a:t>Percentiles, Quartiles, Deciles</a:t>
+            </a:r>
           </a:p>
         </p:txBody>
       </p:sp>
@@ -5273,21 +5714,21 @@
           <a:p>
             <a:r>
               <a:rPr lang="en-US" dirty="0"/>
-              <a:t>Day 3 of 13</a:t>
-            </a:r>
-          </a:p>
-        </p:txBody>
-      </p:sp>
-      <p:sp>
-        <p:nvSpPr>
-          <p:cNvPr id="15" name="TextBox 14"/>
+              <a:t>After Day 3 of 13</a:t>
+            </a:r>
+          </a:p>
+        </p:txBody>
+      </p:sp>
+      <p:sp>
+        <p:nvSpPr>
+          <p:cNvPr id="16" name="TextBox 15"/>
           <p:cNvSpPr txBox="1"/>
           <p:nvPr/>
         </p:nvSpPr>
         <p:spPr>
           <a:xfrm>
-            <a:off x="2035110" y="3429000"/>
-            <a:ext cx="5005769" cy="1200329"/>
+            <a:off x="4184694" y="1065121"/>
+            <a:ext cx="5712369" cy="1754326"/>
           </a:xfrm>
           <a:prstGeom prst="rect">
             <a:avLst/>
@@ -5300,72 +5741,9 @@
           </a:bodyPr>
           <a:lstStyle/>
           <a:p>
-            <a:pPr algn="ctr"/>
-            <a:r>
-              <a:rPr lang="en-US" dirty="0"/>
-              <a:t>Chapter 3</a:t>
-            </a:r>
-          </a:p>
-          <a:p>
-            <a:pPr algn="ctr"/>
-            <a:r>
-              <a:rPr lang="en-US" b="1" u="sng" dirty="0"/>
-              <a:t>Summarizing Data with </a:t>
-            </a:r>
-          </a:p>
-          <a:p>
-            <a:pPr algn="ctr"/>
-            <a:r>
-              <a:rPr lang="en-US" b="1" u="sng" dirty="0"/>
-              <a:t>Descriptive Statistics</a:t>
-            </a:r>
-          </a:p>
-          <a:p>
-            <a:pPr algn="ctr"/>
-            <a:endParaRPr lang="en-US" b="1" u="sng" dirty="0"/>
-          </a:p>
-        </p:txBody>
-      </p:sp>
-      <p:sp>
-        <p:nvSpPr>
-          <p:cNvPr id="16" name="TextBox 15"/>
-          <p:cNvSpPr txBox="1"/>
-          <p:nvPr/>
-        </p:nvSpPr>
-        <p:spPr>
-          <a:xfrm>
-            <a:off x="3258130" y="4574181"/>
-            <a:ext cx="5005769" cy="923330"/>
-          </a:xfrm>
-          <a:prstGeom prst="rect">
-            <a:avLst/>
-          </a:prstGeom>
-          <a:noFill/>
-        </p:spPr>
-        <p:txBody>
-          <a:bodyPr wrap="square" rtlCol="0">
-            <a:spAutoFit/>
-          </a:bodyPr>
-          <a:lstStyle/>
-          <a:p>
-            <a:pPr algn="ctr"/>
-            <a:r>
-              <a:rPr lang="en-US" dirty="0"/>
-              <a:t>Chapter 4</a:t>
-            </a:r>
-          </a:p>
-          <a:p>
-            <a:pPr algn="ctr"/>
-            <a:r>
-              <a:rPr lang="en-US" b="1" u="sng" dirty="0"/>
-              <a:t>Standardized Scores &amp; </a:t>
-            </a:r>
-          </a:p>
-          <a:p>
-            <a:pPr algn="ctr"/>
-            <a:r>
-              <a:rPr lang="en-US" b="1" u="sng" dirty="0"/>
-              <a:t>he Normal Distribution</a:t>
+            <a:r>
+              <a:rPr lang="en-US" sz="5400" dirty="0"/>
+              <a:t>OUT-OF-CLASS LECTURES</a:t>
             </a:r>
           </a:p>
         </p:txBody>
@@ -5373,7 +5751,7 @@
     </p:spTree>
     <p:extLst>
       <p:ext uri="{BB962C8B-B14F-4D97-AF65-F5344CB8AC3E}">
-        <p14:creationId xmlns:p14="http://schemas.microsoft.com/office/powerpoint/2010/main" val="3819651160"/>
+        <p14:creationId xmlns:p14="http://schemas.microsoft.com/office/powerpoint/2010/main" val="3670027290"/>
       </p:ext>
     </p:extLst>
   </p:cSld>
@@ -5383,7 +5761,7 @@
 </p:sld>
 </file>
 
-<file path=ppt/slides/slide14.xml><?xml version="1.0" encoding="utf-8"?>
+<file path=ppt/slides/slide15.xml><?xml version="1.0" encoding="utf-8"?>
 <p:sld xmlns:a="http://schemas.openxmlformats.org/drawingml/2006/main" xmlns:r="http://schemas.openxmlformats.org/officeDocument/2006/relationships" xmlns:p="http://schemas.openxmlformats.org/presentationml/2006/main">
   <p:cSld>
     <p:spTree>
@@ -5448,14 +5826,14 @@
       </p:sp>
       <p:sp>
         <p:nvSpPr>
-          <p:cNvPr id="8" name="TextBox 7"/>
+          <p:cNvPr id="7" name="TextBox 6"/>
           <p:cNvSpPr txBox="1"/>
           <p:nvPr/>
         </p:nvSpPr>
         <p:spPr>
           <a:xfrm>
-            <a:off x="7731444" y="5278932"/>
-            <a:ext cx="2076450" cy="369332"/>
+            <a:off x="3840385" y="1213849"/>
+            <a:ext cx="5712369" cy="923330"/>
           </a:xfrm>
           <a:prstGeom prst="rect">
             <a:avLst/>
@@ -5468,24 +5846,23 @@
           </a:bodyPr>
           <a:lstStyle/>
           <a:p>
-            <a:pPr algn="ctr"/>
-            <a:r>
-              <a:rPr lang="en-US" dirty="0"/>
-              <a:t>May 8, 2020</a:t>
-            </a:r>
-          </a:p>
-        </p:txBody>
-      </p:sp>
-      <p:sp>
-        <p:nvSpPr>
-          <p:cNvPr id="9" name="TextBox 8"/>
+            <a:r>
+              <a:rPr lang="en-US" sz="5400" dirty="0"/>
+              <a:t>INCLASS LECTURES</a:t>
+            </a:r>
+          </a:p>
+        </p:txBody>
+      </p:sp>
+      <p:sp>
+        <p:nvSpPr>
+          <p:cNvPr id="8" name="TextBox 7"/>
           <p:cNvSpPr txBox="1"/>
           <p:nvPr/>
         </p:nvSpPr>
         <p:spPr>
           <a:xfrm>
-            <a:off x="2679150" y="2855442"/>
-            <a:ext cx="5005769" cy="1200329"/>
+            <a:off x="7731444" y="5278932"/>
+            <a:ext cx="2076450" cy="369332"/>
           </a:xfrm>
           <a:prstGeom prst="rect">
             <a:avLst/>
@@ -5501,39 +5878,56 @@
             <a:pPr algn="ctr"/>
             <a:r>
               <a:rPr lang="en-US" dirty="0"/>
-              <a:t>HW_01</a:t>
+              <a:t>May 11, 2020</a:t>
+            </a:r>
+          </a:p>
+        </p:txBody>
+      </p:sp>
+      <p:sp>
+        <p:nvSpPr>
+          <p:cNvPr id="9" name="TextBox 8"/>
+          <p:cNvSpPr txBox="1"/>
+          <p:nvPr/>
+        </p:nvSpPr>
+        <p:spPr>
+          <a:xfrm>
+            <a:off x="3506996" y="2465382"/>
+            <a:ext cx="5005769" cy="1200329"/>
+          </a:xfrm>
+          <a:prstGeom prst="rect">
+            <a:avLst/>
+          </a:prstGeom>
+          <a:noFill/>
+        </p:spPr>
+        <p:txBody>
+          <a:bodyPr wrap="square" rtlCol="0">
+            <a:spAutoFit/>
+          </a:bodyPr>
+          <a:lstStyle/>
+          <a:p>
+            <a:pPr algn="ctr"/>
+            <a:r>
+              <a:rPr lang="en-US" dirty="0"/>
+              <a:t>Chapter 2</a:t>
             </a:r>
           </a:p>
           <a:p>
             <a:pPr algn="ctr"/>
             <a:r>
               <a:rPr lang="en-US" b="1" u="sng" dirty="0"/>
-              <a:t>Getting Started with R &amp; R Studio</a:t>
-            </a:r>
-          </a:p>
-          <a:p>
-            <a:pPr algn="ctr"/>
-            <a:r>
-              <a:rPr lang="en-US" i="1" dirty="0"/>
-              <a:t>Second half of the </a:t>
-            </a:r>
-            <a:r>
-              <a:rPr lang="en-US" i="1" dirty="0" err="1"/>
-              <a:t>Rmd</a:t>
-            </a:r>
-            <a:endParaRPr lang="en-US" i="1" dirty="0"/>
-          </a:p>
-          <a:p>
-            <a:pPr algn="ctr"/>
-            <a:r>
-              <a:rPr lang="en-US" i="1" dirty="0"/>
-              <a:t>Uploading and submitting in </a:t>
-            </a:r>
-            <a:r>
-              <a:rPr lang="en-US" i="1" dirty="0" err="1"/>
-              <a:t>Canvs</a:t>
-            </a:r>
-            <a:endParaRPr lang="en-US" i="1" dirty="0"/>
+              <a:t>Exploration of Data </a:t>
+            </a:r>
+          </a:p>
+          <a:p>
+            <a:pPr algn="ctr"/>
+            <a:r>
+              <a:rPr lang="en-US" b="1" u="sng" dirty="0"/>
+              <a:t>with Plots </a:t>
+            </a:r>
+          </a:p>
+          <a:p>
+            <a:pPr algn="ctr"/>
+            <a:endParaRPr lang="en-US" b="1" u="sng" dirty="0"/>
           </a:p>
         </p:txBody>
       </p:sp>
@@ -5804,27 +6198,21 @@
           <a:p>
             <a:r>
               <a:rPr lang="en-US" dirty="0"/>
-              <a:t>After Day 2 of 13</a:t>
-            </a:r>
-          </a:p>
-        </p:txBody>
-      </p:sp>
-      <p:sp>
-        <p:nvSpPr>
-          <p:cNvPr id="15" name="TextBox 14">
-            <a:extLst>
-              <a:ext uri="{FF2B5EF4-FFF2-40B4-BE49-F238E27FC236}">
-                <a16:creationId xmlns:a16="http://schemas.microsoft.com/office/drawing/2014/main" id="{ED772940-6A60-4E55-A11A-675405DD459E}"/>
-              </a:ext>
-            </a:extLst>
-          </p:cNvPr>
+              <a:t>Day 3 of 13</a:t>
+            </a:r>
+          </a:p>
+        </p:txBody>
+      </p:sp>
+      <p:sp>
+        <p:nvSpPr>
+          <p:cNvPr id="15" name="TextBox 14"/>
           <p:cNvSpPr txBox="1"/>
           <p:nvPr/>
         </p:nvSpPr>
         <p:spPr>
           <a:xfrm>
-            <a:off x="3838696" y="1056832"/>
-            <a:ext cx="5712369" cy="1754326"/>
+            <a:off x="2035110" y="3429000"/>
+            <a:ext cx="5005769" cy="1200329"/>
           </a:xfrm>
           <a:prstGeom prst="rect">
             <a:avLst/>
@@ -5837,15 +6225,72 @@
           </a:bodyPr>
           <a:lstStyle/>
           <a:p>
-            <a:r>
-              <a:rPr lang="en-US" sz="5400" dirty="0"/>
-              <a:t>Virtual </a:t>
-            </a:r>
-          </a:p>
-          <a:p>
-            <a:r>
-              <a:rPr lang="en-US" sz="5400" dirty="0"/>
-              <a:t>Office Hours</a:t>
+            <a:pPr algn="ctr"/>
+            <a:r>
+              <a:rPr lang="en-US" dirty="0"/>
+              <a:t>Chapter 3</a:t>
+            </a:r>
+          </a:p>
+          <a:p>
+            <a:pPr algn="ctr"/>
+            <a:r>
+              <a:rPr lang="en-US" b="1" u="sng" dirty="0"/>
+              <a:t>Summarizing Data with </a:t>
+            </a:r>
+          </a:p>
+          <a:p>
+            <a:pPr algn="ctr"/>
+            <a:r>
+              <a:rPr lang="en-US" b="1" u="sng" dirty="0"/>
+              <a:t>Descriptive Statistics</a:t>
+            </a:r>
+          </a:p>
+          <a:p>
+            <a:pPr algn="ctr"/>
+            <a:endParaRPr lang="en-US" b="1" u="sng" dirty="0"/>
+          </a:p>
+        </p:txBody>
+      </p:sp>
+      <p:sp>
+        <p:nvSpPr>
+          <p:cNvPr id="16" name="TextBox 15"/>
+          <p:cNvSpPr txBox="1"/>
+          <p:nvPr/>
+        </p:nvSpPr>
+        <p:spPr>
+          <a:xfrm>
+            <a:off x="3258130" y="4574181"/>
+            <a:ext cx="5005769" cy="923330"/>
+          </a:xfrm>
+          <a:prstGeom prst="rect">
+            <a:avLst/>
+          </a:prstGeom>
+          <a:noFill/>
+        </p:spPr>
+        <p:txBody>
+          <a:bodyPr wrap="square" rtlCol="0">
+            <a:spAutoFit/>
+          </a:bodyPr>
+          <a:lstStyle/>
+          <a:p>
+            <a:pPr algn="ctr"/>
+            <a:r>
+              <a:rPr lang="en-US" dirty="0"/>
+              <a:t>Chapter 4</a:t>
+            </a:r>
+          </a:p>
+          <a:p>
+            <a:pPr algn="ctr"/>
+            <a:r>
+              <a:rPr lang="en-US" b="1" u="sng" dirty="0"/>
+              <a:t>Standardized Scores &amp; </a:t>
+            </a:r>
+          </a:p>
+          <a:p>
+            <a:pPr algn="ctr"/>
+            <a:r>
+              <a:rPr lang="en-US" b="1" u="sng" dirty="0"/>
+              <a:t>he Normal Distribution</a:t>
             </a:r>
           </a:p>
         </p:txBody>
@@ -5853,7 +6298,7 @@
     </p:spTree>
     <p:extLst>
       <p:ext uri="{BB962C8B-B14F-4D97-AF65-F5344CB8AC3E}">
-        <p14:creationId xmlns:p14="http://schemas.microsoft.com/office/powerpoint/2010/main" val="2159513127"/>
+        <p14:creationId xmlns:p14="http://schemas.microsoft.com/office/powerpoint/2010/main" val="3819651160"/>
       </p:ext>
     </p:extLst>
   </p:cSld>
@@ -5863,7 +6308,7 @@
 </p:sld>
 </file>
 
-<file path=ppt/slides/slide15.xml><?xml version="1.0" encoding="utf-8"?>
+<file path=ppt/slides/slide16.xml><?xml version="1.0" encoding="utf-8"?>
 <p:sld xmlns:a="http://schemas.openxmlformats.org/drawingml/2006/main" xmlns:r="http://schemas.openxmlformats.org/officeDocument/2006/relationships" xmlns:p="http://schemas.openxmlformats.org/presentationml/2006/main">
   <p:cSld>
     <p:spTree>
@@ -5951,7 +6396,7 @@
             <a:pPr algn="ctr"/>
             <a:r>
               <a:rPr lang="en-US" dirty="0"/>
-              <a:t>May 7, 2020</a:t>
+              <a:t>May 8, 2020</a:t>
             </a:r>
           </a:p>
         </p:txBody>
@@ -5965,7 +6410,7 @@
         <p:spPr>
           <a:xfrm>
             <a:off x="2679150" y="2855442"/>
-            <a:ext cx="5005769" cy="1754326"/>
+            <a:ext cx="5005769" cy="1200329"/>
           </a:xfrm>
           <a:prstGeom prst="rect">
             <a:avLst/>
@@ -5995,29 +6440,25 @@
             <a:pPr algn="ctr"/>
             <a:r>
               <a:rPr lang="en-US" i="1" dirty="0"/>
-              <a:t>Additional basic slides</a:t>
-            </a:r>
+              <a:t>Second half of the </a:t>
+            </a:r>
+            <a:r>
+              <a:rPr lang="en-US" i="1" dirty="0" err="1"/>
+              <a:t>Rmd</a:t>
+            </a:r>
+            <a:endParaRPr lang="en-US" i="1" dirty="0"/>
           </a:p>
           <a:p>
             <a:pPr algn="ctr"/>
             <a:r>
               <a:rPr lang="en-US" i="1" dirty="0"/>
-              <a:t>More on the PIPE</a:t>
-            </a:r>
-          </a:p>
-          <a:p>
-            <a:pPr algn="ctr"/>
-            <a:r>
-              <a:rPr lang="en-US" i="1" dirty="0"/>
-              <a:t>Declaring factors (1C #1, df_1)</a:t>
-            </a:r>
-          </a:p>
-          <a:p>
-            <a:pPr algn="ctr"/>
-            <a:r>
-              <a:rPr lang="en-US" i="1" dirty="0"/>
-              <a:t>Creating new variables (1C #2, df_2)</a:t>
-            </a:r>
+              <a:t>Uploading and submitting in </a:t>
+            </a:r>
+            <a:r>
+              <a:rPr lang="en-US" i="1" dirty="0" err="1"/>
+              <a:t>Canvs</a:t>
+            </a:r>
+            <a:endParaRPr lang="en-US" i="1" dirty="0"/>
           </a:p>
         </p:txBody>
       </p:sp>
@@ -6337,7 +6778,7 @@
     </p:spTree>
     <p:extLst>
       <p:ext uri="{BB962C8B-B14F-4D97-AF65-F5344CB8AC3E}">
-        <p14:creationId xmlns:p14="http://schemas.microsoft.com/office/powerpoint/2010/main" val="1205030995"/>
+        <p14:creationId xmlns:p14="http://schemas.microsoft.com/office/powerpoint/2010/main" val="2159513127"/>
       </p:ext>
     </p:extLst>
   </p:cSld>
@@ -6347,7 +6788,7 @@
 </p:sld>
 </file>
 
-<file path=ppt/slides/slide16.xml><?xml version="1.0" encoding="utf-8"?>
+<file path=ppt/slides/slide17.xml><?xml version="1.0" encoding="utf-8"?>
 <p:sld xmlns:a="http://schemas.openxmlformats.org/drawingml/2006/main" xmlns:r="http://schemas.openxmlformats.org/officeDocument/2006/relationships" xmlns:p="http://schemas.openxmlformats.org/presentationml/2006/main">
   <p:cSld>
     <p:spTree>
@@ -6412,14 +6853,14 @@
       </p:sp>
       <p:sp>
         <p:nvSpPr>
-          <p:cNvPr id="7" name="TextBox 6"/>
+          <p:cNvPr id="8" name="TextBox 7"/>
           <p:cNvSpPr txBox="1"/>
           <p:nvPr/>
         </p:nvSpPr>
         <p:spPr>
           <a:xfrm>
-            <a:off x="3840385" y="1213849"/>
-            <a:ext cx="5712369" cy="923330"/>
+            <a:off x="7731444" y="5278932"/>
+            <a:ext cx="2076450" cy="369332"/>
           </a:xfrm>
           <a:prstGeom prst="rect">
             <a:avLst/>
@@ -6432,23 +6873,24 @@
           </a:bodyPr>
           <a:lstStyle/>
           <a:p>
-            <a:r>
-              <a:rPr lang="en-US" sz="5400" dirty="0"/>
-              <a:t>INCLASS LECTURES</a:t>
-            </a:r>
-          </a:p>
-        </p:txBody>
-      </p:sp>
-      <p:sp>
-        <p:nvSpPr>
-          <p:cNvPr id="8" name="TextBox 7"/>
+            <a:pPr algn="ctr"/>
+            <a:r>
+              <a:rPr lang="en-US" dirty="0"/>
+              <a:t>May 7, 2020</a:t>
+            </a:r>
+          </a:p>
+        </p:txBody>
+      </p:sp>
+      <p:sp>
+        <p:nvSpPr>
+          <p:cNvPr id="9" name="TextBox 8"/>
           <p:cNvSpPr txBox="1"/>
           <p:nvPr/>
         </p:nvSpPr>
         <p:spPr>
           <a:xfrm>
-            <a:off x="7731444" y="5278932"/>
-            <a:ext cx="2076450" cy="369332"/>
+            <a:off x="2679150" y="2855442"/>
+            <a:ext cx="5005769" cy="1754326"/>
           </a:xfrm>
           <a:prstGeom prst="rect">
             <a:avLst/>
@@ -6464,37 +6906,7 @@
             <a:pPr algn="ctr"/>
             <a:r>
               <a:rPr lang="en-US" dirty="0"/>
-              <a:t>May 6, 2020</a:t>
-            </a:r>
-          </a:p>
-        </p:txBody>
-      </p:sp>
-      <p:sp>
-        <p:nvSpPr>
-          <p:cNvPr id="9" name="TextBox 8"/>
-          <p:cNvSpPr txBox="1"/>
-          <p:nvPr/>
-        </p:nvSpPr>
-        <p:spPr>
-          <a:xfrm>
-            <a:off x="2365000" y="2644649"/>
-            <a:ext cx="5005769" cy="2308324"/>
-          </a:xfrm>
-          <a:prstGeom prst="rect">
-            <a:avLst/>
-          </a:prstGeom>
-          <a:noFill/>
-        </p:spPr>
-        <p:txBody>
-          <a:bodyPr wrap="square" rtlCol="0">
-            <a:spAutoFit/>
-          </a:bodyPr>
-          <a:lstStyle/>
-          <a:p>
-            <a:pPr algn="ctr"/>
-            <a:r>
-              <a:rPr lang="en-US" dirty="0"/>
-              <a:t>Chapter 1</a:t>
+              <a:t>HW_01</a:t>
             </a:r>
           </a:p>
           <a:p>
@@ -6508,42 +6920,28 @@
             <a:pPr algn="ctr"/>
             <a:r>
               <a:rPr lang="en-US" i="1" dirty="0"/>
-              <a:t>Workspace Orientation</a:t>
+              <a:t>Additional basic slides</a:t>
             </a:r>
           </a:p>
           <a:p>
             <a:pPr algn="ctr"/>
             <a:r>
               <a:rPr lang="en-US" i="1" dirty="0"/>
-              <a:t>Getting Help</a:t>
+              <a:t>More on the PIPE</a:t>
             </a:r>
           </a:p>
           <a:p>
             <a:pPr algn="ctr"/>
             <a:r>
               <a:rPr lang="en-US" i="1" dirty="0"/>
-              <a:t>Running &amp; knitting</a:t>
+              <a:t>Declaring factors (1C #1, df_1)</a:t>
             </a:r>
           </a:p>
           <a:p>
             <a:pPr algn="ctr"/>
             <a:r>
               <a:rPr lang="en-US" i="1" dirty="0"/>
-              <a:t>Importing data</a:t>
-            </a:r>
-          </a:p>
-          <a:p>
-            <a:pPr algn="ctr"/>
-            <a:r>
-              <a:rPr lang="en-US" i="1" dirty="0"/>
-              <a:t>NA, pipe, assignment</a:t>
-            </a:r>
-          </a:p>
-          <a:p>
-            <a:pPr algn="ctr"/>
-            <a:r>
-              <a:rPr lang="en-US" i="1" dirty="0"/>
-              <a:t>Declaring factors</a:t>
+              <a:t>Creating new variables (1C #2, df_2)</a:t>
             </a:r>
           </a:p>
         </p:txBody>
@@ -6815,7 +7213,48 @@
           <a:p>
             <a:r>
               <a:rPr lang="en-US" dirty="0"/>
-              <a:t>Part 2 of 2, Day 2 of 13</a:t>
+              <a:t>After Day 2 of 13</a:t>
+            </a:r>
+          </a:p>
+        </p:txBody>
+      </p:sp>
+      <p:sp>
+        <p:nvSpPr>
+          <p:cNvPr id="15" name="TextBox 14">
+            <a:extLst>
+              <a:ext uri="{FF2B5EF4-FFF2-40B4-BE49-F238E27FC236}">
+                <a16:creationId xmlns:a16="http://schemas.microsoft.com/office/drawing/2014/main" id="{ED772940-6A60-4E55-A11A-675405DD459E}"/>
+              </a:ext>
+            </a:extLst>
+          </p:cNvPr>
+          <p:cNvSpPr txBox="1"/>
+          <p:nvPr/>
+        </p:nvSpPr>
+        <p:spPr>
+          <a:xfrm>
+            <a:off x="3838696" y="1056832"/>
+            <a:ext cx="5712369" cy="1754326"/>
+          </a:xfrm>
+          <a:prstGeom prst="rect">
+            <a:avLst/>
+          </a:prstGeom>
+          <a:noFill/>
+        </p:spPr>
+        <p:txBody>
+          <a:bodyPr wrap="square" rtlCol="0">
+            <a:spAutoFit/>
+          </a:bodyPr>
+          <a:lstStyle/>
+          <a:p>
+            <a:r>
+              <a:rPr lang="en-US" sz="5400" dirty="0"/>
+              <a:t>Virtual </a:t>
+            </a:r>
+          </a:p>
+          <a:p>
+            <a:r>
+              <a:rPr lang="en-US" sz="5400" dirty="0"/>
+              <a:t>Office Hours</a:t>
             </a:r>
           </a:p>
         </p:txBody>
@@ -6823,7 +7262,7 @@
     </p:spTree>
     <p:extLst>
       <p:ext uri="{BB962C8B-B14F-4D97-AF65-F5344CB8AC3E}">
-        <p14:creationId xmlns:p14="http://schemas.microsoft.com/office/powerpoint/2010/main" val="3166273230"/>
+        <p14:creationId xmlns:p14="http://schemas.microsoft.com/office/powerpoint/2010/main" val="1205030995"/>
       </p:ext>
     </p:extLst>
   </p:cSld>
@@ -6833,7 +7272,7 @@
 </p:sld>
 </file>
 
-<file path=ppt/slides/slide17.xml><?xml version="1.0" encoding="utf-8"?>
+<file path=ppt/slides/slide18.xml><?xml version="1.0" encoding="utf-8"?>
 <p:sld xmlns:a="http://schemas.openxmlformats.org/drawingml/2006/main" xmlns:r="http://schemas.openxmlformats.org/officeDocument/2006/relationships" xmlns:p="http://schemas.openxmlformats.org/presentationml/2006/main">
   <p:cSld>
     <p:spTree>
@@ -6964,7 +7403,7 @@
         <p:spPr>
           <a:xfrm>
             <a:off x="2365000" y="2644649"/>
-            <a:ext cx="5005769" cy="2031325"/>
+            <a:ext cx="5005769" cy="2308324"/>
           </a:xfrm>
           <a:prstGeom prst="rect">
             <a:avLst/>
@@ -6987,42 +7426,49 @@
             <a:pPr algn="ctr"/>
             <a:r>
               <a:rPr lang="en-US" b="1" u="sng" dirty="0"/>
-              <a:t>Basic Vocabulary and Skills</a:t>
+              <a:t>Getting Started with R &amp; R Studio</a:t>
             </a:r>
           </a:p>
           <a:p>
             <a:pPr algn="ctr"/>
             <a:r>
               <a:rPr lang="en-US" i="1" dirty="0"/>
-              <a:t>Scales of Measure</a:t>
+              <a:t>Workspace Orientation</a:t>
             </a:r>
           </a:p>
           <a:p>
             <a:pPr algn="ctr"/>
             <a:r>
               <a:rPr lang="en-US" i="1" dirty="0"/>
-              <a:t>Type of Variable</a:t>
+              <a:t>Getting Help</a:t>
             </a:r>
           </a:p>
           <a:p>
             <a:pPr algn="ctr"/>
             <a:r>
               <a:rPr lang="en-US" i="1" dirty="0"/>
-              <a:t>Study Design</a:t>
+              <a:t>Running &amp; knitting</a:t>
             </a:r>
           </a:p>
           <a:p>
             <a:pPr algn="ctr"/>
             <a:r>
               <a:rPr lang="en-US" i="1" dirty="0"/>
-              <a:t>Rounding Numbers</a:t>
+              <a:t>Importing data</a:t>
             </a:r>
           </a:p>
           <a:p>
             <a:pPr algn="ctr"/>
             <a:r>
               <a:rPr lang="en-US" i="1" dirty="0"/>
-              <a:t>Summation Notation</a:t>
+              <a:t>NA, pipe, assignment</a:t>
+            </a:r>
+          </a:p>
+          <a:p>
+            <a:pPr algn="ctr"/>
+            <a:r>
+              <a:rPr lang="en-US" i="1" dirty="0"/>
+              <a:t>Declaring factors</a:t>
             </a:r>
           </a:p>
         </p:txBody>
@@ -7294,7 +7740,7 @@
           <a:p>
             <a:r>
               <a:rPr lang="en-US" dirty="0"/>
-              <a:t>Part 1 of 2, Day 2 of 13</a:t>
+              <a:t>Part 2 of 2, Day 2 of 13</a:t>
             </a:r>
           </a:p>
         </p:txBody>
@@ -7302,7 +7748,7 @@
     </p:spTree>
     <p:extLst>
       <p:ext uri="{BB962C8B-B14F-4D97-AF65-F5344CB8AC3E}">
-        <p14:creationId xmlns:p14="http://schemas.microsoft.com/office/powerpoint/2010/main" val="121509918"/>
+        <p14:creationId xmlns:p14="http://schemas.microsoft.com/office/powerpoint/2010/main" val="3166273230"/>
       </p:ext>
     </p:extLst>
   </p:cSld>
@@ -7312,7 +7758,7 @@
 </p:sld>
 </file>
 
-<file path=ppt/slides/slide18.xml><?xml version="1.0" encoding="utf-8"?>
+<file path=ppt/slides/slide19.xml><?xml version="1.0" encoding="utf-8"?>
 <p:sld xmlns:a="http://schemas.openxmlformats.org/drawingml/2006/main" xmlns:r="http://schemas.openxmlformats.org/officeDocument/2006/relationships" xmlns:p="http://schemas.openxmlformats.org/presentationml/2006/main">
   <p:cSld>
     <p:spTree>
@@ -7429,7 +7875,7 @@
             <a:pPr algn="ctr"/>
             <a:r>
               <a:rPr lang="en-US" dirty="0"/>
-              <a:t>May 4, 2020</a:t>
+              <a:t>May 6, 2020</a:t>
             </a:r>
           </a:p>
         </p:txBody>
@@ -7443,7 +7889,7 @@
         <p:spPr>
           <a:xfrm>
             <a:off x="2365000" y="2644649"/>
-            <a:ext cx="5005769" cy="1754326"/>
+            <a:ext cx="5005769" cy="2031325"/>
           </a:xfrm>
           <a:prstGeom prst="rect">
             <a:avLst/>
@@ -7459,48 +7905,50 @@
             <a:pPr algn="ctr"/>
             <a:r>
               <a:rPr lang="en-US" dirty="0"/>
-              <a:t>Chapter 0</a:t>
+              <a:t>Chapter 1</a:t>
             </a:r>
           </a:p>
           <a:p>
             <a:pPr algn="ctr"/>
             <a:r>
               <a:rPr lang="en-US" b="1" u="sng" dirty="0"/>
-              <a:t>Getting Started</a:t>
+              <a:t>Basic Vocabulary and Skills</a:t>
             </a:r>
           </a:p>
           <a:p>
             <a:pPr algn="ctr"/>
             <a:r>
               <a:rPr lang="en-US" i="1" dirty="0"/>
-              <a:t>Syllabus &amp; Grade Components</a:t>
+              <a:t>Scales of Measure</a:t>
             </a:r>
           </a:p>
           <a:p>
             <a:pPr algn="ctr"/>
             <a:r>
               <a:rPr lang="en-US" i="1" dirty="0"/>
-              <a:t>Cohen’s Textbook &amp; Ihno’s Dataset</a:t>
+              <a:t>Type of Variable</a:t>
             </a:r>
           </a:p>
           <a:p>
             <a:pPr algn="ctr"/>
             <a:r>
               <a:rPr lang="en-US" i="1" dirty="0"/>
-              <a:t>APA Style relating to stats</a:t>
+              <a:t>Study Design</a:t>
             </a:r>
           </a:p>
           <a:p>
             <a:pPr algn="ctr"/>
             <a:r>
               <a:rPr lang="en-US" i="1" dirty="0"/>
-              <a:t>Software Installation: R, R Studio, &amp; </a:t>
-            </a:r>
-            <a:r>
-              <a:rPr lang="en-US" i="1" dirty="0" err="1"/>
-              <a:t>Tex</a:t>
-            </a:r>
-            <a:endParaRPr lang="en-US" i="1" dirty="0"/>
+              <a:t>Rounding Numbers</a:t>
+            </a:r>
+          </a:p>
+          <a:p>
+            <a:pPr algn="ctr"/>
+            <a:r>
+              <a:rPr lang="en-US" i="1" dirty="0"/>
+              <a:t>Summation Notation</a:t>
+            </a:r>
           </a:p>
         </p:txBody>
       </p:sp>
@@ -7756,7 +8204,7 @@
         <p:spPr>
           <a:xfrm>
             <a:off x="3021210" y="5278932"/>
-            <a:ext cx="2243137" cy="369332"/>
+            <a:ext cx="2614836" cy="369332"/>
           </a:xfrm>
           <a:prstGeom prst="rect">
             <a:avLst/>
@@ -7771,7 +8219,7 @@
           <a:p>
             <a:r>
               <a:rPr lang="en-US" dirty="0"/>
-              <a:t>Day 1 of 13</a:t>
+              <a:t>Part 1 of 2, Day 2 of 13</a:t>
             </a:r>
           </a:p>
         </p:txBody>
@@ -7779,7 +8227,7 @@
     </p:spTree>
     <p:extLst>
       <p:ext uri="{BB962C8B-B14F-4D97-AF65-F5344CB8AC3E}">
-        <p14:creationId xmlns:p14="http://schemas.microsoft.com/office/powerpoint/2010/main" val="775600964"/>
+        <p14:creationId xmlns:p14="http://schemas.microsoft.com/office/powerpoint/2010/main" val="121509918"/>
       </p:ext>
     </p:extLst>
   </p:cSld>
@@ -7789,7 +8237,7 @@
 </p:sld>
 </file>
 
-<file path=ppt/slides/slide19.xml><?xml version="1.0" encoding="utf-8"?>
+<file path=ppt/slides/slide2.xml><?xml version="1.0" encoding="utf-8"?>
 <p:sld xmlns:a="http://schemas.openxmlformats.org/drawingml/2006/main" xmlns:r="http://schemas.openxmlformats.org/officeDocument/2006/relationships" xmlns:p="http://schemas.openxmlformats.org/presentationml/2006/main">
   <p:cSld>
     <p:spTree>
@@ -7814,7 +8262,7 @@
         </p:nvSpPr>
         <p:spPr>
           <a:xfrm>
-            <a:off x="1853580" y="824230"/>
+            <a:off x="1706880" y="923544"/>
             <a:ext cx="8778240" cy="5010912"/>
           </a:xfrm>
           <a:prstGeom prst="rect">
@@ -7860,8 +8308,8 @@
         </p:nvSpPr>
         <p:spPr>
           <a:xfrm>
-            <a:off x="3838696" y="1056832"/>
-            <a:ext cx="5712369" cy="1754326"/>
+            <a:off x="4660895" y="1141046"/>
+            <a:ext cx="5337765" cy="2585323"/>
           </a:xfrm>
           <a:prstGeom prst="rect">
             <a:avLst/>
@@ -7875,28 +8323,170 @@
           <a:lstStyle/>
           <a:p>
             <a:r>
-              <a:rPr lang="en-US" sz="5400" dirty="0"/>
-              <a:t>Virtual </a:t>
-            </a:r>
-          </a:p>
-          <a:p>
-            <a:r>
-              <a:rPr lang="en-US" sz="5400" dirty="0"/>
-              <a:t>Office Hours</a:t>
-            </a:r>
-          </a:p>
-        </p:txBody>
-      </p:sp>
-      <p:sp>
-        <p:nvSpPr>
-          <p:cNvPr id="8" name="TextBox 7"/>
+              <a:rPr lang="en-US" sz="5400" dirty="0" smtClean="0"/>
+              <a:t>PRE-RECORDED</a:t>
+            </a:r>
+          </a:p>
+          <a:p>
+            <a:r>
+              <a:rPr lang="en-US" sz="5400" dirty="0" smtClean="0"/>
+              <a:t>CLASS</a:t>
+            </a:r>
+          </a:p>
+          <a:p>
+            <a:r>
+              <a:rPr lang="en-US" sz="5400" dirty="0" smtClean="0"/>
+              <a:t>LECTURES</a:t>
+            </a:r>
+            <a:endParaRPr lang="en-US" sz="5400" dirty="0"/>
+          </a:p>
+        </p:txBody>
+      </p:sp>
+      <p:grpSp>
+        <p:nvGrpSpPr>
+          <p:cNvPr id="14" name="Group 13"/>
+          <p:cNvGrpSpPr/>
+          <p:nvPr/>
+        </p:nvGrpSpPr>
+        <p:grpSpPr>
+          <a:xfrm>
+            <a:off x="7198839" y="2137179"/>
+            <a:ext cx="3141660" cy="3193339"/>
+            <a:chOff x="7047391" y="1961976"/>
+            <a:chExt cx="3141660" cy="3193339"/>
+          </a:xfrm>
+        </p:grpSpPr>
+        <p:pic>
+          <p:nvPicPr>
+            <p:cNvPr id="2" name="Picture 1"/>
+            <p:cNvPicPr>
+              <a:picLocks noChangeAspect="1"/>
+            </p:cNvPicPr>
+            <p:nvPr/>
+          </p:nvPicPr>
+          <p:blipFill>
+            <a:blip r:embed="rId2" cstate="print">
+              <a:extLst>
+                <a:ext uri="{28A0092B-C50C-407E-A947-70E740481C1C}">
+                  <a14:useLocalDpi xmlns:a14="http://schemas.microsoft.com/office/drawing/2010/main" val="0"/>
+                </a:ext>
+              </a:extLst>
+            </a:blip>
+            <a:stretch>
+              <a:fillRect/>
+            </a:stretch>
+          </p:blipFill>
+          <p:spPr>
+            <a:xfrm>
+              <a:off x="7047391" y="3320161"/>
+              <a:ext cx="1578867" cy="1828804"/>
+            </a:xfrm>
+            <a:prstGeom prst="rect">
+              <a:avLst/>
+            </a:prstGeom>
+          </p:spPr>
+        </p:pic>
+        <p:pic>
+          <p:nvPicPr>
+            <p:cNvPr id="3" name="Picture 2"/>
+            <p:cNvPicPr>
+              <a:picLocks noChangeAspect="1"/>
+            </p:cNvPicPr>
+            <p:nvPr/>
+          </p:nvPicPr>
+          <p:blipFill>
+            <a:blip r:embed="rId3" cstate="print">
+              <a:extLst>
+                <a:ext uri="{28A0092B-C50C-407E-A947-70E740481C1C}">
+                  <a14:useLocalDpi xmlns:a14="http://schemas.microsoft.com/office/drawing/2010/main" val="0"/>
+                </a:ext>
+              </a:extLst>
+            </a:blip>
+            <a:stretch>
+              <a:fillRect/>
+            </a:stretch>
+          </p:blipFill>
+          <p:spPr>
+            <a:xfrm>
+              <a:off x="7830475" y="1961976"/>
+              <a:ext cx="1578867" cy="1828804"/>
+            </a:xfrm>
+            <a:prstGeom prst="rect">
+              <a:avLst/>
+            </a:prstGeom>
+          </p:spPr>
+        </p:pic>
+        <p:pic>
+          <p:nvPicPr>
+            <p:cNvPr id="11" name="Picture 10"/>
+            <p:cNvPicPr>
+              <a:picLocks noChangeAspect="1"/>
+            </p:cNvPicPr>
+            <p:nvPr/>
+          </p:nvPicPr>
+          <p:blipFill>
+            <a:blip r:embed="rId4" cstate="print">
+              <a:extLst>
+                <a:ext uri="{28A0092B-C50C-407E-A947-70E740481C1C}">
+                  <a14:useLocalDpi xmlns:a14="http://schemas.microsoft.com/office/drawing/2010/main" val="0"/>
+                </a:ext>
+              </a:extLst>
+            </a:blip>
+            <a:stretch>
+              <a:fillRect/>
+            </a:stretch>
+          </p:blipFill>
+          <p:spPr>
+            <a:xfrm>
+              <a:off x="8610184" y="3326511"/>
+              <a:ext cx="1578867" cy="1828804"/>
+            </a:xfrm>
+            <a:prstGeom prst="rect">
+              <a:avLst/>
+            </a:prstGeom>
+          </p:spPr>
+        </p:pic>
+      </p:grpSp>
+      <p:pic>
+        <p:nvPicPr>
+          <p:cNvPr id="6" name="Picture 5"/>
+          <p:cNvPicPr>
+            <a:picLocks noChangeAspect="1"/>
+          </p:cNvPicPr>
+          <p:nvPr/>
+        </p:nvPicPr>
+        <p:blipFill>
+          <a:blip r:embed="rId5">
+            <a:extLst>
+              <a:ext uri="{28A0092B-C50C-407E-A947-70E740481C1C}">
+                <a14:useLocalDpi xmlns:a14="http://schemas.microsoft.com/office/drawing/2010/main" val="0"/>
+              </a:ext>
+            </a:extLst>
+          </a:blip>
+          <a:stretch>
+            <a:fillRect/>
+          </a:stretch>
+        </p:blipFill>
+        <p:spPr>
+          <a:xfrm>
+            <a:off x="2000175" y="1141046"/>
+            <a:ext cx="2539590" cy="2941610"/>
+          </a:xfrm>
+          <a:prstGeom prst="rect">
+            <a:avLst/>
+          </a:prstGeom>
+        </p:spPr>
+      </p:pic>
+      <p:sp>
+        <p:nvSpPr>
+          <p:cNvPr id="9" name="TextBox 8"/>
           <p:cNvSpPr txBox="1"/>
           <p:nvPr/>
         </p:nvSpPr>
         <p:spPr>
           <a:xfrm>
-            <a:off x="7731444" y="5278932"/>
-            <a:ext cx="2076450" cy="369332"/>
+            <a:off x="3337621" y="5145630"/>
+            <a:ext cx="2371411" cy="584775"/>
           </a:xfrm>
           <a:prstGeom prst="rect">
             <a:avLst/>
@@ -7909,11 +8499,305 @@
           </a:bodyPr>
           <a:lstStyle/>
           <a:p>
+            <a:r>
+              <a:rPr lang="en-US" sz="3200" dirty="0" smtClean="0"/>
+              <a:t>Fall 2020</a:t>
+            </a:r>
+            <a:endParaRPr lang="en-US" sz="3200" dirty="0"/>
+          </a:p>
+        </p:txBody>
+      </p:sp>
+      <p:pic>
+        <p:nvPicPr>
+          <p:cNvPr id="1026" name="Picture 2" descr="Gallery - Recent updates | Fall leaves drawing, Fall clip art, Free clip art"/>
+          <p:cNvPicPr>
+            <a:picLocks noChangeAspect="1" noChangeArrowheads="1"/>
+          </p:cNvPicPr>
+          <p:nvPr/>
+        </p:nvPicPr>
+        <p:blipFill>
+          <a:blip r:embed="rId6" cstate="print">
+            <a:extLst>
+              <a:ext uri="{28A0092B-C50C-407E-A947-70E740481C1C}">
+                <a14:useLocalDpi xmlns:a14="http://schemas.microsoft.com/office/drawing/2010/main" val="0"/>
+              </a:ext>
+            </a:extLst>
+          </a:blip>
+          <a:srcRect/>
+          <a:stretch>
+            <a:fillRect/>
+          </a:stretch>
+        </p:blipFill>
+        <p:spPr bwMode="auto">
+          <a:xfrm>
+            <a:off x="2708650" y="4395817"/>
+            <a:ext cx="1050959" cy="1042201"/>
+          </a:xfrm>
+          <a:prstGeom prst="rect">
+            <a:avLst/>
+          </a:prstGeom>
+          <a:noFill/>
+          <a:extLst>
+            <a:ext uri="{909E8E84-426E-40DD-AFC4-6F175D3DCCD1}">
+              <a14:hiddenFill xmlns:a14="http://schemas.microsoft.com/office/drawing/2010/main">
+                <a:solidFill>
+                  <a:srgbClr val="FFFFFF"/>
+                </a:solidFill>
+              </a14:hiddenFill>
+            </a:ext>
+          </a:extLst>
+        </p:spPr>
+      </p:pic>
+      <p:pic>
+        <p:nvPicPr>
+          <p:cNvPr id="16" name="Picture 2" descr="Image result for virus"/>
+          <p:cNvPicPr>
+            <a:picLocks noChangeAspect="1" noChangeArrowheads="1"/>
+          </p:cNvPicPr>
+          <p:nvPr/>
+        </p:nvPicPr>
+        <p:blipFill>
+          <a:blip r:embed="rId7" cstate="print">
+            <a:extLst>
+              <a:ext uri="{28A0092B-C50C-407E-A947-70E740481C1C}">
+                <a14:useLocalDpi xmlns:a14="http://schemas.microsoft.com/office/drawing/2010/main" val="0"/>
+              </a:ext>
+            </a:extLst>
+          </a:blip>
+          <a:srcRect/>
+          <a:stretch>
+            <a:fillRect/>
+          </a:stretch>
+        </p:blipFill>
+        <p:spPr bwMode="auto">
+          <a:xfrm>
+            <a:off x="2068013" y="4827672"/>
+            <a:ext cx="924192" cy="923507"/>
+          </a:xfrm>
+          <a:prstGeom prst="rect">
+            <a:avLst/>
+          </a:prstGeom>
+          <a:noFill/>
+          <a:extLst>
+            <a:ext uri="{909E8E84-426E-40DD-AFC4-6F175D3DCCD1}">
+              <a14:hiddenFill xmlns:a14="http://schemas.microsoft.com/office/drawing/2010/main">
+                <a:solidFill>
+                  <a:srgbClr val="FFFFFF"/>
+                </a:solidFill>
+              </a14:hiddenFill>
+            </a:ext>
+          </a:extLst>
+        </p:spPr>
+      </p:pic>
+    </p:spTree>
+    <p:extLst>
+      <p:ext uri="{BB962C8B-B14F-4D97-AF65-F5344CB8AC3E}">
+        <p14:creationId xmlns:p14="http://schemas.microsoft.com/office/powerpoint/2010/main" val="2279286401"/>
+      </p:ext>
+    </p:extLst>
+  </p:cSld>
+  <p:clrMapOvr>
+    <a:masterClrMapping/>
+  </p:clrMapOvr>
+  <p:timing>
+    <p:tnLst>
+      <p:par>
+        <p:cTn id="1" dur="indefinite" restart="never" nodeType="tmRoot"/>
+      </p:par>
+    </p:tnLst>
+  </p:timing>
+</p:sld>
+</file>
+
+<file path=ppt/slides/slide20.xml><?xml version="1.0" encoding="utf-8"?>
+<p:sld xmlns:a="http://schemas.openxmlformats.org/drawingml/2006/main" xmlns:r="http://schemas.openxmlformats.org/officeDocument/2006/relationships" xmlns:p="http://schemas.openxmlformats.org/presentationml/2006/main">
+  <p:cSld>
+    <p:spTree>
+      <p:nvGrpSpPr>
+        <p:cNvPr id="1" name=""/>
+        <p:cNvGrpSpPr/>
+        <p:nvPr/>
+      </p:nvGrpSpPr>
+      <p:grpSpPr>
+        <a:xfrm>
+          <a:off x="0" y="0"/>
+          <a:ext cx="0" cy="0"/>
+          <a:chOff x="0" y="0"/>
+          <a:chExt cx="0" cy="0"/>
+        </a:xfrm>
+      </p:grpSpPr>
+      <p:sp>
+        <p:nvSpPr>
+          <p:cNvPr id="4" name="Rectangle 3"/>
+          <p:cNvSpPr/>
+          <p:nvPr/>
+        </p:nvSpPr>
+        <p:spPr>
+          <a:xfrm>
+            <a:off x="1706880" y="923544"/>
+            <a:ext cx="8778240" cy="5010912"/>
+          </a:xfrm>
+          <a:prstGeom prst="rect">
+            <a:avLst/>
+          </a:prstGeom>
+          <a:solidFill>
+            <a:schemeClr val="bg1">
+              <a:lumMod val="95000"/>
+            </a:schemeClr>
+          </a:solidFill>
+          <a:ln w="38100"/>
+        </p:spPr>
+        <p:style>
+          <a:lnRef idx="2">
+            <a:schemeClr val="accent1">
+              <a:shade val="50000"/>
+            </a:schemeClr>
+          </a:lnRef>
+          <a:fillRef idx="1">
+            <a:schemeClr val="accent1"/>
+          </a:fillRef>
+          <a:effectRef idx="0">
+            <a:schemeClr val="accent1"/>
+          </a:effectRef>
+          <a:fontRef idx="minor">
+            <a:schemeClr val="lt1"/>
+          </a:fontRef>
+        </p:style>
+        <p:txBody>
+          <a:bodyPr rtlCol="0" anchor="ctr"/>
+          <a:lstStyle/>
+          <a:p>
+            <a:pPr algn="ctr"/>
+            <a:endParaRPr lang="en-US"/>
+          </a:p>
+        </p:txBody>
+      </p:sp>
+      <p:sp>
+        <p:nvSpPr>
+          <p:cNvPr id="7" name="TextBox 6"/>
+          <p:cNvSpPr txBox="1"/>
+          <p:nvPr/>
+        </p:nvSpPr>
+        <p:spPr>
+          <a:xfrm>
+            <a:off x="3840385" y="1213849"/>
+            <a:ext cx="5712369" cy="923330"/>
+          </a:xfrm>
+          <a:prstGeom prst="rect">
+            <a:avLst/>
+          </a:prstGeom>
+          <a:noFill/>
+        </p:spPr>
+        <p:txBody>
+          <a:bodyPr wrap="square" rtlCol="0">
+            <a:spAutoFit/>
+          </a:bodyPr>
+          <a:lstStyle/>
+          <a:p>
+            <a:r>
+              <a:rPr lang="en-US" sz="5400" dirty="0"/>
+              <a:t>INCLASS LECTURES</a:t>
+            </a:r>
+          </a:p>
+        </p:txBody>
+      </p:sp>
+      <p:sp>
+        <p:nvSpPr>
+          <p:cNvPr id="8" name="TextBox 7"/>
+          <p:cNvSpPr txBox="1"/>
+          <p:nvPr/>
+        </p:nvSpPr>
+        <p:spPr>
+          <a:xfrm>
+            <a:off x="7731444" y="5278932"/>
+            <a:ext cx="2076450" cy="369332"/>
+          </a:xfrm>
+          <a:prstGeom prst="rect">
+            <a:avLst/>
+          </a:prstGeom>
+          <a:noFill/>
+        </p:spPr>
+        <p:txBody>
+          <a:bodyPr wrap="square" rtlCol="0">
+            <a:spAutoFit/>
+          </a:bodyPr>
+          <a:lstStyle/>
+          <a:p>
             <a:pPr algn="ctr"/>
             <a:r>
               <a:rPr lang="en-US" dirty="0"/>
-              <a:t>April 23, 2020</a:t>
-            </a:r>
+              <a:t>May 4, 2020</a:t>
+            </a:r>
+          </a:p>
+        </p:txBody>
+      </p:sp>
+      <p:sp>
+        <p:nvSpPr>
+          <p:cNvPr id="9" name="TextBox 8"/>
+          <p:cNvSpPr txBox="1"/>
+          <p:nvPr/>
+        </p:nvSpPr>
+        <p:spPr>
+          <a:xfrm>
+            <a:off x="2365000" y="2644649"/>
+            <a:ext cx="5005769" cy="1754326"/>
+          </a:xfrm>
+          <a:prstGeom prst="rect">
+            <a:avLst/>
+          </a:prstGeom>
+          <a:noFill/>
+        </p:spPr>
+        <p:txBody>
+          <a:bodyPr wrap="square" rtlCol="0">
+            <a:spAutoFit/>
+          </a:bodyPr>
+          <a:lstStyle/>
+          <a:p>
+            <a:pPr algn="ctr"/>
+            <a:r>
+              <a:rPr lang="en-US" dirty="0"/>
+              <a:t>Chapter 0</a:t>
+            </a:r>
+          </a:p>
+          <a:p>
+            <a:pPr algn="ctr"/>
+            <a:r>
+              <a:rPr lang="en-US" b="1" u="sng" dirty="0"/>
+              <a:t>Getting Started</a:t>
+            </a:r>
+          </a:p>
+          <a:p>
+            <a:pPr algn="ctr"/>
+            <a:r>
+              <a:rPr lang="en-US" i="1" dirty="0"/>
+              <a:t>Syllabus &amp; Grade Components</a:t>
+            </a:r>
+          </a:p>
+          <a:p>
+            <a:pPr algn="ctr"/>
+            <a:r>
+              <a:rPr lang="en-US" i="1" dirty="0"/>
+              <a:t>Cohen’s Textbook &amp; Ihno’s Dataset</a:t>
+            </a:r>
+          </a:p>
+          <a:p>
+            <a:pPr algn="ctr"/>
+            <a:r>
+              <a:rPr lang="en-US" i="1" dirty="0"/>
+              <a:t>APA Style relating to stats</a:t>
+            </a:r>
+          </a:p>
+          <a:p>
+            <a:pPr algn="ctr"/>
+            <a:r>
+              <a:rPr lang="en-US" i="1" dirty="0"/>
+              <a:t>Software Installation: R, R Studio, &amp; </a:t>
+            </a:r>
+            <a:r>
+              <a:rPr lang="en-US" i="1" dirty="0" err="1"/>
+              <a:t>Tex</a:t>
+            </a:r>
+            <a:endParaRPr lang="en-US" i="1" dirty="0"/>
           </a:p>
         </p:txBody>
       </p:sp>
@@ -8054,38 +8938,122 @@
       </p:pic>
       <p:pic>
         <p:nvPicPr>
-          <p:cNvPr id="5" name="Picture 4"/>
-          <p:cNvPicPr>
-            <a:picLocks noChangeAspect="1"/>
-          </p:cNvPicPr>
+          <p:cNvPr id="13" name="Picture 12" descr="Hello summer illustration vector. with cute summer icon and ...">
+            <a:extLst>
+              <a:ext uri="{FF2B5EF4-FFF2-40B4-BE49-F238E27FC236}">
+                <a16:creationId xmlns:a16="http://schemas.microsoft.com/office/drawing/2014/main" id="{50B5A1E4-2998-48E4-BC77-79D8790DF13F}"/>
+              </a:ext>
+            </a:extLst>
+          </p:cNvPr>
+          <p:cNvPicPr/>
           <p:nvPr/>
         </p:nvPicPr>
         <p:blipFill>
-          <a:blip r:embed="rId6"/>
+          <a:blip r:embed="rId6" cstate="print">
+            <a:clrChange>
+              <a:clrFrom>
+                <a:srgbClr val="FFFFFF"/>
+              </a:clrFrom>
+              <a:clrTo>
+                <a:srgbClr val="FFFFFF">
+                  <a:alpha val="0"/>
+                </a:srgbClr>
+              </a:clrTo>
+            </a:clrChange>
+            <a:extLst>
+              <a:ext uri="{28A0092B-C50C-407E-A947-70E740481C1C}">
+                <a14:useLocalDpi xmlns:a14="http://schemas.microsoft.com/office/drawing/2010/main" val="0"/>
+              </a:ext>
+            </a:extLst>
+          </a:blip>
+          <a:srcRect/>
           <a:stretch>
             <a:fillRect/>
           </a:stretch>
         </p:blipFill>
-        <p:spPr>
-          <a:xfrm>
-            <a:off x="1985351" y="4872564"/>
-            <a:ext cx="1853345" cy="853514"/>
-          </a:xfrm>
-          <a:prstGeom prst="rect">
-            <a:avLst/>
-          </a:prstGeom>
+        <p:spPr bwMode="auto">
+          <a:xfrm>
+            <a:off x="1784203" y="4158563"/>
+            <a:ext cx="1578867" cy="1406017"/>
+          </a:xfrm>
+          <a:prstGeom prst="rect">
+            <a:avLst/>
+          </a:prstGeom>
+          <a:noFill/>
+          <a:extLst>
+            <a:ext uri="{909E8E84-426E-40DD-AFC4-6F175D3DCCD1}">
+              <a14:hiddenFill xmlns:a14="http://schemas.microsoft.com/office/drawing/2010/main">
+                <a:solidFill>
+                  <a:srgbClr val="FFFFFF"/>
+                </a:solidFill>
+              </a14:hiddenFill>
+            </a:ext>
+          </a:extLst>
         </p:spPr>
       </p:pic>
-      <p:sp>
-        <p:nvSpPr>
-          <p:cNvPr id="17" name="TextBox 16"/>
+      <p:pic>
+        <p:nvPicPr>
+          <p:cNvPr id="1028" name="Picture 4" descr="Calendar, schedule, schedule icon icon">
+            <a:extLst>
+              <a:ext uri="{FF2B5EF4-FFF2-40B4-BE49-F238E27FC236}">
+                <a16:creationId xmlns:a16="http://schemas.microsoft.com/office/drawing/2014/main" id="{C17B732E-BA53-4386-9A3E-FF78AABEEECB}"/>
+              </a:ext>
+            </a:extLst>
+          </p:cNvPr>
+          <p:cNvPicPr>
+            <a:picLocks noChangeAspect="1" noChangeArrowheads="1"/>
+          </p:cNvPicPr>
+          <p:nvPr/>
+        </p:nvPicPr>
+        <p:blipFill>
+          <a:blip r:embed="rId7" cstate="print">
+            <a:extLst>
+              <a:ext uri="{28A0092B-C50C-407E-A947-70E740481C1C}">
+                <a14:useLocalDpi xmlns:a14="http://schemas.microsoft.com/office/drawing/2010/main" val="0"/>
+              </a:ext>
+            </a:extLst>
+          </a:blip>
+          <a:srcRect/>
+          <a:stretch>
+            <a:fillRect/>
+          </a:stretch>
+        </p:blipFill>
+        <p:spPr bwMode="auto">
+          <a:xfrm>
+            <a:off x="1944790" y="4668816"/>
+            <a:ext cx="1257692" cy="1257692"/>
+          </a:xfrm>
+          <a:prstGeom prst="rect">
+            <a:avLst/>
+          </a:prstGeom>
+          <a:noFill/>
+          <a:extLst>
+            <a:ext uri="{909E8E84-426E-40DD-AFC4-6F175D3DCCD1}">
+              <a14:hiddenFill xmlns:a14="http://schemas.microsoft.com/office/drawing/2010/main">
+                <a:solidFill>
+                  <a:srgbClr val="FFFFFF"/>
+                </a:solidFill>
+              </a14:hiddenFill>
+            </a:ext>
+          </a:extLst>
+        </p:spPr>
+      </p:pic>
+      <p:sp>
+        <p:nvSpPr>
+          <p:cNvPr id="5" name="TextBox 4">
+            <a:extLst>
+              <a:ext uri="{FF2B5EF4-FFF2-40B4-BE49-F238E27FC236}">
+                <a16:creationId xmlns:a16="http://schemas.microsoft.com/office/drawing/2014/main" id="{803FD3B0-B62F-442A-AC07-BC6B0D20FF53}"/>
+              </a:ext>
+            </a:extLst>
+          </p:cNvPr>
           <p:cNvSpPr txBox="1"/>
           <p:nvPr/>
         </p:nvSpPr>
         <p:spPr>
           <a:xfrm>
-            <a:off x="1846096" y="2821964"/>
-            <a:ext cx="5943438" cy="1200329"/>
+            <a:off x="3021210" y="5278932"/>
+            <a:ext cx="2243137" cy="369332"/>
           </a:xfrm>
           <a:prstGeom prst="rect">
             <a:avLst/>
@@ -8098,106 +9066,17 @@
           </a:bodyPr>
           <a:lstStyle/>
           <a:p>
-            <a:pPr algn="ctr"/>
             <a:r>
               <a:rPr lang="en-US" dirty="0"/>
-              <a:t>HW 19</a:t>
-            </a:r>
-          </a:p>
-          <a:p>
-            <a:pPr algn="ctr"/>
-            <a:r>
-              <a:rPr lang="en-US" b="1" u="sng" dirty="0"/>
-              <a:t>Binomial Distribution, Normal Approximation, &amp; Sign Test</a:t>
-            </a:r>
-          </a:p>
-          <a:p>
-            <a:pPr algn="ctr"/>
-            <a:r>
-              <a:rPr lang="en-US" dirty="0"/>
-              <a:t>Entering small p-values into HW</a:t>
-            </a:r>
-          </a:p>
-          <a:p>
-            <a:pPr algn="ctr"/>
-            <a:endParaRPr lang="en-US" dirty="0"/>
-          </a:p>
-        </p:txBody>
-      </p:sp>
-      <p:sp>
-        <p:nvSpPr>
-          <p:cNvPr id="13" name="TextBox 12"/>
-          <p:cNvSpPr txBox="1"/>
-          <p:nvPr/>
-        </p:nvSpPr>
-        <p:spPr>
-          <a:xfrm>
-            <a:off x="2664327" y="4025523"/>
-            <a:ext cx="5943438" cy="1754326"/>
-          </a:xfrm>
-          <a:prstGeom prst="rect">
-            <a:avLst/>
-          </a:prstGeom>
-          <a:noFill/>
-        </p:spPr>
-        <p:txBody>
-          <a:bodyPr wrap="square" rtlCol="0">
-            <a:spAutoFit/>
-          </a:bodyPr>
-          <a:lstStyle/>
-          <a:p>
-            <a:pPr algn="ctr"/>
-            <a:r>
-              <a:rPr lang="en-US" dirty="0"/>
-              <a:t>HW 20</a:t>
-            </a:r>
-          </a:p>
-          <a:p>
-            <a:pPr algn="ctr"/>
-            <a:r>
-              <a:rPr lang="en-US" b="1" u="sng" dirty="0"/>
-              <a:t>Chi Squared Tests</a:t>
-            </a:r>
-          </a:p>
-          <a:p>
-            <a:pPr algn="ctr"/>
-            <a:r>
-              <a:rPr lang="en-US" dirty="0"/>
-              <a:t>1-way Goodness of Fit</a:t>
-            </a:r>
-          </a:p>
-          <a:p>
-            <a:pPr algn="ctr"/>
-            <a:r>
-              <a:rPr lang="en-US" dirty="0"/>
-              <a:t>1-way Test of Independence</a:t>
-            </a:r>
-          </a:p>
-          <a:p>
-            <a:pPr algn="ctr"/>
-            <a:r>
-              <a:rPr lang="en-US" dirty="0"/>
-              <a:t>Cramer’s V (</a:t>
-            </a:r>
-            <a:r>
-              <a:rPr lang="en-US" dirty="0" err="1"/>
-              <a:t>effectsize</a:t>
-            </a:r>
-            <a:r>
-              <a:rPr lang="en-US" dirty="0"/>
-              <a:t> package)</a:t>
-            </a:r>
-          </a:p>
-          <a:p>
-            <a:pPr algn="ctr"/>
-            <a:endParaRPr lang="en-US" dirty="0"/>
+              <a:t>Day 1 of 13</a:t>
+            </a:r>
           </a:p>
         </p:txBody>
       </p:sp>
     </p:spTree>
     <p:extLst>
       <p:ext uri="{BB962C8B-B14F-4D97-AF65-F5344CB8AC3E}">
-        <p14:creationId xmlns:p14="http://schemas.microsoft.com/office/powerpoint/2010/main" val="593568448"/>
+        <p14:creationId xmlns:p14="http://schemas.microsoft.com/office/powerpoint/2010/main" val="775600964"/>
       </p:ext>
     </p:extLst>
   </p:cSld>
@@ -8207,7 +9086,7 @@
 </p:sld>
 </file>
 
-<file path=ppt/slides/slide2.xml><?xml version="1.0" encoding="utf-8"?>
+<file path=ppt/slides/slide21.xml><?xml version="1.0" encoding="utf-8"?>
 <p:sld xmlns:a="http://schemas.openxmlformats.org/drawingml/2006/main" xmlns:r="http://schemas.openxmlformats.org/officeDocument/2006/relationships" xmlns:p="http://schemas.openxmlformats.org/presentationml/2006/main">
   <p:cSld>
     <p:spTree>
@@ -8232,7 +9111,7 @@
         </p:nvSpPr>
         <p:spPr>
           <a:xfrm>
-            <a:off x="1706880" y="923544"/>
+            <a:off x="1853580" y="824230"/>
             <a:ext cx="8778240" cy="5010912"/>
           </a:xfrm>
           <a:prstGeom prst="rect">
@@ -8278,8 +9157,8 @@
         </p:nvSpPr>
         <p:spPr>
           <a:xfrm>
-            <a:off x="3840385" y="1213849"/>
-            <a:ext cx="5712369" cy="923330"/>
+            <a:off x="3838696" y="1056832"/>
+            <a:ext cx="5712369" cy="1754326"/>
           </a:xfrm>
           <a:prstGeom prst="rect">
             <a:avLst/>
@@ -8294,7 +9173,13 @@
           <a:p>
             <a:r>
               <a:rPr lang="en-US" sz="5400" dirty="0"/>
-              <a:t>INCLASS LECTURES</a:t>
+              <a:t>Virtual </a:t>
+            </a:r>
+          </a:p>
+          <a:p>
+            <a:r>
+              <a:rPr lang="en-US" sz="5400" dirty="0"/>
+              <a:t>Office Hours</a:t>
             </a:r>
           </a:p>
         </p:txBody>
@@ -8323,16 +9208,8 @@
           <a:p>
             <a:pPr algn="ctr"/>
             <a:r>
-              <a:rPr lang="en-US" dirty="0" smtClean="0"/>
-              <a:t>June</a:t>
-            </a:r>
-            <a:r>
-              <a:rPr lang="en-US" dirty="0" smtClean="0"/>
-              <a:t> 15, </a:t>
-            </a:r>
-            <a:r>
               <a:rPr lang="en-US" dirty="0"/>
-              <a:t>2020</a:t>
+              <a:t>April 23, 2020</a:t>
             </a:r>
           </a:p>
         </p:txBody>
@@ -8474,122 +9351,38 @@
       </p:pic>
       <p:pic>
         <p:nvPicPr>
-          <p:cNvPr id="13" name="Picture 12" descr="Hello summer illustration vector. with cute summer icon and ...">
-            <a:extLst>
-              <a:ext uri="{FF2B5EF4-FFF2-40B4-BE49-F238E27FC236}">
-                <a16:creationId xmlns:a16="http://schemas.microsoft.com/office/drawing/2014/main" id="{50B5A1E4-2998-48E4-BC77-79D8790DF13F}"/>
-              </a:ext>
-            </a:extLst>
-          </p:cNvPr>
-          <p:cNvPicPr/>
+          <p:cNvPr id="5" name="Picture 4"/>
+          <p:cNvPicPr>
+            <a:picLocks noChangeAspect="1"/>
+          </p:cNvPicPr>
           <p:nvPr/>
         </p:nvPicPr>
         <p:blipFill>
-          <a:blip r:embed="rId6" cstate="print">
-            <a:clrChange>
-              <a:clrFrom>
-                <a:srgbClr val="FFFFFF"/>
-              </a:clrFrom>
-              <a:clrTo>
-                <a:srgbClr val="FFFFFF">
-                  <a:alpha val="0"/>
-                </a:srgbClr>
-              </a:clrTo>
-            </a:clrChange>
-            <a:extLst>
-              <a:ext uri="{28A0092B-C50C-407E-A947-70E740481C1C}">
-                <a14:useLocalDpi xmlns:a14="http://schemas.microsoft.com/office/drawing/2010/main" val="0"/>
-              </a:ext>
-            </a:extLst>
-          </a:blip>
-          <a:srcRect/>
+          <a:blip r:embed="rId6"/>
           <a:stretch>
             <a:fillRect/>
           </a:stretch>
         </p:blipFill>
-        <p:spPr bwMode="auto">
-          <a:xfrm>
-            <a:off x="1784203" y="4158563"/>
-            <a:ext cx="1578867" cy="1406017"/>
-          </a:xfrm>
-          <a:prstGeom prst="rect">
-            <a:avLst/>
-          </a:prstGeom>
-          <a:noFill/>
-          <a:extLst>
-            <a:ext uri="{909E8E84-426E-40DD-AFC4-6F175D3DCCD1}">
-              <a14:hiddenFill xmlns:a14="http://schemas.microsoft.com/office/drawing/2010/main">
-                <a:solidFill>
-                  <a:srgbClr val="FFFFFF"/>
-                </a:solidFill>
-              </a14:hiddenFill>
-            </a:ext>
-          </a:extLst>
+        <p:spPr>
+          <a:xfrm>
+            <a:off x="1985351" y="4872564"/>
+            <a:ext cx="1853345" cy="853514"/>
+          </a:xfrm>
+          <a:prstGeom prst="rect">
+            <a:avLst/>
+          </a:prstGeom>
         </p:spPr>
       </p:pic>
-      <p:pic>
-        <p:nvPicPr>
-          <p:cNvPr id="1028" name="Picture 4" descr="Calendar, schedule, schedule icon icon">
-            <a:extLst>
-              <a:ext uri="{FF2B5EF4-FFF2-40B4-BE49-F238E27FC236}">
-                <a16:creationId xmlns:a16="http://schemas.microsoft.com/office/drawing/2014/main" id="{C17B732E-BA53-4386-9A3E-FF78AABEEECB}"/>
-              </a:ext>
-            </a:extLst>
-          </p:cNvPr>
-          <p:cNvPicPr>
-            <a:picLocks noChangeAspect="1" noChangeArrowheads="1"/>
-          </p:cNvPicPr>
-          <p:nvPr/>
-        </p:nvPicPr>
-        <p:blipFill>
-          <a:blip r:embed="rId7" cstate="print">
-            <a:extLst>
-              <a:ext uri="{28A0092B-C50C-407E-A947-70E740481C1C}">
-                <a14:useLocalDpi xmlns:a14="http://schemas.microsoft.com/office/drawing/2010/main" val="0"/>
-              </a:ext>
-            </a:extLst>
-          </a:blip>
-          <a:srcRect/>
-          <a:stretch>
-            <a:fillRect/>
-          </a:stretch>
-        </p:blipFill>
-        <p:spPr bwMode="auto">
-          <a:xfrm>
-            <a:off x="1944790" y="4668816"/>
-            <a:ext cx="1257692" cy="1257692"/>
-          </a:xfrm>
-          <a:prstGeom prst="rect">
-            <a:avLst/>
-          </a:prstGeom>
-          <a:noFill/>
-          <a:extLst>
-            <a:ext uri="{909E8E84-426E-40DD-AFC4-6F175D3DCCD1}">
-              <a14:hiddenFill xmlns:a14="http://schemas.microsoft.com/office/drawing/2010/main">
-                <a:solidFill>
-                  <a:srgbClr val="FFFFFF"/>
-                </a:solidFill>
-              </a14:hiddenFill>
-            </a:ext>
-          </a:extLst>
-        </p:spPr>
-      </p:pic>
-      <p:sp>
-        <p:nvSpPr>
-          <p:cNvPr id="5" name="TextBox 4">
-            <a:extLst>
-              <a:ext uri="{FF2B5EF4-FFF2-40B4-BE49-F238E27FC236}">
-                <a16:creationId xmlns:a16="http://schemas.microsoft.com/office/drawing/2014/main" id="{803FD3B0-B62F-442A-AC07-BC6B0D20FF53}"/>
-              </a:ext>
-            </a:extLst>
-          </p:cNvPr>
+      <p:sp>
+        <p:nvSpPr>
+          <p:cNvPr id="17" name="TextBox 16"/>
           <p:cNvSpPr txBox="1"/>
           <p:nvPr/>
         </p:nvSpPr>
         <p:spPr>
           <a:xfrm>
-            <a:off x="3021210" y="5278932"/>
-            <a:ext cx="2614836" cy="369332"/>
+            <a:off x="1846096" y="2821964"/>
+            <a:ext cx="5943438" cy="1200329"/>
           </a:xfrm>
           <a:prstGeom prst="rect">
             <a:avLst/>
@@ -8602,31 +9395,42 @@
           </a:bodyPr>
           <a:lstStyle/>
           <a:p>
+            <a:pPr algn="ctr"/>
             <a:r>
               <a:rPr lang="en-US" dirty="0"/>
-              <a:t>Day </a:t>
-            </a:r>
-            <a:r>
-              <a:rPr lang="en-US" dirty="0" smtClean="0"/>
-              <a:t>12 </a:t>
-            </a:r>
+              <a:t>HW 19</a:t>
+            </a:r>
+          </a:p>
+          <a:p>
+            <a:pPr algn="ctr"/>
+            <a:r>
+              <a:rPr lang="en-US" b="1" u="sng" dirty="0"/>
+              <a:t>Binomial Distribution, Normal Approximation, &amp; Sign Test</a:t>
+            </a:r>
+          </a:p>
+          <a:p>
+            <a:pPr algn="ctr"/>
             <a:r>
               <a:rPr lang="en-US" dirty="0"/>
-              <a:t>of 13</a:t>
-            </a:r>
-          </a:p>
-        </p:txBody>
-      </p:sp>
-      <p:sp>
-        <p:nvSpPr>
-          <p:cNvPr id="15" name="TextBox 14"/>
+              <a:t>Entering small p-values into HW</a:t>
+            </a:r>
+          </a:p>
+          <a:p>
+            <a:pPr algn="ctr"/>
+            <a:endParaRPr lang="en-US" dirty="0"/>
+          </a:p>
+        </p:txBody>
+      </p:sp>
+      <p:sp>
+        <p:nvSpPr>
+          <p:cNvPr id="13" name="TextBox 12"/>
           <p:cNvSpPr txBox="1"/>
           <p:nvPr/>
         </p:nvSpPr>
         <p:spPr>
           <a:xfrm>
-            <a:off x="2194757" y="2729254"/>
-            <a:ext cx="5005769" cy="923330"/>
+            <a:off x="2664327" y="4025523"/>
+            <a:ext cx="5943438" cy="1754326"/>
           </a:xfrm>
           <a:prstGeom prst="rect">
             <a:avLst/>
@@ -8642,49 +9446,65 @@
             <a:pPr algn="ctr"/>
             <a:r>
               <a:rPr lang="en-US" dirty="0"/>
-              <a:t>Chapter </a:t>
-            </a:r>
-            <a:r>
-              <a:rPr lang="en-US" dirty="0" smtClean="0"/>
-              <a:t>16</a:t>
-            </a:r>
+              <a:t>HW 20</a:t>
+            </a:r>
+          </a:p>
+          <a:p>
+            <a:pPr algn="ctr"/>
+            <a:r>
+              <a:rPr lang="en-US" b="1" u="sng" dirty="0"/>
+              <a:t>Chi Squared Tests</a:t>
+            </a:r>
+          </a:p>
+          <a:p>
+            <a:pPr algn="ctr"/>
+            <a:r>
+              <a:rPr lang="en-US" dirty="0"/>
+              <a:t>1-way Goodness of Fit</a:t>
+            </a:r>
+          </a:p>
+          <a:p>
+            <a:pPr algn="ctr"/>
+            <a:r>
+              <a:rPr lang="en-US" dirty="0"/>
+              <a:t>1-way Test of Independence</a:t>
+            </a:r>
+          </a:p>
+          <a:p>
+            <a:pPr algn="ctr"/>
+            <a:r>
+              <a:rPr lang="en-US" dirty="0"/>
+              <a:t>Cramer’s V (</a:t>
+            </a:r>
+            <a:r>
+              <a:rPr lang="en-US" dirty="0" err="1"/>
+              <a:t>effectsize</a:t>
+            </a:r>
+            <a:r>
+              <a:rPr lang="en-US" dirty="0"/>
+              <a:t> package)</a:t>
+            </a:r>
+          </a:p>
+          <a:p>
+            <a:pPr algn="ctr"/>
             <a:endParaRPr lang="en-US" dirty="0"/>
-          </a:p>
-          <a:p>
-            <a:pPr algn="ctr"/>
-            <a:r>
-              <a:rPr lang="en-US" b="1" u="sng" dirty="0" smtClean="0"/>
-              <a:t>Mixed ANOVA</a:t>
-            </a:r>
-            <a:endParaRPr lang="en-US" b="1" u="sng" dirty="0"/>
-          </a:p>
-          <a:p>
-            <a:pPr algn="ctr"/>
-            <a:endParaRPr lang="en-US" i="1" dirty="0"/>
           </a:p>
         </p:txBody>
       </p:sp>
     </p:spTree>
     <p:extLst>
       <p:ext uri="{BB962C8B-B14F-4D97-AF65-F5344CB8AC3E}">
-        <p14:creationId xmlns:p14="http://schemas.microsoft.com/office/powerpoint/2010/main" val="677195510"/>
+        <p14:creationId xmlns:p14="http://schemas.microsoft.com/office/powerpoint/2010/main" val="593568448"/>
       </p:ext>
     </p:extLst>
   </p:cSld>
   <p:clrMapOvr>
     <a:masterClrMapping/>
   </p:clrMapOvr>
-  <p:timing>
-    <p:tnLst>
-      <p:par>
-        <p:cTn id="1" dur="indefinite" restart="never" nodeType="tmRoot"/>
-      </p:par>
-    </p:tnLst>
-  </p:timing>
 </p:sld>
 </file>
 
-<file path=ppt/slides/slide20.xml><?xml version="1.0" encoding="utf-8"?>
+<file path=ppt/slides/slide22.xml><?xml version="1.0" encoding="utf-8"?>
 <p:sld xmlns:a="http://schemas.openxmlformats.org/drawingml/2006/main" xmlns:r="http://schemas.openxmlformats.org/officeDocument/2006/relationships" xmlns:p="http://schemas.openxmlformats.org/presentationml/2006/main">
   <p:cSld>
     <p:spTree>
@@ -9083,7 +9903,7 @@
 </p:sld>
 </file>
 
-<file path=ppt/slides/slide21.xml><?xml version="1.0" encoding="utf-8"?>
+<file path=ppt/slides/slide23.xml><?xml version="1.0" encoding="utf-8"?>
 <p:sld xmlns:a="http://schemas.openxmlformats.org/drawingml/2006/main" xmlns:r="http://schemas.openxmlformats.org/officeDocument/2006/relationships" xmlns:p="http://schemas.openxmlformats.org/presentationml/2006/main">
   <p:cSld>
     <p:spTree>
@@ -9445,7 +10265,7 @@
 </p:sld>
 </file>
 
-<file path=ppt/slides/slide22.xml><?xml version="1.0" encoding="utf-8"?>
+<file path=ppt/slides/slide24.xml><?xml version="1.0" encoding="utf-8"?>
 <p:sld xmlns:a="http://schemas.openxmlformats.org/drawingml/2006/main" xmlns:r="http://schemas.openxmlformats.org/officeDocument/2006/relationships" xmlns:p="http://schemas.openxmlformats.org/presentationml/2006/main">
   <p:cSld>
     <p:spTree>
@@ -9807,7 +10627,7 @@
 </p:sld>
 </file>
 
-<file path=ppt/slides/slide23.xml><?xml version="1.0" encoding="utf-8"?>
+<file path=ppt/slides/slide25.xml><?xml version="1.0" encoding="utf-8"?>
 <p:sld xmlns:a="http://schemas.openxmlformats.org/drawingml/2006/main" xmlns:r="http://schemas.openxmlformats.org/officeDocument/2006/relationships" xmlns:p="http://schemas.openxmlformats.org/presentationml/2006/main">
   <p:cSld>
     <p:spTree>
@@ -10205,7 +11025,7 @@
 </p:sld>
 </file>
 
-<file path=ppt/slides/slide24.xml><?xml version="1.0" encoding="utf-8"?>
+<file path=ppt/slides/slide26.xml><?xml version="1.0" encoding="utf-8"?>
 <p:sld xmlns:a="http://schemas.openxmlformats.org/drawingml/2006/main" xmlns:r="http://schemas.openxmlformats.org/officeDocument/2006/relationships" xmlns:p="http://schemas.openxmlformats.org/presentationml/2006/main">
   <p:cSld>
     <p:spTree>
@@ -10587,7 +11407,7 @@
 </p:sld>
 </file>
 
-<file path=ppt/slides/slide25.xml><?xml version="1.0" encoding="utf-8"?>
+<file path=ppt/slides/slide27.xml><?xml version="1.0" encoding="utf-8"?>
 <p:sld xmlns:a="http://schemas.openxmlformats.org/drawingml/2006/main" xmlns:r="http://schemas.openxmlformats.org/officeDocument/2006/relationships" xmlns:p="http://schemas.openxmlformats.org/presentationml/2006/main">
   <p:cSld>
     <p:spTree>
@@ -11021,7 +11841,7 @@
 </p:sld>
 </file>
 
-<file path=ppt/slides/slide26.xml><?xml version="1.0" encoding="utf-8"?>
+<file path=ppt/slides/slide28.xml><?xml version="1.0" encoding="utf-8"?>
 <p:sld xmlns:a="http://schemas.openxmlformats.org/drawingml/2006/main" xmlns:r="http://schemas.openxmlformats.org/officeDocument/2006/relationships" xmlns:p="http://schemas.openxmlformats.org/presentationml/2006/main">
   <p:cSld>
     <p:spTree>
@@ -11427,7 +12247,7 @@
 </p:sld>
 </file>
 
-<file path=ppt/slides/slide27.xml><?xml version="1.0" encoding="utf-8"?>
+<file path=ppt/slides/slide29.xml><?xml version="1.0" encoding="utf-8"?>
 <p:sld xmlns:a="http://schemas.openxmlformats.org/drawingml/2006/main" xmlns:r="http://schemas.openxmlformats.org/officeDocument/2006/relationships" xmlns:p="http://schemas.openxmlformats.org/presentationml/2006/main">
   <p:cSld>
     <p:spTree>
@@ -11856,7 +12676,7 @@
 </p:sld>
 </file>
 
-<file path=ppt/slides/slide28.xml><?xml version="1.0" encoding="utf-8"?>
+<file path=ppt/slides/slide3.xml><?xml version="1.0" encoding="utf-8"?>
 <p:sld xmlns:a="http://schemas.openxmlformats.org/drawingml/2006/main" xmlns:r="http://schemas.openxmlformats.org/officeDocument/2006/relationships" xmlns:p="http://schemas.openxmlformats.org/presentationml/2006/main">
   <p:cSld>
     <p:spTree>
@@ -11881,7 +12701,7 @@
         </p:nvSpPr>
         <p:spPr>
           <a:xfrm>
-            <a:off x="1853580" y="824230"/>
+            <a:off x="1706880" y="923544"/>
             <a:ext cx="8778240" cy="5010912"/>
           </a:xfrm>
           <a:prstGeom prst="rect">
@@ -11927,8 +12747,8 @@
         </p:nvSpPr>
         <p:spPr>
           <a:xfrm>
-            <a:off x="3838696" y="1056832"/>
-            <a:ext cx="5712369" cy="1754326"/>
+            <a:off x="3840385" y="1213849"/>
+            <a:ext cx="5712369" cy="923330"/>
           </a:xfrm>
           <a:prstGeom prst="rect">
             <a:avLst/>
@@ -11943,13 +12763,7 @@
           <a:p>
             <a:r>
               <a:rPr lang="en-US" sz="5400" dirty="0"/>
-              <a:t>Virtual </a:t>
-            </a:r>
-          </a:p>
-          <a:p>
-            <a:r>
-              <a:rPr lang="en-US" sz="5400" dirty="0"/>
-              <a:t>Office Hours</a:t>
+              <a:t>INCLASS LECTURES</a:t>
             </a:r>
           </a:p>
         </p:txBody>
@@ -11978,52 +12792,12 @@
           <a:p>
             <a:pPr algn="ctr"/>
             <a:r>
+              <a:rPr lang="en-US" dirty="0" smtClean="0"/>
+              <a:t>June 17, </a:t>
+            </a:r>
+            <a:r>
               <a:rPr lang="en-US" dirty="0"/>
-              <a:t>April 7, 2020</a:t>
-            </a:r>
-          </a:p>
-        </p:txBody>
-      </p:sp>
-      <p:sp>
-        <p:nvSpPr>
-          <p:cNvPr id="9" name="TextBox 8"/>
-          <p:cNvSpPr txBox="1"/>
-          <p:nvPr/>
-        </p:nvSpPr>
-        <p:spPr>
-          <a:xfrm>
-            <a:off x="3133161" y="2743036"/>
-            <a:ext cx="5005769" cy="923330"/>
-          </a:xfrm>
-          <a:prstGeom prst="rect">
-            <a:avLst/>
-          </a:prstGeom>
-          <a:noFill/>
-        </p:spPr>
-        <p:txBody>
-          <a:bodyPr wrap="square" rtlCol="0">
-            <a:spAutoFit/>
-          </a:bodyPr>
-          <a:lstStyle/>
-          <a:p>
-            <a:pPr algn="ctr"/>
-            <a:r>
-              <a:rPr lang="en-US" dirty="0"/>
-              <a:t>HW 14 </a:t>
-            </a:r>
-          </a:p>
-          <a:p>
-            <a:pPr algn="ctr"/>
-            <a:r>
-              <a:rPr lang="en-US" b="1" u="sng" dirty="0"/>
-              <a:t>2-way Factorial ANOVAs</a:t>
-            </a:r>
-          </a:p>
-          <a:p>
-            <a:pPr algn="ctr"/>
-            <a:r>
-              <a:rPr lang="en-US" dirty="0"/>
-              <a:t>Items # 4, 5, &amp; 6</a:t>
+              <a:t>2020</a:t>
             </a:r>
           </a:p>
         </p:txBody>
@@ -12165,38 +12939,122 @@
       </p:pic>
       <p:pic>
         <p:nvPicPr>
-          <p:cNvPr id="5" name="Picture 4"/>
-          <p:cNvPicPr>
-            <a:picLocks noChangeAspect="1"/>
-          </p:cNvPicPr>
+          <p:cNvPr id="13" name="Picture 12" descr="Hello summer illustration vector. with cute summer icon and ...">
+            <a:extLst>
+              <a:ext uri="{FF2B5EF4-FFF2-40B4-BE49-F238E27FC236}">
+                <a16:creationId xmlns:a16="http://schemas.microsoft.com/office/drawing/2014/main" id="{50B5A1E4-2998-48E4-BC77-79D8790DF13F}"/>
+              </a:ext>
+            </a:extLst>
+          </p:cNvPr>
+          <p:cNvPicPr/>
           <p:nvPr/>
         </p:nvPicPr>
         <p:blipFill>
-          <a:blip r:embed="rId6"/>
+          <a:blip r:embed="rId6" cstate="print">
+            <a:clrChange>
+              <a:clrFrom>
+                <a:srgbClr val="FFFFFF"/>
+              </a:clrFrom>
+              <a:clrTo>
+                <a:srgbClr val="FFFFFF">
+                  <a:alpha val="0"/>
+                </a:srgbClr>
+              </a:clrTo>
+            </a:clrChange>
+            <a:extLst>
+              <a:ext uri="{28A0092B-C50C-407E-A947-70E740481C1C}">
+                <a14:useLocalDpi xmlns:a14="http://schemas.microsoft.com/office/drawing/2010/main" val="0"/>
+              </a:ext>
+            </a:extLst>
+          </a:blip>
+          <a:srcRect/>
           <a:stretch>
             <a:fillRect/>
           </a:stretch>
         </p:blipFill>
-        <p:spPr>
-          <a:xfrm>
-            <a:off x="1985351" y="4872564"/>
-            <a:ext cx="1853345" cy="853514"/>
-          </a:xfrm>
-          <a:prstGeom prst="rect">
-            <a:avLst/>
-          </a:prstGeom>
+        <p:spPr bwMode="auto">
+          <a:xfrm>
+            <a:off x="1784203" y="4158563"/>
+            <a:ext cx="1578867" cy="1406017"/>
+          </a:xfrm>
+          <a:prstGeom prst="rect">
+            <a:avLst/>
+          </a:prstGeom>
+          <a:noFill/>
+          <a:extLst>
+            <a:ext uri="{909E8E84-426E-40DD-AFC4-6F175D3DCCD1}">
+              <a14:hiddenFill xmlns:a14="http://schemas.microsoft.com/office/drawing/2010/main">
+                <a:solidFill>
+                  <a:srgbClr val="FFFFFF"/>
+                </a:solidFill>
+              </a14:hiddenFill>
+            </a:ext>
+          </a:extLst>
         </p:spPr>
       </p:pic>
-      <p:sp>
-        <p:nvSpPr>
-          <p:cNvPr id="6" name="TextBox 5"/>
+      <p:pic>
+        <p:nvPicPr>
+          <p:cNvPr id="1028" name="Picture 4" descr="Calendar, schedule, schedule icon icon">
+            <a:extLst>
+              <a:ext uri="{FF2B5EF4-FFF2-40B4-BE49-F238E27FC236}">
+                <a16:creationId xmlns:a16="http://schemas.microsoft.com/office/drawing/2014/main" id="{C17B732E-BA53-4386-9A3E-FF78AABEEECB}"/>
+              </a:ext>
+            </a:extLst>
+          </p:cNvPr>
+          <p:cNvPicPr>
+            <a:picLocks noChangeAspect="1" noChangeArrowheads="1"/>
+          </p:cNvPicPr>
+          <p:nvPr/>
+        </p:nvPicPr>
+        <p:blipFill>
+          <a:blip r:embed="rId7" cstate="print">
+            <a:extLst>
+              <a:ext uri="{28A0092B-C50C-407E-A947-70E740481C1C}">
+                <a14:useLocalDpi xmlns:a14="http://schemas.microsoft.com/office/drawing/2010/main" val="0"/>
+              </a:ext>
+            </a:extLst>
+          </a:blip>
+          <a:srcRect/>
+          <a:stretch>
+            <a:fillRect/>
+          </a:stretch>
+        </p:blipFill>
+        <p:spPr bwMode="auto">
+          <a:xfrm>
+            <a:off x="1944790" y="4668816"/>
+            <a:ext cx="1257692" cy="1257692"/>
+          </a:xfrm>
+          <a:prstGeom prst="rect">
+            <a:avLst/>
+          </a:prstGeom>
+          <a:noFill/>
+          <a:extLst>
+            <a:ext uri="{909E8E84-426E-40DD-AFC4-6F175D3DCCD1}">
+              <a14:hiddenFill xmlns:a14="http://schemas.microsoft.com/office/drawing/2010/main">
+                <a:solidFill>
+                  <a:srgbClr val="FFFFFF"/>
+                </a:solidFill>
+              </a14:hiddenFill>
+            </a:ext>
+          </a:extLst>
+        </p:spPr>
+      </p:pic>
+      <p:sp>
+        <p:nvSpPr>
+          <p:cNvPr id="5" name="TextBox 4">
+            <a:extLst>
+              <a:ext uri="{FF2B5EF4-FFF2-40B4-BE49-F238E27FC236}">
+                <a16:creationId xmlns:a16="http://schemas.microsoft.com/office/drawing/2014/main" id="{803FD3B0-B62F-442A-AC07-BC6B0D20FF53}"/>
+              </a:ext>
+            </a:extLst>
+          </p:cNvPr>
           <p:cNvSpPr txBox="1"/>
           <p:nvPr/>
         </p:nvSpPr>
         <p:spPr>
           <a:xfrm>
-            <a:off x="2163479" y="3316893"/>
-            <a:ext cx="1952216" cy="646331"/>
+            <a:off x="3021210" y="5278932"/>
+            <a:ext cx="2614836" cy="369332"/>
           </a:xfrm>
           <a:prstGeom prst="rect">
             <a:avLst/>
@@ -12209,17 +13067,17 @@
           </a:bodyPr>
           <a:lstStyle/>
           <a:p>
-            <a:pPr algn="ctr"/>
-            <a:r>
-              <a:rPr lang="en-US" u="sng" dirty="0"/>
-              <a:t>Factorial ANOVA</a:t>
-            </a:r>
-          </a:p>
-          <a:p>
-            <a:pPr algn="ctr"/>
             <a:r>
               <a:rPr lang="en-US" dirty="0"/>
-              <a:t>Omnibus F-tests</a:t>
+              <a:t>Day </a:t>
+            </a:r>
+            <a:r>
+              <a:rPr lang="en-US" dirty="0" smtClean="0"/>
+              <a:t>13 </a:t>
+            </a:r>
+            <a:r>
+              <a:rPr lang="en-US" dirty="0"/>
+              <a:t>of 13</a:t>
             </a:r>
           </a:p>
         </p:txBody>
@@ -12232,8 +13090,8 @@
         </p:nvSpPr>
         <p:spPr>
           <a:xfrm>
-            <a:off x="3473229" y="3827424"/>
-            <a:ext cx="2184037" cy="923330"/>
+            <a:off x="2194757" y="2729254"/>
+            <a:ext cx="5005769" cy="923330"/>
           </a:xfrm>
           <a:prstGeom prst="rect">
             <a:avLst/>
@@ -12248,91 +13106,49 @@
           <a:p>
             <a:pPr algn="ctr"/>
             <a:r>
-              <a:rPr lang="en-US" u="sng" dirty="0"/>
-              <a:t>Interactions</a:t>
-            </a:r>
-          </a:p>
-          <a:p>
-            <a:pPr algn="ctr"/>
-            <a:r>
               <a:rPr lang="en-US" dirty="0"/>
-              <a:t>2-way means plots</a:t>
-            </a:r>
-          </a:p>
-          <a:p>
-            <a:pPr algn="ctr"/>
-            <a:r>
-              <a:rPr lang="en-US" dirty="0"/>
-              <a:t>Interaction contrasts</a:t>
-            </a:r>
-          </a:p>
-        </p:txBody>
-      </p:sp>
-      <p:sp>
-        <p:nvSpPr>
-          <p:cNvPr id="16" name="TextBox 15"/>
-          <p:cNvSpPr txBox="1"/>
-          <p:nvPr/>
-        </p:nvSpPr>
-        <p:spPr>
-          <a:xfrm>
-            <a:off x="4851703" y="4576843"/>
-            <a:ext cx="2667658" cy="1200329"/>
-          </a:xfrm>
-          <a:prstGeom prst="rect">
-            <a:avLst/>
-          </a:prstGeom>
-          <a:noFill/>
-        </p:spPr>
-        <p:txBody>
-          <a:bodyPr wrap="square" rtlCol="0">
-            <a:spAutoFit/>
-          </a:bodyPr>
-          <a:lstStyle/>
-          <a:p>
-            <a:pPr algn="ctr"/>
-            <a:r>
-              <a:rPr lang="en-US" u="sng" dirty="0"/>
-              <a:t>Main Effects</a:t>
-            </a:r>
-          </a:p>
-          <a:p>
-            <a:pPr algn="ctr"/>
-            <a:r>
-              <a:rPr lang="en-US" dirty="0"/>
-              <a:t>1-way means table</a:t>
-            </a:r>
-          </a:p>
-          <a:p>
-            <a:pPr algn="ctr"/>
-            <a:r>
-              <a:rPr lang="en-US" dirty="0"/>
-              <a:t>1-way means plot</a:t>
-            </a:r>
-          </a:p>
-          <a:p>
-            <a:pPr algn="ctr"/>
-            <a:r>
-              <a:rPr lang="en-US" dirty="0"/>
-              <a:t>Pairwise post hoc t-tests</a:t>
-            </a:r>
+              <a:t>Chapter </a:t>
+            </a:r>
+            <a:r>
+              <a:rPr lang="en-US" dirty="0" smtClean="0"/>
+              <a:t>19 &amp; 20</a:t>
+            </a:r>
+            <a:endParaRPr lang="en-US" dirty="0"/>
+          </a:p>
+          <a:p>
+            <a:pPr algn="ctr"/>
+            <a:r>
+              <a:rPr lang="en-US" b="1" u="sng" dirty="0" smtClean="0"/>
+              <a:t>Binomial &amp; Chi Squared Tests</a:t>
+            </a:r>
+          </a:p>
+          <a:p>
+            <a:pPr algn="ctr"/>
+            <a:endParaRPr lang="en-US" i="1" dirty="0"/>
           </a:p>
         </p:txBody>
       </p:sp>
     </p:spTree>
     <p:extLst>
       <p:ext uri="{BB962C8B-B14F-4D97-AF65-F5344CB8AC3E}">
-        <p14:creationId xmlns:p14="http://schemas.microsoft.com/office/powerpoint/2010/main" val="1875168771"/>
+        <p14:creationId xmlns:p14="http://schemas.microsoft.com/office/powerpoint/2010/main" val="2159300832"/>
       </p:ext>
     </p:extLst>
   </p:cSld>
   <p:clrMapOvr>
     <a:masterClrMapping/>
   </p:clrMapOvr>
+  <p:timing>
+    <p:tnLst>
+      <p:par>
+        <p:cTn id="1" dur="indefinite" restart="never" nodeType="tmRoot"/>
+      </p:par>
+    </p:tnLst>
+  </p:timing>
 </p:sld>
 </file>
 
-<file path=ppt/slides/slide29.xml><?xml version="1.0" encoding="utf-8"?>
+<file path=ppt/slides/slide30.xml><?xml version="1.0" encoding="utf-8"?>
 <p:sld xmlns:a="http://schemas.openxmlformats.org/drawingml/2006/main" xmlns:r="http://schemas.openxmlformats.org/officeDocument/2006/relationships" xmlns:p="http://schemas.openxmlformats.org/presentationml/2006/main">
   <p:cSld>
     <p:spTree>
@@ -12455,7 +13271,7 @@
             <a:pPr algn="ctr"/>
             <a:r>
               <a:rPr lang="en-US" dirty="0"/>
-              <a:t>April 2, 2020</a:t>
+              <a:t>April 7, 2020</a:t>
             </a:r>
           </a:p>
         </p:txBody>
@@ -12499,7 +13315,7 @@
             <a:pPr algn="ctr"/>
             <a:r>
               <a:rPr lang="en-US" dirty="0"/>
-              <a:t>Items # 2, 3, &amp; 5</a:t>
+              <a:t>Items # 4, 5, &amp; 6</a:t>
             </a:r>
           </a:p>
         </p:txBody>
@@ -12798,7 +13614,7 @@
     </p:spTree>
     <p:extLst>
       <p:ext uri="{BB962C8B-B14F-4D97-AF65-F5344CB8AC3E}">
-        <p14:creationId xmlns:p14="http://schemas.microsoft.com/office/powerpoint/2010/main" val="3811887098"/>
+        <p14:creationId xmlns:p14="http://schemas.microsoft.com/office/powerpoint/2010/main" val="1875168771"/>
       </p:ext>
     </p:extLst>
   </p:cSld>
@@ -12808,7 +13624,7 @@
 </p:sld>
 </file>
 
-<file path=ppt/slides/slide3.xml><?xml version="1.0" encoding="utf-8"?>
+<file path=ppt/slides/slide31.xml><?xml version="1.0" encoding="utf-8"?>
 <p:sld xmlns:a="http://schemas.openxmlformats.org/drawingml/2006/main" xmlns:r="http://schemas.openxmlformats.org/officeDocument/2006/relationships" xmlns:p="http://schemas.openxmlformats.org/presentationml/2006/main">
   <p:cSld>
     <p:spTree>
@@ -12833,7 +13649,7 @@
         </p:nvSpPr>
         <p:spPr>
           <a:xfrm>
-            <a:off x="1706880" y="923544"/>
+            <a:off x="1853580" y="824230"/>
             <a:ext cx="8778240" cy="5010912"/>
           </a:xfrm>
           <a:prstGeom prst="rect">
@@ -12879,8 +13695,8 @@
         </p:nvSpPr>
         <p:spPr>
           <a:xfrm>
-            <a:off x="3840385" y="1213849"/>
-            <a:ext cx="5712369" cy="923330"/>
+            <a:off x="3838696" y="1056832"/>
+            <a:ext cx="5712369" cy="1754326"/>
           </a:xfrm>
           <a:prstGeom prst="rect">
             <a:avLst/>
@@ -12895,7 +13711,13 @@
           <a:p>
             <a:r>
               <a:rPr lang="en-US" sz="5400" dirty="0"/>
-              <a:t>INCLASS LECTURES</a:t>
+              <a:t>Virtual </a:t>
+            </a:r>
+          </a:p>
+          <a:p>
+            <a:r>
+              <a:rPr lang="en-US" sz="5400" dirty="0"/>
+              <a:t>Office Hours</a:t>
             </a:r>
           </a:p>
         </p:txBody>
@@ -12924,16 +13746,52 @@
           <a:p>
             <a:pPr algn="ctr"/>
             <a:r>
-              <a:rPr lang="en-US" dirty="0" smtClean="0"/>
-              <a:t>June</a:t>
-            </a:r>
-            <a:r>
-              <a:rPr lang="en-US" dirty="0" smtClean="0"/>
-              <a:t> 10, </a:t>
-            </a:r>
-            <a:r>
               <a:rPr lang="en-US" dirty="0"/>
-              <a:t>2020</a:t>
+              <a:t>April 2, 2020</a:t>
+            </a:r>
+          </a:p>
+        </p:txBody>
+      </p:sp>
+      <p:sp>
+        <p:nvSpPr>
+          <p:cNvPr id="9" name="TextBox 8"/>
+          <p:cNvSpPr txBox="1"/>
+          <p:nvPr/>
+        </p:nvSpPr>
+        <p:spPr>
+          <a:xfrm>
+            <a:off x="3133161" y="2743036"/>
+            <a:ext cx="5005769" cy="923330"/>
+          </a:xfrm>
+          <a:prstGeom prst="rect">
+            <a:avLst/>
+          </a:prstGeom>
+          <a:noFill/>
+        </p:spPr>
+        <p:txBody>
+          <a:bodyPr wrap="square" rtlCol="0">
+            <a:spAutoFit/>
+          </a:bodyPr>
+          <a:lstStyle/>
+          <a:p>
+            <a:pPr algn="ctr"/>
+            <a:r>
+              <a:rPr lang="en-US" dirty="0"/>
+              <a:t>HW 14 </a:t>
+            </a:r>
+          </a:p>
+          <a:p>
+            <a:pPr algn="ctr"/>
+            <a:r>
+              <a:rPr lang="en-US" b="1" u="sng" dirty="0"/>
+              <a:t>2-way Factorial ANOVAs</a:t>
+            </a:r>
+          </a:p>
+          <a:p>
+            <a:pPr algn="ctr"/>
+            <a:r>
+              <a:rPr lang="en-US" dirty="0"/>
+              <a:t>Items # 2, 3, &amp; 5</a:t>
             </a:r>
           </a:p>
         </p:txBody>
@@ -13075,122 +13933,38 @@
       </p:pic>
       <p:pic>
         <p:nvPicPr>
-          <p:cNvPr id="13" name="Picture 12" descr="Hello summer illustration vector. with cute summer icon and ...">
-            <a:extLst>
-              <a:ext uri="{FF2B5EF4-FFF2-40B4-BE49-F238E27FC236}">
-                <a16:creationId xmlns:a16="http://schemas.microsoft.com/office/drawing/2014/main" id="{50B5A1E4-2998-48E4-BC77-79D8790DF13F}"/>
-              </a:ext>
-            </a:extLst>
-          </p:cNvPr>
-          <p:cNvPicPr/>
+          <p:cNvPr id="5" name="Picture 4"/>
+          <p:cNvPicPr>
+            <a:picLocks noChangeAspect="1"/>
+          </p:cNvPicPr>
           <p:nvPr/>
         </p:nvPicPr>
         <p:blipFill>
-          <a:blip r:embed="rId6" cstate="print">
-            <a:clrChange>
-              <a:clrFrom>
-                <a:srgbClr val="FFFFFF"/>
-              </a:clrFrom>
-              <a:clrTo>
-                <a:srgbClr val="FFFFFF">
-                  <a:alpha val="0"/>
-                </a:srgbClr>
-              </a:clrTo>
-            </a:clrChange>
-            <a:extLst>
-              <a:ext uri="{28A0092B-C50C-407E-A947-70E740481C1C}">
-                <a14:useLocalDpi xmlns:a14="http://schemas.microsoft.com/office/drawing/2010/main" val="0"/>
-              </a:ext>
-            </a:extLst>
-          </a:blip>
-          <a:srcRect/>
+          <a:blip r:embed="rId6"/>
           <a:stretch>
             <a:fillRect/>
           </a:stretch>
         </p:blipFill>
-        <p:spPr bwMode="auto">
-          <a:xfrm>
-            <a:off x="1784203" y="4158563"/>
-            <a:ext cx="1578867" cy="1406017"/>
-          </a:xfrm>
-          <a:prstGeom prst="rect">
-            <a:avLst/>
-          </a:prstGeom>
-          <a:noFill/>
-          <a:extLst>
-            <a:ext uri="{909E8E84-426E-40DD-AFC4-6F175D3DCCD1}">
-              <a14:hiddenFill xmlns:a14="http://schemas.microsoft.com/office/drawing/2010/main">
-                <a:solidFill>
-                  <a:srgbClr val="FFFFFF"/>
-                </a:solidFill>
-              </a14:hiddenFill>
-            </a:ext>
-          </a:extLst>
+        <p:spPr>
+          <a:xfrm>
+            <a:off x="1985351" y="4872564"/>
+            <a:ext cx="1853345" cy="853514"/>
+          </a:xfrm>
+          <a:prstGeom prst="rect">
+            <a:avLst/>
+          </a:prstGeom>
         </p:spPr>
       </p:pic>
-      <p:pic>
-        <p:nvPicPr>
-          <p:cNvPr id="1028" name="Picture 4" descr="Calendar, schedule, schedule icon icon">
-            <a:extLst>
-              <a:ext uri="{FF2B5EF4-FFF2-40B4-BE49-F238E27FC236}">
-                <a16:creationId xmlns:a16="http://schemas.microsoft.com/office/drawing/2014/main" id="{C17B732E-BA53-4386-9A3E-FF78AABEEECB}"/>
-              </a:ext>
-            </a:extLst>
-          </p:cNvPr>
-          <p:cNvPicPr>
-            <a:picLocks noChangeAspect="1" noChangeArrowheads="1"/>
-          </p:cNvPicPr>
-          <p:nvPr/>
-        </p:nvPicPr>
-        <p:blipFill>
-          <a:blip r:embed="rId7" cstate="print">
-            <a:extLst>
-              <a:ext uri="{28A0092B-C50C-407E-A947-70E740481C1C}">
-                <a14:useLocalDpi xmlns:a14="http://schemas.microsoft.com/office/drawing/2010/main" val="0"/>
-              </a:ext>
-            </a:extLst>
-          </a:blip>
-          <a:srcRect/>
-          <a:stretch>
-            <a:fillRect/>
-          </a:stretch>
-        </p:blipFill>
-        <p:spPr bwMode="auto">
-          <a:xfrm>
-            <a:off x="1944790" y="4668816"/>
-            <a:ext cx="1257692" cy="1257692"/>
-          </a:xfrm>
-          <a:prstGeom prst="rect">
-            <a:avLst/>
-          </a:prstGeom>
-          <a:noFill/>
-          <a:extLst>
-            <a:ext uri="{909E8E84-426E-40DD-AFC4-6F175D3DCCD1}">
-              <a14:hiddenFill xmlns:a14="http://schemas.microsoft.com/office/drawing/2010/main">
-                <a:solidFill>
-                  <a:srgbClr val="FFFFFF"/>
-                </a:solidFill>
-              </a14:hiddenFill>
-            </a:ext>
-          </a:extLst>
-        </p:spPr>
-      </p:pic>
-      <p:sp>
-        <p:nvSpPr>
-          <p:cNvPr id="5" name="TextBox 4">
-            <a:extLst>
-              <a:ext uri="{FF2B5EF4-FFF2-40B4-BE49-F238E27FC236}">
-                <a16:creationId xmlns:a16="http://schemas.microsoft.com/office/drawing/2014/main" id="{803FD3B0-B62F-442A-AC07-BC6B0D20FF53}"/>
-              </a:ext>
-            </a:extLst>
-          </p:cNvPr>
+      <p:sp>
+        <p:nvSpPr>
+          <p:cNvPr id="6" name="TextBox 5"/>
           <p:cNvSpPr txBox="1"/>
           <p:nvPr/>
         </p:nvSpPr>
         <p:spPr>
           <a:xfrm>
-            <a:off x="3021210" y="5278932"/>
-            <a:ext cx="2614836" cy="369332"/>
+            <a:off x="2163479" y="3316893"/>
+            <a:ext cx="1952216" cy="646331"/>
           </a:xfrm>
           <a:prstGeom prst="rect">
             <a:avLst/>
@@ -13203,17 +13977,17 @@
           </a:bodyPr>
           <a:lstStyle/>
           <a:p>
+            <a:pPr algn="ctr"/>
+            <a:r>
+              <a:rPr lang="en-US" u="sng" dirty="0"/>
+              <a:t>Factorial ANOVA</a:t>
+            </a:r>
+          </a:p>
+          <a:p>
+            <a:pPr algn="ctr"/>
             <a:r>
               <a:rPr lang="en-US" dirty="0"/>
-              <a:t>Day </a:t>
-            </a:r>
-            <a:r>
-              <a:rPr lang="en-US" dirty="0" smtClean="0"/>
-              <a:t>11 </a:t>
-            </a:r>
-            <a:r>
-              <a:rPr lang="en-US" dirty="0"/>
-              <a:t>of 13</a:t>
+              <a:t>Omnibus F-tests</a:t>
             </a:r>
           </a:p>
         </p:txBody>
@@ -13226,8 +14000,8 @@
         </p:nvSpPr>
         <p:spPr>
           <a:xfrm>
-            <a:off x="2194757" y="2729254"/>
-            <a:ext cx="5005769" cy="923330"/>
+            <a:off x="3473229" y="3827424"/>
+            <a:ext cx="2184037" cy="923330"/>
           </a:xfrm>
           <a:prstGeom prst="rect">
             <a:avLst/>
@@ -13242,33 +14016,81 @@
           <a:p>
             <a:pPr algn="ctr"/>
             <a:r>
+              <a:rPr lang="en-US" u="sng" dirty="0"/>
+              <a:t>Interactions</a:t>
+            </a:r>
+          </a:p>
+          <a:p>
+            <a:pPr algn="ctr"/>
+            <a:r>
               <a:rPr lang="en-US" dirty="0"/>
-              <a:t>Chapter </a:t>
-            </a:r>
-            <a:r>
-              <a:rPr lang="en-US" dirty="0" smtClean="0"/>
-              <a:t>15</a:t>
-            </a:r>
-            <a:endParaRPr lang="en-US" dirty="0"/>
-          </a:p>
-          <a:p>
-            <a:pPr algn="ctr"/>
-            <a:r>
-              <a:rPr lang="en-US" b="1" u="sng" dirty="0" smtClean="0"/>
-              <a:t>Repeated Measures ANOVA</a:t>
-            </a:r>
-            <a:endParaRPr lang="en-US" b="1" u="sng" dirty="0"/>
-          </a:p>
-          <a:p>
-            <a:pPr algn="ctr"/>
-            <a:endParaRPr lang="en-US" i="1" dirty="0"/>
+              <a:t>2-way means plots</a:t>
+            </a:r>
+          </a:p>
+          <a:p>
+            <a:pPr algn="ctr"/>
+            <a:r>
+              <a:rPr lang="en-US" dirty="0"/>
+              <a:t>Interaction contrasts</a:t>
+            </a:r>
+          </a:p>
+        </p:txBody>
+      </p:sp>
+      <p:sp>
+        <p:nvSpPr>
+          <p:cNvPr id="16" name="TextBox 15"/>
+          <p:cNvSpPr txBox="1"/>
+          <p:nvPr/>
+        </p:nvSpPr>
+        <p:spPr>
+          <a:xfrm>
+            <a:off x="4851703" y="4576843"/>
+            <a:ext cx="2667658" cy="1200329"/>
+          </a:xfrm>
+          <a:prstGeom prst="rect">
+            <a:avLst/>
+          </a:prstGeom>
+          <a:noFill/>
+        </p:spPr>
+        <p:txBody>
+          <a:bodyPr wrap="square" rtlCol="0">
+            <a:spAutoFit/>
+          </a:bodyPr>
+          <a:lstStyle/>
+          <a:p>
+            <a:pPr algn="ctr"/>
+            <a:r>
+              <a:rPr lang="en-US" u="sng" dirty="0"/>
+              <a:t>Main Effects</a:t>
+            </a:r>
+          </a:p>
+          <a:p>
+            <a:pPr algn="ctr"/>
+            <a:r>
+              <a:rPr lang="en-US" dirty="0"/>
+              <a:t>1-way means table</a:t>
+            </a:r>
+          </a:p>
+          <a:p>
+            <a:pPr algn="ctr"/>
+            <a:r>
+              <a:rPr lang="en-US" dirty="0"/>
+              <a:t>1-way means plot</a:t>
+            </a:r>
+          </a:p>
+          <a:p>
+            <a:pPr algn="ctr"/>
+            <a:r>
+              <a:rPr lang="en-US" dirty="0"/>
+              <a:t>Pairwise post hoc t-tests</a:t>
+            </a:r>
           </a:p>
         </p:txBody>
       </p:sp>
     </p:spTree>
     <p:extLst>
       <p:ext uri="{BB962C8B-B14F-4D97-AF65-F5344CB8AC3E}">
-        <p14:creationId xmlns:p14="http://schemas.microsoft.com/office/powerpoint/2010/main" val="2170102903"/>
+        <p14:creationId xmlns:p14="http://schemas.microsoft.com/office/powerpoint/2010/main" val="3811887098"/>
       </p:ext>
     </p:extLst>
   </p:cSld>
@@ -13278,7 +14100,7 @@
 </p:sld>
 </file>
 
-<file path=ppt/slides/slide30.xml><?xml version="1.0" encoding="utf-8"?>
+<file path=ppt/slides/slide32.xml><?xml version="1.0" encoding="utf-8"?>
 <p:sld xmlns:a="http://schemas.openxmlformats.org/drawingml/2006/main" xmlns:r="http://schemas.openxmlformats.org/officeDocument/2006/relationships" xmlns:p="http://schemas.openxmlformats.org/presentationml/2006/main">
   <p:cSld>
     <p:spTree>
@@ -13701,7 +14523,7 @@
 </p:sld>
 </file>
 
-<file path=ppt/slides/slide31.xml><?xml version="1.0" encoding="utf-8"?>
+<file path=ppt/slides/slide33.xml><?xml version="1.0" encoding="utf-8"?>
 <p:sld xmlns:a="http://schemas.openxmlformats.org/drawingml/2006/main" xmlns:r="http://schemas.openxmlformats.org/officeDocument/2006/relationships" xmlns:p="http://schemas.openxmlformats.org/presentationml/2006/main">
   <p:cSld>
     <p:spTree>
@@ -14114,7 +14936,7 @@
 </p:sld>
 </file>
 
-<file path=ppt/slides/slide32.xml><?xml version="1.0" encoding="utf-8"?>
+<file path=ppt/slides/slide34.xml><?xml version="1.0" encoding="utf-8"?>
 <p:sld xmlns:a="http://schemas.openxmlformats.org/drawingml/2006/main" xmlns:r="http://schemas.openxmlformats.org/officeDocument/2006/relationships" xmlns:p="http://schemas.openxmlformats.org/presentationml/2006/main">
   <p:cSld>
     <p:spTree>
@@ -14512,7 +15334,7 @@
 </p:sld>
 </file>
 
-<file path=ppt/slides/slide33.xml><?xml version="1.0" encoding="utf-8"?>
+<file path=ppt/slides/slide35.xml><?xml version="1.0" encoding="utf-8"?>
 <p:sld xmlns:a="http://schemas.openxmlformats.org/drawingml/2006/main" xmlns:r="http://schemas.openxmlformats.org/officeDocument/2006/relationships" xmlns:p="http://schemas.openxmlformats.org/presentationml/2006/main">
   <p:cSld>
     <p:spTree>
@@ -14908,7 +15730,7 @@
 </p:sld>
 </file>
 
-<file path=ppt/slides/slide34.xml><?xml version="1.0" encoding="utf-8"?>
+<file path=ppt/slides/slide36.xml><?xml version="1.0" encoding="utf-8"?>
 <p:sld xmlns:a="http://schemas.openxmlformats.org/drawingml/2006/main" xmlns:r="http://schemas.openxmlformats.org/officeDocument/2006/relationships" xmlns:p="http://schemas.openxmlformats.org/presentationml/2006/main">
   <p:cSld>
     <p:spTree>
@@ -15344,7 +16166,7 @@
 </p:sld>
 </file>
 
-<file path=ppt/slides/slide35.xml><?xml version="1.0" encoding="utf-8"?>
+<file path=ppt/slides/slide37.xml><?xml version="1.0" encoding="utf-8"?>
 <p:sld xmlns:a="http://schemas.openxmlformats.org/drawingml/2006/main" xmlns:r="http://schemas.openxmlformats.org/officeDocument/2006/relationships" xmlns:p="http://schemas.openxmlformats.org/presentationml/2006/main">
   <p:cSld>
     <p:spTree>
@@ -15742,7 +16564,7 @@
 </p:sld>
 </file>
 
-<file path=ppt/slides/slide36.xml><?xml version="1.0" encoding="utf-8"?>
+<file path=ppt/slides/slide38.xml><?xml version="1.0" encoding="utf-8"?>
 <p:sld xmlns:a="http://schemas.openxmlformats.org/drawingml/2006/main" xmlns:r="http://schemas.openxmlformats.org/officeDocument/2006/relationships" xmlns:p="http://schemas.openxmlformats.org/presentationml/2006/main">
   <p:cSld>
     <p:spTree>
@@ -16074,7 +16896,7 @@
 </p:sld>
 </file>
 
-<file path=ppt/slides/slide37.xml><?xml version="1.0" encoding="utf-8"?>
+<file path=ppt/slides/slide39.xml><?xml version="1.0" encoding="utf-8"?>
 <p:sld xmlns:a="http://schemas.openxmlformats.org/drawingml/2006/main" xmlns:r="http://schemas.openxmlformats.org/officeDocument/2006/relationships" xmlns:p="http://schemas.openxmlformats.org/presentationml/2006/main">
   <p:cSld>
     <p:spTree>
@@ -16388,7 +17210,7 @@
 </p:sld>
 </file>
 
-<file path=ppt/slides/slide38.xml><?xml version="1.0" encoding="utf-8"?>
+<file path=ppt/slides/slide4.xml><?xml version="1.0" encoding="utf-8"?>
 <p:sld xmlns:a="http://schemas.openxmlformats.org/drawingml/2006/main" xmlns:r="http://schemas.openxmlformats.org/officeDocument/2006/relationships" xmlns:p="http://schemas.openxmlformats.org/presentationml/2006/main">
   <p:cSld>
     <p:spTree>
@@ -16413,7 +17235,7 @@
         </p:nvSpPr>
         <p:spPr>
           <a:xfrm>
-            <a:off x="1808702" y="824230"/>
+            <a:off x="1706880" y="923544"/>
             <a:ext cx="8778240" cy="5010912"/>
           </a:xfrm>
           <a:prstGeom prst="rect">
@@ -16459,8 +17281,8 @@
         </p:nvSpPr>
         <p:spPr>
           <a:xfrm>
-            <a:off x="4184694" y="1065121"/>
-            <a:ext cx="5712369" cy="1754326"/>
+            <a:off x="3840385" y="1213849"/>
+            <a:ext cx="5712369" cy="923330"/>
           </a:xfrm>
           <a:prstGeom prst="rect">
             <a:avLst/>
@@ -16475,7 +17297,7 @@
           <a:p>
             <a:r>
               <a:rPr lang="en-US" sz="5400" dirty="0"/>
-              <a:t>OUT-OF-CLASS LECTURES</a:t>
+              <a:t>INCLASS LECTURES</a:t>
             </a:r>
           </a:p>
         </p:txBody>
@@ -16504,59 +17326,12 @@
           <a:p>
             <a:pPr algn="ctr"/>
             <a:r>
+              <a:rPr lang="en-US" dirty="0" smtClean="0"/>
+              <a:t>June 15, </a:t>
+            </a:r>
+            <a:r>
               <a:rPr lang="en-US" dirty="0"/>
-              <a:t>Jan. 24, 2020</a:t>
-            </a:r>
-          </a:p>
-        </p:txBody>
-      </p:sp>
-      <p:sp>
-        <p:nvSpPr>
-          <p:cNvPr id="9" name="TextBox 8"/>
-          <p:cNvSpPr txBox="1"/>
-          <p:nvPr/>
-        </p:nvSpPr>
-        <p:spPr>
-          <a:xfrm>
-            <a:off x="2035110" y="3043759"/>
-            <a:ext cx="5005769" cy="1200329"/>
-          </a:xfrm>
-          <a:prstGeom prst="rect">
-            <a:avLst/>
-          </a:prstGeom>
-          <a:noFill/>
-        </p:spPr>
-        <p:txBody>
-          <a:bodyPr wrap="square" rtlCol="0">
-            <a:spAutoFit/>
-          </a:bodyPr>
-          <a:lstStyle/>
-          <a:p>
-            <a:pPr algn="ctr"/>
-            <a:r>
-              <a:rPr lang="en-US" dirty="0"/>
-              <a:t>Chapter 4</a:t>
-            </a:r>
-          </a:p>
-          <a:p>
-            <a:pPr algn="ctr"/>
-            <a:r>
-              <a:rPr lang="en-US" b="1" u="sng" dirty="0"/>
-              <a:t>Standardized Scores &amp; the Normal Distribution</a:t>
-            </a:r>
-          </a:p>
-          <a:p>
-            <a:pPr algn="ctr"/>
-            <a:r>
-              <a:rPr lang="en-US" i="1" dirty="0"/>
-              <a:t>Lecture slides 25-43</a:t>
-            </a:r>
-          </a:p>
-          <a:p>
-            <a:pPr algn="ctr"/>
-            <a:r>
-              <a:rPr lang="en-US" i="1" dirty="0"/>
-              <a:t>(Second half)</a:t>
+              <a:t>2020</a:t>
             </a:r>
           </a:p>
         </p:txBody>
@@ -16696,20 +17471,219 @@
           </a:prstGeom>
         </p:spPr>
       </p:pic>
+      <p:pic>
+        <p:nvPicPr>
+          <p:cNvPr id="13" name="Picture 12" descr="Hello summer illustration vector. with cute summer icon and ...">
+            <a:extLst>
+              <a:ext uri="{FF2B5EF4-FFF2-40B4-BE49-F238E27FC236}">
+                <a16:creationId xmlns:a16="http://schemas.microsoft.com/office/drawing/2014/main" id="{50B5A1E4-2998-48E4-BC77-79D8790DF13F}"/>
+              </a:ext>
+            </a:extLst>
+          </p:cNvPr>
+          <p:cNvPicPr/>
+          <p:nvPr/>
+        </p:nvPicPr>
+        <p:blipFill>
+          <a:blip r:embed="rId6" cstate="print">
+            <a:clrChange>
+              <a:clrFrom>
+                <a:srgbClr val="FFFFFF"/>
+              </a:clrFrom>
+              <a:clrTo>
+                <a:srgbClr val="FFFFFF">
+                  <a:alpha val="0"/>
+                </a:srgbClr>
+              </a:clrTo>
+            </a:clrChange>
+            <a:extLst>
+              <a:ext uri="{28A0092B-C50C-407E-A947-70E740481C1C}">
+                <a14:useLocalDpi xmlns:a14="http://schemas.microsoft.com/office/drawing/2010/main" val="0"/>
+              </a:ext>
+            </a:extLst>
+          </a:blip>
+          <a:srcRect/>
+          <a:stretch>
+            <a:fillRect/>
+          </a:stretch>
+        </p:blipFill>
+        <p:spPr bwMode="auto">
+          <a:xfrm>
+            <a:off x="1784203" y="4158563"/>
+            <a:ext cx="1578867" cy="1406017"/>
+          </a:xfrm>
+          <a:prstGeom prst="rect">
+            <a:avLst/>
+          </a:prstGeom>
+          <a:noFill/>
+          <a:extLst>
+            <a:ext uri="{909E8E84-426E-40DD-AFC4-6F175D3DCCD1}">
+              <a14:hiddenFill xmlns:a14="http://schemas.microsoft.com/office/drawing/2010/main">
+                <a:solidFill>
+                  <a:srgbClr val="FFFFFF"/>
+                </a:solidFill>
+              </a14:hiddenFill>
+            </a:ext>
+          </a:extLst>
+        </p:spPr>
+      </p:pic>
+      <p:pic>
+        <p:nvPicPr>
+          <p:cNvPr id="1028" name="Picture 4" descr="Calendar, schedule, schedule icon icon">
+            <a:extLst>
+              <a:ext uri="{FF2B5EF4-FFF2-40B4-BE49-F238E27FC236}">
+                <a16:creationId xmlns:a16="http://schemas.microsoft.com/office/drawing/2014/main" id="{C17B732E-BA53-4386-9A3E-FF78AABEEECB}"/>
+              </a:ext>
+            </a:extLst>
+          </p:cNvPr>
+          <p:cNvPicPr>
+            <a:picLocks noChangeAspect="1" noChangeArrowheads="1"/>
+          </p:cNvPicPr>
+          <p:nvPr/>
+        </p:nvPicPr>
+        <p:blipFill>
+          <a:blip r:embed="rId7" cstate="print">
+            <a:extLst>
+              <a:ext uri="{28A0092B-C50C-407E-A947-70E740481C1C}">
+                <a14:useLocalDpi xmlns:a14="http://schemas.microsoft.com/office/drawing/2010/main" val="0"/>
+              </a:ext>
+            </a:extLst>
+          </a:blip>
+          <a:srcRect/>
+          <a:stretch>
+            <a:fillRect/>
+          </a:stretch>
+        </p:blipFill>
+        <p:spPr bwMode="auto">
+          <a:xfrm>
+            <a:off x="1944790" y="4668816"/>
+            <a:ext cx="1257692" cy="1257692"/>
+          </a:xfrm>
+          <a:prstGeom prst="rect">
+            <a:avLst/>
+          </a:prstGeom>
+          <a:noFill/>
+          <a:extLst>
+            <a:ext uri="{909E8E84-426E-40DD-AFC4-6F175D3DCCD1}">
+              <a14:hiddenFill xmlns:a14="http://schemas.microsoft.com/office/drawing/2010/main">
+                <a:solidFill>
+                  <a:srgbClr val="FFFFFF"/>
+                </a:solidFill>
+              </a14:hiddenFill>
+            </a:ext>
+          </a:extLst>
+        </p:spPr>
+      </p:pic>
+      <p:sp>
+        <p:nvSpPr>
+          <p:cNvPr id="5" name="TextBox 4">
+            <a:extLst>
+              <a:ext uri="{FF2B5EF4-FFF2-40B4-BE49-F238E27FC236}">
+                <a16:creationId xmlns:a16="http://schemas.microsoft.com/office/drawing/2014/main" id="{803FD3B0-B62F-442A-AC07-BC6B0D20FF53}"/>
+              </a:ext>
+            </a:extLst>
+          </p:cNvPr>
+          <p:cNvSpPr txBox="1"/>
+          <p:nvPr/>
+        </p:nvSpPr>
+        <p:spPr>
+          <a:xfrm>
+            <a:off x="3021210" y="5278932"/>
+            <a:ext cx="2614836" cy="369332"/>
+          </a:xfrm>
+          <a:prstGeom prst="rect">
+            <a:avLst/>
+          </a:prstGeom>
+          <a:noFill/>
+        </p:spPr>
+        <p:txBody>
+          <a:bodyPr wrap="square" rtlCol="0">
+            <a:spAutoFit/>
+          </a:bodyPr>
+          <a:lstStyle/>
+          <a:p>
+            <a:r>
+              <a:rPr lang="en-US" dirty="0"/>
+              <a:t>Day </a:t>
+            </a:r>
+            <a:r>
+              <a:rPr lang="en-US" dirty="0" smtClean="0"/>
+              <a:t>12 </a:t>
+            </a:r>
+            <a:r>
+              <a:rPr lang="en-US" dirty="0"/>
+              <a:t>of 13</a:t>
+            </a:r>
+          </a:p>
+        </p:txBody>
+      </p:sp>
+      <p:sp>
+        <p:nvSpPr>
+          <p:cNvPr id="15" name="TextBox 14"/>
+          <p:cNvSpPr txBox="1"/>
+          <p:nvPr/>
+        </p:nvSpPr>
+        <p:spPr>
+          <a:xfrm>
+            <a:off x="2194757" y="2729254"/>
+            <a:ext cx="5005769" cy="923330"/>
+          </a:xfrm>
+          <a:prstGeom prst="rect">
+            <a:avLst/>
+          </a:prstGeom>
+          <a:noFill/>
+        </p:spPr>
+        <p:txBody>
+          <a:bodyPr wrap="square" rtlCol="0">
+            <a:spAutoFit/>
+          </a:bodyPr>
+          <a:lstStyle/>
+          <a:p>
+            <a:pPr algn="ctr"/>
+            <a:r>
+              <a:rPr lang="en-US" dirty="0"/>
+              <a:t>Chapter </a:t>
+            </a:r>
+            <a:r>
+              <a:rPr lang="en-US" dirty="0" smtClean="0"/>
+              <a:t>16</a:t>
+            </a:r>
+            <a:endParaRPr lang="en-US" dirty="0"/>
+          </a:p>
+          <a:p>
+            <a:pPr algn="ctr"/>
+            <a:r>
+              <a:rPr lang="en-US" b="1" u="sng" dirty="0" smtClean="0"/>
+              <a:t>Mixed ANOVA</a:t>
+            </a:r>
+            <a:endParaRPr lang="en-US" b="1" u="sng" dirty="0"/>
+          </a:p>
+          <a:p>
+            <a:pPr algn="ctr"/>
+            <a:endParaRPr lang="en-US" i="1" dirty="0"/>
+          </a:p>
+        </p:txBody>
+      </p:sp>
     </p:spTree>
     <p:extLst>
       <p:ext uri="{BB962C8B-B14F-4D97-AF65-F5344CB8AC3E}">
-        <p14:creationId xmlns:p14="http://schemas.microsoft.com/office/powerpoint/2010/main" val="1429724622"/>
+        <p14:creationId xmlns:p14="http://schemas.microsoft.com/office/powerpoint/2010/main" val="677195510"/>
       </p:ext>
     </p:extLst>
   </p:cSld>
   <p:clrMapOvr>
     <a:masterClrMapping/>
   </p:clrMapOvr>
+  <p:timing>
+    <p:tnLst>
+      <p:par>
+        <p:cTn id="1" dur="indefinite" restart="never" nodeType="tmRoot"/>
+      </p:par>
+    </p:tnLst>
+  </p:timing>
 </p:sld>
 </file>
 
-<file path=ppt/slides/slide39.xml><?xml version="1.0" encoding="utf-8"?>
+<file path=ppt/slides/slide40.xml><?xml version="1.0" encoding="utf-8"?>
 <p:sld xmlns:a="http://schemas.openxmlformats.org/drawingml/2006/main" xmlns:r="http://schemas.openxmlformats.org/officeDocument/2006/relationships" xmlns:p="http://schemas.openxmlformats.org/presentationml/2006/main">
   <p:cSld>
     <p:spTree>
@@ -16780,8 +17754,8 @@
         </p:nvSpPr>
         <p:spPr>
           <a:xfrm>
-            <a:off x="3840385" y="1213849"/>
-            <a:ext cx="5712369" cy="923330"/>
+            <a:off x="4184694" y="1065121"/>
+            <a:ext cx="5712369" cy="1754326"/>
           </a:xfrm>
           <a:prstGeom prst="rect">
             <a:avLst/>
@@ -16796,7 +17770,7 @@
           <a:p>
             <a:r>
               <a:rPr lang="en-US" sz="5400" dirty="0"/>
-              <a:t>INCLASS LECTURES</a:t>
+              <a:t>OUT-OF-CLASS LECTURES</a:t>
             </a:r>
           </a:p>
         </p:txBody>
@@ -16826,7 +17800,7 @@
             <a:pPr algn="ctr"/>
             <a:r>
               <a:rPr lang="en-US" dirty="0"/>
-              <a:t>March 11, 2020</a:t>
+              <a:t>Jan. 24, 2020</a:t>
             </a:r>
           </a:p>
         </p:txBody>
@@ -16839,7 +17813,7 @@
         </p:nvSpPr>
         <p:spPr>
           <a:xfrm>
-            <a:off x="2175358" y="3486436"/>
+            <a:off x="2035110" y="3043759"/>
             <a:ext cx="5005769" cy="1200329"/>
           </a:xfrm>
           <a:prstGeom prst="rect">
@@ -16856,29 +17830,28 @@
             <a:pPr algn="ctr"/>
             <a:r>
               <a:rPr lang="en-US" dirty="0"/>
-              <a:t>Chapter 12</a:t>
+              <a:t>Chapter 4</a:t>
             </a:r>
           </a:p>
           <a:p>
             <a:pPr algn="ctr"/>
             <a:r>
               <a:rPr lang="en-US" b="1" u="sng" dirty="0"/>
-              <a:t>One-way Independent Groups ANOVA</a:t>
-            </a:r>
-            <a:endParaRPr lang="en-US" dirty="0"/>
+              <a:t>Standardized Scores &amp; the Normal Distribution</a:t>
+            </a:r>
           </a:p>
           <a:p>
             <a:pPr algn="ctr"/>
             <a:r>
               <a:rPr lang="en-US" i="1" dirty="0"/>
-              <a:t>Second half, chapter slides</a:t>
+              <a:t>Lecture slides 25-43</a:t>
             </a:r>
           </a:p>
           <a:p>
             <a:pPr algn="ctr"/>
             <a:r>
               <a:rPr lang="en-US" i="1" dirty="0"/>
-              <a:t>Mostly Examples, Using R, and HW Help</a:t>
+              <a:t>(Second half)</a:t>
             </a:r>
           </a:p>
         </p:txBody>
@@ -17021,7 +17994,7 @@
     </p:spTree>
     <p:extLst>
       <p:ext uri="{BB962C8B-B14F-4D97-AF65-F5344CB8AC3E}">
-        <p14:creationId xmlns:p14="http://schemas.microsoft.com/office/powerpoint/2010/main" val="928580799"/>
+        <p14:creationId xmlns:p14="http://schemas.microsoft.com/office/powerpoint/2010/main" val="1429724622"/>
       </p:ext>
     </p:extLst>
   </p:cSld>
@@ -17031,7 +18004,7 @@
 </p:sld>
 </file>
 
-<file path=ppt/slides/slide4.xml><?xml version="1.0" encoding="utf-8"?>
+<file path=ppt/slides/slide41.xml><?xml version="1.0" encoding="utf-8"?>
 <p:sld xmlns:a="http://schemas.openxmlformats.org/drawingml/2006/main" xmlns:r="http://schemas.openxmlformats.org/officeDocument/2006/relationships" xmlns:p="http://schemas.openxmlformats.org/presentationml/2006/main">
   <p:cSld>
     <p:spTree>
@@ -17056,7 +18029,7 @@
         </p:nvSpPr>
         <p:spPr>
           <a:xfrm>
-            <a:off x="1706880" y="923544"/>
+            <a:off x="1808702" y="824230"/>
             <a:ext cx="8778240" cy="5010912"/>
           </a:xfrm>
           <a:prstGeom prst="rect">
@@ -17147,16 +18120,60 @@
           <a:p>
             <a:pPr algn="ctr"/>
             <a:r>
-              <a:rPr lang="en-US" dirty="0" smtClean="0"/>
-              <a:t>June</a:t>
-            </a:r>
-            <a:r>
-              <a:rPr lang="en-US" dirty="0" smtClean="0"/>
-              <a:t> 8, </a:t>
-            </a:r>
-            <a:r>
               <a:rPr lang="en-US" dirty="0"/>
-              <a:t>2020</a:t>
+              <a:t>March 11, 2020</a:t>
+            </a:r>
+          </a:p>
+        </p:txBody>
+      </p:sp>
+      <p:sp>
+        <p:nvSpPr>
+          <p:cNvPr id="9" name="TextBox 8"/>
+          <p:cNvSpPr txBox="1"/>
+          <p:nvPr/>
+        </p:nvSpPr>
+        <p:spPr>
+          <a:xfrm>
+            <a:off x="2175358" y="3486436"/>
+            <a:ext cx="5005769" cy="1200329"/>
+          </a:xfrm>
+          <a:prstGeom prst="rect">
+            <a:avLst/>
+          </a:prstGeom>
+          <a:noFill/>
+        </p:spPr>
+        <p:txBody>
+          <a:bodyPr wrap="square" rtlCol="0">
+            <a:spAutoFit/>
+          </a:bodyPr>
+          <a:lstStyle/>
+          <a:p>
+            <a:pPr algn="ctr"/>
+            <a:r>
+              <a:rPr lang="en-US" dirty="0"/>
+              <a:t>Chapter 12</a:t>
+            </a:r>
+          </a:p>
+          <a:p>
+            <a:pPr algn="ctr"/>
+            <a:r>
+              <a:rPr lang="en-US" b="1" u="sng" dirty="0"/>
+              <a:t>One-way Independent Groups ANOVA</a:t>
+            </a:r>
+            <a:endParaRPr lang="en-US" dirty="0"/>
+          </a:p>
+          <a:p>
+            <a:pPr algn="ctr"/>
+            <a:r>
+              <a:rPr lang="en-US" i="1" dirty="0"/>
+              <a:t>Second half, chapter slides</a:t>
+            </a:r>
+          </a:p>
+          <a:p>
+            <a:pPr algn="ctr"/>
+            <a:r>
+              <a:rPr lang="en-US" i="1" dirty="0"/>
+              <a:t>Mostly Examples, Using R, and HW Help</a:t>
             </a:r>
           </a:p>
         </p:txBody>
@@ -17296,202 +18313,10 @@
           </a:prstGeom>
         </p:spPr>
       </p:pic>
-      <p:pic>
-        <p:nvPicPr>
-          <p:cNvPr id="13" name="Picture 12" descr="Hello summer illustration vector. with cute summer icon and ...">
-            <a:extLst>
-              <a:ext uri="{FF2B5EF4-FFF2-40B4-BE49-F238E27FC236}">
-                <a16:creationId xmlns:a16="http://schemas.microsoft.com/office/drawing/2014/main" id="{50B5A1E4-2998-48E4-BC77-79D8790DF13F}"/>
-              </a:ext>
-            </a:extLst>
-          </p:cNvPr>
-          <p:cNvPicPr/>
-          <p:nvPr/>
-        </p:nvPicPr>
-        <p:blipFill>
-          <a:blip r:embed="rId6" cstate="print">
-            <a:clrChange>
-              <a:clrFrom>
-                <a:srgbClr val="FFFFFF"/>
-              </a:clrFrom>
-              <a:clrTo>
-                <a:srgbClr val="FFFFFF">
-                  <a:alpha val="0"/>
-                </a:srgbClr>
-              </a:clrTo>
-            </a:clrChange>
-            <a:extLst>
-              <a:ext uri="{28A0092B-C50C-407E-A947-70E740481C1C}">
-                <a14:useLocalDpi xmlns:a14="http://schemas.microsoft.com/office/drawing/2010/main" val="0"/>
-              </a:ext>
-            </a:extLst>
-          </a:blip>
-          <a:srcRect/>
-          <a:stretch>
-            <a:fillRect/>
-          </a:stretch>
-        </p:blipFill>
-        <p:spPr bwMode="auto">
-          <a:xfrm>
-            <a:off x="1784203" y="4158563"/>
-            <a:ext cx="1578867" cy="1406017"/>
-          </a:xfrm>
-          <a:prstGeom prst="rect">
-            <a:avLst/>
-          </a:prstGeom>
-          <a:noFill/>
-          <a:extLst>
-            <a:ext uri="{909E8E84-426E-40DD-AFC4-6F175D3DCCD1}">
-              <a14:hiddenFill xmlns:a14="http://schemas.microsoft.com/office/drawing/2010/main">
-                <a:solidFill>
-                  <a:srgbClr val="FFFFFF"/>
-                </a:solidFill>
-              </a14:hiddenFill>
-            </a:ext>
-          </a:extLst>
-        </p:spPr>
-      </p:pic>
-      <p:pic>
-        <p:nvPicPr>
-          <p:cNvPr id="1028" name="Picture 4" descr="Calendar, schedule, schedule icon icon">
-            <a:extLst>
-              <a:ext uri="{FF2B5EF4-FFF2-40B4-BE49-F238E27FC236}">
-                <a16:creationId xmlns:a16="http://schemas.microsoft.com/office/drawing/2014/main" id="{C17B732E-BA53-4386-9A3E-FF78AABEEECB}"/>
-              </a:ext>
-            </a:extLst>
-          </p:cNvPr>
-          <p:cNvPicPr>
-            <a:picLocks noChangeAspect="1" noChangeArrowheads="1"/>
-          </p:cNvPicPr>
-          <p:nvPr/>
-        </p:nvPicPr>
-        <p:blipFill>
-          <a:blip r:embed="rId7" cstate="print">
-            <a:extLst>
-              <a:ext uri="{28A0092B-C50C-407E-A947-70E740481C1C}">
-                <a14:useLocalDpi xmlns:a14="http://schemas.microsoft.com/office/drawing/2010/main" val="0"/>
-              </a:ext>
-            </a:extLst>
-          </a:blip>
-          <a:srcRect/>
-          <a:stretch>
-            <a:fillRect/>
-          </a:stretch>
-        </p:blipFill>
-        <p:spPr bwMode="auto">
-          <a:xfrm>
-            <a:off x="1944790" y="4668816"/>
-            <a:ext cx="1257692" cy="1257692"/>
-          </a:xfrm>
-          <a:prstGeom prst="rect">
-            <a:avLst/>
-          </a:prstGeom>
-          <a:noFill/>
-          <a:extLst>
-            <a:ext uri="{909E8E84-426E-40DD-AFC4-6F175D3DCCD1}">
-              <a14:hiddenFill xmlns:a14="http://schemas.microsoft.com/office/drawing/2010/main">
-                <a:solidFill>
-                  <a:srgbClr val="FFFFFF"/>
-                </a:solidFill>
-              </a14:hiddenFill>
-            </a:ext>
-          </a:extLst>
-        </p:spPr>
-      </p:pic>
-      <p:sp>
-        <p:nvSpPr>
-          <p:cNvPr id="5" name="TextBox 4">
-            <a:extLst>
-              <a:ext uri="{FF2B5EF4-FFF2-40B4-BE49-F238E27FC236}">
-                <a16:creationId xmlns:a16="http://schemas.microsoft.com/office/drawing/2014/main" id="{803FD3B0-B62F-442A-AC07-BC6B0D20FF53}"/>
-              </a:ext>
-            </a:extLst>
-          </p:cNvPr>
-          <p:cNvSpPr txBox="1"/>
-          <p:nvPr/>
-        </p:nvSpPr>
-        <p:spPr>
-          <a:xfrm>
-            <a:off x="3021210" y="5278932"/>
-            <a:ext cx="2614836" cy="369332"/>
-          </a:xfrm>
-          <a:prstGeom prst="rect">
-            <a:avLst/>
-          </a:prstGeom>
-          <a:noFill/>
-        </p:spPr>
-        <p:txBody>
-          <a:bodyPr wrap="square" rtlCol="0">
-            <a:spAutoFit/>
-          </a:bodyPr>
-          <a:lstStyle/>
-          <a:p>
-            <a:r>
-              <a:rPr lang="en-US" dirty="0"/>
-              <a:t>Day </a:t>
-            </a:r>
-            <a:r>
-              <a:rPr lang="en-US" dirty="0" smtClean="0"/>
-              <a:t>10 </a:t>
-            </a:r>
-            <a:r>
-              <a:rPr lang="en-US" dirty="0"/>
-              <a:t>of 13</a:t>
-            </a:r>
-          </a:p>
-        </p:txBody>
-      </p:sp>
-      <p:sp>
-        <p:nvSpPr>
-          <p:cNvPr id="15" name="TextBox 14"/>
-          <p:cNvSpPr txBox="1"/>
-          <p:nvPr/>
-        </p:nvSpPr>
-        <p:spPr>
-          <a:xfrm>
-            <a:off x="2194757" y="2729254"/>
-            <a:ext cx="5005769" cy="923330"/>
-          </a:xfrm>
-          <a:prstGeom prst="rect">
-            <a:avLst/>
-          </a:prstGeom>
-          <a:noFill/>
-        </p:spPr>
-        <p:txBody>
-          <a:bodyPr wrap="square" rtlCol="0">
-            <a:spAutoFit/>
-          </a:bodyPr>
-          <a:lstStyle/>
-          <a:p>
-            <a:pPr algn="ctr"/>
-            <a:r>
-              <a:rPr lang="en-US" dirty="0"/>
-              <a:t>Chapter </a:t>
-            </a:r>
-            <a:r>
-              <a:rPr lang="en-US" dirty="0" smtClean="0"/>
-              <a:t>14</a:t>
-            </a:r>
-            <a:endParaRPr lang="en-US" dirty="0"/>
-          </a:p>
-          <a:p>
-            <a:pPr algn="ctr"/>
-            <a:r>
-              <a:rPr lang="en-US" b="1" u="sng" dirty="0" smtClean="0"/>
-              <a:t>Two-Way ANOVA</a:t>
-            </a:r>
-            <a:endParaRPr lang="en-US" b="1" u="sng" dirty="0"/>
-          </a:p>
-          <a:p>
-            <a:pPr algn="ctr"/>
-            <a:endParaRPr lang="en-US" i="1" dirty="0"/>
-          </a:p>
-        </p:txBody>
-      </p:sp>
     </p:spTree>
     <p:extLst>
       <p:ext uri="{BB962C8B-B14F-4D97-AF65-F5344CB8AC3E}">
-        <p14:creationId xmlns:p14="http://schemas.microsoft.com/office/powerpoint/2010/main" val="1166062419"/>
+        <p14:creationId xmlns:p14="http://schemas.microsoft.com/office/powerpoint/2010/main" val="928580799"/>
       </p:ext>
     </p:extLst>
   </p:cSld>
@@ -17501,7 +18326,7 @@
 </p:sld>
 </file>
 
-<file path=ppt/slides/slide40.xml><?xml version="1.0" encoding="utf-8"?>
+<file path=ppt/slides/slide42.xml><?xml version="1.0" encoding="utf-8"?>
 <p:sld xmlns:a="http://schemas.openxmlformats.org/drawingml/2006/main" xmlns:r="http://schemas.openxmlformats.org/officeDocument/2006/relationships" xmlns:p="http://schemas.openxmlformats.org/presentationml/2006/main">
   <p:cSld>
     <p:spTree>
@@ -17823,7 +18648,7 @@
 </p:sld>
 </file>
 
-<file path=ppt/slides/slide41.xml><?xml version="1.0" encoding="utf-8"?>
+<file path=ppt/slides/slide43.xml><?xml version="1.0" encoding="utf-8"?>
 <p:sld xmlns:a="http://schemas.openxmlformats.org/drawingml/2006/main" xmlns:r="http://schemas.openxmlformats.org/officeDocument/2006/relationships" xmlns:p="http://schemas.openxmlformats.org/presentationml/2006/main">
   <p:cSld>
     <p:spTree>
@@ -18183,7 +19008,7 @@
 </p:sld>
 </file>
 
-<file path=ppt/slides/slide42.xml><?xml version="1.0" encoding="utf-8"?>
+<file path=ppt/slides/slide44.xml><?xml version="1.0" encoding="utf-8"?>
 <p:sld xmlns:a="http://schemas.openxmlformats.org/drawingml/2006/main" xmlns:r="http://schemas.openxmlformats.org/officeDocument/2006/relationships" xmlns:p="http://schemas.openxmlformats.org/presentationml/2006/main">
   <p:cSld>
     <p:spTree>
@@ -18557,7 +19382,7 @@
 </p:sld>
 </file>
 
-<file path=ppt/slides/slide43.xml><?xml version="1.0" encoding="utf-8"?>
+<file path=ppt/slides/slide45.xml><?xml version="1.0" encoding="utf-8"?>
 <p:sld xmlns:a="http://schemas.openxmlformats.org/drawingml/2006/main" xmlns:r="http://schemas.openxmlformats.org/officeDocument/2006/relationships" xmlns:p="http://schemas.openxmlformats.org/presentationml/2006/main">
   <p:cSld>
     <p:spTree>
@@ -18871,7 +19696,7 @@
 </p:sld>
 </file>
 
-<file path=ppt/slides/slide44.xml><?xml version="1.0" encoding="utf-8"?>
+<file path=ppt/slides/slide46.xml><?xml version="1.0" encoding="utf-8"?>
 <p:sld xmlns:a="http://schemas.openxmlformats.org/drawingml/2006/main" xmlns:r="http://schemas.openxmlformats.org/officeDocument/2006/relationships" xmlns:p="http://schemas.openxmlformats.org/presentationml/2006/main">
   <p:cSld>
     <p:spTree>
@@ -19199,7 +20024,7 @@
 </p:sld>
 </file>
 
-<file path=ppt/slides/slide45.xml><?xml version="1.0" encoding="utf-8"?>
+<file path=ppt/slides/slide47.xml><?xml version="1.0" encoding="utf-8"?>
 <p:sld xmlns:a="http://schemas.openxmlformats.org/drawingml/2006/main" xmlns:r="http://schemas.openxmlformats.org/officeDocument/2006/relationships" xmlns:p="http://schemas.openxmlformats.org/presentationml/2006/main">
   <p:cSld>
     <p:spTree>
@@ -19527,7 +20352,7 @@
 </p:sld>
 </file>
 
-<file path=ppt/slides/slide46.xml><?xml version="1.0" encoding="utf-8"?>
+<file path=ppt/slides/slide48.xml><?xml version="1.0" encoding="utf-8"?>
 <p:sld xmlns:a="http://schemas.openxmlformats.org/drawingml/2006/main" xmlns:r="http://schemas.openxmlformats.org/officeDocument/2006/relationships" xmlns:p="http://schemas.openxmlformats.org/presentationml/2006/main">
   <p:cSld>
     <p:spTree>
@@ -19880,7 +20705,7 @@
 </p:sld>
 </file>
 
-<file path=ppt/slides/slide47.xml><?xml version="1.0" encoding="utf-8"?>
+<file path=ppt/slides/slide49.xml><?xml version="1.0" encoding="utf-8"?>
 <p:sld xmlns:a="http://schemas.openxmlformats.org/drawingml/2006/main" xmlns:r="http://schemas.openxmlformats.org/officeDocument/2006/relationships" xmlns:p="http://schemas.openxmlformats.org/presentationml/2006/main">
   <p:cSld>
     <p:spTree>
@@ -20233,7 +21058,7 @@
 </p:sld>
 </file>
 
-<file path=ppt/slides/slide48.xml><?xml version="1.0" encoding="utf-8"?>
+<file path=ppt/slides/slide5.xml><?xml version="1.0" encoding="utf-8"?>
 <p:sld xmlns:a="http://schemas.openxmlformats.org/drawingml/2006/main" xmlns:r="http://schemas.openxmlformats.org/officeDocument/2006/relationships" xmlns:p="http://schemas.openxmlformats.org/presentationml/2006/main">
   <p:cSld>
     <p:spTree>
@@ -20258,7 +21083,7 @@
         </p:nvSpPr>
         <p:spPr>
           <a:xfrm>
-            <a:off x="1808702" y="824230"/>
+            <a:off x="1706880" y="923544"/>
             <a:ext cx="8778240" cy="5010912"/>
           </a:xfrm>
           <a:prstGeom prst="rect">
@@ -20349,91 +21174,12 @@
           <a:p>
             <a:pPr algn="ctr"/>
             <a:r>
+              <a:rPr lang="en-US" dirty="0" smtClean="0"/>
+              <a:t>June 10, </a:t>
+            </a:r>
+            <a:r>
               <a:rPr lang="en-US" dirty="0"/>
-              <a:t>Jan. 15, 2020</a:t>
-            </a:r>
-          </a:p>
-        </p:txBody>
-      </p:sp>
-      <p:sp>
-        <p:nvSpPr>
-          <p:cNvPr id="9" name="TextBox 8"/>
-          <p:cNvSpPr txBox="1"/>
-          <p:nvPr/>
-        </p:nvSpPr>
-        <p:spPr>
-          <a:xfrm>
-            <a:off x="2318419" y="3043759"/>
-            <a:ext cx="4212906" cy="2585323"/>
-          </a:xfrm>
-          <a:prstGeom prst="rect">
-            <a:avLst/>
-          </a:prstGeom>
-          <a:noFill/>
-        </p:spPr>
-        <p:txBody>
-          <a:bodyPr wrap="square" rtlCol="0">
-            <a:spAutoFit/>
-          </a:bodyPr>
-          <a:lstStyle/>
-          <a:p>
-            <a:pPr algn="ctr"/>
-            <a:r>
-              <a:rPr lang="en-US" dirty="0"/>
-              <a:t>Chapter 1</a:t>
-            </a:r>
-          </a:p>
-          <a:p>
-            <a:pPr algn="ctr"/>
-            <a:r>
-              <a:rPr lang="en-US" b="1" u="sng" dirty="0"/>
-              <a:t>Variable/Scale, Rounding &amp; Summation</a:t>
-            </a:r>
-          </a:p>
-          <a:p>
-            <a:pPr algn="ctr"/>
-            <a:r>
-              <a:rPr lang="en-US" i="1" dirty="0"/>
-              <a:t>Finish discussion</a:t>
-            </a:r>
-          </a:p>
-          <a:p>
-            <a:pPr algn="ctr"/>
-            <a:r>
-              <a:rPr lang="en-US" i="1" dirty="0"/>
-              <a:t>Homework questions</a:t>
-            </a:r>
-          </a:p>
-          <a:p>
-            <a:pPr algn="ctr"/>
-            <a:endParaRPr lang="en-US" i="1" dirty="0"/>
-          </a:p>
-          <a:p>
-            <a:pPr algn="ctr"/>
-            <a:r>
-              <a:rPr lang="en-US" dirty="0"/>
-              <a:t>Chapter 2 </a:t>
-            </a:r>
-          </a:p>
-          <a:p>
-            <a:pPr algn="ctr"/>
-            <a:r>
-              <a:rPr lang="en-US" b="1" u="sng" dirty="0"/>
-              <a:t>Exploring Data with Plots</a:t>
-            </a:r>
-          </a:p>
-          <a:p>
-            <a:pPr algn="ctr"/>
-            <a:r>
-              <a:rPr lang="en-US" i="1" dirty="0"/>
-              <a:t>Lecture slides</a:t>
-            </a:r>
-          </a:p>
-          <a:p>
-            <a:pPr algn="ctr"/>
-            <a:r>
-              <a:rPr lang="en-US" i="1" dirty="0"/>
-              <a:t>Homework questions</a:t>
+              <a:t>2020</a:t>
             </a:r>
           </a:p>
         </p:txBody>
@@ -20573,10 +21319,202 @@
           </a:prstGeom>
         </p:spPr>
       </p:pic>
+      <p:pic>
+        <p:nvPicPr>
+          <p:cNvPr id="13" name="Picture 12" descr="Hello summer illustration vector. with cute summer icon and ...">
+            <a:extLst>
+              <a:ext uri="{FF2B5EF4-FFF2-40B4-BE49-F238E27FC236}">
+                <a16:creationId xmlns:a16="http://schemas.microsoft.com/office/drawing/2014/main" id="{50B5A1E4-2998-48E4-BC77-79D8790DF13F}"/>
+              </a:ext>
+            </a:extLst>
+          </p:cNvPr>
+          <p:cNvPicPr/>
+          <p:nvPr/>
+        </p:nvPicPr>
+        <p:blipFill>
+          <a:blip r:embed="rId6" cstate="print">
+            <a:clrChange>
+              <a:clrFrom>
+                <a:srgbClr val="FFFFFF"/>
+              </a:clrFrom>
+              <a:clrTo>
+                <a:srgbClr val="FFFFFF">
+                  <a:alpha val="0"/>
+                </a:srgbClr>
+              </a:clrTo>
+            </a:clrChange>
+            <a:extLst>
+              <a:ext uri="{28A0092B-C50C-407E-A947-70E740481C1C}">
+                <a14:useLocalDpi xmlns:a14="http://schemas.microsoft.com/office/drawing/2010/main" val="0"/>
+              </a:ext>
+            </a:extLst>
+          </a:blip>
+          <a:srcRect/>
+          <a:stretch>
+            <a:fillRect/>
+          </a:stretch>
+        </p:blipFill>
+        <p:spPr bwMode="auto">
+          <a:xfrm>
+            <a:off x="1784203" y="4158563"/>
+            <a:ext cx="1578867" cy="1406017"/>
+          </a:xfrm>
+          <a:prstGeom prst="rect">
+            <a:avLst/>
+          </a:prstGeom>
+          <a:noFill/>
+          <a:extLst>
+            <a:ext uri="{909E8E84-426E-40DD-AFC4-6F175D3DCCD1}">
+              <a14:hiddenFill xmlns:a14="http://schemas.microsoft.com/office/drawing/2010/main">
+                <a:solidFill>
+                  <a:srgbClr val="FFFFFF"/>
+                </a:solidFill>
+              </a14:hiddenFill>
+            </a:ext>
+          </a:extLst>
+        </p:spPr>
+      </p:pic>
+      <p:pic>
+        <p:nvPicPr>
+          <p:cNvPr id="1028" name="Picture 4" descr="Calendar, schedule, schedule icon icon">
+            <a:extLst>
+              <a:ext uri="{FF2B5EF4-FFF2-40B4-BE49-F238E27FC236}">
+                <a16:creationId xmlns:a16="http://schemas.microsoft.com/office/drawing/2014/main" id="{C17B732E-BA53-4386-9A3E-FF78AABEEECB}"/>
+              </a:ext>
+            </a:extLst>
+          </p:cNvPr>
+          <p:cNvPicPr>
+            <a:picLocks noChangeAspect="1" noChangeArrowheads="1"/>
+          </p:cNvPicPr>
+          <p:nvPr/>
+        </p:nvPicPr>
+        <p:blipFill>
+          <a:blip r:embed="rId7" cstate="print">
+            <a:extLst>
+              <a:ext uri="{28A0092B-C50C-407E-A947-70E740481C1C}">
+                <a14:useLocalDpi xmlns:a14="http://schemas.microsoft.com/office/drawing/2010/main" val="0"/>
+              </a:ext>
+            </a:extLst>
+          </a:blip>
+          <a:srcRect/>
+          <a:stretch>
+            <a:fillRect/>
+          </a:stretch>
+        </p:blipFill>
+        <p:spPr bwMode="auto">
+          <a:xfrm>
+            <a:off x="1944790" y="4668816"/>
+            <a:ext cx="1257692" cy="1257692"/>
+          </a:xfrm>
+          <a:prstGeom prst="rect">
+            <a:avLst/>
+          </a:prstGeom>
+          <a:noFill/>
+          <a:extLst>
+            <a:ext uri="{909E8E84-426E-40DD-AFC4-6F175D3DCCD1}">
+              <a14:hiddenFill xmlns:a14="http://schemas.microsoft.com/office/drawing/2010/main">
+                <a:solidFill>
+                  <a:srgbClr val="FFFFFF"/>
+                </a:solidFill>
+              </a14:hiddenFill>
+            </a:ext>
+          </a:extLst>
+        </p:spPr>
+      </p:pic>
+      <p:sp>
+        <p:nvSpPr>
+          <p:cNvPr id="5" name="TextBox 4">
+            <a:extLst>
+              <a:ext uri="{FF2B5EF4-FFF2-40B4-BE49-F238E27FC236}">
+                <a16:creationId xmlns:a16="http://schemas.microsoft.com/office/drawing/2014/main" id="{803FD3B0-B62F-442A-AC07-BC6B0D20FF53}"/>
+              </a:ext>
+            </a:extLst>
+          </p:cNvPr>
+          <p:cNvSpPr txBox="1"/>
+          <p:nvPr/>
+        </p:nvSpPr>
+        <p:spPr>
+          <a:xfrm>
+            <a:off x="3021210" y="5278932"/>
+            <a:ext cx="2614836" cy="369332"/>
+          </a:xfrm>
+          <a:prstGeom prst="rect">
+            <a:avLst/>
+          </a:prstGeom>
+          <a:noFill/>
+        </p:spPr>
+        <p:txBody>
+          <a:bodyPr wrap="square" rtlCol="0">
+            <a:spAutoFit/>
+          </a:bodyPr>
+          <a:lstStyle/>
+          <a:p>
+            <a:r>
+              <a:rPr lang="en-US" dirty="0"/>
+              <a:t>Day </a:t>
+            </a:r>
+            <a:r>
+              <a:rPr lang="en-US" dirty="0" smtClean="0"/>
+              <a:t>11 </a:t>
+            </a:r>
+            <a:r>
+              <a:rPr lang="en-US" dirty="0"/>
+              <a:t>of 13</a:t>
+            </a:r>
+          </a:p>
+        </p:txBody>
+      </p:sp>
+      <p:sp>
+        <p:nvSpPr>
+          <p:cNvPr id="15" name="TextBox 14"/>
+          <p:cNvSpPr txBox="1"/>
+          <p:nvPr/>
+        </p:nvSpPr>
+        <p:spPr>
+          <a:xfrm>
+            <a:off x="2194757" y="2729254"/>
+            <a:ext cx="5005769" cy="923330"/>
+          </a:xfrm>
+          <a:prstGeom prst="rect">
+            <a:avLst/>
+          </a:prstGeom>
+          <a:noFill/>
+        </p:spPr>
+        <p:txBody>
+          <a:bodyPr wrap="square" rtlCol="0">
+            <a:spAutoFit/>
+          </a:bodyPr>
+          <a:lstStyle/>
+          <a:p>
+            <a:pPr algn="ctr"/>
+            <a:r>
+              <a:rPr lang="en-US" dirty="0"/>
+              <a:t>Chapter </a:t>
+            </a:r>
+            <a:r>
+              <a:rPr lang="en-US" dirty="0" smtClean="0"/>
+              <a:t>15</a:t>
+            </a:r>
+            <a:endParaRPr lang="en-US" dirty="0"/>
+          </a:p>
+          <a:p>
+            <a:pPr algn="ctr"/>
+            <a:r>
+              <a:rPr lang="en-US" b="1" u="sng" dirty="0" smtClean="0"/>
+              <a:t>Repeated Measures ANOVA</a:t>
+            </a:r>
+            <a:endParaRPr lang="en-US" b="1" u="sng" dirty="0"/>
+          </a:p>
+          <a:p>
+            <a:pPr algn="ctr"/>
+            <a:endParaRPr lang="en-US" i="1" dirty="0"/>
+          </a:p>
+        </p:txBody>
+      </p:sp>
     </p:spTree>
     <p:extLst>
       <p:ext uri="{BB962C8B-B14F-4D97-AF65-F5344CB8AC3E}">
-        <p14:creationId xmlns:p14="http://schemas.microsoft.com/office/powerpoint/2010/main" val="3290463226"/>
+        <p14:creationId xmlns:p14="http://schemas.microsoft.com/office/powerpoint/2010/main" val="2170102903"/>
       </p:ext>
     </p:extLst>
   </p:cSld>
@@ -20586,7 +21524,7 @@
 </p:sld>
 </file>
 
-<file path=ppt/slides/slide49.xml><?xml version="1.0" encoding="utf-8"?>
+<file path=ppt/slides/slide50.xml><?xml version="1.0" encoding="utf-8"?>
 <p:sld xmlns:a="http://schemas.openxmlformats.org/drawingml/2006/main" xmlns:r="http://schemas.openxmlformats.org/officeDocument/2006/relationships" xmlns:p="http://schemas.openxmlformats.org/presentationml/2006/main">
   <p:cSld>
     <p:spTree>
@@ -20603,51 +21541,26 @@
           <a:chExt cx="0" cy="0"/>
         </a:xfrm>
       </p:grpSpPr>
-      <p:pic>
-        <p:nvPicPr>
-          <p:cNvPr id="2" name="Picture 1"/>
-          <p:cNvPicPr>
-            <a:picLocks noChangeAspect="1"/>
-          </p:cNvPicPr>
-          <p:nvPr/>
-        </p:nvPicPr>
-        <p:blipFill>
-          <a:blip r:embed="rId2" cstate="print">
-            <a:extLst>
-              <a:ext uri="{28A0092B-C50C-407E-A947-70E740481C1C}">
-                <a14:useLocalDpi xmlns:a14="http://schemas.microsoft.com/office/drawing/2010/main" val="0"/>
-              </a:ext>
-            </a:extLst>
-          </a:blip>
-          <a:stretch>
-            <a:fillRect/>
-          </a:stretch>
-        </p:blipFill>
-        <p:spPr>
-          <a:xfrm>
-            <a:off x="5306566" y="2514598"/>
-            <a:ext cx="1578867" cy="1828804"/>
-          </a:xfrm>
-          <a:prstGeom prst="rect">
-            <a:avLst/>
-          </a:prstGeom>
-        </p:spPr>
-      </p:pic>
-      <p:sp>
-        <p:nvSpPr>
-          <p:cNvPr id="3" name="Rectangle 2"/>
+      <p:sp>
+        <p:nvSpPr>
+          <p:cNvPr id="4" name="Rectangle 3"/>
           <p:cNvSpPr/>
           <p:nvPr/>
         </p:nvSpPr>
         <p:spPr>
           <a:xfrm>
-            <a:off x="5054138" y="2394066"/>
-            <a:ext cx="2094807" cy="2078182"/>
-          </a:xfrm>
-          <a:prstGeom prst="rect">
-            <a:avLst/>
-          </a:prstGeom>
-          <a:noFill/>
+            <a:off x="1808702" y="824230"/>
+            <a:ext cx="8778240" cy="5010912"/>
+          </a:xfrm>
+          <a:prstGeom prst="rect">
+            <a:avLst/>
+          </a:prstGeom>
+          <a:solidFill>
+            <a:schemeClr val="bg1">
+              <a:lumMod val="95000"/>
+            </a:schemeClr>
+          </a:solidFill>
+          <a:ln w="38100"/>
         </p:spPr>
         <p:style>
           <a:lnRef idx="2">
@@ -20674,82 +21587,6 @@
           </a:p>
         </p:txBody>
       </p:sp>
-    </p:spTree>
-    <p:extLst>
-      <p:ext uri="{BB962C8B-B14F-4D97-AF65-F5344CB8AC3E}">
-        <p14:creationId xmlns:p14="http://schemas.microsoft.com/office/powerpoint/2010/main" val="2048573925"/>
-      </p:ext>
-    </p:extLst>
-  </p:cSld>
-  <p:clrMapOvr>
-    <a:masterClrMapping/>
-  </p:clrMapOvr>
-</p:sld>
-</file>
-
-<file path=ppt/slides/slide5.xml><?xml version="1.0" encoding="utf-8"?>
-<p:sld xmlns:a="http://schemas.openxmlformats.org/drawingml/2006/main" xmlns:r="http://schemas.openxmlformats.org/officeDocument/2006/relationships" xmlns:p="http://schemas.openxmlformats.org/presentationml/2006/main">
-  <p:cSld>
-    <p:spTree>
-      <p:nvGrpSpPr>
-        <p:cNvPr id="1" name=""/>
-        <p:cNvGrpSpPr/>
-        <p:nvPr/>
-      </p:nvGrpSpPr>
-      <p:grpSpPr>
-        <a:xfrm>
-          <a:off x="0" y="0"/>
-          <a:ext cx="0" cy="0"/>
-          <a:chOff x="0" y="0"/>
-          <a:chExt cx="0" cy="0"/>
-        </a:xfrm>
-      </p:grpSpPr>
-      <p:sp>
-        <p:nvSpPr>
-          <p:cNvPr id="4" name="Rectangle 3"/>
-          <p:cNvSpPr/>
-          <p:nvPr/>
-        </p:nvSpPr>
-        <p:spPr>
-          <a:xfrm>
-            <a:off x="1706880" y="923544"/>
-            <a:ext cx="8778240" cy="5010912"/>
-          </a:xfrm>
-          <a:prstGeom prst="rect">
-            <a:avLst/>
-          </a:prstGeom>
-          <a:solidFill>
-            <a:schemeClr val="bg1">
-              <a:lumMod val="95000"/>
-            </a:schemeClr>
-          </a:solidFill>
-          <a:ln w="38100"/>
-        </p:spPr>
-        <p:style>
-          <a:lnRef idx="2">
-            <a:schemeClr val="accent1">
-              <a:shade val="50000"/>
-            </a:schemeClr>
-          </a:lnRef>
-          <a:fillRef idx="1">
-            <a:schemeClr val="accent1"/>
-          </a:fillRef>
-          <a:effectRef idx="0">
-            <a:schemeClr val="accent1"/>
-          </a:effectRef>
-          <a:fontRef idx="minor">
-            <a:schemeClr val="lt1"/>
-          </a:fontRef>
-        </p:style>
-        <p:txBody>
-          <a:bodyPr rtlCol="0" anchor="ctr"/>
-          <a:lstStyle/>
-          <a:p>
-            <a:pPr algn="ctr"/>
-            <a:endParaRPr lang="en-US"/>
-          </a:p>
-        </p:txBody>
-      </p:sp>
       <p:sp>
         <p:nvSpPr>
           <p:cNvPr id="7" name="TextBox 6"/>
@@ -20803,16 +21640,91 @@
           <a:p>
             <a:pPr algn="ctr"/>
             <a:r>
-              <a:rPr lang="en-US" dirty="0" smtClean="0"/>
-              <a:t>June</a:t>
-            </a:r>
-            <a:r>
-              <a:rPr lang="en-US" dirty="0" smtClean="0"/>
-              <a:t> 3, </a:t>
-            </a:r>
-            <a:r>
               <a:rPr lang="en-US" dirty="0"/>
-              <a:t>2020</a:t>
+              <a:t>Jan. 15, 2020</a:t>
+            </a:r>
+          </a:p>
+        </p:txBody>
+      </p:sp>
+      <p:sp>
+        <p:nvSpPr>
+          <p:cNvPr id="9" name="TextBox 8"/>
+          <p:cNvSpPr txBox="1"/>
+          <p:nvPr/>
+        </p:nvSpPr>
+        <p:spPr>
+          <a:xfrm>
+            <a:off x="2318419" y="3043759"/>
+            <a:ext cx="4212906" cy="2585323"/>
+          </a:xfrm>
+          <a:prstGeom prst="rect">
+            <a:avLst/>
+          </a:prstGeom>
+          <a:noFill/>
+        </p:spPr>
+        <p:txBody>
+          <a:bodyPr wrap="square" rtlCol="0">
+            <a:spAutoFit/>
+          </a:bodyPr>
+          <a:lstStyle/>
+          <a:p>
+            <a:pPr algn="ctr"/>
+            <a:r>
+              <a:rPr lang="en-US" dirty="0"/>
+              <a:t>Chapter 1</a:t>
+            </a:r>
+          </a:p>
+          <a:p>
+            <a:pPr algn="ctr"/>
+            <a:r>
+              <a:rPr lang="en-US" b="1" u="sng" dirty="0"/>
+              <a:t>Variable/Scale, Rounding &amp; Summation</a:t>
+            </a:r>
+          </a:p>
+          <a:p>
+            <a:pPr algn="ctr"/>
+            <a: